--- a/manual/앨리스_매뉴얼_작업중.pptx
+++ b/manual/앨리스_매뉴얼_작업중.pptx
@@ -5,10 +5,10 @@
     <p:sldMasterId id="2147483660" r:id="rId1"/>
   </p:sldMasterIdLst>
   <p:notesMasterIdLst>
-    <p:notesMasterId r:id="rId27"/>
+    <p:notesMasterId r:id="rId31"/>
   </p:notesMasterIdLst>
   <p:handoutMasterIdLst>
-    <p:handoutMasterId r:id="rId28"/>
+    <p:handoutMasterId r:id="rId32"/>
   </p:handoutMasterIdLst>
   <p:sldIdLst>
     <p:sldId id="400" r:id="rId2"/>
@@ -28,14 +28,18 @@
     <p:sldId id="422" r:id="rId16"/>
     <p:sldId id="423" r:id="rId17"/>
     <p:sldId id="426" r:id="rId18"/>
-    <p:sldId id="409" r:id="rId19"/>
-    <p:sldId id="411" r:id="rId20"/>
-    <p:sldId id="412" r:id="rId21"/>
-    <p:sldId id="413" r:id="rId22"/>
-    <p:sldId id="414" r:id="rId23"/>
-    <p:sldId id="425" r:id="rId24"/>
-    <p:sldId id="427" r:id="rId25"/>
-    <p:sldId id="428" r:id="rId26"/>
+    <p:sldId id="413" r:id="rId19"/>
+    <p:sldId id="414" r:id="rId20"/>
+    <p:sldId id="425" r:id="rId21"/>
+    <p:sldId id="427" r:id="rId22"/>
+    <p:sldId id="428" r:id="rId23"/>
+    <p:sldId id="433" r:id="rId24"/>
+    <p:sldId id="434" r:id="rId25"/>
+    <p:sldId id="435" r:id="rId26"/>
+    <p:sldId id="429" r:id="rId27"/>
+    <p:sldId id="430" r:id="rId28"/>
+    <p:sldId id="431" r:id="rId29"/>
+    <p:sldId id="432" r:id="rId30"/>
   </p:sldIdLst>
   <p:sldSz cx="9906000" cy="6858000" type="A4"/>
   <p:notesSz cx="9939338" cy="6807200"/>
@@ -276,7 +280,7 @@
               <a:pPr>
                 <a:defRPr/>
               </a:pPr>
-              <a:t>2017-02-14</a:t>
+              <a:t>2017-02-15</a:t>
             </a:fld>
             <a:endParaRPr lang="ko-KR" altLang="en-US"/>
           </a:p>
@@ -490,7 +494,7 @@
               <a:pPr>
                 <a:defRPr/>
               </a:pPr>
-              <a:t>2017-02-14</a:t>
+              <a:t>2017-02-15</a:t>
             </a:fld>
             <a:endParaRPr lang="ko-KR" altLang="en-US"/>
           </a:p>
@@ -1027,7 +1031,7 @@
               <a:pPr>
                 <a:defRPr/>
               </a:pPr>
-              <a:t>2017-02-14</a:t>
+              <a:t>2017-02-15</a:t>
             </a:fld>
             <a:endParaRPr lang="ko-KR" altLang="en-US"/>
           </a:p>
@@ -1269,7 +1273,7 @@
               <a:pPr>
                 <a:defRPr/>
               </a:pPr>
-              <a:t>2017-02-14</a:t>
+              <a:t>2017-02-15</a:t>
             </a:fld>
             <a:endParaRPr lang="ko-KR" altLang="en-US"/>
           </a:p>
@@ -1577,7 +1581,7 @@
               <a:pPr>
                 <a:defRPr/>
               </a:pPr>
-              <a:t>2017-02-14</a:t>
+              <a:t>2017-02-15</a:t>
             </a:fld>
             <a:endParaRPr lang="ko-KR" altLang="en-US"/>
           </a:p>
@@ -1935,7 +1939,7 @@
               <a:pPr>
                 <a:defRPr/>
               </a:pPr>
-              <a:t>2017-02-14</a:t>
+              <a:t>2017-02-15</a:t>
             </a:fld>
             <a:endParaRPr lang="ko-KR" altLang="en-US"/>
           </a:p>
@@ -2433,7 +2437,7 @@
               <a:pPr>
                 <a:defRPr/>
               </a:pPr>
-              <a:t>2017-02-14</a:t>
+              <a:t>2017-02-15</a:t>
             </a:fld>
             <a:endParaRPr lang="ko-KR" altLang="en-US"/>
           </a:p>
@@ -2615,7 +2619,7 @@
               <a:pPr>
                 <a:defRPr/>
               </a:pPr>
-              <a:t>2017-02-14</a:t>
+              <a:t>2017-02-15</a:t>
             </a:fld>
             <a:endParaRPr lang="ko-KR" altLang="en-US"/>
           </a:p>
@@ -2766,7 +2770,7 @@
               <a:pPr>
                 <a:defRPr/>
               </a:pPr>
-              <a:t>2017-02-14</a:t>
+              <a:t>2017-02-15</a:t>
             </a:fld>
             <a:endParaRPr lang="ko-KR" altLang="en-US"/>
           </a:p>
@@ -3108,7 +3112,7 @@
               <a:pPr>
                 <a:defRPr/>
               </a:pPr>
-              <a:t>2017-02-14</a:t>
+              <a:t>2017-02-15</a:t>
             </a:fld>
             <a:endParaRPr lang="ko-KR" altLang="en-US"/>
           </a:p>
@@ -3427,7 +3431,7 @@
               <a:pPr>
                 <a:defRPr/>
               </a:pPr>
-              <a:t>2017-02-14</a:t>
+              <a:t>2017-02-15</a:t>
             </a:fld>
             <a:endParaRPr lang="ko-KR" altLang="en-US"/>
           </a:p>
@@ -13680,9 +13684,192 @@
           <a:chExt cx="0" cy="0"/>
         </a:xfrm>
       </p:grpSpPr>
+      <p:sp>
+        <p:nvSpPr>
+          <p:cNvPr id="5" name="직사각형 4"/>
+          <p:cNvSpPr/>
+          <p:nvPr/>
+        </p:nvSpPr>
+        <p:spPr>
+          <a:xfrm flipH="1">
+            <a:off x="0" y="0"/>
+            <a:ext cx="9906000" cy="6858000"/>
+          </a:xfrm>
+          <a:prstGeom prst="rect">
+            <a:avLst/>
+          </a:prstGeom>
+          <a:solidFill>
+            <a:srgbClr val="BED395"/>
+          </a:solidFill>
+          <a:ln>
+            <a:noFill/>
+          </a:ln>
+        </p:spPr>
+        <p:style>
+          <a:lnRef idx="2">
+            <a:schemeClr val="accent1">
+              <a:shade val="50000"/>
+            </a:schemeClr>
+          </a:lnRef>
+          <a:fillRef idx="1">
+            <a:schemeClr val="accent1"/>
+          </a:fillRef>
+          <a:effectRef idx="0">
+            <a:schemeClr val="accent1"/>
+          </a:effectRef>
+          <a:fontRef idx="minor">
+            <a:schemeClr val="lt1"/>
+          </a:fontRef>
+        </p:style>
+        <p:txBody>
+          <a:bodyPr anchor="ctr"/>
+          <a:lstStyle/>
+          <a:p>
+            <a:pPr algn="ctr" fontAlgn="auto">
+              <a:spcBef>
+                <a:spcPts val="0"/>
+              </a:spcBef>
+              <a:spcAft>
+                <a:spcPts val="0"/>
+              </a:spcAft>
+              <a:defRPr/>
+            </a:pPr>
+            <a:endParaRPr kumimoji="0" lang="ko-KR" altLang="en-US"/>
+          </a:p>
+        </p:txBody>
+      </p:sp>
+      <p:sp>
+        <p:nvSpPr>
+          <p:cNvPr id="25603" name="TextBox 13"/>
+          <p:cNvSpPr txBox="1">
+            <a:spLocks noChangeArrowheads="1"/>
+          </p:cNvSpPr>
+          <p:nvPr/>
+        </p:nvSpPr>
+        <p:spPr bwMode="auto">
+          <a:xfrm>
+            <a:off x="3440113" y="2636838"/>
+            <a:ext cx="1757212" cy="923330"/>
+          </a:xfrm>
+          <a:prstGeom prst="rect">
+            <a:avLst/>
+          </a:prstGeom>
+          <a:noFill/>
+          <a:ln w="9525">
+            <a:noFill/>
+            <a:miter lim="800000"/>
+            <a:headEnd/>
+            <a:tailEnd/>
+          </a:ln>
+        </p:spPr>
+        <p:txBody>
+          <a:bodyPr wrap="none">
+            <a:spAutoFit/>
+          </a:bodyPr>
+          <a:lstStyle/>
+          <a:p>
+            <a:pPr marL="457200" indent="-457200">
+              <a:lnSpc>
+                <a:spcPct val="150000"/>
+              </a:lnSpc>
+            </a:pPr>
+            <a:r>
+              <a:rPr kumimoji="0" lang="en-US" altLang="ko-KR" sz="3600" b="1" dirty="0" smtClean="0">
+                <a:solidFill>
+                  <a:schemeClr val="bg1"/>
+                </a:solidFill>
+                <a:latin typeface="나눔고딕OTF" pitchFamily="34" charset="-127"/>
+                <a:ea typeface="나눔고딕OTF" pitchFamily="34" charset="-127"/>
+              </a:rPr>
+              <a:t>Ⅲ. </a:t>
+            </a:r>
+            <a:r>
+              <a:rPr kumimoji="0" lang="ko-KR" altLang="en-US" sz="3600" b="1" dirty="0">
+                <a:solidFill>
+                  <a:schemeClr val="bg1"/>
+                </a:solidFill>
+                <a:latin typeface="나눔고딕OTF" pitchFamily="34" charset="-127"/>
+                <a:ea typeface="나눔고딕OTF" pitchFamily="34" charset="-127"/>
+              </a:rPr>
+              <a:t>예약</a:t>
+            </a:r>
+            <a:endParaRPr kumimoji="0" lang="en-US" altLang="ko-KR" sz="3600" dirty="0">
+              <a:solidFill>
+                <a:schemeClr val="bg1"/>
+              </a:solidFill>
+              <a:latin typeface="나눔고딕OTF" pitchFamily="34" charset="-127"/>
+              <a:ea typeface="나눔고딕OTF" pitchFamily="34" charset="-127"/>
+            </a:endParaRPr>
+          </a:p>
+        </p:txBody>
+      </p:sp>
       <p:pic>
         <p:nvPicPr>
-          <p:cNvPr id="22530" name="Picture 8"/>
+          <p:cNvPr id="25604" name="그림 7" descr="앨리스화면.png"/>
+          <p:cNvPicPr>
+            <a:picLocks noChangeAspect="1"/>
+          </p:cNvPicPr>
+          <p:nvPr/>
+        </p:nvPicPr>
+        <p:blipFill>
+          <a:blip r:embed="rId2"/>
+          <a:srcRect l="13019" t="12311" r="2361" b="5617"/>
+          <a:stretch>
+            <a:fillRect/>
+          </a:stretch>
+        </p:blipFill>
+        <p:spPr bwMode="auto">
+          <a:xfrm>
+            <a:off x="1639888" y="2708275"/>
+            <a:ext cx="1944687" cy="996950"/>
+          </a:xfrm>
+          <a:prstGeom prst="rect">
+            <a:avLst/>
+          </a:prstGeom>
+          <a:noFill/>
+          <a:ln w="9525">
+            <a:noFill/>
+            <a:miter lim="800000"/>
+            <a:headEnd/>
+            <a:tailEnd/>
+          </a:ln>
+        </p:spPr>
+      </p:pic>
+    </p:spTree>
+  </p:cSld>
+  <p:clrMapOvr>
+    <a:masterClrMapping/>
+  </p:clrMapOvr>
+  <p:timing>
+    <p:tnLst>
+      <p:par>
+        <p:cTn id="1" dur="indefinite" restart="never" nodeType="tmRoot"/>
+      </p:par>
+    </p:tnLst>
+  </p:timing>
+</p:sld>
+</file>
+
+<file path=ppt/slides/slide19.xml><?xml version="1.0" encoding="utf-8"?>
+<p:sld xmlns:a="http://schemas.openxmlformats.org/drawingml/2006/main" xmlns:r="http://schemas.openxmlformats.org/officeDocument/2006/relationships" xmlns:p="http://schemas.openxmlformats.org/presentationml/2006/main">
+  <p:cSld>
+    <p:spTree>
+      <p:nvGrpSpPr>
+        <p:cNvPr id="1" name=""/>
+        <p:cNvGrpSpPr/>
+        <p:nvPr/>
+      </p:nvGrpSpPr>
+      <p:grpSpPr>
+        <a:xfrm>
+          <a:off x="0" y="0"/>
+          <a:ext cx="0" cy="0"/>
+          <a:chOff x="0" y="0"/>
+          <a:chExt cx="0" cy="0"/>
+        </a:xfrm>
+      </p:grpSpPr>
+      <p:pic>
+        <p:nvPicPr>
+          <p:cNvPr id="26626" name="Picture 2"/>
           <p:cNvPicPr>
             <a:picLocks noChangeAspect="1" noChangeArrowheads="1"/>
           </p:cNvPicPr>
@@ -13690,15 +13877,14 @@
         </p:nvPicPr>
         <p:blipFill>
           <a:blip r:embed="rId2"/>
-          <a:srcRect/>
           <a:stretch>
             <a:fillRect/>
           </a:stretch>
         </p:blipFill>
         <p:spPr bwMode="auto">
           <a:xfrm>
-            <a:off x="595313" y="1500188"/>
-            <a:ext cx="5949950" cy="4714875"/>
+            <a:off x="1606892" y="1357313"/>
+            <a:ext cx="6685865" cy="4929187"/>
           </a:xfrm>
           <a:prstGeom prst="rect">
             <a:avLst/>
@@ -13753,14 +13939,14 @@
                 <a:latin typeface="나눔고딕OTF ExtraBold" pitchFamily="34" charset="-127"/>
                 <a:ea typeface="나눔고딕OTF ExtraBold" pitchFamily="34" charset="-127"/>
               </a:rPr>
-              <a:t>수납</a:t>
+              <a:t>예약</a:t>
             </a:r>
           </a:p>
         </p:txBody>
       </p:sp>
       <p:sp>
         <p:nvSpPr>
-          <p:cNvPr id="22532" name="TextBox 4"/>
+          <p:cNvPr id="26628" name="TextBox 4"/>
           <p:cNvSpPr txBox="1">
             <a:spLocks noChangeArrowheads="1"/>
           </p:cNvSpPr>
@@ -13800,21 +13986,21 @@
                 <a:latin typeface="나눔고딕OTF" pitchFamily="34" charset="-127"/>
                 <a:ea typeface="나눔고딕OTF" pitchFamily="34" charset="-127"/>
               </a:rPr>
-              <a:t>접수 화면</a:t>
+              <a:t>메인 화면</a:t>
             </a:r>
           </a:p>
         </p:txBody>
       </p:sp>
       <p:sp>
         <p:nvSpPr>
-          <p:cNvPr id="11" name="직사각형 10"/>
+          <p:cNvPr id="13" name="직사각형 12"/>
           <p:cNvSpPr/>
           <p:nvPr/>
         </p:nvSpPr>
         <p:spPr>
           <a:xfrm>
-            <a:off x="611188" y="2627313"/>
-            <a:ext cx="1484312" cy="3516312"/>
+            <a:off x="1524000" y="1500188"/>
+            <a:ext cx="1285860" cy="714366"/>
           </a:xfrm>
           <a:prstGeom prst="rect">
             <a:avLst/>
@@ -13864,69 +14050,7 @@
       </p:sp>
       <p:sp>
         <p:nvSpPr>
-          <p:cNvPr id="12" name="타원 11"/>
-          <p:cNvSpPr/>
-          <p:nvPr/>
-        </p:nvSpPr>
-        <p:spPr>
-          <a:xfrm>
-            <a:off x="468313" y="2413000"/>
-            <a:ext cx="285750" cy="285750"/>
-          </a:xfrm>
-          <a:prstGeom prst="ellipse">
-            <a:avLst/>
-          </a:prstGeom>
-          <a:solidFill>
-            <a:schemeClr val="bg1"/>
-          </a:solidFill>
-          <a:ln>
-            <a:solidFill>
-              <a:srgbClr val="FF0000"/>
-            </a:solidFill>
-          </a:ln>
-        </p:spPr>
-        <p:style>
-          <a:lnRef idx="2">
-            <a:schemeClr val="accent1">
-              <a:shade val="50000"/>
-            </a:schemeClr>
-          </a:lnRef>
-          <a:fillRef idx="1">
-            <a:schemeClr val="accent1"/>
-          </a:fillRef>
-          <a:effectRef idx="0">
-            <a:schemeClr val="accent1"/>
-          </a:effectRef>
-          <a:fontRef idx="minor">
-            <a:schemeClr val="lt1"/>
-          </a:fontRef>
-        </p:style>
-        <p:txBody>
-          <a:bodyPr anchor="ctr"/>
-          <a:lstStyle/>
-          <a:p>
-            <a:pPr algn="ctr">
-              <a:defRPr/>
-            </a:pPr>
-            <a:r>
-              <a:rPr lang="en-US" altLang="ko-KR" sz="1600" dirty="0">
-                <a:solidFill>
-                  <a:schemeClr val="tx1"/>
-                </a:solidFill>
-              </a:rPr>
-              <a:t>5</a:t>
-            </a:r>
-            <a:endParaRPr lang="ko-KR" altLang="en-US" sz="1600" dirty="0">
-              <a:solidFill>
-                <a:schemeClr val="tx1"/>
-              </a:solidFill>
-            </a:endParaRPr>
-          </a:p>
-        </p:txBody>
-      </p:sp>
-      <p:sp>
-        <p:nvSpPr>
-          <p:cNvPr id="22535" name="TextBox 4"/>
+          <p:cNvPr id="26630" name="TextBox 59"/>
           <p:cNvSpPr txBox="1">
             <a:spLocks noChangeArrowheads="1"/>
           </p:cNvSpPr>
@@ -13934,8 +14058,8 @@
         </p:nvSpPr>
         <p:spPr bwMode="auto">
           <a:xfrm>
-            <a:off x="6524625" y="1593850"/>
-            <a:ext cx="3108325" cy="3970338"/>
+            <a:off x="415925" y="1052513"/>
+            <a:ext cx="4965700" cy="276225"/>
           </a:xfrm>
           <a:prstGeom prst="rect">
             <a:avLst/>
@@ -13954,788 +14078,58 @@
           </a:bodyPr>
           <a:lstStyle/>
           <a:p>
-            <a:pPr marL="228600" indent="-228600">
-              <a:lnSpc>
-                <a:spcPct val="120000"/>
-              </a:lnSpc>
-              <a:buFontTx/>
-              <a:buAutoNum type="arabicParenR"/>
-            </a:pPr>
-            <a:r>
-              <a:rPr kumimoji="0" lang="ko-KR" altLang="en-US" sz="1000" b="1">
-                <a:latin typeface="나눔고딕OTF" pitchFamily="34" charset="-127"/>
-                <a:ea typeface="나눔고딕OTF" pitchFamily="34" charset="-127"/>
-              </a:rPr>
-              <a:t>선 수납</a:t>
-            </a:r>
-            <a:endParaRPr kumimoji="0" lang="en-US" altLang="ko-KR" sz="1000" b="1">
-              <a:latin typeface="나눔고딕OTF" pitchFamily="34" charset="-127"/>
-              <a:ea typeface="나눔고딕OTF" pitchFamily="34" charset="-127"/>
-            </a:endParaRPr>
-          </a:p>
-          <a:p>
-            <a:pPr marL="228600" indent="-228600">
-              <a:lnSpc>
-                <a:spcPct val="120000"/>
-              </a:lnSpc>
-            </a:pPr>
-            <a:r>
-              <a:rPr kumimoji="0" lang="en-US" altLang="ko-KR" sz="1000" b="1">
-                <a:latin typeface="나눔고딕OTF" pitchFamily="34" charset="-127"/>
-                <a:ea typeface="나눔고딕OTF" pitchFamily="34" charset="-127"/>
-              </a:rPr>
-              <a:t>   </a:t>
-            </a:r>
-            <a:r>
-              <a:rPr kumimoji="0" lang="en-US" altLang="ko-KR" sz="1000">
-                <a:latin typeface="나눔고딕OTF" pitchFamily="34" charset="-127"/>
-                <a:ea typeface="나눔고딕OTF" pitchFamily="34" charset="-127"/>
-              </a:rPr>
-              <a:t>- </a:t>
-            </a:r>
-            <a:r>
-              <a:rPr kumimoji="0" lang="ko-KR" altLang="en-US" sz="1000">
-                <a:latin typeface="나눔고딕OTF" pitchFamily="34" charset="-127"/>
-                <a:ea typeface="나눔고딕OTF" pitchFamily="34" charset="-127"/>
-              </a:rPr>
-              <a:t>접수 저장</a:t>
-            </a:r>
-            <a:r>
-              <a:rPr kumimoji="0" lang="en-US" altLang="ko-KR" sz="1000">
-                <a:latin typeface="나눔고딕OTF" pitchFamily="34" charset="-127"/>
-                <a:ea typeface="나눔고딕OTF" pitchFamily="34" charset="-127"/>
-              </a:rPr>
-              <a:t>(F2)</a:t>
-            </a:r>
-            <a:r>
-              <a:rPr kumimoji="0" lang="ko-KR" altLang="en-US" sz="1000">
-                <a:latin typeface="나눔고딕OTF" pitchFamily="34" charset="-127"/>
-                <a:ea typeface="나눔고딕OTF" pitchFamily="34" charset="-127"/>
-              </a:rPr>
-              <a:t>를 완료하면</a:t>
-            </a:r>
-            <a:r>
-              <a:rPr kumimoji="0" lang="en-US" altLang="ko-KR" sz="1000">
+            <a:r>
+              <a:rPr kumimoji="0" lang="en-US" altLang="ko-KR" sz="1200" dirty="0">
+                <a:latin typeface="나눔고딕OTF" pitchFamily="34" charset="-127"/>
+                <a:ea typeface="나눔고딕OTF" pitchFamily="34" charset="-127"/>
+              </a:rPr>
+              <a:t> - </a:t>
+            </a:r>
+            <a:r>
+              <a:rPr kumimoji="0" lang="ko-KR" altLang="en-US" sz="1200" dirty="0">
+                <a:latin typeface="나눔고딕OTF" pitchFamily="34" charset="-127"/>
+                <a:ea typeface="나눔고딕OTF" pitchFamily="34" charset="-127"/>
+              </a:rPr>
+              <a:t>예약관리 </a:t>
+            </a:r>
+            <a:r>
+              <a:rPr kumimoji="0" lang="en-US" altLang="ko-KR" sz="1200" dirty="0" smtClean="0">
+                <a:latin typeface="나눔고딕OTF" pitchFamily="34" charset="-127"/>
+                <a:ea typeface="나눔고딕OTF" pitchFamily="34" charset="-127"/>
+                <a:sym typeface="Wingdings" pitchFamily="2" charset="2"/>
+              </a:rPr>
+              <a:t> </a:t>
+            </a:r>
+            <a:r>
+              <a:rPr kumimoji="0" lang="ko-KR" altLang="en-US" sz="1200" dirty="0" smtClean="0">
+                <a:latin typeface="나눔고딕OTF" pitchFamily="34" charset="-127"/>
+                <a:ea typeface="나눔고딕OTF" pitchFamily="34" charset="-127"/>
+              </a:rPr>
+              <a:t>검진예약 </a:t>
+            </a:r>
+            <a:r>
+              <a:rPr kumimoji="0" lang="ko-KR" altLang="en-US" sz="1200" dirty="0">
+                <a:latin typeface="나눔고딕OTF" pitchFamily="34" charset="-127"/>
+                <a:ea typeface="나눔고딕OTF" pitchFamily="34" charset="-127"/>
+              </a:rPr>
+              <a:t>버튼을 클릭하면</a:t>
+            </a:r>
+            <a:r>
+              <a:rPr kumimoji="0" lang="en-US" altLang="ko-KR" sz="1200" dirty="0">
                 <a:latin typeface="나눔고딕OTF" pitchFamily="34" charset="-127"/>
                 <a:ea typeface="나눔고딕OTF" pitchFamily="34" charset="-127"/>
               </a:rPr>
               <a:t>, </a:t>
             </a:r>
             <a:r>
-              <a:rPr kumimoji="0" lang="ko-KR" altLang="en-US" sz="1000">
-                <a:latin typeface="나눔고딕OTF" pitchFamily="34" charset="-127"/>
-                <a:ea typeface="나눔고딕OTF" pitchFamily="34" charset="-127"/>
-              </a:rPr>
-              <a:t>해당 인원은 왼쪽</a:t>
-            </a:r>
-            <a:r>
-              <a:rPr kumimoji="0" lang="en-US" altLang="ko-KR" sz="1000">
-                <a:latin typeface="나눔고딕OTF" pitchFamily="34" charset="-127"/>
-                <a:ea typeface="나눔고딕OTF" pitchFamily="34" charset="-127"/>
-              </a:rPr>
-              <a:t>(5</a:t>
-            </a:r>
-            <a:r>
-              <a:rPr kumimoji="0" lang="ko-KR" altLang="en-US" sz="1000">
-                <a:latin typeface="나눔고딕OTF" pitchFamily="34" charset="-127"/>
-                <a:ea typeface="나눔고딕OTF" pitchFamily="34" charset="-127"/>
-              </a:rPr>
-              <a:t>번</a:t>
-            </a:r>
-            <a:r>
-              <a:rPr kumimoji="0" lang="en-US" altLang="ko-KR" sz="1000">
-                <a:latin typeface="나눔고딕OTF" pitchFamily="34" charset="-127"/>
-                <a:ea typeface="나눔고딕OTF" pitchFamily="34" charset="-127"/>
-              </a:rPr>
-              <a:t>) </a:t>
-            </a:r>
-            <a:r>
-              <a:rPr kumimoji="0" lang="ko-KR" altLang="en-US" sz="1000">
-                <a:latin typeface="나눔고딕OTF" pitchFamily="34" charset="-127"/>
-                <a:ea typeface="나눔고딕OTF" pitchFamily="34" charset="-127"/>
-              </a:rPr>
-              <a:t>화면으로 이동하고</a:t>
-            </a:r>
-            <a:r>
-              <a:rPr kumimoji="0" lang="en-US" altLang="ko-KR" sz="1000">
-                <a:latin typeface="나눔고딕OTF" pitchFamily="34" charset="-127"/>
-                <a:ea typeface="나눔고딕OTF" pitchFamily="34" charset="-127"/>
-              </a:rPr>
-              <a:t>, </a:t>
-            </a:r>
-            <a:r>
-              <a:rPr kumimoji="0" lang="ko-KR" altLang="en-US" sz="1000">
-                <a:latin typeface="나눔고딕OTF" pitchFamily="34" charset="-127"/>
-                <a:ea typeface="나눔고딕OTF" pitchFamily="34" charset="-127"/>
-              </a:rPr>
-              <a:t>수납업무를 진행할 수</a:t>
-            </a:r>
-            <a:endParaRPr kumimoji="0" lang="en-US" altLang="ko-KR" sz="1000">
-              <a:latin typeface="나눔고딕OTF" pitchFamily="34" charset="-127"/>
-              <a:ea typeface="나눔고딕OTF" pitchFamily="34" charset="-127"/>
-            </a:endParaRPr>
-          </a:p>
-          <a:p>
-            <a:pPr marL="228600" indent="-228600">
-              <a:lnSpc>
-                <a:spcPct val="120000"/>
-              </a:lnSpc>
-            </a:pPr>
-            <a:r>
-              <a:rPr kumimoji="0" lang="en-US" altLang="ko-KR" sz="1000">
-                <a:latin typeface="나눔고딕OTF" pitchFamily="34" charset="-127"/>
-                <a:ea typeface="나눔고딕OTF" pitchFamily="34" charset="-127"/>
-              </a:rPr>
-              <a:t>	</a:t>
-            </a:r>
-            <a:r>
-              <a:rPr kumimoji="0" lang="ko-KR" altLang="en-US" sz="1000">
-                <a:latin typeface="나눔고딕OTF" pitchFamily="34" charset="-127"/>
-                <a:ea typeface="나눔고딕OTF" pitchFamily="34" charset="-127"/>
-              </a:rPr>
-              <a:t>있습니다</a:t>
-            </a:r>
-            <a:r>
-              <a:rPr kumimoji="0" lang="en-US" altLang="ko-KR" sz="1000">
-                <a:latin typeface="나눔고딕OTF" pitchFamily="34" charset="-127"/>
-                <a:ea typeface="나눔고딕OTF" pitchFamily="34" charset="-127"/>
-              </a:rPr>
-              <a:t>.</a:t>
-            </a:r>
-          </a:p>
-          <a:p>
-            <a:pPr marL="228600" indent="-228600">
-              <a:lnSpc>
-                <a:spcPct val="120000"/>
-              </a:lnSpc>
-            </a:pPr>
-            <a:r>
-              <a:rPr kumimoji="0" lang="en-US" altLang="ko-KR" sz="1000">
-                <a:latin typeface="나눔고딕OTF" pitchFamily="34" charset="-127"/>
-                <a:ea typeface="나눔고딕OTF" pitchFamily="34" charset="-127"/>
-              </a:rPr>
-              <a:t>   - </a:t>
-            </a:r>
-            <a:r>
-              <a:rPr kumimoji="0" lang="ko-KR" altLang="en-US" sz="1000">
-                <a:latin typeface="나눔고딕OTF" pitchFamily="34" charset="-127"/>
-                <a:ea typeface="나눔고딕OTF" pitchFamily="34" charset="-127"/>
-              </a:rPr>
-              <a:t>접수 화면의 </a:t>
-            </a:r>
-            <a:r>
-              <a:rPr kumimoji="0" lang="en-US" altLang="ko-KR" sz="1000">
-                <a:latin typeface="나눔고딕OTF" pitchFamily="34" charset="-127"/>
-                <a:ea typeface="나눔고딕OTF" pitchFamily="34" charset="-127"/>
-              </a:rPr>
-              <a:t>“</a:t>
-            </a:r>
-            <a:r>
-              <a:rPr kumimoji="0" lang="ko-KR" altLang="en-US" sz="1000">
-                <a:latin typeface="나눔고딕OTF" pitchFamily="34" charset="-127"/>
-                <a:ea typeface="나눔고딕OTF" pitchFamily="34" charset="-127"/>
-              </a:rPr>
-              <a:t>검사금액</a:t>
-            </a:r>
-            <a:r>
-              <a:rPr kumimoji="0" lang="en-US" altLang="ko-KR" sz="1000">
-                <a:latin typeface="나눔고딕OTF" pitchFamily="34" charset="-127"/>
-                <a:ea typeface="나눔고딕OTF" pitchFamily="34" charset="-127"/>
-              </a:rPr>
-              <a:t>” </a:t>
-            </a:r>
-            <a:r>
-              <a:rPr kumimoji="0" lang="ko-KR" altLang="en-US" sz="1000">
-                <a:latin typeface="나눔고딕OTF" pitchFamily="34" charset="-127"/>
-                <a:ea typeface="나눔고딕OTF" pitchFamily="34" charset="-127"/>
-              </a:rPr>
-              <a:t>에 표시된 금액이 검진자가 수납할 금액입니다</a:t>
-            </a:r>
-            <a:r>
-              <a:rPr kumimoji="0" lang="en-US" altLang="ko-KR" sz="1000">
-                <a:latin typeface="나눔고딕OTF" pitchFamily="34" charset="-127"/>
-                <a:ea typeface="나눔고딕OTF" pitchFamily="34" charset="-127"/>
-              </a:rPr>
-              <a:t>.</a:t>
-            </a:r>
-          </a:p>
-          <a:p>
-            <a:pPr marL="228600" indent="-228600">
-              <a:lnSpc>
-                <a:spcPct val="120000"/>
-              </a:lnSpc>
-            </a:pPr>
-            <a:r>
-              <a:rPr kumimoji="0" lang="en-US" altLang="ko-KR" sz="1000">
-                <a:latin typeface="나눔고딕OTF" pitchFamily="34" charset="-127"/>
-                <a:ea typeface="나눔고딕OTF" pitchFamily="34" charset="-127"/>
-              </a:rPr>
-              <a:t>   </a:t>
-            </a:r>
-            <a:r>
-              <a:rPr kumimoji="0" lang="en-US" altLang="ko-KR" sz="1000">
-                <a:solidFill>
-                  <a:srgbClr val="FF0000"/>
-                </a:solidFill>
-                <a:latin typeface="나눔고딕OTF" pitchFamily="34" charset="-127"/>
-                <a:ea typeface="나눔고딕OTF" pitchFamily="34" charset="-127"/>
-              </a:rPr>
-              <a:t>* </a:t>
-            </a:r>
-            <a:r>
-              <a:rPr kumimoji="0" lang="ko-KR" altLang="en-US" sz="1000">
-                <a:solidFill>
-                  <a:srgbClr val="FF0000"/>
-                </a:solidFill>
-                <a:latin typeface="나눔고딕OTF" pitchFamily="34" charset="-127"/>
-                <a:ea typeface="나눔고딕OTF" pitchFamily="34" charset="-127"/>
-              </a:rPr>
-              <a:t>검사금액</a:t>
-            </a:r>
-            <a:r>
-              <a:rPr kumimoji="0" lang="en-US" altLang="ko-KR" sz="1000">
-                <a:solidFill>
-                  <a:srgbClr val="FF0000"/>
-                </a:solidFill>
-                <a:latin typeface="나눔고딕OTF" pitchFamily="34" charset="-127"/>
-                <a:ea typeface="나눔고딕OTF" pitchFamily="34" charset="-127"/>
-              </a:rPr>
-              <a:t> : </a:t>
-            </a:r>
-            <a:r>
-              <a:rPr kumimoji="0" lang="ko-KR" altLang="en-US" sz="1000">
-                <a:solidFill>
-                  <a:srgbClr val="FF0000"/>
-                </a:solidFill>
-                <a:latin typeface="나눔고딕OTF" pitchFamily="34" charset="-127"/>
-                <a:ea typeface="나눔고딕OTF" pitchFamily="34" charset="-127"/>
-              </a:rPr>
-              <a:t>검진자가 수납하는 금액</a:t>
-            </a:r>
-            <a:r>
-              <a:rPr kumimoji="0" lang="en-US" altLang="ko-KR" sz="1000">
-                <a:solidFill>
-                  <a:srgbClr val="FF0000"/>
-                </a:solidFill>
-                <a:latin typeface="나눔고딕OTF" pitchFamily="34" charset="-127"/>
-                <a:ea typeface="나눔고딕OTF" pitchFamily="34" charset="-127"/>
-              </a:rPr>
-              <a:t>.</a:t>
-            </a:r>
-          </a:p>
-          <a:p>
-            <a:pPr marL="228600" indent="-228600">
-              <a:lnSpc>
-                <a:spcPct val="120000"/>
-              </a:lnSpc>
-            </a:pPr>
-            <a:r>
-              <a:rPr kumimoji="0" lang="en-US" altLang="ko-KR" sz="1000">
-                <a:solidFill>
-                  <a:srgbClr val="FF0000"/>
-                </a:solidFill>
-                <a:latin typeface="나눔고딕OTF" pitchFamily="34" charset="-127"/>
-                <a:ea typeface="나눔고딕OTF" pitchFamily="34" charset="-127"/>
-              </a:rPr>
-              <a:t>   * </a:t>
-            </a:r>
-            <a:r>
-              <a:rPr kumimoji="0" lang="ko-KR" altLang="en-US" sz="1000">
-                <a:solidFill>
-                  <a:srgbClr val="FF0000"/>
-                </a:solidFill>
-                <a:latin typeface="나눔고딕OTF" pitchFamily="34" charset="-127"/>
-                <a:ea typeface="나눔고딕OTF" pitchFamily="34" charset="-127"/>
-              </a:rPr>
-              <a:t>후불금액 </a:t>
-            </a:r>
-            <a:r>
-              <a:rPr kumimoji="0" lang="en-US" altLang="ko-KR" sz="1000">
-                <a:solidFill>
-                  <a:srgbClr val="FF0000"/>
-                </a:solidFill>
-                <a:latin typeface="나눔고딕OTF" pitchFamily="34" charset="-127"/>
-                <a:ea typeface="나눔고딕OTF" pitchFamily="34" charset="-127"/>
-              </a:rPr>
-              <a:t>: </a:t>
-            </a:r>
-            <a:r>
-              <a:rPr kumimoji="0" lang="ko-KR" altLang="en-US" sz="1000">
-                <a:solidFill>
-                  <a:srgbClr val="FF0000"/>
-                </a:solidFill>
-                <a:latin typeface="나눔고딕OTF" pitchFamily="34" charset="-127"/>
-                <a:ea typeface="나눔고딕OTF" pitchFamily="34" charset="-127"/>
-              </a:rPr>
-              <a:t>공단에 청구하여 지급받을 금액</a:t>
-            </a:r>
-            <a:r>
-              <a:rPr kumimoji="0" lang="en-US" altLang="ko-KR" sz="1000">
-                <a:solidFill>
-                  <a:srgbClr val="FF0000"/>
-                </a:solidFill>
-                <a:latin typeface="나눔고딕OTF" pitchFamily="34" charset="-127"/>
-                <a:ea typeface="나눔고딕OTF" pitchFamily="34" charset="-127"/>
-              </a:rPr>
-              <a:t>.</a:t>
-            </a:r>
-          </a:p>
-          <a:p>
-            <a:pPr marL="228600" indent="-228600">
-              <a:lnSpc>
-                <a:spcPct val="120000"/>
-              </a:lnSpc>
-            </a:pPr>
-            <a:r>
-              <a:rPr kumimoji="0" lang="en-US" altLang="ko-KR" sz="1000">
-                <a:solidFill>
-                  <a:srgbClr val="FF0000"/>
-                </a:solidFill>
-                <a:latin typeface="나눔고딕OTF" pitchFamily="34" charset="-127"/>
-                <a:ea typeface="나눔고딕OTF" pitchFamily="34" charset="-127"/>
-              </a:rPr>
-              <a:t>   ** </a:t>
-            </a:r>
-            <a:r>
-              <a:rPr kumimoji="0" lang="ko-KR" altLang="en-US" sz="1000">
-                <a:solidFill>
-                  <a:srgbClr val="FF0000"/>
-                </a:solidFill>
-                <a:latin typeface="나눔고딕OTF" pitchFamily="34" charset="-127"/>
-                <a:ea typeface="나눔고딕OTF" pitchFamily="34" charset="-127"/>
-              </a:rPr>
-              <a:t>검사금액</a:t>
-            </a:r>
-            <a:r>
-              <a:rPr kumimoji="0" lang="en-US" altLang="ko-KR" sz="1000">
-                <a:solidFill>
-                  <a:srgbClr val="FF0000"/>
-                </a:solidFill>
-                <a:latin typeface="나눔고딕OTF" pitchFamily="34" charset="-127"/>
-                <a:ea typeface="나눔고딕OTF" pitchFamily="34" charset="-127"/>
-              </a:rPr>
-              <a:t>, </a:t>
-            </a:r>
-            <a:r>
-              <a:rPr kumimoji="0" lang="ko-KR" altLang="en-US" sz="1000">
-                <a:solidFill>
-                  <a:srgbClr val="FF0000"/>
-                </a:solidFill>
-                <a:latin typeface="나눔고딕OTF" pitchFamily="34" charset="-127"/>
-                <a:ea typeface="나눔고딕OTF" pitchFamily="34" charset="-127"/>
-              </a:rPr>
-              <a:t>후불금액 설정은 </a:t>
-            </a:r>
-            <a:r>
-              <a:rPr kumimoji="0" lang="en-US" altLang="ko-KR" sz="1000">
-                <a:solidFill>
-                  <a:srgbClr val="FF0000"/>
-                </a:solidFill>
-                <a:latin typeface="나눔고딕OTF" pitchFamily="34" charset="-127"/>
-                <a:ea typeface="나눔고딕OTF" pitchFamily="34" charset="-127"/>
-              </a:rPr>
-              <a:t>“</a:t>
-            </a:r>
-            <a:r>
-              <a:rPr kumimoji="0" lang="ko-KR" altLang="en-US" sz="1000">
-                <a:solidFill>
-                  <a:srgbClr val="FF0000"/>
-                </a:solidFill>
-                <a:latin typeface="나눔고딕OTF" pitchFamily="34" charset="-127"/>
-                <a:ea typeface="나눔고딕OTF" pitchFamily="34" charset="-127"/>
-              </a:rPr>
-              <a:t>묶음코드</a:t>
-            </a:r>
-            <a:r>
-              <a:rPr kumimoji="0" lang="en-US" altLang="ko-KR" sz="1000">
-                <a:solidFill>
-                  <a:srgbClr val="FF0000"/>
-                </a:solidFill>
-                <a:latin typeface="나눔고딕OTF" pitchFamily="34" charset="-127"/>
-                <a:ea typeface="나눔고딕OTF" pitchFamily="34" charset="-127"/>
-              </a:rPr>
-              <a:t>” </a:t>
-            </a:r>
-            <a:r>
-              <a:rPr kumimoji="0" lang="ko-KR" altLang="en-US" sz="1000">
-                <a:solidFill>
-                  <a:srgbClr val="FF0000"/>
-                </a:solidFill>
-                <a:latin typeface="나눔고딕OTF" pitchFamily="34" charset="-127"/>
-                <a:ea typeface="나눔고딕OTF" pitchFamily="34" charset="-127"/>
-              </a:rPr>
-              <a:t>메뉴에서 설정 할 수 있습니다</a:t>
-            </a:r>
-            <a:r>
-              <a:rPr kumimoji="0" lang="en-US" altLang="ko-KR" sz="1000">
-                <a:solidFill>
-                  <a:srgbClr val="FF0000"/>
-                </a:solidFill>
-                <a:latin typeface="나눔고딕OTF" pitchFamily="34" charset="-127"/>
-                <a:ea typeface="나눔고딕OTF" pitchFamily="34" charset="-127"/>
-              </a:rPr>
-              <a:t>.</a:t>
-            </a:r>
-          </a:p>
-          <a:p>
-            <a:pPr marL="228600" indent="-228600">
-              <a:lnSpc>
-                <a:spcPct val="120000"/>
-              </a:lnSpc>
-            </a:pPr>
-            <a:r>
-              <a:rPr kumimoji="0" lang="en-US" altLang="ko-KR" sz="1000">
-                <a:solidFill>
-                  <a:srgbClr val="FF0000"/>
-                </a:solidFill>
-                <a:latin typeface="나눔고딕OTF" pitchFamily="34" charset="-127"/>
-                <a:ea typeface="나눔고딕OTF" pitchFamily="34" charset="-127"/>
-              </a:rPr>
-              <a:t>   </a:t>
-            </a:r>
-            <a:r>
-              <a:rPr kumimoji="0" lang="en-US" altLang="ko-KR" sz="1000">
-                <a:latin typeface="나눔고딕OTF" pitchFamily="34" charset="-127"/>
-                <a:ea typeface="나눔고딕OTF" pitchFamily="34" charset="-127"/>
-              </a:rPr>
-              <a:t>- </a:t>
-            </a:r>
-            <a:r>
-              <a:rPr kumimoji="0" lang="ko-KR" altLang="en-US" sz="1000">
-                <a:latin typeface="나눔고딕OTF" pitchFamily="34" charset="-127"/>
-                <a:ea typeface="나눔고딕OTF" pitchFamily="34" charset="-127"/>
-              </a:rPr>
-              <a:t>할인구분에서 </a:t>
-            </a:r>
-            <a:r>
-              <a:rPr kumimoji="0" lang="en-US" altLang="ko-KR" sz="1000">
-                <a:latin typeface="나눔고딕OTF" pitchFamily="34" charset="-127"/>
-                <a:ea typeface="나눔고딕OTF" pitchFamily="34" charset="-127"/>
-              </a:rPr>
-              <a:t>F1</a:t>
-            </a:r>
-            <a:r>
-              <a:rPr kumimoji="0" lang="ko-KR" altLang="en-US" sz="1000">
-                <a:latin typeface="나눔고딕OTF" pitchFamily="34" charset="-127"/>
-                <a:ea typeface="나눔고딕OTF" pitchFamily="34" charset="-127"/>
-              </a:rPr>
-              <a:t>키를 누르면 할인 종류 화면이</a:t>
-            </a:r>
-            <a:endParaRPr kumimoji="0" lang="en-US" altLang="ko-KR" sz="1000">
-              <a:latin typeface="나눔고딕OTF" pitchFamily="34" charset="-127"/>
-              <a:ea typeface="나눔고딕OTF" pitchFamily="34" charset="-127"/>
-            </a:endParaRPr>
-          </a:p>
-          <a:p>
-            <a:pPr marL="228600" indent="-228600">
-              <a:lnSpc>
-                <a:spcPct val="120000"/>
-              </a:lnSpc>
-            </a:pPr>
-            <a:r>
-              <a:rPr kumimoji="0" lang="en-US" altLang="ko-KR" sz="1000">
-                <a:latin typeface="나눔고딕OTF" pitchFamily="34" charset="-127"/>
-                <a:ea typeface="나눔고딕OTF" pitchFamily="34" charset="-127"/>
-              </a:rPr>
-              <a:t>	</a:t>
-            </a:r>
-            <a:r>
-              <a:rPr kumimoji="0" lang="ko-KR" altLang="en-US" sz="1000">
-                <a:latin typeface="나눔고딕OTF" pitchFamily="34" charset="-127"/>
-                <a:ea typeface="나눔고딕OTF" pitchFamily="34" charset="-127"/>
-              </a:rPr>
-              <a:t>나타납니다</a:t>
-            </a:r>
-            <a:r>
-              <a:rPr kumimoji="0" lang="en-US" altLang="ko-KR" sz="1000">
-                <a:latin typeface="나눔고딕OTF" pitchFamily="34" charset="-127"/>
-                <a:ea typeface="나눔고딕OTF" pitchFamily="34" charset="-127"/>
-              </a:rPr>
-              <a:t>. (</a:t>
-            </a:r>
-            <a:r>
-              <a:rPr kumimoji="0" lang="ko-KR" altLang="en-US" sz="1000">
-                <a:latin typeface="나눔고딕OTF" pitchFamily="34" charset="-127"/>
-                <a:ea typeface="나눔고딕OTF" pitchFamily="34" charset="-127"/>
-              </a:rPr>
-              <a:t>더블클릭 혹은 엔터키로 선택</a:t>
-            </a:r>
-            <a:r>
-              <a:rPr kumimoji="0" lang="en-US" altLang="ko-KR" sz="1000">
-                <a:latin typeface="나눔고딕OTF" pitchFamily="34" charset="-127"/>
-                <a:ea typeface="나눔고딕OTF" pitchFamily="34" charset="-127"/>
-              </a:rPr>
-              <a:t>.)</a:t>
-            </a:r>
-          </a:p>
-          <a:p>
-            <a:pPr marL="228600" indent="-228600">
-              <a:lnSpc>
-                <a:spcPct val="120000"/>
-              </a:lnSpc>
-            </a:pPr>
-            <a:r>
-              <a:rPr kumimoji="0" lang="en-US" altLang="ko-KR" sz="1000">
-                <a:latin typeface="나눔고딕OTF" pitchFamily="34" charset="-127"/>
-                <a:ea typeface="나눔고딕OTF" pitchFamily="34" charset="-127"/>
-              </a:rPr>
-              <a:t>   - </a:t>
-            </a:r>
-            <a:r>
-              <a:rPr kumimoji="0" lang="ko-KR" altLang="en-US" sz="1000">
-                <a:latin typeface="나눔고딕OTF" pitchFamily="34" charset="-127"/>
-                <a:ea typeface="나눔고딕OTF" pitchFamily="34" charset="-127"/>
-              </a:rPr>
-              <a:t>감면금액 혹은 감면할인율을 입력합니다</a:t>
-            </a:r>
-            <a:r>
-              <a:rPr kumimoji="0" lang="en-US" altLang="ko-KR" sz="1000">
-                <a:latin typeface="나눔고딕OTF" pitchFamily="34" charset="-127"/>
-                <a:ea typeface="나눔고딕OTF" pitchFamily="34" charset="-127"/>
-              </a:rPr>
-              <a:t>.</a:t>
-            </a:r>
-          </a:p>
-          <a:p>
-            <a:pPr marL="228600" indent="-228600">
-              <a:lnSpc>
-                <a:spcPct val="120000"/>
-              </a:lnSpc>
-            </a:pPr>
-            <a:r>
-              <a:rPr kumimoji="0" lang="en-US" altLang="ko-KR" sz="1000">
-                <a:latin typeface="나눔고딕OTF" pitchFamily="34" charset="-127"/>
-                <a:ea typeface="나눔고딕OTF" pitchFamily="34" charset="-127"/>
-              </a:rPr>
-              <a:t>   - </a:t>
-            </a:r>
-            <a:r>
-              <a:rPr kumimoji="0" lang="ko-KR" altLang="en-US" sz="1000">
-                <a:latin typeface="나눔고딕OTF" pitchFamily="34" charset="-127"/>
-                <a:ea typeface="나눔고딕OTF" pitchFamily="34" charset="-127"/>
-              </a:rPr>
-              <a:t>수납구분에서 </a:t>
-            </a:r>
-            <a:r>
-              <a:rPr kumimoji="0" lang="en-US" altLang="ko-KR" sz="1000">
-                <a:latin typeface="나눔고딕OTF" pitchFamily="34" charset="-127"/>
-                <a:ea typeface="나눔고딕OTF" pitchFamily="34" charset="-127"/>
-              </a:rPr>
-              <a:t>F1</a:t>
-            </a:r>
-            <a:r>
-              <a:rPr kumimoji="0" lang="ko-KR" altLang="en-US" sz="1000">
-                <a:latin typeface="나눔고딕OTF" pitchFamily="34" charset="-127"/>
-                <a:ea typeface="나눔고딕OTF" pitchFamily="34" charset="-127"/>
-              </a:rPr>
-              <a:t>키를 누르면 수납 종류 화면이</a:t>
-            </a:r>
-            <a:endParaRPr kumimoji="0" lang="en-US" altLang="ko-KR" sz="1000">
-              <a:latin typeface="나눔고딕OTF" pitchFamily="34" charset="-127"/>
-              <a:ea typeface="나눔고딕OTF" pitchFamily="34" charset="-127"/>
-            </a:endParaRPr>
-          </a:p>
-          <a:p>
-            <a:pPr marL="228600" indent="-228600">
-              <a:lnSpc>
-                <a:spcPct val="120000"/>
-              </a:lnSpc>
-            </a:pPr>
-            <a:r>
-              <a:rPr kumimoji="0" lang="en-US" altLang="ko-KR" sz="1000">
-                <a:latin typeface="나눔고딕OTF" pitchFamily="34" charset="-127"/>
-                <a:ea typeface="나눔고딕OTF" pitchFamily="34" charset="-127"/>
-              </a:rPr>
-              <a:t>	</a:t>
-            </a:r>
-            <a:r>
-              <a:rPr kumimoji="0" lang="ko-KR" altLang="en-US" sz="1000">
-                <a:latin typeface="나눔고딕OTF" pitchFamily="34" charset="-127"/>
-                <a:ea typeface="나눔고딕OTF" pitchFamily="34" charset="-127"/>
-              </a:rPr>
-              <a:t>나타납니다</a:t>
-            </a:r>
-            <a:r>
-              <a:rPr kumimoji="0" lang="en-US" altLang="ko-KR" sz="1000">
-                <a:latin typeface="나눔고딕OTF" pitchFamily="34" charset="-127"/>
-                <a:ea typeface="나눔고딕OTF" pitchFamily="34" charset="-127"/>
-              </a:rPr>
-              <a:t>.</a:t>
-            </a:r>
-          </a:p>
-          <a:p>
-            <a:pPr marL="228600" indent="-228600">
-              <a:lnSpc>
-                <a:spcPct val="120000"/>
-              </a:lnSpc>
-            </a:pPr>
-            <a:r>
-              <a:rPr kumimoji="0" lang="en-US" altLang="ko-KR" sz="1000">
-                <a:latin typeface="나눔고딕OTF" pitchFamily="34" charset="-127"/>
-                <a:ea typeface="나눔고딕OTF" pitchFamily="34" charset="-127"/>
-              </a:rPr>
-              <a:t>   - </a:t>
-            </a:r>
-            <a:r>
-              <a:rPr kumimoji="0" lang="ko-KR" altLang="en-US" sz="1000">
-                <a:latin typeface="나눔고딕OTF" pitchFamily="34" charset="-127"/>
-                <a:ea typeface="나눔고딕OTF" pitchFamily="34" charset="-127"/>
-              </a:rPr>
-              <a:t>영수증 </a:t>
-            </a:r>
-            <a:r>
-              <a:rPr kumimoji="0" lang="en-US" altLang="ko-KR" sz="1000">
-                <a:latin typeface="나눔고딕OTF" pitchFamily="34" charset="-127"/>
-                <a:ea typeface="나눔고딕OTF" pitchFamily="34" charset="-127"/>
-              </a:rPr>
-              <a:t>“Y” : </a:t>
-            </a:r>
-            <a:r>
-              <a:rPr kumimoji="0" lang="ko-KR" altLang="en-US" sz="1000">
-                <a:latin typeface="나눔고딕OTF" pitchFamily="34" charset="-127"/>
-                <a:ea typeface="나눔고딕OTF" pitchFamily="34" charset="-127"/>
-              </a:rPr>
-              <a:t>저장버튼 클릭과 동시에 설정된 프린터에서 영수증이 출력됩니다</a:t>
-            </a:r>
-            <a:r>
-              <a:rPr kumimoji="0" lang="en-US" altLang="ko-KR" sz="1000">
-                <a:latin typeface="나눔고딕OTF" pitchFamily="34" charset="-127"/>
-                <a:ea typeface="나눔고딕OTF" pitchFamily="34" charset="-127"/>
-              </a:rPr>
-              <a:t>. (“N” : </a:t>
-            </a:r>
-            <a:r>
-              <a:rPr kumimoji="0" lang="ko-KR" altLang="en-US" sz="1000">
-                <a:latin typeface="나눔고딕OTF" pitchFamily="34" charset="-127"/>
-                <a:ea typeface="나눔고딕OTF" pitchFamily="34" charset="-127"/>
-              </a:rPr>
-              <a:t>영수증 미출력</a:t>
-            </a:r>
-            <a:r>
-              <a:rPr kumimoji="0" lang="en-US" altLang="ko-KR" sz="1000">
-                <a:latin typeface="나눔고딕OTF" pitchFamily="34" charset="-127"/>
-                <a:ea typeface="나눔고딕OTF" pitchFamily="34" charset="-127"/>
-              </a:rPr>
-              <a:t>)</a:t>
-            </a:r>
-          </a:p>
-          <a:p>
-            <a:pPr marL="228600" indent="-228600">
-              <a:lnSpc>
-                <a:spcPct val="120000"/>
-              </a:lnSpc>
-            </a:pPr>
-            <a:r>
-              <a:rPr kumimoji="0" lang="en-US" altLang="ko-KR" sz="1000">
-                <a:latin typeface="나눔고딕OTF" pitchFamily="34" charset="-127"/>
-                <a:ea typeface="나눔고딕OTF" pitchFamily="34" charset="-127"/>
-              </a:rPr>
-              <a:t>   - </a:t>
-            </a:r>
-            <a:r>
-              <a:rPr kumimoji="0" lang="ko-KR" altLang="en-US" sz="1000">
-                <a:latin typeface="나눔고딕OTF" pitchFamily="34" charset="-127"/>
-                <a:ea typeface="나눔고딕OTF" pitchFamily="34" charset="-127"/>
-              </a:rPr>
-              <a:t>수납금액란에는 최종적으로 할인액과</a:t>
-            </a:r>
-            <a:r>
-              <a:rPr kumimoji="0" lang="en-US" altLang="ko-KR" sz="1000">
-                <a:latin typeface="나눔고딕OTF" pitchFamily="34" charset="-127"/>
-                <a:ea typeface="나눔고딕OTF" pitchFamily="34" charset="-127"/>
-              </a:rPr>
-              <a:t> </a:t>
-            </a:r>
-            <a:r>
-              <a:rPr kumimoji="0" lang="ko-KR" altLang="en-US" sz="1000">
-                <a:latin typeface="나눔고딕OTF" pitchFamily="34" charset="-127"/>
-                <a:ea typeface="나눔고딕OTF" pitchFamily="34" charset="-127"/>
-              </a:rPr>
-              <a:t>감면액을</a:t>
-            </a:r>
-            <a:endParaRPr kumimoji="0" lang="en-US" altLang="ko-KR" sz="1000">
-              <a:latin typeface="나눔고딕OTF" pitchFamily="34" charset="-127"/>
-              <a:ea typeface="나눔고딕OTF" pitchFamily="34" charset="-127"/>
-            </a:endParaRPr>
-          </a:p>
-          <a:p>
-            <a:pPr marL="228600" indent="-228600">
-              <a:lnSpc>
-                <a:spcPct val="120000"/>
-              </a:lnSpc>
-            </a:pPr>
-            <a:r>
-              <a:rPr kumimoji="0" lang="en-US" altLang="ko-KR" sz="1000">
-                <a:latin typeface="나눔고딕OTF" pitchFamily="34" charset="-127"/>
-                <a:ea typeface="나눔고딕OTF" pitchFamily="34" charset="-127"/>
-              </a:rPr>
-              <a:t>	</a:t>
-            </a:r>
-            <a:r>
-              <a:rPr kumimoji="0" lang="ko-KR" altLang="en-US" sz="1000">
-                <a:latin typeface="나눔고딕OTF" pitchFamily="34" charset="-127"/>
-                <a:ea typeface="나눔고딕OTF" pitchFamily="34" charset="-127"/>
-              </a:rPr>
-              <a:t>제외한 금액이 자동으로 나타납니다</a:t>
-            </a:r>
-            <a:r>
-              <a:rPr kumimoji="0" lang="en-US" altLang="ko-KR" sz="1000">
-                <a:latin typeface="나눔고딕OTF" pitchFamily="34" charset="-127"/>
-                <a:ea typeface="나눔고딕OTF" pitchFamily="34" charset="-127"/>
-              </a:rPr>
-              <a:t>.</a:t>
-            </a:r>
-          </a:p>
-          <a:p>
-            <a:pPr marL="228600" indent="-228600">
-              <a:lnSpc>
-                <a:spcPct val="120000"/>
-              </a:lnSpc>
-            </a:pPr>
-            <a:r>
-              <a:rPr kumimoji="0" lang="en-US" altLang="ko-KR" sz="1000">
-                <a:latin typeface="나눔고딕OTF" pitchFamily="34" charset="-127"/>
-                <a:ea typeface="나눔고딕OTF" pitchFamily="34" charset="-127"/>
-              </a:rPr>
-              <a:t>   - </a:t>
-            </a:r>
-            <a:r>
-              <a:rPr kumimoji="0" lang="ko-KR" altLang="en-US" sz="1000">
-                <a:latin typeface="나눔고딕OTF" pitchFamily="34" charset="-127"/>
-                <a:ea typeface="나눔고딕OTF" pitchFamily="34" charset="-127"/>
-              </a:rPr>
-              <a:t>수납 정보를 맞게 입력한 뒤</a:t>
-            </a:r>
-            <a:r>
-              <a:rPr kumimoji="0" lang="en-US" altLang="ko-KR" sz="1000">
-                <a:latin typeface="나눔고딕OTF" pitchFamily="34" charset="-127"/>
-                <a:ea typeface="나눔고딕OTF" pitchFamily="34" charset="-127"/>
-              </a:rPr>
-              <a:t>, </a:t>
-            </a:r>
-            <a:r>
-              <a:rPr kumimoji="0" lang="ko-KR" altLang="en-US" sz="1000">
-                <a:latin typeface="나눔고딕OTF" pitchFamily="34" charset="-127"/>
-                <a:ea typeface="나눔고딕OTF" pitchFamily="34" charset="-127"/>
-              </a:rPr>
-              <a:t>저장</a:t>
-            </a:r>
-            <a:r>
-              <a:rPr kumimoji="0" lang="en-US" altLang="ko-KR" sz="1000">
-                <a:latin typeface="나눔고딕OTF" pitchFamily="34" charset="-127"/>
-                <a:ea typeface="나눔고딕OTF" pitchFamily="34" charset="-127"/>
-              </a:rPr>
-              <a:t>(F3)</a:t>
-            </a:r>
-            <a:r>
-              <a:rPr kumimoji="0" lang="ko-KR" altLang="en-US" sz="1000">
-                <a:latin typeface="나눔고딕OTF" pitchFamily="34" charset="-127"/>
-                <a:ea typeface="나눔고딕OTF" pitchFamily="34" charset="-127"/>
-              </a:rPr>
-              <a:t>버튼을 클릭하면 수납정보가 저장됩니다</a:t>
-            </a:r>
-            <a:r>
-              <a:rPr kumimoji="0" lang="en-US" altLang="ko-KR" sz="1000">
+              <a:rPr kumimoji="0" lang="ko-KR" altLang="en-US" sz="1200" dirty="0">
+                <a:latin typeface="나눔고딕OTF" pitchFamily="34" charset="-127"/>
+                <a:ea typeface="나눔고딕OTF" pitchFamily="34" charset="-127"/>
+              </a:rPr>
+              <a:t>검진예약 화면이 나타납니다</a:t>
+            </a:r>
+            <a:r>
+              <a:rPr kumimoji="0" lang="en-US" altLang="ko-KR" sz="1200" dirty="0">
                 <a:latin typeface="나눔고딕OTF" pitchFamily="34" charset="-127"/>
                 <a:ea typeface="나눔고딕OTF" pitchFamily="34" charset="-127"/>
               </a:rPr>
@@ -14746,14 +14140,14 @@
       </p:sp>
       <p:sp>
         <p:nvSpPr>
-          <p:cNvPr id="9" name="직사각형 8"/>
+          <p:cNvPr id="8" name="직사각형 7"/>
           <p:cNvSpPr/>
           <p:nvPr/>
         </p:nvSpPr>
         <p:spPr>
           <a:xfrm>
-            <a:off x="2128838" y="3786188"/>
-            <a:ext cx="1487487" cy="192087"/>
+            <a:off x="1758094" y="1855092"/>
+            <a:ext cx="704850" cy="169862"/>
           </a:xfrm>
           <a:prstGeom prst="rect">
             <a:avLst/>
@@ -14797,1143 +14191,6 @@
             <a:endParaRPr kumimoji="0" lang="ko-KR" altLang="en-US">
               <a:latin typeface="나눔고딕OTF" pitchFamily="34" charset="-127"/>
               <a:ea typeface="나눔고딕OTF" pitchFamily="34" charset="-127"/>
-            </a:endParaRPr>
-          </a:p>
-        </p:txBody>
-      </p:sp>
-      <p:sp>
-        <p:nvSpPr>
-          <p:cNvPr id="22537" name="TextBox 59"/>
-          <p:cNvSpPr txBox="1">
-            <a:spLocks noChangeArrowheads="1"/>
-          </p:cNvSpPr>
-          <p:nvPr/>
-        </p:nvSpPr>
-        <p:spPr bwMode="auto">
-          <a:xfrm>
-            <a:off x="415925" y="1052513"/>
-            <a:ext cx="4965700" cy="276225"/>
-          </a:xfrm>
-          <a:prstGeom prst="rect">
-            <a:avLst/>
-          </a:prstGeom>
-          <a:noFill/>
-          <a:ln w="9525">
-            <a:noFill/>
-            <a:miter lim="800000"/>
-            <a:headEnd/>
-            <a:tailEnd/>
-          </a:ln>
-        </p:spPr>
-        <p:txBody>
-          <a:bodyPr>
-            <a:spAutoFit/>
-          </a:bodyPr>
-          <a:lstStyle/>
-          <a:p>
-            <a:r>
-              <a:rPr kumimoji="0" lang="en-US" altLang="ko-KR" sz="1200">
-                <a:latin typeface="나눔고딕OTF" pitchFamily="34" charset="-127"/>
-                <a:ea typeface="나눔고딕OTF" pitchFamily="34" charset="-127"/>
-              </a:rPr>
-              <a:t> - </a:t>
-            </a:r>
-            <a:r>
-              <a:rPr kumimoji="0" lang="ko-KR" altLang="en-US" sz="1200">
-                <a:latin typeface="나눔고딕OTF" pitchFamily="34" charset="-127"/>
-                <a:ea typeface="나눔고딕OTF" pitchFamily="34" charset="-127"/>
-              </a:rPr>
-              <a:t>선 수납</a:t>
-            </a:r>
-            <a:r>
-              <a:rPr kumimoji="0" lang="en-US" altLang="ko-KR" sz="1200">
-                <a:latin typeface="나눔고딕OTF" pitchFamily="34" charset="-127"/>
-                <a:ea typeface="나눔고딕OTF" pitchFamily="34" charset="-127"/>
-              </a:rPr>
-              <a:t>(</a:t>
-            </a:r>
-            <a:r>
-              <a:rPr kumimoji="0" lang="ko-KR" altLang="en-US" sz="1200">
-                <a:latin typeface="나눔고딕OTF" pitchFamily="34" charset="-127"/>
-                <a:ea typeface="나눔고딕OTF" pitchFamily="34" charset="-127"/>
-              </a:rPr>
-              <a:t>접수화면에서 접수와 동시에 수납할 경우</a:t>
-            </a:r>
-            <a:r>
-              <a:rPr kumimoji="0" lang="en-US" altLang="ko-KR" sz="1200">
-                <a:latin typeface="나눔고딕OTF" pitchFamily="34" charset="-127"/>
-                <a:ea typeface="나눔고딕OTF" pitchFamily="34" charset="-127"/>
-              </a:rPr>
-              <a:t>)</a:t>
-            </a:r>
-          </a:p>
-        </p:txBody>
-      </p:sp>
-    </p:spTree>
-  </p:cSld>
-  <p:clrMapOvr>
-    <a:masterClrMapping/>
-  </p:clrMapOvr>
-  <p:timing>
-    <p:tnLst>
-      <p:par>
-        <p:cTn id="1" dur="indefinite" restart="never" nodeType="tmRoot"/>
-      </p:par>
-    </p:tnLst>
-  </p:timing>
-</p:sld>
-</file>
-
-<file path=ppt/slides/slide19.xml><?xml version="1.0" encoding="utf-8"?>
-<p:sld xmlns:a="http://schemas.openxmlformats.org/drawingml/2006/main" xmlns:r="http://schemas.openxmlformats.org/officeDocument/2006/relationships" xmlns:p="http://schemas.openxmlformats.org/presentationml/2006/main">
-  <p:cSld>
-    <p:spTree>
-      <p:nvGrpSpPr>
-        <p:cNvPr id="1" name=""/>
-        <p:cNvGrpSpPr/>
-        <p:nvPr/>
-      </p:nvGrpSpPr>
-      <p:grpSpPr>
-        <a:xfrm>
-          <a:off x="0" y="0"/>
-          <a:ext cx="0" cy="0"/>
-          <a:chOff x="0" y="0"/>
-          <a:chExt cx="0" cy="0"/>
-        </a:xfrm>
-      </p:grpSpPr>
-      <p:pic>
-        <p:nvPicPr>
-          <p:cNvPr id="23554" name="Picture 3"/>
-          <p:cNvPicPr>
-            <a:picLocks noChangeAspect="1" noChangeArrowheads="1"/>
-          </p:cNvPicPr>
-          <p:nvPr/>
-        </p:nvPicPr>
-        <p:blipFill>
-          <a:blip r:embed="rId2"/>
-          <a:srcRect/>
-          <a:stretch>
-            <a:fillRect/>
-          </a:stretch>
-        </p:blipFill>
-        <p:spPr bwMode="auto">
-          <a:xfrm>
-            <a:off x="595313" y="1500188"/>
-            <a:ext cx="4714875" cy="4695825"/>
-          </a:xfrm>
-          <a:prstGeom prst="rect">
-            <a:avLst/>
-          </a:prstGeom>
-          <a:noFill/>
-          <a:ln w="9525">
-            <a:noFill/>
-            <a:miter lim="800000"/>
-            <a:headEnd/>
-            <a:tailEnd/>
-          </a:ln>
-        </p:spPr>
-      </p:pic>
-      <p:sp>
-        <p:nvSpPr>
-          <p:cNvPr id="6" name="TextBox 5"/>
-          <p:cNvSpPr txBox="1"/>
-          <p:nvPr/>
-        </p:nvSpPr>
-        <p:spPr>
-          <a:xfrm>
-            <a:off x="1497013" y="282575"/>
-            <a:ext cx="617537" cy="369888"/>
-          </a:xfrm>
-          <a:prstGeom prst="rect">
-            <a:avLst/>
-          </a:prstGeom>
-          <a:noFill/>
-        </p:spPr>
-        <p:txBody>
-          <a:bodyPr wrap="none">
-            <a:spAutoFit/>
-          </a:bodyPr>
-          <a:lstStyle/>
-          <a:p>
-            <a:pPr fontAlgn="auto">
-              <a:spcBef>
-                <a:spcPts val="0"/>
-              </a:spcBef>
-              <a:spcAft>
-                <a:spcPts val="0"/>
-              </a:spcAft>
-              <a:defRPr/>
-            </a:pPr>
-            <a:r>
-              <a:rPr kumimoji="0" lang="ko-KR" altLang="en-US" dirty="0">
-                <a:solidFill>
-                  <a:schemeClr val="bg1">
-                    <a:lumMod val="50000"/>
-                  </a:schemeClr>
-                </a:solidFill>
-                <a:latin typeface="나눔고딕OTF ExtraBold" pitchFamily="34" charset="-127"/>
-                <a:ea typeface="나눔고딕OTF ExtraBold" pitchFamily="34" charset="-127"/>
-              </a:rPr>
-              <a:t>수납</a:t>
-            </a:r>
-          </a:p>
-        </p:txBody>
-      </p:sp>
-      <p:sp>
-        <p:nvSpPr>
-          <p:cNvPr id="23556" name="TextBox 4"/>
-          <p:cNvSpPr txBox="1">
-            <a:spLocks noChangeArrowheads="1"/>
-          </p:cNvSpPr>
-          <p:nvPr/>
-        </p:nvSpPr>
-        <p:spPr bwMode="auto">
-          <a:xfrm>
-            <a:off x="381000" y="785813"/>
-            <a:ext cx="1409700" cy="307975"/>
-          </a:xfrm>
-          <a:prstGeom prst="rect">
-            <a:avLst/>
-          </a:prstGeom>
-          <a:noFill/>
-          <a:ln w="9525">
-            <a:noFill/>
-            <a:miter lim="800000"/>
-            <a:headEnd/>
-            <a:tailEnd/>
-          </a:ln>
-        </p:spPr>
-        <p:txBody>
-          <a:bodyPr wrap="none">
-            <a:spAutoFit/>
-          </a:bodyPr>
-          <a:lstStyle/>
-          <a:p>
-            <a:r>
-              <a:rPr kumimoji="0" lang="en-US" altLang="ko-KR" sz="1400" b="1">
-                <a:latin typeface="나눔고딕OTF" pitchFamily="34" charset="-127"/>
-                <a:ea typeface="나눔고딕OTF" pitchFamily="34" charset="-127"/>
-              </a:rPr>
-              <a:t>- </a:t>
-            </a:r>
-            <a:r>
-              <a:rPr kumimoji="0" lang="ko-KR" altLang="en-US" sz="1400" b="1">
-                <a:latin typeface="나눔고딕OTF" pitchFamily="34" charset="-127"/>
-                <a:ea typeface="나눔고딕OTF" pitchFamily="34" charset="-127"/>
-              </a:rPr>
-              <a:t>인적 수정 화면</a:t>
-            </a:r>
-          </a:p>
-        </p:txBody>
-      </p:sp>
-      <p:sp>
-        <p:nvSpPr>
-          <p:cNvPr id="11" name="직사각형 10"/>
-          <p:cNvSpPr/>
-          <p:nvPr/>
-        </p:nvSpPr>
-        <p:spPr>
-          <a:xfrm>
-            <a:off x="3810000" y="2286000"/>
-            <a:ext cx="1484313" cy="2401888"/>
-          </a:xfrm>
-          <a:prstGeom prst="rect">
-            <a:avLst/>
-          </a:prstGeom>
-          <a:noFill/>
-          <a:ln>
-            <a:solidFill>
-              <a:srgbClr val="FF0000"/>
-            </a:solidFill>
-          </a:ln>
-        </p:spPr>
-        <p:style>
-          <a:lnRef idx="2">
-            <a:schemeClr val="accent1">
-              <a:shade val="50000"/>
-            </a:schemeClr>
-          </a:lnRef>
-          <a:fillRef idx="1">
-            <a:schemeClr val="accent1"/>
-          </a:fillRef>
-          <a:effectRef idx="0">
-            <a:schemeClr val="accent1"/>
-          </a:effectRef>
-          <a:fontRef idx="minor">
-            <a:schemeClr val="lt1"/>
-          </a:fontRef>
-        </p:style>
-        <p:txBody>
-          <a:bodyPr anchor="ctr"/>
-          <a:lstStyle/>
-          <a:p>
-            <a:pPr algn="ctr" fontAlgn="auto">
-              <a:spcBef>
-                <a:spcPts val="0"/>
-              </a:spcBef>
-              <a:spcAft>
-                <a:spcPts val="0"/>
-              </a:spcAft>
-              <a:defRPr/>
-            </a:pPr>
-            <a:endParaRPr kumimoji="0" lang="ko-KR" altLang="en-US">
-              <a:latin typeface="나눔고딕OTF" pitchFamily="34" charset="-127"/>
-              <a:ea typeface="나눔고딕OTF" pitchFamily="34" charset="-127"/>
-            </a:endParaRPr>
-          </a:p>
-        </p:txBody>
-      </p:sp>
-      <p:sp>
-        <p:nvSpPr>
-          <p:cNvPr id="23558" name="TextBox 4"/>
-          <p:cNvSpPr txBox="1">
-            <a:spLocks noChangeArrowheads="1"/>
-          </p:cNvSpPr>
-          <p:nvPr/>
-        </p:nvSpPr>
-        <p:spPr bwMode="auto">
-          <a:xfrm>
-            <a:off x="5738813" y="1593850"/>
-            <a:ext cx="3894137" cy="2678113"/>
-          </a:xfrm>
-          <a:prstGeom prst="rect">
-            <a:avLst/>
-          </a:prstGeom>
-          <a:noFill/>
-          <a:ln w="9525">
-            <a:noFill/>
-            <a:miter lim="800000"/>
-            <a:headEnd/>
-            <a:tailEnd/>
-          </a:ln>
-        </p:spPr>
-        <p:txBody>
-          <a:bodyPr>
-            <a:spAutoFit/>
-          </a:bodyPr>
-          <a:lstStyle/>
-          <a:p>
-            <a:pPr marL="228600" indent="-228600">
-              <a:lnSpc>
-                <a:spcPct val="120000"/>
-              </a:lnSpc>
-              <a:buFontTx/>
-              <a:buAutoNum type="arabicParenR" startAt="2"/>
-            </a:pPr>
-            <a:r>
-              <a:rPr kumimoji="0" lang="ko-KR" altLang="en-US" sz="1000" b="1">
-                <a:latin typeface="나눔고딕OTF" pitchFamily="34" charset="-127"/>
-                <a:ea typeface="나눔고딕OTF" pitchFamily="34" charset="-127"/>
-              </a:rPr>
-              <a:t>후 수납</a:t>
-            </a:r>
-            <a:endParaRPr kumimoji="0" lang="en-US" altLang="ko-KR" sz="1000" b="1">
-              <a:latin typeface="나눔고딕OTF" pitchFamily="34" charset="-127"/>
-              <a:ea typeface="나눔고딕OTF" pitchFamily="34" charset="-127"/>
-            </a:endParaRPr>
-          </a:p>
-          <a:p>
-            <a:pPr marL="228600" indent="-228600">
-              <a:lnSpc>
-                <a:spcPct val="120000"/>
-              </a:lnSpc>
-            </a:pPr>
-            <a:r>
-              <a:rPr kumimoji="0" lang="en-US" altLang="ko-KR" sz="1000" b="1">
-                <a:latin typeface="나눔고딕OTF" pitchFamily="34" charset="-127"/>
-                <a:ea typeface="나눔고딕OTF" pitchFamily="34" charset="-127"/>
-              </a:rPr>
-              <a:t>   </a:t>
-            </a:r>
-            <a:r>
-              <a:rPr kumimoji="0" lang="en-US" altLang="ko-KR" sz="1000">
-                <a:latin typeface="나눔고딕OTF" pitchFamily="34" charset="-127"/>
-                <a:ea typeface="나눔고딕OTF" pitchFamily="34" charset="-127"/>
-              </a:rPr>
-              <a:t>- </a:t>
-            </a:r>
-            <a:r>
-              <a:rPr kumimoji="0" lang="ko-KR" altLang="en-US" sz="1000">
-                <a:latin typeface="나눔고딕OTF" pitchFamily="34" charset="-127"/>
-                <a:ea typeface="나눔고딕OTF" pitchFamily="34" charset="-127"/>
-              </a:rPr>
-              <a:t>앨리스 메인 화면의 접수자 조회</a:t>
-            </a:r>
-            <a:r>
-              <a:rPr kumimoji="0" lang="en-US" altLang="ko-KR" sz="1000">
-                <a:latin typeface="나눔고딕OTF" pitchFamily="34" charset="-127"/>
-                <a:ea typeface="나눔고딕OTF" pitchFamily="34" charset="-127"/>
-              </a:rPr>
-              <a:t> </a:t>
-            </a:r>
-            <a:r>
-              <a:rPr kumimoji="0" lang="ko-KR" altLang="en-US" sz="1000">
-                <a:latin typeface="나눔고딕OTF" pitchFamily="34" charset="-127"/>
-                <a:ea typeface="나눔고딕OTF" pitchFamily="34" charset="-127"/>
-              </a:rPr>
-              <a:t>화면의 접수자를 더블클릭 하거나</a:t>
-            </a:r>
-            <a:r>
-              <a:rPr kumimoji="0" lang="en-US" altLang="ko-KR" sz="1000">
-                <a:latin typeface="나눔고딕OTF" pitchFamily="34" charset="-127"/>
-                <a:ea typeface="나눔고딕OTF" pitchFamily="34" charset="-127"/>
-              </a:rPr>
-              <a:t>, </a:t>
-            </a:r>
-            <a:r>
-              <a:rPr kumimoji="0" lang="ko-KR" altLang="en-US" sz="1000">
-                <a:latin typeface="나눔고딕OTF" pitchFamily="34" charset="-127"/>
-                <a:ea typeface="나눔고딕OTF" pitchFamily="34" charset="-127"/>
-              </a:rPr>
-              <a:t>접수자를 선택한 뒤 수정</a:t>
-            </a:r>
-            <a:r>
-              <a:rPr kumimoji="0" lang="en-US" altLang="ko-KR" sz="1000">
-                <a:latin typeface="나눔고딕OTF" pitchFamily="34" charset="-127"/>
-                <a:ea typeface="나눔고딕OTF" pitchFamily="34" charset="-127"/>
-              </a:rPr>
-              <a:t>(F4) </a:t>
-            </a:r>
-            <a:r>
-              <a:rPr kumimoji="0" lang="ko-KR" altLang="en-US" sz="1000">
-                <a:latin typeface="나눔고딕OTF" pitchFamily="34" charset="-127"/>
-                <a:ea typeface="나눔고딕OTF" pitchFamily="34" charset="-127"/>
-              </a:rPr>
-              <a:t>버튼을 클릭하면 해당 접수자의 </a:t>
-            </a:r>
-            <a:endParaRPr kumimoji="0" lang="en-US" altLang="ko-KR" sz="1000">
-              <a:latin typeface="나눔고딕OTF" pitchFamily="34" charset="-127"/>
-              <a:ea typeface="나눔고딕OTF" pitchFamily="34" charset="-127"/>
-            </a:endParaRPr>
-          </a:p>
-          <a:p>
-            <a:pPr marL="228600" indent="-228600">
-              <a:lnSpc>
-                <a:spcPct val="120000"/>
-              </a:lnSpc>
-            </a:pPr>
-            <a:r>
-              <a:rPr kumimoji="0" lang="en-US" altLang="ko-KR" sz="1000">
-                <a:latin typeface="나눔고딕OTF" pitchFamily="34" charset="-127"/>
-                <a:ea typeface="나눔고딕OTF" pitchFamily="34" charset="-127"/>
-              </a:rPr>
-              <a:t>	</a:t>
-            </a:r>
-            <a:r>
-              <a:rPr kumimoji="0" lang="ko-KR" altLang="en-US" sz="1000">
-                <a:latin typeface="나눔고딕OTF" pitchFamily="34" charset="-127"/>
-                <a:ea typeface="나눔고딕OTF" pitchFamily="34" charset="-127"/>
-              </a:rPr>
-              <a:t>인적 수정화면이 나타납니다</a:t>
-            </a:r>
-            <a:r>
-              <a:rPr kumimoji="0" lang="en-US" altLang="ko-KR" sz="1000">
-                <a:latin typeface="나눔고딕OTF" pitchFamily="34" charset="-127"/>
-                <a:ea typeface="나눔고딕OTF" pitchFamily="34" charset="-127"/>
-              </a:rPr>
-              <a:t>.</a:t>
-            </a:r>
-          </a:p>
-          <a:p>
-            <a:pPr marL="228600" indent="-228600">
-              <a:lnSpc>
-                <a:spcPct val="120000"/>
-              </a:lnSpc>
-            </a:pPr>
-            <a:r>
-              <a:rPr kumimoji="0" lang="en-US" altLang="ko-KR" sz="1000">
-                <a:latin typeface="나눔고딕OTF" pitchFamily="34" charset="-127"/>
-                <a:ea typeface="나눔고딕OTF" pitchFamily="34" charset="-127"/>
-              </a:rPr>
-              <a:t>   - </a:t>
-            </a:r>
-            <a:r>
-              <a:rPr kumimoji="0" lang="ko-KR" altLang="en-US" sz="1000">
-                <a:latin typeface="나눔고딕OTF" pitchFamily="34" charset="-127"/>
-                <a:ea typeface="나눔고딕OTF" pitchFamily="34" charset="-127"/>
-              </a:rPr>
-              <a:t>수정 화면 우측</a:t>
-            </a:r>
-            <a:r>
-              <a:rPr kumimoji="0" lang="en-US" altLang="ko-KR" sz="1000">
-                <a:latin typeface="나눔고딕OTF" pitchFamily="34" charset="-127"/>
-                <a:ea typeface="나눔고딕OTF" pitchFamily="34" charset="-127"/>
-              </a:rPr>
-              <a:t>(1</a:t>
-            </a:r>
-            <a:r>
-              <a:rPr kumimoji="0" lang="ko-KR" altLang="en-US" sz="1000">
-                <a:latin typeface="나눔고딕OTF" pitchFamily="34" charset="-127"/>
-                <a:ea typeface="나눔고딕OTF" pitchFamily="34" charset="-127"/>
-              </a:rPr>
-              <a:t>번</a:t>
-            </a:r>
-            <a:r>
-              <a:rPr kumimoji="0" lang="en-US" altLang="ko-KR" sz="1000">
-                <a:latin typeface="나눔고딕OTF" pitchFamily="34" charset="-127"/>
-                <a:ea typeface="나눔고딕OTF" pitchFamily="34" charset="-127"/>
-              </a:rPr>
-              <a:t>)</a:t>
-            </a:r>
-            <a:r>
-              <a:rPr kumimoji="0" lang="ko-KR" altLang="en-US" sz="1000">
-                <a:latin typeface="나눔고딕OTF" pitchFamily="34" charset="-127"/>
-                <a:ea typeface="나눔고딕OTF" pitchFamily="34" charset="-127"/>
-              </a:rPr>
-              <a:t>에 수납관련 정보가 나타납니다</a:t>
-            </a:r>
-            <a:r>
-              <a:rPr kumimoji="0" lang="en-US" altLang="ko-KR" sz="1000">
-                <a:latin typeface="나눔고딕OTF" pitchFamily="34" charset="-127"/>
-                <a:ea typeface="나눔고딕OTF" pitchFamily="34" charset="-127"/>
-              </a:rPr>
-              <a:t>.</a:t>
-            </a:r>
-          </a:p>
-          <a:p>
-            <a:pPr marL="228600" indent="-228600">
-              <a:lnSpc>
-                <a:spcPct val="120000"/>
-              </a:lnSpc>
-            </a:pPr>
-            <a:r>
-              <a:rPr kumimoji="0" lang="en-US" altLang="ko-KR" sz="1000">
-                <a:latin typeface="나눔고딕OTF" pitchFamily="34" charset="-127"/>
-                <a:ea typeface="나눔고딕OTF" pitchFamily="34" charset="-127"/>
-              </a:rPr>
-              <a:t>   - </a:t>
-            </a:r>
-            <a:r>
-              <a:rPr kumimoji="0" lang="ko-KR" altLang="en-US" sz="1000">
-                <a:latin typeface="나눔고딕OTF" pitchFamily="34" charset="-127"/>
-                <a:ea typeface="나눔고딕OTF" pitchFamily="34" charset="-127"/>
-              </a:rPr>
-              <a:t>하단</a:t>
-            </a:r>
-            <a:r>
-              <a:rPr kumimoji="0" lang="en-US" altLang="ko-KR" sz="1000">
-                <a:latin typeface="나눔고딕OTF" pitchFamily="34" charset="-127"/>
-                <a:ea typeface="나눔고딕OTF" pitchFamily="34" charset="-127"/>
-              </a:rPr>
-              <a:t>(2</a:t>
-            </a:r>
-            <a:r>
-              <a:rPr kumimoji="0" lang="ko-KR" altLang="en-US" sz="1000">
-                <a:latin typeface="나눔고딕OTF" pitchFamily="34" charset="-127"/>
-                <a:ea typeface="나눔고딕OTF" pitchFamily="34" charset="-127"/>
-              </a:rPr>
-              <a:t>번</a:t>
-            </a:r>
-            <a:r>
-              <a:rPr kumimoji="0" lang="en-US" altLang="ko-KR" sz="1000">
-                <a:latin typeface="나눔고딕OTF" pitchFamily="34" charset="-127"/>
-                <a:ea typeface="나눔고딕OTF" pitchFamily="34" charset="-127"/>
-              </a:rPr>
-              <a:t>)</a:t>
-            </a:r>
-            <a:r>
-              <a:rPr kumimoji="0" lang="ko-KR" altLang="en-US" sz="1000">
-                <a:latin typeface="나눔고딕OTF" pitchFamily="34" charset="-127"/>
-                <a:ea typeface="나눔고딕OTF" pitchFamily="34" charset="-127"/>
-              </a:rPr>
-              <a:t>에 수납 내역이 표시됩니다</a:t>
-            </a:r>
-            <a:r>
-              <a:rPr kumimoji="0" lang="en-US" altLang="ko-KR" sz="1000">
-                <a:latin typeface="나눔고딕OTF" pitchFamily="34" charset="-127"/>
-                <a:ea typeface="나눔고딕OTF" pitchFamily="34" charset="-127"/>
-              </a:rPr>
-              <a:t>.</a:t>
-            </a:r>
-          </a:p>
-          <a:p>
-            <a:pPr marL="228600" indent="-228600">
-              <a:lnSpc>
-                <a:spcPct val="120000"/>
-              </a:lnSpc>
-            </a:pPr>
-            <a:r>
-              <a:rPr kumimoji="0" lang="en-US" altLang="ko-KR" sz="1000">
-                <a:latin typeface="나눔고딕OTF" pitchFamily="34" charset="-127"/>
-                <a:ea typeface="나눔고딕OTF" pitchFamily="34" charset="-127"/>
-              </a:rPr>
-              <a:t>   - </a:t>
-            </a:r>
-            <a:r>
-              <a:rPr kumimoji="0" lang="ko-KR" altLang="en-US" sz="1000">
-                <a:latin typeface="나눔고딕OTF" pitchFamily="34" charset="-127"/>
-                <a:ea typeface="나눔고딕OTF" pitchFamily="34" charset="-127"/>
-              </a:rPr>
-              <a:t>기본적으로 총 수납금액이 </a:t>
-            </a:r>
-            <a:r>
-              <a:rPr kumimoji="0" lang="en-US" altLang="ko-KR" sz="1000">
-                <a:latin typeface="나눔고딕OTF" pitchFamily="34" charset="-127"/>
-                <a:ea typeface="나눔고딕OTF" pitchFamily="34" charset="-127"/>
-              </a:rPr>
-              <a:t>“</a:t>
-            </a:r>
-            <a:r>
-              <a:rPr kumimoji="0" lang="ko-KR" altLang="en-US" sz="1000">
-                <a:latin typeface="나눔고딕OTF" pitchFamily="34" charset="-127"/>
-                <a:ea typeface="나눔고딕OTF" pitchFamily="34" charset="-127"/>
-              </a:rPr>
-              <a:t>수납금액</a:t>
-            </a:r>
-            <a:r>
-              <a:rPr kumimoji="0" lang="en-US" altLang="ko-KR" sz="1000">
-                <a:latin typeface="나눔고딕OTF" pitchFamily="34" charset="-127"/>
-                <a:ea typeface="나눔고딕OTF" pitchFamily="34" charset="-127"/>
-              </a:rPr>
-              <a:t>”</a:t>
-            </a:r>
-            <a:r>
-              <a:rPr kumimoji="0" lang="ko-KR" altLang="en-US" sz="1000">
-                <a:latin typeface="나눔고딕OTF" pitchFamily="34" charset="-127"/>
-                <a:ea typeface="나눔고딕OTF" pitchFamily="34" charset="-127"/>
-              </a:rPr>
-              <a:t>에 표시되며</a:t>
-            </a:r>
-            <a:r>
-              <a:rPr kumimoji="0" lang="en-US" altLang="ko-KR" sz="1000">
-                <a:latin typeface="나눔고딕OTF" pitchFamily="34" charset="-127"/>
-                <a:ea typeface="나눔고딕OTF" pitchFamily="34" charset="-127"/>
-              </a:rPr>
-              <a:t>, </a:t>
-            </a:r>
-            <a:r>
-              <a:rPr kumimoji="0" lang="ko-KR" altLang="en-US" sz="1000">
-                <a:latin typeface="나눔고딕OTF" pitchFamily="34" charset="-127"/>
-                <a:ea typeface="나눔고딕OTF" pitchFamily="34" charset="-127"/>
-              </a:rPr>
-              <a:t>다 받지 않을</a:t>
-            </a:r>
-            <a:endParaRPr kumimoji="0" lang="en-US" altLang="ko-KR" sz="1000">
-              <a:latin typeface="나눔고딕OTF" pitchFamily="34" charset="-127"/>
-              <a:ea typeface="나눔고딕OTF" pitchFamily="34" charset="-127"/>
-            </a:endParaRPr>
-          </a:p>
-          <a:p>
-            <a:pPr marL="228600" indent="-228600">
-              <a:lnSpc>
-                <a:spcPct val="120000"/>
-              </a:lnSpc>
-            </a:pPr>
-            <a:r>
-              <a:rPr kumimoji="0" lang="en-US" altLang="ko-KR" sz="1000">
-                <a:latin typeface="나눔고딕OTF" pitchFamily="34" charset="-127"/>
-                <a:ea typeface="나눔고딕OTF" pitchFamily="34" charset="-127"/>
-              </a:rPr>
-              <a:t>	</a:t>
-            </a:r>
-            <a:r>
-              <a:rPr kumimoji="0" lang="ko-KR" altLang="en-US" sz="1000">
-                <a:latin typeface="나눔고딕OTF" pitchFamily="34" charset="-127"/>
-                <a:ea typeface="나눔고딕OTF" pitchFamily="34" charset="-127"/>
-              </a:rPr>
-              <a:t>경우에 단계적으로 저장 가능합니다</a:t>
-            </a:r>
-            <a:r>
-              <a:rPr kumimoji="0" lang="en-US" altLang="ko-KR" sz="1000">
-                <a:latin typeface="나눔고딕OTF" pitchFamily="34" charset="-127"/>
-                <a:ea typeface="나눔고딕OTF" pitchFamily="34" charset="-127"/>
-              </a:rPr>
-              <a:t>.</a:t>
-            </a:r>
-          </a:p>
-          <a:p>
-            <a:pPr marL="228600" indent="-228600">
-              <a:lnSpc>
-                <a:spcPct val="120000"/>
-              </a:lnSpc>
-            </a:pPr>
-            <a:r>
-              <a:rPr kumimoji="0" lang="en-US" altLang="ko-KR" sz="1000">
-                <a:latin typeface="나눔고딕OTF" pitchFamily="34" charset="-127"/>
-                <a:ea typeface="나눔고딕OTF" pitchFamily="34" charset="-127"/>
-              </a:rPr>
-              <a:t>   - </a:t>
-            </a:r>
-            <a:r>
-              <a:rPr kumimoji="0" lang="ko-KR" altLang="en-US" sz="1000">
-                <a:latin typeface="나눔고딕OTF" pitchFamily="34" charset="-127"/>
-                <a:ea typeface="나눔고딕OTF" pitchFamily="34" charset="-127"/>
-              </a:rPr>
-              <a:t>수납 내역을 추가하려면</a:t>
-            </a:r>
-            <a:r>
-              <a:rPr kumimoji="0" lang="en-US" altLang="ko-KR" sz="1000">
-                <a:latin typeface="나눔고딕OTF" pitchFamily="34" charset="-127"/>
-                <a:ea typeface="나눔고딕OTF" pitchFamily="34" charset="-127"/>
-              </a:rPr>
-              <a:t>, “</a:t>
-            </a:r>
-            <a:r>
-              <a:rPr kumimoji="0" lang="ko-KR" altLang="en-US" sz="1000">
-                <a:latin typeface="나눔고딕OTF" pitchFamily="34" charset="-127"/>
-                <a:ea typeface="나눔고딕OTF" pitchFamily="34" charset="-127"/>
-              </a:rPr>
-              <a:t>추가</a:t>
-            </a:r>
-            <a:r>
-              <a:rPr kumimoji="0" lang="en-US" altLang="ko-KR" sz="1000">
-                <a:latin typeface="나눔고딕OTF" pitchFamily="34" charset="-127"/>
-                <a:ea typeface="나눔고딕OTF" pitchFamily="34" charset="-127"/>
-              </a:rPr>
-              <a:t>” </a:t>
-            </a:r>
-            <a:r>
-              <a:rPr kumimoji="0" lang="ko-KR" altLang="en-US" sz="1000">
-                <a:latin typeface="나눔고딕OTF" pitchFamily="34" charset="-127"/>
-                <a:ea typeface="나눔고딕OTF" pitchFamily="34" charset="-127"/>
-              </a:rPr>
-              <a:t>버튼을 클릭한 뒤 수납 정보를</a:t>
-            </a:r>
-            <a:endParaRPr kumimoji="0" lang="en-US" altLang="ko-KR" sz="1000">
-              <a:latin typeface="나눔고딕OTF" pitchFamily="34" charset="-127"/>
-              <a:ea typeface="나눔고딕OTF" pitchFamily="34" charset="-127"/>
-            </a:endParaRPr>
-          </a:p>
-          <a:p>
-            <a:pPr marL="228600" indent="-228600">
-              <a:lnSpc>
-                <a:spcPct val="120000"/>
-              </a:lnSpc>
-            </a:pPr>
-            <a:r>
-              <a:rPr kumimoji="0" lang="en-US" altLang="ko-KR" sz="1000">
-                <a:latin typeface="나눔고딕OTF" pitchFamily="34" charset="-127"/>
-                <a:ea typeface="나눔고딕OTF" pitchFamily="34" charset="-127"/>
-              </a:rPr>
-              <a:t>	</a:t>
-            </a:r>
-            <a:r>
-              <a:rPr kumimoji="0" lang="ko-KR" altLang="en-US" sz="1000">
-                <a:latin typeface="나눔고딕OTF" pitchFamily="34" charset="-127"/>
-                <a:ea typeface="나눔고딕OTF" pitchFamily="34" charset="-127"/>
-              </a:rPr>
-              <a:t>입력합니다</a:t>
-            </a:r>
-            <a:r>
-              <a:rPr kumimoji="0" lang="en-US" altLang="ko-KR" sz="1000">
-                <a:latin typeface="나눔고딕OTF" pitchFamily="34" charset="-127"/>
-                <a:ea typeface="나눔고딕OTF" pitchFamily="34" charset="-127"/>
-              </a:rPr>
-              <a:t>.</a:t>
-            </a:r>
-          </a:p>
-          <a:p>
-            <a:pPr marL="228600" indent="-228600">
-              <a:lnSpc>
-                <a:spcPct val="120000"/>
-              </a:lnSpc>
-            </a:pPr>
-            <a:r>
-              <a:rPr kumimoji="0" lang="en-US" altLang="ko-KR" sz="1000">
-                <a:latin typeface="나눔고딕OTF" pitchFamily="34" charset="-127"/>
-                <a:ea typeface="나눔고딕OTF" pitchFamily="34" charset="-127"/>
-              </a:rPr>
-              <a:t>   - </a:t>
-            </a:r>
-            <a:r>
-              <a:rPr kumimoji="0" lang="ko-KR" altLang="en-US" sz="1000">
-                <a:latin typeface="나눔고딕OTF" pitchFamily="34" charset="-127"/>
-                <a:ea typeface="나눔고딕OTF" pitchFamily="34" charset="-127"/>
-              </a:rPr>
-              <a:t>수납 정보 입력 방법은 선 수납과 동일하고</a:t>
-            </a:r>
-            <a:r>
-              <a:rPr kumimoji="0" lang="en-US" altLang="ko-KR" sz="1000">
-                <a:latin typeface="나눔고딕OTF" pitchFamily="34" charset="-127"/>
-                <a:ea typeface="나눔고딕OTF" pitchFamily="34" charset="-127"/>
-              </a:rPr>
-              <a:t>, “</a:t>
-            </a:r>
-            <a:r>
-              <a:rPr kumimoji="0" lang="ko-KR" altLang="en-US" sz="1000">
-                <a:latin typeface="나눔고딕OTF" pitchFamily="34" charset="-127"/>
-                <a:ea typeface="나눔고딕OTF" pitchFamily="34" charset="-127"/>
-              </a:rPr>
-              <a:t>저장</a:t>
-            </a:r>
-            <a:r>
-              <a:rPr kumimoji="0" lang="en-US" altLang="ko-KR" sz="1000">
-                <a:latin typeface="나눔고딕OTF" pitchFamily="34" charset="-127"/>
-                <a:ea typeface="나눔고딕OTF" pitchFamily="34" charset="-127"/>
-              </a:rPr>
-              <a:t>” </a:t>
-            </a:r>
-            <a:r>
-              <a:rPr kumimoji="0" lang="ko-KR" altLang="en-US" sz="1000">
-                <a:latin typeface="나눔고딕OTF" pitchFamily="34" charset="-127"/>
-                <a:ea typeface="나눔고딕OTF" pitchFamily="34" charset="-127"/>
-              </a:rPr>
-              <a:t>버튼을 클릭</a:t>
-            </a:r>
-            <a:endParaRPr kumimoji="0" lang="en-US" altLang="ko-KR" sz="1000">
-              <a:latin typeface="나눔고딕OTF" pitchFamily="34" charset="-127"/>
-              <a:ea typeface="나눔고딕OTF" pitchFamily="34" charset="-127"/>
-            </a:endParaRPr>
-          </a:p>
-          <a:p>
-            <a:pPr marL="228600" indent="-228600">
-              <a:lnSpc>
-                <a:spcPct val="120000"/>
-              </a:lnSpc>
-            </a:pPr>
-            <a:r>
-              <a:rPr kumimoji="0" lang="en-US" altLang="ko-KR" sz="1000">
-                <a:latin typeface="나눔고딕OTF" pitchFamily="34" charset="-127"/>
-                <a:ea typeface="나눔고딕OTF" pitchFamily="34" charset="-127"/>
-              </a:rPr>
-              <a:t>	</a:t>
-            </a:r>
-            <a:r>
-              <a:rPr kumimoji="0" lang="ko-KR" altLang="en-US" sz="1000">
-                <a:latin typeface="나눔고딕OTF" pitchFamily="34" charset="-127"/>
-                <a:ea typeface="나눔고딕OTF" pitchFamily="34" charset="-127"/>
-              </a:rPr>
-              <a:t>하여 수납정보를 저장합니다</a:t>
-            </a:r>
-            <a:r>
-              <a:rPr kumimoji="0" lang="en-US" altLang="ko-KR" sz="1000">
-                <a:latin typeface="나눔고딕OTF" pitchFamily="34" charset="-127"/>
-                <a:ea typeface="나눔고딕OTF" pitchFamily="34" charset="-127"/>
-              </a:rPr>
-              <a:t>.</a:t>
-            </a:r>
-          </a:p>
-          <a:p>
-            <a:pPr marL="228600" indent="-228600">
-              <a:lnSpc>
-                <a:spcPct val="120000"/>
-              </a:lnSpc>
-            </a:pPr>
-            <a:r>
-              <a:rPr kumimoji="0" lang="en-US" altLang="ko-KR" sz="1000">
-                <a:latin typeface="나눔고딕OTF" pitchFamily="34" charset="-127"/>
-                <a:ea typeface="나눔고딕OTF" pitchFamily="34" charset="-127"/>
-              </a:rPr>
-              <a:t>   - </a:t>
-            </a:r>
-            <a:r>
-              <a:rPr kumimoji="0" lang="ko-KR" altLang="en-US" sz="1000">
-                <a:latin typeface="나눔고딕OTF" pitchFamily="34" charset="-127"/>
-                <a:ea typeface="나눔고딕OTF" pitchFamily="34" charset="-127"/>
-              </a:rPr>
-              <a:t>수납 내역 화면</a:t>
-            </a:r>
-            <a:r>
-              <a:rPr kumimoji="0" lang="en-US" altLang="ko-KR" sz="1000">
-                <a:latin typeface="나눔고딕OTF" pitchFamily="34" charset="-127"/>
-                <a:ea typeface="나눔고딕OTF" pitchFamily="34" charset="-127"/>
-              </a:rPr>
-              <a:t>(2</a:t>
-            </a:r>
-            <a:r>
-              <a:rPr kumimoji="0" lang="ko-KR" altLang="en-US" sz="1000">
-                <a:latin typeface="나눔고딕OTF" pitchFamily="34" charset="-127"/>
-                <a:ea typeface="나눔고딕OTF" pitchFamily="34" charset="-127"/>
-              </a:rPr>
-              <a:t>번</a:t>
-            </a:r>
-            <a:r>
-              <a:rPr kumimoji="0" lang="en-US" altLang="ko-KR" sz="1000">
-                <a:latin typeface="나눔고딕OTF" pitchFamily="34" charset="-127"/>
-                <a:ea typeface="나눔고딕OTF" pitchFamily="34" charset="-127"/>
-              </a:rPr>
-              <a:t>)</a:t>
-            </a:r>
-            <a:r>
-              <a:rPr kumimoji="0" lang="ko-KR" altLang="en-US" sz="1000">
-                <a:latin typeface="나눔고딕OTF" pitchFamily="34" charset="-127"/>
-                <a:ea typeface="나눔고딕OTF" pitchFamily="34" charset="-127"/>
-              </a:rPr>
-              <a:t>에서 수납내역을 선택한 뒤</a:t>
-            </a:r>
-            <a:r>
-              <a:rPr kumimoji="0" lang="en-US" altLang="ko-KR" sz="1000">
-                <a:latin typeface="나눔고딕OTF" pitchFamily="34" charset="-127"/>
-                <a:ea typeface="나눔고딕OTF" pitchFamily="34" charset="-127"/>
-              </a:rPr>
-              <a:t>, “</a:t>
-            </a:r>
-            <a:r>
-              <a:rPr kumimoji="0" lang="ko-KR" altLang="en-US" sz="1000">
-                <a:latin typeface="나눔고딕OTF" pitchFamily="34" charset="-127"/>
-                <a:ea typeface="나눔고딕OTF" pitchFamily="34" charset="-127"/>
-              </a:rPr>
-              <a:t>영수증</a:t>
-            </a:r>
-            <a:r>
-              <a:rPr kumimoji="0" lang="en-US" altLang="ko-KR" sz="1000">
-                <a:latin typeface="나눔고딕OTF" pitchFamily="34" charset="-127"/>
-                <a:ea typeface="나눔고딕OTF" pitchFamily="34" charset="-127"/>
-              </a:rPr>
-              <a:t>” </a:t>
-            </a:r>
-            <a:r>
-              <a:rPr kumimoji="0" lang="ko-KR" altLang="en-US" sz="1000">
-                <a:latin typeface="나눔고딕OTF" pitchFamily="34" charset="-127"/>
-                <a:ea typeface="나눔고딕OTF" pitchFamily="34" charset="-127"/>
-              </a:rPr>
-              <a:t>버튼을 클릭하면 영수증을 출력합니다</a:t>
-            </a:r>
-            <a:r>
-              <a:rPr kumimoji="0" lang="en-US" altLang="ko-KR" sz="1000">
-                <a:latin typeface="나눔고딕OTF" pitchFamily="34" charset="-127"/>
-                <a:ea typeface="나눔고딕OTF" pitchFamily="34" charset="-127"/>
-              </a:rPr>
-              <a:t>.</a:t>
-            </a:r>
-          </a:p>
-        </p:txBody>
-      </p:sp>
-      <p:sp>
-        <p:nvSpPr>
-          <p:cNvPr id="23559" name="TextBox 59"/>
-          <p:cNvSpPr txBox="1">
-            <a:spLocks noChangeArrowheads="1"/>
-          </p:cNvSpPr>
-          <p:nvPr/>
-        </p:nvSpPr>
-        <p:spPr bwMode="auto">
-          <a:xfrm>
-            <a:off x="415925" y="1052513"/>
-            <a:ext cx="4965700" cy="276225"/>
-          </a:xfrm>
-          <a:prstGeom prst="rect">
-            <a:avLst/>
-          </a:prstGeom>
-          <a:noFill/>
-          <a:ln w="9525">
-            <a:noFill/>
-            <a:miter lim="800000"/>
-            <a:headEnd/>
-            <a:tailEnd/>
-          </a:ln>
-        </p:spPr>
-        <p:txBody>
-          <a:bodyPr>
-            <a:spAutoFit/>
-          </a:bodyPr>
-          <a:lstStyle/>
-          <a:p>
-            <a:r>
-              <a:rPr kumimoji="0" lang="en-US" altLang="ko-KR" sz="1200">
-                <a:latin typeface="나눔고딕OTF" pitchFamily="34" charset="-127"/>
-                <a:ea typeface="나눔고딕OTF" pitchFamily="34" charset="-127"/>
-              </a:rPr>
-              <a:t> - </a:t>
-            </a:r>
-            <a:r>
-              <a:rPr kumimoji="0" lang="ko-KR" altLang="en-US" sz="1200">
-                <a:latin typeface="나눔고딕OTF" pitchFamily="34" charset="-127"/>
-                <a:ea typeface="나눔고딕OTF" pitchFamily="34" charset="-127"/>
-              </a:rPr>
-              <a:t>후 수납</a:t>
-            </a:r>
-            <a:r>
-              <a:rPr kumimoji="0" lang="en-US" altLang="ko-KR" sz="1200">
-                <a:latin typeface="나눔고딕OTF" pitchFamily="34" charset="-127"/>
-                <a:ea typeface="나눔고딕OTF" pitchFamily="34" charset="-127"/>
-              </a:rPr>
-              <a:t>(</a:t>
-            </a:r>
-            <a:r>
-              <a:rPr kumimoji="0" lang="ko-KR" altLang="en-US" sz="1200">
-                <a:latin typeface="나눔고딕OTF" pitchFamily="34" charset="-127"/>
-                <a:ea typeface="나눔고딕OTF" pitchFamily="34" charset="-127"/>
-              </a:rPr>
-              <a:t>검진 후 수납할 경우</a:t>
-            </a:r>
-            <a:r>
-              <a:rPr kumimoji="0" lang="en-US" altLang="ko-KR" sz="1200">
-                <a:latin typeface="나눔고딕OTF" pitchFamily="34" charset="-127"/>
-                <a:ea typeface="나눔고딕OTF" pitchFamily="34" charset="-127"/>
-              </a:rPr>
-              <a:t>)</a:t>
-            </a:r>
-          </a:p>
-        </p:txBody>
-      </p:sp>
-      <p:sp>
-        <p:nvSpPr>
-          <p:cNvPr id="13" name="직사각형 12"/>
-          <p:cNvSpPr/>
-          <p:nvPr/>
-        </p:nvSpPr>
-        <p:spPr>
-          <a:xfrm>
-            <a:off x="3810000" y="4687888"/>
-            <a:ext cx="1484313" cy="955675"/>
-          </a:xfrm>
-          <a:prstGeom prst="rect">
-            <a:avLst/>
-          </a:prstGeom>
-          <a:noFill/>
-          <a:ln>
-            <a:solidFill>
-              <a:srgbClr val="FF0000"/>
-            </a:solidFill>
-          </a:ln>
-        </p:spPr>
-        <p:style>
-          <a:lnRef idx="2">
-            <a:schemeClr val="accent1">
-              <a:shade val="50000"/>
-            </a:schemeClr>
-          </a:lnRef>
-          <a:fillRef idx="1">
-            <a:schemeClr val="accent1"/>
-          </a:fillRef>
-          <a:effectRef idx="0">
-            <a:schemeClr val="accent1"/>
-          </a:effectRef>
-          <a:fontRef idx="minor">
-            <a:schemeClr val="lt1"/>
-          </a:fontRef>
-        </p:style>
-        <p:txBody>
-          <a:bodyPr anchor="ctr"/>
-          <a:lstStyle/>
-          <a:p>
-            <a:pPr algn="ctr" fontAlgn="auto">
-              <a:spcBef>
-                <a:spcPts val="0"/>
-              </a:spcBef>
-              <a:spcAft>
-                <a:spcPts val="0"/>
-              </a:spcAft>
-              <a:defRPr/>
-            </a:pPr>
-            <a:endParaRPr kumimoji="0" lang="ko-KR" altLang="en-US">
-              <a:latin typeface="나눔고딕OTF" pitchFamily="34" charset="-127"/>
-              <a:ea typeface="나눔고딕OTF" pitchFamily="34" charset="-127"/>
-            </a:endParaRPr>
-          </a:p>
-        </p:txBody>
-      </p:sp>
-      <p:sp>
-        <p:nvSpPr>
-          <p:cNvPr id="14" name="타원 13"/>
-          <p:cNvSpPr/>
-          <p:nvPr/>
-        </p:nvSpPr>
-        <p:spPr>
-          <a:xfrm>
-            <a:off x="3609975" y="2071688"/>
-            <a:ext cx="285750" cy="285750"/>
-          </a:xfrm>
-          <a:prstGeom prst="ellipse">
-            <a:avLst/>
-          </a:prstGeom>
-          <a:solidFill>
-            <a:schemeClr val="bg1"/>
-          </a:solidFill>
-          <a:ln>
-            <a:solidFill>
-              <a:srgbClr val="FF0000"/>
-            </a:solidFill>
-          </a:ln>
-        </p:spPr>
-        <p:style>
-          <a:lnRef idx="2">
-            <a:schemeClr val="accent1">
-              <a:shade val="50000"/>
-            </a:schemeClr>
-          </a:lnRef>
-          <a:fillRef idx="1">
-            <a:schemeClr val="accent1"/>
-          </a:fillRef>
-          <a:effectRef idx="0">
-            <a:schemeClr val="accent1"/>
-          </a:effectRef>
-          <a:fontRef idx="minor">
-            <a:schemeClr val="lt1"/>
-          </a:fontRef>
-        </p:style>
-        <p:txBody>
-          <a:bodyPr anchor="ctr"/>
-          <a:lstStyle/>
-          <a:p>
-            <a:pPr algn="ctr">
-              <a:defRPr/>
-            </a:pPr>
-            <a:r>
-              <a:rPr lang="en-US" altLang="ko-KR" sz="1600" dirty="0">
-                <a:solidFill>
-                  <a:schemeClr val="tx1"/>
-                </a:solidFill>
-              </a:rPr>
-              <a:t>1</a:t>
-            </a:r>
-            <a:endParaRPr lang="ko-KR" altLang="en-US" sz="1600" dirty="0">
-              <a:solidFill>
-                <a:schemeClr val="tx1"/>
-              </a:solidFill>
-            </a:endParaRPr>
-          </a:p>
-        </p:txBody>
-      </p:sp>
-      <p:sp>
-        <p:nvSpPr>
-          <p:cNvPr id="15" name="타원 14"/>
-          <p:cNvSpPr/>
-          <p:nvPr/>
-        </p:nvSpPr>
-        <p:spPr>
-          <a:xfrm>
-            <a:off x="3546475" y="4500563"/>
-            <a:ext cx="285750" cy="285750"/>
-          </a:xfrm>
-          <a:prstGeom prst="ellipse">
-            <a:avLst/>
-          </a:prstGeom>
-          <a:solidFill>
-            <a:schemeClr val="bg1"/>
-          </a:solidFill>
-          <a:ln>
-            <a:solidFill>
-              <a:srgbClr val="FF0000"/>
-            </a:solidFill>
-          </a:ln>
-        </p:spPr>
-        <p:style>
-          <a:lnRef idx="2">
-            <a:schemeClr val="accent1">
-              <a:shade val="50000"/>
-            </a:schemeClr>
-          </a:lnRef>
-          <a:fillRef idx="1">
-            <a:schemeClr val="accent1"/>
-          </a:fillRef>
-          <a:effectRef idx="0">
-            <a:schemeClr val="accent1"/>
-          </a:effectRef>
-          <a:fontRef idx="minor">
-            <a:schemeClr val="lt1"/>
-          </a:fontRef>
-        </p:style>
-        <p:txBody>
-          <a:bodyPr anchor="ctr"/>
-          <a:lstStyle/>
-          <a:p>
-            <a:pPr algn="ctr">
-              <a:defRPr/>
-            </a:pPr>
-            <a:r>
-              <a:rPr lang="en-US" altLang="ko-KR" sz="1600" dirty="0">
-                <a:solidFill>
-                  <a:schemeClr val="tx1"/>
-                </a:solidFill>
-              </a:rPr>
-              <a:t>2</a:t>
-            </a:r>
-            <a:endParaRPr lang="ko-KR" altLang="en-US" sz="1600" dirty="0">
-              <a:solidFill>
-                <a:schemeClr val="tx1"/>
-              </a:solidFill>
             </a:endParaRPr>
           </a:p>
         </p:txBody>
@@ -16924,1383 +15181,6 @@
       </p:grpSpPr>
       <p:pic>
         <p:nvPicPr>
-          <p:cNvPr id="24578" name="Picture 2"/>
-          <p:cNvPicPr>
-            <a:picLocks noChangeAspect="1" noChangeArrowheads="1"/>
-          </p:cNvPicPr>
-          <p:nvPr/>
-        </p:nvPicPr>
-        <p:blipFill>
-          <a:blip r:embed="rId2"/>
-          <a:srcRect/>
-          <a:stretch>
-            <a:fillRect/>
-          </a:stretch>
-        </p:blipFill>
-        <p:spPr bwMode="auto">
-          <a:xfrm>
-            <a:off x="595313" y="1473200"/>
-            <a:ext cx="4687887" cy="4670425"/>
-          </a:xfrm>
-          <a:prstGeom prst="rect">
-            <a:avLst/>
-          </a:prstGeom>
-          <a:noFill/>
-          <a:ln w="9525">
-            <a:noFill/>
-            <a:miter lim="800000"/>
-            <a:headEnd/>
-            <a:tailEnd/>
-          </a:ln>
-        </p:spPr>
-      </p:pic>
-      <p:sp>
-        <p:nvSpPr>
-          <p:cNvPr id="6" name="TextBox 5"/>
-          <p:cNvSpPr txBox="1"/>
-          <p:nvPr/>
-        </p:nvSpPr>
-        <p:spPr>
-          <a:xfrm>
-            <a:off x="1497013" y="282575"/>
-            <a:ext cx="617537" cy="369888"/>
-          </a:xfrm>
-          <a:prstGeom prst="rect">
-            <a:avLst/>
-          </a:prstGeom>
-          <a:noFill/>
-        </p:spPr>
-        <p:txBody>
-          <a:bodyPr wrap="none">
-            <a:spAutoFit/>
-          </a:bodyPr>
-          <a:lstStyle/>
-          <a:p>
-            <a:pPr fontAlgn="auto">
-              <a:spcBef>
-                <a:spcPts val="0"/>
-              </a:spcBef>
-              <a:spcAft>
-                <a:spcPts val="0"/>
-              </a:spcAft>
-              <a:defRPr/>
-            </a:pPr>
-            <a:r>
-              <a:rPr kumimoji="0" lang="ko-KR" altLang="en-US" dirty="0">
-                <a:solidFill>
-                  <a:schemeClr val="bg1">
-                    <a:lumMod val="50000"/>
-                  </a:schemeClr>
-                </a:solidFill>
-                <a:latin typeface="나눔고딕OTF ExtraBold" pitchFamily="34" charset="-127"/>
-                <a:ea typeface="나눔고딕OTF ExtraBold" pitchFamily="34" charset="-127"/>
-              </a:rPr>
-              <a:t>수납</a:t>
-            </a:r>
-          </a:p>
-        </p:txBody>
-      </p:sp>
-      <p:sp>
-        <p:nvSpPr>
-          <p:cNvPr id="24580" name="TextBox 4"/>
-          <p:cNvSpPr txBox="1">
-            <a:spLocks noChangeArrowheads="1"/>
-          </p:cNvSpPr>
-          <p:nvPr/>
-        </p:nvSpPr>
-        <p:spPr bwMode="auto">
-          <a:xfrm>
-            <a:off x="381000" y="785813"/>
-            <a:ext cx="1409700" cy="307975"/>
-          </a:xfrm>
-          <a:prstGeom prst="rect">
-            <a:avLst/>
-          </a:prstGeom>
-          <a:noFill/>
-          <a:ln w="9525">
-            <a:noFill/>
-            <a:miter lim="800000"/>
-            <a:headEnd/>
-            <a:tailEnd/>
-          </a:ln>
-        </p:spPr>
-        <p:txBody>
-          <a:bodyPr wrap="none">
-            <a:spAutoFit/>
-          </a:bodyPr>
-          <a:lstStyle/>
-          <a:p>
-            <a:r>
-              <a:rPr kumimoji="0" lang="en-US" altLang="ko-KR" sz="1400" b="1">
-                <a:latin typeface="나눔고딕OTF" pitchFamily="34" charset="-127"/>
-                <a:ea typeface="나눔고딕OTF" pitchFamily="34" charset="-127"/>
-              </a:rPr>
-              <a:t>- </a:t>
-            </a:r>
-            <a:r>
-              <a:rPr kumimoji="0" lang="ko-KR" altLang="en-US" sz="1400" b="1">
-                <a:latin typeface="나눔고딕OTF" pitchFamily="34" charset="-127"/>
-                <a:ea typeface="나눔고딕OTF" pitchFamily="34" charset="-127"/>
-              </a:rPr>
-              <a:t>인적 수정 화면</a:t>
-            </a:r>
-          </a:p>
-        </p:txBody>
-      </p:sp>
-      <p:sp>
-        <p:nvSpPr>
-          <p:cNvPr id="11" name="직사각형 10"/>
-          <p:cNvSpPr/>
-          <p:nvPr/>
-        </p:nvSpPr>
-        <p:spPr>
-          <a:xfrm>
-            <a:off x="3810000" y="3929063"/>
-            <a:ext cx="857250" cy="142875"/>
-          </a:xfrm>
-          <a:prstGeom prst="rect">
-            <a:avLst/>
-          </a:prstGeom>
-          <a:noFill/>
-          <a:ln>
-            <a:solidFill>
-              <a:srgbClr val="FF0000"/>
-            </a:solidFill>
-          </a:ln>
-        </p:spPr>
-        <p:style>
-          <a:lnRef idx="2">
-            <a:schemeClr val="accent1">
-              <a:shade val="50000"/>
-            </a:schemeClr>
-          </a:lnRef>
-          <a:fillRef idx="1">
-            <a:schemeClr val="accent1"/>
-          </a:fillRef>
-          <a:effectRef idx="0">
-            <a:schemeClr val="accent1"/>
-          </a:effectRef>
-          <a:fontRef idx="minor">
-            <a:schemeClr val="lt1"/>
-          </a:fontRef>
-        </p:style>
-        <p:txBody>
-          <a:bodyPr anchor="ctr"/>
-          <a:lstStyle/>
-          <a:p>
-            <a:pPr algn="ctr" fontAlgn="auto">
-              <a:spcBef>
-                <a:spcPts val="0"/>
-              </a:spcBef>
-              <a:spcAft>
-                <a:spcPts val="0"/>
-              </a:spcAft>
-              <a:defRPr/>
-            </a:pPr>
-            <a:endParaRPr kumimoji="0" lang="ko-KR" altLang="en-US">
-              <a:latin typeface="나눔고딕OTF" pitchFamily="34" charset="-127"/>
-              <a:ea typeface="나눔고딕OTF" pitchFamily="34" charset="-127"/>
-            </a:endParaRPr>
-          </a:p>
-        </p:txBody>
-      </p:sp>
-      <p:sp>
-        <p:nvSpPr>
-          <p:cNvPr id="24582" name="TextBox 4"/>
-          <p:cNvSpPr txBox="1">
-            <a:spLocks noChangeArrowheads="1"/>
-          </p:cNvSpPr>
-          <p:nvPr/>
-        </p:nvSpPr>
-        <p:spPr bwMode="auto">
-          <a:xfrm>
-            <a:off x="5738813" y="1593850"/>
-            <a:ext cx="3894137" cy="1200150"/>
-          </a:xfrm>
-          <a:prstGeom prst="rect">
-            <a:avLst/>
-          </a:prstGeom>
-          <a:noFill/>
-          <a:ln w="9525">
-            <a:noFill/>
-            <a:miter lim="800000"/>
-            <a:headEnd/>
-            <a:tailEnd/>
-          </a:ln>
-        </p:spPr>
-        <p:txBody>
-          <a:bodyPr>
-            <a:spAutoFit/>
-          </a:bodyPr>
-          <a:lstStyle/>
-          <a:p>
-            <a:pPr marL="228600" indent="-228600">
-              <a:lnSpc>
-                <a:spcPct val="120000"/>
-              </a:lnSpc>
-              <a:buFontTx/>
-              <a:buAutoNum type="arabicParenR" startAt="3"/>
-            </a:pPr>
-            <a:r>
-              <a:rPr kumimoji="0" lang="ko-KR" altLang="en-US" sz="1000" b="1">
-                <a:latin typeface="나눔고딕OTF" pitchFamily="34" charset="-127"/>
-                <a:ea typeface="나눔고딕OTF" pitchFamily="34" charset="-127"/>
-              </a:rPr>
-              <a:t>환불</a:t>
-            </a:r>
-            <a:endParaRPr kumimoji="0" lang="en-US" altLang="ko-KR" sz="1000" b="1">
-              <a:latin typeface="나눔고딕OTF" pitchFamily="34" charset="-127"/>
-              <a:ea typeface="나눔고딕OTF" pitchFamily="34" charset="-127"/>
-            </a:endParaRPr>
-          </a:p>
-          <a:p>
-            <a:pPr marL="228600" indent="-228600">
-              <a:lnSpc>
-                <a:spcPct val="120000"/>
-              </a:lnSpc>
-            </a:pPr>
-            <a:r>
-              <a:rPr kumimoji="0" lang="en-US" altLang="ko-KR" sz="1000" b="1">
-                <a:latin typeface="나눔고딕OTF" pitchFamily="34" charset="-127"/>
-                <a:ea typeface="나눔고딕OTF" pitchFamily="34" charset="-127"/>
-              </a:rPr>
-              <a:t>   </a:t>
-            </a:r>
-            <a:r>
-              <a:rPr kumimoji="0" lang="en-US" altLang="ko-KR" sz="1000">
-                <a:latin typeface="나눔고딕OTF" pitchFamily="34" charset="-127"/>
-                <a:ea typeface="나눔고딕OTF" pitchFamily="34" charset="-127"/>
-              </a:rPr>
-              <a:t>- “</a:t>
-            </a:r>
-            <a:r>
-              <a:rPr kumimoji="0" lang="ko-KR" altLang="en-US" sz="1000">
-                <a:latin typeface="나눔고딕OTF" pitchFamily="34" charset="-127"/>
-                <a:ea typeface="나눔고딕OTF" pitchFamily="34" charset="-127"/>
-              </a:rPr>
-              <a:t>검사금액</a:t>
-            </a:r>
-            <a:r>
-              <a:rPr kumimoji="0" lang="en-US" altLang="ko-KR" sz="1000">
-                <a:latin typeface="나눔고딕OTF" pitchFamily="34" charset="-127"/>
-                <a:ea typeface="나눔고딕OTF" pitchFamily="34" charset="-127"/>
-              </a:rPr>
-              <a:t>”</a:t>
-            </a:r>
-            <a:r>
-              <a:rPr kumimoji="0" lang="ko-KR" altLang="en-US" sz="1000">
-                <a:latin typeface="나눔고딕OTF" pitchFamily="34" charset="-127"/>
-                <a:ea typeface="나눔고딕OTF" pitchFamily="34" charset="-127"/>
-              </a:rPr>
-              <a:t>란에 </a:t>
-            </a:r>
-            <a:r>
-              <a:rPr kumimoji="0" lang="ko-KR" altLang="en-US" sz="1000" u="sng">
-                <a:latin typeface="나눔고딕OTF" pitchFamily="34" charset="-127"/>
-                <a:ea typeface="나눔고딕OTF" pitchFamily="34" charset="-127"/>
-              </a:rPr>
-              <a:t>총 검진금액에서 환불금액을 뺀 금액을 입력합니다</a:t>
-            </a:r>
-            <a:r>
-              <a:rPr kumimoji="0" lang="en-US" altLang="ko-KR" sz="1000" u="sng">
-                <a:latin typeface="나눔고딕OTF" pitchFamily="34" charset="-127"/>
-                <a:ea typeface="나눔고딕OTF" pitchFamily="34" charset="-127"/>
-              </a:rPr>
-              <a:t>.</a:t>
-            </a:r>
-          </a:p>
-          <a:p>
-            <a:pPr marL="228600" indent="-228600">
-              <a:lnSpc>
-                <a:spcPct val="120000"/>
-              </a:lnSpc>
-            </a:pPr>
-            <a:r>
-              <a:rPr kumimoji="0" lang="en-US" altLang="ko-KR" sz="1000">
-                <a:latin typeface="나눔고딕OTF" pitchFamily="34" charset="-127"/>
-                <a:ea typeface="나눔고딕OTF" pitchFamily="34" charset="-127"/>
-              </a:rPr>
-              <a:t>   - “</a:t>
-            </a:r>
-            <a:r>
-              <a:rPr kumimoji="0" lang="ko-KR" altLang="en-US" sz="1000">
-                <a:latin typeface="나눔고딕OTF" pitchFamily="34" charset="-127"/>
-                <a:ea typeface="나눔고딕OTF" pitchFamily="34" charset="-127"/>
-              </a:rPr>
-              <a:t>추가</a:t>
-            </a:r>
-            <a:r>
-              <a:rPr kumimoji="0" lang="en-US" altLang="ko-KR" sz="1000">
-                <a:latin typeface="나눔고딕OTF" pitchFamily="34" charset="-127"/>
-                <a:ea typeface="나눔고딕OTF" pitchFamily="34" charset="-127"/>
-              </a:rPr>
-              <a:t>” </a:t>
-            </a:r>
-            <a:r>
-              <a:rPr kumimoji="0" lang="ko-KR" altLang="en-US" sz="1000">
-                <a:latin typeface="나눔고딕OTF" pitchFamily="34" charset="-127"/>
-                <a:ea typeface="나눔고딕OTF" pitchFamily="34" charset="-127"/>
-              </a:rPr>
-              <a:t>버튼을 클릭하면 </a:t>
-            </a:r>
-            <a:r>
-              <a:rPr kumimoji="0" lang="en-US" altLang="ko-KR" sz="1000">
-                <a:latin typeface="나눔고딕OTF" pitchFamily="34" charset="-127"/>
-                <a:ea typeface="나눔고딕OTF" pitchFamily="34" charset="-127"/>
-              </a:rPr>
-              <a:t>“</a:t>
-            </a:r>
-            <a:r>
-              <a:rPr kumimoji="0" lang="ko-KR" altLang="en-US" sz="1000">
-                <a:latin typeface="나눔고딕OTF" pitchFamily="34" charset="-127"/>
-                <a:ea typeface="나눔고딕OTF" pitchFamily="34" charset="-127"/>
-              </a:rPr>
-              <a:t>수납금액</a:t>
-            </a:r>
-            <a:r>
-              <a:rPr kumimoji="0" lang="en-US" altLang="ko-KR" sz="1000">
-                <a:latin typeface="나눔고딕OTF" pitchFamily="34" charset="-127"/>
-                <a:ea typeface="나눔고딕OTF" pitchFamily="34" charset="-127"/>
-              </a:rPr>
-              <a:t>”</a:t>
-            </a:r>
-            <a:r>
-              <a:rPr kumimoji="0" lang="ko-KR" altLang="en-US" sz="1000">
-                <a:latin typeface="나눔고딕OTF" pitchFamily="34" charset="-127"/>
-                <a:ea typeface="나눔고딕OTF" pitchFamily="34" charset="-127"/>
-              </a:rPr>
-              <a:t>란에 환불액이 나타납니다</a:t>
-            </a:r>
-            <a:r>
-              <a:rPr kumimoji="0" lang="en-US" altLang="ko-KR" sz="1000">
-                <a:latin typeface="나눔고딕OTF" pitchFamily="34" charset="-127"/>
-                <a:ea typeface="나눔고딕OTF" pitchFamily="34" charset="-127"/>
-              </a:rPr>
-              <a:t>.</a:t>
-            </a:r>
-          </a:p>
-          <a:p>
-            <a:pPr marL="228600" indent="-228600">
-              <a:lnSpc>
-                <a:spcPct val="120000"/>
-              </a:lnSpc>
-            </a:pPr>
-            <a:r>
-              <a:rPr kumimoji="0" lang="en-US" altLang="ko-KR" sz="1000">
-                <a:latin typeface="나눔고딕OTF" pitchFamily="34" charset="-127"/>
-                <a:ea typeface="나눔고딕OTF" pitchFamily="34" charset="-127"/>
-              </a:rPr>
-              <a:t>   - “</a:t>
-            </a:r>
-            <a:r>
-              <a:rPr kumimoji="0" lang="ko-KR" altLang="en-US" sz="1000">
-                <a:latin typeface="나눔고딕OTF" pitchFamily="34" charset="-127"/>
-                <a:ea typeface="나눔고딕OTF" pitchFamily="34" charset="-127"/>
-              </a:rPr>
-              <a:t>환불</a:t>
-            </a:r>
-            <a:r>
-              <a:rPr kumimoji="0" lang="en-US" altLang="ko-KR" sz="1000">
-                <a:latin typeface="나눔고딕OTF" pitchFamily="34" charset="-127"/>
-                <a:ea typeface="나눔고딕OTF" pitchFamily="34" charset="-127"/>
-              </a:rPr>
-              <a:t>”</a:t>
-            </a:r>
-            <a:r>
-              <a:rPr kumimoji="0" lang="ko-KR" altLang="en-US" sz="1000">
-                <a:latin typeface="나눔고딕OTF" pitchFamily="34" charset="-127"/>
-                <a:ea typeface="나눔고딕OTF" pitchFamily="34" charset="-127"/>
-              </a:rPr>
-              <a:t>에 체크하고</a:t>
-            </a:r>
-            <a:r>
-              <a:rPr kumimoji="0" lang="en-US" altLang="ko-KR" sz="1000">
-                <a:latin typeface="나눔고딕OTF" pitchFamily="34" charset="-127"/>
-                <a:ea typeface="나눔고딕OTF" pitchFamily="34" charset="-127"/>
-              </a:rPr>
-              <a:t>, </a:t>
-            </a:r>
-            <a:r>
-              <a:rPr kumimoji="0" lang="ko-KR" altLang="en-US" sz="1000">
-                <a:latin typeface="나눔고딕OTF" pitchFamily="34" charset="-127"/>
-                <a:ea typeface="나눔고딕OTF" pitchFamily="34" charset="-127"/>
-              </a:rPr>
-              <a:t>수납구분을 입력한 뒤 </a:t>
-            </a:r>
-            <a:r>
-              <a:rPr kumimoji="0" lang="en-US" altLang="ko-KR" sz="1000">
-                <a:latin typeface="나눔고딕OTF" pitchFamily="34" charset="-127"/>
-                <a:ea typeface="나눔고딕OTF" pitchFamily="34" charset="-127"/>
-              </a:rPr>
-              <a:t>“</a:t>
-            </a:r>
-            <a:r>
-              <a:rPr kumimoji="0" lang="ko-KR" altLang="en-US" sz="1000">
-                <a:latin typeface="나눔고딕OTF" pitchFamily="34" charset="-127"/>
-                <a:ea typeface="나눔고딕OTF" pitchFamily="34" charset="-127"/>
-              </a:rPr>
-              <a:t>저장</a:t>
-            </a:r>
-            <a:r>
-              <a:rPr kumimoji="0" lang="en-US" altLang="ko-KR" sz="1000">
-                <a:latin typeface="나눔고딕OTF" pitchFamily="34" charset="-127"/>
-                <a:ea typeface="나눔고딕OTF" pitchFamily="34" charset="-127"/>
-              </a:rPr>
-              <a:t>” </a:t>
-            </a:r>
-            <a:r>
-              <a:rPr kumimoji="0" lang="ko-KR" altLang="en-US" sz="1000">
-                <a:latin typeface="나눔고딕OTF" pitchFamily="34" charset="-127"/>
-                <a:ea typeface="나눔고딕OTF" pitchFamily="34" charset="-127"/>
-              </a:rPr>
-              <a:t>버튼을 클릭하면 환불 처리가 완료됩니다</a:t>
-            </a:r>
-            <a:r>
-              <a:rPr kumimoji="0" lang="en-US" altLang="ko-KR" sz="1000">
-                <a:latin typeface="나눔고딕OTF" pitchFamily="34" charset="-127"/>
-                <a:ea typeface="나눔고딕OTF" pitchFamily="34" charset="-127"/>
-              </a:rPr>
-              <a:t>.</a:t>
-            </a:r>
-          </a:p>
-          <a:p>
-            <a:pPr marL="228600" indent="-228600">
-              <a:lnSpc>
-                <a:spcPct val="120000"/>
-              </a:lnSpc>
-            </a:pPr>
-            <a:r>
-              <a:rPr kumimoji="0" lang="en-US" altLang="ko-KR" sz="1000">
-                <a:latin typeface="나눔고딕OTF" pitchFamily="34" charset="-127"/>
-                <a:ea typeface="나눔고딕OTF" pitchFamily="34" charset="-127"/>
-              </a:rPr>
-              <a:t>   </a:t>
-            </a:r>
-            <a:r>
-              <a:rPr kumimoji="0" lang="en-US" altLang="ko-KR" sz="1000">
-                <a:solidFill>
-                  <a:srgbClr val="FF0000"/>
-                </a:solidFill>
-                <a:latin typeface="나눔고딕OTF" pitchFamily="34" charset="-127"/>
-                <a:ea typeface="나눔고딕OTF" pitchFamily="34" charset="-127"/>
-              </a:rPr>
-              <a:t>* </a:t>
-            </a:r>
-            <a:r>
-              <a:rPr kumimoji="0" lang="ko-KR" altLang="en-US" sz="1000">
-                <a:solidFill>
-                  <a:srgbClr val="FF0000"/>
-                </a:solidFill>
-                <a:latin typeface="나눔고딕OTF" pitchFamily="34" charset="-127"/>
-                <a:ea typeface="나눔고딕OTF" pitchFamily="34" charset="-127"/>
-              </a:rPr>
-              <a:t>수납할 때 설정한 할인 및 감면 금액 정보 초기화 여부를 묻습니다</a:t>
-            </a:r>
-            <a:r>
-              <a:rPr kumimoji="0" lang="en-US" altLang="ko-KR" sz="1000">
-                <a:solidFill>
-                  <a:srgbClr val="FF0000"/>
-                </a:solidFill>
-                <a:latin typeface="나눔고딕OTF" pitchFamily="34" charset="-127"/>
-                <a:ea typeface="나눔고딕OTF" pitchFamily="34" charset="-127"/>
-              </a:rPr>
-              <a:t>.</a:t>
-            </a:r>
-            <a:endParaRPr kumimoji="0" lang="en-US" altLang="ko-KR" sz="1000">
-              <a:latin typeface="나눔고딕OTF" pitchFamily="34" charset="-127"/>
-              <a:ea typeface="나눔고딕OTF" pitchFamily="34" charset="-127"/>
-            </a:endParaRPr>
-          </a:p>
-        </p:txBody>
-      </p:sp>
-      <p:sp>
-        <p:nvSpPr>
-          <p:cNvPr id="13" name="직사각형 12"/>
-          <p:cNvSpPr/>
-          <p:nvPr/>
-        </p:nvSpPr>
-        <p:spPr>
-          <a:xfrm>
-            <a:off x="1350963" y="3740150"/>
-            <a:ext cx="857250" cy="169863"/>
-          </a:xfrm>
-          <a:prstGeom prst="rect">
-            <a:avLst/>
-          </a:prstGeom>
-          <a:noFill/>
-          <a:ln>
-            <a:solidFill>
-              <a:srgbClr val="FF0000"/>
-            </a:solidFill>
-          </a:ln>
-        </p:spPr>
-        <p:style>
-          <a:lnRef idx="2">
-            <a:schemeClr val="accent1">
-              <a:shade val="50000"/>
-            </a:schemeClr>
-          </a:lnRef>
-          <a:fillRef idx="1">
-            <a:schemeClr val="accent1"/>
-          </a:fillRef>
-          <a:effectRef idx="0">
-            <a:schemeClr val="accent1"/>
-          </a:effectRef>
-          <a:fontRef idx="minor">
-            <a:schemeClr val="lt1"/>
-          </a:fontRef>
-        </p:style>
-        <p:txBody>
-          <a:bodyPr anchor="ctr"/>
-          <a:lstStyle/>
-          <a:p>
-            <a:pPr algn="ctr" fontAlgn="auto">
-              <a:spcBef>
-                <a:spcPts val="0"/>
-              </a:spcBef>
-              <a:spcAft>
-                <a:spcPts val="0"/>
-              </a:spcAft>
-              <a:defRPr/>
-            </a:pPr>
-            <a:endParaRPr kumimoji="0" lang="ko-KR" altLang="en-US">
-              <a:latin typeface="나눔고딕OTF" pitchFamily="34" charset="-127"/>
-              <a:ea typeface="나눔고딕OTF" pitchFamily="34" charset="-127"/>
-            </a:endParaRPr>
-          </a:p>
-        </p:txBody>
-      </p:sp>
-      <p:sp>
-        <p:nvSpPr>
-          <p:cNvPr id="14" name="타원 13"/>
-          <p:cNvSpPr/>
-          <p:nvPr/>
-        </p:nvSpPr>
-        <p:spPr>
-          <a:xfrm>
-            <a:off x="1222375" y="3587750"/>
-            <a:ext cx="214313" cy="214313"/>
-          </a:xfrm>
-          <a:prstGeom prst="ellipse">
-            <a:avLst/>
-          </a:prstGeom>
-          <a:solidFill>
-            <a:schemeClr val="bg1"/>
-          </a:solidFill>
-          <a:ln>
-            <a:solidFill>
-              <a:srgbClr val="FF0000"/>
-            </a:solidFill>
-          </a:ln>
-        </p:spPr>
-        <p:style>
-          <a:lnRef idx="2">
-            <a:schemeClr val="accent1">
-              <a:shade val="50000"/>
-            </a:schemeClr>
-          </a:lnRef>
-          <a:fillRef idx="1">
-            <a:schemeClr val="accent1"/>
-          </a:fillRef>
-          <a:effectRef idx="0">
-            <a:schemeClr val="accent1"/>
-          </a:effectRef>
-          <a:fontRef idx="minor">
-            <a:schemeClr val="lt1"/>
-          </a:fontRef>
-        </p:style>
-        <p:txBody>
-          <a:bodyPr anchor="ctr"/>
-          <a:lstStyle/>
-          <a:p>
-            <a:pPr algn="ctr">
-              <a:defRPr/>
-            </a:pPr>
-            <a:r>
-              <a:rPr lang="en-US" altLang="ko-KR" sz="1400" dirty="0">
-                <a:solidFill>
-                  <a:schemeClr val="tx1"/>
-                </a:solidFill>
-              </a:rPr>
-              <a:t>1</a:t>
-            </a:r>
-          </a:p>
-        </p:txBody>
-      </p:sp>
-      <p:sp>
-        <p:nvSpPr>
-          <p:cNvPr id="12" name="타원 11"/>
-          <p:cNvSpPr/>
-          <p:nvPr/>
-        </p:nvSpPr>
-        <p:spPr>
-          <a:xfrm>
-            <a:off x="3667125" y="3786188"/>
-            <a:ext cx="214313" cy="214312"/>
-          </a:xfrm>
-          <a:prstGeom prst="ellipse">
-            <a:avLst/>
-          </a:prstGeom>
-          <a:solidFill>
-            <a:schemeClr val="bg1"/>
-          </a:solidFill>
-          <a:ln>
-            <a:solidFill>
-              <a:srgbClr val="FF0000"/>
-            </a:solidFill>
-          </a:ln>
-        </p:spPr>
-        <p:style>
-          <a:lnRef idx="2">
-            <a:schemeClr val="accent1">
-              <a:shade val="50000"/>
-            </a:schemeClr>
-          </a:lnRef>
-          <a:fillRef idx="1">
-            <a:schemeClr val="accent1"/>
-          </a:fillRef>
-          <a:effectRef idx="0">
-            <a:schemeClr val="accent1"/>
-          </a:effectRef>
-          <a:fontRef idx="minor">
-            <a:schemeClr val="lt1"/>
-          </a:fontRef>
-        </p:style>
-        <p:txBody>
-          <a:bodyPr anchor="ctr"/>
-          <a:lstStyle/>
-          <a:p>
-            <a:pPr algn="ctr">
-              <a:defRPr/>
-            </a:pPr>
-            <a:r>
-              <a:rPr lang="en-US" altLang="ko-KR" sz="1400" dirty="0">
-                <a:solidFill>
-                  <a:schemeClr val="tx1"/>
-                </a:solidFill>
-              </a:rPr>
-              <a:t>2</a:t>
-            </a:r>
-          </a:p>
-        </p:txBody>
-      </p:sp>
-      <p:sp>
-        <p:nvSpPr>
-          <p:cNvPr id="16" name="직사각형 15"/>
-          <p:cNvSpPr/>
-          <p:nvPr/>
-        </p:nvSpPr>
-        <p:spPr>
-          <a:xfrm>
-            <a:off x="4826000" y="3668713"/>
-            <a:ext cx="428625" cy="142875"/>
-          </a:xfrm>
-          <a:prstGeom prst="rect">
-            <a:avLst/>
-          </a:prstGeom>
-          <a:noFill/>
-          <a:ln>
-            <a:solidFill>
-              <a:srgbClr val="FF0000"/>
-            </a:solidFill>
-          </a:ln>
-        </p:spPr>
-        <p:style>
-          <a:lnRef idx="2">
-            <a:schemeClr val="accent1">
-              <a:shade val="50000"/>
-            </a:schemeClr>
-          </a:lnRef>
-          <a:fillRef idx="1">
-            <a:schemeClr val="accent1"/>
-          </a:fillRef>
-          <a:effectRef idx="0">
-            <a:schemeClr val="accent1"/>
-          </a:effectRef>
-          <a:fontRef idx="minor">
-            <a:schemeClr val="lt1"/>
-          </a:fontRef>
-        </p:style>
-        <p:txBody>
-          <a:bodyPr anchor="ctr"/>
-          <a:lstStyle/>
-          <a:p>
-            <a:pPr algn="ctr" fontAlgn="auto">
-              <a:spcBef>
-                <a:spcPts val="0"/>
-              </a:spcBef>
-              <a:spcAft>
-                <a:spcPts val="0"/>
-              </a:spcAft>
-              <a:defRPr/>
-            </a:pPr>
-            <a:endParaRPr kumimoji="0" lang="ko-KR" altLang="en-US">
-              <a:latin typeface="나눔고딕OTF" pitchFamily="34" charset="-127"/>
-              <a:ea typeface="나눔고딕OTF" pitchFamily="34" charset="-127"/>
-            </a:endParaRPr>
-          </a:p>
-        </p:txBody>
-      </p:sp>
-      <p:sp>
-        <p:nvSpPr>
-          <p:cNvPr id="17" name="타원 16"/>
-          <p:cNvSpPr/>
-          <p:nvPr/>
-        </p:nvSpPr>
-        <p:spPr>
-          <a:xfrm>
-            <a:off x="4667250" y="3500438"/>
-            <a:ext cx="214313" cy="214312"/>
-          </a:xfrm>
-          <a:prstGeom prst="ellipse">
-            <a:avLst/>
-          </a:prstGeom>
-          <a:solidFill>
-            <a:schemeClr val="bg1"/>
-          </a:solidFill>
-          <a:ln>
-            <a:solidFill>
-              <a:srgbClr val="FF0000"/>
-            </a:solidFill>
-          </a:ln>
-        </p:spPr>
-        <p:style>
-          <a:lnRef idx="2">
-            <a:schemeClr val="accent1">
-              <a:shade val="50000"/>
-            </a:schemeClr>
-          </a:lnRef>
-          <a:fillRef idx="1">
-            <a:schemeClr val="accent1"/>
-          </a:fillRef>
-          <a:effectRef idx="0">
-            <a:schemeClr val="accent1"/>
-          </a:effectRef>
-          <a:fontRef idx="minor">
-            <a:schemeClr val="lt1"/>
-          </a:fontRef>
-        </p:style>
-        <p:txBody>
-          <a:bodyPr anchor="ctr"/>
-          <a:lstStyle/>
-          <a:p>
-            <a:pPr algn="ctr">
-              <a:defRPr/>
-            </a:pPr>
-            <a:r>
-              <a:rPr lang="en-US" altLang="ko-KR" sz="1400" dirty="0">
-                <a:solidFill>
-                  <a:schemeClr val="tx1"/>
-                </a:solidFill>
-              </a:rPr>
-              <a:t>3</a:t>
-            </a:r>
-          </a:p>
-        </p:txBody>
-      </p:sp>
-      <p:pic>
-        <p:nvPicPr>
-          <p:cNvPr id="24588" name="Picture 3"/>
-          <p:cNvPicPr>
-            <a:picLocks noChangeAspect="1" noChangeArrowheads="1"/>
-          </p:cNvPicPr>
-          <p:nvPr/>
-        </p:nvPicPr>
-        <p:blipFill>
-          <a:blip r:embed="rId3"/>
-          <a:srcRect/>
-          <a:stretch>
-            <a:fillRect/>
-          </a:stretch>
-        </p:blipFill>
-        <p:spPr bwMode="auto">
-          <a:xfrm>
-            <a:off x="6024570" y="3214686"/>
-            <a:ext cx="2857500" cy="1196975"/>
-          </a:xfrm>
-          <a:prstGeom prst="rect">
-            <a:avLst/>
-          </a:prstGeom>
-          <a:noFill/>
-          <a:ln w="9525">
-            <a:solidFill>
-              <a:schemeClr val="tx1"/>
-            </a:solidFill>
-            <a:miter lim="800000"/>
-            <a:headEnd/>
-            <a:tailEnd/>
-          </a:ln>
-        </p:spPr>
-      </p:pic>
-    </p:spTree>
-  </p:cSld>
-  <p:clrMapOvr>
-    <a:masterClrMapping/>
-  </p:clrMapOvr>
-  <p:timing>
-    <p:tnLst>
-      <p:par>
-        <p:cTn id="1" dur="indefinite" restart="never" nodeType="tmRoot"/>
-      </p:par>
-    </p:tnLst>
-  </p:timing>
-</p:sld>
-</file>
-
-<file path=ppt/slides/slide21.xml><?xml version="1.0" encoding="utf-8"?>
-<p:sld xmlns:a="http://schemas.openxmlformats.org/drawingml/2006/main" xmlns:r="http://schemas.openxmlformats.org/officeDocument/2006/relationships" xmlns:p="http://schemas.openxmlformats.org/presentationml/2006/main">
-  <p:cSld>
-    <p:spTree>
-      <p:nvGrpSpPr>
-        <p:cNvPr id="1" name=""/>
-        <p:cNvGrpSpPr/>
-        <p:nvPr/>
-      </p:nvGrpSpPr>
-      <p:grpSpPr>
-        <a:xfrm>
-          <a:off x="0" y="0"/>
-          <a:ext cx="0" cy="0"/>
-          <a:chOff x="0" y="0"/>
-          <a:chExt cx="0" cy="0"/>
-        </a:xfrm>
-      </p:grpSpPr>
-      <p:sp>
-        <p:nvSpPr>
-          <p:cNvPr id="5" name="직사각형 4"/>
-          <p:cNvSpPr/>
-          <p:nvPr/>
-        </p:nvSpPr>
-        <p:spPr>
-          <a:xfrm flipH="1">
-            <a:off x="0" y="0"/>
-            <a:ext cx="9906000" cy="6858000"/>
-          </a:xfrm>
-          <a:prstGeom prst="rect">
-            <a:avLst/>
-          </a:prstGeom>
-          <a:solidFill>
-            <a:srgbClr val="BED395"/>
-          </a:solidFill>
-          <a:ln>
-            <a:noFill/>
-          </a:ln>
-        </p:spPr>
-        <p:style>
-          <a:lnRef idx="2">
-            <a:schemeClr val="accent1">
-              <a:shade val="50000"/>
-            </a:schemeClr>
-          </a:lnRef>
-          <a:fillRef idx="1">
-            <a:schemeClr val="accent1"/>
-          </a:fillRef>
-          <a:effectRef idx="0">
-            <a:schemeClr val="accent1"/>
-          </a:effectRef>
-          <a:fontRef idx="minor">
-            <a:schemeClr val="lt1"/>
-          </a:fontRef>
-        </p:style>
-        <p:txBody>
-          <a:bodyPr anchor="ctr"/>
-          <a:lstStyle/>
-          <a:p>
-            <a:pPr algn="ctr" fontAlgn="auto">
-              <a:spcBef>
-                <a:spcPts val="0"/>
-              </a:spcBef>
-              <a:spcAft>
-                <a:spcPts val="0"/>
-              </a:spcAft>
-              <a:defRPr/>
-            </a:pPr>
-            <a:endParaRPr kumimoji="0" lang="ko-KR" altLang="en-US"/>
-          </a:p>
-        </p:txBody>
-      </p:sp>
-      <p:sp>
-        <p:nvSpPr>
-          <p:cNvPr id="25603" name="TextBox 13"/>
-          <p:cNvSpPr txBox="1">
-            <a:spLocks noChangeArrowheads="1"/>
-          </p:cNvSpPr>
-          <p:nvPr/>
-        </p:nvSpPr>
-        <p:spPr bwMode="auto">
-          <a:xfrm>
-            <a:off x="3440113" y="2636838"/>
-            <a:ext cx="1757362" cy="923925"/>
-          </a:xfrm>
-          <a:prstGeom prst="rect">
-            <a:avLst/>
-          </a:prstGeom>
-          <a:noFill/>
-          <a:ln w="9525">
-            <a:noFill/>
-            <a:miter lim="800000"/>
-            <a:headEnd/>
-            <a:tailEnd/>
-          </a:ln>
-        </p:spPr>
-        <p:txBody>
-          <a:bodyPr wrap="none">
-            <a:spAutoFit/>
-          </a:bodyPr>
-          <a:lstStyle/>
-          <a:p>
-            <a:pPr marL="457200" indent="-457200">
-              <a:lnSpc>
-                <a:spcPct val="150000"/>
-              </a:lnSpc>
-            </a:pPr>
-            <a:r>
-              <a:rPr kumimoji="0" lang="en-US" altLang="ko-KR" sz="3600" b="1">
-                <a:solidFill>
-                  <a:schemeClr val="bg1"/>
-                </a:solidFill>
-                <a:latin typeface="나눔고딕OTF" pitchFamily="34" charset="-127"/>
-                <a:ea typeface="나눔고딕OTF" pitchFamily="34" charset="-127"/>
-              </a:rPr>
-              <a:t>Ⅳ. </a:t>
-            </a:r>
-            <a:r>
-              <a:rPr kumimoji="0" lang="ko-KR" altLang="en-US" sz="3600" b="1">
-                <a:solidFill>
-                  <a:schemeClr val="bg1"/>
-                </a:solidFill>
-                <a:latin typeface="나눔고딕OTF" pitchFamily="34" charset="-127"/>
-                <a:ea typeface="나눔고딕OTF" pitchFamily="34" charset="-127"/>
-              </a:rPr>
-              <a:t>예약</a:t>
-            </a:r>
-            <a:endParaRPr kumimoji="0" lang="en-US" altLang="ko-KR" sz="3600">
-              <a:solidFill>
-                <a:schemeClr val="bg1"/>
-              </a:solidFill>
-              <a:latin typeface="나눔고딕OTF" pitchFamily="34" charset="-127"/>
-              <a:ea typeface="나눔고딕OTF" pitchFamily="34" charset="-127"/>
-            </a:endParaRPr>
-          </a:p>
-        </p:txBody>
-      </p:sp>
-      <p:pic>
-        <p:nvPicPr>
-          <p:cNvPr id="25604" name="그림 7" descr="앨리스화면.png"/>
-          <p:cNvPicPr>
-            <a:picLocks noChangeAspect="1"/>
-          </p:cNvPicPr>
-          <p:nvPr/>
-        </p:nvPicPr>
-        <p:blipFill>
-          <a:blip r:embed="rId2"/>
-          <a:srcRect l="13019" t="12311" r="2361" b="5617"/>
-          <a:stretch>
-            <a:fillRect/>
-          </a:stretch>
-        </p:blipFill>
-        <p:spPr bwMode="auto">
-          <a:xfrm>
-            <a:off x="1639888" y="2708275"/>
-            <a:ext cx="1944687" cy="996950"/>
-          </a:xfrm>
-          <a:prstGeom prst="rect">
-            <a:avLst/>
-          </a:prstGeom>
-          <a:noFill/>
-          <a:ln w="9525">
-            <a:noFill/>
-            <a:miter lim="800000"/>
-            <a:headEnd/>
-            <a:tailEnd/>
-          </a:ln>
-        </p:spPr>
-      </p:pic>
-    </p:spTree>
-  </p:cSld>
-  <p:clrMapOvr>
-    <a:masterClrMapping/>
-  </p:clrMapOvr>
-  <p:timing>
-    <p:tnLst>
-      <p:par>
-        <p:cTn id="1" dur="indefinite" restart="never" nodeType="tmRoot"/>
-      </p:par>
-    </p:tnLst>
-  </p:timing>
-</p:sld>
-</file>
-
-<file path=ppt/slides/slide22.xml><?xml version="1.0" encoding="utf-8"?>
-<p:sld xmlns:a="http://schemas.openxmlformats.org/drawingml/2006/main" xmlns:r="http://schemas.openxmlformats.org/officeDocument/2006/relationships" xmlns:p="http://schemas.openxmlformats.org/presentationml/2006/main">
-  <p:cSld>
-    <p:spTree>
-      <p:nvGrpSpPr>
-        <p:cNvPr id="1" name=""/>
-        <p:cNvGrpSpPr/>
-        <p:nvPr/>
-      </p:nvGrpSpPr>
-      <p:grpSpPr>
-        <a:xfrm>
-          <a:off x="0" y="0"/>
-          <a:ext cx="0" cy="0"/>
-          <a:chOff x="0" y="0"/>
-          <a:chExt cx="0" cy="0"/>
-        </a:xfrm>
-      </p:grpSpPr>
-      <p:pic>
-        <p:nvPicPr>
-          <p:cNvPr id="26626" name="Picture 2"/>
-          <p:cNvPicPr>
-            <a:picLocks noChangeAspect="1" noChangeArrowheads="1"/>
-          </p:cNvPicPr>
-          <p:nvPr/>
-        </p:nvPicPr>
-        <p:blipFill>
-          <a:blip r:embed="rId2"/>
-          <a:stretch>
-            <a:fillRect/>
-          </a:stretch>
-        </p:blipFill>
-        <p:spPr bwMode="auto">
-          <a:xfrm>
-            <a:off x="1606892" y="1357313"/>
-            <a:ext cx="6685865" cy="4929187"/>
-          </a:xfrm>
-          <a:prstGeom prst="rect">
-            <a:avLst/>
-          </a:prstGeom>
-          <a:noFill/>
-          <a:ln w="9525">
-            <a:noFill/>
-            <a:miter lim="800000"/>
-            <a:headEnd/>
-            <a:tailEnd/>
-          </a:ln>
-        </p:spPr>
-      </p:pic>
-      <p:sp>
-        <p:nvSpPr>
-          <p:cNvPr id="6" name="TextBox 5"/>
-          <p:cNvSpPr txBox="1"/>
-          <p:nvPr/>
-        </p:nvSpPr>
-        <p:spPr>
-          <a:xfrm>
-            <a:off x="1497013" y="282575"/>
-            <a:ext cx="617537" cy="369888"/>
-          </a:xfrm>
-          <a:prstGeom prst="rect">
-            <a:avLst/>
-          </a:prstGeom>
-          <a:noFill/>
-        </p:spPr>
-        <p:txBody>
-          <a:bodyPr wrap="none">
-            <a:spAutoFit/>
-          </a:bodyPr>
-          <a:lstStyle/>
-          <a:p>
-            <a:pPr fontAlgn="auto">
-              <a:spcBef>
-                <a:spcPts val="0"/>
-              </a:spcBef>
-              <a:spcAft>
-                <a:spcPts val="0"/>
-              </a:spcAft>
-              <a:defRPr/>
-            </a:pPr>
-            <a:r>
-              <a:rPr kumimoji="0" lang="ko-KR" altLang="en-US" dirty="0">
-                <a:solidFill>
-                  <a:schemeClr val="bg1">
-                    <a:lumMod val="50000"/>
-                  </a:schemeClr>
-                </a:solidFill>
-                <a:latin typeface="나눔고딕OTF ExtraBold" pitchFamily="34" charset="-127"/>
-                <a:ea typeface="나눔고딕OTF ExtraBold" pitchFamily="34" charset="-127"/>
-              </a:rPr>
-              <a:t>예약</a:t>
-            </a:r>
-          </a:p>
-        </p:txBody>
-      </p:sp>
-      <p:sp>
-        <p:nvSpPr>
-          <p:cNvPr id="26628" name="TextBox 4"/>
-          <p:cNvSpPr txBox="1">
-            <a:spLocks noChangeArrowheads="1"/>
-          </p:cNvSpPr>
-          <p:nvPr/>
-        </p:nvSpPr>
-        <p:spPr bwMode="auto">
-          <a:xfrm>
-            <a:off x="381000" y="785813"/>
-            <a:ext cx="1022350" cy="307975"/>
-          </a:xfrm>
-          <a:prstGeom prst="rect">
-            <a:avLst/>
-          </a:prstGeom>
-          <a:noFill/>
-          <a:ln w="9525">
-            <a:noFill/>
-            <a:miter lim="800000"/>
-            <a:headEnd/>
-            <a:tailEnd/>
-          </a:ln>
-        </p:spPr>
-        <p:txBody>
-          <a:bodyPr wrap="none">
-            <a:spAutoFit/>
-          </a:bodyPr>
-          <a:lstStyle/>
-          <a:p>
-            <a:r>
-              <a:rPr kumimoji="0" lang="en-US" altLang="ko-KR" sz="1400" b="1">
-                <a:latin typeface="나눔고딕OTF" pitchFamily="34" charset="-127"/>
-                <a:ea typeface="나눔고딕OTF" pitchFamily="34" charset="-127"/>
-              </a:rPr>
-              <a:t>- </a:t>
-            </a:r>
-            <a:r>
-              <a:rPr kumimoji="0" lang="ko-KR" altLang="en-US" sz="1400" b="1">
-                <a:latin typeface="나눔고딕OTF" pitchFamily="34" charset="-127"/>
-                <a:ea typeface="나눔고딕OTF" pitchFamily="34" charset="-127"/>
-              </a:rPr>
-              <a:t>메인 화면</a:t>
-            </a:r>
-          </a:p>
-        </p:txBody>
-      </p:sp>
-      <p:sp>
-        <p:nvSpPr>
-          <p:cNvPr id="13" name="직사각형 12"/>
-          <p:cNvSpPr/>
-          <p:nvPr/>
-        </p:nvSpPr>
-        <p:spPr>
-          <a:xfrm>
-            <a:off x="1524000" y="1500188"/>
-            <a:ext cx="1285860" cy="714366"/>
-          </a:xfrm>
-          <a:prstGeom prst="rect">
-            <a:avLst/>
-          </a:prstGeom>
-          <a:noFill/>
-          <a:ln>
-            <a:solidFill>
-              <a:srgbClr val="FF0000"/>
-            </a:solidFill>
-          </a:ln>
-        </p:spPr>
-        <p:style>
-          <a:lnRef idx="2">
-            <a:schemeClr val="accent1">
-              <a:shade val="50000"/>
-            </a:schemeClr>
-          </a:lnRef>
-          <a:fillRef idx="1">
-            <a:schemeClr val="accent1"/>
-          </a:fillRef>
-          <a:effectRef idx="0">
-            <a:schemeClr val="accent1"/>
-          </a:effectRef>
-          <a:fontRef idx="minor">
-            <a:schemeClr val="lt1"/>
-          </a:fontRef>
-        </p:style>
-        <p:txBody>
-          <a:bodyPr anchor="ctr"/>
-          <a:lstStyle/>
-          <a:p>
-            <a:pPr algn="ctr" fontAlgn="auto">
-              <a:spcBef>
-                <a:spcPts val="0"/>
-              </a:spcBef>
-              <a:spcAft>
-                <a:spcPts val="0"/>
-              </a:spcAft>
-              <a:defRPr/>
-            </a:pPr>
-            <a:endParaRPr kumimoji="0" lang="ko-KR" altLang="en-US">
-              <a:latin typeface="나눔고딕OTF" pitchFamily="34" charset="-127"/>
-              <a:ea typeface="나눔고딕OTF" pitchFamily="34" charset="-127"/>
-            </a:endParaRPr>
-          </a:p>
-        </p:txBody>
-      </p:sp>
-      <p:sp>
-        <p:nvSpPr>
-          <p:cNvPr id="26630" name="TextBox 59"/>
-          <p:cNvSpPr txBox="1">
-            <a:spLocks noChangeArrowheads="1"/>
-          </p:cNvSpPr>
-          <p:nvPr/>
-        </p:nvSpPr>
-        <p:spPr bwMode="auto">
-          <a:xfrm>
-            <a:off x="415925" y="1052513"/>
-            <a:ext cx="4965700" cy="276225"/>
-          </a:xfrm>
-          <a:prstGeom prst="rect">
-            <a:avLst/>
-          </a:prstGeom>
-          <a:noFill/>
-          <a:ln w="9525">
-            <a:noFill/>
-            <a:miter lim="800000"/>
-            <a:headEnd/>
-            <a:tailEnd/>
-          </a:ln>
-        </p:spPr>
-        <p:txBody>
-          <a:bodyPr>
-            <a:spAutoFit/>
-          </a:bodyPr>
-          <a:lstStyle/>
-          <a:p>
-            <a:r>
-              <a:rPr kumimoji="0" lang="en-US" altLang="ko-KR" sz="1200">
-                <a:latin typeface="나눔고딕OTF" pitchFamily="34" charset="-127"/>
-                <a:ea typeface="나눔고딕OTF" pitchFamily="34" charset="-127"/>
-              </a:rPr>
-              <a:t> - </a:t>
-            </a:r>
-            <a:r>
-              <a:rPr kumimoji="0" lang="ko-KR" altLang="en-US" sz="1200">
-                <a:latin typeface="나눔고딕OTF" pitchFamily="34" charset="-127"/>
-                <a:ea typeface="나눔고딕OTF" pitchFamily="34" charset="-127"/>
-              </a:rPr>
-              <a:t>예약관리 </a:t>
-            </a:r>
-            <a:r>
-              <a:rPr kumimoji="0" lang="en-US" altLang="ko-KR" sz="1200">
-                <a:latin typeface="나눔고딕OTF" pitchFamily="34" charset="-127"/>
-                <a:ea typeface="나눔고딕OTF" pitchFamily="34" charset="-127"/>
-              </a:rPr>
-              <a:t>– </a:t>
-            </a:r>
-            <a:r>
-              <a:rPr kumimoji="0" lang="ko-KR" altLang="en-US" sz="1200">
-                <a:latin typeface="나눔고딕OTF" pitchFamily="34" charset="-127"/>
-                <a:ea typeface="나눔고딕OTF" pitchFamily="34" charset="-127"/>
-              </a:rPr>
-              <a:t>검진예약 버튼을 클릭하면</a:t>
-            </a:r>
-            <a:r>
-              <a:rPr kumimoji="0" lang="en-US" altLang="ko-KR" sz="1200">
-                <a:latin typeface="나눔고딕OTF" pitchFamily="34" charset="-127"/>
-                <a:ea typeface="나눔고딕OTF" pitchFamily="34" charset="-127"/>
-              </a:rPr>
-              <a:t>, </a:t>
-            </a:r>
-            <a:r>
-              <a:rPr kumimoji="0" lang="ko-KR" altLang="en-US" sz="1200">
-                <a:latin typeface="나눔고딕OTF" pitchFamily="34" charset="-127"/>
-                <a:ea typeface="나눔고딕OTF" pitchFamily="34" charset="-127"/>
-              </a:rPr>
-              <a:t>검진예약 화면이 나타납니다</a:t>
-            </a:r>
-            <a:r>
-              <a:rPr kumimoji="0" lang="en-US" altLang="ko-KR" sz="1200">
-                <a:latin typeface="나눔고딕OTF" pitchFamily="34" charset="-127"/>
-                <a:ea typeface="나눔고딕OTF" pitchFamily="34" charset="-127"/>
-              </a:rPr>
-              <a:t>.</a:t>
-            </a:r>
-          </a:p>
-        </p:txBody>
-      </p:sp>
-      <p:sp>
-        <p:nvSpPr>
-          <p:cNvPr id="8" name="직사각형 7"/>
-          <p:cNvSpPr/>
-          <p:nvPr/>
-        </p:nvSpPr>
-        <p:spPr>
-          <a:xfrm>
-            <a:off x="1758094" y="1855092"/>
-            <a:ext cx="704850" cy="169862"/>
-          </a:xfrm>
-          <a:prstGeom prst="rect">
-            <a:avLst/>
-          </a:prstGeom>
-          <a:noFill/>
-          <a:ln>
-            <a:solidFill>
-              <a:srgbClr val="FF0000"/>
-            </a:solidFill>
-          </a:ln>
-        </p:spPr>
-        <p:style>
-          <a:lnRef idx="2">
-            <a:schemeClr val="accent1">
-              <a:shade val="50000"/>
-            </a:schemeClr>
-          </a:lnRef>
-          <a:fillRef idx="1">
-            <a:schemeClr val="accent1"/>
-          </a:fillRef>
-          <a:effectRef idx="0">
-            <a:schemeClr val="accent1"/>
-          </a:effectRef>
-          <a:fontRef idx="minor">
-            <a:schemeClr val="lt1"/>
-          </a:fontRef>
-        </p:style>
-        <p:txBody>
-          <a:bodyPr anchor="ctr"/>
-          <a:lstStyle/>
-          <a:p>
-            <a:pPr algn="ctr" fontAlgn="auto">
-              <a:spcBef>
-                <a:spcPts val="0"/>
-              </a:spcBef>
-              <a:spcAft>
-                <a:spcPts val="0"/>
-              </a:spcAft>
-              <a:defRPr/>
-            </a:pPr>
-            <a:endParaRPr kumimoji="0" lang="ko-KR" altLang="en-US">
-              <a:latin typeface="나눔고딕OTF" pitchFamily="34" charset="-127"/>
-              <a:ea typeface="나눔고딕OTF" pitchFamily="34" charset="-127"/>
-            </a:endParaRPr>
-          </a:p>
-        </p:txBody>
-      </p:sp>
-    </p:spTree>
-  </p:cSld>
-  <p:clrMapOvr>
-    <a:masterClrMapping/>
-  </p:clrMapOvr>
-  <p:timing>
-    <p:tnLst>
-      <p:par>
-        <p:cTn id="1" dur="indefinite" restart="never" nodeType="tmRoot"/>
-      </p:par>
-    </p:tnLst>
-  </p:timing>
-</p:sld>
-</file>
-
-<file path=ppt/slides/slide23.xml><?xml version="1.0" encoding="utf-8"?>
-<p:sld xmlns:a="http://schemas.openxmlformats.org/drawingml/2006/main" xmlns:r="http://schemas.openxmlformats.org/officeDocument/2006/relationships" xmlns:p="http://schemas.openxmlformats.org/presentationml/2006/main">
-  <p:cSld>
-    <p:spTree>
-      <p:nvGrpSpPr>
-        <p:cNvPr id="1" name=""/>
-        <p:cNvGrpSpPr/>
-        <p:nvPr/>
-      </p:nvGrpSpPr>
-      <p:grpSpPr>
-        <a:xfrm>
-          <a:off x="0" y="0"/>
-          <a:ext cx="0" cy="0"/>
-          <a:chOff x="0" y="0"/>
-          <a:chExt cx="0" cy="0"/>
-        </a:xfrm>
-      </p:grpSpPr>
-      <p:pic>
-        <p:nvPicPr>
           <p:cNvPr id="22530" name="Picture 8"/>
           <p:cNvPicPr>
             <a:picLocks noChangeAspect="1" noChangeArrowheads="1"/>
@@ -19556,7 +16436,7 @@
 </p:sld>
 </file>
 
-<file path=ppt/slides/slide24.xml><?xml version="1.0" encoding="utf-8"?>
+<file path=ppt/slides/slide21.xml><?xml version="1.0" encoding="utf-8"?>
 <p:sld xmlns:a="http://schemas.openxmlformats.org/drawingml/2006/main" xmlns:r="http://schemas.openxmlformats.org/officeDocument/2006/relationships" xmlns:p="http://schemas.openxmlformats.org/presentationml/2006/main">
   <p:cSld>
     <p:spTree>
@@ -19776,14 +16656,7 @@
                 <a:latin typeface="나눔고딕OTF" pitchFamily="34" charset="-127"/>
                 <a:ea typeface="나눔고딕OTF" pitchFamily="34" charset="-127"/>
               </a:rPr>
-              <a:t>검진예약 </a:t>
-            </a:r>
-            <a:r>
-              <a:rPr kumimoji="0" lang="ko-KR" altLang="en-US" sz="1200" dirty="0" smtClean="0">
-                <a:latin typeface="나눔고딕OTF" pitchFamily="34" charset="-127"/>
-                <a:ea typeface="나눔고딕OTF" pitchFamily="34" charset="-127"/>
-              </a:rPr>
-              <a:t>화면</a:t>
+              <a:t>검진예약 화면</a:t>
             </a:r>
             <a:endParaRPr kumimoji="0" lang="en-US" altLang="ko-KR" sz="1200" dirty="0" smtClean="0">
               <a:latin typeface="나눔고딕OTF" pitchFamily="34" charset="-127"/>
@@ -19923,14 +16796,7 @@
                   <a:latin typeface="나눔고딕OTF" pitchFamily="34" charset="-127"/>
                   <a:ea typeface="나눔고딕OTF" pitchFamily="34" charset="-127"/>
                 </a:rPr>
-                <a:t> </a:t>
-              </a:r>
-              <a:r>
-                <a:rPr kumimoji="0" lang="en-US" altLang="ko-KR" sz="1000" b="1" dirty="0" smtClean="0">
-                  <a:latin typeface="나눔고딕OTF" pitchFamily="34" charset="-127"/>
-                  <a:ea typeface="나눔고딕OTF" pitchFamily="34" charset="-127"/>
-                </a:rPr>
-                <a:t>  </a:t>
+                <a:t>   </a:t>
               </a:r>
               <a:r>
                 <a:rPr kumimoji="0" lang="en-US" altLang="ko-KR" sz="1000" dirty="0" smtClean="0">
@@ -19979,14 +16845,7 @@
                   <a:latin typeface="나눔고딕OTF" pitchFamily="34" charset="-127"/>
                   <a:ea typeface="나눔고딕OTF" pitchFamily="34" charset="-127"/>
                 </a:rPr>
-                <a:t> </a:t>
-              </a:r>
-              <a:r>
-                <a:rPr kumimoji="0" lang="en-US" altLang="ko-KR" sz="1000" b="1" dirty="0" smtClean="0">
-                  <a:latin typeface="나눔고딕OTF" pitchFamily="34" charset="-127"/>
-                  <a:ea typeface="나눔고딕OTF" pitchFamily="34" charset="-127"/>
-                </a:rPr>
-                <a:t>  </a:t>
+                <a:t>   </a:t>
               </a:r>
               <a:r>
                 <a:rPr kumimoji="0" lang="en-US" altLang="ko-KR" sz="1000" dirty="0" smtClean="0">
@@ -20049,21 +16908,7 @@
                   <a:latin typeface="나눔고딕OTF" pitchFamily="34" charset="-127"/>
                   <a:ea typeface="나눔고딕OTF" pitchFamily="34" charset="-127"/>
                 </a:rPr>
-                <a:t> </a:t>
-              </a:r>
-              <a:r>
-                <a:rPr kumimoji="0" lang="en-US" altLang="ko-KR" sz="1000" dirty="0" smtClean="0">
-                  <a:latin typeface="나눔고딕OTF" pitchFamily="34" charset="-127"/>
-                  <a:ea typeface="나눔고딕OTF" pitchFamily="34" charset="-127"/>
-                </a:rPr>
-                <a:t>  - </a:t>
-              </a:r>
-              <a:r>
-                <a:rPr kumimoji="0" lang="en-US" altLang="ko-KR" sz="1000" dirty="0" smtClean="0">
-                  <a:latin typeface="나눔고딕OTF" pitchFamily="34" charset="-127"/>
-                  <a:ea typeface="나눔고딕OTF" pitchFamily="34" charset="-127"/>
-                </a:rPr>
-                <a:t>“</a:t>
+                <a:t>   - “</a:t>
               </a:r>
               <a:r>
                 <a:rPr kumimoji="0" lang="ko-KR" altLang="en-US" sz="1000" dirty="0" smtClean="0">
@@ -20133,14 +16978,7 @@
                   <a:latin typeface="나눔고딕OTF" pitchFamily="34" charset="-127"/>
                   <a:ea typeface="나눔고딕OTF" pitchFamily="34" charset="-127"/>
                 </a:rPr>
-                <a:t> </a:t>
-              </a:r>
-              <a:r>
-                <a:rPr kumimoji="0" lang="en-US" altLang="ko-KR" sz="1000" dirty="0" smtClean="0">
-                  <a:latin typeface="나눔고딕OTF" pitchFamily="34" charset="-127"/>
-                  <a:ea typeface="나눔고딕OTF" pitchFamily="34" charset="-127"/>
-                </a:rPr>
-                <a:t>  </a:t>
+                <a:t>   </a:t>
               </a:r>
             </a:p>
             <a:p>
@@ -20216,21 +17054,7 @@
                   <a:latin typeface="나눔고딕OTF" pitchFamily="34" charset="-127"/>
                   <a:ea typeface="나눔고딕OTF" pitchFamily="34" charset="-127"/>
                 </a:rPr>
-                <a:t>접수처리 된 내역은 예약일자 </a:t>
-              </a:r>
-              <a:r>
-                <a:rPr kumimoji="0" lang="ko-KR" altLang="en-US" sz="1000" dirty="0" smtClean="0">
-                  <a:latin typeface="나눔고딕OTF" pitchFamily="34" charset="-127"/>
-                  <a:ea typeface="나눔고딕OTF" pitchFamily="34" charset="-127"/>
-                </a:rPr>
-                <a:t>칸</a:t>
-              </a:r>
-              <a:r>
-                <a:rPr kumimoji="0" lang="ko-KR" altLang="en-US" sz="1000" dirty="0" smtClean="0">
-                  <a:latin typeface="나눔고딕OTF" pitchFamily="34" charset="-127"/>
-                  <a:ea typeface="나눔고딕OTF" pitchFamily="34" charset="-127"/>
-                </a:rPr>
-                <a:t>의 색이 변경됩니다</a:t>
+                <a:t>접수처리 된 내역은 예약일자 칸의 색이 변경됩니다</a:t>
               </a:r>
               <a:r>
                 <a:rPr kumimoji="0" lang="en-US" altLang="ko-KR" sz="1000" dirty="0" smtClean="0">
@@ -20298,33 +17122,22 @@
                   <a:latin typeface="나눔고딕OTF" pitchFamily="34" charset="-127"/>
                   <a:ea typeface="나눔고딕OTF" pitchFamily="34" charset="-127"/>
                 </a:rPr>
-                <a:t>” </a:t>
+                <a:t>” : </a:t>
+              </a:r>
+              <a:r>
+                <a:rPr kumimoji="0" lang="ko-KR" altLang="en-US" sz="1000" dirty="0" smtClean="0">
+                  <a:latin typeface="나눔고딕OTF" pitchFamily="34" charset="-127"/>
+                  <a:ea typeface="나눔고딕OTF" pitchFamily="34" charset="-127"/>
+                </a:rPr>
+                <a:t>예약내역의 접수 처리를 취소합니다</a:t>
               </a:r>
               <a:r>
                 <a:rPr kumimoji="0" lang="en-US" altLang="ko-KR" sz="1000" dirty="0" smtClean="0">
                   <a:latin typeface="나눔고딕OTF" pitchFamily="34" charset="-127"/>
                   <a:ea typeface="나눔고딕OTF" pitchFamily="34" charset="-127"/>
                 </a:rPr>
-                <a:t>: </a:t>
-              </a:r>
-              <a:r>
-                <a:rPr kumimoji="0" lang="ko-KR" altLang="en-US" sz="1000" dirty="0" smtClean="0">
-                  <a:latin typeface="나눔고딕OTF" pitchFamily="34" charset="-127"/>
-                  <a:ea typeface="나눔고딕OTF" pitchFamily="34" charset="-127"/>
-                </a:rPr>
-                <a:t>예약내역의 접수 처리를 취소합니다</a:t>
-              </a:r>
-              <a:r>
-                <a:rPr kumimoji="0" lang="en-US" altLang="ko-KR" sz="1000" dirty="0" smtClean="0">
-                  <a:latin typeface="나눔고딕OTF" pitchFamily="34" charset="-127"/>
-                  <a:ea typeface="나눔고딕OTF" pitchFamily="34" charset="-127"/>
-                </a:rPr>
                 <a:t>.</a:t>
               </a:r>
-              <a:endParaRPr kumimoji="0" lang="en-US" altLang="ko-KR" sz="1000" dirty="0" smtClean="0">
-                <a:latin typeface="나눔고딕OTF" pitchFamily="34" charset="-127"/>
-                <a:ea typeface="나눔고딕OTF" pitchFamily="34" charset="-127"/>
-              </a:endParaRPr>
             </a:p>
             <a:p>
               <a:pPr marL="228600" indent="-228600">
@@ -20337,14 +17150,7 @@
                   <a:latin typeface="나눔고딕OTF" pitchFamily="34" charset="-127"/>
                   <a:ea typeface="나눔고딕OTF" pitchFamily="34" charset="-127"/>
                 </a:rPr>
-                <a:t>   - </a:t>
-              </a:r>
-              <a:r>
-                <a:rPr kumimoji="0" lang="en-US" altLang="ko-KR" sz="1000" dirty="0" smtClean="0">
-                  <a:latin typeface="나눔고딕OTF" pitchFamily="34" charset="-127"/>
-                  <a:ea typeface="나눔고딕OTF" pitchFamily="34" charset="-127"/>
-                </a:rPr>
-                <a:t>“</a:t>
+                <a:t>   - “</a:t>
               </a:r>
               <a:r>
                 <a:rPr kumimoji="0" lang="ko-KR" altLang="en-US" sz="1000" dirty="0" smtClean="0">
@@ -20532,7 +17338,7 @@
 </p:sld>
 </file>
 
-<file path=ppt/slides/slide25.xml><?xml version="1.0" encoding="utf-8"?>
+<file path=ppt/slides/slide22.xml><?xml version="1.0" encoding="utf-8"?>
 <p:sld xmlns:a="http://schemas.openxmlformats.org/drawingml/2006/main" xmlns:r="http://schemas.openxmlformats.org/officeDocument/2006/relationships" xmlns:p="http://schemas.openxmlformats.org/presentationml/2006/main">
   <p:cSld>
     <p:spTree>
@@ -20749,14 +17555,7 @@
                 <a:latin typeface="나눔고딕OTF" pitchFamily="34" charset="-127"/>
                 <a:ea typeface="나눔고딕OTF" pitchFamily="34" charset="-127"/>
               </a:rPr>
-              <a:t> </a:t>
-            </a:r>
-            <a:r>
-              <a:rPr kumimoji="0" lang="en-US" altLang="ko-KR" sz="1000" dirty="0" smtClean="0">
-                <a:latin typeface="나눔고딕OTF" pitchFamily="34" charset="-127"/>
-                <a:ea typeface="나눔고딕OTF" pitchFamily="34" charset="-127"/>
-              </a:rPr>
-              <a:t>  - </a:t>
+              <a:t>   - </a:t>
             </a:r>
             <a:r>
               <a:rPr kumimoji="0" lang="ko-KR" altLang="en-US" sz="1000" dirty="0" smtClean="0">
@@ -20784,14 +17583,7 @@
                 <a:latin typeface="나눔고딕OTF" pitchFamily="34" charset="-127"/>
                 <a:ea typeface="나눔고딕OTF" pitchFamily="34" charset="-127"/>
               </a:rPr>
-              <a:t> </a:t>
-            </a:r>
-            <a:r>
-              <a:rPr kumimoji="0" lang="en-US" altLang="ko-KR" sz="1000" dirty="0" smtClean="0">
-                <a:latin typeface="나눔고딕OTF" pitchFamily="34" charset="-127"/>
-                <a:ea typeface="나눔고딕OTF" pitchFamily="34" charset="-127"/>
-              </a:rPr>
-              <a:t>  - “</a:t>
+              <a:t>   - “</a:t>
             </a:r>
             <a:r>
               <a:rPr kumimoji="0" lang="ko-KR" altLang="en-US" sz="1000" dirty="0" smtClean="0">
@@ -20858,14 +17650,7 @@
                 <a:latin typeface="나눔고딕OTF" pitchFamily="34" charset="-127"/>
                 <a:ea typeface="나눔고딕OTF" pitchFamily="34" charset="-127"/>
               </a:rPr>
-              <a:t> </a:t>
-            </a:r>
-            <a:r>
-              <a:rPr kumimoji="0" lang="en-US" altLang="ko-KR" sz="1000" dirty="0" smtClean="0">
-                <a:latin typeface="나눔고딕OTF" pitchFamily="34" charset="-127"/>
-                <a:ea typeface="나눔고딕OTF" pitchFamily="34" charset="-127"/>
-              </a:rPr>
-              <a:t>  </a:t>
+              <a:t>   </a:t>
             </a:r>
             <a:r>
               <a:rPr kumimoji="0" lang="en-US" altLang="ko-KR" sz="1000" dirty="0" smtClean="0">
@@ -21000,14 +17785,7 @@
                 <a:latin typeface="나눔고딕OTF" pitchFamily="34" charset="-127"/>
                 <a:ea typeface="나눔고딕OTF" pitchFamily="34" charset="-127"/>
               </a:rPr>
-              <a:t> </a:t>
-            </a:r>
-            <a:r>
-              <a:rPr kumimoji="0" lang="en-US" altLang="ko-KR" sz="1000" dirty="0" smtClean="0">
-                <a:latin typeface="나눔고딕OTF" pitchFamily="34" charset="-127"/>
-                <a:ea typeface="나눔고딕OTF" pitchFamily="34" charset="-127"/>
-              </a:rPr>
-              <a:t>  - “</a:t>
+              <a:t>   - “</a:t>
             </a:r>
             <a:r>
               <a:rPr kumimoji="0" lang="ko-KR" altLang="en-US" sz="1000" dirty="0" smtClean="0">
@@ -21103,14 +17881,7 @@
                 <a:latin typeface="나눔고딕OTF" pitchFamily="34" charset="-127"/>
                 <a:ea typeface="나눔고딕OTF" pitchFamily="34" charset="-127"/>
               </a:rPr>
-              <a:t>검진예약 </a:t>
-            </a:r>
-            <a:r>
-              <a:rPr kumimoji="0" lang="ko-KR" altLang="en-US" sz="1200" dirty="0" smtClean="0">
-                <a:latin typeface="나눔고딕OTF" pitchFamily="34" charset="-127"/>
-                <a:ea typeface="나눔고딕OTF" pitchFamily="34" charset="-127"/>
-              </a:rPr>
-              <a:t>화면</a:t>
+              <a:t>검진예약 화면</a:t>
             </a:r>
             <a:endParaRPr kumimoji="0" lang="en-US" altLang="ko-KR" sz="1200" dirty="0" smtClean="0">
               <a:latin typeface="나눔고딕OTF" pitchFamily="34" charset="-127"/>
@@ -21176,6 +17947,5832 @@
           </a:p>
         </p:txBody>
       </p:sp>
+    </p:spTree>
+  </p:cSld>
+  <p:clrMapOvr>
+    <a:masterClrMapping/>
+  </p:clrMapOvr>
+  <p:timing>
+    <p:tnLst>
+      <p:par>
+        <p:cTn id="1" dur="indefinite" restart="never" nodeType="tmRoot"/>
+      </p:par>
+    </p:tnLst>
+  </p:timing>
+</p:sld>
+</file>
+
+<file path=ppt/slides/slide23.xml><?xml version="1.0" encoding="utf-8"?>
+<p:sld xmlns:a="http://schemas.openxmlformats.org/drawingml/2006/main" xmlns:r="http://schemas.openxmlformats.org/officeDocument/2006/relationships" xmlns:p="http://schemas.openxmlformats.org/presentationml/2006/main">
+  <p:cSld>
+    <p:spTree>
+      <p:nvGrpSpPr>
+        <p:cNvPr id="1" name=""/>
+        <p:cNvGrpSpPr/>
+        <p:nvPr/>
+      </p:nvGrpSpPr>
+      <p:grpSpPr>
+        <a:xfrm>
+          <a:off x="0" y="0"/>
+          <a:ext cx="0" cy="0"/>
+          <a:chOff x="0" y="0"/>
+          <a:chExt cx="0" cy="0"/>
+        </a:xfrm>
+      </p:grpSpPr>
+      <p:sp>
+        <p:nvSpPr>
+          <p:cNvPr id="5" name="직사각형 4"/>
+          <p:cNvSpPr/>
+          <p:nvPr/>
+        </p:nvSpPr>
+        <p:spPr>
+          <a:xfrm flipH="1">
+            <a:off x="0" y="0"/>
+            <a:ext cx="9906000" cy="6858000"/>
+          </a:xfrm>
+          <a:prstGeom prst="rect">
+            <a:avLst/>
+          </a:prstGeom>
+          <a:solidFill>
+            <a:srgbClr val="BED395"/>
+          </a:solidFill>
+          <a:ln>
+            <a:noFill/>
+          </a:ln>
+        </p:spPr>
+        <p:style>
+          <a:lnRef idx="2">
+            <a:schemeClr val="accent1">
+              <a:shade val="50000"/>
+            </a:schemeClr>
+          </a:lnRef>
+          <a:fillRef idx="1">
+            <a:schemeClr val="accent1"/>
+          </a:fillRef>
+          <a:effectRef idx="0">
+            <a:schemeClr val="accent1"/>
+          </a:effectRef>
+          <a:fontRef idx="minor">
+            <a:schemeClr val="lt1"/>
+          </a:fontRef>
+        </p:style>
+        <p:txBody>
+          <a:bodyPr anchor="ctr"/>
+          <a:lstStyle/>
+          <a:p>
+            <a:pPr algn="ctr" fontAlgn="auto">
+              <a:spcBef>
+                <a:spcPts val="0"/>
+              </a:spcBef>
+              <a:spcAft>
+                <a:spcPts val="0"/>
+              </a:spcAft>
+              <a:defRPr/>
+            </a:pPr>
+            <a:endParaRPr kumimoji="0" lang="ko-KR" altLang="en-US"/>
+          </a:p>
+        </p:txBody>
+      </p:sp>
+      <p:sp>
+        <p:nvSpPr>
+          <p:cNvPr id="25603" name="TextBox 13"/>
+          <p:cNvSpPr txBox="1">
+            <a:spLocks noChangeArrowheads="1"/>
+          </p:cNvSpPr>
+          <p:nvPr/>
+        </p:nvSpPr>
+        <p:spPr bwMode="auto">
+          <a:xfrm>
+            <a:off x="3440113" y="2636838"/>
+            <a:ext cx="2626040" cy="923330"/>
+          </a:xfrm>
+          <a:prstGeom prst="rect">
+            <a:avLst/>
+          </a:prstGeom>
+          <a:noFill/>
+          <a:ln w="9525">
+            <a:noFill/>
+            <a:miter lim="800000"/>
+            <a:headEnd/>
+            <a:tailEnd/>
+          </a:ln>
+        </p:spPr>
+        <p:txBody>
+          <a:bodyPr wrap="none">
+            <a:spAutoFit/>
+          </a:bodyPr>
+          <a:lstStyle/>
+          <a:p>
+            <a:pPr marL="457200" indent="-457200">
+              <a:lnSpc>
+                <a:spcPct val="150000"/>
+              </a:lnSpc>
+            </a:pPr>
+            <a:r>
+              <a:rPr kumimoji="0" lang="en-US" altLang="ko-KR" sz="3600" b="1" dirty="0" smtClean="0">
+                <a:solidFill>
+                  <a:schemeClr val="bg1"/>
+                </a:solidFill>
+                <a:latin typeface="나눔고딕OTF" pitchFamily="34" charset="-127"/>
+                <a:ea typeface="나눔고딕OTF" pitchFamily="34" charset="-127"/>
+              </a:rPr>
+              <a:t>Ⅳ. </a:t>
+            </a:r>
+            <a:r>
+              <a:rPr kumimoji="0" lang="ko-KR" altLang="en-US" sz="3600" b="1" dirty="0" smtClean="0">
+                <a:solidFill>
+                  <a:schemeClr val="bg1"/>
+                </a:solidFill>
+                <a:latin typeface="나눔고딕OTF" pitchFamily="34" charset="-127"/>
+                <a:ea typeface="나눔고딕OTF" pitchFamily="34" charset="-127"/>
+              </a:rPr>
+              <a:t>건강검진</a:t>
+            </a:r>
+            <a:endParaRPr kumimoji="0" lang="en-US" altLang="ko-KR" sz="3600" dirty="0">
+              <a:solidFill>
+                <a:schemeClr val="bg1"/>
+              </a:solidFill>
+              <a:latin typeface="나눔고딕OTF" pitchFamily="34" charset="-127"/>
+              <a:ea typeface="나눔고딕OTF" pitchFamily="34" charset="-127"/>
+            </a:endParaRPr>
+          </a:p>
+        </p:txBody>
+      </p:sp>
+      <p:pic>
+        <p:nvPicPr>
+          <p:cNvPr id="25604" name="그림 7" descr="앨리스화면.png"/>
+          <p:cNvPicPr>
+            <a:picLocks noChangeAspect="1"/>
+          </p:cNvPicPr>
+          <p:nvPr/>
+        </p:nvPicPr>
+        <p:blipFill>
+          <a:blip r:embed="rId2"/>
+          <a:srcRect l="13019" t="12311" r="2361" b="5617"/>
+          <a:stretch>
+            <a:fillRect/>
+          </a:stretch>
+        </p:blipFill>
+        <p:spPr bwMode="auto">
+          <a:xfrm>
+            <a:off x="1639888" y="2708275"/>
+            <a:ext cx="1944687" cy="996950"/>
+          </a:xfrm>
+          <a:prstGeom prst="rect">
+            <a:avLst/>
+          </a:prstGeom>
+          <a:noFill/>
+          <a:ln w="9525">
+            <a:noFill/>
+            <a:miter lim="800000"/>
+            <a:headEnd/>
+            <a:tailEnd/>
+          </a:ln>
+        </p:spPr>
+      </p:pic>
+    </p:spTree>
+  </p:cSld>
+  <p:clrMapOvr>
+    <a:masterClrMapping/>
+  </p:clrMapOvr>
+  <p:timing>
+    <p:tnLst>
+      <p:par>
+        <p:cTn id="1" dur="indefinite" restart="never" nodeType="tmRoot"/>
+      </p:par>
+    </p:tnLst>
+  </p:timing>
+</p:sld>
+</file>
+
+<file path=ppt/slides/slide24.xml><?xml version="1.0" encoding="utf-8"?>
+<p:sld xmlns:a="http://schemas.openxmlformats.org/drawingml/2006/main" xmlns:r="http://schemas.openxmlformats.org/officeDocument/2006/relationships" xmlns:p="http://schemas.openxmlformats.org/presentationml/2006/main">
+  <p:cSld>
+    <p:spTree>
+      <p:nvGrpSpPr>
+        <p:cNvPr id="1" name=""/>
+        <p:cNvGrpSpPr/>
+        <p:nvPr/>
+      </p:nvGrpSpPr>
+      <p:grpSpPr>
+        <a:xfrm>
+          <a:off x="0" y="0"/>
+          <a:ext cx="0" cy="0"/>
+          <a:chOff x="0" y="0"/>
+          <a:chExt cx="0" cy="0"/>
+        </a:xfrm>
+      </p:grpSpPr>
+      <p:pic>
+        <p:nvPicPr>
+          <p:cNvPr id="26626" name="Picture 2"/>
+          <p:cNvPicPr>
+            <a:picLocks noChangeAspect="1" noChangeArrowheads="1"/>
+          </p:cNvPicPr>
+          <p:nvPr/>
+        </p:nvPicPr>
+        <p:blipFill>
+          <a:blip r:embed="rId2"/>
+          <a:stretch>
+            <a:fillRect/>
+          </a:stretch>
+        </p:blipFill>
+        <p:spPr bwMode="auto">
+          <a:xfrm>
+            <a:off x="1606892" y="1368913"/>
+            <a:ext cx="6685865" cy="4905987"/>
+          </a:xfrm>
+          <a:prstGeom prst="rect">
+            <a:avLst/>
+          </a:prstGeom>
+          <a:noFill/>
+          <a:ln w="9525">
+            <a:noFill/>
+            <a:miter lim="800000"/>
+            <a:headEnd/>
+            <a:tailEnd/>
+          </a:ln>
+        </p:spPr>
+      </p:pic>
+      <p:sp>
+        <p:nvSpPr>
+          <p:cNvPr id="6" name="TextBox 5"/>
+          <p:cNvSpPr txBox="1"/>
+          <p:nvPr/>
+        </p:nvSpPr>
+        <p:spPr>
+          <a:xfrm>
+            <a:off x="1497013" y="282575"/>
+            <a:ext cx="2419252" cy="369332"/>
+          </a:xfrm>
+          <a:prstGeom prst="rect">
+            <a:avLst/>
+          </a:prstGeom>
+          <a:noFill/>
+        </p:spPr>
+        <p:txBody>
+          <a:bodyPr wrap="none">
+            <a:spAutoFit/>
+          </a:bodyPr>
+          <a:lstStyle/>
+          <a:p>
+            <a:pPr fontAlgn="auto">
+              <a:spcBef>
+                <a:spcPts val="0"/>
+              </a:spcBef>
+              <a:spcAft>
+                <a:spcPts val="0"/>
+              </a:spcAft>
+              <a:defRPr/>
+            </a:pPr>
+            <a:r>
+              <a:rPr kumimoji="0" lang="ko-KR" altLang="en-US" dirty="0" smtClean="0">
+                <a:solidFill>
+                  <a:schemeClr val="bg1">
+                    <a:lumMod val="50000"/>
+                  </a:schemeClr>
+                </a:solidFill>
+                <a:latin typeface="나눔고딕OTF ExtraBold" pitchFamily="34" charset="-127"/>
+                <a:ea typeface="나눔고딕OTF ExtraBold" pitchFamily="34" charset="-127"/>
+              </a:rPr>
+              <a:t>건강검진 </a:t>
+            </a:r>
+            <a:r>
+              <a:rPr kumimoji="0" lang="en-US" altLang="ko-KR" dirty="0" smtClean="0">
+                <a:solidFill>
+                  <a:schemeClr val="bg1">
+                    <a:lumMod val="50000"/>
+                  </a:schemeClr>
+                </a:solidFill>
+                <a:latin typeface="나눔고딕OTF ExtraBold" pitchFamily="34" charset="-127"/>
+                <a:ea typeface="나눔고딕OTF ExtraBold" pitchFamily="34" charset="-127"/>
+              </a:rPr>
+              <a:t>– </a:t>
+            </a:r>
+            <a:r>
+              <a:rPr kumimoji="0" lang="ko-KR" altLang="en-US" dirty="0" smtClean="0">
+                <a:solidFill>
+                  <a:schemeClr val="bg1">
+                    <a:lumMod val="50000"/>
+                  </a:schemeClr>
+                </a:solidFill>
+                <a:latin typeface="나눔고딕OTF ExtraBold" pitchFamily="34" charset="-127"/>
+                <a:ea typeface="나눔고딕OTF ExtraBold" pitchFamily="34" charset="-127"/>
+              </a:rPr>
+              <a:t>기록지 출력</a:t>
+            </a:r>
+            <a:endParaRPr kumimoji="0" lang="ko-KR" altLang="en-US" dirty="0">
+              <a:solidFill>
+                <a:schemeClr val="bg1">
+                  <a:lumMod val="50000"/>
+                </a:schemeClr>
+              </a:solidFill>
+              <a:latin typeface="나눔고딕OTF ExtraBold" pitchFamily="34" charset="-127"/>
+              <a:ea typeface="나눔고딕OTF ExtraBold" pitchFamily="34" charset="-127"/>
+            </a:endParaRPr>
+          </a:p>
+        </p:txBody>
+      </p:sp>
+      <p:sp>
+        <p:nvSpPr>
+          <p:cNvPr id="26628" name="TextBox 4"/>
+          <p:cNvSpPr txBox="1">
+            <a:spLocks noChangeArrowheads="1"/>
+          </p:cNvSpPr>
+          <p:nvPr/>
+        </p:nvSpPr>
+        <p:spPr bwMode="auto">
+          <a:xfrm>
+            <a:off x="381000" y="785813"/>
+            <a:ext cx="1022350" cy="307975"/>
+          </a:xfrm>
+          <a:prstGeom prst="rect">
+            <a:avLst/>
+          </a:prstGeom>
+          <a:noFill/>
+          <a:ln w="9525">
+            <a:noFill/>
+            <a:miter lim="800000"/>
+            <a:headEnd/>
+            <a:tailEnd/>
+          </a:ln>
+        </p:spPr>
+        <p:txBody>
+          <a:bodyPr wrap="none">
+            <a:spAutoFit/>
+          </a:bodyPr>
+          <a:lstStyle/>
+          <a:p>
+            <a:r>
+              <a:rPr kumimoji="0" lang="en-US" altLang="ko-KR" sz="1400" b="1" dirty="0">
+                <a:latin typeface="나눔고딕OTF" pitchFamily="34" charset="-127"/>
+                <a:ea typeface="나눔고딕OTF" pitchFamily="34" charset="-127"/>
+              </a:rPr>
+              <a:t>- </a:t>
+            </a:r>
+            <a:r>
+              <a:rPr kumimoji="0" lang="ko-KR" altLang="en-US" sz="1400" b="1" dirty="0">
+                <a:latin typeface="나눔고딕OTF" pitchFamily="34" charset="-127"/>
+                <a:ea typeface="나눔고딕OTF" pitchFamily="34" charset="-127"/>
+              </a:rPr>
+              <a:t>메인 화면</a:t>
+            </a:r>
+          </a:p>
+        </p:txBody>
+      </p:sp>
+      <p:sp>
+        <p:nvSpPr>
+          <p:cNvPr id="13" name="직사각형 12"/>
+          <p:cNvSpPr/>
+          <p:nvPr/>
+        </p:nvSpPr>
+        <p:spPr>
+          <a:xfrm>
+            <a:off x="2524108" y="1500174"/>
+            <a:ext cx="2214578" cy="714366"/>
+          </a:xfrm>
+          <a:prstGeom prst="rect">
+            <a:avLst/>
+          </a:prstGeom>
+          <a:noFill/>
+          <a:ln>
+            <a:solidFill>
+              <a:srgbClr val="FF0000"/>
+            </a:solidFill>
+          </a:ln>
+        </p:spPr>
+        <p:style>
+          <a:lnRef idx="2">
+            <a:schemeClr val="accent1">
+              <a:shade val="50000"/>
+            </a:schemeClr>
+          </a:lnRef>
+          <a:fillRef idx="1">
+            <a:schemeClr val="accent1"/>
+          </a:fillRef>
+          <a:effectRef idx="0">
+            <a:schemeClr val="accent1"/>
+          </a:effectRef>
+          <a:fontRef idx="minor">
+            <a:schemeClr val="lt1"/>
+          </a:fontRef>
+        </p:style>
+        <p:txBody>
+          <a:bodyPr anchor="ctr"/>
+          <a:lstStyle/>
+          <a:p>
+            <a:pPr algn="ctr" fontAlgn="auto">
+              <a:spcBef>
+                <a:spcPts val="0"/>
+              </a:spcBef>
+              <a:spcAft>
+                <a:spcPts val="0"/>
+              </a:spcAft>
+              <a:defRPr/>
+            </a:pPr>
+            <a:endParaRPr kumimoji="0" lang="ko-KR" altLang="en-US">
+              <a:latin typeface="나눔고딕OTF" pitchFamily="34" charset="-127"/>
+              <a:ea typeface="나눔고딕OTF" pitchFamily="34" charset="-127"/>
+            </a:endParaRPr>
+          </a:p>
+        </p:txBody>
+      </p:sp>
+      <p:sp>
+        <p:nvSpPr>
+          <p:cNvPr id="26630" name="TextBox 59"/>
+          <p:cNvSpPr txBox="1">
+            <a:spLocks noChangeArrowheads="1"/>
+          </p:cNvSpPr>
+          <p:nvPr/>
+        </p:nvSpPr>
+        <p:spPr bwMode="auto">
+          <a:xfrm>
+            <a:off x="415924" y="1052513"/>
+            <a:ext cx="5751521" cy="276999"/>
+          </a:xfrm>
+          <a:prstGeom prst="rect">
+            <a:avLst/>
+          </a:prstGeom>
+          <a:noFill/>
+          <a:ln w="9525">
+            <a:noFill/>
+            <a:miter lim="800000"/>
+            <a:headEnd/>
+            <a:tailEnd/>
+          </a:ln>
+        </p:spPr>
+        <p:txBody>
+          <a:bodyPr wrap="square">
+            <a:spAutoFit/>
+          </a:bodyPr>
+          <a:lstStyle/>
+          <a:p>
+            <a:r>
+              <a:rPr kumimoji="0" lang="en-US" altLang="ko-KR" sz="1200" dirty="0">
+                <a:latin typeface="나눔고딕OTF" pitchFamily="34" charset="-127"/>
+                <a:ea typeface="나눔고딕OTF" pitchFamily="34" charset="-127"/>
+              </a:rPr>
+              <a:t> - </a:t>
+            </a:r>
+            <a:r>
+              <a:rPr kumimoji="0" lang="ko-KR" altLang="en-US" sz="1200" dirty="0" smtClean="0">
+                <a:latin typeface="나눔고딕OTF" pitchFamily="34" charset="-127"/>
+                <a:ea typeface="나눔고딕OTF" pitchFamily="34" charset="-127"/>
+              </a:rPr>
+              <a:t>건강검진 </a:t>
+            </a:r>
+            <a:r>
+              <a:rPr kumimoji="0" lang="en-US" altLang="ko-KR" sz="1200" dirty="0" smtClean="0">
+                <a:latin typeface="나눔고딕OTF" pitchFamily="34" charset="-127"/>
+                <a:ea typeface="나눔고딕OTF" pitchFamily="34" charset="-127"/>
+                <a:sym typeface="Wingdings" pitchFamily="2" charset="2"/>
+              </a:rPr>
+              <a:t> </a:t>
+            </a:r>
+            <a:r>
+              <a:rPr kumimoji="0" lang="ko-KR" altLang="en-US" sz="1200" dirty="0" smtClean="0">
+                <a:latin typeface="나눔고딕OTF" pitchFamily="34" charset="-127"/>
+                <a:ea typeface="나눔고딕OTF" pitchFamily="34" charset="-127"/>
+                <a:sym typeface="Wingdings" pitchFamily="2" charset="2"/>
+              </a:rPr>
+              <a:t>기록지 출력 버튼을 클릭하면 기록지 출력 프로그램이</a:t>
+            </a:r>
+            <a:r>
+              <a:rPr kumimoji="0" lang="en-US" altLang="ko-KR" sz="1200" dirty="0" smtClean="0">
+                <a:latin typeface="나눔고딕OTF" pitchFamily="34" charset="-127"/>
+                <a:ea typeface="나눔고딕OTF" pitchFamily="34" charset="-127"/>
+                <a:sym typeface="Wingdings" pitchFamily="2" charset="2"/>
+              </a:rPr>
+              <a:t> </a:t>
+            </a:r>
+            <a:r>
+              <a:rPr kumimoji="0" lang="ko-KR" altLang="en-US" sz="1200" dirty="0" smtClean="0">
+                <a:latin typeface="나눔고딕OTF" pitchFamily="34" charset="-127"/>
+                <a:ea typeface="나눔고딕OTF" pitchFamily="34" charset="-127"/>
+                <a:sym typeface="Wingdings" pitchFamily="2" charset="2"/>
+              </a:rPr>
+              <a:t>표시됩니다</a:t>
+            </a:r>
+            <a:r>
+              <a:rPr kumimoji="0" lang="en-US" altLang="ko-KR" sz="1200" dirty="0" smtClean="0">
+                <a:latin typeface="나눔고딕OTF" pitchFamily="34" charset="-127"/>
+                <a:ea typeface="나눔고딕OTF" pitchFamily="34" charset="-127"/>
+                <a:sym typeface="Wingdings" pitchFamily="2" charset="2"/>
+              </a:rPr>
+              <a:t>.</a:t>
+            </a:r>
+            <a:endParaRPr kumimoji="0" lang="en-US" altLang="ko-KR" sz="1200" dirty="0">
+              <a:latin typeface="나눔고딕OTF" pitchFamily="34" charset="-127"/>
+              <a:ea typeface="나눔고딕OTF" pitchFamily="34" charset="-127"/>
+            </a:endParaRPr>
+          </a:p>
+        </p:txBody>
+      </p:sp>
+      <p:sp>
+        <p:nvSpPr>
+          <p:cNvPr id="8" name="직사각형 7"/>
+          <p:cNvSpPr/>
+          <p:nvPr/>
+        </p:nvSpPr>
+        <p:spPr>
+          <a:xfrm>
+            <a:off x="2595546" y="1863316"/>
+            <a:ext cx="2071702" cy="145162"/>
+          </a:xfrm>
+          <a:prstGeom prst="rect">
+            <a:avLst/>
+          </a:prstGeom>
+          <a:noFill/>
+          <a:ln>
+            <a:solidFill>
+              <a:srgbClr val="FF0000"/>
+            </a:solidFill>
+          </a:ln>
+        </p:spPr>
+        <p:style>
+          <a:lnRef idx="2">
+            <a:schemeClr val="accent1">
+              <a:shade val="50000"/>
+            </a:schemeClr>
+          </a:lnRef>
+          <a:fillRef idx="1">
+            <a:schemeClr val="accent1"/>
+          </a:fillRef>
+          <a:effectRef idx="0">
+            <a:schemeClr val="accent1"/>
+          </a:effectRef>
+          <a:fontRef idx="minor">
+            <a:schemeClr val="lt1"/>
+          </a:fontRef>
+        </p:style>
+        <p:txBody>
+          <a:bodyPr anchor="ctr"/>
+          <a:lstStyle/>
+          <a:p>
+            <a:pPr algn="ctr" fontAlgn="auto">
+              <a:spcBef>
+                <a:spcPts val="0"/>
+              </a:spcBef>
+              <a:spcAft>
+                <a:spcPts val="0"/>
+              </a:spcAft>
+              <a:defRPr/>
+            </a:pPr>
+            <a:endParaRPr kumimoji="0" lang="ko-KR" altLang="en-US">
+              <a:latin typeface="나눔고딕OTF" pitchFamily="34" charset="-127"/>
+              <a:ea typeface="나눔고딕OTF" pitchFamily="34" charset="-127"/>
+            </a:endParaRPr>
+          </a:p>
+        </p:txBody>
+      </p:sp>
+    </p:spTree>
+  </p:cSld>
+  <p:clrMapOvr>
+    <a:masterClrMapping/>
+  </p:clrMapOvr>
+  <p:timing>
+    <p:tnLst>
+      <p:par>
+        <p:cTn id="1" dur="indefinite" restart="never" nodeType="tmRoot"/>
+      </p:par>
+    </p:tnLst>
+  </p:timing>
+</p:sld>
+</file>
+
+<file path=ppt/slides/slide25.xml><?xml version="1.0" encoding="utf-8"?>
+<p:sld xmlns:a="http://schemas.openxmlformats.org/drawingml/2006/main" xmlns:r="http://schemas.openxmlformats.org/officeDocument/2006/relationships" xmlns:p="http://schemas.openxmlformats.org/presentationml/2006/main">
+  <p:cSld>
+    <p:spTree>
+      <p:nvGrpSpPr>
+        <p:cNvPr id="1" name=""/>
+        <p:cNvGrpSpPr/>
+        <p:nvPr/>
+      </p:nvGrpSpPr>
+      <p:grpSpPr>
+        <a:xfrm>
+          <a:off x="0" y="0"/>
+          <a:ext cx="0" cy="0"/>
+          <a:chOff x="0" y="0"/>
+          <a:chExt cx="0" cy="0"/>
+        </a:xfrm>
+      </p:grpSpPr>
+      <p:pic>
+        <p:nvPicPr>
+          <p:cNvPr id="26626" name="Picture 2"/>
+          <p:cNvPicPr>
+            <a:picLocks noChangeAspect="1" noChangeArrowheads="1"/>
+          </p:cNvPicPr>
+          <p:nvPr/>
+        </p:nvPicPr>
+        <p:blipFill>
+          <a:blip r:embed="rId2"/>
+          <a:stretch>
+            <a:fillRect/>
+          </a:stretch>
+        </p:blipFill>
+        <p:spPr bwMode="auto">
+          <a:xfrm>
+            <a:off x="1523976" y="1392478"/>
+            <a:ext cx="6685865" cy="1536456"/>
+          </a:xfrm>
+          <a:prstGeom prst="rect">
+            <a:avLst/>
+          </a:prstGeom>
+          <a:noFill/>
+          <a:ln w="9525">
+            <a:noFill/>
+            <a:miter lim="800000"/>
+            <a:headEnd/>
+            <a:tailEnd/>
+          </a:ln>
+        </p:spPr>
+      </p:pic>
+      <p:sp>
+        <p:nvSpPr>
+          <p:cNvPr id="6" name="TextBox 5"/>
+          <p:cNvSpPr txBox="1"/>
+          <p:nvPr/>
+        </p:nvSpPr>
+        <p:spPr>
+          <a:xfrm>
+            <a:off x="1497013" y="282575"/>
+            <a:ext cx="2419252" cy="369332"/>
+          </a:xfrm>
+          <a:prstGeom prst="rect">
+            <a:avLst/>
+          </a:prstGeom>
+          <a:noFill/>
+        </p:spPr>
+        <p:txBody>
+          <a:bodyPr wrap="none">
+            <a:spAutoFit/>
+          </a:bodyPr>
+          <a:lstStyle/>
+          <a:p>
+            <a:pPr fontAlgn="auto">
+              <a:spcBef>
+                <a:spcPts val="0"/>
+              </a:spcBef>
+              <a:spcAft>
+                <a:spcPts val="0"/>
+              </a:spcAft>
+              <a:defRPr/>
+            </a:pPr>
+            <a:r>
+              <a:rPr kumimoji="0" lang="ko-KR" altLang="en-US" dirty="0" smtClean="0">
+                <a:solidFill>
+                  <a:schemeClr val="bg1">
+                    <a:lumMod val="50000"/>
+                  </a:schemeClr>
+                </a:solidFill>
+                <a:latin typeface="나눔고딕OTF ExtraBold" pitchFamily="34" charset="-127"/>
+                <a:ea typeface="나눔고딕OTF ExtraBold" pitchFamily="34" charset="-127"/>
+              </a:rPr>
+              <a:t>건강검진 </a:t>
+            </a:r>
+            <a:r>
+              <a:rPr kumimoji="0" lang="en-US" altLang="ko-KR" dirty="0" smtClean="0">
+                <a:solidFill>
+                  <a:schemeClr val="bg1">
+                    <a:lumMod val="50000"/>
+                  </a:schemeClr>
+                </a:solidFill>
+                <a:latin typeface="나눔고딕OTF ExtraBold" pitchFamily="34" charset="-127"/>
+                <a:ea typeface="나눔고딕OTF ExtraBold" pitchFamily="34" charset="-127"/>
+              </a:rPr>
+              <a:t>– </a:t>
+            </a:r>
+            <a:r>
+              <a:rPr kumimoji="0" lang="ko-KR" altLang="en-US" dirty="0" smtClean="0">
+                <a:solidFill>
+                  <a:schemeClr val="bg1">
+                    <a:lumMod val="50000"/>
+                  </a:schemeClr>
+                </a:solidFill>
+                <a:latin typeface="나눔고딕OTF ExtraBold" pitchFamily="34" charset="-127"/>
+                <a:ea typeface="나눔고딕OTF ExtraBold" pitchFamily="34" charset="-127"/>
+              </a:rPr>
+              <a:t>기록지 출력</a:t>
+            </a:r>
+            <a:endParaRPr kumimoji="0" lang="ko-KR" altLang="en-US" dirty="0">
+              <a:solidFill>
+                <a:schemeClr val="bg1">
+                  <a:lumMod val="50000"/>
+                </a:schemeClr>
+              </a:solidFill>
+              <a:latin typeface="나눔고딕OTF ExtraBold" pitchFamily="34" charset="-127"/>
+              <a:ea typeface="나눔고딕OTF ExtraBold" pitchFamily="34" charset="-127"/>
+            </a:endParaRPr>
+          </a:p>
+        </p:txBody>
+      </p:sp>
+      <p:sp>
+        <p:nvSpPr>
+          <p:cNvPr id="26628" name="TextBox 4"/>
+          <p:cNvSpPr txBox="1">
+            <a:spLocks noChangeArrowheads="1"/>
+          </p:cNvSpPr>
+          <p:nvPr/>
+        </p:nvSpPr>
+        <p:spPr bwMode="auto">
+          <a:xfrm>
+            <a:off x="381000" y="785813"/>
+            <a:ext cx="1914307" cy="307777"/>
+          </a:xfrm>
+          <a:prstGeom prst="rect">
+            <a:avLst/>
+          </a:prstGeom>
+          <a:noFill/>
+          <a:ln w="9525">
+            <a:noFill/>
+            <a:miter lim="800000"/>
+            <a:headEnd/>
+            <a:tailEnd/>
+          </a:ln>
+        </p:spPr>
+        <p:txBody>
+          <a:bodyPr wrap="none">
+            <a:spAutoFit/>
+          </a:bodyPr>
+          <a:lstStyle/>
+          <a:p>
+            <a:r>
+              <a:rPr kumimoji="0" lang="en-US" altLang="ko-KR" sz="1400" b="1" dirty="0">
+                <a:latin typeface="나눔고딕OTF" pitchFamily="34" charset="-127"/>
+                <a:ea typeface="나눔고딕OTF" pitchFamily="34" charset="-127"/>
+              </a:rPr>
+              <a:t>- </a:t>
+            </a:r>
+            <a:r>
+              <a:rPr kumimoji="0" lang="ko-KR" altLang="en-US" sz="1400" b="1" dirty="0" smtClean="0">
+                <a:latin typeface="나눔고딕OTF" pitchFamily="34" charset="-127"/>
+                <a:ea typeface="나눔고딕OTF" pitchFamily="34" charset="-127"/>
+              </a:rPr>
+              <a:t>기록지 출력 프로그램</a:t>
+            </a:r>
+            <a:endParaRPr kumimoji="0" lang="ko-KR" altLang="en-US" sz="1400" b="1" dirty="0">
+              <a:latin typeface="나눔고딕OTF" pitchFamily="34" charset="-127"/>
+              <a:ea typeface="나눔고딕OTF" pitchFamily="34" charset="-127"/>
+            </a:endParaRPr>
+          </a:p>
+        </p:txBody>
+      </p:sp>
+      <p:sp>
+        <p:nvSpPr>
+          <p:cNvPr id="26630" name="TextBox 59"/>
+          <p:cNvSpPr txBox="1">
+            <a:spLocks noChangeArrowheads="1"/>
+          </p:cNvSpPr>
+          <p:nvPr/>
+        </p:nvSpPr>
+        <p:spPr bwMode="auto">
+          <a:xfrm>
+            <a:off x="415924" y="1052513"/>
+            <a:ext cx="5751521" cy="276999"/>
+          </a:xfrm>
+          <a:prstGeom prst="rect">
+            <a:avLst/>
+          </a:prstGeom>
+          <a:noFill/>
+          <a:ln w="9525">
+            <a:noFill/>
+            <a:miter lim="800000"/>
+            <a:headEnd/>
+            <a:tailEnd/>
+          </a:ln>
+        </p:spPr>
+        <p:txBody>
+          <a:bodyPr wrap="square">
+            <a:spAutoFit/>
+          </a:bodyPr>
+          <a:lstStyle/>
+          <a:p>
+            <a:r>
+              <a:rPr kumimoji="0" lang="en-US" altLang="ko-KR" sz="1200" dirty="0">
+                <a:latin typeface="나눔고딕OTF" pitchFamily="34" charset="-127"/>
+                <a:ea typeface="나눔고딕OTF" pitchFamily="34" charset="-127"/>
+              </a:rPr>
+              <a:t> </a:t>
+            </a:r>
+            <a:r>
+              <a:rPr kumimoji="0" lang="en-US" altLang="ko-KR" sz="1200" dirty="0" smtClean="0">
+                <a:latin typeface="나눔고딕OTF" pitchFamily="34" charset="-127"/>
+                <a:ea typeface="나눔고딕OTF" pitchFamily="34" charset="-127"/>
+              </a:rPr>
+              <a:t>- </a:t>
+            </a:r>
+            <a:r>
+              <a:rPr kumimoji="0" lang="ko-KR" altLang="en-US" sz="1200" dirty="0" err="1" smtClean="0">
+                <a:latin typeface="나눔고딕OTF" pitchFamily="34" charset="-127"/>
+                <a:ea typeface="나눔고딕OTF" pitchFamily="34" charset="-127"/>
+              </a:rPr>
+              <a:t>검진자를</a:t>
+            </a:r>
+            <a:r>
+              <a:rPr kumimoji="0" lang="ko-KR" altLang="en-US" sz="1200" dirty="0" smtClean="0">
+                <a:latin typeface="나눔고딕OTF" pitchFamily="34" charset="-127"/>
+                <a:ea typeface="나눔고딕OTF" pitchFamily="34" charset="-127"/>
+              </a:rPr>
+              <a:t> 조회하여 기록지를 출력합니다</a:t>
+            </a:r>
+            <a:r>
+              <a:rPr kumimoji="0" lang="en-US" altLang="ko-KR" sz="1200" dirty="0" smtClean="0">
+                <a:latin typeface="나눔고딕OTF" pitchFamily="34" charset="-127"/>
+                <a:ea typeface="나눔고딕OTF" pitchFamily="34" charset="-127"/>
+              </a:rPr>
+              <a:t>.</a:t>
+            </a:r>
+            <a:endParaRPr kumimoji="0" lang="en-US" altLang="ko-KR" sz="1200" dirty="0">
+              <a:latin typeface="나눔고딕OTF" pitchFamily="34" charset="-127"/>
+              <a:ea typeface="나눔고딕OTF" pitchFamily="34" charset="-127"/>
+            </a:endParaRPr>
+          </a:p>
+        </p:txBody>
+      </p:sp>
+      <p:sp>
+        <p:nvSpPr>
+          <p:cNvPr id="9" name="TextBox 4"/>
+          <p:cNvSpPr txBox="1">
+            <a:spLocks noChangeArrowheads="1"/>
+          </p:cNvSpPr>
+          <p:nvPr/>
+        </p:nvSpPr>
+        <p:spPr bwMode="auto">
+          <a:xfrm>
+            <a:off x="738158" y="3143248"/>
+            <a:ext cx="3857652" cy="3231654"/>
+          </a:xfrm>
+          <a:prstGeom prst="rect">
+            <a:avLst/>
+          </a:prstGeom>
+          <a:noFill/>
+          <a:ln w="9525">
+            <a:noFill/>
+            <a:miter lim="800000"/>
+            <a:headEnd/>
+            <a:tailEnd/>
+          </a:ln>
+        </p:spPr>
+        <p:txBody>
+          <a:bodyPr wrap="square">
+            <a:spAutoFit/>
+          </a:bodyPr>
+          <a:lstStyle/>
+          <a:p>
+            <a:pPr marL="228600" indent="-228600">
+              <a:lnSpc>
+                <a:spcPct val="120000"/>
+              </a:lnSpc>
+              <a:buFontTx/>
+              <a:buAutoNum type="arabicParenR"/>
+            </a:pPr>
+            <a:r>
+              <a:rPr kumimoji="0" lang="ko-KR" altLang="en-US" sz="1000" b="1" dirty="0" smtClean="0">
+                <a:latin typeface="나눔고딕OTF" pitchFamily="34" charset="-127"/>
+                <a:ea typeface="나눔고딕OTF" pitchFamily="34" charset="-127"/>
+              </a:rPr>
+              <a:t>접수 </a:t>
+            </a:r>
+            <a:r>
+              <a:rPr kumimoji="0" lang="en-US" altLang="ko-KR" sz="1000" b="1" dirty="0" smtClean="0">
+                <a:latin typeface="나눔고딕OTF" pitchFamily="34" charset="-127"/>
+                <a:ea typeface="나눔고딕OTF" pitchFamily="34" charset="-127"/>
+              </a:rPr>
+              <a:t>or </a:t>
+            </a:r>
+            <a:r>
+              <a:rPr kumimoji="0" lang="ko-KR" altLang="en-US" sz="1000" b="1" dirty="0" smtClean="0">
+                <a:latin typeface="나눔고딕OTF" pitchFamily="34" charset="-127"/>
+                <a:ea typeface="나눔고딕OTF" pitchFamily="34" charset="-127"/>
+              </a:rPr>
+              <a:t>예약 구분</a:t>
+            </a:r>
+            <a:endParaRPr kumimoji="0" lang="en-US" altLang="ko-KR" sz="1000" b="1" dirty="0" smtClean="0">
+              <a:latin typeface="나눔고딕OTF" pitchFamily="34" charset="-127"/>
+              <a:ea typeface="나눔고딕OTF" pitchFamily="34" charset="-127"/>
+            </a:endParaRPr>
+          </a:p>
+          <a:p>
+            <a:pPr marL="228600" indent="-228600">
+              <a:lnSpc>
+                <a:spcPct val="120000"/>
+              </a:lnSpc>
+            </a:pPr>
+            <a:r>
+              <a:rPr kumimoji="0" lang="en-US" altLang="ko-KR" sz="1000" dirty="0" smtClean="0">
+                <a:latin typeface="나눔고딕OTF" pitchFamily="34" charset="-127"/>
+                <a:ea typeface="나눔고딕OTF" pitchFamily="34" charset="-127"/>
+              </a:rPr>
+              <a:t> </a:t>
+            </a:r>
+            <a:r>
+              <a:rPr kumimoji="0" lang="en-US" altLang="ko-KR" sz="1000" dirty="0" smtClean="0">
+                <a:latin typeface="나눔고딕OTF" pitchFamily="34" charset="-127"/>
+                <a:ea typeface="나눔고딕OTF" pitchFamily="34" charset="-127"/>
+              </a:rPr>
+              <a:t>  - </a:t>
+            </a:r>
+            <a:r>
+              <a:rPr kumimoji="0" lang="ko-KR" altLang="en-US" sz="1000" dirty="0" smtClean="0">
+                <a:latin typeface="나눔고딕OTF" pitchFamily="34" charset="-127"/>
+                <a:ea typeface="나눔고딕OTF" pitchFamily="34" charset="-127"/>
+              </a:rPr>
+              <a:t>접수 </a:t>
+            </a:r>
+            <a:r>
+              <a:rPr kumimoji="0" lang="en-US" altLang="ko-KR" sz="1000" dirty="0" smtClean="0">
+                <a:latin typeface="나눔고딕OTF" pitchFamily="34" charset="-127"/>
+                <a:ea typeface="나눔고딕OTF" pitchFamily="34" charset="-127"/>
+              </a:rPr>
+              <a:t>: </a:t>
+            </a:r>
+            <a:r>
+              <a:rPr kumimoji="0" lang="ko-KR" altLang="en-US" sz="1000" dirty="0" smtClean="0">
+                <a:latin typeface="나눔고딕OTF" pitchFamily="34" charset="-127"/>
+                <a:ea typeface="나눔고딕OTF" pitchFamily="34" charset="-127"/>
+              </a:rPr>
+              <a:t>예약하지 않고 바로 접수한 검진자만 조회합니다</a:t>
+            </a:r>
+            <a:r>
+              <a:rPr kumimoji="0" lang="en-US" altLang="ko-KR" sz="1000" dirty="0" smtClean="0">
+                <a:latin typeface="나눔고딕OTF" pitchFamily="34" charset="-127"/>
+                <a:ea typeface="나눔고딕OTF" pitchFamily="34" charset="-127"/>
+              </a:rPr>
+              <a:t>.</a:t>
+            </a:r>
+          </a:p>
+          <a:p>
+            <a:pPr marL="228600" indent="-228600">
+              <a:lnSpc>
+                <a:spcPct val="120000"/>
+              </a:lnSpc>
+            </a:pPr>
+            <a:r>
+              <a:rPr kumimoji="0" lang="en-US" altLang="ko-KR" sz="1000" dirty="0" smtClean="0">
+                <a:latin typeface="나눔고딕OTF" pitchFamily="34" charset="-127"/>
+                <a:ea typeface="나눔고딕OTF" pitchFamily="34" charset="-127"/>
+              </a:rPr>
+              <a:t> </a:t>
+            </a:r>
+            <a:r>
+              <a:rPr kumimoji="0" lang="en-US" altLang="ko-KR" sz="1000" dirty="0" smtClean="0">
+                <a:latin typeface="나눔고딕OTF" pitchFamily="34" charset="-127"/>
+                <a:ea typeface="나눔고딕OTF" pitchFamily="34" charset="-127"/>
+              </a:rPr>
+              <a:t>  - </a:t>
+            </a:r>
+            <a:r>
+              <a:rPr kumimoji="0" lang="ko-KR" altLang="en-US" sz="1000" dirty="0" smtClean="0">
+                <a:latin typeface="나눔고딕OTF" pitchFamily="34" charset="-127"/>
+                <a:ea typeface="나눔고딕OTF" pitchFamily="34" charset="-127"/>
+              </a:rPr>
+              <a:t>예약 </a:t>
+            </a:r>
+            <a:r>
+              <a:rPr kumimoji="0" lang="en-US" altLang="ko-KR" sz="1000" dirty="0" smtClean="0">
+                <a:latin typeface="나눔고딕OTF" pitchFamily="34" charset="-127"/>
+                <a:ea typeface="나눔고딕OTF" pitchFamily="34" charset="-127"/>
+              </a:rPr>
+              <a:t>: </a:t>
+            </a:r>
+            <a:r>
+              <a:rPr kumimoji="0" lang="ko-KR" altLang="en-US" sz="1000" dirty="0" smtClean="0">
+                <a:latin typeface="나눔고딕OTF" pitchFamily="34" charset="-127"/>
+                <a:ea typeface="나눔고딕OTF" pitchFamily="34" charset="-127"/>
+              </a:rPr>
+              <a:t>예약으로 접수된 </a:t>
+            </a:r>
+            <a:r>
+              <a:rPr kumimoji="0" lang="ko-KR" altLang="en-US" sz="1000" dirty="0" err="1" smtClean="0">
+                <a:latin typeface="나눔고딕OTF" pitchFamily="34" charset="-127"/>
+                <a:ea typeface="나눔고딕OTF" pitchFamily="34" charset="-127"/>
+              </a:rPr>
+              <a:t>검진자</a:t>
+            </a:r>
+            <a:r>
+              <a:rPr kumimoji="0" lang="en-US" altLang="ko-KR" sz="1000" dirty="0" smtClean="0">
+                <a:latin typeface="나눔고딕OTF" pitchFamily="34" charset="-127"/>
+                <a:ea typeface="나눔고딕OTF" pitchFamily="34" charset="-127"/>
+              </a:rPr>
+              <a:t>, </a:t>
+            </a:r>
+            <a:r>
+              <a:rPr kumimoji="0" lang="ko-KR" altLang="en-US" sz="1000" dirty="0" smtClean="0">
+                <a:latin typeface="나눔고딕OTF" pitchFamily="34" charset="-127"/>
+                <a:ea typeface="나눔고딕OTF" pitchFamily="34" charset="-127"/>
+              </a:rPr>
+              <a:t>예약 후 접수처리 완료된 </a:t>
+            </a:r>
+            <a:r>
+              <a:rPr kumimoji="0" lang="ko-KR" altLang="en-US" sz="1000" dirty="0" err="1" smtClean="0">
+                <a:latin typeface="나눔고딕OTF" pitchFamily="34" charset="-127"/>
+                <a:ea typeface="나눔고딕OTF" pitchFamily="34" charset="-127"/>
+              </a:rPr>
+              <a:t>검진자를</a:t>
+            </a:r>
+            <a:r>
+              <a:rPr kumimoji="0" lang="ko-KR" altLang="en-US" sz="1000" dirty="0" smtClean="0">
+                <a:latin typeface="나눔고딕OTF" pitchFamily="34" charset="-127"/>
+                <a:ea typeface="나눔고딕OTF" pitchFamily="34" charset="-127"/>
+              </a:rPr>
+              <a:t> 모두 조회합니다</a:t>
+            </a:r>
+            <a:r>
+              <a:rPr kumimoji="0" lang="en-US" altLang="ko-KR" sz="1000" dirty="0" smtClean="0">
+                <a:latin typeface="나눔고딕OTF" pitchFamily="34" charset="-127"/>
+                <a:ea typeface="나눔고딕OTF" pitchFamily="34" charset="-127"/>
+              </a:rPr>
+              <a:t>.</a:t>
+            </a:r>
+          </a:p>
+          <a:p>
+            <a:pPr marL="228600" indent="-228600">
+              <a:lnSpc>
+                <a:spcPct val="120000"/>
+              </a:lnSpc>
+              <a:buAutoNum type="arabicParenR" startAt="2"/>
+            </a:pPr>
+            <a:r>
+              <a:rPr kumimoji="0" lang="ko-KR" altLang="en-US" sz="1000" b="1" dirty="0" smtClean="0">
+                <a:latin typeface="나눔고딕OTF" pitchFamily="34" charset="-127"/>
+                <a:ea typeface="나눔고딕OTF" pitchFamily="34" charset="-127"/>
+              </a:rPr>
+              <a:t>정렬순서</a:t>
+            </a:r>
+            <a:endParaRPr kumimoji="0" lang="en-US" altLang="ko-KR" sz="1000" b="1" dirty="0" smtClean="0">
+              <a:latin typeface="나눔고딕OTF" pitchFamily="34" charset="-127"/>
+              <a:ea typeface="나눔고딕OTF" pitchFamily="34" charset="-127"/>
+            </a:endParaRPr>
+          </a:p>
+          <a:p>
+            <a:pPr marL="228600" indent="-228600">
+              <a:lnSpc>
+                <a:spcPct val="120000"/>
+              </a:lnSpc>
+            </a:pPr>
+            <a:r>
+              <a:rPr kumimoji="0" lang="en-US" altLang="ko-KR" sz="1000" dirty="0" smtClean="0">
+                <a:latin typeface="나눔고딕OTF" pitchFamily="34" charset="-127"/>
+                <a:ea typeface="나눔고딕OTF" pitchFamily="34" charset="-127"/>
+              </a:rPr>
+              <a:t> </a:t>
+            </a:r>
+            <a:r>
+              <a:rPr kumimoji="0" lang="en-US" altLang="ko-KR" sz="1000" dirty="0" smtClean="0">
+                <a:latin typeface="나눔고딕OTF" pitchFamily="34" charset="-127"/>
+                <a:ea typeface="나눔고딕OTF" pitchFamily="34" charset="-127"/>
+              </a:rPr>
+              <a:t>  - </a:t>
+            </a:r>
+            <a:r>
+              <a:rPr kumimoji="0" lang="ko-KR" altLang="en-US" sz="1000" dirty="0" smtClean="0">
+                <a:latin typeface="나눔고딕OTF" pitchFamily="34" charset="-127"/>
+                <a:ea typeface="나눔고딕OTF" pitchFamily="34" charset="-127"/>
+              </a:rPr>
+              <a:t>조회된 검진자가 두 명 이상일 경우</a:t>
+            </a:r>
+            <a:r>
+              <a:rPr kumimoji="0" lang="en-US" altLang="ko-KR" sz="1000" dirty="0" smtClean="0">
+                <a:latin typeface="나눔고딕OTF" pitchFamily="34" charset="-127"/>
+                <a:ea typeface="나눔고딕OTF" pitchFamily="34" charset="-127"/>
+              </a:rPr>
+              <a:t>, </a:t>
+            </a:r>
+            <a:r>
+              <a:rPr kumimoji="0" lang="ko-KR" altLang="en-US" sz="1000" dirty="0" smtClean="0">
+                <a:latin typeface="나눔고딕OTF" pitchFamily="34" charset="-127"/>
+                <a:ea typeface="나눔고딕OTF" pitchFamily="34" charset="-127"/>
+              </a:rPr>
+              <a:t>출력 순서를 설정합니다</a:t>
+            </a:r>
+            <a:r>
+              <a:rPr kumimoji="0" lang="en-US" altLang="ko-KR" sz="1000" dirty="0" smtClean="0">
+                <a:latin typeface="나눔고딕OTF" pitchFamily="34" charset="-127"/>
+                <a:ea typeface="나눔고딕OTF" pitchFamily="34" charset="-127"/>
+              </a:rPr>
+              <a:t>.</a:t>
+            </a:r>
+          </a:p>
+          <a:p>
+            <a:pPr marL="228600" indent="-228600">
+              <a:lnSpc>
+                <a:spcPct val="120000"/>
+              </a:lnSpc>
+              <a:buAutoNum type="arabicParenR" startAt="3"/>
+            </a:pPr>
+            <a:r>
+              <a:rPr kumimoji="0" lang="ko-KR" altLang="en-US" sz="1000" b="1" dirty="0" smtClean="0">
+                <a:latin typeface="나눔고딕OTF" pitchFamily="34" charset="-127"/>
+                <a:ea typeface="나눔고딕OTF" pitchFamily="34" charset="-127"/>
+              </a:rPr>
+              <a:t>검진장소</a:t>
+            </a:r>
+            <a:endParaRPr kumimoji="0" lang="en-US" altLang="ko-KR" sz="1000" b="1" dirty="0" smtClean="0">
+              <a:latin typeface="나눔고딕OTF" pitchFamily="34" charset="-127"/>
+              <a:ea typeface="나눔고딕OTF" pitchFamily="34" charset="-127"/>
+            </a:endParaRPr>
+          </a:p>
+          <a:p>
+            <a:pPr marL="228600" indent="-228600">
+              <a:lnSpc>
+                <a:spcPct val="120000"/>
+              </a:lnSpc>
+            </a:pPr>
+            <a:r>
+              <a:rPr kumimoji="0" lang="en-US" altLang="ko-KR" sz="1000" b="1" dirty="0" smtClean="0">
+                <a:latin typeface="나눔고딕OTF" pitchFamily="34" charset="-127"/>
+                <a:ea typeface="나눔고딕OTF" pitchFamily="34" charset="-127"/>
+              </a:rPr>
+              <a:t> </a:t>
+            </a:r>
+            <a:r>
+              <a:rPr kumimoji="0" lang="en-US" altLang="ko-KR" sz="1000" b="1" dirty="0" smtClean="0">
+                <a:latin typeface="나눔고딕OTF" pitchFamily="34" charset="-127"/>
+                <a:ea typeface="나눔고딕OTF" pitchFamily="34" charset="-127"/>
+              </a:rPr>
+              <a:t>  </a:t>
+            </a:r>
+            <a:r>
+              <a:rPr kumimoji="0" lang="en-US" altLang="ko-KR" sz="1000" dirty="0" smtClean="0">
+                <a:latin typeface="나눔고딕OTF" pitchFamily="34" charset="-127"/>
+                <a:ea typeface="나눔고딕OTF" pitchFamily="34" charset="-127"/>
+              </a:rPr>
+              <a:t>- </a:t>
+            </a:r>
+            <a:r>
+              <a:rPr kumimoji="0" lang="ko-KR" altLang="en-US" sz="1000" dirty="0" smtClean="0">
+                <a:latin typeface="나눔고딕OTF" pitchFamily="34" charset="-127"/>
+                <a:ea typeface="나눔고딕OTF" pitchFamily="34" charset="-127"/>
+              </a:rPr>
+              <a:t>접수 시 설정한 검진 장소를 구분합니다</a:t>
+            </a:r>
+            <a:r>
+              <a:rPr kumimoji="0" lang="en-US" altLang="ko-KR" sz="1000" dirty="0" smtClean="0">
+                <a:latin typeface="나눔고딕OTF" pitchFamily="34" charset="-127"/>
+                <a:ea typeface="나눔고딕OTF" pitchFamily="34" charset="-127"/>
+              </a:rPr>
+              <a:t>.</a:t>
+            </a:r>
+          </a:p>
+          <a:p>
+            <a:pPr marL="228600" indent="-228600">
+              <a:lnSpc>
+                <a:spcPct val="120000"/>
+              </a:lnSpc>
+              <a:buAutoNum type="arabicParenR" startAt="4"/>
+            </a:pPr>
+            <a:r>
+              <a:rPr kumimoji="0" lang="ko-KR" altLang="en-US" sz="1000" b="1" dirty="0" err="1" smtClean="0">
+                <a:latin typeface="나눔고딕OTF" pitchFamily="34" charset="-127"/>
+                <a:ea typeface="나눔고딕OTF" pitchFamily="34" charset="-127"/>
+              </a:rPr>
+              <a:t>폼지여백</a:t>
+            </a:r>
+            <a:endParaRPr kumimoji="0" lang="en-US" altLang="ko-KR" sz="1000" b="1" dirty="0" smtClean="0">
+              <a:latin typeface="나눔고딕OTF" pitchFamily="34" charset="-127"/>
+              <a:ea typeface="나눔고딕OTF" pitchFamily="34" charset="-127"/>
+            </a:endParaRPr>
+          </a:p>
+          <a:p>
+            <a:pPr marL="228600" indent="-228600">
+              <a:lnSpc>
+                <a:spcPct val="120000"/>
+              </a:lnSpc>
+            </a:pPr>
+            <a:r>
+              <a:rPr kumimoji="0" lang="en-US" altLang="ko-KR" sz="1000" dirty="0" smtClean="0">
+                <a:latin typeface="나눔고딕OTF" pitchFamily="34" charset="-127"/>
+                <a:ea typeface="나눔고딕OTF" pitchFamily="34" charset="-127"/>
+              </a:rPr>
+              <a:t>   - </a:t>
+            </a:r>
+            <a:r>
+              <a:rPr kumimoji="0" lang="ko-KR" altLang="en-US" sz="1000" dirty="0" smtClean="0">
+                <a:latin typeface="나눔고딕OTF" pitchFamily="34" charset="-127"/>
+                <a:ea typeface="나눔고딕OTF" pitchFamily="34" charset="-127"/>
+              </a:rPr>
+              <a:t>출력 시 여백을 설정합니다</a:t>
+            </a:r>
+            <a:r>
+              <a:rPr kumimoji="0" lang="en-US" altLang="ko-KR" sz="1000" dirty="0" smtClean="0">
+                <a:latin typeface="나눔고딕OTF" pitchFamily="34" charset="-127"/>
+                <a:ea typeface="나눔고딕OTF" pitchFamily="34" charset="-127"/>
+              </a:rPr>
+              <a:t>.</a:t>
+            </a:r>
+          </a:p>
+          <a:p>
+            <a:pPr marL="228600" indent="-228600">
+              <a:lnSpc>
+                <a:spcPct val="120000"/>
+              </a:lnSpc>
+              <a:buAutoNum type="arabicParenR" startAt="5"/>
+            </a:pPr>
+            <a:r>
+              <a:rPr kumimoji="0" lang="ko-KR" altLang="en-US" sz="1000" b="1" dirty="0" smtClean="0">
+                <a:latin typeface="나눔고딕OTF" pitchFamily="34" charset="-127"/>
+                <a:ea typeface="나눔고딕OTF" pitchFamily="34" charset="-127"/>
+              </a:rPr>
+              <a:t>기본 </a:t>
+            </a:r>
+            <a:r>
+              <a:rPr kumimoji="0" lang="ko-KR" altLang="en-US" sz="1000" b="1" dirty="0" err="1" smtClean="0">
+                <a:latin typeface="나눔고딕OTF" pitchFamily="34" charset="-127"/>
+                <a:ea typeface="나눔고딕OTF" pitchFamily="34" charset="-127"/>
+              </a:rPr>
+              <a:t>인적정보</a:t>
+            </a:r>
+            <a:r>
+              <a:rPr kumimoji="0" lang="ko-KR" altLang="en-US" sz="1000" b="1" dirty="0" smtClean="0">
+                <a:latin typeface="나눔고딕OTF" pitchFamily="34" charset="-127"/>
+                <a:ea typeface="나눔고딕OTF" pitchFamily="34" charset="-127"/>
+              </a:rPr>
+              <a:t> 설정</a:t>
+            </a:r>
+            <a:endParaRPr kumimoji="0" lang="en-US" altLang="ko-KR" sz="1000" b="1" dirty="0" smtClean="0">
+              <a:latin typeface="나눔고딕OTF" pitchFamily="34" charset="-127"/>
+              <a:ea typeface="나눔고딕OTF" pitchFamily="34" charset="-127"/>
+            </a:endParaRPr>
+          </a:p>
+          <a:p>
+            <a:pPr marL="228600" indent="-228600">
+              <a:lnSpc>
+                <a:spcPct val="120000"/>
+              </a:lnSpc>
+            </a:pPr>
+            <a:r>
+              <a:rPr kumimoji="0" lang="en-US" altLang="ko-KR" sz="1000" dirty="0" smtClean="0">
+                <a:latin typeface="나눔고딕OTF" pitchFamily="34" charset="-127"/>
+                <a:ea typeface="나눔고딕OTF" pitchFamily="34" charset="-127"/>
+              </a:rPr>
+              <a:t> </a:t>
+            </a:r>
+            <a:r>
+              <a:rPr kumimoji="0" lang="en-US" altLang="ko-KR" sz="1000" dirty="0" smtClean="0">
+                <a:latin typeface="나눔고딕OTF" pitchFamily="34" charset="-127"/>
+                <a:ea typeface="나눔고딕OTF" pitchFamily="34" charset="-127"/>
+              </a:rPr>
+              <a:t>  - </a:t>
+            </a:r>
+            <a:r>
+              <a:rPr kumimoji="0" lang="ko-KR" altLang="en-US" sz="1000" dirty="0" smtClean="0">
+                <a:latin typeface="나눔고딕OTF" pitchFamily="34" charset="-127"/>
+                <a:ea typeface="나눔고딕OTF" pitchFamily="34" charset="-127"/>
+              </a:rPr>
+              <a:t>조회할 </a:t>
+            </a:r>
+            <a:r>
+              <a:rPr kumimoji="0" lang="ko-KR" altLang="en-US" sz="1000" dirty="0" err="1" smtClean="0">
+                <a:latin typeface="나눔고딕OTF" pitchFamily="34" charset="-127"/>
+                <a:ea typeface="나눔고딕OTF" pitchFamily="34" charset="-127"/>
+              </a:rPr>
+              <a:t>검진자들의</a:t>
+            </a:r>
+            <a:r>
+              <a:rPr kumimoji="0" lang="ko-KR" altLang="en-US" sz="1000" dirty="0" smtClean="0">
+                <a:latin typeface="나눔고딕OTF" pitchFamily="34" charset="-127"/>
+                <a:ea typeface="나눔고딕OTF" pitchFamily="34" charset="-127"/>
+              </a:rPr>
+              <a:t> 기본 </a:t>
+            </a:r>
+            <a:r>
+              <a:rPr kumimoji="0" lang="ko-KR" altLang="en-US" sz="1000" dirty="0" err="1" smtClean="0">
+                <a:latin typeface="나눔고딕OTF" pitchFamily="34" charset="-127"/>
+                <a:ea typeface="나눔고딕OTF" pitchFamily="34" charset="-127"/>
+              </a:rPr>
+              <a:t>인적정보를</a:t>
+            </a:r>
+            <a:r>
+              <a:rPr kumimoji="0" lang="ko-KR" altLang="en-US" sz="1000" dirty="0" smtClean="0">
+                <a:latin typeface="나눔고딕OTF" pitchFamily="34" charset="-127"/>
+                <a:ea typeface="나눔고딕OTF" pitchFamily="34" charset="-127"/>
+              </a:rPr>
+              <a:t> 입력합니다</a:t>
+            </a:r>
+            <a:r>
+              <a:rPr kumimoji="0" lang="en-US" altLang="ko-KR" sz="1000" dirty="0" smtClean="0">
+                <a:latin typeface="나눔고딕OTF" pitchFamily="34" charset="-127"/>
+                <a:ea typeface="나눔고딕OTF" pitchFamily="34" charset="-127"/>
+              </a:rPr>
+              <a:t>.</a:t>
+            </a:r>
+          </a:p>
+          <a:p>
+            <a:pPr marL="228600" indent="-228600">
+              <a:lnSpc>
+                <a:spcPct val="120000"/>
+              </a:lnSpc>
+            </a:pPr>
+            <a:r>
+              <a:rPr kumimoji="0" lang="ko-KR" altLang="en-US" sz="1000" dirty="0" smtClean="0">
+                <a:latin typeface="나눔고딕OTF" pitchFamily="34" charset="-127"/>
+                <a:ea typeface="나눔고딕OTF" pitchFamily="34" charset="-127"/>
+              </a:rPr>
+              <a:t>예시</a:t>
+            </a:r>
+            <a:r>
+              <a:rPr kumimoji="0" lang="en-US" altLang="ko-KR" sz="1000" dirty="0" smtClean="0">
+                <a:latin typeface="나눔고딕OTF" pitchFamily="34" charset="-127"/>
+                <a:ea typeface="나눔고딕OTF" pitchFamily="34" charset="-127"/>
+              </a:rPr>
+              <a:t>)</a:t>
+            </a:r>
+          </a:p>
+          <a:p>
+            <a:pPr marL="228600" indent="-228600">
+              <a:lnSpc>
+                <a:spcPct val="120000"/>
+              </a:lnSpc>
+            </a:pPr>
+            <a:r>
+              <a:rPr kumimoji="0" lang="en-US" altLang="ko-KR" sz="1000" dirty="0" smtClean="0">
+                <a:latin typeface="나눔고딕OTF" pitchFamily="34" charset="-127"/>
+                <a:ea typeface="나눔고딕OTF" pitchFamily="34" charset="-127"/>
+              </a:rPr>
+              <a:t> </a:t>
+            </a:r>
+            <a:r>
+              <a:rPr kumimoji="0" lang="en-US" altLang="ko-KR" sz="1000" dirty="0" smtClean="0">
+                <a:latin typeface="나눔고딕OTF" pitchFamily="34" charset="-127"/>
+                <a:ea typeface="나눔고딕OTF" pitchFamily="34" charset="-127"/>
+              </a:rPr>
+              <a:t>  - </a:t>
+            </a:r>
+            <a:r>
+              <a:rPr kumimoji="0" lang="ko-KR" altLang="en-US" sz="1000" dirty="0" smtClean="0">
+                <a:latin typeface="나눔고딕OTF" pitchFamily="34" charset="-127"/>
+                <a:ea typeface="나눔고딕OTF" pitchFamily="34" charset="-127"/>
+              </a:rPr>
+              <a:t>특정 </a:t>
+            </a:r>
+            <a:r>
+              <a:rPr kumimoji="0" lang="ko-KR" altLang="en-US" sz="1000" dirty="0" err="1" smtClean="0">
+                <a:latin typeface="나눔고딕OTF" pitchFamily="34" charset="-127"/>
+                <a:ea typeface="나눔고딕OTF" pitchFamily="34" charset="-127"/>
+              </a:rPr>
+              <a:t>검진자</a:t>
+            </a:r>
+            <a:r>
+              <a:rPr kumimoji="0" lang="ko-KR" altLang="en-US" sz="1000" dirty="0" smtClean="0">
+                <a:latin typeface="나눔고딕OTF" pitchFamily="34" charset="-127"/>
+                <a:ea typeface="나눔고딕OTF" pitchFamily="34" charset="-127"/>
+              </a:rPr>
+              <a:t> </a:t>
+            </a:r>
+            <a:r>
+              <a:rPr kumimoji="0" lang="ko-KR" altLang="en-US" sz="1000" dirty="0" err="1" smtClean="0">
+                <a:latin typeface="나눔고딕OTF" pitchFamily="34" charset="-127"/>
+                <a:ea typeface="나눔고딕OTF" pitchFamily="34" charset="-127"/>
+              </a:rPr>
+              <a:t>한명만</a:t>
+            </a:r>
+            <a:r>
+              <a:rPr kumimoji="0" lang="ko-KR" altLang="en-US" sz="1000" dirty="0" smtClean="0">
+                <a:latin typeface="나눔고딕OTF" pitchFamily="34" charset="-127"/>
+                <a:ea typeface="나눔고딕OTF" pitchFamily="34" charset="-127"/>
+              </a:rPr>
+              <a:t> 출력하는 경우 </a:t>
+            </a:r>
+            <a:r>
+              <a:rPr kumimoji="0" lang="en-US" altLang="ko-KR" sz="1000" dirty="0" smtClean="0">
+                <a:latin typeface="나눔고딕OTF" pitchFamily="34" charset="-127"/>
+                <a:ea typeface="나눔고딕OTF" pitchFamily="34" charset="-127"/>
+              </a:rPr>
+              <a:t>: </a:t>
+            </a:r>
+            <a:r>
+              <a:rPr kumimoji="0" lang="ko-KR" altLang="en-US" sz="1000" dirty="0" smtClean="0">
+                <a:latin typeface="나눔고딕OTF" pitchFamily="34" charset="-127"/>
+                <a:ea typeface="나눔고딕OTF" pitchFamily="34" charset="-127"/>
+              </a:rPr>
+              <a:t>검진일자</a:t>
+            </a:r>
+            <a:r>
+              <a:rPr kumimoji="0" lang="en-US" altLang="ko-KR" sz="1000" dirty="0" smtClean="0">
+                <a:latin typeface="나눔고딕OTF" pitchFamily="34" charset="-127"/>
+                <a:ea typeface="나눔고딕OTF" pitchFamily="34" charset="-127"/>
+              </a:rPr>
+              <a:t>, </a:t>
+            </a:r>
+            <a:r>
+              <a:rPr kumimoji="0" lang="ko-KR" altLang="en-US" sz="1000" dirty="0" err="1" smtClean="0">
+                <a:latin typeface="나눔고딕OTF" pitchFamily="34" charset="-127"/>
+                <a:ea typeface="나눔고딕OTF" pitchFamily="34" charset="-127"/>
+              </a:rPr>
+              <a:t>검체번호</a:t>
+            </a:r>
+            <a:r>
+              <a:rPr kumimoji="0" lang="en-US" altLang="ko-KR" sz="1000" dirty="0" smtClean="0">
+                <a:latin typeface="나눔고딕OTF" pitchFamily="34" charset="-127"/>
+                <a:ea typeface="나눔고딕OTF" pitchFamily="34" charset="-127"/>
+              </a:rPr>
+              <a:t>, </a:t>
+            </a:r>
+            <a:r>
+              <a:rPr kumimoji="0" lang="ko-KR" altLang="en-US" sz="1000" dirty="0" smtClean="0">
+                <a:latin typeface="나눔고딕OTF" pitchFamily="34" charset="-127"/>
+                <a:ea typeface="나눔고딕OTF" pitchFamily="34" charset="-127"/>
+              </a:rPr>
+              <a:t>성명을 정확히 입력합니다</a:t>
+            </a:r>
+            <a:r>
+              <a:rPr kumimoji="0" lang="en-US" altLang="ko-KR" sz="1000" dirty="0" smtClean="0">
+                <a:latin typeface="나눔고딕OTF" pitchFamily="34" charset="-127"/>
+                <a:ea typeface="나눔고딕OTF" pitchFamily="34" charset="-127"/>
+              </a:rPr>
+              <a:t>.</a:t>
+            </a:r>
+          </a:p>
+          <a:p>
+            <a:pPr marL="228600" indent="-228600">
+              <a:lnSpc>
+                <a:spcPct val="120000"/>
+              </a:lnSpc>
+            </a:pPr>
+            <a:r>
+              <a:rPr kumimoji="0" lang="en-US" altLang="ko-KR" sz="1000" dirty="0" smtClean="0">
+                <a:latin typeface="나눔고딕OTF" pitchFamily="34" charset="-127"/>
+                <a:ea typeface="나눔고딕OTF" pitchFamily="34" charset="-127"/>
+              </a:rPr>
+              <a:t> </a:t>
+            </a:r>
+            <a:r>
+              <a:rPr kumimoji="0" lang="en-US" altLang="ko-KR" sz="1000" dirty="0" smtClean="0">
+                <a:latin typeface="나눔고딕OTF" pitchFamily="34" charset="-127"/>
+                <a:ea typeface="나눔고딕OTF" pitchFamily="34" charset="-127"/>
+              </a:rPr>
+              <a:t>  - </a:t>
+            </a:r>
+            <a:r>
+              <a:rPr kumimoji="0" lang="ko-KR" altLang="en-US" sz="1000" dirty="0" smtClean="0">
+                <a:latin typeface="나눔고딕OTF" pitchFamily="34" charset="-127"/>
+                <a:ea typeface="나눔고딕OTF" pitchFamily="34" charset="-127"/>
+              </a:rPr>
+              <a:t>특정 사업장에 해당하는 인원을 출력하는 경우 </a:t>
+            </a:r>
+            <a:r>
+              <a:rPr kumimoji="0" lang="en-US" altLang="ko-KR" sz="1000" dirty="0" smtClean="0">
+                <a:latin typeface="나눔고딕OTF" pitchFamily="34" charset="-127"/>
+                <a:ea typeface="나눔고딕OTF" pitchFamily="34" charset="-127"/>
+              </a:rPr>
+              <a:t>: </a:t>
+            </a:r>
+            <a:r>
+              <a:rPr kumimoji="0" lang="ko-KR" altLang="en-US" sz="1000" dirty="0" smtClean="0">
+                <a:latin typeface="나눔고딕OTF" pitchFamily="34" charset="-127"/>
+                <a:ea typeface="나눔고딕OTF" pitchFamily="34" charset="-127"/>
+              </a:rPr>
+              <a:t>검진일자</a:t>
+            </a:r>
+            <a:r>
+              <a:rPr kumimoji="0" lang="en-US" altLang="ko-KR" sz="1000" dirty="0" smtClean="0">
+                <a:latin typeface="나눔고딕OTF" pitchFamily="34" charset="-127"/>
+                <a:ea typeface="나눔고딕OTF" pitchFamily="34" charset="-127"/>
+              </a:rPr>
+              <a:t>, </a:t>
+            </a:r>
+            <a:r>
+              <a:rPr kumimoji="0" lang="ko-KR" altLang="en-US" sz="1000" dirty="0" smtClean="0">
+                <a:latin typeface="나눔고딕OTF" pitchFamily="34" charset="-127"/>
+                <a:ea typeface="나눔고딕OTF" pitchFamily="34" charset="-127"/>
+              </a:rPr>
+              <a:t>사업장을 입력합니다</a:t>
+            </a:r>
+            <a:r>
+              <a:rPr kumimoji="0" lang="en-US" altLang="ko-KR" sz="1000" dirty="0" smtClean="0">
+                <a:latin typeface="나눔고딕OTF" pitchFamily="34" charset="-127"/>
+                <a:ea typeface="나눔고딕OTF" pitchFamily="34" charset="-127"/>
+              </a:rPr>
+              <a:t>.</a:t>
+            </a:r>
+          </a:p>
+        </p:txBody>
+      </p:sp>
+      <p:sp>
+        <p:nvSpPr>
+          <p:cNvPr id="10" name="TextBox 4"/>
+          <p:cNvSpPr txBox="1">
+            <a:spLocks noChangeArrowheads="1"/>
+          </p:cNvSpPr>
+          <p:nvPr/>
+        </p:nvSpPr>
+        <p:spPr bwMode="auto">
+          <a:xfrm>
+            <a:off x="4738686" y="3143248"/>
+            <a:ext cx="4357718" cy="1569660"/>
+          </a:xfrm>
+          <a:prstGeom prst="rect">
+            <a:avLst/>
+          </a:prstGeom>
+          <a:noFill/>
+          <a:ln w="9525">
+            <a:noFill/>
+            <a:miter lim="800000"/>
+            <a:headEnd/>
+            <a:tailEnd/>
+          </a:ln>
+        </p:spPr>
+        <p:txBody>
+          <a:bodyPr wrap="square">
+            <a:spAutoFit/>
+          </a:bodyPr>
+          <a:lstStyle/>
+          <a:p>
+            <a:pPr marL="228600" indent="-228600">
+              <a:lnSpc>
+                <a:spcPct val="120000"/>
+              </a:lnSpc>
+            </a:pPr>
+            <a:r>
+              <a:rPr kumimoji="0" lang="en-US" altLang="ko-KR" sz="1000" dirty="0" smtClean="0">
+                <a:latin typeface="나눔고딕OTF" pitchFamily="34" charset="-127"/>
+                <a:ea typeface="나눔고딕OTF" pitchFamily="34" charset="-127"/>
+              </a:rPr>
+              <a:t>   - </a:t>
+            </a:r>
+            <a:r>
+              <a:rPr kumimoji="0" lang="ko-KR" altLang="en-US" sz="1000" dirty="0" smtClean="0">
+                <a:latin typeface="나눔고딕OTF" pitchFamily="34" charset="-127"/>
+                <a:ea typeface="나눔고딕OTF" pitchFamily="34" charset="-127"/>
+              </a:rPr>
+              <a:t>위 예시와 같이</a:t>
+            </a:r>
+            <a:r>
+              <a:rPr kumimoji="0" lang="en-US" altLang="ko-KR" sz="1000" dirty="0" smtClean="0">
+                <a:latin typeface="나눔고딕OTF" pitchFamily="34" charset="-127"/>
+                <a:ea typeface="나눔고딕OTF" pitchFamily="34" charset="-127"/>
+              </a:rPr>
+              <a:t>, </a:t>
+            </a:r>
+            <a:r>
+              <a:rPr kumimoji="0" lang="ko-KR" altLang="en-US" sz="1000" dirty="0" smtClean="0">
+                <a:latin typeface="나눔고딕OTF" pitchFamily="34" charset="-127"/>
+                <a:ea typeface="나눔고딕OTF" pitchFamily="34" charset="-127"/>
+              </a:rPr>
+              <a:t>출력할 대상의 범위를 설정합니다</a:t>
+            </a:r>
+            <a:r>
+              <a:rPr kumimoji="0" lang="en-US" altLang="ko-KR" sz="1000" dirty="0" smtClean="0">
+                <a:latin typeface="나눔고딕OTF" pitchFamily="34" charset="-127"/>
+                <a:ea typeface="나눔고딕OTF" pitchFamily="34" charset="-127"/>
+              </a:rPr>
+              <a:t>.</a:t>
+            </a:r>
+          </a:p>
+          <a:p>
+            <a:pPr marL="228600" indent="-228600">
+              <a:lnSpc>
+                <a:spcPct val="120000"/>
+              </a:lnSpc>
+              <a:buAutoNum type="arabicParenR" startAt="6"/>
+            </a:pPr>
+            <a:r>
+              <a:rPr kumimoji="0" lang="ko-KR" altLang="en-US" sz="1000" b="1" dirty="0" smtClean="0">
+                <a:latin typeface="나눔고딕OTF" pitchFamily="34" charset="-127"/>
+                <a:ea typeface="나눔고딕OTF" pitchFamily="34" charset="-127"/>
+              </a:rPr>
+              <a:t>출력 옵션 설정</a:t>
+            </a:r>
+            <a:endParaRPr kumimoji="0" lang="en-US" altLang="ko-KR" sz="1000" b="1" dirty="0" smtClean="0">
+              <a:latin typeface="나눔고딕OTF" pitchFamily="34" charset="-127"/>
+              <a:ea typeface="나눔고딕OTF" pitchFamily="34" charset="-127"/>
+            </a:endParaRPr>
+          </a:p>
+          <a:p>
+            <a:pPr marL="228600" indent="-228600">
+              <a:lnSpc>
+                <a:spcPct val="120000"/>
+              </a:lnSpc>
+            </a:pPr>
+            <a:r>
+              <a:rPr kumimoji="0" lang="en-US" altLang="ko-KR" sz="1000" dirty="0" smtClean="0">
+                <a:latin typeface="나눔고딕OTF" pitchFamily="34" charset="-127"/>
+                <a:ea typeface="나눔고딕OTF" pitchFamily="34" charset="-127"/>
+              </a:rPr>
+              <a:t> </a:t>
+            </a:r>
+            <a:r>
+              <a:rPr kumimoji="0" lang="en-US" altLang="ko-KR" sz="1000" dirty="0" smtClean="0">
+                <a:latin typeface="나눔고딕OTF" pitchFamily="34" charset="-127"/>
+                <a:ea typeface="나눔고딕OTF" pitchFamily="34" charset="-127"/>
+              </a:rPr>
+              <a:t>  - </a:t>
+            </a:r>
+            <a:r>
+              <a:rPr kumimoji="0" lang="ko-KR" altLang="en-US" sz="1000" dirty="0" smtClean="0">
+                <a:latin typeface="나눔고딕OTF" pitchFamily="34" charset="-127"/>
+                <a:ea typeface="나눔고딕OTF" pitchFamily="34" charset="-127"/>
+              </a:rPr>
+              <a:t>기록지 출력 시 사용할 옵션에 체크합니다</a:t>
+            </a:r>
+            <a:r>
+              <a:rPr kumimoji="0" lang="en-US" altLang="ko-KR" sz="1000" dirty="0" smtClean="0">
+                <a:latin typeface="나눔고딕OTF" pitchFamily="34" charset="-127"/>
+                <a:ea typeface="나눔고딕OTF" pitchFamily="34" charset="-127"/>
+              </a:rPr>
+              <a:t>.</a:t>
+            </a:r>
+          </a:p>
+          <a:p>
+            <a:pPr marL="228600" indent="-228600">
+              <a:lnSpc>
+                <a:spcPct val="120000"/>
+              </a:lnSpc>
+              <a:buAutoNum type="arabicParenR" startAt="7"/>
+            </a:pPr>
+            <a:r>
+              <a:rPr kumimoji="0" lang="ko-KR" altLang="en-US" sz="1000" b="1" dirty="0" smtClean="0">
+                <a:latin typeface="나눔고딕OTF" pitchFamily="34" charset="-127"/>
+                <a:ea typeface="나눔고딕OTF" pitchFamily="34" charset="-127"/>
+              </a:rPr>
+              <a:t>기록지 종류 선택</a:t>
+            </a:r>
+            <a:endParaRPr kumimoji="0" lang="en-US" altLang="ko-KR" sz="1000" b="1" dirty="0" smtClean="0">
+              <a:latin typeface="나눔고딕OTF" pitchFamily="34" charset="-127"/>
+              <a:ea typeface="나눔고딕OTF" pitchFamily="34" charset="-127"/>
+            </a:endParaRPr>
+          </a:p>
+          <a:p>
+            <a:pPr marL="228600" indent="-228600">
+              <a:lnSpc>
+                <a:spcPct val="120000"/>
+              </a:lnSpc>
+            </a:pPr>
+            <a:r>
+              <a:rPr kumimoji="0" lang="en-US" altLang="ko-KR" sz="1000" dirty="0" smtClean="0">
+                <a:latin typeface="나눔고딕OTF" pitchFamily="34" charset="-127"/>
+                <a:ea typeface="나눔고딕OTF" pitchFamily="34" charset="-127"/>
+              </a:rPr>
+              <a:t> </a:t>
+            </a:r>
+            <a:r>
+              <a:rPr kumimoji="0" lang="en-US" altLang="ko-KR" sz="1000" dirty="0" smtClean="0">
+                <a:latin typeface="나눔고딕OTF" pitchFamily="34" charset="-127"/>
+                <a:ea typeface="나눔고딕OTF" pitchFamily="34" charset="-127"/>
+              </a:rPr>
+              <a:t>  - </a:t>
+            </a:r>
+            <a:r>
+              <a:rPr kumimoji="0" lang="ko-KR" altLang="en-US" sz="1000" dirty="0" smtClean="0">
+                <a:latin typeface="나눔고딕OTF" pitchFamily="34" charset="-127"/>
+                <a:ea typeface="나눔고딕OTF" pitchFamily="34" charset="-127"/>
+              </a:rPr>
+              <a:t>출력할 기록지의 유형을 선택합니다</a:t>
+            </a:r>
+            <a:r>
+              <a:rPr kumimoji="0" lang="en-US" altLang="ko-KR" sz="1000" dirty="0" smtClean="0">
+                <a:latin typeface="나눔고딕OTF" pitchFamily="34" charset="-127"/>
+                <a:ea typeface="나눔고딕OTF" pitchFamily="34" charset="-127"/>
+              </a:rPr>
+              <a:t>.</a:t>
+            </a:r>
+          </a:p>
+          <a:p>
+            <a:pPr marL="228600" indent="-228600">
+              <a:lnSpc>
+                <a:spcPct val="120000"/>
+              </a:lnSpc>
+            </a:pPr>
+            <a:r>
+              <a:rPr kumimoji="0" lang="en-US" altLang="ko-KR" sz="1000" dirty="0" smtClean="0">
+                <a:latin typeface="나눔고딕OTF" pitchFamily="34" charset="-127"/>
+                <a:ea typeface="나눔고딕OTF" pitchFamily="34" charset="-127"/>
+              </a:rPr>
+              <a:t> </a:t>
+            </a:r>
+            <a:r>
+              <a:rPr kumimoji="0" lang="en-US" altLang="ko-KR" sz="1000" dirty="0" smtClean="0">
+                <a:latin typeface="나눔고딕OTF" pitchFamily="34" charset="-127"/>
+                <a:ea typeface="나눔고딕OTF" pitchFamily="34" charset="-127"/>
+              </a:rPr>
+              <a:t>  </a:t>
+            </a:r>
+            <a:r>
+              <a:rPr kumimoji="0" lang="en-US" altLang="ko-KR" sz="1000" dirty="0" smtClean="0">
+                <a:solidFill>
+                  <a:srgbClr val="FF0000"/>
+                </a:solidFill>
+                <a:latin typeface="나눔고딕OTF" pitchFamily="34" charset="-127"/>
+                <a:ea typeface="나눔고딕OTF" pitchFamily="34" charset="-127"/>
+              </a:rPr>
+              <a:t>* ex) 1</a:t>
+            </a:r>
+            <a:r>
+              <a:rPr kumimoji="0" lang="ko-KR" altLang="en-US" sz="1000" dirty="0" err="1" smtClean="0">
+                <a:solidFill>
+                  <a:srgbClr val="FF0000"/>
+                </a:solidFill>
+                <a:latin typeface="나눔고딕OTF" pitchFamily="34" charset="-127"/>
+                <a:ea typeface="나눔고딕OTF" pitchFamily="34" charset="-127"/>
+              </a:rPr>
+              <a:t>차검진</a:t>
+            </a:r>
+            <a:r>
+              <a:rPr kumimoji="0" lang="ko-KR" altLang="en-US" sz="1000" dirty="0" smtClean="0">
+                <a:solidFill>
+                  <a:srgbClr val="FF0000"/>
+                </a:solidFill>
+                <a:latin typeface="나눔고딕OTF" pitchFamily="34" charset="-127"/>
+                <a:ea typeface="나눔고딕OTF" pitchFamily="34" charset="-127"/>
+              </a:rPr>
+              <a:t> </a:t>
+            </a:r>
+            <a:r>
+              <a:rPr kumimoji="0" lang="ko-KR" altLang="en-US" sz="1000" dirty="0" err="1" smtClean="0">
+                <a:solidFill>
+                  <a:srgbClr val="FF0000"/>
+                </a:solidFill>
+                <a:latin typeface="나눔고딕OTF" pitchFamily="34" charset="-127"/>
+                <a:ea typeface="나눔고딕OTF" pitchFamily="34" charset="-127"/>
+              </a:rPr>
+              <a:t>검진자는</a:t>
+            </a:r>
+            <a:r>
+              <a:rPr kumimoji="0" lang="ko-KR" altLang="en-US" sz="1000" dirty="0" smtClean="0">
+                <a:solidFill>
+                  <a:srgbClr val="FF0000"/>
+                </a:solidFill>
+                <a:latin typeface="나눔고딕OTF" pitchFamily="34" charset="-127"/>
+                <a:ea typeface="나눔고딕OTF" pitchFamily="34" charset="-127"/>
+              </a:rPr>
+              <a:t> </a:t>
+            </a:r>
+            <a:r>
+              <a:rPr kumimoji="0" lang="ko-KR" altLang="en-US" sz="1000" dirty="0" err="1" smtClean="0">
+                <a:solidFill>
+                  <a:srgbClr val="FF0000"/>
+                </a:solidFill>
+                <a:latin typeface="나눔고딕OTF" pitchFamily="34" charset="-127"/>
+                <a:ea typeface="나눔고딕OTF" pitchFamily="34" charset="-127"/>
+              </a:rPr>
+              <a:t>암검진</a:t>
+            </a:r>
+            <a:r>
+              <a:rPr kumimoji="0" lang="ko-KR" altLang="en-US" sz="1000" dirty="0" smtClean="0">
+                <a:solidFill>
+                  <a:srgbClr val="FF0000"/>
+                </a:solidFill>
+                <a:latin typeface="나눔고딕OTF" pitchFamily="34" charset="-127"/>
+                <a:ea typeface="나눔고딕OTF" pitchFamily="34" charset="-127"/>
+              </a:rPr>
+              <a:t> 기록지로 출력되지 않습니다</a:t>
+            </a:r>
+            <a:r>
+              <a:rPr kumimoji="0" lang="en-US" altLang="ko-KR" sz="1000" dirty="0" smtClean="0">
+                <a:solidFill>
+                  <a:srgbClr val="FF0000"/>
+                </a:solidFill>
+                <a:latin typeface="나눔고딕OTF" pitchFamily="34" charset="-127"/>
+                <a:ea typeface="나눔고딕OTF" pitchFamily="34" charset="-127"/>
+              </a:rPr>
+              <a:t>.</a:t>
+            </a:r>
+          </a:p>
+          <a:p>
+            <a:pPr marL="228600" indent="-228600">
+              <a:lnSpc>
+                <a:spcPct val="120000"/>
+              </a:lnSpc>
+              <a:buAutoNum type="arabicParenR" startAt="8"/>
+            </a:pPr>
+            <a:r>
+              <a:rPr kumimoji="0" lang="ko-KR" altLang="en-US" sz="1000" b="1" dirty="0" smtClean="0">
+                <a:latin typeface="나눔고딕OTF" pitchFamily="34" charset="-127"/>
+                <a:ea typeface="나눔고딕OTF" pitchFamily="34" charset="-127"/>
+              </a:rPr>
+              <a:t>실행</a:t>
+            </a:r>
+            <a:endParaRPr kumimoji="0" lang="en-US" altLang="ko-KR" sz="1000" b="1" dirty="0" smtClean="0">
+              <a:latin typeface="나눔고딕OTF" pitchFamily="34" charset="-127"/>
+              <a:ea typeface="나눔고딕OTF" pitchFamily="34" charset="-127"/>
+            </a:endParaRPr>
+          </a:p>
+          <a:p>
+            <a:pPr marL="228600" indent="-228600">
+              <a:lnSpc>
+                <a:spcPct val="120000"/>
+              </a:lnSpc>
+            </a:pPr>
+            <a:r>
+              <a:rPr kumimoji="0" lang="en-US" altLang="ko-KR" sz="1000" dirty="0" smtClean="0">
+                <a:latin typeface="나눔고딕OTF" pitchFamily="34" charset="-127"/>
+                <a:ea typeface="나눔고딕OTF" pitchFamily="34" charset="-127"/>
+              </a:rPr>
+              <a:t> </a:t>
+            </a:r>
+            <a:r>
+              <a:rPr kumimoji="0" lang="en-US" altLang="ko-KR" sz="1000" dirty="0" smtClean="0">
+                <a:latin typeface="나눔고딕OTF" pitchFamily="34" charset="-127"/>
+                <a:ea typeface="나눔고딕OTF" pitchFamily="34" charset="-127"/>
+              </a:rPr>
+              <a:t>  - </a:t>
+            </a:r>
+            <a:r>
+              <a:rPr kumimoji="0" lang="ko-KR" altLang="en-US" sz="1000" dirty="0" smtClean="0">
+                <a:latin typeface="나눔고딕OTF" pitchFamily="34" charset="-127"/>
+                <a:ea typeface="나눔고딕OTF" pitchFamily="34" charset="-127"/>
+              </a:rPr>
+              <a:t>위에서 설정한 조건을 토대로</a:t>
+            </a:r>
+            <a:r>
+              <a:rPr kumimoji="0" lang="en-US" altLang="ko-KR" sz="1000" dirty="0" smtClean="0">
+                <a:latin typeface="나눔고딕OTF" pitchFamily="34" charset="-127"/>
+                <a:ea typeface="나눔고딕OTF" pitchFamily="34" charset="-127"/>
+              </a:rPr>
+              <a:t>, </a:t>
+            </a:r>
+            <a:r>
+              <a:rPr kumimoji="0" lang="ko-KR" altLang="en-US" sz="1000" dirty="0" err="1" smtClean="0">
+                <a:latin typeface="나눔고딕OTF" pitchFamily="34" charset="-127"/>
+                <a:ea typeface="나눔고딕OTF" pitchFamily="34" charset="-127"/>
+              </a:rPr>
+              <a:t>검진자를</a:t>
+            </a:r>
+            <a:r>
+              <a:rPr kumimoji="0" lang="ko-KR" altLang="en-US" sz="1000" dirty="0" smtClean="0">
+                <a:latin typeface="나눔고딕OTF" pitchFamily="34" charset="-127"/>
+                <a:ea typeface="나눔고딕OTF" pitchFamily="34" charset="-127"/>
+              </a:rPr>
+              <a:t> 조회하고 기록지를 출력합니다</a:t>
+            </a:r>
+            <a:r>
+              <a:rPr kumimoji="0" lang="en-US" altLang="ko-KR" sz="1000" dirty="0" smtClean="0">
+                <a:latin typeface="나눔고딕OTF" pitchFamily="34" charset="-127"/>
+                <a:ea typeface="나눔고딕OTF" pitchFamily="34" charset="-127"/>
+              </a:rPr>
+              <a:t>.</a:t>
+            </a:r>
+          </a:p>
+        </p:txBody>
+      </p:sp>
+      <p:sp>
+        <p:nvSpPr>
+          <p:cNvPr id="21" name="타원 20"/>
+          <p:cNvSpPr/>
+          <p:nvPr/>
+        </p:nvSpPr>
+        <p:spPr>
+          <a:xfrm>
+            <a:off x="1523976" y="1500174"/>
+            <a:ext cx="214314" cy="214314"/>
+          </a:xfrm>
+          <a:prstGeom prst="ellipse">
+            <a:avLst/>
+          </a:prstGeom>
+          <a:solidFill>
+            <a:schemeClr val="bg1"/>
+          </a:solidFill>
+          <a:ln>
+            <a:solidFill>
+              <a:srgbClr val="FF0000"/>
+            </a:solidFill>
+          </a:ln>
+        </p:spPr>
+        <p:style>
+          <a:lnRef idx="2">
+            <a:schemeClr val="accent1">
+              <a:shade val="50000"/>
+            </a:schemeClr>
+          </a:lnRef>
+          <a:fillRef idx="1">
+            <a:schemeClr val="accent1"/>
+          </a:fillRef>
+          <a:effectRef idx="0">
+            <a:schemeClr val="accent1"/>
+          </a:effectRef>
+          <a:fontRef idx="minor">
+            <a:schemeClr val="lt1"/>
+          </a:fontRef>
+        </p:style>
+        <p:txBody>
+          <a:bodyPr anchor="ctr"/>
+          <a:lstStyle/>
+          <a:p>
+            <a:pPr algn="ctr">
+              <a:defRPr/>
+            </a:pPr>
+            <a:r>
+              <a:rPr lang="en-US" altLang="ko-KR" sz="1000" dirty="0" smtClean="0">
+                <a:solidFill>
+                  <a:schemeClr val="tx1"/>
+                </a:solidFill>
+              </a:rPr>
+              <a:t>1</a:t>
+            </a:r>
+            <a:endParaRPr lang="ko-KR" altLang="en-US" sz="1000" dirty="0">
+              <a:solidFill>
+                <a:schemeClr val="tx1"/>
+              </a:solidFill>
+            </a:endParaRPr>
+          </a:p>
+        </p:txBody>
+      </p:sp>
+      <p:sp>
+        <p:nvSpPr>
+          <p:cNvPr id="22" name="타원 21"/>
+          <p:cNvSpPr/>
+          <p:nvPr/>
+        </p:nvSpPr>
+        <p:spPr>
+          <a:xfrm>
+            <a:off x="1523976" y="1928802"/>
+            <a:ext cx="214314" cy="214314"/>
+          </a:xfrm>
+          <a:prstGeom prst="ellipse">
+            <a:avLst/>
+          </a:prstGeom>
+          <a:solidFill>
+            <a:schemeClr val="bg1"/>
+          </a:solidFill>
+          <a:ln>
+            <a:solidFill>
+              <a:srgbClr val="FF0000"/>
+            </a:solidFill>
+          </a:ln>
+        </p:spPr>
+        <p:style>
+          <a:lnRef idx="2">
+            <a:schemeClr val="accent1">
+              <a:shade val="50000"/>
+            </a:schemeClr>
+          </a:lnRef>
+          <a:fillRef idx="1">
+            <a:schemeClr val="accent1"/>
+          </a:fillRef>
+          <a:effectRef idx="0">
+            <a:schemeClr val="accent1"/>
+          </a:effectRef>
+          <a:fontRef idx="minor">
+            <a:schemeClr val="lt1"/>
+          </a:fontRef>
+        </p:style>
+        <p:txBody>
+          <a:bodyPr anchor="ctr"/>
+          <a:lstStyle/>
+          <a:p>
+            <a:pPr algn="ctr">
+              <a:defRPr/>
+            </a:pPr>
+            <a:r>
+              <a:rPr lang="en-US" altLang="ko-KR" sz="1000" dirty="0" smtClean="0">
+                <a:solidFill>
+                  <a:schemeClr val="tx1"/>
+                </a:solidFill>
+              </a:rPr>
+              <a:t>2</a:t>
+            </a:r>
+            <a:endParaRPr lang="ko-KR" altLang="en-US" sz="1000" dirty="0">
+              <a:solidFill>
+                <a:schemeClr val="tx1"/>
+              </a:solidFill>
+            </a:endParaRPr>
+          </a:p>
+        </p:txBody>
+      </p:sp>
+      <p:sp>
+        <p:nvSpPr>
+          <p:cNvPr id="23" name="타원 22"/>
+          <p:cNvSpPr/>
+          <p:nvPr/>
+        </p:nvSpPr>
+        <p:spPr>
+          <a:xfrm>
+            <a:off x="1523976" y="2214554"/>
+            <a:ext cx="214314" cy="214314"/>
+          </a:xfrm>
+          <a:prstGeom prst="ellipse">
+            <a:avLst/>
+          </a:prstGeom>
+          <a:solidFill>
+            <a:schemeClr val="bg1"/>
+          </a:solidFill>
+          <a:ln>
+            <a:solidFill>
+              <a:srgbClr val="FF0000"/>
+            </a:solidFill>
+          </a:ln>
+        </p:spPr>
+        <p:style>
+          <a:lnRef idx="2">
+            <a:schemeClr val="accent1">
+              <a:shade val="50000"/>
+            </a:schemeClr>
+          </a:lnRef>
+          <a:fillRef idx="1">
+            <a:schemeClr val="accent1"/>
+          </a:fillRef>
+          <a:effectRef idx="0">
+            <a:schemeClr val="accent1"/>
+          </a:effectRef>
+          <a:fontRef idx="minor">
+            <a:schemeClr val="lt1"/>
+          </a:fontRef>
+        </p:style>
+        <p:txBody>
+          <a:bodyPr anchor="ctr"/>
+          <a:lstStyle/>
+          <a:p>
+            <a:pPr algn="ctr">
+              <a:defRPr/>
+            </a:pPr>
+            <a:r>
+              <a:rPr lang="en-US" altLang="ko-KR" sz="1000" dirty="0" smtClean="0">
+                <a:solidFill>
+                  <a:schemeClr val="tx1"/>
+                </a:solidFill>
+              </a:rPr>
+              <a:t>3</a:t>
+            </a:r>
+            <a:endParaRPr lang="ko-KR" altLang="en-US" sz="1000" dirty="0">
+              <a:solidFill>
+                <a:schemeClr val="tx1"/>
+              </a:solidFill>
+            </a:endParaRPr>
+          </a:p>
+        </p:txBody>
+      </p:sp>
+      <p:sp>
+        <p:nvSpPr>
+          <p:cNvPr id="24" name="타원 23"/>
+          <p:cNvSpPr/>
+          <p:nvPr/>
+        </p:nvSpPr>
+        <p:spPr>
+          <a:xfrm>
+            <a:off x="1523976" y="2571744"/>
+            <a:ext cx="214314" cy="214314"/>
+          </a:xfrm>
+          <a:prstGeom prst="ellipse">
+            <a:avLst/>
+          </a:prstGeom>
+          <a:solidFill>
+            <a:schemeClr val="bg1"/>
+          </a:solidFill>
+          <a:ln>
+            <a:solidFill>
+              <a:srgbClr val="FF0000"/>
+            </a:solidFill>
+          </a:ln>
+        </p:spPr>
+        <p:style>
+          <a:lnRef idx="2">
+            <a:schemeClr val="accent1">
+              <a:shade val="50000"/>
+            </a:schemeClr>
+          </a:lnRef>
+          <a:fillRef idx="1">
+            <a:schemeClr val="accent1"/>
+          </a:fillRef>
+          <a:effectRef idx="0">
+            <a:schemeClr val="accent1"/>
+          </a:effectRef>
+          <a:fontRef idx="minor">
+            <a:schemeClr val="lt1"/>
+          </a:fontRef>
+        </p:style>
+        <p:txBody>
+          <a:bodyPr anchor="ctr"/>
+          <a:lstStyle/>
+          <a:p>
+            <a:pPr algn="ctr">
+              <a:defRPr/>
+            </a:pPr>
+            <a:r>
+              <a:rPr lang="en-US" altLang="ko-KR" sz="1000" dirty="0" smtClean="0">
+                <a:solidFill>
+                  <a:schemeClr val="tx1"/>
+                </a:solidFill>
+              </a:rPr>
+              <a:t>4</a:t>
+            </a:r>
+            <a:endParaRPr lang="ko-KR" altLang="en-US" sz="1000" dirty="0">
+              <a:solidFill>
+                <a:schemeClr val="tx1"/>
+              </a:solidFill>
+            </a:endParaRPr>
+          </a:p>
+        </p:txBody>
+      </p:sp>
+      <p:sp>
+        <p:nvSpPr>
+          <p:cNvPr id="28" name="타원 27"/>
+          <p:cNvSpPr/>
+          <p:nvPr/>
+        </p:nvSpPr>
+        <p:spPr>
+          <a:xfrm>
+            <a:off x="7167578" y="2500306"/>
+            <a:ext cx="214314" cy="214314"/>
+          </a:xfrm>
+          <a:prstGeom prst="ellipse">
+            <a:avLst/>
+          </a:prstGeom>
+          <a:solidFill>
+            <a:schemeClr val="bg1"/>
+          </a:solidFill>
+          <a:ln>
+            <a:solidFill>
+              <a:srgbClr val="FF0000"/>
+            </a:solidFill>
+          </a:ln>
+        </p:spPr>
+        <p:style>
+          <a:lnRef idx="2">
+            <a:schemeClr val="accent1">
+              <a:shade val="50000"/>
+            </a:schemeClr>
+          </a:lnRef>
+          <a:fillRef idx="1">
+            <a:schemeClr val="accent1"/>
+          </a:fillRef>
+          <a:effectRef idx="0">
+            <a:schemeClr val="accent1"/>
+          </a:effectRef>
+          <a:fontRef idx="minor">
+            <a:schemeClr val="lt1"/>
+          </a:fontRef>
+        </p:style>
+        <p:txBody>
+          <a:bodyPr anchor="ctr"/>
+          <a:lstStyle/>
+          <a:p>
+            <a:pPr algn="ctr">
+              <a:defRPr/>
+            </a:pPr>
+            <a:r>
+              <a:rPr lang="en-US" altLang="ko-KR" sz="1000" dirty="0" smtClean="0">
+                <a:solidFill>
+                  <a:schemeClr val="tx1"/>
+                </a:solidFill>
+              </a:rPr>
+              <a:t>8</a:t>
+            </a:r>
+            <a:endParaRPr lang="ko-KR" altLang="en-US" sz="1000" dirty="0">
+              <a:solidFill>
+                <a:schemeClr val="tx1"/>
+              </a:solidFill>
+            </a:endParaRPr>
+          </a:p>
+        </p:txBody>
+      </p:sp>
+      <p:sp>
+        <p:nvSpPr>
+          <p:cNvPr id="29" name="직사각형 28"/>
+          <p:cNvSpPr/>
+          <p:nvPr/>
+        </p:nvSpPr>
+        <p:spPr>
+          <a:xfrm>
+            <a:off x="3936392" y="1698012"/>
+            <a:ext cx="3231186" cy="945170"/>
+          </a:xfrm>
+          <a:prstGeom prst="rect">
+            <a:avLst/>
+          </a:prstGeom>
+          <a:noFill/>
+          <a:ln w="12700">
+            <a:solidFill>
+              <a:srgbClr val="FF0000"/>
+            </a:solidFill>
+          </a:ln>
+        </p:spPr>
+        <p:style>
+          <a:lnRef idx="2">
+            <a:schemeClr val="accent1">
+              <a:shade val="50000"/>
+            </a:schemeClr>
+          </a:lnRef>
+          <a:fillRef idx="1">
+            <a:schemeClr val="accent1"/>
+          </a:fillRef>
+          <a:effectRef idx="0">
+            <a:schemeClr val="accent1"/>
+          </a:effectRef>
+          <a:fontRef idx="minor">
+            <a:schemeClr val="lt1"/>
+          </a:fontRef>
+        </p:style>
+        <p:txBody>
+          <a:bodyPr anchor="ctr"/>
+          <a:lstStyle/>
+          <a:p>
+            <a:pPr algn="ctr" fontAlgn="auto">
+              <a:spcBef>
+                <a:spcPts val="0"/>
+              </a:spcBef>
+              <a:spcAft>
+                <a:spcPts val="0"/>
+              </a:spcAft>
+              <a:defRPr/>
+            </a:pPr>
+            <a:endParaRPr kumimoji="0" lang="ko-KR" altLang="en-US" dirty="0">
+              <a:latin typeface="나눔고딕OTF" pitchFamily="34" charset="-127"/>
+              <a:ea typeface="나눔고딕OTF" pitchFamily="34" charset="-127"/>
+            </a:endParaRPr>
+          </a:p>
+        </p:txBody>
+      </p:sp>
+      <p:sp>
+        <p:nvSpPr>
+          <p:cNvPr id="30" name="직사각형 29"/>
+          <p:cNvSpPr/>
+          <p:nvPr/>
+        </p:nvSpPr>
+        <p:spPr>
+          <a:xfrm>
+            <a:off x="7239016" y="1596326"/>
+            <a:ext cx="883492" cy="669079"/>
+          </a:xfrm>
+          <a:prstGeom prst="rect">
+            <a:avLst/>
+          </a:prstGeom>
+          <a:noFill/>
+          <a:ln w="12700">
+            <a:solidFill>
+              <a:srgbClr val="FF0000"/>
+            </a:solidFill>
+          </a:ln>
+        </p:spPr>
+        <p:style>
+          <a:lnRef idx="2">
+            <a:schemeClr val="accent1">
+              <a:shade val="50000"/>
+            </a:schemeClr>
+          </a:lnRef>
+          <a:fillRef idx="1">
+            <a:schemeClr val="accent1"/>
+          </a:fillRef>
+          <a:effectRef idx="0">
+            <a:schemeClr val="accent1"/>
+          </a:effectRef>
+          <a:fontRef idx="minor">
+            <a:schemeClr val="lt1"/>
+          </a:fontRef>
+        </p:style>
+        <p:txBody>
+          <a:bodyPr anchor="ctr"/>
+          <a:lstStyle/>
+          <a:p>
+            <a:pPr algn="ctr" fontAlgn="auto">
+              <a:spcBef>
+                <a:spcPts val="0"/>
+              </a:spcBef>
+              <a:spcAft>
+                <a:spcPts val="0"/>
+              </a:spcAft>
+              <a:defRPr/>
+            </a:pPr>
+            <a:endParaRPr kumimoji="0" lang="ko-KR" altLang="en-US" dirty="0">
+              <a:latin typeface="나눔고딕OTF" pitchFamily="34" charset="-127"/>
+              <a:ea typeface="나눔고딕OTF" pitchFamily="34" charset="-127"/>
+            </a:endParaRPr>
+          </a:p>
+        </p:txBody>
+      </p:sp>
+      <p:sp>
+        <p:nvSpPr>
+          <p:cNvPr id="26" name="타원 25"/>
+          <p:cNvSpPr/>
+          <p:nvPr/>
+        </p:nvSpPr>
+        <p:spPr>
+          <a:xfrm>
+            <a:off x="7096140" y="1428736"/>
+            <a:ext cx="214314" cy="214314"/>
+          </a:xfrm>
+          <a:prstGeom prst="ellipse">
+            <a:avLst/>
+          </a:prstGeom>
+          <a:solidFill>
+            <a:schemeClr val="bg1"/>
+          </a:solidFill>
+          <a:ln>
+            <a:solidFill>
+              <a:srgbClr val="FF0000"/>
+            </a:solidFill>
+          </a:ln>
+        </p:spPr>
+        <p:style>
+          <a:lnRef idx="2">
+            <a:schemeClr val="accent1">
+              <a:shade val="50000"/>
+            </a:schemeClr>
+          </a:lnRef>
+          <a:fillRef idx="1">
+            <a:schemeClr val="accent1"/>
+          </a:fillRef>
+          <a:effectRef idx="0">
+            <a:schemeClr val="accent1"/>
+          </a:effectRef>
+          <a:fontRef idx="minor">
+            <a:schemeClr val="lt1"/>
+          </a:fontRef>
+        </p:style>
+        <p:txBody>
+          <a:bodyPr anchor="ctr"/>
+          <a:lstStyle/>
+          <a:p>
+            <a:pPr algn="ctr">
+              <a:defRPr/>
+            </a:pPr>
+            <a:r>
+              <a:rPr lang="en-US" altLang="ko-KR" sz="1000" dirty="0" smtClean="0">
+                <a:solidFill>
+                  <a:schemeClr val="tx1"/>
+                </a:solidFill>
+              </a:rPr>
+              <a:t>6</a:t>
+            </a:r>
+            <a:endParaRPr lang="ko-KR" altLang="en-US" sz="1000" dirty="0">
+              <a:solidFill>
+                <a:schemeClr val="tx1"/>
+              </a:solidFill>
+            </a:endParaRPr>
+          </a:p>
+        </p:txBody>
+      </p:sp>
+      <p:sp>
+        <p:nvSpPr>
+          <p:cNvPr id="27" name="타원 26"/>
+          <p:cNvSpPr/>
+          <p:nvPr/>
+        </p:nvSpPr>
+        <p:spPr>
+          <a:xfrm>
+            <a:off x="6096008" y="2500306"/>
+            <a:ext cx="214314" cy="214314"/>
+          </a:xfrm>
+          <a:prstGeom prst="ellipse">
+            <a:avLst/>
+          </a:prstGeom>
+          <a:solidFill>
+            <a:schemeClr val="bg1"/>
+          </a:solidFill>
+          <a:ln>
+            <a:solidFill>
+              <a:srgbClr val="FF0000"/>
+            </a:solidFill>
+          </a:ln>
+        </p:spPr>
+        <p:style>
+          <a:lnRef idx="2">
+            <a:schemeClr val="accent1">
+              <a:shade val="50000"/>
+            </a:schemeClr>
+          </a:lnRef>
+          <a:fillRef idx="1">
+            <a:schemeClr val="accent1"/>
+          </a:fillRef>
+          <a:effectRef idx="0">
+            <a:schemeClr val="accent1"/>
+          </a:effectRef>
+          <a:fontRef idx="minor">
+            <a:schemeClr val="lt1"/>
+          </a:fontRef>
+        </p:style>
+        <p:txBody>
+          <a:bodyPr anchor="ctr"/>
+          <a:lstStyle/>
+          <a:p>
+            <a:pPr algn="ctr">
+              <a:defRPr/>
+            </a:pPr>
+            <a:r>
+              <a:rPr lang="en-US" altLang="ko-KR" sz="1000" dirty="0" smtClean="0">
+                <a:solidFill>
+                  <a:schemeClr val="tx1"/>
+                </a:solidFill>
+              </a:rPr>
+              <a:t>7</a:t>
+            </a:r>
+            <a:endParaRPr lang="ko-KR" altLang="en-US" sz="1000" dirty="0">
+              <a:solidFill>
+                <a:schemeClr val="tx1"/>
+              </a:solidFill>
+            </a:endParaRPr>
+          </a:p>
+        </p:txBody>
+      </p:sp>
+      <p:sp>
+        <p:nvSpPr>
+          <p:cNvPr id="25" name="타원 24"/>
+          <p:cNvSpPr/>
+          <p:nvPr/>
+        </p:nvSpPr>
+        <p:spPr>
+          <a:xfrm>
+            <a:off x="3809992" y="1516650"/>
+            <a:ext cx="214314" cy="214314"/>
+          </a:xfrm>
+          <a:prstGeom prst="ellipse">
+            <a:avLst/>
+          </a:prstGeom>
+          <a:solidFill>
+            <a:schemeClr val="bg1"/>
+          </a:solidFill>
+          <a:ln>
+            <a:solidFill>
+              <a:srgbClr val="FF0000"/>
+            </a:solidFill>
+          </a:ln>
+        </p:spPr>
+        <p:style>
+          <a:lnRef idx="2">
+            <a:schemeClr val="accent1">
+              <a:shade val="50000"/>
+            </a:schemeClr>
+          </a:lnRef>
+          <a:fillRef idx="1">
+            <a:schemeClr val="accent1"/>
+          </a:fillRef>
+          <a:effectRef idx="0">
+            <a:schemeClr val="accent1"/>
+          </a:effectRef>
+          <a:fontRef idx="minor">
+            <a:schemeClr val="lt1"/>
+          </a:fontRef>
+        </p:style>
+        <p:txBody>
+          <a:bodyPr anchor="ctr"/>
+          <a:lstStyle/>
+          <a:p>
+            <a:pPr algn="ctr">
+              <a:defRPr/>
+            </a:pPr>
+            <a:r>
+              <a:rPr lang="en-US" altLang="ko-KR" sz="1000" dirty="0" smtClean="0">
+                <a:solidFill>
+                  <a:schemeClr val="tx1"/>
+                </a:solidFill>
+              </a:rPr>
+              <a:t>5</a:t>
+            </a:r>
+            <a:endParaRPr lang="ko-KR" altLang="en-US" sz="1000" dirty="0">
+              <a:solidFill>
+                <a:schemeClr val="tx1"/>
+              </a:solidFill>
+            </a:endParaRPr>
+          </a:p>
+        </p:txBody>
+      </p:sp>
+    </p:spTree>
+  </p:cSld>
+  <p:clrMapOvr>
+    <a:masterClrMapping/>
+  </p:clrMapOvr>
+  <p:timing>
+    <p:tnLst>
+      <p:par>
+        <p:cTn id="1" dur="indefinite" restart="never" nodeType="tmRoot"/>
+      </p:par>
+    </p:tnLst>
+  </p:timing>
+</p:sld>
+</file>
+
+<file path=ppt/slides/slide26.xml><?xml version="1.0" encoding="utf-8"?>
+<p:sld xmlns:a="http://schemas.openxmlformats.org/drawingml/2006/main" xmlns:r="http://schemas.openxmlformats.org/officeDocument/2006/relationships" xmlns:p="http://schemas.openxmlformats.org/presentationml/2006/main">
+  <p:cSld>
+    <p:spTree>
+      <p:nvGrpSpPr>
+        <p:cNvPr id="1" name=""/>
+        <p:cNvGrpSpPr/>
+        <p:nvPr/>
+      </p:nvGrpSpPr>
+      <p:grpSpPr>
+        <a:xfrm>
+          <a:off x="0" y="0"/>
+          <a:ext cx="0" cy="0"/>
+          <a:chOff x="0" y="0"/>
+          <a:chExt cx="0" cy="0"/>
+        </a:xfrm>
+      </p:grpSpPr>
+      <p:sp>
+        <p:nvSpPr>
+          <p:cNvPr id="5" name="직사각형 4"/>
+          <p:cNvSpPr/>
+          <p:nvPr/>
+        </p:nvSpPr>
+        <p:spPr>
+          <a:xfrm flipH="1">
+            <a:off x="0" y="0"/>
+            <a:ext cx="9906000" cy="6858000"/>
+          </a:xfrm>
+          <a:prstGeom prst="rect">
+            <a:avLst/>
+          </a:prstGeom>
+          <a:solidFill>
+            <a:srgbClr val="BED395"/>
+          </a:solidFill>
+          <a:ln>
+            <a:noFill/>
+          </a:ln>
+        </p:spPr>
+        <p:style>
+          <a:lnRef idx="2">
+            <a:schemeClr val="accent1">
+              <a:shade val="50000"/>
+            </a:schemeClr>
+          </a:lnRef>
+          <a:fillRef idx="1">
+            <a:schemeClr val="accent1"/>
+          </a:fillRef>
+          <a:effectRef idx="0">
+            <a:schemeClr val="accent1"/>
+          </a:effectRef>
+          <a:fontRef idx="minor">
+            <a:schemeClr val="lt1"/>
+          </a:fontRef>
+        </p:style>
+        <p:txBody>
+          <a:bodyPr anchor="ctr"/>
+          <a:lstStyle/>
+          <a:p>
+            <a:pPr algn="ctr" fontAlgn="auto">
+              <a:spcBef>
+                <a:spcPts val="0"/>
+              </a:spcBef>
+              <a:spcAft>
+                <a:spcPts val="0"/>
+              </a:spcAft>
+              <a:defRPr/>
+            </a:pPr>
+            <a:endParaRPr kumimoji="0" lang="ko-KR" altLang="en-US"/>
+          </a:p>
+        </p:txBody>
+      </p:sp>
+      <p:sp>
+        <p:nvSpPr>
+          <p:cNvPr id="25603" name="TextBox 13"/>
+          <p:cNvSpPr txBox="1">
+            <a:spLocks noChangeArrowheads="1"/>
+          </p:cNvSpPr>
+          <p:nvPr/>
+        </p:nvSpPr>
+        <p:spPr bwMode="auto">
+          <a:xfrm>
+            <a:off x="3952868" y="2636838"/>
+            <a:ext cx="1053494" cy="854080"/>
+          </a:xfrm>
+          <a:prstGeom prst="rect">
+            <a:avLst/>
+          </a:prstGeom>
+          <a:noFill/>
+          <a:ln w="9525">
+            <a:noFill/>
+            <a:miter lim="800000"/>
+            <a:headEnd/>
+            <a:tailEnd/>
+          </a:ln>
+        </p:spPr>
+        <p:txBody>
+          <a:bodyPr wrap="none">
+            <a:spAutoFit/>
+          </a:bodyPr>
+          <a:lstStyle/>
+          <a:p>
+            <a:pPr marL="457200" indent="-457200">
+              <a:lnSpc>
+                <a:spcPct val="150000"/>
+              </a:lnSpc>
+            </a:pPr>
+            <a:r>
+              <a:rPr kumimoji="0" lang="ko-KR" altLang="en-US" sz="3600" b="1" dirty="0" smtClean="0">
+                <a:solidFill>
+                  <a:schemeClr val="bg1"/>
+                </a:solidFill>
+                <a:latin typeface="나눔고딕OTF" pitchFamily="34" charset="-127"/>
+                <a:ea typeface="나눔고딕OTF" pitchFamily="34" charset="-127"/>
+              </a:rPr>
+              <a:t>기타</a:t>
+            </a:r>
+            <a:endParaRPr kumimoji="0" lang="en-US" altLang="ko-KR" sz="3600" b="1" dirty="0" smtClean="0">
+              <a:solidFill>
+                <a:schemeClr val="bg1"/>
+              </a:solidFill>
+              <a:latin typeface="나눔고딕OTF" pitchFamily="34" charset="-127"/>
+              <a:ea typeface="나눔고딕OTF" pitchFamily="34" charset="-127"/>
+            </a:endParaRPr>
+          </a:p>
+        </p:txBody>
+      </p:sp>
+      <p:pic>
+        <p:nvPicPr>
+          <p:cNvPr id="25604" name="그림 7" descr="앨리스화면.png"/>
+          <p:cNvPicPr>
+            <a:picLocks noChangeAspect="1"/>
+          </p:cNvPicPr>
+          <p:nvPr/>
+        </p:nvPicPr>
+        <p:blipFill>
+          <a:blip r:embed="rId2"/>
+          <a:srcRect l="13019" t="12311" r="2361" b="5617"/>
+          <a:stretch>
+            <a:fillRect/>
+          </a:stretch>
+        </p:blipFill>
+        <p:spPr bwMode="auto">
+          <a:xfrm>
+            <a:off x="1639888" y="2708275"/>
+            <a:ext cx="1944687" cy="996950"/>
+          </a:xfrm>
+          <a:prstGeom prst="rect">
+            <a:avLst/>
+          </a:prstGeom>
+          <a:noFill/>
+          <a:ln w="9525">
+            <a:noFill/>
+            <a:miter lim="800000"/>
+            <a:headEnd/>
+            <a:tailEnd/>
+          </a:ln>
+        </p:spPr>
+      </p:pic>
+    </p:spTree>
+  </p:cSld>
+  <p:clrMapOvr>
+    <a:masterClrMapping/>
+  </p:clrMapOvr>
+  <p:timing>
+    <p:tnLst>
+      <p:par>
+        <p:cTn id="1" dur="indefinite" restart="never" nodeType="tmRoot"/>
+      </p:par>
+    </p:tnLst>
+  </p:timing>
+</p:sld>
+</file>
+
+<file path=ppt/slides/slide27.xml><?xml version="1.0" encoding="utf-8"?>
+<p:sld xmlns:a="http://schemas.openxmlformats.org/drawingml/2006/main" xmlns:r="http://schemas.openxmlformats.org/officeDocument/2006/relationships" xmlns:p="http://schemas.openxmlformats.org/presentationml/2006/main">
+  <p:cSld>
+    <p:spTree>
+      <p:nvGrpSpPr>
+        <p:cNvPr id="1" name=""/>
+        <p:cNvGrpSpPr/>
+        <p:nvPr/>
+      </p:nvGrpSpPr>
+      <p:grpSpPr>
+        <a:xfrm>
+          <a:off x="0" y="0"/>
+          <a:ext cx="0" cy="0"/>
+          <a:chOff x="0" y="0"/>
+          <a:chExt cx="0" cy="0"/>
+        </a:xfrm>
+      </p:grpSpPr>
+      <p:pic>
+        <p:nvPicPr>
+          <p:cNvPr id="22530" name="Picture 8"/>
+          <p:cNvPicPr>
+            <a:picLocks noChangeAspect="1" noChangeArrowheads="1"/>
+          </p:cNvPicPr>
+          <p:nvPr/>
+        </p:nvPicPr>
+        <p:blipFill>
+          <a:blip r:embed="rId2"/>
+          <a:srcRect/>
+          <a:stretch>
+            <a:fillRect/>
+          </a:stretch>
+        </p:blipFill>
+        <p:spPr bwMode="auto">
+          <a:xfrm>
+            <a:off x="595313" y="1500188"/>
+            <a:ext cx="5949950" cy="4714875"/>
+          </a:xfrm>
+          <a:prstGeom prst="rect">
+            <a:avLst/>
+          </a:prstGeom>
+          <a:noFill/>
+          <a:ln w="9525">
+            <a:noFill/>
+            <a:miter lim="800000"/>
+            <a:headEnd/>
+            <a:tailEnd/>
+          </a:ln>
+        </p:spPr>
+      </p:pic>
+      <p:sp>
+        <p:nvSpPr>
+          <p:cNvPr id="6" name="TextBox 5"/>
+          <p:cNvSpPr txBox="1"/>
+          <p:nvPr/>
+        </p:nvSpPr>
+        <p:spPr>
+          <a:xfrm>
+            <a:off x="1497013" y="282575"/>
+            <a:ext cx="617537" cy="369888"/>
+          </a:xfrm>
+          <a:prstGeom prst="rect">
+            <a:avLst/>
+          </a:prstGeom>
+          <a:noFill/>
+        </p:spPr>
+        <p:txBody>
+          <a:bodyPr wrap="none">
+            <a:spAutoFit/>
+          </a:bodyPr>
+          <a:lstStyle/>
+          <a:p>
+            <a:pPr fontAlgn="auto">
+              <a:spcBef>
+                <a:spcPts val="0"/>
+              </a:spcBef>
+              <a:spcAft>
+                <a:spcPts val="0"/>
+              </a:spcAft>
+              <a:defRPr/>
+            </a:pPr>
+            <a:r>
+              <a:rPr kumimoji="0" lang="ko-KR" altLang="en-US" dirty="0">
+                <a:solidFill>
+                  <a:schemeClr val="bg1">
+                    <a:lumMod val="50000"/>
+                  </a:schemeClr>
+                </a:solidFill>
+                <a:latin typeface="나눔고딕OTF ExtraBold" pitchFamily="34" charset="-127"/>
+                <a:ea typeface="나눔고딕OTF ExtraBold" pitchFamily="34" charset="-127"/>
+              </a:rPr>
+              <a:t>수납</a:t>
+            </a:r>
+          </a:p>
+        </p:txBody>
+      </p:sp>
+      <p:sp>
+        <p:nvSpPr>
+          <p:cNvPr id="22532" name="TextBox 4"/>
+          <p:cNvSpPr txBox="1">
+            <a:spLocks noChangeArrowheads="1"/>
+          </p:cNvSpPr>
+          <p:nvPr/>
+        </p:nvSpPr>
+        <p:spPr bwMode="auto">
+          <a:xfrm>
+            <a:off x="381000" y="785813"/>
+            <a:ext cx="1022350" cy="307975"/>
+          </a:xfrm>
+          <a:prstGeom prst="rect">
+            <a:avLst/>
+          </a:prstGeom>
+          <a:noFill/>
+          <a:ln w="9525">
+            <a:noFill/>
+            <a:miter lim="800000"/>
+            <a:headEnd/>
+            <a:tailEnd/>
+          </a:ln>
+        </p:spPr>
+        <p:txBody>
+          <a:bodyPr wrap="none">
+            <a:spAutoFit/>
+          </a:bodyPr>
+          <a:lstStyle/>
+          <a:p>
+            <a:r>
+              <a:rPr kumimoji="0" lang="en-US" altLang="ko-KR" sz="1400" b="1" dirty="0">
+                <a:latin typeface="나눔고딕OTF" pitchFamily="34" charset="-127"/>
+                <a:ea typeface="나눔고딕OTF" pitchFamily="34" charset="-127"/>
+              </a:rPr>
+              <a:t>- </a:t>
+            </a:r>
+            <a:r>
+              <a:rPr kumimoji="0" lang="ko-KR" altLang="en-US" sz="1400" b="1" dirty="0">
+                <a:latin typeface="나눔고딕OTF" pitchFamily="34" charset="-127"/>
+                <a:ea typeface="나눔고딕OTF" pitchFamily="34" charset="-127"/>
+              </a:rPr>
+              <a:t>접수 화면</a:t>
+            </a:r>
+          </a:p>
+        </p:txBody>
+      </p:sp>
+      <p:sp>
+        <p:nvSpPr>
+          <p:cNvPr id="11" name="직사각형 10"/>
+          <p:cNvSpPr/>
+          <p:nvPr/>
+        </p:nvSpPr>
+        <p:spPr>
+          <a:xfrm>
+            <a:off x="611188" y="2627313"/>
+            <a:ext cx="1484312" cy="3516312"/>
+          </a:xfrm>
+          <a:prstGeom prst="rect">
+            <a:avLst/>
+          </a:prstGeom>
+          <a:noFill/>
+          <a:ln>
+            <a:solidFill>
+              <a:srgbClr val="FF0000"/>
+            </a:solidFill>
+          </a:ln>
+        </p:spPr>
+        <p:style>
+          <a:lnRef idx="2">
+            <a:schemeClr val="accent1">
+              <a:shade val="50000"/>
+            </a:schemeClr>
+          </a:lnRef>
+          <a:fillRef idx="1">
+            <a:schemeClr val="accent1"/>
+          </a:fillRef>
+          <a:effectRef idx="0">
+            <a:schemeClr val="accent1"/>
+          </a:effectRef>
+          <a:fontRef idx="minor">
+            <a:schemeClr val="lt1"/>
+          </a:fontRef>
+        </p:style>
+        <p:txBody>
+          <a:bodyPr anchor="ctr"/>
+          <a:lstStyle/>
+          <a:p>
+            <a:pPr algn="ctr" fontAlgn="auto">
+              <a:spcBef>
+                <a:spcPts val="0"/>
+              </a:spcBef>
+              <a:spcAft>
+                <a:spcPts val="0"/>
+              </a:spcAft>
+              <a:defRPr/>
+            </a:pPr>
+            <a:endParaRPr kumimoji="0" lang="ko-KR" altLang="en-US">
+              <a:latin typeface="나눔고딕OTF" pitchFamily="34" charset="-127"/>
+              <a:ea typeface="나눔고딕OTF" pitchFamily="34" charset="-127"/>
+            </a:endParaRPr>
+          </a:p>
+        </p:txBody>
+      </p:sp>
+      <p:sp>
+        <p:nvSpPr>
+          <p:cNvPr id="12" name="타원 11"/>
+          <p:cNvSpPr/>
+          <p:nvPr/>
+        </p:nvSpPr>
+        <p:spPr>
+          <a:xfrm>
+            <a:off x="468313" y="2413000"/>
+            <a:ext cx="285750" cy="285750"/>
+          </a:xfrm>
+          <a:prstGeom prst="ellipse">
+            <a:avLst/>
+          </a:prstGeom>
+          <a:solidFill>
+            <a:schemeClr val="bg1"/>
+          </a:solidFill>
+          <a:ln>
+            <a:solidFill>
+              <a:srgbClr val="FF0000"/>
+            </a:solidFill>
+          </a:ln>
+        </p:spPr>
+        <p:style>
+          <a:lnRef idx="2">
+            <a:schemeClr val="accent1">
+              <a:shade val="50000"/>
+            </a:schemeClr>
+          </a:lnRef>
+          <a:fillRef idx="1">
+            <a:schemeClr val="accent1"/>
+          </a:fillRef>
+          <a:effectRef idx="0">
+            <a:schemeClr val="accent1"/>
+          </a:effectRef>
+          <a:fontRef idx="minor">
+            <a:schemeClr val="lt1"/>
+          </a:fontRef>
+        </p:style>
+        <p:txBody>
+          <a:bodyPr anchor="ctr"/>
+          <a:lstStyle/>
+          <a:p>
+            <a:pPr algn="ctr">
+              <a:defRPr/>
+            </a:pPr>
+            <a:r>
+              <a:rPr lang="en-US" altLang="ko-KR" sz="1600" dirty="0">
+                <a:solidFill>
+                  <a:schemeClr val="tx1"/>
+                </a:solidFill>
+              </a:rPr>
+              <a:t>5</a:t>
+            </a:r>
+            <a:endParaRPr lang="ko-KR" altLang="en-US" sz="1600" dirty="0">
+              <a:solidFill>
+                <a:schemeClr val="tx1"/>
+              </a:solidFill>
+            </a:endParaRPr>
+          </a:p>
+        </p:txBody>
+      </p:sp>
+      <p:sp>
+        <p:nvSpPr>
+          <p:cNvPr id="22535" name="TextBox 4"/>
+          <p:cNvSpPr txBox="1">
+            <a:spLocks noChangeArrowheads="1"/>
+          </p:cNvSpPr>
+          <p:nvPr/>
+        </p:nvSpPr>
+        <p:spPr bwMode="auto">
+          <a:xfrm>
+            <a:off x="6524625" y="1593850"/>
+            <a:ext cx="3108325" cy="3970338"/>
+          </a:xfrm>
+          <a:prstGeom prst="rect">
+            <a:avLst/>
+          </a:prstGeom>
+          <a:noFill/>
+          <a:ln w="9525">
+            <a:noFill/>
+            <a:miter lim="800000"/>
+            <a:headEnd/>
+            <a:tailEnd/>
+          </a:ln>
+        </p:spPr>
+        <p:txBody>
+          <a:bodyPr>
+            <a:spAutoFit/>
+          </a:bodyPr>
+          <a:lstStyle/>
+          <a:p>
+            <a:pPr marL="228600" indent="-228600">
+              <a:lnSpc>
+                <a:spcPct val="120000"/>
+              </a:lnSpc>
+              <a:buFontTx/>
+              <a:buAutoNum type="arabicParenR"/>
+            </a:pPr>
+            <a:r>
+              <a:rPr kumimoji="0" lang="ko-KR" altLang="en-US" sz="1000" b="1">
+                <a:latin typeface="나눔고딕OTF" pitchFamily="34" charset="-127"/>
+                <a:ea typeface="나눔고딕OTF" pitchFamily="34" charset="-127"/>
+              </a:rPr>
+              <a:t>선 수납</a:t>
+            </a:r>
+            <a:endParaRPr kumimoji="0" lang="en-US" altLang="ko-KR" sz="1000" b="1">
+              <a:latin typeface="나눔고딕OTF" pitchFamily="34" charset="-127"/>
+              <a:ea typeface="나눔고딕OTF" pitchFamily="34" charset="-127"/>
+            </a:endParaRPr>
+          </a:p>
+          <a:p>
+            <a:pPr marL="228600" indent="-228600">
+              <a:lnSpc>
+                <a:spcPct val="120000"/>
+              </a:lnSpc>
+            </a:pPr>
+            <a:r>
+              <a:rPr kumimoji="0" lang="en-US" altLang="ko-KR" sz="1000" b="1">
+                <a:latin typeface="나눔고딕OTF" pitchFamily="34" charset="-127"/>
+                <a:ea typeface="나눔고딕OTF" pitchFamily="34" charset="-127"/>
+              </a:rPr>
+              <a:t>   </a:t>
+            </a:r>
+            <a:r>
+              <a:rPr kumimoji="0" lang="en-US" altLang="ko-KR" sz="1000">
+                <a:latin typeface="나눔고딕OTF" pitchFamily="34" charset="-127"/>
+                <a:ea typeface="나눔고딕OTF" pitchFamily="34" charset="-127"/>
+              </a:rPr>
+              <a:t>- </a:t>
+            </a:r>
+            <a:r>
+              <a:rPr kumimoji="0" lang="ko-KR" altLang="en-US" sz="1000">
+                <a:latin typeface="나눔고딕OTF" pitchFamily="34" charset="-127"/>
+                <a:ea typeface="나눔고딕OTF" pitchFamily="34" charset="-127"/>
+              </a:rPr>
+              <a:t>접수 저장</a:t>
+            </a:r>
+            <a:r>
+              <a:rPr kumimoji="0" lang="en-US" altLang="ko-KR" sz="1000">
+                <a:latin typeface="나눔고딕OTF" pitchFamily="34" charset="-127"/>
+                <a:ea typeface="나눔고딕OTF" pitchFamily="34" charset="-127"/>
+              </a:rPr>
+              <a:t>(F2)</a:t>
+            </a:r>
+            <a:r>
+              <a:rPr kumimoji="0" lang="ko-KR" altLang="en-US" sz="1000">
+                <a:latin typeface="나눔고딕OTF" pitchFamily="34" charset="-127"/>
+                <a:ea typeface="나눔고딕OTF" pitchFamily="34" charset="-127"/>
+              </a:rPr>
+              <a:t>를 완료하면</a:t>
+            </a:r>
+            <a:r>
+              <a:rPr kumimoji="0" lang="en-US" altLang="ko-KR" sz="1000">
+                <a:latin typeface="나눔고딕OTF" pitchFamily="34" charset="-127"/>
+                <a:ea typeface="나눔고딕OTF" pitchFamily="34" charset="-127"/>
+              </a:rPr>
+              <a:t>, </a:t>
+            </a:r>
+            <a:r>
+              <a:rPr kumimoji="0" lang="ko-KR" altLang="en-US" sz="1000">
+                <a:latin typeface="나눔고딕OTF" pitchFamily="34" charset="-127"/>
+                <a:ea typeface="나눔고딕OTF" pitchFamily="34" charset="-127"/>
+              </a:rPr>
+              <a:t>해당 인원은 왼쪽</a:t>
+            </a:r>
+            <a:r>
+              <a:rPr kumimoji="0" lang="en-US" altLang="ko-KR" sz="1000">
+                <a:latin typeface="나눔고딕OTF" pitchFamily="34" charset="-127"/>
+                <a:ea typeface="나눔고딕OTF" pitchFamily="34" charset="-127"/>
+              </a:rPr>
+              <a:t>(5</a:t>
+            </a:r>
+            <a:r>
+              <a:rPr kumimoji="0" lang="ko-KR" altLang="en-US" sz="1000">
+                <a:latin typeface="나눔고딕OTF" pitchFamily="34" charset="-127"/>
+                <a:ea typeface="나눔고딕OTF" pitchFamily="34" charset="-127"/>
+              </a:rPr>
+              <a:t>번</a:t>
+            </a:r>
+            <a:r>
+              <a:rPr kumimoji="0" lang="en-US" altLang="ko-KR" sz="1000">
+                <a:latin typeface="나눔고딕OTF" pitchFamily="34" charset="-127"/>
+                <a:ea typeface="나눔고딕OTF" pitchFamily="34" charset="-127"/>
+              </a:rPr>
+              <a:t>) </a:t>
+            </a:r>
+            <a:r>
+              <a:rPr kumimoji="0" lang="ko-KR" altLang="en-US" sz="1000">
+                <a:latin typeface="나눔고딕OTF" pitchFamily="34" charset="-127"/>
+                <a:ea typeface="나눔고딕OTF" pitchFamily="34" charset="-127"/>
+              </a:rPr>
+              <a:t>화면으로 이동하고</a:t>
+            </a:r>
+            <a:r>
+              <a:rPr kumimoji="0" lang="en-US" altLang="ko-KR" sz="1000">
+                <a:latin typeface="나눔고딕OTF" pitchFamily="34" charset="-127"/>
+                <a:ea typeface="나눔고딕OTF" pitchFamily="34" charset="-127"/>
+              </a:rPr>
+              <a:t>, </a:t>
+            </a:r>
+            <a:r>
+              <a:rPr kumimoji="0" lang="ko-KR" altLang="en-US" sz="1000">
+                <a:latin typeface="나눔고딕OTF" pitchFamily="34" charset="-127"/>
+                <a:ea typeface="나눔고딕OTF" pitchFamily="34" charset="-127"/>
+              </a:rPr>
+              <a:t>수납업무를 진행할 수</a:t>
+            </a:r>
+            <a:endParaRPr kumimoji="0" lang="en-US" altLang="ko-KR" sz="1000">
+              <a:latin typeface="나눔고딕OTF" pitchFamily="34" charset="-127"/>
+              <a:ea typeface="나눔고딕OTF" pitchFamily="34" charset="-127"/>
+            </a:endParaRPr>
+          </a:p>
+          <a:p>
+            <a:pPr marL="228600" indent="-228600">
+              <a:lnSpc>
+                <a:spcPct val="120000"/>
+              </a:lnSpc>
+            </a:pPr>
+            <a:r>
+              <a:rPr kumimoji="0" lang="en-US" altLang="ko-KR" sz="1000">
+                <a:latin typeface="나눔고딕OTF" pitchFamily="34" charset="-127"/>
+                <a:ea typeface="나눔고딕OTF" pitchFamily="34" charset="-127"/>
+              </a:rPr>
+              <a:t>	</a:t>
+            </a:r>
+            <a:r>
+              <a:rPr kumimoji="0" lang="ko-KR" altLang="en-US" sz="1000">
+                <a:latin typeface="나눔고딕OTF" pitchFamily="34" charset="-127"/>
+                <a:ea typeface="나눔고딕OTF" pitchFamily="34" charset="-127"/>
+              </a:rPr>
+              <a:t>있습니다</a:t>
+            </a:r>
+            <a:r>
+              <a:rPr kumimoji="0" lang="en-US" altLang="ko-KR" sz="1000">
+                <a:latin typeface="나눔고딕OTF" pitchFamily="34" charset="-127"/>
+                <a:ea typeface="나눔고딕OTF" pitchFamily="34" charset="-127"/>
+              </a:rPr>
+              <a:t>.</a:t>
+            </a:r>
+          </a:p>
+          <a:p>
+            <a:pPr marL="228600" indent="-228600">
+              <a:lnSpc>
+                <a:spcPct val="120000"/>
+              </a:lnSpc>
+            </a:pPr>
+            <a:r>
+              <a:rPr kumimoji="0" lang="en-US" altLang="ko-KR" sz="1000">
+                <a:latin typeface="나눔고딕OTF" pitchFamily="34" charset="-127"/>
+                <a:ea typeface="나눔고딕OTF" pitchFamily="34" charset="-127"/>
+              </a:rPr>
+              <a:t>   - </a:t>
+            </a:r>
+            <a:r>
+              <a:rPr kumimoji="0" lang="ko-KR" altLang="en-US" sz="1000">
+                <a:latin typeface="나눔고딕OTF" pitchFamily="34" charset="-127"/>
+                <a:ea typeface="나눔고딕OTF" pitchFamily="34" charset="-127"/>
+              </a:rPr>
+              <a:t>접수 화면의 </a:t>
+            </a:r>
+            <a:r>
+              <a:rPr kumimoji="0" lang="en-US" altLang="ko-KR" sz="1000">
+                <a:latin typeface="나눔고딕OTF" pitchFamily="34" charset="-127"/>
+                <a:ea typeface="나눔고딕OTF" pitchFamily="34" charset="-127"/>
+              </a:rPr>
+              <a:t>“</a:t>
+            </a:r>
+            <a:r>
+              <a:rPr kumimoji="0" lang="ko-KR" altLang="en-US" sz="1000">
+                <a:latin typeface="나눔고딕OTF" pitchFamily="34" charset="-127"/>
+                <a:ea typeface="나눔고딕OTF" pitchFamily="34" charset="-127"/>
+              </a:rPr>
+              <a:t>검사금액</a:t>
+            </a:r>
+            <a:r>
+              <a:rPr kumimoji="0" lang="en-US" altLang="ko-KR" sz="1000">
+                <a:latin typeface="나눔고딕OTF" pitchFamily="34" charset="-127"/>
+                <a:ea typeface="나눔고딕OTF" pitchFamily="34" charset="-127"/>
+              </a:rPr>
+              <a:t>” </a:t>
+            </a:r>
+            <a:r>
+              <a:rPr kumimoji="0" lang="ko-KR" altLang="en-US" sz="1000">
+                <a:latin typeface="나눔고딕OTF" pitchFamily="34" charset="-127"/>
+                <a:ea typeface="나눔고딕OTF" pitchFamily="34" charset="-127"/>
+              </a:rPr>
+              <a:t>에 표시된 금액이 검진자가 수납할 금액입니다</a:t>
+            </a:r>
+            <a:r>
+              <a:rPr kumimoji="0" lang="en-US" altLang="ko-KR" sz="1000">
+                <a:latin typeface="나눔고딕OTF" pitchFamily="34" charset="-127"/>
+                <a:ea typeface="나눔고딕OTF" pitchFamily="34" charset="-127"/>
+              </a:rPr>
+              <a:t>.</a:t>
+            </a:r>
+          </a:p>
+          <a:p>
+            <a:pPr marL="228600" indent="-228600">
+              <a:lnSpc>
+                <a:spcPct val="120000"/>
+              </a:lnSpc>
+            </a:pPr>
+            <a:r>
+              <a:rPr kumimoji="0" lang="en-US" altLang="ko-KR" sz="1000">
+                <a:latin typeface="나눔고딕OTF" pitchFamily="34" charset="-127"/>
+                <a:ea typeface="나눔고딕OTF" pitchFamily="34" charset="-127"/>
+              </a:rPr>
+              <a:t>   </a:t>
+            </a:r>
+            <a:r>
+              <a:rPr kumimoji="0" lang="en-US" altLang="ko-KR" sz="1000">
+                <a:solidFill>
+                  <a:srgbClr val="FF0000"/>
+                </a:solidFill>
+                <a:latin typeface="나눔고딕OTF" pitchFamily="34" charset="-127"/>
+                <a:ea typeface="나눔고딕OTF" pitchFamily="34" charset="-127"/>
+              </a:rPr>
+              <a:t>* </a:t>
+            </a:r>
+            <a:r>
+              <a:rPr kumimoji="0" lang="ko-KR" altLang="en-US" sz="1000">
+                <a:solidFill>
+                  <a:srgbClr val="FF0000"/>
+                </a:solidFill>
+                <a:latin typeface="나눔고딕OTF" pitchFamily="34" charset="-127"/>
+                <a:ea typeface="나눔고딕OTF" pitchFamily="34" charset="-127"/>
+              </a:rPr>
+              <a:t>검사금액</a:t>
+            </a:r>
+            <a:r>
+              <a:rPr kumimoji="0" lang="en-US" altLang="ko-KR" sz="1000">
+                <a:solidFill>
+                  <a:srgbClr val="FF0000"/>
+                </a:solidFill>
+                <a:latin typeface="나눔고딕OTF" pitchFamily="34" charset="-127"/>
+                <a:ea typeface="나눔고딕OTF" pitchFamily="34" charset="-127"/>
+              </a:rPr>
+              <a:t> : </a:t>
+            </a:r>
+            <a:r>
+              <a:rPr kumimoji="0" lang="ko-KR" altLang="en-US" sz="1000">
+                <a:solidFill>
+                  <a:srgbClr val="FF0000"/>
+                </a:solidFill>
+                <a:latin typeface="나눔고딕OTF" pitchFamily="34" charset="-127"/>
+                <a:ea typeface="나눔고딕OTF" pitchFamily="34" charset="-127"/>
+              </a:rPr>
+              <a:t>검진자가 수납하는 금액</a:t>
+            </a:r>
+            <a:r>
+              <a:rPr kumimoji="0" lang="en-US" altLang="ko-KR" sz="1000">
+                <a:solidFill>
+                  <a:srgbClr val="FF0000"/>
+                </a:solidFill>
+                <a:latin typeface="나눔고딕OTF" pitchFamily="34" charset="-127"/>
+                <a:ea typeface="나눔고딕OTF" pitchFamily="34" charset="-127"/>
+              </a:rPr>
+              <a:t>.</a:t>
+            </a:r>
+          </a:p>
+          <a:p>
+            <a:pPr marL="228600" indent="-228600">
+              <a:lnSpc>
+                <a:spcPct val="120000"/>
+              </a:lnSpc>
+            </a:pPr>
+            <a:r>
+              <a:rPr kumimoji="0" lang="en-US" altLang="ko-KR" sz="1000">
+                <a:solidFill>
+                  <a:srgbClr val="FF0000"/>
+                </a:solidFill>
+                <a:latin typeface="나눔고딕OTF" pitchFamily="34" charset="-127"/>
+                <a:ea typeface="나눔고딕OTF" pitchFamily="34" charset="-127"/>
+              </a:rPr>
+              <a:t>   * </a:t>
+            </a:r>
+            <a:r>
+              <a:rPr kumimoji="0" lang="ko-KR" altLang="en-US" sz="1000">
+                <a:solidFill>
+                  <a:srgbClr val="FF0000"/>
+                </a:solidFill>
+                <a:latin typeface="나눔고딕OTF" pitchFamily="34" charset="-127"/>
+                <a:ea typeface="나눔고딕OTF" pitchFamily="34" charset="-127"/>
+              </a:rPr>
+              <a:t>후불금액 </a:t>
+            </a:r>
+            <a:r>
+              <a:rPr kumimoji="0" lang="en-US" altLang="ko-KR" sz="1000">
+                <a:solidFill>
+                  <a:srgbClr val="FF0000"/>
+                </a:solidFill>
+                <a:latin typeface="나눔고딕OTF" pitchFamily="34" charset="-127"/>
+                <a:ea typeface="나눔고딕OTF" pitchFamily="34" charset="-127"/>
+              </a:rPr>
+              <a:t>: </a:t>
+            </a:r>
+            <a:r>
+              <a:rPr kumimoji="0" lang="ko-KR" altLang="en-US" sz="1000">
+                <a:solidFill>
+                  <a:srgbClr val="FF0000"/>
+                </a:solidFill>
+                <a:latin typeface="나눔고딕OTF" pitchFamily="34" charset="-127"/>
+                <a:ea typeface="나눔고딕OTF" pitchFamily="34" charset="-127"/>
+              </a:rPr>
+              <a:t>공단에 청구하여 지급받을 금액</a:t>
+            </a:r>
+            <a:r>
+              <a:rPr kumimoji="0" lang="en-US" altLang="ko-KR" sz="1000">
+                <a:solidFill>
+                  <a:srgbClr val="FF0000"/>
+                </a:solidFill>
+                <a:latin typeface="나눔고딕OTF" pitchFamily="34" charset="-127"/>
+                <a:ea typeface="나눔고딕OTF" pitchFamily="34" charset="-127"/>
+              </a:rPr>
+              <a:t>.</a:t>
+            </a:r>
+          </a:p>
+          <a:p>
+            <a:pPr marL="228600" indent="-228600">
+              <a:lnSpc>
+                <a:spcPct val="120000"/>
+              </a:lnSpc>
+            </a:pPr>
+            <a:r>
+              <a:rPr kumimoji="0" lang="en-US" altLang="ko-KR" sz="1000">
+                <a:solidFill>
+                  <a:srgbClr val="FF0000"/>
+                </a:solidFill>
+                <a:latin typeface="나눔고딕OTF" pitchFamily="34" charset="-127"/>
+                <a:ea typeface="나눔고딕OTF" pitchFamily="34" charset="-127"/>
+              </a:rPr>
+              <a:t>   ** </a:t>
+            </a:r>
+            <a:r>
+              <a:rPr kumimoji="0" lang="ko-KR" altLang="en-US" sz="1000">
+                <a:solidFill>
+                  <a:srgbClr val="FF0000"/>
+                </a:solidFill>
+                <a:latin typeface="나눔고딕OTF" pitchFamily="34" charset="-127"/>
+                <a:ea typeface="나눔고딕OTF" pitchFamily="34" charset="-127"/>
+              </a:rPr>
+              <a:t>검사금액</a:t>
+            </a:r>
+            <a:r>
+              <a:rPr kumimoji="0" lang="en-US" altLang="ko-KR" sz="1000">
+                <a:solidFill>
+                  <a:srgbClr val="FF0000"/>
+                </a:solidFill>
+                <a:latin typeface="나눔고딕OTF" pitchFamily="34" charset="-127"/>
+                <a:ea typeface="나눔고딕OTF" pitchFamily="34" charset="-127"/>
+              </a:rPr>
+              <a:t>, </a:t>
+            </a:r>
+            <a:r>
+              <a:rPr kumimoji="0" lang="ko-KR" altLang="en-US" sz="1000">
+                <a:solidFill>
+                  <a:srgbClr val="FF0000"/>
+                </a:solidFill>
+                <a:latin typeface="나눔고딕OTF" pitchFamily="34" charset="-127"/>
+                <a:ea typeface="나눔고딕OTF" pitchFamily="34" charset="-127"/>
+              </a:rPr>
+              <a:t>후불금액 설정은 </a:t>
+            </a:r>
+            <a:r>
+              <a:rPr kumimoji="0" lang="en-US" altLang="ko-KR" sz="1000">
+                <a:solidFill>
+                  <a:srgbClr val="FF0000"/>
+                </a:solidFill>
+                <a:latin typeface="나눔고딕OTF" pitchFamily="34" charset="-127"/>
+                <a:ea typeface="나눔고딕OTF" pitchFamily="34" charset="-127"/>
+              </a:rPr>
+              <a:t>“</a:t>
+            </a:r>
+            <a:r>
+              <a:rPr kumimoji="0" lang="ko-KR" altLang="en-US" sz="1000">
+                <a:solidFill>
+                  <a:srgbClr val="FF0000"/>
+                </a:solidFill>
+                <a:latin typeface="나눔고딕OTF" pitchFamily="34" charset="-127"/>
+                <a:ea typeface="나눔고딕OTF" pitchFamily="34" charset="-127"/>
+              </a:rPr>
+              <a:t>묶음코드</a:t>
+            </a:r>
+            <a:r>
+              <a:rPr kumimoji="0" lang="en-US" altLang="ko-KR" sz="1000">
+                <a:solidFill>
+                  <a:srgbClr val="FF0000"/>
+                </a:solidFill>
+                <a:latin typeface="나눔고딕OTF" pitchFamily="34" charset="-127"/>
+                <a:ea typeface="나눔고딕OTF" pitchFamily="34" charset="-127"/>
+              </a:rPr>
+              <a:t>” </a:t>
+            </a:r>
+            <a:r>
+              <a:rPr kumimoji="0" lang="ko-KR" altLang="en-US" sz="1000">
+                <a:solidFill>
+                  <a:srgbClr val="FF0000"/>
+                </a:solidFill>
+                <a:latin typeface="나눔고딕OTF" pitchFamily="34" charset="-127"/>
+                <a:ea typeface="나눔고딕OTF" pitchFamily="34" charset="-127"/>
+              </a:rPr>
+              <a:t>메뉴에서 설정 할 수 있습니다</a:t>
+            </a:r>
+            <a:r>
+              <a:rPr kumimoji="0" lang="en-US" altLang="ko-KR" sz="1000">
+                <a:solidFill>
+                  <a:srgbClr val="FF0000"/>
+                </a:solidFill>
+                <a:latin typeface="나눔고딕OTF" pitchFamily="34" charset="-127"/>
+                <a:ea typeface="나눔고딕OTF" pitchFamily="34" charset="-127"/>
+              </a:rPr>
+              <a:t>.</a:t>
+            </a:r>
+          </a:p>
+          <a:p>
+            <a:pPr marL="228600" indent="-228600">
+              <a:lnSpc>
+                <a:spcPct val="120000"/>
+              </a:lnSpc>
+            </a:pPr>
+            <a:r>
+              <a:rPr kumimoji="0" lang="en-US" altLang="ko-KR" sz="1000">
+                <a:solidFill>
+                  <a:srgbClr val="FF0000"/>
+                </a:solidFill>
+                <a:latin typeface="나눔고딕OTF" pitchFamily="34" charset="-127"/>
+                <a:ea typeface="나눔고딕OTF" pitchFamily="34" charset="-127"/>
+              </a:rPr>
+              <a:t>   </a:t>
+            </a:r>
+            <a:r>
+              <a:rPr kumimoji="0" lang="en-US" altLang="ko-KR" sz="1000">
+                <a:latin typeface="나눔고딕OTF" pitchFamily="34" charset="-127"/>
+                <a:ea typeface="나눔고딕OTF" pitchFamily="34" charset="-127"/>
+              </a:rPr>
+              <a:t>- </a:t>
+            </a:r>
+            <a:r>
+              <a:rPr kumimoji="0" lang="ko-KR" altLang="en-US" sz="1000">
+                <a:latin typeface="나눔고딕OTF" pitchFamily="34" charset="-127"/>
+                <a:ea typeface="나눔고딕OTF" pitchFamily="34" charset="-127"/>
+              </a:rPr>
+              <a:t>할인구분에서 </a:t>
+            </a:r>
+            <a:r>
+              <a:rPr kumimoji="0" lang="en-US" altLang="ko-KR" sz="1000">
+                <a:latin typeface="나눔고딕OTF" pitchFamily="34" charset="-127"/>
+                <a:ea typeface="나눔고딕OTF" pitchFamily="34" charset="-127"/>
+              </a:rPr>
+              <a:t>F1</a:t>
+            </a:r>
+            <a:r>
+              <a:rPr kumimoji="0" lang="ko-KR" altLang="en-US" sz="1000">
+                <a:latin typeface="나눔고딕OTF" pitchFamily="34" charset="-127"/>
+                <a:ea typeface="나눔고딕OTF" pitchFamily="34" charset="-127"/>
+              </a:rPr>
+              <a:t>키를 누르면 할인 종류 화면이</a:t>
+            </a:r>
+            <a:endParaRPr kumimoji="0" lang="en-US" altLang="ko-KR" sz="1000">
+              <a:latin typeface="나눔고딕OTF" pitchFamily="34" charset="-127"/>
+              <a:ea typeface="나눔고딕OTF" pitchFamily="34" charset="-127"/>
+            </a:endParaRPr>
+          </a:p>
+          <a:p>
+            <a:pPr marL="228600" indent="-228600">
+              <a:lnSpc>
+                <a:spcPct val="120000"/>
+              </a:lnSpc>
+            </a:pPr>
+            <a:r>
+              <a:rPr kumimoji="0" lang="en-US" altLang="ko-KR" sz="1000">
+                <a:latin typeface="나눔고딕OTF" pitchFamily="34" charset="-127"/>
+                <a:ea typeface="나눔고딕OTF" pitchFamily="34" charset="-127"/>
+              </a:rPr>
+              <a:t>	</a:t>
+            </a:r>
+            <a:r>
+              <a:rPr kumimoji="0" lang="ko-KR" altLang="en-US" sz="1000">
+                <a:latin typeface="나눔고딕OTF" pitchFamily="34" charset="-127"/>
+                <a:ea typeface="나눔고딕OTF" pitchFamily="34" charset="-127"/>
+              </a:rPr>
+              <a:t>나타납니다</a:t>
+            </a:r>
+            <a:r>
+              <a:rPr kumimoji="0" lang="en-US" altLang="ko-KR" sz="1000">
+                <a:latin typeface="나눔고딕OTF" pitchFamily="34" charset="-127"/>
+                <a:ea typeface="나눔고딕OTF" pitchFamily="34" charset="-127"/>
+              </a:rPr>
+              <a:t>. (</a:t>
+            </a:r>
+            <a:r>
+              <a:rPr kumimoji="0" lang="ko-KR" altLang="en-US" sz="1000">
+                <a:latin typeface="나눔고딕OTF" pitchFamily="34" charset="-127"/>
+                <a:ea typeface="나눔고딕OTF" pitchFamily="34" charset="-127"/>
+              </a:rPr>
+              <a:t>더블클릭 혹은 엔터키로 선택</a:t>
+            </a:r>
+            <a:r>
+              <a:rPr kumimoji="0" lang="en-US" altLang="ko-KR" sz="1000">
+                <a:latin typeface="나눔고딕OTF" pitchFamily="34" charset="-127"/>
+                <a:ea typeface="나눔고딕OTF" pitchFamily="34" charset="-127"/>
+              </a:rPr>
+              <a:t>.)</a:t>
+            </a:r>
+          </a:p>
+          <a:p>
+            <a:pPr marL="228600" indent="-228600">
+              <a:lnSpc>
+                <a:spcPct val="120000"/>
+              </a:lnSpc>
+            </a:pPr>
+            <a:r>
+              <a:rPr kumimoji="0" lang="en-US" altLang="ko-KR" sz="1000">
+                <a:latin typeface="나눔고딕OTF" pitchFamily="34" charset="-127"/>
+                <a:ea typeface="나눔고딕OTF" pitchFamily="34" charset="-127"/>
+              </a:rPr>
+              <a:t>   - </a:t>
+            </a:r>
+            <a:r>
+              <a:rPr kumimoji="0" lang="ko-KR" altLang="en-US" sz="1000">
+                <a:latin typeface="나눔고딕OTF" pitchFamily="34" charset="-127"/>
+                <a:ea typeface="나눔고딕OTF" pitchFamily="34" charset="-127"/>
+              </a:rPr>
+              <a:t>감면금액 혹은 감면할인율을 입력합니다</a:t>
+            </a:r>
+            <a:r>
+              <a:rPr kumimoji="0" lang="en-US" altLang="ko-KR" sz="1000">
+                <a:latin typeface="나눔고딕OTF" pitchFamily="34" charset="-127"/>
+                <a:ea typeface="나눔고딕OTF" pitchFamily="34" charset="-127"/>
+              </a:rPr>
+              <a:t>.</a:t>
+            </a:r>
+          </a:p>
+          <a:p>
+            <a:pPr marL="228600" indent="-228600">
+              <a:lnSpc>
+                <a:spcPct val="120000"/>
+              </a:lnSpc>
+            </a:pPr>
+            <a:r>
+              <a:rPr kumimoji="0" lang="en-US" altLang="ko-KR" sz="1000">
+                <a:latin typeface="나눔고딕OTF" pitchFamily="34" charset="-127"/>
+                <a:ea typeface="나눔고딕OTF" pitchFamily="34" charset="-127"/>
+              </a:rPr>
+              <a:t>   - </a:t>
+            </a:r>
+            <a:r>
+              <a:rPr kumimoji="0" lang="ko-KR" altLang="en-US" sz="1000">
+                <a:latin typeface="나눔고딕OTF" pitchFamily="34" charset="-127"/>
+                <a:ea typeface="나눔고딕OTF" pitchFamily="34" charset="-127"/>
+              </a:rPr>
+              <a:t>수납구분에서 </a:t>
+            </a:r>
+            <a:r>
+              <a:rPr kumimoji="0" lang="en-US" altLang="ko-KR" sz="1000">
+                <a:latin typeface="나눔고딕OTF" pitchFamily="34" charset="-127"/>
+                <a:ea typeface="나눔고딕OTF" pitchFamily="34" charset="-127"/>
+              </a:rPr>
+              <a:t>F1</a:t>
+            </a:r>
+            <a:r>
+              <a:rPr kumimoji="0" lang="ko-KR" altLang="en-US" sz="1000">
+                <a:latin typeface="나눔고딕OTF" pitchFamily="34" charset="-127"/>
+                <a:ea typeface="나눔고딕OTF" pitchFamily="34" charset="-127"/>
+              </a:rPr>
+              <a:t>키를 누르면 수납 종류 화면이</a:t>
+            </a:r>
+            <a:endParaRPr kumimoji="0" lang="en-US" altLang="ko-KR" sz="1000">
+              <a:latin typeface="나눔고딕OTF" pitchFamily="34" charset="-127"/>
+              <a:ea typeface="나눔고딕OTF" pitchFamily="34" charset="-127"/>
+            </a:endParaRPr>
+          </a:p>
+          <a:p>
+            <a:pPr marL="228600" indent="-228600">
+              <a:lnSpc>
+                <a:spcPct val="120000"/>
+              </a:lnSpc>
+            </a:pPr>
+            <a:r>
+              <a:rPr kumimoji="0" lang="en-US" altLang="ko-KR" sz="1000">
+                <a:latin typeface="나눔고딕OTF" pitchFamily="34" charset="-127"/>
+                <a:ea typeface="나눔고딕OTF" pitchFamily="34" charset="-127"/>
+              </a:rPr>
+              <a:t>	</a:t>
+            </a:r>
+            <a:r>
+              <a:rPr kumimoji="0" lang="ko-KR" altLang="en-US" sz="1000">
+                <a:latin typeface="나눔고딕OTF" pitchFamily="34" charset="-127"/>
+                <a:ea typeface="나눔고딕OTF" pitchFamily="34" charset="-127"/>
+              </a:rPr>
+              <a:t>나타납니다</a:t>
+            </a:r>
+            <a:r>
+              <a:rPr kumimoji="0" lang="en-US" altLang="ko-KR" sz="1000">
+                <a:latin typeface="나눔고딕OTF" pitchFamily="34" charset="-127"/>
+                <a:ea typeface="나눔고딕OTF" pitchFamily="34" charset="-127"/>
+              </a:rPr>
+              <a:t>.</a:t>
+            </a:r>
+          </a:p>
+          <a:p>
+            <a:pPr marL="228600" indent="-228600">
+              <a:lnSpc>
+                <a:spcPct val="120000"/>
+              </a:lnSpc>
+            </a:pPr>
+            <a:r>
+              <a:rPr kumimoji="0" lang="en-US" altLang="ko-KR" sz="1000">
+                <a:latin typeface="나눔고딕OTF" pitchFamily="34" charset="-127"/>
+                <a:ea typeface="나눔고딕OTF" pitchFamily="34" charset="-127"/>
+              </a:rPr>
+              <a:t>   - </a:t>
+            </a:r>
+            <a:r>
+              <a:rPr kumimoji="0" lang="ko-KR" altLang="en-US" sz="1000">
+                <a:latin typeface="나눔고딕OTF" pitchFamily="34" charset="-127"/>
+                <a:ea typeface="나눔고딕OTF" pitchFamily="34" charset="-127"/>
+              </a:rPr>
+              <a:t>영수증 </a:t>
+            </a:r>
+            <a:r>
+              <a:rPr kumimoji="0" lang="en-US" altLang="ko-KR" sz="1000">
+                <a:latin typeface="나눔고딕OTF" pitchFamily="34" charset="-127"/>
+                <a:ea typeface="나눔고딕OTF" pitchFamily="34" charset="-127"/>
+              </a:rPr>
+              <a:t>“Y” : </a:t>
+            </a:r>
+            <a:r>
+              <a:rPr kumimoji="0" lang="ko-KR" altLang="en-US" sz="1000">
+                <a:latin typeface="나눔고딕OTF" pitchFamily="34" charset="-127"/>
+                <a:ea typeface="나눔고딕OTF" pitchFamily="34" charset="-127"/>
+              </a:rPr>
+              <a:t>저장버튼 클릭과 동시에 설정된 프린터에서 영수증이 출력됩니다</a:t>
+            </a:r>
+            <a:r>
+              <a:rPr kumimoji="0" lang="en-US" altLang="ko-KR" sz="1000">
+                <a:latin typeface="나눔고딕OTF" pitchFamily="34" charset="-127"/>
+                <a:ea typeface="나눔고딕OTF" pitchFamily="34" charset="-127"/>
+              </a:rPr>
+              <a:t>. (“N” : </a:t>
+            </a:r>
+            <a:r>
+              <a:rPr kumimoji="0" lang="ko-KR" altLang="en-US" sz="1000">
+                <a:latin typeface="나눔고딕OTF" pitchFamily="34" charset="-127"/>
+                <a:ea typeface="나눔고딕OTF" pitchFamily="34" charset="-127"/>
+              </a:rPr>
+              <a:t>영수증 미출력</a:t>
+            </a:r>
+            <a:r>
+              <a:rPr kumimoji="0" lang="en-US" altLang="ko-KR" sz="1000">
+                <a:latin typeface="나눔고딕OTF" pitchFamily="34" charset="-127"/>
+                <a:ea typeface="나눔고딕OTF" pitchFamily="34" charset="-127"/>
+              </a:rPr>
+              <a:t>)</a:t>
+            </a:r>
+          </a:p>
+          <a:p>
+            <a:pPr marL="228600" indent="-228600">
+              <a:lnSpc>
+                <a:spcPct val="120000"/>
+              </a:lnSpc>
+            </a:pPr>
+            <a:r>
+              <a:rPr kumimoji="0" lang="en-US" altLang="ko-KR" sz="1000">
+                <a:latin typeface="나눔고딕OTF" pitchFamily="34" charset="-127"/>
+                <a:ea typeface="나눔고딕OTF" pitchFamily="34" charset="-127"/>
+              </a:rPr>
+              <a:t>   - </a:t>
+            </a:r>
+            <a:r>
+              <a:rPr kumimoji="0" lang="ko-KR" altLang="en-US" sz="1000">
+                <a:latin typeface="나눔고딕OTF" pitchFamily="34" charset="-127"/>
+                <a:ea typeface="나눔고딕OTF" pitchFamily="34" charset="-127"/>
+              </a:rPr>
+              <a:t>수납금액란에는 최종적으로 할인액과</a:t>
+            </a:r>
+            <a:r>
+              <a:rPr kumimoji="0" lang="en-US" altLang="ko-KR" sz="1000">
+                <a:latin typeface="나눔고딕OTF" pitchFamily="34" charset="-127"/>
+                <a:ea typeface="나눔고딕OTF" pitchFamily="34" charset="-127"/>
+              </a:rPr>
+              <a:t> </a:t>
+            </a:r>
+            <a:r>
+              <a:rPr kumimoji="0" lang="ko-KR" altLang="en-US" sz="1000">
+                <a:latin typeface="나눔고딕OTF" pitchFamily="34" charset="-127"/>
+                <a:ea typeface="나눔고딕OTF" pitchFamily="34" charset="-127"/>
+              </a:rPr>
+              <a:t>감면액을</a:t>
+            </a:r>
+            <a:endParaRPr kumimoji="0" lang="en-US" altLang="ko-KR" sz="1000">
+              <a:latin typeface="나눔고딕OTF" pitchFamily="34" charset="-127"/>
+              <a:ea typeface="나눔고딕OTF" pitchFamily="34" charset="-127"/>
+            </a:endParaRPr>
+          </a:p>
+          <a:p>
+            <a:pPr marL="228600" indent="-228600">
+              <a:lnSpc>
+                <a:spcPct val="120000"/>
+              </a:lnSpc>
+            </a:pPr>
+            <a:r>
+              <a:rPr kumimoji="0" lang="en-US" altLang="ko-KR" sz="1000">
+                <a:latin typeface="나눔고딕OTF" pitchFamily="34" charset="-127"/>
+                <a:ea typeface="나눔고딕OTF" pitchFamily="34" charset="-127"/>
+              </a:rPr>
+              <a:t>	</a:t>
+            </a:r>
+            <a:r>
+              <a:rPr kumimoji="0" lang="ko-KR" altLang="en-US" sz="1000">
+                <a:latin typeface="나눔고딕OTF" pitchFamily="34" charset="-127"/>
+                <a:ea typeface="나눔고딕OTF" pitchFamily="34" charset="-127"/>
+              </a:rPr>
+              <a:t>제외한 금액이 자동으로 나타납니다</a:t>
+            </a:r>
+            <a:r>
+              <a:rPr kumimoji="0" lang="en-US" altLang="ko-KR" sz="1000">
+                <a:latin typeface="나눔고딕OTF" pitchFamily="34" charset="-127"/>
+                <a:ea typeface="나눔고딕OTF" pitchFamily="34" charset="-127"/>
+              </a:rPr>
+              <a:t>.</a:t>
+            </a:r>
+          </a:p>
+          <a:p>
+            <a:pPr marL="228600" indent="-228600">
+              <a:lnSpc>
+                <a:spcPct val="120000"/>
+              </a:lnSpc>
+            </a:pPr>
+            <a:r>
+              <a:rPr kumimoji="0" lang="en-US" altLang="ko-KR" sz="1000">
+                <a:latin typeface="나눔고딕OTF" pitchFamily="34" charset="-127"/>
+                <a:ea typeface="나눔고딕OTF" pitchFamily="34" charset="-127"/>
+              </a:rPr>
+              <a:t>   - </a:t>
+            </a:r>
+            <a:r>
+              <a:rPr kumimoji="0" lang="ko-KR" altLang="en-US" sz="1000">
+                <a:latin typeface="나눔고딕OTF" pitchFamily="34" charset="-127"/>
+                <a:ea typeface="나눔고딕OTF" pitchFamily="34" charset="-127"/>
+              </a:rPr>
+              <a:t>수납 정보를 맞게 입력한 뒤</a:t>
+            </a:r>
+            <a:r>
+              <a:rPr kumimoji="0" lang="en-US" altLang="ko-KR" sz="1000">
+                <a:latin typeface="나눔고딕OTF" pitchFamily="34" charset="-127"/>
+                <a:ea typeface="나눔고딕OTF" pitchFamily="34" charset="-127"/>
+              </a:rPr>
+              <a:t>, </a:t>
+            </a:r>
+            <a:r>
+              <a:rPr kumimoji="0" lang="ko-KR" altLang="en-US" sz="1000">
+                <a:latin typeface="나눔고딕OTF" pitchFamily="34" charset="-127"/>
+                <a:ea typeface="나눔고딕OTF" pitchFamily="34" charset="-127"/>
+              </a:rPr>
+              <a:t>저장</a:t>
+            </a:r>
+            <a:r>
+              <a:rPr kumimoji="0" lang="en-US" altLang="ko-KR" sz="1000">
+                <a:latin typeface="나눔고딕OTF" pitchFamily="34" charset="-127"/>
+                <a:ea typeface="나눔고딕OTF" pitchFamily="34" charset="-127"/>
+              </a:rPr>
+              <a:t>(F3)</a:t>
+            </a:r>
+            <a:r>
+              <a:rPr kumimoji="0" lang="ko-KR" altLang="en-US" sz="1000">
+                <a:latin typeface="나눔고딕OTF" pitchFamily="34" charset="-127"/>
+                <a:ea typeface="나눔고딕OTF" pitchFamily="34" charset="-127"/>
+              </a:rPr>
+              <a:t>버튼을 클릭하면 수납정보가 저장됩니다</a:t>
+            </a:r>
+            <a:r>
+              <a:rPr kumimoji="0" lang="en-US" altLang="ko-KR" sz="1000">
+                <a:latin typeface="나눔고딕OTF" pitchFamily="34" charset="-127"/>
+                <a:ea typeface="나눔고딕OTF" pitchFamily="34" charset="-127"/>
+              </a:rPr>
+              <a:t>.</a:t>
+            </a:r>
+          </a:p>
+        </p:txBody>
+      </p:sp>
+      <p:sp>
+        <p:nvSpPr>
+          <p:cNvPr id="9" name="직사각형 8"/>
+          <p:cNvSpPr/>
+          <p:nvPr/>
+        </p:nvSpPr>
+        <p:spPr>
+          <a:xfrm>
+            <a:off x="2128838" y="3786188"/>
+            <a:ext cx="1487487" cy="192087"/>
+          </a:xfrm>
+          <a:prstGeom prst="rect">
+            <a:avLst/>
+          </a:prstGeom>
+          <a:noFill/>
+          <a:ln>
+            <a:solidFill>
+              <a:srgbClr val="FF0000"/>
+            </a:solidFill>
+          </a:ln>
+        </p:spPr>
+        <p:style>
+          <a:lnRef idx="2">
+            <a:schemeClr val="accent1">
+              <a:shade val="50000"/>
+            </a:schemeClr>
+          </a:lnRef>
+          <a:fillRef idx="1">
+            <a:schemeClr val="accent1"/>
+          </a:fillRef>
+          <a:effectRef idx="0">
+            <a:schemeClr val="accent1"/>
+          </a:effectRef>
+          <a:fontRef idx="minor">
+            <a:schemeClr val="lt1"/>
+          </a:fontRef>
+        </p:style>
+        <p:txBody>
+          <a:bodyPr anchor="ctr"/>
+          <a:lstStyle/>
+          <a:p>
+            <a:pPr algn="ctr" fontAlgn="auto">
+              <a:spcBef>
+                <a:spcPts val="0"/>
+              </a:spcBef>
+              <a:spcAft>
+                <a:spcPts val="0"/>
+              </a:spcAft>
+              <a:defRPr/>
+            </a:pPr>
+            <a:endParaRPr kumimoji="0" lang="ko-KR" altLang="en-US">
+              <a:latin typeface="나눔고딕OTF" pitchFamily="34" charset="-127"/>
+              <a:ea typeface="나눔고딕OTF" pitchFamily="34" charset="-127"/>
+            </a:endParaRPr>
+          </a:p>
+        </p:txBody>
+      </p:sp>
+      <p:sp>
+        <p:nvSpPr>
+          <p:cNvPr id="22537" name="TextBox 59"/>
+          <p:cNvSpPr txBox="1">
+            <a:spLocks noChangeArrowheads="1"/>
+          </p:cNvSpPr>
+          <p:nvPr/>
+        </p:nvSpPr>
+        <p:spPr bwMode="auto">
+          <a:xfrm>
+            <a:off x="415925" y="1052513"/>
+            <a:ext cx="4965700" cy="461665"/>
+          </a:xfrm>
+          <a:prstGeom prst="rect">
+            <a:avLst/>
+          </a:prstGeom>
+          <a:noFill/>
+          <a:ln w="9525">
+            <a:noFill/>
+            <a:miter lim="800000"/>
+            <a:headEnd/>
+            <a:tailEnd/>
+          </a:ln>
+        </p:spPr>
+        <p:txBody>
+          <a:bodyPr>
+            <a:spAutoFit/>
+          </a:bodyPr>
+          <a:lstStyle/>
+          <a:p>
+            <a:r>
+              <a:rPr kumimoji="0" lang="en-US" altLang="ko-KR" sz="1200" dirty="0">
+                <a:latin typeface="나눔고딕OTF" pitchFamily="34" charset="-127"/>
+                <a:ea typeface="나눔고딕OTF" pitchFamily="34" charset="-127"/>
+              </a:rPr>
+              <a:t> - </a:t>
+            </a:r>
+            <a:r>
+              <a:rPr kumimoji="0" lang="ko-KR" altLang="en-US" sz="1200" dirty="0">
+                <a:latin typeface="나눔고딕OTF" pitchFamily="34" charset="-127"/>
+                <a:ea typeface="나눔고딕OTF" pitchFamily="34" charset="-127"/>
+              </a:rPr>
+              <a:t>선 수납</a:t>
+            </a:r>
+            <a:r>
+              <a:rPr kumimoji="0" lang="en-US" altLang="ko-KR" sz="1200" dirty="0">
+                <a:latin typeface="나눔고딕OTF" pitchFamily="34" charset="-127"/>
+                <a:ea typeface="나눔고딕OTF" pitchFamily="34" charset="-127"/>
+              </a:rPr>
+              <a:t>(</a:t>
+            </a:r>
+            <a:r>
+              <a:rPr kumimoji="0" lang="ko-KR" altLang="en-US" sz="1200" dirty="0">
+                <a:latin typeface="나눔고딕OTF" pitchFamily="34" charset="-127"/>
+                <a:ea typeface="나눔고딕OTF" pitchFamily="34" charset="-127"/>
+              </a:rPr>
+              <a:t>접수화면에서 접수와 동시에 수납할 경우</a:t>
+            </a:r>
+            <a:r>
+              <a:rPr kumimoji="0" lang="en-US" altLang="ko-KR" sz="1200" dirty="0" smtClean="0">
+                <a:latin typeface="나눔고딕OTF" pitchFamily="34" charset="-127"/>
+                <a:ea typeface="나눔고딕OTF" pitchFamily="34" charset="-127"/>
+              </a:rPr>
+              <a:t>)</a:t>
+            </a:r>
+          </a:p>
+          <a:p>
+            <a:r>
+              <a:rPr kumimoji="0" lang="en-US" altLang="ko-KR" sz="1200" dirty="0" smtClean="0">
+                <a:latin typeface="나눔고딕OTF" pitchFamily="34" charset="-127"/>
+                <a:ea typeface="나눔고딕OTF" pitchFamily="34" charset="-127"/>
+              </a:rPr>
+              <a:t> </a:t>
+            </a:r>
+            <a:r>
+              <a:rPr kumimoji="0" lang="en-US" altLang="ko-KR" sz="1200" dirty="0" smtClean="0">
+                <a:solidFill>
+                  <a:srgbClr val="FF0000"/>
+                </a:solidFill>
+                <a:latin typeface="나눔고딕OTF" pitchFamily="34" charset="-127"/>
+                <a:ea typeface="나눔고딕OTF" pitchFamily="34" charset="-127"/>
+              </a:rPr>
+              <a:t>* </a:t>
+            </a:r>
+            <a:r>
+              <a:rPr kumimoji="0" lang="ko-KR" altLang="en-US" sz="1200" dirty="0" err="1" smtClean="0">
+                <a:solidFill>
+                  <a:srgbClr val="FF0000"/>
+                </a:solidFill>
+                <a:latin typeface="나눔고딕OTF" pitchFamily="34" charset="-127"/>
+                <a:ea typeface="나눔고딕OTF" pitchFamily="34" charset="-127"/>
+              </a:rPr>
+              <a:t>아름누리</a:t>
+            </a:r>
+            <a:r>
+              <a:rPr kumimoji="0" lang="ko-KR" altLang="en-US" sz="1200" dirty="0" smtClean="0">
+                <a:solidFill>
+                  <a:srgbClr val="FF0000"/>
+                </a:solidFill>
+                <a:latin typeface="나눔고딕OTF" pitchFamily="34" charset="-127"/>
+                <a:ea typeface="나눔고딕OTF" pitchFamily="34" charset="-127"/>
+              </a:rPr>
+              <a:t> 프로그램에서 수납하지 않는 경우 사용하지 않습니다</a:t>
+            </a:r>
+            <a:r>
+              <a:rPr kumimoji="0" lang="en-US" altLang="ko-KR" sz="1200" dirty="0" smtClean="0">
+                <a:solidFill>
+                  <a:srgbClr val="FF0000"/>
+                </a:solidFill>
+                <a:latin typeface="나눔고딕OTF" pitchFamily="34" charset="-127"/>
+                <a:ea typeface="나눔고딕OTF" pitchFamily="34" charset="-127"/>
+              </a:rPr>
+              <a:t>.</a:t>
+            </a:r>
+            <a:endParaRPr kumimoji="0" lang="en-US" altLang="ko-KR" sz="1200" dirty="0">
+              <a:latin typeface="나눔고딕OTF" pitchFamily="34" charset="-127"/>
+              <a:ea typeface="나눔고딕OTF" pitchFamily="34" charset="-127"/>
+            </a:endParaRPr>
+          </a:p>
+        </p:txBody>
+      </p:sp>
+    </p:spTree>
+  </p:cSld>
+  <p:clrMapOvr>
+    <a:masterClrMapping/>
+  </p:clrMapOvr>
+  <p:timing>
+    <p:tnLst>
+      <p:par>
+        <p:cTn id="1" dur="indefinite" restart="never" nodeType="tmRoot"/>
+      </p:par>
+    </p:tnLst>
+  </p:timing>
+</p:sld>
+</file>
+
+<file path=ppt/slides/slide28.xml><?xml version="1.0" encoding="utf-8"?>
+<p:sld xmlns:a="http://schemas.openxmlformats.org/drawingml/2006/main" xmlns:r="http://schemas.openxmlformats.org/officeDocument/2006/relationships" xmlns:p="http://schemas.openxmlformats.org/presentationml/2006/main">
+  <p:cSld>
+    <p:spTree>
+      <p:nvGrpSpPr>
+        <p:cNvPr id="1" name=""/>
+        <p:cNvGrpSpPr/>
+        <p:nvPr/>
+      </p:nvGrpSpPr>
+      <p:grpSpPr>
+        <a:xfrm>
+          <a:off x="0" y="0"/>
+          <a:ext cx="0" cy="0"/>
+          <a:chOff x="0" y="0"/>
+          <a:chExt cx="0" cy="0"/>
+        </a:xfrm>
+      </p:grpSpPr>
+      <p:pic>
+        <p:nvPicPr>
+          <p:cNvPr id="23554" name="Picture 3"/>
+          <p:cNvPicPr>
+            <a:picLocks noChangeAspect="1" noChangeArrowheads="1"/>
+          </p:cNvPicPr>
+          <p:nvPr/>
+        </p:nvPicPr>
+        <p:blipFill>
+          <a:blip r:embed="rId2"/>
+          <a:srcRect/>
+          <a:stretch>
+            <a:fillRect/>
+          </a:stretch>
+        </p:blipFill>
+        <p:spPr bwMode="auto">
+          <a:xfrm>
+            <a:off x="595313" y="1500188"/>
+            <a:ext cx="4714875" cy="4695825"/>
+          </a:xfrm>
+          <a:prstGeom prst="rect">
+            <a:avLst/>
+          </a:prstGeom>
+          <a:noFill/>
+          <a:ln w="9525">
+            <a:noFill/>
+            <a:miter lim="800000"/>
+            <a:headEnd/>
+            <a:tailEnd/>
+          </a:ln>
+        </p:spPr>
+      </p:pic>
+      <p:sp>
+        <p:nvSpPr>
+          <p:cNvPr id="6" name="TextBox 5"/>
+          <p:cNvSpPr txBox="1"/>
+          <p:nvPr/>
+        </p:nvSpPr>
+        <p:spPr>
+          <a:xfrm>
+            <a:off x="1497013" y="282575"/>
+            <a:ext cx="617537" cy="369888"/>
+          </a:xfrm>
+          <a:prstGeom prst="rect">
+            <a:avLst/>
+          </a:prstGeom>
+          <a:noFill/>
+        </p:spPr>
+        <p:txBody>
+          <a:bodyPr wrap="none">
+            <a:spAutoFit/>
+          </a:bodyPr>
+          <a:lstStyle/>
+          <a:p>
+            <a:pPr fontAlgn="auto">
+              <a:spcBef>
+                <a:spcPts val="0"/>
+              </a:spcBef>
+              <a:spcAft>
+                <a:spcPts val="0"/>
+              </a:spcAft>
+              <a:defRPr/>
+            </a:pPr>
+            <a:r>
+              <a:rPr kumimoji="0" lang="ko-KR" altLang="en-US" dirty="0">
+                <a:solidFill>
+                  <a:schemeClr val="bg1">
+                    <a:lumMod val="50000"/>
+                  </a:schemeClr>
+                </a:solidFill>
+                <a:latin typeface="나눔고딕OTF ExtraBold" pitchFamily="34" charset="-127"/>
+                <a:ea typeface="나눔고딕OTF ExtraBold" pitchFamily="34" charset="-127"/>
+              </a:rPr>
+              <a:t>수납</a:t>
+            </a:r>
+          </a:p>
+        </p:txBody>
+      </p:sp>
+      <p:sp>
+        <p:nvSpPr>
+          <p:cNvPr id="23556" name="TextBox 4"/>
+          <p:cNvSpPr txBox="1">
+            <a:spLocks noChangeArrowheads="1"/>
+          </p:cNvSpPr>
+          <p:nvPr/>
+        </p:nvSpPr>
+        <p:spPr bwMode="auto">
+          <a:xfrm>
+            <a:off x="381000" y="785813"/>
+            <a:ext cx="1409700" cy="307975"/>
+          </a:xfrm>
+          <a:prstGeom prst="rect">
+            <a:avLst/>
+          </a:prstGeom>
+          <a:noFill/>
+          <a:ln w="9525">
+            <a:noFill/>
+            <a:miter lim="800000"/>
+            <a:headEnd/>
+            <a:tailEnd/>
+          </a:ln>
+        </p:spPr>
+        <p:txBody>
+          <a:bodyPr wrap="none">
+            <a:spAutoFit/>
+          </a:bodyPr>
+          <a:lstStyle/>
+          <a:p>
+            <a:r>
+              <a:rPr kumimoji="0" lang="en-US" altLang="ko-KR" sz="1400" b="1">
+                <a:latin typeface="나눔고딕OTF" pitchFamily="34" charset="-127"/>
+                <a:ea typeface="나눔고딕OTF" pitchFamily="34" charset="-127"/>
+              </a:rPr>
+              <a:t>- </a:t>
+            </a:r>
+            <a:r>
+              <a:rPr kumimoji="0" lang="ko-KR" altLang="en-US" sz="1400" b="1">
+                <a:latin typeface="나눔고딕OTF" pitchFamily="34" charset="-127"/>
+                <a:ea typeface="나눔고딕OTF" pitchFamily="34" charset="-127"/>
+              </a:rPr>
+              <a:t>인적 수정 화면</a:t>
+            </a:r>
+          </a:p>
+        </p:txBody>
+      </p:sp>
+      <p:sp>
+        <p:nvSpPr>
+          <p:cNvPr id="11" name="직사각형 10"/>
+          <p:cNvSpPr/>
+          <p:nvPr/>
+        </p:nvSpPr>
+        <p:spPr>
+          <a:xfrm>
+            <a:off x="3810000" y="2286000"/>
+            <a:ext cx="1484313" cy="2401888"/>
+          </a:xfrm>
+          <a:prstGeom prst="rect">
+            <a:avLst/>
+          </a:prstGeom>
+          <a:noFill/>
+          <a:ln>
+            <a:solidFill>
+              <a:srgbClr val="FF0000"/>
+            </a:solidFill>
+          </a:ln>
+        </p:spPr>
+        <p:style>
+          <a:lnRef idx="2">
+            <a:schemeClr val="accent1">
+              <a:shade val="50000"/>
+            </a:schemeClr>
+          </a:lnRef>
+          <a:fillRef idx="1">
+            <a:schemeClr val="accent1"/>
+          </a:fillRef>
+          <a:effectRef idx="0">
+            <a:schemeClr val="accent1"/>
+          </a:effectRef>
+          <a:fontRef idx="minor">
+            <a:schemeClr val="lt1"/>
+          </a:fontRef>
+        </p:style>
+        <p:txBody>
+          <a:bodyPr anchor="ctr"/>
+          <a:lstStyle/>
+          <a:p>
+            <a:pPr algn="ctr" fontAlgn="auto">
+              <a:spcBef>
+                <a:spcPts val="0"/>
+              </a:spcBef>
+              <a:spcAft>
+                <a:spcPts val="0"/>
+              </a:spcAft>
+              <a:defRPr/>
+            </a:pPr>
+            <a:endParaRPr kumimoji="0" lang="ko-KR" altLang="en-US">
+              <a:latin typeface="나눔고딕OTF" pitchFamily="34" charset="-127"/>
+              <a:ea typeface="나눔고딕OTF" pitchFamily="34" charset="-127"/>
+            </a:endParaRPr>
+          </a:p>
+        </p:txBody>
+      </p:sp>
+      <p:sp>
+        <p:nvSpPr>
+          <p:cNvPr id="23558" name="TextBox 4"/>
+          <p:cNvSpPr txBox="1">
+            <a:spLocks noChangeArrowheads="1"/>
+          </p:cNvSpPr>
+          <p:nvPr/>
+        </p:nvSpPr>
+        <p:spPr bwMode="auto">
+          <a:xfrm>
+            <a:off x="5738813" y="1593850"/>
+            <a:ext cx="3894137" cy="2678113"/>
+          </a:xfrm>
+          <a:prstGeom prst="rect">
+            <a:avLst/>
+          </a:prstGeom>
+          <a:noFill/>
+          <a:ln w="9525">
+            <a:noFill/>
+            <a:miter lim="800000"/>
+            <a:headEnd/>
+            <a:tailEnd/>
+          </a:ln>
+        </p:spPr>
+        <p:txBody>
+          <a:bodyPr>
+            <a:spAutoFit/>
+          </a:bodyPr>
+          <a:lstStyle/>
+          <a:p>
+            <a:pPr marL="228600" indent="-228600">
+              <a:lnSpc>
+                <a:spcPct val="120000"/>
+              </a:lnSpc>
+              <a:buFontTx/>
+              <a:buAutoNum type="arabicParenR" startAt="2"/>
+            </a:pPr>
+            <a:r>
+              <a:rPr kumimoji="0" lang="ko-KR" altLang="en-US" sz="1000" b="1">
+                <a:latin typeface="나눔고딕OTF" pitchFamily="34" charset="-127"/>
+                <a:ea typeface="나눔고딕OTF" pitchFamily="34" charset="-127"/>
+              </a:rPr>
+              <a:t>후 수납</a:t>
+            </a:r>
+            <a:endParaRPr kumimoji="0" lang="en-US" altLang="ko-KR" sz="1000" b="1">
+              <a:latin typeface="나눔고딕OTF" pitchFamily="34" charset="-127"/>
+              <a:ea typeface="나눔고딕OTF" pitchFamily="34" charset="-127"/>
+            </a:endParaRPr>
+          </a:p>
+          <a:p>
+            <a:pPr marL="228600" indent="-228600">
+              <a:lnSpc>
+                <a:spcPct val="120000"/>
+              </a:lnSpc>
+            </a:pPr>
+            <a:r>
+              <a:rPr kumimoji="0" lang="en-US" altLang="ko-KR" sz="1000" b="1">
+                <a:latin typeface="나눔고딕OTF" pitchFamily="34" charset="-127"/>
+                <a:ea typeface="나눔고딕OTF" pitchFamily="34" charset="-127"/>
+              </a:rPr>
+              <a:t>   </a:t>
+            </a:r>
+            <a:r>
+              <a:rPr kumimoji="0" lang="en-US" altLang="ko-KR" sz="1000">
+                <a:latin typeface="나눔고딕OTF" pitchFamily="34" charset="-127"/>
+                <a:ea typeface="나눔고딕OTF" pitchFamily="34" charset="-127"/>
+              </a:rPr>
+              <a:t>- </a:t>
+            </a:r>
+            <a:r>
+              <a:rPr kumimoji="0" lang="ko-KR" altLang="en-US" sz="1000">
+                <a:latin typeface="나눔고딕OTF" pitchFamily="34" charset="-127"/>
+                <a:ea typeface="나눔고딕OTF" pitchFamily="34" charset="-127"/>
+              </a:rPr>
+              <a:t>앨리스 메인 화면의 접수자 조회</a:t>
+            </a:r>
+            <a:r>
+              <a:rPr kumimoji="0" lang="en-US" altLang="ko-KR" sz="1000">
+                <a:latin typeface="나눔고딕OTF" pitchFamily="34" charset="-127"/>
+                <a:ea typeface="나눔고딕OTF" pitchFamily="34" charset="-127"/>
+              </a:rPr>
+              <a:t> </a:t>
+            </a:r>
+            <a:r>
+              <a:rPr kumimoji="0" lang="ko-KR" altLang="en-US" sz="1000">
+                <a:latin typeface="나눔고딕OTF" pitchFamily="34" charset="-127"/>
+                <a:ea typeface="나눔고딕OTF" pitchFamily="34" charset="-127"/>
+              </a:rPr>
+              <a:t>화면의 접수자를 더블클릭 하거나</a:t>
+            </a:r>
+            <a:r>
+              <a:rPr kumimoji="0" lang="en-US" altLang="ko-KR" sz="1000">
+                <a:latin typeface="나눔고딕OTF" pitchFamily="34" charset="-127"/>
+                <a:ea typeface="나눔고딕OTF" pitchFamily="34" charset="-127"/>
+              </a:rPr>
+              <a:t>, </a:t>
+            </a:r>
+            <a:r>
+              <a:rPr kumimoji="0" lang="ko-KR" altLang="en-US" sz="1000">
+                <a:latin typeface="나눔고딕OTF" pitchFamily="34" charset="-127"/>
+                <a:ea typeface="나눔고딕OTF" pitchFamily="34" charset="-127"/>
+              </a:rPr>
+              <a:t>접수자를 선택한 뒤 수정</a:t>
+            </a:r>
+            <a:r>
+              <a:rPr kumimoji="0" lang="en-US" altLang="ko-KR" sz="1000">
+                <a:latin typeface="나눔고딕OTF" pitchFamily="34" charset="-127"/>
+                <a:ea typeface="나눔고딕OTF" pitchFamily="34" charset="-127"/>
+              </a:rPr>
+              <a:t>(F4) </a:t>
+            </a:r>
+            <a:r>
+              <a:rPr kumimoji="0" lang="ko-KR" altLang="en-US" sz="1000">
+                <a:latin typeface="나눔고딕OTF" pitchFamily="34" charset="-127"/>
+                <a:ea typeface="나눔고딕OTF" pitchFamily="34" charset="-127"/>
+              </a:rPr>
+              <a:t>버튼을 클릭하면 해당 접수자의 </a:t>
+            </a:r>
+            <a:endParaRPr kumimoji="0" lang="en-US" altLang="ko-KR" sz="1000">
+              <a:latin typeface="나눔고딕OTF" pitchFamily="34" charset="-127"/>
+              <a:ea typeface="나눔고딕OTF" pitchFamily="34" charset="-127"/>
+            </a:endParaRPr>
+          </a:p>
+          <a:p>
+            <a:pPr marL="228600" indent="-228600">
+              <a:lnSpc>
+                <a:spcPct val="120000"/>
+              </a:lnSpc>
+            </a:pPr>
+            <a:r>
+              <a:rPr kumimoji="0" lang="en-US" altLang="ko-KR" sz="1000">
+                <a:latin typeface="나눔고딕OTF" pitchFamily="34" charset="-127"/>
+                <a:ea typeface="나눔고딕OTF" pitchFamily="34" charset="-127"/>
+              </a:rPr>
+              <a:t>	</a:t>
+            </a:r>
+            <a:r>
+              <a:rPr kumimoji="0" lang="ko-KR" altLang="en-US" sz="1000">
+                <a:latin typeface="나눔고딕OTF" pitchFamily="34" charset="-127"/>
+                <a:ea typeface="나눔고딕OTF" pitchFamily="34" charset="-127"/>
+              </a:rPr>
+              <a:t>인적 수정화면이 나타납니다</a:t>
+            </a:r>
+            <a:r>
+              <a:rPr kumimoji="0" lang="en-US" altLang="ko-KR" sz="1000">
+                <a:latin typeface="나눔고딕OTF" pitchFamily="34" charset="-127"/>
+                <a:ea typeface="나눔고딕OTF" pitchFamily="34" charset="-127"/>
+              </a:rPr>
+              <a:t>.</a:t>
+            </a:r>
+          </a:p>
+          <a:p>
+            <a:pPr marL="228600" indent="-228600">
+              <a:lnSpc>
+                <a:spcPct val="120000"/>
+              </a:lnSpc>
+            </a:pPr>
+            <a:r>
+              <a:rPr kumimoji="0" lang="en-US" altLang="ko-KR" sz="1000">
+                <a:latin typeface="나눔고딕OTF" pitchFamily="34" charset="-127"/>
+                <a:ea typeface="나눔고딕OTF" pitchFamily="34" charset="-127"/>
+              </a:rPr>
+              <a:t>   - </a:t>
+            </a:r>
+            <a:r>
+              <a:rPr kumimoji="0" lang="ko-KR" altLang="en-US" sz="1000">
+                <a:latin typeface="나눔고딕OTF" pitchFamily="34" charset="-127"/>
+                <a:ea typeface="나눔고딕OTF" pitchFamily="34" charset="-127"/>
+              </a:rPr>
+              <a:t>수정 화면 우측</a:t>
+            </a:r>
+            <a:r>
+              <a:rPr kumimoji="0" lang="en-US" altLang="ko-KR" sz="1000">
+                <a:latin typeface="나눔고딕OTF" pitchFamily="34" charset="-127"/>
+                <a:ea typeface="나눔고딕OTF" pitchFamily="34" charset="-127"/>
+              </a:rPr>
+              <a:t>(1</a:t>
+            </a:r>
+            <a:r>
+              <a:rPr kumimoji="0" lang="ko-KR" altLang="en-US" sz="1000">
+                <a:latin typeface="나눔고딕OTF" pitchFamily="34" charset="-127"/>
+                <a:ea typeface="나눔고딕OTF" pitchFamily="34" charset="-127"/>
+              </a:rPr>
+              <a:t>번</a:t>
+            </a:r>
+            <a:r>
+              <a:rPr kumimoji="0" lang="en-US" altLang="ko-KR" sz="1000">
+                <a:latin typeface="나눔고딕OTF" pitchFamily="34" charset="-127"/>
+                <a:ea typeface="나눔고딕OTF" pitchFamily="34" charset="-127"/>
+              </a:rPr>
+              <a:t>)</a:t>
+            </a:r>
+            <a:r>
+              <a:rPr kumimoji="0" lang="ko-KR" altLang="en-US" sz="1000">
+                <a:latin typeface="나눔고딕OTF" pitchFamily="34" charset="-127"/>
+                <a:ea typeface="나눔고딕OTF" pitchFamily="34" charset="-127"/>
+              </a:rPr>
+              <a:t>에 수납관련 정보가 나타납니다</a:t>
+            </a:r>
+            <a:r>
+              <a:rPr kumimoji="0" lang="en-US" altLang="ko-KR" sz="1000">
+                <a:latin typeface="나눔고딕OTF" pitchFamily="34" charset="-127"/>
+                <a:ea typeface="나눔고딕OTF" pitchFamily="34" charset="-127"/>
+              </a:rPr>
+              <a:t>.</a:t>
+            </a:r>
+          </a:p>
+          <a:p>
+            <a:pPr marL="228600" indent="-228600">
+              <a:lnSpc>
+                <a:spcPct val="120000"/>
+              </a:lnSpc>
+            </a:pPr>
+            <a:r>
+              <a:rPr kumimoji="0" lang="en-US" altLang="ko-KR" sz="1000">
+                <a:latin typeface="나눔고딕OTF" pitchFamily="34" charset="-127"/>
+                <a:ea typeface="나눔고딕OTF" pitchFamily="34" charset="-127"/>
+              </a:rPr>
+              <a:t>   - </a:t>
+            </a:r>
+            <a:r>
+              <a:rPr kumimoji="0" lang="ko-KR" altLang="en-US" sz="1000">
+                <a:latin typeface="나눔고딕OTF" pitchFamily="34" charset="-127"/>
+                <a:ea typeface="나눔고딕OTF" pitchFamily="34" charset="-127"/>
+              </a:rPr>
+              <a:t>하단</a:t>
+            </a:r>
+            <a:r>
+              <a:rPr kumimoji="0" lang="en-US" altLang="ko-KR" sz="1000">
+                <a:latin typeface="나눔고딕OTF" pitchFamily="34" charset="-127"/>
+                <a:ea typeface="나눔고딕OTF" pitchFamily="34" charset="-127"/>
+              </a:rPr>
+              <a:t>(2</a:t>
+            </a:r>
+            <a:r>
+              <a:rPr kumimoji="0" lang="ko-KR" altLang="en-US" sz="1000">
+                <a:latin typeface="나눔고딕OTF" pitchFamily="34" charset="-127"/>
+                <a:ea typeface="나눔고딕OTF" pitchFamily="34" charset="-127"/>
+              </a:rPr>
+              <a:t>번</a:t>
+            </a:r>
+            <a:r>
+              <a:rPr kumimoji="0" lang="en-US" altLang="ko-KR" sz="1000">
+                <a:latin typeface="나눔고딕OTF" pitchFamily="34" charset="-127"/>
+                <a:ea typeface="나눔고딕OTF" pitchFamily="34" charset="-127"/>
+              </a:rPr>
+              <a:t>)</a:t>
+            </a:r>
+            <a:r>
+              <a:rPr kumimoji="0" lang="ko-KR" altLang="en-US" sz="1000">
+                <a:latin typeface="나눔고딕OTF" pitchFamily="34" charset="-127"/>
+                <a:ea typeface="나눔고딕OTF" pitchFamily="34" charset="-127"/>
+              </a:rPr>
+              <a:t>에 수납 내역이 표시됩니다</a:t>
+            </a:r>
+            <a:r>
+              <a:rPr kumimoji="0" lang="en-US" altLang="ko-KR" sz="1000">
+                <a:latin typeface="나눔고딕OTF" pitchFamily="34" charset="-127"/>
+                <a:ea typeface="나눔고딕OTF" pitchFamily="34" charset="-127"/>
+              </a:rPr>
+              <a:t>.</a:t>
+            </a:r>
+          </a:p>
+          <a:p>
+            <a:pPr marL="228600" indent="-228600">
+              <a:lnSpc>
+                <a:spcPct val="120000"/>
+              </a:lnSpc>
+            </a:pPr>
+            <a:r>
+              <a:rPr kumimoji="0" lang="en-US" altLang="ko-KR" sz="1000">
+                <a:latin typeface="나눔고딕OTF" pitchFamily="34" charset="-127"/>
+                <a:ea typeface="나눔고딕OTF" pitchFamily="34" charset="-127"/>
+              </a:rPr>
+              <a:t>   - </a:t>
+            </a:r>
+            <a:r>
+              <a:rPr kumimoji="0" lang="ko-KR" altLang="en-US" sz="1000">
+                <a:latin typeface="나눔고딕OTF" pitchFamily="34" charset="-127"/>
+                <a:ea typeface="나눔고딕OTF" pitchFamily="34" charset="-127"/>
+              </a:rPr>
+              <a:t>기본적으로 총 수납금액이 </a:t>
+            </a:r>
+            <a:r>
+              <a:rPr kumimoji="0" lang="en-US" altLang="ko-KR" sz="1000">
+                <a:latin typeface="나눔고딕OTF" pitchFamily="34" charset="-127"/>
+                <a:ea typeface="나눔고딕OTF" pitchFamily="34" charset="-127"/>
+              </a:rPr>
+              <a:t>“</a:t>
+            </a:r>
+            <a:r>
+              <a:rPr kumimoji="0" lang="ko-KR" altLang="en-US" sz="1000">
+                <a:latin typeface="나눔고딕OTF" pitchFamily="34" charset="-127"/>
+                <a:ea typeface="나눔고딕OTF" pitchFamily="34" charset="-127"/>
+              </a:rPr>
+              <a:t>수납금액</a:t>
+            </a:r>
+            <a:r>
+              <a:rPr kumimoji="0" lang="en-US" altLang="ko-KR" sz="1000">
+                <a:latin typeface="나눔고딕OTF" pitchFamily="34" charset="-127"/>
+                <a:ea typeface="나눔고딕OTF" pitchFamily="34" charset="-127"/>
+              </a:rPr>
+              <a:t>”</a:t>
+            </a:r>
+            <a:r>
+              <a:rPr kumimoji="0" lang="ko-KR" altLang="en-US" sz="1000">
+                <a:latin typeface="나눔고딕OTF" pitchFamily="34" charset="-127"/>
+                <a:ea typeface="나눔고딕OTF" pitchFamily="34" charset="-127"/>
+              </a:rPr>
+              <a:t>에 표시되며</a:t>
+            </a:r>
+            <a:r>
+              <a:rPr kumimoji="0" lang="en-US" altLang="ko-KR" sz="1000">
+                <a:latin typeface="나눔고딕OTF" pitchFamily="34" charset="-127"/>
+                <a:ea typeface="나눔고딕OTF" pitchFamily="34" charset="-127"/>
+              </a:rPr>
+              <a:t>, </a:t>
+            </a:r>
+            <a:r>
+              <a:rPr kumimoji="0" lang="ko-KR" altLang="en-US" sz="1000">
+                <a:latin typeface="나눔고딕OTF" pitchFamily="34" charset="-127"/>
+                <a:ea typeface="나눔고딕OTF" pitchFamily="34" charset="-127"/>
+              </a:rPr>
+              <a:t>다 받지 않을</a:t>
+            </a:r>
+            <a:endParaRPr kumimoji="0" lang="en-US" altLang="ko-KR" sz="1000">
+              <a:latin typeface="나눔고딕OTF" pitchFamily="34" charset="-127"/>
+              <a:ea typeface="나눔고딕OTF" pitchFamily="34" charset="-127"/>
+            </a:endParaRPr>
+          </a:p>
+          <a:p>
+            <a:pPr marL="228600" indent="-228600">
+              <a:lnSpc>
+                <a:spcPct val="120000"/>
+              </a:lnSpc>
+            </a:pPr>
+            <a:r>
+              <a:rPr kumimoji="0" lang="en-US" altLang="ko-KR" sz="1000">
+                <a:latin typeface="나눔고딕OTF" pitchFamily="34" charset="-127"/>
+                <a:ea typeface="나눔고딕OTF" pitchFamily="34" charset="-127"/>
+              </a:rPr>
+              <a:t>	</a:t>
+            </a:r>
+            <a:r>
+              <a:rPr kumimoji="0" lang="ko-KR" altLang="en-US" sz="1000">
+                <a:latin typeface="나눔고딕OTF" pitchFamily="34" charset="-127"/>
+                <a:ea typeface="나눔고딕OTF" pitchFamily="34" charset="-127"/>
+              </a:rPr>
+              <a:t>경우에 단계적으로 저장 가능합니다</a:t>
+            </a:r>
+            <a:r>
+              <a:rPr kumimoji="0" lang="en-US" altLang="ko-KR" sz="1000">
+                <a:latin typeface="나눔고딕OTF" pitchFamily="34" charset="-127"/>
+                <a:ea typeface="나눔고딕OTF" pitchFamily="34" charset="-127"/>
+              </a:rPr>
+              <a:t>.</a:t>
+            </a:r>
+          </a:p>
+          <a:p>
+            <a:pPr marL="228600" indent="-228600">
+              <a:lnSpc>
+                <a:spcPct val="120000"/>
+              </a:lnSpc>
+            </a:pPr>
+            <a:r>
+              <a:rPr kumimoji="0" lang="en-US" altLang="ko-KR" sz="1000">
+                <a:latin typeface="나눔고딕OTF" pitchFamily="34" charset="-127"/>
+                <a:ea typeface="나눔고딕OTF" pitchFamily="34" charset="-127"/>
+              </a:rPr>
+              <a:t>   - </a:t>
+            </a:r>
+            <a:r>
+              <a:rPr kumimoji="0" lang="ko-KR" altLang="en-US" sz="1000">
+                <a:latin typeface="나눔고딕OTF" pitchFamily="34" charset="-127"/>
+                <a:ea typeface="나눔고딕OTF" pitchFamily="34" charset="-127"/>
+              </a:rPr>
+              <a:t>수납 내역을 추가하려면</a:t>
+            </a:r>
+            <a:r>
+              <a:rPr kumimoji="0" lang="en-US" altLang="ko-KR" sz="1000">
+                <a:latin typeface="나눔고딕OTF" pitchFamily="34" charset="-127"/>
+                <a:ea typeface="나눔고딕OTF" pitchFamily="34" charset="-127"/>
+              </a:rPr>
+              <a:t>, “</a:t>
+            </a:r>
+            <a:r>
+              <a:rPr kumimoji="0" lang="ko-KR" altLang="en-US" sz="1000">
+                <a:latin typeface="나눔고딕OTF" pitchFamily="34" charset="-127"/>
+                <a:ea typeface="나눔고딕OTF" pitchFamily="34" charset="-127"/>
+              </a:rPr>
+              <a:t>추가</a:t>
+            </a:r>
+            <a:r>
+              <a:rPr kumimoji="0" lang="en-US" altLang="ko-KR" sz="1000">
+                <a:latin typeface="나눔고딕OTF" pitchFamily="34" charset="-127"/>
+                <a:ea typeface="나눔고딕OTF" pitchFamily="34" charset="-127"/>
+              </a:rPr>
+              <a:t>” </a:t>
+            </a:r>
+            <a:r>
+              <a:rPr kumimoji="0" lang="ko-KR" altLang="en-US" sz="1000">
+                <a:latin typeface="나눔고딕OTF" pitchFamily="34" charset="-127"/>
+                <a:ea typeface="나눔고딕OTF" pitchFamily="34" charset="-127"/>
+              </a:rPr>
+              <a:t>버튼을 클릭한 뒤 수납 정보를</a:t>
+            </a:r>
+            <a:endParaRPr kumimoji="0" lang="en-US" altLang="ko-KR" sz="1000">
+              <a:latin typeface="나눔고딕OTF" pitchFamily="34" charset="-127"/>
+              <a:ea typeface="나눔고딕OTF" pitchFamily="34" charset="-127"/>
+            </a:endParaRPr>
+          </a:p>
+          <a:p>
+            <a:pPr marL="228600" indent="-228600">
+              <a:lnSpc>
+                <a:spcPct val="120000"/>
+              </a:lnSpc>
+            </a:pPr>
+            <a:r>
+              <a:rPr kumimoji="0" lang="en-US" altLang="ko-KR" sz="1000">
+                <a:latin typeface="나눔고딕OTF" pitchFamily="34" charset="-127"/>
+                <a:ea typeface="나눔고딕OTF" pitchFamily="34" charset="-127"/>
+              </a:rPr>
+              <a:t>	</a:t>
+            </a:r>
+            <a:r>
+              <a:rPr kumimoji="0" lang="ko-KR" altLang="en-US" sz="1000">
+                <a:latin typeface="나눔고딕OTF" pitchFamily="34" charset="-127"/>
+                <a:ea typeface="나눔고딕OTF" pitchFamily="34" charset="-127"/>
+              </a:rPr>
+              <a:t>입력합니다</a:t>
+            </a:r>
+            <a:r>
+              <a:rPr kumimoji="0" lang="en-US" altLang="ko-KR" sz="1000">
+                <a:latin typeface="나눔고딕OTF" pitchFamily="34" charset="-127"/>
+                <a:ea typeface="나눔고딕OTF" pitchFamily="34" charset="-127"/>
+              </a:rPr>
+              <a:t>.</a:t>
+            </a:r>
+          </a:p>
+          <a:p>
+            <a:pPr marL="228600" indent="-228600">
+              <a:lnSpc>
+                <a:spcPct val="120000"/>
+              </a:lnSpc>
+            </a:pPr>
+            <a:r>
+              <a:rPr kumimoji="0" lang="en-US" altLang="ko-KR" sz="1000">
+                <a:latin typeface="나눔고딕OTF" pitchFamily="34" charset="-127"/>
+                <a:ea typeface="나눔고딕OTF" pitchFamily="34" charset="-127"/>
+              </a:rPr>
+              <a:t>   - </a:t>
+            </a:r>
+            <a:r>
+              <a:rPr kumimoji="0" lang="ko-KR" altLang="en-US" sz="1000">
+                <a:latin typeface="나눔고딕OTF" pitchFamily="34" charset="-127"/>
+                <a:ea typeface="나눔고딕OTF" pitchFamily="34" charset="-127"/>
+              </a:rPr>
+              <a:t>수납 정보 입력 방법은 선 수납과 동일하고</a:t>
+            </a:r>
+            <a:r>
+              <a:rPr kumimoji="0" lang="en-US" altLang="ko-KR" sz="1000">
+                <a:latin typeface="나눔고딕OTF" pitchFamily="34" charset="-127"/>
+                <a:ea typeface="나눔고딕OTF" pitchFamily="34" charset="-127"/>
+              </a:rPr>
+              <a:t>, “</a:t>
+            </a:r>
+            <a:r>
+              <a:rPr kumimoji="0" lang="ko-KR" altLang="en-US" sz="1000">
+                <a:latin typeface="나눔고딕OTF" pitchFamily="34" charset="-127"/>
+                <a:ea typeface="나눔고딕OTF" pitchFamily="34" charset="-127"/>
+              </a:rPr>
+              <a:t>저장</a:t>
+            </a:r>
+            <a:r>
+              <a:rPr kumimoji="0" lang="en-US" altLang="ko-KR" sz="1000">
+                <a:latin typeface="나눔고딕OTF" pitchFamily="34" charset="-127"/>
+                <a:ea typeface="나눔고딕OTF" pitchFamily="34" charset="-127"/>
+              </a:rPr>
+              <a:t>” </a:t>
+            </a:r>
+            <a:r>
+              <a:rPr kumimoji="0" lang="ko-KR" altLang="en-US" sz="1000">
+                <a:latin typeface="나눔고딕OTF" pitchFamily="34" charset="-127"/>
+                <a:ea typeface="나눔고딕OTF" pitchFamily="34" charset="-127"/>
+              </a:rPr>
+              <a:t>버튼을 클릭</a:t>
+            </a:r>
+            <a:endParaRPr kumimoji="0" lang="en-US" altLang="ko-KR" sz="1000">
+              <a:latin typeface="나눔고딕OTF" pitchFamily="34" charset="-127"/>
+              <a:ea typeface="나눔고딕OTF" pitchFamily="34" charset="-127"/>
+            </a:endParaRPr>
+          </a:p>
+          <a:p>
+            <a:pPr marL="228600" indent="-228600">
+              <a:lnSpc>
+                <a:spcPct val="120000"/>
+              </a:lnSpc>
+            </a:pPr>
+            <a:r>
+              <a:rPr kumimoji="0" lang="en-US" altLang="ko-KR" sz="1000">
+                <a:latin typeface="나눔고딕OTF" pitchFamily="34" charset="-127"/>
+                <a:ea typeface="나눔고딕OTF" pitchFamily="34" charset="-127"/>
+              </a:rPr>
+              <a:t>	</a:t>
+            </a:r>
+            <a:r>
+              <a:rPr kumimoji="0" lang="ko-KR" altLang="en-US" sz="1000">
+                <a:latin typeface="나눔고딕OTF" pitchFamily="34" charset="-127"/>
+                <a:ea typeface="나눔고딕OTF" pitchFamily="34" charset="-127"/>
+              </a:rPr>
+              <a:t>하여 수납정보를 저장합니다</a:t>
+            </a:r>
+            <a:r>
+              <a:rPr kumimoji="0" lang="en-US" altLang="ko-KR" sz="1000">
+                <a:latin typeface="나눔고딕OTF" pitchFamily="34" charset="-127"/>
+                <a:ea typeface="나눔고딕OTF" pitchFamily="34" charset="-127"/>
+              </a:rPr>
+              <a:t>.</a:t>
+            </a:r>
+          </a:p>
+          <a:p>
+            <a:pPr marL="228600" indent="-228600">
+              <a:lnSpc>
+                <a:spcPct val="120000"/>
+              </a:lnSpc>
+            </a:pPr>
+            <a:r>
+              <a:rPr kumimoji="0" lang="en-US" altLang="ko-KR" sz="1000">
+                <a:latin typeface="나눔고딕OTF" pitchFamily="34" charset="-127"/>
+                <a:ea typeface="나눔고딕OTF" pitchFamily="34" charset="-127"/>
+              </a:rPr>
+              <a:t>   - </a:t>
+            </a:r>
+            <a:r>
+              <a:rPr kumimoji="0" lang="ko-KR" altLang="en-US" sz="1000">
+                <a:latin typeface="나눔고딕OTF" pitchFamily="34" charset="-127"/>
+                <a:ea typeface="나눔고딕OTF" pitchFamily="34" charset="-127"/>
+              </a:rPr>
+              <a:t>수납 내역 화면</a:t>
+            </a:r>
+            <a:r>
+              <a:rPr kumimoji="0" lang="en-US" altLang="ko-KR" sz="1000">
+                <a:latin typeface="나눔고딕OTF" pitchFamily="34" charset="-127"/>
+                <a:ea typeface="나눔고딕OTF" pitchFamily="34" charset="-127"/>
+              </a:rPr>
+              <a:t>(2</a:t>
+            </a:r>
+            <a:r>
+              <a:rPr kumimoji="0" lang="ko-KR" altLang="en-US" sz="1000">
+                <a:latin typeface="나눔고딕OTF" pitchFamily="34" charset="-127"/>
+                <a:ea typeface="나눔고딕OTF" pitchFamily="34" charset="-127"/>
+              </a:rPr>
+              <a:t>번</a:t>
+            </a:r>
+            <a:r>
+              <a:rPr kumimoji="0" lang="en-US" altLang="ko-KR" sz="1000">
+                <a:latin typeface="나눔고딕OTF" pitchFamily="34" charset="-127"/>
+                <a:ea typeface="나눔고딕OTF" pitchFamily="34" charset="-127"/>
+              </a:rPr>
+              <a:t>)</a:t>
+            </a:r>
+            <a:r>
+              <a:rPr kumimoji="0" lang="ko-KR" altLang="en-US" sz="1000">
+                <a:latin typeface="나눔고딕OTF" pitchFamily="34" charset="-127"/>
+                <a:ea typeface="나눔고딕OTF" pitchFamily="34" charset="-127"/>
+              </a:rPr>
+              <a:t>에서 수납내역을 선택한 뒤</a:t>
+            </a:r>
+            <a:r>
+              <a:rPr kumimoji="0" lang="en-US" altLang="ko-KR" sz="1000">
+                <a:latin typeface="나눔고딕OTF" pitchFamily="34" charset="-127"/>
+                <a:ea typeface="나눔고딕OTF" pitchFamily="34" charset="-127"/>
+              </a:rPr>
+              <a:t>, “</a:t>
+            </a:r>
+            <a:r>
+              <a:rPr kumimoji="0" lang="ko-KR" altLang="en-US" sz="1000">
+                <a:latin typeface="나눔고딕OTF" pitchFamily="34" charset="-127"/>
+                <a:ea typeface="나눔고딕OTF" pitchFamily="34" charset="-127"/>
+              </a:rPr>
+              <a:t>영수증</a:t>
+            </a:r>
+            <a:r>
+              <a:rPr kumimoji="0" lang="en-US" altLang="ko-KR" sz="1000">
+                <a:latin typeface="나눔고딕OTF" pitchFamily="34" charset="-127"/>
+                <a:ea typeface="나눔고딕OTF" pitchFamily="34" charset="-127"/>
+              </a:rPr>
+              <a:t>” </a:t>
+            </a:r>
+            <a:r>
+              <a:rPr kumimoji="0" lang="ko-KR" altLang="en-US" sz="1000">
+                <a:latin typeface="나눔고딕OTF" pitchFamily="34" charset="-127"/>
+                <a:ea typeface="나눔고딕OTF" pitchFamily="34" charset="-127"/>
+              </a:rPr>
+              <a:t>버튼을 클릭하면 영수증을 출력합니다</a:t>
+            </a:r>
+            <a:r>
+              <a:rPr kumimoji="0" lang="en-US" altLang="ko-KR" sz="1000">
+                <a:latin typeface="나눔고딕OTF" pitchFamily="34" charset="-127"/>
+                <a:ea typeface="나눔고딕OTF" pitchFamily="34" charset="-127"/>
+              </a:rPr>
+              <a:t>.</a:t>
+            </a:r>
+          </a:p>
+        </p:txBody>
+      </p:sp>
+      <p:sp>
+        <p:nvSpPr>
+          <p:cNvPr id="23559" name="TextBox 59"/>
+          <p:cNvSpPr txBox="1">
+            <a:spLocks noChangeArrowheads="1"/>
+          </p:cNvSpPr>
+          <p:nvPr/>
+        </p:nvSpPr>
+        <p:spPr bwMode="auto">
+          <a:xfrm>
+            <a:off x="415925" y="1052513"/>
+            <a:ext cx="4965700" cy="276225"/>
+          </a:xfrm>
+          <a:prstGeom prst="rect">
+            <a:avLst/>
+          </a:prstGeom>
+          <a:noFill/>
+          <a:ln w="9525">
+            <a:noFill/>
+            <a:miter lim="800000"/>
+            <a:headEnd/>
+            <a:tailEnd/>
+          </a:ln>
+        </p:spPr>
+        <p:txBody>
+          <a:bodyPr>
+            <a:spAutoFit/>
+          </a:bodyPr>
+          <a:lstStyle/>
+          <a:p>
+            <a:r>
+              <a:rPr kumimoji="0" lang="en-US" altLang="ko-KR" sz="1200">
+                <a:latin typeface="나눔고딕OTF" pitchFamily="34" charset="-127"/>
+                <a:ea typeface="나눔고딕OTF" pitchFamily="34" charset="-127"/>
+              </a:rPr>
+              <a:t> - </a:t>
+            </a:r>
+            <a:r>
+              <a:rPr kumimoji="0" lang="ko-KR" altLang="en-US" sz="1200">
+                <a:latin typeface="나눔고딕OTF" pitchFamily="34" charset="-127"/>
+                <a:ea typeface="나눔고딕OTF" pitchFamily="34" charset="-127"/>
+              </a:rPr>
+              <a:t>후 수납</a:t>
+            </a:r>
+            <a:r>
+              <a:rPr kumimoji="0" lang="en-US" altLang="ko-KR" sz="1200">
+                <a:latin typeface="나눔고딕OTF" pitchFamily="34" charset="-127"/>
+                <a:ea typeface="나눔고딕OTF" pitchFamily="34" charset="-127"/>
+              </a:rPr>
+              <a:t>(</a:t>
+            </a:r>
+            <a:r>
+              <a:rPr kumimoji="0" lang="ko-KR" altLang="en-US" sz="1200">
+                <a:latin typeface="나눔고딕OTF" pitchFamily="34" charset="-127"/>
+                <a:ea typeface="나눔고딕OTF" pitchFamily="34" charset="-127"/>
+              </a:rPr>
+              <a:t>검진 후 수납할 경우</a:t>
+            </a:r>
+            <a:r>
+              <a:rPr kumimoji="0" lang="en-US" altLang="ko-KR" sz="1200">
+                <a:latin typeface="나눔고딕OTF" pitchFamily="34" charset="-127"/>
+                <a:ea typeface="나눔고딕OTF" pitchFamily="34" charset="-127"/>
+              </a:rPr>
+              <a:t>)</a:t>
+            </a:r>
+          </a:p>
+        </p:txBody>
+      </p:sp>
+      <p:sp>
+        <p:nvSpPr>
+          <p:cNvPr id="13" name="직사각형 12"/>
+          <p:cNvSpPr/>
+          <p:nvPr/>
+        </p:nvSpPr>
+        <p:spPr>
+          <a:xfrm>
+            <a:off x="3810000" y="4687888"/>
+            <a:ext cx="1484313" cy="955675"/>
+          </a:xfrm>
+          <a:prstGeom prst="rect">
+            <a:avLst/>
+          </a:prstGeom>
+          <a:noFill/>
+          <a:ln>
+            <a:solidFill>
+              <a:srgbClr val="FF0000"/>
+            </a:solidFill>
+          </a:ln>
+        </p:spPr>
+        <p:style>
+          <a:lnRef idx="2">
+            <a:schemeClr val="accent1">
+              <a:shade val="50000"/>
+            </a:schemeClr>
+          </a:lnRef>
+          <a:fillRef idx="1">
+            <a:schemeClr val="accent1"/>
+          </a:fillRef>
+          <a:effectRef idx="0">
+            <a:schemeClr val="accent1"/>
+          </a:effectRef>
+          <a:fontRef idx="minor">
+            <a:schemeClr val="lt1"/>
+          </a:fontRef>
+        </p:style>
+        <p:txBody>
+          <a:bodyPr anchor="ctr"/>
+          <a:lstStyle/>
+          <a:p>
+            <a:pPr algn="ctr" fontAlgn="auto">
+              <a:spcBef>
+                <a:spcPts val="0"/>
+              </a:spcBef>
+              <a:spcAft>
+                <a:spcPts val="0"/>
+              </a:spcAft>
+              <a:defRPr/>
+            </a:pPr>
+            <a:endParaRPr kumimoji="0" lang="ko-KR" altLang="en-US">
+              <a:latin typeface="나눔고딕OTF" pitchFamily="34" charset="-127"/>
+              <a:ea typeface="나눔고딕OTF" pitchFamily="34" charset="-127"/>
+            </a:endParaRPr>
+          </a:p>
+        </p:txBody>
+      </p:sp>
+      <p:sp>
+        <p:nvSpPr>
+          <p:cNvPr id="14" name="타원 13"/>
+          <p:cNvSpPr/>
+          <p:nvPr/>
+        </p:nvSpPr>
+        <p:spPr>
+          <a:xfrm>
+            <a:off x="3609975" y="2071688"/>
+            <a:ext cx="285750" cy="285750"/>
+          </a:xfrm>
+          <a:prstGeom prst="ellipse">
+            <a:avLst/>
+          </a:prstGeom>
+          <a:solidFill>
+            <a:schemeClr val="bg1"/>
+          </a:solidFill>
+          <a:ln>
+            <a:solidFill>
+              <a:srgbClr val="FF0000"/>
+            </a:solidFill>
+          </a:ln>
+        </p:spPr>
+        <p:style>
+          <a:lnRef idx="2">
+            <a:schemeClr val="accent1">
+              <a:shade val="50000"/>
+            </a:schemeClr>
+          </a:lnRef>
+          <a:fillRef idx="1">
+            <a:schemeClr val="accent1"/>
+          </a:fillRef>
+          <a:effectRef idx="0">
+            <a:schemeClr val="accent1"/>
+          </a:effectRef>
+          <a:fontRef idx="minor">
+            <a:schemeClr val="lt1"/>
+          </a:fontRef>
+        </p:style>
+        <p:txBody>
+          <a:bodyPr anchor="ctr"/>
+          <a:lstStyle/>
+          <a:p>
+            <a:pPr algn="ctr">
+              <a:defRPr/>
+            </a:pPr>
+            <a:r>
+              <a:rPr lang="en-US" altLang="ko-KR" sz="1600" dirty="0">
+                <a:solidFill>
+                  <a:schemeClr val="tx1"/>
+                </a:solidFill>
+              </a:rPr>
+              <a:t>1</a:t>
+            </a:r>
+            <a:endParaRPr lang="ko-KR" altLang="en-US" sz="1600" dirty="0">
+              <a:solidFill>
+                <a:schemeClr val="tx1"/>
+              </a:solidFill>
+            </a:endParaRPr>
+          </a:p>
+        </p:txBody>
+      </p:sp>
+      <p:sp>
+        <p:nvSpPr>
+          <p:cNvPr id="15" name="타원 14"/>
+          <p:cNvSpPr/>
+          <p:nvPr/>
+        </p:nvSpPr>
+        <p:spPr>
+          <a:xfrm>
+            <a:off x="3546475" y="4500563"/>
+            <a:ext cx="285750" cy="285750"/>
+          </a:xfrm>
+          <a:prstGeom prst="ellipse">
+            <a:avLst/>
+          </a:prstGeom>
+          <a:solidFill>
+            <a:schemeClr val="bg1"/>
+          </a:solidFill>
+          <a:ln>
+            <a:solidFill>
+              <a:srgbClr val="FF0000"/>
+            </a:solidFill>
+          </a:ln>
+        </p:spPr>
+        <p:style>
+          <a:lnRef idx="2">
+            <a:schemeClr val="accent1">
+              <a:shade val="50000"/>
+            </a:schemeClr>
+          </a:lnRef>
+          <a:fillRef idx="1">
+            <a:schemeClr val="accent1"/>
+          </a:fillRef>
+          <a:effectRef idx="0">
+            <a:schemeClr val="accent1"/>
+          </a:effectRef>
+          <a:fontRef idx="minor">
+            <a:schemeClr val="lt1"/>
+          </a:fontRef>
+        </p:style>
+        <p:txBody>
+          <a:bodyPr anchor="ctr"/>
+          <a:lstStyle/>
+          <a:p>
+            <a:pPr algn="ctr">
+              <a:defRPr/>
+            </a:pPr>
+            <a:r>
+              <a:rPr lang="en-US" altLang="ko-KR" sz="1600" dirty="0">
+                <a:solidFill>
+                  <a:schemeClr val="tx1"/>
+                </a:solidFill>
+              </a:rPr>
+              <a:t>2</a:t>
+            </a:r>
+            <a:endParaRPr lang="ko-KR" altLang="en-US" sz="1600" dirty="0">
+              <a:solidFill>
+                <a:schemeClr val="tx1"/>
+              </a:solidFill>
+            </a:endParaRPr>
+          </a:p>
+        </p:txBody>
+      </p:sp>
+    </p:spTree>
+  </p:cSld>
+  <p:clrMapOvr>
+    <a:masterClrMapping/>
+  </p:clrMapOvr>
+  <p:timing>
+    <p:tnLst>
+      <p:par>
+        <p:cTn id="1" dur="indefinite" restart="never" nodeType="tmRoot"/>
+      </p:par>
+    </p:tnLst>
+  </p:timing>
+</p:sld>
+</file>
+
+<file path=ppt/slides/slide29.xml><?xml version="1.0" encoding="utf-8"?>
+<p:sld xmlns:a="http://schemas.openxmlformats.org/drawingml/2006/main" xmlns:r="http://schemas.openxmlformats.org/officeDocument/2006/relationships" xmlns:p="http://schemas.openxmlformats.org/presentationml/2006/main">
+  <p:cSld>
+    <p:spTree>
+      <p:nvGrpSpPr>
+        <p:cNvPr id="1" name=""/>
+        <p:cNvGrpSpPr/>
+        <p:nvPr/>
+      </p:nvGrpSpPr>
+      <p:grpSpPr>
+        <a:xfrm>
+          <a:off x="0" y="0"/>
+          <a:ext cx="0" cy="0"/>
+          <a:chOff x="0" y="0"/>
+          <a:chExt cx="0" cy="0"/>
+        </a:xfrm>
+      </p:grpSpPr>
+      <p:pic>
+        <p:nvPicPr>
+          <p:cNvPr id="24578" name="Picture 2"/>
+          <p:cNvPicPr>
+            <a:picLocks noChangeAspect="1" noChangeArrowheads="1"/>
+          </p:cNvPicPr>
+          <p:nvPr/>
+        </p:nvPicPr>
+        <p:blipFill>
+          <a:blip r:embed="rId2"/>
+          <a:srcRect/>
+          <a:stretch>
+            <a:fillRect/>
+          </a:stretch>
+        </p:blipFill>
+        <p:spPr bwMode="auto">
+          <a:xfrm>
+            <a:off x="595313" y="1473200"/>
+            <a:ext cx="4687887" cy="4670425"/>
+          </a:xfrm>
+          <a:prstGeom prst="rect">
+            <a:avLst/>
+          </a:prstGeom>
+          <a:noFill/>
+          <a:ln w="9525">
+            <a:noFill/>
+            <a:miter lim="800000"/>
+            <a:headEnd/>
+            <a:tailEnd/>
+          </a:ln>
+        </p:spPr>
+      </p:pic>
+      <p:sp>
+        <p:nvSpPr>
+          <p:cNvPr id="6" name="TextBox 5"/>
+          <p:cNvSpPr txBox="1"/>
+          <p:nvPr/>
+        </p:nvSpPr>
+        <p:spPr>
+          <a:xfrm>
+            <a:off x="1497013" y="282575"/>
+            <a:ext cx="617537" cy="369888"/>
+          </a:xfrm>
+          <a:prstGeom prst="rect">
+            <a:avLst/>
+          </a:prstGeom>
+          <a:noFill/>
+        </p:spPr>
+        <p:txBody>
+          <a:bodyPr wrap="none">
+            <a:spAutoFit/>
+          </a:bodyPr>
+          <a:lstStyle/>
+          <a:p>
+            <a:pPr fontAlgn="auto">
+              <a:spcBef>
+                <a:spcPts val="0"/>
+              </a:spcBef>
+              <a:spcAft>
+                <a:spcPts val="0"/>
+              </a:spcAft>
+              <a:defRPr/>
+            </a:pPr>
+            <a:r>
+              <a:rPr kumimoji="0" lang="ko-KR" altLang="en-US" dirty="0">
+                <a:solidFill>
+                  <a:schemeClr val="bg1">
+                    <a:lumMod val="50000"/>
+                  </a:schemeClr>
+                </a:solidFill>
+                <a:latin typeface="나눔고딕OTF ExtraBold" pitchFamily="34" charset="-127"/>
+                <a:ea typeface="나눔고딕OTF ExtraBold" pitchFamily="34" charset="-127"/>
+              </a:rPr>
+              <a:t>수납</a:t>
+            </a:r>
+          </a:p>
+        </p:txBody>
+      </p:sp>
+      <p:sp>
+        <p:nvSpPr>
+          <p:cNvPr id="24580" name="TextBox 4"/>
+          <p:cNvSpPr txBox="1">
+            <a:spLocks noChangeArrowheads="1"/>
+          </p:cNvSpPr>
+          <p:nvPr/>
+        </p:nvSpPr>
+        <p:spPr bwMode="auto">
+          <a:xfrm>
+            <a:off x="381000" y="785813"/>
+            <a:ext cx="1409700" cy="307975"/>
+          </a:xfrm>
+          <a:prstGeom prst="rect">
+            <a:avLst/>
+          </a:prstGeom>
+          <a:noFill/>
+          <a:ln w="9525">
+            <a:noFill/>
+            <a:miter lim="800000"/>
+            <a:headEnd/>
+            <a:tailEnd/>
+          </a:ln>
+        </p:spPr>
+        <p:txBody>
+          <a:bodyPr wrap="none">
+            <a:spAutoFit/>
+          </a:bodyPr>
+          <a:lstStyle/>
+          <a:p>
+            <a:r>
+              <a:rPr kumimoji="0" lang="en-US" altLang="ko-KR" sz="1400" b="1">
+                <a:latin typeface="나눔고딕OTF" pitchFamily="34" charset="-127"/>
+                <a:ea typeface="나눔고딕OTF" pitchFamily="34" charset="-127"/>
+              </a:rPr>
+              <a:t>- </a:t>
+            </a:r>
+            <a:r>
+              <a:rPr kumimoji="0" lang="ko-KR" altLang="en-US" sz="1400" b="1">
+                <a:latin typeface="나눔고딕OTF" pitchFamily="34" charset="-127"/>
+                <a:ea typeface="나눔고딕OTF" pitchFamily="34" charset="-127"/>
+              </a:rPr>
+              <a:t>인적 수정 화면</a:t>
+            </a:r>
+          </a:p>
+        </p:txBody>
+      </p:sp>
+      <p:sp>
+        <p:nvSpPr>
+          <p:cNvPr id="11" name="직사각형 10"/>
+          <p:cNvSpPr/>
+          <p:nvPr/>
+        </p:nvSpPr>
+        <p:spPr>
+          <a:xfrm>
+            <a:off x="3810000" y="3929063"/>
+            <a:ext cx="857250" cy="142875"/>
+          </a:xfrm>
+          <a:prstGeom prst="rect">
+            <a:avLst/>
+          </a:prstGeom>
+          <a:noFill/>
+          <a:ln>
+            <a:solidFill>
+              <a:srgbClr val="FF0000"/>
+            </a:solidFill>
+          </a:ln>
+        </p:spPr>
+        <p:style>
+          <a:lnRef idx="2">
+            <a:schemeClr val="accent1">
+              <a:shade val="50000"/>
+            </a:schemeClr>
+          </a:lnRef>
+          <a:fillRef idx="1">
+            <a:schemeClr val="accent1"/>
+          </a:fillRef>
+          <a:effectRef idx="0">
+            <a:schemeClr val="accent1"/>
+          </a:effectRef>
+          <a:fontRef idx="minor">
+            <a:schemeClr val="lt1"/>
+          </a:fontRef>
+        </p:style>
+        <p:txBody>
+          <a:bodyPr anchor="ctr"/>
+          <a:lstStyle/>
+          <a:p>
+            <a:pPr algn="ctr" fontAlgn="auto">
+              <a:spcBef>
+                <a:spcPts val="0"/>
+              </a:spcBef>
+              <a:spcAft>
+                <a:spcPts val="0"/>
+              </a:spcAft>
+              <a:defRPr/>
+            </a:pPr>
+            <a:endParaRPr kumimoji="0" lang="ko-KR" altLang="en-US">
+              <a:latin typeface="나눔고딕OTF" pitchFamily="34" charset="-127"/>
+              <a:ea typeface="나눔고딕OTF" pitchFamily="34" charset="-127"/>
+            </a:endParaRPr>
+          </a:p>
+        </p:txBody>
+      </p:sp>
+      <p:sp>
+        <p:nvSpPr>
+          <p:cNvPr id="24582" name="TextBox 4"/>
+          <p:cNvSpPr txBox="1">
+            <a:spLocks noChangeArrowheads="1"/>
+          </p:cNvSpPr>
+          <p:nvPr/>
+        </p:nvSpPr>
+        <p:spPr bwMode="auto">
+          <a:xfrm>
+            <a:off x="5738813" y="1593850"/>
+            <a:ext cx="3894137" cy="1200150"/>
+          </a:xfrm>
+          <a:prstGeom prst="rect">
+            <a:avLst/>
+          </a:prstGeom>
+          <a:noFill/>
+          <a:ln w="9525">
+            <a:noFill/>
+            <a:miter lim="800000"/>
+            <a:headEnd/>
+            <a:tailEnd/>
+          </a:ln>
+        </p:spPr>
+        <p:txBody>
+          <a:bodyPr>
+            <a:spAutoFit/>
+          </a:bodyPr>
+          <a:lstStyle/>
+          <a:p>
+            <a:pPr marL="228600" indent="-228600">
+              <a:lnSpc>
+                <a:spcPct val="120000"/>
+              </a:lnSpc>
+              <a:buFontTx/>
+              <a:buAutoNum type="arabicParenR" startAt="3"/>
+            </a:pPr>
+            <a:r>
+              <a:rPr kumimoji="0" lang="ko-KR" altLang="en-US" sz="1000" b="1">
+                <a:latin typeface="나눔고딕OTF" pitchFamily="34" charset="-127"/>
+                <a:ea typeface="나눔고딕OTF" pitchFamily="34" charset="-127"/>
+              </a:rPr>
+              <a:t>환불</a:t>
+            </a:r>
+            <a:endParaRPr kumimoji="0" lang="en-US" altLang="ko-KR" sz="1000" b="1">
+              <a:latin typeface="나눔고딕OTF" pitchFamily="34" charset="-127"/>
+              <a:ea typeface="나눔고딕OTF" pitchFamily="34" charset="-127"/>
+            </a:endParaRPr>
+          </a:p>
+          <a:p>
+            <a:pPr marL="228600" indent="-228600">
+              <a:lnSpc>
+                <a:spcPct val="120000"/>
+              </a:lnSpc>
+            </a:pPr>
+            <a:r>
+              <a:rPr kumimoji="0" lang="en-US" altLang="ko-KR" sz="1000" b="1">
+                <a:latin typeface="나눔고딕OTF" pitchFamily="34" charset="-127"/>
+                <a:ea typeface="나눔고딕OTF" pitchFamily="34" charset="-127"/>
+              </a:rPr>
+              <a:t>   </a:t>
+            </a:r>
+            <a:r>
+              <a:rPr kumimoji="0" lang="en-US" altLang="ko-KR" sz="1000">
+                <a:latin typeface="나눔고딕OTF" pitchFamily="34" charset="-127"/>
+                <a:ea typeface="나눔고딕OTF" pitchFamily="34" charset="-127"/>
+              </a:rPr>
+              <a:t>- “</a:t>
+            </a:r>
+            <a:r>
+              <a:rPr kumimoji="0" lang="ko-KR" altLang="en-US" sz="1000">
+                <a:latin typeface="나눔고딕OTF" pitchFamily="34" charset="-127"/>
+                <a:ea typeface="나눔고딕OTF" pitchFamily="34" charset="-127"/>
+              </a:rPr>
+              <a:t>검사금액</a:t>
+            </a:r>
+            <a:r>
+              <a:rPr kumimoji="0" lang="en-US" altLang="ko-KR" sz="1000">
+                <a:latin typeface="나눔고딕OTF" pitchFamily="34" charset="-127"/>
+                <a:ea typeface="나눔고딕OTF" pitchFamily="34" charset="-127"/>
+              </a:rPr>
+              <a:t>”</a:t>
+            </a:r>
+            <a:r>
+              <a:rPr kumimoji="0" lang="ko-KR" altLang="en-US" sz="1000">
+                <a:latin typeface="나눔고딕OTF" pitchFamily="34" charset="-127"/>
+                <a:ea typeface="나눔고딕OTF" pitchFamily="34" charset="-127"/>
+              </a:rPr>
+              <a:t>란에 </a:t>
+            </a:r>
+            <a:r>
+              <a:rPr kumimoji="0" lang="ko-KR" altLang="en-US" sz="1000" u="sng">
+                <a:latin typeface="나눔고딕OTF" pitchFamily="34" charset="-127"/>
+                <a:ea typeface="나눔고딕OTF" pitchFamily="34" charset="-127"/>
+              </a:rPr>
+              <a:t>총 검진금액에서 환불금액을 뺀 금액을 입력합니다</a:t>
+            </a:r>
+            <a:r>
+              <a:rPr kumimoji="0" lang="en-US" altLang="ko-KR" sz="1000" u="sng">
+                <a:latin typeface="나눔고딕OTF" pitchFamily="34" charset="-127"/>
+                <a:ea typeface="나눔고딕OTF" pitchFamily="34" charset="-127"/>
+              </a:rPr>
+              <a:t>.</a:t>
+            </a:r>
+          </a:p>
+          <a:p>
+            <a:pPr marL="228600" indent="-228600">
+              <a:lnSpc>
+                <a:spcPct val="120000"/>
+              </a:lnSpc>
+            </a:pPr>
+            <a:r>
+              <a:rPr kumimoji="0" lang="en-US" altLang="ko-KR" sz="1000">
+                <a:latin typeface="나눔고딕OTF" pitchFamily="34" charset="-127"/>
+                <a:ea typeface="나눔고딕OTF" pitchFamily="34" charset="-127"/>
+              </a:rPr>
+              <a:t>   - “</a:t>
+            </a:r>
+            <a:r>
+              <a:rPr kumimoji="0" lang="ko-KR" altLang="en-US" sz="1000">
+                <a:latin typeface="나눔고딕OTF" pitchFamily="34" charset="-127"/>
+                <a:ea typeface="나눔고딕OTF" pitchFamily="34" charset="-127"/>
+              </a:rPr>
+              <a:t>추가</a:t>
+            </a:r>
+            <a:r>
+              <a:rPr kumimoji="0" lang="en-US" altLang="ko-KR" sz="1000">
+                <a:latin typeface="나눔고딕OTF" pitchFamily="34" charset="-127"/>
+                <a:ea typeface="나눔고딕OTF" pitchFamily="34" charset="-127"/>
+              </a:rPr>
+              <a:t>” </a:t>
+            </a:r>
+            <a:r>
+              <a:rPr kumimoji="0" lang="ko-KR" altLang="en-US" sz="1000">
+                <a:latin typeface="나눔고딕OTF" pitchFamily="34" charset="-127"/>
+                <a:ea typeface="나눔고딕OTF" pitchFamily="34" charset="-127"/>
+              </a:rPr>
+              <a:t>버튼을 클릭하면 </a:t>
+            </a:r>
+            <a:r>
+              <a:rPr kumimoji="0" lang="en-US" altLang="ko-KR" sz="1000">
+                <a:latin typeface="나눔고딕OTF" pitchFamily="34" charset="-127"/>
+                <a:ea typeface="나눔고딕OTF" pitchFamily="34" charset="-127"/>
+              </a:rPr>
+              <a:t>“</a:t>
+            </a:r>
+            <a:r>
+              <a:rPr kumimoji="0" lang="ko-KR" altLang="en-US" sz="1000">
+                <a:latin typeface="나눔고딕OTF" pitchFamily="34" charset="-127"/>
+                <a:ea typeface="나눔고딕OTF" pitchFamily="34" charset="-127"/>
+              </a:rPr>
+              <a:t>수납금액</a:t>
+            </a:r>
+            <a:r>
+              <a:rPr kumimoji="0" lang="en-US" altLang="ko-KR" sz="1000">
+                <a:latin typeface="나눔고딕OTF" pitchFamily="34" charset="-127"/>
+                <a:ea typeface="나눔고딕OTF" pitchFamily="34" charset="-127"/>
+              </a:rPr>
+              <a:t>”</a:t>
+            </a:r>
+            <a:r>
+              <a:rPr kumimoji="0" lang="ko-KR" altLang="en-US" sz="1000">
+                <a:latin typeface="나눔고딕OTF" pitchFamily="34" charset="-127"/>
+                <a:ea typeface="나눔고딕OTF" pitchFamily="34" charset="-127"/>
+              </a:rPr>
+              <a:t>란에 환불액이 나타납니다</a:t>
+            </a:r>
+            <a:r>
+              <a:rPr kumimoji="0" lang="en-US" altLang="ko-KR" sz="1000">
+                <a:latin typeface="나눔고딕OTF" pitchFamily="34" charset="-127"/>
+                <a:ea typeface="나눔고딕OTF" pitchFamily="34" charset="-127"/>
+              </a:rPr>
+              <a:t>.</a:t>
+            </a:r>
+          </a:p>
+          <a:p>
+            <a:pPr marL="228600" indent="-228600">
+              <a:lnSpc>
+                <a:spcPct val="120000"/>
+              </a:lnSpc>
+            </a:pPr>
+            <a:r>
+              <a:rPr kumimoji="0" lang="en-US" altLang="ko-KR" sz="1000">
+                <a:latin typeface="나눔고딕OTF" pitchFamily="34" charset="-127"/>
+                <a:ea typeface="나눔고딕OTF" pitchFamily="34" charset="-127"/>
+              </a:rPr>
+              <a:t>   - “</a:t>
+            </a:r>
+            <a:r>
+              <a:rPr kumimoji="0" lang="ko-KR" altLang="en-US" sz="1000">
+                <a:latin typeface="나눔고딕OTF" pitchFamily="34" charset="-127"/>
+                <a:ea typeface="나눔고딕OTF" pitchFamily="34" charset="-127"/>
+              </a:rPr>
+              <a:t>환불</a:t>
+            </a:r>
+            <a:r>
+              <a:rPr kumimoji="0" lang="en-US" altLang="ko-KR" sz="1000">
+                <a:latin typeface="나눔고딕OTF" pitchFamily="34" charset="-127"/>
+                <a:ea typeface="나눔고딕OTF" pitchFamily="34" charset="-127"/>
+              </a:rPr>
+              <a:t>”</a:t>
+            </a:r>
+            <a:r>
+              <a:rPr kumimoji="0" lang="ko-KR" altLang="en-US" sz="1000">
+                <a:latin typeface="나눔고딕OTF" pitchFamily="34" charset="-127"/>
+                <a:ea typeface="나눔고딕OTF" pitchFamily="34" charset="-127"/>
+              </a:rPr>
+              <a:t>에 체크하고</a:t>
+            </a:r>
+            <a:r>
+              <a:rPr kumimoji="0" lang="en-US" altLang="ko-KR" sz="1000">
+                <a:latin typeface="나눔고딕OTF" pitchFamily="34" charset="-127"/>
+                <a:ea typeface="나눔고딕OTF" pitchFamily="34" charset="-127"/>
+              </a:rPr>
+              <a:t>, </a:t>
+            </a:r>
+            <a:r>
+              <a:rPr kumimoji="0" lang="ko-KR" altLang="en-US" sz="1000">
+                <a:latin typeface="나눔고딕OTF" pitchFamily="34" charset="-127"/>
+                <a:ea typeface="나눔고딕OTF" pitchFamily="34" charset="-127"/>
+              </a:rPr>
+              <a:t>수납구분을 입력한 뒤 </a:t>
+            </a:r>
+            <a:r>
+              <a:rPr kumimoji="0" lang="en-US" altLang="ko-KR" sz="1000">
+                <a:latin typeface="나눔고딕OTF" pitchFamily="34" charset="-127"/>
+                <a:ea typeface="나눔고딕OTF" pitchFamily="34" charset="-127"/>
+              </a:rPr>
+              <a:t>“</a:t>
+            </a:r>
+            <a:r>
+              <a:rPr kumimoji="0" lang="ko-KR" altLang="en-US" sz="1000">
+                <a:latin typeface="나눔고딕OTF" pitchFamily="34" charset="-127"/>
+                <a:ea typeface="나눔고딕OTF" pitchFamily="34" charset="-127"/>
+              </a:rPr>
+              <a:t>저장</a:t>
+            </a:r>
+            <a:r>
+              <a:rPr kumimoji="0" lang="en-US" altLang="ko-KR" sz="1000">
+                <a:latin typeface="나눔고딕OTF" pitchFamily="34" charset="-127"/>
+                <a:ea typeface="나눔고딕OTF" pitchFamily="34" charset="-127"/>
+              </a:rPr>
+              <a:t>” </a:t>
+            </a:r>
+            <a:r>
+              <a:rPr kumimoji="0" lang="ko-KR" altLang="en-US" sz="1000">
+                <a:latin typeface="나눔고딕OTF" pitchFamily="34" charset="-127"/>
+                <a:ea typeface="나눔고딕OTF" pitchFamily="34" charset="-127"/>
+              </a:rPr>
+              <a:t>버튼을 클릭하면 환불 처리가 완료됩니다</a:t>
+            </a:r>
+            <a:r>
+              <a:rPr kumimoji="0" lang="en-US" altLang="ko-KR" sz="1000">
+                <a:latin typeface="나눔고딕OTF" pitchFamily="34" charset="-127"/>
+                <a:ea typeface="나눔고딕OTF" pitchFamily="34" charset="-127"/>
+              </a:rPr>
+              <a:t>.</a:t>
+            </a:r>
+          </a:p>
+          <a:p>
+            <a:pPr marL="228600" indent="-228600">
+              <a:lnSpc>
+                <a:spcPct val="120000"/>
+              </a:lnSpc>
+            </a:pPr>
+            <a:r>
+              <a:rPr kumimoji="0" lang="en-US" altLang="ko-KR" sz="1000">
+                <a:latin typeface="나눔고딕OTF" pitchFamily="34" charset="-127"/>
+                <a:ea typeface="나눔고딕OTF" pitchFamily="34" charset="-127"/>
+              </a:rPr>
+              <a:t>   </a:t>
+            </a:r>
+            <a:r>
+              <a:rPr kumimoji="0" lang="en-US" altLang="ko-KR" sz="1000">
+                <a:solidFill>
+                  <a:srgbClr val="FF0000"/>
+                </a:solidFill>
+                <a:latin typeface="나눔고딕OTF" pitchFamily="34" charset="-127"/>
+                <a:ea typeface="나눔고딕OTF" pitchFamily="34" charset="-127"/>
+              </a:rPr>
+              <a:t>* </a:t>
+            </a:r>
+            <a:r>
+              <a:rPr kumimoji="0" lang="ko-KR" altLang="en-US" sz="1000">
+                <a:solidFill>
+                  <a:srgbClr val="FF0000"/>
+                </a:solidFill>
+                <a:latin typeface="나눔고딕OTF" pitchFamily="34" charset="-127"/>
+                <a:ea typeface="나눔고딕OTF" pitchFamily="34" charset="-127"/>
+              </a:rPr>
+              <a:t>수납할 때 설정한 할인 및 감면 금액 정보 초기화 여부를 묻습니다</a:t>
+            </a:r>
+            <a:r>
+              <a:rPr kumimoji="0" lang="en-US" altLang="ko-KR" sz="1000">
+                <a:solidFill>
+                  <a:srgbClr val="FF0000"/>
+                </a:solidFill>
+                <a:latin typeface="나눔고딕OTF" pitchFamily="34" charset="-127"/>
+                <a:ea typeface="나눔고딕OTF" pitchFamily="34" charset="-127"/>
+              </a:rPr>
+              <a:t>.</a:t>
+            </a:r>
+            <a:endParaRPr kumimoji="0" lang="en-US" altLang="ko-KR" sz="1000">
+              <a:latin typeface="나눔고딕OTF" pitchFamily="34" charset="-127"/>
+              <a:ea typeface="나눔고딕OTF" pitchFamily="34" charset="-127"/>
+            </a:endParaRPr>
+          </a:p>
+        </p:txBody>
+      </p:sp>
+      <p:sp>
+        <p:nvSpPr>
+          <p:cNvPr id="13" name="직사각형 12"/>
+          <p:cNvSpPr/>
+          <p:nvPr/>
+        </p:nvSpPr>
+        <p:spPr>
+          <a:xfrm>
+            <a:off x="1350963" y="3740150"/>
+            <a:ext cx="857250" cy="169863"/>
+          </a:xfrm>
+          <a:prstGeom prst="rect">
+            <a:avLst/>
+          </a:prstGeom>
+          <a:noFill/>
+          <a:ln>
+            <a:solidFill>
+              <a:srgbClr val="FF0000"/>
+            </a:solidFill>
+          </a:ln>
+        </p:spPr>
+        <p:style>
+          <a:lnRef idx="2">
+            <a:schemeClr val="accent1">
+              <a:shade val="50000"/>
+            </a:schemeClr>
+          </a:lnRef>
+          <a:fillRef idx="1">
+            <a:schemeClr val="accent1"/>
+          </a:fillRef>
+          <a:effectRef idx="0">
+            <a:schemeClr val="accent1"/>
+          </a:effectRef>
+          <a:fontRef idx="minor">
+            <a:schemeClr val="lt1"/>
+          </a:fontRef>
+        </p:style>
+        <p:txBody>
+          <a:bodyPr anchor="ctr"/>
+          <a:lstStyle/>
+          <a:p>
+            <a:pPr algn="ctr" fontAlgn="auto">
+              <a:spcBef>
+                <a:spcPts val="0"/>
+              </a:spcBef>
+              <a:spcAft>
+                <a:spcPts val="0"/>
+              </a:spcAft>
+              <a:defRPr/>
+            </a:pPr>
+            <a:endParaRPr kumimoji="0" lang="ko-KR" altLang="en-US">
+              <a:latin typeface="나눔고딕OTF" pitchFamily="34" charset="-127"/>
+              <a:ea typeface="나눔고딕OTF" pitchFamily="34" charset="-127"/>
+            </a:endParaRPr>
+          </a:p>
+        </p:txBody>
+      </p:sp>
+      <p:sp>
+        <p:nvSpPr>
+          <p:cNvPr id="14" name="타원 13"/>
+          <p:cNvSpPr/>
+          <p:nvPr/>
+        </p:nvSpPr>
+        <p:spPr>
+          <a:xfrm>
+            <a:off x="1222375" y="3587750"/>
+            <a:ext cx="214313" cy="214313"/>
+          </a:xfrm>
+          <a:prstGeom prst="ellipse">
+            <a:avLst/>
+          </a:prstGeom>
+          <a:solidFill>
+            <a:schemeClr val="bg1"/>
+          </a:solidFill>
+          <a:ln>
+            <a:solidFill>
+              <a:srgbClr val="FF0000"/>
+            </a:solidFill>
+          </a:ln>
+        </p:spPr>
+        <p:style>
+          <a:lnRef idx="2">
+            <a:schemeClr val="accent1">
+              <a:shade val="50000"/>
+            </a:schemeClr>
+          </a:lnRef>
+          <a:fillRef idx="1">
+            <a:schemeClr val="accent1"/>
+          </a:fillRef>
+          <a:effectRef idx="0">
+            <a:schemeClr val="accent1"/>
+          </a:effectRef>
+          <a:fontRef idx="minor">
+            <a:schemeClr val="lt1"/>
+          </a:fontRef>
+        </p:style>
+        <p:txBody>
+          <a:bodyPr anchor="ctr"/>
+          <a:lstStyle/>
+          <a:p>
+            <a:pPr algn="ctr">
+              <a:defRPr/>
+            </a:pPr>
+            <a:r>
+              <a:rPr lang="en-US" altLang="ko-KR" sz="1400" dirty="0">
+                <a:solidFill>
+                  <a:schemeClr val="tx1"/>
+                </a:solidFill>
+              </a:rPr>
+              <a:t>1</a:t>
+            </a:r>
+          </a:p>
+        </p:txBody>
+      </p:sp>
+      <p:sp>
+        <p:nvSpPr>
+          <p:cNvPr id="12" name="타원 11"/>
+          <p:cNvSpPr/>
+          <p:nvPr/>
+        </p:nvSpPr>
+        <p:spPr>
+          <a:xfrm>
+            <a:off x="3667125" y="3786188"/>
+            <a:ext cx="214313" cy="214312"/>
+          </a:xfrm>
+          <a:prstGeom prst="ellipse">
+            <a:avLst/>
+          </a:prstGeom>
+          <a:solidFill>
+            <a:schemeClr val="bg1"/>
+          </a:solidFill>
+          <a:ln>
+            <a:solidFill>
+              <a:srgbClr val="FF0000"/>
+            </a:solidFill>
+          </a:ln>
+        </p:spPr>
+        <p:style>
+          <a:lnRef idx="2">
+            <a:schemeClr val="accent1">
+              <a:shade val="50000"/>
+            </a:schemeClr>
+          </a:lnRef>
+          <a:fillRef idx="1">
+            <a:schemeClr val="accent1"/>
+          </a:fillRef>
+          <a:effectRef idx="0">
+            <a:schemeClr val="accent1"/>
+          </a:effectRef>
+          <a:fontRef idx="minor">
+            <a:schemeClr val="lt1"/>
+          </a:fontRef>
+        </p:style>
+        <p:txBody>
+          <a:bodyPr anchor="ctr"/>
+          <a:lstStyle/>
+          <a:p>
+            <a:pPr algn="ctr">
+              <a:defRPr/>
+            </a:pPr>
+            <a:r>
+              <a:rPr lang="en-US" altLang="ko-KR" sz="1400" dirty="0">
+                <a:solidFill>
+                  <a:schemeClr val="tx1"/>
+                </a:solidFill>
+              </a:rPr>
+              <a:t>2</a:t>
+            </a:r>
+          </a:p>
+        </p:txBody>
+      </p:sp>
+      <p:sp>
+        <p:nvSpPr>
+          <p:cNvPr id="16" name="직사각형 15"/>
+          <p:cNvSpPr/>
+          <p:nvPr/>
+        </p:nvSpPr>
+        <p:spPr>
+          <a:xfrm>
+            <a:off x="4826000" y="3668713"/>
+            <a:ext cx="428625" cy="142875"/>
+          </a:xfrm>
+          <a:prstGeom prst="rect">
+            <a:avLst/>
+          </a:prstGeom>
+          <a:noFill/>
+          <a:ln>
+            <a:solidFill>
+              <a:srgbClr val="FF0000"/>
+            </a:solidFill>
+          </a:ln>
+        </p:spPr>
+        <p:style>
+          <a:lnRef idx="2">
+            <a:schemeClr val="accent1">
+              <a:shade val="50000"/>
+            </a:schemeClr>
+          </a:lnRef>
+          <a:fillRef idx="1">
+            <a:schemeClr val="accent1"/>
+          </a:fillRef>
+          <a:effectRef idx="0">
+            <a:schemeClr val="accent1"/>
+          </a:effectRef>
+          <a:fontRef idx="minor">
+            <a:schemeClr val="lt1"/>
+          </a:fontRef>
+        </p:style>
+        <p:txBody>
+          <a:bodyPr anchor="ctr"/>
+          <a:lstStyle/>
+          <a:p>
+            <a:pPr algn="ctr" fontAlgn="auto">
+              <a:spcBef>
+                <a:spcPts val="0"/>
+              </a:spcBef>
+              <a:spcAft>
+                <a:spcPts val="0"/>
+              </a:spcAft>
+              <a:defRPr/>
+            </a:pPr>
+            <a:endParaRPr kumimoji="0" lang="ko-KR" altLang="en-US">
+              <a:latin typeface="나눔고딕OTF" pitchFamily="34" charset="-127"/>
+              <a:ea typeface="나눔고딕OTF" pitchFamily="34" charset="-127"/>
+            </a:endParaRPr>
+          </a:p>
+        </p:txBody>
+      </p:sp>
+      <p:sp>
+        <p:nvSpPr>
+          <p:cNvPr id="17" name="타원 16"/>
+          <p:cNvSpPr/>
+          <p:nvPr/>
+        </p:nvSpPr>
+        <p:spPr>
+          <a:xfrm>
+            <a:off x="4667250" y="3500438"/>
+            <a:ext cx="214313" cy="214312"/>
+          </a:xfrm>
+          <a:prstGeom prst="ellipse">
+            <a:avLst/>
+          </a:prstGeom>
+          <a:solidFill>
+            <a:schemeClr val="bg1"/>
+          </a:solidFill>
+          <a:ln>
+            <a:solidFill>
+              <a:srgbClr val="FF0000"/>
+            </a:solidFill>
+          </a:ln>
+        </p:spPr>
+        <p:style>
+          <a:lnRef idx="2">
+            <a:schemeClr val="accent1">
+              <a:shade val="50000"/>
+            </a:schemeClr>
+          </a:lnRef>
+          <a:fillRef idx="1">
+            <a:schemeClr val="accent1"/>
+          </a:fillRef>
+          <a:effectRef idx="0">
+            <a:schemeClr val="accent1"/>
+          </a:effectRef>
+          <a:fontRef idx="minor">
+            <a:schemeClr val="lt1"/>
+          </a:fontRef>
+        </p:style>
+        <p:txBody>
+          <a:bodyPr anchor="ctr"/>
+          <a:lstStyle/>
+          <a:p>
+            <a:pPr algn="ctr">
+              <a:defRPr/>
+            </a:pPr>
+            <a:r>
+              <a:rPr lang="en-US" altLang="ko-KR" sz="1400" dirty="0">
+                <a:solidFill>
+                  <a:schemeClr val="tx1"/>
+                </a:solidFill>
+              </a:rPr>
+              <a:t>3</a:t>
+            </a:r>
+          </a:p>
+        </p:txBody>
+      </p:sp>
+      <p:pic>
+        <p:nvPicPr>
+          <p:cNvPr id="24588" name="Picture 3"/>
+          <p:cNvPicPr>
+            <a:picLocks noChangeAspect="1" noChangeArrowheads="1"/>
+          </p:cNvPicPr>
+          <p:nvPr/>
+        </p:nvPicPr>
+        <p:blipFill>
+          <a:blip r:embed="rId3"/>
+          <a:srcRect/>
+          <a:stretch>
+            <a:fillRect/>
+          </a:stretch>
+        </p:blipFill>
+        <p:spPr bwMode="auto">
+          <a:xfrm>
+            <a:off x="6024570" y="3214686"/>
+            <a:ext cx="2857500" cy="1196975"/>
+          </a:xfrm>
+          <a:prstGeom prst="rect">
+            <a:avLst/>
+          </a:prstGeom>
+          <a:noFill/>
+          <a:ln w="9525">
+            <a:solidFill>
+              <a:schemeClr val="tx1"/>
+            </a:solidFill>
+            <a:miter lim="800000"/>
+            <a:headEnd/>
+            <a:tailEnd/>
+          </a:ln>
+        </p:spPr>
+      </p:pic>
     </p:spTree>
   </p:cSld>
   <p:clrMapOvr>

--- a/manual/앨리스_매뉴얼_작업중.pptx
+++ b/manual/앨리스_매뉴얼_작업중.pptx
@@ -5,10 +5,10 @@
     <p:sldMasterId id="2147483660" r:id="rId1"/>
   </p:sldMasterIdLst>
   <p:notesMasterIdLst>
-    <p:notesMasterId r:id="rId34"/>
+    <p:notesMasterId r:id="rId35"/>
   </p:notesMasterIdLst>
   <p:handoutMasterIdLst>
-    <p:handoutMasterId r:id="rId35"/>
+    <p:handoutMasterId r:id="rId36"/>
   </p:handoutMasterIdLst>
   <p:sldIdLst>
     <p:sldId id="400" r:id="rId2"/>
@@ -34,15 +34,16 @@
     <p:sldId id="427" r:id="rId22"/>
     <p:sldId id="428" r:id="rId23"/>
     <p:sldId id="433" r:id="rId24"/>
-    <p:sldId id="434" r:id="rId25"/>
-    <p:sldId id="435" r:id="rId26"/>
-    <p:sldId id="437" r:id="rId27"/>
-    <p:sldId id="438" r:id="rId28"/>
-    <p:sldId id="439" r:id="rId29"/>
-    <p:sldId id="429" r:id="rId30"/>
-    <p:sldId id="430" r:id="rId31"/>
-    <p:sldId id="431" r:id="rId32"/>
-    <p:sldId id="432" r:id="rId33"/>
+    <p:sldId id="435" r:id="rId25"/>
+    <p:sldId id="437" r:id="rId26"/>
+    <p:sldId id="438" r:id="rId27"/>
+    <p:sldId id="439" r:id="rId28"/>
+    <p:sldId id="440" r:id="rId29"/>
+    <p:sldId id="441" r:id="rId30"/>
+    <p:sldId id="429" r:id="rId31"/>
+    <p:sldId id="430" r:id="rId32"/>
+    <p:sldId id="431" r:id="rId33"/>
+    <p:sldId id="432" r:id="rId34"/>
   </p:sldIdLst>
   <p:sldSz cx="9906000" cy="6858000" type="A4"/>
   <p:notesSz cx="9939338" cy="6807200"/>
@@ -283,7 +284,7 @@
               <a:pPr>
                 <a:defRPr/>
               </a:pPr>
-              <a:t>2017-02-17</a:t>
+              <a:t>2017-02-20</a:t>
             </a:fld>
             <a:endParaRPr lang="ko-KR" altLang="en-US"/>
           </a:p>
@@ -497,7 +498,7 @@
               <a:pPr>
                 <a:defRPr/>
               </a:pPr>
-              <a:t>2017-02-17</a:t>
+              <a:t>2017-02-20</a:t>
             </a:fld>
             <a:endParaRPr lang="ko-KR" altLang="en-US"/>
           </a:p>
@@ -1034,7 +1035,7 @@
               <a:pPr>
                 <a:defRPr/>
               </a:pPr>
-              <a:t>2017-02-17</a:t>
+              <a:t>2017-02-20</a:t>
             </a:fld>
             <a:endParaRPr lang="ko-KR" altLang="en-US"/>
           </a:p>
@@ -1276,7 +1277,7 @@
               <a:pPr>
                 <a:defRPr/>
               </a:pPr>
-              <a:t>2017-02-17</a:t>
+              <a:t>2017-02-20</a:t>
             </a:fld>
             <a:endParaRPr lang="ko-KR" altLang="en-US"/>
           </a:p>
@@ -1584,7 +1585,7 @@
               <a:pPr>
                 <a:defRPr/>
               </a:pPr>
-              <a:t>2017-02-17</a:t>
+              <a:t>2017-02-20</a:t>
             </a:fld>
             <a:endParaRPr lang="ko-KR" altLang="en-US"/>
           </a:p>
@@ -1942,7 +1943,7 @@
               <a:pPr>
                 <a:defRPr/>
               </a:pPr>
-              <a:t>2017-02-17</a:t>
+              <a:t>2017-02-20</a:t>
             </a:fld>
             <a:endParaRPr lang="ko-KR" altLang="en-US"/>
           </a:p>
@@ -2440,7 +2441,7 @@
               <a:pPr>
                 <a:defRPr/>
               </a:pPr>
-              <a:t>2017-02-17</a:t>
+              <a:t>2017-02-20</a:t>
             </a:fld>
             <a:endParaRPr lang="ko-KR" altLang="en-US"/>
           </a:p>
@@ -2622,7 +2623,7 @@
               <a:pPr>
                 <a:defRPr/>
               </a:pPr>
-              <a:t>2017-02-17</a:t>
+              <a:t>2017-02-20</a:t>
             </a:fld>
             <a:endParaRPr lang="ko-KR" altLang="en-US"/>
           </a:p>
@@ -2773,7 +2774,7 @@
               <a:pPr>
                 <a:defRPr/>
               </a:pPr>
-              <a:t>2017-02-17</a:t>
+              <a:t>2017-02-20</a:t>
             </a:fld>
             <a:endParaRPr lang="ko-KR" altLang="en-US"/>
           </a:p>
@@ -3115,7 +3116,7 @@
               <a:pPr>
                 <a:defRPr/>
               </a:pPr>
-              <a:t>2017-02-17</a:t>
+              <a:t>2017-02-20</a:t>
             </a:fld>
             <a:endParaRPr lang="ko-KR" altLang="en-US"/>
           </a:p>
@@ -3434,7 +3435,7 @@
               <a:pPr>
                 <a:defRPr/>
               </a:pPr>
-              <a:t>2017-02-17</a:t>
+              <a:t>2017-02-20</a:t>
             </a:fld>
             <a:endParaRPr lang="ko-KR" altLang="en-US"/>
           </a:p>
@@ -18181,400 +18182,6 @@
         </p:blipFill>
         <p:spPr bwMode="auto">
           <a:xfrm>
-            <a:off x="1606892" y="1368913"/>
-            <a:ext cx="6685865" cy="4905987"/>
-          </a:xfrm>
-          <a:prstGeom prst="rect">
-            <a:avLst/>
-          </a:prstGeom>
-          <a:noFill/>
-          <a:ln w="9525">
-            <a:noFill/>
-            <a:miter lim="800000"/>
-            <a:headEnd/>
-            <a:tailEnd/>
-          </a:ln>
-        </p:spPr>
-      </p:pic>
-      <p:sp>
-        <p:nvSpPr>
-          <p:cNvPr id="6" name="TextBox 5"/>
-          <p:cNvSpPr txBox="1"/>
-          <p:nvPr/>
-        </p:nvSpPr>
-        <p:spPr>
-          <a:xfrm>
-            <a:off x="1497013" y="282575"/>
-            <a:ext cx="2419252" cy="369332"/>
-          </a:xfrm>
-          <a:prstGeom prst="rect">
-            <a:avLst/>
-          </a:prstGeom>
-          <a:noFill/>
-        </p:spPr>
-        <p:txBody>
-          <a:bodyPr wrap="none">
-            <a:spAutoFit/>
-          </a:bodyPr>
-          <a:lstStyle/>
-          <a:p>
-            <a:pPr fontAlgn="auto">
-              <a:spcBef>
-                <a:spcPts val="0"/>
-              </a:spcBef>
-              <a:spcAft>
-                <a:spcPts val="0"/>
-              </a:spcAft>
-              <a:defRPr/>
-            </a:pPr>
-            <a:r>
-              <a:rPr kumimoji="0" lang="ko-KR" altLang="en-US" dirty="0" smtClean="0">
-                <a:solidFill>
-                  <a:schemeClr val="bg1">
-                    <a:lumMod val="50000"/>
-                  </a:schemeClr>
-                </a:solidFill>
-                <a:latin typeface="나눔고딕OTF ExtraBold" pitchFamily="34" charset="-127"/>
-                <a:ea typeface="나눔고딕OTF ExtraBold" pitchFamily="34" charset="-127"/>
-              </a:rPr>
-              <a:t>건강검진 </a:t>
-            </a:r>
-            <a:r>
-              <a:rPr kumimoji="0" lang="en-US" altLang="ko-KR" dirty="0" smtClean="0">
-                <a:solidFill>
-                  <a:schemeClr val="bg1">
-                    <a:lumMod val="50000"/>
-                  </a:schemeClr>
-                </a:solidFill>
-                <a:latin typeface="나눔고딕OTF ExtraBold" pitchFamily="34" charset="-127"/>
-                <a:ea typeface="나눔고딕OTF ExtraBold" pitchFamily="34" charset="-127"/>
-              </a:rPr>
-              <a:t>– </a:t>
-            </a:r>
-            <a:r>
-              <a:rPr kumimoji="0" lang="ko-KR" altLang="en-US" dirty="0" smtClean="0">
-                <a:solidFill>
-                  <a:schemeClr val="bg1">
-                    <a:lumMod val="50000"/>
-                  </a:schemeClr>
-                </a:solidFill>
-                <a:latin typeface="나눔고딕OTF ExtraBold" pitchFamily="34" charset="-127"/>
-                <a:ea typeface="나눔고딕OTF ExtraBold" pitchFamily="34" charset="-127"/>
-              </a:rPr>
-              <a:t>기록지 출력</a:t>
-            </a:r>
-            <a:endParaRPr kumimoji="0" lang="ko-KR" altLang="en-US" dirty="0">
-              <a:solidFill>
-                <a:schemeClr val="bg1">
-                  <a:lumMod val="50000"/>
-                </a:schemeClr>
-              </a:solidFill>
-              <a:latin typeface="나눔고딕OTF ExtraBold" pitchFamily="34" charset="-127"/>
-              <a:ea typeface="나눔고딕OTF ExtraBold" pitchFamily="34" charset="-127"/>
-            </a:endParaRPr>
-          </a:p>
-        </p:txBody>
-      </p:sp>
-      <p:sp>
-        <p:nvSpPr>
-          <p:cNvPr id="26628" name="TextBox 4"/>
-          <p:cNvSpPr txBox="1">
-            <a:spLocks noChangeArrowheads="1"/>
-          </p:cNvSpPr>
-          <p:nvPr/>
-        </p:nvSpPr>
-        <p:spPr bwMode="auto">
-          <a:xfrm>
-            <a:off x="381000" y="785813"/>
-            <a:ext cx="1022350" cy="307975"/>
-          </a:xfrm>
-          <a:prstGeom prst="rect">
-            <a:avLst/>
-          </a:prstGeom>
-          <a:noFill/>
-          <a:ln w="9525">
-            <a:noFill/>
-            <a:miter lim="800000"/>
-            <a:headEnd/>
-            <a:tailEnd/>
-          </a:ln>
-        </p:spPr>
-        <p:txBody>
-          <a:bodyPr wrap="none">
-            <a:spAutoFit/>
-          </a:bodyPr>
-          <a:lstStyle/>
-          <a:p>
-            <a:r>
-              <a:rPr kumimoji="0" lang="en-US" altLang="ko-KR" sz="1400" b="1" dirty="0">
-                <a:latin typeface="나눔고딕OTF" pitchFamily="34" charset="-127"/>
-                <a:ea typeface="나눔고딕OTF" pitchFamily="34" charset="-127"/>
-              </a:rPr>
-              <a:t>- </a:t>
-            </a:r>
-            <a:r>
-              <a:rPr kumimoji="0" lang="ko-KR" altLang="en-US" sz="1400" b="1" dirty="0">
-                <a:latin typeface="나눔고딕OTF" pitchFamily="34" charset="-127"/>
-                <a:ea typeface="나눔고딕OTF" pitchFamily="34" charset="-127"/>
-              </a:rPr>
-              <a:t>메인 화면</a:t>
-            </a:r>
-          </a:p>
-        </p:txBody>
-      </p:sp>
-      <p:sp>
-        <p:nvSpPr>
-          <p:cNvPr id="13" name="직사각형 12"/>
-          <p:cNvSpPr/>
-          <p:nvPr/>
-        </p:nvSpPr>
-        <p:spPr>
-          <a:xfrm>
-            <a:off x="2524108" y="1500174"/>
-            <a:ext cx="2214578" cy="714366"/>
-          </a:xfrm>
-          <a:prstGeom prst="rect">
-            <a:avLst/>
-          </a:prstGeom>
-          <a:noFill/>
-          <a:ln>
-            <a:solidFill>
-              <a:srgbClr val="FF0000"/>
-            </a:solidFill>
-          </a:ln>
-        </p:spPr>
-        <p:style>
-          <a:lnRef idx="2">
-            <a:schemeClr val="accent1">
-              <a:shade val="50000"/>
-            </a:schemeClr>
-          </a:lnRef>
-          <a:fillRef idx="1">
-            <a:schemeClr val="accent1"/>
-          </a:fillRef>
-          <a:effectRef idx="0">
-            <a:schemeClr val="accent1"/>
-          </a:effectRef>
-          <a:fontRef idx="minor">
-            <a:schemeClr val="lt1"/>
-          </a:fontRef>
-        </p:style>
-        <p:txBody>
-          <a:bodyPr anchor="ctr"/>
-          <a:lstStyle/>
-          <a:p>
-            <a:pPr algn="ctr" fontAlgn="auto">
-              <a:spcBef>
-                <a:spcPts val="0"/>
-              </a:spcBef>
-              <a:spcAft>
-                <a:spcPts val="0"/>
-              </a:spcAft>
-              <a:defRPr/>
-            </a:pPr>
-            <a:endParaRPr kumimoji="0" lang="ko-KR" altLang="en-US">
-              <a:latin typeface="나눔고딕OTF" pitchFamily="34" charset="-127"/>
-              <a:ea typeface="나눔고딕OTF" pitchFamily="34" charset="-127"/>
-            </a:endParaRPr>
-          </a:p>
-        </p:txBody>
-      </p:sp>
-      <p:sp>
-        <p:nvSpPr>
-          <p:cNvPr id="26630" name="TextBox 59"/>
-          <p:cNvSpPr txBox="1">
-            <a:spLocks noChangeArrowheads="1"/>
-          </p:cNvSpPr>
-          <p:nvPr/>
-        </p:nvSpPr>
-        <p:spPr bwMode="auto">
-          <a:xfrm>
-            <a:off x="415924" y="1052513"/>
-            <a:ext cx="5751521" cy="276999"/>
-          </a:xfrm>
-          <a:prstGeom prst="rect">
-            <a:avLst/>
-          </a:prstGeom>
-          <a:noFill/>
-          <a:ln w="9525">
-            <a:noFill/>
-            <a:miter lim="800000"/>
-            <a:headEnd/>
-            <a:tailEnd/>
-          </a:ln>
-        </p:spPr>
-        <p:txBody>
-          <a:bodyPr wrap="square">
-            <a:spAutoFit/>
-          </a:bodyPr>
-          <a:lstStyle/>
-          <a:p>
-            <a:r>
-              <a:rPr kumimoji="0" lang="en-US" altLang="ko-KR" sz="1200" dirty="0">
-                <a:latin typeface="나눔고딕OTF" pitchFamily="34" charset="-127"/>
-                <a:ea typeface="나눔고딕OTF" pitchFamily="34" charset="-127"/>
-              </a:rPr>
-              <a:t> - </a:t>
-            </a:r>
-            <a:r>
-              <a:rPr kumimoji="0" lang="ko-KR" altLang="en-US" sz="1200" dirty="0" smtClean="0">
-                <a:latin typeface="나눔고딕OTF" pitchFamily="34" charset="-127"/>
-                <a:ea typeface="나눔고딕OTF" pitchFamily="34" charset="-127"/>
-              </a:rPr>
-              <a:t>건강검진 </a:t>
-            </a:r>
-            <a:r>
-              <a:rPr kumimoji="0" lang="en-US" altLang="ko-KR" sz="1200" dirty="0" smtClean="0">
-                <a:latin typeface="나눔고딕OTF" pitchFamily="34" charset="-127"/>
-                <a:ea typeface="나눔고딕OTF" pitchFamily="34" charset="-127"/>
-                <a:sym typeface="Wingdings" pitchFamily="2" charset="2"/>
-              </a:rPr>
-              <a:t> </a:t>
-            </a:r>
-            <a:r>
-              <a:rPr kumimoji="0" lang="ko-KR" altLang="en-US" sz="1200" dirty="0" smtClean="0">
-                <a:latin typeface="나눔고딕OTF" pitchFamily="34" charset="-127"/>
-                <a:ea typeface="나눔고딕OTF" pitchFamily="34" charset="-127"/>
-                <a:sym typeface="Wingdings" pitchFamily="2" charset="2"/>
-              </a:rPr>
-              <a:t>기록지 출력 버튼을 클릭하면 기록지 출력 프로그램이</a:t>
-            </a:r>
-            <a:r>
-              <a:rPr kumimoji="0" lang="en-US" altLang="ko-KR" sz="1200" dirty="0" smtClean="0">
-                <a:latin typeface="나눔고딕OTF" pitchFamily="34" charset="-127"/>
-                <a:ea typeface="나눔고딕OTF" pitchFamily="34" charset="-127"/>
-                <a:sym typeface="Wingdings" pitchFamily="2" charset="2"/>
-              </a:rPr>
-              <a:t> </a:t>
-            </a:r>
-            <a:r>
-              <a:rPr kumimoji="0" lang="ko-KR" altLang="en-US" sz="1200" dirty="0" smtClean="0">
-                <a:latin typeface="나눔고딕OTF" pitchFamily="34" charset="-127"/>
-                <a:ea typeface="나눔고딕OTF" pitchFamily="34" charset="-127"/>
-                <a:sym typeface="Wingdings" pitchFamily="2" charset="2"/>
-              </a:rPr>
-              <a:t>표시됩니다</a:t>
-            </a:r>
-            <a:r>
-              <a:rPr kumimoji="0" lang="en-US" altLang="ko-KR" sz="1200" dirty="0" smtClean="0">
-                <a:latin typeface="나눔고딕OTF" pitchFamily="34" charset="-127"/>
-                <a:ea typeface="나눔고딕OTF" pitchFamily="34" charset="-127"/>
-                <a:sym typeface="Wingdings" pitchFamily="2" charset="2"/>
-              </a:rPr>
-              <a:t>.</a:t>
-            </a:r>
-            <a:endParaRPr kumimoji="0" lang="en-US" altLang="ko-KR" sz="1200" dirty="0">
-              <a:latin typeface="나눔고딕OTF" pitchFamily="34" charset="-127"/>
-              <a:ea typeface="나눔고딕OTF" pitchFamily="34" charset="-127"/>
-            </a:endParaRPr>
-          </a:p>
-        </p:txBody>
-      </p:sp>
-      <p:sp>
-        <p:nvSpPr>
-          <p:cNvPr id="8" name="직사각형 7"/>
-          <p:cNvSpPr/>
-          <p:nvPr/>
-        </p:nvSpPr>
-        <p:spPr>
-          <a:xfrm>
-            <a:off x="2595546" y="1863316"/>
-            <a:ext cx="2071702" cy="145162"/>
-          </a:xfrm>
-          <a:prstGeom prst="rect">
-            <a:avLst/>
-          </a:prstGeom>
-          <a:noFill/>
-          <a:ln>
-            <a:solidFill>
-              <a:srgbClr val="FF0000"/>
-            </a:solidFill>
-          </a:ln>
-        </p:spPr>
-        <p:style>
-          <a:lnRef idx="2">
-            <a:schemeClr val="accent1">
-              <a:shade val="50000"/>
-            </a:schemeClr>
-          </a:lnRef>
-          <a:fillRef idx="1">
-            <a:schemeClr val="accent1"/>
-          </a:fillRef>
-          <a:effectRef idx="0">
-            <a:schemeClr val="accent1"/>
-          </a:effectRef>
-          <a:fontRef idx="minor">
-            <a:schemeClr val="lt1"/>
-          </a:fontRef>
-        </p:style>
-        <p:txBody>
-          <a:bodyPr anchor="ctr"/>
-          <a:lstStyle/>
-          <a:p>
-            <a:pPr algn="ctr" fontAlgn="auto">
-              <a:spcBef>
-                <a:spcPts val="0"/>
-              </a:spcBef>
-              <a:spcAft>
-                <a:spcPts val="0"/>
-              </a:spcAft>
-              <a:defRPr/>
-            </a:pPr>
-            <a:endParaRPr kumimoji="0" lang="ko-KR" altLang="en-US">
-              <a:latin typeface="나눔고딕OTF" pitchFamily="34" charset="-127"/>
-              <a:ea typeface="나눔고딕OTF" pitchFamily="34" charset="-127"/>
-            </a:endParaRPr>
-          </a:p>
-        </p:txBody>
-      </p:sp>
-    </p:spTree>
-  </p:cSld>
-  <p:clrMapOvr>
-    <a:masterClrMapping/>
-  </p:clrMapOvr>
-  <p:timing>
-    <p:tnLst>
-      <p:par>
-        <p:cTn id="1" dur="indefinite" restart="never" nodeType="tmRoot"/>
-      </p:par>
-    </p:tnLst>
-  </p:timing>
-</p:sld>
-</file>
-
-<file path=ppt/slides/slide25.xml><?xml version="1.0" encoding="utf-8"?>
-<p:sld xmlns:a="http://schemas.openxmlformats.org/drawingml/2006/main" xmlns:r="http://schemas.openxmlformats.org/officeDocument/2006/relationships" xmlns:p="http://schemas.openxmlformats.org/presentationml/2006/main">
-  <p:cSld>
-    <p:spTree>
-      <p:nvGrpSpPr>
-        <p:cNvPr id="1" name=""/>
-        <p:cNvGrpSpPr/>
-        <p:nvPr/>
-      </p:nvGrpSpPr>
-      <p:grpSpPr>
-        <a:xfrm>
-          <a:off x="0" y="0"/>
-          <a:ext cx="0" cy="0"/>
-          <a:chOff x="0" y="0"/>
-          <a:chExt cx="0" cy="0"/>
-        </a:xfrm>
-      </p:grpSpPr>
-      <p:pic>
-        <p:nvPicPr>
-          <p:cNvPr id="26626" name="Picture 2"/>
-          <p:cNvPicPr>
-            <a:picLocks noChangeAspect="1" noChangeArrowheads="1"/>
-          </p:cNvPicPr>
-          <p:nvPr/>
-        </p:nvPicPr>
-        <p:blipFill>
-          <a:blip r:embed="rId2"/>
-          <a:stretch>
-            <a:fillRect/>
-          </a:stretch>
-        </p:blipFill>
-        <p:spPr bwMode="auto">
-          <a:xfrm>
             <a:off x="1523976" y="1392478"/>
             <a:ext cx="6685865" cy="1536456"/>
           </a:xfrm>
@@ -18758,32 +18365,60 @@
               <a:t> </a:t>
             </a:r>
             <a:r>
+              <a:rPr kumimoji="0" lang="ko-KR" altLang="en-US" sz="1200" dirty="0" smtClean="0">
+                <a:latin typeface="나눔고딕OTF" pitchFamily="34" charset="-127"/>
+                <a:ea typeface="나눔고딕OTF" pitchFamily="34" charset="-127"/>
+              </a:rPr>
+              <a:t>위치 </a:t>
+            </a:r>
+            <a:r>
               <a:rPr kumimoji="0" lang="en-US" altLang="ko-KR" sz="1200" dirty="0" smtClean="0">
                 <a:latin typeface="나눔고딕OTF" pitchFamily="34" charset="-127"/>
                 <a:ea typeface="나눔고딕OTF" pitchFamily="34" charset="-127"/>
               </a:rPr>
-              <a:t>- </a:t>
+              <a:t>: </a:t>
             </a:r>
             <a:r>
               <a:rPr kumimoji="0" lang="ko-KR" altLang="en-US" sz="1200" dirty="0" err="1" smtClean="0">
                 <a:latin typeface="나눔고딕OTF" pitchFamily="34" charset="-127"/>
                 <a:ea typeface="나눔고딕OTF" pitchFamily="34" charset="-127"/>
               </a:rPr>
-              <a:t>검진자를</a:t>
+              <a:t>메인화면</a:t>
             </a:r>
             <a:r>
               <a:rPr kumimoji="0" lang="ko-KR" altLang="en-US" sz="1200" dirty="0" smtClean="0">
                 <a:latin typeface="나눔고딕OTF" pitchFamily="34" charset="-127"/>
                 <a:ea typeface="나눔고딕OTF" pitchFamily="34" charset="-127"/>
               </a:rPr>
-              <a:t> 조회하여 기록지를 출력합니다</a:t>
+              <a:t> </a:t>
             </a:r>
             <a:r>
               <a:rPr kumimoji="0" lang="en-US" altLang="ko-KR" sz="1200" dirty="0" smtClean="0">
                 <a:latin typeface="나눔고딕OTF" pitchFamily="34" charset="-127"/>
                 <a:ea typeface="나눔고딕OTF" pitchFamily="34" charset="-127"/>
               </a:rPr>
-              <a:t>.</a:t>
+              <a:t>– </a:t>
+            </a:r>
+            <a:r>
+              <a:rPr kumimoji="0" lang="ko-KR" altLang="en-US" sz="1200" dirty="0" smtClean="0">
+                <a:latin typeface="나눔고딕OTF" pitchFamily="34" charset="-127"/>
+                <a:ea typeface="나눔고딕OTF" pitchFamily="34" charset="-127"/>
+              </a:rPr>
+              <a:t>건강검진 </a:t>
+            </a:r>
+            <a:r>
+              <a:rPr kumimoji="0" lang="en-US" altLang="ko-KR" sz="1200" dirty="0" smtClean="0">
+                <a:latin typeface="나눔고딕OTF" pitchFamily="34" charset="-127"/>
+                <a:ea typeface="나눔고딕OTF" pitchFamily="34" charset="-127"/>
+              </a:rPr>
+              <a:t>– </a:t>
+            </a:r>
+            <a:r>
+              <a:rPr kumimoji="0" lang="ko-KR" altLang="en-US" sz="1200" dirty="0" smtClean="0">
+                <a:latin typeface="나눔고딕OTF" pitchFamily="34" charset="-127"/>
+                <a:ea typeface="나눔고딕OTF" pitchFamily="34" charset="-127"/>
+              </a:rPr>
+              <a:t>기록지 출력</a:t>
             </a:r>
             <a:endParaRPr kumimoji="0" lang="en-US" altLang="ko-KR" sz="1200" dirty="0">
               <a:latin typeface="나눔고딕OTF" pitchFamily="34" charset="-127"/>
@@ -20337,6 +19972,1512 @@
               <a:solidFill>
                 <a:schemeClr val="tx1"/>
               </a:solidFill>
+            </a:endParaRPr>
+          </a:p>
+        </p:txBody>
+      </p:sp>
+    </p:spTree>
+  </p:cSld>
+  <p:clrMapOvr>
+    <a:masterClrMapping/>
+  </p:clrMapOvr>
+  <p:timing>
+    <p:tnLst>
+      <p:par>
+        <p:cTn id="1" dur="indefinite" restart="never" nodeType="tmRoot"/>
+      </p:par>
+    </p:tnLst>
+  </p:timing>
+</p:sld>
+</file>
+
+<file path=ppt/slides/slide25.xml><?xml version="1.0" encoding="utf-8"?>
+<p:sld xmlns:a="http://schemas.openxmlformats.org/drawingml/2006/main" xmlns:r="http://schemas.openxmlformats.org/officeDocument/2006/relationships" xmlns:p="http://schemas.openxmlformats.org/presentationml/2006/main">
+  <p:cSld>
+    <p:spTree>
+      <p:nvGrpSpPr>
+        <p:cNvPr id="1" name=""/>
+        <p:cNvGrpSpPr/>
+        <p:nvPr/>
+      </p:nvGrpSpPr>
+      <p:grpSpPr>
+        <a:xfrm>
+          <a:off x="0" y="0"/>
+          <a:ext cx="0" cy="0"/>
+          <a:chOff x="0" y="0"/>
+          <a:chExt cx="0" cy="0"/>
+        </a:xfrm>
+      </p:grpSpPr>
+      <p:pic>
+        <p:nvPicPr>
+          <p:cNvPr id="22530" name="Picture 8"/>
+          <p:cNvPicPr>
+            <a:picLocks noChangeAspect="1" noChangeArrowheads="1"/>
+          </p:cNvPicPr>
+          <p:nvPr/>
+        </p:nvPicPr>
+        <p:blipFill>
+          <a:blip r:embed="rId2"/>
+          <a:stretch>
+            <a:fillRect/>
+          </a:stretch>
+        </p:blipFill>
+        <p:spPr bwMode="auto">
+          <a:xfrm>
+            <a:off x="611900" y="1844555"/>
+            <a:ext cx="5916775" cy="4026140"/>
+          </a:xfrm>
+          <a:prstGeom prst="rect">
+            <a:avLst/>
+          </a:prstGeom>
+          <a:noFill/>
+          <a:ln w="9525">
+            <a:noFill/>
+            <a:miter lim="800000"/>
+            <a:headEnd/>
+            <a:tailEnd/>
+          </a:ln>
+        </p:spPr>
+      </p:pic>
+      <p:sp>
+        <p:nvSpPr>
+          <p:cNvPr id="6" name="TextBox 5"/>
+          <p:cNvSpPr txBox="1"/>
+          <p:nvPr/>
+        </p:nvSpPr>
+        <p:spPr>
+          <a:xfrm>
+            <a:off x="1497013" y="282575"/>
+            <a:ext cx="2419252" cy="369332"/>
+          </a:xfrm>
+          <a:prstGeom prst="rect">
+            <a:avLst/>
+          </a:prstGeom>
+          <a:noFill/>
+        </p:spPr>
+        <p:txBody>
+          <a:bodyPr wrap="none">
+            <a:spAutoFit/>
+          </a:bodyPr>
+          <a:lstStyle/>
+          <a:p>
+            <a:pPr fontAlgn="auto">
+              <a:spcBef>
+                <a:spcPts val="0"/>
+              </a:spcBef>
+              <a:spcAft>
+                <a:spcPts val="0"/>
+              </a:spcAft>
+              <a:defRPr/>
+            </a:pPr>
+            <a:r>
+              <a:rPr kumimoji="0" lang="ko-KR" altLang="en-US" dirty="0" smtClean="0">
+                <a:solidFill>
+                  <a:schemeClr val="bg1">
+                    <a:lumMod val="50000"/>
+                  </a:schemeClr>
+                </a:solidFill>
+                <a:latin typeface="나눔고딕OTF ExtraBold" pitchFamily="34" charset="-127"/>
+                <a:ea typeface="나눔고딕OTF ExtraBold" pitchFamily="34" charset="-127"/>
+              </a:rPr>
+              <a:t>건강검진 </a:t>
+            </a:r>
+            <a:r>
+              <a:rPr kumimoji="0" lang="en-US" altLang="ko-KR" dirty="0" smtClean="0">
+                <a:solidFill>
+                  <a:schemeClr val="bg1">
+                    <a:lumMod val="50000"/>
+                  </a:schemeClr>
+                </a:solidFill>
+                <a:latin typeface="나눔고딕OTF ExtraBold" pitchFamily="34" charset="-127"/>
+                <a:ea typeface="나눔고딕OTF ExtraBold" pitchFamily="34" charset="-127"/>
+              </a:rPr>
+              <a:t>– </a:t>
+            </a:r>
+            <a:r>
+              <a:rPr kumimoji="0" lang="ko-KR" altLang="en-US" dirty="0" smtClean="0">
+                <a:solidFill>
+                  <a:schemeClr val="bg1">
+                    <a:lumMod val="50000"/>
+                  </a:schemeClr>
+                </a:solidFill>
+                <a:latin typeface="나눔고딕OTF ExtraBold" pitchFamily="34" charset="-127"/>
+                <a:ea typeface="나눔고딕OTF ExtraBold" pitchFamily="34" charset="-127"/>
+              </a:rPr>
+              <a:t>통보서 출력</a:t>
+            </a:r>
+          </a:p>
+        </p:txBody>
+      </p:sp>
+      <p:sp>
+        <p:nvSpPr>
+          <p:cNvPr id="22535" name="TextBox 4"/>
+          <p:cNvSpPr txBox="1">
+            <a:spLocks noChangeArrowheads="1"/>
+          </p:cNvSpPr>
+          <p:nvPr/>
+        </p:nvSpPr>
+        <p:spPr bwMode="auto">
+          <a:xfrm>
+            <a:off x="6524625" y="1593850"/>
+            <a:ext cx="3108325" cy="3785652"/>
+          </a:xfrm>
+          <a:prstGeom prst="rect">
+            <a:avLst/>
+          </a:prstGeom>
+          <a:noFill/>
+          <a:ln w="9525">
+            <a:noFill/>
+            <a:miter lim="800000"/>
+            <a:headEnd/>
+            <a:tailEnd/>
+          </a:ln>
+        </p:spPr>
+        <p:txBody>
+          <a:bodyPr>
+            <a:spAutoFit/>
+          </a:bodyPr>
+          <a:lstStyle/>
+          <a:p>
+            <a:pPr marL="228600" indent="-228600">
+              <a:lnSpc>
+                <a:spcPct val="120000"/>
+              </a:lnSpc>
+              <a:buFontTx/>
+              <a:buAutoNum type="arabicParenR"/>
+            </a:pPr>
+            <a:r>
+              <a:rPr kumimoji="0" lang="ko-KR" altLang="en-US" sz="1000" b="1" dirty="0" err="1" smtClean="0">
+                <a:latin typeface="나눔고딕OTF" pitchFamily="34" charset="-127"/>
+                <a:ea typeface="나눔고딕OTF" pitchFamily="34" charset="-127"/>
+              </a:rPr>
+              <a:t>검진자</a:t>
+            </a:r>
+            <a:r>
+              <a:rPr kumimoji="0" lang="ko-KR" altLang="en-US" sz="1000" b="1" dirty="0" smtClean="0">
+                <a:latin typeface="나눔고딕OTF" pitchFamily="34" charset="-127"/>
+                <a:ea typeface="나눔고딕OTF" pitchFamily="34" charset="-127"/>
+              </a:rPr>
+              <a:t> 조회 조건 및 출력옵션 설정</a:t>
+            </a:r>
+            <a:endParaRPr kumimoji="0" lang="en-US" altLang="ko-KR" sz="1000" b="1" dirty="0" smtClean="0">
+              <a:latin typeface="나눔고딕OTF" pitchFamily="34" charset="-127"/>
+              <a:ea typeface="나눔고딕OTF" pitchFamily="34" charset="-127"/>
+            </a:endParaRPr>
+          </a:p>
+          <a:p>
+            <a:pPr marL="228600" indent="-228600">
+              <a:lnSpc>
+                <a:spcPct val="120000"/>
+              </a:lnSpc>
+            </a:pPr>
+            <a:r>
+              <a:rPr kumimoji="0" lang="en-US" altLang="ko-KR" sz="1000" dirty="0" smtClean="0">
+                <a:latin typeface="나눔고딕OTF" pitchFamily="34" charset="-127"/>
+                <a:ea typeface="나눔고딕OTF" pitchFamily="34" charset="-127"/>
+              </a:rPr>
+              <a:t>   - </a:t>
+            </a:r>
+            <a:r>
+              <a:rPr kumimoji="0" lang="ko-KR" altLang="en-US" sz="1000" dirty="0" smtClean="0">
+                <a:latin typeface="나눔고딕OTF" pitchFamily="34" charset="-127"/>
+                <a:ea typeface="나눔고딕OTF" pitchFamily="34" charset="-127"/>
+              </a:rPr>
+              <a:t>검색할 </a:t>
+            </a:r>
+            <a:r>
+              <a:rPr kumimoji="0" lang="ko-KR" altLang="en-US" sz="1000" dirty="0" err="1" smtClean="0">
+                <a:latin typeface="나눔고딕OTF" pitchFamily="34" charset="-127"/>
+                <a:ea typeface="나눔고딕OTF" pitchFamily="34" charset="-127"/>
+              </a:rPr>
+              <a:t>검진자들의</a:t>
+            </a:r>
+            <a:r>
+              <a:rPr kumimoji="0" lang="ko-KR" altLang="en-US" sz="1000" dirty="0" smtClean="0">
+                <a:latin typeface="나눔고딕OTF" pitchFamily="34" charset="-127"/>
+                <a:ea typeface="나눔고딕OTF" pitchFamily="34" charset="-127"/>
+              </a:rPr>
+              <a:t> </a:t>
+            </a:r>
+            <a:r>
+              <a:rPr kumimoji="0" lang="ko-KR" altLang="en-US" sz="1000" dirty="0" err="1" smtClean="0">
+                <a:latin typeface="나눔고딕OTF" pitchFamily="34" charset="-127"/>
+                <a:ea typeface="나눔고딕OTF" pitchFamily="34" charset="-127"/>
+              </a:rPr>
+              <a:t>인적정보를</a:t>
+            </a:r>
+            <a:r>
+              <a:rPr kumimoji="0" lang="ko-KR" altLang="en-US" sz="1000" dirty="0" smtClean="0">
+                <a:latin typeface="나눔고딕OTF" pitchFamily="34" charset="-127"/>
+                <a:ea typeface="나눔고딕OTF" pitchFamily="34" charset="-127"/>
+              </a:rPr>
+              <a:t> 입력합니다</a:t>
+            </a:r>
+            <a:r>
+              <a:rPr kumimoji="0" lang="en-US" altLang="ko-KR" sz="1000" dirty="0" smtClean="0">
+                <a:latin typeface="나눔고딕OTF" pitchFamily="34" charset="-127"/>
+                <a:ea typeface="나눔고딕OTF" pitchFamily="34" charset="-127"/>
+              </a:rPr>
+              <a:t>.</a:t>
+            </a:r>
+          </a:p>
+          <a:p>
+            <a:pPr marL="228600" indent="-228600">
+              <a:lnSpc>
+                <a:spcPct val="120000"/>
+              </a:lnSpc>
+            </a:pPr>
+            <a:r>
+              <a:rPr kumimoji="0" lang="en-US" altLang="ko-KR" sz="1000" dirty="0" smtClean="0">
+                <a:latin typeface="나눔고딕OTF" pitchFamily="34" charset="-127"/>
+                <a:ea typeface="나눔고딕OTF" pitchFamily="34" charset="-127"/>
+              </a:rPr>
+              <a:t>   </a:t>
+            </a:r>
+            <a:r>
+              <a:rPr kumimoji="0" lang="en-US" altLang="ko-KR" sz="1000" dirty="0" smtClean="0">
+                <a:solidFill>
+                  <a:srgbClr val="FF0000"/>
+                </a:solidFill>
+                <a:latin typeface="나눔고딕OTF" pitchFamily="34" charset="-127"/>
+                <a:ea typeface="나눔고딕OTF" pitchFamily="34" charset="-127"/>
+              </a:rPr>
+              <a:t>* </a:t>
+            </a:r>
+            <a:r>
+              <a:rPr kumimoji="0" lang="ko-KR" altLang="en-US" sz="1000" dirty="0" smtClean="0">
+                <a:solidFill>
+                  <a:srgbClr val="FF0000"/>
+                </a:solidFill>
+                <a:latin typeface="나눔고딕OTF" pitchFamily="34" charset="-127"/>
+                <a:ea typeface="나눔고딕OTF" pitchFamily="34" charset="-127"/>
+              </a:rPr>
+              <a:t>건강검진 대상자는</a:t>
+            </a:r>
+            <a:r>
+              <a:rPr kumimoji="0" lang="en-US" altLang="ko-KR" sz="1000" dirty="0" smtClean="0">
+                <a:solidFill>
+                  <a:srgbClr val="FF0000"/>
+                </a:solidFill>
+                <a:latin typeface="나눔고딕OTF" pitchFamily="34" charset="-127"/>
+                <a:ea typeface="나눔고딕OTF" pitchFamily="34" charset="-127"/>
+              </a:rPr>
+              <a:t> </a:t>
+            </a:r>
+            <a:r>
+              <a:rPr kumimoji="0" lang="ko-KR" altLang="en-US" sz="1000" dirty="0" smtClean="0">
+                <a:solidFill>
+                  <a:srgbClr val="FF0000"/>
+                </a:solidFill>
+                <a:latin typeface="나눔고딕OTF" pitchFamily="34" charset="-127"/>
+                <a:ea typeface="나눔고딕OTF" pitchFamily="34" charset="-127"/>
+              </a:rPr>
+              <a:t>판정 완료자만 조회합니다</a:t>
+            </a:r>
+            <a:r>
+              <a:rPr kumimoji="0" lang="en-US" altLang="ko-KR" sz="1000" dirty="0" smtClean="0">
+                <a:solidFill>
+                  <a:srgbClr val="FF0000"/>
+                </a:solidFill>
+                <a:latin typeface="나눔고딕OTF" pitchFamily="34" charset="-127"/>
+                <a:ea typeface="나눔고딕OTF" pitchFamily="34" charset="-127"/>
+              </a:rPr>
+              <a:t>.</a:t>
+            </a:r>
+          </a:p>
+          <a:p>
+            <a:pPr marL="228600" indent="-228600">
+              <a:lnSpc>
+                <a:spcPct val="120000"/>
+              </a:lnSpc>
+            </a:pPr>
+            <a:r>
+              <a:rPr kumimoji="0" lang="en-US" altLang="ko-KR" sz="1000" dirty="0" smtClean="0">
+                <a:latin typeface="나눔고딕OTF" pitchFamily="34" charset="-127"/>
+                <a:ea typeface="나눔고딕OTF" pitchFamily="34" charset="-127"/>
+              </a:rPr>
+              <a:t>   </a:t>
+            </a:r>
+            <a:r>
+              <a:rPr kumimoji="0" lang="en-US" altLang="ko-KR" sz="1000" dirty="0" smtClean="0">
+                <a:solidFill>
+                  <a:srgbClr val="FF0000"/>
+                </a:solidFill>
+                <a:latin typeface="나눔고딕OTF" pitchFamily="34" charset="-127"/>
+                <a:ea typeface="나눔고딕OTF" pitchFamily="34" charset="-127"/>
+              </a:rPr>
+              <a:t>* </a:t>
+            </a:r>
+            <a:r>
+              <a:rPr kumimoji="0" lang="ko-KR" altLang="en-US" sz="1000" dirty="0" err="1" smtClean="0">
+                <a:solidFill>
+                  <a:srgbClr val="FF0000"/>
+                </a:solidFill>
+                <a:latin typeface="나눔고딕OTF" pitchFamily="34" charset="-127"/>
+                <a:ea typeface="나눔고딕OTF" pitchFamily="34" charset="-127"/>
+              </a:rPr>
+              <a:t>암검진</a:t>
+            </a:r>
+            <a:r>
+              <a:rPr kumimoji="0" lang="ko-KR" altLang="en-US" sz="1000" dirty="0" smtClean="0">
+                <a:solidFill>
+                  <a:srgbClr val="FF0000"/>
+                </a:solidFill>
+                <a:latin typeface="나눔고딕OTF" pitchFamily="34" charset="-127"/>
+                <a:ea typeface="나눔고딕OTF" pitchFamily="34" charset="-127"/>
+              </a:rPr>
+              <a:t> 대상자는 완료 처리된 검진자만 조회합니다</a:t>
+            </a:r>
+            <a:r>
+              <a:rPr kumimoji="0" lang="en-US" altLang="ko-KR" sz="1000" dirty="0" smtClean="0">
+                <a:solidFill>
+                  <a:srgbClr val="FF0000"/>
+                </a:solidFill>
+                <a:latin typeface="나눔고딕OTF" pitchFamily="34" charset="-127"/>
+                <a:ea typeface="나눔고딕OTF" pitchFamily="34" charset="-127"/>
+              </a:rPr>
+              <a:t>.</a:t>
+            </a:r>
+          </a:p>
+          <a:p>
+            <a:pPr marL="228600" indent="-228600">
+              <a:lnSpc>
+                <a:spcPct val="120000"/>
+              </a:lnSpc>
+            </a:pPr>
+            <a:endParaRPr kumimoji="0" lang="en-US" altLang="ko-KR" sz="1000" dirty="0" smtClean="0">
+              <a:solidFill>
+                <a:srgbClr val="FF0000"/>
+              </a:solidFill>
+              <a:latin typeface="나눔고딕OTF" pitchFamily="34" charset="-127"/>
+              <a:ea typeface="나눔고딕OTF" pitchFamily="34" charset="-127"/>
+            </a:endParaRPr>
+          </a:p>
+          <a:p>
+            <a:pPr marL="228600" indent="-228600">
+              <a:lnSpc>
+                <a:spcPct val="120000"/>
+              </a:lnSpc>
+            </a:pPr>
+            <a:r>
+              <a:rPr kumimoji="0" lang="en-US" altLang="ko-KR" sz="1000" dirty="0" smtClean="0">
+                <a:latin typeface="나눔고딕OTF" pitchFamily="34" charset="-127"/>
+                <a:ea typeface="나눔고딕OTF" pitchFamily="34" charset="-127"/>
+              </a:rPr>
+              <a:t>   - </a:t>
+            </a:r>
+            <a:r>
+              <a:rPr kumimoji="0" lang="ko-KR" altLang="en-US" sz="1000" dirty="0" err="1" smtClean="0">
+                <a:latin typeface="나눔고딕OTF" pitchFamily="34" charset="-127"/>
+                <a:ea typeface="나눔고딕OTF" pitchFamily="34" charset="-127"/>
+              </a:rPr>
+              <a:t>참고치년도</a:t>
+            </a:r>
+            <a:r>
+              <a:rPr kumimoji="0" lang="ko-KR" altLang="en-US" sz="1000" dirty="0" smtClean="0">
+                <a:latin typeface="나눔고딕OTF" pitchFamily="34" charset="-127"/>
+                <a:ea typeface="나눔고딕OTF" pitchFamily="34" charset="-127"/>
+              </a:rPr>
+              <a:t> </a:t>
+            </a:r>
+            <a:r>
+              <a:rPr kumimoji="0" lang="en-US" altLang="ko-KR" sz="1000" dirty="0" smtClean="0">
+                <a:latin typeface="나눔고딕OTF" pitchFamily="34" charset="-127"/>
+                <a:ea typeface="나눔고딕OTF" pitchFamily="34" charset="-127"/>
+              </a:rPr>
+              <a:t>: </a:t>
+            </a:r>
+            <a:r>
+              <a:rPr kumimoji="0" lang="ko-KR" altLang="en-US" sz="1000" dirty="0" err="1" smtClean="0">
+                <a:latin typeface="나눔고딕OTF" pitchFamily="34" charset="-127"/>
+                <a:ea typeface="나눔고딕OTF" pitchFamily="34" charset="-127"/>
+              </a:rPr>
+              <a:t>통보서에</a:t>
+            </a:r>
+            <a:r>
+              <a:rPr kumimoji="0" lang="ko-KR" altLang="en-US" sz="1000" dirty="0" smtClean="0">
+                <a:latin typeface="나눔고딕OTF" pitchFamily="34" charset="-127"/>
+                <a:ea typeface="나눔고딕OTF" pitchFamily="34" charset="-127"/>
+              </a:rPr>
+              <a:t> 적용할 검진항목들의 참고치 년도를 선택합니다</a:t>
+            </a:r>
+            <a:r>
+              <a:rPr kumimoji="0" lang="en-US" altLang="ko-KR" sz="1000" dirty="0" smtClean="0">
+                <a:latin typeface="나눔고딕OTF" pitchFamily="34" charset="-127"/>
+                <a:ea typeface="나눔고딕OTF" pitchFamily="34" charset="-127"/>
+              </a:rPr>
+              <a:t>.</a:t>
+            </a:r>
+          </a:p>
+          <a:p>
+            <a:pPr marL="228600" indent="-228600">
+              <a:lnSpc>
+                <a:spcPct val="120000"/>
+              </a:lnSpc>
+            </a:pPr>
+            <a:r>
+              <a:rPr kumimoji="0" lang="en-US" altLang="ko-KR" sz="1000" dirty="0" smtClean="0">
+                <a:latin typeface="나눔고딕OTF" pitchFamily="34" charset="-127"/>
+                <a:ea typeface="나눔고딕OTF" pitchFamily="34" charset="-127"/>
+              </a:rPr>
+              <a:t>   </a:t>
+            </a:r>
+            <a:r>
+              <a:rPr kumimoji="0" lang="en-US" altLang="ko-KR" sz="1000" dirty="0" smtClean="0">
+                <a:solidFill>
+                  <a:srgbClr val="FF0000"/>
+                </a:solidFill>
+                <a:latin typeface="나눔고딕OTF" pitchFamily="34" charset="-127"/>
+                <a:ea typeface="나눔고딕OTF" pitchFamily="34" charset="-127"/>
+              </a:rPr>
+              <a:t>* </a:t>
+            </a:r>
+            <a:r>
+              <a:rPr kumimoji="0" lang="ko-KR" altLang="en-US" sz="1000" dirty="0" smtClean="0">
+                <a:solidFill>
+                  <a:srgbClr val="FF0000"/>
+                </a:solidFill>
+                <a:latin typeface="나눔고딕OTF" pitchFamily="34" charset="-127"/>
+                <a:ea typeface="나눔고딕OTF" pitchFamily="34" charset="-127"/>
+              </a:rPr>
+              <a:t>메인 </a:t>
+            </a:r>
+            <a:r>
+              <a:rPr kumimoji="0" lang="en-US" altLang="ko-KR" sz="1000" dirty="0" smtClean="0">
+                <a:solidFill>
+                  <a:srgbClr val="FF0000"/>
+                </a:solidFill>
+                <a:latin typeface="나눔고딕OTF" pitchFamily="34" charset="-127"/>
+                <a:ea typeface="나눔고딕OTF" pitchFamily="34" charset="-127"/>
+              </a:rPr>
+              <a:t>– </a:t>
+            </a:r>
+            <a:r>
+              <a:rPr kumimoji="0" lang="ko-KR" altLang="en-US" sz="1000" dirty="0" smtClean="0">
+                <a:solidFill>
+                  <a:srgbClr val="FF0000"/>
+                </a:solidFill>
+                <a:latin typeface="나눔고딕OTF" pitchFamily="34" charset="-127"/>
+                <a:ea typeface="나눔고딕OTF" pitchFamily="34" charset="-127"/>
+              </a:rPr>
+              <a:t>코드관리 </a:t>
+            </a:r>
+            <a:r>
+              <a:rPr kumimoji="0" lang="en-US" altLang="ko-KR" sz="1000" dirty="0" smtClean="0">
+                <a:solidFill>
+                  <a:srgbClr val="FF0000"/>
+                </a:solidFill>
+                <a:latin typeface="나눔고딕OTF" pitchFamily="34" charset="-127"/>
+                <a:ea typeface="나눔고딕OTF" pitchFamily="34" charset="-127"/>
+              </a:rPr>
+              <a:t>– </a:t>
+            </a:r>
+            <a:r>
+              <a:rPr kumimoji="0" lang="ko-KR" altLang="en-US" sz="1000" dirty="0" smtClean="0">
+                <a:solidFill>
+                  <a:srgbClr val="FF0000"/>
+                </a:solidFill>
+                <a:latin typeface="나눔고딕OTF" pitchFamily="34" charset="-127"/>
+                <a:ea typeface="나눔고딕OTF" pitchFamily="34" charset="-127"/>
+              </a:rPr>
+              <a:t>건강검진 항목설정 에서 확인</a:t>
+            </a:r>
+            <a:r>
+              <a:rPr kumimoji="0" lang="en-US" altLang="ko-KR" sz="1000" dirty="0" smtClean="0">
+                <a:solidFill>
+                  <a:srgbClr val="FF0000"/>
+                </a:solidFill>
+                <a:latin typeface="나눔고딕OTF" pitchFamily="34" charset="-127"/>
+                <a:ea typeface="나눔고딕OTF" pitchFamily="34" charset="-127"/>
+              </a:rPr>
+              <a:t>.</a:t>
+            </a:r>
+          </a:p>
+          <a:p>
+            <a:pPr marL="228600" indent="-228600">
+              <a:lnSpc>
+                <a:spcPct val="120000"/>
+              </a:lnSpc>
+            </a:pPr>
+            <a:endParaRPr kumimoji="0" lang="en-US" altLang="ko-KR" sz="1000" dirty="0" smtClean="0">
+              <a:solidFill>
+                <a:srgbClr val="FF0000"/>
+              </a:solidFill>
+              <a:latin typeface="나눔고딕OTF" pitchFamily="34" charset="-127"/>
+              <a:ea typeface="나눔고딕OTF" pitchFamily="34" charset="-127"/>
+            </a:endParaRPr>
+          </a:p>
+          <a:p>
+            <a:pPr marL="228600" indent="-228600">
+              <a:lnSpc>
+                <a:spcPct val="120000"/>
+              </a:lnSpc>
+            </a:pPr>
+            <a:r>
+              <a:rPr kumimoji="0" lang="en-US" altLang="ko-KR" sz="1000" dirty="0" smtClean="0">
+                <a:solidFill>
+                  <a:srgbClr val="FF0000"/>
+                </a:solidFill>
+                <a:latin typeface="나눔고딕OTF" pitchFamily="34" charset="-127"/>
+                <a:ea typeface="나눔고딕OTF" pitchFamily="34" charset="-127"/>
+              </a:rPr>
+              <a:t>   </a:t>
+            </a:r>
+            <a:r>
+              <a:rPr kumimoji="0" lang="en-US" altLang="ko-KR" sz="1000" dirty="0" smtClean="0">
+                <a:latin typeface="나눔고딕OTF" pitchFamily="34" charset="-127"/>
+                <a:ea typeface="나눔고딕OTF" pitchFamily="34" charset="-127"/>
+              </a:rPr>
+              <a:t>- “</a:t>
+            </a:r>
+            <a:r>
+              <a:rPr kumimoji="0" lang="ko-KR" altLang="en-US" sz="1000" dirty="0" smtClean="0">
+                <a:latin typeface="나눔고딕OTF" pitchFamily="34" charset="-127"/>
+                <a:ea typeface="나눔고딕OTF" pitchFamily="34" charset="-127"/>
+              </a:rPr>
+              <a:t>결과지</a:t>
+            </a:r>
+            <a:r>
+              <a:rPr kumimoji="0" lang="en-US" altLang="ko-KR" sz="1000" dirty="0" smtClean="0">
+                <a:latin typeface="나눔고딕OTF" pitchFamily="34" charset="-127"/>
+                <a:ea typeface="나눔고딕OTF" pitchFamily="34" charset="-127"/>
+              </a:rPr>
+              <a:t>” : </a:t>
+            </a:r>
+            <a:r>
+              <a:rPr kumimoji="0" lang="ko-KR" altLang="en-US" sz="1000" dirty="0" smtClean="0">
+                <a:latin typeface="나눔고딕OTF" pitchFamily="34" charset="-127"/>
+                <a:ea typeface="나눔고딕OTF" pitchFamily="34" charset="-127"/>
+              </a:rPr>
+              <a:t>출력할 결과지 형태를 설정합니다</a:t>
+            </a:r>
+            <a:r>
+              <a:rPr kumimoji="0" lang="en-US" altLang="ko-KR" sz="1000" dirty="0" smtClean="0">
+                <a:latin typeface="나눔고딕OTF" pitchFamily="34" charset="-127"/>
+                <a:ea typeface="나눔고딕OTF" pitchFamily="34" charset="-127"/>
+              </a:rPr>
+              <a:t>.</a:t>
+            </a:r>
+          </a:p>
+          <a:p>
+            <a:pPr marL="228600" indent="-228600">
+              <a:lnSpc>
+                <a:spcPct val="120000"/>
+              </a:lnSpc>
+            </a:pPr>
+            <a:r>
+              <a:rPr kumimoji="0" lang="en-US" altLang="ko-KR" sz="1000" dirty="0" smtClean="0">
+                <a:solidFill>
+                  <a:srgbClr val="FF0000"/>
+                </a:solidFill>
+                <a:latin typeface="나눔고딕OTF" pitchFamily="34" charset="-127"/>
+                <a:ea typeface="나눔고딕OTF" pitchFamily="34" charset="-127"/>
+              </a:rPr>
+              <a:t>   * </a:t>
+            </a:r>
+            <a:r>
+              <a:rPr kumimoji="0" lang="ko-KR" altLang="en-US" sz="1000" dirty="0" err="1" smtClean="0">
+                <a:solidFill>
+                  <a:srgbClr val="FF0000"/>
+                </a:solidFill>
+                <a:latin typeface="나눔고딕OTF" pitchFamily="34" charset="-127"/>
+                <a:ea typeface="나눔고딕OTF" pitchFamily="34" charset="-127"/>
+              </a:rPr>
+              <a:t>창결과지</a:t>
+            </a:r>
+            <a:r>
+              <a:rPr kumimoji="0" lang="en-US" altLang="ko-KR" sz="1000" dirty="0" smtClean="0">
+                <a:solidFill>
+                  <a:srgbClr val="FF0000"/>
+                </a:solidFill>
+                <a:latin typeface="나눔고딕OTF" pitchFamily="34" charset="-127"/>
+                <a:ea typeface="나눔고딕OTF" pitchFamily="34" charset="-127"/>
+              </a:rPr>
+              <a:t>, </a:t>
+            </a:r>
+            <a:r>
+              <a:rPr kumimoji="0" lang="ko-KR" altLang="en-US" sz="1000" dirty="0" err="1" smtClean="0">
+                <a:solidFill>
+                  <a:srgbClr val="FF0000"/>
+                </a:solidFill>
+                <a:latin typeface="나눔고딕OTF" pitchFamily="34" charset="-127"/>
+                <a:ea typeface="나눔고딕OTF" pitchFamily="34" charset="-127"/>
+              </a:rPr>
+              <a:t>창결과지</a:t>
+            </a:r>
+            <a:r>
+              <a:rPr kumimoji="0" lang="en-US" altLang="ko-KR" sz="1000" dirty="0" smtClean="0">
+                <a:solidFill>
+                  <a:srgbClr val="FF0000"/>
+                </a:solidFill>
+                <a:latin typeface="나눔고딕OTF" pitchFamily="34" charset="-127"/>
+                <a:ea typeface="나눔고딕OTF" pitchFamily="34" charset="-127"/>
+              </a:rPr>
+              <a:t>(</a:t>
+            </a:r>
+            <a:r>
+              <a:rPr kumimoji="0" lang="ko-KR" altLang="en-US" sz="1000" dirty="0" err="1" smtClean="0">
+                <a:solidFill>
+                  <a:srgbClr val="FF0000"/>
+                </a:solidFill>
+                <a:latin typeface="나눔고딕OTF" pitchFamily="34" charset="-127"/>
+                <a:ea typeface="나눔고딕OTF" pitchFamily="34" charset="-127"/>
+              </a:rPr>
+              <a:t>폼지</a:t>
+            </a:r>
+            <a:r>
+              <a:rPr kumimoji="0" lang="en-US" altLang="ko-KR" sz="1000" dirty="0" smtClean="0">
+                <a:solidFill>
+                  <a:srgbClr val="FF0000"/>
+                </a:solidFill>
+                <a:latin typeface="나눔고딕OTF" pitchFamily="34" charset="-127"/>
+                <a:ea typeface="나눔고딕OTF" pitchFamily="34" charset="-127"/>
+              </a:rPr>
+              <a:t>), A4</a:t>
+            </a:r>
+            <a:r>
+              <a:rPr kumimoji="0" lang="ko-KR" altLang="en-US" sz="1000" dirty="0" smtClean="0">
+                <a:solidFill>
+                  <a:srgbClr val="FF0000"/>
+                </a:solidFill>
+                <a:latin typeface="나눔고딕OTF" pitchFamily="34" charset="-127"/>
+                <a:ea typeface="나눔고딕OTF" pitchFamily="34" charset="-127"/>
+              </a:rPr>
+              <a:t>용지 중 선택</a:t>
+            </a:r>
+            <a:r>
+              <a:rPr kumimoji="0" lang="en-US" altLang="ko-KR" sz="1000" dirty="0" smtClean="0">
+                <a:solidFill>
+                  <a:srgbClr val="FF0000"/>
+                </a:solidFill>
+                <a:latin typeface="나눔고딕OTF" pitchFamily="34" charset="-127"/>
+                <a:ea typeface="나눔고딕OTF" pitchFamily="34" charset="-127"/>
+              </a:rPr>
+              <a:t>.</a:t>
+            </a:r>
+          </a:p>
+          <a:p>
+            <a:pPr marL="228600" indent="-228600">
+              <a:lnSpc>
+                <a:spcPct val="120000"/>
+              </a:lnSpc>
+            </a:pPr>
+            <a:r>
+              <a:rPr kumimoji="0" lang="en-US" altLang="ko-KR" sz="1000" dirty="0" smtClean="0">
+                <a:solidFill>
+                  <a:srgbClr val="FF0000"/>
+                </a:solidFill>
+                <a:latin typeface="나눔고딕OTF" pitchFamily="34" charset="-127"/>
+                <a:ea typeface="나눔고딕OTF" pitchFamily="34" charset="-127"/>
+              </a:rPr>
+              <a:t>   </a:t>
+            </a:r>
+            <a:r>
+              <a:rPr kumimoji="0" lang="en-US" altLang="ko-KR" sz="1000" dirty="0" smtClean="0">
+                <a:latin typeface="나눔고딕OTF" pitchFamily="34" charset="-127"/>
+                <a:ea typeface="나눔고딕OTF" pitchFamily="34" charset="-127"/>
+              </a:rPr>
+              <a:t>- “</a:t>
+            </a:r>
+            <a:r>
+              <a:rPr kumimoji="0" lang="ko-KR" altLang="en-US" sz="1000" dirty="0" smtClean="0">
+                <a:latin typeface="나눔고딕OTF" pitchFamily="34" charset="-127"/>
+                <a:ea typeface="나눔고딕OTF" pitchFamily="34" charset="-127"/>
+              </a:rPr>
+              <a:t>출력구분</a:t>
+            </a:r>
+            <a:r>
+              <a:rPr kumimoji="0" lang="en-US" altLang="ko-KR" sz="1000" dirty="0" smtClean="0">
+                <a:latin typeface="나눔고딕OTF" pitchFamily="34" charset="-127"/>
+                <a:ea typeface="나눔고딕OTF" pitchFamily="34" charset="-127"/>
+              </a:rPr>
+              <a:t>” : </a:t>
+            </a:r>
+            <a:r>
+              <a:rPr kumimoji="0" lang="ko-KR" altLang="en-US" sz="1000" dirty="0" err="1" smtClean="0">
+                <a:latin typeface="나눔고딕OTF" pitchFamily="34" charset="-127"/>
+                <a:ea typeface="나눔고딕OTF" pitchFamily="34" charset="-127"/>
+              </a:rPr>
+              <a:t>미리보기</a:t>
+            </a:r>
+            <a:r>
+              <a:rPr kumimoji="0" lang="en-US" altLang="ko-KR" sz="1000" dirty="0" smtClean="0">
+                <a:latin typeface="나눔고딕OTF" pitchFamily="34" charset="-127"/>
+                <a:ea typeface="나눔고딕OTF" pitchFamily="34" charset="-127"/>
+              </a:rPr>
+              <a:t>, </a:t>
+            </a:r>
+            <a:r>
+              <a:rPr kumimoji="0" lang="ko-KR" altLang="en-US" sz="1000" dirty="0" smtClean="0">
+                <a:latin typeface="나눔고딕OTF" pitchFamily="34" charset="-127"/>
+                <a:ea typeface="나눔고딕OTF" pitchFamily="34" charset="-127"/>
+              </a:rPr>
+              <a:t>직접출력</a:t>
+            </a:r>
+            <a:r>
+              <a:rPr kumimoji="0" lang="en-US" altLang="ko-KR" sz="1000" dirty="0" smtClean="0">
+                <a:latin typeface="나눔고딕OTF" pitchFamily="34" charset="-127"/>
+                <a:ea typeface="나눔고딕OTF" pitchFamily="34" charset="-127"/>
+              </a:rPr>
+              <a:t>, </a:t>
+            </a:r>
+            <a:r>
+              <a:rPr kumimoji="0" lang="ko-KR" altLang="en-US" sz="1000" dirty="0" smtClean="0">
+                <a:latin typeface="나눔고딕OTF" pitchFamily="34" charset="-127"/>
+                <a:ea typeface="나눔고딕OTF" pitchFamily="34" charset="-127"/>
+              </a:rPr>
+              <a:t>파일저장 등 설정</a:t>
+            </a:r>
+            <a:r>
+              <a:rPr kumimoji="0" lang="en-US" altLang="ko-KR" sz="1000" dirty="0" smtClean="0">
+                <a:latin typeface="나눔고딕OTF" pitchFamily="34" charset="-127"/>
+                <a:ea typeface="나눔고딕OTF" pitchFamily="34" charset="-127"/>
+              </a:rPr>
+              <a:t>.</a:t>
+            </a:r>
+          </a:p>
+          <a:p>
+            <a:pPr marL="228600" indent="-228600">
+              <a:lnSpc>
+                <a:spcPct val="120000"/>
+              </a:lnSpc>
+            </a:pPr>
+            <a:r>
+              <a:rPr kumimoji="0" lang="en-US" altLang="ko-KR" sz="1000" dirty="0" smtClean="0">
+                <a:latin typeface="나눔고딕OTF" pitchFamily="34" charset="-127"/>
+                <a:ea typeface="나눔고딕OTF" pitchFamily="34" charset="-127"/>
+              </a:rPr>
+              <a:t>   </a:t>
+            </a:r>
+            <a:r>
+              <a:rPr kumimoji="0" lang="en-US" altLang="ko-KR" sz="1000" dirty="0" smtClean="0">
+                <a:solidFill>
+                  <a:srgbClr val="FF0000"/>
+                </a:solidFill>
+                <a:latin typeface="나눔고딕OTF" pitchFamily="34" charset="-127"/>
+                <a:ea typeface="나눔고딕OTF" pitchFamily="34" charset="-127"/>
+              </a:rPr>
+              <a:t>* </a:t>
+            </a:r>
+            <a:r>
+              <a:rPr kumimoji="0" lang="ko-KR" altLang="en-US" sz="1000" dirty="0" smtClean="0">
+                <a:solidFill>
+                  <a:srgbClr val="FF0000"/>
+                </a:solidFill>
+                <a:latin typeface="나눔고딕OTF" pitchFamily="34" charset="-127"/>
+                <a:ea typeface="나눔고딕OTF" pitchFamily="34" charset="-127"/>
+              </a:rPr>
+              <a:t>좌측 상단 위의 </a:t>
+            </a:r>
+            <a:r>
+              <a:rPr kumimoji="0" lang="en-US" altLang="ko-KR" sz="1000" dirty="0" smtClean="0">
+                <a:solidFill>
+                  <a:srgbClr val="FF0000"/>
+                </a:solidFill>
+                <a:latin typeface="나눔고딕OTF" pitchFamily="34" charset="-127"/>
+                <a:ea typeface="나눔고딕OTF" pitchFamily="34" charset="-127"/>
+              </a:rPr>
+              <a:t>“PDF</a:t>
+            </a:r>
+            <a:r>
+              <a:rPr kumimoji="0" lang="ko-KR" altLang="en-US" sz="1000" dirty="0" smtClean="0">
+                <a:solidFill>
+                  <a:srgbClr val="FF0000"/>
+                </a:solidFill>
+                <a:latin typeface="나눔고딕OTF" pitchFamily="34" charset="-127"/>
+                <a:ea typeface="나눔고딕OTF" pitchFamily="34" charset="-127"/>
+              </a:rPr>
+              <a:t>파일로 생성</a:t>
+            </a:r>
+            <a:r>
+              <a:rPr kumimoji="0" lang="en-US" altLang="ko-KR" sz="1000" dirty="0" smtClean="0">
+                <a:solidFill>
+                  <a:srgbClr val="FF0000"/>
+                </a:solidFill>
+                <a:latin typeface="나눔고딕OTF" pitchFamily="34" charset="-127"/>
+                <a:ea typeface="나눔고딕OTF" pitchFamily="34" charset="-127"/>
+              </a:rPr>
+              <a:t>”</a:t>
+            </a:r>
+            <a:r>
+              <a:rPr kumimoji="0" lang="ko-KR" altLang="en-US" sz="1000" dirty="0" smtClean="0">
+                <a:solidFill>
+                  <a:srgbClr val="FF0000"/>
+                </a:solidFill>
+                <a:latin typeface="나눔고딕OTF" pitchFamily="34" charset="-127"/>
+                <a:ea typeface="나눔고딕OTF" pitchFamily="34" charset="-127"/>
+              </a:rPr>
+              <a:t>을 클릭하고 파일저장으로 출력하면 </a:t>
+            </a:r>
+            <a:r>
+              <a:rPr kumimoji="0" lang="en-US" altLang="ko-KR" sz="1000" dirty="0" smtClean="0">
+                <a:solidFill>
+                  <a:srgbClr val="FF0000"/>
+                </a:solidFill>
+                <a:latin typeface="나눔고딕OTF" pitchFamily="34" charset="-127"/>
+                <a:ea typeface="나눔고딕OTF" pitchFamily="34" charset="-127"/>
+              </a:rPr>
+              <a:t>PDF</a:t>
+            </a:r>
+            <a:r>
+              <a:rPr kumimoji="0" lang="ko-KR" altLang="en-US" sz="1000" dirty="0" smtClean="0">
+                <a:solidFill>
+                  <a:srgbClr val="FF0000"/>
+                </a:solidFill>
+                <a:latin typeface="나눔고딕OTF" pitchFamily="34" charset="-127"/>
+                <a:ea typeface="나눔고딕OTF" pitchFamily="34" charset="-127"/>
+              </a:rPr>
+              <a:t>파일로 저장됩니다</a:t>
+            </a:r>
+            <a:r>
+              <a:rPr kumimoji="0" lang="en-US" altLang="ko-KR" sz="1000" dirty="0" smtClean="0">
+                <a:solidFill>
+                  <a:srgbClr val="FF0000"/>
+                </a:solidFill>
+                <a:latin typeface="나눔고딕OTF" pitchFamily="34" charset="-127"/>
+                <a:ea typeface="나눔고딕OTF" pitchFamily="34" charset="-127"/>
+              </a:rPr>
+              <a:t>.</a:t>
+            </a:r>
+          </a:p>
+          <a:p>
+            <a:pPr marL="228600" indent="-228600">
+              <a:lnSpc>
+                <a:spcPct val="120000"/>
+              </a:lnSpc>
+            </a:pPr>
+            <a:r>
+              <a:rPr kumimoji="0" lang="en-US" altLang="ko-KR" sz="1000" dirty="0" smtClean="0">
+                <a:solidFill>
+                  <a:srgbClr val="FF0000"/>
+                </a:solidFill>
+                <a:latin typeface="나눔고딕OTF" pitchFamily="34" charset="-127"/>
+                <a:ea typeface="나눔고딕OTF" pitchFamily="34" charset="-127"/>
+              </a:rPr>
+              <a:t>   * </a:t>
+            </a:r>
+            <a:r>
+              <a:rPr kumimoji="0" lang="ko-KR" altLang="en-US" sz="1000" dirty="0" smtClean="0">
+                <a:solidFill>
+                  <a:srgbClr val="FF0000"/>
+                </a:solidFill>
+                <a:latin typeface="나눔고딕OTF" pitchFamily="34" charset="-127"/>
+                <a:ea typeface="나눔고딕OTF" pitchFamily="34" charset="-127"/>
+              </a:rPr>
+              <a:t>저장경로 </a:t>
+            </a:r>
+            <a:r>
+              <a:rPr kumimoji="0" lang="en-US" altLang="ko-KR" sz="1000" dirty="0" smtClean="0">
+                <a:solidFill>
+                  <a:srgbClr val="FF0000"/>
+                </a:solidFill>
+                <a:latin typeface="나눔고딕OTF" pitchFamily="34" charset="-127"/>
+                <a:ea typeface="나눔고딕OTF" pitchFamily="34" charset="-127"/>
+              </a:rPr>
+              <a:t>: C:\AILiss\Pic</a:t>
+            </a:r>
+          </a:p>
+          <a:p>
+            <a:pPr marL="228600" indent="-228600">
+              <a:lnSpc>
+                <a:spcPct val="120000"/>
+              </a:lnSpc>
+            </a:pPr>
+            <a:endParaRPr kumimoji="0" lang="en-US" altLang="ko-KR" sz="1000" dirty="0" smtClean="0">
+              <a:solidFill>
+                <a:srgbClr val="FF0000"/>
+              </a:solidFill>
+              <a:latin typeface="나눔고딕OTF" pitchFamily="34" charset="-127"/>
+              <a:ea typeface="나눔고딕OTF" pitchFamily="34" charset="-127"/>
+            </a:endParaRPr>
+          </a:p>
+          <a:p>
+            <a:pPr marL="228600" indent="-228600">
+              <a:lnSpc>
+                <a:spcPct val="120000"/>
+              </a:lnSpc>
+            </a:pPr>
+            <a:r>
+              <a:rPr kumimoji="0" lang="en-US" altLang="ko-KR" sz="1000" dirty="0" smtClean="0">
+                <a:latin typeface="나눔고딕OTF" pitchFamily="34" charset="-127"/>
+                <a:ea typeface="나눔고딕OTF" pitchFamily="34" charset="-127"/>
+              </a:rPr>
+              <a:t>   - </a:t>
+            </a:r>
+            <a:r>
+              <a:rPr kumimoji="0" lang="ko-KR" altLang="en-US" sz="1000" dirty="0" smtClean="0">
+                <a:latin typeface="나눔고딕OTF" pitchFamily="34" charset="-127"/>
+                <a:ea typeface="나눔고딕OTF" pitchFamily="34" charset="-127"/>
+              </a:rPr>
+              <a:t>조건 설정 후 </a:t>
+            </a:r>
+            <a:r>
+              <a:rPr kumimoji="0" lang="en-US" altLang="ko-KR" sz="1000" dirty="0" smtClean="0">
+                <a:latin typeface="나눔고딕OTF" pitchFamily="34" charset="-127"/>
+                <a:ea typeface="나눔고딕OTF" pitchFamily="34" charset="-127"/>
+              </a:rPr>
+              <a:t>“</a:t>
+            </a:r>
+            <a:r>
+              <a:rPr kumimoji="0" lang="ko-KR" altLang="en-US" sz="1000" dirty="0" smtClean="0">
+                <a:latin typeface="나눔고딕OTF" pitchFamily="34" charset="-127"/>
+                <a:ea typeface="나눔고딕OTF" pitchFamily="34" charset="-127"/>
+              </a:rPr>
+              <a:t>조회</a:t>
+            </a:r>
+            <a:r>
+              <a:rPr kumimoji="0" lang="en-US" altLang="ko-KR" sz="1000" dirty="0" smtClean="0">
+                <a:latin typeface="나눔고딕OTF" pitchFamily="34" charset="-127"/>
+                <a:ea typeface="나눔고딕OTF" pitchFamily="34" charset="-127"/>
+              </a:rPr>
+              <a:t>”</a:t>
+            </a:r>
+            <a:r>
+              <a:rPr kumimoji="0" lang="ko-KR" altLang="en-US" sz="1000" dirty="0" smtClean="0">
+                <a:latin typeface="나눔고딕OTF" pitchFamily="34" charset="-127"/>
+                <a:ea typeface="나눔고딕OTF" pitchFamily="34" charset="-127"/>
+              </a:rPr>
+              <a:t>버튼을 클릭하면 해당하는 </a:t>
+            </a:r>
+            <a:r>
+              <a:rPr kumimoji="0" lang="ko-KR" altLang="en-US" sz="1000" dirty="0" err="1" smtClean="0">
+                <a:latin typeface="나눔고딕OTF" pitchFamily="34" charset="-127"/>
+                <a:ea typeface="나눔고딕OTF" pitchFamily="34" charset="-127"/>
+              </a:rPr>
+              <a:t>검진자들이</a:t>
+            </a:r>
+            <a:r>
+              <a:rPr kumimoji="0" lang="ko-KR" altLang="en-US" sz="1000" dirty="0" smtClean="0">
+                <a:latin typeface="나눔고딕OTF" pitchFamily="34" charset="-127"/>
+                <a:ea typeface="나눔고딕OTF" pitchFamily="34" charset="-127"/>
+              </a:rPr>
+              <a:t> 표시됩니다</a:t>
+            </a:r>
+            <a:r>
+              <a:rPr kumimoji="0" lang="en-US" altLang="ko-KR" sz="1000" dirty="0" smtClean="0">
+                <a:latin typeface="나눔고딕OTF" pitchFamily="34" charset="-127"/>
+                <a:ea typeface="나눔고딕OTF" pitchFamily="34" charset="-127"/>
+              </a:rPr>
+              <a:t>.</a:t>
+            </a:r>
+          </a:p>
+          <a:p>
+            <a:pPr marL="228600" indent="-228600">
+              <a:lnSpc>
+                <a:spcPct val="120000"/>
+              </a:lnSpc>
+            </a:pPr>
+            <a:endParaRPr kumimoji="0" lang="en-US" altLang="ko-KR" sz="1000" dirty="0" smtClean="0">
+              <a:latin typeface="나눔고딕OTF" pitchFamily="34" charset="-127"/>
+              <a:ea typeface="나눔고딕OTF" pitchFamily="34" charset="-127"/>
+            </a:endParaRPr>
+          </a:p>
+          <a:p>
+            <a:pPr marL="228600" indent="-228600">
+              <a:lnSpc>
+                <a:spcPct val="120000"/>
+              </a:lnSpc>
+            </a:pPr>
+            <a:endParaRPr kumimoji="0" lang="en-US" altLang="ko-KR" sz="1000" dirty="0" smtClean="0">
+              <a:latin typeface="나눔고딕OTF" pitchFamily="34" charset="-127"/>
+              <a:ea typeface="나눔고딕OTF" pitchFamily="34" charset="-127"/>
+            </a:endParaRPr>
+          </a:p>
+        </p:txBody>
+      </p:sp>
+      <p:sp>
+        <p:nvSpPr>
+          <p:cNvPr id="8" name="TextBox 4"/>
+          <p:cNvSpPr txBox="1">
+            <a:spLocks noChangeArrowheads="1"/>
+          </p:cNvSpPr>
+          <p:nvPr/>
+        </p:nvSpPr>
+        <p:spPr bwMode="auto">
+          <a:xfrm>
+            <a:off x="381000" y="785813"/>
+            <a:ext cx="2768707" cy="307777"/>
+          </a:xfrm>
+          <a:prstGeom prst="rect">
+            <a:avLst/>
+          </a:prstGeom>
+          <a:noFill/>
+          <a:ln w="9525">
+            <a:noFill/>
+            <a:miter lim="800000"/>
+            <a:headEnd/>
+            <a:tailEnd/>
+          </a:ln>
+        </p:spPr>
+        <p:txBody>
+          <a:bodyPr wrap="none">
+            <a:spAutoFit/>
+          </a:bodyPr>
+          <a:lstStyle/>
+          <a:p>
+            <a:r>
+              <a:rPr kumimoji="0" lang="en-US" altLang="ko-KR" sz="1400" b="1" dirty="0">
+                <a:latin typeface="나눔고딕OTF" pitchFamily="34" charset="-127"/>
+                <a:ea typeface="나눔고딕OTF" pitchFamily="34" charset="-127"/>
+              </a:rPr>
+              <a:t>- </a:t>
+            </a:r>
+            <a:r>
+              <a:rPr kumimoji="0" lang="ko-KR" altLang="en-US" sz="1400" b="1" dirty="0" smtClean="0">
+                <a:latin typeface="나눔고딕OTF" pitchFamily="34" charset="-127"/>
+                <a:ea typeface="나눔고딕OTF" pitchFamily="34" charset="-127"/>
+              </a:rPr>
+              <a:t>통보서 출력 </a:t>
+            </a:r>
+            <a:r>
+              <a:rPr kumimoji="0" lang="ko-KR" altLang="en-US" sz="1400" b="1" dirty="0" smtClean="0">
+                <a:latin typeface="나눔고딕OTF" pitchFamily="34" charset="-127"/>
+                <a:ea typeface="나눔고딕OTF" pitchFamily="34" charset="-127"/>
+              </a:rPr>
+              <a:t>프로그램 </a:t>
+            </a:r>
+            <a:r>
+              <a:rPr kumimoji="0" lang="en-US" altLang="ko-KR" sz="1400" b="1" dirty="0" smtClean="0">
+                <a:latin typeface="나눔고딕OTF" pitchFamily="34" charset="-127"/>
+                <a:ea typeface="나눔고딕OTF" pitchFamily="34" charset="-127"/>
+              </a:rPr>
+              <a:t>(</a:t>
+            </a:r>
+            <a:r>
+              <a:rPr kumimoji="0" lang="ko-KR" altLang="en-US" sz="1400" b="1" dirty="0" smtClean="0">
+                <a:latin typeface="나눔고딕OTF" pitchFamily="34" charset="-127"/>
+                <a:ea typeface="나눔고딕OTF" pitchFamily="34" charset="-127"/>
+              </a:rPr>
+              <a:t>공단양식</a:t>
+            </a:r>
+            <a:r>
+              <a:rPr kumimoji="0" lang="en-US" altLang="ko-KR" sz="1400" b="1" dirty="0" smtClean="0">
+                <a:latin typeface="나눔고딕OTF" pitchFamily="34" charset="-127"/>
+                <a:ea typeface="나눔고딕OTF" pitchFamily="34" charset="-127"/>
+              </a:rPr>
+              <a:t>)</a:t>
+            </a:r>
+            <a:endParaRPr kumimoji="0" lang="ko-KR" altLang="en-US" sz="1400" b="1" dirty="0">
+              <a:latin typeface="나눔고딕OTF" pitchFamily="34" charset="-127"/>
+              <a:ea typeface="나눔고딕OTF" pitchFamily="34" charset="-127"/>
+            </a:endParaRPr>
+          </a:p>
+        </p:txBody>
+      </p:sp>
+      <p:sp>
+        <p:nvSpPr>
+          <p:cNvPr id="10" name="직사각형 9"/>
+          <p:cNvSpPr/>
+          <p:nvPr/>
+        </p:nvSpPr>
+        <p:spPr>
+          <a:xfrm>
+            <a:off x="666720" y="2000240"/>
+            <a:ext cx="5857916" cy="1500198"/>
+          </a:xfrm>
+          <a:prstGeom prst="rect">
+            <a:avLst/>
+          </a:prstGeom>
+          <a:noFill/>
+          <a:ln w="12700">
+            <a:solidFill>
+              <a:srgbClr val="FF0000"/>
+            </a:solidFill>
+          </a:ln>
+        </p:spPr>
+        <p:style>
+          <a:lnRef idx="2">
+            <a:schemeClr val="accent1">
+              <a:shade val="50000"/>
+            </a:schemeClr>
+          </a:lnRef>
+          <a:fillRef idx="1">
+            <a:schemeClr val="accent1"/>
+          </a:fillRef>
+          <a:effectRef idx="0">
+            <a:schemeClr val="accent1"/>
+          </a:effectRef>
+          <a:fontRef idx="minor">
+            <a:schemeClr val="lt1"/>
+          </a:fontRef>
+        </p:style>
+        <p:txBody>
+          <a:bodyPr anchor="ctr"/>
+          <a:lstStyle/>
+          <a:p>
+            <a:pPr algn="ctr" fontAlgn="auto">
+              <a:spcBef>
+                <a:spcPts val="0"/>
+              </a:spcBef>
+              <a:spcAft>
+                <a:spcPts val="0"/>
+              </a:spcAft>
+              <a:defRPr/>
+            </a:pPr>
+            <a:endParaRPr kumimoji="0" lang="ko-KR" altLang="en-US" dirty="0">
+              <a:latin typeface="나눔고딕OTF" pitchFamily="34" charset="-127"/>
+              <a:ea typeface="나눔고딕OTF" pitchFamily="34" charset="-127"/>
+            </a:endParaRPr>
+          </a:p>
+        </p:txBody>
+      </p:sp>
+      <p:sp>
+        <p:nvSpPr>
+          <p:cNvPr id="11" name="타원 10"/>
+          <p:cNvSpPr/>
+          <p:nvPr/>
+        </p:nvSpPr>
+        <p:spPr>
+          <a:xfrm>
+            <a:off x="452406" y="1785926"/>
+            <a:ext cx="214314" cy="214314"/>
+          </a:xfrm>
+          <a:prstGeom prst="ellipse">
+            <a:avLst/>
+          </a:prstGeom>
+          <a:solidFill>
+            <a:schemeClr val="bg1"/>
+          </a:solidFill>
+          <a:ln>
+            <a:solidFill>
+              <a:srgbClr val="FF0000"/>
+            </a:solidFill>
+          </a:ln>
+        </p:spPr>
+        <p:style>
+          <a:lnRef idx="2">
+            <a:schemeClr val="accent1">
+              <a:shade val="50000"/>
+            </a:schemeClr>
+          </a:lnRef>
+          <a:fillRef idx="1">
+            <a:schemeClr val="accent1"/>
+          </a:fillRef>
+          <a:effectRef idx="0">
+            <a:schemeClr val="accent1"/>
+          </a:effectRef>
+          <a:fontRef idx="minor">
+            <a:schemeClr val="lt1"/>
+          </a:fontRef>
+        </p:style>
+        <p:txBody>
+          <a:bodyPr anchor="ctr"/>
+          <a:lstStyle/>
+          <a:p>
+            <a:pPr algn="ctr">
+              <a:defRPr/>
+            </a:pPr>
+            <a:r>
+              <a:rPr lang="en-US" altLang="ko-KR" sz="1000" dirty="0" smtClean="0">
+                <a:solidFill>
+                  <a:schemeClr val="tx1"/>
+                </a:solidFill>
+              </a:rPr>
+              <a:t>1</a:t>
+            </a:r>
+            <a:endParaRPr lang="ko-KR" altLang="en-US" sz="1000" dirty="0">
+              <a:solidFill>
+                <a:schemeClr val="tx1"/>
+              </a:solidFill>
+            </a:endParaRPr>
+          </a:p>
+        </p:txBody>
+      </p:sp>
+      <p:sp>
+        <p:nvSpPr>
+          <p:cNvPr id="12" name="직사각형 11"/>
+          <p:cNvSpPr/>
+          <p:nvPr/>
+        </p:nvSpPr>
+        <p:spPr>
+          <a:xfrm>
+            <a:off x="1301424" y="3198210"/>
+            <a:ext cx="857256" cy="142876"/>
+          </a:xfrm>
+          <a:prstGeom prst="rect">
+            <a:avLst/>
+          </a:prstGeom>
+          <a:noFill/>
+          <a:ln w="12700">
+            <a:solidFill>
+              <a:srgbClr val="FF0000"/>
+            </a:solidFill>
+          </a:ln>
+        </p:spPr>
+        <p:style>
+          <a:lnRef idx="2">
+            <a:schemeClr val="accent1">
+              <a:shade val="50000"/>
+            </a:schemeClr>
+          </a:lnRef>
+          <a:fillRef idx="1">
+            <a:schemeClr val="accent1"/>
+          </a:fillRef>
+          <a:effectRef idx="0">
+            <a:schemeClr val="accent1"/>
+          </a:effectRef>
+          <a:fontRef idx="minor">
+            <a:schemeClr val="lt1"/>
+          </a:fontRef>
+        </p:style>
+        <p:txBody>
+          <a:bodyPr anchor="ctr"/>
+          <a:lstStyle/>
+          <a:p>
+            <a:pPr algn="ctr" fontAlgn="auto">
+              <a:spcBef>
+                <a:spcPts val="0"/>
+              </a:spcBef>
+              <a:spcAft>
+                <a:spcPts val="0"/>
+              </a:spcAft>
+              <a:defRPr/>
+            </a:pPr>
+            <a:endParaRPr kumimoji="0" lang="ko-KR" altLang="en-US" dirty="0">
+              <a:latin typeface="나눔고딕OTF" pitchFamily="34" charset="-127"/>
+              <a:ea typeface="나눔고딕OTF" pitchFamily="34" charset="-127"/>
+            </a:endParaRPr>
+          </a:p>
+        </p:txBody>
+      </p:sp>
+      <p:sp>
+        <p:nvSpPr>
+          <p:cNvPr id="13" name="직사각형 12"/>
+          <p:cNvSpPr/>
+          <p:nvPr/>
+        </p:nvSpPr>
+        <p:spPr>
+          <a:xfrm>
+            <a:off x="2524108" y="2516781"/>
+            <a:ext cx="1004905" cy="168753"/>
+          </a:xfrm>
+          <a:prstGeom prst="rect">
+            <a:avLst/>
+          </a:prstGeom>
+          <a:noFill/>
+          <a:ln w="12700">
+            <a:solidFill>
+              <a:srgbClr val="FF0000"/>
+            </a:solidFill>
+          </a:ln>
+        </p:spPr>
+        <p:style>
+          <a:lnRef idx="2">
+            <a:schemeClr val="accent1">
+              <a:shade val="50000"/>
+            </a:schemeClr>
+          </a:lnRef>
+          <a:fillRef idx="1">
+            <a:schemeClr val="accent1"/>
+          </a:fillRef>
+          <a:effectRef idx="0">
+            <a:schemeClr val="accent1"/>
+          </a:effectRef>
+          <a:fontRef idx="minor">
+            <a:schemeClr val="lt1"/>
+          </a:fontRef>
+        </p:style>
+        <p:txBody>
+          <a:bodyPr anchor="ctr"/>
+          <a:lstStyle/>
+          <a:p>
+            <a:pPr algn="ctr" fontAlgn="auto">
+              <a:spcBef>
+                <a:spcPts val="0"/>
+              </a:spcBef>
+              <a:spcAft>
+                <a:spcPts val="0"/>
+              </a:spcAft>
+              <a:defRPr/>
+            </a:pPr>
+            <a:endParaRPr kumimoji="0" lang="ko-KR" altLang="en-US" dirty="0">
+              <a:latin typeface="나눔고딕OTF" pitchFamily="34" charset="-127"/>
+              <a:ea typeface="나눔고딕OTF" pitchFamily="34" charset="-127"/>
+            </a:endParaRPr>
+          </a:p>
+        </p:txBody>
+      </p:sp>
+      <p:sp>
+        <p:nvSpPr>
+          <p:cNvPr id="14" name="직사각형 13"/>
+          <p:cNvSpPr/>
+          <p:nvPr/>
+        </p:nvSpPr>
+        <p:spPr>
+          <a:xfrm>
+            <a:off x="3543292" y="2516781"/>
+            <a:ext cx="876310" cy="168753"/>
+          </a:xfrm>
+          <a:prstGeom prst="rect">
+            <a:avLst/>
+          </a:prstGeom>
+          <a:noFill/>
+          <a:ln w="12700">
+            <a:solidFill>
+              <a:srgbClr val="FF0000"/>
+            </a:solidFill>
+          </a:ln>
+        </p:spPr>
+        <p:style>
+          <a:lnRef idx="2">
+            <a:schemeClr val="accent1">
+              <a:shade val="50000"/>
+            </a:schemeClr>
+          </a:lnRef>
+          <a:fillRef idx="1">
+            <a:schemeClr val="accent1"/>
+          </a:fillRef>
+          <a:effectRef idx="0">
+            <a:schemeClr val="accent1"/>
+          </a:effectRef>
+          <a:fontRef idx="minor">
+            <a:schemeClr val="lt1"/>
+          </a:fontRef>
+        </p:style>
+        <p:txBody>
+          <a:bodyPr anchor="ctr"/>
+          <a:lstStyle/>
+          <a:p>
+            <a:pPr algn="ctr" fontAlgn="auto">
+              <a:spcBef>
+                <a:spcPts val="0"/>
+              </a:spcBef>
+              <a:spcAft>
+                <a:spcPts val="0"/>
+              </a:spcAft>
+              <a:defRPr/>
+            </a:pPr>
+            <a:endParaRPr kumimoji="0" lang="ko-KR" altLang="en-US" dirty="0">
+              <a:latin typeface="나눔고딕OTF" pitchFamily="34" charset="-127"/>
+              <a:ea typeface="나눔고딕OTF" pitchFamily="34" charset="-127"/>
+            </a:endParaRPr>
+          </a:p>
+        </p:txBody>
+      </p:sp>
+      <p:sp>
+        <p:nvSpPr>
+          <p:cNvPr id="15" name="TextBox 59"/>
+          <p:cNvSpPr txBox="1">
+            <a:spLocks noChangeArrowheads="1"/>
+          </p:cNvSpPr>
+          <p:nvPr/>
+        </p:nvSpPr>
+        <p:spPr bwMode="auto">
+          <a:xfrm>
+            <a:off x="415924" y="1052513"/>
+            <a:ext cx="5751521" cy="276999"/>
+          </a:xfrm>
+          <a:prstGeom prst="rect">
+            <a:avLst/>
+          </a:prstGeom>
+          <a:noFill/>
+          <a:ln w="9525">
+            <a:noFill/>
+            <a:miter lim="800000"/>
+            <a:headEnd/>
+            <a:tailEnd/>
+          </a:ln>
+        </p:spPr>
+        <p:txBody>
+          <a:bodyPr wrap="square">
+            <a:spAutoFit/>
+          </a:bodyPr>
+          <a:lstStyle/>
+          <a:p>
+            <a:r>
+              <a:rPr kumimoji="0" lang="en-US" altLang="ko-KR" sz="1200" dirty="0">
+                <a:latin typeface="나눔고딕OTF" pitchFamily="34" charset="-127"/>
+                <a:ea typeface="나눔고딕OTF" pitchFamily="34" charset="-127"/>
+              </a:rPr>
+              <a:t> </a:t>
+            </a:r>
+            <a:r>
+              <a:rPr kumimoji="0" lang="ko-KR" altLang="en-US" sz="1200" dirty="0" smtClean="0">
+                <a:latin typeface="나눔고딕OTF" pitchFamily="34" charset="-127"/>
+                <a:ea typeface="나눔고딕OTF" pitchFamily="34" charset="-127"/>
+              </a:rPr>
+              <a:t>위치 </a:t>
+            </a:r>
+            <a:r>
+              <a:rPr kumimoji="0" lang="en-US" altLang="ko-KR" sz="1200" dirty="0" smtClean="0">
+                <a:latin typeface="나눔고딕OTF" pitchFamily="34" charset="-127"/>
+                <a:ea typeface="나눔고딕OTF" pitchFamily="34" charset="-127"/>
+              </a:rPr>
+              <a:t>: </a:t>
+            </a:r>
+            <a:r>
+              <a:rPr kumimoji="0" lang="ko-KR" altLang="en-US" sz="1200" dirty="0" err="1" smtClean="0">
+                <a:latin typeface="나눔고딕OTF" pitchFamily="34" charset="-127"/>
+                <a:ea typeface="나눔고딕OTF" pitchFamily="34" charset="-127"/>
+              </a:rPr>
+              <a:t>메인화면</a:t>
+            </a:r>
+            <a:r>
+              <a:rPr kumimoji="0" lang="ko-KR" altLang="en-US" sz="1200" dirty="0" smtClean="0">
+                <a:latin typeface="나눔고딕OTF" pitchFamily="34" charset="-127"/>
+                <a:ea typeface="나눔고딕OTF" pitchFamily="34" charset="-127"/>
+              </a:rPr>
+              <a:t> </a:t>
+            </a:r>
+            <a:r>
+              <a:rPr kumimoji="0" lang="en-US" altLang="ko-KR" sz="1200" dirty="0" smtClean="0">
+                <a:latin typeface="나눔고딕OTF" pitchFamily="34" charset="-127"/>
+                <a:ea typeface="나눔고딕OTF" pitchFamily="34" charset="-127"/>
+              </a:rPr>
+              <a:t>– </a:t>
+            </a:r>
+            <a:r>
+              <a:rPr kumimoji="0" lang="ko-KR" altLang="en-US" sz="1200" dirty="0" smtClean="0">
+                <a:latin typeface="나눔고딕OTF" pitchFamily="34" charset="-127"/>
+                <a:ea typeface="나눔고딕OTF" pitchFamily="34" charset="-127"/>
+              </a:rPr>
+              <a:t>건강검진 </a:t>
+            </a:r>
+            <a:r>
+              <a:rPr kumimoji="0" lang="en-US" altLang="ko-KR" sz="1200" dirty="0" smtClean="0">
+                <a:latin typeface="나눔고딕OTF" pitchFamily="34" charset="-127"/>
+                <a:ea typeface="나눔고딕OTF" pitchFamily="34" charset="-127"/>
+              </a:rPr>
+              <a:t>– </a:t>
+            </a:r>
+            <a:r>
+              <a:rPr kumimoji="0" lang="ko-KR" altLang="en-US" sz="1200" dirty="0" smtClean="0">
+                <a:latin typeface="나눔고딕OTF" pitchFamily="34" charset="-127"/>
+                <a:ea typeface="나눔고딕OTF" pitchFamily="34" charset="-127"/>
+              </a:rPr>
+              <a:t>결과 통보서</a:t>
+            </a:r>
+            <a:r>
+              <a:rPr kumimoji="0" lang="en-US" altLang="ko-KR" sz="1200" dirty="0" smtClean="0">
+                <a:latin typeface="나눔고딕OTF" pitchFamily="34" charset="-127"/>
+                <a:ea typeface="나눔고딕OTF" pitchFamily="34" charset="-127"/>
+              </a:rPr>
+              <a:t>_</a:t>
+            </a:r>
+            <a:r>
+              <a:rPr kumimoji="0" lang="ko-KR" altLang="en-US" sz="1200" dirty="0" smtClean="0">
+                <a:latin typeface="나눔고딕OTF" pitchFamily="34" charset="-127"/>
+                <a:ea typeface="나눔고딕OTF" pitchFamily="34" charset="-127"/>
+              </a:rPr>
+              <a:t>건강검진</a:t>
+            </a:r>
+            <a:r>
+              <a:rPr kumimoji="0" lang="en-US" altLang="ko-KR" sz="1200" dirty="0" smtClean="0">
+                <a:latin typeface="나눔고딕OTF" pitchFamily="34" charset="-127"/>
+                <a:ea typeface="나눔고딕OTF" pitchFamily="34" charset="-127"/>
+              </a:rPr>
+              <a:t>,</a:t>
+            </a:r>
+            <a:r>
+              <a:rPr kumimoji="0" lang="ko-KR" altLang="en-US" sz="1200" dirty="0" err="1" smtClean="0">
+                <a:latin typeface="나눔고딕OTF" pitchFamily="34" charset="-127"/>
+                <a:ea typeface="나눔고딕OTF" pitchFamily="34" charset="-127"/>
+              </a:rPr>
+              <a:t>암검진</a:t>
+            </a:r>
+            <a:endParaRPr kumimoji="0" lang="en-US" altLang="ko-KR" sz="1200" dirty="0">
+              <a:latin typeface="나눔고딕OTF" pitchFamily="34" charset="-127"/>
+              <a:ea typeface="나눔고딕OTF" pitchFamily="34" charset="-127"/>
             </a:endParaRPr>
           </a:p>
         </p:txBody>
@@ -20476,882 +21617,6 @@
       </p:sp>
       <p:sp>
         <p:nvSpPr>
-          <p:cNvPr id="22535" name="TextBox 4"/>
-          <p:cNvSpPr txBox="1">
-            <a:spLocks noChangeArrowheads="1"/>
-          </p:cNvSpPr>
-          <p:nvPr/>
-        </p:nvSpPr>
-        <p:spPr bwMode="auto">
-          <a:xfrm>
-            <a:off x="6524625" y="1593850"/>
-            <a:ext cx="3108325" cy="3785652"/>
-          </a:xfrm>
-          <a:prstGeom prst="rect">
-            <a:avLst/>
-          </a:prstGeom>
-          <a:noFill/>
-          <a:ln w="9525">
-            <a:noFill/>
-            <a:miter lim="800000"/>
-            <a:headEnd/>
-            <a:tailEnd/>
-          </a:ln>
-        </p:spPr>
-        <p:txBody>
-          <a:bodyPr>
-            <a:spAutoFit/>
-          </a:bodyPr>
-          <a:lstStyle/>
-          <a:p>
-            <a:pPr marL="228600" indent="-228600">
-              <a:lnSpc>
-                <a:spcPct val="120000"/>
-              </a:lnSpc>
-              <a:buFontTx/>
-              <a:buAutoNum type="arabicParenR"/>
-            </a:pPr>
-            <a:r>
-              <a:rPr kumimoji="0" lang="ko-KR" altLang="en-US" sz="1000" b="1" dirty="0" err="1" smtClean="0">
-                <a:latin typeface="나눔고딕OTF" pitchFamily="34" charset="-127"/>
-                <a:ea typeface="나눔고딕OTF" pitchFamily="34" charset="-127"/>
-              </a:rPr>
-              <a:t>검진자</a:t>
-            </a:r>
-            <a:r>
-              <a:rPr kumimoji="0" lang="ko-KR" altLang="en-US" sz="1000" b="1" dirty="0" smtClean="0">
-                <a:latin typeface="나눔고딕OTF" pitchFamily="34" charset="-127"/>
-                <a:ea typeface="나눔고딕OTF" pitchFamily="34" charset="-127"/>
-              </a:rPr>
-              <a:t> 조회 조건 및 출력옵션 설정</a:t>
-            </a:r>
-            <a:endParaRPr kumimoji="0" lang="en-US" altLang="ko-KR" sz="1000" b="1" dirty="0" smtClean="0">
-              <a:latin typeface="나눔고딕OTF" pitchFamily="34" charset="-127"/>
-              <a:ea typeface="나눔고딕OTF" pitchFamily="34" charset="-127"/>
-            </a:endParaRPr>
-          </a:p>
-          <a:p>
-            <a:pPr marL="228600" indent="-228600">
-              <a:lnSpc>
-                <a:spcPct val="120000"/>
-              </a:lnSpc>
-            </a:pPr>
-            <a:r>
-              <a:rPr kumimoji="0" lang="en-US" altLang="ko-KR" sz="1000" dirty="0" smtClean="0">
-                <a:latin typeface="나눔고딕OTF" pitchFamily="34" charset="-127"/>
-                <a:ea typeface="나눔고딕OTF" pitchFamily="34" charset="-127"/>
-              </a:rPr>
-              <a:t>   - </a:t>
-            </a:r>
-            <a:r>
-              <a:rPr kumimoji="0" lang="ko-KR" altLang="en-US" sz="1000" dirty="0" smtClean="0">
-                <a:latin typeface="나눔고딕OTF" pitchFamily="34" charset="-127"/>
-                <a:ea typeface="나눔고딕OTF" pitchFamily="34" charset="-127"/>
-              </a:rPr>
-              <a:t>검색할 </a:t>
-            </a:r>
-            <a:r>
-              <a:rPr kumimoji="0" lang="ko-KR" altLang="en-US" sz="1000" dirty="0" err="1" smtClean="0">
-                <a:latin typeface="나눔고딕OTF" pitchFamily="34" charset="-127"/>
-                <a:ea typeface="나눔고딕OTF" pitchFamily="34" charset="-127"/>
-              </a:rPr>
-              <a:t>검진자들의</a:t>
-            </a:r>
-            <a:r>
-              <a:rPr kumimoji="0" lang="ko-KR" altLang="en-US" sz="1000" dirty="0" smtClean="0">
-                <a:latin typeface="나눔고딕OTF" pitchFamily="34" charset="-127"/>
-                <a:ea typeface="나눔고딕OTF" pitchFamily="34" charset="-127"/>
-              </a:rPr>
-              <a:t> </a:t>
-            </a:r>
-            <a:r>
-              <a:rPr kumimoji="0" lang="ko-KR" altLang="en-US" sz="1000" dirty="0" err="1" smtClean="0">
-                <a:latin typeface="나눔고딕OTF" pitchFamily="34" charset="-127"/>
-                <a:ea typeface="나눔고딕OTF" pitchFamily="34" charset="-127"/>
-              </a:rPr>
-              <a:t>인적정보를</a:t>
-            </a:r>
-            <a:r>
-              <a:rPr kumimoji="0" lang="ko-KR" altLang="en-US" sz="1000" dirty="0" smtClean="0">
-                <a:latin typeface="나눔고딕OTF" pitchFamily="34" charset="-127"/>
-                <a:ea typeface="나눔고딕OTF" pitchFamily="34" charset="-127"/>
-              </a:rPr>
-              <a:t> 입력합니다</a:t>
-            </a:r>
-            <a:r>
-              <a:rPr kumimoji="0" lang="en-US" altLang="ko-KR" sz="1000" dirty="0" smtClean="0">
-                <a:latin typeface="나눔고딕OTF" pitchFamily="34" charset="-127"/>
-                <a:ea typeface="나눔고딕OTF" pitchFamily="34" charset="-127"/>
-              </a:rPr>
-              <a:t>.</a:t>
-            </a:r>
-          </a:p>
-          <a:p>
-            <a:pPr marL="228600" indent="-228600">
-              <a:lnSpc>
-                <a:spcPct val="120000"/>
-              </a:lnSpc>
-            </a:pPr>
-            <a:r>
-              <a:rPr kumimoji="0" lang="en-US" altLang="ko-KR" sz="1000" dirty="0" smtClean="0">
-                <a:latin typeface="나눔고딕OTF" pitchFamily="34" charset="-127"/>
-                <a:ea typeface="나눔고딕OTF" pitchFamily="34" charset="-127"/>
-              </a:rPr>
-              <a:t>   </a:t>
-            </a:r>
-            <a:r>
-              <a:rPr kumimoji="0" lang="en-US" altLang="ko-KR" sz="1000" dirty="0" smtClean="0">
-                <a:solidFill>
-                  <a:srgbClr val="FF0000"/>
-                </a:solidFill>
-                <a:latin typeface="나눔고딕OTF" pitchFamily="34" charset="-127"/>
-                <a:ea typeface="나눔고딕OTF" pitchFamily="34" charset="-127"/>
-              </a:rPr>
-              <a:t>* </a:t>
-            </a:r>
-            <a:r>
-              <a:rPr kumimoji="0" lang="ko-KR" altLang="en-US" sz="1000" dirty="0" smtClean="0">
-                <a:solidFill>
-                  <a:srgbClr val="FF0000"/>
-                </a:solidFill>
-                <a:latin typeface="나눔고딕OTF" pitchFamily="34" charset="-127"/>
-                <a:ea typeface="나눔고딕OTF" pitchFamily="34" charset="-127"/>
-              </a:rPr>
-              <a:t>건강검진 대상자는</a:t>
-            </a:r>
-            <a:r>
-              <a:rPr kumimoji="0" lang="en-US" altLang="ko-KR" sz="1000" dirty="0" smtClean="0">
-                <a:solidFill>
-                  <a:srgbClr val="FF0000"/>
-                </a:solidFill>
-                <a:latin typeface="나눔고딕OTF" pitchFamily="34" charset="-127"/>
-                <a:ea typeface="나눔고딕OTF" pitchFamily="34" charset="-127"/>
-              </a:rPr>
-              <a:t> </a:t>
-            </a:r>
-            <a:r>
-              <a:rPr kumimoji="0" lang="ko-KR" altLang="en-US" sz="1000" dirty="0" smtClean="0">
-                <a:solidFill>
-                  <a:srgbClr val="FF0000"/>
-                </a:solidFill>
-                <a:latin typeface="나눔고딕OTF" pitchFamily="34" charset="-127"/>
-                <a:ea typeface="나눔고딕OTF" pitchFamily="34" charset="-127"/>
-              </a:rPr>
-              <a:t>판정 완료자만 조회합니다</a:t>
-            </a:r>
-            <a:r>
-              <a:rPr kumimoji="0" lang="en-US" altLang="ko-KR" sz="1000" dirty="0" smtClean="0">
-                <a:solidFill>
-                  <a:srgbClr val="FF0000"/>
-                </a:solidFill>
-                <a:latin typeface="나눔고딕OTF" pitchFamily="34" charset="-127"/>
-                <a:ea typeface="나눔고딕OTF" pitchFamily="34" charset="-127"/>
-              </a:rPr>
-              <a:t>.</a:t>
-            </a:r>
-          </a:p>
-          <a:p>
-            <a:pPr marL="228600" indent="-228600">
-              <a:lnSpc>
-                <a:spcPct val="120000"/>
-              </a:lnSpc>
-            </a:pPr>
-            <a:r>
-              <a:rPr kumimoji="0" lang="en-US" altLang="ko-KR" sz="1000" dirty="0" smtClean="0">
-                <a:latin typeface="나눔고딕OTF" pitchFamily="34" charset="-127"/>
-                <a:ea typeface="나눔고딕OTF" pitchFamily="34" charset="-127"/>
-              </a:rPr>
-              <a:t>   </a:t>
-            </a:r>
-            <a:r>
-              <a:rPr kumimoji="0" lang="en-US" altLang="ko-KR" sz="1000" dirty="0" smtClean="0">
-                <a:solidFill>
-                  <a:srgbClr val="FF0000"/>
-                </a:solidFill>
-                <a:latin typeface="나눔고딕OTF" pitchFamily="34" charset="-127"/>
-                <a:ea typeface="나눔고딕OTF" pitchFamily="34" charset="-127"/>
-              </a:rPr>
-              <a:t>* </a:t>
-            </a:r>
-            <a:r>
-              <a:rPr kumimoji="0" lang="ko-KR" altLang="en-US" sz="1000" dirty="0" err="1" smtClean="0">
-                <a:solidFill>
-                  <a:srgbClr val="FF0000"/>
-                </a:solidFill>
-                <a:latin typeface="나눔고딕OTF" pitchFamily="34" charset="-127"/>
-                <a:ea typeface="나눔고딕OTF" pitchFamily="34" charset="-127"/>
-              </a:rPr>
-              <a:t>암검진</a:t>
-            </a:r>
-            <a:r>
-              <a:rPr kumimoji="0" lang="ko-KR" altLang="en-US" sz="1000" dirty="0" smtClean="0">
-                <a:solidFill>
-                  <a:srgbClr val="FF0000"/>
-                </a:solidFill>
-                <a:latin typeface="나눔고딕OTF" pitchFamily="34" charset="-127"/>
-                <a:ea typeface="나눔고딕OTF" pitchFamily="34" charset="-127"/>
-              </a:rPr>
-              <a:t> 대상자는 완료 처리된 검진자만 조회합니다</a:t>
-            </a:r>
-            <a:r>
-              <a:rPr kumimoji="0" lang="en-US" altLang="ko-KR" sz="1000" dirty="0" smtClean="0">
-                <a:solidFill>
-                  <a:srgbClr val="FF0000"/>
-                </a:solidFill>
-                <a:latin typeface="나눔고딕OTF" pitchFamily="34" charset="-127"/>
-                <a:ea typeface="나눔고딕OTF" pitchFamily="34" charset="-127"/>
-              </a:rPr>
-              <a:t>.</a:t>
-            </a:r>
-          </a:p>
-          <a:p>
-            <a:pPr marL="228600" indent="-228600">
-              <a:lnSpc>
-                <a:spcPct val="120000"/>
-              </a:lnSpc>
-            </a:pPr>
-            <a:endParaRPr kumimoji="0" lang="en-US" altLang="ko-KR" sz="1000" dirty="0" smtClean="0">
-              <a:solidFill>
-                <a:srgbClr val="FF0000"/>
-              </a:solidFill>
-              <a:latin typeface="나눔고딕OTF" pitchFamily="34" charset="-127"/>
-              <a:ea typeface="나눔고딕OTF" pitchFamily="34" charset="-127"/>
-            </a:endParaRPr>
-          </a:p>
-          <a:p>
-            <a:pPr marL="228600" indent="-228600">
-              <a:lnSpc>
-                <a:spcPct val="120000"/>
-              </a:lnSpc>
-            </a:pPr>
-            <a:r>
-              <a:rPr kumimoji="0" lang="en-US" altLang="ko-KR" sz="1000" dirty="0" smtClean="0">
-                <a:latin typeface="나눔고딕OTF" pitchFamily="34" charset="-127"/>
-                <a:ea typeface="나눔고딕OTF" pitchFamily="34" charset="-127"/>
-              </a:rPr>
-              <a:t>   - </a:t>
-            </a:r>
-            <a:r>
-              <a:rPr kumimoji="0" lang="ko-KR" altLang="en-US" sz="1000" dirty="0" err="1" smtClean="0">
-                <a:latin typeface="나눔고딕OTF" pitchFamily="34" charset="-127"/>
-                <a:ea typeface="나눔고딕OTF" pitchFamily="34" charset="-127"/>
-              </a:rPr>
-              <a:t>참고치년도</a:t>
-            </a:r>
-            <a:r>
-              <a:rPr kumimoji="0" lang="ko-KR" altLang="en-US" sz="1000" dirty="0" smtClean="0">
-                <a:latin typeface="나눔고딕OTF" pitchFamily="34" charset="-127"/>
-                <a:ea typeface="나눔고딕OTF" pitchFamily="34" charset="-127"/>
-              </a:rPr>
-              <a:t> </a:t>
-            </a:r>
-            <a:r>
-              <a:rPr kumimoji="0" lang="en-US" altLang="ko-KR" sz="1000" dirty="0" smtClean="0">
-                <a:latin typeface="나눔고딕OTF" pitchFamily="34" charset="-127"/>
-                <a:ea typeface="나눔고딕OTF" pitchFamily="34" charset="-127"/>
-              </a:rPr>
-              <a:t>: </a:t>
-            </a:r>
-            <a:r>
-              <a:rPr kumimoji="0" lang="ko-KR" altLang="en-US" sz="1000" dirty="0" err="1" smtClean="0">
-                <a:latin typeface="나눔고딕OTF" pitchFamily="34" charset="-127"/>
-                <a:ea typeface="나눔고딕OTF" pitchFamily="34" charset="-127"/>
-              </a:rPr>
-              <a:t>통보서에</a:t>
-            </a:r>
-            <a:r>
-              <a:rPr kumimoji="0" lang="ko-KR" altLang="en-US" sz="1000" dirty="0" smtClean="0">
-                <a:latin typeface="나눔고딕OTF" pitchFamily="34" charset="-127"/>
-                <a:ea typeface="나눔고딕OTF" pitchFamily="34" charset="-127"/>
-              </a:rPr>
-              <a:t> 적용할 검진항목들의 참고치 년도를 선택합니다</a:t>
-            </a:r>
-            <a:r>
-              <a:rPr kumimoji="0" lang="en-US" altLang="ko-KR" sz="1000" dirty="0" smtClean="0">
-                <a:latin typeface="나눔고딕OTF" pitchFamily="34" charset="-127"/>
-                <a:ea typeface="나눔고딕OTF" pitchFamily="34" charset="-127"/>
-              </a:rPr>
-              <a:t>.</a:t>
-            </a:r>
-          </a:p>
-          <a:p>
-            <a:pPr marL="228600" indent="-228600">
-              <a:lnSpc>
-                <a:spcPct val="120000"/>
-              </a:lnSpc>
-            </a:pPr>
-            <a:r>
-              <a:rPr kumimoji="0" lang="en-US" altLang="ko-KR" sz="1000" dirty="0" smtClean="0">
-                <a:latin typeface="나눔고딕OTF" pitchFamily="34" charset="-127"/>
-                <a:ea typeface="나눔고딕OTF" pitchFamily="34" charset="-127"/>
-              </a:rPr>
-              <a:t>   </a:t>
-            </a:r>
-            <a:r>
-              <a:rPr kumimoji="0" lang="en-US" altLang="ko-KR" sz="1000" dirty="0" smtClean="0">
-                <a:solidFill>
-                  <a:srgbClr val="FF0000"/>
-                </a:solidFill>
-                <a:latin typeface="나눔고딕OTF" pitchFamily="34" charset="-127"/>
-                <a:ea typeface="나눔고딕OTF" pitchFamily="34" charset="-127"/>
-              </a:rPr>
-              <a:t>* </a:t>
-            </a:r>
-            <a:r>
-              <a:rPr kumimoji="0" lang="ko-KR" altLang="en-US" sz="1000" dirty="0" smtClean="0">
-                <a:solidFill>
-                  <a:srgbClr val="FF0000"/>
-                </a:solidFill>
-                <a:latin typeface="나눔고딕OTF" pitchFamily="34" charset="-127"/>
-                <a:ea typeface="나눔고딕OTF" pitchFamily="34" charset="-127"/>
-              </a:rPr>
-              <a:t>메인 </a:t>
-            </a:r>
-            <a:r>
-              <a:rPr kumimoji="0" lang="en-US" altLang="ko-KR" sz="1000" dirty="0" smtClean="0">
-                <a:solidFill>
-                  <a:srgbClr val="FF0000"/>
-                </a:solidFill>
-                <a:latin typeface="나눔고딕OTF" pitchFamily="34" charset="-127"/>
-                <a:ea typeface="나눔고딕OTF" pitchFamily="34" charset="-127"/>
-              </a:rPr>
-              <a:t>– </a:t>
-            </a:r>
-            <a:r>
-              <a:rPr kumimoji="0" lang="ko-KR" altLang="en-US" sz="1000" dirty="0" smtClean="0">
-                <a:solidFill>
-                  <a:srgbClr val="FF0000"/>
-                </a:solidFill>
-                <a:latin typeface="나눔고딕OTF" pitchFamily="34" charset="-127"/>
-                <a:ea typeface="나눔고딕OTF" pitchFamily="34" charset="-127"/>
-              </a:rPr>
-              <a:t>코드관리 </a:t>
-            </a:r>
-            <a:r>
-              <a:rPr kumimoji="0" lang="en-US" altLang="ko-KR" sz="1000" dirty="0" smtClean="0">
-                <a:solidFill>
-                  <a:srgbClr val="FF0000"/>
-                </a:solidFill>
-                <a:latin typeface="나눔고딕OTF" pitchFamily="34" charset="-127"/>
-                <a:ea typeface="나눔고딕OTF" pitchFamily="34" charset="-127"/>
-              </a:rPr>
-              <a:t>– </a:t>
-            </a:r>
-            <a:r>
-              <a:rPr kumimoji="0" lang="ko-KR" altLang="en-US" sz="1000" dirty="0" smtClean="0">
-                <a:solidFill>
-                  <a:srgbClr val="FF0000"/>
-                </a:solidFill>
-                <a:latin typeface="나눔고딕OTF" pitchFamily="34" charset="-127"/>
-                <a:ea typeface="나눔고딕OTF" pitchFamily="34" charset="-127"/>
-              </a:rPr>
-              <a:t>건강검진 항목설정 에서 확인</a:t>
-            </a:r>
-            <a:r>
-              <a:rPr kumimoji="0" lang="en-US" altLang="ko-KR" sz="1000" dirty="0" smtClean="0">
-                <a:solidFill>
-                  <a:srgbClr val="FF0000"/>
-                </a:solidFill>
-                <a:latin typeface="나눔고딕OTF" pitchFamily="34" charset="-127"/>
-                <a:ea typeface="나눔고딕OTF" pitchFamily="34" charset="-127"/>
-              </a:rPr>
-              <a:t>.</a:t>
-            </a:r>
-          </a:p>
-          <a:p>
-            <a:pPr marL="228600" indent="-228600">
-              <a:lnSpc>
-                <a:spcPct val="120000"/>
-              </a:lnSpc>
-            </a:pPr>
-            <a:endParaRPr kumimoji="0" lang="en-US" altLang="ko-KR" sz="1000" dirty="0" smtClean="0">
-              <a:solidFill>
-                <a:srgbClr val="FF0000"/>
-              </a:solidFill>
-              <a:latin typeface="나눔고딕OTF" pitchFamily="34" charset="-127"/>
-              <a:ea typeface="나눔고딕OTF" pitchFamily="34" charset="-127"/>
-            </a:endParaRPr>
-          </a:p>
-          <a:p>
-            <a:pPr marL="228600" indent="-228600">
-              <a:lnSpc>
-                <a:spcPct val="120000"/>
-              </a:lnSpc>
-            </a:pPr>
-            <a:r>
-              <a:rPr kumimoji="0" lang="en-US" altLang="ko-KR" sz="1000" dirty="0" smtClean="0">
-                <a:solidFill>
-                  <a:srgbClr val="FF0000"/>
-                </a:solidFill>
-                <a:latin typeface="나눔고딕OTF" pitchFamily="34" charset="-127"/>
-                <a:ea typeface="나눔고딕OTF" pitchFamily="34" charset="-127"/>
-              </a:rPr>
-              <a:t>   </a:t>
-            </a:r>
-            <a:r>
-              <a:rPr kumimoji="0" lang="en-US" altLang="ko-KR" sz="1000" dirty="0" smtClean="0">
-                <a:latin typeface="나눔고딕OTF" pitchFamily="34" charset="-127"/>
-                <a:ea typeface="나눔고딕OTF" pitchFamily="34" charset="-127"/>
-              </a:rPr>
-              <a:t>- “</a:t>
-            </a:r>
-            <a:r>
-              <a:rPr kumimoji="0" lang="ko-KR" altLang="en-US" sz="1000" dirty="0" smtClean="0">
-                <a:latin typeface="나눔고딕OTF" pitchFamily="34" charset="-127"/>
-                <a:ea typeface="나눔고딕OTF" pitchFamily="34" charset="-127"/>
-              </a:rPr>
-              <a:t>결과지</a:t>
-            </a:r>
-            <a:r>
-              <a:rPr kumimoji="0" lang="en-US" altLang="ko-KR" sz="1000" dirty="0" smtClean="0">
-                <a:latin typeface="나눔고딕OTF" pitchFamily="34" charset="-127"/>
-                <a:ea typeface="나눔고딕OTF" pitchFamily="34" charset="-127"/>
-              </a:rPr>
-              <a:t>” : </a:t>
-            </a:r>
-            <a:r>
-              <a:rPr kumimoji="0" lang="ko-KR" altLang="en-US" sz="1000" dirty="0" smtClean="0">
-                <a:latin typeface="나눔고딕OTF" pitchFamily="34" charset="-127"/>
-                <a:ea typeface="나눔고딕OTF" pitchFamily="34" charset="-127"/>
-              </a:rPr>
-              <a:t>출력할 결과지 형태를 설정합니다</a:t>
-            </a:r>
-            <a:r>
-              <a:rPr kumimoji="0" lang="en-US" altLang="ko-KR" sz="1000" dirty="0" smtClean="0">
-                <a:latin typeface="나눔고딕OTF" pitchFamily="34" charset="-127"/>
-                <a:ea typeface="나눔고딕OTF" pitchFamily="34" charset="-127"/>
-              </a:rPr>
-              <a:t>.</a:t>
-            </a:r>
-          </a:p>
-          <a:p>
-            <a:pPr marL="228600" indent="-228600">
-              <a:lnSpc>
-                <a:spcPct val="120000"/>
-              </a:lnSpc>
-            </a:pPr>
-            <a:r>
-              <a:rPr kumimoji="0" lang="en-US" altLang="ko-KR" sz="1000" dirty="0" smtClean="0">
-                <a:solidFill>
-                  <a:srgbClr val="FF0000"/>
-                </a:solidFill>
-                <a:latin typeface="나눔고딕OTF" pitchFamily="34" charset="-127"/>
-                <a:ea typeface="나눔고딕OTF" pitchFamily="34" charset="-127"/>
-              </a:rPr>
-              <a:t>   * </a:t>
-            </a:r>
-            <a:r>
-              <a:rPr kumimoji="0" lang="ko-KR" altLang="en-US" sz="1000" dirty="0" err="1" smtClean="0">
-                <a:solidFill>
-                  <a:srgbClr val="FF0000"/>
-                </a:solidFill>
-                <a:latin typeface="나눔고딕OTF" pitchFamily="34" charset="-127"/>
-                <a:ea typeface="나눔고딕OTF" pitchFamily="34" charset="-127"/>
-              </a:rPr>
-              <a:t>창결과지</a:t>
-            </a:r>
-            <a:r>
-              <a:rPr kumimoji="0" lang="en-US" altLang="ko-KR" sz="1000" dirty="0" smtClean="0">
-                <a:solidFill>
-                  <a:srgbClr val="FF0000"/>
-                </a:solidFill>
-                <a:latin typeface="나눔고딕OTF" pitchFamily="34" charset="-127"/>
-                <a:ea typeface="나눔고딕OTF" pitchFamily="34" charset="-127"/>
-              </a:rPr>
-              <a:t>, </a:t>
-            </a:r>
-            <a:r>
-              <a:rPr kumimoji="0" lang="ko-KR" altLang="en-US" sz="1000" dirty="0" err="1" smtClean="0">
-                <a:solidFill>
-                  <a:srgbClr val="FF0000"/>
-                </a:solidFill>
-                <a:latin typeface="나눔고딕OTF" pitchFamily="34" charset="-127"/>
-                <a:ea typeface="나눔고딕OTF" pitchFamily="34" charset="-127"/>
-              </a:rPr>
-              <a:t>창결과지</a:t>
-            </a:r>
-            <a:r>
-              <a:rPr kumimoji="0" lang="en-US" altLang="ko-KR" sz="1000" dirty="0" smtClean="0">
-                <a:solidFill>
-                  <a:srgbClr val="FF0000"/>
-                </a:solidFill>
-                <a:latin typeface="나눔고딕OTF" pitchFamily="34" charset="-127"/>
-                <a:ea typeface="나눔고딕OTF" pitchFamily="34" charset="-127"/>
-              </a:rPr>
-              <a:t>(</a:t>
-            </a:r>
-            <a:r>
-              <a:rPr kumimoji="0" lang="ko-KR" altLang="en-US" sz="1000" dirty="0" err="1" smtClean="0">
-                <a:solidFill>
-                  <a:srgbClr val="FF0000"/>
-                </a:solidFill>
-                <a:latin typeface="나눔고딕OTF" pitchFamily="34" charset="-127"/>
-                <a:ea typeface="나눔고딕OTF" pitchFamily="34" charset="-127"/>
-              </a:rPr>
-              <a:t>폼지</a:t>
-            </a:r>
-            <a:r>
-              <a:rPr kumimoji="0" lang="en-US" altLang="ko-KR" sz="1000" dirty="0" smtClean="0">
-                <a:solidFill>
-                  <a:srgbClr val="FF0000"/>
-                </a:solidFill>
-                <a:latin typeface="나눔고딕OTF" pitchFamily="34" charset="-127"/>
-                <a:ea typeface="나눔고딕OTF" pitchFamily="34" charset="-127"/>
-              </a:rPr>
-              <a:t>), A4</a:t>
-            </a:r>
-            <a:r>
-              <a:rPr kumimoji="0" lang="ko-KR" altLang="en-US" sz="1000" dirty="0" smtClean="0">
-                <a:solidFill>
-                  <a:srgbClr val="FF0000"/>
-                </a:solidFill>
-                <a:latin typeface="나눔고딕OTF" pitchFamily="34" charset="-127"/>
-                <a:ea typeface="나눔고딕OTF" pitchFamily="34" charset="-127"/>
-              </a:rPr>
-              <a:t>용지 중 선택</a:t>
-            </a:r>
-            <a:r>
-              <a:rPr kumimoji="0" lang="en-US" altLang="ko-KR" sz="1000" dirty="0" smtClean="0">
-                <a:solidFill>
-                  <a:srgbClr val="FF0000"/>
-                </a:solidFill>
-                <a:latin typeface="나눔고딕OTF" pitchFamily="34" charset="-127"/>
-                <a:ea typeface="나눔고딕OTF" pitchFamily="34" charset="-127"/>
-              </a:rPr>
-              <a:t>.</a:t>
-            </a:r>
-          </a:p>
-          <a:p>
-            <a:pPr marL="228600" indent="-228600">
-              <a:lnSpc>
-                <a:spcPct val="120000"/>
-              </a:lnSpc>
-            </a:pPr>
-            <a:r>
-              <a:rPr kumimoji="0" lang="en-US" altLang="ko-KR" sz="1000" dirty="0" smtClean="0">
-                <a:solidFill>
-                  <a:srgbClr val="FF0000"/>
-                </a:solidFill>
-                <a:latin typeface="나눔고딕OTF" pitchFamily="34" charset="-127"/>
-                <a:ea typeface="나눔고딕OTF" pitchFamily="34" charset="-127"/>
-              </a:rPr>
-              <a:t>   </a:t>
-            </a:r>
-            <a:r>
-              <a:rPr kumimoji="0" lang="en-US" altLang="ko-KR" sz="1000" dirty="0" smtClean="0">
-                <a:latin typeface="나눔고딕OTF" pitchFamily="34" charset="-127"/>
-                <a:ea typeface="나눔고딕OTF" pitchFamily="34" charset="-127"/>
-              </a:rPr>
-              <a:t>- “</a:t>
-            </a:r>
-            <a:r>
-              <a:rPr kumimoji="0" lang="ko-KR" altLang="en-US" sz="1000" dirty="0" smtClean="0">
-                <a:latin typeface="나눔고딕OTF" pitchFamily="34" charset="-127"/>
-                <a:ea typeface="나눔고딕OTF" pitchFamily="34" charset="-127"/>
-              </a:rPr>
-              <a:t>출력구분</a:t>
-            </a:r>
-            <a:r>
-              <a:rPr kumimoji="0" lang="en-US" altLang="ko-KR" sz="1000" dirty="0" smtClean="0">
-                <a:latin typeface="나눔고딕OTF" pitchFamily="34" charset="-127"/>
-                <a:ea typeface="나눔고딕OTF" pitchFamily="34" charset="-127"/>
-              </a:rPr>
-              <a:t>” : </a:t>
-            </a:r>
-            <a:r>
-              <a:rPr kumimoji="0" lang="ko-KR" altLang="en-US" sz="1000" dirty="0" err="1" smtClean="0">
-                <a:latin typeface="나눔고딕OTF" pitchFamily="34" charset="-127"/>
-                <a:ea typeface="나눔고딕OTF" pitchFamily="34" charset="-127"/>
-              </a:rPr>
-              <a:t>미리보기</a:t>
-            </a:r>
-            <a:r>
-              <a:rPr kumimoji="0" lang="en-US" altLang="ko-KR" sz="1000" dirty="0" smtClean="0">
-                <a:latin typeface="나눔고딕OTF" pitchFamily="34" charset="-127"/>
-                <a:ea typeface="나눔고딕OTF" pitchFamily="34" charset="-127"/>
-              </a:rPr>
-              <a:t>, </a:t>
-            </a:r>
-            <a:r>
-              <a:rPr kumimoji="0" lang="ko-KR" altLang="en-US" sz="1000" dirty="0" smtClean="0">
-                <a:latin typeface="나눔고딕OTF" pitchFamily="34" charset="-127"/>
-                <a:ea typeface="나눔고딕OTF" pitchFamily="34" charset="-127"/>
-              </a:rPr>
-              <a:t>직접출력</a:t>
-            </a:r>
-            <a:r>
-              <a:rPr kumimoji="0" lang="en-US" altLang="ko-KR" sz="1000" dirty="0" smtClean="0">
-                <a:latin typeface="나눔고딕OTF" pitchFamily="34" charset="-127"/>
-                <a:ea typeface="나눔고딕OTF" pitchFamily="34" charset="-127"/>
-              </a:rPr>
-              <a:t>, </a:t>
-            </a:r>
-            <a:r>
-              <a:rPr kumimoji="0" lang="ko-KR" altLang="en-US" sz="1000" dirty="0" smtClean="0">
-                <a:latin typeface="나눔고딕OTF" pitchFamily="34" charset="-127"/>
-                <a:ea typeface="나눔고딕OTF" pitchFamily="34" charset="-127"/>
-              </a:rPr>
-              <a:t>파일저장 등 설정</a:t>
-            </a:r>
-            <a:r>
-              <a:rPr kumimoji="0" lang="en-US" altLang="ko-KR" sz="1000" dirty="0" smtClean="0">
-                <a:latin typeface="나눔고딕OTF" pitchFamily="34" charset="-127"/>
-                <a:ea typeface="나눔고딕OTF" pitchFamily="34" charset="-127"/>
-              </a:rPr>
-              <a:t>.</a:t>
-            </a:r>
-          </a:p>
-          <a:p>
-            <a:pPr marL="228600" indent="-228600">
-              <a:lnSpc>
-                <a:spcPct val="120000"/>
-              </a:lnSpc>
-            </a:pPr>
-            <a:r>
-              <a:rPr kumimoji="0" lang="en-US" altLang="ko-KR" sz="1000" dirty="0" smtClean="0">
-                <a:latin typeface="나눔고딕OTF" pitchFamily="34" charset="-127"/>
-                <a:ea typeface="나눔고딕OTF" pitchFamily="34" charset="-127"/>
-              </a:rPr>
-              <a:t>   </a:t>
-            </a:r>
-            <a:r>
-              <a:rPr kumimoji="0" lang="en-US" altLang="ko-KR" sz="1000" dirty="0" smtClean="0">
-                <a:solidFill>
-                  <a:srgbClr val="FF0000"/>
-                </a:solidFill>
-                <a:latin typeface="나눔고딕OTF" pitchFamily="34" charset="-127"/>
-                <a:ea typeface="나눔고딕OTF" pitchFamily="34" charset="-127"/>
-              </a:rPr>
-              <a:t>* </a:t>
-            </a:r>
-            <a:r>
-              <a:rPr kumimoji="0" lang="ko-KR" altLang="en-US" sz="1000" dirty="0" smtClean="0">
-                <a:solidFill>
-                  <a:srgbClr val="FF0000"/>
-                </a:solidFill>
-                <a:latin typeface="나눔고딕OTF" pitchFamily="34" charset="-127"/>
-                <a:ea typeface="나눔고딕OTF" pitchFamily="34" charset="-127"/>
-              </a:rPr>
-              <a:t>좌측 상단 위의 </a:t>
-            </a:r>
-            <a:r>
-              <a:rPr kumimoji="0" lang="en-US" altLang="ko-KR" sz="1000" dirty="0" smtClean="0">
-                <a:solidFill>
-                  <a:srgbClr val="FF0000"/>
-                </a:solidFill>
-                <a:latin typeface="나눔고딕OTF" pitchFamily="34" charset="-127"/>
-                <a:ea typeface="나눔고딕OTF" pitchFamily="34" charset="-127"/>
-              </a:rPr>
-              <a:t>“PDF</a:t>
-            </a:r>
-            <a:r>
-              <a:rPr kumimoji="0" lang="ko-KR" altLang="en-US" sz="1000" dirty="0" smtClean="0">
-                <a:solidFill>
-                  <a:srgbClr val="FF0000"/>
-                </a:solidFill>
-                <a:latin typeface="나눔고딕OTF" pitchFamily="34" charset="-127"/>
-                <a:ea typeface="나눔고딕OTF" pitchFamily="34" charset="-127"/>
-              </a:rPr>
-              <a:t>파일로 생성</a:t>
-            </a:r>
-            <a:r>
-              <a:rPr kumimoji="0" lang="en-US" altLang="ko-KR" sz="1000" dirty="0" smtClean="0">
-                <a:solidFill>
-                  <a:srgbClr val="FF0000"/>
-                </a:solidFill>
-                <a:latin typeface="나눔고딕OTF" pitchFamily="34" charset="-127"/>
-                <a:ea typeface="나눔고딕OTF" pitchFamily="34" charset="-127"/>
-              </a:rPr>
-              <a:t>”</a:t>
-            </a:r>
-            <a:r>
-              <a:rPr kumimoji="0" lang="ko-KR" altLang="en-US" sz="1000" dirty="0" smtClean="0">
-                <a:solidFill>
-                  <a:srgbClr val="FF0000"/>
-                </a:solidFill>
-                <a:latin typeface="나눔고딕OTF" pitchFamily="34" charset="-127"/>
-                <a:ea typeface="나눔고딕OTF" pitchFamily="34" charset="-127"/>
-              </a:rPr>
-              <a:t>을 클릭하고 파일저장으로 출력하면 </a:t>
-            </a:r>
-            <a:r>
-              <a:rPr kumimoji="0" lang="en-US" altLang="ko-KR" sz="1000" dirty="0" smtClean="0">
-                <a:solidFill>
-                  <a:srgbClr val="FF0000"/>
-                </a:solidFill>
-                <a:latin typeface="나눔고딕OTF" pitchFamily="34" charset="-127"/>
-                <a:ea typeface="나눔고딕OTF" pitchFamily="34" charset="-127"/>
-              </a:rPr>
-              <a:t>PDF</a:t>
-            </a:r>
-            <a:r>
-              <a:rPr kumimoji="0" lang="ko-KR" altLang="en-US" sz="1000" dirty="0" smtClean="0">
-                <a:solidFill>
-                  <a:srgbClr val="FF0000"/>
-                </a:solidFill>
-                <a:latin typeface="나눔고딕OTF" pitchFamily="34" charset="-127"/>
-                <a:ea typeface="나눔고딕OTF" pitchFamily="34" charset="-127"/>
-              </a:rPr>
-              <a:t>파일로 저장됩니다</a:t>
-            </a:r>
-            <a:r>
-              <a:rPr kumimoji="0" lang="en-US" altLang="ko-KR" sz="1000" dirty="0" smtClean="0">
-                <a:solidFill>
-                  <a:srgbClr val="FF0000"/>
-                </a:solidFill>
-                <a:latin typeface="나눔고딕OTF" pitchFamily="34" charset="-127"/>
-                <a:ea typeface="나눔고딕OTF" pitchFamily="34" charset="-127"/>
-              </a:rPr>
-              <a:t>.</a:t>
-            </a:r>
-          </a:p>
-          <a:p>
-            <a:pPr marL="228600" indent="-228600">
-              <a:lnSpc>
-                <a:spcPct val="120000"/>
-              </a:lnSpc>
-            </a:pPr>
-            <a:r>
-              <a:rPr kumimoji="0" lang="en-US" altLang="ko-KR" sz="1000" dirty="0" smtClean="0">
-                <a:solidFill>
-                  <a:srgbClr val="FF0000"/>
-                </a:solidFill>
-                <a:latin typeface="나눔고딕OTF" pitchFamily="34" charset="-127"/>
-                <a:ea typeface="나눔고딕OTF" pitchFamily="34" charset="-127"/>
-              </a:rPr>
-              <a:t>   * </a:t>
-            </a:r>
-            <a:r>
-              <a:rPr kumimoji="0" lang="ko-KR" altLang="en-US" sz="1000" dirty="0" smtClean="0">
-                <a:solidFill>
-                  <a:srgbClr val="FF0000"/>
-                </a:solidFill>
-                <a:latin typeface="나눔고딕OTF" pitchFamily="34" charset="-127"/>
-                <a:ea typeface="나눔고딕OTF" pitchFamily="34" charset="-127"/>
-              </a:rPr>
-              <a:t>저장경로 </a:t>
-            </a:r>
-            <a:r>
-              <a:rPr kumimoji="0" lang="en-US" altLang="ko-KR" sz="1000" dirty="0" smtClean="0">
-                <a:solidFill>
-                  <a:srgbClr val="FF0000"/>
-                </a:solidFill>
-                <a:latin typeface="나눔고딕OTF" pitchFamily="34" charset="-127"/>
-                <a:ea typeface="나눔고딕OTF" pitchFamily="34" charset="-127"/>
-              </a:rPr>
-              <a:t>: C:\AILiss\Pic</a:t>
-            </a:r>
-          </a:p>
-          <a:p>
-            <a:pPr marL="228600" indent="-228600">
-              <a:lnSpc>
-                <a:spcPct val="120000"/>
-              </a:lnSpc>
-            </a:pPr>
-            <a:endParaRPr kumimoji="0" lang="en-US" altLang="ko-KR" sz="1000" dirty="0" smtClean="0">
-              <a:solidFill>
-                <a:srgbClr val="FF0000"/>
-              </a:solidFill>
-              <a:latin typeface="나눔고딕OTF" pitchFamily="34" charset="-127"/>
-              <a:ea typeface="나눔고딕OTF" pitchFamily="34" charset="-127"/>
-            </a:endParaRPr>
-          </a:p>
-          <a:p>
-            <a:pPr marL="228600" indent="-228600">
-              <a:lnSpc>
-                <a:spcPct val="120000"/>
-              </a:lnSpc>
-            </a:pPr>
-            <a:r>
-              <a:rPr kumimoji="0" lang="en-US" altLang="ko-KR" sz="1000" dirty="0" smtClean="0">
-                <a:latin typeface="나눔고딕OTF" pitchFamily="34" charset="-127"/>
-                <a:ea typeface="나눔고딕OTF" pitchFamily="34" charset="-127"/>
-              </a:rPr>
-              <a:t>   - </a:t>
-            </a:r>
-            <a:r>
-              <a:rPr kumimoji="0" lang="ko-KR" altLang="en-US" sz="1000" dirty="0" smtClean="0">
-                <a:latin typeface="나눔고딕OTF" pitchFamily="34" charset="-127"/>
-                <a:ea typeface="나눔고딕OTF" pitchFamily="34" charset="-127"/>
-              </a:rPr>
-              <a:t>조건 설정 후 </a:t>
-            </a:r>
-            <a:r>
-              <a:rPr kumimoji="0" lang="en-US" altLang="ko-KR" sz="1000" dirty="0" smtClean="0">
-                <a:latin typeface="나눔고딕OTF" pitchFamily="34" charset="-127"/>
-                <a:ea typeface="나눔고딕OTF" pitchFamily="34" charset="-127"/>
-              </a:rPr>
-              <a:t>“</a:t>
-            </a:r>
-            <a:r>
-              <a:rPr kumimoji="0" lang="ko-KR" altLang="en-US" sz="1000" dirty="0" smtClean="0">
-                <a:latin typeface="나눔고딕OTF" pitchFamily="34" charset="-127"/>
-                <a:ea typeface="나눔고딕OTF" pitchFamily="34" charset="-127"/>
-              </a:rPr>
-              <a:t>조회</a:t>
-            </a:r>
-            <a:r>
-              <a:rPr kumimoji="0" lang="en-US" altLang="ko-KR" sz="1000" dirty="0" smtClean="0">
-                <a:latin typeface="나눔고딕OTF" pitchFamily="34" charset="-127"/>
-                <a:ea typeface="나눔고딕OTF" pitchFamily="34" charset="-127"/>
-              </a:rPr>
-              <a:t>”</a:t>
-            </a:r>
-            <a:r>
-              <a:rPr kumimoji="0" lang="ko-KR" altLang="en-US" sz="1000" dirty="0" smtClean="0">
-                <a:latin typeface="나눔고딕OTF" pitchFamily="34" charset="-127"/>
-                <a:ea typeface="나눔고딕OTF" pitchFamily="34" charset="-127"/>
-              </a:rPr>
-              <a:t>버튼을 클릭하면 해당하는 </a:t>
-            </a:r>
-            <a:r>
-              <a:rPr kumimoji="0" lang="ko-KR" altLang="en-US" sz="1000" dirty="0" err="1" smtClean="0">
-                <a:latin typeface="나눔고딕OTF" pitchFamily="34" charset="-127"/>
-                <a:ea typeface="나눔고딕OTF" pitchFamily="34" charset="-127"/>
-              </a:rPr>
-              <a:t>검진자들이</a:t>
-            </a:r>
-            <a:r>
-              <a:rPr kumimoji="0" lang="ko-KR" altLang="en-US" sz="1000" dirty="0" smtClean="0">
-                <a:latin typeface="나눔고딕OTF" pitchFamily="34" charset="-127"/>
-                <a:ea typeface="나눔고딕OTF" pitchFamily="34" charset="-127"/>
-              </a:rPr>
-              <a:t> 표시됩니다</a:t>
-            </a:r>
-            <a:r>
-              <a:rPr kumimoji="0" lang="en-US" altLang="ko-KR" sz="1000" dirty="0" smtClean="0">
-                <a:latin typeface="나눔고딕OTF" pitchFamily="34" charset="-127"/>
-                <a:ea typeface="나눔고딕OTF" pitchFamily="34" charset="-127"/>
-              </a:rPr>
-              <a:t>.</a:t>
-            </a:r>
-          </a:p>
-          <a:p>
-            <a:pPr marL="228600" indent="-228600">
-              <a:lnSpc>
-                <a:spcPct val="120000"/>
-              </a:lnSpc>
-            </a:pPr>
-            <a:endParaRPr kumimoji="0" lang="en-US" altLang="ko-KR" sz="1000" dirty="0" smtClean="0">
-              <a:latin typeface="나눔고딕OTF" pitchFamily="34" charset="-127"/>
-              <a:ea typeface="나눔고딕OTF" pitchFamily="34" charset="-127"/>
-            </a:endParaRPr>
-          </a:p>
-          <a:p>
-            <a:pPr marL="228600" indent="-228600">
-              <a:lnSpc>
-                <a:spcPct val="120000"/>
-              </a:lnSpc>
-            </a:pPr>
-            <a:endParaRPr kumimoji="0" lang="en-US" altLang="ko-KR" sz="1000" dirty="0" smtClean="0">
-              <a:latin typeface="나눔고딕OTF" pitchFamily="34" charset="-127"/>
-              <a:ea typeface="나눔고딕OTF" pitchFamily="34" charset="-127"/>
-            </a:endParaRPr>
-          </a:p>
-        </p:txBody>
-      </p:sp>
-      <p:sp>
-        <p:nvSpPr>
           <p:cNvPr id="8" name="TextBox 4"/>
           <p:cNvSpPr txBox="1">
             <a:spLocks noChangeArrowheads="1"/>
@@ -21361,7 +21626,7 @@
         <p:spPr bwMode="auto">
           <a:xfrm>
             <a:off x="381000" y="785813"/>
-            <a:ext cx="1914307" cy="307777"/>
+            <a:ext cx="2768707" cy="307777"/>
           </a:xfrm>
           <a:prstGeom prst="rect">
             <a:avLst/>
@@ -21392,109 +21657,37 @@
                 <a:latin typeface="나눔고딕OTF" pitchFamily="34" charset="-127"/>
                 <a:ea typeface="나눔고딕OTF" pitchFamily="34" charset="-127"/>
               </a:rPr>
-              <a:t>통보서 출력 프로그램</a:t>
+              <a:t>통보서 출력 </a:t>
+            </a:r>
+            <a:r>
+              <a:rPr kumimoji="0" lang="ko-KR" altLang="en-US" sz="1400" b="1" dirty="0" smtClean="0">
+                <a:latin typeface="나눔고딕OTF" pitchFamily="34" charset="-127"/>
+                <a:ea typeface="나눔고딕OTF" pitchFamily="34" charset="-127"/>
+              </a:rPr>
+              <a:t>프로그램 </a:t>
+            </a:r>
+            <a:r>
+              <a:rPr kumimoji="0" lang="en-US" altLang="ko-KR" sz="1400" b="1" dirty="0" smtClean="0">
+                <a:latin typeface="나눔고딕OTF" pitchFamily="34" charset="-127"/>
+                <a:ea typeface="나눔고딕OTF" pitchFamily="34" charset="-127"/>
+              </a:rPr>
+              <a:t>(</a:t>
+            </a:r>
+            <a:r>
+              <a:rPr kumimoji="0" lang="ko-KR" altLang="en-US" sz="1400" b="1" dirty="0" smtClean="0">
+                <a:latin typeface="나눔고딕OTF" pitchFamily="34" charset="-127"/>
+                <a:ea typeface="나눔고딕OTF" pitchFamily="34" charset="-127"/>
+              </a:rPr>
+              <a:t>공단양식</a:t>
+            </a:r>
+            <a:r>
+              <a:rPr kumimoji="0" lang="en-US" altLang="ko-KR" sz="1400" b="1" dirty="0" smtClean="0">
+                <a:latin typeface="나눔고딕OTF" pitchFamily="34" charset="-127"/>
+                <a:ea typeface="나눔고딕OTF" pitchFamily="34" charset="-127"/>
+              </a:rPr>
+              <a:t>)</a:t>
             </a:r>
             <a:endParaRPr kumimoji="0" lang="ko-KR" altLang="en-US" sz="1400" b="1" dirty="0">
-              <a:latin typeface="나눔고딕OTF" pitchFamily="34" charset="-127"/>
-              <a:ea typeface="나눔고딕OTF" pitchFamily="34" charset="-127"/>
-            </a:endParaRPr>
-          </a:p>
-        </p:txBody>
-      </p:sp>
-      <p:sp>
-        <p:nvSpPr>
-          <p:cNvPr id="9" name="TextBox 59"/>
-          <p:cNvSpPr txBox="1">
-            <a:spLocks noChangeArrowheads="1"/>
-          </p:cNvSpPr>
-          <p:nvPr/>
-        </p:nvSpPr>
-        <p:spPr bwMode="auto">
-          <a:xfrm>
-            <a:off x="415924" y="1052513"/>
-            <a:ext cx="5751521" cy="276999"/>
-          </a:xfrm>
-          <a:prstGeom prst="rect">
-            <a:avLst/>
-          </a:prstGeom>
-          <a:noFill/>
-          <a:ln w="9525">
-            <a:noFill/>
-            <a:miter lim="800000"/>
-            <a:headEnd/>
-            <a:tailEnd/>
-          </a:ln>
-        </p:spPr>
-        <p:txBody>
-          <a:bodyPr wrap="square">
-            <a:spAutoFit/>
-          </a:bodyPr>
-          <a:lstStyle/>
-          <a:p>
-            <a:r>
-              <a:rPr kumimoji="0" lang="en-US" altLang="ko-KR" sz="1200" dirty="0">
-                <a:latin typeface="나눔고딕OTF" pitchFamily="34" charset="-127"/>
-                <a:ea typeface="나눔고딕OTF" pitchFamily="34" charset="-127"/>
-              </a:rPr>
-              <a:t> </a:t>
-            </a:r>
-            <a:r>
-              <a:rPr kumimoji="0" lang="en-US" altLang="ko-KR" sz="1200" dirty="0" smtClean="0">
-                <a:latin typeface="나눔고딕OTF" pitchFamily="34" charset="-127"/>
-                <a:ea typeface="나눔고딕OTF" pitchFamily="34" charset="-127"/>
-              </a:rPr>
-              <a:t>- </a:t>
-            </a:r>
-            <a:r>
-              <a:rPr kumimoji="0" lang="ko-KR" altLang="en-US" sz="1200" dirty="0" err="1" smtClean="0">
-                <a:latin typeface="나눔고딕OTF" pitchFamily="34" charset="-127"/>
-                <a:ea typeface="나눔고딕OTF" pitchFamily="34" charset="-127"/>
-              </a:rPr>
-              <a:t>검진자를</a:t>
-            </a:r>
-            <a:r>
-              <a:rPr kumimoji="0" lang="ko-KR" altLang="en-US" sz="1200" dirty="0" smtClean="0">
-                <a:latin typeface="나눔고딕OTF" pitchFamily="34" charset="-127"/>
-                <a:ea typeface="나눔고딕OTF" pitchFamily="34" charset="-127"/>
-              </a:rPr>
-              <a:t> 조회하여 </a:t>
-            </a:r>
-            <a:r>
-              <a:rPr kumimoji="0" lang="ko-KR" altLang="en-US" sz="1200" dirty="0" err="1" smtClean="0">
-                <a:latin typeface="나눔고딕OTF" pitchFamily="34" charset="-127"/>
-                <a:ea typeface="나눔고딕OTF" pitchFamily="34" charset="-127"/>
-              </a:rPr>
-              <a:t>통보서를</a:t>
-            </a:r>
-            <a:r>
-              <a:rPr kumimoji="0" lang="ko-KR" altLang="en-US" sz="1200" dirty="0" smtClean="0">
-                <a:latin typeface="나눔고딕OTF" pitchFamily="34" charset="-127"/>
-                <a:ea typeface="나눔고딕OTF" pitchFamily="34" charset="-127"/>
-              </a:rPr>
-              <a:t> 출력합니다</a:t>
-            </a:r>
-            <a:r>
-              <a:rPr kumimoji="0" lang="en-US" altLang="ko-KR" sz="1200" dirty="0" smtClean="0">
-                <a:latin typeface="나눔고딕OTF" pitchFamily="34" charset="-127"/>
-                <a:ea typeface="나눔고딕OTF" pitchFamily="34" charset="-127"/>
-              </a:rPr>
-              <a:t>. (</a:t>
-            </a:r>
-            <a:r>
-              <a:rPr kumimoji="0" lang="ko-KR" altLang="en-US" sz="1200" dirty="0" smtClean="0">
-                <a:latin typeface="나눔고딕OTF" pitchFamily="34" charset="-127"/>
-                <a:ea typeface="나눔고딕OTF" pitchFamily="34" charset="-127"/>
-              </a:rPr>
-              <a:t>공단 양식</a:t>
-            </a:r>
-            <a:r>
-              <a:rPr kumimoji="0" lang="en-US" altLang="ko-KR" sz="1200" dirty="0" smtClean="0">
-                <a:latin typeface="나눔고딕OTF" pitchFamily="34" charset="-127"/>
-                <a:ea typeface="나눔고딕OTF" pitchFamily="34" charset="-127"/>
-              </a:rPr>
-              <a:t>)</a:t>
-            </a:r>
-            <a:endParaRPr kumimoji="0" lang="en-US" altLang="ko-KR" sz="1200" dirty="0">
               <a:latin typeface="나눔고딕OTF" pitchFamily="34" charset="-127"/>
               <a:ea typeface="나눔고딕OTF" pitchFamily="34" charset="-127"/>
             </a:endParaRPr>
@@ -21509,8 +21702,8 @@
         </p:nvSpPr>
         <p:spPr>
           <a:xfrm>
-            <a:off x="666720" y="2000240"/>
-            <a:ext cx="5857916" cy="1500198"/>
+            <a:off x="666720" y="3500438"/>
+            <a:ext cx="5857916" cy="500066"/>
           </a:xfrm>
           <a:prstGeom prst="rect">
             <a:avLst/>
@@ -21566,7 +21759,7 @@
         </p:nvSpPr>
         <p:spPr>
           <a:xfrm>
-            <a:off x="452406" y="1785926"/>
+            <a:off x="523844" y="3357562"/>
             <a:ext cx="214314" cy="214314"/>
           </a:xfrm>
           <a:prstGeom prst="ellipse">
@@ -21610,7 +21803,7 @@
                   <a:schemeClr val="tx1"/>
                 </a:solidFill>
               </a:rPr>
-              <a:t>1</a:t>
+              <a:t>2</a:t>
             </a:r>
             <a:endParaRPr lang="ko-KR" altLang="en-US" sz="1000" dirty="0">
               <a:solidFill>
@@ -21628,8 +21821,8 @@
         </p:nvSpPr>
         <p:spPr>
           <a:xfrm>
-            <a:off x="1301424" y="3198210"/>
-            <a:ext cx="857256" cy="142876"/>
+            <a:off x="1738290" y="3500438"/>
+            <a:ext cx="1000132" cy="285752"/>
           </a:xfrm>
           <a:prstGeom prst="rect">
             <a:avLst/>
@@ -21679,14 +21872,14 @@
       </p:sp>
       <p:sp>
         <p:nvSpPr>
-          <p:cNvPr id="13" name="직사각형 12"/>
+          <p:cNvPr id="15" name="직사각형 14"/>
           <p:cNvSpPr/>
           <p:nvPr/>
         </p:nvSpPr>
         <p:spPr>
           <a:xfrm>
-            <a:off x="2524108" y="2516781"/>
-            <a:ext cx="1004905" cy="168753"/>
+            <a:off x="3356650" y="3500438"/>
+            <a:ext cx="785818" cy="285752"/>
           </a:xfrm>
           <a:prstGeom prst="rect">
             <a:avLst/>
@@ -21736,14 +21929,14 @@
       </p:sp>
       <p:sp>
         <p:nvSpPr>
-          <p:cNvPr id="14" name="직사각형 13"/>
+          <p:cNvPr id="16" name="직사각형 15"/>
           <p:cNvSpPr/>
           <p:nvPr/>
         </p:nvSpPr>
         <p:spPr>
           <a:xfrm>
-            <a:off x="3543292" y="2516781"/>
-            <a:ext cx="876310" cy="168753"/>
+            <a:off x="4785410" y="3500438"/>
+            <a:ext cx="785818" cy="285752"/>
           </a:xfrm>
           <a:prstGeom prst="rect">
             <a:avLst/>
@@ -21785,6 +21978,1001 @@
               <a:defRPr/>
             </a:pPr>
             <a:endParaRPr kumimoji="0" lang="ko-KR" altLang="en-US" dirty="0">
+              <a:latin typeface="나눔고딕OTF" pitchFamily="34" charset="-127"/>
+              <a:ea typeface="나눔고딕OTF" pitchFamily="34" charset="-127"/>
+            </a:endParaRPr>
+          </a:p>
+        </p:txBody>
+      </p:sp>
+      <p:sp>
+        <p:nvSpPr>
+          <p:cNvPr id="17" name="직사각형 16"/>
+          <p:cNvSpPr/>
+          <p:nvPr/>
+        </p:nvSpPr>
+        <p:spPr>
+          <a:xfrm>
+            <a:off x="4843076" y="3262184"/>
+            <a:ext cx="569183" cy="221778"/>
+          </a:xfrm>
+          <a:prstGeom prst="rect">
+            <a:avLst/>
+          </a:prstGeom>
+          <a:noFill/>
+          <a:ln w="12700">
+            <a:solidFill>
+              <a:srgbClr val="FF0000"/>
+            </a:solidFill>
+          </a:ln>
+        </p:spPr>
+        <p:style>
+          <a:lnRef idx="2">
+            <a:schemeClr val="accent1">
+              <a:shade val="50000"/>
+            </a:schemeClr>
+          </a:lnRef>
+          <a:fillRef idx="1">
+            <a:schemeClr val="accent1"/>
+          </a:fillRef>
+          <a:effectRef idx="0">
+            <a:schemeClr val="accent1"/>
+          </a:effectRef>
+          <a:fontRef idx="minor">
+            <a:schemeClr val="lt1"/>
+          </a:fontRef>
+        </p:style>
+        <p:txBody>
+          <a:bodyPr anchor="ctr"/>
+          <a:lstStyle/>
+          <a:p>
+            <a:pPr algn="ctr" fontAlgn="auto">
+              <a:spcBef>
+                <a:spcPts val="0"/>
+              </a:spcBef>
+              <a:spcAft>
+                <a:spcPts val="0"/>
+              </a:spcAft>
+              <a:defRPr/>
+            </a:pPr>
+            <a:endParaRPr kumimoji="0" lang="ko-KR" altLang="en-US" dirty="0">
+              <a:latin typeface="나눔고딕OTF" pitchFamily="34" charset="-127"/>
+              <a:ea typeface="나눔고딕OTF" pitchFamily="34" charset="-127"/>
+            </a:endParaRPr>
+          </a:p>
+        </p:txBody>
+      </p:sp>
+      <p:sp>
+        <p:nvSpPr>
+          <p:cNvPr id="18" name="타원 17"/>
+          <p:cNvSpPr/>
+          <p:nvPr/>
+        </p:nvSpPr>
+        <p:spPr>
+          <a:xfrm>
+            <a:off x="4667248" y="3143248"/>
+            <a:ext cx="214314" cy="214314"/>
+          </a:xfrm>
+          <a:prstGeom prst="ellipse">
+            <a:avLst/>
+          </a:prstGeom>
+          <a:solidFill>
+            <a:schemeClr val="bg1"/>
+          </a:solidFill>
+          <a:ln>
+            <a:solidFill>
+              <a:srgbClr val="FF0000"/>
+            </a:solidFill>
+          </a:ln>
+        </p:spPr>
+        <p:style>
+          <a:lnRef idx="2">
+            <a:schemeClr val="accent1">
+              <a:shade val="50000"/>
+            </a:schemeClr>
+          </a:lnRef>
+          <a:fillRef idx="1">
+            <a:schemeClr val="accent1"/>
+          </a:fillRef>
+          <a:effectRef idx="0">
+            <a:schemeClr val="accent1"/>
+          </a:effectRef>
+          <a:fontRef idx="minor">
+            <a:schemeClr val="lt1"/>
+          </a:fontRef>
+        </p:style>
+        <p:txBody>
+          <a:bodyPr anchor="ctr"/>
+          <a:lstStyle/>
+          <a:p>
+            <a:pPr algn="ctr">
+              <a:defRPr/>
+            </a:pPr>
+            <a:r>
+              <a:rPr lang="en-US" altLang="ko-KR" sz="1000" dirty="0" smtClean="0">
+                <a:solidFill>
+                  <a:schemeClr val="tx1"/>
+                </a:solidFill>
+              </a:rPr>
+              <a:t>3</a:t>
+            </a:r>
+            <a:endParaRPr lang="ko-KR" altLang="en-US" sz="1000" dirty="0">
+              <a:solidFill>
+                <a:schemeClr val="tx1"/>
+              </a:solidFill>
+            </a:endParaRPr>
+          </a:p>
+        </p:txBody>
+      </p:sp>
+      <p:grpSp>
+        <p:nvGrpSpPr>
+          <p:cNvPr id="19" name="그룹 18"/>
+          <p:cNvGrpSpPr/>
+          <p:nvPr/>
+        </p:nvGrpSpPr>
+        <p:grpSpPr>
+          <a:xfrm>
+            <a:off x="6524625" y="1593850"/>
+            <a:ext cx="3108325" cy="3416320"/>
+            <a:chOff x="6524625" y="1593850"/>
+            <a:chExt cx="3108325" cy="3416320"/>
+          </a:xfrm>
+        </p:grpSpPr>
+        <p:sp>
+          <p:nvSpPr>
+            <p:cNvPr id="22535" name="TextBox 4"/>
+            <p:cNvSpPr txBox="1">
+              <a:spLocks noChangeArrowheads="1"/>
+            </p:cNvSpPr>
+            <p:nvPr/>
+          </p:nvSpPr>
+          <p:spPr bwMode="auto">
+            <a:xfrm>
+              <a:off x="6524625" y="1593850"/>
+              <a:ext cx="3108325" cy="3416320"/>
+            </a:xfrm>
+            <a:prstGeom prst="rect">
+              <a:avLst/>
+            </a:prstGeom>
+            <a:noFill/>
+            <a:ln w="9525">
+              <a:noFill/>
+              <a:miter lim="800000"/>
+              <a:headEnd/>
+              <a:tailEnd/>
+            </a:ln>
+          </p:spPr>
+          <p:txBody>
+            <a:bodyPr>
+              <a:spAutoFit/>
+            </a:bodyPr>
+            <a:lstStyle/>
+            <a:p>
+              <a:pPr marL="228600" indent="-228600">
+                <a:lnSpc>
+                  <a:spcPct val="120000"/>
+                </a:lnSpc>
+                <a:buAutoNum type="arabicParenR" startAt="2"/>
+              </a:pPr>
+              <a:r>
+                <a:rPr kumimoji="0" lang="ko-KR" altLang="en-US" sz="1000" b="1" dirty="0" smtClean="0">
+                  <a:latin typeface="나눔고딕OTF" pitchFamily="34" charset="-127"/>
+                  <a:ea typeface="나눔고딕OTF" pitchFamily="34" charset="-127"/>
+                </a:rPr>
+                <a:t>출력 대상 </a:t>
+              </a:r>
+              <a:r>
+                <a:rPr kumimoji="0" lang="ko-KR" altLang="en-US" sz="1000" b="1" dirty="0" err="1" smtClean="0">
+                  <a:latin typeface="나눔고딕OTF" pitchFamily="34" charset="-127"/>
+                  <a:ea typeface="나눔고딕OTF" pitchFamily="34" charset="-127"/>
+                </a:rPr>
+                <a:t>검진자</a:t>
+              </a:r>
+              <a:r>
+                <a:rPr kumimoji="0" lang="ko-KR" altLang="en-US" sz="1000" b="1" dirty="0" smtClean="0">
+                  <a:latin typeface="나눔고딕OTF" pitchFamily="34" charset="-127"/>
+                  <a:ea typeface="나눔고딕OTF" pitchFamily="34" charset="-127"/>
+                </a:rPr>
+                <a:t> 조회 및 선택</a:t>
+              </a:r>
+              <a:endParaRPr kumimoji="0" lang="en-US" altLang="ko-KR" sz="1000" b="1" dirty="0" smtClean="0">
+                <a:latin typeface="나눔고딕OTF" pitchFamily="34" charset="-127"/>
+                <a:ea typeface="나눔고딕OTF" pitchFamily="34" charset="-127"/>
+              </a:endParaRPr>
+            </a:p>
+            <a:p>
+              <a:pPr marL="228600" indent="-228600">
+                <a:lnSpc>
+                  <a:spcPct val="120000"/>
+                </a:lnSpc>
+              </a:pPr>
+              <a:r>
+                <a:rPr kumimoji="0" lang="en-US" altLang="ko-KR" sz="1000" dirty="0" smtClean="0">
+                  <a:latin typeface="나눔고딕OTF" pitchFamily="34" charset="-127"/>
+                  <a:ea typeface="나눔고딕OTF" pitchFamily="34" charset="-127"/>
+                </a:rPr>
+                <a:t>   - </a:t>
+              </a:r>
+              <a:r>
+                <a:rPr kumimoji="0" lang="ko-KR" altLang="en-US" sz="1000" dirty="0" smtClean="0">
+                  <a:latin typeface="나눔고딕OTF" pitchFamily="34" charset="-127"/>
+                  <a:ea typeface="나눔고딕OTF" pitchFamily="34" charset="-127"/>
+                </a:rPr>
+                <a:t>조회 조건에 해당하는 </a:t>
+              </a:r>
+              <a:r>
+                <a:rPr kumimoji="0" lang="ko-KR" altLang="en-US" sz="1000" dirty="0" err="1" smtClean="0">
+                  <a:latin typeface="나눔고딕OTF" pitchFamily="34" charset="-127"/>
+                  <a:ea typeface="나눔고딕OTF" pitchFamily="34" charset="-127"/>
+                </a:rPr>
+                <a:t>검진자들이</a:t>
+              </a:r>
+              <a:r>
+                <a:rPr kumimoji="0" lang="ko-KR" altLang="en-US" sz="1000" dirty="0" smtClean="0">
+                  <a:latin typeface="나눔고딕OTF" pitchFamily="34" charset="-127"/>
+                  <a:ea typeface="나눔고딕OTF" pitchFamily="34" charset="-127"/>
+                </a:rPr>
+                <a:t> 표시됩니다</a:t>
+              </a:r>
+              <a:r>
+                <a:rPr kumimoji="0" lang="en-US" altLang="ko-KR" sz="1000" dirty="0" smtClean="0">
+                  <a:latin typeface="나눔고딕OTF" pitchFamily="34" charset="-127"/>
+                  <a:ea typeface="나눔고딕OTF" pitchFamily="34" charset="-127"/>
+                </a:rPr>
+                <a:t>.</a:t>
+              </a:r>
+            </a:p>
+            <a:p>
+              <a:pPr marL="228600" indent="-228600">
+                <a:lnSpc>
+                  <a:spcPct val="120000"/>
+                </a:lnSpc>
+              </a:pPr>
+              <a:r>
+                <a:rPr kumimoji="0" lang="en-US" altLang="ko-KR" sz="1000" dirty="0" smtClean="0">
+                  <a:latin typeface="나눔고딕OTF" pitchFamily="34" charset="-127"/>
+                  <a:ea typeface="나눔고딕OTF" pitchFamily="34" charset="-127"/>
+                </a:rPr>
+                <a:t>   - </a:t>
+              </a:r>
+              <a:r>
+                <a:rPr kumimoji="0" lang="ko-KR" altLang="en-US" sz="1000" dirty="0" smtClean="0">
+                  <a:latin typeface="나눔고딕OTF" pitchFamily="34" charset="-127"/>
+                  <a:ea typeface="나눔고딕OTF" pitchFamily="34" charset="-127"/>
+                </a:rPr>
+                <a:t>수검한 검진유형에 검진 날짜가 표시됩니다</a:t>
+              </a:r>
+              <a:r>
+                <a:rPr kumimoji="0" lang="en-US" altLang="ko-KR" sz="1000" dirty="0" smtClean="0">
+                  <a:latin typeface="나눔고딕OTF" pitchFamily="34" charset="-127"/>
+                  <a:ea typeface="나눔고딕OTF" pitchFamily="34" charset="-127"/>
+                </a:rPr>
+                <a:t>.</a:t>
+              </a:r>
+            </a:p>
+            <a:p>
+              <a:pPr marL="228600" indent="-228600">
+                <a:lnSpc>
+                  <a:spcPct val="120000"/>
+                </a:lnSpc>
+              </a:pPr>
+              <a:r>
+                <a:rPr kumimoji="0" lang="en-US" altLang="ko-KR" sz="1000" dirty="0" smtClean="0">
+                  <a:latin typeface="나눔고딕OTF" pitchFamily="34" charset="-127"/>
+                  <a:ea typeface="나눔고딕OTF" pitchFamily="34" charset="-127"/>
+                </a:rPr>
+                <a:t>   - </a:t>
+              </a:r>
+              <a:r>
+                <a:rPr kumimoji="0" lang="ko-KR" altLang="en-US" sz="1000" dirty="0" err="1" smtClean="0">
+                  <a:latin typeface="나눔고딕OTF" pitchFamily="34" charset="-127"/>
+                  <a:ea typeface="나눔고딕OTF" pitchFamily="34" charset="-127"/>
+                </a:rPr>
+                <a:t>통보서를</a:t>
+              </a:r>
+              <a:r>
+                <a:rPr kumimoji="0" lang="ko-KR" altLang="en-US" sz="1000" dirty="0" smtClean="0">
+                  <a:latin typeface="나눔고딕OTF" pitchFamily="34" charset="-127"/>
+                  <a:ea typeface="나눔고딕OTF" pitchFamily="34" charset="-127"/>
+                </a:rPr>
+                <a:t> 한번도 뽑지 않은 </a:t>
+              </a:r>
+              <a:r>
+                <a:rPr kumimoji="0" lang="ko-KR" altLang="en-US" sz="1000" dirty="0" err="1" smtClean="0">
+                  <a:latin typeface="나눔고딕OTF" pitchFamily="34" charset="-127"/>
+                  <a:ea typeface="나눔고딕OTF" pitchFamily="34" charset="-127"/>
+                </a:rPr>
+                <a:t>검진자는</a:t>
+              </a:r>
+              <a:r>
+                <a:rPr kumimoji="0" lang="ko-KR" altLang="en-US" sz="1000" dirty="0" smtClean="0">
+                  <a:latin typeface="나눔고딕OTF" pitchFamily="34" charset="-127"/>
+                  <a:ea typeface="나눔고딕OTF" pitchFamily="34" charset="-127"/>
+                </a:rPr>
+                <a:t> 자동으로</a:t>
+              </a:r>
+              <a:endParaRPr kumimoji="0" lang="en-US" altLang="ko-KR" sz="1000" dirty="0" smtClean="0">
+                <a:latin typeface="나눔고딕OTF" pitchFamily="34" charset="-127"/>
+                <a:ea typeface="나눔고딕OTF" pitchFamily="34" charset="-127"/>
+              </a:endParaRPr>
+            </a:p>
+            <a:p>
+              <a:pPr marL="228600" indent="-228600">
+                <a:lnSpc>
+                  <a:spcPct val="120000"/>
+                </a:lnSpc>
+              </a:pPr>
+              <a:r>
+                <a:rPr kumimoji="0" lang="en-US" altLang="ko-KR" sz="1000" dirty="0" smtClean="0">
+                  <a:latin typeface="나눔고딕OTF" pitchFamily="34" charset="-127"/>
+                  <a:ea typeface="나눔고딕OTF" pitchFamily="34" charset="-127"/>
+                </a:rPr>
+                <a:t>	“</a:t>
+              </a:r>
+              <a:r>
+                <a:rPr kumimoji="0" lang="ko-KR" altLang="en-US" sz="1000" dirty="0" smtClean="0">
+                  <a:latin typeface="나눔고딕OTF" pitchFamily="34" charset="-127"/>
+                  <a:ea typeface="나눔고딕OTF" pitchFamily="34" charset="-127"/>
+                </a:rPr>
+                <a:t>선택</a:t>
+              </a:r>
+              <a:r>
+                <a:rPr kumimoji="0" lang="en-US" altLang="ko-KR" sz="1000" dirty="0" smtClean="0">
+                  <a:latin typeface="나눔고딕OTF" pitchFamily="34" charset="-127"/>
+                  <a:ea typeface="나눔고딕OTF" pitchFamily="34" charset="-127"/>
+                </a:rPr>
+                <a:t>”</a:t>
+              </a:r>
+              <a:r>
+                <a:rPr kumimoji="0" lang="ko-KR" altLang="en-US" sz="1000" dirty="0" smtClean="0">
+                  <a:latin typeface="나눔고딕OTF" pitchFamily="34" charset="-127"/>
+                  <a:ea typeface="나눔고딕OTF" pitchFamily="34" charset="-127"/>
+                </a:rPr>
+                <a:t>에 체크되어 있습니다</a:t>
+              </a:r>
+              <a:r>
+                <a:rPr kumimoji="0" lang="en-US" altLang="ko-KR" sz="1000" dirty="0" smtClean="0">
+                  <a:latin typeface="나눔고딕OTF" pitchFamily="34" charset="-127"/>
+                  <a:ea typeface="나눔고딕OTF" pitchFamily="34" charset="-127"/>
+                </a:rPr>
+                <a:t>.</a:t>
+              </a:r>
+            </a:p>
+            <a:p>
+              <a:pPr marL="228600" indent="-228600">
+                <a:lnSpc>
+                  <a:spcPct val="120000"/>
+                </a:lnSpc>
+                <a:buAutoNum type="arabicParenR" startAt="3"/>
+              </a:pPr>
+              <a:r>
+                <a:rPr kumimoji="0" lang="ko-KR" altLang="en-US" sz="1000" b="1" dirty="0" smtClean="0">
+                  <a:latin typeface="나눔고딕OTF" pitchFamily="34" charset="-127"/>
+                  <a:ea typeface="나눔고딕OTF" pitchFamily="34" charset="-127"/>
+                </a:rPr>
+                <a:t>검진 통보서 출력</a:t>
+              </a:r>
+              <a:endParaRPr kumimoji="0" lang="en-US" altLang="ko-KR" sz="1000" b="1" dirty="0" smtClean="0">
+                <a:latin typeface="나눔고딕OTF" pitchFamily="34" charset="-127"/>
+                <a:ea typeface="나눔고딕OTF" pitchFamily="34" charset="-127"/>
+              </a:endParaRPr>
+            </a:p>
+            <a:p>
+              <a:pPr marL="228600" indent="-228600">
+                <a:lnSpc>
+                  <a:spcPct val="120000"/>
+                </a:lnSpc>
+              </a:pPr>
+              <a:r>
+                <a:rPr kumimoji="0" lang="en-US" altLang="ko-KR" sz="1000" dirty="0" smtClean="0">
+                  <a:latin typeface="나눔고딕OTF" pitchFamily="34" charset="-127"/>
+                  <a:ea typeface="나눔고딕OTF" pitchFamily="34" charset="-127"/>
+                </a:rPr>
+                <a:t>   - </a:t>
+              </a:r>
+              <a:r>
+                <a:rPr kumimoji="0" lang="ko-KR" altLang="en-US" sz="1000" dirty="0" smtClean="0">
+                  <a:latin typeface="나눔고딕OTF" pitchFamily="34" charset="-127"/>
+                  <a:ea typeface="나눔고딕OTF" pitchFamily="34" charset="-127"/>
+                </a:rPr>
+                <a:t>조회 화면에서 선택한 </a:t>
+              </a:r>
+              <a:r>
+                <a:rPr kumimoji="0" lang="ko-KR" altLang="en-US" sz="1000" dirty="0" err="1" smtClean="0">
+                  <a:latin typeface="나눔고딕OTF" pitchFamily="34" charset="-127"/>
+                  <a:ea typeface="나눔고딕OTF" pitchFamily="34" charset="-127"/>
+                </a:rPr>
+                <a:t>검진자들의</a:t>
+              </a:r>
+              <a:r>
+                <a:rPr kumimoji="0" lang="ko-KR" altLang="en-US" sz="1000" dirty="0" smtClean="0">
+                  <a:latin typeface="나눔고딕OTF" pitchFamily="34" charset="-127"/>
+                  <a:ea typeface="나눔고딕OTF" pitchFamily="34" charset="-127"/>
+                </a:rPr>
+                <a:t> </a:t>
+              </a:r>
+              <a:r>
+                <a:rPr kumimoji="0" lang="ko-KR" altLang="en-US" sz="1000" dirty="0" err="1" smtClean="0">
+                  <a:latin typeface="나눔고딕OTF" pitchFamily="34" charset="-127"/>
+                  <a:ea typeface="나눔고딕OTF" pitchFamily="34" charset="-127"/>
+                </a:rPr>
+                <a:t>통보서를</a:t>
+              </a:r>
+              <a:r>
+                <a:rPr kumimoji="0" lang="ko-KR" altLang="en-US" sz="1000" dirty="0" smtClean="0">
+                  <a:latin typeface="나눔고딕OTF" pitchFamily="34" charset="-127"/>
+                  <a:ea typeface="나눔고딕OTF" pitchFamily="34" charset="-127"/>
+                </a:rPr>
+                <a:t> 출력합니다</a:t>
+              </a:r>
+              <a:r>
+                <a:rPr kumimoji="0" lang="en-US" altLang="ko-KR" sz="1000" dirty="0" smtClean="0">
+                  <a:latin typeface="나눔고딕OTF" pitchFamily="34" charset="-127"/>
+                  <a:ea typeface="나눔고딕OTF" pitchFamily="34" charset="-127"/>
+                </a:rPr>
+                <a:t>.</a:t>
+              </a:r>
+            </a:p>
+            <a:p>
+              <a:pPr marL="228600" indent="-228600">
+                <a:lnSpc>
+                  <a:spcPct val="120000"/>
+                </a:lnSpc>
+              </a:pPr>
+              <a:r>
+                <a:rPr kumimoji="0" lang="en-US" altLang="ko-KR" sz="1000" dirty="0" smtClean="0">
+                  <a:latin typeface="나눔고딕OTF" pitchFamily="34" charset="-127"/>
+                  <a:ea typeface="나눔고딕OTF" pitchFamily="34" charset="-127"/>
+                </a:rPr>
+                <a:t>   </a:t>
+              </a:r>
+              <a:r>
+                <a:rPr kumimoji="0" lang="en-US" altLang="ko-KR" sz="1000" dirty="0" smtClean="0">
+                  <a:solidFill>
+                    <a:srgbClr val="FF0000"/>
+                  </a:solidFill>
+                  <a:latin typeface="나눔고딕OTF" pitchFamily="34" charset="-127"/>
+                  <a:ea typeface="나눔고딕OTF" pitchFamily="34" charset="-127"/>
+                </a:rPr>
+                <a:t>* “</a:t>
+              </a:r>
+              <a:r>
+                <a:rPr kumimoji="0" lang="ko-KR" altLang="en-US" sz="1000" dirty="0" smtClean="0">
+                  <a:solidFill>
+                    <a:srgbClr val="FF0000"/>
+                  </a:solidFill>
+                  <a:latin typeface="나눔고딕OTF" pitchFamily="34" charset="-127"/>
+                  <a:ea typeface="나눔고딕OTF" pitchFamily="34" charset="-127"/>
+                </a:rPr>
+                <a:t>선택</a:t>
+              </a:r>
+              <a:r>
+                <a:rPr kumimoji="0" lang="en-US" altLang="ko-KR" sz="1000" dirty="0" smtClean="0">
+                  <a:solidFill>
+                    <a:srgbClr val="FF0000"/>
+                  </a:solidFill>
+                  <a:latin typeface="나눔고딕OTF" pitchFamily="34" charset="-127"/>
+                  <a:ea typeface="나눔고딕OTF" pitchFamily="34" charset="-127"/>
+                </a:rPr>
+                <a:t>”</a:t>
+              </a:r>
+              <a:r>
+                <a:rPr kumimoji="0" lang="ko-KR" altLang="en-US" sz="1000" dirty="0" smtClean="0">
+                  <a:solidFill>
+                    <a:srgbClr val="FF0000"/>
+                  </a:solidFill>
+                  <a:latin typeface="나눔고딕OTF" pitchFamily="34" charset="-127"/>
+                  <a:ea typeface="나눔고딕OTF" pitchFamily="34" charset="-127"/>
+                </a:rPr>
+                <a:t>에 체크되어 있는 내역만 출력합니다</a:t>
+              </a:r>
+              <a:r>
+                <a:rPr kumimoji="0" lang="en-US" altLang="ko-KR" sz="1000" dirty="0" smtClean="0">
+                  <a:solidFill>
+                    <a:srgbClr val="FF0000"/>
+                  </a:solidFill>
+                  <a:latin typeface="나눔고딕OTF" pitchFamily="34" charset="-127"/>
+                  <a:ea typeface="나눔고딕OTF" pitchFamily="34" charset="-127"/>
+                </a:rPr>
+                <a:t>.</a:t>
+              </a:r>
+            </a:p>
+            <a:p>
+              <a:pPr marL="228600" indent="-228600">
+                <a:lnSpc>
+                  <a:spcPct val="120000"/>
+                </a:lnSpc>
+              </a:pPr>
+              <a:endParaRPr kumimoji="0" lang="en-US" altLang="ko-KR" sz="1000" dirty="0" smtClean="0">
+                <a:solidFill>
+                  <a:srgbClr val="FF0000"/>
+                </a:solidFill>
+                <a:latin typeface="나눔고딕OTF" pitchFamily="34" charset="-127"/>
+                <a:ea typeface="나눔고딕OTF" pitchFamily="34" charset="-127"/>
+              </a:endParaRPr>
+            </a:p>
+            <a:p>
+              <a:pPr marL="228600" indent="-228600">
+                <a:lnSpc>
+                  <a:spcPct val="120000"/>
+                </a:lnSpc>
+              </a:pPr>
+              <a:r>
+                <a:rPr kumimoji="0" lang="en-US" altLang="ko-KR" sz="1000" dirty="0" smtClean="0">
+                  <a:solidFill>
+                    <a:srgbClr val="FF0000"/>
+                  </a:solidFill>
+                  <a:latin typeface="나눔고딕OTF" pitchFamily="34" charset="-127"/>
+                  <a:ea typeface="나눔고딕OTF" pitchFamily="34" charset="-127"/>
+                </a:rPr>
+                <a:t>   * </a:t>
+              </a:r>
+              <a:r>
+                <a:rPr kumimoji="0" lang="ko-KR" altLang="en-US" sz="1000" dirty="0" smtClean="0">
+                  <a:solidFill>
+                    <a:srgbClr val="FF0000"/>
+                  </a:solidFill>
+                  <a:latin typeface="나눔고딕OTF" pitchFamily="34" charset="-127"/>
+                  <a:ea typeface="나눔고딕OTF" pitchFamily="34" charset="-127"/>
+                </a:rPr>
+                <a:t>한번이라도 출력한 내역은 </a:t>
+              </a:r>
+              <a:r>
+                <a:rPr kumimoji="0" lang="en-US" altLang="ko-KR" sz="1000" dirty="0" smtClean="0">
+                  <a:solidFill>
+                    <a:srgbClr val="FF0000"/>
+                  </a:solidFill>
+                  <a:latin typeface="나눔고딕OTF" pitchFamily="34" charset="-127"/>
+                  <a:ea typeface="나눔고딕OTF" pitchFamily="34" charset="-127"/>
+                </a:rPr>
+                <a:t>“</a:t>
+              </a:r>
+              <a:r>
+                <a:rPr kumimoji="0" lang="ko-KR" altLang="en-US" sz="1000" dirty="0" smtClean="0">
+                  <a:solidFill>
+                    <a:srgbClr val="FF0000"/>
+                  </a:solidFill>
+                  <a:latin typeface="나눔고딕OTF" pitchFamily="34" charset="-127"/>
+                  <a:ea typeface="나눔고딕OTF" pitchFamily="34" charset="-127"/>
+                </a:rPr>
+                <a:t>통보일자</a:t>
+              </a:r>
+              <a:r>
+                <a:rPr kumimoji="0" lang="en-US" altLang="ko-KR" sz="1000" dirty="0" smtClean="0">
+                  <a:solidFill>
+                    <a:srgbClr val="FF0000"/>
+                  </a:solidFill>
+                  <a:latin typeface="나눔고딕OTF" pitchFamily="34" charset="-127"/>
+                  <a:ea typeface="나눔고딕OTF" pitchFamily="34" charset="-127"/>
+                </a:rPr>
+                <a:t>” </a:t>
+              </a:r>
+              <a:r>
+                <a:rPr kumimoji="0" lang="ko-KR" altLang="en-US" sz="1000" dirty="0" smtClean="0">
+                  <a:solidFill>
+                    <a:srgbClr val="FF0000"/>
+                  </a:solidFill>
+                  <a:latin typeface="나눔고딕OTF" pitchFamily="34" charset="-127"/>
+                  <a:ea typeface="나눔고딕OTF" pitchFamily="34" charset="-127"/>
+                </a:rPr>
+                <a:t>칸에 출력</a:t>
+              </a:r>
+              <a:endParaRPr kumimoji="0" lang="en-US" altLang="ko-KR" sz="1000" dirty="0" smtClean="0">
+                <a:solidFill>
+                  <a:srgbClr val="FF0000"/>
+                </a:solidFill>
+                <a:latin typeface="나눔고딕OTF" pitchFamily="34" charset="-127"/>
+                <a:ea typeface="나눔고딕OTF" pitchFamily="34" charset="-127"/>
+              </a:endParaRPr>
+            </a:p>
+            <a:p>
+              <a:pPr marL="228600" indent="-228600">
+                <a:lnSpc>
+                  <a:spcPct val="120000"/>
+                </a:lnSpc>
+              </a:pPr>
+              <a:r>
+                <a:rPr kumimoji="0" lang="en-US" altLang="ko-KR" sz="1000" dirty="0" smtClean="0">
+                  <a:solidFill>
+                    <a:srgbClr val="FF0000"/>
+                  </a:solidFill>
+                  <a:latin typeface="나눔고딕OTF" pitchFamily="34" charset="-127"/>
+                  <a:ea typeface="나눔고딕OTF" pitchFamily="34" charset="-127"/>
+                </a:rPr>
+                <a:t>	</a:t>
+              </a:r>
+              <a:r>
+                <a:rPr kumimoji="0" lang="ko-KR" altLang="en-US" sz="1000" dirty="0" smtClean="0">
+                  <a:solidFill>
+                    <a:srgbClr val="FF0000"/>
+                  </a:solidFill>
+                  <a:latin typeface="나눔고딕OTF" pitchFamily="34" charset="-127"/>
+                  <a:ea typeface="나눔고딕OTF" pitchFamily="34" charset="-127"/>
+                </a:rPr>
+                <a:t>날짜가 저장되어 표시되고</a:t>
+              </a:r>
+              <a:r>
+                <a:rPr kumimoji="0" lang="en-US" altLang="ko-KR" sz="1000" dirty="0" smtClean="0">
+                  <a:solidFill>
+                    <a:srgbClr val="FF0000"/>
+                  </a:solidFill>
+                  <a:latin typeface="나눔고딕OTF" pitchFamily="34" charset="-127"/>
+                  <a:ea typeface="나눔고딕OTF" pitchFamily="34" charset="-127"/>
+                </a:rPr>
+                <a:t>, “</a:t>
+              </a:r>
+              <a:r>
+                <a:rPr kumimoji="0" lang="ko-KR" altLang="en-US" sz="1000" dirty="0" smtClean="0">
+                  <a:solidFill>
+                    <a:srgbClr val="FF0000"/>
+                  </a:solidFill>
+                  <a:latin typeface="나눔고딕OTF" pitchFamily="34" charset="-127"/>
+                  <a:ea typeface="나눔고딕OTF" pitchFamily="34" charset="-127"/>
+                </a:rPr>
+                <a:t>출력</a:t>
+              </a:r>
+              <a:r>
+                <a:rPr kumimoji="0" lang="en-US" altLang="ko-KR" sz="1000" dirty="0" smtClean="0">
+                  <a:solidFill>
+                    <a:srgbClr val="FF0000"/>
+                  </a:solidFill>
+                  <a:latin typeface="나눔고딕OTF" pitchFamily="34" charset="-127"/>
+                  <a:ea typeface="나눔고딕OTF" pitchFamily="34" charset="-127"/>
+                </a:rPr>
+                <a:t>”</a:t>
+              </a:r>
+              <a:r>
+                <a:rPr kumimoji="0" lang="ko-KR" altLang="en-US" sz="1000" dirty="0" smtClean="0">
+                  <a:solidFill>
+                    <a:srgbClr val="FF0000"/>
+                  </a:solidFill>
+                  <a:latin typeface="나눔고딕OTF" pitchFamily="34" charset="-127"/>
+                  <a:ea typeface="나눔고딕OTF" pitchFamily="34" charset="-127"/>
+                </a:rPr>
+                <a:t>에 체크됩니다</a:t>
+              </a:r>
+              <a:r>
+                <a:rPr kumimoji="0" lang="en-US" altLang="ko-KR" sz="1000" dirty="0" smtClean="0">
+                  <a:solidFill>
+                    <a:srgbClr val="FF0000"/>
+                  </a:solidFill>
+                  <a:latin typeface="나눔고딕OTF" pitchFamily="34" charset="-127"/>
+                  <a:ea typeface="나눔고딕OTF" pitchFamily="34" charset="-127"/>
+                </a:rPr>
+                <a:t>.</a:t>
+              </a:r>
+            </a:p>
+            <a:p>
+              <a:pPr marL="228600" indent="-228600">
+                <a:lnSpc>
+                  <a:spcPct val="120000"/>
+                </a:lnSpc>
+              </a:pPr>
+              <a:endParaRPr kumimoji="0" lang="en-US" altLang="ko-KR" sz="1000" dirty="0" smtClean="0">
+                <a:solidFill>
+                  <a:srgbClr val="FF0000"/>
+                </a:solidFill>
+                <a:latin typeface="나눔고딕OTF" pitchFamily="34" charset="-127"/>
+                <a:ea typeface="나눔고딕OTF" pitchFamily="34" charset="-127"/>
+              </a:endParaRPr>
+            </a:p>
+            <a:p>
+              <a:pPr marL="228600" indent="-228600">
+                <a:lnSpc>
+                  <a:spcPct val="120000"/>
+                </a:lnSpc>
+              </a:pPr>
+              <a:endParaRPr kumimoji="0" lang="en-US" altLang="ko-KR" sz="1000" dirty="0" smtClean="0">
+                <a:solidFill>
+                  <a:srgbClr val="FF0000"/>
+                </a:solidFill>
+                <a:latin typeface="나눔고딕OTF" pitchFamily="34" charset="-127"/>
+                <a:ea typeface="나눔고딕OTF" pitchFamily="34" charset="-127"/>
+              </a:endParaRPr>
+            </a:p>
+            <a:p>
+              <a:pPr marL="228600" indent="-228600">
+                <a:lnSpc>
+                  <a:spcPct val="120000"/>
+                </a:lnSpc>
+              </a:pPr>
+              <a:endParaRPr kumimoji="0" lang="en-US" altLang="ko-KR" sz="1000" dirty="0" smtClean="0">
+                <a:solidFill>
+                  <a:srgbClr val="FF0000"/>
+                </a:solidFill>
+                <a:latin typeface="나눔고딕OTF" pitchFamily="34" charset="-127"/>
+                <a:ea typeface="나눔고딕OTF" pitchFamily="34" charset="-127"/>
+              </a:endParaRPr>
+            </a:p>
+            <a:p>
+              <a:pPr marL="228600" indent="-228600">
+                <a:lnSpc>
+                  <a:spcPct val="120000"/>
+                </a:lnSpc>
+              </a:pPr>
+              <a:endParaRPr kumimoji="0" lang="en-US" altLang="ko-KR" sz="1000" dirty="0" smtClean="0">
+                <a:solidFill>
+                  <a:srgbClr val="FF0000"/>
+                </a:solidFill>
+                <a:latin typeface="나눔고딕OTF" pitchFamily="34" charset="-127"/>
+                <a:ea typeface="나눔고딕OTF" pitchFamily="34" charset="-127"/>
+              </a:endParaRPr>
+            </a:p>
+            <a:p>
+              <a:pPr marL="228600" indent="-228600">
+                <a:lnSpc>
+                  <a:spcPct val="120000"/>
+                </a:lnSpc>
+              </a:pPr>
+              <a:r>
+                <a:rPr kumimoji="0" lang="en-US" altLang="ko-KR" sz="1000" dirty="0" smtClean="0">
+                  <a:solidFill>
+                    <a:srgbClr val="FF0000"/>
+                  </a:solidFill>
+                  <a:latin typeface="나눔고딕OTF" pitchFamily="34" charset="-127"/>
+                  <a:ea typeface="나눔고딕OTF" pitchFamily="34" charset="-127"/>
+                </a:rPr>
+                <a:t>   * </a:t>
+              </a:r>
+              <a:r>
+                <a:rPr kumimoji="0" lang="ko-KR" altLang="en-US" sz="1000" dirty="0" smtClean="0">
+                  <a:solidFill>
+                    <a:srgbClr val="FF0000"/>
+                  </a:solidFill>
+                  <a:latin typeface="나눔고딕OTF" pitchFamily="34" charset="-127"/>
+                  <a:ea typeface="나눔고딕OTF" pitchFamily="34" charset="-127"/>
+                </a:rPr>
+                <a:t>이미 출력한 내역도 다시 선택하여 재 출력</a:t>
+              </a:r>
+              <a:endParaRPr kumimoji="0" lang="en-US" altLang="ko-KR" sz="1000" dirty="0" smtClean="0">
+                <a:solidFill>
+                  <a:srgbClr val="FF0000"/>
+                </a:solidFill>
+                <a:latin typeface="나눔고딕OTF" pitchFamily="34" charset="-127"/>
+                <a:ea typeface="나눔고딕OTF" pitchFamily="34" charset="-127"/>
+              </a:endParaRPr>
+            </a:p>
+            <a:p>
+              <a:pPr marL="228600" indent="-228600">
+                <a:lnSpc>
+                  <a:spcPct val="120000"/>
+                </a:lnSpc>
+              </a:pPr>
+              <a:r>
+                <a:rPr kumimoji="0" lang="en-US" altLang="ko-KR" sz="1000" dirty="0" smtClean="0">
+                  <a:solidFill>
+                    <a:srgbClr val="FF0000"/>
+                  </a:solidFill>
+                  <a:latin typeface="나눔고딕OTF" pitchFamily="34" charset="-127"/>
+                  <a:ea typeface="나눔고딕OTF" pitchFamily="34" charset="-127"/>
+                </a:rPr>
+                <a:t>	</a:t>
+              </a:r>
+              <a:r>
+                <a:rPr kumimoji="0" lang="ko-KR" altLang="en-US" sz="1000" dirty="0" smtClean="0">
+                  <a:solidFill>
+                    <a:srgbClr val="FF0000"/>
+                  </a:solidFill>
+                  <a:latin typeface="나눔고딕OTF" pitchFamily="34" charset="-127"/>
+                  <a:ea typeface="나눔고딕OTF" pitchFamily="34" charset="-127"/>
+                </a:rPr>
+                <a:t>가능합니다</a:t>
+              </a:r>
+              <a:r>
+                <a:rPr kumimoji="0" lang="en-US" altLang="ko-KR" sz="1000" dirty="0" smtClean="0">
+                  <a:solidFill>
+                    <a:srgbClr val="FF0000"/>
+                  </a:solidFill>
+                  <a:latin typeface="나눔고딕OTF" pitchFamily="34" charset="-127"/>
+                  <a:ea typeface="나눔고딕OTF" pitchFamily="34" charset="-127"/>
+                </a:rPr>
+                <a:t>.</a:t>
+              </a:r>
+              <a:endParaRPr kumimoji="0" lang="en-US" altLang="ko-KR" sz="1000" dirty="0" smtClean="0">
+                <a:latin typeface="나눔고딕OTF" pitchFamily="34" charset="-127"/>
+                <a:ea typeface="나눔고딕OTF" pitchFamily="34" charset="-127"/>
+              </a:endParaRPr>
+            </a:p>
+          </p:txBody>
+        </p:sp>
+        <p:pic>
+          <p:nvPicPr>
+            <p:cNvPr id="1026" name="Picture 2"/>
+            <p:cNvPicPr>
+              <a:picLocks noChangeAspect="1" noChangeArrowheads="1"/>
+            </p:cNvPicPr>
+            <p:nvPr/>
+          </p:nvPicPr>
+          <p:blipFill>
+            <a:blip r:embed="rId3"/>
+            <a:srcRect/>
+            <a:stretch>
+              <a:fillRect/>
+            </a:stretch>
+          </p:blipFill>
+          <p:spPr bwMode="auto">
+            <a:xfrm>
+              <a:off x="7167578" y="3929066"/>
+              <a:ext cx="1857375" cy="561975"/>
+            </a:xfrm>
+            <a:prstGeom prst="rect">
+              <a:avLst/>
+            </a:prstGeom>
+            <a:noFill/>
+            <a:ln w="9525">
+              <a:solidFill>
+                <a:schemeClr val="tx1"/>
+              </a:solidFill>
+              <a:miter lim="800000"/>
+              <a:headEnd/>
+              <a:tailEnd/>
+            </a:ln>
+            <a:effectLst/>
+          </p:spPr>
+        </p:pic>
+      </p:grpSp>
+      <p:cxnSp>
+        <p:nvCxnSpPr>
+          <p:cNvPr id="20" name="꺾인 연결선 19"/>
+          <p:cNvCxnSpPr>
+            <a:stCxn id="17" idx="3"/>
+            <a:endCxn id="1026" idx="1"/>
+          </p:cNvCxnSpPr>
+          <p:nvPr/>
+        </p:nvCxnSpPr>
+        <p:spPr>
+          <a:xfrm>
+            <a:off x="5412259" y="3373073"/>
+            <a:ext cx="1755319" cy="836981"/>
+          </a:xfrm>
+          <a:prstGeom prst="bentConnector3">
+            <a:avLst>
+              <a:gd name="adj1" fmla="val 50000"/>
+            </a:avLst>
+          </a:prstGeom>
+          <a:ln w="19050">
+            <a:solidFill>
+              <a:srgbClr val="7030A0"/>
+            </a:solidFill>
+            <a:tailEnd type="arrow"/>
+          </a:ln>
+        </p:spPr>
+        <p:style>
+          <a:lnRef idx="1">
+            <a:schemeClr val="accent1"/>
+          </a:lnRef>
+          <a:fillRef idx="0">
+            <a:schemeClr val="accent1"/>
+          </a:fillRef>
+          <a:effectRef idx="0">
+            <a:schemeClr val="accent1"/>
+          </a:effectRef>
+          <a:fontRef idx="minor">
+            <a:schemeClr val="tx1"/>
+          </a:fontRef>
+        </p:style>
+      </p:cxnSp>
+      <p:sp>
+        <p:nvSpPr>
+          <p:cNvPr id="21" name="TextBox 59"/>
+          <p:cNvSpPr txBox="1">
+            <a:spLocks noChangeArrowheads="1"/>
+          </p:cNvSpPr>
+          <p:nvPr/>
+        </p:nvSpPr>
+        <p:spPr bwMode="auto">
+          <a:xfrm>
+            <a:off x="415924" y="1052513"/>
+            <a:ext cx="5751521" cy="276999"/>
+          </a:xfrm>
+          <a:prstGeom prst="rect">
+            <a:avLst/>
+          </a:prstGeom>
+          <a:noFill/>
+          <a:ln w="9525">
+            <a:noFill/>
+            <a:miter lim="800000"/>
+            <a:headEnd/>
+            <a:tailEnd/>
+          </a:ln>
+        </p:spPr>
+        <p:txBody>
+          <a:bodyPr wrap="square">
+            <a:spAutoFit/>
+          </a:bodyPr>
+          <a:lstStyle/>
+          <a:p>
+            <a:r>
+              <a:rPr kumimoji="0" lang="en-US" altLang="ko-KR" sz="1200" dirty="0">
+                <a:latin typeface="나눔고딕OTF" pitchFamily="34" charset="-127"/>
+                <a:ea typeface="나눔고딕OTF" pitchFamily="34" charset="-127"/>
+              </a:rPr>
+              <a:t> </a:t>
+            </a:r>
+            <a:r>
+              <a:rPr kumimoji="0" lang="ko-KR" altLang="en-US" sz="1200" dirty="0" smtClean="0">
+                <a:latin typeface="나눔고딕OTF" pitchFamily="34" charset="-127"/>
+                <a:ea typeface="나눔고딕OTF" pitchFamily="34" charset="-127"/>
+              </a:rPr>
+              <a:t>위치 </a:t>
+            </a:r>
+            <a:r>
+              <a:rPr kumimoji="0" lang="en-US" altLang="ko-KR" sz="1200" dirty="0" smtClean="0">
+                <a:latin typeface="나눔고딕OTF" pitchFamily="34" charset="-127"/>
+                <a:ea typeface="나눔고딕OTF" pitchFamily="34" charset="-127"/>
+              </a:rPr>
+              <a:t>: </a:t>
+            </a:r>
+            <a:r>
+              <a:rPr kumimoji="0" lang="ko-KR" altLang="en-US" sz="1200" dirty="0" err="1" smtClean="0">
+                <a:latin typeface="나눔고딕OTF" pitchFamily="34" charset="-127"/>
+                <a:ea typeface="나눔고딕OTF" pitchFamily="34" charset="-127"/>
+              </a:rPr>
+              <a:t>메인화면</a:t>
+            </a:r>
+            <a:r>
+              <a:rPr kumimoji="0" lang="ko-KR" altLang="en-US" sz="1200" dirty="0" smtClean="0">
+                <a:latin typeface="나눔고딕OTF" pitchFamily="34" charset="-127"/>
+                <a:ea typeface="나눔고딕OTF" pitchFamily="34" charset="-127"/>
+              </a:rPr>
+              <a:t> </a:t>
+            </a:r>
+            <a:r>
+              <a:rPr kumimoji="0" lang="en-US" altLang="ko-KR" sz="1200" dirty="0" smtClean="0">
+                <a:latin typeface="나눔고딕OTF" pitchFamily="34" charset="-127"/>
+                <a:ea typeface="나눔고딕OTF" pitchFamily="34" charset="-127"/>
+              </a:rPr>
+              <a:t>– </a:t>
+            </a:r>
+            <a:r>
+              <a:rPr kumimoji="0" lang="ko-KR" altLang="en-US" sz="1200" dirty="0" smtClean="0">
+                <a:latin typeface="나눔고딕OTF" pitchFamily="34" charset="-127"/>
+                <a:ea typeface="나눔고딕OTF" pitchFamily="34" charset="-127"/>
+              </a:rPr>
+              <a:t>건강검진 </a:t>
+            </a:r>
+            <a:r>
+              <a:rPr kumimoji="0" lang="en-US" altLang="ko-KR" sz="1200" dirty="0" smtClean="0">
+                <a:latin typeface="나눔고딕OTF" pitchFamily="34" charset="-127"/>
+                <a:ea typeface="나눔고딕OTF" pitchFamily="34" charset="-127"/>
+              </a:rPr>
+              <a:t>– </a:t>
+            </a:r>
+            <a:r>
+              <a:rPr kumimoji="0" lang="ko-KR" altLang="en-US" sz="1200" dirty="0" smtClean="0">
+                <a:latin typeface="나눔고딕OTF" pitchFamily="34" charset="-127"/>
+                <a:ea typeface="나눔고딕OTF" pitchFamily="34" charset="-127"/>
+              </a:rPr>
+              <a:t>결과 통보서</a:t>
+            </a:r>
+            <a:r>
+              <a:rPr kumimoji="0" lang="en-US" altLang="ko-KR" sz="1200" dirty="0" smtClean="0">
+                <a:latin typeface="나눔고딕OTF" pitchFamily="34" charset="-127"/>
+                <a:ea typeface="나눔고딕OTF" pitchFamily="34" charset="-127"/>
+              </a:rPr>
+              <a:t>_</a:t>
+            </a:r>
+            <a:r>
+              <a:rPr kumimoji="0" lang="ko-KR" altLang="en-US" sz="1200" dirty="0" smtClean="0">
+                <a:latin typeface="나눔고딕OTF" pitchFamily="34" charset="-127"/>
+                <a:ea typeface="나눔고딕OTF" pitchFamily="34" charset="-127"/>
+              </a:rPr>
+              <a:t>건강검진</a:t>
+            </a:r>
+            <a:r>
+              <a:rPr kumimoji="0" lang="en-US" altLang="ko-KR" sz="1200" dirty="0" smtClean="0">
+                <a:latin typeface="나눔고딕OTF" pitchFamily="34" charset="-127"/>
+                <a:ea typeface="나눔고딕OTF" pitchFamily="34" charset="-127"/>
+              </a:rPr>
+              <a:t>,</a:t>
+            </a:r>
+            <a:r>
+              <a:rPr kumimoji="0" lang="ko-KR" altLang="en-US" sz="1200" dirty="0" err="1" smtClean="0">
+                <a:latin typeface="나눔고딕OTF" pitchFamily="34" charset="-127"/>
+                <a:ea typeface="나눔고딕OTF" pitchFamily="34" charset="-127"/>
+              </a:rPr>
+              <a:t>암검진</a:t>
+            </a:r>
+            <a:endParaRPr kumimoji="0" lang="en-US" altLang="ko-KR" sz="1200" dirty="0">
               <a:latin typeface="나눔고딕OTF" pitchFamily="34" charset="-127"/>
               <a:ea typeface="나눔고딕OTF" pitchFamily="34" charset="-127"/>
             </a:endParaRPr>
@@ -21839,8 +23027,8 @@
         </p:blipFill>
         <p:spPr bwMode="auto">
           <a:xfrm>
-            <a:off x="611900" y="1844555"/>
-            <a:ext cx="5916775" cy="4026140"/>
+            <a:off x="611900" y="1921956"/>
+            <a:ext cx="5916775" cy="3871337"/>
           </a:xfrm>
           <a:prstGeom prst="rect">
             <a:avLst/>
@@ -21863,7 +23051,7 @@
         <p:spPr>
           <a:xfrm>
             <a:off x="1497013" y="282575"/>
-            <a:ext cx="2419252" cy="369332"/>
+            <a:ext cx="1705916" cy="369332"/>
           </a:xfrm>
           <a:prstGeom prst="rect">
             <a:avLst/>
@@ -21919,665 +23107,8 @@
                 <a:latin typeface="나눔고딕OTF ExtraBold" pitchFamily="34" charset="-127"/>
                 <a:ea typeface="나눔고딕OTF ExtraBold" pitchFamily="34" charset="-127"/>
               </a:rPr>
-              <a:t>통보서 출력</a:t>
-            </a:r>
-          </a:p>
-        </p:txBody>
-      </p:sp>
-      <p:sp>
-        <p:nvSpPr>
-          <p:cNvPr id="22535" name="TextBox 4"/>
-          <p:cNvSpPr txBox="1">
-            <a:spLocks noChangeArrowheads="1"/>
-          </p:cNvSpPr>
-          <p:nvPr/>
-        </p:nvSpPr>
-        <p:spPr bwMode="auto">
-          <a:xfrm>
-            <a:off x="6524625" y="1593850"/>
-            <a:ext cx="3108325" cy="3416320"/>
-          </a:xfrm>
-          <a:prstGeom prst="rect">
-            <a:avLst/>
-          </a:prstGeom>
-          <a:noFill/>
-          <a:ln w="9525">
-            <a:noFill/>
-            <a:miter lim="800000"/>
-            <a:headEnd/>
-            <a:tailEnd/>
-          </a:ln>
-        </p:spPr>
-        <p:txBody>
-          <a:bodyPr>
-            <a:spAutoFit/>
-          </a:bodyPr>
-          <a:lstStyle/>
-          <a:p>
-            <a:pPr marL="228600" indent="-228600">
-              <a:lnSpc>
-                <a:spcPct val="120000"/>
-              </a:lnSpc>
-              <a:buAutoNum type="arabicParenR" startAt="2"/>
-            </a:pPr>
-            <a:r>
-              <a:rPr kumimoji="0" lang="ko-KR" altLang="en-US" sz="1000" b="1" dirty="0" smtClean="0">
-                <a:latin typeface="나눔고딕OTF" pitchFamily="34" charset="-127"/>
-                <a:ea typeface="나눔고딕OTF" pitchFamily="34" charset="-127"/>
-              </a:rPr>
-              <a:t>출력 대상 </a:t>
-            </a:r>
-            <a:r>
-              <a:rPr kumimoji="0" lang="ko-KR" altLang="en-US" sz="1000" b="1" dirty="0" err="1" smtClean="0">
-                <a:latin typeface="나눔고딕OTF" pitchFamily="34" charset="-127"/>
-                <a:ea typeface="나눔고딕OTF" pitchFamily="34" charset="-127"/>
-              </a:rPr>
-              <a:t>검진자</a:t>
-            </a:r>
-            <a:r>
-              <a:rPr kumimoji="0" lang="ko-KR" altLang="en-US" sz="1000" b="1" dirty="0" smtClean="0">
-                <a:latin typeface="나눔고딕OTF" pitchFamily="34" charset="-127"/>
-                <a:ea typeface="나눔고딕OTF" pitchFamily="34" charset="-127"/>
-              </a:rPr>
-              <a:t> 조회 및 선택</a:t>
-            </a:r>
-            <a:endParaRPr kumimoji="0" lang="en-US" altLang="ko-KR" sz="1000" b="1" dirty="0" smtClean="0">
-              <a:latin typeface="나눔고딕OTF" pitchFamily="34" charset="-127"/>
-              <a:ea typeface="나눔고딕OTF" pitchFamily="34" charset="-127"/>
-            </a:endParaRPr>
-          </a:p>
-          <a:p>
-            <a:pPr marL="228600" indent="-228600">
-              <a:lnSpc>
-                <a:spcPct val="120000"/>
-              </a:lnSpc>
-            </a:pPr>
-            <a:r>
-              <a:rPr kumimoji="0" lang="en-US" altLang="ko-KR" sz="1000" dirty="0" smtClean="0">
-                <a:latin typeface="나눔고딕OTF" pitchFamily="34" charset="-127"/>
-                <a:ea typeface="나눔고딕OTF" pitchFamily="34" charset="-127"/>
-              </a:rPr>
-              <a:t>   - </a:t>
-            </a:r>
-            <a:r>
-              <a:rPr kumimoji="0" lang="ko-KR" altLang="en-US" sz="1000" dirty="0" smtClean="0">
-                <a:latin typeface="나눔고딕OTF" pitchFamily="34" charset="-127"/>
-                <a:ea typeface="나눔고딕OTF" pitchFamily="34" charset="-127"/>
-              </a:rPr>
-              <a:t>조회 조건에 해당하는 </a:t>
-            </a:r>
-            <a:r>
-              <a:rPr kumimoji="0" lang="ko-KR" altLang="en-US" sz="1000" dirty="0" err="1" smtClean="0">
-                <a:latin typeface="나눔고딕OTF" pitchFamily="34" charset="-127"/>
-                <a:ea typeface="나눔고딕OTF" pitchFamily="34" charset="-127"/>
-              </a:rPr>
-              <a:t>검진자들이</a:t>
-            </a:r>
-            <a:r>
-              <a:rPr kumimoji="0" lang="ko-KR" altLang="en-US" sz="1000" dirty="0" smtClean="0">
-                <a:latin typeface="나눔고딕OTF" pitchFamily="34" charset="-127"/>
-                <a:ea typeface="나눔고딕OTF" pitchFamily="34" charset="-127"/>
-              </a:rPr>
-              <a:t> 표시됩니다</a:t>
-            </a:r>
-            <a:r>
-              <a:rPr kumimoji="0" lang="en-US" altLang="ko-KR" sz="1000" dirty="0" smtClean="0">
-                <a:latin typeface="나눔고딕OTF" pitchFamily="34" charset="-127"/>
-                <a:ea typeface="나눔고딕OTF" pitchFamily="34" charset="-127"/>
-              </a:rPr>
-              <a:t>.</a:t>
-            </a:r>
-          </a:p>
-          <a:p>
-            <a:pPr marL="228600" indent="-228600">
-              <a:lnSpc>
-                <a:spcPct val="120000"/>
-              </a:lnSpc>
-            </a:pPr>
-            <a:r>
-              <a:rPr kumimoji="0" lang="en-US" altLang="ko-KR" sz="1000" dirty="0" smtClean="0">
-                <a:latin typeface="나눔고딕OTF" pitchFamily="34" charset="-127"/>
-                <a:ea typeface="나눔고딕OTF" pitchFamily="34" charset="-127"/>
-              </a:rPr>
-              <a:t>   - </a:t>
-            </a:r>
-            <a:r>
-              <a:rPr kumimoji="0" lang="ko-KR" altLang="en-US" sz="1000" dirty="0" smtClean="0">
-                <a:latin typeface="나눔고딕OTF" pitchFamily="34" charset="-127"/>
-                <a:ea typeface="나눔고딕OTF" pitchFamily="34" charset="-127"/>
-              </a:rPr>
-              <a:t>수검한 검진유형에 검진 날짜가 표시됩니다</a:t>
-            </a:r>
-            <a:r>
-              <a:rPr kumimoji="0" lang="en-US" altLang="ko-KR" sz="1000" dirty="0" smtClean="0">
-                <a:latin typeface="나눔고딕OTF" pitchFamily="34" charset="-127"/>
-                <a:ea typeface="나눔고딕OTF" pitchFamily="34" charset="-127"/>
-              </a:rPr>
-              <a:t>.</a:t>
-            </a:r>
-          </a:p>
-          <a:p>
-            <a:pPr marL="228600" indent="-228600">
-              <a:lnSpc>
-                <a:spcPct val="120000"/>
-              </a:lnSpc>
-            </a:pPr>
-            <a:r>
-              <a:rPr kumimoji="0" lang="en-US" altLang="ko-KR" sz="1000" dirty="0" smtClean="0">
-                <a:latin typeface="나눔고딕OTF" pitchFamily="34" charset="-127"/>
-                <a:ea typeface="나눔고딕OTF" pitchFamily="34" charset="-127"/>
-              </a:rPr>
-              <a:t>   - </a:t>
-            </a:r>
-            <a:r>
-              <a:rPr kumimoji="0" lang="ko-KR" altLang="en-US" sz="1000" dirty="0" err="1" smtClean="0">
-                <a:latin typeface="나눔고딕OTF" pitchFamily="34" charset="-127"/>
-                <a:ea typeface="나눔고딕OTF" pitchFamily="34" charset="-127"/>
-              </a:rPr>
-              <a:t>통보서를</a:t>
-            </a:r>
-            <a:r>
-              <a:rPr kumimoji="0" lang="ko-KR" altLang="en-US" sz="1000" dirty="0" smtClean="0">
-                <a:latin typeface="나눔고딕OTF" pitchFamily="34" charset="-127"/>
-                <a:ea typeface="나눔고딕OTF" pitchFamily="34" charset="-127"/>
-              </a:rPr>
-              <a:t> 한번도 뽑지 않은 </a:t>
-            </a:r>
-            <a:r>
-              <a:rPr kumimoji="0" lang="ko-KR" altLang="en-US" sz="1000" dirty="0" err="1" smtClean="0">
-                <a:latin typeface="나눔고딕OTF" pitchFamily="34" charset="-127"/>
-                <a:ea typeface="나눔고딕OTF" pitchFamily="34" charset="-127"/>
-              </a:rPr>
-              <a:t>검진자는</a:t>
-            </a:r>
-            <a:r>
-              <a:rPr kumimoji="0" lang="ko-KR" altLang="en-US" sz="1000" dirty="0" smtClean="0">
-                <a:latin typeface="나눔고딕OTF" pitchFamily="34" charset="-127"/>
-                <a:ea typeface="나눔고딕OTF" pitchFamily="34" charset="-127"/>
-              </a:rPr>
-              <a:t> 자동으로</a:t>
-            </a:r>
-            <a:endParaRPr kumimoji="0" lang="en-US" altLang="ko-KR" sz="1000" dirty="0" smtClean="0">
-              <a:latin typeface="나눔고딕OTF" pitchFamily="34" charset="-127"/>
-              <a:ea typeface="나눔고딕OTF" pitchFamily="34" charset="-127"/>
-            </a:endParaRPr>
-          </a:p>
-          <a:p>
-            <a:pPr marL="228600" indent="-228600">
-              <a:lnSpc>
-                <a:spcPct val="120000"/>
-              </a:lnSpc>
-            </a:pPr>
-            <a:r>
-              <a:rPr kumimoji="0" lang="en-US" altLang="ko-KR" sz="1000" dirty="0" smtClean="0">
-                <a:latin typeface="나눔고딕OTF" pitchFamily="34" charset="-127"/>
-                <a:ea typeface="나눔고딕OTF" pitchFamily="34" charset="-127"/>
-              </a:rPr>
-              <a:t>	“</a:t>
-            </a:r>
-            <a:r>
-              <a:rPr kumimoji="0" lang="ko-KR" altLang="en-US" sz="1000" dirty="0" smtClean="0">
-                <a:latin typeface="나눔고딕OTF" pitchFamily="34" charset="-127"/>
-                <a:ea typeface="나눔고딕OTF" pitchFamily="34" charset="-127"/>
-              </a:rPr>
-              <a:t>선택</a:t>
-            </a:r>
-            <a:r>
-              <a:rPr kumimoji="0" lang="en-US" altLang="ko-KR" sz="1000" dirty="0" smtClean="0">
-                <a:latin typeface="나눔고딕OTF" pitchFamily="34" charset="-127"/>
-                <a:ea typeface="나눔고딕OTF" pitchFamily="34" charset="-127"/>
-              </a:rPr>
-              <a:t>”</a:t>
-            </a:r>
-            <a:r>
-              <a:rPr kumimoji="0" lang="ko-KR" altLang="en-US" sz="1000" dirty="0" smtClean="0">
-                <a:latin typeface="나눔고딕OTF" pitchFamily="34" charset="-127"/>
-                <a:ea typeface="나눔고딕OTF" pitchFamily="34" charset="-127"/>
-              </a:rPr>
-              <a:t>에 체크되어 있습니다</a:t>
-            </a:r>
-            <a:r>
-              <a:rPr kumimoji="0" lang="en-US" altLang="ko-KR" sz="1000" dirty="0" smtClean="0">
-                <a:latin typeface="나눔고딕OTF" pitchFamily="34" charset="-127"/>
-                <a:ea typeface="나눔고딕OTF" pitchFamily="34" charset="-127"/>
-              </a:rPr>
-              <a:t>.</a:t>
-            </a:r>
-          </a:p>
-          <a:p>
-            <a:pPr marL="228600" indent="-228600">
-              <a:lnSpc>
-                <a:spcPct val="120000"/>
-              </a:lnSpc>
-              <a:buAutoNum type="arabicParenR" startAt="3"/>
-            </a:pPr>
-            <a:r>
-              <a:rPr kumimoji="0" lang="ko-KR" altLang="en-US" sz="1000" b="1" dirty="0" smtClean="0">
-                <a:latin typeface="나눔고딕OTF" pitchFamily="34" charset="-127"/>
-                <a:ea typeface="나눔고딕OTF" pitchFamily="34" charset="-127"/>
-              </a:rPr>
-              <a:t>검진 통보서 출력</a:t>
-            </a:r>
-            <a:endParaRPr kumimoji="0" lang="en-US" altLang="ko-KR" sz="1000" b="1" dirty="0" smtClean="0">
-              <a:latin typeface="나눔고딕OTF" pitchFamily="34" charset="-127"/>
-              <a:ea typeface="나눔고딕OTF" pitchFamily="34" charset="-127"/>
-            </a:endParaRPr>
-          </a:p>
-          <a:p>
-            <a:pPr marL="228600" indent="-228600">
-              <a:lnSpc>
-                <a:spcPct val="120000"/>
-              </a:lnSpc>
-            </a:pPr>
-            <a:r>
-              <a:rPr kumimoji="0" lang="en-US" altLang="ko-KR" sz="1000" dirty="0" smtClean="0">
-                <a:latin typeface="나눔고딕OTF" pitchFamily="34" charset="-127"/>
-                <a:ea typeface="나눔고딕OTF" pitchFamily="34" charset="-127"/>
-              </a:rPr>
-              <a:t>   - </a:t>
-            </a:r>
-            <a:r>
-              <a:rPr kumimoji="0" lang="ko-KR" altLang="en-US" sz="1000" dirty="0" smtClean="0">
-                <a:latin typeface="나눔고딕OTF" pitchFamily="34" charset="-127"/>
-                <a:ea typeface="나눔고딕OTF" pitchFamily="34" charset="-127"/>
-              </a:rPr>
-              <a:t>조회 화면에서 선택한 </a:t>
-            </a:r>
-            <a:r>
-              <a:rPr kumimoji="0" lang="ko-KR" altLang="en-US" sz="1000" dirty="0" err="1" smtClean="0">
-                <a:latin typeface="나눔고딕OTF" pitchFamily="34" charset="-127"/>
-                <a:ea typeface="나눔고딕OTF" pitchFamily="34" charset="-127"/>
-              </a:rPr>
-              <a:t>검진자들의</a:t>
-            </a:r>
-            <a:r>
-              <a:rPr kumimoji="0" lang="ko-KR" altLang="en-US" sz="1000" dirty="0" smtClean="0">
-                <a:latin typeface="나눔고딕OTF" pitchFamily="34" charset="-127"/>
-                <a:ea typeface="나눔고딕OTF" pitchFamily="34" charset="-127"/>
-              </a:rPr>
-              <a:t> </a:t>
-            </a:r>
-            <a:r>
-              <a:rPr kumimoji="0" lang="ko-KR" altLang="en-US" sz="1000" dirty="0" err="1" smtClean="0">
-                <a:latin typeface="나눔고딕OTF" pitchFamily="34" charset="-127"/>
-                <a:ea typeface="나눔고딕OTF" pitchFamily="34" charset="-127"/>
-              </a:rPr>
-              <a:t>통보서를</a:t>
-            </a:r>
-            <a:r>
-              <a:rPr kumimoji="0" lang="ko-KR" altLang="en-US" sz="1000" dirty="0" smtClean="0">
-                <a:latin typeface="나눔고딕OTF" pitchFamily="34" charset="-127"/>
-                <a:ea typeface="나눔고딕OTF" pitchFamily="34" charset="-127"/>
-              </a:rPr>
-              <a:t> 출력합니다</a:t>
-            </a:r>
-            <a:r>
-              <a:rPr kumimoji="0" lang="en-US" altLang="ko-KR" sz="1000" dirty="0" smtClean="0">
-                <a:latin typeface="나눔고딕OTF" pitchFamily="34" charset="-127"/>
-                <a:ea typeface="나눔고딕OTF" pitchFamily="34" charset="-127"/>
-              </a:rPr>
-              <a:t>.</a:t>
-            </a:r>
-          </a:p>
-          <a:p>
-            <a:pPr marL="228600" indent="-228600">
-              <a:lnSpc>
-                <a:spcPct val="120000"/>
-              </a:lnSpc>
-            </a:pPr>
-            <a:r>
-              <a:rPr kumimoji="0" lang="en-US" altLang="ko-KR" sz="1000" dirty="0" smtClean="0">
-                <a:latin typeface="나눔고딕OTF" pitchFamily="34" charset="-127"/>
-                <a:ea typeface="나눔고딕OTF" pitchFamily="34" charset="-127"/>
-              </a:rPr>
-              <a:t>   </a:t>
-            </a:r>
-            <a:r>
-              <a:rPr kumimoji="0" lang="en-US" altLang="ko-KR" sz="1000" dirty="0" smtClean="0">
-                <a:solidFill>
-                  <a:srgbClr val="FF0000"/>
-                </a:solidFill>
-                <a:latin typeface="나눔고딕OTF" pitchFamily="34" charset="-127"/>
-                <a:ea typeface="나눔고딕OTF" pitchFamily="34" charset="-127"/>
-              </a:rPr>
-              <a:t>* “</a:t>
-            </a:r>
-            <a:r>
-              <a:rPr kumimoji="0" lang="ko-KR" altLang="en-US" sz="1000" dirty="0" smtClean="0">
-                <a:solidFill>
-                  <a:srgbClr val="FF0000"/>
-                </a:solidFill>
-                <a:latin typeface="나눔고딕OTF" pitchFamily="34" charset="-127"/>
-                <a:ea typeface="나눔고딕OTF" pitchFamily="34" charset="-127"/>
-              </a:rPr>
-              <a:t>선택</a:t>
-            </a:r>
-            <a:r>
-              <a:rPr kumimoji="0" lang="en-US" altLang="ko-KR" sz="1000" dirty="0" smtClean="0">
-                <a:solidFill>
-                  <a:srgbClr val="FF0000"/>
-                </a:solidFill>
-                <a:latin typeface="나눔고딕OTF" pitchFamily="34" charset="-127"/>
-                <a:ea typeface="나눔고딕OTF" pitchFamily="34" charset="-127"/>
-              </a:rPr>
-              <a:t>”</a:t>
-            </a:r>
-            <a:r>
-              <a:rPr kumimoji="0" lang="ko-KR" altLang="en-US" sz="1000" dirty="0" smtClean="0">
-                <a:solidFill>
-                  <a:srgbClr val="FF0000"/>
-                </a:solidFill>
-                <a:latin typeface="나눔고딕OTF" pitchFamily="34" charset="-127"/>
-                <a:ea typeface="나눔고딕OTF" pitchFamily="34" charset="-127"/>
-              </a:rPr>
-              <a:t>에 체크되어 있는 내역만 출력합니다</a:t>
-            </a:r>
-            <a:r>
-              <a:rPr kumimoji="0" lang="en-US" altLang="ko-KR" sz="1000" dirty="0" smtClean="0">
-                <a:solidFill>
-                  <a:srgbClr val="FF0000"/>
-                </a:solidFill>
-                <a:latin typeface="나눔고딕OTF" pitchFamily="34" charset="-127"/>
-                <a:ea typeface="나눔고딕OTF" pitchFamily="34" charset="-127"/>
-              </a:rPr>
-              <a:t>.</a:t>
-            </a:r>
-          </a:p>
-          <a:p>
-            <a:pPr marL="228600" indent="-228600">
-              <a:lnSpc>
-                <a:spcPct val="120000"/>
-              </a:lnSpc>
-            </a:pPr>
-            <a:endParaRPr kumimoji="0" lang="en-US" altLang="ko-KR" sz="1000" dirty="0" smtClean="0">
-              <a:solidFill>
-                <a:srgbClr val="FF0000"/>
-              </a:solidFill>
-              <a:latin typeface="나눔고딕OTF" pitchFamily="34" charset="-127"/>
-              <a:ea typeface="나눔고딕OTF" pitchFamily="34" charset="-127"/>
-            </a:endParaRPr>
-          </a:p>
-          <a:p>
-            <a:pPr marL="228600" indent="-228600">
-              <a:lnSpc>
-                <a:spcPct val="120000"/>
-              </a:lnSpc>
-            </a:pPr>
-            <a:r>
-              <a:rPr kumimoji="0" lang="en-US" altLang="ko-KR" sz="1000" dirty="0" smtClean="0">
-                <a:solidFill>
-                  <a:srgbClr val="FF0000"/>
-                </a:solidFill>
-                <a:latin typeface="나눔고딕OTF" pitchFamily="34" charset="-127"/>
-                <a:ea typeface="나눔고딕OTF" pitchFamily="34" charset="-127"/>
-              </a:rPr>
-              <a:t>   * </a:t>
-            </a:r>
-            <a:r>
-              <a:rPr kumimoji="0" lang="ko-KR" altLang="en-US" sz="1000" dirty="0" smtClean="0">
-                <a:solidFill>
-                  <a:srgbClr val="FF0000"/>
-                </a:solidFill>
-                <a:latin typeface="나눔고딕OTF" pitchFamily="34" charset="-127"/>
-                <a:ea typeface="나눔고딕OTF" pitchFamily="34" charset="-127"/>
-              </a:rPr>
-              <a:t>한번이라도 출력한 내역은 </a:t>
-            </a:r>
-            <a:r>
-              <a:rPr kumimoji="0" lang="en-US" altLang="ko-KR" sz="1000" dirty="0" smtClean="0">
-                <a:solidFill>
-                  <a:srgbClr val="FF0000"/>
-                </a:solidFill>
-                <a:latin typeface="나눔고딕OTF" pitchFamily="34" charset="-127"/>
-                <a:ea typeface="나눔고딕OTF" pitchFamily="34" charset="-127"/>
-              </a:rPr>
-              <a:t>“</a:t>
-            </a:r>
-            <a:r>
-              <a:rPr kumimoji="0" lang="ko-KR" altLang="en-US" sz="1000" dirty="0" smtClean="0">
-                <a:solidFill>
-                  <a:srgbClr val="FF0000"/>
-                </a:solidFill>
-                <a:latin typeface="나눔고딕OTF" pitchFamily="34" charset="-127"/>
-                <a:ea typeface="나눔고딕OTF" pitchFamily="34" charset="-127"/>
-              </a:rPr>
-              <a:t>통보일자</a:t>
-            </a:r>
-            <a:r>
-              <a:rPr kumimoji="0" lang="en-US" altLang="ko-KR" sz="1000" dirty="0" smtClean="0">
-                <a:solidFill>
-                  <a:srgbClr val="FF0000"/>
-                </a:solidFill>
-                <a:latin typeface="나눔고딕OTF" pitchFamily="34" charset="-127"/>
-                <a:ea typeface="나눔고딕OTF" pitchFamily="34" charset="-127"/>
-              </a:rPr>
-              <a:t>” </a:t>
-            </a:r>
-            <a:r>
-              <a:rPr kumimoji="0" lang="ko-KR" altLang="en-US" sz="1000" dirty="0" smtClean="0">
-                <a:solidFill>
-                  <a:srgbClr val="FF0000"/>
-                </a:solidFill>
-                <a:latin typeface="나눔고딕OTF" pitchFamily="34" charset="-127"/>
-                <a:ea typeface="나눔고딕OTF" pitchFamily="34" charset="-127"/>
-              </a:rPr>
-              <a:t>칸에 출력</a:t>
-            </a:r>
-            <a:endParaRPr kumimoji="0" lang="en-US" altLang="ko-KR" sz="1000" dirty="0" smtClean="0">
-              <a:solidFill>
-                <a:srgbClr val="FF0000"/>
-              </a:solidFill>
-              <a:latin typeface="나눔고딕OTF" pitchFamily="34" charset="-127"/>
-              <a:ea typeface="나눔고딕OTF" pitchFamily="34" charset="-127"/>
-            </a:endParaRPr>
-          </a:p>
-          <a:p>
-            <a:pPr marL="228600" indent="-228600">
-              <a:lnSpc>
-                <a:spcPct val="120000"/>
-              </a:lnSpc>
-            </a:pPr>
-            <a:r>
-              <a:rPr kumimoji="0" lang="en-US" altLang="ko-KR" sz="1000" dirty="0" smtClean="0">
-                <a:solidFill>
-                  <a:srgbClr val="FF0000"/>
-                </a:solidFill>
-                <a:latin typeface="나눔고딕OTF" pitchFamily="34" charset="-127"/>
-                <a:ea typeface="나눔고딕OTF" pitchFamily="34" charset="-127"/>
-              </a:rPr>
-              <a:t>	</a:t>
-            </a:r>
-            <a:r>
-              <a:rPr kumimoji="0" lang="ko-KR" altLang="en-US" sz="1000" dirty="0" smtClean="0">
-                <a:solidFill>
-                  <a:srgbClr val="FF0000"/>
-                </a:solidFill>
-                <a:latin typeface="나눔고딕OTF" pitchFamily="34" charset="-127"/>
-                <a:ea typeface="나눔고딕OTF" pitchFamily="34" charset="-127"/>
-              </a:rPr>
-              <a:t>날짜가 저장되어 표시되고</a:t>
-            </a:r>
-            <a:r>
-              <a:rPr kumimoji="0" lang="en-US" altLang="ko-KR" sz="1000" dirty="0" smtClean="0">
-                <a:solidFill>
-                  <a:srgbClr val="FF0000"/>
-                </a:solidFill>
-                <a:latin typeface="나눔고딕OTF" pitchFamily="34" charset="-127"/>
-                <a:ea typeface="나눔고딕OTF" pitchFamily="34" charset="-127"/>
-              </a:rPr>
-              <a:t>, “</a:t>
-            </a:r>
-            <a:r>
-              <a:rPr kumimoji="0" lang="ko-KR" altLang="en-US" sz="1000" dirty="0" smtClean="0">
-                <a:solidFill>
-                  <a:srgbClr val="FF0000"/>
-                </a:solidFill>
-                <a:latin typeface="나눔고딕OTF" pitchFamily="34" charset="-127"/>
-                <a:ea typeface="나눔고딕OTF" pitchFamily="34" charset="-127"/>
-              </a:rPr>
-              <a:t>출력</a:t>
-            </a:r>
-            <a:r>
-              <a:rPr kumimoji="0" lang="en-US" altLang="ko-KR" sz="1000" dirty="0" smtClean="0">
-                <a:solidFill>
-                  <a:srgbClr val="FF0000"/>
-                </a:solidFill>
-                <a:latin typeface="나눔고딕OTF" pitchFamily="34" charset="-127"/>
-                <a:ea typeface="나눔고딕OTF" pitchFamily="34" charset="-127"/>
-              </a:rPr>
-              <a:t>”</a:t>
-            </a:r>
-            <a:r>
-              <a:rPr kumimoji="0" lang="ko-KR" altLang="en-US" sz="1000" dirty="0" smtClean="0">
-                <a:solidFill>
-                  <a:srgbClr val="FF0000"/>
-                </a:solidFill>
-                <a:latin typeface="나눔고딕OTF" pitchFamily="34" charset="-127"/>
-                <a:ea typeface="나눔고딕OTF" pitchFamily="34" charset="-127"/>
-              </a:rPr>
-              <a:t>에 체크됩니다</a:t>
-            </a:r>
-            <a:r>
-              <a:rPr kumimoji="0" lang="en-US" altLang="ko-KR" sz="1000" dirty="0" smtClean="0">
-                <a:solidFill>
-                  <a:srgbClr val="FF0000"/>
-                </a:solidFill>
-                <a:latin typeface="나눔고딕OTF" pitchFamily="34" charset="-127"/>
-                <a:ea typeface="나눔고딕OTF" pitchFamily="34" charset="-127"/>
-              </a:rPr>
-              <a:t>.</a:t>
-            </a:r>
-          </a:p>
-          <a:p>
-            <a:pPr marL="228600" indent="-228600">
-              <a:lnSpc>
-                <a:spcPct val="120000"/>
-              </a:lnSpc>
-            </a:pPr>
-            <a:endParaRPr kumimoji="0" lang="en-US" altLang="ko-KR" sz="1000" dirty="0" smtClean="0">
-              <a:solidFill>
-                <a:srgbClr val="FF0000"/>
-              </a:solidFill>
-              <a:latin typeface="나눔고딕OTF" pitchFamily="34" charset="-127"/>
-              <a:ea typeface="나눔고딕OTF" pitchFamily="34" charset="-127"/>
-            </a:endParaRPr>
-          </a:p>
-          <a:p>
-            <a:pPr marL="228600" indent="-228600">
-              <a:lnSpc>
-                <a:spcPct val="120000"/>
-              </a:lnSpc>
-            </a:pPr>
-            <a:endParaRPr kumimoji="0" lang="en-US" altLang="ko-KR" sz="1000" dirty="0" smtClean="0">
-              <a:solidFill>
-                <a:srgbClr val="FF0000"/>
-              </a:solidFill>
-              <a:latin typeface="나눔고딕OTF" pitchFamily="34" charset="-127"/>
-              <a:ea typeface="나눔고딕OTF" pitchFamily="34" charset="-127"/>
-            </a:endParaRPr>
-          </a:p>
-          <a:p>
-            <a:pPr marL="228600" indent="-228600">
-              <a:lnSpc>
-                <a:spcPct val="120000"/>
-              </a:lnSpc>
-            </a:pPr>
-            <a:endParaRPr kumimoji="0" lang="en-US" altLang="ko-KR" sz="1000" dirty="0" smtClean="0">
-              <a:solidFill>
-                <a:srgbClr val="FF0000"/>
-              </a:solidFill>
-              <a:latin typeface="나눔고딕OTF" pitchFamily="34" charset="-127"/>
-              <a:ea typeface="나눔고딕OTF" pitchFamily="34" charset="-127"/>
-            </a:endParaRPr>
-          </a:p>
-          <a:p>
-            <a:pPr marL="228600" indent="-228600">
-              <a:lnSpc>
-                <a:spcPct val="120000"/>
-              </a:lnSpc>
-            </a:pPr>
-            <a:endParaRPr kumimoji="0" lang="en-US" altLang="ko-KR" sz="1000" dirty="0" smtClean="0">
-              <a:solidFill>
-                <a:srgbClr val="FF0000"/>
-              </a:solidFill>
-              <a:latin typeface="나눔고딕OTF" pitchFamily="34" charset="-127"/>
-              <a:ea typeface="나눔고딕OTF" pitchFamily="34" charset="-127"/>
-            </a:endParaRPr>
-          </a:p>
-          <a:p>
-            <a:pPr marL="228600" indent="-228600">
-              <a:lnSpc>
-                <a:spcPct val="120000"/>
-              </a:lnSpc>
-            </a:pPr>
-            <a:r>
-              <a:rPr kumimoji="0" lang="en-US" altLang="ko-KR" sz="1000" dirty="0" smtClean="0">
-                <a:solidFill>
-                  <a:srgbClr val="FF0000"/>
-                </a:solidFill>
-                <a:latin typeface="나눔고딕OTF" pitchFamily="34" charset="-127"/>
-                <a:ea typeface="나눔고딕OTF" pitchFamily="34" charset="-127"/>
-              </a:rPr>
-              <a:t>   * </a:t>
-            </a:r>
-            <a:r>
-              <a:rPr kumimoji="0" lang="ko-KR" altLang="en-US" sz="1000" dirty="0" smtClean="0">
-                <a:solidFill>
-                  <a:srgbClr val="FF0000"/>
-                </a:solidFill>
-                <a:latin typeface="나눔고딕OTF" pitchFamily="34" charset="-127"/>
-                <a:ea typeface="나눔고딕OTF" pitchFamily="34" charset="-127"/>
-              </a:rPr>
-              <a:t>이미 출력한 내역도 다시 선택하여 재 출력</a:t>
-            </a:r>
-            <a:endParaRPr kumimoji="0" lang="en-US" altLang="ko-KR" sz="1000" dirty="0" smtClean="0">
-              <a:solidFill>
-                <a:srgbClr val="FF0000"/>
-              </a:solidFill>
-              <a:latin typeface="나눔고딕OTF" pitchFamily="34" charset="-127"/>
-              <a:ea typeface="나눔고딕OTF" pitchFamily="34" charset="-127"/>
-            </a:endParaRPr>
-          </a:p>
-          <a:p>
-            <a:pPr marL="228600" indent="-228600">
-              <a:lnSpc>
-                <a:spcPct val="120000"/>
-              </a:lnSpc>
-            </a:pPr>
-            <a:r>
-              <a:rPr kumimoji="0" lang="en-US" altLang="ko-KR" sz="1000" dirty="0" smtClean="0">
-                <a:solidFill>
-                  <a:srgbClr val="FF0000"/>
-                </a:solidFill>
-                <a:latin typeface="나눔고딕OTF" pitchFamily="34" charset="-127"/>
-                <a:ea typeface="나눔고딕OTF" pitchFamily="34" charset="-127"/>
-              </a:rPr>
-              <a:t>	</a:t>
-            </a:r>
-            <a:r>
-              <a:rPr kumimoji="0" lang="ko-KR" altLang="en-US" sz="1000" dirty="0" smtClean="0">
-                <a:solidFill>
-                  <a:srgbClr val="FF0000"/>
-                </a:solidFill>
-                <a:latin typeface="나눔고딕OTF" pitchFamily="34" charset="-127"/>
-                <a:ea typeface="나눔고딕OTF" pitchFamily="34" charset="-127"/>
-              </a:rPr>
-              <a:t>가능합니다</a:t>
-            </a:r>
-            <a:r>
-              <a:rPr kumimoji="0" lang="en-US" altLang="ko-KR" sz="1000" dirty="0" smtClean="0">
-                <a:solidFill>
-                  <a:srgbClr val="FF0000"/>
-                </a:solidFill>
-                <a:latin typeface="나눔고딕OTF" pitchFamily="34" charset="-127"/>
-                <a:ea typeface="나눔고딕OTF" pitchFamily="34" charset="-127"/>
-              </a:rPr>
-              <a:t>.</a:t>
-            </a:r>
-            <a:endParaRPr kumimoji="0" lang="en-US" altLang="ko-KR" sz="1000" dirty="0" smtClean="0">
-              <a:latin typeface="나눔고딕OTF" pitchFamily="34" charset="-127"/>
-              <a:ea typeface="나눔고딕OTF" pitchFamily="34" charset="-127"/>
-            </a:endParaRPr>
+              <a:t>청구</a:t>
+            </a:r>
           </a:p>
         </p:txBody>
       </p:sp>
@@ -22592,7 +23123,7 @@
         <p:spPr bwMode="auto">
           <a:xfrm>
             <a:off x="381000" y="785813"/>
-            <a:ext cx="1914307" cy="307777"/>
+            <a:ext cx="1696298" cy="307777"/>
           </a:xfrm>
           <a:prstGeom prst="rect">
             <a:avLst/>
@@ -22623,109 +23154,9 @@
                 <a:latin typeface="나눔고딕OTF" pitchFamily="34" charset="-127"/>
                 <a:ea typeface="나눔고딕OTF" pitchFamily="34" charset="-127"/>
               </a:rPr>
-              <a:t>통보서 출력 프로그램</a:t>
+              <a:t>검진결과 성적확인</a:t>
             </a:r>
             <a:endParaRPr kumimoji="0" lang="ko-KR" altLang="en-US" sz="1400" b="1" dirty="0">
-              <a:latin typeface="나눔고딕OTF" pitchFamily="34" charset="-127"/>
-              <a:ea typeface="나눔고딕OTF" pitchFamily="34" charset="-127"/>
-            </a:endParaRPr>
-          </a:p>
-        </p:txBody>
-      </p:sp>
-      <p:sp>
-        <p:nvSpPr>
-          <p:cNvPr id="9" name="TextBox 59"/>
-          <p:cNvSpPr txBox="1">
-            <a:spLocks noChangeArrowheads="1"/>
-          </p:cNvSpPr>
-          <p:nvPr/>
-        </p:nvSpPr>
-        <p:spPr bwMode="auto">
-          <a:xfrm>
-            <a:off x="415924" y="1052513"/>
-            <a:ext cx="5751521" cy="276999"/>
-          </a:xfrm>
-          <a:prstGeom prst="rect">
-            <a:avLst/>
-          </a:prstGeom>
-          <a:noFill/>
-          <a:ln w="9525">
-            <a:noFill/>
-            <a:miter lim="800000"/>
-            <a:headEnd/>
-            <a:tailEnd/>
-          </a:ln>
-        </p:spPr>
-        <p:txBody>
-          <a:bodyPr wrap="square">
-            <a:spAutoFit/>
-          </a:bodyPr>
-          <a:lstStyle/>
-          <a:p>
-            <a:r>
-              <a:rPr kumimoji="0" lang="en-US" altLang="ko-KR" sz="1200" dirty="0">
-                <a:latin typeface="나눔고딕OTF" pitchFamily="34" charset="-127"/>
-                <a:ea typeface="나눔고딕OTF" pitchFamily="34" charset="-127"/>
-              </a:rPr>
-              <a:t> </a:t>
-            </a:r>
-            <a:r>
-              <a:rPr kumimoji="0" lang="en-US" altLang="ko-KR" sz="1200" dirty="0" smtClean="0">
-                <a:latin typeface="나눔고딕OTF" pitchFamily="34" charset="-127"/>
-                <a:ea typeface="나눔고딕OTF" pitchFamily="34" charset="-127"/>
-              </a:rPr>
-              <a:t>- </a:t>
-            </a:r>
-            <a:r>
-              <a:rPr kumimoji="0" lang="ko-KR" altLang="en-US" sz="1200" dirty="0" err="1" smtClean="0">
-                <a:latin typeface="나눔고딕OTF" pitchFamily="34" charset="-127"/>
-                <a:ea typeface="나눔고딕OTF" pitchFamily="34" charset="-127"/>
-              </a:rPr>
-              <a:t>검진자를</a:t>
-            </a:r>
-            <a:r>
-              <a:rPr kumimoji="0" lang="ko-KR" altLang="en-US" sz="1200" dirty="0" smtClean="0">
-                <a:latin typeface="나눔고딕OTF" pitchFamily="34" charset="-127"/>
-                <a:ea typeface="나눔고딕OTF" pitchFamily="34" charset="-127"/>
-              </a:rPr>
-              <a:t> 조회하여 </a:t>
-            </a:r>
-            <a:r>
-              <a:rPr kumimoji="0" lang="ko-KR" altLang="en-US" sz="1200" dirty="0" err="1" smtClean="0">
-                <a:latin typeface="나눔고딕OTF" pitchFamily="34" charset="-127"/>
-                <a:ea typeface="나눔고딕OTF" pitchFamily="34" charset="-127"/>
-              </a:rPr>
-              <a:t>통보서를</a:t>
-            </a:r>
-            <a:r>
-              <a:rPr kumimoji="0" lang="ko-KR" altLang="en-US" sz="1200" dirty="0" smtClean="0">
-                <a:latin typeface="나눔고딕OTF" pitchFamily="34" charset="-127"/>
-                <a:ea typeface="나눔고딕OTF" pitchFamily="34" charset="-127"/>
-              </a:rPr>
-              <a:t> 출력합니다</a:t>
-            </a:r>
-            <a:r>
-              <a:rPr kumimoji="0" lang="en-US" altLang="ko-KR" sz="1200" dirty="0" smtClean="0">
-                <a:latin typeface="나눔고딕OTF" pitchFamily="34" charset="-127"/>
-                <a:ea typeface="나눔고딕OTF" pitchFamily="34" charset="-127"/>
-              </a:rPr>
-              <a:t>. (</a:t>
-            </a:r>
-            <a:r>
-              <a:rPr kumimoji="0" lang="ko-KR" altLang="en-US" sz="1200" dirty="0" smtClean="0">
-                <a:latin typeface="나눔고딕OTF" pitchFamily="34" charset="-127"/>
-                <a:ea typeface="나눔고딕OTF" pitchFamily="34" charset="-127"/>
-              </a:rPr>
-              <a:t>공단 양식</a:t>
-            </a:r>
-            <a:r>
-              <a:rPr kumimoji="0" lang="en-US" altLang="ko-KR" sz="1200" dirty="0" smtClean="0">
-                <a:latin typeface="나눔고딕OTF" pitchFamily="34" charset="-127"/>
-                <a:ea typeface="나눔고딕OTF" pitchFamily="34" charset="-127"/>
-              </a:rPr>
-              <a:t>)</a:t>
-            </a:r>
-            <a:endParaRPr kumimoji="0" lang="en-US" altLang="ko-KR" sz="1200" dirty="0">
               <a:latin typeface="나눔고딕OTF" pitchFamily="34" charset="-127"/>
               <a:ea typeface="나눔고딕OTF" pitchFamily="34" charset="-127"/>
             </a:endParaRPr>
@@ -22740,8 +23171,8 @@
         </p:nvSpPr>
         <p:spPr>
           <a:xfrm>
-            <a:off x="666720" y="3500438"/>
-            <a:ext cx="5857916" cy="500066"/>
+            <a:off x="633768" y="2110164"/>
+            <a:ext cx="5882362" cy="604456"/>
           </a:xfrm>
           <a:prstGeom prst="rect">
             <a:avLst/>
@@ -22797,7 +23228,7 @@
         </p:nvSpPr>
         <p:spPr>
           <a:xfrm>
-            <a:off x="523844" y="3357562"/>
+            <a:off x="452406" y="1928802"/>
             <a:ext cx="214314" cy="214314"/>
           </a:xfrm>
           <a:prstGeom prst="ellipse">
@@ -22841,7 +23272,7 @@
                   <a:schemeClr val="tx1"/>
                 </a:solidFill>
               </a:rPr>
-              <a:t>2</a:t>
+              <a:t>1</a:t>
             </a:r>
             <a:endParaRPr lang="ko-KR" altLang="en-US" sz="1000" dirty="0">
               <a:solidFill>
@@ -22853,14 +23284,14 @@
       </p:sp>
       <p:sp>
         <p:nvSpPr>
-          <p:cNvPr id="12" name="직사각형 11"/>
+          <p:cNvPr id="19" name="직사각형 18"/>
           <p:cNvSpPr/>
           <p:nvPr/>
         </p:nvSpPr>
         <p:spPr>
           <a:xfrm>
-            <a:off x="1738290" y="3500438"/>
-            <a:ext cx="1000132" cy="285752"/>
+            <a:off x="633768" y="3071810"/>
+            <a:ext cx="5882362" cy="1000132"/>
           </a:xfrm>
           <a:prstGeom prst="rect">
             <a:avLst/>
@@ -22910,184 +23341,13 @@
       </p:sp>
       <p:sp>
         <p:nvSpPr>
-          <p:cNvPr id="15" name="직사각형 14"/>
+          <p:cNvPr id="21" name="타원 20"/>
           <p:cNvSpPr/>
           <p:nvPr/>
         </p:nvSpPr>
         <p:spPr>
           <a:xfrm>
-            <a:off x="3356650" y="3500438"/>
-            <a:ext cx="785818" cy="285752"/>
-          </a:xfrm>
-          <a:prstGeom prst="rect">
-            <a:avLst/>
-          </a:prstGeom>
-          <a:noFill/>
-          <a:ln w="12700">
-            <a:solidFill>
-              <a:srgbClr val="FF0000"/>
-            </a:solidFill>
-          </a:ln>
-        </p:spPr>
-        <p:style>
-          <a:lnRef idx="2">
-            <a:schemeClr val="accent1">
-              <a:shade val="50000"/>
-            </a:schemeClr>
-          </a:lnRef>
-          <a:fillRef idx="1">
-            <a:schemeClr val="accent1"/>
-          </a:fillRef>
-          <a:effectRef idx="0">
-            <a:schemeClr val="accent1"/>
-          </a:effectRef>
-          <a:fontRef idx="minor">
-            <a:schemeClr val="lt1"/>
-          </a:fontRef>
-        </p:style>
-        <p:txBody>
-          <a:bodyPr anchor="ctr"/>
-          <a:lstStyle/>
-          <a:p>
-            <a:pPr algn="ctr" fontAlgn="auto">
-              <a:spcBef>
-                <a:spcPts val="0"/>
-              </a:spcBef>
-              <a:spcAft>
-                <a:spcPts val="0"/>
-              </a:spcAft>
-              <a:defRPr/>
-            </a:pPr>
-            <a:endParaRPr kumimoji="0" lang="ko-KR" altLang="en-US" dirty="0">
-              <a:latin typeface="나눔고딕OTF" pitchFamily="34" charset="-127"/>
-              <a:ea typeface="나눔고딕OTF" pitchFamily="34" charset="-127"/>
-            </a:endParaRPr>
-          </a:p>
-        </p:txBody>
-      </p:sp>
-      <p:sp>
-        <p:nvSpPr>
-          <p:cNvPr id="16" name="직사각형 15"/>
-          <p:cNvSpPr/>
-          <p:nvPr/>
-        </p:nvSpPr>
-        <p:spPr>
-          <a:xfrm>
-            <a:off x="4785410" y="3500438"/>
-            <a:ext cx="785818" cy="285752"/>
-          </a:xfrm>
-          <a:prstGeom prst="rect">
-            <a:avLst/>
-          </a:prstGeom>
-          <a:noFill/>
-          <a:ln w="12700">
-            <a:solidFill>
-              <a:srgbClr val="FF0000"/>
-            </a:solidFill>
-          </a:ln>
-        </p:spPr>
-        <p:style>
-          <a:lnRef idx="2">
-            <a:schemeClr val="accent1">
-              <a:shade val="50000"/>
-            </a:schemeClr>
-          </a:lnRef>
-          <a:fillRef idx="1">
-            <a:schemeClr val="accent1"/>
-          </a:fillRef>
-          <a:effectRef idx="0">
-            <a:schemeClr val="accent1"/>
-          </a:effectRef>
-          <a:fontRef idx="minor">
-            <a:schemeClr val="lt1"/>
-          </a:fontRef>
-        </p:style>
-        <p:txBody>
-          <a:bodyPr anchor="ctr"/>
-          <a:lstStyle/>
-          <a:p>
-            <a:pPr algn="ctr" fontAlgn="auto">
-              <a:spcBef>
-                <a:spcPts val="0"/>
-              </a:spcBef>
-              <a:spcAft>
-                <a:spcPts val="0"/>
-              </a:spcAft>
-              <a:defRPr/>
-            </a:pPr>
-            <a:endParaRPr kumimoji="0" lang="ko-KR" altLang="en-US" dirty="0">
-              <a:latin typeface="나눔고딕OTF" pitchFamily="34" charset="-127"/>
-              <a:ea typeface="나눔고딕OTF" pitchFamily="34" charset="-127"/>
-            </a:endParaRPr>
-          </a:p>
-        </p:txBody>
-      </p:sp>
-      <p:sp>
-        <p:nvSpPr>
-          <p:cNvPr id="17" name="직사각형 16"/>
-          <p:cNvSpPr/>
-          <p:nvPr/>
-        </p:nvSpPr>
-        <p:spPr>
-          <a:xfrm>
-            <a:off x="4843076" y="3262184"/>
-            <a:ext cx="569183" cy="221778"/>
-          </a:xfrm>
-          <a:prstGeom prst="rect">
-            <a:avLst/>
-          </a:prstGeom>
-          <a:noFill/>
-          <a:ln w="12700">
-            <a:solidFill>
-              <a:srgbClr val="FF0000"/>
-            </a:solidFill>
-          </a:ln>
-        </p:spPr>
-        <p:style>
-          <a:lnRef idx="2">
-            <a:schemeClr val="accent1">
-              <a:shade val="50000"/>
-            </a:schemeClr>
-          </a:lnRef>
-          <a:fillRef idx="1">
-            <a:schemeClr val="accent1"/>
-          </a:fillRef>
-          <a:effectRef idx="0">
-            <a:schemeClr val="accent1"/>
-          </a:effectRef>
-          <a:fontRef idx="minor">
-            <a:schemeClr val="lt1"/>
-          </a:fontRef>
-        </p:style>
-        <p:txBody>
-          <a:bodyPr anchor="ctr"/>
-          <a:lstStyle/>
-          <a:p>
-            <a:pPr algn="ctr" fontAlgn="auto">
-              <a:spcBef>
-                <a:spcPts val="0"/>
-              </a:spcBef>
-              <a:spcAft>
-                <a:spcPts val="0"/>
-              </a:spcAft>
-              <a:defRPr/>
-            </a:pPr>
-            <a:endParaRPr kumimoji="0" lang="ko-KR" altLang="en-US" dirty="0">
-              <a:latin typeface="나눔고딕OTF" pitchFamily="34" charset="-127"/>
-              <a:ea typeface="나눔고딕OTF" pitchFamily="34" charset="-127"/>
-            </a:endParaRPr>
-          </a:p>
-        </p:txBody>
-      </p:sp>
-      <p:sp>
-        <p:nvSpPr>
-          <p:cNvPr id="18" name="타원 17"/>
-          <p:cNvSpPr/>
-          <p:nvPr/>
-        </p:nvSpPr>
-        <p:spPr>
-          <a:xfrm>
-            <a:off x="4667248" y="3143248"/>
+            <a:off x="452406" y="2928934"/>
             <a:ext cx="214314" cy="214314"/>
           </a:xfrm>
           <a:prstGeom prst="ellipse">
@@ -23131,7 +23391,7 @@
                   <a:schemeClr val="tx1"/>
                 </a:solidFill>
               </a:rPr>
-              <a:t>3</a:t>
+              <a:t>2</a:t>
             </a:r>
             <a:endParaRPr lang="ko-KR" altLang="en-US" sz="1000" dirty="0">
               <a:solidFill>
@@ -23141,82 +23401,970 @@
           </a:p>
         </p:txBody>
       </p:sp>
-      <p:pic>
-        <p:nvPicPr>
-          <p:cNvPr id="1026" name="Picture 2"/>
-          <p:cNvPicPr>
-            <a:picLocks noChangeAspect="1" noChangeArrowheads="1"/>
-          </p:cNvPicPr>
+      <p:grpSp>
+        <p:nvGrpSpPr>
+          <p:cNvPr id="22" name="그룹 21"/>
+          <p:cNvGrpSpPr/>
           <p:nvPr/>
-        </p:nvPicPr>
-        <p:blipFill>
-          <a:blip r:embed="rId3"/>
-          <a:srcRect/>
-          <a:stretch>
-            <a:fillRect/>
-          </a:stretch>
-        </p:blipFill>
+        </p:nvGrpSpPr>
+        <p:grpSpPr>
+          <a:xfrm>
+            <a:off x="6524625" y="1593850"/>
+            <a:ext cx="3108325" cy="4466366"/>
+            <a:chOff x="6524625" y="1593850"/>
+            <a:chExt cx="3108325" cy="4466366"/>
+          </a:xfrm>
+        </p:grpSpPr>
+        <p:sp>
+          <p:nvSpPr>
+            <p:cNvPr id="22535" name="TextBox 4"/>
+            <p:cNvSpPr txBox="1">
+              <a:spLocks noChangeArrowheads="1"/>
+            </p:cNvSpPr>
+            <p:nvPr/>
+          </p:nvSpPr>
+          <p:spPr bwMode="auto">
+            <a:xfrm>
+              <a:off x="6524625" y="1593850"/>
+              <a:ext cx="3108325" cy="3785652"/>
+            </a:xfrm>
+            <a:prstGeom prst="rect">
+              <a:avLst/>
+            </a:prstGeom>
+            <a:noFill/>
+            <a:ln w="9525">
+              <a:noFill/>
+              <a:miter lim="800000"/>
+              <a:headEnd/>
+              <a:tailEnd/>
+            </a:ln>
+          </p:spPr>
+          <p:txBody>
+            <a:bodyPr>
+              <a:spAutoFit/>
+            </a:bodyPr>
+            <a:lstStyle/>
+            <a:p>
+              <a:pPr marL="228600" indent="-228600">
+                <a:lnSpc>
+                  <a:spcPct val="120000"/>
+                </a:lnSpc>
+                <a:buAutoNum type="arabicParenR"/>
+              </a:pPr>
+              <a:r>
+                <a:rPr kumimoji="0" lang="ko-KR" altLang="en-US" sz="1000" b="1" dirty="0" smtClean="0">
+                  <a:latin typeface="나눔고딕OTF" pitchFamily="34" charset="-127"/>
+                  <a:ea typeface="나눔고딕OTF" pitchFamily="34" charset="-127"/>
+                </a:rPr>
+                <a:t>조회 조건 설정</a:t>
+              </a:r>
+              <a:endParaRPr kumimoji="0" lang="en-US" altLang="ko-KR" sz="1000" b="1" dirty="0" smtClean="0">
+                <a:latin typeface="나눔고딕OTF" pitchFamily="34" charset="-127"/>
+                <a:ea typeface="나눔고딕OTF" pitchFamily="34" charset="-127"/>
+              </a:endParaRPr>
+            </a:p>
+            <a:p>
+              <a:pPr marL="228600" indent="-228600">
+                <a:lnSpc>
+                  <a:spcPct val="120000"/>
+                </a:lnSpc>
+              </a:pPr>
+              <a:r>
+                <a:rPr kumimoji="0" lang="en-US" altLang="ko-KR" sz="1000" dirty="0" smtClean="0">
+                  <a:latin typeface="나눔고딕OTF" pitchFamily="34" charset="-127"/>
+                  <a:ea typeface="나눔고딕OTF" pitchFamily="34" charset="-127"/>
+                </a:rPr>
+                <a:t>   - </a:t>
+              </a:r>
+              <a:r>
+                <a:rPr kumimoji="0" lang="ko-KR" altLang="en-US" sz="1000" dirty="0" smtClean="0">
+                  <a:solidFill>
+                    <a:srgbClr val="FF0000"/>
+                  </a:solidFill>
+                  <a:latin typeface="나눔고딕OTF" pitchFamily="34" charset="-127"/>
+                  <a:ea typeface="나눔고딕OTF" pitchFamily="34" charset="-127"/>
+                </a:rPr>
+                <a:t>검진일자</a:t>
+              </a:r>
+              <a:r>
+                <a:rPr kumimoji="0" lang="en-US" altLang="ko-KR" sz="1000" dirty="0" smtClean="0">
+                  <a:solidFill>
+                    <a:srgbClr val="FF0000"/>
+                  </a:solidFill>
+                  <a:latin typeface="나눔고딕OTF" pitchFamily="34" charset="-127"/>
+                  <a:ea typeface="나눔고딕OTF" pitchFamily="34" charset="-127"/>
+                </a:rPr>
+                <a:t>, </a:t>
+              </a:r>
+              <a:r>
+                <a:rPr kumimoji="0" lang="ko-KR" altLang="en-US" sz="1000" dirty="0" smtClean="0">
+                  <a:solidFill>
+                    <a:srgbClr val="FF0000"/>
+                  </a:solidFill>
+                  <a:latin typeface="나눔고딕OTF" pitchFamily="34" charset="-127"/>
+                  <a:ea typeface="나눔고딕OTF" pitchFamily="34" charset="-127"/>
+                </a:rPr>
+                <a:t>청구구분</a:t>
+              </a:r>
+              <a:r>
+                <a:rPr kumimoji="0" lang="en-US" altLang="ko-KR" sz="1000" dirty="0" smtClean="0">
+                  <a:solidFill>
+                    <a:srgbClr val="FF0000"/>
+                  </a:solidFill>
+                  <a:latin typeface="나눔고딕OTF" pitchFamily="34" charset="-127"/>
+                  <a:ea typeface="나눔고딕OTF" pitchFamily="34" charset="-127"/>
+                </a:rPr>
+                <a:t>, </a:t>
+              </a:r>
+              <a:r>
+                <a:rPr kumimoji="0" lang="ko-KR" altLang="en-US" sz="1000" dirty="0" smtClean="0">
+                  <a:solidFill>
+                    <a:srgbClr val="FF0000"/>
+                  </a:solidFill>
+                  <a:latin typeface="나눔고딕OTF" pitchFamily="34" charset="-127"/>
+                  <a:ea typeface="나눔고딕OTF" pitchFamily="34" charset="-127"/>
+                </a:rPr>
+                <a:t>청구여부</a:t>
+              </a:r>
+              <a:r>
+                <a:rPr kumimoji="0" lang="en-US" altLang="ko-KR" sz="1000" dirty="0" smtClean="0">
+                  <a:latin typeface="나눔고딕OTF" pitchFamily="34" charset="-127"/>
+                  <a:ea typeface="나눔고딕OTF" pitchFamily="34" charset="-127"/>
+                </a:rPr>
+                <a:t> </a:t>
+              </a:r>
+              <a:r>
+                <a:rPr kumimoji="0" lang="ko-KR" altLang="en-US" sz="1000" dirty="0" smtClean="0">
+                  <a:latin typeface="나눔고딕OTF" pitchFamily="34" charset="-127"/>
+                  <a:ea typeface="나눔고딕OTF" pitchFamily="34" charset="-127"/>
+                </a:rPr>
+                <a:t>조건을 확인합니다</a:t>
+              </a:r>
+              <a:r>
+                <a:rPr kumimoji="0" lang="en-US" altLang="ko-KR" sz="1000" dirty="0" smtClean="0">
+                  <a:latin typeface="나눔고딕OTF" pitchFamily="34" charset="-127"/>
+                  <a:ea typeface="나눔고딕OTF" pitchFamily="34" charset="-127"/>
+                </a:rPr>
+                <a:t>.</a:t>
+              </a:r>
+            </a:p>
+            <a:p>
+              <a:pPr marL="228600" indent="-228600">
+                <a:lnSpc>
+                  <a:spcPct val="120000"/>
+                </a:lnSpc>
+              </a:pPr>
+              <a:r>
+                <a:rPr kumimoji="0" lang="en-US" altLang="ko-KR" sz="1000" dirty="0" smtClean="0">
+                  <a:latin typeface="나눔고딕OTF" pitchFamily="34" charset="-127"/>
+                  <a:ea typeface="나눔고딕OTF" pitchFamily="34" charset="-127"/>
+                </a:rPr>
+                <a:t> </a:t>
+              </a:r>
+              <a:r>
+                <a:rPr kumimoji="0" lang="en-US" altLang="ko-KR" sz="1000" dirty="0" smtClean="0">
+                  <a:latin typeface="나눔고딕OTF" pitchFamily="34" charset="-127"/>
+                  <a:ea typeface="나눔고딕OTF" pitchFamily="34" charset="-127"/>
+                </a:rPr>
+                <a:t>  - “</a:t>
+              </a:r>
+              <a:r>
+                <a:rPr kumimoji="0" lang="ko-KR" altLang="en-US" sz="1000" dirty="0" smtClean="0">
+                  <a:latin typeface="나눔고딕OTF" pitchFamily="34" charset="-127"/>
+                  <a:ea typeface="나눔고딕OTF" pitchFamily="34" charset="-127"/>
+                </a:rPr>
+                <a:t>선택</a:t>
+              </a:r>
+              <a:r>
+                <a:rPr kumimoji="0" lang="en-US" altLang="ko-KR" sz="1000" dirty="0" smtClean="0">
+                  <a:latin typeface="나눔고딕OTF" pitchFamily="34" charset="-127"/>
+                  <a:ea typeface="나눔고딕OTF" pitchFamily="34" charset="-127"/>
+                </a:rPr>
+                <a:t>” </a:t>
+              </a:r>
+              <a:r>
+                <a:rPr kumimoji="0" lang="ko-KR" altLang="en-US" sz="1000" dirty="0" err="1" smtClean="0">
+                  <a:latin typeface="나눔고딕OTF" pitchFamily="34" charset="-127"/>
+                  <a:ea typeface="나눔고딕OTF" pitchFamily="34" charset="-127"/>
+                </a:rPr>
+                <a:t>란에서</a:t>
+              </a:r>
+              <a:r>
+                <a:rPr kumimoji="0" lang="ko-KR" altLang="en-US" sz="1000" dirty="0" smtClean="0">
+                  <a:latin typeface="나눔고딕OTF" pitchFamily="34" charset="-127"/>
+                  <a:ea typeface="나눔고딕OTF" pitchFamily="34" charset="-127"/>
+                </a:rPr>
+                <a:t> 조회할 </a:t>
+              </a:r>
+              <a:r>
+                <a:rPr kumimoji="0" lang="ko-KR" altLang="en-US" sz="1000" dirty="0" smtClean="0">
+                  <a:solidFill>
+                    <a:srgbClr val="FF0000"/>
+                  </a:solidFill>
+                  <a:latin typeface="나눔고딕OTF" pitchFamily="34" charset="-127"/>
+                  <a:ea typeface="나눔고딕OTF" pitchFamily="34" charset="-127"/>
+                </a:rPr>
+                <a:t>검진 유형</a:t>
+              </a:r>
+              <a:r>
+                <a:rPr kumimoji="0" lang="ko-KR" altLang="en-US" sz="1000" dirty="0" smtClean="0">
+                  <a:latin typeface="나눔고딕OTF" pitchFamily="34" charset="-127"/>
+                  <a:ea typeface="나눔고딕OTF" pitchFamily="34" charset="-127"/>
+                </a:rPr>
+                <a:t>을 선택합니다</a:t>
+              </a:r>
+              <a:r>
+                <a:rPr kumimoji="0" lang="en-US" altLang="ko-KR" sz="1000" dirty="0" smtClean="0">
+                  <a:latin typeface="나눔고딕OTF" pitchFamily="34" charset="-127"/>
+                  <a:ea typeface="나눔고딕OTF" pitchFamily="34" charset="-127"/>
+                </a:rPr>
+                <a:t>.</a:t>
+              </a:r>
+            </a:p>
+            <a:p>
+              <a:pPr marL="228600" indent="-228600">
+                <a:lnSpc>
+                  <a:spcPct val="120000"/>
+                </a:lnSpc>
+              </a:pPr>
+              <a:r>
+                <a:rPr kumimoji="0" lang="en-US" altLang="ko-KR" sz="1000" dirty="0" smtClean="0">
+                  <a:latin typeface="나눔고딕OTF" pitchFamily="34" charset="-127"/>
+                  <a:ea typeface="나눔고딕OTF" pitchFamily="34" charset="-127"/>
+                </a:rPr>
+                <a:t> </a:t>
+              </a:r>
+              <a:r>
+                <a:rPr kumimoji="0" lang="en-US" altLang="ko-KR" sz="1000" dirty="0" smtClean="0">
+                  <a:latin typeface="나눔고딕OTF" pitchFamily="34" charset="-127"/>
+                  <a:ea typeface="나눔고딕OTF" pitchFamily="34" charset="-127"/>
+                </a:rPr>
+                <a:t>  - “</a:t>
+              </a:r>
+              <a:r>
+                <a:rPr kumimoji="0" lang="ko-KR" altLang="en-US" sz="1000" dirty="0" smtClean="0">
+                  <a:latin typeface="나눔고딕OTF" pitchFamily="34" charset="-127"/>
+                  <a:ea typeface="나눔고딕OTF" pitchFamily="34" charset="-127"/>
+                </a:rPr>
+                <a:t>조회</a:t>
+              </a:r>
+              <a:r>
+                <a:rPr kumimoji="0" lang="en-US" altLang="ko-KR" sz="1000" dirty="0" smtClean="0">
+                  <a:latin typeface="나눔고딕OTF" pitchFamily="34" charset="-127"/>
+                  <a:ea typeface="나눔고딕OTF" pitchFamily="34" charset="-127"/>
+                </a:rPr>
+                <a:t>”</a:t>
+              </a:r>
+              <a:r>
+                <a:rPr kumimoji="0" lang="ko-KR" altLang="en-US" sz="1000" dirty="0" smtClean="0">
+                  <a:latin typeface="나눔고딕OTF" pitchFamily="34" charset="-127"/>
+                  <a:ea typeface="나눔고딕OTF" pitchFamily="34" charset="-127"/>
+                </a:rPr>
+                <a:t>버튼을 클릭하여 </a:t>
+              </a:r>
+              <a:r>
+                <a:rPr kumimoji="0" lang="ko-KR" altLang="en-US" sz="1000" dirty="0" err="1" smtClean="0">
+                  <a:latin typeface="나눔고딕OTF" pitchFamily="34" charset="-127"/>
+                  <a:ea typeface="나눔고딕OTF" pitchFamily="34" charset="-127"/>
+                </a:rPr>
+                <a:t>검진자를</a:t>
+              </a:r>
+              <a:r>
+                <a:rPr kumimoji="0" lang="ko-KR" altLang="en-US" sz="1000" dirty="0" smtClean="0">
+                  <a:latin typeface="나눔고딕OTF" pitchFamily="34" charset="-127"/>
+                  <a:ea typeface="나눔고딕OTF" pitchFamily="34" charset="-127"/>
+                </a:rPr>
+                <a:t> 조회합니다</a:t>
+              </a:r>
+              <a:r>
+                <a:rPr kumimoji="0" lang="en-US" altLang="ko-KR" sz="1000" dirty="0" smtClean="0">
+                  <a:latin typeface="나눔고딕OTF" pitchFamily="34" charset="-127"/>
+                  <a:ea typeface="나눔고딕OTF" pitchFamily="34" charset="-127"/>
+                </a:rPr>
+                <a:t>.</a:t>
+              </a:r>
+            </a:p>
+            <a:p>
+              <a:pPr marL="228600" indent="-228600">
+                <a:lnSpc>
+                  <a:spcPct val="120000"/>
+                </a:lnSpc>
+              </a:pPr>
+              <a:endParaRPr kumimoji="0" lang="en-US" altLang="ko-KR" sz="1000" dirty="0" smtClean="0">
+                <a:latin typeface="나눔고딕OTF" pitchFamily="34" charset="-127"/>
+                <a:ea typeface="나눔고딕OTF" pitchFamily="34" charset="-127"/>
+              </a:endParaRPr>
+            </a:p>
+            <a:p>
+              <a:pPr marL="228600" indent="-228600">
+                <a:lnSpc>
+                  <a:spcPct val="120000"/>
+                </a:lnSpc>
+                <a:buAutoNum type="arabicParenR" startAt="2"/>
+              </a:pPr>
+              <a:r>
+                <a:rPr kumimoji="0" lang="ko-KR" altLang="en-US" sz="1000" b="1" dirty="0" smtClean="0">
+                  <a:latin typeface="나눔고딕OTF" pitchFamily="34" charset="-127"/>
+                  <a:ea typeface="나눔고딕OTF" pitchFamily="34" charset="-127"/>
+                </a:rPr>
+                <a:t>조회 내역</a:t>
+              </a:r>
+              <a:endParaRPr kumimoji="0" lang="en-US" altLang="ko-KR" sz="1000" b="1" dirty="0" smtClean="0">
+                <a:latin typeface="나눔고딕OTF" pitchFamily="34" charset="-127"/>
+                <a:ea typeface="나눔고딕OTF" pitchFamily="34" charset="-127"/>
+              </a:endParaRPr>
+            </a:p>
+            <a:p>
+              <a:pPr marL="228600" indent="-228600">
+                <a:lnSpc>
+                  <a:spcPct val="120000"/>
+                </a:lnSpc>
+              </a:pPr>
+              <a:r>
+                <a:rPr kumimoji="0" lang="en-US" altLang="ko-KR" sz="1000" dirty="0" smtClean="0">
+                  <a:latin typeface="나눔고딕OTF" pitchFamily="34" charset="-127"/>
+                  <a:ea typeface="나눔고딕OTF" pitchFamily="34" charset="-127"/>
+                </a:rPr>
+                <a:t> </a:t>
+              </a:r>
+              <a:r>
+                <a:rPr kumimoji="0" lang="en-US" altLang="ko-KR" sz="1000" dirty="0" smtClean="0">
+                  <a:latin typeface="나눔고딕OTF" pitchFamily="34" charset="-127"/>
+                  <a:ea typeface="나눔고딕OTF" pitchFamily="34" charset="-127"/>
+                </a:rPr>
+                <a:t>  - </a:t>
+              </a:r>
+              <a:r>
+                <a:rPr kumimoji="0" lang="ko-KR" altLang="en-US" sz="1000" dirty="0" smtClean="0">
+                  <a:latin typeface="나눔고딕OTF" pitchFamily="34" charset="-127"/>
+                  <a:ea typeface="나눔고딕OTF" pitchFamily="34" charset="-127"/>
+                </a:rPr>
+                <a:t>위에서 선택한 검진유형에 따른 내역을 표시합니다</a:t>
+              </a:r>
+              <a:r>
+                <a:rPr kumimoji="0" lang="en-US" altLang="ko-KR" sz="1000" dirty="0" smtClean="0">
+                  <a:latin typeface="나눔고딕OTF" pitchFamily="34" charset="-127"/>
+                  <a:ea typeface="나눔고딕OTF" pitchFamily="34" charset="-127"/>
+                </a:rPr>
+                <a:t>.</a:t>
+              </a:r>
+            </a:p>
+            <a:p>
+              <a:pPr marL="228600" indent="-228600">
+                <a:lnSpc>
+                  <a:spcPct val="120000"/>
+                </a:lnSpc>
+              </a:pPr>
+              <a:r>
+                <a:rPr kumimoji="0" lang="en-US" altLang="ko-KR" sz="1000" dirty="0" smtClean="0">
+                  <a:latin typeface="나눔고딕OTF" pitchFamily="34" charset="-127"/>
+                  <a:ea typeface="나눔고딕OTF" pitchFamily="34" charset="-127"/>
+                </a:rPr>
+                <a:t> </a:t>
+              </a:r>
+              <a:r>
+                <a:rPr kumimoji="0" lang="en-US" altLang="ko-KR" sz="1000" dirty="0" smtClean="0">
+                  <a:latin typeface="나눔고딕OTF" pitchFamily="34" charset="-127"/>
+                  <a:ea typeface="나눔고딕OTF" pitchFamily="34" charset="-127"/>
+                </a:rPr>
+                <a:t>  - </a:t>
+              </a:r>
+              <a:r>
+                <a:rPr kumimoji="0" lang="ko-KR" altLang="en-US" sz="1000" dirty="0" smtClean="0">
+                  <a:latin typeface="나눔고딕OTF" pitchFamily="34" charset="-127"/>
+                  <a:ea typeface="나눔고딕OTF" pitchFamily="34" charset="-127"/>
+                </a:rPr>
+                <a:t>그림의 </a:t>
+              </a:r>
+              <a:r>
+                <a:rPr kumimoji="0" lang="en-US" altLang="ko-KR" sz="1000" dirty="0" smtClean="0">
+                  <a:latin typeface="나눔고딕OTF" pitchFamily="34" charset="-127"/>
+                  <a:ea typeface="나눔고딕OTF" pitchFamily="34" charset="-127"/>
+                </a:rPr>
+                <a:t>“</a:t>
+              </a:r>
+              <a:r>
+                <a:rPr kumimoji="0" lang="ko-KR" altLang="en-US" sz="1000" dirty="0" smtClean="0">
+                  <a:latin typeface="나눔고딕OTF" pitchFamily="34" charset="-127"/>
+                  <a:ea typeface="나눔고딕OTF" pitchFamily="34" charset="-127"/>
+                </a:rPr>
+                <a:t>직역</a:t>
+              </a:r>
+              <a:r>
+                <a:rPr kumimoji="0" lang="en-US" altLang="ko-KR" sz="1000" dirty="0" smtClean="0">
+                  <a:latin typeface="나눔고딕OTF" pitchFamily="34" charset="-127"/>
+                  <a:ea typeface="나눔고딕OTF" pitchFamily="34" charset="-127"/>
+                </a:rPr>
+                <a:t>”</a:t>
+              </a:r>
+              <a:r>
+                <a:rPr kumimoji="0" lang="ko-KR" altLang="en-US" sz="1000" dirty="0" smtClean="0">
+                  <a:latin typeface="나눔고딕OTF" pitchFamily="34" charset="-127"/>
+                  <a:ea typeface="나눔고딕OTF" pitchFamily="34" charset="-127"/>
+                </a:rPr>
+                <a:t>칸과 같이</a:t>
+              </a:r>
+              <a:r>
+                <a:rPr kumimoji="0" lang="en-US" altLang="ko-KR" sz="1000" dirty="0" smtClean="0">
+                  <a:latin typeface="나눔고딕OTF" pitchFamily="34" charset="-127"/>
+                  <a:ea typeface="나눔고딕OTF" pitchFamily="34" charset="-127"/>
+                </a:rPr>
+                <a:t> </a:t>
+              </a:r>
+              <a:r>
+                <a:rPr kumimoji="0" lang="ko-KR" altLang="en-US" sz="1000" dirty="0" smtClean="0">
+                  <a:latin typeface="나눔고딕OTF" pitchFamily="34" charset="-127"/>
+                  <a:ea typeface="나눔고딕OTF" pitchFamily="34" charset="-127"/>
+                </a:rPr>
+                <a:t>필수 입력란에 내용이 없으면 </a:t>
+              </a:r>
+              <a:r>
+                <a:rPr kumimoji="0" lang="ko-KR" altLang="en-US" sz="1000" dirty="0" smtClean="0">
+                  <a:solidFill>
+                    <a:srgbClr val="FF0000"/>
+                  </a:solidFill>
+                  <a:latin typeface="나눔고딕OTF" pitchFamily="34" charset="-127"/>
+                  <a:ea typeface="나눔고딕OTF" pitchFamily="34" charset="-127"/>
+                </a:rPr>
+                <a:t>붉은색</a:t>
+              </a:r>
+              <a:r>
+                <a:rPr kumimoji="0" lang="ko-KR" altLang="en-US" sz="1000" dirty="0" smtClean="0">
+                  <a:latin typeface="나눔고딕OTF" pitchFamily="34" charset="-127"/>
+                  <a:ea typeface="나눔고딕OTF" pitchFamily="34" charset="-127"/>
+                </a:rPr>
+                <a:t>으로 표시됩니다</a:t>
+              </a:r>
+              <a:r>
+                <a:rPr kumimoji="0" lang="en-US" altLang="ko-KR" sz="1000" dirty="0" smtClean="0">
+                  <a:latin typeface="나눔고딕OTF" pitchFamily="34" charset="-127"/>
+                  <a:ea typeface="나눔고딕OTF" pitchFamily="34" charset="-127"/>
+                </a:rPr>
+                <a:t>.</a:t>
+              </a:r>
+            </a:p>
+            <a:p>
+              <a:pPr marL="228600" indent="-228600">
+                <a:lnSpc>
+                  <a:spcPct val="120000"/>
+                </a:lnSpc>
+              </a:pPr>
+              <a:endParaRPr kumimoji="0" lang="en-US" altLang="ko-KR" sz="1000" dirty="0" smtClean="0">
+                <a:latin typeface="나눔고딕OTF" pitchFamily="34" charset="-127"/>
+                <a:ea typeface="나눔고딕OTF" pitchFamily="34" charset="-127"/>
+              </a:endParaRPr>
+            </a:p>
+            <a:p>
+              <a:pPr marL="228600" indent="-228600">
+                <a:lnSpc>
+                  <a:spcPct val="120000"/>
+                </a:lnSpc>
+              </a:pPr>
+              <a:endParaRPr kumimoji="0" lang="en-US" altLang="ko-KR" sz="1000" dirty="0" smtClean="0">
+                <a:latin typeface="나눔고딕OTF" pitchFamily="34" charset="-127"/>
+                <a:ea typeface="나눔고딕OTF" pitchFamily="34" charset="-127"/>
+              </a:endParaRPr>
+            </a:p>
+            <a:p>
+              <a:pPr marL="228600" indent="-228600">
+                <a:lnSpc>
+                  <a:spcPct val="120000"/>
+                </a:lnSpc>
+              </a:pPr>
+              <a:endParaRPr kumimoji="0" lang="en-US" altLang="ko-KR" sz="1000" dirty="0" smtClean="0">
+                <a:latin typeface="나눔고딕OTF" pitchFamily="34" charset="-127"/>
+                <a:ea typeface="나눔고딕OTF" pitchFamily="34" charset="-127"/>
+              </a:endParaRPr>
+            </a:p>
+            <a:p>
+              <a:pPr marL="228600" indent="-228600">
+                <a:lnSpc>
+                  <a:spcPct val="120000"/>
+                </a:lnSpc>
+              </a:pPr>
+              <a:endParaRPr kumimoji="0" lang="en-US" altLang="ko-KR" sz="1000" dirty="0" smtClean="0">
+                <a:latin typeface="나눔고딕OTF" pitchFamily="34" charset="-127"/>
+                <a:ea typeface="나눔고딕OTF" pitchFamily="34" charset="-127"/>
+              </a:endParaRPr>
+            </a:p>
+            <a:p>
+              <a:pPr marL="228600" indent="-228600">
+                <a:lnSpc>
+                  <a:spcPct val="120000"/>
+                </a:lnSpc>
+              </a:pPr>
+              <a:endParaRPr kumimoji="0" lang="en-US" altLang="ko-KR" sz="1000" dirty="0" smtClean="0">
+                <a:latin typeface="나눔고딕OTF" pitchFamily="34" charset="-127"/>
+                <a:ea typeface="나눔고딕OTF" pitchFamily="34" charset="-127"/>
+              </a:endParaRPr>
+            </a:p>
+            <a:p>
+              <a:pPr marL="228600" indent="-228600">
+                <a:lnSpc>
+                  <a:spcPct val="120000"/>
+                </a:lnSpc>
+              </a:pPr>
+              <a:r>
+                <a:rPr kumimoji="0" lang="en-US" altLang="ko-KR" sz="1000" dirty="0" smtClean="0">
+                  <a:latin typeface="나눔고딕OTF" pitchFamily="34" charset="-127"/>
+                  <a:ea typeface="나눔고딕OTF" pitchFamily="34" charset="-127"/>
+                </a:rPr>
+                <a:t>   - </a:t>
+              </a:r>
+              <a:r>
+                <a:rPr kumimoji="0" lang="ko-KR" altLang="en-US" sz="1000" dirty="0" smtClean="0">
+                  <a:latin typeface="나눔고딕OTF" pitchFamily="34" charset="-127"/>
+                  <a:ea typeface="나눔고딕OTF" pitchFamily="34" charset="-127"/>
+                </a:rPr>
+                <a:t>필수 입력란에 내용이 없으면 청구파일이 생성되지 않으므로</a:t>
+              </a:r>
+              <a:r>
+                <a:rPr kumimoji="0" lang="en-US" altLang="ko-KR" sz="1000" dirty="0" smtClean="0">
+                  <a:latin typeface="나눔고딕OTF" pitchFamily="34" charset="-127"/>
+                  <a:ea typeface="나눔고딕OTF" pitchFamily="34" charset="-127"/>
+                </a:rPr>
+                <a:t>, </a:t>
+              </a:r>
+              <a:r>
+                <a:rPr kumimoji="0" lang="ko-KR" altLang="en-US" sz="1000" dirty="0" smtClean="0">
+                  <a:latin typeface="나눔고딕OTF" pitchFamily="34" charset="-127"/>
+                  <a:ea typeface="나눔고딕OTF" pitchFamily="34" charset="-127"/>
+                </a:rPr>
+                <a:t>성적확인 후 내용을 입력하여 주시기</a:t>
+              </a:r>
+              <a:endParaRPr kumimoji="0" lang="en-US" altLang="ko-KR" sz="1000" dirty="0" smtClean="0">
+                <a:latin typeface="나눔고딕OTF" pitchFamily="34" charset="-127"/>
+                <a:ea typeface="나눔고딕OTF" pitchFamily="34" charset="-127"/>
+              </a:endParaRPr>
+            </a:p>
+            <a:p>
+              <a:pPr marL="228600" indent="-228600">
+                <a:lnSpc>
+                  <a:spcPct val="120000"/>
+                </a:lnSpc>
+              </a:pPr>
+              <a:r>
+                <a:rPr kumimoji="0" lang="en-US" altLang="ko-KR" sz="1000" dirty="0" smtClean="0">
+                  <a:latin typeface="나눔고딕OTF" pitchFamily="34" charset="-127"/>
+                  <a:ea typeface="나눔고딕OTF" pitchFamily="34" charset="-127"/>
+                </a:rPr>
+                <a:t>	</a:t>
+              </a:r>
+              <a:r>
+                <a:rPr kumimoji="0" lang="ko-KR" altLang="en-US" sz="1000" dirty="0" smtClean="0">
+                  <a:latin typeface="나눔고딕OTF" pitchFamily="34" charset="-127"/>
+                  <a:ea typeface="나눔고딕OTF" pitchFamily="34" charset="-127"/>
+                </a:rPr>
+                <a:t>바랍니다</a:t>
+              </a:r>
+              <a:r>
+                <a:rPr kumimoji="0" lang="en-US" altLang="ko-KR" sz="1000" dirty="0" smtClean="0">
+                  <a:latin typeface="나눔고딕OTF" pitchFamily="34" charset="-127"/>
+                  <a:ea typeface="나눔고딕OTF" pitchFamily="34" charset="-127"/>
+                </a:rPr>
+                <a:t>.</a:t>
+              </a:r>
+            </a:p>
+            <a:p>
+              <a:pPr marL="228600" indent="-228600">
+                <a:lnSpc>
+                  <a:spcPct val="120000"/>
+                </a:lnSpc>
+              </a:pPr>
+              <a:r>
+                <a:rPr kumimoji="0" lang="en-US" altLang="ko-KR" sz="1000" dirty="0" smtClean="0">
+                  <a:latin typeface="나눔고딕OTF" pitchFamily="34" charset="-127"/>
+                  <a:ea typeface="나눔고딕OTF" pitchFamily="34" charset="-127"/>
+                </a:rPr>
+                <a:t>   </a:t>
+              </a:r>
+              <a:r>
+                <a:rPr kumimoji="0" lang="en-US" altLang="ko-KR" sz="1000" dirty="0" smtClean="0">
+                  <a:solidFill>
+                    <a:srgbClr val="FF0000"/>
+                  </a:solidFill>
+                  <a:latin typeface="나눔고딕OTF" pitchFamily="34" charset="-127"/>
+                  <a:ea typeface="나눔고딕OTF" pitchFamily="34" charset="-127"/>
+                </a:rPr>
+                <a:t>* </a:t>
+              </a:r>
+              <a:r>
+                <a:rPr kumimoji="0" lang="ko-KR" altLang="en-US" sz="1000" dirty="0" smtClean="0">
+                  <a:solidFill>
+                    <a:srgbClr val="FF0000"/>
+                  </a:solidFill>
+                  <a:latin typeface="나눔고딕OTF" pitchFamily="34" charset="-127"/>
+                  <a:ea typeface="나눔고딕OTF" pitchFamily="34" charset="-127"/>
+                </a:rPr>
+                <a:t>가장 우측에 </a:t>
+              </a:r>
+              <a:r>
+                <a:rPr kumimoji="0" lang="en-US" altLang="ko-KR" sz="1000" dirty="0" smtClean="0">
+                  <a:solidFill>
+                    <a:srgbClr val="FF0000"/>
+                  </a:solidFill>
+                  <a:latin typeface="나눔고딕OTF" pitchFamily="34" charset="-127"/>
+                  <a:ea typeface="나눔고딕OTF" pitchFamily="34" charset="-127"/>
+                </a:rPr>
+                <a:t>“</a:t>
+              </a:r>
+              <a:r>
+                <a:rPr kumimoji="0" lang="ko-KR" altLang="en-US" sz="1000" dirty="0" smtClean="0">
+                  <a:solidFill>
+                    <a:srgbClr val="FF0000"/>
+                  </a:solidFill>
+                  <a:latin typeface="나눔고딕OTF" pitchFamily="34" charset="-127"/>
+                  <a:ea typeface="나눔고딕OTF" pitchFamily="34" charset="-127"/>
+                </a:rPr>
+                <a:t>오류확인</a:t>
+              </a:r>
+              <a:r>
+                <a:rPr kumimoji="0" lang="en-US" altLang="ko-KR" sz="1000" dirty="0" smtClean="0">
+                  <a:solidFill>
+                    <a:srgbClr val="FF0000"/>
+                  </a:solidFill>
+                  <a:latin typeface="나눔고딕OTF" pitchFamily="34" charset="-127"/>
+                  <a:ea typeface="나눔고딕OTF" pitchFamily="34" charset="-127"/>
+                </a:rPr>
+                <a:t>”</a:t>
+              </a:r>
+              <a:r>
+                <a:rPr kumimoji="0" lang="ko-KR" altLang="en-US" sz="1000" dirty="0" err="1" smtClean="0">
+                  <a:solidFill>
+                    <a:srgbClr val="FF0000"/>
+                  </a:solidFill>
+                  <a:latin typeface="나눔고딕OTF" pitchFamily="34" charset="-127"/>
+                  <a:ea typeface="나눔고딕OTF" pitchFamily="34" charset="-127"/>
+                </a:rPr>
+                <a:t>란에</a:t>
+              </a:r>
+              <a:r>
+                <a:rPr kumimoji="0" lang="ko-KR" altLang="en-US" sz="1000" dirty="0" smtClean="0">
+                  <a:solidFill>
+                    <a:srgbClr val="FF0000"/>
+                  </a:solidFill>
+                  <a:latin typeface="나눔고딕OTF" pitchFamily="34" charset="-127"/>
+                  <a:ea typeface="나눔고딕OTF" pitchFamily="34" charset="-127"/>
+                </a:rPr>
+                <a:t> 청구파일 생성 오류 </a:t>
+              </a:r>
+              <a:endParaRPr kumimoji="0" lang="en-US" altLang="ko-KR" sz="1000" dirty="0" smtClean="0">
+                <a:solidFill>
+                  <a:srgbClr val="FF0000"/>
+                </a:solidFill>
+                <a:latin typeface="나눔고딕OTF" pitchFamily="34" charset="-127"/>
+                <a:ea typeface="나눔고딕OTF" pitchFamily="34" charset="-127"/>
+              </a:endParaRPr>
+            </a:p>
+            <a:p>
+              <a:pPr marL="228600" indent="-228600">
+                <a:lnSpc>
+                  <a:spcPct val="120000"/>
+                </a:lnSpc>
+              </a:pPr>
+              <a:r>
+                <a:rPr kumimoji="0" lang="en-US" altLang="ko-KR" sz="1000" dirty="0" smtClean="0">
+                  <a:solidFill>
+                    <a:srgbClr val="FF0000"/>
+                  </a:solidFill>
+                  <a:latin typeface="나눔고딕OTF" pitchFamily="34" charset="-127"/>
+                  <a:ea typeface="나눔고딕OTF" pitchFamily="34" charset="-127"/>
+                </a:rPr>
+                <a:t>	</a:t>
+              </a:r>
+              <a:r>
+                <a:rPr kumimoji="0" lang="ko-KR" altLang="en-US" sz="1000" dirty="0" smtClean="0">
+                  <a:solidFill>
+                    <a:srgbClr val="FF0000"/>
+                  </a:solidFill>
+                  <a:latin typeface="나눔고딕OTF" pitchFamily="34" charset="-127"/>
+                  <a:ea typeface="나눔고딕OTF" pitchFamily="34" charset="-127"/>
+                </a:rPr>
+                <a:t>내역이 표시됩니다</a:t>
+              </a:r>
+              <a:r>
+                <a:rPr kumimoji="0" lang="en-US" altLang="ko-KR" sz="1000" dirty="0" smtClean="0">
+                  <a:solidFill>
+                    <a:srgbClr val="FF0000"/>
+                  </a:solidFill>
+                  <a:latin typeface="나눔고딕OTF" pitchFamily="34" charset="-127"/>
+                  <a:ea typeface="나눔고딕OTF" pitchFamily="34" charset="-127"/>
+                </a:rPr>
+                <a:t>. </a:t>
+              </a:r>
+              <a:r>
+                <a:rPr kumimoji="0" lang="ko-KR" altLang="en-US" sz="1000" dirty="0" smtClean="0">
+                  <a:solidFill>
+                    <a:srgbClr val="FF0000"/>
+                  </a:solidFill>
+                  <a:latin typeface="나눔고딕OTF" pitchFamily="34" charset="-127"/>
+                  <a:ea typeface="나눔고딕OTF" pitchFamily="34" charset="-127"/>
+                </a:rPr>
+                <a:t>아래 예시의 </a:t>
+              </a:r>
+              <a:r>
+                <a:rPr kumimoji="0" lang="en-US" altLang="ko-KR" sz="1000" dirty="0" smtClean="0">
+                  <a:solidFill>
+                    <a:srgbClr val="FF0000"/>
+                  </a:solidFill>
+                  <a:latin typeface="나눔고딕OTF" pitchFamily="34" charset="-127"/>
+                  <a:ea typeface="나눔고딕OTF" pitchFamily="34" charset="-127"/>
+                </a:rPr>
+                <a:t>“A603”</a:t>
+              </a:r>
+              <a:r>
+                <a:rPr kumimoji="0" lang="ko-KR" altLang="en-US" sz="1000" dirty="0" smtClean="0">
+                  <a:solidFill>
+                    <a:srgbClr val="FF0000"/>
+                  </a:solidFill>
+                  <a:latin typeface="나눔고딕OTF" pitchFamily="34" charset="-127"/>
+                  <a:ea typeface="나눔고딕OTF" pitchFamily="34" charset="-127"/>
+                </a:rPr>
+                <a:t>과 같은</a:t>
+              </a:r>
+              <a:endParaRPr kumimoji="0" lang="en-US" altLang="ko-KR" sz="1000" dirty="0" smtClean="0">
+                <a:solidFill>
+                  <a:srgbClr val="FF0000"/>
+                </a:solidFill>
+                <a:latin typeface="나눔고딕OTF" pitchFamily="34" charset="-127"/>
+                <a:ea typeface="나눔고딕OTF" pitchFamily="34" charset="-127"/>
+              </a:endParaRPr>
+            </a:p>
+            <a:p>
+              <a:pPr marL="228600" indent="-228600">
+                <a:lnSpc>
+                  <a:spcPct val="120000"/>
+                </a:lnSpc>
+              </a:pPr>
+              <a:r>
+                <a:rPr kumimoji="0" lang="en-US" altLang="ko-KR" sz="1000" dirty="0" smtClean="0">
+                  <a:solidFill>
+                    <a:srgbClr val="FF0000"/>
+                  </a:solidFill>
+                  <a:latin typeface="나눔고딕OTF" pitchFamily="34" charset="-127"/>
+                  <a:ea typeface="나눔고딕OTF" pitchFamily="34" charset="-127"/>
+                </a:rPr>
+                <a:t>	</a:t>
+              </a:r>
+              <a:r>
+                <a:rPr kumimoji="0" lang="ko-KR" altLang="en-US" sz="1000" dirty="0" smtClean="0">
+                  <a:solidFill>
+                    <a:srgbClr val="FF0000"/>
+                  </a:solidFill>
+                  <a:latin typeface="나눔고딕OTF" pitchFamily="34" charset="-127"/>
+                  <a:ea typeface="나눔고딕OTF" pitchFamily="34" charset="-127"/>
+                </a:rPr>
+                <a:t>오류코드는 공단 책자를 참고하시기 바랍니다</a:t>
+              </a:r>
+              <a:r>
+                <a:rPr kumimoji="0" lang="en-US" altLang="ko-KR" sz="1000" dirty="0" smtClean="0">
+                  <a:solidFill>
+                    <a:srgbClr val="FF0000"/>
+                  </a:solidFill>
+                  <a:latin typeface="나눔고딕OTF" pitchFamily="34" charset="-127"/>
+                  <a:ea typeface="나눔고딕OTF" pitchFamily="34" charset="-127"/>
+                </a:rPr>
+                <a:t>.</a:t>
+              </a:r>
+              <a:endParaRPr kumimoji="0" lang="en-US" altLang="ko-KR" sz="1000" dirty="0" smtClean="0">
+                <a:latin typeface="나눔고딕OTF" pitchFamily="34" charset="-127"/>
+                <a:ea typeface="나눔고딕OTF" pitchFamily="34" charset="-127"/>
+              </a:endParaRPr>
+            </a:p>
+          </p:txBody>
+        </p:sp>
+        <p:pic>
+          <p:nvPicPr>
+            <p:cNvPr id="2" name="Picture 2"/>
+            <p:cNvPicPr>
+              <a:picLocks noChangeAspect="1" noChangeArrowheads="1"/>
+            </p:cNvPicPr>
+            <p:nvPr/>
+          </p:nvPicPr>
+          <p:blipFill>
+            <a:blip r:embed="rId3"/>
+            <a:srcRect/>
+            <a:stretch>
+              <a:fillRect/>
+            </a:stretch>
+          </p:blipFill>
+          <p:spPr bwMode="auto">
+            <a:xfrm>
+              <a:off x="6857112" y="3357562"/>
+              <a:ext cx="1420995" cy="714380"/>
+            </a:xfrm>
+            <a:prstGeom prst="rect">
+              <a:avLst/>
+            </a:prstGeom>
+            <a:noFill/>
+            <a:ln w="9525">
+              <a:solidFill>
+                <a:schemeClr val="tx1"/>
+              </a:solidFill>
+              <a:miter lim="800000"/>
+              <a:headEnd/>
+              <a:tailEnd/>
+            </a:ln>
+            <a:effectLst/>
+          </p:spPr>
+        </p:pic>
+        <p:pic>
+          <p:nvPicPr>
+            <p:cNvPr id="1027" name="Picture 3"/>
+            <p:cNvPicPr>
+              <a:picLocks noChangeAspect="1" noChangeArrowheads="1"/>
+            </p:cNvPicPr>
+            <p:nvPr/>
+          </p:nvPicPr>
+          <p:blipFill>
+            <a:blip r:embed="rId4"/>
+            <a:srcRect b="14724"/>
+            <a:stretch>
+              <a:fillRect/>
+            </a:stretch>
+          </p:blipFill>
+          <p:spPr bwMode="auto">
+            <a:xfrm>
+              <a:off x="6810388" y="5429264"/>
+              <a:ext cx="2071702" cy="630952"/>
+            </a:xfrm>
+            <a:prstGeom prst="rect">
+              <a:avLst/>
+            </a:prstGeom>
+            <a:noFill/>
+            <a:ln w="9525">
+              <a:solidFill>
+                <a:schemeClr val="tx1"/>
+              </a:solidFill>
+              <a:miter lim="800000"/>
+              <a:headEnd/>
+              <a:tailEnd/>
+            </a:ln>
+            <a:effectLst/>
+          </p:spPr>
+        </p:pic>
+      </p:grpSp>
+      <p:sp>
+        <p:nvSpPr>
+          <p:cNvPr id="23" name="TextBox 59"/>
+          <p:cNvSpPr txBox="1">
+            <a:spLocks noChangeArrowheads="1"/>
+          </p:cNvSpPr>
+          <p:nvPr/>
+        </p:nvSpPr>
         <p:spPr bwMode="auto">
           <a:xfrm>
-            <a:off x="7167578" y="3929066"/>
-            <a:ext cx="1857375" cy="561975"/>
+            <a:off x="415924" y="1052513"/>
+            <a:ext cx="5751521" cy="276999"/>
           </a:xfrm>
           <a:prstGeom prst="rect">
             <a:avLst/>
           </a:prstGeom>
           <a:noFill/>
           <a:ln w="9525">
-            <a:solidFill>
-              <a:schemeClr val="tx1"/>
-            </a:solidFill>
+            <a:noFill/>
             <a:miter lim="800000"/>
             <a:headEnd/>
             <a:tailEnd/>
           </a:ln>
-          <a:effectLst/>
         </p:spPr>
-      </p:pic>
-      <p:cxnSp>
-        <p:nvCxnSpPr>
-          <p:cNvPr id="20" name="꺾인 연결선 19"/>
-          <p:cNvCxnSpPr>
-            <a:stCxn id="17" idx="3"/>
-            <a:endCxn id="1026" idx="1"/>
-          </p:cNvCxnSpPr>
-          <p:nvPr/>
-        </p:nvCxnSpPr>
-        <p:spPr>
-          <a:xfrm>
-            <a:off x="5412259" y="3373073"/>
-            <a:ext cx="1755319" cy="836981"/>
-          </a:xfrm>
-          <a:prstGeom prst="bentConnector3">
-            <a:avLst>
-              <a:gd name="adj1" fmla="val 50000"/>
-            </a:avLst>
-          </a:prstGeom>
-          <a:ln w="19050">
-            <a:solidFill>
-              <a:srgbClr val="7030A0"/>
-            </a:solidFill>
-            <a:tailEnd type="arrow"/>
-          </a:ln>
-        </p:spPr>
-        <p:style>
-          <a:lnRef idx="1">
-            <a:schemeClr val="accent1"/>
-          </a:lnRef>
-          <a:fillRef idx="0">
-            <a:schemeClr val="accent1"/>
-          </a:fillRef>
-          <a:effectRef idx="0">
-            <a:schemeClr val="accent1"/>
-          </a:effectRef>
-          <a:fontRef idx="minor">
-            <a:schemeClr val="tx1"/>
-          </a:fontRef>
-        </p:style>
-      </p:cxnSp>
+        <p:txBody>
+          <a:bodyPr wrap="square">
+            <a:spAutoFit/>
+          </a:bodyPr>
+          <a:lstStyle/>
+          <a:p>
+            <a:r>
+              <a:rPr kumimoji="0" lang="en-US" altLang="ko-KR" sz="1200" dirty="0">
+                <a:latin typeface="나눔고딕OTF" pitchFamily="34" charset="-127"/>
+                <a:ea typeface="나눔고딕OTF" pitchFamily="34" charset="-127"/>
+              </a:rPr>
+              <a:t> </a:t>
+            </a:r>
+            <a:r>
+              <a:rPr kumimoji="0" lang="ko-KR" altLang="en-US" sz="1200" dirty="0" smtClean="0">
+                <a:latin typeface="나눔고딕OTF" pitchFamily="34" charset="-127"/>
+                <a:ea typeface="나눔고딕OTF" pitchFamily="34" charset="-127"/>
+              </a:rPr>
+              <a:t>위치 </a:t>
+            </a:r>
+            <a:r>
+              <a:rPr kumimoji="0" lang="en-US" altLang="ko-KR" sz="1200" dirty="0" smtClean="0">
+                <a:latin typeface="나눔고딕OTF" pitchFamily="34" charset="-127"/>
+                <a:ea typeface="나눔고딕OTF" pitchFamily="34" charset="-127"/>
+              </a:rPr>
+              <a:t>: </a:t>
+            </a:r>
+            <a:r>
+              <a:rPr kumimoji="0" lang="ko-KR" altLang="en-US" sz="1200" dirty="0" err="1" smtClean="0">
+                <a:latin typeface="나눔고딕OTF" pitchFamily="34" charset="-127"/>
+                <a:ea typeface="나눔고딕OTF" pitchFamily="34" charset="-127"/>
+              </a:rPr>
+              <a:t>메인화면</a:t>
+            </a:r>
+            <a:r>
+              <a:rPr kumimoji="0" lang="ko-KR" altLang="en-US" sz="1200" dirty="0" smtClean="0">
+                <a:latin typeface="나눔고딕OTF" pitchFamily="34" charset="-127"/>
+                <a:ea typeface="나눔고딕OTF" pitchFamily="34" charset="-127"/>
+              </a:rPr>
+              <a:t> </a:t>
+            </a:r>
+            <a:r>
+              <a:rPr kumimoji="0" lang="en-US" altLang="ko-KR" sz="1200" dirty="0" smtClean="0">
+                <a:latin typeface="나눔고딕OTF" pitchFamily="34" charset="-127"/>
+                <a:ea typeface="나눔고딕OTF" pitchFamily="34" charset="-127"/>
+              </a:rPr>
+              <a:t>– </a:t>
+            </a:r>
+            <a:r>
+              <a:rPr kumimoji="0" lang="ko-KR" altLang="en-US" sz="1200" dirty="0" smtClean="0">
+                <a:latin typeface="나눔고딕OTF" pitchFamily="34" charset="-127"/>
+                <a:ea typeface="나눔고딕OTF" pitchFamily="34" charset="-127"/>
+              </a:rPr>
+              <a:t>건강검진 </a:t>
+            </a:r>
+            <a:r>
+              <a:rPr kumimoji="0" lang="en-US" altLang="ko-KR" sz="1200" dirty="0" smtClean="0">
+                <a:latin typeface="나눔고딕OTF" pitchFamily="34" charset="-127"/>
+                <a:ea typeface="나눔고딕OTF" pitchFamily="34" charset="-127"/>
+              </a:rPr>
+              <a:t>– </a:t>
+            </a:r>
+            <a:r>
+              <a:rPr kumimoji="0" lang="ko-KR" altLang="en-US" sz="1200" dirty="0" smtClean="0">
+                <a:latin typeface="나눔고딕OTF" pitchFamily="34" charset="-127"/>
+                <a:ea typeface="나눔고딕OTF" pitchFamily="34" charset="-127"/>
+              </a:rPr>
+              <a:t>청구관련 </a:t>
+            </a:r>
+            <a:r>
+              <a:rPr kumimoji="0" lang="en-US" altLang="ko-KR" sz="1200" dirty="0" smtClean="0">
+                <a:latin typeface="나눔고딕OTF" pitchFamily="34" charset="-127"/>
+                <a:ea typeface="나눔고딕OTF" pitchFamily="34" charset="-127"/>
+              </a:rPr>
+              <a:t>– </a:t>
+            </a:r>
+            <a:r>
+              <a:rPr kumimoji="0" lang="ko-KR" altLang="en-US" sz="1200" dirty="0" err="1" smtClean="0">
+                <a:latin typeface="나눔고딕OTF" pitchFamily="34" charset="-127"/>
+                <a:ea typeface="나눔고딕OTF" pitchFamily="34" charset="-127"/>
+              </a:rPr>
+              <a:t>청구시</a:t>
+            </a:r>
+            <a:r>
+              <a:rPr kumimoji="0" lang="ko-KR" altLang="en-US" sz="1200" dirty="0" smtClean="0">
+                <a:latin typeface="나눔고딕OTF" pitchFamily="34" charset="-127"/>
+                <a:ea typeface="나눔고딕OTF" pitchFamily="34" charset="-127"/>
+              </a:rPr>
+              <a:t> 검진결과 성적확인</a:t>
+            </a:r>
+            <a:endParaRPr kumimoji="0" lang="en-US" altLang="ko-KR" sz="1200" dirty="0">
+              <a:latin typeface="나눔고딕OTF" pitchFamily="34" charset="-127"/>
+              <a:ea typeface="나눔고딕OTF" pitchFamily="34" charset="-127"/>
+            </a:endParaRPr>
+          </a:p>
+        </p:txBody>
+      </p:sp>
     </p:spTree>
   </p:cSld>
   <p:clrMapOvr>
@@ -23265,8 +24413,8 @@
         </p:blipFill>
         <p:spPr bwMode="auto">
           <a:xfrm>
-            <a:off x="611900" y="1844555"/>
-            <a:ext cx="5916775" cy="4026140"/>
+            <a:off x="611900" y="1921956"/>
+            <a:ext cx="5916775" cy="3871337"/>
           </a:xfrm>
           <a:prstGeom prst="rect">
             <a:avLst/>
@@ -23345,29 +24493,8 @@
                 <a:latin typeface="나눔고딕OTF ExtraBold" pitchFamily="34" charset="-127"/>
                 <a:ea typeface="나눔고딕OTF ExtraBold" pitchFamily="34" charset="-127"/>
               </a:rPr>
-              <a:t>청</a:t>
-            </a:r>
-            <a:r>
-              <a:rPr kumimoji="0" lang="ko-KR" altLang="en-US" dirty="0" smtClean="0">
-                <a:solidFill>
-                  <a:schemeClr val="bg1">
-                    <a:lumMod val="50000"/>
-                  </a:schemeClr>
-                </a:solidFill>
-                <a:latin typeface="나눔고딕OTF ExtraBold" pitchFamily="34" charset="-127"/>
-                <a:ea typeface="나눔고딕OTF ExtraBold" pitchFamily="34" charset="-127"/>
-              </a:rPr>
-              <a:t>구</a:t>
-            </a:r>
-            <a:endParaRPr kumimoji="0" lang="ko-KR" altLang="en-US" dirty="0" smtClean="0">
-              <a:solidFill>
-                <a:schemeClr val="bg1">
-                  <a:lumMod val="50000"/>
-                </a:schemeClr>
-              </a:solidFill>
-              <a:latin typeface="나눔고딕OTF ExtraBold" pitchFamily="34" charset="-127"/>
-              <a:ea typeface="나눔고딕OTF ExtraBold" pitchFamily="34" charset="-127"/>
-            </a:endParaRPr>
+              <a:t>청구</a:t>
+            </a:r>
           </a:p>
         </p:txBody>
       </p:sp>
@@ -23382,7 +24509,7 @@
         <p:spPr bwMode="auto">
           <a:xfrm>
             <a:off x="6524625" y="1593850"/>
-            <a:ext cx="3108325" cy="3416320"/>
+            <a:ext cx="3108325" cy="269304"/>
           </a:xfrm>
           <a:prstGeom prst="rect">
             <a:avLst/>
@@ -23412,614 +24539,14 @@
                 <a:latin typeface="나눔고딕OTF" pitchFamily="34" charset="-127"/>
                 <a:ea typeface="나눔고딕OTF" pitchFamily="34" charset="-127"/>
               </a:rPr>
-              <a:t>출력 대상 </a:t>
-            </a:r>
-            <a:r>
-              <a:rPr kumimoji="0" lang="ko-KR" altLang="en-US" sz="1000" b="1" dirty="0" err="1" smtClean="0">
-                <a:latin typeface="나눔고딕OTF" pitchFamily="34" charset="-127"/>
-                <a:ea typeface="나눔고딕OTF" pitchFamily="34" charset="-127"/>
-              </a:rPr>
-              <a:t>검진자</a:t>
+              <a:t>출력 </a:t>
             </a:r>
             <a:r>
               <a:rPr kumimoji="0" lang="ko-KR" altLang="en-US" sz="1000" b="1" dirty="0" smtClean="0">
                 <a:latin typeface="나눔고딕OTF" pitchFamily="34" charset="-127"/>
                 <a:ea typeface="나눔고딕OTF" pitchFamily="34" charset="-127"/>
               </a:rPr>
-              <a:t> 조회 및 선택</a:t>
-            </a:r>
-            <a:endParaRPr kumimoji="0" lang="en-US" altLang="ko-KR" sz="1000" b="1" dirty="0" smtClean="0">
-              <a:latin typeface="나눔고딕OTF" pitchFamily="34" charset="-127"/>
-              <a:ea typeface="나눔고딕OTF" pitchFamily="34" charset="-127"/>
-            </a:endParaRPr>
-          </a:p>
-          <a:p>
-            <a:pPr marL="228600" indent="-228600">
-              <a:lnSpc>
-                <a:spcPct val="120000"/>
-              </a:lnSpc>
-            </a:pPr>
-            <a:r>
-              <a:rPr kumimoji="0" lang="en-US" altLang="ko-KR" sz="1000" dirty="0" smtClean="0">
-                <a:latin typeface="나눔고딕OTF" pitchFamily="34" charset="-127"/>
-                <a:ea typeface="나눔고딕OTF" pitchFamily="34" charset="-127"/>
-              </a:rPr>
-              <a:t>   - </a:t>
-            </a:r>
-            <a:r>
-              <a:rPr kumimoji="0" lang="ko-KR" altLang="en-US" sz="1000" dirty="0" smtClean="0">
-                <a:latin typeface="나눔고딕OTF" pitchFamily="34" charset="-127"/>
-                <a:ea typeface="나눔고딕OTF" pitchFamily="34" charset="-127"/>
-              </a:rPr>
-              <a:t>조회 조건에 해당하는 </a:t>
-            </a:r>
-            <a:r>
-              <a:rPr kumimoji="0" lang="ko-KR" altLang="en-US" sz="1000" dirty="0" err="1" smtClean="0">
-                <a:latin typeface="나눔고딕OTF" pitchFamily="34" charset="-127"/>
-                <a:ea typeface="나눔고딕OTF" pitchFamily="34" charset="-127"/>
-              </a:rPr>
-              <a:t>검진자들이</a:t>
-            </a:r>
-            <a:r>
-              <a:rPr kumimoji="0" lang="ko-KR" altLang="en-US" sz="1000" dirty="0" smtClean="0">
-                <a:latin typeface="나눔고딕OTF" pitchFamily="34" charset="-127"/>
-                <a:ea typeface="나눔고딕OTF" pitchFamily="34" charset="-127"/>
-              </a:rPr>
-              <a:t> 표시됩니다</a:t>
-            </a:r>
-            <a:r>
-              <a:rPr kumimoji="0" lang="en-US" altLang="ko-KR" sz="1000" dirty="0" smtClean="0">
-                <a:latin typeface="나눔고딕OTF" pitchFamily="34" charset="-127"/>
-                <a:ea typeface="나눔고딕OTF" pitchFamily="34" charset="-127"/>
-              </a:rPr>
-              <a:t>.</a:t>
-            </a:r>
-          </a:p>
-          <a:p>
-            <a:pPr marL="228600" indent="-228600">
-              <a:lnSpc>
-                <a:spcPct val="120000"/>
-              </a:lnSpc>
-            </a:pPr>
-            <a:r>
-              <a:rPr kumimoji="0" lang="en-US" altLang="ko-KR" sz="1000" dirty="0" smtClean="0">
-                <a:latin typeface="나눔고딕OTF" pitchFamily="34" charset="-127"/>
-                <a:ea typeface="나눔고딕OTF" pitchFamily="34" charset="-127"/>
-              </a:rPr>
-              <a:t>   - </a:t>
-            </a:r>
-            <a:r>
-              <a:rPr kumimoji="0" lang="ko-KR" altLang="en-US" sz="1000" dirty="0" smtClean="0">
-                <a:latin typeface="나눔고딕OTF" pitchFamily="34" charset="-127"/>
-                <a:ea typeface="나눔고딕OTF" pitchFamily="34" charset="-127"/>
-              </a:rPr>
-              <a:t>수검한 검진유형에 검진 날짜가 표시됩니다</a:t>
-            </a:r>
-            <a:r>
-              <a:rPr kumimoji="0" lang="en-US" altLang="ko-KR" sz="1000" dirty="0" smtClean="0">
-                <a:latin typeface="나눔고딕OTF" pitchFamily="34" charset="-127"/>
-                <a:ea typeface="나눔고딕OTF" pitchFamily="34" charset="-127"/>
-              </a:rPr>
-              <a:t>.</a:t>
-            </a:r>
-          </a:p>
-          <a:p>
-            <a:pPr marL="228600" indent="-228600">
-              <a:lnSpc>
-                <a:spcPct val="120000"/>
-              </a:lnSpc>
-            </a:pPr>
-            <a:r>
-              <a:rPr kumimoji="0" lang="en-US" altLang="ko-KR" sz="1000" dirty="0" smtClean="0">
-                <a:latin typeface="나눔고딕OTF" pitchFamily="34" charset="-127"/>
-                <a:ea typeface="나눔고딕OTF" pitchFamily="34" charset="-127"/>
-              </a:rPr>
-              <a:t>   - </a:t>
-            </a:r>
-            <a:r>
-              <a:rPr kumimoji="0" lang="ko-KR" altLang="en-US" sz="1000" dirty="0" err="1" smtClean="0">
-                <a:latin typeface="나눔고딕OTF" pitchFamily="34" charset="-127"/>
-                <a:ea typeface="나눔고딕OTF" pitchFamily="34" charset="-127"/>
-              </a:rPr>
-              <a:t>통보서를</a:t>
-            </a:r>
-            <a:r>
-              <a:rPr kumimoji="0" lang="ko-KR" altLang="en-US" sz="1000" dirty="0" smtClean="0">
-                <a:latin typeface="나눔고딕OTF" pitchFamily="34" charset="-127"/>
-                <a:ea typeface="나눔고딕OTF" pitchFamily="34" charset="-127"/>
-              </a:rPr>
-              <a:t> 한번도 뽑지 않은 </a:t>
-            </a:r>
-            <a:r>
-              <a:rPr kumimoji="0" lang="ko-KR" altLang="en-US" sz="1000" dirty="0" err="1" smtClean="0">
-                <a:latin typeface="나눔고딕OTF" pitchFamily="34" charset="-127"/>
-                <a:ea typeface="나눔고딕OTF" pitchFamily="34" charset="-127"/>
-              </a:rPr>
-              <a:t>검진자는</a:t>
-            </a:r>
-            <a:r>
-              <a:rPr kumimoji="0" lang="ko-KR" altLang="en-US" sz="1000" dirty="0" smtClean="0">
-                <a:latin typeface="나눔고딕OTF" pitchFamily="34" charset="-127"/>
-                <a:ea typeface="나눔고딕OTF" pitchFamily="34" charset="-127"/>
-              </a:rPr>
-              <a:t> 자동으로</a:t>
-            </a:r>
-            <a:endParaRPr kumimoji="0" lang="en-US" altLang="ko-KR" sz="1000" dirty="0" smtClean="0">
-              <a:latin typeface="나눔고딕OTF" pitchFamily="34" charset="-127"/>
-              <a:ea typeface="나눔고딕OTF" pitchFamily="34" charset="-127"/>
-            </a:endParaRPr>
-          </a:p>
-          <a:p>
-            <a:pPr marL="228600" indent="-228600">
-              <a:lnSpc>
-                <a:spcPct val="120000"/>
-              </a:lnSpc>
-            </a:pPr>
-            <a:r>
-              <a:rPr kumimoji="0" lang="en-US" altLang="ko-KR" sz="1000" dirty="0" smtClean="0">
-                <a:latin typeface="나눔고딕OTF" pitchFamily="34" charset="-127"/>
-                <a:ea typeface="나눔고딕OTF" pitchFamily="34" charset="-127"/>
-              </a:rPr>
-              <a:t>	“</a:t>
-            </a:r>
-            <a:r>
-              <a:rPr kumimoji="0" lang="ko-KR" altLang="en-US" sz="1000" dirty="0" smtClean="0">
-                <a:latin typeface="나눔고딕OTF" pitchFamily="34" charset="-127"/>
-                <a:ea typeface="나눔고딕OTF" pitchFamily="34" charset="-127"/>
-              </a:rPr>
-              <a:t>선택</a:t>
-            </a:r>
-            <a:r>
-              <a:rPr kumimoji="0" lang="en-US" altLang="ko-KR" sz="1000" dirty="0" smtClean="0">
-                <a:latin typeface="나눔고딕OTF" pitchFamily="34" charset="-127"/>
-                <a:ea typeface="나눔고딕OTF" pitchFamily="34" charset="-127"/>
-              </a:rPr>
-              <a:t>”</a:t>
-            </a:r>
-            <a:r>
-              <a:rPr kumimoji="0" lang="ko-KR" altLang="en-US" sz="1000" dirty="0" smtClean="0">
-                <a:latin typeface="나눔고딕OTF" pitchFamily="34" charset="-127"/>
-                <a:ea typeface="나눔고딕OTF" pitchFamily="34" charset="-127"/>
-              </a:rPr>
-              <a:t>에 체크되어 있습니다</a:t>
-            </a:r>
-            <a:r>
-              <a:rPr kumimoji="0" lang="en-US" altLang="ko-KR" sz="1000" dirty="0" smtClean="0">
-                <a:latin typeface="나눔고딕OTF" pitchFamily="34" charset="-127"/>
-                <a:ea typeface="나눔고딕OTF" pitchFamily="34" charset="-127"/>
-              </a:rPr>
-              <a:t>.</a:t>
-            </a:r>
-          </a:p>
-          <a:p>
-            <a:pPr marL="228600" indent="-228600">
-              <a:lnSpc>
-                <a:spcPct val="120000"/>
-              </a:lnSpc>
-              <a:buAutoNum type="arabicParenR" startAt="3"/>
-            </a:pPr>
-            <a:r>
-              <a:rPr kumimoji="0" lang="ko-KR" altLang="en-US" sz="1000" b="1" dirty="0" smtClean="0">
-                <a:latin typeface="나눔고딕OTF" pitchFamily="34" charset="-127"/>
-                <a:ea typeface="나눔고딕OTF" pitchFamily="34" charset="-127"/>
-              </a:rPr>
-              <a:t>검진 통보서 출력</a:t>
-            </a:r>
-            <a:endParaRPr kumimoji="0" lang="en-US" altLang="ko-KR" sz="1000" b="1" dirty="0" smtClean="0">
-              <a:latin typeface="나눔고딕OTF" pitchFamily="34" charset="-127"/>
-              <a:ea typeface="나눔고딕OTF" pitchFamily="34" charset="-127"/>
-            </a:endParaRPr>
-          </a:p>
-          <a:p>
-            <a:pPr marL="228600" indent="-228600">
-              <a:lnSpc>
-                <a:spcPct val="120000"/>
-              </a:lnSpc>
-            </a:pPr>
-            <a:r>
-              <a:rPr kumimoji="0" lang="en-US" altLang="ko-KR" sz="1000" dirty="0" smtClean="0">
-                <a:latin typeface="나눔고딕OTF" pitchFamily="34" charset="-127"/>
-                <a:ea typeface="나눔고딕OTF" pitchFamily="34" charset="-127"/>
-              </a:rPr>
-              <a:t>   - </a:t>
-            </a:r>
-            <a:r>
-              <a:rPr kumimoji="0" lang="ko-KR" altLang="en-US" sz="1000" dirty="0" smtClean="0">
-                <a:latin typeface="나눔고딕OTF" pitchFamily="34" charset="-127"/>
-                <a:ea typeface="나눔고딕OTF" pitchFamily="34" charset="-127"/>
-              </a:rPr>
-              <a:t>조회 화면에서 선택한 </a:t>
-            </a:r>
-            <a:r>
-              <a:rPr kumimoji="0" lang="ko-KR" altLang="en-US" sz="1000" dirty="0" err="1" smtClean="0">
-                <a:latin typeface="나눔고딕OTF" pitchFamily="34" charset="-127"/>
-                <a:ea typeface="나눔고딕OTF" pitchFamily="34" charset="-127"/>
-              </a:rPr>
-              <a:t>검진자들의</a:t>
-            </a:r>
-            <a:r>
-              <a:rPr kumimoji="0" lang="ko-KR" altLang="en-US" sz="1000" dirty="0" smtClean="0">
-                <a:latin typeface="나눔고딕OTF" pitchFamily="34" charset="-127"/>
-                <a:ea typeface="나눔고딕OTF" pitchFamily="34" charset="-127"/>
-              </a:rPr>
-              <a:t> </a:t>
-            </a:r>
-            <a:r>
-              <a:rPr kumimoji="0" lang="ko-KR" altLang="en-US" sz="1000" dirty="0" err="1" smtClean="0">
-                <a:latin typeface="나눔고딕OTF" pitchFamily="34" charset="-127"/>
-                <a:ea typeface="나눔고딕OTF" pitchFamily="34" charset="-127"/>
-              </a:rPr>
-              <a:t>통보서를</a:t>
-            </a:r>
-            <a:r>
-              <a:rPr kumimoji="0" lang="ko-KR" altLang="en-US" sz="1000" dirty="0" smtClean="0">
-                <a:latin typeface="나눔고딕OTF" pitchFamily="34" charset="-127"/>
-                <a:ea typeface="나눔고딕OTF" pitchFamily="34" charset="-127"/>
-              </a:rPr>
-              <a:t> 출력합니다</a:t>
-            </a:r>
-            <a:r>
-              <a:rPr kumimoji="0" lang="en-US" altLang="ko-KR" sz="1000" dirty="0" smtClean="0">
-                <a:latin typeface="나눔고딕OTF" pitchFamily="34" charset="-127"/>
-                <a:ea typeface="나눔고딕OTF" pitchFamily="34" charset="-127"/>
-              </a:rPr>
-              <a:t>.</a:t>
-            </a:r>
-          </a:p>
-          <a:p>
-            <a:pPr marL="228600" indent="-228600">
-              <a:lnSpc>
-                <a:spcPct val="120000"/>
-              </a:lnSpc>
-            </a:pPr>
-            <a:r>
-              <a:rPr kumimoji="0" lang="en-US" altLang="ko-KR" sz="1000" dirty="0" smtClean="0">
-                <a:latin typeface="나눔고딕OTF" pitchFamily="34" charset="-127"/>
-                <a:ea typeface="나눔고딕OTF" pitchFamily="34" charset="-127"/>
-              </a:rPr>
-              <a:t>   </a:t>
-            </a:r>
-            <a:r>
-              <a:rPr kumimoji="0" lang="en-US" altLang="ko-KR" sz="1000" dirty="0" smtClean="0">
-                <a:solidFill>
-                  <a:srgbClr val="FF0000"/>
-                </a:solidFill>
-                <a:latin typeface="나눔고딕OTF" pitchFamily="34" charset="-127"/>
-                <a:ea typeface="나눔고딕OTF" pitchFamily="34" charset="-127"/>
-              </a:rPr>
-              <a:t>* “</a:t>
-            </a:r>
-            <a:r>
-              <a:rPr kumimoji="0" lang="ko-KR" altLang="en-US" sz="1000" dirty="0" smtClean="0">
-                <a:solidFill>
-                  <a:srgbClr val="FF0000"/>
-                </a:solidFill>
-                <a:latin typeface="나눔고딕OTF" pitchFamily="34" charset="-127"/>
-                <a:ea typeface="나눔고딕OTF" pitchFamily="34" charset="-127"/>
-              </a:rPr>
-              <a:t>선택</a:t>
-            </a:r>
-            <a:r>
-              <a:rPr kumimoji="0" lang="en-US" altLang="ko-KR" sz="1000" dirty="0" smtClean="0">
-                <a:solidFill>
-                  <a:srgbClr val="FF0000"/>
-                </a:solidFill>
-                <a:latin typeface="나눔고딕OTF" pitchFamily="34" charset="-127"/>
-                <a:ea typeface="나눔고딕OTF" pitchFamily="34" charset="-127"/>
-              </a:rPr>
-              <a:t>”</a:t>
-            </a:r>
-            <a:r>
-              <a:rPr kumimoji="0" lang="ko-KR" altLang="en-US" sz="1000" dirty="0" smtClean="0">
-                <a:solidFill>
-                  <a:srgbClr val="FF0000"/>
-                </a:solidFill>
-                <a:latin typeface="나눔고딕OTF" pitchFamily="34" charset="-127"/>
-                <a:ea typeface="나눔고딕OTF" pitchFamily="34" charset="-127"/>
-              </a:rPr>
-              <a:t>에 체크되어 있는 내역만 출력합니다</a:t>
-            </a:r>
-            <a:r>
-              <a:rPr kumimoji="0" lang="en-US" altLang="ko-KR" sz="1000" dirty="0" smtClean="0">
-                <a:solidFill>
-                  <a:srgbClr val="FF0000"/>
-                </a:solidFill>
-                <a:latin typeface="나눔고딕OTF" pitchFamily="34" charset="-127"/>
-                <a:ea typeface="나눔고딕OTF" pitchFamily="34" charset="-127"/>
-              </a:rPr>
-              <a:t>.</a:t>
-            </a:r>
-          </a:p>
-          <a:p>
-            <a:pPr marL="228600" indent="-228600">
-              <a:lnSpc>
-                <a:spcPct val="120000"/>
-              </a:lnSpc>
-            </a:pPr>
-            <a:endParaRPr kumimoji="0" lang="en-US" altLang="ko-KR" sz="1000" dirty="0" smtClean="0">
-              <a:solidFill>
-                <a:srgbClr val="FF0000"/>
-              </a:solidFill>
-              <a:latin typeface="나눔고딕OTF" pitchFamily="34" charset="-127"/>
-              <a:ea typeface="나눔고딕OTF" pitchFamily="34" charset="-127"/>
-            </a:endParaRPr>
-          </a:p>
-          <a:p>
-            <a:pPr marL="228600" indent="-228600">
-              <a:lnSpc>
-                <a:spcPct val="120000"/>
-              </a:lnSpc>
-            </a:pPr>
-            <a:r>
-              <a:rPr kumimoji="0" lang="en-US" altLang="ko-KR" sz="1000" dirty="0" smtClean="0">
-                <a:solidFill>
-                  <a:srgbClr val="FF0000"/>
-                </a:solidFill>
-                <a:latin typeface="나눔고딕OTF" pitchFamily="34" charset="-127"/>
-                <a:ea typeface="나눔고딕OTF" pitchFamily="34" charset="-127"/>
-              </a:rPr>
-              <a:t>   * </a:t>
-            </a:r>
-            <a:r>
-              <a:rPr kumimoji="0" lang="ko-KR" altLang="en-US" sz="1000" dirty="0" smtClean="0">
-                <a:solidFill>
-                  <a:srgbClr val="FF0000"/>
-                </a:solidFill>
-                <a:latin typeface="나눔고딕OTF" pitchFamily="34" charset="-127"/>
-                <a:ea typeface="나눔고딕OTF" pitchFamily="34" charset="-127"/>
-              </a:rPr>
-              <a:t>한번이라도 출력한 내역은 </a:t>
-            </a:r>
-            <a:r>
-              <a:rPr kumimoji="0" lang="en-US" altLang="ko-KR" sz="1000" dirty="0" smtClean="0">
-                <a:solidFill>
-                  <a:srgbClr val="FF0000"/>
-                </a:solidFill>
-                <a:latin typeface="나눔고딕OTF" pitchFamily="34" charset="-127"/>
-                <a:ea typeface="나눔고딕OTF" pitchFamily="34" charset="-127"/>
-              </a:rPr>
-              <a:t>“</a:t>
-            </a:r>
-            <a:r>
-              <a:rPr kumimoji="0" lang="ko-KR" altLang="en-US" sz="1000" dirty="0" smtClean="0">
-                <a:solidFill>
-                  <a:srgbClr val="FF0000"/>
-                </a:solidFill>
-                <a:latin typeface="나눔고딕OTF" pitchFamily="34" charset="-127"/>
-                <a:ea typeface="나눔고딕OTF" pitchFamily="34" charset="-127"/>
-              </a:rPr>
-              <a:t>통보일자</a:t>
-            </a:r>
-            <a:r>
-              <a:rPr kumimoji="0" lang="en-US" altLang="ko-KR" sz="1000" dirty="0" smtClean="0">
-                <a:solidFill>
-                  <a:srgbClr val="FF0000"/>
-                </a:solidFill>
-                <a:latin typeface="나눔고딕OTF" pitchFamily="34" charset="-127"/>
-                <a:ea typeface="나눔고딕OTF" pitchFamily="34" charset="-127"/>
-              </a:rPr>
-              <a:t>” </a:t>
-            </a:r>
-            <a:r>
-              <a:rPr kumimoji="0" lang="ko-KR" altLang="en-US" sz="1000" dirty="0" smtClean="0">
-                <a:solidFill>
-                  <a:srgbClr val="FF0000"/>
-                </a:solidFill>
-                <a:latin typeface="나눔고딕OTF" pitchFamily="34" charset="-127"/>
-                <a:ea typeface="나눔고딕OTF" pitchFamily="34" charset="-127"/>
-              </a:rPr>
-              <a:t>칸에 출력</a:t>
-            </a:r>
-            <a:endParaRPr kumimoji="0" lang="en-US" altLang="ko-KR" sz="1000" dirty="0" smtClean="0">
-              <a:solidFill>
-                <a:srgbClr val="FF0000"/>
-              </a:solidFill>
-              <a:latin typeface="나눔고딕OTF" pitchFamily="34" charset="-127"/>
-              <a:ea typeface="나눔고딕OTF" pitchFamily="34" charset="-127"/>
-            </a:endParaRPr>
-          </a:p>
-          <a:p>
-            <a:pPr marL="228600" indent="-228600">
-              <a:lnSpc>
-                <a:spcPct val="120000"/>
-              </a:lnSpc>
-            </a:pPr>
-            <a:r>
-              <a:rPr kumimoji="0" lang="en-US" altLang="ko-KR" sz="1000" dirty="0" smtClean="0">
-                <a:solidFill>
-                  <a:srgbClr val="FF0000"/>
-                </a:solidFill>
-                <a:latin typeface="나눔고딕OTF" pitchFamily="34" charset="-127"/>
-                <a:ea typeface="나눔고딕OTF" pitchFamily="34" charset="-127"/>
-              </a:rPr>
-              <a:t>	</a:t>
-            </a:r>
-            <a:r>
-              <a:rPr kumimoji="0" lang="ko-KR" altLang="en-US" sz="1000" dirty="0" smtClean="0">
-                <a:solidFill>
-                  <a:srgbClr val="FF0000"/>
-                </a:solidFill>
-                <a:latin typeface="나눔고딕OTF" pitchFamily="34" charset="-127"/>
-                <a:ea typeface="나눔고딕OTF" pitchFamily="34" charset="-127"/>
-              </a:rPr>
-              <a:t>날짜가 저장되어 표시되고</a:t>
-            </a:r>
-            <a:r>
-              <a:rPr kumimoji="0" lang="en-US" altLang="ko-KR" sz="1000" dirty="0" smtClean="0">
-                <a:solidFill>
-                  <a:srgbClr val="FF0000"/>
-                </a:solidFill>
-                <a:latin typeface="나눔고딕OTF" pitchFamily="34" charset="-127"/>
-                <a:ea typeface="나눔고딕OTF" pitchFamily="34" charset="-127"/>
-              </a:rPr>
-              <a:t>, “</a:t>
-            </a:r>
-            <a:r>
-              <a:rPr kumimoji="0" lang="ko-KR" altLang="en-US" sz="1000" dirty="0" smtClean="0">
-                <a:solidFill>
-                  <a:srgbClr val="FF0000"/>
-                </a:solidFill>
-                <a:latin typeface="나눔고딕OTF" pitchFamily="34" charset="-127"/>
-                <a:ea typeface="나눔고딕OTF" pitchFamily="34" charset="-127"/>
-              </a:rPr>
-              <a:t>출력</a:t>
-            </a:r>
-            <a:r>
-              <a:rPr kumimoji="0" lang="en-US" altLang="ko-KR" sz="1000" dirty="0" smtClean="0">
-                <a:solidFill>
-                  <a:srgbClr val="FF0000"/>
-                </a:solidFill>
-                <a:latin typeface="나눔고딕OTF" pitchFamily="34" charset="-127"/>
-                <a:ea typeface="나눔고딕OTF" pitchFamily="34" charset="-127"/>
-              </a:rPr>
-              <a:t>”</a:t>
-            </a:r>
-            <a:r>
-              <a:rPr kumimoji="0" lang="ko-KR" altLang="en-US" sz="1000" dirty="0" smtClean="0">
-                <a:solidFill>
-                  <a:srgbClr val="FF0000"/>
-                </a:solidFill>
-                <a:latin typeface="나눔고딕OTF" pitchFamily="34" charset="-127"/>
-                <a:ea typeface="나눔고딕OTF" pitchFamily="34" charset="-127"/>
-              </a:rPr>
-              <a:t>에 체크됩니다</a:t>
-            </a:r>
-            <a:r>
-              <a:rPr kumimoji="0" lang="en-US" altLang="ko-KR" sz="1000" dirty="0" smtClean="0">
-                <a:solidFill>
-                  <a:srgbClr val="FF0000"/>
-                </a:solidFill>
-                <a:latin typeface="나눔고딕OTF" pitchFamily="34" charset="-127"/>
-                <a:ea typeface="나눔고딕OTF" pitchFamily="34" charset="-127"/>
-              </a:rPr>
-              <a:t>.</a:t>
-            </a:r>
-          </a:p>
-          <a:p>
-            <a:pPr marL="228600" indent="-228600">
-              <a:lnSpc>
-                <a:spcPct val="120000"/>
-              </a:lnSpc>
-            </a:pPr>
-            <a:endParaRPr kumimoji="0" lang="en-US" altLang="ko-KR" sz="1000" dirty="0" smtClean="0">
-              <a:solidFill>
-                <a:srgbClr val="FF0000"/>
-              </a:solidFill>
-              <a:latin typeface="나눔고딕OTF" pitchFamily="34" charset="-127"/>
-              <a:ea typeface="나눔고딕OTF" pitchFamily="34" charset="-127"/>
-            </a:endParaRPr>
-          </a:p>
-          <a:p>
-            <a:pPr marL="228600" indent="-228600">
-              <a:lnSpc>
-                <a:spcPct val="120000"/>
-              </a:lnSpc>
-            </a:pPr>
-            <a:endParaRPr kumimoji="0" lang="en-US" altLang="ko-KR" sz="1000" dirty="0" smtClean="0">
-              <a:solidFill>
-                <a:srgbClr val="FF0000"/>
-              </a:solidFill>
-              <a:latin typeface="나눔고딕OTF" pitchFamily="34" charset="-127"/>
-              <a:ea typeface="나눔고딕OTF" pitchFamily="34" charset="-127"/>
-            </a:endParaRPr>
-          </a:p>
-          <a:p>
-            <a:pPr marL="228600" indent="-228600">
-              <a:lnSpc>
-                <a:spcPct val="120000"/>
-              </a:lnSpc>
-            </a:pPr>
-            <a:endParaRPr kumimoji="0" lang="en-US" altLang="ko-KR" sz="1000" dirty="0" smtClean="0">
-              <a:solidFill>
-                <a:srgbClr val="FF0000"/>
-              </a:solidFill>
-              <a:latin typeface="나눔고딕OTF" pitchFamily="34" charset="-127"/>
-              <a:ea typeface="나눔고딕OTF" pitchFamily="34" charset="-127"/>
-            </a:endParaRPr>
-          </a:p>
-          <a:p>
-            <a:pPr marL="228600" indent="-228600">
-              <a:lnSpc>
-                <a:spcPct val="120000"/>
-              </a:lnSpc>
-            </a:pPr>
-            <a:endParaRPr kumimoji="0" lang="en-US" altLang="ko-KR" sz="1000" dirty="0" smtClean="0">
-              <a:solidFill>
-                <a:srgbClr val="FF0000"/>
-              </a:solidFill>
-              <a:latin typeface="나눔고딕OTF" pitchFamily="34" charset="-127"/>
-              <a:ea typeface="나눔고딕OTF" pitchFamily="34" charset="-127"/>
-            </a:endParaRPr>
-          </a:p>
-          <a:p>
-            <a:pPr marL="228600" indent="-228600">
-              <a:lnSpc>
-                <a:spcPct val="120000"/>
-              </a:lnSpc>
-            </a:pPr>
-            <a:r>
-              <a:rPr kumimoji="0" lang="en-US" altLang="ko-KR" sz="1000" dirty="0" smtClean="0">
-                <a:solidFill>
-                  <a:srgbClr val="FF0000"/>
-                </a:solidFill>
-                <a:latin typeface="나눔고딕OTF" pitchFamily="34" charset="-127"/>
-                <a:ea typeface="나눔고딕OTF" pitchFamily="34" charset="-127"/>
-              </a:rPr>
-              <a:t>   * </a:t>
-            </a:r>
-            <a:r>
-              <a:rPr kumimoji="0" lang="ko-KR" altLang="en-US" sz="1000" dirty="0" smtClean="0">
-                <a:solidFill>
-                  <a:srgbClr val="FF0000"/>
-                </a:solidFill>
-                <a:latin typeface="나눔고딕OTF" pitchFamily="34" charset="-127"/>
-                <a:ea typeface="나눔고딕OTF" pitchFamily="34" charset="-127"/>
-              </a:rPr>
-              <a:t>이미 출력한 내역도 다시 선택하여 재 출력</a:t>
-            </a:r>
-            <a:endParaRPr kumimoji="0" lang="en-US" altLang="ko-KR" sz="1000" dirty="0" smtClean="0">
-              <a:solidFill>
-                <a:srgbClr val="FF0000"/>
-              </a:solidFill>
-              <a:latin typeface="나눔고딕OTF" pitchFamily="34" charset="-127"/>
-              <a:ea typeface="나눔고딕OTF" pitchFamily="34" charset="-127"/>
-            </a:endParaRPr>
-          </a:p>
-          <a:p>
-            <a:pPr marL="228600" indent="-228600">
-              <a:lnSpc>
-                <a:spcPct val="120000"/>
-              </a:lnSpc>
-            </a:pPr>
-            <a:r>
-              <a:rPr kumimoji="0" lang="en-US" altLang="ko-KR" sz="1000" dirty="0" smtClean="0">
-                <a:solidFill>
-                  <a:srgbClr val="FF0000"/>
-                </a:solidFill>
-                <a:latin typeface="나눔고딕OTF" pitchFamily="34" charset="-127"/>
-                <a:ea typeface="나눔고딕OTF" pitchFamily="34" charset="-127"/>
-              </a:rPr>
-              <a:t>	</a:t>
-            </a:r>
-            <a:r>
-              <a:rPr kumimoji="0" lang="ko-KR" altLang="en-US" sz="1000" dirty="0" smtClean="0">
-                <a:solidFill>
-                  <a:srgbClr val="FF0000"/>
-                </a:solidFill>
-                <a:latin typeface="나눔고딕OTF" pitchFamily="34" charset="-127"/>
-                <a:ea typeface="나눔고딕OTF" pitchFamily="34" charset="-127"/>
-              </a:rPr>
-              <a:t>가능합니다</a:t>
-            </a:r>
-            <a:r>
-              <a:rPr kumimoji="0" lang="en-US" altLang="ko-KR" sz="1000" dirty="0" smtClean="0">
-                <a:solidFill>
-                  <a:srgbClr val="FF0000"/>
-                </a:solidFill>
-                <a:latin typeface="나눔고딕OTF" pitchFamily="34" charset="-127"/>
-                <a:ea typeface="나눔고딕OTF" pitchFamily="34" charset="-127"/>
-              </a:rPr>
-              <a:t>.</a:t>
+              <a:t>대상</a:t>
             </a:r>
             <a:endParaRPr kumimoji="0" lang="en-US" altLang="ko-KR" sz="1000" dirty="0" smtClean="0">
               <a:latin typeface="나눔고딕OTF" pitchFamily="34" charset="-127"/>
@@ -24073,418 +24600,6 @@
               <a:t>청구파일 생성</a:t>
             </a:r>
             <a:endParaRPr kumimoji="0" lang="ko-KR" altLang="en-US" sz="1400" b="1" dirty="0">
-              <a:latin typeface="나눔고딕OTF" pitchFamily="34" charset="-127"/>
-              <a:ea typeface="나눔고딕OTF" pitchFamily="34" charset="-127"/>
-            </a:endParaRPr>
-          </a:p>
-        </p:txBody>
-      </p:sp>
-      <p:sp>
-        <p:nvSpPr>
-          <p:cNvPr id="9" name="TextBox 59"/>
-          <p:cNvSpPr txBox="1">
-            <a:spLocks noChangeArrowheads="1"/>
-          </p:cNvSpPr>
-          <p:nvPr/>
-        </p:nvSpPr>
-        <p:spPr bwMode="auto">
-          <a:xfrm>
-            <a:off x="415924" y="1052513"/>
-            <a:ext cx="5751521" cy="276999"/>
-          </a:xfrm>
-          <a:prstGeom prst="rect">
-            <a:avLst/>
-          </a:prstGeom>
-          <a:noFill/>
-          <a:ln w="9525">
-            <a:noFill/>
-            <a:miter lim="800000"/>
-            <a:headEnd/>
-            <a:tailEnd/>
-          </a:ln>
-        </p:spPr>
-        <p:txBody>
-          <a:bodyPr wrap="square">
-            <a:spAutoFit/>
-          </a:bodyPr>
-          <a:lstStyle/>
-          <a:p>
-            <a:r>
-              <a:rPr kumimoji="0" lang="en-US" altLang="ko-KR" sz="1200" dirty="0">
-                <a:latin typeface="나눔고딕OTF" pitchFamily="34" charset="-127"/>
-                <a:ea typeface="나눔고딕OTF" pitchFamily="34" charset="-127"/>
-              </a:rPr>
-              <a:t> </a:t>
-            </a:r>
-            <a:r>
-              <a:rPr kumimoji="0" lang="en-US" altLang="ko-KR" sz="1200" dirty="0" smtClean="0">
-                <a:latin typeface="나눔고딕OTF" pitchFamily="34" charset="-127"/>
-                <a:ea typeface="나눔고딕OTF" pitchFamily="34" charset="-127"/>
-              </a:rPr>
-              <a:t>- </a:t>
-            </a:r>
-            <a:r>
-              <a:rPr kumimoji="0" lang="ko-KR" altLang="en-US" sz="1200" dirty="0" smtClean="0">
-                <a:latin typeface="나눔고딕OTF" pitchFamily="34" charset="-127"/>
-                <a:ea typeface="나눔고딕OTF" pitchFamily="34" charset="-127"/>
-              </a:rPr>
-              <a:t>공단검진 청구 연계파일을 생성합니다</a:t>
-            </a:r>
-            <a:r>
-              <a:rPr kumimoji="0" lang="en-US" altLang="ko-KR" sz="1200" smtClean="0">
-                <a:latin typeface="나눔고딕OTF" pitchFamily="34" charset="-127"/>
-                <a:ea typeface="나눔고딕OTF" pitchFamily="34" charset="-127"/>
-              </a:rPr>
-              <a:t>.</a:t>
-            </a:r>
-            <a:endParaRPr kumimoji="0" lang="en-US" altLang="ko-KR" sz="1200" dirty="0">
-              <a:latin typeface="나눔고딕OTF" pitchFamily="34" charset="-127"/>
-              <a:ea typeface="나눔고딕OTF" pitchFamily="34" charset="-127"/>
-            </a:endParaRPr>
-          </a:p>
-        </p:txBody>
-      </p:sp>
-      <p:sp>
-        <p:nvSpPr>
-          <p:cNvPr id="10" name="직사각형 9"/>
-          <p:cNvSpPr/>
-          <p:nvPr/>
-        </p:nvSpPr>
-        <p:spPr>
-          <a:xfrm>
-            <a:off x="666720" y="3500438"/>
-            <a:ext cx="5857916" cy="500066"/>
-          </a:xfrm>
-          <a:prstGeom prst="rect">
-            <a:avLst/>
-          </a:prstGeom>
-          <a:noFill/>
-          <a:ln w="12700">
-            <a:solidFill>
-              <a:srgbClr val="FF0000"/>
-            </a:solidFill>
-          </a:ln>
-        </p:spPr>
-        <p:style>
-          <a:lnRef idx="2">
-            <a:schemeClr val="accent1">
-              <a:shade val="50000"/>
-            </a:schemeClr>
-          </a:lnRef>
-          <a:fillRef idx="1">
-            <a:schemeClr val="accent1"/>
-          </a:fillRef>
-          <a:effectRef idx="0">
-            <a:schemeClr val="accent1"/>
-          </a:effectRef>
-          <a:fontRef idx="minor">
-            <a:schemeClr val="lt1"/>
-          </a:fontRef>
-        </p:style>
-        <p:txBody>
-          <a:bodyPr anchor="ctr"/>
-          <a:lstStyle/>
-          <a:p>
-            <a:pPr algn="ctr" fontAlgn="auto">
-              <a:spcBef>
-                <a:spcPts val="0"/>
-              </a:spcBef>
-              <a:spcAft>
-                <a:spcPts val="0"/>
-              </a:spcAft>
-              <a:defRPr/>
-            </a:pPr>
-            <a:endParaRPr kumimoji="0" lang="ko-KR" altLang="en-US" dirty="0">
-              <a:latin typeface="나눔고딕OTF" pitchFamily="34" charset="-127"/>
-              <a:ea typeface="나눔고딕OTF" pitchFamily="34" charset="-127"/>
-            </a:endParaRPr>
-          </a:p>
-        </p:txBody>
-      </p:sp>
-      <p:sp>
-        <p:nvSpPr>
-          <p:cNvPr id="11" name="타원 10"/>
-          <p:cNvSpPr/>
-          <p:nvPr/>
-        </p:nvSpPr>
-        <p:spPr>
-          <a:xfrm>
-            <a:off x="523844" y="3357562"/>
-            <a:ext cx="214314" cy="214314"/>
-          </a:xfrm>
-          <a:prstGeom prst="ellipse">
-            <a:avLst/>
-          </a:prstGeom>
-          <a:solidFill>
-            <a:schemeClr val="bg1"/>
-          </a:solidFill>
-          <a:ln>
-            <a:solidFill>
-              <a:srgbClr val="FF0000"/>
-            </a:solidFill>
-          </a:ln>
-        </p:spPr>
-        <p:style>
-          <a:lnRef idx="2">
-            <a:schemeClr val="accent1">
-              <a:shade val="50000"/>
-            </a:schemeClr>
-          </a:lnRef>
-          <a:fillRef idx="1">
-            <a:schemeClr val="accent1"/>
-          </a:fillRef>
-          <a:effectRef idx="0">
-            <a:schemeClr val="accent1"/>
-          </a:effectRef>
-          <a:fontRef idx="minor">
-            <a:schemeClr val="lt1"/>
-          </a:fontRef>
-        </p:style>
-        <p:txBody>
-          <a:bodyPr anchor="ctr"/>
-          <a:lstStyle/>
-          <a:p>
-            <a:pPr algn="ctr">
-              <a:defRPr/>
-            </a:pPr>
-            <a:r>
-              <a:rPr lang="en-US" altLang="ko-KR" sz="1000" dirty="0" smtClean="0">
-                <a:solidFill>
-                  <a:schemeClr val="tx1"/>
-                </a:solidFill>
-              </a:rPr>
-              <a:t>2</a:t>
-            </a:r>
-            <a:endParaRPr lang="ko-KR" altLang="en-US" sz="1000" dirty="0">
-              <a:solidFill>
-                <a:schemeClr val="tx1"/>
-              </a:solidFill>
-            </a:endParaRPr>
-          </a:p>
-        </p:txBody>
-      </p:sp>
-      <p:sp>
-        <p:nvSpPr>
-          <p:cNvPr id="12" name="직사각형 11"/>
-          <p:cNvSpPr/>
-          <p:nvPr/>
-        </p:nvSpPr>
-        <p:spPr>
-          <a:xfrm>
-            <a:off x="1738290" y="3500438"/>
-            <a:ext cx="1000132" cy="285752"/>
-          </a:xfrm>
-          <a:prstGeom prst="rect">
-            <a:avLst/>
-          </a:prstGeom>
-          <a:noFill/>
-          <a:ln w="12700">
-            <a:solidFill>
-              <a:srgbClr val="FF0000"/>
-            </a:solidFill>
-          </a:ln>
-        </p:spPr>
-        <p:style>
-          <a:lnRef idx="2">
-            <a:schemeClr val="accent1">
-              <a:shade val="50000"/>
-            </a:schemeClr>
-          </a:lnRef>
-          <a:fillRef idx="1">
-            <a:schemeClr val="accent1"/>
-          </a:fillRef>
-          <a:effectRef idx="0">
-            <a:schemeClr val="accent1"/>
-          </a:effectRef>
-          <a:fontRef idx="minor">
-            <a:schemeClr val="lt1"/>
-          </a:fontRef>
-        </p:style>
-        <p:txBody>
-          <a:bodyPr anchor="ctr"/>
-          <a:lstStyle/>
-          <a:p>
-            <a:pPr algn="ctr" fontAlgn="auto">
-              <a:spcBef>
-                <a:spcPts val="0"/>
-              </a:spcBef>
-              <a:spcAft>
-                <a:spcPts val="0"/>
-              </a:spcAft>
-              <a:defRPr/>
-            </a:pPr>
-            <a:endParaRPr kumimoji="0" lang="ko-KR" altLang="en-US" dirty="0">
-              <a:latin typeface="나눔고딕OTF" pitchFamily="34" charset="-127"/>
-              <a:ea typeface="나눔고딕OTF" pitchFamily="34" charset="-127"/>
-            </a:endParaRPr>
-          </a:p>
-        </p:txBody>
-      </p:sp>
-      <p:sp>
-        <p:nvSpPr>
-          <p:cNvPr id="15" name="직사각형 14"/>
-          <p:cNvSpPr/>
-          <p:nvPr/>
-        </p:nvSpPr>
-        <p:spPr>
-          <a:xfrm>
-            <a:off x="3356650" y="3500438"/>
-            <a:ext cx="785818" cy="285752"/>
-          </a:xfrm>
-          <a:prstGeom prst="rect">
-            <a:avLst/>
-          </a:prstGeom>
-          <a:noFill/>
-          <a:ln w="12700">
-            <a:solidFill>
-              <a:srgbClr val="FF0000"/>
-            </a:solidFill>
-          </a:ln>
-        </p:spPr>
-        <p:style>
-          <a:lnRef idx="2">
-            <a:schemeClr val="accent1">
-              <a:shade val="50000"/>
-            </a:schemeClr>
-          </a:lnRef>
-          <a:fillRef idx="1">
-            <a:schemeClr val="accent1"/>
-          </a:fillRef>
-          <a:effectRef idx="0">
-            <a:schemeClr val="accent1"/>
-          </a:effectRef>
-          <a:fontRef idx="minor">
-            <a:schemeClr val="lt1"/>
-          </a:fontRef>
-        </p:style>
-        <p:txBody>
-          <a:bodyPr anchor="ctr"/>
-          <a:lstStyle/>
-          <a:p>
-            <a:pPr algn="ctr" fontAlgn="auto">
-              <a:spcBef>
-                <a:spcPts val="0"/>
-              </a:spcBef>
-              <a:spcAft>
-                <a:spcPts val="0"/>
-              </a:spcAft>
-              <a:defRPr/>
-            </a:pPr>
-            <a:endParaRPr kumimoji="0" lang="ko-KR" altLang="en-US" dirty="0">
-              <a:latin typeface="나눔고딕OTF" pitchFamily="34" charset="-127"/>
-              <a:ea typeface="나눔고딕OTF" pitchFamily="34" charset="-127"/>
-            </a:endParaRPr>
-          </a:p>
-        </p:txBody>
-      </p:sp>
-      <p:sp>
-        <p:nvSpPr>
-          <p:cNvPr id="16" name="직사각형 15"/>
-          <p:cNvSpPr/>
-          <p:nvPr/>
-        </p:nvSpPr>
-        <p:spPr>
-          <a:xfrm>
-            <a:off x="4785410" y="3500438"/>
-            <a:ext cx="785818" cy="285752"/>
-          </a:xfrm>
-          <a:prstGeom prst="rect">
-            <a:avLst/>
-          </a:prstGeom>
-          <a:noFill/>
-          <a:ln w="12700">
-            <a:solidFill>
-              <a:srgbClr val="FF0000"/>
-            </a:solidFill>
-          </a:ln>
-        </p:spPr>
-        <p:style>
-          <a:lnRef idx="2">
-            <a:schemeClr val="accent1">
-              <a:shade val="50000"/>
-            </a:schemeClr>
-          </a:lnRef>
-          <a:fillRef idx="1">
-            <a:schemeClr val="accent1"/>
-          </a:fillRef>
-          <a:effectRef idx="0">
-            <a:schemeClr val="accent1"/>
-          </a:effectRef>
-          <a:fontRef idx="minor">
-            <a:schemeClr val="lt1"/>
-          </a:fontRef>
-        </p:style>
-        <p:txBody>
-          <a:bodyPr anchor="ctr"/>
-          <a:lstStyle/>
-          <a:p>
-            <a:pPr algn="ctr" fontAlgn="auto">
-              <a:spcBef>
-                <a:spcPts val="0"/>
-              </a:spcBef>
-              <a:spcAft>
-                <a:spcPts val="0"/>
-              </a:spcAft>
-              <a:defRPr/>
-            </a:pPr>
-            <a:endParaRPr kumimoji="0" lang="ko-KR" altLang="en-US" dirty="0">
-              <a:latin typeface="나눔고딕OTF" pitchFamily="34" charset="-127"/>
-              <a:ea typeface="나눔고딕OTF" pitchFamily="34" charset="-127"/>
-            </a:endParaRPr>
-          </a:p>
-        </p:txBody>
-      </p:sp>
-      <p:sp>
-        <p:nvSpPr>
-          <p:cNvPr id="17" name="직사각형 16"/>
-          <p:cNvSpPr/>
-          <p:nvPr/>
-        </p:nvSpPr>
-        <p:spPr>
-          <a:xfrm>
-            <a:off x="4843076" y="3262184"/>
-            <a:ext cx="569183" cy="221778"/>
-          </a:xfrm>
-          <a:prstGeom prst="rect">
-            <a:avLst/>
-          </a:prstGeom>
-          <a:noFill/>
-          <a:ln w="12700">
-            <a:solidFill>
-              <a:srgbClr val="FF0000"/>
-            </a:solidFill>
-          </a:ln>
-        </p:spPr>
-        <p:style>
-          <a:lnRef idx="2">
-            <a:schemeClr val="accent1">
-              <a:shade val="50000"/>
-            </a:schemeClr>
-          </a:lnRef>
-          <a:fillRef idx="1">
-            <a:schemeClr val="accent1"/>
-          </a:fillRef>
-          <a:effectRef idx="0">
-            <a:schemeClr val="accent1"/>
-          </a:effectRef>
-          <a:fontRef idx="minor">
-            <a:schemeClr val="lt1"/>
-          </a:fontRef>
-        </p:style>
-        <p:txBody>
-          <a:bodyPr anchor="ctr"/>
-          <a:lstStyle/>
-          <a:p>
-            <a:pPr algn="ctr" fontAlgn="auto">
-              <a:spcBef>
-                <a:spcPts val="0"/>
-              </a:spcBef>
-              <a:spcAft>
-                <a:spcPts val="0"/>
-              </a:spcAft>
-              <a:defRPr/>
-            </a:pPr>
-            <a:endParaRPr kumimoji="0" lang="ko-KR" altLang="en-US" dirty="0">
               <a:latin typeface="나눔고딕OTF" pitchFamily="34" charset="-127"/>
               <a:ea typeface="나눔고딕OTF" pitchFamily="34" charset="-127"/>
             </a:endParaRPr>
@@ -24553,82 +24668,120 @@
           </a:p>
         </p:txBody>
       </p:sp>
-      <p:pic>
-        <p:nvPicPr>
-          <p:cNvPr id="1026" name="Picture 2"/>
-          <p:cNvPicPr>
-            <a:picLocks noChangeAspect="1" noChangeArrowheads="1"/>
-          </p:cNvPicPr>
+      <p:sp>
+        <p:nvSpPr>
+          <p:cNvPr id="19" name="TextBox 59"/>
+          <p:cNvSpPr txBox="1">
+            <a:spLocks noChangeArrowheads="1"/>
+          </p:cNvSpPr>
           <p:nvPr/>
-        </p:nvPicPr>
-        <p:blipFill>
-          <a:blip r:embed="rId3"/>
-          <a:srcRect/>
-          <a:stretch>
-            <a:fillRect/>
-          </a:stretch>
-        </p:blipFill>
+        </p:nvSpPr>
         <p:spPr bwMode="auto">
           <a:xfrm>
-            <a:off x="7167578" y="3929066"/>
-            <a:ext cx="1857375" cy="561975"/>
+            <a:off x="415924" y="1052513"/>
+            <a:ext cx="5751521" cy="276999"/>
           </a:xfrm>
           <a:prstGeom prst="rect">
             <a:avLst/>
           </a:prstGeom>
           <a:noFill/>
           <a:ln w="9525">
-            <a:solidFill>
-              <a:schemeClr val="tx1"/>
-            </a:solidFill>
+            <a:noFill/>
             <a:miter lim="800000"/>
             <a:headEnd/>
             <a:tailEnd/>
           </a:ln>
-          <a:effectLst/>
         </p:spPr>
-      </p:pic>
-      <p:cxnSp>
-        <p:nvCxnSpPr>
-          <p:cNvPr id="20" name="꺾인 연결선 19"/>
-          <p:cNvCxnSpPr>
-            <a:stCxn id="17" idx="3"/>
-            <a:endCxn id="1026" idx="1"/>
-          </p:cNvCxnSpPr>
-          <p:nvPr/>
-        </p:nvCxnSpPr>
-        <p:spPr>
-          <a:xfrm>
-            <a:off x="5412259" y="3373073"/>
-            <a:ext cx="1755319" cy="836981"/>
-          </a:xfrm>
-          <a:prstGeom prst="bentConnector3">
-            <a:avLst>
-              <a:gd name="adj1" fmla="val 50000"/>
-            </a:avLst>
-          </a:prstGeom>
-          <a:ln w="19050">
-            <a:solidFill>
-              <a:srgbClr val="7030A0"/>
-            </a:solidFill>
-            <a:tailEnd type="arrow"/>
-          </a:ln>
-        </p:spPr>
-        <p:style>
-          <a:lnRef idx="1">
-            <a:schemeClr val="accent1"/>
-          </a:lnRef>
-          <a:fillRef idx="0">
-            <a:schemeClr val="accent1"/>
-          </a:fillRef>
-          <a:effectRef idx="0">
-            <a:schemeClr val="accent1"/>
-          </a:effectRef>
-          <a:fontRef idx="minor">
-            <a:schemeClr val="tx1"/>
-          </a:fontRef>
-        </p:style>
-      </p:cxnSp>
+        <p:txBody>
+          <a:bodyPr wrap="square">
+            <a:spAutoFit/>
+          </a:bodyPr>
+          <a:lstStyle/>
+          <a:p>
+            <a:r>
+              <a:rPr kumimoji="0" lang="en-US" altLang="ko-KR" sz="1200" dirty="0">
+                <a:latin typeface="나눔고딕OTF" pitchFamily="34" charset="-127"/>
+                <a:ea typeface="나눔고딕OTF" pitchFamily="34" charset="-127"/>
+              </a:rPr>
+              <a:t> </a:t>
+            </a:r>
+            <a:r>
+              <a:rPr kumimoji="0" lang="ko-KR" altLang="en-US" sz="1200" dirty="0" smtClean="0">
+                <a:latin typeface="나눔고딕OTF" pitchFamily="34" charset="-127"/>
+                <a:ea typeface="나눔고딕OTF" pitchFamily="34" charset="-127"/>
+              </a:rPr>
+              <a:t>위치 </a:t>
+            </a:r>
+            <a:r>
+              <a:rPr kumimoji="0" lang="en-US" altLang="ko-KR" sz="1200" dirty="0" smtClean="0">
+                <a:latin typeface="나눔고딕OTF" pitchFamily="34" charset="-127"/>
+                <a:ea typeface="나눔고딕OTF" pitchFamily="34" charset="-127"/>
+              </a:rPr>
+              <a:t>: </a:t>
+            </a:r>
+            <a:r>
+              <a:rPr kumimoji="0" lang="ko-KR" altLang="en-US" sz="1200" dirty="0" err="1" smtClean="0">
+                <a:latin typeface="나눔고딕OTF" pitchFamily="34" charset="-127"/>
+                <a:ea typeface="나눔고딕OTF" pitchFamily="34" charset="-127"/>
+              </a:rPr>
+              <a:t>메인화면</a:t>
+            </a:r>
+            <a:r>
+              <a:rPr kumimoji="0" lang="ko-KR" altLang="en-US" sz="1200" dirty="0" smtClean="0">
+                <a:latin typeface="나눔고딕OTF" pitchFamily="34" charset="-127"/>
+                <a:ea typeface="나눔고딕OTF" pitchFamily="34" charset="-127"/>
+              </a:rPr>
+              <a:t> </a:t>
+            </a:r>
+            <a:r>
+              <a:rPr kumimoji="0" lang="en-US" altLang="ko-KR" sz="1200" dirty="0" smtClean="0">
+                <a:latin typeface="나눔고딕OTF" pitchFamily="34" charset="-127"/>
+                <a:ea typeface="나눔고딕OTF" pitchFamily="34" charset="-127"/>
+              </a:rPr>
+              <a:t>– </a:t>
+            </a:r>
+            <a:r>
+              <a:rPr kumimoji="0" lang="ko-KR" altLang="en-US" sz="1200" dirty="0" smtClean="0">
+                <a:latin typeface="나눔고딕OTF" pitchFamily="34" charset="-127"/>
+                <a:ea typeface="나눔고딕OTF" pitchFamily="34" charset="-127"/>
+              </a:rPr>
+              <a:t>건강검진 </a:t>
+            </a:r>
+            <a:r>
+              <a:rPr kumimoji="0" lang="en-US" altLang="ko-KR" sz="1200" dirty="0" smtClean="0">
+                <a:latin typeface="나눔고딕OTF" pitchFamily="34" charset="-127"/>
+                <a:ea typeface="나눔고딕OTF" pitchFamily="34" charset="-127"/>
+              </a:rPr>
+              <a:t>– </a:t>
+            </a:r>
+            <a:r>
+              <a:rPr kumimoji="0" lang="ko-KR" altLang="en-US" sz="1200" dirty="0" smtClean="0">
+                <a:latin typeface="나눔고딕OTF" pitchFamily="34" charset="-127"/>
+                <a:ea typeface="나눔고딕OTF" pitchFamily="34" charset="-127"/>
+              </a:rPr>
+              <a:t>청구관련 </a:t>
+            </a:r>
+            <a:r>
+              <a:rPr kumimoji="0" lang="en-US" altLang="ko-KR" sz="1200" dirty="0" smtClean="0">
+                <a:latin typeface="나눔고딕OTF" pitchFamily="34" charset="-127"/>
+                <a:ea typeface="나눔고딕OTF" pitchFamily="34" charset="-127"/>
+              </a:rPr>
+              <a:t>– </a:t>
+            </a:r>
+            <a:r>
+              <a:rPr kumimoji="0" lang="ko-KR" altLang="en-US" sz="1200" dirty="0" smtClean="0">
+                <a:latin typeface="나눔고딕OTF" pitchFamily="34" charset="-127"/>
+                <a:ea typeface="나눔고딕OTF" pitchFamily="34" charset="-127"/>
+              </a:rPr>
+              <a:t>검진연계파일 생성</a:t>
+            </a:r>
+            <a:endParaRPr kumimoji="0" lang="en-US" altLang="ko-KR" sz="1200" dirty="0">
+              <a:latin typeface="나눔고딕OTF" pitchFamily="34" charset="-127"/>
+              <a:ea typeface="나눔고딕OTF" pitchFamily="34" charset="-127"/>
+            </a:endParaRPr>
+          </a:p>
+        </p:txBody>
+      </p:sp>
     </p:spTree>
   </p:cSld>
   <p:clrMapOvr>
@@ -24661,25 +24814,207 @@
           <a:chExt cx="0" cy="0"/>
         </a:xfrm>
       </p:grpSpPr>
+      <p:pic>
+        <p:nvPicPr>
+          <p:cNvPr id="22530" name="Picture 8"/>
+          <p:cNvPicPr>
+            <a:picLocks noChangeAspect="1" noChangeArrowheads="1"/>
+          </p:cNvPicPr>
+          <p:nvPr/>
+        </p:nvPicPr>
+        <p:blipFill>
+          <a:blip r:embed="rId2"/>
+          <a:stretch>
+            <a:fillRect/>
+          </a:stretch>
+        </p:blipFill>
+        <p:spPr bwMode="auto">
+          <a:xfrm>
+            <a:off x="611900" y="2000240"/>
+            <a:ext cx="5916775" cy="3235227"/>
+          </a:xfrm>
+          <a:prstGeom prst="rect">
+            <a:avLst/>
+          </a:prstGeom>
+          <a:noFill/>
+          <a:ln w="9525">
+            <a:noFill/>
+            <a:miter lim="800000"/>
+            <a:headEnd/>
+            <a:tailEnd/>
+          </a:ln>
+        </p:spPr>
+      </p:pic>
       <p:sp>
         <p:nvSpPr>
-          <p:cNvPr id="5" name="직사각형 4"/>
+          <p:cNvPr id="6" name="TextBox 5"/>
+          <p:cNvSpPr txBox="1"/>
+          <p:nvPr/>
+        </p:nvSpPr>
+        <p:spPr>
+          <a:xfrm>
+            <a:off x="1497013" y="282575"/>
+            <a:ext cx="2852063" cy="369332"/>
+          </a:xfrm>
+          <a:prstGeom prst="rect">
+            <a:avLst/>
+          </a:prstGeom>
+          <a:noFill/>
+        </p:spPr>
+        <p:txBody>
+          <a:bodyPr wrap="none">
+            <a:spAutoFit/>
+          </a:bodyPr>
+          <a:lstStyle/>
+          <a:p>
+            <a:pPr fontAlgn="auto">
+              <a:spcBef>
+                <a:spcPts val="0"/>
+              </a:spcBef>
+              <a:spcAft>
+                <a:spcPts val="0"/>
+              </a:spcAft>
+              <a:defRPr/>
+            </a:pPr>
+            <a:r>
+              <a:rPr kumimoji="0" lang="ko-KR" altLang="en-US" dirty="0" smtClean="0">
+                <a:solidFill>
+                  <a:schemeClr val="bg1">
+                    <a:lumMod val="50000"/>
+                  </a:schemeClr>
+                </a:solidFill>
+                <a:latin typeface="나눔고딕OTF ExtraBold" pitchFamily="34" charset="-127"/>
+                <a:ea typeface="나눔고딕OTF ExtraBold" pitchFamily="34" charset="-127"/>
+              </a:rPr>
+              <a:t>건강검진 </a:t>
+            </a:r>
+            <a:r>
+              <a:rPr kumimoji="0" lang="en-US" altLang="ko-KR" dirty="0" smtClean="0">
+                <a:solidFill>
+                  <a:schemeClr val="bg1">
+                    <a:lumMod val="50000"/>
+                  </a:schemeClr>
+                </a:solidFill>
+                <a:latin typeface="나눔고딕OTF ExtraBold" pitchFamily="34" charset="-127"/>
+                <a:ea typeface="나눔고딕OTF ExtraBold" pitchFamily="34" charset="-127"/>
+              </a:rPr>
+              <a:t>– </a:t>
+            </a:r>
+            <a:r>
+              <a:rPr kumimoji="0" lang="ko-KR" altLang="en-US" dirty="0" smtClean="0">
+                <a:solidFill>
+                  <a:schemeClr val="bg1">
+                    <a:lumMod val="50000"/>
+                  </a:schemeClr>
+                </a:solidFill>
+                <a:latin typeface="나눔고딕OTF ExtraBold" pitchFamily="34" charset="-127"/>
+                <a:ea typeface="나눔고딕OTF ExtraBold" pitchFamily="34" charset="-127"/>
+              </a:rPr>
+              <a:t>사후관리 소견서</a:t>
+            </a:r>
+            <a:endParaRPr kumimoji="0" lang="ko-KR" altLang="en-US" dirty="0" smtClean="0">
+              <a:solidFill>
+                <a:schemeClr val="bg1">
+                  <a:lumMod val="50000"/>
+                </a:schemeClr>
+              </a:solidFill>
+              <a:latin typeface="나눔고딕OTF ExtraBold" pitchFamily="34" charset="-127"/>
+              <a:ea typeface="나눔고딕OTF ExtraBold" pitchFamily="34" charset="-127"/>
+            </a:endParaRPr>
+          </a:p>
+        </p:txBody>
+      </p:sp>
+      <p:sp>
+        <p:nvSpPr>
+          <p:cNvPr id="8" name="TextBox 4"/>
+          <p:cNvSpPr txBox="1">
+            <a:spLocks noChangeArrowheads="1"/>
+          </p:cNvSpPr>
+          <p:nvPr/>
+        </p:nvSpPr>
+        <p:spPr bwMode="auto">
+          <a:xfrm>
+            <a:off x="381000" y="785813"/>
+            <a:ext cx="3323346" cy="307777"/>
+          </a:xfrm>
+          <a:prstGeom prst="rect">
+            <a:avLst/>
+          </a:prstGeom>
+          <a:noFill/>
+          <a:ln w="9525">
+            <a:noFill/>
+            <a:miter lim="800000"/>
+            <a:headEnd/>
+            <a:tailEnd/>
+          </a:ln>
+        </p:spPr>
+        <p:txBody>
+          <a:bodyPr wrap="none">
+            <a:spAutoFit/>
+          </a:bodyPr>
+          <a:lstStyle/>
+          <a:p>
+            <a:r>
+              <a:rPr kumimoji="0" lang="en-US" altLang="ko-KR" sz="1400" b="1" dirty="0">
+                <a:latin typeface="나눔고딕OTF" pitchFamily="34" charset="-127"/>
+                <a:ea typeface="나눔고딕OTF" pitchFamily="34" charset="-127"/>
+              </a:rPr>
+              <a:t>- </a:t>
+            </a:r>
+            <a:r>
+              <a:rPr kumimoji="0" lang="ko-KR" altLang="en-US" sz="1400" b="1" dirty="0" smtClean="0">
+                <a:latin typeface="나눔고딕OTF" pitchFamily="34" charset="-127"/>
+                <a:ea typeface="나눔고딕OTF" pitchFamily="34" charset="-127"/>
+              </a:rPr>
+              <a:t>건강검진 사후관리 소견서 </a:t>
+            </a:r>
+            <a:r>
+              <a:rPr kumimoji="0" lang="en-US" altLang="ko-KR" sz="1400" b="1" dirty="0" smtClean="0">
+                <a:latin typeface="나눔고딕OTF" pitchFamily="34" charset="-127"/>
+                <a:ea typeface="나눔고딕OTF" pitchFamily="34" charset="-127"/>
+              </a:rPr>
+              <a:t>(</a:t>
+            </a:r>
+            <a:r>
+              <a:rPr kumimoji="0" lang="ko-KR" altLang="en-US" sz="1400" b="1" dirty="0" smtClean="0">
+                <a:latin typeface="나눔고딕OTF" pitchFamily="34" charset="-127"/>
+                <a:ea typeface="나눔고딕OTF" pitchFamily="34" charset="-127"/>
+              </a:rPr>
+              <a:t>노동부 기준</a:t>
+            </a:r>
+            <a:r>
+              <a:rPr kumimoji="0" lang="en-US" altLang="ko-KR" sz="1400" b="1" dirty="0" smtClean="0">
+                <a:latin typeface="나눔고딕OTF" pitchFamily="34" charset="-127"/>
+                <a:ea typeface="나눔고딕OTF" pitchFamily="34" charset="-127"/>
+              </a:rPr>
+              <a:t>)</a:t>
+            </a:r>
+            <a:endParaRPr kumimoji="0" lang="ko-KR" altLang="en-US" sz="1400" b="1" dirty="0">
+              <a:latin typeface="나눔고딕OTF" pitchFamily="34" charset="-127"/>
+              <a:ea typeface="나눔고딕OTF" pitchFamily="34" charset="-127"/>
+            </a:endParaRPr>
+          </a:p>
+        </p:txBody>
+      </p:sp>
+      <p:sp>
+        <p:nvSpPr>
+          <p:cNvPr id="10" name="직사각형 9"/>
           <p:cNvSpPr/>
           <p:nvPr/>
         </p:nvSpPr>
         <p:spPr>
-          <a:xfrm flipH="1">
-            <a:off x="0" y="0"/>
-            <a:ext cx="9906000" cy="6858000"/>
+          <a:xfrm>
+            <a:off x="633768" y="2159591"/>
+            <a:ext cx="5882362" cy="748365"/>
           </a:xfrm>
           <a:prstGeom prst="rect">
             <a:avLst/>
           </a:prstGeom>
-          <a:solidFill>
-            <a:srgbClr val="BED395"/>
-          </a:solidFill>
-          <a:ln>
-            <a:noFill/>
+          <a:noFill/>
+          <a:ln w="12700">
+            <a:solidFill>
+              <a:srgbClr val="FF0000"/>
+            </a:solidFill>
           </a:ln>
         </p:spPr>
         <p:style>
@@ -24711,13 +25046,78 @@
               </a:spcAft>
               <a:defRPr/>
             </a:pPr>
-            <a:endParaRPr kumimoji="0" lang="ko-KR" altLang="en-US"/>
+            <a:endParaRPr kumimoji="0" lang="ko-KR" altLang="en-US" dirty="0">
+              <a:latin typeface="나눔고딕OTF" pitchFamily="34" charset="-127"/>
+              <a:ea typeface="나눔고딕OTF" pitchFamily="34" charset="-127"/>
+            </a:endParaRPr>
           </a:p>
         </p:txBody>
       </p:sp>
       <p:sp>
         <p:nvSpPr>
-          <p:cNvPr id="25603" name="TextBox 13"/>
+          <p:cNvPr id="11" name="타원 10"/>
+          <p:cNvSpPr/>
+          <p:nvPr/>
+        </p:nvSpPr>
+        <p:spPr>
+          <a:xfrm>
+            <a:off x="452406" y="1928802"/>
+            <a:ext cx="214314" cy="214314"/>
+          </a:xfrm>
+          <a:prstGeom prst="ellipse">
+            <a:avLst/>
+          </a:prstGeom>
+          <a:solidFill>
+            <a:schemeClr val="bg1"/>
+          </a:solidFill>
+          <a:ln>
+            <a:solidFill>
+              <a:srgbClr val="FF0000"/>
+            </a:solidFill>
+          </a:ln>
+        </p:spPr>
+        <p:style>
+          <a:lnRef idx="2">
+            <a:schemeClr val="accent1">
+              <a:shade val="50000"/>
+            </a:schemeClr>
+          </a:lnRef>
+          <a:fillRef idx="1">
+            <a:schemeClr val="accent1"/>
+          </a:fillRef>
+          <a:effectRef idx="0">
+            <a:schemeClr val="accent1"/>
+          </a:effectRef>
+          <a:fontRef idx="minor">
+            <a:schemeClr val="lt1"/>
+          </a:fontRef>
+        </p:style>
+        <p:txBody>
+          <a:bodyPr anchor="ctr"/>
+          <a:lstStyle/>
+          <a:p>
+            <a:pPr algn="ctr">
+              <a:defRPr/>
+            </a:pPr>
+            <a:r>
+              <a:rPr lang="en-US" altLang="ko-KR" sz="1000" dirty="0" smtClean="0">
+                <a:solidFill>
+                  <a:schemeClr val="tx1"/>
+                </a:solidFill>
+              </a:rPr>
+              <a:t>1</a:t>
+            </a:r>
+            <a:endParaRPr lang="ko-KR" altLang="en-US" sz="1000" dirty="0">
+              <a:solidFill>
+                <a:schemeClr val="tx1"/>
+              </a:solidFill>
+            </a:endParaRPr>
+          </a:p>
+        </p:txBody>
+      </p:sp>
+      <p:sp>
+        <p:nvSpPr>
+          <p:cNvPr id="14" name="TextBox 59"/>
           <p:cNvSpPr txBox="1">
             <a:spLocks noChangeArrowheads="1"/>
           </p:cNvSpPr>
@@ -24725,8 +25125,8 @@
         </p:nvSpPr>
         <p:spPr bwMode="auto">
           <a:xfrm>
-            <a:off x="3952868" y="2636838"/>
-            <a:ext cx="1053494" cy="854080"/>
+            <a:off x="415924" y="1052513"/>
+            <a:ext cx="7108844" cy="276999"/>
           </a:xfrm>
           <a:prstGeom prst="rect">
             <a:avLst/>
@@ -24740,68 +25140,1343 @@
           </a:ln>
         </p:spPr>
         <p:txBody>
-          <a:bodyPr wrap="none">
+          <a:bodyPr wrap="square">
             <a:spAutoFit/>
           </a:bodyPr>
           <a:lstStyle/>
           <a:p>
-            <a:pPr marL="457200" indent="-457200">
-              <a:lnSpc>
-                <a:spcPct val="150000"/>
-              </a:lnSpc>
-            </a:pPr>
-            <a:r>
-              <a:rPr kumimoji="0" lang="ko-KR" altLang="en-US" sz="3600" b="1" dirty="0" smtClean="0">
-                <a:solidFill>
-                  <a:schemeClr val="bg1"/>
-                </a:solidFill>
-                <a:latin typeface="나눔고딕OTF" pitchFamily="34" charset="-127"/>
-                <a:ea typeface="나눔고딕OTF" pitchFamily="34" charset="-127"/>
-              </a:rPr>
-              <a:t>기타</a:t>
-            </a:r>
-            <a:endParaRPr kumimoji="0" lang="en-US" altLang="ko-KR" sz="3600" b="1" dirty="0" smtClean="0">
-              <a:solidFill>
-                <a:schemeClr val="bg1"/>
-              </a:solidFill>
+            <a:r>
+              <a:rPr kumimoji="0" lang="en-US" altLang="ko-KR" sz="1200" dirty="0">
+                <a:latin typeface="나눔고딕OTF" pitchFamily="34" charset="-127"/>
+                <a:ea typeface="나눔고딕OTF" pitchFamily="34" charset="-127"/>
+              </a:rPr>
+              <a:t> </a:t>
+            </a:r>
+            <a:r>
+              <a:rPr kumimoji="0" lang="ko-KR" altLang="en-US" sz="1200" dirty="0" smtClean="0">
+                <a:latin typeface="나눔고딕OTF" pitchFamily="34" charset="-127"/>
+                <a:ea typeface="나눔고딕OTF" pitchFamily="34" charset="-127"/>
+              </a:rPr>
+              <a:t>위치 </a:t>
+            </a:r>
+            <a:r>
+              <a:rPr kumimoji="0" lang="en-US" altLang="ko-KR" sz="1200" dirty="0" smtClean="0">
+                <a:latin typeface="나눔고딕OTF" pitchFamily="34" charset="-127"/>
+                <a:ea typeface="나눔고딕OTF" pitchFamily="34" charset="-127"/>
+              </a:rPr>
+              <a:t>: </a:t>
+            </a:r>
+            <a:r>
+              <a:rPr kumimoji="0" lang="ko-KR" altLang="en-US" sz="1200" dirty="0" err="1" smtClean="0">
+                <a:latin typeface="나눔고딕OTF" pitchFamily="34" charset="-127"/>
+                <a:ea typeface="나눔고딕OTF" pitchFamily="34" charset="-127"/>
+              </a:rPr>
+              <a:t>메인화면</a:t>
+            </a:r>
+            <a:r>
+              <a:rPr kumimoji="0" lang="ko-KR" altLang="en-US" sz="1200" dirty="0" smtClean="0">
+                <a:latin typeface="나눔고딕OTF" pitchFamily="34" charset="-127"/>
+                <a:ea typeface="나눔고딕OTF" pitchFamily="34" charset="-127"/>
+              </a:rPr>
+              <a:t> </a:t>
+            </a:r>
+            <a:r>
+              <a:rPr kumimoji="0" lang="en-US" altLang="ko-KR" sz="1200" dirty="0" smtClean="0">
+                <a:latin typeface="나눔고딕OTF" pitchFamily="34" charset="-127"/>
+                <a:ea typeface="나눔고딕OTF" pitchFamily="34" charset="-127"/>
+              </a:rPr>
+              <a:t>– </a:t>
+            </a:r>
+            <a:r>
+              <a:rPr kumimoji="0" lang="ko-KR" altLang="en-US" sz="1200" dirty="0" smtClean="0">
+                <a:latin typeface="나눔고딕OTF" pitchFamily="34" charset="-127"/>
+                <a:ea typeface="나눔고딕OTF" pitchFamily="34" charset="-127"/>
+              </a:rPr>
+              <a:t>건강검진 </a:t>
+            </a:r>
+            <a:r>
+              <a:rPr kumimoji="0" lang="en-US" altLang="ko-KR" sz="1200" dirty="0" smtClean="0">
+                <a:latin typeface="나눔고딕OTF" pitchFamily="34" charset="-127"/>
+                <a:ea typeface="나눔고딕OTF" pitchFamily="34" charset="-127"/>
+              </a:rPr>
+              <a:t>– </a:t>
+            </a:r>
+            <a:r>
+              <a:rPr kumimoji="0" lang="ko-KR" altLang="en-US" sz="1200" dirty="0" smtClean="0">
+                <a:latin typeface="나눔고딕OTF" pitchFamily="34" charset="-127"/>
+                <a:ea typeface="나눔고딕OTF" pitchFamily="34" charset="-127"/>
+              </a:rPr>
+              <a:t>사후관리 소견서 </a:t>
+            </a:r>
+            <a:r>
+              <a:rPr kumimoji="0" lang="en-US" altLang="ko-KR" sz="1200" dirty="0" smtClean="0">
+                <a:latin typeface="나눔고딕OTF" pitchFamily="34" charset="-127"/>
+                <a:ea typeface="나눔고딕OTF" pitchFamily="34" charset="-127"/>
+              </a:rPr>
+              <a:t>– </a:t>
+            </a:r>
+            <a:r>
+              <a:rPr kumimoji="0" lang="ko-KR" altLang="en-US" sz="1200" dirty="0" smtClean="0">
+                <a:latin typeface="나눔고딕OTF" pitchFamily="34" charset="-127"/>
+                <a:ea typeface="나눔고딕OTF" pitchFamily="34" charset="-127"/>
+              </a:rPr>
+              <a:t>건강검진 질병 </a:t>
+            </a:r>
+            <a:r>
+              <a:rPr kumimoji="0" lang="ko-KR" altLang="en-US" sz="1200" dirty="0" err="1" smtClean="0">
+                <a:latin typeface="나눔고딕OTF" pitchFamily="34" charset="-127"/>
+                <a:ea typeface="나눔고딕OTF" pitchFamily="34" charset="-127"/>
+              </a:rPr>
+              <a:t>유소견자</a:t>
+            </a:r>
+            <a:r>
+              <a:rPr kumimoji="0" lang="ko-KR" altLang="en-US" sz="1200" dirty="0" smtClean="0">
+                <a:latin typeface="나눔고딕OTF" pitchFamily="34" charset="-127"/>
+                <a:ea typeface="나눔고딕OTF" pitchFamily="34" charset="-127"/>
+              </a:rPr>
+              <a:t> 사후관리 소견서</a:t>
+            </a:r>
+            <a:r>
+              <a:rPr kumimoji="0" lang="en-US" altLang="ko-KR" sz="1200" dirty="0" smtClean="0">
+                <a:latin typeface="나눔고딕OTF" pitchFamily="34" charset="-127"/>
+                <a:ea typeface="나눔고딕OTF" pitchFamily="34" charset="-127"/>
+              </a:rPr>
+              <a:t>(2013)</a:t>
+            </a:r>
+            <a:endParaRPr kumimoji="0" lang="en-US" altLang="ko-KR" sz="1200" dirty="0">
               <a:latin typeface="나눔고딕OTF" pitchFamily="34" charset="-127"/>
               <a:ea typeface="나눔고딕OTF" pitchFamily="34" charset="-127"/>
             </a:endParaRPr>
           </a:p>
         </p:txBody>
       </p:sp>
-      <p:pic>
-        <p:nvPicPr>
-          <p:cNvPr id="25604" name="그림 7" descr="앨리스화면.png"/>
-          <p:cNvPicPr>
-            <a:picLocks noChangeAspect="1"/>
-          </p:cNvPicPr>
+      <p:sp>
+        <p:nvSpPr>
+          <p:cNvPr id="15" name="직사각형 14"/>
+          <p:cNvSpPr/>
           <p:nvPr/>
-        </p:nvPicPr>
-        <p:blipFill>
-          <a:blip r:embed="rId2"/>
-          <a:srcRect l="13019" t="12311" r="2361" b="5617"/>
-          <a:stretch>
-            <a:fillRect/>
-          </a:stretch>
-        </p:blipFill>
-        <p:spPr bwMode="auto">
+        </p:nvSpPr>
+        <p:spPr>
           <a:xfrm>
-            <a:off x="1639888" y="2708275"/>
-            <a:ext cx="1944687" cy="996950"/>
+            <a:off x="633768" y="2928934"/>
+            <a:ext cx="5882362" cy="748365"/>
           </a:xfrm>
           <a:prstGeom prst="rect">
             <a:avLst/>
           </a:prstGeom>
           <a:noFill/>
-          <a:ln w="9525">
-            <a:noFill/>
-            <a:miter lim="800000"/>
-            <a:headEnd/>
-            <a:tailEnd/>
+          <a:ln w="12700">
+            <a:solidFill>
+              <a:srgbClr val="FF0000"/>
+            </a:solidFill>
           </a:ln>
         </p:spPr>
-      </p:pic>
+        <p:style>
+          <a:lnRef idx="2">
+            <a:schemeClr val="accent1">
+              <a:shade val="50000"/>
+            </a:schemeClr>
+          </a:lnRef>
+          <a:fillRef idx="1">
+            <a:schemeClr val="accent1"/>
+          </a:fillRef>
+          <a:effectRef idx="0">
+            <a:schemeClr val="accent1"/>
+          </a:effectRef>
+          <a:fontRef idx="minor">
+            <a:schemeClr val="lt1"/>
+          </a:fontRef>
+        </p:style>
+        <p:txBody>
+          <a:bodyPr anchor="ctr"/>
+          <a:lstStyle/>
+          <a:p>
+            <a:pPr algn="ctr" fontAlgn="auto">
+              <a:spcBef>
+                <a:spcPts val="0"/>
+              </a:spcBef>
+              <a:spcAft>
+                <a:spcPts val="0"/>
+              </a:spcAft>
+              <a:defRPr/>
+            </a:pPr>
+            <a:endParaRPr kumimoji="0" lang="ko-KR" altLang="en-US" dirty="0">
+              <a:latin typeface="나눔고딕OTF" pitchFamily="34" charset="-127"/>
+              <a:ea typeface="나눔고딕OTF" pitchFamily="34" charset="-127"/>
+            </a:endParaRPr>
+          </a:p>
+        </p:txBody>
+      </p:sp>
+      <p:sp>
+        <p:nvSpPr>
+          <p:cNvPr id="16" name="타원 15"/>
+          <p:cNvSpPr/>
+          <p:nvPr/>
+        </p:nvSpPr>
+        <p:spPr>
+          <a:xfrm>
+            <a:off x="452406" y="2786058"/>
+            <a:ext cx="214314" cy="214314"/>
+          </a:xfrm>
+          <a:prstGeom prst="ellipse">
+            <a:avLst/>
+          </a:prstGeom>
+          <a:solidFill>
+            <a:schemeClr val="bg1"/>
+          </a:solidFill>
+          <a:ln>
+            <a:solidFill>
+              <a:srgbClr val="FF0000"/>
+            </a:solidFill>
+          </a:ln>
+        </p:spPr>
+        <p:style>
+          <a:lnRef idx="2">
+            <a:schemeClr val="accent1">
+              <a:shade val="50000"/>
+            </a:schemeClr>
+          </a:lnRef>
+          <a:fillRef idx="1">
+            <a:schemeClr val="accent1"/>
+          </a:fillRef>
+          <a:effectRef idx="0">
+            <a:schemeClr val="accent1"/>
+          </a:effectRef>
+          <a:fontRef idx="minor">
+            <a:schemeClr val="lt1"/>
+          </a:fontRef>
+        </p:style>
+        <p:txBody>
+          <a:bodyPr anchor="ctr"/>
+          <a:lstStyle/>
+          <a:p>
+            <a:pPr algn="ctr">
+              <a:defRPr/>
+            </a:pPr>
+            <a:r>
+              <a:rPr lang="en-US" altLang="ko-KR" sz="1000" dirty="0" smtClean="0">
+                <a:solidFill>
+                  <a:schemeClr val="tx1"/>
+                </a:solidFill>
+              </a:rPr>
+              <a:t>2</a:t>
+            </a:r>
+            <a:endParaRPr lang="ko-KR" altLang="en-US" sz="1000" dirty="0">
+              <a:solidFill>
+                <a:schemeClr val="tx1"/>
+              </a:solidFill>
+            </a:endParaRPr>
+          </a:p>
+        </p:txBody>
+      </p:sp>
+      <p:grpSp>
+        <p:nvGrpSpPr>
+          <p:cNvPr id="38" name="그룹 37"/>
+          <p:cNvGrpSpPr/>
+          <p:nvPr/>
+        </p:nvGrpSpPr>
+        <p:grpSpPr>
+          <a:xfrm>
+            <a:off x="6205806" y="1593850"/>
+            <a:ext cx="3427144" cy="4791526"/>
+            <a:chOff x="6205806" y="1593850"/>
+            <a:chExt cx="3427144" cy="4791526"/>
+          </a:xfrm>
+        </p:grpSpPr>
+        <p:sp>
+          <p:nvSpPr>
+            <p:cNvPr id="22535" name="TextBox 4"/>
+            <p:cNvSpPr txBox="1">
+              <a:spLocks noChangeArrowheads="1"/>
+            </p:cNvSpPr>
+            <p:nvPr/>
+          </p:nvSpPr>
+          <p:spPr bwMode="auto">
+            <a:xfrm>
+              <a:off x="6524625" y="1593850"/>
+              <a:ext cx="3108325" cy="2308324"/>
+            </a:xfrm>
+            <a:prstGeom prst="rect">
+              <a:avLst/>
+            </a:prstGeom>
+            <a:noFill/>
+            <a:ln w="9525">
+              <a:noFill/>
+              <a:miter lim="800000"/>
+              <a:headEnd/>
+              <a:tailEnd/>
+            </a:ln>
+          </p:spPr>
+          <p:txBody>
+            <a:bodyPr>
+              <a:spAutoFit/>
+            </a:bodyPr>
+            <a:lstStyle/>
+            <a:p>
+              <a:pPr marL="228600" indent="-228600">
+                <a:lnSpc>
+                  <a:spcPct val="120000"/>
+                </a:lnSpc>
+                <a:buAutoNum type="arabicParenR"/>
+              </a:pPr>
+              <a:r>
+                <a:rPr kumimoji="0" lang="ko-KR" altLang="en-US" sz="1000" b="1" dirty="0" smtClean="0">
+                  <a:latin typeface="나눔고딕OTF" pitchFamily="34" charset="-127"/>
+                  <a:ea typeface="나눔고딕OTF" pitchFamily="34" charset="-127"/>
+                </a:rPr>
+                <a:t>조회 조건 설정</a:t>
+              </a:r>
+              <a:endParaRPr kumimoji="0" lang="en-US" altLang="ko-KR" sz="1000" b="1" dirty="0" smtClean="0">
+                <a:latin typeface="나눔고딕OTF" pitchFamily="34" charset="-127"/>
+                <a:ea typeface="나눔고딕OTF" pitchFamily="34" charset="-127"/>
+              </a:endParaRPr>
+            </a:p>
+            <a:p>
+              <a:pPr marL="228600" indent="-228600">
+                <a:lnSpc>
+                  <a:spcPct val="120000"/>
+                </a:lnSpc>
+              </a:pPr>
+              <a:r>
+                <a:rPr kumimoji="0" lang="en-US" altLang="ko-KR" sz="1000" dirty="0" smtClean="0">
+                  <a:latin typeface="나눔고딕OTF" pitchFamily="34" charset="-127"/>
+                  <a:ea typeface="나눔고딕OTF" pitchFamily="34" charset="-127"/>
+                </a:rPr>
+                <a:t> </a:t>
+              </a:r>
+              <a:r>
+                <a:rPr kumimoji="0" lang="en-US" altLang="ko-KR" sz="1000" dirty="0" smtClean="0">
+                  <a:latin typeface="나눔고딕OTF" pitchFamily="34" charset="-127"/>
+                  <a:ea typeface="나눔고딕OTF" pitchFamily="34" charset="-127"/>
+                </a:rPr>
+                <a:t>  - </a:t>
+              </a:r>
+              <a:r>
+                <a:rPr kumimoji="0" lang="ko-KR" altLang="en-US" sz="1000" dirty="0" smtClean="0">
+                  <a:solidFill>
+                    <a:srgbClr val="FF0000"/>
+                  </a:solidFill>
+                  <a:latin typeface="나눔고딕OTF" pitchFamily="34" charset="-127"/>
+                  <a:ea typeface="나눔고딕OTF" pitchFamily="34" charset="-127"/>
+                </a:rPr>
+                <a:t>검진구분</a:t>
+              </a:r>
+              <a:r>
+                <a:rPr kumimoji="0" lang="en-US" altLang="ko-KR" sz="1000" dirty="0" smtClean="0">
+                  <a:solidFill>
+                    <a:srgbClr val="FF0000"/>
+                  </a:solidFill>
+                  <a:latin typeface="나눔고딕OTF" pitchFamily="34" charset="-127"/>
+                  <a:ea typeface="나눔고딕OTF" pitchFamily="34" charset="-127"/>
+                </a:rPr>
+                <a:t>, </a:t>
+              </a:r>
+              <a:r>
+                <a:rPr kumimoji="0" lang="ko-KR" altLang="en-US" sz="1000" dirty="0" smtClean="0">
+                  <a:solidFill>
+                    <a:srgbClr val="FF0000"/>
+                  </a:solidFill>
+                  <a:latin typeface="나눔고딕OTF" pitchFamily="34" charset="-127"/>
+                  <a:ea typeface="나눔고딕OTF" pitchFamily="34" charset="-127"/>
+                </a:rPr>
+                <a:t>검진기간</a:t>
+              </a:r>
+              <a:r>
+                <a:rPr kumimoji="0" lang="en-US" altLang="ko-KR" sz="1000" dirty="0" smtClean="0">
+                  <a:solidFill>
+                    <a:srgbClr val="FF0000"/>
+                  </a:solidFill>
+                  <a:latin typeface="나눔고딕OTF" pitchFamily="34" charset="-127"/>
+                  <a:ea typeface="나눔고딕OTF" pitchFamily="34" charset="-127"/>
+                </a:rPr>
+                <a:t>, </a:t>
+              </a:r>
+              <a:r>
+                <a:rPr kumimoji="0" lang="ko-KR" altLang="en-US" sz="1000" dirty="0" smtClean="0">
+                  <a:latin typeface="나눔고딕OTF" pitchFamily="34" charset="-127"/>
+                  <a:ea typeface="나눔고딕OTF" pitchFamily="34" charset="-127"/>
+                </a:rPr>
+                <a:t>조건을 확인하고</a:t>
+              </a:r>
+              <a:r>
+                <a:rPr kumimoji="0" lang="en-US" altLang="ko-KR" sz="1000" dirty="0" smtClean="0">
+                  <a:latin typeface="나눔고딕OTF" pitchFamily="34" charset="-127"/>
+                  <a:ea typeface="나눔고딕OTF" pitchFamily="34" charset="-127"/>
+                </a:rPr>
+                <a:t>, </a:t>
+              </a:r>
+              <a:r>
+                <a:rPr kumimoji="0" lang="ko-KR" altLang="en-US" sz="1000" dirty="0" smtClean="0">
+                  <a:latin typeface="나눔고딕OTF" pitchFamily="34" charset="-127"/>
+                  <a:ea typeface="나눔고딕OTF" pitchFamily="34" charset="-127"/>
+                </a:rPr>
+                <a:t>부가적인</a:t>
+              </a:r>
+              <a:endParaRPr kumimoji="0" lang="en-US" altLang="ko-KR" sz="1000" dirty="0" smtClean="0">
+                <a:latin typeface="나눔고딕OTF" pitchFamily="34" charset="-127"/>
+                <a:ea typeface="나눔고딕OTF" pitchFamily="34" charset="-127"/>
+              </a:endParaRPr>
+            </a:p>
+            <a:p>
+              <a:pPr marL="228600" indent="-228600">
+                <a:lnSpc>
+                  <a:spcPct val="120000"/>
+                </a:lnSpc>
+              </a:pPr>
+              <a:r>
+                <a:rPr kumimoji="0" lang="en-US" altLang="ko-KR" sz="1000" dirty="0" smtClean="0">
+                  <a:solidFill>
+                    <a:srgbClr val="FF0000"/>
+                  </a:solidFill>
+                  <a:latin typeface="나눔고딕OTF" pitchFamily="34" charset="-127"/>
+                  <a:ea typeface="나눔고딕OTF" pitchFamily="34" charset="-127"/>
+                </a:rPr>
+                <a:t>	</a:t>
+              </a:r>
+              <a:r>
+                <a:rPr kumimoji="0" lang="ko-KR" altLang="en-US" sz="1000" dirty="0" smtClean="0">
+                  <a:latin typeface="나눔고딕OTF" pitchFamily="34" charset="-127"/>
+                  <a:ea typeface="나눔고딕OTF" pitchFamily="34" charset="-127"/>
+                </a:rPr>
+                <a:t>조건을 설정합니다</a:t>
+              </a:r>
+              <a:r>
+                <a:rPr kumimoji="0" lang="en-US" altLang="ko-KR" sz="1000" dirty="0" smtClean="0">
+                  <a:latin typeface="나눔고딕OTF" pitchFamily="34" charset="-127"/>
+                  <a:ea typeface="나눔고딕OTF" pitchFamily="34" charset="-127"/>
+                </a:rPr>
+                <a:t>.</a:t>
+              </a:r>
+              <a:endParaRPr kumimoji="0" lang="en-US" altLang="ko-KR" sz="1000" dirty="0" smtClean="0">
+                <a:solidFill>
+                  <a:srgbClr val="FF0000"/>
+                </a:solidFill>
+                <a:latin typeface="나눔고딕OTF" pitchFamily="34" charset="-127"/>
+                <a:ea typeface="나눔고딕OTF" pitchFamily="34" charset="-127"/>
+              </a:endParaRPr>
+            </a:p>
+            <a:p>
+              <a:pPr marL="228600" indent="-228600">
+                <a:lnSpc>
+                  <a:spcPct val="120000"/>
+                </a:lnSpc>
+              </a:pPr>
+              <a:r>
+                <a:rPr kumimoji="0" lang="en-US" altLang="ko-KR" sz="1000" dirty="0" smtClean="0">
+                  <a:latin typeface="나눔고딕OTF" pitchFamily="34" charset="-127"/>
+                  <a:ea typeface="나눔고딕OTF" pitchFamily="34" charset="-127"/>
+                </a:rPr>
+                <a:t> </a:t>
+              </a:r>
+              <a:r>
+                <a:rPr kumimoji="0" lang="en-US" altLang="ko-KR" sz="1000" dirty="0" smtClean="0">
+                  <a:latin typeface="나눔고딕OTF" pitchFamily="34" charset="-127"/>
+                  <a:ea typeface="나눔고딕OTF" pitchFamily="34" charset="-127"/>
+                </a:rPr>
+                <a:t>  - “</a:t>
+              </a:r>
+              <a:r>
+                <a:rPr kumimoji="0" lang="ko-KR" altLang="en-US" sz="1000" dirty="0" smtClean="0">
+                  <a:latin typeface="나눔고딕OTF" pitchFamily="34" charset="-127"/>
+                  <a:ea typeface="나눔고딕OTF" pitchFamily="34" charset="-127"/>
+                </a:rPr>
+                <a:t>조회</a:t>
+              </a:r>
+              <a:r>
+                <a:rPr kumimoji="0" lang="en-US" altLang="ko-KR" sz="1000" dirty="0" smtClean="0">
+                  <a:latin typeface="나눔고딕OTF" pitchFamily="34" charset="-127"/>
+                  <a:ea typeface="나눔고딕OTF" pitchFamily="34" charset="-127"/>
+                </a:rPr>
+                <a:t>” </a:t>
+              </a:r>
+              <a:r>
+                <a:rPr kumimoji="0" lang="ko-KR" altLang="en-US" sz="1000" dirty="0" smtClean="0">
+                  <a:latin typeface="나눔고딕OTF" pitchFamily="34" charset="-127"/>
+                  <a:ea typeface="나눔고딕OTF" pitchFamily="34" charset="-127"/>
+                </a:rPr>
+                <a:t>버튼을 클릭하여 설정한 조건에 해당하는 </a:t>
+              </a:r>
+              <a:endParaRPr kumimoji="0" lang="en-US" altLang="ko-KR" sz="1000" dirty="0" smtClean="0">
+                <a:latin typeface="나눔고딕OTF" pitchFamily="34" charset="-127"/>
+                <a:ea typeface="나눔고딕OTF" pitchFamily="34" charset="-127"/>
+              </a:endParaRPr>
+            </a:p>
+            <a:p>
+              <a:pPr marL="228600" indent="-228600">
+                <a:lnSpc>
+                  <a:spcPct val="120000"/>
+                </a:lnSpc>
+              </a:pPr>
+              <a:r>
+                <a:rPr kumimoji="0" lang="en-US" altLang="ko-KR" sz="1000" dirty="0" smtClean="0">
+                  <a:latin typeface="나눔고딕OTF" pitchFamily="34" charset="-127"/>
+                  <a:ea typeface="나눔고딕OTF" pitchFamily="34" charset="-127"/>
+                </a:rPr>
+                <a:t>	</a:t>
+              </a:r>
+              <a:r>
+                <a:rPr kumimoji="0" lang="ko-KR" altLang="en-US" sz="1000" dirty="0" err="1" smtClean="0">
+                  <a:latin typeface="나눔고딕OTF" pitchFamily="34" charset="-127"/>
+                  <a:ea typeface="나눔고딕OTF" pitchFamily="34" charset="-127"/>
+                </a:rPr>
+                <a:t>검진자</a:t>
+              </a:r>
+              <a:r>
+                <a:rPr kumimoji="0" lang="ko-KR" altLang="en-US" sz="1000" dirty="0" smtClean="0">
+                  <a:latin typeface="나눔고딕OTF" pitchFamily="34" charset="-127"/>
+                  <a:ea typeface="나눔고딕OTF" pitchFamily="34" charset="-127"/>
+                </a:rPr>
+                <a:t> 내역 중 </a:t>
+              </a:r>
+              <a:r>
+                <a:rPr kumimoji="0" lang="ko-KR" altLang="en-US" sz="1000" dirty="0" smtClean="0">
+                  <a:solidFill>
+                    <a:srgbClr val="FF0000"/>
+                  </a:solidFill>
+                  <a:latin typeface="나눔고딕OTF" pitchFamily="34" charset="-127"/>
+                  <a:ea typeface="나눔고딕OTF" pitchFamily="34" charset="-127"/>
+                </a:rPr>
+                <a:t>질병 </a:t>
+              </a:r>
+              <a:r>
+                <a:rPr kumimoji="0" lang="ko-KR" altLang="en-US" sz="1000" dirty="0" err="1" smtClean="0">
+                  <a:solidFill>
+                    <a:srgbClr val="FF0000"/>
+                  </a:solidFill>
+                  <a:latin typeface="나눔고딕OTF" pitchFamily="34" charset="-127"/>
+                  <a:ea typeface="나눔고딕OTF" pitchFamily="34" charset="-127"/>
+                </a:rPr>
+                <a:t>유소견</a:t>
+              </a:r>
+              <a:r>
+                <a:rPr kumimoji="0" lang="ko-KR" altLang="en-US" sz="1000" dirty="0" smtClean="0">
+                  <a:solidFill>
+                    <a:srgbClr val="FF0000"/>
+                  </a:solidFill>
+                  <a:latin typeface="나눔고딕OTF" pitchFamily="34" charset="-127"/>
+                  <a:ea typeface="나눔고딕OTF" pitchFamily="34" charset="-127"/>
+                </a:rPr>
+                <a:t> 판정 보유자</a:t>
+              </a:r>
+              <a:r>
+                <a:rPr kumimoji="0" lang="ko-KR" altLang="en-US" sz="1000" dirty="0" smtClean="0">
+                  <a:latin typeface="나눔고딕OTF" pitchFamily="34" charset="-127"/>
+                  <a:ea typeface="나눔고딕OTF" pitchFamily="34" charset="-127"/>
+                </a:rPr>
+                <a:t>만 표시</a:t>
+              </a:r>
+              <a:endParaRPr kumimoji="0" lang="en-US" altLang="ko-KR" sz="1000" dirty="0" smtClean="0">
+                <a:latin typeface="나눔고딕OTF" pitchFamily="34" charset="-127"/>
+                <a:ea typeface="나눔고딕OTF" pitchFamily="34" charset="-127"/>
+              </a:endParaRPr>
+            </a:p>
+            <a:p>
+              <a:pPr marL="228600" indent="-228600">
+                <a:lnSpc>
+                  <a:spcPct val="120000"/>
+                </a:lnSpc>
+              </a:pPr>
+              <a:r>
+                <a:rPr kumimoji="0" lang="en-US" altLang="ko-KR" sz="1000" dirty="0" smtClean="0">
+                  <a:latin typeface="나눔고딕OTF" pitchFamily="34" charset="-127"/>
+                  <a:ea typeface="나눔고딕OTF" pitchFamily="34" charset="-127"/>
+                </a:rPr>
+                <a:t>	</a:t>
+              </a:r>
+              <a:r>
+                <a:rPr kumimoji="0" lang="ko-KR" altLang="en-US" sz="1000" dirty="0" smtClean="0">
+                  <a:latin typeface="나눔고딕OTF" pitchFamily="34" charset="-127"/>
+                  <a:ea typeface="나눔고딕OTF" pitchFamily="34" charset="-127"/>
+                </a:rPr>
+                <a:t>합니다</a:t>
+              </a:r>
+              <a:r>
+                <a:rPr kumimoji="0" lang="en-US" altLang="ko-KR" sz="1000" dirty="0" smtClean="0">
+                  <a:latin typeface="나눔고딕OTF" pitchFamily="34" charset="-127"/>
+                  <a:ea typeface="나눔고딕OTF" pitchFamily="34" charset="-127"/>
+                </a:rPr>
+                <a:t>.</a:t>
+              </a:r>
+            </a:p>
+            <a:p>
+              <a:pPr marL="228600" indent="-228600">
+                <a:lnSpc>
+                  <a:spcPct val="120000"/>
+                </a:lnSpc>
+                <a:buAutoNum type="arabicParenR" startAt="2"/>
+              </a:pPr>
+              <a:r>
+                <a:rPr kumimoji="0" lang="ko-KR" altLang="en-US" sz="1000" b="1" dirty="0" err="1" smtClean="0">
+                  <a:latin typeface="나눔고딕OTF" pitchFamily="34" charset="-127"/>
+                  <a:ea typeface="나눔고딕OTF" pitchFamily="34" charset="-127"/>
+                </a:rPr>
+                <a:t>유소견자</a:t>
+              </a:r>
+              <a:r>
+                <a:rPr kumimoji="0" lang="ko-KR" altLang="en-US" sz="1000" b="1" dirty="0" smtClean="0">
+                  <a:latin typeface="나눔고딕OTF" pitchFamily="34" charset="-127"/>
+                  <a:ea typeface="나눔고딕OTF" pitchFamily="34" charset="-127"/>
+                </a:rPr>
+                <a:t> 조회 내역</a:t>
+              </a:r>
+              <a:endParaRPr kumimoji="0" lang="en-US" altLang="ko-KR" sz="1000" b="1" dirty="0" smtClean="0">
+                <a:latin typeface="나눔고딕OTF" pitchFamily="34" charset="-127"/>
+                <a:ea typeface="나눔고딕OTF" pitchFamily="34" charset="-127"/>
+              </a:endParaRPr>
+            </a:p>
+            <a:p>
+              <a:pPr marL="228600" indent="-228600">
+                <a:lnSpc>
+                  <a:spcPct val="120000"/>
+                </a:lnSpc>
+              </a:pPr>
+              <a:r>
+                <a:rPr kumimoji="0" lang="en-US" altLang="ko-KR" sz="1000" dirty="0" smtClean="0">
+                  <a:latin typeface="나눔고딕OTF" pitchFamily="34" charset="-127"/>
+                  <a:ea typeface="나눔고딕OTF" pitchFamily="34" charset="-127"/>
+                </a:rPr>
+                <a:t> </a:t>
+              </a:r>
+              <a:r>
+                <a:rPr kumimoji="0" lang="en-US" altLang="ko-KR" sz="1000" dirty="0" smtClean="0">
+                  <a:latin typeface="나눔고딕OTF" pitchFamily="34" charset="-127"/>
+                  <a:ea typeface="나눔고딕OTF" pitchFamily="34" charset="-127"/>
+                </a:rPr>
+                <a:t>  - </a:t>
+              </a:r>
+              <a:r>
+                <a:rPr kumimoji="0" lang="ko-KR" altLang="en-US" sz="1000" dirty="0" smtClean="0">
+                  <a:latin typeface="나눔고딕OTF" pitchFamily="34" charset="-127"/>
+                  <a:ea typeface="나눔고딕OTF" pitchFamily="34" charset="-127"/>
+                </a:rPr>
+                <a:t>설정한 조건에 해당하는 </a:t>
+              </a:r>
+              <a:r>
+                <a:rPr kumimoji="0" lang="ko-KR" altLang="en-US" sz="1000" dirty="0" err="1" smtClean="0">
+                  <a:latin typeface="나눔고딕OTF" pitchFamily="34" charset="-127"/>
+                  <a:ea typeface="나눔고딕OTF" pitchFamily="34" charset="-127"/>
+                </a:rPr>
+                <a:t>검진자</a:t>
+              </a:r>
+              <a:r>
+                <a:rPr kumimoji="0" lang="ko-KR" altLang="en-US" sz="1000" dirty="0" smtClean="0">
+                  <a:latin typeface="나눔고딕OTF" pitchFamily="34" charset="-127"/>
+                  <a:ea typeface="나눔고딕OTF" pitchFamily="34" charset="-127"/>
+                </a:rPr>
+                <a:t> 내역 중 </a:t>
+              </a:r>
+              <a:r>
+                <a:rPr kumimoji="0" lang="ko-KR" altLang="en-US" sz="1000" dirty="0" smtClean="0">
+                  <a:solidFill>
+                    <a:srgbClr val="FF0000"/>
+                  </a:solidFill>
+                  <a:latin typeface="나눔고딕OTF" pitchFamily="34" charset="-127"/>
+                  <a:ea typeface="나눔고딕OTF" pitchFamily="34" charset="-127"/>
+                </a:rPr>
+                <a:t>질병</a:t>
+              </a:r>
+              <a:endParaRPr kumimoji="0" lang="en-US" altLang="ko-KR" sz="1000" dirty="0" smtClean="0">
+                <a:solidFill>
+                  <a:srgbClr val="FF0000"/>
+                </a:solidFill>
+                <a:latin typeface="나눔고딕OTF" pitchFamily="34" charset="-127"/>
+                <a:ea typeface="나눔고딕OTF" pitchFamily="34" charset="-127"/>
+              </a:endParaRPr>
+            </a:p>
+            <a:p>
+              <a:pPr marL="228600" indent="-228600">
+                <a:lnSpc>
+                  <a:spcPct val="120000"/>
+                </a:lnSpc>
+              </a:pPr>
+              <a:r>
+                <a:rPr kumimoji="0" lang="en-US" altLang="ko-KR" sz="1000" dirty="0" smtClean="0">
+                  <a:solidFill>
+                    <a:srgbClr val="FF0000"/>
+                  </a:solidFill>
+                  <a:latin typeface="나눔고딕OTF" pitchFamily="34" charset="-127"/>
+                  <a:ea typeface="나눔고딕OTF" pitchFamily="34" charset="-127"/>
+                </a:rPr>
+                <a:t>	</a:t>
+              </a:r>
+              <a:r>
+                <a:rPr kumimoji="0" lang="ko-KR" altLang="en-US" sz="1000" dirty="0" err="1" smtClean="0">
+                  <a:solidFill>
+                    <a:srgbClr val="FF0000"/>
+                  </a:solidFill>
+                  <a:latin typeface="나눔고딕OTF" pitchFamily="34" charset="-127"/>
+                  <a:ea typeface="나눔고딕OTF" pitchFamily="34" charset="-127"/>
+                </a:rPr>
+                <a:t>유소견</a:t>
+              </a:r>
+              <a:r>
+                <a:rPr kumimoji="0" lang="ko-KR" altLang="en-US" sz="1000" dirty="0" smtClean="0">
+                  <a:solidFill>
+                    <a:srgbClr val="FF0000"/>
+                  </a:solidFill>
+                  <a:latin typeface="나눔고딕OTF" pitchFamily="34" charset="-127"/>
+                  <a:ea typeface="나눔고딕OTF" pitchFamily="34" charset="-127"/>
+                </a:rPr>
+                <a:t> 판정 보유자</a:t>
+              </a:r>
+              <a:r>
+                <a:rPr kumimoji="0" lang="ko-KR" altLang="en-US" sz="1000" dirty="0" smtClean="0">
+                  <a:latin typeface="나눔고딕OTF" pitchFamily="34" charset="-127"/>
+                  <a:ea typeface="나눔고딕OTF" pitchFamily="34" charset="-127"/>
+                </a:rPr>
+                <a:t>만 표시합니다</a:t>
+              </a:r>
+              <a:r>
+                <a:rPr kumimoji="0" lang="en-US" altLang="ko-KR" sz="1000" dirty="0" smtClean="0">
+                  <a:latin typeface="나눔고딕OTF" pitchFamily="34" charset="-127"/>
+                  <a:ea typeface="나눔고딕OTF" pitchFamily="34" charset="-127"/>
+                </a:rPr>
+                <a:t>.</a:t>
+              </a:r>
+            </a:p>
+            <a:p>
+              <a:pPr marL="228600" indent="-228600">
+                <a:lnSpc>
+                  <a:spcPct val="120000"/>
+                </a:lnSpc>
+              </a:pPr>
+              <a:r>
+                <a:rPr kumimoji="0" lang="en-US" altLang="ko-KR" sz="1000" dirty="0" smtClean="0">
+                  <a:latin typeface="나눔고딕OTF" pitchFamily="34" charset="-127"/>
+                  <a:ea typeface="나눔고딕OTF" pitchFamily="34" charset="-127"/>
+                </a:rPr>
+                <a:t> </a:t>
+              </a:r>
+              <a:r>
+                <a:rPr kumimoji="0" lang="en-US" altLang="ko-KR" sz="1000" dirty="0" smtClean="0">
+                  <a:latin typeface="나눔고딕OTF" pitchFamily="34" charset="-127"/>
+                  <a:ea typeface="나눔고딕OTF" pitchFamily="34" charset="-127"/>
+                </a:rPr>
+                <a:t>  - </a:t>
+              </a:r>
+              <a:r>
+                <a:rPr kumimoji="0" lang="ko-KR" altLang="en-US" sz="1000" dirty="0" smtClean="0">
+                  <a:latin typeface="나눔고딕OTF" pitchFamily="34" charset="-127"/>
+                  <a:ea typeface="나눔고딕OTF" pitchFamily="34" charset="-127"/>
+                </a:rPr>
+                <a:t>프로그램 </a:t>
+              </a:r>
+              <a:r>
+                <a:rPr kumimoji="0" lang="ko-KR" altLang="en-US" sz="1000" dirty="0" err="1" smtClean="0">
+                  <a:latin typeface="나눔고딕OTF" pitchFamily="34" charset="-127"/>
+                  <a:ea typeface="나눔고딕OTF" pitchFamily="34" charset="-127"/>
+                </a:rPr>
+                <a:t>메인의</a:t>
+              </a:r>
+              <a:r>
+                <a:rPr kumimoji="0" lang="ko-KR" altLang="en-US" sz="1000" dirty="0" smtClean="0">
+                  <a:latin typeface="나눔고딕OTF" pitchFamily="34" charset="-127"/>
+                  <a:ea typeface="나눔고딕OTF" pitchFamily="34" charset="-127"/>
+                </a:rPr>
+                <a:t> </a:t>
+              </a:r>
+              <a:r>
+                <a:rPr kumimoji="0" lang="en-US" altLang="ko-KR" sz="1000" dirty="0" smtClean="0">
+                  <a:latin typeface="나눔고딕OTF" pitchFamily="34" charset="-127"/>
+                  <a:ea typeface="나눔고딕OTF" pitchFamily="34" charset="-127"/>
+                </a:rPr>
+                <a:t>“1</a:t>
+              </a:r>
+              <a:r>
+                <a:rPr kumimoji="0" lang="ko-KR" altLang="en-US" sz="1000" dirty="0" err="1" smtClean="0">
+                  <a:latin typeface="나눔고딕OTF" pitchFamily="34" charset="-127"/>
+                  <a:ea typeface="나눔고딕OTF" pitchFamily="34" charset="-127"/>
+                </a:rPr>
+                <a:t>차판정</a:t>
+              </a:r>
+              <a:r>
+                <a:rPr kumimoji="0" lang="en-US" altLang="ko-KR" sz="1000" dirty="0" smtClean="0">
+                  <a:latin typeface="나눔고딕OTF" pitchFamily="34" charset="-127"/>
+                  <a:ea typeface="나눔고딕OTF" pitchFamily="34" charset="-127"/>
+                </a:rPr>
+                <a:t>” </a:t>
+              </a:r>
+              <a:r>
+                <a:rPr kumimoji="0" lang="ko-KR" altLang="en-US" sz="1000" dirty="0" smtClean="0">
+                  <a:latin typeface="나눔고딕OTF" pitchFamily="34" charset="-127"/>
+                  <a:ea typeface="나눔고딕OTF" pitchFamily="34" charset="-127"/>
+                </a:rPr>
+                <a:t>탭의 노동부 판정 </a:t>
+              </a:r>
+              <a:r>
+                <a:rPr kumimoji="0" lang="ko-KR" altLang="en-US" sz="1000" dirty="0" err="1" smtClean="0">
+                  <a:latin typeface="나눔고딕OTF" pitchFamily="34" charset="-127"/>
+                  <a:ea typeface="나눔고딕OTF" pitchFamily="34" charset="-127"/>
+                </a:rPr>
+                <a:t>란을</a:t>
+              </a:r>
+              <a:r>
+                <a:rPr kumimoji="0" lang="ko-KR" altLang="en-US" sz="1000" dirty="0" smtClean="0">
+                  <a:latin typeface="나눔고딕OTF" pitchFamily="34" charset="-127"/>
+                  <a:ea typeface="나눔고딕OTF" pitchFamily="34" charset="-127"/>
+                </a:rPr>
+                <a:t> 참조하여 소견 내역을 표시합니다</a:t>
+              </a:r>
+              <a:r>
+                <a:rPr kumimoji="0" lang="en-US" altLang="ko-KR" sz="1000" dirty="0" smtClean="0">
+                  <a:latin typeface="나눔고딕OTF" pitchFamily="34" charset="-127"/>
+                  <a:ea typeface="나눔고딕OTF" pitchFamily="34" charset="-127"/>
+                </a:rPr>
+                <a:t>.</a:t>
+              </a:r>
+            </a:p>
+            <a:p>
+              <a:pPr marL="228600" indent="-228600">
+                <a:lnSpc>
+                  <a:spcPct val="120000"/>
+                </a:lnSpc>
+              </a:pPr>
+              <a:r>
+                <a:rPr kumimoji="0" lang="en-US" altLang="ko-KR" sz="1000" dirty="0" smtClean="0">
+                  <a:latin typeface="나눔고딕OTF" pitchFamily="34" charset="-127"/>
+                  <a:ea typeface="나눔고딕OTF" pitchFamily="34" charset="-127"/>
+                </a:rPr>
+                <a:t> </a:t>
+              </a:r>
+              <a:r>
+                <a:rPr kumimoji="0" lang="en-US" altLang="ko-KR" sz="1000" dirty="0" smtClean="0">
+                  <a:latin typeface="나눔고딕OTF" pitchFamily="34" charset="-127"/>
+                  <a:ea typeface="나눔고딕OTF" pitchFamily="34" charset="-127"/>
+                </a:rPr>
+                <a:t>  </a:t>
+              </a:r>
+              <a:r>
+                <a:rPr kumimoji="0" lang="en-US" altLang="ko-KR" sz="1000" dirty="0" smtClean="0">
+                  <a:solidFill>
+                    <a:srgbClr val="FF0000"/>
+                  </a:solidFill>
+                  <a:latin typeface="나눔고딕OTF" pitchFamily="34" charset="-127"/>
+                  <a:ea typeface="나눔고딕OTF" pitchFamily="34" charset="-127"/>
+                </a:rPr>
+                <a:t>* </a:t>
+              </a:r>
+              <a:r>
+                <a:rPr kumimoji="0" lang="ko-KR" altLang="en-US" sz="1000" dirty="0" smtClean="0">
+                  <a:solidFill>
+                    <a:srgbClr val="FF0000"/>
+                  </a:solidFill>
+                  <a:latin typeface="나눔고딕OTF" pitchFamily="34" charset="-127"/>
+                  <a:ea typeface="나눔고딕OTF" pitchFamily="34" charset="-127"/>
+                </a:rPr>
+                <a:t>노동부 판정 란 </a:t>
+              </a:r>
+              <a:r>
+                <a:rPr kumimoji="0" lang="en-US" altLang="ko-KR" sz="1000" dirty="0" smtClean="0">
+                  <a:solidFill>
+                    <a:srgbClr val="FF0000"/>
+                  </a:solidFill>
+                  <a:latin typeface="나눔고딕OTF" pitchFamily="34" charset="-127"/>
+                  <a:ea typeface="나눔고딕OTF" pitchFamily="34" charset="-127"/>
+                </a:rPr>
+                <a:t>: </a:t>
+              </a:r>
+              <a:r>
+                <a:rPr kumimoji="0" lang="ko-KR" altLang="en-US" sz="1000" dirty="0" smtClean="0">
+                  <a:solidFill>
+                    <a:srgbClr val="FF0000"/>
+                  </a:solidFill>
+                  <a:latin typeface="나눔고딕OTF" pitchFamily="34" charset="-127"/>
+                  <a:ea typeface="나눔고딕OTF" pitchFamily="34" charset="-127"/>
+                </a:rPr>
+                <a:t>하단 그림 참조</a:t>
+              </a:r>
+              <a:endParaRPr kumimoji="0" lang="en-US" altLang="ko-KR" sz="1000" dirty="0" smtClean="0">
+                <a:solidFill>
+                  <a:srgbClr val="FF0000"/>
+                </a:solidFill>
+                <a:latin typeface="나눔고딕OTF" pitchFamily="34" charset="-127"/>
+                <a:ea typeface="나눔고딕OTF" pitchFamily="34" charset="-127"/>
+              </a:endParaRPr>
+            </a:p>
+          </p:txBody>
+        </p:sp>
+        <p:pic>
+          <p:nvPicPr>
+            <p:cNvPr id="2051" name="Picture 3"/>
+            <p:cNvPicPr>
+              <a:picLocks noChangeAspect="1" noChangeArrowheads="1"/>
+            </p:cNvPicPr>
+            <p:nvPr/>
+          </p:nvPicPr>
+          <p:blipFill>
+            <a:blip r:embed="rId3"/>
+            <a:srcRect/>
+            <a:stretch>
+              <a:fillRect/>
+            </a:stretch>
+          </p:blipFill>
+          <p:spPr bwMode="auto">
+            <a:xfrm>
+              <a:off x="6230519" y="4027922"/>
+              <a:ext cx="2386117" cy="2357454"/>
+            </a:xfrm>
+            <a:prstGeom prst="rect">
+              <a:avLst/>
+            </a:prstGeom>
+            <a:noFill/>
+            <a:ln w="9525">
+              <a:solidFill>
+                <a:schemeClr val="tx1"/>
+              </a:solidFill>
+              <a:miter lim="800000"/>
+              <a:headEnd/>
+              <a:tailEnd/>
+            </a:ln>
+            <a:effectLst/>
+          </p:spPr>
+        </p:pic>
+        <p:sp>
+          <p:nvSpPr>
+            <p:cNvPr id="20" name="타원 19"/>
+            <p:cNvSpPr/>
+            <p:nvPr/>
+          </p:nvSpPr>
+          <p:spPr>
+            <a:xfrm>
+              <a:off x="7087776" y="4456550"/>
+              <a:ext cx="214314" cy="214314"/>
+            </a:xfrm>
+            <a:prstGeom prst="ellipse">
+              <a:avLst/>
+            </a:prstGeom>
+            <a:noFill/>
+            <a:ln>
+              <a:solidFill>
+                <a:srgbClr val="FF0000"/>
+              </a:solidFill>
+            </a:ln>
+          </p:spPr>
+          <p:style>
+            <a:lnRef idx="2">
+              <a:schemeClr val="accent1">
+                <a:shade val="50000"/>
+              </a:schemeClr>
+            </a:lnRef>
+            <a:fillRef idx="1">
+              <a:schemeClr val="accent1"/>
+            </a:fillRef>
+            <a:effectRef idx="0">
+              <a:schemeClr val="accent1"/>
+            </a:effectRef>
+            <a:fontRef idx="minor">
+              <a:schemeClr val="lt1"/>
+            </a:fontRef>
+          </p:style>
+          <p:txBody>
+            <a:bodyPr anchor="ctr"/>
+            <a:lstStyle/>
+            <a:p>
+              <a:pPr algn="ctr">
+                <a:defRPr/>
+              </a:pPr>
+              <a:endParaRPr lang="en-US" altLang="ko-KR" sz="1000" dirty="0" smtClean="0">
+                <a:solidFill>
+                  <a:schemeClr val="tx1"/>
+                </a:solidFill>
+              </a:endParaRPr>
+            </a:p>
+          </p:txBody>
+        </p:sp>
+        <p:sp>
+          <p:nvSpPr>
+            <p:cNvPr id="22" name="타원 21"/>
+            <p:cNvSpPr/>
+            <p:nvPr/>
+          </p:nvSpPr>
+          <p:spPr>
+            <a:xfrm>
+              <a:off x="6205806" y="6003472"/>
+              <a:ext cx="1024846" cy="239028"/>
+            </a:xfrm>
+            <a:prstGeom prst="ellipse">
+              <a:avLst/>
+            </a:prstGeom>
+            <a:noFill/>
+            <a:ln>
+              <a:solidFill>
+                <a:srgbClr val="FF0000"/>
+              </a:solidFill>
+            </a:ln>
+          </p:spPr>
+          <p:style>
+            <a:lnRef idx="2">
+              <a:schemeClr val="accent1">
+                <a:shade val="50000"/>
+              </a:schemeClr>
+            </a:lnRef>
+            <a:fillRef idx="1">
+              <a:schemeClr val="accent1"/>
+            </a:fillRef>
+            <a:effectRef idx="0">
+              <a:schemeClr val="accent1"/>
+            </a:effectRef>
+            <a:fontRef idx="minor">
+              <a:schemeClr val="lt1"/>
+            </a:fontRef>
+          </p:style>
+          <p:txBody>
+            <a:bodyPr anchor="ctr"/>
+            <a:lstStyle/>
+            <a:p>
+              <a:pPr algn="ctr">
+                <a:defRPr/>
+              </a:pPr>
+              <a:endParaRPr lang="en-US" altLang="ko-KR" sz="1000" dirty="0" smtClean="0">
+                <a:solidFill>
+                  <a:schemeClr val="tx1"/>
+                </a:solidFill>
+              </a:endParaRPr>
+            </a:p>
+          </p:txBody>
+        </p:sp>
+        <p:sp>
+          <p:nvSpPr>
+            <p:cNvPr id="23" name="타원 22"/>
+            <p:cNvSpPr/>
+            <p:nvPr/>
+          </p:nvSpPr>
+          <p:spPr>
+            <a:xfrm>
+              <a:off x="6730586" y="4456550"/>
+              <a:ext cx="214314" cy="214314"/>
+            </a:xfrm>
+            <a:prstGeom prst="ellipse">
+              <a:avLst/>
+            </a:prstGeom>
+            <a:noFill/>
+            <a:ln>
+              <a:solidFill>
+                <a:srgbClr val="FF0000"/>
+              </a:solidFill>
+            </a:ln>
+          </p:spPr>
+          <p:style>
+            <a:lnRef idx="2">
+              <a:schemeClr val="accent1">
+                <a:shade val="50000"/>
+              </a:schemeClr>
+            </a:lnRef>
+            <a:fillRef idx="1">
+              <a:schemeClr val="accent1"/>
+            </a:fillRef>
+            <a:effectRef idx="0">
+              <a:schemeClr val="accent1"/>
+            </a:effectRef>
+            <a:fontRef idx="minor">
+              <a:schemeClr val="lt1"/>
+            </a:fontRef>
+          </p:style>
+          <p:txBody>
+            <a:bodyPr anchor="ctr"/>
+            <a:lstStyle/>
+            <a:p>
+              <a:pPr algn="ctr">
+                <a:defRPr/>
+              </a:pPr>
+              <a:endParaRPr lang="en-US" altLang="ko-KR" sz="1000" dirty="0" smtClean="0">
+                <a:solidFill>
+                  <a:schemeClr val="tx1"/>
+                </a:solidFill>
+              </a:endParaRPr>
+            </a:p>
+          </p:txBody>
+        </p:sp>
+      </p:grpSp>
+      <p:sp>
+        <p:nvSpPr>
+          <p:cNvPr id="25" name="직사각형 24"/>
+          <p:cNvSpPr/>
+          <p:nvPr/>
+        </p:nvSpPr>
+        <p:spPr>
+          <a:xfrm>
+            <a:off x="2166918" y="3071810"/>
+            <a:ext cx="214314" cy="214314"/>
+          </a:xfrm>
+          <a:prstGeom prst="rect">
+            <a:avLst/>
+          </a:prstGeom>
+          <a:noFill/>
+          <a:ln w="12700">
+            <a:solidFill>
+              <a:srgbClr val="FF0000"/>
+            </a:solidFill>
+          </a:ln>
+        </p:spPr>
+        <p:style>
+          <a:lnRef idx="2">
+            <a:schemeClr val="accent1">
+              <a:shade val="50000"/>
+            </a:schemeClr>
+          </a:lnRef>
+          <a:fillRef idx="1">
+            <a:schemeClr val="accent1"/>
+          </a:fillRef>
+          <a:effectRef idx="0">
+            <a:schemeClr val="accent1"/>
+          </a:effectRef>
+          <a:fontRef idx="minor">
+            <a:schemeClr val="lt1"/>
+          </a:fontRef>
+        </p:style>
+        <p:txBody>
+          <a:bodyPr anchor="ctr"/>
+          <a:lstStyle/>
+          <a:p>
+            <a:pPr algn="ctr" fontAlgn="auto">
+              <a:spcBef>
+                <a:spcPts val="0"/>
+              </a:spcBef>
+              <a:spcAft>
+                <a:spcPts val="0"/>
+              </a:spcAft>
+              <a:defRPr/>
+            </a:pPr>
+            <a:endParaRPr kumimoji="0" lang="ko-KR" altLang="en-US" dirty="0">
+              <a:latin typeface="나눔고딕OTF" pitchFamily="34" charset="-127"/>
+              <a:ea typeface="나눔고딕OTF" pitchFamily="34" charset="-127"/>
+            </a:endParaRPr>
+          </a:p>
+        </p:txBody>
+      </p:sp>
+      <p:sp>
+        <p:nvSpPr>
+          <p:cNvPr id="26" name="직사각형 25"/>
+          <p:cNvSpPr/>
+          <p:nvPr/>
+        </p:nvSpPr>
+        <p:spPr>
+          <a:xfrm>
+            <a:off x="2524108" y="3071810"/>
+            <a:ext cx="1000132" cy="428628"/>
+          </a:xfrm>
+          <a:prstGeom prst="rect">
+            <a:avLst/>
+          </a:prstGeom>
+          <a:noFill/>
+          <a:ln w="12700">
+            <a:solidFill>
+              <a:srgbClr val="FF0000"/>
+            </a:solidFill>
+          </a:ln>
+        </p:spPr>
+        <p:style>
+          <a:lnRef idx="2">
+            <a:schemeClr val="accent1">
+              <a:shade val="50000"/>
+            </a:schemeClr>
+          </a:lnRef>
+          <a:fillRef idx="1">
+            <a:schemeClr val="accent1"/>
+          </a:fillRef>
+          <a:effectRef idx="0">
+            <a:schemeClr val="accent1"/>
+          </a:effectRef>
+          <a:fontRef idx="minor">
+            <a:schemeClr val="lt1"/>
+          </a:fontRef>
+        </p:style>
+        <p:txBody>
+          <a:bodyPr anchor="ctr"/>
+          <a:lstStyle/>
+          <a:p>
+            <a:pPr algn="ctr" fontAlgn="auto">
+              <a:spcBef>
+                <a:spcPts val="0"/>
+              </a:spcBef>
+              <a:spcAft>
+                <a:spcPts val="0"/>
+              </a:spcAft>
+              <a:defRPr/>
+            </a:pPr>
+            <a:endParaRPr kumimoji="0" lang="ko-KR" altLang="en-US" dirty="0">
+              <a:latin typeface="나눔고딕OTF" pitchFamily="34" charset="-127"/>
+              <a:ea typeface="나눔고딕OTF" pitchFamily="34" charset="-127"/>
+            </a:endParaRPr>
+          </a:p>
+        </p:txBody>
+      </p:sp>
+      <p:sp>
+        <p:nvSpPr>
+          <p:cNvPr id="27" name="직사각형 26"/>
+          <p:cNvSpPr/>
+          <p:nvPr/>
+        </p:nvSpPr>
+        <p:spPr>
+          <a:xfrm>
+            <a:off x="4095744" y="3071810"/>
+            <a:ext cx="785818" cy="214314"/>
+          </a:xfrm>
+          <a:prstGeom prst="rect">
+            <a:avLst/>
+          </a:prstGeom>
+          <a:noFill/>
+          <a:ln w="12700">
+            <a:solidFill>
+              <a:srgbClr val="FF0000"/>
+            </a:solidFill>
+          </a:ln>
+        </p:spPr>
+        <p:style>
+          <a:lnRef idx="2">
+            <a:schemeClr val="accent1">
+              <a:shade val="50000"/>
+            </a:schemeClr>
+          </a:lnRef>
+          <a:fillRef idx="1">
+            <a:schemeClr val="accent1"/>
+          </a:fillRef>
+          <a:effectRef idx="0">
+            <a:schemeClr val="accent1"/>
+          </a:effectRef>
+          <a:fontRef idx="minor">
+            <a:schemeClr val="lt1"/>
+          </a:fontRef>
+        </p:style>
+        <p:txBody>
+          <a:bodyPr anchor="ctr"/>
+          <a:lstStyle/>
+          <a:p>
+            <a:pPr algn="ctr" fontAlgn="auto">
+              <a:spcBef>
+                <a:spcPts val="0"/>
+              </a:spcBef>
+              <a:spcAft>
+                <a:spcPts val="0"/>
+              </a:spcAft>
+              <a:defRPr/>
+            </a:pPr>
+            <a:endParaRPr kumimoji="0" lang="ko-KR" altLang="en-US" dirty="0">
+              <a:latin typeface="나눔고딕OTF" pitchFamily="34" charset="-127"/>
+              <a:ea typeface="나눔고딕OTF" pitchFamily="34" charset="-127"/>
+            </a:endParaRPr>
+          </a:p>
+        </p:txBody>
+      </p:sp>
+      <p:cxnSp>
+        <p:nvCxnSpPr>
+          <p:cNvPr id="33" name="Shape 32"/>
+          <p:cNvCxnSpPr>
+            <a:stCxn id="23" idx="2"/>
+            <a:endCxn id="25" idx="2"/>
+          </p:cNvCxnSpPr>
+          <p:nvPr/>
+        </p:nvCxnSpPr>
+        <p:spPr>
+          <a:xfrm rot="10800000">
+            <a:off x="2274076" y="3286125"/>
+            <a:ext cx="4456511" cy="1277583"/>
+          </a:xfrm>
+          <a:prstGeom prst="bentConnector2">
+            <a:avLst/>
+          </a:prstGeom>
+          <a:ln w="19050">
+            <a:solidFill>
+              <a:srgbClr val="7030A0"/>
+            </a:solidFill>
+            <a:tailEnd type="arrow"/>
+          </a:ln>
+        </p:spPr>
+        <p:style>
+          <a:lnRef idx="1">
+            <a:schemeClr val="accent1"/>
+          </a:lnRef>
+          <a:fillRef idx="0">
+            <a:schemeClr val="accent1"/>
+          </a:fillRef>
+          <a:effectRef idx="0">
+            <a:schemeClr val="accent1"/>
+          </a:effectRef>
+          <a:fontRef idx="minor">
+            <a:schemeClr val="tx1"/>
+          </a:fontRef>
+        </p:style>
+      </p:cxnSp>
+      <p:cxnSp>
+        <p:nvCxnSpPr>
+          <p:cNvPr id="35" name="Shape 34"/>
+          <p:cNvCxnSpPr>
+            <a:stCxn id="22" idx="2"/>
+            <a:endCxn id="26" idx="2"/>
+          </p:cNvCxnSpPr>
+          <p:nvPr/>
+        </p:nvCxnSpPr>
+        <p:spPr>
+          <a:xfrm rot="10800000">
+            <a:off x="3024174" y="3500438"/>
+            <a:ext cx="3181632" cy="2622548"/>
+          </a:xfrm>
+          <a:prstGeom prst="bentConnector2">
+            <a:avLst/>
+          </a:prstGeom>
+          <a:ln w="19050">
+            <a:solidFill>
+              <a:srgbClr val="7030A0"/>
+            </a:solidFill>
+            <a:tailEnd type="arrow"/>
+          </a:ln>
+        </p:spPr>
+        <p:style>
+          <a:lnRef idx="1">
+            <a:schemeClr val="accent1"/>
+          </a:lnRef>
+          <a:fillRef idx="0">
+            <a:schemeClr val="accent1"/>
+          </a:fillRef>
+          <a:effectRef idx="0">
+            <a:schemeClr val="accent1"/>
+          </a:effectRef>
+          <a:fontRef idx="minor">
+            <a:schemeClr val="tx1"/>
+          </a:fontRef>
+        </p:style>
+      </p:cxnSp>
+      <p:cxnSp>
+        <p:nvCxnSpPr>
+          <p:cNvPr id="37" name="꺾인 연결선 36"/>
+          <p:cNvCxnSpPr>
+            <a:stCxn id="20" idx="4"/>
+            <a:endCxn id="27" idx="2"/>
+          </p:cNvCxnSpPr>
+          <p:nvPr/>
+        </p:nvCxnSpPr>
+        <p:spPr>
+          <a:xfrm rot="5400000" flipH="1">
+            <a:off x="5149423" y="2625354"/>
+            <a:ext cx="1384740" cy="2706280"/>
+          </a:xfrm>
+          <a:prstGeom prst="bentConnector3">
+            <a:avLst>
+              <a:gd name="adj1" fmla="val -16509"/>
+            </a:avLst>
+          </a:prstGeom>
+          <a:ln w="19050">
+            <a:solidFill>
+              <a:schemeClr val="tx1"/>
+            </a:solidFill>
+            <a:tailEnd type="arrow"/>
+          </a:ln>
+        </p:spPr>
+        <p:style>
+          <a:lnRef idx="1">
+            <a:schemeClr val="accent1"/>
+          </a:lnRef>
+          <a:fillRef idx="0">
+            <a:schemeClr val="accent1"/>
+          </a:fillRef>
+          <a:effectRef idx="0">
+            <a:schemeClr val="accent1"/>
+          </a:effectRef>
+          <a:fontRef idx="minor">
+            <a:schemeClr val="tx1"/>
+          </a:fontRef>
+        </p:style>
+      </p:cxnSp>
     </p:spTree>
   </p:cSld>
   <p:clrMapOvr>
@@ -25459,6 +27134,179 @@
           <a:chExt cx="0" cy="0"/>
         </a:xfrm>
       </p:grpSpPr>
+      <p:sp>
+        <p:nvSpPr>
+          <p:cNvPr id="5" name="직사각형 4"/>
+          <p:cNvSpPr/>
+          <p:nvPr/>
+        </p:nvSpPr>
+        <p:spPr>
+          <a:xfrm flipH="1">
+            <a:off x="0" y="0"/>
+            <a:ext cx="9906000" cy="6858000"/>
+          </a:xfrm>
+          <a:prstGeom prst="rect">
+            <a:avLst/>
+          </a:prstGeom>
+          <a:solidFill>
+            <a:srgbClr val="BED395"/>
+          </a:solidFill>
+          <a:ln>
+            <a:noFill/>
+          </a:ln>
+        </p:spPr>
+        <p:style>
+          <a:lnRef idx="2">
+            <a:schemeClr val="accent1">
+              <a:shade val="50000"/>
+            </a:schemeClr>
+          </a:lnRef>
+          <a:fillRef idx="1">
+            <a:schemeClr val="accent1"/>
+          </a:fillRef>
+          <a:effectRef idx="0">
+            <a:schemeClr val="accent1"/>
+          </a:effectRef>
+          <a:fontRef idx="minor">
+            <a:schemeClr val="lt1"/>
+          </a:fontRef>
+        </p:style>
+        <p:txBody>
+          <a:bodyPr anchor="ctr"/>
+          <a:lstStyle/>
+          <a:p>
+            <a:pPr algn="ctr" fontAlgn="auto">
+              <a:spcBef>
+                <a:spcPts val="0"/>
+              </a:spcBef>
+              <a:spcAft>
+                <a:spcPts val="0"/>
+              </a:spcAft>
+              <a:defRPr/>
+            </a:pPr>
+            <a:endParaRPr kumimoji="0" lang="ko-KR" altLang="en-US"/>
+          </a:p>
+        </p:txBody>
+      </p:sp>
+      <p:sp>
+        <p:nvSpPr>
+          <p:cNvPr id="25603" name="TextBox 13"/>
+          <p:cNvSpPr txBox="1">
+            <a:spLocks noChangeArrowheads="1"/>
+          </p:cNvSpPr>
+          <p:nvPr/>
+        </p:nvSpPr>
+        <p:spPr bwMode="auto">
+          <a:xfrm>
+            <a:off x="3952868" y="2636838"/>
+            <a:ext cx="1053494" cy="854080"/>
+          </a:xfrm>
+          <a:prstGeom prst="rect">
+            <a:avLst/>
+          </a:prstGeom>
+          <a:noFill/>
+          <a:ln w="9525">
+            <a:noFill/>
+            <a:miter lim="800000"/>
+            <a:headEnd/>
+            <a:tailEnd/>
+          </a:ln>
+        </p:spPr>
+        <p:txBody>
+          <a:bodyPr wrap="none">
+            <a:spAutoFit/>
+          </a:bodyPr>
+          <a:lstStyle/>
+          <a:p>
+            <a:pPr marL="457200" indent="-457200">
+              <a:lnSpc>
+                <a:spcPct val="150000"/>
+              </a:lnSpc>
+            </a:pPr>
+            <a:r>
+              <a:rPr kumimoji="0" lang="ko-KR" altLang="en-US" sz="3600" b="1" dirty="0" smtClean="0">
+                <a:solidFill>
+                  <a:schemeClr val="bg1"/>
+                </a:solidFill>
+                <a:latin typeface="나눔고딕OTF" pitchFamily="34" charset="-127"/>
+                <a:ea typeface="나눔고딕OTF" pitchFamily="34" charset="-127"/>
+              </a:rPr>
+              <a:t>기타</a:t>
+            </a:r>
+            <a:endParaRPr kumimoji="0" lang="en-US" altLang="ko-KR" sz="3600" b="1" dirty="0" smtClean="0">
+              <a:solidFill>
+                <a:schemeClr val="bg1"/>
+              </a:solidFill>
+              <a:latin typeface="나눔고딕OTF" pitchFamily="34" charset="-127"/>
+              <a:ea typeface="나눔고딕OTF" pitchFamily="34" charset="-127"/>
+            </a:endParaRPr>
+          </a:p>
+        </p:txBody>
+      </p:sp>
+      <p:pic>
+        <p:nvPicPr>
+          <p:cNvPr id="25604" name="그림 7" descr="앨리스화면.png"/>
+          <p:cNvPicPr>
+            <a:picLocks noChangeAspect="1"/>
+          </p:cNvPicPr>
+          <p:nvPr/>
+        </p:nvPicPr>
+        <p:blipFill>
+          <a:blip r:embed="rId2"/>
+          <a:srcRect l="13019" t="12311" r="2361" b="5617"/>
+          <a:stretch>
+            <a:fillRect/>
+          </a:stretch>
+        </p:blipFill>
+        <p:spPr bwMode="auto">
+          <a:xfrm>
+            <a:off x="1639888" y="2708275"/>
+            <a:ext cx="1944687" cy="996950"/>
+          </a:xfrm>
+          <a:prstGeom prst="rect">
+            <a:avLst/>
+          </a:prstGeom>
+          <a:noFill/>
+          <a:ln w="9525">
+            <a:noFill/>
+            <a:miter lim="800000"/>
+            <a:headEnd/>
+            <a:tailEnd/>
+          </a:ln>
+        </p:spPr>
+      </p:pic>
+    </p:spTree>
+  </p:cSld>
+  <p:clrMapOvr>
+    <a:masterClrMapping/>
+  </p:clrMapOvr>
+  <p:timing>
+    <p:tnLst>
+      <p:par>
+        <p:cTn id="1" dur="indefinite" restart="never" nodeType="tmRoot"/>
+      </p:par>
+    </p:tnLst>
+  </p:timing>
+</p:sld>
+</file>
+
+<file path=ppt/slides/slide31.xml><?xml version="1.0" encoding="utf-8"?>
+<p:sld xmlns:a="http://schemas.openxmlformats.org/drawingml/2006/main" xmlns:r="http://schemas.openxmlformats.org/officeDocument/2006/relationships" xmlns:p="http://schemas.openxmlformats.org/presentationml/2006/main">
+  <p:cSld>
+    <p:spTree>
+      <p:nvGrpSpPr>
+        <p:cNvPr id="1" name=""/>
+        <p:cNvGrpSpPr/>
+        <p:nvPr/>
+      </p:nvGrpSpPr>
+      <p:grpSpPr>
+        <a:xfrm>
+          <a:off x="0" y="0"/>
+          <a:ext cx="0" cy="0"/>
+          <a:chOff x="0" y="0"/>
+          <a:chExt cx="0" cy="0"/>
+        </a:xfrm>
+      </p:grpSpPr>
       <p:pic>
         <p:nvPicPr>
           <p:cNvPr id="22530" name="Picture 8"/>
@@ -26716,7 +28564,7 @@
 </p:sld>
 </file>
 
-<file path=ppt/slides/slide31.xml><?xml version="1.0" encoding="utf-8"?>
+<file path=ppt/slides/slide32.xml><?xml version="1.0" encoding="utf-8"?>
 <p:sld xmlns:a="http://schemas.openxmlformats.org/drawingml/2006/main" xmlns:r="http://schemas.openxmlformats.org/officeDocument/2006/relationships" xmlns:p="http://schemas.openxmlformats.org/presentationml/2006/main">
   <p:cSld>
     <p:spTree>
@@ -27785,7 +29633,7 @@
 </p:sld>
 </file>
 
-<file path=ppt/slides/slide32.xml><?xml version="1.0" encoding="utf-8"?>
+<file path=ppt/slides/slide33.xml><?xml version="1.0" encoding="utf-8"?>
 <p:sld xmlns:a="http://schemas.openxmlformats.org/drawingml/2006/main" xmlns:r="http://schemas.openxmlformats.org/officeDocument/2006/relationships" xmlns:p="http://schemas.openxmlformats.org/presentationml/2006/main">
   <p:cSld>
     <p:spTree>

--- a/manual/앨리스_매뉴얼_작업중.pptx
+++ b/manual/앨리스_매뉴얼_작업중.pptx
@@ -38,7 +38,7 @@
     <p:sldId id="437" r:id="rId26"/>
     <p:sldId id="438" r:id="rId27"/>
     <p:sldId id="439" r:id="rId28"/>
-    <p:sldId id="440" r:id="rId29"/>
+    <p:sldId id="442" r:id="rId29"/>
     <p:sldId id="441" r:id="rId30"/>
     <p:sldId id="429" r:id="rId31"/>
     <p:sldId id="430" r:id="rId32"/>
@@ -284,7 +284,7 @@
               <a:pPr>
                 <a:defRPr/>
               </a:pPr>
-              <a:t>2017-02-20</a:t>
+              <a:t>2017-02-23</a:t>
             </a:fld>
             <a:endParaRPr lang="ko-KR" altLang="en-US"/>
           </a:p>
@@ -498,7 +498,7 @@
               <a:pPr>
                 <a:defRPr/>
               </a:pPr>
-              <a:t>2017-02-20</a:t>
+              <a:t>2017-02-23</a:t>
             </a:fld>
             <a:endParaRPr lang="ko-KR" altLang="en-US"/>
           </a:p>
@@ -1035,7 +1035,7 @@
               <a:pPr>
                 <a:defRPr/>
               </a:pPr>
-              <a:t>2017-02-20</a:t>
+              <a:t>2017-02-23</a:t>
             </a:fld>
             <a:endParaRPr lang="ko-KR" altLang="en-US"/>
           </a:p>
@@ -1277,7 +1277,7 @@
               <a:pPr>
                 <a:defRPr/>
               </a:pPr>
-              <a:t>2017-02-20</a:t>
+              <a:t>2017-02-23</a:t>
             </a:fld>
             <a:endParaRPr lang="ko-KR" altLang="en-US"/>
           </a:p>
@@ -1585,7 +1585,7 @@
               <a:pPr>
                 <a:defRPr/>
               </a:pPr>
-              <a:t>2017-02-20</a:t>
+              <a:t>2017-02-23</a:t>
             </a:fld>
             <a:endParaRPr lang="ko-KR" altLang="en-US"/>
           </a:p>
@@ -1943,7 +1943,7 @@
               <a:pPr>
                 <a:defRPr/>
               </a:pPr>
-              <a:t>2017-02-20</a:t>
+              <a:t>2017-02-23</a:t>
             </a:fld>
             <a:endParaRPr lang="ko-KR" altLang="en-US"/>
           </a:p>
@@ -2441,7 +2441,7 @@
               <a:pPr>
                 <a:defRPr/>
               </a:pPr>
-              <a:t>2017-02-20</a:t>
+              <a:t>2017-02-23</a:t>
             </a:fld>
             <a:endParaRPr lang="ko-KR" altLang="en-US"/>
           </a:p>
@@ -2623,7 +2623,7 @@
               <a:pPr>
                 <a:defRPr/>
               </a:pPr>
-              <a:t>2017-02-20</a:t>
+              <a:t>2017-02-23</a:t>
             </a:fld>
             <a:endParaRPr lang="ko-KR" altLang="en-US"/>
           </a:p>
@@ -2774,7 +2774,7 @@
               <a:pPr>
                 <a:defRPr/>
               </a:pPr>
-              <a:t>2017-02-20</a:t>
+              <a:t>2017-02-23</a:t>
             </a:fld>
             <a:endParaRPr lang="ko-KR" altLang="en-US"/>
           </a:p>
@@ -3116,7 +3116,7 @@
               <a:pPr>
                 <a:defRPr/>
               </a:pPr>
-              <a:t>2017-02-20</a:t>
+              <a:t>2017-02-23</a:t>
             </a:fld>
             <a:endParaRPr lang="ko-KR" altLang="en-US"/>
           </a:p>
@@ -3435,7 +3435,7 @@
               <a:pPr>
                 <a:defRPr/>
               </a:pPr>
-              <a:t>2017-02-20</a:t>
+              <a:t>2017-02-23</a:t>
             </a:fld>
             <a:endParaRPr lang="ko-KR" altLang="en-US"/>
           </a:p>
@@ -21027,14 +21027,7 @@
                 <a:latin typeface="나눔고딕OTF" pitchFamily="34" charset="-127"/>
                 <a:ea typeface="나눔고딕OTF" pitchFamily="34" charset="-127"/>
               </a:rPr>
-              <a:t>통보서 출력 </a:t>
-            </a:r>
-            <a:r>
-              <a:rPr kumimoji="0" lang="ko-KR" altLang="en-US" sz="1400" b="1" dirty="0" smtClean="0">
-                <a:latin typeface="나눔고딕OTF" pitchFamily="34" charset="-127"/>
-                <a:ea typeface="나눔고딕OTF" pitchFamily="34" charset="-127"/>
-              </a:rPr>
-              <a:t>프로그램 </a:t>
+              <a:t>통보서 출력 프로그램 </a:t>
             </a:r>
             <a:r>
               <a:rPr kumimoji="0" lang="en-US" altLang="ko-KR" sz="1400" b="1" dirty="0" smtClean="0">
@@ -21657,14 +21650,7 @@
                 <a:latin typeface="나눔고딕OTF" pitchFamily="34" charset="-127"/>
                 <a:ea typeface="나눔고딕OTF" pitchFamily="34" charset="-127"/>
               </a:rPr>
-              <a:t>통보서 출력 </a:t>
-            </a:r>
-            <a:r>
-              <a:rPr kumimoji="0" lang="ko-KR" altLang="en-US" sz="1400" b="1" dirty="0" smtClean="0">
-                <a:latin typeface="나눔고딕OTF" pitchFamily="34" charset="-127"/>
-                <a:ea typeface="나눔고딕OTF" pitchFamily="34" charset="-127"/>
-              </a:rPr>
-              <a:t>프로그램 </a:t>
+              <a:t>통보서 출력 프로그램 </a:t>
             </a:r>
             <a:r>
               <a:rPr kumimoji="0" lang="en-US" altLang="ko-KR" sz="1400" b="1" dirty="0" smtClean="0">
@@ -23559,14 +23545,7 @@
                   <a:latin typeface="나눔고딕OTF" pitchFamily="34" charset="-127"/>
                   <a:ea typeface="나눔고딕OTF" pitchFamily="34" charset="-127"/>
                 </a:rPr>
-                <a:t> </a:t>
-              </a:r>
-              <a:r>
-                <a:rPr kumimoji="0" lang="en-US" altLang="ko-KR" sz="1000" dirty="0" smtClean="0">
-                  <a:latin typeface="나눔고딕OTF" pitchFamily="34" charset="-127"/>
-                  <a:ea typeface="나눔고딕OTF" pitchFamily="34" charset="-127"/>
-                </a:rPr>
-                <a:t>  - “</a:t>
+                <a:t>   - “</a:t>
               </a:r>
               <a:r>
                 <a:rPr kumimoji="0" lang="ko-KR" altLang="en-US" sz="1000" dirty="0" smtClean="0">
@@ -23632,14 +23611,7 @@
                   <a:latin typeface="나눔고딕OTF" pitchFamily="34" charset="-127"/>
                   <a:ea typeface="나눔고딕OTF" pitchFamily="34" charset="-127"/>
                 </a:rPr>
-                <a:t> </a:t>
-              </a:r>
-              <a:r>
-                <a:rPr kumimoji="0" lang="en-US" altLang="ko-KR" sz="1000" dirty="0" smtClean="0">
-                  <a:latin typeface="나눔고딕OTF" pitchFamily="34" charset="-127"/>
-                  <a:ea typeface="나눔고딕OTF" pitchFamily="34" charset="-127"/>
-                </a:rPr>
-                <a:t>  - “</a:t>
+                <a:t>   - “</a:t>
               </a:r>
               <a:r>
                 <a:rPr kumimoji="0" lang="ko-KR" altLang="en-US" sz="1000" dirty="0" smtClean="0">
@@ -23725,14 +23697,7 @@
                   <a:latin typeface="나눔고딕OTF" pitchFamily="34" charset="-127"/>
                   <a:ea typeface="나눔고딕OTF" pitchFamily="34" charset="-127"/>
                 </a:rPr>
-                <a:t> </a:t>
-              </a:r>
-              <a:r>
-                <a:rPr kumimoji="0" lang="en-US" altLang="ko-KR" sz="1000" dirty="0" smtClean="0">
-                  <a:latin typeface="나눔고딕OTF" pitchFamily="34" charset="-127"/>
-                  <a:ea typeface="나눔고딕OTF" pitchFamily="34" charset="-127"/>
-                </a:rPr>
-                <a:t>  - </a:t>
+                <a:t>   - </a:t>
               </a:r>
               <a:r>
                 <a:rPr kumimoji="0" lang="ko-KR" altLang="en-US" sz="1000" dirty="0" smtClean="0">
@@ -23760,14 +23725,7 @@
                   <a:latin typeface="나눔고딕OTF" pitchFamily="34" charset="-127"/>
                   <a:ea typeface="나눔고딕OTF" pitchFamily="34" charset="-127"/>
                 </a:rPr>
-                <a:t> </a:t>
-              </a:r>
-              <a:r>
-                <a:rPr kumimoji="0" lang="en-US" altLang="ko-KR" sz="1000" dirty="0" smtClean="0">
-                  <a:latin typeface="나눔고딕OTF" pitchFamily="34" charset="-127"/>
-                  <a:ea typeface="나눔고딕OTF" pitchFamily="34" charset="-127"/>
-                </a:rPr>
-                <a:t>  - </a:t>
+                <a:t>   - </a:t>
               </a:r>
               <a:r>
                 <a:rPr kumimoji="0" lang="ko-KR" altLang="en-US" sz="1000" dirty="0" smtClean="0">
@@ -24365,6 +24323,64 @@
           </a:p>
         </p:txBody>
       </p:sp>
+      <p:sp>
+        <p:nvSpPr>
+          <p:cNvPr id="14" name="TextBox 59"/>
+          <p:cNvSpPr txBox="1">
+            <a:spLocks noChangeArrowheads="1"/>
+          </p:cNvSpPr>
+          <p:nvPr/>
+        </p:nvSpPr>
+        <p:spPr bwMode="auto">
+          <a:xfrm>
+            <a:off x="487363" y="1285860"/>
+            <a:ext cx="5751521" cy="276999"/>
+          </a:xfrm>
+          <a:prstGeom prst="rect">
+            <a:avLst/>
+          </a:prstGeom>
+          <a:noFill/>
+          <a:ln w="9525">
+            <a:noFill/>
+            <a:miter lim="800000"/>
+            <a:headEnd/>
+            <a:tailEnd/>
+          </a:ln>
+        </p:spPr>
+        <p:txBody>
+          <a:bodyPr wrap="square">
+            <a:spAutoFit/>
+          </a:bodyPr>
+          <a:lstStyle/>
+          <a:p>
+            <a:r>
+              <a:rPr kumimoji="0" lang="en-US" altLang="ko-KR" sz="1200" dirty="0" smtClean="0">
+                <a:latin typeface="나눔고딕OTF" pitchFamily="34" charset="-127"/>
+                <a:ea typeface="나눔고딕OTF" pitchFamily="34" charset="-127"/>
+              </a:rPr>
+              <a:t> -</a:t>
+            </a:r>
+            <a:r>
+              <a:rPr kumimoji="0" lang="ko-KR" altLang="en-US" sz="1200" dirty="0" smtClean="0">
+                <a:latin typeface="나눔고딕OTF" pitchFamily="34" charset="-127"/>
+                <a:ea typeface="나눔고딕OTF" pitchFamily="34" charset="-127"/>
+              </a:rPr>
+              <a:t> 건강검진 청구파일 생성 양식을 기준으로 데이터를 검사합니다</a:t>
+            </a:r>
+            <a:r>
+              <a:rPr kumimoji="0" lang="en-US" altLang="ko-KR" sz="1200" dirty="0" smtClean="0">
+                <a:latin typeface="나눔고딕OTF" pitchFamily="34" charset="-127"/>
+                <a:ea typeface="나눔고딕OTF" pitchFamily="34" charset="-127"/>
+              </a:rPr>
+              <a:t>.</a:t>
+            </a:r>
+            <a:endParaRPr kumimoji="0" lang="en-US" altLang="ko-KR" sz="1200" dirty="0">
+              <a:latin typeface="나눔고딕OTF" pitchFamily="34" charset="-127"/>
+              <a:ea typeface="나눔고딕OTF" pitchFamily="34" charset="-127"/>
+            </a:endParaRPr>
+          </a:p>
+        </p:txBody>
+      </p:sp>
     </p:spTree>
   </p:cSld>
   <p:clrMapOvr>
@@ -24413,8 +24429,8 @@
         </p:blipFill>
         <p:spPr bwMode="auto">
           <a:xfrm>
-            <a:off x="611900" y="1921956"/>
-            <a:ext cx="5916775" cy="3871337"/>
+            <a:off x="666720" y="1921956"/>
+            <a:ext cx="5205661" cy="3871337"/>
           </a:xfrm>
           <a:prstGeom prst="rect">
             <a:avLst/>
@@ -24500,63 +24516,6 @@
       </p:sp>
       <p:sp>
         <p:nvSpPr>
-          <p:cNvPr id="22535" name="TextBox 4"/>
-          <p:cNvSpPr txBox="1">
-            <a:spLocks noChangeArrowheads="1"/>
-          </p:cNvSpPr>
-          <p:nvPr/>
-        </p:nvSpPr>
-        <p:spPr bwMode="auto">
-          <a:xfrm>
-            <a:off x="6524625" y="1593850"/>
-            <a:ext cx="3108325" cy="269304"/>
-          </a:xfrm>
-          <a:prstGeom prst="rect">
-            <a:avLst/>
-          </a:prstGeom>
-          <a:noFill/>
-          <a:ln w="9525">
-            <a:noFill/>
-            <a:miter lim="800000"/>
-            <a:headEnd/>
-            <a:tailEnd/>
-          </a:ln>
-        </p:spPr>
-        <p:txBody>
-          <a:bodyPr>
-            <a:spAutoFit/>
-          </a:bodyPr>
-          <a:lstStyle/>
-          <a:p>
-            <a:pPr marL="228600" indent="-228600">
-              <a:lnSpc>
-                <a:spcPct val="120000"/>
-              </a:lnSpc>
-              <a:buAutoNum type="arabicParenR" startAt="2"/>
-            </a:pPr>
-            <a:r>
-              <a:rPr kumimoji="0" lang="ko-KR" altLang="en-US" sz="1000" b="1" dirty="0" smtClean="0">
-                <a:latin typeface="나눔고딕OTF" pitchFamily="34" charset="-127"/>
-                <a:ea typeface="나눔고딕OTF" pitchFamily="34" charset="-127"/>
-              </a:rPr>
-              <a:t>출력 </a:t>
-            </a:r>
-            <a:r>
-              <a:rPr kumimoji="0" lang="ko-KR" altLang="en-US" sz="1000" b="1" dirty="0" smtClean="0">
-                <a:latin typeface="나눔고딕OTF" pitchFamily="34" charset="-127"/>
-                <a:ea typeface="나눔고딕OTF" pitchFamily="34" charset="-127"/>
-              </a:rPr>
-              <a:t>대상</a:t>
-            </a:r>
-            <a:endParaRPr kumimoji="0" lang="en-US" altLang="ko-KR" sz="1000" dirty="0" smtClean="0">
-              <a:latin typeface="나눔고딕OTF" pitchFamily="34" charset="-127"/>
-              <a:ea typeface="나눔고딕OTF" pitchFamily="34" charset="-127"/>
-            </a:endParaRPr>
-          </a:p>
-        </p:txBody>
-      </p:sp>
-      <p:sp>
-        <p:nvSpPr>
           <p:cNvPr id="8" name="TextBox 4"/>
           <p:cNvSpPr txBox="1">
             <a:spLocks noChangeArrowheads="1"/>
@@ -24566,7 +24525,7 @@
         <p:spPr bwMode="auto">
           <a:xfrm>
             <a:off x="381000" y="785813"/>
-            <a:ext cx="1359668" cy="307777"/>
+            <a:ext cx="1696298" cy="307777"/>
           </a:xfrm>
           <a:prstGeom prst="rect">
             <a:avLst/>
@@ -24597,7 +24556,7 @@
                 <a:latin typeface="나눔고딕OTF" pitchFamily="34" charset="-127"/>
                 <a:ea typeface="나눔고딕OTF" pitchFamily="34" charset="-127"/>
               </a:rPr>
-              <a:t>청구파일 생성</a:t>
+              <a:t>검진연계 파일생성</a:t>
             </a:r>
             <a:endParaRPr kumimoji="0" lang="ko-KR" altLang="en-US" sz="1400" b="1" dirty="0">
               <a:latin typeface="나눔고딕OTF" pitchFamily="34" charset="-127"/>
@@ -24608,13 +24567,70 @@
       </p:sp>
       <p:sp>
         <p:nvSpPr>
-          <p:cNvPr id="18" name="타원 17"/>
+          <p:cNvPr id="10" name="직사각형 9"/>
           <p:cNvSpPr/>
           <p:nvPr/>
         </p:nvSpPr>
         <p:spPr>
           <a:xfrm>
-            <a:off x="4667248" y="3143248"/>
+            <a:off x="666720" y="2110164"/>
+            <a:ext cx="5143536" cy="675894"/>
+          </a:xfrm>
+          <a:prstGeom prst="rect">
+            <a:avLst/>
+          </a:prstGeom>
+          <a:noFill/>
+          <a:ln w="12700">
+            <a:solidFill>
+              <a:srgbClr val="FF0000"/>
+            </a:solidFill>
+          </a:ln>
+        </p:spPr>
+        <p:style>
+          <a:lnRef idx="2">
+            <a:schemeClr val="accent1">
+              <a:shade val="50000"/>
+            </a:schemeClr>
+          </a:lnRef>
+          <a:fillRef idx="1">
+            <a:schemeClr val="accent1"/>
+          </a:fillRef>
+          <a:effectRef idx="0">
+            <a:schemeClr val="accent1"/>
+          </a:effectRef>
+          <a:fontRef idx="minor">
+            <a:schemeClr val="lt1"/>
+          </a:fontRef>
+        </p:style>
+        <p:txBody>
+          <a:bodyPr anchor="ctr"/>
+          <a:lstStyle/>
+          <a:p>
+            <a:pPr algn="ctr" fontAlgn="auto">
+              <a:spcBef>
+                <a:spcPts val="0"/>
+              </a:spcBef>
+              <a:spcAft>
+                <a:spcPts val="0"/>
+              </a:spcAft>
+              <a:defRPr/>
+            </a:pPr>
+            <a:endParaRPr kumimoji="0" lang="ko-KR" altLang="en-US" dirty="0">
+              <a:latin typeface="나눔고딕OTF" pitchFamily="34" charset="-127"/>
+              <a:ea typeface="나눔고딕OTF" pitchFamily="34" charset="-127"/>
+            </a:endParaRPr>
+          </a:p>
+        </p:txBody>
+      </p:sp>
+      <p:sp>
+        <p:nvSpPr>
+          <p:cNvPr id="11" name="타원 10"/>
+          <p:cNvSpPr/>
+          <p:nvPr/>
+        </p:nvSpPr>
+        <p:spPr>
+          <a:xfrm>
+            <a:off x="452406" y="1928802"/>
             <a:ext cx="214314" cy="214314"/>
           </a:xfrm>
           <a:prstGeom prst="ellipse">
@@ -24658,7 +24674,7 @@
                   <a:schemeClr val="tx1"/>
                 </a:solidFill>
               </a:rPr>
-              <a:t>3</a:t>
+              <a:t>1</a:t>
             </a:r>
             <a:endParaRPr lang="ko-KR" altLang="en-US" sz="1000" dirty="0">
               <a:solidFill>
@@ -24670,7 +24686,208 @@
       </p:sp>
       <p:sp>
         <p:nvSpPr>
-          <p:cNvPr id="19" name="TextBox 59"/>
+          <p:cNvPr id="19" name="직사각형 18"/>
+          <p:cNvSpPr/>
+          <p:nvPr/>
+        </p:nvSpPr>
+        <p:spPr>
+          <a:xfrm>
+            <a:off x="793120" y="3722990"/>
+            <a:ext cx="4929222" cy="1000132"/>
+          </a:xfrm>
+          <a:prstGeom prst="rect">
+            <a:avLst/>
+          </a:prstGeom>
+          <a:noFill/>
+          <a:ln w="12700">
+            <a:solidFill>
+              <a:srgbClr val="FF0000"/>
+            </a:solidFill>
+          </a:ln>
+        </p:spPr>
+        <p:style>
+          <a:lnRef idx="2">
+            <a:schemeClr val="accent1">
+              <a:shade val="50000"/>
+            </a:schemeClr>
+          </a:lnRef>
+          <a:fillRef idx="1">
+            <a:schemeClr val="accent1"/>
+          </a:fillRef>
+          <a:effectRef idx="0">
+            <a:schemeClr val="accent1"/>
+          </a:effectRef>
+          <a:fontRef idx="minor">
+            <a:schemeClr val="lt1"/>
+          </a:fontRef>
+        </p:style>
+        <p:txBody>
+          <a:bodyPr anchor="ctr"/>
+          <a:lstStyle/>
+          <a:p>
+            <a:pPr algn="ctr" fontAlgn="auto">
+              <a:spcBef>
+                <a:spcPts val="0"/>
+              </a:spcBef>
+              <a:spcAft>
+                <a:spcPts val="0"/>
+              </a:spcAft>
+              <a:defRPr/>
+            </a:pPr>
+            <a:endParaRPr kumimoji="0" lang="ko-KR" altLang="en-US" dirty="0">
+              <a:latin typeface="나눔고딕OTF" pitchFamily="34" charset="-127"/>
+              <a:ea typeface="나눔고딕OTF" pitchFamily="34" charset="-127"/>
+            </a:endParaRPr>
+          </a:p>
+        </p:txBody>
+      </p:sp>
+      <p:sp>
+        <p:nvSpPr>
+          <p:cNvPr id="21" name="타원 20"/>
+          <p:cNvSpPr/>
+          <p:nvPr/>
+        </p:nvSpPr>
+        <p:spPr>
+          <a:xfrm>
+            <a:off x="452406" y="3500438"/>
+            <a:ext cx="214314" cy="214314"/>
+          </a:xfrm>
+          <a:prstGeom prst="ellipse">
+            <a:avLst/>
+          </a:prstGeom>
+          <a:solidFill>
+            <a:schemeClr val="bg1"/>
+          </a:solidFill>
+          <a:ln>
+            <a:solidFill>
+              <a:srgbClr val="FF0000"/>
+            </a:solidFill>
+          </a:ln>
+        </p:spPr>
+        <p:style>
+          <a:lnRef idx="2">
+            <a:schemeClr val="accent1">
+              <a:shade val="50000"/>
+            </a:schemeClr>
+          </a:lnRef>
+          <a:fillRef idx="1">
+            <a:schemeClr val="accent1"/>
+          </a:fillRef>
+          <a:effectRef idx="0">
+            <a:schemeClr val="accent1"/>
+          </a:effectRef>
+          <a:fontRef idx="minor">
+            <a:schemeClr val="lt1"/>
+          </a:fontRef>
+        </p:style>
+        <p:txBody>
+          <a:bodyPr anchor="ctr"/>
+          <a:lstStyle/>
+          <a:p>
+            <a:pPr algn="ctr">
+              <a:defRPr/>
+            </a:pPr>
+            <a:r>
+              <a:rPr lang="en-US" altLang="ko-KR" sz="1000" dirty="0" smtClean="0">
+                <a:solidFill>
+                  <a:schemeClr val="tx1"/>
+                </a:solidFill>
+              </a:rPr>
+              <a:t>3</a:t>
+            </a:r>
+            <a:endParaRPr lang="ko-KR" altLang="en-US" sz="1000" dirty="0">
+              <a:solidFill>
+                <a:schemeClr val="tx1"/>
+              </a:solidFill>
+            </a:endParaRPr>
+          </a:p>
+        </p:txBody>
+      </p:sp>
+      <p:sp>
+        <p:nvSpPr>
+          <p:cNvPr id="22535" name="TextBox 4"/>
+          <p:cNvSpPr txBox="1">
+            <a:spLocks noChangeArrowheads="1"/>
+          </p:cNvSpPr>
+          <p:nvPr/>
+        </p:nvSpPr>
+        <p:spPr bwMode="auto">
+          <a:xfrm>
+            <a:off x="6524625" y="1593850"/>
+            <a:ext cx="3108325" cy="461665"/>
+          </a:xfrm>
+          <a:prstGeom prst="rect">
+            <a:avLst/>
+          </a:prstGeom>
+          <a:noFill/>
+          <a:ln w="9525">
+            <a:noFill/>
+            <a:miter lim="800000"/>
+            <a:headEnd/>
+            <a:tailEnd/>
+          </a:ln>
+        </p:spPr>
+        <p:txBody>
+          <a:bodyPr>
+            <a:spAutoFit/>
+          </a:bodyPr>
+          <a:lstStyle/>
+          <a:p>
+            <a:pPr marL="228600" indent="-228600">
+              <a:lnSpc>
+                <a:spcPct val="120000"/>
+              </a:lnSpc>
+              <a:buAutoNum type="arabicParenR"/>
+            </a:pPr>
+            <a:r>
+              <a:rPr kumimoji="0" lang="ko-KR" altLang="en-US" sz="1000" b="1" dirty="0" smtClean="0">
+                <a:latin typeface="나눔고딕OTF" pitchFamily="34" charset="-127"/>
+                <a:ea typeface="나눔고딕OTF" pitchFamily="34" charset="-127"/>
+              </a:rPr>
+              <a:t>생성 조건 입력</a:t>
+            </a:r>
+            <a:endParaRPr kumimoji="0" lang="en-US" altLang="ko-KR" sz="1000" b="1" dirty="0" smtClean="0">
+              <a:latin typeface="나눔고딕OTF" pitchFamily="34" charset="-127"/>
+              <a:ea typeface="나눔고딕OTF" pitchFamily="34" charset="-127"/>
+            </a:endParaRPr>
+          </a:p>
+          <a:p>
+            <a:pPr marL="228600" indent="-228600">
+              <a:lnSpc>
+                <a:spcPct val="120000"/>
+              </a:lnSpc>
+            </a:pPr>
+            <a:r>
+              <a:rPr kumimoji="0" lang="en-US" altLang="ko-KR" sz="1000" dirty="0" smtClean="0">
+                <a:latin typeface="나눔고딕OTF" pitchFamily="34" charset="-127"/>
+                <a:ea typeface="나눔고딕OTF" pitchFamily="34" charset="-127"/>
+              </a:rPr>
+              <a:t> </a:t>
+            </a:r>
+            <a:r>
+              <a:rPr kumimoji="0" lang="en-US" altLang="ko-KR" sz="1000" dirty="0" smtClean="0">
+                <a:latin typeface="나눔고딕OTF" pitchFamily="34" charset="-127"/>
+                <a:ea typeface="나눔고딕OTF" pitchFamily="34" charset="-127"/>
+              </a:rPr>
+              <a:t>  - </a:t>
+            </a:r>
+            <a:r>
+              <a:rPr kumimoji="0" lang="ko-KR" altLang="en-US" sz="1000" dirty="0" smtClean="0">
+                <a:latin typeface="나눔고딕OTF" pitchFamily="34" charset="-127"/>
+                <a:ea typeface="나눔고딕OTF" pitchFamily="34" charset="-127"/>
+              </a:rPr>
+              <a:t>청구파일을 생성할 대상들의 조건</a:t>
+            </a:r>
+            <a:endParaRPr kumimoji="0" lang="en-US" altLang="ko-KR" sz="1000" dirty="0" smtClean="0">
+              <a:latin typeface="나눔고딕OTF" pitchFamily="34" charset="-127"/>
+              <a:ea typeface="나눔고딕OTF" pitchFamily="34" charset="-127"/>
+            </a:endParaRPr>
+          </a:p>
+        </p:txBody>
+      </p:sp>
+      <p:sp>
+        <p:nvSpPr>
+          <p:cNvPr id="23" name="TextBox 59"/>
           <p:cNvSpPr txBox="1">
             <a:spLocks noChangeArrowheads="1"/>
           </p:cNvSpPr>
@@ -24773,11 +24990,106 @@
                 <a:latin typeface="나눔고딕OTF" pitchFamily="34" charset="-127"/>
                 <a:ea typeface="나눔고딕OTF" pitchFamily="34" charset="-127"/>
               </a:rPr>
-              <a:t>검진연계파일 생성</a:t>
+              <a:t>검진연계 파일생성</a:t>
             </a:r>
             <a:endParaRPr kumimoji="0" lang="en-US" altLang="ko-KR" sz="1200" dirty="0">
               <a:latin typeface="나눔고딕OTF" pitchFamily="34" charset="-127"/>
               <a:ea typeface="나눔고딕OTF" pitchFamily="34" charset="-127"/>
+            </a:endParaRPr>
+          </a:p>
+        </p:txBody>
+      </p:sp>
+      <p:pic>
+        <p:nvPicPr>
+          <p:cNvPr id="1026" name="Picture 2"/>
+          <p:cNvPicPr>
+            <a:picLocks noChangeAspect="1" noChangeArrowheads="1"/>
+          </p:cNvPicPr>
+          <p:nvPr/>
+        </p:nvPicPr>
+        <p:blipFill>
+          <a:blip r:embed="rId3"/>
+          <a:srcRect/>
+          <a:stretch>
+            <a:fillRect/>
+          </a:stretch>
+        </p:blipFill>
+        <p:spPr bwMode="auto">
+          <a:xfrm>
+            <a:off x="6810388" y="5500702"/>
+            <a:ext cx="2524128" cy="797395"/>
+          </a:xfrm>
+          <a:prstGeom prst="rect">
+            <a:avLst/>
+          </a:prstGeom>
+          <a:noFill/>
+          <a:ln w="9525">
+            <a:noFill/>
+            <a:miter lim="800000"/>
+            <a:headEnd/>
+            <a:tailEnd/>
+          </a:ln>
+          <a:effectLst/>
+        </p:spPr>
+      </p:pic>
+      <p:sp>
+        <p:nvSpPr>
+          <p:cNvPr id="16" name="타원 15"/>
+          <p:cNvSpPr/>
+          <p:nvPr/>
+        </p:nvSpPr>
+        <p:spPr>
+          <a:xfrm>
+            <a:off x="4667248" y="2857496"/>
+            <a:ext cx="214314" cy="214314"/>
+          </a:xfrm>
+          <a:prstGeom prst="ellipse">
+            <a:avLst/>
+          </a:prstGeom>
+          <a:solidFill>
+            <a:schemeClr val="bg1"/>
+          </a:solidFill>
+          <a:ln>
+            <a:solidFill>
+              <a:srgbClr val="FF0000"/>
+            </a:solidFill>
+          </a:ln>
+        </p:spPr>
+        <p:style>
+          <a:lnRef idx="2">
+            <a:schemeClr val="accent1">
+              <a:shade val="50000"/>
+            </a:schemeClr>
+          </a:lnRef>
+          <a:fillRef idx="1">
+            <a:schemeClr val="accent1"/>
+          </a:fillRef>
+          <a:effectRef idx="0">
+            <a:schemeClr val="accent1"/>
+          </a:effectRef>
+          <a:fontRef idx="minor">
+            <a:schemeClr val="lt1"/>
+          </a:fontRef>
+        </p:style>
+        <p:txBody>
+          <a:bodyPr anchor="ctr"/>
+          <a:lstStyle/>
+          <a:p>
+            <a:pPr algn="ctr">
+              <a:defRPr/>
+            </a:pPr>
+            <a:r>
+              <a:rPr lang="en-US" altLang="ko-KR" sz="1000" dirty="0" smtClean="0">
+                <a:solidFill>
+                  <a:schemeClr val="tx1"/>
+                </a:solidFill>
+              </a:rPr>
+              <a:t>2</a:t>
+            </a:r>
+            <a:endParaRPr lang="ko-KR" altLang="en-US" sz="1000" dirty="0">
+              <a:solidFill>
+                <a:schemeClr val="tx1"/>
+              </a:solidFill>
             </a:endParaRPr>
           </a:p>
         </p:txBody>
@@ -24912,15 +25224,6 @@
               </a:rPr>
               <a:t>사후관리 소견서</a:t>
             </a:r>
-            <a:endParaRPr kumimoji="0" lang="ko-KR" altLang="en-US" dirty="0" smtClean="0">
-              <a:solidFill>
-                <a:schemeClr val="bg1">
-                  <a:lumMod val="50000"/>
-                </a:schemeClr>
-              </a:solidFill>
-              <a:latin typeface="나눔고딕OTF ExtraBold" pitchFamily="34" charset="-127"/>
-              <a:ea typeface="나눔고딕OTF ExtraBold" pitchFamily="34" charset="-127"/>
-            </a:endParaRPr>
           </a:p>
         </p:txBody>
       </p:sp>
@@ -25442,14 +25745,7 @@
                   <a:latin typeface="나눔고딕OTF" pitchFamily="34" charset="-127"/>
                   <a:ea typeface="나눔고딕OTF" pitchFamily="34" charset="-127"/>
                 </a:rPr>
-                <a:t> </a:t>
-              </a:r>
-              <a:r>
-                <a:rPr kumimoji="0" lang="en-US" altLang="ko-KR" sz="1000" dirty="0" smtClean="0">
-                  <a:latin typeface="나눔고딕OTF" pitchFamily="34" charset="-127"/>
-                  <a:ea typeface="나눔고딕OTF" pitchFamily="34" charset="-127"/>
-                </a:rPr>
-                <a:t>  - </a:t>
+                <a:t>   - </a:t>
               </a:r>
               <a:r>
                 <a:rPr kumimoji="0" lang="ko-KR" altLang="en-US" sz="1000" dirty="0" smtClean="0">
@@ -25566,14 +25862,7 @@
                   <a:latin typeface="나눔고딕OTF" pitchFamily="34" charset="-127"/>
                   <a:ea typeface="나눔고딕OTF" pitchFamily="34" charset="-127"/>
                 </a:rPr>
-                <a:t> </a:t>
-              </a:r>
-              <a:r>
-                <a:rPr kumimoji="0" lang="en-US" altLang="ko-KR" sz="1000" dirty="0" smtClean="0">
-                  <a:latin typeface="나눔고딕OTF" pitchFamily="34" charset="-127"/>
-                  <a:ea typeface="나눔고딕OTF" pitchFamily="34" charset="-127"/>
-                </a:rPr>
-                <a:t>  - “</a:t>
+                <a:t>   - “</a:t>
               </a:r>
               <a:r>
                 <a:rPr kumimoji="0" lang="ko-KR" altLang="en-US" sz="1000" dirty="0" smtClean="0">
@@ -25735,14 +26024,7 @@
                   <a:latin typeface="나눔고딕OTF" pitchFamily="34" charset="-127"/>
                   <a:ea typeface="나눔고딕OTF" pitchFamily="34" charset="-127"/>
                 </a:rPr>
-                <a:t> </a:t>
-              </a:r>
-              <a:r>
-                <a:rPr kumimoji="0" lang="en-US" altLang="ko-KR" sz="1000" dirty="0" smtClean="0">
-                  <a:latin typeface="나눔고딕OTF" pitchFamily="34" charset="-127"/>
-                  <a:ea typeface="나눔고딕OTF" pitchFamily="34" charset="-127"/>
-                </a:rPr>
-                <a:t>  - </a:t>
+                <a:t>   - </a:t>
               </a:r>
               <a:r>
                 <a:rPr kumimoji="0" lang="ko-KR" altLang="en-US" sz="1000" dirty="0" smtClean="0">
@@ -25845,14 +26127,7 @@
                   <a:latin typeface="나눔고딕OTF" pitchFamily="34" charset="-127"/>
                   <a:ea typeface="나눔고딕OTF" pitchFamily="34" charset="-127"/>
                 </a:rPr>
-                <a:t> </a:t>
-              </a:r>
-              <a:r>
-                <a:rPr kumimoji="0" lang="en-US" altLang="ko-KR" sz="1000" dirty="0" smtClean="0">
-                  <a:latin typeface="나눔고딕OTF" pitchFamily="34" charset="-127"/>
-                  <a:ea typeface="나눔고딕OTF" pitchFamily="34" charset="-127"/>
-                </a:rPr>
-                <a:t>  - </a:t>
+                <a:t>   - </a:t>
               </a:r>
               <a:r>
                 <a:rPr kumimoji="0" lang="ko-KR" altLang="en-US" sz="1000" dirty="0" smtClean="0">
@@ -25936,14 +26211,7 @@
                   <a:latin typeface="나눔고딕OTF" pitchFamily="34" charset="-127"/>
                   <a:ea typeface="나눔고딕OTF" pitchFamily="34" charset="-127"/>
                 </a:rPr>
-                <a:t> </a:t>
-              </a:r>
-              <a:r>
-                <a:rPr kumimoji="0" lang="en-US" altLang="ko-KR" sz="1000" dirty="0" smtClean="0">
-                  <a:latin typeface="나눔고딕OTF" pitchFamily="34" charset="-127"/>
-                  <a:ea typeface="나눔고딕OTF" pitchFamily="34" charset="-127"/>
-                </a:rPr>
-                <a:t>  </a:t>
+                <a:t>   </a:t>
               </a:r>
               <a:r>
                 <a:rPr kumimoji="0" lang="en-US" altLang="ko-KR" sz="1000" dirty="0" smtClean="0">
@@ -26457,7 +26725,7 @@
           </a:prstGeom>
           <a:ln w="19050">
             <a:solidFill>
-              <a:schemeClr val="tx1"/>
+              <a:srgbClr val="7030A0"/>
             </a:solidFill>
             <a:tailEnd type="arrow"/>
           </a:ln>

--- a/manual/앨리스_매뉴얼_작업중.pptx
+++ b/manual/앨리스_매뉴얼_작업중.pptx
@@ -5,10 +5,10 @@
     <p:sldMasterId id="2147483660" r:id="rId1"/>
   </p:sldMasterIdLst>
   <p:notesMasterIdLst>
-    <p:notesMasterId r:id="rId35"/>
+    <p:notesMasterId r:id="rId40"/>
   </p:notesMasterIdLst>
   <p:handoutMasterIdLst>
-    <p:handoutMasterId r:id="rId36"/>
+    <p:handoutMasterId r:id="rId41"/>
   </p:handoutMasterIdLst>
   <p:sldIdLst>
     <p:sldId id="400" r:id="rId2"/>
@@ -39,11 +39,16 @@
     <p:sldId id="438" r:id="rId27"/>
     <p:sldId id="439" r:id="rId28"/>
     <p:sldId id="442" r:id="rId29"/>
-    <p:sldId id="441" r:id="rId30"/>
-    <p:sldId id="429" r:id="rId31"/>
-    <p:sldId id="430" r:id="rId32"/>
-    <p:sldId id="431" r:id="rId33"/>
-    <p:sldId id="432" r:id="rId34"/>
+    <p:sldId id="443" r:id="rId30"/>
+    <p:sldId id="444" r:id="rId31"/>
+    <p:sldId id="445" r:id="rId32"/>
+    <p:sldId id="441" r:id="rId33"/>
+    <p:sldId id="446" r:id="rId34"/>
+    <p:sldId id="447" r:id="rId35"/>
+    <p:sldId id="429" r:id="rId36"/>
+    <p:sldId id="430" r:id="rId37"/>
+    <p:sldId id="431" r:id="rId38"/>
+    <p:sldId id="432" r:id="rId39"/>
   </p:sldIdLst>
   <p:sldSz cx="9906000" cy="6858000" type="A4"/>
   <p:notesSz cx="9939338" cy="6807200"/>
@@ -284,7 +289,7 @@
               <a:pPr>
                 <a:defRPr/>
               </a:pPr>
-              <a:t>2017-02-23</a:t>
+              <a:t>2017-02-24</a:t>
             </a:fld>
             <a:endParaRPr lang="ko-KR" altLang="en-US"/>
           </a:p>
@@ -498,7 +503,7 @@
               <a:pPr>
                 <a:defRPr/>
               </a:pPr>
-              <a:t>2017-02-23</a:t>
+              <a:t>2017-02-24</a:t>
             </a:fld>
             <a:endParaRPr lang="ko-KR" altLang="en-US"/>
           </a:p>
@@ -1035,7 +1040,7 @@
               <a:pPr>
                 <a:defRPr/>
               </a:pPr>
-              <a:t>2017-02-23</a:t>
+              <a:t>2017-02-24</a:t>
             </a:fld>
             <a:endParaRPr lang="ko-KR" altLang="en-US"/>
           </a:p>
@@ -1277,7 +1282,7 @@
               <a:pPr>
                 <a:defRPr/>
               </a:pPr>
-              <a:t>2017-02-23</a:t>
+              <a:t>2017-02-24</a:t>
             </a:fld>
             <a:endParaRPr lang="ko-KR" altLang="en-US"/>
           </a:p>
@@ -1585,7 +1590,7 @@
               <a:pPr>
                 <a:defRPr/>
               </a:pPr>
-              <a:t>2017-02-23</a:t>
+              <a:t>2017-02-24</a:t>
             </a:fld>
             <a:endParaRPr lang="ko-KR" altLang="en-US"/>
           </a:p>
@@ -1943,7 +1948,7 @@
               <a:pPr>
                 <a:defRPr/>
               </a:pPr>
-              <a:t>2017-02-23</a:t>
+              <a:t>2017-02-24</a:t>
             </a:fld>
             <a:endParaRPr lang="ko-KR" altLang="en-US"/>
           </a:p>
@@ -2441,7 +2446,7 @@
               <a:pPr>
                 <a:defRPr/>
               </a:pPr>
-              <a:t>2017-02-23</a:t>
+              <a:t>2017-02-24</a:t>
             </a:fld>
             <a:endParaRPr lang="ko-KR" altLang="en-US"/>
           </a:p>
@@ -2623,7 +2628,7 @@
               <a:pPr>
                 <a:defRPr/>
               </a:pPr>
-              <a:t>2017-02-23</a:t>
+              <a:t>2017-02-24</a:t>
             </a:fld>
             <a:endParaRPr lang="ko-KR" altLang="en-US"/>
           </a:p>
@@ -2774,7 +2779,7 @@
               <a:pPr>
                 <a:defRPr/>
               </a:pPr>
-              <a:t>2017-02-23</a:t>
+              <a:t>2017-02-24</a:t>
             </a:fld>
             <a:endParaRPr lang="ko-KR" altLang="en-US"/>
           </a:p>
@@ -3116,7 +3121,7 @@
               <a:pPr>
                 <a:defRPr/>
               </a:pPr>
-              <a:t>2017-02-23</a:t>
+              <a:t>2017-02-24</a:t>
             </a:fld>
             <a:endParaRPr lang="ko-KR" altLang="en-US"/>
           </a:p>
@@ -3435,7 +3440,7 @@
               <a:pPr>
                 <a:defRPr/>
               </a:pPr>
-              <a:t>2017-02-23</a:t>
+              <a:t>2017-02-24</a:t>
             </a:fld>
             <a:endParaRPr lang="ko-KR" altLang="en-US"/>
           </a:p>
@@ -16970,6 +16975,10 @@
                 </a:rPr>
                 <a:t>.</a:t>
               </a:r>
+              <a:endParaRPr kumimoji="0" lang="en-US" altLang="ko-KR" sz="1000" dirty="0" smtClean="0">
+                <a:latin typeface="나눔고딕OTF" pitchFamily="34" charset="-127"/>
+                <a:ea typeface="나눔고딕OTF" pitchFamily="34" charset="-127"/>
+              </a:endParaRPr>
             </a:p>
             <a:p>
               <a:pPr marL="228600" indent="-228600">
@@ -24429,7 +24438,7 @@
         </p:blipFill>
         <p:spPr bwMode="auto">
           <a:xfrm>
-            <a:off x="666720" y="1921956"/>
+            <a:off x="666720" y="1785926"/>
             <a:ext cx="5205661" cy="3871337"/>
           </a:xfrm>
           <a:prstGeom prst="rect">
@@ -24573,8 +24582,8 @@
         </p:nvSpPr>
         <p:spPr>
           <a:xfrm>
-            <a:off x="666720" y="2110164"/>
-            <a:ext cx="5143536" cy="675894"/>
+            <a:off x="666720" y="1974134"/>
+            <a:ext cx="5143536" cy="1318836"/>
           </a:xfrm>
           <a:prstGeom prst="rect">
             <a:avLst/>
@@ -24630,7 +24639,7 @@
         </p:nvSpPr>
         <p:spPr>
           <a:xfrm>
-            <a:off x="452406" y="1928802"/>
+            <a:off x="452406" y="1792772"/>
             <a:ext cx="214314" cy="214314"/>
           </a:xfrm>
           <a:prstGeom prst="ellipse">
@@ -24692,7 +24701,7 @@
         </p:nvSpPr>
         <p:spPr>
           <a:xfrm>
-            <a:off x="793120" y="3722990"/>
+            <a:off x="793120" y="3586960"/>
             <a:ext cx="4929222" cy="1000132"/>
           </a:xfrm>
           <a:prstGeom prst="rect">
@@ -24749,7 +24758,7 @@
         </p:nvSpPr>
         <p:spPr>
           <a:xfrm>
-            <a:off x="452406" y="3500438"/>
+            <a:off x="666720" y="3435846"/>
             <a:ext cx="214314" cy="214314"/>
           </a:xfrm>
           <a:prstGeom prst="ellipse">
@@ -24793,94 +24802,12 @@
                   <a:schemeClr val="tx1"/>
                 </a:solidFill>
               </a:rPr>
-              <a:t>3</a:t>
+              <a:t>2</a:t>
             </a:r>
             <a:endParaRPr lang="ko-KR" altLang="en-US" sz="1000" dirty="0">
               <a:solidFill>
                 <a:schemeClr val="tx1"/>
               </a:solidFill>
-            </a:endParaRPr>
-          </a:p>
-        </p:txBody>
-      </p:sp>
-      <p:sp>
-        <p:nvSpPr>
-          <p:cNvPr id="22535" name="TextBox 4"/>
-          <p:cNvSpPr txBox="1">
-            <a:spLocks noChangeArrowheads="1"/>
-          </p:cNvSpPr>
-          <p:nvPr/>
-        </p:nvSpPr>
-        <p:spPr bwMode="auto">
-          <a:xfrm>
-            <a:off x="6524625" y="1593850"/>
-            <a:ext cx="3108325" cy="461665"/>
-          </a:xfrm>
-          <a:prstGeom prst="rect">
-            <a:avLst/>
-          </a:prstGeom>
-          <a:noFill/>
-          <a:ln w="9525">
-            <a:noFill/>
-            <a:miter lim="800000"/>
-            <a:headEnd/>
-            <a:tailEnd/>
-          </a:ln>
-        </p:spPr>
-        <p:txBody>
-          <a:bodyPr>
-            <a:spAutoFit/>
-          </a:bodyPr>
-          <a:lstStyle/>
-          <a:p>
-            <a:pPr marL="228600" indent="-228600">
-              <a:lnSpc>
-                <a:spcPct val="120000"/>
-              </a:lnSpc>
-              <a:buAutoNum type="arabicParenR"/>
-            </a:pPr>
-            <a:r>
-              <a:rPr kumimoji="0" lang="ko-KR" altLang="en-US" sz="1000" b="1" dirty="0" smtClean="0">
-                <a:latin typeface="나눔고딕OTF" pitchFamily="34" charset="-127"/>
-                <a:ea typeface="나눔고딕OTF" pitchFamily="34" charset="-127"/>
-              </a:rPr>
-              <a:t>생성 조건 입력</a:t>
-            </a:r>
-            <a:endParaRPr kumimoji="0" lang="en-US" altLang="ko-KR" sz="1000" b="1" dirty="0" smtClean="0">
-              <a:latin typeface="나눔고딕OTF" pitchFamily="34" charset="-127"/>
-              <a:ea typeface="나눔고딕OTF" pitchFamily="34" charset="-127"/>
-            </a:endParaRPr>
-          </a:p>
-          <a:p>
-            <a:pPr marL="228600" indent="-228600">
-              <a:lnSpc>
-                <a:spcPct val="120000"/>
-              </a:lnSpc>
-            </a:pPr>
-            <a:r>
-              <a:rPr kumimoji="0" lang="en-US" altLang="ko-KR" sz="1000" dirty="0" smtClean="0">
-                <a:latin typeface="나눔고딕OTF" pitchFamily="34" charset="-127"/>
-                <a:ea typeface="나눔고딕OTF" pitchFamily="34" charset="-127"/>
-              </a:rPr>
-              <a:t> </a:t>
-            </a:r>
-            <a:r>
-              <a:rPr kumimoji="0" lang="en-US" altLang="ko-KR" sz="1000" dirty="0" smtClean="0">
-                <a:latin typeface="나눔고딕OTF" pitchFamily="34" charset="-127"/>
-                <a:ea typeface="나눔고딕OTF" pitchFamily="34" charset="-127"/>
-              </a:rPr>
-              <a:t>  - </a:t>
-            </a:r>
-            <a:r>
-              <a:rPr kumimoji="0" lang="ko-KR" altLang="en-US" sz="1000" dirty="0" smtClean="0">
-                <a:latin typeface="나눔고딕OTF" pitchFamily="34" charset="-127"/>
-                <a:ea typeface="나눔고딕OTF" pitchFamily="34" charset="-127"/>
-              </a:rPr>
-              <a:t>청구파일을 생성할 대상들의 조건</a:t>
-            </a:r>
-            <a:endParaRPr kumimoji="0" lang="en-US" altLang="ko-KR" sz="1000" dirty="0" smtClean="0">
-              <a:latin typeface="나눔고딕OTF" pitchFamily="34" charset="-127"/>
-              <a:ea typeface="나눔고딕OTF" pitchFamily="34" charset="-127"/>
             </a:endParaRPr>
           </a:p>
         </p:txBody>
@@ -24999,25 +24926,993 @@
           </a:p>
         </p:txBody>
       </p:sp>
+      <p:grpSp>
+        <p:nvGrpSpPr>
+          <p:cNvPr id="13" name="그룹 12"/>
+          <p:cNvGrpSpPr/>
+          <p:nvPr/>
+        </p:nvGrpSpPr>
+        <p:grpSpPr>
+          <a:xfrm>
+            <a:off x="6024571" y="1571612"/>
+            <a:ext cx="3608380" cy="4339650"/>
+            <a:chOff x="6024571" y="1593850"/>
+            <a:chExt cx="3608380" cy="4339650"/>
+          </a:xfrm>
+        </p:grpSpPr>
+        <p:sp>
+          <p:nvSpPr>
+            <p:cNvPr id="22535" name="TextBox 4"/>
+            <p:cNvSpPr txBox="1">
+              <a:spLocks noChangeArrowheads="1"/>
+            </p:cNvSpPr>
+            <p:nvPr/>
+          </p:nvSpPr>
+          <p:spPr bwMode="auto">
+            <a:xfrm>
+              <a:off x="6024571" y="1593850"/>
+              <a:ext cx="3608380" cy="4339650"/>
+            </a:xfrm>
+            <a:prstGeom prst="rect">
+              <a:avLst/>
+            </a:prstGeom>
+            <a:noFill/>
+            <a:ln w="9525">
+              <a:noFill/>
+              <a:miter lim="800000"/>
+              <a:headEnd/>
+              <a:tailEnd/>
+            </a:ln>
+          </p:spPr>
+          <p:txBody>
+            <a:bodyPr wrap="square">
+              <a:spAutoFit/>
+            </a:bodyPr>
+            <a:lstStyle/>
+            <a:p>
+              <a:pPr marL="228600" indent="-228600">
+                <a:lnSpc>
+                  <a:spcPct val="120000"/>
+                </a:lnSpc>
+                <a:buAutoNum type="arabicParenR"/>
+              </a:pPr>
+              <a:r>
+                <a:rPr kumimoji="0" lang="ko-KR" altLang="en-US" sz="1000" b="1" dirty="0" smtClean="0">
+                  <a:latin typeface="나눔고딕OTF" pitchFamily="34" charset="-127"/>
+                  <a:ea typeface="나눔고딕OTF" pitchFamily="34" charset="-127"/>
+                </a:rPr>
+                <a:t>생성 조건 입력</a:t>
+              </a:r>
+              <a:endParaRPr kumimoji="0" lang="en-US" altLang="ko-KR" sz="1000" b="1" dirty="0" smtClean="0">
+                <a:latin typeface="나눔고딕OTF" pitchFamily="34" charset="-127"/>
+                <a:ea typeface="나눔고딕OTF" pitchFamily="34" charset="-127"/>
+              </a:endParaRPr>
+            </a:p>
+            <a:p>
+              <a:pPr marL="228600" indent="-228600">
+                <a:lnSpc>
+                  <a:spcPct val="120000"/>
+                </a:lnSpc>
+              </a:pPr>
+              <a:r>
+                <a:rPr kumimoji="0" lang="en-US" altLang="ko-KR" sz="1000" dirty="0" smtClean="0">
+                  <a:latin typeface="나눔고딕OTF" pitchFamily="34" charset="-127"/>
+                  <a:ea typeface="나눔고딕OTF" pitchFamily="34" charset="-127"/>
+                </a:rPr>
+                <a:t>   - </a:t>
+              </a:r>
+              <a:r>
+                <a:rPr kumimoji="0" lang="ko-KR" altLang="en-US" sz="1000" dirty="0" smtClean="0">
+                  <a:latin typeface="나눔고딕OTF" pitchFamily="34" charset="-127"/>
+                  <a:ea typeface="나눔고딕OTF" pitchFamily="34" charset="-127"/>
+                </a:rPr>
+                <a:t>청구파일을 </a:t>
+              </a:r>
+              <a:r>
+                <a:rPr kumimoji="0" lang="ko-KR" altLang="en-US" sz="1000" dirty="0" smtClean="0">
+                  <a:latin typeface="나눔고딕OTF" pitchFamily="34" charset="-127"/>
+                  <a:ea typeface="나눔고딕OTF" pitchFamily="34" charset="-127"/>
+                </a:rPr>
+                <a:t>생성할 조건을 입력합니다</a:t>
+              </a:r>
+              <a:r>
+                <a:rPr kumimoji="0" lang="en-US" altLang="ko-KR" sz="1000" dirty="0" smtClean="0">
+                  <a:latin typeface="나눔고딕OTF" pitchFamily="34" charset="-127"/>
+                  <a:ea typeface="나눔고딕OTF" pitchFamily="34" charset="-127"/>
+                </a:rPr>
+                <a:t>.</a:t>
+              </a:r>
+            </a:p>
+            <a:p>
+              <a:pPr marL="228600" indent="-228600">
+                <a:lnSpc>
+                  <a:spcPct val="120000"/>
+                </a:lnSpc>
+              </a:pPr>
+              <a:r>
+                <a:rPr kumimoji="0" lang="en-US" altLang="ko-KR" sz="1000" dirty="0" smtClean="0">
+                  <a:latin typeface="나눔고딕OTF" pitchFamily="34" charset="-127"/>
+                  <a:ea typeface="나눔고딕OTF" pitchFamily="34" charset="-127"/>
+                </a:rPr>
+                <a:t> </a:t>
+              </a:r>
+              <a:r>
+                <a:rPr kumimoji="0" lang="en-US" altLang="ko-KR" sz="1000" dirty="0" smtClean="0">
+                  <a:latin typeface="나눔고딕OTF" pitchFamily="34" charset="-127"/>
+                  <a:ea typeface="나눔고딕OTF" pitchFamily="34" charset="-127"/>
+                </a:rPr>
+                <a:t>  - </a:t>
+              </a:r>
+              <a:r>
+                <a:rPr kumimoji="0" lang="ko-KR" altLang="en-US" sz="1000" dirty="0" smtClean="0">
+                  <a:solidFill>
+                    <a:srgbClr val="FF0000"/>
+                  </a:solidFill>
+                  <a:latin typeface="나눔고딕OTF" pitchFamily="34" charset="-127"/>
+                  <a:ea typeface="나눔고딕OTF" pitchFamily="34" charset="-127"/>
+                </a:rPr>
+                <a:t>생성구분</a:t>
+              </a:r>
+              <a:r>
+                <a:rPr kumimoji="0" lang="en-US" altLang="ko-KR" sz="1000" dirty="0" smtClean="0">
+                  <a:solidFill>
+                    <a:srgbClr val="FF0000"/>
+                  </a:solidFill>
+                  <a:latin typeface="나눔고딕OTF" pitchFamily="34" charset="-127"/>
+                  <a:ea typeface="나눔고딕OTF" pitchFamily="34" charset="-127"/>
+                </a:rPr>
+                <a:t>, </a:t>
+              </a:r>
+              <a:r>
+                <a:rPr kumimoji="0" lang="ko-KR" altLang="en-US" sz="1000" dirty="0" smtClean="0">
+                  <a:solidFill>
+                    <a:srgbClr val="FF0000"/>
+                  </a:solidFill>
+                  <a:latin typeface="나눔고딕OTF" pitchFamily="34" charset="-127"/>
+                  <a:ea typeface="나눔고딕OTF" pitchFamily="34" charset="-127"/>
+                </a:rPr>
+                <a:t>검진차수</a:t>
+              </a:r>
+              <a:r>
+                <a:rPr kumimoji="0" lang="en-US" altLang="ko-KR" sz="1000" dirty="0" smtClean="0">
+                  <a:solidFill>
+                    <a:srgbClr val="FF0000"/>
+                  </a:solidFill>
+                  <a:latin typeface="나눔고딕OTF" pitchFamily="34" charset="-127"/>
+                  <a:ea typeface="나눔고딕OTF" pitchFamily="34" charset="-127"/>
+                </a:rPr>
+                <a:t>, </a:t>
+              </a:r>
+              <a:r>
+                <a:rPr kumimoji="0" lang="ko-KR" altLang="en-US" sz="1000" dirty="0" smtClean="0">
+                  <a:solidFill>
+                    <a:srgbClr val="FF0000"/>
+                  </a:solidFill>
+                  <a:latin typeface="나눔고딕OTF" pitchFamily="34" charset="-127"/>
+                  <a:ea typeface="나눔고딕OTF" pitchFamily="34" charset="-127"/>
+                </a:rPr>
+                <a:t>검진구분</a:t>
+              </a:r>
+              <a:r>
+                <a:rPr kumimoji="0" lang="en-US" altLang="ko-KR" sz="1000" dirty="0" smtClean="0">
+                  <a:solidFill>
+                    <a:srgbClr val="FF0000"/>
+                  </a:solidFill>
+                  <a:latin typeface="나눔고딕OTF" pitchFamily="34" charset="-127"/>
+                  <a:ea typeface="나눔고딕OTF" pitchFamily="34" charset="-127"/>
+                </a:rPr>
+                <a:t>, </a:t>
+              </a:r>
+              <a:r>
+                <a:rPr kumimoji="0" lang="ko-KR" altLang="en-US" sz="1000" dirty="0" smtClean="0">
+                  <a:solidFill>
+                    <a:srgbClr val="FF0000"/>
+                  </a:solidFill>
+                  <a:latin typeface="나눔고딕OTF" pitchFamily="34" charset="-127"/>
+                  <a:ea typeface="나눔고딕OTF" pitchFamily="34" charset="-127"/>
+                </a:rPr>
+                <a:t>청구서구분</a:t>
+              </a:r>
+              <a:r>
+                <a:rPr kumimoji="0" lang="en-US" altLang="ko-KR" sz="1000" dirty="0" smtClean="0">
+                  <a:solidFill>
+                    <a:srgbClr val="FF0000"/>
+                  </a:solidFill>
+                  <a:latin typeface="나눔고딕OTF" pitchFamily="34" charset="-127"/>
+                  <a:ea typeface="나눔고딕OTF" pitchFamily="34" charset="-127"/>
+                </a:rPr>
+                <a:t>, </a:t>
+              </a:r>
+              <a:r>
+                <a:rPr kumimoji="0" lang="ko-KR" altLang="en-US" sz="1000" dirty="0" smtClean="0">
+                  <a:solidFill>
+                    <a:srgbClr val="FF0000"/>
+                  </a:solidFill>
+                  <a:latin typeface="나눔고딕OTF" pitchFamily="34" charset="-127"/>
+                  <a:ea typeface="나눔고딕OTF" pitchFamily="34" charset="-127"/>
+                </a:rPr>
+                <a:t>검진기간</a:t>
+              </a:r>
+              <a:r>
+                <a:rPr kumimoji="0" lang="ko-KR" altLang="en-US" sz="1000" dirty="0" smtClean="0">
+                  <a:latin typeface="나눔고딕OTF" pitchFamily="34" charset="-127"/>
+                  <a:ea typeface="나눔고딕OTF" pitchFamily="34" charset="-127"/>
+                </a:rPr>
+                <a:t> 을</a:t>
+              </a:r>
+              <a:endParaRPr kumimoji="0" lang="en-US" altLang="ko-KR" sz="1000" dirty="0" smtClean="0">
+                <a:latin typeface="나눔고딕OTF" pitchFamily="34" charset="-127"/>
+                <a:ea typeface="나눔고딕OTF" pitchFamily="34" charset="-127"/>
+              </a:endParaRPr>
+            </a:p>
+            <a:p>
+              <a:pPr marL="228600" indent="-228600">
+                <a:lnSpc>
+                  <a:spcPct val="120000"/>
+                </a:lnSpc>
+              </a:pPr>
+              <a:r>
+                <a:rPr kumimoji="0" lang="en-US" altLang="ko-KR" sz="1000" dirty="0" smtClean="0">
+                  <a:latin typeface="나눔고딕OTF" pitchFamily="34" charset="-127"/>
+                  <a:ea typeface="나눔고딕OTF" pitchFamily="34" charset="-127"/>
+                </a:rPr>
+                <a:t>	</a:t>
+              </a:r>
+              <a:r>
+                <a:rPr kumimoji="0" lang="ko-KR" altLang="en-US" sz="1000" dirty="0" smtClean="0">
+                  <a:latin typeface="나눔고딕OTF" pitchFamily="34" charset="-127"/>
+                  <a:ea typeface="나눔고딕OTF" pitchFamily="34" charset="-127"/>
+                </a:rPr>
+                <a:t>설정합니다</a:t>
+              </a:r>
+              <a:r>
+                <a:rPr kumimoji="0" lang="en-US" altLang="ko-KR" sz="1000" dirty="0" smtClean="0">
+                  <a:latin typeface="나눔고딕OTF" pitchFamily="34" charset="-127"/>
+                  <a:ea typeface="나눔고딕OTF" pitchFamily="34" charset="-127"/>
+                </a:rPr>
+                <a:t>.</a:t>
+              </a:r>
+            </a:p>
+            <a:p>
+              <a:pPr marL="228600" indent="-228600">
+                <a:lnSpc>
+                  <a:spcPct val="120000"/>
+                </a:lnSpc>
+              </a:pPr>
+              <a:r>
+                <a:rPr kumimoji="0" lang="en-US" altLang="ko-KR" sz="1000" dirty="0" smtClean="0">
+                  <a:latin typeface="나눔고딕OTF" pitchFamily="34" charset="-127"/>
+                  <a:ea typeface="나눔고딕OTF" pitchFamily="34" charset="-127"/>
+                </a:rPr>
+                <a:t> </a:t>
+              </a:r>
+              <a:r>
+                <a:rPr kumimoji="0" lang="en-US" altLang="ko-KR" sz="1000" dirty="0" smtClean="0">
+                  <a:latin typeface="나눔고딕OTF" pitchFamily="34" charset="-127"/>
+                  <a:ea typeface="나눔고딕OTF" pitchFamily="34" charset="-127"/>
+                </a:rPr>
+                <a:t>  - </a:t>
+              </a:r>
+              <a:r>
+                <a:rPr kumimoji="0" lang="ko-KR" altLang="en-US" sz="1000" dirty="0" smtClean="0">
+                  <a:latin typeface="나눔고딕OTF" pitchFamily="34" charset="-127"/>
+                  <a:ea typeface="나눔고딕OTF" pitchFamily="34" charset="-127"/>
+                </a:rPr>
+                <a:t>조건을 확인한 뒤 </a:t>
+              </a:r>
+              <a:r>
+                <a:rPr kumimoji="0" lang="en-US" altLang="ko-KR" sz="1000" dirty="0" smtClean="0">
+                  <a:latin typeface="나눔고딕OTF" pitchFamily="34" charset="-127"/>
+                  <a:ea typeface="나눔고딕OTF" pitchFamily="34" charset="-127"/>
+                </a:rPr>
+                <a:t>“</a:t>
+              </a:r>
+              <a:r>
+                <a:rPr kumimoji="0" lang="ko-KR" altLang="en-US" sz="1000" dirty="0" smtClean="0">
+                  <a:latin typeface="나눔고딕OTF" pitchFamily="34" charset="-127"/>
+                  <a:ea typeface="나눔고딕OTF" pitchFamily="34" charset="-127"/>
+                </a:rPr>
+                <a:t>실행</a:t>
+              </a:r>
+              <a:r>
+                <a:rPr kumimoji="0" lang="en-US" altLang="ko-KR" sz="1000" dirty="0" smtClean="0">
+                  <a:latin typeface="나눔고딕OTF" pitchFamily="34" charset="-127"/>
+                  <a:ea typeface="나눔고딕OTF" pitchFamily="34" charset="-127"/>
+                </a:rPr>
+                <a:t>” </a:t>
+              </a:r>
+              <a:r>
+                <a:rPr kumimoji="0" lang="ko-KR" altLang="en-US" sz="1000" dirty="0" smtClean="0">
+                  <a:latin typeface="나눔고딕OTF" pitchFamily="34" charset="-127"/>
+                  <a:ea typeface="나눔고딕OTF" pitchFamily="34" charset="-127"/>
+                </a:rPr>
+                <a:t>버튼을 클릭하면</a:t>
+              </a:r>
+              <a:r>
+                <a:rPr kumimoji="0" lang="en-US" altLang="ko-KR" sz="1000" dirty="0" smtClean="0">
+                  <a:latin typeface="나눔고딕OTF" pitchFamily="34" charset="-127"/>
+                  <a:ea typeface="나눔고딕OTF" pitchFamily="34" charset="-127"/>
+                </a:rPr>
+                <a:t> </a:t>
+              </a:r>
+              <a:r>
+                <a:rPr kumimoji="0" lang="ko-KR" altLang="en-US" sz="1000" dirty="0" smtClean="0">
+                  <a:latin typeface="나눔고딕OTF" pitchFamily="34" charset="-127"/>
+                  <a:ea typeface="나눔고딕OTF" pitchFamily="34" charset="-127"/>
+                </a:rPr>
+                <a:t>해당되는 </a:t>
+              </a:r>
+              <a:r>
+                <a:rPr kumimoji="0" lang="ko-KR" altLang="en-US" sz="1000" dirty="0" err="1" smtClean="0">
+                  <a:latin typeface="나눔고딕OTF" pitchFamily="34" charset="-127"/>
+                  <a:ea typeface="나눔고딕OTF" pitchFamily="34" charset="-127"/>
+                </a:rPr>
+                <a:t>검진자들의</a:t>
+              </a:r>
+              <a:r>
+                <a:rPr kumimoji="0" lang="ko-KR" altLang="en-US" sz="1000" dirty="0" smtClean="0">
+                  <a:latin typeface="나눔고딕OTF" pitchFamily="34" charset="-127"/>
+                  <a:ea typeface="나눔고딕OTF" pitchFamily="34" charset="-127"/>
+                </a:rPr>
+                <a:t> 청구 연계파일이 생성됩니다</a:t>
+              </a:r>
+              <a:r>
+                <a:rPr kumimoji="0" lang="en-US" altLang="ko-KR" sz="1000" dirty="0" smtClean="0">
+                  <a:latin typeface="나눔고딕OTF" pitchFamily="34" charset="-127"/>
+                  <a:ea typeface="나눔고딕OTF" pitchFamily="34" charset="-127"/>
+                </a:rPr>
+                <a:t>.</a:t>
+              </a:r>
+            </a:p>
+            <a:p>
+              <a:pPr marL="228600" indent="-228600">
+                <a:lnSpc>
+                  <a:spcPct val="120000"/>
+                </a:lnSpc>
+              </a:pPr>
+              <a:r>
+                <a:rPr kumimoji="0" lang="en-US" altLang="ko-KR" sz="1000" dirty="0" smtClean="0">
+                  <a:latin typeface="나눔고딕OTF" pitchFamily="34" charset="-127"/>
+                  <a:ea typeface="나눔고딕OTF" pitchFamily="34" charset="-127"/>
+                </a:rPr>
+                <a:t> </a:t>
+              </a:r>
+              <a:r>
+                <a:rPr kumimoji="0" lang="en-US" altLang="ko-KR" sz="1000" dirty="0" smtClean="0">
+                  <a:latin typeface="나눔고딕OTF" pitchFamily="34" charset="-127"/>
+                  <a:ea typeface="나눔고딕OTF" pitchFamily="34" charset="-127"/>
+                </a:rPr>
+                <a:t>  </a:t>
+              </a:r>
+              <a:r>
+                <a:rPr kumimoji="0" lang="en-US" altLang="ko-KR" sz="1000" dirty="0" smtClean="0">
+                  <a:solidFill>
+                    <a:srgbClr val="FF0000"/>
+                  </a:solidFill>
+                  <a:latin typeface="나눔고딕OTF" pitchFamily="34" charset="-127"/>
+                  <a:ea typeface="나눔고딕OTF" pitchFamily="34" charset="-127"/>
+                </a:rPr>
+                <a:t>* </a:t>
+              </a:r>
+              <a:r>
+                <a:rPr kumimoji="0" lang="ko-KR" altLang="en-US" sz="1000" dirty="0" smtClean="0">
+                  <a:solidFill>
+                    <a:srgbClr val="FF0000"/>
+                  </a:solidFill>
+                  <a:latin typeface="나눔고딕OTF" pitchFamily="34" charset="-127"/>
+                  <a:ea typeface="나눔고딕OTF" pitchFamily="34" charset="-127"/>
+                </a:rPr>
+                <a:t>청구연계파일은 </a:t>
+              </a:r>
+              <a:r>
+                <a:rPr kumimoji="0" lang="ko-KR" altLang="en-US" sz="1000" dirty="0" smtClean="0">
+                  <a:solidFill>
+                    <a:srgbClr val="FF0000"/>
+                  </a:solidFill>
+                  <a:latin typeface="나눔고딕OTF" pitchFamily="34" charset="-127"/>
+                  <a:ea typeface="나눔고딕OTF" pitchFamily="34" charset="-127"/>
+                </a:rPr>
+                <a:t>작업한 컴퓨터의 </a:t>
+              </a:r>
+              <a:r>
+                <a:rPr kumimoji="0" lang="ko-KR" altLang="en-US" sz="1000" dirty="0" err="1" smtClean="0">
+                  <a:solidFill>
+                    <a:srgbClr val="FF0000"/>
+                  </a:solidFill>
+                  <a:latin typeface="나눔고딕OTF" pitchFamily="34" charset="-127"/>
+                  <a:ea typeface="나눔고딕OTF" pitchFamily="34" charset="-127"/>
+                </a:rPr>
+                <a:t>앨리스</a:t>
+              </a:r>
+              <a:r>
+                <a:rPr kumimoji="0" lang="ko-KR" altLang="en-US" sz="1000" dirty="0" smtClean="0">
+                  <a:solidFill>
+                    <a:srgbClr val="FF0000"/>
+                  </a:solidFill>
+                  <a:latin typeface="나눔고딕OTF" pitchFamily="34" charset="-127"/>
+                  <a:ea typeface="나눔고딕OTF" pitchFamily="34" charset="-127"/>
+                </a:rPr>
+                <a:t> 폴더 안에 저장</a:t>
+              </a:r>
+              <a:endParaRPr kumimoji="0" lang="en-US" altLang="ko-KR" sz="1000" dirty="0" smtClean="0">
+                <a:solidFill>
+                  <a:srgbClr val="FF0000"/>
+                </a:solidFill>
+                <a:latin typeface="나눔고딕OTF" pitchFamily="34" charset="-127"/>
+                <a:ea typeface="나눔고딕OTF" pitchFamily="34" charset="-127"/>
+              </a:endParaRPr>
+            </a:p>
+            <a:p>
+              <a:pPr marL="228600" indent="-228600">
+                <a:lnSpc>
+                  <a:spcPct val="120000"/>
+                </a:lnSpc>
+              </a:pPr>
+              <a:r>
+                <a:rPr kumimoji="0" lang="en-US" altLang="ko-KR" sz="1000" dirty="0" smtClean="0">
+                  <a:solidFill>
+                    <a:srgbClr val="FF0000"/>
+                  </a:solidFill>
+                  <a:latin typeface="나눔고딕OTF" pitchFamily="34" charset="-127"/>
+                  <a:ea typeface="나눔고딕OTF" pitchFamily="34" charset="-127"/>
+                </a:rPr>
+                <a:t>	</a:t>
+              </a:r>
+              <a:r>
+                <a:rPr kumimoji="0" lang="ko-KR" altLang="en-US" sz="1000" dirty="0" smtClean="0">
+                  <a:solidFill>
+                    <a:srgbClr val="FF0000"/>
+                  </a:solidFill>
+                  <a:latin typeface="나눔고딕OTF" pitchFamily="34" charset="-127"/>
+                  <a:ea typeface="나눔고딕OTF" pitchFamily="34" charset="-127"/>
+                </a:rPr>
+                <a:t>됩니다</a:t>
+              </a:r>
+              <a:r>
+                <a:rPr kumimoji="0" lang="en-US" altLang="ko-KR" sz="1000" dirty="0" smtClean="0">
+                  <a:solidFill>
+                    <a:srgbClr val="FF0000"/>
+                  </a:solidFill>
+                  <a:latin typeface="나눔고딕OTF" pitchFamily="34" charset="-127"/>
+                  <a:ea typeface="나눔고딕OTF" pitchFamily="34" charset="-127"/>
+                </a:rPr>
+                <a:t>. (</a:t>
+              </a:r>
+              <a:r>
+                <a:rPr kumimoji="0" lang="ko-KR" altLang="en-US" sz="1000" dirty="0" smtClean="0">
+                  <a:solidFill>
+                    <a:srgbClr val="FF0000"/>
+                  </a:solidFill>
+                  <a:latin typeface="나눔고딕OTF" pitchFamily="34" charset="-127"/>
+                  <a:ea typeface="나눔고딕OTF" pitchFamily="34" charset="-127"/>
+                </a:rPr>
+                <a:t>프로그램 하단부 참조</a:t>
+              </a:r>
+              <a:r>
+                <a:rPr kumimoji="0" lang="en-US" altLang="ko-KR" sz="1000" dirty="0" smtClean="0">
+                  <a:solidFill>
+                    <a:srgbClr val="FF0000"/>
+                  </a:solidFill>
+                  <a:latin typeface="나눔고딕OTF" pitchFamily="34" charset="-127"/>
+                  <a:ea typeface="나눔고딕OTF" pitchFamily="34" charset="-127"/>
+                </a:rPr>
+                <a:t>)</a:t>
+              </a:r>
+            </a:p>
+            <a:p>
+              <a:pPr marL="228600" indent="-228600">
+                <a:lnSpc>
+                  <a:spcPct val="120000"/>
+                </a:lnSpc>
+              </a:pPr>
+              <a:r>
+                <a:rPr kumimoji="0" lang="en-US" altLang="ko-KR" sz="1000" dirty="0" smtClean="0">
+                  <a:solidFill>
+                    <a:srgbClr val="FF0000"/>
+                  </a:solidFill>
+                  <a:latin typeface="나눔고딕OTF" pitchFamily="34" charset="-127"/>
+                  <a:ea typeface="나눔고딕OTF" pitchFamily="34" charset="-127"/>
+                </a:rPr>
+                <a:t> </a:t>
+              </a:r>
+              <a:r>
+                <a:rPr kumimoji="0" lang="en-US" altLang="ko-KR" sz="1000" dirty="0" smtClean="0">
+                  <a:solidFill>
+                    <a:srgbClr val="FF0000"/>
+                  </a:solidFill>
+                  <a:latin typeface="나눔고딕OTF" pitchFamily="34" charset="-127"/>
+                  <a:ea typeface="나눔고딕OTF" pitchFamily="34" charset="-127"/>
+                </a:rPr>
+                <a:t>  * </a:t>
+              </a:r>
+              <a:r>
+                <a:rPr kumimoji="0" lang="ko-KR" altLang="en-US" sz="1000" dirty="0" smtClean="0">
+                  <a:solidFill>
+                    <a:srgbClr val="FF0000"/>
+                  </a:solidFill>
+                  <a:latin typeface="나눔고딕OTF" pitchFamily="34" charset="-127"/>
+                  <a:ea typeface="나눔고딕OTF" pitchFamily="34" charset="-127"/>
+                </a:rPr>
+                <a:t>입력한 조건에 해당하는 검진자가 없으면 아래와 같은</a:t>
+              </a:r>
+              <a:endParaRPr kumimoji="0" lang="en-US" altLang="ko-KR" sz="1000" dirty="0" smtClean="0">
+                <a:solidFill>
+                  <a:srgbClr val="FF0000"/>
+                </a:solidFill>
+                <a:latin typeface="나눔고딕OTF" pitchFamily="34" charset="-127"/>
+                <a:ea typeface="나눔고딕OTF" pitchFamily="34" charset="-127"/>
+              </a:endParaRPr>
+            </a:p>
+            <a:p>
+              <a:pPr marL="228600" indent="-228600">
+                <a:lnSpc>
+                  <a:spcPct val="120000"/>
+                </a:lnSpc>
+              </a:pPr>
+              <a:r>
+                <a:rPr kumimoji="0" lang="en-US" altLang="ko-KR" sz="1000" dirty="0" smtClean="0">
+                  <a:solidFill>
+                    <a:srgbClr val="FF0000"/>
+                  </a:solidFill>
+                  <a:latin typeface="나눔고딕OTF" pitchFamily="34" charset="-127"/>
+                  <a:ea typeface="나눔고딕OTF" pitchFamily="34" charset="-127"/>
+                </a:rPr>
+                <a:t>	</a:t>
+              </a:r>
+              <a:r>
+                <a:rPr kumimoji="0" lang="ko-KR" altLang="en-US" sz="1000" dirty="0" smtClean="0">
+                  <a:solidFill>
+                    <a:srgbClr val="FF0000"/>
+                  </a:solidFill>
+                  <a:latin typeface="나눔고딕OTF" pitchFamily="34" charset="-127"/>
+                  <a:ea typeface="나눔고딕OTF" pitchFamily="34" charset="-127"/>
+                </a:rPr>
+                <a:t>메시지가 표시됩니다</a:t>
+              </a:r>
+              <a:r>
+                <a:rPr kumimoji="0" lang="en-US" altLang="ko-KR" sz="1000" dirty="0" smtClean="0">
+                  <a:solidFill>
+                    <a:srgbClr val="FF0000"/>
+                  </a:solidFill>
+                  <a:latin typeface="나눔고딕OTF" pitchFamily="34" charset="-127"/>
+                  <a:ea typeface="나눔고딕OTF" pitchFamily="34" charset="-127"/>
+                </a:rPr>
+                <a:t>.</a:t>
+              </a:r>
+            </a:p>
+            <a:p>
+              <a:pPr marL="228600" indent="-228600">
+                <a:lnSpc>
+                  <a:spcPct val="120000"/>
+                </a:lnSpc>
+              </a:pPr>
+              <a:endParaRPr kumimoji="0" lang="en-US" altLang="ko-KR" sz="1000" dirty="0" smtClean="0">
+                <a:solidFill>
+                  <a:srgbClr val="FF0000"/>
+                </a:solidFill>
+                <a:latin typeface="나눔고딕OTF" pitchFamily="34" charset="-127"/>
+                <a:ea typeface="나눔고딕OTF" pitchFamily="34" charset="-127"/>
+              </a:endParaRPr>
+            </a:p>
+            <a:p>
+              <a:pPr marL="228600" indent="-228600">
+                <a:lnSpc>
+                  <a:spcPct val="120000"/>
+                </a:lnSpc>
+              </a:pPr>
+              <a:endParaRPr kumimoji="0" lang="en-US" altLang="ko-KR" sz="1000" dirty="0" smtClean="0">
+                <a:solidFill>
+                  <a:srgbClr val="FF0000"/>
+                </a:solidFill>
+                <a:latin typeface="나눔고딕OTF" pitchFamily="34" charset="-127"/>
+                <a:ea typeface="나눔고딕OTF" pitchFamily="34" charset="-127"/>
+              </a:endParaRPr>
+            </a:p>
+            <a:p>
+              <a:pPr marL="228600" indent="-228600">
+                <a:lnSpc>
+                  <a:spcPct val="120000"/>
+                </a:lnSpc>
+              </a:pPr>
+              <a:endParaRPr kumimoji="0" lang="en-US" altLang="ko-KR" sz="1000" dirty="0" smtClean="0">
+                <a:solidFill>
+                  <a:srgbClr val="FF0000"/>
+                </a:solidFill>
+                <a:latin typeface="나눔고딕OTF" pitchFamily="34" charset="-127"/>
+                <a:ea typeface="나눔고딕OTF" pitchFamily="34" charset="-127"/>
+              </a:endParaRPr>
+            </a:p>
+            <a:p>
+              <a:pPr marL="228600" indent="-228600">
+                <a:lnSpc>
+                  <a:spcPct val="120000"/>
+                </a:lnSpc>
+              </a:pPr>
+              <a:endParaRPr kumimoji="0" lang="en-US" altLang="ko-KR" sz="1000" dirty="0" smtClean="0">
+                <a:solidFill>
+                  <a:srgbClr val="FF0000"/>
+                </a:solidFill>
+                <a:latin typeface="나눔고딕OTF" pitchFamily="34" charset="-127"/>
+                <a:ea typeface="나눔고딕OTF" pitchFamily="34" charset="-127"/>
+              </a:endParaRPr>
+            </a:p>
+            <a:p>
+              <a:pPr marL="228600" indent="-228600">
+                <a:lnSpc>
+                  <a:spcPct val="120000"/>
+                </a:lnSpc>
+              </a:pPr>
+              <a:endParaRPr kumimoji="0" lang="en-US" altLang="ko-KR" sz="1000" dirty="0" smtClean="0">
+                <a:solidFill>
+                  <a:srgbClr val="FF0000"/>
+                </a:solidFill>
+                <a:latin typeface="나눔고딕OTF" pitchFamily="34" charset="-127"/>
+                <a:ea typeface="나눔고딕OTF" pitchFamily="34" charset="-127"/>
+              </a:endParaRPr>
+            </a:p>
+            <a:p>
+              <a:pPr marL="228600" indent="-228600">
+                <a:lnSpc>
+                  <a:spcPct val="120000"/>
+                </a:lnSpc>
+              </a:pPr>
+              <a:endParaRPr kumimoji="0" lang="en-US" altLang="ko-KR" sz="1000" dirty="0" smtClean="0">
+                <a:solidFill>
+                  <a:srgbClr val="FF0000"/>
+                </a:solidFill>
+                <a:latin typeface="나눔고딕OTF" pitchFamily="34" charset="-127"/>
+                <a:ea typeface="나눔고딕OTF" pitchFamily="34" charset="-127"/>
+              </a:endParaRPr>
+            </a:p>
+            <a:p>
+              <a:pPr marL="228600" indent="-228600">
+                <a:lnSpc>
+                  <a:spcPct val="120000"/>
+                </a:lnSpc>
+                <a:buAutoNum type="arabicParenR" startAt="2"/>
+              </a:pPr>
+              <a:r>
+                <a:rPr kumimoji="0" lang="ko-KR" altLang="en-US" sz="1000" b="1" dirty="0" smtClean="0">
+                  <a:latin typeface="나눔고딕OTF" pitchFamily="34" charset="-127"/>
+                  <a:ea typeface="나눔고딕OTF" pitchFamily="34" charset="-127"/>
+                </a:rPr>
+                <a:t>청구파일 확인</a:t>
+              </a:r>
+              <a:endParaRPr kumimoji="0" lang="en-US" altLang="ko-KR" sz="1000" b="1" dirty="0" smtClean="0">
+                <a:latin typeface="나눔고딕OTF" pitchFamily="34" charset="-127"/>
+                <a:ea typeface="나눔고딕OTF" pitchFamily="34" charset="-127"/>
+              </a:endParaRPr>
+            </a:p>
+            <a:p>
+              <a:pPr marL="228600" indent="-228600">
+                <a:lnSpc>
+                  <a:spcPct val="120000"/>
+                </a:lnSpc>
+              </a:pPr>
+              <a:r>
+                <a:rPr kumimoji="0" lang="en-US" altLang="ko-KR" sz="1000" dirty="0" smtClean="0">
+                  <a:latin typeface="나눔고딕OTF" pitchFamily="34" charset="-127"/>
+                  <a:ea typeface="나눔고딕OTF" pitchFamily="34" charset="-127"/>
+                </a:rPr>
+                <a:t> </a:t>
+              </a:r>
+              <a:r>
+                <a:rPr kumimoji="0" lang="en-US" altLang="ko-KR" sz="1000" dirty="0" smtClean="0">
+                  <a:latin typeface="나눔고딕OTF" pitchFamily="34" charset="-127"/>
+                  <a:ea typeface="나눔고딕OTF" pitchFamily="34" charset="-127"/>
+                </a:rPr>
+                <a:t>  - </a:t>
+              </a:r>
+              <a:r>
+                <a:rPr kumimoji="0" lang="ko-KR" altLang="en-US" sz="1000" dirty="0" smtClean="0">
+                  <a:latin typeface="나눔고딕OTF" pitchFamily="34" charset="-127"/>
+                  <a:ea typeface="나눔고딕OTF" pitchFamily="34" charset="-127"/>
+                </a:rPr>
+                <a:t>생성한 청구파일을 표시합니다</a:t>
+              </a:r>
+              <a:r>
+                <a:rPr kumimoji="0" lang="en-US" altLang="ko-KR" sz="1000" dirty="0" smtClean="0">
+                  <a:latin typeface="나눔고딕OTF" pitchFamily="34" charset="-127"/>
+                  <a:ea typeface="나눔고딕OTF" pitchFamily="34" charset="-127"/>
+                </a:rPr>
+                <a:t>.</a:t>
+              </a:r>
+            </a:p>
+            <a:p>
+              <a:pPr marL="228600" indent="-228600">
+                <a:lnSpc>
+                  <a:spcPct val="120000"/>
+                </a:lnSpc>
+              </a:pPr>
+              <a:r>
+                <a:rPr kumimoji="0" lang="en-US" altLang="ko-KR" sz="1000" dirty="0" smtClean="0">
+                  <a:latin typeface="나눔고딕OTF" pitchFamily="34" charset="-127"/>
+                  <a:ea typeface="나눔고딕OTF" pitchFamily="34" charset="-127"/>
+                </a:rPr>
+                <a:t> </a:t>
+              </a:r>
+              <a:r>
+                <a:rPr kumimoji="0" lang="en-US" altLang="ko-KR" sz="1000" dirty="0" smtClean="0">
+                  <a:latin typeface="나눔고딕OTF" pitchFamily="34" charset="-127"/>
+                  <a:ea typeface="나눔고딕OTF" pitchFamily="34" charset="-127"/>
+                </a:rPr>
+                <a:t>  - </a:t>
+              </a:r>
+              <a:r>
+                <a:rPr kumimoji="0" lang="ko-KR" altLang="en-US" sz="1000" dirty="0" smtClean="0">
+                  <a:latin typeface="나눔고딕OTF" pitchFamily="34" charset="-127"/>
+                  <a:ea typeface="나눔고딕OTF" pitchFamily="34" charset="-127"/>
+                </a:rPr>
+                <a:t>생성된 인원을 확인하여 </a:t>
+              </a:r>
+              <a:r>
+                <a:rPr kumimoji="0" lang="en-US" altLang="ko-KR" sz="1000" dirty="0" smtClean="0">
+                  <a:latin typeface="나눔고딕OTF" pitchFamily="34" charset="-127"/>
+                  <a:ea typeface="나눔고딕OTF" pitchFamily="34" charset="-127"/>
+                </a:rPr>
+                <a:t>1</a:t>
+              </a:r>
+              <a:r>
+                <a:rPr kumimoji="0" lang="ko-KR" altLang="en-US" sz="1000" dirty="0" smtClean="0">
+                  <a:latin typeface="나눔고딕OTF" pitchFamily="34" charset="-127"/>
+                  <a:ea typeface="나눔고딕OTF" pitchFamily="34" charset="-127"/>
+                </a:rPr>
+                <a:t>차적으로 청구파일을 확인합니다</a:t>
+              </a:r>
+              <a:r>
+                <a:rPr kumimoji="0" lang="en-US" altLang="ko-KR" sz="1000" dirty="0" smtClean="0">
+                  <a:latin typeface="나눔고딕OTF" pitchFamily="34" charset="-127"/>
+                  <a:ea typeface="나눔고딕OTF" pitchFamily="34" charset="-127"/>
+                </a:rPr>
+                <a:t>.</a:t>
+              </a:r>
+            </a:p>
+            <a:p>
+              <a:pPr marL="228600" indent="-228600">
+                <a:lnSpc>
+                  <a:spcPct val="120000"/>
+                </a:lnSpc>
+              </a:pPr>
+              <a:endParaRPr kumimoji="0" lang="en-US" altLang="ko-KR" sz="1000" dirty="0" smtClean="0">
+                <a:latin typeface="나눔고딕OTF" pitchFamily="34" charset="-127"/>
+                <a:ea typeface="나눔고딕OTF" pitchFamily="34" charset="-127"/>
+              </a:endParaRPr>
+            </a:p>
+            <a:p>
+              <a:pPr marL="228600" indent="-228600">
+                <a:lnSpc>
+                  <a:spcPct val="120000"/>
+                </a:lnSpc>
+              </a:pPr>
+              <a:r>
+                <a:rPr kumimoji="0" lang="en-US" altLang="ko-KR" sz="1000" dirty="0" smtClean="0">
+                  <a:latin typeface="나눔고딕OTF" pitchFamily="34" charset="-127"/>
+                  <a:ea typeface="나눔고딕OTF" pitchFamily="34" charset="-127"/>
+                </a:rPr>
+                <a:t>   </a:t>
+              </a:r>
+              <a:r>
+                <a:rPr kumimoji="0" lang="en-US" altLang="ko-KR" sz="1000" dirty="0" smtClean="0">
+                  <a:solidFill>
+                    <a:srgbClr val="FF0000"/>
+                  </a:solidFill>
+                  <a:latin typeface="나눔고딕OTF" pitchFamily="34" charset="-127"/>
+                  <a:ea typeface="나눔고딕OTF" pitchFamily="34" charset="-127"/>
+                </a:rPr>
+                <a:t>* </a:t>
+              </a:r>
+              <a:r>
+                <a:rPr kumimoji="0" lang="ko-KR" altLang="en-US" sz="1000" dirty="0" smtClean="0">
+                  <a:solidFill>
+                    <a:srgbClr val="FF0000"/>
+                  </a:solidFill>
+                  <a:latin typeface="나눔고딕OTF" pitchFamily="34" charset="-127"/>
+                  <a:ea typeface="나눔고딕OTF" pitchFamily="34" charset="-127"/>
+                </a:rPr>
+                <a:t>검진구분 별 판정 및 통보일자가 있어야만 청구파일이</a:t>
+              </a:r>
+              <a:endParaRPr kumimoji="0" lang="en-US" altLang="ko-KR" sz="1000" dirty="0" smtClean="0">
+                <a:solidFill>
+                  <a:srgbClr val="FF0000"/>
+                </a:solidFill>
+                <a:latin typeface="나눔고딕OTF" pitchFamily="34" charset="-127"/>
+                <a:ea typeface="나눔고딕OTF" pitchFamily="34" charset="-127"/>
+              </a:endParaRPr>
+            </a:p>
+            <a:p>
+              <a:pPr marL="228600" indent="-228600">
+                <a:lnSpc>
+                  <a:spcPct val="120000"/>
+                </a:lnSpc>
+              </a:pPr>
+              <a:r>
+                <a:rPr kumimoji="0" lang="en-US" altLang="ko-KR" sz="1000" dirty="0" smtClean="0">
+                  <a:solidFill>
+                    <a:srgbClr val="FF0000"/>
+                  </a:solidFill>
+                  <a:latin typeface="나눔고딕OTF" pitchFamily="34" charset="-127"/>
+                  <a:ea typeface="나눔고딕OTF" pitchFamily="34" charset="-127"/>
+                </a:rPr>
+                <a:t>	</a:t>
+              </a:r>
+              <a:r>
+                <a:rPr kumimoji="0" lang="ko-KR" altLang="en-US" sz="1000" dirty="0" smtClean="0">
+                  <a:solidFill>
+                    <a:srgbClr val="FF0000"/>
+                  </a:solidFill>
+                  <a:latin typeface="나눔고딕OTF" pitchFamily="34" charset="-127"/>
+                  <a:ea typeface="나눔고딕OTF" pitchFamily="34" charset="-127"/>
+                </a:rPr>
+                <a:t>생성됩니다</a:t>
+              </a:r>
+              <a:r>
+                <a:rPr kumimoji="0" lang="en-US" altLang="ko-KR" sz="1000" dirty="0" smtClean="0">
+                  <a:solidFill>
+                    <a:srgbClr val="FF0000"/>
+                  </a:solidFill>
+                  <a:latin typeface="나눔고딕OTF" pitchFamily="34" charset="-127"/>
+                  <a:ea typeface="나눔고딕OTF" pitchFamily="34" charset="-127"/>
+                </a:rPr>
+                <a:t>.</a:t>
+              </a:r>
+            </a:p>
+            <a:p>
+              <a:pPr marL="228600" indent="-228600">
+                <a:lnSpc>
+                  <a:spcPct val="120000"/>
+                </a:lnSpc>
+              </a:pPr>
+              <a:r>
+                <a:rPr kumimoji="0" lang="en-US" altLang="ko-KR" sz="1000" dirty="0" smtClean="0">
+                  <a:solidFill>
+                    <a:srgbClr val="FF0000"/>
+                  </a:solidFill>
+                  <a:latin typeface="나눔고딕OTF" pitchFamily="34" charset="-127"/>
+                  <a:ea typeface="나눔고딕OTF" pitchFamily="34" charset="-127"/>
+                </a:rPr>
+                <a:t> </a:t>
+              </a:r>
+              <a:r>
+                <a:rPr kumimoji="0" lang="en-US" altLang="ko-KR" sz="1000" dirty="0" smtClean="0">
+                  <a:solidFill>
+                    <a:srgbClr val="FF0000"/>
+                  </a:solidFill>
+                  <a:latin typeface="나눔고딕OTF" pitchFamily="34" charset="-127"/>
+                  <a:ea typeface="나눔고딕OTF" pitchFamily="34" charset="-127"/>
+                </a:rPr>
+                <a:t>  * </a:t>
+              </a:r>
+              <a:r>
+                <a:rPr kumimoji="0" lang="ko-KR" altLang="en-US" sz="1000" dirty="0" smtClean="0">
+                  <a:solidFill>
+                    <a:srgbClr val="FF0000"/>
+                  </a:solidFill>
+                  <a:latin typeface="나눔고딕OTF" pitchFamily="34" charset="-127"/>
+                  <a:ea typeface="나눔고딕OTF" pitchFamily="34" charset="-127"/>
+                </a:rPr>
+                <a:t>청구파일 하나에 </a:t>
+              </a:r>
+              <a:r>
+                <a:rPr kumimoji="0" lang="en-US" altLang="ko-KR" sz="1000" dirty="0" smtClean="0">
+                  <a:solidFill>
+                    <a:srgbClr val="FF0000"/>
+                  </a:solidFill>
+                  <a:latin typeface="나눔고딕OTF" pitchFamily="34" charset="-127"/>
+                  <a:ea typeface="나눔고딕OTF" pitchFamily="34" charset="-127"/>
+                </a:rPr>
+                <a:t>100</a:t>
+              </a:r>
+              <a:r>
+                <a:rPr kumimoji="0" lang="ko-KR" altLang="en-US" sz="1000" dirty="0" smtClean="0">
+                  <a:solidFill>
+                    <a:srgbClr val="FF0000"/>
+                  </a:solidFill>
+                  <a:latin typeface="나눔고딕OTF" pitchFamily="34" charset="-127"/>
+                  <a:ea typeface="나눔고딕OTF" pitchFamily="34" charset="-127"/>
+                </a:rPr>
+                <a:t>명까지 생성됩니다</a:t>
+              </a:r>
+              <a:r>
+                <a:rPr kumimoji="0" lang="en-US" altLang="ko-KR" sz="1000" dirty="0" smtClean="0">
+                  <a:solidFill>
+                    <a:srgbClr val="FF0000"/>
+                  </a:solidFill>
+                  <a:latin typeface="나눔고딕OTF" pitchFamily="34" charset="-127"/>
+                  <a:ea typeface="나눔고딕OTF" pitchFamily="34" charset="-127"/>
+                </a:rPr>
+                <a:t>.</a:t>
+              </a:r>
+              <a:endParaRPr kumimoji="0" lang="en-US" altLang="ko-KR" sz="1000" dirty="0" smtClean="0">
+                <a:latin typeface="나눔고딕OTF" pitchFamily="34" charset="-127"/>
+                <a:ea typeface="나눔고딕OTF" pitchFamily="34" charset="-127"/>
+              </a:endParaRPr>
+            </a:p>
+          </p:txBody>
+        </p:sp>
+        <p:pic>
+          <p:nvPicPr>
+            <p:cNvPr id="1026" name="Picture 2"/>
+            <p:cNvPicPr>
+              <a:picLocks noChangeAspect="1" noChangeArrowheads="1"/>
+            </p:cNvPicPr>
+            <p:nvPr/>
+          </p:nvPicPr>
+          <p:blipFill>
+            <a:blip r:embed="rId3"/>
+            <a:srcRect/>
+            <a:stretch>
+              <a:fillRect/>
+            </a:stretch>
+          </p:blipFill>
+          <p:spPr bwMode="auto">
+            <a:xfrm>
+              <a:off x="6310322" y="3560299"/>
+              <a:ext cx="2524128" cy="797395"/>
+            </a:xfrm>
+            <a:prstGeom prst="rect">
+              <a:avLst/>
+            </a:prstGeom>
+            <a:noFill/>
+            <a:ln w="9525">
+              <a:noFill/>
+              <a:miter lim="800000"/>
+              <a:headEnd/>
+              <a:tailEnd/>
+            </a:ln>
+            <a:effectLst/>
+          </p:spPr>
+        </p:pic>
+      </p:grpSp>
+    </p:spTree>
+  </p:cSld>
+  <p:clrMapOvr>
+    <a:masterClrMapping/>
+  </p:clrMapOvr>
+  <p:timing>
+    <p:tnLst>
+      <p:par>
+        <p:cTn id="1" dur="indefinite" restart="never" nodeType="tmRoot"/>
+      </p:par>
+    </p:tnLst>
+  </p:timing>
+</p:sld>
+</file>
+
+<file path=ppt/slides/slide29.xml><?xml version="1.0" encoding="utf-8"?>
+<p:sld xmlns:a="http://schemas.openxmlformats.org/drawingml/2006/main" xmlns:r="http://schemas.openxmlformats.org/officeDocument/2006/relationships" xmlns:p="http://schemas.openxmlformats.org/presentationml/2006/main">
+  <p:cSld>
+    <p:spTree>
+      <p:nvGrpSpPr>
+        <p:cNvPr id="1" name=""/>
+        <p:cNvGrpSpPr/>
+        <p:nvPr/>
+      </p:nvGrpSpPr>
+      <p:grpSpPr>
+        <a:xfrm>
+          <a:off x="0" y="0"/>
+          <a:ext cx="0" cy="0"/>
+          <a:chOff x="0" y="0"/>
+          <a:chExt cx="0" cy="0"/>
+        </a:xfrm>
+      </p:grpSpPr>
       <p:pic>
         <p:nvPicPr>
-          <p:cNvPr id="1026" name="Picture 2"/>
+          <p:cNvPr id="22530" name="Picture 8"/>
           <p:cNvPicPr>
             <a:picLocks noChangeAspect="1" noChangeArrowheads="1"/>
           </p:cNvPicPr>
           <p:nvPr/>
         </p:nvPicPr>
         <p:blipFill>
-          <a:blip r:embed="rId3"/>
-          <a:srcRect/>
+          <a:blip r:embed="rId2"/>
           <a:stretch>
             <a:fillRect/>
           </a:stretch>
         </p:blipFill>
         <p:spPr bwMode="auto">
           <a:xfrm>
-            <a:off x="6810388" y="5500702"/>
-            <a:ext cx="2524128" cy="797395"/>
+            <a:off x="666720" y="1718175"/>
+            <a:ext cx="5205661" cy="3564518"/>
           </a:xfrm>
           <a:prstGeom prst="rect">
             <a:avLst/>
@@ -25029,18 +25924,202 @@
             <a:headEnd/>
             <a:tailEnd/>
           </a:ln>
-          <a:effectLst/>
         </p:spPr>
       </p:pic>
       <p:sp>
         <p:nvSpPr>
-          <p:cNvPr id="16" name="타원 15"/>
+          <p:cNvPr id="6" name="TextBox 5"/>
+          <p:cNvSpPr txBox="1"/>
+          <p:nvPr/>
+        </p:nvSpPr>
+        <p:spPr>
+          <a:xfrm>
+            <a:off x="1497013" y="282575"/>
+            <a:ext cx="1705916" cy="369332"/>
+          </a:xfrm>
+          <a:prstGeom prst="rect">
+            <a:avLst/>
+          </a:prstGeom>
+          <a:noFill/>
+        </p:spPr>
+        <p:txBody>
+          <a:bodyPr wrap="none">
+            <a:spAutoFit/>
+          </a:bodyPr>
+          <a:lstStyle/>
+          <a:p>
+            <a:pPr fontAlgn="auto">
+              <a:spcBef>
+                <a:spcPts val="0"/>
+              </a:spcBef>
+              <a:spcAft>
+                <a:spcPts val="0"/>
+              </a:spcAft>
+              <a:defRPr/>
+            </a:pPr>
+            <a:r>
+              <a:rPr kumimoji="0" lang="ko-KR" altLang="en-US" dirty="0" smtClean="0">
+                <a:solidFill>
+                  <a:schemeClr val="bg1">
+                    <a:lumMod val="50000"/>
+                  </a:schemeClr>
+                </a:solidFill>
+                <a:latin typeface="나눔고딕OTF ExtraBold" pitchFamily="34" charset="-127"/>
+                <a:ea typeface="나눔고딕OTF ExtraBold" pitchFamily="34" charset="-127"/>
+              </a:rPr>
+              <a:t>건강검진 </a:t>
+            </a:r>
+            <a:r>
+              <a:rPr kumimoji="0" lang="en-US" altLang="ko-KR" dirty="0" smtClean="0">
+                <a:solidFill>
+                  <a:schemeClr val="bg1">
+                    <a:lumMod val="50000"/>
+                  </a:schemeClr>
+                </a:solidFill>
+                <a:latin typeface="나눔고딕OTF ExtraBold" pitchFamily="34" charset="-127"/>
+                <a:ea typeface="나눔고딕OTF ExtraBold" pitchFamily="34" charset="-127"/>
+              </a:rPr>
+              <a:t>– </a:t>
+            </a:r>
+            <a:r>
+              <a:rPr kumimoji="0" lang="ko-KR" altLang="en-US" dirty="0" smtClean="0">
+                <a:solidFill>
+                  <a:schemeClr val="bg1">
+                    <a:lumMod val="50000"/>
+                  </a:schemeClr>
+                </a:solidFill>
+                <a:latin typeface="나눔고딕OTF ExtraBold" pitchFamily="34" charset="-127"/>
+                <a:ea typeface="나눔고딕OTF ExtraBold" pitchFamily="34" charset="-127"/>
+              </a:rPr>
+              <a:t>청구</a:t>
+            </a:r>
+          </a:p>
+        </p:txBody>
+      </p:sp>
+      <p:sp>
+        <p:nvSpPr>
+          <p:cNvPr id="8" name="TextBox 4"/>
+          <p:cNvSpPr txBox="1">
+            <a:spLocks noChangeArrowheads="1"/>
+          </p:cNvSpPr>
+          <p:nvPr/>
+        </p:nvSpPr>
+        <p:spPr bwMode="auto">
+          <a:xfrm>
+            <a:off x="381000" y="785813"/>
+            <a:ext cx="1696298" cy="307777"/>
+          </a:xfrm>
+          <a:prstGeom prst="rect">
+            <a:avLst/>
+          </a:prstGeom>
+          <a:noFill/>
+          <a:ln w="9525">
+            <a:noFill/>
+            <a:miter lim="800000"/>
+            <a:headEnd/>
+            <a:tailEnd/>
+          </a:ln>
+        </p:spPr>
+        <p:txBody>
+          <a:bodyPr wrap="none">
+            <a:spAutoFit/>
+          </a:bodyPr>
+          <a:lstStyle/>
+          <a:p>
+            <a:r>
+              <a:rPr kumimoji="0" lang="en-US" altLang="ko-KR" sz="1400" b="1" dirty="0">
+                <a:latin typeface="나눔고딕OTF" pitchFamily="34" charset="-127"/>
+                <a:ea typeface="나눔고딕OTF" pitchFamily="34" charset="-127"/>
+              </a:rPr>
+              <a:t>- </a:t>
+            </a:r>
+            <a:r>
+              <a:rPr kumimoji="0" lang="ko-KR" altLang="en-US" sz="1400" b="1" dirty="0" smtClean="0">
+                <a:latin typeface="나눔고딕OTF" pitchFamily="34" charset="-127"/>
+                <a:ea typeface="나눔고딕OTF" pitchFamily="34" charset="-127"/>
+              </a:rPr>
+              <a:t>검진연계 </a:t>
+            </a:r>
+            <a:r>
+              <a:rPr kumimoji="0" lang="ko-KR" altLang="en-US" sz="1400" b="1" dirty="0" smtClean="0">
+                <a:latin typeface="나눔고딕OTF" pitchFamily="34" charset="-127"/>
+                <a:ea typeface="나눔고딕OTF" pitchFamily="34" charset="-127"/>
+              </a:rPr>
+              <a:t>파일확인</a:t>
+            </a:r>
+            <a:endParaRPr kumimoji="0" lang="ko-KR" altLang="en-US" sz="1400" b="1" dirty="0">
+              <a:latin typeface="나눔고딕OTF" pitchFamily="34" charset="-127"/>
+              <a:ea typeface="나눔고딕OTF" pitchFamily="34" charset="-127"/>
+            </a:endParaRPr>
+          </a:p>
+        </p:txBody>
+      </p:sp>
+      <p:sp>
+        <p:nvSpPr>
+          <p:cNvPr id="10" name="직사각형 9"/>
           <p:cNvSpPr/>
           <p:nvPr/>
         </p:nvSpPr>
         <p:spPr>
           <a:xfrm>
-            <a:off x="4667248" y="2857496"/>
+            <a:off x="666720" y="1752974"/>
+            <a:ext cx="3643338" cy="604456"/>
+          </a:xfrm>
+          <a:prstGeom prst="rect">
+            <a:avLst/>
+          </a:prstGeom>
+          <a:noFill/>
+          <a:ln w="12700">
+            <a:solidFill>
+              <a:srgbClr val="FF0000"/>
+            </a:solidFill>
+          </a:ln>
+        </p:spPr>
+        <p:style>
+          <a:lnRef idx="2">
+            <a:schemeClr val="accent1">
+              <a:shade val="50000"/>
+            </a:schemeClr>
+          </a:lnRef>
+          <a:fillRef idx="1">
+            <a:schemeClr val="accent1"/>
+          </a:fillRef>
+          <a:effectRef idx="0">
+            <a:schemeClr val="accent1"/>
+          </a:effectRef>
+          <a:fontRef idx="minor">
+            <a:schemeClr val="lt1"/>
+          </a:fontRef>
+        </p:style>
+        <p:txBody>
+          <a:bodyPr anchor="ctr"/>
+          <a:lstStyle/>
+          <a:p>
+            <a:pPr algn="ctr" fontAlgn="auto">
+              <a:spcBef>
+                <a:spcPts val="0"/>
+              </a:spcBef>
+              <a:spcAft>
+                <a:spcPts val="0"/>
+              </a:spcAft>
+              <a:defRPr/>
+            </a:pPr>
+            <a:endParaRPr kumimoji="0" lang="ko-KR" altLang="en-US" dirty="0">
+              <a:latin typeface="나눔고딕OTF" pitchFamily="34" charset="-127"/>
+              <a:ea typeface="나눔고딕OTF" pitchFamily="34" charset="-127"/>
+            </a:endParaRPr>
+          </a:p>
+        </p:txBody>
+      </p:sp>
+      <p:sp>
+        <p:nvSpPr>
+          <p:cNvPr id="11" name="타원 10"/>
+          <p:cNvSpPr/>
+          <p:nvPr/>
+        </p:nvSpPr>
+        <p:spPr>
+          <a:xfrm>
+            <a:off x="452406" y="1571612"/>
             <a:ext cx="214314" cy="214314"/>
           </a:xfrm>
           <a:prstGeom prst="ellipse">
@@ -25084,6 +26163,868 @@
                   <a:schemeClr val="tx1"/>
                 </a:solidFill>
               </a:rPr>
+              <a:t>1</a:t>
+            </a:r>
+            <a:endParaRPr lang="ko-KR" altLang="en-US" sz="1000" dirty="0">
+              <a:solidFill>
+                <a:schemeClr val="tx1"/>
+              </a:solidFill>
+            </a:endParaRPr>
+          </a:p>
+        </p:txBody>
+      </p:sp>
+      <p:sp>
+        <p:nvSpPr>
+          <p:cNvPr id="23" name="TextBox 59"/>
+          <p:cNvSpPr txBox="1">
+            <a:spLocks noChangeArrowheads="1"/>
+          </p:cNvSpPr>
+          <p:nvPr/>
+        </p:nvSpPr>
+        <p:spPr bwMode="auto">
+          <a:xfrm>
+            <a:off x="415924" y="1052513"/>
+            <a:ext cx="5751521" cy="276999"/>
+          </a:xfrm>
+          <a:prstGeom prst="rect">
+            <a:avLst/>
+          </a:prstGeom>
+          <a:noFill/>
+          <a:ln w="9525">
+            <a:noFill/>
+            <a:miter lim="800000"/>
+            <a:headEnd/>
+            <a:tailEnd/>
+          </a:ln>
+        </p:spPr>
+        <p:txBody>
+          <a:bodyPr wrap="square">
+            <a:spAutoFit/>
+          </a:bodyPr>
+          <a:lstStyle/>
+          <a:p>
+            <a:r>
+              <a:rPr kumimoji="0" lang="en-US" altLang="ko-KR" sz="1200" dirty="0">
+                <a:latin typeface="나눔고딕OTF" pitchFamily="34" charset="-127"/>
+                <a:ea typeface="나눔고딕OTF" pitchFamily="34" charset="-127"/>
+              </a:rPr>
+              <a:t> </a:t>
+            </a:r>
+            <a:r>
+              <a:rPr kumimoji="0" lang="ko-KR" altLang="en-US" sz="1200" dirty="0" smtClean="0">
+                <a:latin typeface="나눔고딕OTF" pitchFamily="34" charset="-127"/>
+                <a:ea typeface="나눔고딕OTF" pitchFamily="34" charset="-127"/>
+              </a:rPr>
+              <a:t>위치 </a:t>
+            </a:r>
+            <a:r>
+              <a:rPr kumimoji="0" lang="en-US" altLang="ko-KR" sz="1200" dirty="0" smtClean="0">
+                <a:latin typeface="나눔고딕OTF" pitchFamily="34" charset="-127"/>
+                <a:ea typeface="나눔고딕OTF" pitchFamily="34" charset="-127"/>
+              </a:rPr>
+              <a:t>: </a:t>
+            </a:r>
+            <a:r>
+              <a:rPr kumimoji="0" lang="ko-KR" altLang="en-US" sz="1200" dirty="0" err="1" smtClean="0">
+                <a:latin typeface="나눔고딕OTF" pitchFamily="34" charset="-127"/>
+                <a:ea typeface="나눔고딕OTF" pitchFamily="34" charset="-127"/>
+              </a:rPr>
+              <a:t>메인화면</a:t>
+            </a:r>
+            <a:r>
+              <a:rPr kumimoji="0" lang="ko-KR" altLang="en-US" sz="1200" dirty="0" smtClean="0">
+                <a:latin typeface="나눔고딕OTF" pitchFamily="34" charset="-127"/>
+                <a:ea typeface="나눔고딕OTF" pitchFamily="34" charset="-127"/>
+              </a:rPr>
+              <a:t> </a:t>
+            </a:r>
+            <a:r>
+              <a:rPr kumimoji="0" lang="en-US" altLang="ko-KR" sz="1200" dirty="0" smtClean="0">
+                <a:latin typeface="나눔고딕OTF" pitchFamily="34" charset="-127"/>
+                <a:ea typeface="나눔고딕OTF" pitchFamily="34" charset="-127"/>
+              </a:rPr>
+              <a:t>– </a:t>
+            </a:r>
+            <a:r>
+              <a:rPr kumimoji="0" lang="ko-KR" altLang="en-US" sz="1200" dirty="0" smtClean="0">
+                <a:latin typeface="나눔고딕OTF" pitchFamily="34" charset="-127"/>
+                <a:ea typeface="나눔고딕OTF" pitchFamily="34" charset="-127"/>
+              </a:rPr>
+              <a:t>건강검진 </a:t>
+            </a:r>
+            <a:r>
+              <a:rPr kumimoji="0" lang="en-US" altLang="ko-KR" sz="1200" dirty="0" smtClean="0">
+                <a:latin typeface="나눔고딕OTF" pitchFamily="34" charset="-127"/>
+                <a:ea typeface="나눔고딕OTF" pitchFamily="34" charset="-127"/>
+              </a:rPr>
+              <a:t>– </a:t>
+            </a:r>
+            <a:r>
+              <a:rPr kumimoji="0" lang="ko-KR" altLang="en-US" sz="1200" dirty="0" smtClean="0">
+                <a:latin typeface="나눔고딕OTF" pitchFamily="34" charset="-127"/>
+                <a:ea typeface="나눔고딕OTF" pitchFamily="34" charset="-127"/>
+              </a:rPr>
+              <a:t>청구관련 </a:t>
+            </a:r>
+            <a:r>
+              <a:rPr kumimoji="0" lang="en-US" altLang="ko-KR" sz="1200" dirty="0" smtClean="0">
+                <a:latin typeface="나눔고딕OTF" pitchFamily="34" charset="-127"/>
+                <a:ea typeface="나눔고딕OTF" pitchFamily="34" charset="-127"/>
+              </a:rPr>
+              <a:t>– </a:t>
+            </a:r>
+            <a:r>
+              <a:rPr kumimoji="0" lang="ko-KR" altLang="en-US" sz="1200" dirty="0" smtClean="0">
+                <a:latin typeface="나눔고딕OTF" pitchFamily="34" charset="-127"/>
+                <a:ea typeface="나눔고딕OTF" pitchFamily="34" charset="-127"/>
+              </a:rPr>
+              <a:t>검진연계 </a:t>
+            </a:r>
+            <a:r>
+              <a:rPr kumimoji="0" lang="ko-KR" altLang="en-US" sz="1200" dirty="0" smtClean="0">
+                <a:latin typeface="나눔고딕OTF" pitchFamily="34" charset="-127"/>
+                <a:ea typeface="나눔고딕OTF" pitchFamily="34" charset="-127"/>
+              </a:rPr>
+              <a:t>파일확인</a:t>
+            </a:r>
+            <a:endParaRPr kumimoji="0" lang="en-US" altLang="ko-KR" sz="1200" dirty="0">
+              <a:latin typeface="나눔고딕OTF" pitchFamily="34" charset="-127"/>
+              <a:ea typeface="나눔고딕OTF" pitchFamily="34" charset="-127"/>
+            </a:endParaRPr>
+          </a:p>
+        </p:txBody>
+      </p:sp>
+      <p:sp>
+        <p:nvSpPr>
+          <p:cNvPr id="22535" name="TextBox 4"/>
+          <p:cNvSpPr txBox="1">
+            <a:spLocks noChangeArrowheads="1"/>
+          </p:cNvSpPr>
+          <p:nvPr/>
+        </p:nvSpPr>
+        <p:spPr bwMode="auto">
+          <a:xfrm>
+            <a:off x="6024571" y="1571612"/>
+            <a:ext cx="3608380" cy="2677656"/>
+          </a:xfrm>
+          <a:prstGeom prst="rect">
+            <a:avLst/>
+          </a:prstGeom>
+          <a:noFill/>
+          <a:ln w="9525">
+            <a:noFill/>
+            <a:miter lim="800000"/>
+            <a:headEnd/>
+            <a:tailEnd/>
+          </a:ln>
+        </p:spPr>
+        <p:txBody>
+          <a:bodyPr wrap="square">
+            <a:spAutoFit/>
+          </a:bodyPr>
+          <a:lstStyle/>
+          <a:p>
+            <a:pPr marL="228600" indent="-228600">
+              <a:lnSpc>
+                <a:spcPct val="120000"/>
+              </a:lnSpc>
+              <a:buAutoNum type="arabicParenR"/>
+            </a:pPr>
+            <a:r>
+              <a:rPr kumimoji="0" lang="ko-KR" altLang="en-US" sz="1000" b="1" dirty="0" smtClean="0">
+                <a:latin typeface="나눔고딕OTF" pitchFamily="34" charset="-127"/>
+                <a:ea typeface="나눔고딕OTF" pitchFamily="34" charset="-127"/>
+              </a:rPr>
+              <a:t>파일 조회 조건 설정</a:t>
+            </a:r>
+            <a:endParaRPr kumimoji="0" lang="en-US" altLang="ko-KR" sz="1000" b="1" dirty="0" smtClean="0">
+              <a:latin typeface="나눔고딕OTF" pitchFamily="34" charset="-127"/>
+              <a:ea typeface="나눔고딕OTF" pitchFamily="34" charset="-127"/>
+            </a:endParaRPr>
+          </a:p>
+          <a:p>
+            <a:pPr marL="228600" indent="-228600">
+              <a:lnSpc>
+                <a:spcPct val="120000"/>
+              </a:lnSpc>
+            </a:pPr>
+            <a:r>
+              <a:rPr kumimoji="0" lang="en-US" altLang="ko-KR" sz="1000" dirty="0" smtClean="0">
+                <a:latin typeface="나눔고딕OTF" pitchFamily="34" charset="-127"/>
+                <a:ea typeface="나눔고딕OTF" pitchFamily="34" charset="-127"/>
+              </a:rPr>
+              <a:t> </a:t>
+            </a:r>
+            <a:r>
+              <a:rPr kumimoji="0" lang="en-US" altLang="ko-KR" sz="1000" dirty="0" smtClean="0">
+                <a:latin typeface="나눔고딕OTF" pitchFamily="34" charset="-127"/>
+                <a:ea typeface="나눔고딕OTF" pitchFamily="34" charset="-127"/>
+              </a:rPr>
+              <a:t>  - </a:t>
+            </a:r>
+            <a:r>
+              <a:rPr kumimoji="0" lang="ko-KR" altLang="en-US" sz="1000" dirty="0" smtClean="0">
+                <a:latin typeface="나눔고딕OTF" pitchFamily="34" charset="-127"/>
+                <a:ea typeface="나눔고딕OTF" pitchFamily="34" charset="-127"/>
+              </a:rPr>
+              <a:t>생성한 청구파일을 조회합니다</a:t>
+            </a:r>
+            <a:r>
+              <a:rPr kumimoji="0" lang="en-US" altLang="ko-KR" sz="1000" dirty="0" smtClean="0">
+                <a:latin typeface="나눔고딕OTF" pitchFamily="34" charset="-127"/>
+                <a:ea typeface="나눔고딕OTF" pitchFamily="34" charset="-127"/>
+              </a:rPr>
+              <a:t>.</a:t>
+            </a:r>
+          </a:p>
+          <a:p>
+            <a:pPr marL="228600" indent="-228600">
+              <a:lnSpc>
+                <a:spcPct val="120000"/>
+              </a:lnSpc>
+            </a:pPr>
+            <a:r>
+              <a:rPr kumimoji="0" lang="en-US" altLang="ko-KR" sz="1000" dirty="0" smtClean="0">
+                <a:latin typeface="나눔고딕OTF" pitchFamily="34" charset="-127"/>
+                <a:ea typeface="나눔고딕OTF" pitchFamily="34" charset="-127"/>
+              </a:rPr>
+              <a:t> </a:t>
+            </a:r>
+            <a:r>
+              <a:rPr kumimoji="0" lang="en-US" altLang="ko-KR" sz="1000" dirty="0" smtClean="0">
+                <a:latin typeface="나눔고딕OTF" pitchFamily="34" charset="-127"/>
+                <a:ea typeface="나눔고딕OTF" pitchFamily="34" charset="-127"/>
+              </a:rPr>
+              <a:t>  - </a:t>
+            </a:r>
+            <a:r>
+              <a:rPr kumimoji="0" lang="ko-KR" altLang="en-US" sz="1000" dirty="0" smtClean="0">
+                <a:solidFill>
+                  <a:srgbClr val="FF0000"/>
+                </a:solidFill>
+                <a:latin typeface="나눔고딕OTF" pitchFamily="34" charset="-127"/>
+                <a:ea typeface="나눔고딕OTF" pitchFamily="34" charset="-127"/>
+              </a:rPr>
+              <a:t>검진구분</a:t>
+            </a:r>
+            <a:r>
+              <a:rPr kumimoji="0" lang="en-US" altLang="ko-KR" sz="1000" dirty="0" smtClean="0">
+                <a:solidFill>
+                  <a:srgbClr val="FF0000"/>
+                </a:solidFill>
+                <a:latin typeface="나눔고딕OTF" pitchFamily="34" charset="-127"/>
+                <a:ea typeface="나눔고딕OTF" pitchFamily="34" charset="-127"/>
+              </a:rPr>
+              <a:t>, </a:t>
+            </a:r>
+            <a:r>
+              <a:rPr kumimoji="0" lang="ko-KR" altLang="en-US" sz="1000" dirty="0" err="1" smtClean="0">
+                <a:solidFill>
+                  <a:srgbClr val="FF0000"/>
+                </a:solidFill>
+                <a:latin typeface="나눔고딕OTF" pitchFamily="34" charset="-127"/>
+                <a:ea typeface="나눔고딕OTF" pitchFamily="34" charset="-127"/>
+              </a:rPr>
+              <a:t>검사년도</a:t>
+            </a:r>
+            <a:r>
+              <a:rPr kumimoji="0" lang="en-US" altLang="ko-KR" sz="1000" dirty="0" smtClean="0">
+                <a:solidFill>
+                  <a:srgbClr val="FF0000"/>
+                </a:solidFill>
+                <a:latin typeface="나눔고딕OTF" pitchFamily="34" charset="-127"/>
+                <a:ea typeface="나눔고딕OTF" pitchFamily="34" charset="-127"/>
+              </a:rPr>
+              <a:t>, </a:t>
+            </a:r>
+            <a:r>
+              <a:rPr kumimoji="0" lang="ko-KR" altLang="en-US" sz="1000" dirty="0" smtClean="0">
+                <a:solidFill>
+                  <a:srgbClr val="FF0000"/>
+                </a:solidFill>
+                <a:latin typeface="나눔고딕OTF" pitchFamily="34" charset="-127"/>
+                <a:ea typeface="나눔고딕OTF" pitchFamily="34" charset="-127"/>
+              </a:rPr>
+              <a:t>청구서구분</a:t>
+            </a:r>
+            <a:r>
+              <a:rPr kumimoji="0" lang="en-US" altLang="ko-KR" sz="1000" dirty="0" smtClean="0">
+                <a:solidFill>
+                  <a:srgbClr val="FF0000"/>
+                </a:solidFill>
+                <a:latin typeface="나눔고딕OTF" pitchFamily="34" charset="-127"/>
+                <a:ea typeface="나눔고딕OTF" pitchFamily="34" charset="-127"/>
+              </a:rPr>
+              <a:t>, </a:t>
+            </a:r>
+            <a:r>
+              <a:rPr kumimoji="0" lang="ko-KR" altLang="en-US" sz="1000" dirty="0" smtClean="0">
+                <a:solidFill>
+                  <a:srgbClr val="FF0000"/>
+                </a:solidFill>
+                <a:latin typeface="나눔고딕OTF" pitchFamily="34" charset="-127"/>
+                <a:ea typeface="나눔고딕OTF" pitchFamily="34" charset="-127"/>
+              </a:rPr>
+              <a:t>청구일자</a:t>
+            </a:r>
+            <a:r>
+              <a:rPr kumimoji="0" lang="ko-KR" altLang="en-US" sz="1000" dirty="0" smtClean="0">
+                <a:latin typeface="나눔고딕OTF" pitchFamily="34" charset="-127"/>
+                <a:ea typeface="나눔고딕OTF" pitchFamily="34" charset="-127"/>
+              </a:rPr>
+              <a:t>를 설정합니다</a:t>
+            </a:r>
+            <a:r>
+              <a:rPr kumimoji="0" lang="en-US" altLang="ko-KR" sz="1000" dirty="0" smtClean="0">
+                <a:latin typeface="나눔고딕OTF" pitchFamily="34" charset="-127"/>
+                <a:ea typeface="나눔고딕OTF" pitchFamily="34" charset="-127"/>
+              </a:rPr>
+              <a:t>.</a:t>
+            </a:r>
+          </a:p>
+          <a:p>
+            <a:pPr marL="228600" indent="-228600">
+              <a:lnSpc>
+                <a:spcPct val="120000"/>
+              </a:lnSpc>
+            </a:pPr>
+            <a:r>
+              <a:rPr kumimoji="0" lang="en-US" altLang="ko-KR" sz="1000" dirty="0" smtClean="0">
+                <a:latin typeface="나눔고딕OTF" pitchFamily="34" charset="-127"/>
+                <a:ea typeface="나눔고딕OTF" pitchFamily="34" charset="-127"/>
+              </a:rPr>
+              <a:t> </a:t>
+            </a:r>
+            <a:r>
+              <a:rPr kumimoji="0" lang="en-US" altLang="ko-KR" sz="1000" dirty="0" smtClean="0">
+                <a:latin typeface="나눔고딕OTF" pitchFamily="34" charset="-127"/>
+                <a:ea typeface="나눔고딕OTF" pitchFamily="34" charset="-127"/>
+              </a:rPr>
+              <a:t>  </a:t>
+            </a:r>
+            <a:r>
+              <a:rPr kumimoji="0" lang="en-US" altLang="ko-KR" sz="1000" dirty="0" smtClean="0">
+                <a:solidFill>
+                  <a:srgbClr val="FF0000"/>
+                </a:solidFill>
+                <a:latin typeface="나눔고딕OTF" pitchFamily="34" charset="-127"/>
+                <a:ea typeface="나눔고딕OTF" pitchFamily="34" charset="-127"/>
+              </a:rPr>
+              <a:t>* </a:t>
+            </a:r>
+            <a:r>
+              <a:rPr kumimoji="0" lang="ko-KR" altLang="en-US" sz="1000" dirty="0" smtClean="0">
+                <a:solidFill>
+                  <a:srgbClr val="FF0000"/>
+                </a:solidFill>
+                <a:latin typeface="나눔고딕OTF" pitchFamily="34" charset="-127"/>
+                <a:ea typeface="나눔고딕OTF" pitchFamily="34" charset="-127"/>
+              </a:rPr>
+              <a:t>청구일자는 파일 생성시 설정한 날짜입니다</a:t>
+            </a:r>
+            <a:r>
+              <a:rPr kumimoji="0" lang="en-US" altLang="ko-KR" sz="1000" dirty="0" smtClean="0">
+                <a:solidFill>
+                  <a:srgbClr val="FF0000"/>
+                </a:solidFill>
+                <a:latin typeface="나눔고딕OTF" pitchFamily="34" charset="-127"/>
+                <a:ea typeface="나눔고딕OTF" pitchFamily="34" charset="-127"/>
+              </a:rPr>
+              <a:t>.</a:t>
+            </a:r>
+            <a:endParaRPr kumimoji="0" lang="en-US" altLang="ko-KR" sz="1000" dirty="0" smtClean="0">
+              <a:solidFill>
+                <a:srgbClr val="FF0000"/>
+              </a:solidFill>
+              <a:latin typeface="나눔고딕OTF" pitchFamily="34" charset="-127"/>
+              <a:ea typeface="나눔고딕OTF" pitchFamily="34" charset="-127"/>
+            </a:endParaRPr>
+          </a:p>
+          <a:p>
+            <a:pPr marL="228600" indent="-228600">
+              <a:lnSpc>
+                <a:spcPct val="120000"/>
+              </a:lnSpc>
+            </a:pPr>
+            <a:r>
+              <a:rPr kumimoji="0" lang="en-US" altLang="ko-KR" sz="1000" dirty="0" smtClean="0">
+                <a:solidFill>
+                  <a:srgbClr val="FF0000"/>
+                </a:solidFill>
+                <a:latin typeface="나눔고딕OTF" pitchFamily="34" charset="-127"/>
+                <a:ea typeface="나눔고딕OTF" pitchFamily="34" charset="-127"/>
+              </a:rPr>
+              <a:t> </a:t>
+            </a:r>
+            <a:r>
+              <a:rPr kumimoji="0" lang="en-US" altLang="ko-KR" sz="1000" dirty="0" smtClean="0">
+                <a:solidFill>
+                  <a:srgbClr val="FF0000"/>
+                </a:solidFill>
+                <a:latin typeface="나눔고딕OTF" pitchFamily="34" charset="-127"/>
+                <a:ea typeface="나눔고딕OTF" pitchFamily="34" charset="-127"/>
+              </a:rPr>
+              <a:t>  * </a:t>
+            </a:r>
+            <a:r>
+              <a:rPr kumimoji="0" lang="ko-KR" altLang="en-US" sz="1000" dirty="0" smtClean="0">
+                <a:solidFill>
+                  <a:srgbClr val="FF0000"/>
+                </a:solidFill>
+                <a:latin typeface="나눔고딕OTF" pitchFamily="34" charset="-127"/>
+                <a:ea typeface="나눔고딕OTF" pitchFamily="34" charset="-127"/>
+              </a:rPr>
+              <a:t>청구파일이 컴퓨터에 없어도 조회는 가능합니다</a:t>
+            </a:r>
+            <a:r>
+              <a:rPr kumimoji="0" lang="en-US" altLang="ko-KR" sz="1000" dirty="0" smtClean="0">
+                <a:solidFill>
+                  <a:srgbClr val="FF0000"/>
+                </a:solidFill>
+                <a:latin typeface="나눔고딕OTF" pitchFamily="34" charset="-127"/>
+                <a:ea typeface="나눔고딕OTF" pitchFamily="34" charset="-127"/>
+              </a:rPr>
+              <a:t>.</a:t>
+            </a:r>
+          </a:p>
+          <a:p>
+            <a:pPr marL="228600" indent="-228600">
+              <a:lnSpc>
+                <a:spcPct val="120000"/>
+              </a:lnSpc>
+            </a:pPr>
+            <a:endParaRPr kumimoji="0" lang="en-US" altLang="ko-KR" sz="1000" dirty="0" smtClean="0">
+              <a:solidFill>
+                <a:srgbClr val="FF0000"/>
+              </a:solidFill>
+              <a:latin typeface="나눔고딕OTF" pitchFamily="34" charset="-127"/>
+              <a:ea typeface="나눔고딕OTF" pitchFamily="34" charset="-127"/>
+            </a:endParaRPr>
+          </a:p>
+          <a:p>
+            <a:pPr marL="228600" indent="-228600">
+              <a:lnSpc>
+                <a:spcPct val="120000"/>
+              </a:lnSpc>
+              <a:buAutoNum type="arabicParenR" startAt="2"/>
+            </a:pPr>
+            <a:r>
+              <a:rPr kumimoji="0" lang="ko-KR" altLang="en-US" sz="1000" b="1" dirty="0" smtClean="0">
+                <a:latin typeface="나눔고딕OTF" pitchFamily="34" charset="-127"/>
+                <a:ea typeface="나눔고딕OTF" pitchFamily="34" charset="-127"/>
+              </a:rPr>
+              <a:t>청구파일 확인</a:t>
+            </a:r>
+            <a:endParaRPr kumimoji="0" lang="en-US" altLang="ko-KR" sz="1000" b="1" dirty="0" smtClean="0">
+              <a:latin typeface="나눔고딕OTF" pitchFamily="34" charset="-127"/>
+              <a:ea typeface="나눔고딕OTF" pitchFamily="34" charset="-127"/>
+            </a:endParaRPr>
+          </a:p>
+          <a:p>
+            <a:pPr marL="228600" indent="-228600">
+              <a:lnSpc>
+                <a:spcPct val="120000"/>
+              </a:lnSpc>
+            </a:pPr>
+            <a:r>
+              <a:rPr kumimoji="0" lang="en-US" altLang="ko-KR" sz="1000" dirty="0" smtClean="0">
+                <a:latin typeface="나눔고딕OTF" pitchFamily="34" charset="-127"/>
+                <a:ea typeface="나눔고딕OTF" pitchFamily="34" charset="-127"/>
+              </a:rPr>
+              <a:t> </a:t>
+            </a:r>
+            <a:r>
+              <a:rPr kumimoji="0" lang="en-US" altLang="ko-KR" sz="1000" dirty="0" smtClean="0">
+                <a:latin typeface="나눔고딕OTF" pitchFamily="34" charset="-127"/>
+                <a:ea typeface="나눔고딕OTF" pitchFamily="34" charset="-127"/>
+              </a:rPr>
+              <a:t>  - </a:t>
+            </a:r>
+            <a:r>
+              <a:rPr kumimoji="0" lang="ko-KR" altLang="en-US" sz="1000" dirty="0" smtClean="0">
+                <a:latin typeface="나눔고딕OTF" pitchFamily="34" charset="-127"/>
+                <a:ea typeface="나눔고딕OTF" pitchFamily="34" charset="-127"/>
+              </a:rPr>
+              <a:t>생성되어 있는 청구파일을 조회합니다</a:t>
+            </a:r>
+            <a:r>
+              <a:rPr kumimoji="0" lang="en-US" altLang="ko-KR" sz="1000" dirty="0" smtClean="0">
+                <a:latin typeface="나눔고딕OTF" pitchFamily="34" charset="-127"/>
+                <a:ea typeface="나눔고딕OTF" pitchFamily="34" charset="-127"/>
+              </a:rPr>
+              <a:t>.</a:t>
+            </a:r>
+          </a:p>
+          <a:p>
+            <a:pPr marL="228600" indent="-228600">
+              <a:lnSpc>
+                <a:spcPct val="120000"/>
+              </a:lnSpc>
+            </a:pPr>
+            <a:r>
+              <a:rPr kumimoji="0" lang="en-US" altLang="ko-KR" sz="1000" dirty="0" smtClean="0">
+                <a:latin typeface="나눔고딕OTF" pitchFamily="34" charset="-127"/>
+                <a:ea typeface="나눔고딕OTF" pitchFamily="34" charset="-127"/>
+              </a:rPr>
+              <a:t> </a:t>
+            </a:r>
+            <a:r>
+              <a:rPr kumimoji="0" lang="en-US" altLang="ko-KR" sz="1000" dirty="0" smtClean="0">
+                <a:latin typeface="나눔고딕OTF" pitchFamily="34" charset="-127"/>
+                <a:ea typeface="나눔고딕OTF" pitchFamily="34" charset="-127"/>
+              </a:rPr>
+              <a:t>  - </a:t>
+            </a:r>
+            <a:r>
+              <a:rPr kumimoji="0" lang="en-US" altLang="ko-KR" sz="1000" dirty="0" smtClean="0">
+                <a:latin typeface="나눔고딕OTF" pitchFamily="34" charset="-127"/>
+                <a:ea typeface="나눔고딕OTF" pitchFamily="34" charset="-127"/>
+              </a:rPr>
+              <a:t>“</a:t>
+            </a:r>
+            <a:r>
+              <a:rPr kumimoji="0" lang="ko-KR" altLang="en-US" sz="1000" dirty="0" smtClean="0">
+                <a:latin typeface="나눔고딕OTF" pitchFamily="34" charset="-127"/>
+                <a:ea typeface="나눔고딕OTF" pitchFamily="34" charset="-127"/>
+              </a:rPr>
+              <a:t>반송</a:t>
+            </a:r>
+            <a:r>
+              <a:rPr kumimoji="0" lang="en-US" altLang="ko-KR" sz="1000" dirty="0" smtClean="0">
+                <a:latin typeface="나눔고딕OTF" pitchFamily="34" charset="-127"/>
+                <a:ea typeface="나눔고딕OTF" pitchFamily="34" charset="-127"/>
+              </a:rPr>
+              <a:t>” : </a:t>
+            </a:r>
+            <a:r>
+              <a:rPr kumimoji="0" lang="ko-KR" altLang="en-US" sz="1000" dirty="0" smtClean="0">
+                <a:latin typeface="나눔고딕OTF" pitchFamily="34" charset="-127"/>
+                <a:ea typeface="나눔고딕OTF" pitchFamily="34" charset="-127"/>
+              </a:rPr>
+              <a:t>조회 내역에서 선택한 청구파일을 전체 반송처리</a:t>
+            </a:r>
+            <a:endParaRPr kumimoji="0" lang="en-US" altLang="ko-KR" sz="1000" dirty="0" smtClean="0">
+              <a:latin typeface="나눔고딕OTF" pitchFamily="34" charset="-127"/>
+              <a:ea typeface="나눔고딕OTF" pitchFamily="34" charset="-127"/>
+            </a:endParaRPr>
+          </a:p>
+          <a:p>
+            <a:pPr marL="228600" indent="-228600">
+              <a:lnSpc>
+                <a:spcPct val="120000"/>
+              </a:lnSpc>
+            </a:pPr>
+            <a:r>
+              <a:rPr kumimoji="0" lang="en-US" altLang="ko-KR" sz="1000" dirty="0" smtClean="0">
+                <a:latin typeface="나눔고딕OTF" pitchFamily="34" charset="-127"/>
+                <a:ea typeface="나눔고딕OTF" pitchFamily="34" charset="-127"/>
+              </a:rPr>
+              <a:t>	</a:t>
+            </a:r>
+            <a:r>
+              <a:rPr kumimoji="0" lang="ko-KR" altLang="en-US" sz="1000" dirty="0" smtClean="0">
+                <a:latin typeface="나눔고딕OTF" pitchFamily="34" charset="-127"/>
+                <a:ea typeface="나눔고딕OTF" pitchFamily="34" charset="-127"/>
+              </a:rPr>
+              <a:t>합니다</a:t>
+            </a:r>
+            <a:r>
+              <a:rPr kumimoji="0" lang="en-US" altLang="ko-KR" sz="1000" dirty="0" smtClean="0">
+                <a:latin typeface="나눔고딕OTF" pitchFamily="34" charset="-127"/>
+                <a:ea typeface="나눔고딕OTF" pitchFamily="34" charset="-127"/>
+              </a:rPr>
+              <a:t>.</a:t>
+            </a:r>
+          </a:p>
+          <a:p>
+            <a:pPr marL="228600" indent="-228600">
+              <a:lnSpc>
+                <a:spcPct val="120000"/>
+              </a:lnSpc>
+            </a:pPr>
+            <a:r>
+              <a:rPr kumimoji="0" lang="en-US" altLang="ko-KR" sz="1000" dirty="0" smtClean="0">
+                <a:latin typeface="나눔고딕OTF" pitchFamily="34" charset="-127"/>
+                <a:ea typeface="나눔고딕OTF" pitchFamily="34" charset="-127"/>
+              </a:rPr>
+              <a:t> </a:t>
+            </a:r>
+            <a:r>
+              <a:rPr kumimoji="0" lang="en-US" altLang="ko-KR" sz="1000" dirty="0" smtClean="0">
+                <a:latin typeface="나눔고딕OTF" pitchFamily="34" charset="-127"/>
+                <a:ea typeface="나눔고딕OTF" pitchFamily="34" charset="-127"/>
+              </a:rPr>
+              <a:t>  - “</a:t>
+            </a:r>
+            <a:r>
+              <a:rPr kumimoji="0" lang="ko-KR" altLang="en-US" sz="1000" dirty="0" smtClean="0">
+                <a:latin typeface="나눔고딕OTF" pitchFamily="34" charset="-127"/>
+                <a:ea typeface="나눔고딕OTF" pitchFamily="34" charset="-127"/>
+              </a:rPr>
+              <a:t>엑셀</a:t>
+            </a:r>
+            <a:r>
+              <a:rPr kumimoji="0" lang="en-US" altLang="ko-KR" sz="1000" dirty="0" smtClean="0">
+                <a:latin typeface="나눔고딕OTF" pitchFamily="34" charset="-127"/>
+                <a:ea typeface="나눔고딕OTF" pitchFamily="34" charset="-127"/>
+              </a:rPr>
+              <a:t>” : </a:t>
+            </a:r>
+            <a:r>
+              <a:rPr kumimoji="0" lang="ko-KR" altLang="en-US" sz="1000" dirty="0" smtClean="0">
+                <a:latin typeface="나눔고딕OTF" pitchFamily="34" charset="-127"/>
+                <a:ea typeface="나눔고딕OTF" pitchFamily="34" charset="-127"/>
+              </a:rPr>
+              <a:t>조회 내역을 엑셀로 출력합니다</a:t>
+            </a:r>
+            <a:r>
+              <a:rPr kumimoji="0" lang="en-US" altLang="ko-KR" sz="1000" dirty="0" smtClean="0">
+                <a:latin typeface="나눔고딕OTF" pitchFamily="34" charset="-127"/>
+                <a:ea typeface="나눔고딕OTF" pitchFamily="34" charset="-127"/>
+              </a:rPr>
+              <a:t>.</a:t>
+            </a:r>
+          </a:p>
+          <a:p>
+            <a:pPr marL="228600" indent="-228600">
+              <a:lnSpc>
+                <a:spcPct val="120000"/>
+              </a:lnSpc>
+            </a:pPr>
+            <a:r>
+              <a:rPr kumimoji="0" lang="en-US" altLang="ko-KR" sz="1000" dirty="0" smtClean="0">
+                <a:latin typeface="나눔고딕OTF" pitchFamily="34" charset="-127"/>
+                <a:ea typeface="나눔고딕OTF" pitchFamily="34" charset="-127"/>
+              </a:rPr>
+              <a:t> </a:t>
+            </a:r>
+            <a:r>
+              <a:rPr kumimoji="0" lang="en-US" altLang="ko-KR" sz="1000" dirty="0" smtClean="0">
+                <a:latin typeface="나눔고딕OTF" pitchFamily="34" charset="-127"/>
+                <a:ea typeface="나눔고딕OTF" pitchFamily="34" charset="-127"/>
+              </a:rPr>
+              <a:t>  - “</a:t>
+            </a:r>
+            <a:r>
+              <a:rPr kumimoji="0" lang="ko-KR" altLang="en-US" sz="1000" dirty="0" smtClean="0">
+                <a:latin typeface="나눔고딕OTF" pitchFamily="34" charset="-127"/>
+                <a:ea typeface="나눔고딕OTF" pitchFamily="34" charset="-127"/>
+              </a:rPr>
+              <a:t>개별명단</a:t>
+            </a:r>
+            <a:r>
+              <a:rPr kumimoji="0" lang="en-US" altLang="ko-KR" sz="1000" dirty="0" smtClean="0">
+                <a:latin typeface="나눔고딕OTF" pitchFamily="34" charset="-127"/>
+                <a:ea typeface="나눔고딕OTF" pitchFamily="34" charset="-127"/>
+              </a:rPr>
+              <a:t>” : </a:t>
+            </a:r>
+            <a:r>
+              <a:rPr kumimoji="0" lang="ko-KR" altLang="en-US" sz="1000" dirty="0" smtClean="0">
+                <a:latin typeface="나눔고딕OTF" pitchFamily="34" charset="-127"/>
+                <a:ea typeface="나눔고딕OTF" pitchFamily="34" charset="-127"/>
+              </a:rPr>
+              <a:t>조회 내역에서 선택한 청구파일의 명단을</a:t>
+            </a:r>
+            <a:endParaRPr kumimoji="0" lang="en-US" altLang="ko-KR" sz="1000" dirty="0" smtClean="0">
+              <a:latin typeface="나눔고딕OTF" pitchFamily="34" charset="-127"/>
+              <a:ea typeface="나눔고딕OTF" pitchFamily="34" charset="-127"/>
+            </a:endParaRPr>
+          </a:p>
+          <a:p>
+            <a:pPr marL="228600" indent="-228600">
+              <a:lnSpc>
+                <a:spcPct val="120000"/>
+              </a:lnSpc>
+            </a:pPr>
+            <a:r>
+              <a:rPr kumimoji="0" lang="en-US" altLang="ko-KR" sz="1000" dirty="0" smtClean="0">
+                <a:latin typeface="나눔고딕OTF" pitchFamily="34" charset="-127"/>
+                <a:ea typeface="나눔고딕OTF" pitchFamily="34" charset="-127"/>
+              </a:rPr>
+              <a:t>	</a:t>
+            </a:r>
+            <a:r>
+              <a:rPr kumimoji="0" lang="ko-KR" altLang="en-US" sz="1000" dirty="0" smtClean="0">
+                <a:latin typeface="나눔고딕OTF" pitchFamily="34" charset="-127"/>
+                <a:ea typeface="나눔고딕OTF" pitchFamily="34" charset="-127"/>
+              </a:rPr>
+              <a:t>표시합니다</a:t>
+            </a:r>
+            <a:r>
+              <a:rPr kumimoji="0" lang="en-US" altLang="ko-KR" sz="1000" dirty="0" smtClean="0">
+                <a:latin typeface="나눔고딕OTF" pitchFamily="34" charset="-127"/>
+                <a:ea typeface="나눔고딕OTF" pitchFamily="34" charset="-127"/>
+              </a:rPr>
+              <a:t>.</a:t>
+            </a:r>
+          </a:p>
+          <a:p>
+            <a:pPr marL="228600" indent="-228600">
+              <a:lnSpc>
+                <a:spcPct val="120000"/>
+              </a:lnSpc>
+            </a:pPr>
+            <a:r>
+              <a:rPr kumimoji="0" lang="en-US" altLang="ko-KR" sz="1000" dirty="0" smtClean="0">
+                <a:latin typeface="나눔고딕OTF" pitchFamily="34" charset="-127"/>
+                <a:ea typeface="나눔고딕OTF" pitchFamily="34" charset="-127"/>
+              </a:rPr>
+              <a:t> </a:t>
+            </a:r>
+            <a:r>
+              <a:rPr kumimoji="0" lang="en-US" altLang="ko-KR" sz="1000" dirty="0" smtClean="0">
+                <a:latin typeface="나눔고딕OTF" pitchFamily="34" charset="-127"/>
+                <a:ea typeface="나눔고딕OTF" pitchFamily="34" charset="-127"/>
+              </a:rPr>
+              <a:t>  </a:t>
+            </a:r>
+            <a:r>
+              <a:rPr kumimoji="0" lang="en-US" altLang="ko-KR" sz="1000" dirty="0" smtClean="0">
+                <a:solidFill>
+                  <a:srgbClr val="FF0000"/>
+                </a:solidFill>
+                <a:latin typeface="나눔고딕OTF" pitchFamily="34" charset="-127"/>
+                <a:ea typeface="나눔고딕OTF" pitchFamily="34" charset="-127"/>
+              </a:rPr>
+              <a:t>* </a:t>
+            </a:r>
+            <a:r>
+              <a:rPr kumimoji="0" lang="ko-KR" altLang="en-US" sz="1000" dirty="0" smtClean="0">
+                <a:solidFill>
+                  <a:srgbClr val="FF0000"/>
+                </a:solidFill>
+                <a:latin typeface="나눔고딕OTF" pitchFamily="34" charset="-127"/>
+                <a:ea typeface="나눔고딕OTF" pitchFamily="34" charset="-127"/>
+              </a:rPr>
+              <a:t>개별명단 화면에 대한 설명은 다음페이지에 있습니다</a:t>
+            </a:r>
+            <a:r>
+              <a:rPr kumimoji="0" lang="en-US" altLang="ko-KR" sz="1000" dirty="0" smtClean="0">
+                <a:solidFill>
+                  <a:srgbClr val="FF0000"/>
+                </a:solidFill>
+                <a:latin typeface="나눔고딕OTF" pitchFamily="34" charset="-127"/>
+                <a:ea typeface="나눔고딕OTF" pitchFamily="34" charset="-127"/>
+              </a:rPr>
+              <a:t>.</a:t>
+            </a:r>
+            <a:endParaRPr kumimoji="0" lang="en-US" altLang="ko-KR" sz="1000" dirty="0" smtClean="0">
+              <a:latin typeface="나눔고딕OTF" pitchFamily="34" charset="-127"/>
+              <a:ea typeface="나눔고딕OTF" pitchFamily="34" charset="-127"/>
+            </a:endParaRPr>
+          </a:p>
+        </p:txBody>
+      </p:sp>
+      <p:sp>
+        <p:nvSpPr>
+          <p:cNvPr id="13" name="직사각형 12"/>
+          <p:cNvSpPr/>
+          <p:nvPr/>
+        </p:nvSpPr>
+        <p:spPr>
+          <a:xfrm>
+            <a:off x="666720" y="2387678"/>
+            <a:ext cx="5143536" cy="255504"/>
+          </a:xfrm>
+          <a:prstGeom prst="rect">
+            <a:avLst/>
+          </a:prstGeom>
+          <a:noFill/>
+          <a:ln w="12700">
+            <a:solidFill>
+              <a:srgbClr val="FF0000"/>
+            </a:solidFill>
+          </a:ln>
+        </p:spPr>
+        <p:style>
+          <a:lnRef idx="2">
+            <a:schemeClr val="accent1">
+              <a:shade val="50000"/>
+            </a:schemeClr>
+          </a:lnRef>
+          <a:fillRef idx="1">
+            <a:schemeClr val="accent1"/>
+          </a:fillRef>
+          <a:effectRef idx="0">
+            <a:schemeClr val="accent1"/>
+          </a:effectRef>
+          <a:fontRef idx="minor">
+            <a:schemeClr val="lt1"/>
+          </a:fontRef>
+        </p:style>
+        <p:txBody>
+          <a:bodyPr anchor="ctr"/>
+          <a:lstStyle/>
+          <a:p>
+            <a:pPr algn="ctr" fontAlgn="auto">
+              <a:spcBef>
+                <a:spcPts val="0"/>
+              </a:spcBef>
+              <a:spcAft>
+                <a:spcPts val="0"/>
+              </a:spcAft>
+              <a:defRPr/>
+            </a:pPr>
+            <a:endParaRPr kumimoji="0" lang="ko-KR" altLang="en-US" dirty="0">
+              <a:latin typeface="나눔고딕OTF" pitchFamily="34" charset="-127"/>
+              <a:ea typeface="나눔고딕OTF" pitchFamily="34" charset="-127"/>
+            </a:endParaRPr>
+          </a:p>
+        </p:txBody>
+      </p:sp>
+      <p:sp>
+        <p:nvSpPr>
+          <p:cNvPr id="14" name="타원 13"/>
+          <p:cNvSpPr/>
+          <p:nvPr/>
+        </p:nvSpPr>
+        <p:spPr>
+          <a:xfrm>
+            <a:off x="452406" y="2285992"/>
+            <a:ext cx="214314" cy="214314"/>
+          </a:xfrm>
+          <a:prstGeom prst="ellipse">
+            <a:avLst/>
+          </a:prstGeom>
+          <a:solidFill>
+            <a:schemeClr val="bg1"/>
+          </a:solidFill>
+          <a:ln>
+            <a:solidFill>
+              <a:srgbClr val="FF0000"/>
+            </a:solidFill>
+          </a:ln>
+        </p:spPr>
+        <p:style>
+          <a:lnRef idx="2">
+            <a:schemeClr val="accent1">
+              <a:shade val="50000"/>
+            </a:schemeClr>
+          </a:lnRef>
+          <a:fillRef idx="1">
+            <a:schemeClr val="accent1"/>
+          </a:fillRef>
+          <a:effectRef idx="0">
+            <a:schemeClr val="accent1"/>
+          </a:effectRef>
+          <a:fontRef idx="minor">
+            <a:schemeClr val="lt1"/>
+          </a:fontRef>
+        </p:style>
+        <p:txBody>
+          <a:bodyPr anchor="ctr"/>
+          <a:lstStyle/>
+          <a:p>
+            <a:pPr algn="ctr">
+              <a:defRPr/>
+            </a:pPr>
+            <a:r>
+              <a:rPr lang="en-US" altLang="ko-KR" sz="1000" dirty="0" smtClean="0">
+                <a:solidFill>
+                  <a:schemeClr val="tx1"/>
+                </a:solidFill>
+              </a:rPr>
               <a:t>2</a:t>
             </a:r>
             <a:endParaRPr lang="ko-KR" altLang="en-US" sz="1000" dirty="0">
@@ -25109,7 +27050,3013 @@
 </p:sld>
 </file>
 
-<file path=ppt/slides/slide29.xml><?xml version="1.0" encoding="utf-8"?>
+<file path=ppt/slides/slide3.xml><?xml version="1.0" encoding="utf-8"?>
+<p:sld xmlns:a="http://schemas.openxmlformats.org/drawingml/2006/main" xmlns:r="http://schemas.openxmlformats.org/officeDocument/2006/relationships" xmlns:p="http://schemas.openxmlformats.org/presentationml/2006/main">
+  <p:cSld>
+    <p:spTree>
+      <p:nvGrpSpPr>
+        <p:cNvPr id="1" name=""/>
+        <p:cNvGrpSpPr/>
+        <p:nvPr/>
+      </p:nvGrpSpPr>
+      <p:grpSpPr>
+        <a:xfrm>
+          <a:off x="0" y="0"/>
+          <a:ext cx="0" cy="0"/>
+          <a:chOff x="0" y="0"/>
+          <a:chExt cx="0" cy="0"/>
+        </a:xfrm>
+      </p:grpSpPr>
+      <p:sp>
+        <p:nvSpPr>
+          <p:cNvPr id="6" name="TextBox 5"/>
+          <p:cNvSpPr txBox="1"/>
+          <p:nvPr/>
+        </p:nvSpPr>
+        <p:spPr>
+          <a:xfrm>
+            <a:off x="1497013" y="282575"/>
+            <a:ext cx="2492375" cy="368300"/>
+          </a:xfrm>
+          <a:prstGeom prst="rect">
+            <a:avLst/>
+          </a:prstGeom>
+          <a:noFill/>
+        </p:spPr>
+        <p:txBody>
+          <a:bodyPr wrap="none">
+            <a:spAutoFit/>
+          </a:bodyPr>
+          <a:lstStyle/>
+          <a:p>
+            <a:pPr fontAlgn="auto">
+              <a:spcBef>
+                <a:spcPts val="0"/>
+              </a:spcBef>
+              <a:spcAft>
+                <a:spcPts val="0"/>
+              </a:spcAft>
+              <a:defRPr/>
+            </a:pPr>
+            <a:r>
+              <a:rPr kumimoji="0" lang="ko-KR" altLang="en-US" dirty="0">
+                <a:solidFill>
+                  <a:schemeClr val="bg1">
+                    <a:lumMod val="50000"/>
+                  </a:schemeClr>
+                </a:solidFill>
+                <a:latin typeface="나눔고딕OTF ExtraBold" pitchFamily="34" charset="-127"/>
+                <a:ea typeface="나눔고딕OTF ExtraBold" pitchFamily="34" charset="-127"/>
+              </a:rPr>
+              <a:t>프로그램 실행 </a:t>
+            </a:r>
+            <a:r>
+              <a:rPr kumimoji="0" lang="en-US" altLang="ko-KR" dirty="0">
+                <a:solidFill>
+                  <a:schemeClr val="bg1">
+                    <a:lumMod val="50000"/>
+                  </a:schemeClr>
+                </a:solidFill>
+                <a:latin typeface="나눔고딕OTF ExtraBold" pitchFamily="34" charset="-127"/>
+                <a:ea typeface="나눔고딕OTF ExtraBold" pitchFamily="34" charset="-127"/>
+              </a:rPr>
+              <a:t>&amp; </a:t>
+            </a:r>
+            <a:r>
+              <a:rPr kumimoji="0" lang="ko-KR" altLang="en-US" dirty="0">
+                <a:solidFill>
+                  <a:schemeClr val="bg1">
+                    <a:lumMod val="50000"/>
+                  </a:schemeClr>
+                </a:solidFill>
+                <a:latin typeface="나눔고딕OTF ExtraBold" pitchFamily="34" charset="-127"/>
+                <a:ea typeface="나눔고딕OTF ExtraBold" pitchFamily="34" charset="-127"/>
+              </a:rPr>
+              <a:t>로그인</a:t>
+            </a:r>
+          </a:p>
+        </p:txBody>
+      </p:sp>
+      <p:pic>
+        <p:nvPicPr>
+          <p:cNvPr id="13315" name="그림 11" descr="제목 없음.png"/>
+          <p:cNvPicPr>
+            <a:picLocks noChangeAspect="1"/>
+          </p:cNvPicPr>
+          <p:nvPr/>
+        </p:nvPicPr>
+        <p:blipFill>
+          <a:blip r:embed="rId2"/>
+          <a:srcRect/>
+          <a:stretch>
+            <a:fillRect/>
+          </a:stretch>
+        </p:blipFill>
+        <p:spPr bwMode="auto">
+          <a:xfrm>
+            <a:off x="1490663" y="1357313"/>
+            <a:ext cx="6929437" cy="4960937"/>
+          </a:xfrm>
+          <a:prstGeom prst="rect">
+            <a:avLst/>
+          </a:prstGeom>
+          <a:noFill/>
+          <a:ln w="9525">
+            <a:noFill/>
+            <a:miter lim="800000"/>
+            <a:headEnd/>
+            <a:tailEnd/>
+          </a:ln>
+        </p:spPr>
+      </p:pic>
+      <p:cxnSp>
+        <p:nvCxnSpPr>
+          <p:cNvPr id="13" name="직선 화살표 연결선 12"/>
+          <p:cNvCxnSpPr>
+            <a:endCxn id="13323" idx="0"/>
+          </p:cNvCxnSpPr>
+          <p:nvPr/>
+        </p:nvCxnSpPr>
+        <p:spPr>
+          <a:xfrm rot="5400000">
+            <a:off x="6142038" y="2765425"/>
+            <a:ext cx="1355725" cy="3175"/>
+          </a:xfrm>
+          <a:prstGeom prst="straightConnector1">
+            <a:avLst/>
+          </a:prstGeom>
+          <a:ln w="19050">
+            <a:solidFill>
+              <a:srgbClr val="7030A0"/>
+            </a:solidFill>
+            <a:tailEnd type="arrow"/>
+          </a:ln>
+        </p:spPr>
+        <p:style>
+          <a:lnRef idx="1">
+            <a:schemeClr val="accent1"/>
+          </a:lnRef>
+          <a:fillRef idx="0">
+            <a:schemeClr val="accent1"/>
+          </a:fillRef>
+          <a:effectRef idx="0">
+            <a:schemeClr val="accent1"/>
+          </a:effectRef>
+          <a:fontRef idx="minor">
+            <a:schemeClr val="tx1"/>
+          </a:fontRef>
+        </p:style>
+      </p:cxnSp>
+      <p:sp>
+        <p:nvSpPr>
+          <p:cNvPr id="13317" name="TextBox 4"/>
+          <p:cNvSpPr txBox="1">
+            <a:spLocks noChangeArrowheads="1"/>
+          </p:cNvSpPr>
+          <p:nvPr/>
+        </p:nvSpPr>
+        <p:spPr bwMode="auto">
+          <a:xfrm>
+            <a:off x="381000" y="785813"/>
+            <a:ext cx="1120775" cy="307975"/>
+          </a:xfrm>
+          <a:prstGeom prst="rect">
+            <a:avLst/>
+          </a:prstGeom>
+          <a:noFill/>
+          <a:ln w="9525">
+            <a:noFill/>
+            <a:miter lim="800000"/>
+            <a:headEnd/>
+            <a:tailEnd/>
+          </a:ln>
+        </p:spPr>
+        <p:txBody>
+          <a:bodyPr wrap="none">
+            <a:spAutoFit/>
+          </a:bodyPr>
+          <a:lstStyle/>
+          <a:p>
+            <a:r>
+              <a:rPr kumimoji="0" lang="en-US" altLang="ko-KR" sz="1400" b="1">
+                <a:latin typeface="나눔고딕OTF" pitchFamily="34" charset="-127"/>
+                <a:ea typeface="나눔고딕OTF" pitchFamily="34" charset="-127"/>
+              </a:rPr>
+              <a:t>2. </a:t>
+            </a:r>
+            <a:r>
+              <a:rPr kumimoji="0" lang="ko-KR" altLang="en-US" sz="1400" b="1">
+                <a:latin typeface="나눔고딕OTF" pitchFamily="34" charset="-127"/>
+                <a:ea typeface="나눔고딕OTF" pitchFamily="34" charset="-127"/>
+              </a:rPr>
+              <a:t>메인 화면</a:t>
+            </a:r>
+          </a:p>
+        </p:txBody>
+      </p:sp>
+      <p:sp>
+        <p:nvSpPr>
+          <p:cNvPr id="13318" name="TextBox 59"/>
+          <p:cNvSpPr txBox="1">
+            <a:spLocks noChangeArrowheads="1"/>
+          </p:cNvSpPr>
+          <p:nvPr/>
+        </p:nvSpPr>
+        <p:spPr bwMode="auto">
+          <a:xfrm>
+            <a:off x="415925" y="1052513"/>
+            <a:ext cx="9074150" cy="276225"/>
+          </a:xfrm>
+          <a:prstGeom prst="rect">
+            <a:avLst/>
+          </a:prstGeom>
+          <a:noFill/>
+          <a:ln w="9525">
+            <a:noFill/>
+            <a:miter lim="800000"/>
+            <a:headEnd/>
+            <a:tailEnd/>
+          </a:ln>
+        </p:spPr>
+        <p:txBody>
+          <a:bodyPr>
+            <a:spAutoFit/>
+          </a:bodyPr>
+          <a:lstStyle/>
+          <a:p>
+            <a:r>
+              <a:rPr kumimoji="0" lang="en-US" altLang="ko-KR" sz="1200">
+                <a:latin typeface="나눔고딕OTF" pitchFamily="34" charset="-127"/>
+                <a:ea typeface="나눔고딕OTF" pitchFamily="34" charset="-127"/>
+              </a:rPr>
+              <a:t>- </a:t>
+            </a:r>
+            <a:r>
+              <a:rPr kumimoji="0" lang="ko-KR" altLang="en-US" sz="1200">
+                <a:latin typeface="나눔고딕OTF" pitchFamily="34" charset="-127"/>
+                <a:ea typeface="나눔고딕OTF" pitchFamily="34" charset="-127"/>
+              </a:rPr>
+              <a:t>앨리스 실행 시 초기 메인화면입니다</a:t>
+            </a:r>
+            <a:r>
+              <a:rPr kumimoji="0" lang="en-US" altLang="ko-KR" sz="1200">
+                <a:latin typeface="나눔고딕OTF" pitchFamily="34" charset="-127"/>
+                <a:ea typeface="나눔고딕OTF" pitchFamily="34" charset="-127"/>
+              </a:rPr>
+              <a:t>.</a:t>
+            </a:r>
+          </a:p>
+        </p:txBody>
+      </p:sp>
+      <p:sp>
+        <p:nvSpPr>
+          <p:cNvPr id="16" name="직사각형 15"/>
+          <p:cNvSpPr/>
+          <p:nvPr/>
+        </p:nvSpPr>
+        <p:spPr>
+          <a:xfrm>
+            <a:off x="1533525" y="1571625"/>
+            <a:ext cx="6475413" cy="142875"/>
+          </a:xfrm>
+          <a:prstGeom prst="rect">
+            <a:avLst/>
+          </a:prstGeom>
+          <a:noFill/>
+          <a:ln>
+            <a:solidFill>
+              <a:srgbClr val="FF0000"/>
+            </a:solidFill>
+          </a:ln>
+        </p:spPr>
+        <p:style>
+          <a:lnRef idx="2">
+            <a:schemeClr val="accent1">
+              <a:shade val="50000"/>
+            </a:schemeClr>
+          </a:lnRef>
+          <a:fillRef idx="1">
+            <a:schemeClr val="accent1"/>
+          </a:fillRef>
+          <a:effectRef idx="0">
+            <a:schemeClr val="accent1"/>
+          </a:effectRef>
+          <a:fontRef idx="minor">
+            <a:schemeClr val="lt1"/>
+          </a:fontRef>
+        </p:style>
+        <p:txBody>
+          <a:bodyPr anchor="ctr"/>
+          <a:lstStyle/>
+          <a:p>
+            <a:pPr algn="ctr" fontAlgn="auto">
+              <a:spcBef>
+                <a:spcPts val="0"/>
+              </a:spcBef>
+              <a:spcAft>
+                <a:spcPts val="0"/>
+              </a:spcAft>
+              <a:defRPr/>
+            </a:pPr>
+            <a:endParaRPr kumimoji="0" lang="ko-KR" altLang="en-US">
+              <a:latin typeface="나눔고딕OTF" pitchFamily="34" charset="-127"/>
+              <a:ea typeface="나눔고딕OTF" pitchFamily="34" charset="-127"/>
+            </a:endParaRPr>
+          </a:p>
+        </p:txBody>
+      </p:sp>
+      <p:sp>
+        <p:nvSpPr>
+          <p:cNvPr id="17" name="직사각형 16"/>
+          <p:cNvSpPr/>
+          <p:nvPr/>
+        </p:nvSpPr>
+        <p:spPr>
+          <a:xfrm>
+            <a:off x="1524000" y="1714500"/>
+            <a:ext cx="6119813" cy="390525"/>
+          </a:xfrm>
+          <a:prstGeom prst="rect">
+            <a:avLst/>
+          </a:prstGeom>
+          <a:noFill/>
+          <a:ln>
+            <a:solidFill>
+              <a:srgbClr val="FF0000"/>
+            </a:solidFill>
+          </a:ln>
+        </p:spPr>
+        <p:style>
+          <a:lnRef idx="2">
+            <a:schemeClr val="accent1">
+              <a:shade val="50000"/>
+            </a:schemeClr>
+          </a:lnRef>
+          <a:fillRef idx="1">
+            <a:schemeClr val="accent1"/>
+          </a:fillRef>
+          <a:effectRef idx="0">
+            <a:schemeClr val="accent1"/>
+          </a:effectRef>
+          <a:fontRef idx="minor">
+            <a:schemeClr val="lt1"/>
+          </a:fontRef>
+        </p:style>
+        <p:txBody>
+          <a:bodyPr anchor="ctr"/>
+          <a:lstStyle/>
+          <a:p>
+            <a:pPr algn="ctr" fontAlgn="auto">
+              <a:spcBef>
+                <a:spcPts val="0"/>
+              </a:spcBef>
+              <a:spcAft>
+                <a:spcPts val="0"/>
+              </a:spcAft>
+              <a:defRPr/>
+            </a:pPr>
+            <a:endParaRPr kumimoji="0" lang="ko-KR" altLang="en-US">
+              <a:latin typeface="나눔고딕OTF" pitchFamily="34" charset="-127"/>
+              <a:ea typeface="나눔고딕OTF" pitchFamily="34" charset="-127"/>
+            </a:endParaRPr>
+          </a:p>
+        </p:txBody>
+      </p:sp>
+      <p:cxnSp>
+        <p:nvCxnSpPr>
+          <p:cNvPr id="18" name="직선 화살표 연결선 17"/>
+          <p:cNvCxnSpPr/>
+          <p:nvPr/>
+        </p:nvCxnSpPr>
+        <p:spPr>
+          <a:xfrm rot="16200000" flipH="1">
+            <a:off x="4425156" y="2243932"/>
+            <a:ext cx="1071563" cy="12700"/>
+          </a:xfrm>
+          <a:prstGeom prst="straightConnector1">
+            <a:avLst/>
+          </a:prstGeom>
+          <a:ln w="19050">
+            <a:solidFill>
+              <a:srgbClr val="7030A0"/>
+            </a:solidFill>
+            <a:tailEnd type="arrow"/>
+          </a:ln>
+        </p:spPr>
+        <p:style>
+          <a:lnRef idx="1">
+            <a:schemeClr val="accent1"/>
+          </a:lnRef>
+          <a:fillRef idx="0">
+            <a:schemeClr val="accent1"/>
+          </a:fillRef>
+          <a:effectRef idx="0">
+            <a:schemeClr val="accent1"/>
+          </a:effectRef>
+          <a:fontRef idx="minor">
+            <a:schemeClr val="tx1"/>
+          </a:fontRef>
+        </p:style>
+      </p:cxnSp>
+      <p:sp>
+        <p:nvSpPr>
+          <p:cNvPr id="13322" name="TextBox 59"/>
+          <p:cNvSpPr txBox="1">
+            <a:spLocks noChangeArrowheads="1"/>
+          </p:cNvSpPr>
+          <p:nvPr/>
+        </p:nvSpPr>
+        <p:spPr bwMode="auto">
+          <a:xfrm>
+            <a:off x="4171950" y="2786063"/>
+            <a:ext cx="1924050" cy="461962"/>
+          </a:xfrm>
+          <a:prstGeom prst="rect">
+            <a:avLst/>
+          </a:prstGeom>
+          <a:noFill/>
+          <a:ln w="9525">
+            <a:solidFill>
+              <a:srgbClr val="FF0000"/>
+            </a:solidFill>
+            <a:miter lim="800000"/>
+            <a:headEnd/>
+            <a:tailEnd/>
+          </a:ln>
+        </p:spPr>
+        <p:txBody>
+          <a:bodyPr>
+            <a:spAutoFit/>
+          </a:bodyPr>
+          <a:lstStyle/>
+          <a:p>
+            <a:pPr algn="ctr"/>
+            <a:r>
+              <a:rPr kumimoji="0" lang="ko-KR" altLang="en-US" sz="1200">
+                <a:latin typeface="나눔고딕OTF" pitchFamily="34" charset="-127"/>
+                <a:ea typeface="나눔고딕OTF" pitchFamily="34" charset="-127"/>
+              </a:rPr>
+              <a:t>검진 유형 별 작업메뉴 </a:t>
+            </a:r>
+            <a:endParaRPr kumimoji="0" lang="en-US" altLang="ko-KR" sz="1200">
+              <a:latin typeface="나눔고딕OTF" pitchFamily="34" charset="-127"/>
+              <a:ea typeface="나눔고딕OTF" pitchFamily="34" charset="-127"/>
+            </a:endParaRPr>
+          </a:p>
+          <a:p>
+            <a:pPr algn="ctr"/>
+            <a:r>
+              <a:rPr kumimoji="0" lang="ko-KR" altLang="en-US" sz="1200">
+                <a:latin typeface="나눔고딕OTF" pitchFamily="34" charset="-127"/>
+                <a:ea typeface="나눔고딕OTF" pitchFamily="34" charset="-127"/>
+              </a:rPr>
+              <a:t>및 프로그램 관리</a:t>
+            </a:r>
+            <a:endParaRPr kumimoji="0" lang="en-US" altLang="ko-KR" sz="1200">
+              <a:latin typeface="나눔고딕OTF" pitchFamily="34" charset="-127"/>
+              <a:ea typeface="나눔고딕OTF" pitchFamily="34" charset="-127"/>
+            </a:endParaRPr>
+          </a:p>
+        </p:txBody>
+      </p:sp>
+      <p:sp>
+        <p:nvSpPr>
+          <p:cNvPr id="13323" name="TextBox 59"/>
+          <p:cNvSpPr txBox="1">
+            <a:spLocks noChangeArrowheads="1"/>
+          </p:cNvSpPr>
+          <p:nvPr/>
+        </p:nvSpPr>
+        <p:spPr bwMode="auto">
+          <a:xfrm>
+            <a:off x="5821363" y="3444875"/>
+            <a:ext cx="1993900" cy="277813"/>
+          </a:xfrm>
+          <a:prstGeom prst="rect">
+            <a:avLst/>
+          </a:prstGeom>
+          <a:noFill/>
+          <a:ln w="9525">
+            <a:solidFill>
+              <a:srgbClr val="FF0000"/>
+            </a:solidFill>
+            <a:miter lim="800000"/>
+            <a:headEnd/>
+            <a:tailEnd/>
+          </a:ln>
+        </p:spPr>
+        <p:txBody>
+          <a:bodyPr>
+            <a:spAutoFit/>
+          </a:bodyPr>
+          <a:lstStyle/>
+          <a:p>
+            <a:pPr algn="ctr"/>
+            <a:r>
+              <a:rPr kumimoji="0" lang="ko-KR" altLang="en-US" sz="1200">
+                <a:latin typeface="나눔고딕OTF" pitchFamily="34" charset="-127"/>
+                <a:ea typeface="나눔고딕OTF" pitchFamily="34" charset="-127"/>
+              </a:rPr>
+              <a:t>검진 결과 입력 및 판정</a:t>
+            </a:r>
+            <a:endParaRPr kumimoji="0" lang="en-US" altLang="ko-KR" sz="1200">
+              <a:latin typeface="나눔고딕OTF" pitchFamily="34" charset="-127"/>
+              <a:ea typeface="나눔고딕OTF" pitchFamily="34" charset="-127"/>
+            </a:endParaRPr>
+          </a:p>
+        </p:txBody>
+      </p:sp>
+      <p:sp>
+        <p:nvSpPr>
+          <p:cNvPr id="13324" name="TextBox 59"/>
+          <p:cNvSpPr txBox="1">
+            <a:spLocks noChangeArrowheads="1"/>
+          </p:cNvSpPr>
+          <p:nvPr/>
+        </p:nvSpPr>
+        <p:spPr bwMode="auto">
+          <a:xfrm>
+            <a:off x="5024438" y="4357688"/>
+            <a:ext cx="1995487" cy="276225"/>
+          </a:xfrm>
+          <a:prstGeom prst="rect">
+            <a:avLst/>
+          </a:prstGeom>
+          <a:noFill/>
+          <a:ln w="9525">
+            <a:solidFill>
+              <a:srgbClr val="FF0000"/>
+            </a:solidFill>
+            <a:miter lim="800000"/>
+            <a:headEnd/>
+            <a:tailEnd/>
+          </a:ln>
+        </p:spPr>
+        <p:txBody>
+          <a:bodyPr>
+            <a:spAutoFit/>
+          </a:bodyPr>
+          <a:lstStyle/>
+          <a:p>
+            <a:pPr algn="ctr"/>
+            <a:r>
+              <a:rPr kumimoji="0" lang="ko-KR" altLang="en-US" sz="1200">
+                <a:latin typeface="나눔고딕OTF" pitchFamily="34" charset="-127"/>
+                <a:ea typeface="나눔고딕OTF" pitchFamily="34" charset="-127"/>
+              </a:rPr>
+              <a:t>결과 조회 화면</a:t>
+            </a:r>
+            <a:endParaRPr kumimoji="0" lang="en-US" altLang="ko-KR" sz="1200">
+              <a:latin typeface="나눔고딕OTF" pitchFamily="34" charset="-127"/>
+              <a:ea typeface="나눔고딕OTF" pitchFamily="34" charset="-127"/>
+            </a:endParaRPr>
+          </a:p>
+        </p:txBody>
+      </p:sp>
+      <p:sp>
+        <p:nvSpPr>
+          <p:cNvPr id="13325" name="TextBox 59"/>
+          <p:cNvSpPr txBox="1">
+            <a:spLocks noChangeArrowheads="1"/>
+          </p:cNvSpPr>
+          <p:nvPr/>
+        </p:nvSpPr>
+        <p:spPr bwMode="auto">
+          <a:xfrm>
+            <a:off x="1666875" y="4357688"/>
+            <a:ext cx="1995488" cy="276225"/>
+          </a:xfrm>
+          <a:prstGeom prst="rect">
+            <a:avLst/>
+          </a:prstGeom>
+          <a:noFill/>
+          <a:ln w="9525">
+            <a:solidFill>
+              <a:srgbClr val="FF0000"/>
+            </a:solidFill>
+            <a:miter lim="800000"/>
+            <a:headEnd/>
+            <a:tailEnd/>
+          </a:ln>
+        </p:spPr>
+        <p:txBody>
+          <a:bodyPr>
+            <a:spAutoFit/>
+          </a:bodyPr>
+          <a:lstStyle/>
+          <a:p>
+            <a:pPr algn="ctr"/>
+            <a:r>
+              <a:rPr kumimoji="0" lang="ko-KR" altLang="en-US" sz="1200">
+                <a:latin typeface="나눔고딕OTF" pitchFamily="34" charset="-127"/>
+                <a:ea typeface="나눔고딕OTF" pitchFamily="34" charset="-127"/>
+              </a:rPr>
+              <a:t>접수자 조회 화면</a:t>
+            </a:r>
+            <a:endParaRPr kumimoji="0" lang="en-US" altLang="ko-KR" sz="1200">
+              <a:latin typeface="나눔고딕OTF" pitchFamily="34" charset="-127"/>
+              <a:ea typeface="나눔고딕OTF" pitchFamily="34" charset="-127"/>
+            </a:endParaRPr>
+          </a:p>
+        </p:txBody>
+      </p:sp>
+    </p:spTree>
+  </p:cSld>
+  <p:clrMapOvr>
+    <a:masterClrMapping/>
+  </p:clrMapOvr>
+  <p:timing>
+    <p:tnLst>
+      <p:par>
+        <p:cTn id="1" dur="indefinite" restart="never" nodeType="tmRoot"/>
+      </p:par>
+    </p:tnLst>
+  </p:timing>
+</p:sld>
+</file>
+
+<file path=ppt/slides/slide30.xml><?xml version="1.0" encoding="utf-8"?>
+<p:sld xmlns:a="http://schemas.openxmlformats.org/drawingml/2006/main" xmlns:r="http://schemas.openxmlformats.org/officeDocument/2006/relationships" xmlns:p="http://schemas.openxmlformats.org/presentationml/2006/main">
+  <p:cSld>
+    <p:spTree>
+      <p:nvGrpSpPr>
+        <p:cNvPr id="1" name=""/>
+        <p:cNvGrpSpPr/>
+        <p:nvPr/>
+      </p:nvGrpSpPr>
+      <p:grpSpPr>
+        <a:xfrm>
+          <a:off x="0" y="0"/>
+          <a:ext cx="0" cy="0"/>
+          <a:chOff x="0" y="0"/>
+          <a:chExt cx="0" cy="0"/>
+        </a:xfrm>
+      </p:grpSpPr>
+      <p:pic>
+        <p:nvPicPr>
+          <p:cNvPr id="22530" name="Picture 8"/>
+          <p:cNvPicPr>
+            <a:picLocks noChangeAspect="1" noChangeArrowheads="1"/>
+          </p:cNvPicPr>
+          <p:nvPr/>
+        </p:nvPicPr>
+        <p:blipFill>
+          <a:blip r:embed="rId2"/>
+          <a:stretch>
+            <a:fillRect/>
+          </a:stretch>
+        </p:blipFill>
+        <p:spPr bwMode="auto">
+          <a:xfrm>
+            <a:off x="772285" y="1643050"/>
+            <a:ext cx="4994531" cy="3564518"/>
+          </a:xfrm>
+          <a:prstGeom prst="rect">
+            <a:avLst/>
+          </a:prstGeom>
+          <a:noFill/>
+          <a:ln w="9525">
+            <a:noFill/>
+            <a:miter lim="800000"/>
+            <a:headEnd/>
+            <a:tailEnd/>
+          </a:ln>
+        </p:spPr>
+      </p:pic>
+      <p:sp>
+        <p:nvSpPr>
+          <p:cNvPr id="6" name="TextBox 5"/>
+          <p:cNvSpPr txBox="1"/>
+          <p:nvPr/>
+        </p:nvSpPr>
+        <p:spPr>
+          <a:xfrm>
+            <a:off x="1497013" y="282575"/>
+            <a:ext cx="1705916" cy="369332"/>
+          </a:xfrm>
+          <a:prstGeom prst="rect">
+            <a:avLst/>
+          </a:prstGeom>
+          <a:noFill/>
+        </p:spPr>
+        <p:txBody>
+          <a:bodyPr wrap="none">
+            <a:spAutoFit/>
+          </a:bodyPr>
+          <a:lstStyle/>
+          <a:p>
+            <a:pPr fontAlgn="auto">
+              <a:spcBef>
+                <a:spcPts val="0"/>
+              </a:spcBef>
+              <a:spcAft>
+                <a:spcPts val="0"/>
+              </a:spcAft>
+              <a:defRPr/>
+            </a:pPr>
+            <a:r>
+              <a:rPr kumimoji="0" lang="ko-KR" altLang="en-US" dirty="0" smtClean="0">
+                <a:solidFill>
+                  <a:schemeClr val="bg1">
+                    <a:lumMod val="50000"/>
+                  </a:schemeClr>
+                </a:solidFill>
+                <a:latin typeface="나눔고딕OTF ExtraBold" pitchFamily="34" charset="-127"/>
+                <a:ea typeface="나눔고딕OTF ExtraBold" pitchFamily="34" charset="-127"/>
+              </a:rPr>
+              <a:t>건강검진 </a:t>
+            </a:r>
+            <a:r>
+              <a:rPr kumimoji="0" lang="en-US" altLang="ko-KR" dirty="0" smtClean="0">
+                <a:solidFill>
+                  <a:schemeClr val="bg1">
+                    <a:lumMod val="50000"/>
+                  </a:schemeClr>
+                </a:solidFill>
+                <a:latin typeface="나눔고딕OTF ExtraBold" pitchFamily="34" charset="-127"/>
+                <a:ea typeface="나눔고딕OTF ExtraBold" pitchFamily="34" charset="-127"/>
+              </a:rPr>
+              <a:t>– </a:t>
+            </a:r>
+            <a:r>
+              <a:rPr kumimoji="0" lang="ko-KR" altLang="en-US" dirty="0" smtClean="0">
+                <a:solidFill>
+                  <a:schemeClr val="bg1">
+                    <a:lumMod val="50000"/>
+                  </a:schemeClr>
+                </a:solidFill>
+                <a:latin typeface="나눔고딕OTF ExtraBold" pitchFamily="34" charset="-127"/>
+                <a:ea typeface="나눔고딕OTF ExtraBold" pitchFamily="34" charset="-127"/>
+              </a:rPr>
+              <a:t>청구</a:t>
+            </a:r>
+          </a:p>
+        </p:txBody>
+      </p:sp>
+      <p:sp>
+        <p:nvSpPr>
+          <p:cNvPr id="8" name="TextBox 4"/>
+          <p:cNvSpPr txBox="1">
+            <a:spLocks noChangeArrowheads="1"/>
+          </p:cNvSpPr>
+          <p:nvPr/>
+        </p:nvSpPr>
+        <p:spPr bwMode="auto">
+          <a:xfrm>
+            <a:off x="381000" y="785813"/>
+            <a:ext cx="2534668" cy="307777"/>
+          </a:xfrm>
+          <a:prstGeom prst="rect">
+            <a:avLst/>
+          </a:prstGeom>
+          <a:noFill/>
+          <a:ln w="9525">
+            <a:noFill/>
+            <a:miter lim="800000"/>
+            <a:headEnd/>
+            <a:tailEnd/>
+          </a:ln>
+        </p:spPr>
+        <p:txBody>
+          <a:bodyPr wrap="none">
+            <a:spAutoFit/>
+          </a:bodyPr>
+          <a:lstStyle/>
+          <a:p>
+            <a:r>
+              <a:rPr kumimoji="0" lang="en-US" altLang="ko-KR" sz="1400" b="1" dirty="0">
+                <a:latin typeface="나눔고딕OTF" pitchFamily="34" charset="-127"/>
+                <a:ea typeface="나눔고딕OTF" pitchFamily="34" charset="-127"/>
+              </a:rPr>
+              <a:t>- </a:t>
+            </a:r>
+            <a:r>
+              <a:rPr kumimoji="0" lang="ko-KR" altLang="en-US" sz="1400" b="1" dirty="0" smtClean="0">
+                <a:latin typeface="나눔고딕OTF" pitchFamily="34" charset="-127"/>
+                <a:ea typeface="나눔고딕OTF" pitchFamily="34" charset="-127"/>
+              </a:rPr>
+              <a:t>검진연계 </a:t>
+            </a:r>
+            <a:r>
+              <a:rPr kumimoji="0" lang="ko-KR" altLang="en-US" sz="1400" b="1" dirty="0" smtClean="0">
+                <a:latin typeface="나눔고딕OTF" pitchFamily="34" charset="-127"/>
+                <a:ea typeface="나눔고딕OTF" pitchFamily="34" charset="-127"/>
+              </a:rPr>
+              <a:t>파일확인 </a:t>
+            </a:r>
+            <a:r>
+              <a:rPr kumimoji="0" lang="en-US" altLang="ko-KR" sz="1400" b="1" dirty="0" smtClean="0">
+                <a:latin typeface="나눔고딕OTF" pitchFamily="34" charset="-127"/>
+                <a:ea typeface="나눔고딕OTF" pitchFamily="34" charset="-127"/>
+              </a:rPr>
+              <a:t>- </a:t>
+            </a:r>
+            <a:r>
+              <a:rPr kumimoji="0" lang="ko-KR" altLang="en-US" sz="1400" b="1" dirty="0" smtClean="0">
+                <a:latin typeface="나눔고딕OTF" pitchFamily="34" charset="-127"/>
+                <a:ea typeface="나눔고딕OTF" pitchFamily="34" charset="-127"/>
+              </a:rPr>
+              <a:t>개별명단</a:t>
+            </a:r>
+            <a:endParaRPr kumimoji="0" lang="ko-KR" altLang="en-US" sz="1400" b="1" dirty="0">
+              <a:latin typeface="나눔고딕OTF" pitchFamily="34" charset="-127"/>
+              <a:ea typeface="나눔고딕OTF" pitchFamily="34" charset="-127"/>
+            </a:endParaRPr>
+          </a:p>
+        </p:txBody>
+      </p:sp>
+      <p:sp>
+        <p:nvSpPr>
+          <p:cNvPr id="10" name="직사각형 9"/>
+          <p:cNvSpPr/>
+          <p:nvPr/>
+        </p:nvSpPr>
+        <p:spPr>
+          <a:xfrm>
+            <a:off x="809596" y="2071678"/>
+            <a:ext cx="4929222" cy="1571636"/>
+          </a:xfrm>
+          <a:prstGeom prst="rect">
+            <a:avLst/>
+          </a:prstGeom>
+          <a:noFill/>
+          <a:ln w="12700">
+            <a:solidFill>
+              <a:srgbClr val="FF0000"/>
+            </a:solidFill>
+          </a:ln>
+        </p:spPr>
+        <p:style>
+          <a:lnRef idx="2">
+            <a:schemeClr val="accent1">
+              <a:shade val="50000"/>
+            </a:schemeClr>
+          </a:lnRef>
+          <a:fillRef idx="1">
+            <a:schemeClr val="accent1"/>
+          </a:fillRef>
+          <a:effectRef idx="0">
+            <a:schemeClr val="accent1"/>
+          </a:effectRef>
+          <a:fontRef idx="minor">
+            <a:schemeClr val="lt1"/>
+          </a:fontRef>
+        </p:style>
+        <p:txBody>
+          <a:bodyPr anchor="ctr"/>
+          <a:lstStyle/>
+          <a:p>
+            <a:pPr algn="ctr" fontAlgn="auto">
+              <a:spcBef>
+                <a:spcPts val="0"/>
+              </a:spcBef>
+              <a:spcAft>
+                <a:spcPts val="0"/>
+              </a:spcAft>
+              <a:defRPr/>
+            </a:pPr>
+            <a:endParaRPr kumimoji="0" lang="ko-KR" altLang="en-US" dirty="0">
+              <a:latin typeface="나눔고딕OTF" pitchFamily="34" charset="-127"/>
+              <a:ea typeface="나눔고딕OTF" pitchFamily="34" charset="-127"/>
+            </a:endParaRPr>
+          </a:p>
+        </p:txBody>
+      </p:sp>
+      <p:sp>
+        <p:nvSpPr>
+          <p:cNvPr id="11" name="타원 10"/>
+          <p:cNvSpPr/>
+          <p:nvPr/>
+        </p:nvSpPr>
+        <p:spPr>
+          <a:xfrm>
+            <a:off x="595282" y="1953516"/>
+            <a:ext cx="214314" cy="214314"/>
+          </a:xfrm>
+          <a:prstGeom prst="ellipse">
+            <a:avLst/>
+          </a:prstGeom>
+          <a:solidFill>
+            <a:schemeClr val="bg1"/>
+          </a:solidFill>
+          <a:ln>
+            <a:solidFill>
+              <a:srgbClr val="FF0000"/>
+            </a:solidFill>
+          </a:ln>
+        </p:spPr>
+        <p:style>
+          <a:lnRef idx="2">
+            <a:schemeClr val="accent1">
+              <a:shade val="50000"/>
+            </a:schemeClr>
+          </a:lnRef>
+          <a:fillRef idx="1">
+            <a:schemeClr val="accent1"/>
+          </a:fillRef>
+          <a:effectRef idx="0">
+            <a:schemeClr val="accent1"/>
+          </a:effectRef>
+          <a:fontRef idx="minor">
+            <a:schemeClr val="lt1"/>
+          </a:fontRef>
+        </p:style>
+        <p:txBody>
+          <a:bodyPr anchor="ctr"/>
+          <a:lstStyle/>
+          <a:p>
+            <a:pPr algn="ctr">
+              <a:defRPr/>
+            </a:pPr>
+            <a:r>
+              <a:rPr lang="en-US" altLang="ko-KR" sz="1000" dirty="0" smtClean="0">
+                <a:solidFill>
+                  <a:schemeClr val="tx1"/>
+                </a:solidFill>
+              </a:rPr>
+              <a:t>1</a:t>
+            </a:r>
+            <a:endParaRPr lang="ko-KR" altLang="en-US" sz="1000" dirty="0">
+              <a:solidFill>
+                <a:schemeClr val="tx1"/>
+              </a:solidFill>
+            </a:endParaRPr>
+          </a:p>
+        </p:txBody>
+      </p:sp>
+      <p:sp>
+        <p:nvSpPr>
+          <p:cNvPr id="22535" name="TextBox 4"/>
+          <p:cNvSpPr txBox="1">
+            <a:spLocks noChangeArrowheads="1"/>
+          </p:cNvSpPr>
+          <p:nvPr/>
+        </p:nvSpPr>
+        <p:spPr bwMode="auto">
+          <a:xfrm>
+            <a:off x="6024571" y="1571612"/>
+            <a:ext cx="3608380" cy="1938992"/>
+          </a:xfrm>
+          <a:prstGeom prst="rect">
+            <a:avLst/>
+          </a:prstGeom>
+          <a:noFill/>
+          <a:ln w="9525">
+            <a:noFill/>
+            <a:miter lim="800000"/>
+            <a:headEnd/>
+            <a:tailEnd/>
+          </a:ln>
+        </p:spPr>
+        <p:txBody>
+          <a:bodyPr wrap="square">
+            <a:spAutoFit/>
+          </a:bodyPr>
+          <a:lstStyle/>
+          <a:p>
+            <a:pPr marL="228600" indent="-228600">
+              <a:lnSpc>
+                <a:spcPct val="120000"/>
+              </a:lnSpc>
+              <a:buAutoNum type="arabicParenR"/>
+            </a:pPr>
+            <a:r>
+              <a:rPr kumimoji="0" lang="ko-KR" altLang="en-US" sz="1000" b="1" dirty="0" smtClean="0">
+                <a:latin typeface="나눔고딕OTF" pitchFamily="34" charset="-127"/>
+                <a:ea typeface="나눔고딕OTF" pitchFamily="34" charset="-127"/>
+              </a:rPr>
+              <a:t>명단 조회</a:t>
+            </a:r>
+            <a:endParaRPr kumimoji="0" lang="en-US" altLang="ko-KR" sz="1000" b="1" dirty="0" smtClean="0">
+              <a:latin typeface="나눔고딕OTF" pitchFamily="34" charset="-127"/>
+              <a:ea typeface="나눔고딕OTF" pitchFamily="34" charset="-127"/>
+            </a:endParaRPr>
+          </a:p>
+          <a:p>
+            <a:pPr marL="228600" indent="-228600">
+              <a:lnSpc>
+                <a:spcPct val="120000"/>
+              </a:lnSpc>
+            </a:pPr>
+            <a:r>
+              <a:rPr kumimoji="0" lang="en-US" altLang="ko-KR" sz="1000" dirty="0" smtClean="0">
+                <a:latin typeface="나눔고딕OTF" pitchFamily="34" charset="-127"/>
+                <a:ea typeface="나눔고딕OTF" pitchFamily="34" charset="-127"/>
+              </a:rPr>
+              <a:t> </a:t>
+            </a:r>
+            <a:r>
+              <a:rPr kumimoji="0" lang="en-US" altLang="ko-KR" sz="1000" dirty="0" smtClean="0">
+                <a:latin typeface="나눔고딕OTF" pitchFamily="34" charset="-127"/>
+                <a:ea typeface="나눔고딕OTF" pitchFamily="34" charset="-127"/>
+              </a:rPr>
+              <a:t>  - </a:t>
+            </a:r>
+            <a:r>
+              <a:rPr kumimoji="0" lang="ko-KR" altLang="en-US" sz="1000" dirty="0" smtClean="0">
+                <a:latin typeface="나눔고딕OTF" pitchFamily="34" charset="-127"/>
+                <a:ea typeface="나눔고딕OTF" pitchFamily="34" charset="-127"/>
+              </a:rPr>
+              <a:t>선택한 청구파일에 들어있는 명단을 표시합니다</a:t>
+            </a:r>
+            <a:r>
+              <a:rPr kumimoji="0" lang="en-US" altLang="ko-KR" sz="1000" dirty="0" smtClean="0">
+                <a:latin typeface="나눔고딕OTF" pitchFamily="34" charset="-127"/>
+                <a:ea typeface="나눔고딕OTF" pitchFamily="34" charset="-127"/>
+              </a:rPr>
+              <a:t>.</a:t>
+            </a:r>
+          </a:p>
+          <a:p>
+            <a:pPr marL="228600" indent="-228600">
+              <a:lnSpc>
+                <a:spcPct val="120000"/>
+              </a:lnSpc>
+            </a:pPr>
+            <a:r>
+              <a:rPr kumimoji="0" lang="en-US" altLang="ko-KR" sz="1000" dirty="0" smtClean="0">
+                <a:latin typeface="나눔고딕OTF" pitchFamily="34" charset="-127"/>
+                <a:ea typeface="나눔고딕OTF" pitchFamily="34" charset="-127"/>
+              </a:rPr>
+              <a:t> </a:t>
+            </a:r>
+            <a:r>
+              <a:rPr kumimoji="0" lang="en-US" altLang="ko-KR" sz="1000" dirty="0" smtClean="0">
+                <a:latin typeface="나눔고딕OTF" pitchFamily="34" charset="-127"/>
+                <a:ea typeface="나눔고딕OTF" pitchFamily="34" charset="-127"/>
+              </a:rPr>
+              <a:t>  - </a:t>
+            </a:r>
+            <a:r>
+              <a:rPr kumimoji="0" lang="ko-KR" altLang="en-US" sz="1000" dirty="0" smtClean="0">
+                <a:latin typeface="나눔고딕OTF" pitchFamily="34" charset="-127"/>
+                <a:ea typeface="나눔고딕OTF" pitchFamily="34" charset="-127"/>
+              </a:rPr>
+              <a:t>좌측에 </a:t>
+            </a:r>
+            <a:r>
+              <a:rPr kumimoji="0" lang="en-US" altLang="ko-KR" sz="1000" dirty="0" smtClean="0">
+                <a:latin typeface="나눔고딕OTF" pitchFamily="34" charset="-127"/>
+                <a:ea typeface="나눔고딕OTF" pitchFamily="34" charset="-127"/>
+              </a:rPr>
+              <a:t>1</a:t>
+            </a:r>
+            <a:r>
+              <a:rPr kumimoji="0" lang="ko-KR" altLang="en-US" sz="1000" dirty="0" err="1" smtClean="0">
+                <a:latin typeface="나눔고딕OTF" pitchFamily="34" charset="-127"/>
+                <a:ea typeface="나눔고딕OTF" pitchFamily="34" charset="-127"/>
+              </a:rPr>
+              <a:t>차검진자</a:t>
+            </a:r>
+            <a:r>
+              <a:rPr kumimoji="0" lang="en-US" altLang="ko-KR" sz="1000" dirty="0" smtClean="0">
+                <a:latin typeface="나눔고딕OTF" pitchFamily="34" charset="-127"/>
+                <a:ea typeface="나눔고딕OTF" pitchFamily="34" charset="-127"/>
+              </a:rPr>
+              <a:t>, </a:t>
+            </a:r>
+            <a:r>
+              <a:rPr kumimoji="0" lang="ko-KR" altLang="en-US" sz="1000" dirty="0" smtClean="0">
+                <a:latin typeface="나눔고딕OTF" pitchFamily="34" charset="-127"/>
+                <a:ea typeface="나눔고딕OTF" pitchFamily="34" charset="-127"/>
+              </a:rPr>
+              <a:t>우측에 </a:t>
+            </a:r>
+            <a:r>
+              <a:rPr kumimoji="0" lang="en-US" altLang="ko-KR" sz="1000" dirty="0" smtClean="0">
+                <a:latin typeface="나눔고딕OTF" pitchFamily="34" charset="-127"/>
+                <a:ea typeface="나눔고딕OTF" pitchFamily="34" charset="-127"/>
+              </a:rPr>
+              <a:t>2</a:t>
+            </a:r>
+            <a:r>
+              <a:rPr kumimoji="0" lang="ko-KR" altLang="en-US" sz="1000" dirty="0" err="1" smtClean="0">
+                <a:latin typeface="나눔고딕OTF" pitchFamily="34" charset="-127"/>
+                <a:ea typeface="나눔고딕OTF" pitchFamily="34" charset="-127"/>
+              </a:rPr>
+              <a:t>차검진자</a:t>
+            </a:r>
+            <a:r>
+              <a:rPr kumimoji="0" lang="ko-KR" altLang="en-US" sz="1000" dirty="0" err="1" smtClean="0">
+                <a:latin typeface="나눔고딕OTF" pitchFamily="34" charset="-127"/>
+                <a:ea typeface="나눔고딕OTF" pitchFamily="34" charset="-127"/>
+              </a:rPr>
+              <a:t>가</a:t>
+            </a:r>
+            <a:r>
+              <a:rPr kumimoji="0" lang="ko-KR" altLang="en-US" sz="1000" dirty="0" smtClean="0">
+                <a:latin typeface="나눔고딕OTF" pitchFamily="34" charset="-127"/>
+                <a:ea typeface="나눔고딕OTF" pitchFamily="34" charset="-127"/>
+              </a:rPr>
+              <a:t> 표시됩니다</a:t>
+            </a:r>
+            <a:r>
+              <a:rPr kumimoji="0" lang="en-US" altLang="ko-KR" sz="1000" dirty="0" smtClean="0">
+                <a:latin typeface="나눔고딕OTF" pitchFamily="34" charset="-127"/>
+                <a:ea typeface="나눔고딕OTF" pitchFamily="34" charset="-127"/>
+              </a:rPr>
+              <a:t>.</a:t>
+            </a:r>
+          </a:p>
+          <a:p>
+            <a:pPr marL="228600" indent="-228600">
+              <a:lnSpc>
+                <a:spcPct val="120000"/>
+              </a:lnSpc>
+            </a:pPr>
+            <a:r>
+              <a:rPr kumimoji="0" lang="en-US" altLang="ko-KR" sz="1000" dirty="0" smtClean="0">
+                <a:latin typeface="나눔고딕OTF" pitchFamily="34" charset="-127"/>
+                <a:ea typeface="나눔고딕OTF" pitchFamily="34" charset="-127"/>
+              </a:rPr>
+              <a:t> </a:t>
+            </a:r>
+            <a:r>
+              <a:rPr kumimoji="0" lang="en-US" altLang="ko-KR" sz="1000" dirty="0" smtClean="0">
+                <a:latin typeface="나눔고딕OTF" pitchFamily="34" charset="-127"/>
+                <a:ea typeface="나눔고딕OTF" pitchFamily="34" charset="-127"/>
+              </a:rPr>
+              <a:t>  - “</a:t>
+            </a:r>
+            <a:r>
+              <a:rPr kumimoji="0" lang="ko-KR" altLang="en-US" sz="1000" dirty="0" smtClean="0">
+                <a:latin typeface="나눔고딕OTF" pitchFamily="34" charset="-127"/>
+                <a:ea typeface="나눔고딕OTF" pitchFamily="34" charset="-127"/>
+              </a:rPr>
+              <a:t>반송처리</a:t>
+            </a:r>
+            <a:r>
+              <a:rPr kumimoji="0" lang="en-US" altLang="ko-KR" sz="1000" dirty="0" smtClean="0">
+                <a:latin typeface="나눔고딕OTF" pitchFamily="34" charset="-127"/>
+                <a:ea typeface="나눔고딕OTF" pitchFamily="34" charset="-127"/>
+              </a:rPr>
+              <a:t>” : </a:t>
+            </a:r>
+            <a:r>
+              <a:rPr kumimoji="0" lang="ko-KR" altLang="en-US" sz="1000" dirty="0" smtClean="0">
+                <a:latin typeface="나눔고딕OTF" pitchFamily="34" charset="-127"/>
+                <a:ea typeface="나눔고딕OTF" pitchFamily="34" charset="-127"/>
+              </a:rPr>
+              <a:t>조회 내역에서 </a:t>
+            </a:r>
+            <a:r>
+              <a:rPr kumimoji="0" lang="ko-KR" altLang="en-US" sz="1000" dirty="0" err="1" smtClean="0">
+                <a:latin typeface="나눔고딕OTF" pitchFamily="34" charset="-127"/>
+                <a:ea typeface="나눔고딕OTF" pitchFamily="34" charset="-127"/>
+              </a:rPr>
+              <a:t>검진자를</a:t>
+            </a:r>
+            <a:r>
+              <a:rPr kumimoji="0" lang="ko-KR" altLang="en-US" sz="1000" dirty="0" smtClean="0">
+                <a:latin typeface="나눔고딕OTF" pitchFamily="34" charset="-127"/>
+                <a:ea typeface="나눔고딕OTF" pitchFamily="34" charset="-127"/>
+              </a:rPr>
+              <a:t> 체크하고 반송처리 버튼을 클릭하면 선택한 인원만 </a:t>
+            </a:r>
+            <a:r>
+              <a:rPr kumimoji="0" lang="ko-KR" altLang="en-US" sz="1000" dirty="0" err="1" smtClean="0">
+                <a:latin typeface="나눔고딕OTF" pitchFamily="34" charset="-127"/>
+                <a:ea typeface="나눔고딕OTF" pitchFamily="34" charset="-127"/>
+              </a:rPr>
+              <a:t>반송처리됩니다</a:t>
+            </a:r>
+            <a:r>
+              <a:rPr kumimoji="0" lang="en-US" altLang="ko-KR" sz="1000" dirty="0" smtClean="0">
+                <a:latin typeface="나눔고딕OTF" pitchFamily="34" charset="-127"/>
+                <a:ea typeface="나눔고딕OTF" pitchFamily="34" charset="-127"/>
+              </a:rPr>
+              <a:t>.</a:t>
+            </a:r>
+          </a:p>
+          <a:p>
+            <a:pPr marL="228600" indent="-228600">
+              <a:lnSpc>
+                <a:spcPct val="120000"/>
+              </a:lnSpc>
+            </a:pPr>
+            <a:endParaRPr kumimoji="0" lang="en-US" altLang="ko-KR" sz="1000" dirty="0" smtClean="0">
+              <a:latin typeface="나눔고딕OTF" pitchFamily="34" charset="-127"/>
+              <a:ea typeface="나눔고딕OTF" pitchFamily="34" charset="-127"/>
+            </a:endParaRPr>
+          </a:p>
+          <a:p>
+            <a:pPr marL="228600" indent="-228600">
+              <a:lnSpc>
+                <a:spcPct val="120000"/>
+              </a:lnSpc>
+              <a:buAutoNum type="arabicParenR" startAt="2"/>
+            </a:pPr>
+            <a:r>
+              <a:rPr kumimoji="0" lang="ko-KR" altLang="en-US" sz="1000" b="1" dirty="0" err="1" smtClean="0">
+                <a:latin typeface="나눔고딕OTF" pitchFamily="34" charset="-127"/>
+                <a:ea typeface="나눔고딕OTF" pitchFamily="34" charset="-127"/>
+              </a:rPr>
+              <a:t>검진자</a:t>
+            </a:r>
+            <a:r>
+              <a:rPr kumimoji="0" lang="ko-KR" altLang="en-US" sz="1000" b="1" dirty="0" smtClean="0">
+                <a:latin typeface="나눔고딕OTF" pitchFamily="34" charset="-127"/>
+                <a:ea typeface="나눔고딕OTF" pitchFamily="34" charset="-127"/>
+              </a:rPr>
+              <a:t> 조회</a:t>
+            </a:r>
+            <a:endParaRPr kumimoji="0" lang="en-US" altLang="ko-KR" sz="1000" b="1" dirty="0" smtClean="0">
+              <a:latin typeface="나눔고딕OTF" pitchFamily="34" charset="-127"/>
+              <a:ea typeface="나눔고딕OTF" pitchFamily="34" charset="-127"/>
+            </a:endParaRPr>
+          </a:p>
+          <a:p>
+            <a:pPr marL="228600" indent="-228600">
+              <a:lnSpc>
+                <a:spcPct val="120000"/>
+              </a:lnSpc>
+            </a:pPr>
+            <a:r>
+              <a:rPr kumimoji="0" lang="en-US" altLang="ko-KR" sz="1000" dirty="0" smtClean="0">
+                <a:latin typeface="나눔고딕OTF" pitchFamily="34" charset="-127"/>
+                <a:ea typeface="나눔고딕OTF" pitchFamily="34" charset="-127"/>
+              </a:rPr>
+              <a:t> </a:t>
+            </a:r>
+            <a:r>
+              <a:rPr kumimoji="0" lang="en-US" altLang="ko-KR" sz="1000" dirty="0" smtClean="0">
+                <a:latin typeface="나눔고딕OTF" pitchFamily="34" charset="-127"/>
+                <a:ea typeface="나눔고딕OTF" pitchFamily="34" charset="-127"/>
+              </a:rPr>
+              <a:t>  - </a:t>
+            </a:r>
+            <a:r>
+              <a:rPr kumimoji="0" lang="ko-KR" altLang="en-US" sz="1000" dirty="0" smtClean="0">
+                <a:latin typeface="나눔고딕OTF" pitchFamily="34" charset="-127"/>
+                <a:ea typeface="나눔고딕OTF" pitchFamily="34" charset="-127"/>
+              </a:rPr>
+              <a:t>청구파일 내에서 </a:t>
+            </a:r>
+            <a:r>
+              <a:rPr kumimoji="0" lang="ko-KR" altLang="en-US" sz="1000" dirty="0" err="1" smtClean="0">
+                <a:latin typeface="나눔고딕OTF" pitchFamily="34" charset="-127"/>
+                <a:ea typeface="나눔고딕OTF" pitchFamily="34" charset="-127"/>
+              </a:rPr>
+              <a:t>검진자를</a:t>
+            </a:r>
+            <a:r>
+              <a:rPr kumimoji="0" lang="ko-KR" altLang="en-US" sz="1000" dirty="0" smtClean="0">
+                <a:latin typeface="나눔고딕OTF" pitchFamily="34" charset="-127"/>
+                <a:ea typeface="나눔고딕OTF" pitchFamily="34" charset="-127"/>
+              </a:rPr>
+              <a:t> 조회할 수 있습니다</a:t>
+            </a:r>
+            <a:r>
+              <a:rPr kumimoji="0" lang="en-US" altLang="ko-KR" sz="1000" dirty="0" smtClean="0">
+                <a:latin typeface="나눔고딕OTF" pitchFamily="34" charset="-127"/>
+                <a:ea typeface="나눔고딕OTF" pitchFamily="34" charset="-127"/>
+              </a:rPr>
+              <a:t>.</a:t>
+            </a:r>
+          </a:p>
+          <a:p>
+            <a:pPr marL="228600" indent="-228600">
+              <a:lnSpc>
+                <a:spcPct val="120000"/>
+              </a:lnSpc>
+            </a:pPr>
+            <a:r>
+              <a:rPr kumimoji="0" lang="en-US" altLang="ko-KR" sz="1000" dirty="0" smtClean="0">
+                <a:latin typeface="나눔고딕OTF" pitchFamily="34" charset="-127"/>
+                <a:ea typeface="나눔고딕OTF" pitchFamily="34" charset="-127"/>
+              </a:rPr>
+              <a:t> </a:t>
+            </a:r>
+            <a:r>
+              <a:rPr kumimoji="0" lang="en-US" altLang="ko-KR" sz="1000" dirty="0" smtClean="0">
+                <a:latin typeface="나눔고딕OTF" pitchFamily="34" charset="-127"/>
+                <a:ea typeface="나눔고딕OTF" pitchFamily="34" charset="-127"/>
+              </a:rPr>
+              <a:t>  - </a:t>
+            </a:r>
+            <a:r>
+              <a:rPr kumimoji="0" lang="ko-KR" altLang="en-US" sz="1000" dirty="0" smtClean="0">
+                <a:latin typeface="나눔고딕OTF" pitchFamily="34" charset="-127"/>
+                <a:ea typeface="나눔고딕OTF" pitchFamily="34" charset="-127"/>
+              </a:rPr>
+              <a:t>성명</a:t>
+            </a:r>
+            <a:r>
+              <a:rPr kumimoji="0" lang="en-US" altLang="ko-KR" sz="1000" dirty="0" smtClean="0">
+                <a:latin typeface="나눔고딕OTF" pitchFamily="34" charset="-127"/>
+                <a:ea typeface="나눔고딕OTF" pitchFamily="34" charset="-127"/>
+              </a:rPr>
+              <a:t>, </a:t>
+            </a:r>
+            <a:r>
+              <a:rPr kumimoji="0" lang="ko-KR" altLang="en-US" sz="1000" dirty="0" smtClean="0">
+                <a:latin typeface="나눔고딕OTF" pitchFamily="34" charset="-127"/>
+                <a:ea typeface="나눔고딕OTF" pitchFamily="34" charset="-127"/>
+              </a:rPr>
+              <a:t>주민번호를 입력하고 </a:t>
+            </a:r>
+            <a:r>
+              <a:rPr kumimoji="0" lang="en-US" altLang="ko-KR" sz="1000" dirty="0" smtClean="0">
+                <a:latin typeface="나눔고딕OTF" pitchFamily="34" charset="-127"/>
+                <a:ea typeface="나눔고딕OTF" pitchFamily="34" charset="-127"/>
+              </a:rPr>
+              <a:t>“</a:t>
+            </a:r>
+            <a:r>
+              <a:rPr kumimoji="0" lang="ko-KR" altLang="en-US" sz="1000" dirty="0" smtClean="0">
+                <a:latin typeface="나눔고딕OTF" pitchFamily="34" charset="-127"/>
+                <a:ea typeface="나눔고딕OTF" pitchFamily="34" charset="-127"/>
+              </a:rPr>
+              <a:t>조회</a:t>
+            </a:r>
+            <a:r>
+              <a:rPr kumimoji="0" lang="en-US" altLang="ko-KR" sz="1000" dirty="0" smtClean="0">
+                <a:latin typeface="나눔고딕OTF" pitchFamily="34" charset="-127"/>
+                <a:ea typeface="나눔고딕OTF" pitchFamily="34" charset="-127"/>
+              </a:rPr>
+              <a:t>” </a:t>
+            </a:r>
+            <a:r>
+              <a:rPr kumimoji="0" lang="ko-KR" altLang="en-US" sz="1000" dirty="0" smtClean="0">
+                <a:latin typeface="나눔고딕OTF" pitchFamily="34" charset="-127"/>
+                <a:ea typeface="나눔고딕OTF" pitchFamily="34" charset="-127"/>
+              </a:rPr>
+              <a:t>버튼을 클릭하면</a:t>
+            </a:r>
+            <a:endParaRPr kumimoji="0" lang="en-US" altLang="ko-KR" sz="1000" dirty="0" smtClean="0">
+              <a:latin typeface="나눔고딕OTF" pitchFamily="34" charset="-127"/>
+              <a:ea typeface="나눔고딕OTF" pitchFamily="34" charset="-127"/>
+            </a:endParaRPr>
+          </a:p>
+          <a:p>
+            <a:pPr marL="228600" indent="-228600">
+              <a:lnSpc>
+                <a:spcPct val="120000"/>
+              </a:lnSpc>
+            </a:pPr>
+            <a:r>
+              <a:rPr kumimoji="0" lang="en-US" altLang="ko-KR" sz="1000" dirty="0" smtClean="0">
+                <a:latin typeface="나눔고딕OTF" pitchFamily="34" charset="-127"/>
+                <a:ea typeface="나눔고딕OTF" pitchFamily="34" charset="-127"/>
+              </a:rPr>
+              <a:t>	</a:t>
+            </a:r>
+            <a:r>
+              <a:rPr kumimoji="0" lang="ko-KR" altLang="en-US" sz="1000" dirty="0" smtClean="0">
+                <a:latin typeface="나눔고딕OTF" pitchFamily="34" charset="-127"/>
+                <a:ea typeface="나눔고딕OTF" pitchFamily="34" charset="-127"/>
+              </a:rPr>
+              <a:t>청구파일 내역에서 조회합니다</a:t>
+            </a:r>
+            <a:r>
+              <a:rPr kumimoji="0" lang="en-US" altLang="ko-KR" sz="1000" dirty="0" smtClean="0">
+                <a:latin typeface="나눔고딕OTF" pitchFamily="34" charset="-127"/>
+                <a:ea typeface="나눔고딕OTF" pitchFamily="34" charset="-127"/>
+              </a:rPr>
+              <a:t>.</a:t>
+            </a:r>
+          </a:p>
+        </p:txBody>
+      </p:sp>
+      <p:sp>
+        <p:nvSpPr>
+          <p:cNvPr id="13" name="직사각형 12"/>
+          <p:cNvSpPr/>
+          <p:nvPr/>
+        </p:nvSpPr>
+        <p:spPr>
+          <a:xfrm>
+            <a:off x="3024174" y="1769450"/>
+            <a:ext cx="2714644" cy="255504"/>
+          </a:xfrm>
+          <a:prstGeom prst="rect">
+            <a:avLst/>
+          </a:prstGeom>
+          <a:noFill/>
+          <a:ln w="12700">
+            <a:solidFill>
+              <a:srgbClr val="FF0000"/>
+            </a:solidFill>
+          </a:ln>
+        </p:spPr>
+        <p:style>
+          <a:lnRef idx="2">
+            <a:schemeClr val="accent1">
+              <a:shade val="50000"/>
+            </a:schemeClr>
+          </a:lnRef>
+          <a:fillRef idx="1">
+            <a:schemeClr val="accent1"/>
+          </a:fillRef>
+          <a:effectRef idx="0">
+            <a:schemeClr val="accent1"/>
+          </a:effectRef>
+          <a:fontRef idx="minor">
+            <a:schemeClr val="lt1"/>
+          </a:fontRef>
+        </p:style>
+        <p:txBody>
+          <a:bodyPr anchor="ctr"/>
+          <a:lstStyle/>
+          <a:p>
+            <a:pPr algn="ctr" fontAlgn="auto">
+              <a:spcBef>
+                <a:spcPts val="0"/>
+              </a:spcBef>
+              <a:spcAft>
+                <a:spcPts val="0"/>
+              </a:spcAft>
+              <a:defRPr/>
+            </a:pPr>
+            <a:endParaRPr kumimoji="0" lang="ko-KR" altLang="en-US" dirty="0">
+              <a:latin typeface="나눔고딕OTF" pitchFamily="34" charset="-127"/>
+              <a:ea typeface="나눔고딕OTF" pitchFamily="34" charset="-127"/>
+            </a:endParaRPr>
+          </a:p>
+        </p:txBody>
+      </p:sp>
+      <p:sp>
+        <p:nvSpPr>
+          <p:cNvPr id="14" name="타원 13"/>
+          <p:cNvSpPr/>
+          <p:nvPr/>
+        </p:nvSpPr>
+        <p:spPr>
+          <a:xfrm>
+            <a:off x="2881298" y="1571612"/>
+            <a:ext cx="214314" cy="214314"/>
+          </a:xfrm>
+          <a:prstGeom prst="ellipse">
+            <a:avLst/>
+          </a:prstGeom>
+          <a:solidFill>
+            <a:schemeClr val="bg1"/>
+          </a:solidFill>
+          <a:ln>
+            <a:solidFill>
+              <a:srgbClr val="FF0000"/>
+            </a:solidFill>
+          </a:ln>
+        </p:spPr>
+        <p:style>
+          <a:lnRef idx="2">
+            <a:schemeClr val="accent1">
+              <a:shade val="50000"/>
+            </a:schemeClr>
+          </a:lnRef>
+          <a:fillRef idx="1">
+            <a:schemeClr val="accent1"/>
+          </a:fillRef>
+          <a:effectRef idx="0">
+            <a:schemeClr val="accent1"/>
+          </a:effectRef>
+          <a:fontRef idx="minor">
+            <a:schemeClr val="lt1"/>
+          </a:fontRef>
+        </p:style>
+        <p:txBody>
+          <a:bodyPr anchor="ctr"/>
+          <a:lstStyle/>
+          <a:p>
+            <a:pPr algn="ctr">
+              <a:defRPr/>
+            </a:pPr>
+            <a:r>
+              <a:rPr lang="en-US" altLang="ko-KR" sz="1000" dirty="0" smtClean="0">
+                <a:solidFill>
+                  <a:schemeClr val="tx1"/>
+                </a:solidFill>
+              </a:rPr>
+              <a:t>2</a:t>
+            </a:r>
+            <a:endParaRPr lang="ko-KR" altLang="en-US" sz="1000" dirty="0">
+              <a:solidFill>
+                <a:schemeClr val="tx1"/>
+              </a:solidFill>
+            </a:endParaRPr>
+          </a:p>
+        </p:txBody>
+      </p:sp>
+      <p:sp>
+        <p:nvSpPr>
+          <p:cNvPr id="12" name="TextBox 59"/>
+          <p:cNvSpPr txBox="1">
+            <a:spLocks noChangeArrowheads="1"/>
+          </p:cNvSpPr>
+          <p:nvPr/>
+        </p:nvSpPr>
+        <p:spPr bwMode="auto">
+          <a:xfrm>
+            <a:off x="415924" y="1052513"/>
+            <a:ext cx="5751521" cy="276999"/>
+          </a:xfrm>
+          <a:prstGeom prst="rect">
+            <a:avLst/>
+          </a:prstGeom>
+          <a:noFill/>
+          <a:ln w="9525">
+            <a:noFill/>
+            <a:miter lim="800000"/>
+            <a:headEnd/>
+            <a:tailEnd/>
+          </a:ln>
+        </p:spPr>
+        <p:txBody>
+          <a:bodyPr wrap="square">
+            <a:spAutoFit/>
+          </a:bodyPr>
+          <a:lstStyle/>
+          <a:p>
+            <a:r>
+              <a:rPr kumimoji="0" lang="en-US" altLang="ko-KR" sz="1200" dirty="0">
+                <a:latin typeface="나눔고딕OTF" pitchFamily="34" charset="-127"/>
+                <a:ea typeface="나눔고딕OTF" pitchFamily="34" charset="-127"/>
+              </a:rPr>
+              <a:t> </a:t>
+            </a:r>
+            <a:r>
+              <a:rPr kumimoji="0" lang="en-US" altLang="ko-KR" sz="1200" dirty="0" smtClean="0">
+                <a:latin typeface="나눔고딕OTF" pitchFamily="34" charset="-127"/>
+                <a:ea typeface="나눔고딕OTF" pitchFamily="34" charset="-127"/>
+              </a:rPr>
+              <a:t>- </a:t>
+            </a:r>
+            <a:r>
+              <a:rPr kumimoji="0" lang="ko-KR" altLang="en-US" sz="1200" dirty="0" smtClean="0">
+                <a:latin typeface="나눔고딕OTF" pitchFamily="34" charset="-127"/>
+                <a:ea typeface="나눔고딕OTF" pitchFamily="34" charset="-127"/>
+              </a:rPr>
+              <a:t>파일 확인 화면에서 선택한 청구파일의 명단을 표시합니다</a:t>
+            </a:r>
+            <a:r>
+              <a:rPr kumimoji="0" lang="en-US" altLang="ko-KR" sz="1200" dirty="0" smtClean="0">
+                <a:latin typeface="나눔고딕OTF" pitchFamily="34" charset="-127"/>
+                <a:ea typeface="나눔고딕OTF" pitchFamily="34" charset="-127"/>
+              </a:rPr>
+              <a:t>.</a:t>
+            </a:r>
+            <a:endParaRPr kumimoji="0" lang="en-US" altLang="ko-KR" sz="1200" dirty="0">
+              <a:latin typeface="나눔고딕OTF" pitchFamily="34" charset="-127"/>
+              <a:ea typeface="나눔고딕OTF" pitchFamily="34" charset="-127"/>
+            </a:endParaRPr>
+          </a:p>
+        </p:txBody>
+      </p:sp>
+    </p:spTree>
+  </p:cSld>
+  <p:clrMapOvr>
+    <a:masterClrMapping/>
+  </p:clrMapOvr>
+  <p:timing>
+    <p:tnLst>
+      <p:par>
+        <p:cTn id="1" dur="indefinite" restart="never" nodeType="tmRoot"/>
+      </p:par>
+    </p:tnLst>
+  </p:timing>
+</p:sld>
+</file>
+
+<file path=ppt/slides/slide31.xml><?xml version="1.0" encoding="utf-8"?>
+<p:sld xmlns:a="http://schemas.openxmlformats.org/drawingml/2006/main" xmlns:r="http://schemas.openxmlformats.org/officeDocument/2006/relationships" xmlns:p="http://schemas.openxmlformats.org/presentationml/2006/main">
+  <p:cSld>
+    <p:spTree>
+      <p:nvGrpSpPr>
+        <p:cNvPr id="1" name=""/>
+        <p:cNvGrpSpPr/>
+        <p:nvPr/>
+      </p:nvGrpSpPr>
+      <p:grpSpPr>
+        <a:xfrm>
+          <a:off x="0" y="0"/>
+          <a:ext cx="0" cy="0"/>
+          <a:chOff x="0" y="0"/>
+          <a:chExt cx="0" cy="0"/>
+        </a:xfrm>
+      </p:grpSpPr>
+      <p:pic>
+        <p:nvPicPr>
+          <p:cNvPr id="22530" name="Picture 8"/>
+          <p:cNvPicPr>
+            <a:picLocks noChangeAspect="1" noChangeArrowheads="1"/>
+          </p:cNvPicPr>
+          <p:nvPr/>
+        </p:nvPicPr>
+        <p:blipFill>
+          <a:blip r:embed="rId2"/>
+          <a:stretch>
+            <a:fillRect/>
+          </a:stretch>
+        </p:blipFill>
+        <p:spPr bwMode="auto">
+          <a:xfrm>
+            <a:off x="666720" y="1571612"/>
+            <a:ext cx="5181904" cy="4143404"/>
+          </a:xfrm>
+          <a:prstGeom prst="rect">
+            <a:avLst/>
+          </a:prstGeom>
+          <a:noFill/>
+          <a:ln w="9525">
+            <a:noFill/>
+            <a:miter lim="800000"/>
+            <a:headEnd/>
+            <a:tailEnd/>
+          </a:ln>
+        </p:spPr>
+      </p:pic>
+      <p:sp>
+        <p:nvSpPr>
+          <p:cNvPr id="6" name="TextBox 5"/>
+          <p:cNvSpPr txBox="1"/>
+          <p:nvPr/>
+        </p:nvSpPr>
+        <p:spPr>
+          <a:xfrm>
+            <a:off x="1497013" y="282575"/>
+            <a:ext cx="3284874" cy="369332"/>
+          </a:xfrm>
+          <a:prstGeom prst="rect">
+            <a:avLst/>
+          </a:prstGeom>
+          <a:noFill/>
+        </p:spPr>
+        <p:txBody>
+          <a:bodyPr wrap="none">
+            <a:spAutoFit/>
+          </a:bodyPr>
+          <a:lstStyle/>
+          <a:p>
+            <a:pPr fontAlgn="auto">
+              <a:spcBef>
+                <a:spcPts val="0"/>
+              </a:spcBef>
+              <a:spcAft>
+                <a:spcPts val="0"/>
+              </a:spcAft>
+              <a:defRPr/>
+            </a:pPr>
+            <a:r>
+              <a:rPr kumimoji="0" lang="ko-KR" altLang="en-US" dirty="0" smtClean="0">
+                <a:solidFill>
+                  <a:schemeClr val="bg1">
+                    <a:lumMod val="50000"/>
+                  </a:schemeClr>
+                </a:solidFill>
+                <a:latin typeface="나눔고딕OTF ExtraBold" pitchFamily="34" charset="-127"/>
+                <a:ea typeface="나눔고딕OTF ExtraBold" pitchFamily="34" charset="-127"/>
+              </a:rPr>
+              <a:t>건강검진 </a:t>
+            </a:r>
+            <a:r>
+              <a:rPr kumimoji="0" lang="en-US" altLang="ko-KR" dirty="0" smtClean="0">
+                <a:solidFill>
+                  <a:schemeClr val="bg1">
+                    <a:lumMod val="50000"/>
+                  </a:schemeClr>
+                </a:solidFill>
+                <a:latin typeface="나눔고딕OTF ExtraBold" pitchFamily="34" charset="-127"/>
+                <a:ea typeface="나눔고딕OTF ExtraBold" pitchFamily="34" charset="-127"/>
+              </a:rPr>
+              <a:t>– </a:t>
+            </a:r>
+            <a:r>
+              <a:rPr kumimoji="0" lang="ko-KR" altLang="en-US" dirty="0" smtClean="0">
+                <a:solidFill>
+                  <a:schemeClr val="bg1">
+                    <a:lumMod val="50000"/>
+                  </a:schemeClr>
+                </a:solidFill>
+                <a:latin typeface="나눔고딕OTF ExtraBold" pitchFamily="34" charset="-127"/>
+                <a:ea typeface="나눔고딕OTF ExtraBold" pitchFamily="34" charset="-127"/>
+              </a:rPr>
+              <a:t>일반건강검진 결과표</a:t>
+            </a:r>
+            <a:endParaRPr kumimoji="0" lang="ko-KR" altLang="en-US" dirty="0" smtClean="0">
+              <a:solidFill>
+                <a:schemeClr val="bg1">
+                  <a:lumMod val="50000"/>
+                </a:schemeClr>
+              </a:solidFill>
+              <a:latin typeface="나눔고딕OTF ExtraBold" pitchFamily="34" charset="-127"/>
+              <a:ea typeface="나눔고딕OTF ExtraBold" pitchFamily="34" charset="-127"/>
+            </a:endParaRPr>
+          </a:p>
+        </p:txBody>
+      </p:sp>
+      <p:sp>
+        <p:nvSpPr>
+          <p:cNvPr id="8" name="TextBox 4"/>
+          <p:cNvSpPr txBox="1">
+            <a:spLocks noChangeArrowheads="1"/>
+          </p:cNvSpPr>
+          <p:nvPr/>
+        </p:nvSpPr>
+        <p:spPr bwMode="auto">
+          <a:xfrm>
+            <a:off x="381000" y="785813"/>
+            <a:ext cx="2432076" cy="307777"/>
+          </a:xfrm>
+          <a:prstGeom prst="rect">
+            <a:avLst/>
+          </a:prstGeom>
+          <a:noFill/>
+          <a:ln w="9525">
+            <a:noFill/>
+            <a:miter lim="800000"/>
+            <a:headEnd/>
+            <a:tailEnd/>
+          </a:ln>
+        </p:spPr>
+        <p:txBody>
+          <a:bodyPr wrap="none">
+            <a:spAutoFit/>
+          </a:bodyPr>
+          <a:lstStyle/>
+          <a:p>
+            <a:r>
+              <a:rPr kumimoji="0" lang="en-US" altLang="ko-KR" sz="1400" b="1" dirty="0">
+                <a:latin typeface="나눔고딕OTF" pitchFamily="34" charset="-127"/>
+                <a:ea typeface="나눔고딕OTF" pitchFamily="34" charset="-127"/>
+              </a:rPr>
+              <a:t>- </a:t>
+            </a:r>
+            <a:r>
+              <a:rPr kumimoji="0" lang="ko-KR" altLang="en-US" sz="1400" b="1" dirty="0" smtClean="0">
+                <a:latin typeface="나눔고딕OTF" pitchFamily="34" charset="-127"/>
+                <a:ea typeface="나눔고딕OTF" pitchFamily="34" charset="-127"/>
+              </a:rPr>
+              <a:t>일반건강검진 결과표</a:t>
+            </a:r>
+            <a:r>
+              <a:rPr kumimoji="0" lang="en-US" altLang="ko-KR" sz="1400" b="1" dirty="0" smtClean="0">
+                <a:latin typeface="나눔고딕OTF" pitchFamily="34" charset="-127"/>
+                <a:ea typeface="나눔고딕OTF" pitchFamily="34" charset="-127"/>
+              </a:rPr>
+              <a:t>(2013)</a:t>
+            </a:r>
+            <a:endParaRPr kumimoji="0" lang="ko-KR" altLang="en-US" sz="1400" b="1" dirty="0">
+              <a:latin typeface="나눔고딕OTF" pitchFamily="34" charset="-127"/>
+              <a:ea typeface="나눔고딕OTF" pitchFamily="34" charset="-127"/>
+            </a:endParaRPr>
+          </a:p>
+        </p:txBody>
+      </p:sp>
+      <p:sp>
+        <p:nvSpPr>
+          <p:cNvPr id="10" name="직사각형 9"/>
+          <p:cNvSpPr/>
+          <p:nvPr/>
+        </p:nvSpPr>
+        <p:spPr>
+          <a:xfrm>
+            <a:off x="666720" y="1714488"/>
+            <a:ext cx="5143536" cy="500066"/>
+          </a:xfrm>
+          <a:prstGeom prst="rect">
+            <a:avLst/>
+          </a:prstGeom>
+          <a:noFill/>
+          <a:ln w="12700">
+            <a:solidFill>
+              <a:srgbClr val="FF0000"/>
+            </a:solidFill>
+          </a:ln>
+        </p:spPr>
+        <p:style>
+          <a:lnRef idx="2">
+            <a:schemeClr val="accent1">
+              <a:shade val="50000"/>
+            </a:schemeClr>
+          </a:lnRef>
+          <a:fillRef idx="1">
+            <a:schemeClr val="accent1"/>
+          </a:fillRef>
+          <a:effectRef idx="0">
+            <a:schemeClr val="accent1"/>
+          </a:effectRef>
+          <a:fontRef idx="minor">
+            <a:schemeClr val="lt1"/>
+          </a:fontRef>
+        </p:style>
+        <p:txBody>
+          <a:bodyPr anchor="ctr"/>
+          <a:lstStyle/>
+          <a:p>
+            <a:pPr algn="ctr" fontAlgn="auto">
+              <a:spcBef>
+                <a:spcPts val="0"/>
+              </a:spcBef>
+              <a:spcAft>
+                <a:spcPts val="0"/>
+              </a:spcAft>
+              <a:defRPr/>
+            </a:pPr>
+            <a:endParaRPr kumimoji="0" lang="ko-KR" altLang="en-US" dirty="0">
+              <a:latin typeface="나눔고딕OTF" pitchFamily="34" charset="-127"/>
+              <a:ea typeface="나눔고딕OTF" pitchFamily="34" charset="-127"/>
+            </a:endParaRPr>
+          </a:p>
+        </p:txBody>
+      </p:sp>
+      <p:sp>
+        <p:nvSpPr>
+          <p:cNvPr id="11" name="타원 10"/>
+          <p:cNvSpPr/>
+          <p:nvPr/>
+        </p:nvSpPr>
+        <p:spPr>
+          <a:xfrm>
+            <a:off x="523844" y="1500174"/>
+            <a:ext cx="214314" cy="214314"/>
+          </a:xfrm>
+          <a:prstGeom prst="ellipse">
+            <a:avLst/>
+          </a:prstGeom>
+          <a:solidFill>
+            <a:schemeClr val="bg1"/>
+          </a:solidFill>
+          <a:ln>
+            <a:solidFill>
+              <a:srgbClr val="FF0000"/>
+            </a:solidFill>
+          </a:ln>
+        </p:spPr>
+        <p:style>
+          <a:lnRef idx="2">
+            <a:schemeClr val="accent1">
+              <a:shade val="50000"/>
+            </a:schemeClr>
+          </a:lnRef>
+          <a:fillRef idx="1">
+            <a:schemeClr val="accent1"/>
+          </a:fillRef>
+          <a:effectRef idx="0">
+            <a:schemeClr val="accent1"/>
+          </a:effectRef>
+          <a:fontRef idx="minor">
+            <a:schemeClr val="lt1"/>
+          </a:fontRef>
+        </p:style>
+        <p:txBody>
+          <a:bodyPr anchor="ctr"/>
+          <a:lstStyle/>
+          <a:p>
+            <a:pPr algn="ctr">
+              <a:defRPr/>
+            </a:pPr>
+            <a:r>
+              <a:rPr lang="en-US" altLang="ko-KR" sz="1000" dirty="0" smtClean="0">
+                <a:solidFill>
+                  <a:schemeClr val="tx1"/>
+                </a:solidFill>
+              </a:rPr>
+              <a:t>1</a:t>
+            </a:r>
+            <a:endParaRPr lang="ko-KR" altLang="en-US" sz="1000" dirty="0">
+              <a:solidFill>
+                <a:schemeClr val="tx1"/>
+              </a:solidFill>
+            </a:endParaRPr>
+          </a:p>
+        </p:txBody>
+      </p:sp>
+      <p:sp>
+        <p:nvSpPr>
+          <p:cNvPr id="22535" name="TextBox 4"/>
+          <p:cNvSpPr txBox="1">
+            <a:spLocks noChangeArrowheads="1"/>
+          </p:cNvSpPr>
+          <p:nvPr/>
+        </p:nvSpPr>
+        <p:spPr bwMode="auto">
+          <a:xfrm>
+            <a:off x="6024570" y="1571612"/>
+            <a:ext cx="3643337" cy="3416320"/>
+          </a:xfrm>
+          <a:prstGeom prst="rect">
+            <a:avLst/>
+          </a:prstGeom>
+          <a:noFill/>
+          <a:ln w="9525">
+            <a:noFill/>
+            <a:miter lim="800000"/>
+            <a:headEnd/>
+            <a:tailEnd/>
+          </a:ln>
+        </p:spPr>
+        <p:txBody>
+          <a:bodyPr wrap="square">
+            <a:spAutoFit/>
+          </a:bodyPr>
+          <a:lstStyle/>
+          <a:p>
+            <a:pPr marL="228600" indent="-228600">
+              <a:lnSpc>
+                <a:spcPct val="120000"/>
+              </a:lnSpc>
+              <a:buAutoNum type="arabicParenR"/>
+            </a:pPr>
+            <a:r>
+              <a:rPr kumimoji="0" lang="ko-KR" altLang="en-US" sz="1000" b="1" dirty="0" smtClean="0">
+                <a:latin typeface="나눔고딕OTF" pitchFamily="34" charset="-127"/>
+                <a:ea typeface="나눔고딕OTF" pitchFamily="34" charset="-127"/>
+              </a:rPr>
+              <a:t>조회 조건 설정</a:t>
+            </a:r>
+            <a:endParaRPr kumimoji="0" lang="en-US" altLang="ko-KR" sz="1000" b="1" dirty="0" smtClean="0">
+              <a:latin typeface="나눔고딕OTF" pitchFamily="34" charset="-127"/>
+              <a:ea typeface="나눔고딕OTF" pitchFamily="34" charset="-127"/>
+            </a:endParaRPr>
+          </a:p>
+          <a:p>
+            <a:pPr marL="228600" indent="-228600">
+              <a:lnSpc>
+                <a:spcPct val="120000"/>
+              </a:lnSpc>
+            </a:pPr>
+            <a:r>
+              <a:rPr kumimoji="0" lang="en-US" altLang="ko-KR" sz="1000" dirty="0" smtClean="0">
+                <a:latin typeface="나눔고딕OTF" pitchFamily="34" charset="-127"/>
+                <a:ea typeface="나눔고딕OTF" pitchFamily="34" charset="-127"/>
+              </a:rPr>
+              <a:t> </a:t>
+            </a:r>
+            <a:r>
+              <a:rPr kumimoji="0" lang="en-US" altLang="ko-KR" sz="1000" dirty="0" smtClean="0">
+                <a:latin typeface="나눔고딕OTF" pitchFamily="34" charset="-127"/>
+                <a:ea typeface="나눔고딕OTF" pitchFamily="34" charset="-127"/>
+              </a:rPr>
+              <a:t>  - </a:t>
+            </a:r>
+            <a:r>
+              <a:rPr kumimoji="0" lang="ko-KR" altLang="en-US" sz="1000" dirty="0" smtClean="0">
+                <a:latin typeface="나눔고딕OTF" pitchFamily="34" charset="-127"/>
+                <a:ea typeface="나눔고딕OTF" pitchFamily="34" charset="-127"/>
+              </a:rPr>
+              <a:t>결과표로 출력할 </a:t>
+            </a:r>
+            <a:r>
+              <a:rPr kumimoji="0" lang="ko-KR" altLang="en-US" sz="1000" dirty="0" err="1" smtClean="0">
+                <a:latin typeface="나눔고딕OTF" pitchFamily="34" charset="-127"/>
+                <a:ea typeface="나눔고딕OTF" pitchFamily="34" charset="-127"/>
+              </a:rPr>
+              <a:t>검진자들</a:t>
+            </a:r>
+            <a:r>
+              <a:rPr kumimoji="0" lang="ko-KR" altLang="en-US" sz="1000" dirty="0" err="1" smtClean="0">
+                <a:latin typeface="나눔고딕OTF" pitchFamily="34" charset="-127"/>
+                <a:ea typeface="나눔고딕OTF" pitchFamily="34" charset="-127"/>
+              </a:rPr>
+              <a:t>의</a:t>
+            </a:r>
+            <a:r>
+              <a:rPr kumimoji="0" lang="ko-KR" altLang="en-US" sz="1000" dirty="0" smtClean="0">
+                <a:latin typeface="나눔고딕OTF" pitchFamily="34" charset="-127"/>
+                <a:ea typeface="나눔고딕OTF" pitchFamily="34" charset="-127"/>
+              </a:rPr>
+              <a:t> </a:t>
+            </a:r>
+            <a:r>
+              <a:rPr kumimoji="0" lang="ko-KR" altLang="en-US" sz="1000" dirty="0" smtClean="0">
+                <a:latin typeface="나눔고딕OTF" pitchFamily="34" charset="-127"/>
+                <a:ea typeface="나눔고딕OTF" pitchFamily="34" charset="-127"/>
+              </a:rPr>
+              <a:t>조회 조건을 설정합니다</a:t>
+            </a:r>
+            <a:r>
+              <a:rPr kumimoji="0" lang="en-US" altLang="ko-KR" sz="1000" dirty="0" smtClean="0">
+                <a:latin typeface="나눔고딕OTF" pitchFamily="34" charset="-127"/>
+                <a:ea typeface="나눔고딕OTF" pitchFamily="34" charset="-127"/>
+              </a:rPr>
+              <a:t>.</a:t>
+            </a:r>
+          </a:p>
+          <a:p>
+            <a:pPr marL="228600" indent="-228600">
+              <a:lnSpc>
+                <a:spcPct val="120000"/>
+              </a:lnSpc>
+            </a:pPr>
+            <a:r>
+              <a:rPr kumimoji="0" lang="en-US" altLang="ko-KR" sz="1000" dirty="0" smtClean="0">
+                <a:latin typeface="나눔고딕OTF" pitchFamily="34" charset="-127"/>
+                <a:ea typeface="나눔고딕OTF" pitchFamily="34" charset="-127"/>
+              </a:rPr>
+              <a:t> </a:t>
+            </a:r>
+            <a:r>
+              <a:rPr kumimoji="0" lang="en-US" altLang="ko-KR" sz="1000" dirty="0" smtClean="0">
+                <a:latin typeface="나눔고딕OTF" pitchFamily="34" charset="-127"/>
+                <a:ea typeface="나눔고딕OTF" pitchFamily="34" charset="-127"/>
+              </a:rPr>
+              <a:t>  - </a:t>
+            </a:r>
+            <a:r>
+              <a:rPr kumimoji="0" lang="ko-KR" altLang="en-US" sz="1000" dirty="0" smtClean="0">
+                <a:latin typeface="나눔고딕OTF" pitchFamily="34" charset="-127"/>
+                <a:ea typeface="나눔고딕OTF" pitchFamily="34" charset="-127"/>
+              </a:rPr>
+              <a:t>검진기간</a:t>
+            </a:r>
+            <a:r>
+              <a:rPr kumimoji="0" lang="en-US" altLang="ko-KR" sz="1000" dirty="0" smtClean="0">
+                <a:latin typeface="나눔고딕OTF" pitchFamily="34" charset="-127"/>
+                <a:ea typeface="나눔고딕OTF" pitchFamily="34" charset="-127"/>
+              </a:rPr>
+              <a:t>, </a:t>
+            </a:r>
+            <a:r>
+              <a:rPr kumimoji="0" lang="ko-KR" altLang="en-US" sz="1000" dirty="0" smtClean="0">
+                <a:latin typeface="나눔고딕OTF" pitchFamily="34" charset="-127"/>
+                <a:ea typeface="나눔고딕OTF" pitchFamily="34" charset="-127"/>
+              </a:rPr>
+              <a:t>사업장을 설정합니다</a:t>
+            </a:r>
+            <a:r>
+              <a:rPr kumimoji="0" lang="en-US" altLang="ko-KR" sz="1000" dirty="0" smtClean="0">
+                <a:latin typeface="나눔고딕OTF" pitchFamily="34" charset="-127"/>
+                <a:ea typeface="나눔고딕OTF" pitchFamily="34" charset="-127"/>
+              </a:rPr>
+              <a:t>.</a:t>
+            </a:r>
+          </a:p>
+          <a:p>
+            <a:pPr marL="228600" indent="-228600">
+              <a:lnSpc>
+                <a:spcPct val="120000"/>
+              </a:lnSpc>
+            </a:pPr>
+            <a:r>
+              <a:rPr kumimoji="0" lang="en-US" altLang="ko-KR" sz="1000" dirty="0" smtClean="0">
+                <a:latin typeface="나눔고딕OTF" pitchFamily="34" charset="-127"/>
+                <a:ea typeface="나눔고딕OTF" pitchFamily="34" charset="-127"/>
+              </a:rPr>
+              <a:t> </a:t>
+            </a:r>
+            <a:r>
+              <a:rPr kumimoji="0" lang="en-US" altLang="ko-KR" sz="1000" dirty="0" smtClean="0">
+                <a:latin typeface="나눔고딕OTF" pitchFamily="34" charset="-127"/>
+                <a:ea typeface="나눔고딕OTF" pitchFamily="34" charset="-127"/>
+              </a:rPr>
+              <a:t>  </a:t>
+            </a:r>
+            <a:r>
+              <a:rPr kumimoji="0" lang="en-US" altLang="ko-KR" sz="1000" dirty="0" smtClean="0">
+                <a:solidFill>
+                  <a:srgbClr val="FF0000"/>
+                </a:solidFill>
+                <a:latin typeface="나눔고딕OTF" pitchFamily="34" charset="-127"/>
+                <a:ea typeface="나눔고딕OTF" pitchFamily="34" charset="-127"/>
+              </a:rPr>
+              <a:t>* </a:t>
+            </a:r>
+            <a:r>
+              <a:rPr kumimoji="0" lang="ko-KR" altLang="en-US" sz="1000" dirty="0" smtClean="0">
+                <a:solidFill>
+                  <a:srgbClr val="FF0000"/>
+                </a:solidFill>
+                <a:latin typeface="나눔고딕OTF" pitchFamily="34" charset="-127"/>
+                <a:ea typeface="나눔고딕OTF" pitchFamily="34" charset="-127"/>
+              </a:rPr>
+              <a:t>사업장은 필수 입력사항입니다</a:t>
+            </a:r>
+            <a:r>
+              <a:rPr kumimoji="0" lang="en-US" altLang="ko-KR" sz="1000" dirty="0" smtClean="0">
+                <a:solidFill>
+                  <a:srgbClr val="FF0000"/>
+                </a:solidFill>
+                <a:latin typeface="나눔고딕OTF" pitchFamily="34" charset="-127"/>
+                <a:ea typeface="나눔고딕OTF" pitchFamily="34" charset="-127"/>
+              </a:rPr>
+              <a:t>.</a:t>
+            </a:r>
+            <a:endParaRPr kumimoji="0" lang="en-US" altLang="ko-KR" sz="1000" dirty="0" smtClean="0">
+              <a:solidFill>
+                <a:srgbClr val="FF0000"/>
+              </a:solidFill>
+              <a:latin typeface="나눔고딕OTF" pitchFamily="34" charset="-127"/>
+              <a:ea typeface="나눔고딕OTF" pitchFamily="34" charset="-127"/>
+            </a:endParaRPr>
+          </a:p>
+          <a:p>
+            <a:pPr marL="228600" indent="-228600">
+              <a:lnSpc>
+                <a:spcPct val="120000"/>
+              </a:lnSpc>
+            </a:pPr>
+            <a:r>
+              <a:rPr kumimoji="0" lang="en-US" altLang="ko-KR" sz="1000" dirty="0" smtClean="0">
+                <a:latin typeface="나눔고딕OTF" pitchFamily="34" charset="-127"/>
+                <a:ea typeface="나눔고딕OTF" pitchFamily="34" charset="-127"/>
+              </a:rPr>
+              <a:t> </a:t>
+            </a:r>
+            <a:r>
+              <a:rPr kumimoji="0" lang="en-US" altLang="ko-KR" sz="1000" dirty="0" smtClean="0">
+                <a:latin typeface="나눔고딕OTF" pitchFamily="34" charset="-127"/>
+                <a:ea typeface="나눔고딕OTF" pitchFamily="34" charset="-127"/>
+              </a:rPr>
+              <a:t>  - “</a:t>
+            </a:r>
+            <a:r>
+              <a:rPr kumimoji="0" lang="ko-KR" altLang="en-US" sz="1000" dirty="0" smtClean="0">
+                <a:latin typeface="나눔고딕OTF" pitchFamily="34" charset="-127"/>
+                <a:ea typeface="나눔고딕OTF" pitchFamily="34" charset="-127"/>
+              </a:rPr>
+              <a:t>생애 미포함</a:t>
+            </a:r>
+            <a:r>
+              <a:rPr kumimoji="0" lang="en-US" altLang="ko-KR" sz="1000" dirty="0" smtClean="0">
+                <a:latin typeface="나눔고딕OTF" pitchFamily="34" charset="-127"/>
+                <a:ea typeface="나눔고딕OTF" pitchFamily="34" charset="-127"/>
+              </a:rPr>
+              <a:t>”</a:t>
+            </a:r>
+            <a:r>
+              <a:rPr kumimoji="0" lang="ko-KR" altLang="en-US" sz="1000" dirty="0" smtClean="0">
+                <a:latin typeface="나눔고딕OTF" pitchFamily="34" charset="-127"/>
+                <a:ea typeface="나눔고딕OTF" pitchFamily="34" charset="-127"/>
+              </a:rPr>
+              <a:t>을 체크하면 생애검진자를 제외하고 표시합니다</a:t>
+            </a:r>
+            <a:r>
+              <a:rPr kumimoji="0" lang="en-US" altLang="ko-KR" sz="1000" dirty="0" smtClean="0">
+                <a:latin typeface="나눔고딕OTF" pitchFamily="34" charset="-127"/>
+                <a:ea typeface="나눔고딕OTF" pitchFamily="34" charset="-127"/>
+              </a:rPr>
+              <a:t>.</a:t>
+            </a:r>
+          </a:p>
+          <a:p>
+            <a:pPr marL="228600" indent="-228600">
+              <a:lnSpc>
+                <a:spcPct val="120000"/>
+              </a:lnSpc>
+            </a:pPr>
+            <a:r>
+              <a:rPr kumimoji="0" lang="en-US" altLang="ko-KR" sz="1000" dirty="0" smtClean="0">
+                <a:latin typeface="나눔고딕OTF" pitchFamily="34" charset="-127"/>
+                <a:ea typeface="나눔고딕OTF" pitchFamily="34" charset="-127"/>
+              </a:rPr>
+              <a:t> </a:t>
+            </a:r>
+            <a:r>
+              <a:rPr kumimoji="0" lang="en-US" altLang="ko-KR" sz="1000" dirty="0" smtClean="0">
+                <a:latin typeface="나눔고딕OTF" pitchFamily="34" charset="-127"/>
+                <a:ea typeface="나눔고딕OTF" pitchFamily="34" charset="-127"/>
+              </a:rPr>
+              <a:t>  - </a:t>
+            </a:r>
+            <a:r>
+              <a:rPr kumimoji="0" lang="ko-KR" altLang="en-US" sz="1000" dirty="0" smtClean="0">
+                <a:latin typeface="나눔고딕OTF" pitchFamily="34" charset="-127"/>
+                <a:ea typeface="나눔고딕OTF" pitchFamily="34" charset="-127"/>
+              </a:rPr>
+              <a:t>조회하면 해당 사업장의 </a:t>
+            </a:r>
+            <a:r>
+              <a:rPr kumimoji="0" lang="ko-KR" altLang="en-US" sz="1000" dirty="0" err="1" smtClean="0">
+                <a:latin typeface="나눔고딕OTF" pitchFamily="34" charset="-127"/>
+                <a:ea typeface="나눔고딕OTF" pitchFamily="34" charset="-127"/>
+              </a:rPr>
+              <a:t>검진자</a:t>
+            </a:r>
+            <a:r>
+              <a:rPr kumimoji="0" lang="ko-KR" altLang="en-US" sz="1000" dirty="0" smtClean="0">
+                <a:latin typeface="나눔고딕OTF" pitchFamily="34" charset="-127"/>
+                <a:ea typeface="나눔고딕OTF" pitchFamily="34" charset="-127"/>
+              </a:rPr>
+              <a:t> </a:t>
+            </a:r>
+            <a:r>
+              <a:rPr kumimoji="0" lang="ko-KR" altLang="en-US" sz="1000" dirty="0" smtClean="0">
+                <a:latin typeface="나눔고딕OTF" pitchFamily="34" charset="-127"/>
+                <a:ea typeface="나눔고딕OTF" pitchFamily="34" charset="-127"/>
+              </a:rPr>
+              <a:t>통계와 </a:t>
+            </a:r>
+            <a:r>
+              <a:rPr kumimoji="0" lang="ko-KR" altLang="en-US" sz="1000" dirty="0" err="1" smtClean="0">
+                <a:latin typeface="나눔고딕OTF" pitchFamily="34" charset="-127"/>
+                <a:ea typeface="나눔고딕OTF" pitchFamily="34" charset="-127"/>
+              </a:rPr>
+              <a:t>유소견</a:t>
+            </a:r>
+            <a:r>
+              <a:rPr kumimoji="0" lang="ko-KR" altLang="en-US" sz="1000" dirty="0" smtClean="0">
+                <a:latin typeface="나눔고딕OTF" pitchFamily="34" charset="-127"/>
+                <a:ea typeface="나눔고딕OTF" pitchFamily="34" charset="-127"/>
+              </a:rPr>
+              <a:t> 통계를 표시</a:t>
+            </a:r>
+            <a:endParaRPr kumimoji="0" lang="en-US" altLang="ko-KR" sz="1000" dirty="0" smtClean="0">
+              <a:latin typeface="나눔고딕OTF" pitchFamily="34" charset="-127"/>
+              <a:ea typeface="나눔고딕OTF" pitchFamily="34" charset="-127"/>
+            </a:endParaRPr>
+          </a:p>
+          <a:p>
+            <a:pPr marL="228600" indent="-228600">
+              <a:lnSpc>
+                <a:spcPct val="120000"/>
+              </a:lnSpc>
+            </a:pPr>
+            <a:r>
+              <a:rPr kumimoji="0" lang="en-US" altLang="ko-KR" sz="1000" dirty="0" smtClean="0">
+                <a:latin typeface="나눔고딕OTF" pitchFamily="34" charset="-127"/>
+                <a:ea typeface="나눔고딕OTF" pitchFamily="34" charset="-127"/>
+              </a:rPr>
+              <a:t>	</a:t>
+            </a:r>
+            <a:r>
+              <a:rPr kumimoji="0" lang="ko-KR" altLang="en-US" sz="1000" dirty="0" smtClean="0">
+                <a:latin typeface="나눔고딕OTF" pitchFamily="34" charset="-127"/>
+                <a:ea typeface="나눔고딕OTF" pitchFamily="34" charset="-127"/>
+              </a:rPr>
+              <a:t>합니다</a:t>
+            </a:r>
+            <a:r>
+              <a:rPr kumimoji="0" lang="en-US" altLang="ko-KR" sz="1000" dirty="0" smtClean="0">
+                <a:latin typeface="나눔고딕OTF" pitchFamily="34" charset="-127"/>
+                <a:ea typeface="나눔고딕OTF" pitchFamily="34" charset="-127"/>
+              </a:rPr>
+              <a:t>.</a:t>
+            </a:r>
+          </a:p>
+          <a:p>
+            <a:pPr marL="228600" indent="-228600">
+              <a:lnSpc>
+                <a:spcPct val="120000"/>
+              </a:lnSpc>
+            </a:pPr>
+            <a:r>
+              <a:rPr kumimoji="0" lang="en-US" altLang="ko-KR" sz="1000" dirty="0" smtClean="0">
+                <a:latin typeface="나눔고딕OTF" pitchFamily="34" charset="-127"/>
+                <a:ea typeface="나눔고딕OTF" pitchFamily="34" charset="-127"/>
+              </a:rPr>
+              <a:t> </a:t>
+            </a:r>
+            <a:r>
+              <a:rPr kumimoji="0" lang="en-US" altLang="ko-KR" sz="1000" dirty="0" smtClean="0">
+                <a:latin typeface="나눔고딕OTF" pitchFamily="34" charset="-127"/>
+                <a:ea typeface="나눔고딕OTF" pitchFamily="34" charset="-127"/>
+              </a:rPr>
+              <a:t>  </a:t>
+            </a:r>
+            <a:r>
+              <a:rPr kumimoji="0" lang="en-US" altLang="ko-KR" sz="1000" dirty="0" smtClean="0">
+                <a:solidFill>
+                  <a:srgbClr val="FF0000"/>
+                </a:solidFill>
+                <a:latin typeface="나눔고딕OTF" pitchFamily="34" charset="-127"/>
+                <a:ea typeface="나눔고딕OTF" pitchFamily="34" charset="-127"/>
+              </a:rPr>
+              <a:t>* </a:t>
+            </a:r>
+            <a:r>
+              <a:rPr kumimoji="0" lang="ko-KR" altLang="en-US" sz="1000" dirty="0" smtClean="0">
+                <a:solidFill>
+                  <a:srgbClr val="FF0000"/>
+                </a:solidFill>
+                <a:latin typeface="나눔고딕OTF" pitchFamily="34" charset="-127"/>
+                <a:ea typeface="나눔고딕OTF" pitchFamily="34" charset="-127"/>
+              </a:rPr>
+              <a:t>노동부 판정의 </a:t>
+            </a:r>
+            <a:r>
+              <a:rPr kumimoji="0" lang="ko-KR" altLang="en-US" sz="1000" dirty="0" err="1" smtClean="0">
+                <a:solidFill>
+                  <a:srgbClr val="FF0000"/>
+                </a:solidFill>
+                <a:latin typeface="나눔고딕OTF" pitchFamily="34" charset="-127"/>
+                <a:ea typeface="나눔고딕OTF" pitchFamily="34" charset="-127"/>
+              </a:rPr>
+              <a:t>유소견</a:t>
+            </a:r>
+            <a:r>
+              <a:rPr kumimoji="0" lang="ko-KR" altLang="en-US" sz="1000" dirty="0" smtClean="0">
+                <a:solidFill>
+                  <a:srgbClr val="FF0000"/>
+                </a:solidFill>
+                <a:latin typeface="나눔고딕OTF" pitchFamily="34" charset="-127"/>
+                <a:ea typeface="나눔고딕OTF" pitchFamily="34" charset="-127"/>
+              </a:rPr>
+              <a:t> 내역을 표시합니다</a:t>
+            </a:r>
+            <a:r>
+              <a:rPr kumimoji="0" lang="en-US" altLang="ko-KR" sz="1000" dirty="0" smtClean="0">
+                <a:solidFill>
+                  <a:srgbClr val="FF0000"/>
+                </a:solidFill>
+                <a:latin typeface="나눔고딕OTF" pitchFamily="34" charset="-127"/>
+                <a:ea typeface="나눔고딕OTF" pitchFamily="34" charset="-127"/>
+              </a:rPr>
+              <a:t>.</a:t>
+            </a:r>
+            <a:endParaRPr kumimoji="0" lang="en-US" altLang="ko-KR" sz="1000" dirty="0" smtClean="0">
+              <a:latin typeface="나눔고딕OTF" pitchFamily="34" charset="-127"/>
+              <a:ea typeface="나눔고딕OTF" pitchFamily="34" charset="-127"/>
+            </a:endParaRPr>
+          </a:p>
+          <a:p>
+            <a:pPr marL="228600" indent="-228600">
+              <a:lnSpc>
+                <a:spcPct val="120000"/>
+              </a:lnSpc>
+            </a:pPr>
+            <a:endParaRPr kumimoji="0" lang="en-US" altLang="ko-KR" sz="1000" dirty="0" smtClean="0">
+              <a:latin typeface="나눔고딕OTF" pitchFamily="34" charset="-127"/>
+              <a:ea typeface="나눔고딕OTF" pitchFamily="34" charset="-127"/>
+            </a:endParaRPr>
+          </a:p>
+          <a:p>
+            <a:pPr marL="228600" indent="-228600">
+              <a:lnSpc>
+                <a:spcPct val="120000"/>
+              </a:lnSpc>
+              <a:buAutoNum type="arabicParenR" startAt="2"/>
+            </a:pPr>
+            <a:r>
+              <a:rPr kumimoji="0" lang="ko-KR" altLang="en-US" sz="1000" b="1" dirty="0" smtClean="0">
+                <a:latin typeface="나눔고딕OTF" pitchFamily="34" charset="-127"/>
+                <a:ea typeface="나눔고딕OTF" pitchFamily="34" charset="-127"/>
+              </a:rPr>
+              <a:t>결과표 조회 내역 요약표</a:t>
+            </a:r>
+            <a:endParaRPr kumimoji="0" lang="en-US" altLang="ko-KR" sz="1000" b="1" dirty="0" smtClean="0">
+              <a:latin typeface="나눔고딕OTF" pitchFamily="34" charset="-127"/>
+              <a:ea typeface="나눔고딕OTF" pitchFamily="34" charset="-127"/>
+            </a:endParaRPr>
+          </a:p>
+          <a:p>
+            <a:pPr marL="228600" indent="-228600">
+              <a:lnSpc>
+                <a:spcPct val="120000"/>
+              </a:lnSpc>
+            </a:pPr>
+            <a:r>
+              <a:rPr kumimoji="0" lang="en-US" altLang="ko-KR" sz="1000" dirty="0" smtClean="0">
+                <a:latin typeface="나눔고딕OTF" pitchFamily="34" charset="-127"/>
+                <a:ea typeface="나눔고딕OTF" pitchFamily="34" charset="-127"/>
+              </a:rPr>
+              <a:t> </a:t>
+            </a:r>
+            <a:r>
+              <a:rPr kumimoji="0" lang="en-US" altLang="ko-KR" sz="1000" dirty="0" smtClean="0">
+                <a:latin typeface="나눔고딕OTF" pitchFamily="34" charset="-127"/>
+                <a:ea typeface="나눔고딕OTF" pitchFamily="34" charset="-127"/>
+              </a:rPr>
+              <a:t>  - </a:t>
+            </a:r>
+            <a:r>
+              <a:rPr kumimoji="0" lang="ko-KR" altLang="en-US" sz="1000" dirty="0" smtClean="0">
+                <a:latin typeface="나눔고딕OTF" pitchFamily="34" charset="-127"/>
+                <a:ea typeface="나눔고딕OTF" pitchFamily="34" charset="-127"/>
+              </a:rPr>
+              <a:t>조회된 결과표를 요약하여 표시합니다</a:t>
+            </a:r>
+            <a:r>
+              <a:rPr kumimoji="0" lang="en-US" altLang="ko-KR" sz="1000" dirty="0" smtClean="0">
+                <a:latin typeface="나눔고딕OTF" pitchFamily="34" charset="-127"/>
+                <a:ea typeface="나눔고딕OTF" pitchFamily="34" charset="-127"/>
+              </a:rPr>
+              <a:t>.</a:t>
+            </a:r>
+          </a:p>
+          <a:p>
+            <a:pPr marL="228600" indent="-228600">
+              <a:lnSpc>
+                <a:spcPct val="120000"/>
+              </a:lnSpc>
+            </a:pPr>
+            <a:r>
+              <a:rPr kumimoji="0" lang="en-US" altLang="ko-KR" sz="1000" dirty="0" smtClean="0">
+                <a:latin typeface="나눔고딕OTF" pitchFamily="34" charset="-127"/>
+                <a:ea typeface="나눔고딕OTF" pitchFamily="34" charset="-127"/>
+              </a:rPr>
+              <a:t> </a:t>
+            </a:r>
+            <a:r>
+              <a:rPr kumimoji="0" lang="en-US" altLang="ko-KR" sz="1000" dirty="0" smtClean="0">
+                <a:latin typeface="나눔고딕OTF" pitchFamily="34" charset="-127"/>
+                <a:ea typeface="나눔고딕OTF" pitchFamily="34" charset="-127"/>
+              </a:rPr>
+              <a:t>  - </a:t>
+            </a:r>
+            <a:r>
+              <a:rPr kumimoji="0" lang="ko-KR" altLang="en-US" sz="1000" dirty="0" smtClean="0">
+                <a:latin typeface="나눔고딕OTF" pitchFamily="34" charset="-127"/>
+                <a:ea typeface="나눔고딕OTF" pitchFamily="34" charset="-127"/>
+              </a:rPr>
+              <a:t>결과 유형별 인원통계와 질병 </a:t>
+            </a:r>
+            <a:r>
+              <a:rPr kumimoji="0" lang="ko-KR" altLang="en-US" sz="1000" dirty="0" err="1" smtClean="0">
+                <a:latin typeface="나눔고딕OTF" pitchFamily="34" charset="-127"/>
+                <a:ea typeface="나눔고딕OTF" pitchFamily="34" charset="-127"/>
+              </a:rPr>
+              <a:t>유소견</a:t>
+            </a:r>
+            <a:r>
+              <a:rPr kumimoji="0" lang="ko-KR" altLang="en-US" sz="1000" dirty="0" smtClean="0">
+                <a:latin typeface="나눔고딕OTF" pitchFamily="34" charset="-127"/>
+                <a:ea typeface="나눔고딕OTF" pitchFamily="34" charset="-127"/>
+              </a:rPr>
+              <a:t> 통계를 표시합니다</a:t>
+            </a:r>
+            <a:r>
+              <a:rPr kumimoji="0" lang="en-US" altLang="ko-KR" sz="1000" dirty="0" smtClean="0">
+                <a:latin typeface="나눔고딕OTF" pitchFamily="34" charset="-127"/>
+                <a:ea typeface="나눔고딕OTF" pitchFamily="34" charset="-127"/>
+              </a:rPr>
+              <a:t>.</a:t>
+            </a:r>
+          </a:p>
+          <a:p>
+            <a:pPr marL="228600" indent="-228600">
+              <a:lnSpc>
+                <a:spcPct val="120000"/>
+              </a:lnSpc>
+            </a:pPr>
+            <a:r>
+              <a:rPr kumimoji="0" lang="en-US" altLang="ko-KR" sz="1000" dirty="0" smtClean="0">
+                <a:latin typeface="나눔고딕OTF" pitchFamily="34" charset="-127"/>
+                <a:ea typeface="나눔고딕OTF" pitchFamily="34" charset="-127"/>
+              </a:rPr>
+              <a:t> </a:t>
+            </a:r>
+            <a:r>
+              <a:rPr kumimoji="0" lang="en-US" altLang="ko-KR" sz="1000" dirty="0" smtClean="0">
+                <a:latin typeface="나눔고딕OTF" pitchFamily="34" charset="-127"/>
+                <a:ea typeface="나눔고딕OTF" pitchFamily="34" charset="-127"/>
+              </a:rPr>
+              <a:t>  - “</a:t>
+            </a:r>
+            <a:r>
+              <a:rPr kumimoji="0" lang="ko-KR" altLang="en-US" sz="1000" dirty="0" smtClean="0">
+                <a:latin typeface="나눔고딕OTF" pitchFamily="34" charset="-127"/>
+                <a:ea typeface="나눔고딕OTF" pitchFamily="34" charset="-127"/>
+              </a:rPr>
+              <a:t>출력</a:t>
+            </a:r>
+            <a:r>
+              <a:rPr kumimoji="0" lang="en-US" altLang="ko-KR" sz="1000" dirty="0" smtClean="0">
+                <a:latin typeface="나눔고딕OTF" pitchFamily="34" charset="-127"/>
+                <a:ea typeface="나눔고딕OTF" pitchFamily="34" charset="-127"/>
+              </a:rPr>
+              <a:t>” </a:t>
+            </a:r>
+            <a:r>
+              <a:rPr kumimoji="0" lang="ko-KR" altLang="en-US" sz="1000" dirty="0" smtClean="0">
+                <a:latin typeface="나눔고딕OTF" pitchFamily="34" charset="-127"/>
+                <a:ea typeface="나눔고딕OTF" pitchFamily="34" charset="-127"/>
+              </a:rPr>
+              <a:t>버튼을 클릭하면 결과표 출력 </a:t>
+            </a:r>
+            <a:r>
+              <a:rPr kumimoji="0" lang="ko-KR" altLang="en-US" sz="1000" dirty="0" err="1" smtClean="0">
+                <a:latin typeface="나눔고딕OTF" pitchFamily="34" charset="-127"/>
+                <a:ea typeface="나눔고딕OTF" pitchFamily="34" charset="-127"/>
+              </a:rPr>
+              <a:t>미리보기</a:t>
+            </a:r>
+            <a:r>
+              <a:rPr kumimoji="0" lang="ko-KR" altLang="en-US" sz="1000" dirty="0" smtClean="0">
+                <a:latin typeface="나눔고딕OTF" pitchFamily="34" charset="-127"/>
+                <a:ea typeface="나눔고딕OTF" pitchFamily="34" charset="-127"/>
+              </a:rPr>
+              <a:t> 화면을</a:t>
+            </a:r>
+            <a:endParaRPr kumimoji="0" lang="en-US" altLang="ko-KR" sz="1000" dirty="0" smtClean="0">
+              <a:latin typeface="나눔고딕OTF" pitchFamily="34" charset="-127"/>
+              <a:ea typeface="나눔고딕OTF" pitchFamily="34" charset="-127"/>
+            </a:endParaRPr>
+          </a:p>
+          <a:p>
+            <a:pPr marL="228600" indent="-228600">
+              <a:lnSpc>
+                <a:spcPct val="120000"/>
+              </a:lnSpc>
+            </a:pPr>
+            <a:r>
+              <a:rPr kumimoji="0" lang="en-US" altLang="ko-KR" sz="1000" dirty="0" smtClean="0">
+                <a:latin typeface="나눔고딕OTF" pitchFamily="34" charset="-127"/>
+                <a:ea typeface="나눔고딕OTF" pitchFamily="34" charset="-127"/>
+              </a:rPr>
+              <a:t>	</a:t>
+            </a:r>
+            <a:r>
+              <a:rPr kumimoji="0" lang="ko-KR" altLang="en-US" sz="1000" dirty="0" smtClean="0">
+                <a:latin typeface="나눔고딕OTF" pitchFamily="34" charset="-127"/>
+                <a:ea typeface="나눔고딕OTF" pitchFamily="34" charset="-127"/>
+              </a:rPr>
+              <a:t>표시합니다</a:t>
+            </a:r>
+            <a:r>
+              <a:rPr kumimoji="0" lang="en-US" altLang="ko-KR" sz="1000" dirty="0" smtClean="0">
+                <a:latin typeface="나눔고딕OTF" pitchFamily="34" charset="-127"/>
+                <a:ea typeface="나눔고딕OTF" pitchFamily="34" charset="-127"/>
+              </a:rPr>
+              <a:t>.</a:t>
+            </a:r>
+          </a:p>
+          <a:p>
+            <a:pPr marL="228600" indent="-228600">
+              <a:lnSpc>
+                <a:spcPct val="120000"/>
+              </a:lnSpc>
+            </a:pPr>
+            <a:r>
+              <a:rPr kumimoji="0" lang="en-US" altLang="ko-KR" sz="1000" dirty="0" smtClean="0">
+                <a:latin typeface="나눔고딕OTF" pitchFamily="34" charset="-127"/>
+                <a:ea typeface="나눔고딕OTF" pitchFamily="34" charset="-127"/>
+              </a:rPr>
+              <a:t> </a:t>
+            </a:r>
+            <a:r>
+              <a:rPr kumimoji="0" lang="en-US" altLang="ko-KR" sz="1000" dirty="0" smtClean="0">
+                <a:latin typeface="나눔고딕OTF" pitchFamily="34" charset="-127"/>
+                <a:ea typeface="나눔고딕OTF" pitchFamily="34" charset="-127"/>
+              </a:rPr>
+              <a:t>  </a:t>
+            </a:r>
+            <a:r>
+              <a:rPr kumimoji="0" lang="en-US" altLang="ko-KR" sz="1000" dirty="0" smtClean="0">
+                <a:solidFill>
+                  <a:srgbClr val="FF0000"/>
+                </a:solidFill>
+                <a:latin typeface="나눔고딕OTF" pitchFamily="34" charset="-127"/>
+                <a:ea typeface="나눔고딕OTF" pitchFamily="34" charset="-127"/>
+              </a:rPr>
+              <a:t>* </a:t>
+            </a:r>
+            <a:r>
+              <a:rPr kumimoji="0" lang="ko-KR" altLang="en-US" sz="1000" dirty="0" err="1" smtClean="0">
+                <a:solidFill>
+                  <a:srgbClr val="FF0000"/>
+                </a:solidFill>
+                <a:latin typeface="나눔고딕OTF" pitchFamily="34" charset="-127"/>
+                <a:ea typeface="나눔고딕OTF" pitchFamily="34" charset="-127"/>
+              </a:rPr>
+              <a:t>미리보기</a:t>
+            </a:r>
+            <a:r>
+              <a:rPr kumimoji="0" lang="ko-KR" altLang="en-US" sz="1000" dirty="0" smtClean="0">
+                <a:solidFill>
+                  <a:srgbClr val="FF0000"/>
+                </a:solidFill>
+                <a:latin typeface="나눔고딕OTF" pitchFamily="34" charset="-127"/>
+                <a:ea typeface="나눔고딕OTF" pitchFamily="34" charset="-127"/>
+              </a:rPr>
+              <a:t> 화면에서 요약된 내용을 자세하게 확인합니다</a:t>
+            </a:r>
+            <a:r>
+              <a:rPr kumimoji="0" lang="en-US" altLang="ko-KR" sz="1000" dirty="0" smtClean="0">
+                <a:solidFill>
+                  <a:srgbClr val="FF0000"/>
+                </a:solidFill>
+                <a:latin typeface="나눔고딕OTF" pitchFamily="34" charset="-127"/>
+                <a:ea typeface="나눔고딕OTF" pitchFamily="34" charset="-127"/>
+              </a:rPr>
+              <a:t>.</a:t>
+            </a:r>
+          </a:p>
+          <a:p>
+            <a:pPr marL="228600" indent="-228600">
+              <a:lnSpc>
+                <a:spcPct val="120000"/>
+              </a:lnSpc>
+            </a:pPr>
+            <a:r>
+              <a:rPr kumimoji="0" lang="en-US" altLang="ko-KR" sz="1000" dirty="0" smtClean="0">
+                <a:solidFill>
+                  <a:srgbClr val="FF0000"/>
+                </a:solidFill>
+                <a:latin typeface="나눔고딕OTF" pitchFamily="34" charset="-127"/>
+                <a:ea typeface="나눔고딕OTF" pitchFamily="34" charset="-127"/>
+              </a:rPr>
+              <a:t> </a:t>
+            </a:r>
+            <a:r>
+              <a:rPr kumimoji="0" lang="en-US" altLang="ko-KR" sz="1000" dirty="0" smtClean="0">
+                <a:solidFill>
+                  <a:srgbClr val="FF0000"/>
+                </a:solidFill>
+                <a:latin typeface="나눔고딕OTF" pitchFamily="34" charset="-127"/>
+                <a:ea typeface="나눔고딕OTF" pitchFamily="34" charset="-127"/>
+              </a:rPr>
+              <a:t>  </a:t>
+            </a:r>
+            <a:r>
+              <a:rPr kumimoji="0" lang="en-US" altLang="ko-KR" sz="1000" dirty="0" smtClean="0">
+                <a:latin typeface="나눔고딕OTF" pitchFamily="34" charset="-127"/>
+                <a:ea typeface="나눔고딕OTF" pitchFamily="34" charset="-127"/>
+              </a:rPr>
+              <a:t>- “2</a:t>
+            </a:r>
+            <a:r>
+              <a:rPr kumimoji="0" lang="ko-KR" altLang="en-US" sz="1000" dirty="0" smtClean="0">
+                <a:latin typeface="나눔고딕OTF" pitchFamily="34" charset="-127"/>
+                <a:ea typeface="나눔고딕OTF" pitchFamily="34" charset="-127"/>
+              </a:rPr>
+              <a:t>페이지 출력</a:t>
+            </a:r>
+            <a:r>
+              <a:rPr kumimoji="0" lang="en-US" altLang="ko-KR" sz="1000" dirty="0" smtClean="0">
+                <a:latin typeface="나눔고딕OTF" pitchFamily="34" charset="-127"/>
+                <a:ea typeface="나눔고딕OTF" pitchFamily="34" charset="-127"/>
+              </a:rPr>
+              <a:t>” : </a:t>
+            </a:r>
+            <a:r>
+              <a:rPr kumimoji="0" lang="ko-KR" altLang="en-US" sz="1000" dirty="0" smtClean="0">
+                <a:latin typeface="나눔고딕OTF" pitchFamily="34" charset="-127"/>
+                <a:ea typeface="나눔고딕OTF" pitchFamily="34" charset="-127"/>
+              </a:rPr>
+              <a:t>체크한 뒤 출력을 클릭하면 결과표 </a:t>
+            </a:r>
+            <a:r>
+              <a:rPr kumimoji="0" lang="en-US" altLang="ko-KR" sz="1000" dirty="0" smtClean="0">
+                <a:latin typeface="나눔고딕OTF" pitchFamily="34" charset="-127"/>
+                <a:ea typeface="나눔고딕OTF" pitchFamily="34" charset="-127"/>
+              </a:rPr>
+              <a:t>2</a:t>
+            </a:r>
+            <a:r>
+              <a:rPr kumimoji="0" lang="ko-KR" altLang="en-US" sz="1000" dirty="0" smtClean="0">
+                <a:latin typeface="나눔고딕OTF" pitchFamily="34" charset="-127"/>
+                <a:ea typeface="나눔고딕OTF" pitchFamily="34" charset="-127"/>
+              </a:rPr>
+              <a:t>번째</a:t>
+            </a:r>
+            <a:endParaRPr kumimoji="0" lang="en-US" altLang="ko-KR" sz="1000" dirty="0" smtClean="0">
+              <a:latin typeface="나눔고딕OTF" pitchFamily="34" charset="-127"/>
+              <a:ea typeface="나눔고딕OTF" pitchFamily="34" charset="-127"/>
+            </a:endParaRPr>
+          </a:p>
+          <a:p>
+            <a:pPr marL="228600" indent="-228600">
+              <a:lnSpc>
+                <a:spcPct val="120000"/>
+              </a:lnSpc>
+            </a:pPr>
+            <a:r>
+              <a:rPr kumimoji="0" lang="en-US" altLang="ko-KR" sz="1000" dirty="0" smtClean="0">
+                <a:latin typeface="나눔고딕OTF" pitchFamily="34" charset="-127"/>
+                <a:ea typeface="나눔고딕OTF" pitchFamily="34" charset="-127"/>
+              </a:rPr>
+              <a:t>	</a:t>
+            </a:r>
+            <a:r>
+              <a:rPr kumimoji="0" lang="ko-KR" altLang="en-US" sz="1000" dirty="0" smtClean="0">
+                <a:latin typeface="나눔고딕OTF" pitchFamily="34" charset="-127"/>
+                <a:ea typeface="나눔고딕OTF" pitchFamily="34" charset="-127"/>
+              </a:rPr>
+              <a:t>페이지를 표시합니다</a:t>
+            </a:r>
+            <a:r>
+              <a:rPr kumimoji="0" lang="en-US" altLang="ko-KR" sz="1000" dirty="0" smtClean="0">
+                <a:latin typeface="나눔고딕OTF" pitchFamily="34" charset="-127"/>
+                <a:ea typeface="나눔고딕OTF" pitchFamily="34" charset="-127"/>
+              </a:rPr>
+              <a:t>.</a:t>
+            </a:r>
+          </a:p>
+          <a:p>
+            <a:pPr marL="228600" indent="-228600">
+              <a:lnSpc>
+                <a:spcPct val="120000"/>
+              </a:lnSpc>
+            </a:pPr>
+            <a:r>
+              <a:rPr kumimoji="0" lang="en-US" altLang="ko-KR" sz="1000" dirty="0" smtClean="0">
+                <a:solidFill>
+                  <a:srgbClr val="FF0000"/>
+                </a:solidFill>
+                <a:latin typeface="나눔고딕OTF" pitchFamily="34" charset="-127"/>
+                <a:ea typeface="나눔고딕OTF" pitchFamily="34" charset="-127"/>
+              </a:rPr>
+              <a:t>   * 2</a:t>
+            </a:r>
+            <a:r>
+              <a:rPr kumimoji="0" lang="ko-KR" altLang="en-US" sz="1000" dirty="0" smtClean="0">
+                <a:solidFill>
+                  <a:srgbClr val="FF0000"/>
+                </a:solidFill>
+                <a:latin typeface="나눔고딕OTF" pitchFamily="34" charset="-127"/>
+                <a:ea typeface="나눔고딕OTF" pitchFamily="34" charset="-127"/>
+              </a:rPr>
+              <a:t>페이지에서는 </a:t>
+            </a:r>
+            <a:r>
+              <a:rPr kumimoji="0" lang="ko-KR" altLang="en-US" sz="1000" dirty="0" err="1" smtClean="0">
+                <a:solidFill>
+                  <a:srgbClr val="FF0000"/>
+                </a:solidFill>
+                <a:latin typeface="나눔고딕OTF" pitchFamily="34" charset="-127"/>
+                <a:ea typeface="나눔고딕OTF" pitchFamily="34" charset="-127"/>
+              </a:rPr>
+              <a:t>유소견</a:t>
+            </a:r>
+            <a:r>
+              <a:rPr kumimoji="0" lang="ko-KR" altLang="en-US" sz="1000" dirty="0" smtClean="0">
+                <a:solidFill>
+                  <a:srgbClr val="FF0000"/>
+                </a:solidFill>
+                <a:latin typeface="나눔고딕OTF" pitchFamily="34" charset="-127"/>
+                <a:ea typeface="나눔고딕OTF" pitchFamily="34" charset="-127"/>
+              </a:rPr>
+              <a:t> 통계를 </a:t>
+            </a:r>
+            <a:r>
+              <a:rPr kumimoji="0" lang="ko-KR" altLang="en-US" sz="1000" dirty="0" err="1" smtClean="0">
+                <a:solidFill>
+                  <a:srgbClr val="FF0000"/>
+                </a:solidFill>
+                <a:latin typeface="나눔고딕OTF" pitchFamily="34" charset="-127"/>
+                <a:ea typeface="나눔고딕OTF" pitchFamily="34" charset="-127"/>
+              </a:rPr>
+              <a:t>소견별로</a:t>
+            </a:r>
+            <a:r>
+              <a:rPr kumimoji="0" lang="ko-KR" altLang="en-US" sz="1000" dirty="0" smtClean="0">
+                <a:solidFill>
+                  <a:srgbClr val="FF0000"/>
+                </a:solidFill>
+                <a:latin typeface="나눔고딕OTF" pitchFamily="34" charset="-127"/>
+                <a:ea typeface="나눔고딕OTF" pitchFamily="34" charset="-127"/>
+              </a:rPr>
+              <a:t> 출력합니다</a:t>
+            </a:r>
+            <a:r>
+              <a:rPr kumimoji="0" lang="en-US" altLang="ko-KR" sz="1000" dirty="0" smtClean="0">
+                <a:solidFill>
+                  <a:srgbClr val="FF0000"/>
+                </a:solidFill>
+                <a:latin typeface="나눔고딕OTF" pitchFamily="34" charset="-127"/>
+                <a:ea typeface="나눔고딕OTF" pitchFamily="34" charset="-127"/>
+              </a:rPr>
+              <a:t>.</a:t>
+            </a:r>
+          </a:p>
+        </p:txBody>
+      </p:sp>
+      <p:sp>
+        <p:nvSpPr>
+          <p:cNvPr id="15" name="TextBox 59"/>
+          <p:cNvSpPr txBox="1">
+            <a:spLocks noChangeArrowheads="1"/>
+          </p:cNvSpPr>
+          <p:nvPr/>
+        </p:nvSpPr>
+        <p:spPr bwMode="auto">
+          <a:xfrm>
+            <a:off x="415924" y="1052513"/>
+            <a:ext cx="5751521" cy="276999"/>
+          </a:xfrm>
+          <a:prstGeom prst="rect">
+            <a:avLst/>
+          </a:prstGeom>
+          <a:noFill/>
+          <a:ln w="9525">
+            <a:noFill/>
+            <a:miter lim="800000"/>
+            <a:headEnd/>
+            <a:tailEnd/>
+          </a:ln>
+        </p:spPr>
+        <p:txBody>
+          <a:bodyPr wrap="square">
+            <a:spAutoFit/>
+          </a:bodyPr>
+          <a:lstStyle/>
+          <a:p>
+            <a:r>
+              <a:rPr kumimoji="0" lang="en-US" altLang="ko-KR" sz="1200" dirty="0">
+                <a:latin typeface="나눔고딕OTF" pitchFamily="34" charset="-127"/>
+                <a:ea typeface="나눔고딕OTF" pitchFamily="34" charset="-127"/>
+              </a:rPr>
+              <a:t> </a:t>
+            </a:r>
+            <a:r>
+              <a:rPr kumimoji="0" lang="ko-KR" altLang="en-US" sz="1200" dirty="0" smtClean="0">
+                <a:latin typeface="나눔고딕OTF" pitchFamily="34" charset="-127"/>
+                <a:ea typeface="나눔고딕OTF" pitchFamily="34" charset="-127"/>
+              </a:rPr>
+              <a:t>위치 </a:t>
+            </a:r>
+            <a:r>
+              <a:rPr kumimoji="0" lang="en-US" altLang="ko-KR" sz="1200" dirty="0" smtClean="0">
+                <a:latin typeface="나눔고딕OTF" pitchFamily="34" charset="-127"/>
+                <a:ea typeface="나눔고딕OTF" pitchFamily="34" charset="-127"/>
+              </a:rPr>
+              <a:t>: </a:t>
+            </a:r>
+            <a:r>
+              <a:rPr kumimoji="0" lang="ko-KR" altLang="en-US" sz="1200" dirty="0" err="1" smtClean="0">
+                <a:latin typeface="나눔고딕OTF" pitchFamily="34" charset="-127"/>
+                <a:ea typeface="나눔고딕OTF" pitchFamily="34" charset="-127"/>
+              </a:rPr>
+              <a:t>메인화면</a:t>
+            </a:r>
+            <a:r>
+              <a:rPr kumimoji="0" lang="ko-KR" altLang="en-US" sz="1200" dirty="0" smtClean="0">
+                <a:latin typeface="나눔고딕OTF" pitchFamily="34" charset="-127"/>
+                <a:ea typeface="나눔고딕OTF" pitchFamily="34" charset="-127"/>
+              </a:rPr>
+              <a:t> </a:t>
+            </a:r>
+            <a:r>
+              <a:rPr kumimoji="0" lang="en-US" altLang="ko-KR" sz="1200" dirty="0" smtClean="0">
+                <a:latin typeface="나눔고딕OTF" pitchFamily="34" charset="-127"/>
+                <a:ea typeface="나눔고딕OTF" pitchFamily="34" charset="-127"/>
+              </a:rPr>
+              <a:t>– </a:t>
+            </a:r>
+            <a:r>
+              <a:rPr kumimoji="0" lang="ko-KR" altLang="en-US" sz="1200" dirty="0" smtClean="0">
+                <a:latin typeface="나눔고딕OTF" pitchFamily="34" charset="-127"/>
+                <a:ea typeface="나눔고딕OTF" pitchFamily="34" charset="-127"/>
+              </a:rPr>
+              <a:t>건강검진 </a:t>
+            </a:r>
+            <a:r>
+              <a:rPr kumimoji="0" lang="en-US" altLang="ko-KR" sz="1200" dirty="0" smtClean="0">
+                <a:latin typeface="나눔고딕OTF" pitchFamily="34" charset="-127"/>
+                <a:ea typeface="나눔고딕OTF" pitchFamily="34" charset="-127"/>
+              </a:rPr>
+              <a:t>– </a:t>
+            </a:r>
+            <a:r>
+              <a:rPr kumimoji="0" lang="ko-KR" altLang="en-US" sz="1200" dirty="0" smtClean="0">
+                <a:latin typeface="나눔고딕OTF" pitchFamily="34" charset="-127"/>
+                <a:ea typeface="나눔고딕OTF" pitchFamily="34" charset="-127"/>
+              </a:rPr>
+              <a:t>일반건강검진 결과표 </a:t>
+            </a:r>
+            <a:r>
+              <a:rPr kumimoji="0" lang="en-US" altLang="ko-KR" sz="1200" dirty="0" smtClean="0">
+                <a:latin typeface="나눔고딕OTF" pitchFamily="34" charset="-127"/>
+                <a:ea typeface="나눔고딕OTF" pitchFamily="34" charset="-127"/>
+              </a:rPr>
+              <a:t>– </a:t>
+            </a:r>
+            <a:r>
+              <a:rPr kumimoji="0" lang="ko-KR" altLang="en-US" sz="1200" dirty="0" smtClean="0">
+                <a:latin typeface="나눔고딕OTF" pitchFamily="34" charset="-127"/>
+                <a:ea typeface="나눔고딕OTF" pitchFamily="34" charset="-127"/>
+              </a:rPr>
+              <a:t>일반건강검진 결과표</a:t>
+            </a:r>
+            <a:r>
+              <a:rPr kumimoji="0" lang="en-US" altLang="ko-KR" sz="1200" dirty="0" smtClean="0">
+                <a:latin typeface="나눔고딕OTF" pitchFamily="34" charset="-127"/>
+                <a:ea typeface="나눔고딕OTF" pitchFamily="34" charset="-127"/>
+              </a:rPr>
+              <a:t>(2013)</a:t>
+            </a:r>
+            <a:endParaRPr kumimoji="0" lang="en-US" altLang="ko-KR" sz="1200" dirty="0">
+              <a:latin typeface="나눔고딕OTF" pitchFamily="34" charset="-127"/>
+              <a:ea typeface="나눔고딕OTF" pitchFamily="34" charset="-127"/>
+            </a:endParaRPr>
+          </a:p>
+        </p:txBody>
+      </p:sp>
+      <p:sp>
+        <p:nvSpPr>
+          <p:cNvPr id="16" name="직사각형 15"/>
+          <p:cNvSpPr/>
+          <p:nvPr/>
+        </p:nvSpPr>
+        <p:spPr>
+          <a:xfrm>
+            <a:off x="666720" y="2214553"/>
+            <a:ext cx="5143536" cy="3500463"/>
+          </a:xfrm>
+          <a:prstGeom prst="rect">
+            <a:avLst/>
+          </a:prstGeom>
+          <a:noFill/>
+          <a:ln w="12700">
+            <a:solidFill>
+              <a:srgbClr val="FF0000"/>
+            </a:solidFill>
+          </a:ln>
+        </p:spPr>
+        <p:style>
+          <a:lnRef idx="2">
+            <a:schemeClr val="accent1">
+              <a:shade val="50000"/>
+            </a:schemeClr>
+          </a:lnRef>
+          <a:fillRef idx="1">
+            <a:schemeClr val="accent1"/>
+          </a:fillRef>
+          <a:effectRef idx="0">
+            <a:schemeClr val="accent1"/>
+          </a:effectRef>
+          <a:fontRef idx="minor">
+            <a:schemeClr val="lt1"/>
+          </a:fontRef>
+        </p:style>
+        <p:txBody>
+          <a:bodyPr anchor="ctr"/>
+          <a:lstStyle/>
+          <a:p>
+            <a:pPr algn="ctr" fontAlgn="auto">
+              <a:spcBef>
+                <a:spcPts val="0"/>
+              </a:spcBef>
+              <a:spcAft>
+                <a:spcPts val="0"/>
+              </a:spcAft>
+              <a:defRPr/>
+            </a:pPr>
+            <a:endParaRPr kumimoji="0" lang="ko-KR" altLang="en-US" dirty="0">
+              <a:latin typeface="나눔고딕OTF" pitchFamily="34" charset="-127"/>
+              <a:ea typeface="나눔고딕OTF" pitchFamily="34" charset="-127"/>
+            </a:endParaRPr>
+          </a:p>
+        </p:txBody>
+      </p:sp>
+      <p:sp>
+        <p:nvSpPr>
+          <p:cNvPr id="17" name="타원 16"/>
+          <p:cNvSpPr/>
+          <p:nvPr/>
+        </p:nvSpPr>
+        <p:spPr>
+          <a:xfrm>
+            <a:off x="523844" y="2071678"/>
+            <a:ext cx="214314" cy="214314"/>
+          </a:xfrm>
+          <a:prstGeom prst="ellipse">
+            <a:avLst/>
+          </a:prstGeom>
+          <a:solidFill>
+            <a:schemeClr val="bg1"/>
+          </a:solidFill>
+          <a:ln>
+            <a:solidFill>
+              <a:srgbClr val="FF0000"/>
+            </a:solidFill>
+          </a:ln>
+        </p:spPr>
+        <p:style>
+          <a:lnRef idx="2">
+            <a:schemeClr val="accent1">
+              <a:shade val="50000"/>
+            </a:schemeClr>
+          </a:lnRef>
+          <a:fillRef idx="1">
+            <a:schemeClr val="accent1"/>
+          </a:fillRef>
+          <a:effectRef idx="0">
+            <a:schemeClr val="accent1"/>
+          </a:effectRef>
+          <a:fontRef idx="minor">
+            <a:schemeClr val="lt1"/>
+          </a:fontRef>
+        </p:style>
+        <p:txBody>
+          <a:bodyPr anchor="ctr"/>
+          <a:lstStyle/>
+          <a:p>
+            <a:pPr algn="ctr">
+              <a:defRPr/>
+            </a:pPr>
+            <a:r>
+              <a:rPr lang="en-US" altLang="ko-KR" sz="1000" dirty="0" smtClean="0">
+                <a:solidFill>
+                  <a:schemeClr val="tx1"/>
+                </a:solidFill>
+              </a:rPr>
+              <a:t>2</a:t>
+            </a:r>
+            <a:endParaRPr lang="ko-KR" altLang="en-US" sz="1000" dirty="0">
+              <a:solidFill>
+                <a:schemeClr val="tx1"/>
+              </a:solidFill>
+            </a:endParaRPr>
+          </a:p>
+        </p:txBody>
+      </p:sp>
+    </p:spTree>
+  </p:cSld>
+  <p:clrMapOvr>
+    <a:masterClrMapping/>
+  </p:clrMapOvr>
+  <p:timing>
+    <p:tnLst>
+      <p:par>
+        <p:cTn id="1" dur="indefinite" restart="never" nodeType="tmRoot"/>
+      </p:par>
+    </p:tnLst>
+  </p:timing>
+</p:sld>
+</file>
+
+<file path=ppt/slides/slide32.xml><?xml version="1.0" encoding="utf-8"?>
 <p:sld xmlns:a="http://schemas.openxmlformats.org/drawingml/2006/main" xmlns:r="http://schemas.openxmlformats.org/officeDocument/2006/relationships" xmlns:p="http://schemas.openxmlformats.org/presentationml/2006/main">
   <p:cSld>
     <p:spTree>
@@ -26760,632 +31707,7 @@
 </p:sld>
 </file>
 
-<file path=ppt/slides/slide3.xml><?xml version="1.0" encoding="utf-8"?>
-<p:sld xmlns:a="http://schemas.openxmlformats.org/drawingml/2006/main" xmlns:r="http://schemas.openxmlformats.org/officeDocument/2006/relationships" xmlns:p="http://schemas.openxmlformats.org/presentationml/2006/main">
-  <p:cSld>
-    <p:spTree>
-      <p:nvGrpSpPr>
-        <p:cNvPr id="1" name=""/>
-        <p:cNvGrpSpPr/>
-        <p:nvPr/>
-      </p:nvGrpSpPr>
-      <p:grpSpPr>
-        <a:xfrm>
-          <a:off x="0" y="0"/>
-          <a:ext cx="0" cy="0"/>
-          <a:chOff x="0" y="0"/>
-          <a:chExt cx="0" cy="0"/>
-        </a:xfrm>
-      </p:grpSpPr>
-      <p:sp>
-        <p:nvSpPr>
-          <p:cNvPr id="6" name="TextBox 5"/>
-          <p:cNvSpPr txBox="1"/>
-          <p:nvPr/>
-        </p:nvSpPr>
-        <p:spPr>
-          <a:xfrm>
-            <a:off x="1497013" y="282575"/>
-            <a:ext cx="2492375" cy="368300"/>
-          </a:xfrm>
-          <a:prstGeom prst="rect">
-            <a:avLst/>
-          </a:prstGeom>
-          <a:noFill/>
-        </p:spPr>
-        <p:txBody>
-          <a:bodyPr wrap="none">
-            <a:spAutoFit/>
-          </a:bodyPr>
-          <a:lstStyle/>
-          <a:p>
-            <a:pPr fontAlgn="auto">
-              <a:spcBef>
-                <a:spcPts val="0"/>
-              </a:spcBef>
-              <a:spcAft>
-                <a:spcPts val="0"/>
-              </a:spcAft>
-              <a:defRPr/>
-            </a:pPr>
-            <a:r>
-              <a:rPr kumimoji="0" lang="ko-KR" altLang="en-US" dirty="0">
-                <a:solidFill>
-                  <a:schemeClr val="bg1">
-                    <a:lumMod val="50000"/>
-                  </a:schemeClr>
-                </a:solidFill>
-                <a:latin typeface="나눔고딕OTF ExtraBold" pitchFamily="34" charset="-127"/>
-                <a:ea typeface="나눔고딕OTF ExtraBold" pitchFamily="34" charset="-127"/>
-              </a:rPr>
-              <a:t>프로그램 실행 </a:t>
-            </a:r>
-            <a:r>
-              <a:rPr kumimoji="0" lang="en-US" altLang="ko-KR" dirty="0">
-                <a:solidFill>
-                  <a:schemeClr val="bg1">
-                    <a:lumMod val="50000"/>
-                  </a:schemeClr>
-                </a:solidFill>
-                <a:latin typeface="나눔고딕OTF ExtraBold" pitchFamily="34" charset="-127"/>
-                <a:ea typeface="나눔고딕OTF ExtraBold" pitchFamily="34" charset="-127"/>
-              </a:rPr>
-              <a:t>&amp; </a:t>
-            </a:r>
-            <a:r>
-              <a:rPr kumimoji="0" lang="ko-KR" altLang="en-US" dirty="0">
-                <a:solidFill>
-                  <a:schemeClr val="bg1">
-                    <a:lumMod val="50000"/>
-                  </a:schemeClr>
-                </a:solidFill>
-                <a:latin typeface="나눔고딕OTF ExtraBold" pitchFamily="34" charset="-127"/>
-                <a:ea typeface="나눔고딕OTF ExtraBold" pitchFamily="34" charset="-127"/>
-              </a:rPr>
-              <a:t>로그인</a:t>
-            </a:r>
-          </a:p>
-        </p:txBody>
-      </p:sp>
-      <p:pic>
-        <p:nvPicPr>
-          <p:cNvPr id="13315" name="그림 11" descr="제목 없음.png"/>
-          <p:cNvPicPr>
-            <a:picLocks noChangeAspect="1"/>
-          </p:cNvPicPr>
-          <p:nvPr/>
-        </p:nvPicPr>
-        <p:blipFill>
-          <a:blip r:embed="rId2"/>
-          <a:srcRect/>
-          <a:stretch>
-            <a:fillRect/>
-          </a:stretch>
-        </p:blipFill>
-        <p:spPr bwMode="auto">
-          <a:xfrm>
-            <a:off x="1490663" y="1357313"/>
-            <a:ext cx="6929437" cy="4960937"/>
-          </a:xfrm>
-          <a:prstGeom prst="rect">
-            <a:avLst/>
-          </a:prstGeom>
-          <a:noFill/>
-          <a:ln w="9525">
-            <a:noFill/>
-            <a:miter lim="800000"/>
-            <a:headEnd/>
-            <a:tailEnd/>
-          </a:ln>
-        </p:spPr>
-      </p:pic>
-      <p:cxnSp>
-        <p:nvCxnSpPr>
-          <p:cNvPr id="13" name="직선 화살표 연결선 12"/>
-          <p:cNvCxnSpPr>
-            <a:endCxn id="13323" idx="0"/>
-          </p:cNvCxnSpPr>
-          <p:nvPr/>
-        </p:nvCxnSpPr>
-        <p:spPr>
-          <a:xfrm rot="5400000">
-            <a:off x="6142038" y="2765425"/>
-            <a:ext cx="1355725" cy="3175"/>
-          </a:xfrm>
-          <a:prstGeom prst="straightConnector1">
-            <a:avLst/>
-          </a:prstGeom>
-          <a:ln w="19050">
-            <a:solidFill>
-              <a:srgbClr val="7030A0"/>
-            </a:solidFill>
-            <a:tailEnd type="arrow"/>
-          </a:ln>
-        </p:spPr>
-        <p:style>
-          <a:lnRef idx="1">
-            <a:schemeClr val="accent1"/>
-          </a:lnRef>
-          <a:fillRef idx="0">
-            <a:schemeClr val="accent1"/>
-          </a:fillRef>
-          <a:effectRef idx="0">
-            <a:schemeClr val="accent1"/>
-          </a:effectRef>
-          <a:fontRef idx="minor">
-            <a:schemeClr val="tx1"/>
-          </a:fontRef>
-        </p:style>
-      </p:cxnSp>
-      <p:sp>
-        <p:nvSpPr>
-          <p:cNvPr id="13317" name="TextBox 4"/>
-          <p:cNvSpPr txBox="1">
-            <a:spLocks noChangeArrowheads="1"/>
-          </p:cNvSpPr>
-          <p:nvPr/>
-        </p:nvSpPr>
-        <p:spPr bwMode="auto">
-          <a:xfrm>
-            <a:off x="381000" y="785813"/>
-            <a:ext cx="1120775" cy="307975"/>
-          </a:xfrm>
-          <a:prstGeom prst="rect">
-            <a:avLst/>
-          </a:prstGeom>
-          <a:noFill/>
-          <a:ln w="9525">
-            <a:noFill/>
-            <a:miter lim="800000"/>
-            <a:headEnd/>
-            <a:tailEnd/>
-          </a:ln>
-        </p:spPr>
-        <p:txBody>
-          <a:bodyPr wrap="none">
-            <a:spAutoFit/>
-          </a:bodyPr>
-          <a:lstStyle/>
-          <a:p>
-            <a:r>
-              <a:rPr kumimoji="0" lang="en-US" altLang="ko-KR" sz="1400" b="1">
-                <a:latin typeface="나눔고딕OTF" pitchFamily="34" charset="-127"/>
-                <a:ea typeface="나눔고딕OTF" pitchFamily="34" charset="-127"/>
-              </a:rPr>
-              <a:t>2. </a:t>
-            </a:r>
-            <a:r>
-              <a:rPr kumimoji="0" lang="ko-KR" altLang="en-US" sz="1400" b="1">
-                <a:latin typeface="나눔고딕OTF" pitchFamily="34" charset="-127"/>
-                <a:ea typeface="나눔고딕OTF" pitchFamily="34" charset="-127"/>
-              </a:rPr>
-              <a:t>메인 화면</a:t>
-            </a:r>
-          </a:p>
-        </p:txBody>
-      </p:sp>
-      <p:sp>
-        <p:nvSpPr>
-          <p:cNvPr id="13318" name="TextBox 59"/>
-          <p:cNvSpPr txBox="1">
-            <a:spLocks noChangeArrowheads="1"/>
-          </p:cNvSpPr>
-          <p:nvPr/>
-        </p:nvSpPr>
-        <p:spPr bwMode="auto">
-          <a:xfrm>
-            <a:off x="415925" y="1052513"/>
-            <a:ext cx="9074150" cy="276225"/>
-          </a:xfrm>
-          <a:prstGeom prst="rect">
-            <a:avLst/>
-          </a:prstGeom>
-          <a:noFill/>
-          <a:ln w="9525">
-            <a:noFill/>
-            <a:miter lim="800000"/>
-            <a:headEnd/>
-            <a:tailEnd/>
-          </a:ln>
-        </p:spPr>
-        <p:txBody>
-          <a:bodyPr>
-            <a:spAutoFit/>
-          </a:bodyPr>
-          <a:lstStyle/>
-          <a:p>
-            <a:r>
-              <a:rPr kumimoji="0" lang="en-US" altLang="ko-KR" sz="1200">
-                <a:latin typeface="나눔고딕OTF" pitchFamily="34" charset="-127"/>
-                <a:ea typeface="나눔고딕OTF" pitchFamily="34" charset="-127"/>
-              </a:rPr>
-              <a:t>- </a:t>
-            </a:r>
-            <a:r>
-              <a:rPr kumimoji="0" lang="ko-KR" altLang="en-US" sz="1200">
-                <a:latin typeface="나눔고딕OTF" pitchFamily="34" charset="-127"/>
-                <a:ea typeface="나눔고딕OTF" pitchFamily="34" charset="-127"/>
-              </a:rPr>
-              <a:t>앨리스 실행 시 초기 메인화면입니다</a:t>
-            </a:r>
-            <a:r>
-              <a:rPr kumimoji="0" lang="en-US" altLang="ko-KR" sz="1200">
-                <a:latin typeface="나눔고딕OTF" pitchFamily="34" charset="-127"/>
-                <a:ea typeface="나눔고딕OTF" pitchFamily="34" charset="-127"/>
-              </a:rPr>
-              <a:t>.</a:t>
-            </a:r>
-          </a:p>
-        </p:txBody>
-      </p:sp>
-      <p:sp>
-        <p:nvSpPr>
-          <p:cNvPr id="16" name="직사각형 15"/>
-          <p:cNvSpPr/>
-          <p:nvPr/>
-        </p:nvSpPr>
-        <p:spPr>
-          <a:xfrm>
-            <a:off x="1533525" y="1571625"/>
-            <a:ext cx="6475413" cy="142875"/>
-          </a:xfrm>
-          <a:prstGeom prst="rect">
-            <a:avLst/>
-          </a:prstGeom>
-          <a:noFill/>
-          <a:ln>
-            <a:solidFill>
-              <a:srgbClr val="FF0000"/>
-            </a:solidFill>
-          </a:ln>
-        </p:spPr>
-        <p:style>
-          <a:lnRef idx="2">
-            <a:schemeClr val="accent1">
-              <a:shade val="50000"/>
-            </a:schemeClr>
-          </a:lnRef>
-          <a:fillRef idx="1">
-            <a:schemeClr val="accent1"/>
-          </a:fillRef>
-          <a:effectRef idx="0">
-            <a:schemeClr val="accent1"/>
-          </a:effectRef>
-          <a:fontRef idx="minor">
-            <a:schemeClr val="lt1"/>
-          </a:fontRef>
-        </p:style>
-        <p:txBody>
-          <a:bodyPr anchor="ctr"/>
-          <a:lstStyle/>
-          <a:p>
-            <a:pPr algn="ctr" fontAlgn="auto">
-              <a:spcBef>
-                <a:spcPts val="0"/>
-              </a:spcBef>
-              <a:spcAft>
-                <a:spcPts val="0"/>
-              </a:spcAft>
-              <a:defRPr/>
-            </a:pPr>
-            <a:endParaRPr kumimoji="0" lang="ko-KR" altLang="en-US">
-              <a:latin typeface="나눔고딕OTF" pitchFamily="34" charset="-127"/>
-              <a:ea typeface="나눔고딕OTF" pitchFamily="34" charset="-127"/>
-            </a:endParaRPr>
-          </a:p>
-        </p:txBody>
-      </p:sp>
-      <p:sp>
-        <p:nvSpPr>
-          <p:cNvPr id="17" name="직사각형 16"/>
-          <p:cNvSpPr/>
-          <p:nvPr/>
-        </p:nvSpPr>
-        <p:spPr>
-          <a:xfrm>
-            <a:off x="1524000" y="1714500"/>
-            <a:ext cx="6119813" cy="390525"/>
-          </a:xfrm>
-          <a:prstGeom prst="rect">
-            <a:avLst/>
-          </a:prstGeom>
-          <a:noFill/>
-          <a:ln>
-            <a:solidFill>
-              <a:srgbClr val="FF0000"/>
-            </a:solidFill>
-          </a:ln>
-        </p:spPr>
-        <p:style>
-          <a:lnRef idx="2">
-            <a:schemeClr val="accent1">
-              <a:shade val="50000"/>
-            </a:schemeClr>
-          </a:lnRef>
-          <a:fillRef idx="1">
-            <a:schemeClr val="accent1"/>
-          </a:fillRef>
-          <a:effectRef idx="0">
-            <a:schemeClr val="accent1"/>
-          </a:effectRef>
-          <a:fontRef idx="minor">
-            <a:schemeClr val="lt1"/>
-          </a:fontRef>
-        </p:style>
-        <p:txBody>
-          <a:bodyPr anchor="ctr"/>
-          <a:lstStyle/>
-          <a:p>
-            <a:pPr algn="ctr" fontAlgn="auto">
-              <a:spcBef>
-                <a:spcPts val="0"/>
-              </a:spcBef>
-              <a:spcAft>
-                <a:spcPts val="0"/>
-              </a:spcAft>
-              <a:defRPr/>
-            </a:pPr>
-            <a:endParaRPr kumimoji="0" lang="ko-KR" altLang="en-US">
-              <a:latin typeface="나눔고딕OTF" pitchFamily="34" charset="-127"/>
-              <a:ea typeface="나눔고딕OTF" pitchFamily="34" charset="-127"/>
-            </a:endParaRPr>
-          </a:p>
-        </p:txBody>
-      </p:sp>
-      <p:cxnSp>
-        <p:nvCxnSpPr>
-          <p:cNvPr id="18" name="직선 화살표 연결선 17"/>
-          <p:cNvCxnSpPr/>
-          <p:nvPr/>
-        </p:nvCxnSpPr>
-        <p:spPr>
-          <a:xfrm rot="16200000" flipH="1">
-            <a:off x="4425156" y="2243932"/>
-            <a:ext cx="1071563" cy="12700"/>
-          </a:xfrm>
-          <a:prstGeom prst="straightConnector1">
-            <a:avLst/>
-          </a:prstGeom>
-          <a:ln w="19050">
-            <a:solidFill>
-              <a:srgbClr val="7030A0"/>
-            </a:solidFill>
-            <a:tailEnd type="arrow"/>
-          </a:ln>
-        </p:spPr>
-        <p:style>
-          <a:lnRef idx="1">
-            <a:schemeClr val="accent1"/>
-          </a:lnRef>
-          <a:fillRef idx="0">
-            <a:schemeClr val="accent1"/>
-          </a:fillRef>
-          <a:effectRef idx="0">
-            <a:schemeClr val="accent1"/>
-          </a:effectRef>
-          <a:fontRef idx="minor">
-            <a:schemeClr val="tx1"/>
-          </a:fontRef>
-        </p:style>
-      </p:cxnSp>
-      <p:sp>
-        <p:nvSpPr>
-          <p:cNvPr id="13322" name="TextBox 59"/>
-          <p:cNvSpPr txBox="1">
-            <a:spLocks noChangeArrowheads="1"/>
-          </p:cNvSpPr>
-          <p:nvPr/>
-        </p:nvSpPr>
-        <p:spPr bwMode="auto">
-          <a:xfrm>
-            <a:off x="4171950" y="2786063"/>
-            <a:ext cx="1924050" cy="461962"/>
-          </a:xfrm>
-          <a:prstGeom prst="rect">
-            <a:avLst/>
-          </a:prstGeom>
-          <a:noFill/>
-          <a:ln w="9525">
-            <a:solidFill>
-              <a:srgbClr val="FF0000"/>
-            </a:solidFill>
-            <a:miter lim="800000"/>
-            <a:headEnd/>
-            <a:tailEnd/>
-          </a:ln>
-        </p:spPr>
-        <p:txBody>
-          <a:bodyPr>
-            <a:spAutoFit/>
-          </a:bodyPr>
-          <a:lstStyle/>
-          <a:p>
-            <a:pPr algn="ctr"/>
-            <a:r>
-              <a:rPr kumimoji="0" lang="ko-KR" altLang="en-US" sz="1200">
-                <a:latin typeface="나눔고딕OTF" pitchFamily="34" charset="-127"/>
-                <a:ea typeface="나눔고딕OTF" pitchFamily="34" charset="-127"/>
-              </a:rPr>
-              <a:t>검진 유형 별 작업메뉴 </a:t>
-            </a:r>
-            <a:endParaRPr kumimoji="0" lang="en-US" altLang="ko-KR" sz="1200">
-              <a:latin typeface="나눔고딕OTF" pitchFamily="34" charset="-127"/>
-              <a:ea typeface="나눔고딕OTF" pitchFamily="34" charset="-127"/>
-            </a:endParaRPr>
-          </a:p>
-          <a:p>
-            <a:pPr algn="ctr"/>
-            <a:r>
-              <a:rPr kumimoji="0" lang="ko-KR" altLang="en-US" sz="1200">
-                <a:latin typeface="나눔고딕OTF" pitchFamily="34" charset="-127"/>
-                <a:ea typeface="나눔고딕OTF" pitchFamily="34" charset="-127"/>
-              </a:rPr>
-              <a:t>및 프로그램 관리</a:t>
-            </a:r>
-            <a:endParaRPr kumimoji="0" lang="en-US" altLang="ko-KR" sz="1200">
-              <a:latin typeface="나눔고딕OTF" pitchFamily="34" charset="-127"/>
-              <a:ea typeface="나눔고딕OTF" pitchFamily="34" charset="-127"/>
-            </a:endParaRPr>
-          </a:p>
-        </p:txBody>
-      </p:sp>
-      <p:sp>
-        <p:nvSpPr>
-          <p:cNvPr id="13323" name="TextBox 59"/>
-          <p:cNvSpPr txBox="1">
-            <a:spLocks noChangeArrowheads="1"/>
-          </p:cNvSpPr>
-          <p:nvPr/>
-        </p:nvSpPr>
-        <p:spPr bwMode="auto">
-          <a:xfrm>
-            <a:off x="5821363" y="3444875"/>
-            <a:ext cx="1993900" cy="277813"/>
-          </a:xfrm>
-          <a:prstGeom prst="rect">
-            <a:avLst/>
-          </a:prstGeom>
-          <a:noFill/>
-          <a:ln w="9525">
-            <a:solidFill>
-              <a:srgbClr val="FF0000"/>
-            </a:solidFill>
-            <a:miter lim="800000"/>
-            <a:headEnd/>
-            <a:tailEnd/>
-          </a:ln>
-        </p:spPr>
-        <p:txBody>
-          <a:bodyPr>
-            <a:spAutoFit/>
-          </a:bodyPr>
-          <a:lstStyle/>
-          <a:p>
-            <a:pPr algn="ctr"/>
-            <a:r>
-              <a:rPr kumimoji="0" lang="ko-KR" altLang="en-US" sz="1200">
-                <a:latin typeface="나눔고딕OTF" pitchFamily="34" charset="-127"/>
-                <a:ea typeface="나눔고딕OTF" pitchFamily="34" charset="-127"/>
-              </a:rPr>
-              <a:t>검진 결과 입력 및 판정</a:t>
-            </a:r>
-            <a:endParaRPr kumimoji="0" lang="en-US" altLang="ko-KR" sz="1200">
-              <a:latin typeface="나눔고딕OTF" pitchFamily="34" charset="-127"/>
-              <a:ea typeface="나눔고딕OTF" pitchFamily="34" charset="-127"/>
-            </a:endParaRPr>
-          </a:p>
-        </p:txBody>
-      </p:sp>
-      <p:sp>
-        <p:nvSpPr>
-          <p:cNvPr id="13324" name="TextBox 59"/>
-          <p:cNvSpPr txBox="1">
-            <a:spLocks noChangeArrowheads="1"/>
-          </p:cNvSpPr>
-          <p:nvPr/>
-        </p:nvSpPr>
-        <p:spPr bwMode="auto">
-          <a:xfrm>
-            <a:off x="5024438" y="4357688"/>
-            <a:ext cx="1995487" cy="276225"/>
-          </a:xfrm>
-          <a:prstGeom prst="rect">
-            <a:avLst/>
-          </a:prstGeom>
-          <a:noFill/>
-          <a:ln w="9525">
-            <a:solidFill>
-              <a:srgbClr val="FF0000"/>
-            </a:solidFill>
-            <a:miter lim="800000"/>
-            <a:headEnd/>
-            <a:tailEnd/>
-          </a:ln>
-        </p:spPr>
-        <p:txBody>
-          <a:bodyPr>
-            <a:spAutoFit/>
-          </a:bodyPr>
-          <a:lstStyle/>
-          <a:p>
-            <a:pPr algn="ctr"/>
-            <a:r>
-              <a:rPr kumimoji="0" lang="ko-KR" altLang="en-US" sz="1200">
-                <a:latin typeface="나눔고딕OTF" pitchFamily="34" charset="-127"/>
-                <a:ea typeface="나눔고딕OTF" pitchFamily="34" charset="-127"/>
-              </a:rPr>
-              <a:t>결과 조회 화면</a:t>
-            </a:r>
-            <a:endParaRPr kumimoji="0" lang="en-US" altLang="ko-KR" sz="1200">
-              <a:latin typeface="나눔고딕OTF" pitchFamily="34" charset="-127"/>
-              <a:ea typeface="나눔고딕OTF" pitchFamily="34" charset="-127"/>
-            </a:endParaRPr>
-          </a:p>
-        </p:txBody>
-      </p:sp>
-      <p:sp>
-        <p:nvSpPr>
-          <p:cNvPr id="13325" name="TextBox 59"/>
-          <p:cNvSpPr txBox="1">
-            <a:spLocks noChangeArrowheads="1"/>
-          </p:cNvSpPr>
-          <p:nvPr/>
-        </p:nvSpPr>
-        <p:spPr bwMode="auto">
-          <a:xfrm>
-            <a:off x="1666875" y="4357688"/>
-            <a:ext cx="1995488" cy="276225"/>
-          </a:xfrm>
-          <a:prstGeom prst="rect">
-            <a:avLst/>
-          </a:prstGeom>
-          <a:noFill/>
-          <a:ln w="9525">
-            <a:solidFill>
-              <a:srgbClr val="FF0000"/>
-            </a:solidFill>
-            <a:miter lim="800000"/>
-            <a:headEnd/>
-            <a:tailEnd/>
-          </a:ln>
-        </p:spPr>
-        <p:txBody>
-          <a:bodyPr>
-            <a:spAutoFit/>
-          </a:bodyPr>
-          <a:lstStyle/>
-          <a:p>
-            <a:pPr algn="ctr"/>
-            <a:r>
-              <a:rPr kumimoji="0" lang="ko-KR" altLang="en-US" sz="1200">
-                <a:latin typeface="나눔고딕OTF" pitchFamily="34" charset="-127"/>
-                <a:ea typeface="나눔고딕OTF" pitchFamily="34" charset="-127"/>
-              </a:rPr>
-              <a:t>접수자 조회 화면</a:t>
-            </a:r>
-            <a:endParaRPr kumimoji="0" lang="en-US" altLang="ko-KR" sz="1200">
-              <a:latin typeface="나눔고딕OTF" pitchFamily="34" charset="-127"/>
-              <a:ea typeface="나눔고딕OTF" pitchFamily="34" charset="-127"/>
-            </a:endParaRPr>
-          </a:p>
-        </p:txBody>
-      </p:sp>
-    </p:spTree>
-  </p:cSld>
-  <p:clrMapOvr>
-    <a:masterClrMapping/>
-  </p:clrMapOvr>
-  <p:timing>
-    <p:tnLst>
-      <p:par>
-        <p:cTn id="1" dur="indefinite" restart="never" nodeType="tmRoot"/>
-      </p:par>
-    </p:tnLst>
-  </p:timing>
-</p:sld>
-</file>
-
-<file path=ppt/slides/slide30.xml><?xml version="1.0" encoding="utf-8"?>
+<file path=ppt/slides/slide33.xml><?xml version="1.0" encoding="utf-8"?>
 <p:sld xmlns:a="http://schemas.openxmlformats.org/drawingml/2006/main" xmlns:r="http://schemas.openxmlformats.org/officeDocument/2006/relationships" xmlns:p="http://schemas.openxmlformats.org/presentationml/2006/main">
   <p:cSld>
     <p:spTree>
@@ -27466,8 +31788,8 @@
         </p:nvSpPr>
         <p:spPr bwMode="auto">
           <a:xfrm>
-            <a:off x="3952868" y="2636838"/>
-            <a:ext cx="1053494" cy="854080"/>
+            <a:off x="3440113" y="2636838"/>
+            <a:ext cx="2626040" cy="923330"/>
           </a:xfrm>
           <a:prstGeom prst="rect">
             <a:avLst/>
@@ -27492,6 +31814,16 @@
               </a:lnSpc>
             </a:pPr>
             <a:r>
+              <a:rPr kumimoji="0" lang="en-US" altLang="ko-KR" sz="3600" b="1" dirty="0" smtClean="0">
+                <a:solidFill>
+                  <a:schemeClr val="bg1"/>
+                </a:solidFill>
+                <a:latin typeface="나눔고딕OTF" pitchFamily="34" charset="-127"/>
+                <a:ea typeface="나눔고딕OTF" pitchFamily="34" charset="-127"/>
+              </a:rPr>
+              <a:t>Ⅴ. </a:t>
+            </a:r>
+            <a:r>
               <a:rPr kumimoji="0" lang="ko-KR" altLang="en-US" sz="3600" b="1" dirty="0" smtClean="0">
                 <a:solidFill>
                   <a:schemeClr val="bg1"/>
@@ -27499,9 +31831,9 @@
                 <a:latin typeface="나눔고딕OTF" pitchFamily="34" charset="-127"/>
                 <a:ea typeface="나눔고딕OTF" pitchFamily="34" charset="-127"/>
               </a:rPr>
-              <a:t>기타</a:t>
-            </a:r>
-            <a:endParaRPr kumimoji="0" lang="en-US" altLang="ko-KR" sz="3600" b="1" dirty="0" smtClean="0">
+              <a:t>학생검진</a:t>
+            </a:r>
+            <a:endParaRPr kumimoji="0" lang="en-US" altLang="ko-KR" sz="3600" dirty="0">
               <a:solidFill>
                 <a:schemeClr val="bg1"/>
               </a:solidFill>
@@ -27558,7 +31890,363 @@
 </p:sld>
 </file>
 
-<file path=ppt/slides/slide31.xml><?xml version="1.0" encoding="utf-8"?>
+<file path=ppt/slides/slide34.xml><?xml version="1.0" encoding="utf-8"?>
+<p:sld xmlns:a="http://schemas.openxmlformats.org/drawingml/2006/main" xmlns:r="http://schemas.openxmlformats.org/officeDocument/2006/relationships" xmlns:p="http://schemas.openxmlformats.org/presentationml/2006/main">
+  <p:cSld>
+    <p:spTree>
+      <p:nvGrpSpPr>
+        <p:cNvPr id="1" name=""/>
+        <p:cNvGrpSpPr/>
+        <p:nvPr/>
+      </p:nvGrpSpPr>
+      <p:grpSpPr>
+        <a:xfrm>
+          <a:off x="0" y="0"/>
+          <a:ext cx="0" cy="0"/>
+          <a:chOff x="0" y="0"/>
+          <a:chExt cx="0" cy="0"/>
+        </a:xfrm>
+      </p:grpSpPr>
+      <p:sp>
+        <p:nvSpPr>
+          <p:cNvPr id="5" name="직사각형 4"/>
+          <p:cNvSpPr/>
+          <p:nvPr/>
+        </p:nvSpPr>
+        <p:spPr>
+          <a:xfrm flipH="1">
+            <a:off x="0" y="0"/>
+            <a:ext cx="9906000" cy="6858000"/>
+          </a:xfrm>
+          <a:prstGeom prst="rect">
+            <a:avLst/>
+          </a:prstGeom>
+          <a:solidFill>
+            <a:srgbClr val="BED395"/>
+          </a:solidFill>
+          <a:ln>
+            <a:noFill/>
+          </a:ln>
+        </p:spPr>
+        <p:style>
+          <a:lnRef idx="2">
+            <a:schemeClr val="accent1">
+              <a:shade val="50000"/>
+            </a:schemeClr>
+          </a:lnRef>
+          <a:fillRef idx="1">
+            <a:schemeClr val="accent1"/>
+          </a:fillRef>
+          <a:effectRef idx="0">
+            <a:schemeClr val="accent1"/>
+          </a:effectRef>
+          <a:fontRef idx="minor">
+            <a:schemeClr val="lt1"/>
+          </a:fontRef>
+        </p:style>
+        <p:txBody>
+          <a:bodyPr anchor="ctr"/>
+          <a:lstStyle/>
+          <a:p>
+            <a:pPr algn="ctr" fontAlgn="auto">
+              <a:spcBef>
+                <a:spcPts val="0"/>
+              </a:spcBef>
+              <a:spcAft>
+                <a:spcPts val="0"/>
+              </a:spcAft>
+              <a:defRPr/>
+            </a:pPr>
+            <a:endParaRPr kumimoji="0" lang="ko-KR" altLang="en-US"/>
+          </a:p>
+        </p:txBody>
+      </p:sp>
+      <p:sp>
+        <p:nvSpPr>
+          <p:cNvPr id="25603" name="TextBox 13"/>
+          <p:cNvSpPr txBox="1">
+            <a:spLocks noChangeArrowheads="1"/>
+          </p:cNvSpPr>
+          <p:nvPr/>
+        </p:nvSpPr>
+        <p:spPr bwMode="auto">
+          <a:xfrm>
+            <a:off x="3440113" y="2636838"/>
+            <a:ext cx="2626040" cy="923330"/>
+          </a:xfrm>
+          <a:prstGeom prst="rect">
+            <a:avLst/>
+          </a:prstGeom>
+          <a:noFill/>
+          <a:ln w="9525">
+            <a:noFill/>
+            <a:miter lim="800000"/>
+            <a:headEnd/>
+            <a:tailEnd/>
+          </a:ln>
+        </p:spPr>
+        <p:txBody>
+          <a:bodyPr wrap="none">
+            <a:spAutoFit/>
+          </a:bodyPr>
+          <a:lstStyle/>
+          <a:p>
+            <a:pPr marL="457200" indent="-457200">
+              <a:lnSpc>
+                <a:spcPct val="150000"/>
+              </a:lnSpc>
+            </a:pPr>
+            <a:r>
+              <a:rPr kumimoji="0" lang="en-US" altLang="ko-KR" sz="3600" b="1" dirty="0" smtClean="0">
+                <a:solidFill>
+                  <a:schemeClr val="bg1"/>
+                </a:solidFill>
+                <a:latin typeface="나눔고딕OTF" pitchFamily="34" charset="-127"/>
+                <a:ea typeface="나눔고딕OTF" pitchFamily="34" charset="-127"/>
+              </a:rPr>
+              <a:t>Ⅵ. </a:t>
+            </a:r>
+            <a:r>
+              <a:rPr kumimoji="0" lang="ko-KR" altLang="en-US" sz="3600" b="1" dirty="0" smtClean="0">
+                <a:solidFill>
+                  <a:schemeClr val="bg1"/>
+                </a:solidFill>
+                <a:latin typeface="나눔고딕OTF" pitchFamily="34" charset="-127"/>
+                <a:ea typeface="나눔고딕OTF" pitchFamily="34" charset="-127"/>
+              </a:rPr>
+              <a:t>코드관리</a:t>
+            </a:r>
+            <a:endParaRPr kumimoji="0" lang="en-US" altLang="ko-KR" sz="3600" dirty="0">
+              <a:solidFill>
+                <a:schemeClr val="bg1"/>
+              </a:solidFill>
+              <a:latin typeface="나눔고딕OTF" pitchFamily="34" charset="-127"/>
+              <a:ea typeface="나눔고딕OTF" pitchFamily="34" charset="-127"/>
+            </a:endParaRPr>
+          </a:p>
+        </p:txBody>
+      </p:sp>
+      <p:pic>
+        <p:nvPicPr>
+          <p:cNvPr id="25604" name="그림 7" descr="앨리스화면.png"/>
+          <p:cNvPicPr>
+            <a:picLocks noChangeAspect="1"/>
+          </p:cNvPicPr>
+          <p:nvPr/>
+        </p:nvPicPr>
+        <p:blipFill>
+          <a:blip r:embed="rId2"/>
+          <a:srcRect l="13019" t="12311" r="2361" b="5617"/>
+          <a:stretch>
+            <a:fillRect/>
+          </a:stretch>
+        </p:blipFill>
+        <p:spPr bwMode="auto">
+          <a:xfrm>
+            <a:off x="1639888" y="2708275"/>
+            <a:ext cx="1944687" cy="996950"/>
+          </a:xfrm>
+          <a:prstGeom prst="rect">
+            <a:avLst/>
+          </a:prstGeom>
+          <a:noFill/>
+          <a:ln w="9525">
+            <a:noFill/>
+            <a:miter lim="800000"/>
+            <a:headEnd/>
+            <a:tailEnd/>
+          </a:ln>
+        </p:spPr>
+      </p:pic>
+    </p:spTree>
+  </p:cSld>
+  <p:clrMapOvr>
+    <a:masterClrMapping/>
+  </p:clrMapOvr>
+  <p:timing>
+    <p:tnLst>
+      <p:par>
+        <p:cTn id="1" dur="indefinite" restart="never" nodeType="tmRoot"/>
+      </p:par>
+    </p:tnLst>
+  </p:timing>
+</p:sld>
+</file>
+
+<file path=ppt/slides/slide35.xml><?xml version="1.0" encoding="utf-8"?>
+<p:sld xmlns:a="http://schemas.openxmlformats.org/drawingml/2006/main" xmlns:r="http://schemas.openxmlformats.org/officeDocument/2006/relationships" xmlns:p="http://schemas.openxmlformats.org/presentationml/2006/main">
+  <p:cSld>
+    <p:spTree>
+      <p:nvGrpSpPr>
+        <p:cNvPr id="1" name=""/>
+        <p:cNvGrpSpPr/>
+        <p:nvPr/>
+      </p:nvGrpSpPr>
+      <p:grpSpPr>
+        <a:xfrm>
+          <a:off x="0" y="0"/>
+          <a:ext cx="0" cy="0"/>
+          <a:chOff x="0" y="0"/>
+          <a:chExt cx="0" cy="0"/>
+        </a:xfrm>
+      </p:grpSpPr>
+      <p:sp>
+        <p:nvSpPr>
+          <p:cNvPr id="5" name="직사각형 4"/>
+          <p:cNvSpPr/>
+          <p:nvPr/>
+        </p:nvSpPr>
+        <p:spPr>
+          <a:xfrm flipH="1">
+            <a:off x="0" y="0"/>
+            <a:ext cx="9906000" cy="6858000"/>
+          </a:xfrm>
+          <a:prstGeom prst="rect">
+            <a:avLst/>
+          </a:prstGeom>
+          <a:solidFill>
+            <a:srgbClr val="BED395"/>
+          </a:solidFill>
+          <a:ln>
+            <a:noFill/>
+          </a:ln>
+        </p:spPr>
+        <p:style>
+          <a:lnRef idx="2">
+            <a:schemeClr val="accent1">
+              <a:shade val="50000"/>
+            </a:schemeClr>
+          </a:lnRef>
+          <a:fillRef idx="1">
+            <a:schemeClr val="accent1"/>
+          </a:fillRef>
+          <a:effectRef idx="0">
+            <a:schemeClr val="accent1"/>
+          </a:effectRef>
+          <a:fontRef idx="minor">
+            <a:schemeClr val="lt1"/>
+          </a:fontRef>
+        </p:style>
+        <p:txBody>
+          <a:bodyPr anchor="ctr"/>
+          <a:lstStyle/>
+          <a:p>
+            <a:pPr algn="ctr" fontAlgn="auto">
+              <a:spcBef>
+                <a:spcPts val="0"/>
+              </a:spcBef>
+              <a:spcAft>
+                <a:spcPts val="0"/>
+              </a:spcAft>
+              <a:defRPr/>
+            </a:pPr>
+            <a:endParaRPr kumimoji="0" lang="ko-KR" altLang="en-US"/>
+          </a:p>
+        </p:txBody>
+      </p:sp>
+      <p:sp>
+        <p:nvSpPr>
+          <p:cNvPr id="25603" name="TextBox 13"/>
+          <p:cNvSpPr txBox="1">
+            <a:spLocks noChangeArrowheads="1"/>
+          </p:cNvSpPr>
+          <p:nvPr/>
+        </p:nvSpPr>
+        <p:spPr bwMode="auto">
+          <a:xfrm>
+            <a:off x="3952868" y="2636838"/>
+            <a:ext cx="1053494" cy="854080"/>
+          </a:xfrm>
+          <a:prstGeom prst="rect">
+            <a:avLst/>
+          </a:prstGeom>
+          <a:noFill/>
+          <a:ln w="9525">
+            <a:noFill/>
+            <a:miter lim="800000"/>
+            <a:headEnd/>
+            <a:tailEnd/>
+          </a:ln>
+        </p:spPr>
+        <p:txBody>
+          <a:bodyPr wrap="none">
+            <a:spAutoFit/>
+          </a:bodyPr>
+          <a:lstStyle/>
+          <a:p>
+            <a:pPr marL="457200" indent="-457200">
+              <a:lnSpc>
+                <a:spcPct val="150000"/>
+              </a:lnSpc>
+            </a:pPr>
+            <a:r>
+              <a:rPr kumimoji="0" lang="ko-KR" altLang="en-US" sz="3600" b="1" dirty="0" smtClean="0">
+                <a:solidFill>
+                  <a:schemeClr val="bg1"/>
+                </a:solidFill>
+                <a:latin typeface="나눔고딕OTF" pitchFamily="34" charset="-127"/>
+                <a:ea typeface="나눔고딕OTF" pitchFamily="34" charset="-127"/>
+              </a:rPr>
+              <a:t>기타</a:t>
+            </a:r>
+            <a:endParaRPr kumimoji="0" lang="en-US" altLang="ko-KR" sz="3600" b="1" dirty="0" smtClean="0">
+              <a:solidFill>
+                <a:schemeClr val="bg1"/>
+              </a:solidFill>
+              <a:latin typeface="나눔고딕OTF" pitchFamily="34" charset="-127"/>
+              <a:ea typeface="나눔고딕OTF" pitchFamily="34" charset="-127"/>
+            </a:endParaRPr>
+          </a:p>
+        </p:txBody>
+      </p:sp>
+      <p:pic>
+        <p:nvPicPr>
+          <p:cNvPr id="25604" name="그림 7" descr="앨리스화면.png"/>
+          <p:cNvPicPr>
+            <a:picLocks noChangeAspect="1"/>
+          </p:cNvPicPr>
+          <p:nvPr/>
+        </p:nvPicPr>
+        <p:blipFill>
+          <a:blip r:embed="rId2"/>
+          <a:srcRect l="13019" t="12311" r="2361" b="5617"/>
+          <a:stretch>
+            <a:fillRect/>
+          </a:stretch>
+        </p:blipFill>
+        <p:spPr bwMode="auto">
+          <a:xfrm>
+            <a:off x="1639888" y="2708275"/>
+            <a:ext cx="1944687" cy="996950"/>
+          </a:xfrm>
+          <a:prstGeom prst="rect">
+            <a:avLst/>
+          </a:prstGeom>
+          <a:noFill/>
+          <a:ln w="9525">
+            <a:noFill/>
+            <a:miter lim="800000"/>
+            <a:headEnd/>
+            <a:tailEnd/>
+          </a:ln>
+        </p:spPr>
+      </p:pic>
+    </p:spTree>
+  </p:cSld>
+  <p:clrMapOvr>
+    <a:masterClrMapping/>
+  </p:clrMapOvr>
+  <p:timing>
+    <p:tnLst>
+      <p:par>
+        <p:cTn id="1" dur="indefinite" restart="never" nodeType="tmRoot"/>
+      </p:par>
+    </p:tnLst>
+  </p:timing>
+</p:sld>
+</file>
+
+<file path=ppt/slides/slide36.xml><?xml version="1.0" encoding="utf-8"?>
 <p:sld xmlns:a="http://schemas.openxmlformats.org/drawingml/2006/main" xmlns:r="http://schemas.openxmlformats.org/officeDocument/2006/relationships" xmlns:p="http://schemas.openxmlformats.org/presentationml/2006/main">
   <p:cSld>
     <p:spTree>
@@ -28832,7 +33520,7 @@
 </p:sld>
 </file>
 
-<file path=ppt/slides/slide32.xml><?xml version="1.0" encoding="utf-8"?>
+<file path=ppt/slides/slide37.xml><?xml version="1.0" encoding="utf-8"?>
 <p:sld xmlns:a="http://schemas.openxmlformats.org/drawingml/2006/main" xmlns:r="http://schemas.openxmlformats.org/officeDocument/2006/relationships" xmlns:p="http://schemas.openxmlformats.org/presentationml/2006/main">
   <p:cSld>
     <p:spTree>
@@ -29901,7 +34589,7 @@
 </p:sld>
 </file>
 
-<file path=ppt/slides/slide33.xml><?xml version="1.0" encoding="utf-8"?>
+<file path=ppt/slides/slide38.xml><?xml version="1.0" encoding="utf-8"?>
 <p:sld xmlns:a="http://schemas.openxmlformats.org/drawingml/2006/main" xmlns:r="http://schemas.openxmlformats.org/officeDocument/2006/relationships" xmlns:p="http://schemas.openxmlformats.org/presentationml/2006/main">
   <p:cSld>
     <p:spTree>

--- a/manual/앨리스_매뉴얼_작업중.pptx
+++ b/manual/앨리스_매뉴얼_작업중.pptx
@@ -5,10 +5,10 @@
     <p:sldMasterId id="2147483660" r:id="rId1"/>
   </p:sldMasterIdLst>
   <p:notesMasterIdLst>
-    <p:notesMasterId r:id="rId40"/>
+    <p:notesMasterId r:id="rId42"/>
   </p:notesMasterIdLst>
   <p:handoutMasterIdLst>
-    <p:handoutMasterId r:id="rId41"/>
+    <p:handoutMasterId r:id="rId43"/>
   </p:handoutMasterIdLst>
   <p:sldIdLst>
     <p:sldId id="400" r:id="rId2"/>
@@ -45,10 +45,12 @@
     <p:sldId id="441" r:id="rId33"/>
     <p:sldId id="446" r:id="rId34"/>
     <p:sldId id="447" r:id="rId35"/>
-    <p:sldId id="429" r:id="rId36"/>
-    <p:sldId id="430" r:id="rId37"/>
-    <p:sldId id="431" r:id="rId38"/>
-    <p:sldId id="432" r:id="rId39"/>
+    <p:sldId id="448" r:id="rId36"/>
+    <p:sldId id="449" r:id="rId37"/>
+    <p:sldId id="429" r:id="rId38"/>
+    <p:sldId id="430" r:id="rId39"/>
+    <p:sldId id="431" r:id="rId40"/>
+    <p:sldId id="432" r:id="rId41"/>
   </p:sldIdLst>
   <p:sldSz cx="9906000" cy="6858000" type="A4"/>
   <p:notesSz cx="9939338" cy="6807200"/>
@@ -289,7 +291,7 @@
               <a:pPr>
                 <a:defRPr/>
               </a:pPr>
-              <a:t>2017-02-24</a:t>
+              <a:t>2017-03-01</a:t>
             </a:fld>
             <a:endParaRPr lang="ko-KR" altLang="en-US"/>
           </a:p>
@@ -503,7 +505,7 @@
               <a:pPr>
                 <a:defRPr/>
               </a:pPr>
-              <a:t>2017-02-24</a:t>
+              <a:t>2017-03-01</a:t>
             </a:fld>
             <a:endParaRPr lang="ko-KR" altLang="en-US"/>
           </a:p>
@@ -1040,7 +1042,7 @@
               <a:pPr>
                 <a:defRPr/>
               </a:pPr>
-              <a:t>2017-02-24</a:t>
+              <a:t>2017-03-01</a:t>
             </a:fld>
             <a:endParaRPr lang="ko-KR" altLang="en-US"/>
           </a:p>
@@ -1282,7 +1284,7 @@
               <a:pPr>
                 <a:defRPr/>
               </a:pPr>
-              <a:t>2017-02-24</a:t>
+              <a:t>2017-03-01</a:t>
             </a:fld>
             <a:endParaRPr lang="ko-KR" altLang="en-US"/>
           </a:p>
@@ -1590,7 +1592,7 @@
               <a:pPr>
                 <a:defRPr/>
               </a:pPr>
-              <a:t>2017-02-24</a:t>
+              <a:t>2017-03-01</a:t>
             </a:fld>
             <a:endParaRPr lang="ko-KR" altLang="en-US"/>
           </a:p>
@@ -1948,7 +1950,7 @@
               <a:pPr>
                 <a:defRPr/>
               </a:pPr>
-              <a:t>2017-02-24</a:t>
+              <a:t>2017-03-01</a:t>
             </a:fld>
             <a:endParaRPr lang="ko-KR" altLang="en-US"/>
           </a:p>
@@ -2446,7 +2448,7 @@
               <a:pPr>
                 <a:defRPr/>
               </a:pPr>
-              <a:t>2017-02-24</a:t>
+              <a:t>2017-03-01</a:t>
             </a:fld>
             <a:endParaRPr lang="ko-KR" altLang="en-US"/>
           </a:p>
@@ -2628,7 +2630,7 @@
               <a:pPr>
                 <a:defRPr/>
               </a:pPr>
-              <a:t>2017-02-24</a:t>
+              <a:t>2017-03-01</a:t>
             </a:fld>
             <a:endParaRPr lang="ko-KR" altLang="en-US"/>
           </a:p>
@@ -2779,7 +2781,7 @@
               <a:pPr>
                 <a:defRPr/>
               </a:pPr>
-              <a:t>2017-02-24</a:t>
+              <a:t>2017-03-01</a:t>
             </a:fld>
             <a:endParaRPr lang="ko-KR" altLang="en-US"/>
           </a:p>
@@ -3121,7 +3123,7 @@
               <a:pPr>
                 <a:defRPr/>
               </a:pPr>
-              <a:t>2017-02-24</a:t>
+              <a:t>2017-03-01</a:t>
             </a:fld>
             <a:endParaRPr lang="ko-KR" altLang="en-US"/>
           </a:p>
@@ -3440,7 +3442,7 @@
               <a:pPr>
                 <a:defRPr/>
               </a:pPr>
-              <a:t>2017-02-24</a:t>
+              <a:t>2017-03-01</a:t>
             </a:fld>
             <a:endParaRPr lang="ko-KR" altLang="en-US"/>
           </a:p>
@@ -16975,10 +16977,6 @@
                 </a:rPr>
                 <a:t>.</a:t>
               </a:r>
-              <a:endParaRPr kumimoji="0" lang="en-US" altLang="ko-KR" sz="1000" dirty="0" smtClean="0">
-                <a:latin typeface="나눔고딕OTF" pitchFamily="34" charset="-127"/>
-                <a:ea typeface="나눔고딕OTF" pitchFamily="34" charset="-127"/>
-              </a:endParaRPr>
             </a:p>
             <a:p>
               <a:pPr marL="228600" indent="-228600">
@@ -25006,14 +25004,7 @@
                   <a:latin typeface="나눔고딕OTF" pitchFamily="34" charset="-127"/>
                   <a:ea typeface="나눔고딕OTF" pitchFamily="34" charset="-127"/>
                 </a:rPr>
-                <a:t>청구파일을 </a:t>
-              </a:r>
-              <a:r>
-                <a:rPr kumimoji="0" lang="ko-KR" altLang="en-US" sz="1000" dirty="0" smtClean="0">
-                  <a:latin typeface="나눔고딕OTF" pitchFamily="34" charset="-127"/>
-                  <a:ea typeface="나눔고딕OTF" pitchFamily="34" charset="-127"/>
-                </a:rPr>
-                <a:t>생성할 조건을 입력합니다</a:t>
+                <a:t>청구파일을 생성할 조건을 입력합니다</a:t>
               </a:r>
               <a:r>
                 <a:rPr kumimoji="0" lang="en-US" altLang="ko-KR" sz="1000" dirty="0" smtClean="0">
@@ -25034,14 +25025,7 @@
                   <a:latin typeface="나눔고딕OTF" pitchFamily="34" charset="-127"/>
                   <a:ea typeface="나눔고딕OTF" pitchFamily="34" charset="-127"/>
                 </a:rPr>
-                <a:t> </a:t>
-              </a:r>
-              <a:r>
-                <a:rPr kumimoji="0" lang="en-US" altLang="ko-KR" sz="1000" dirty="0" smtClean="0">
-                  <a:latin typeface="나눔고딕OTF" pitchFamily="34" charset="-127"/>
-                  <a:ea typeface="나눔고딕OTF" pitchFamily="34" charset="-127"/>
-                </a:rPr>
-                <a:t>  - </a:t>
+                <a:t>   - </a:t>
               </a:r>
               <a:r>
                 <a:rPr kumimoji="0" lang="ko-KR" altLang="en-US" sz="1000" dirty="0" smtClean="0">
@@ -25184,14 +25168,7 @@
                   <a:latin typeface="나눔고딕OTF" pitchFamily="34" charset="-127"/>
                   <a:ea typeface="나눔고딕OTF" pitchFamily="34" charset="-127"/>
                 </a:rPr>
-                <a:t> </a:t>
-              </a:r>
-              <a:r>
-                <a:rPr kumimoji="0" lang="en-US" altLang="ko-KR" sz="1000" dirty="0" smtClean="0">
-                  <a:latin typeface="나눔고딕OTF" pitchFamily="34" charset="-127"/>
-                  <a:ea typeface="나눔고딕OTF" pitchFamily="34" charset="-127"/>
-                </a:rPr>
-                <a:t>  - </a:t>
+                <a:t>   - </a:t>
               </a:r>
               <a:r>
                 <a:rPr kumimoji="0" lang="ko-KR" altLang="en-US" sz="1000" dirty="0" smtClean="0">
@@ -25275,14 +25252,7 @@
                   <a:latin typeface="나눔고딕OTF" pitchFamily="34" charset="-127"/>
                   <a:ea typeface="나눔고딕OTF" pitchFamily="34" charset="-127"/>
                 </a:rPr>
-                <a:t> </a:t>
-              </a:r>
-              <a:r>
-                <a:rPr kumimoji="0" lang="en-US" altLang="ko-KR" sz="1000" dirty="0" smtClean="0">
-                  <a:latin typeface="나눔고딕OTF" pitchFamily="34" charset="-127"/>
-                  <a:ea typeface="나눔고딕OTF" pitchFamily="34" charset="-127"/>
-                </a:rPr>
-                <a:t>  </a:t>
+                <a:t>   </a:t>
               </a:r>
               <a:r>
                 <a:rPr kumimoji="0" lang="en-US" altLang="ko-KR" sz="1000" dirty="0" smtClean="0">
@@ -25302,17 +25272,7 @@
                   <a:latin typeface="나눔고딕OTF" pitchFamily="34" charset="-127"/>
                   <a:ea typeface="나눔고딕OTF" pitchFamily="34" charset="-127"/>
                 </a:rPr>
-                <a:t>청구연계파일은 </a:t>
-              </a:r>
-              <a:r>
-                <a:rPr kumimoji="0" lang="ko-KR" altLang="en-US" sz="1000" dirty="0" smtClean="0">
-                  <a:solidFill>
-                    <a:srgbClr val="FF0000"/>
-                  </a:solidFill>
-                  <a:latin typeface="나눔고딕OTF" pitchFamily="34" charset="-127"/>
-                  <a:ea typeface="나눔고딕OTF" pitchFamily="34" charset="-127"/>
-                </a:rPr>
-                <a:t>작업한 컴퓨터의 </a:t>
+                <a:t>청구연계파일은 작업한 컴퓨터의 </a:t>
               </a:r>
               <a:r>
                 <a:rPr kumimoji="0" lang="ko-KR" altLang="en-US" sz="1000" dirty="0" err="1" smtClean="0">
@@ -25413,17 +25373,7 @@
                   <a:latin typeface="나눔고딕OTF" pitchFamily="34" charset="-127"/>
                   <a:ea typeface="나눔고딕OTF" pitchFamily="34" charset="-127"/>
                 </a:rPr>
-                <a:t> </a:t>
-              </a:r>
-              <a:r>
-                <a:rPr kumimoji="0" lang="en-US" altLang="ko-KR" sz="1000" dirty="0" smtClean="0">
-                  <a:solidFill>
-                    <a:srgbClr val="FF0000"/>
-                  </a:solidFill>
-                  <a:latin typeface="나눔고딕OTF" pitchFamily="34" charset="-127"/>
-                  <a:ea typeface="나눔고딕OTF" pitchFamily="34" charset="-127"/>
-                </a:rPr>
-                <a:t>  * </a:t>
+                <a:t>   * </a:t>
               </a:r>
               <a:r>
                 <a:rPr kumimoji="0" lang="ko-KR" altLang="en-US" sz="1000" dirty="0" smtClean="0">
@@ -25594,14 +25544,7 @@
                   <a:latin typeface="나눔고딕OTF" pitchFamily="34" charset="-127"/>
                   <a:ea typeface="나눔고딕OTF" pitchFamily="34" charset="-127"/>
                 </a:rPr>
-                <a:t> </a:t>
-              </a:r>
-              <a:r>
-                <a:rPr kumimoji="0" lang="en-US" altLang="ko-KR" sz="1000" dirty="0" smtClean="0">
-                  <a:latin typeface="나눔고딕OTF" pitchFamily="34" charset="-127"/>
-                  <a:ea typeface="나눔고딕OTF" pitchFamily="34" charset="-127"/>
-                </a:rPr>
-                <a:t>  - </a:t>
+                <a:t>   - </a:t>
               </a:r>
               <a:r>
                 <a:rPr kumimoji="0" lang="ko-KR" altLang="en-US" sz="1000" dirty="0" smtClean="0">
@@ -25629,14 +25572,7 @@
                   <a:latin typeface="나눔고딕OTF" pitchFamily="34" charset="-127"/>
                   <a:ea typeface="나눔고딕OTF" pitchFamily="34" charset="-127"/>
                 </a:rPr>
-                <a:t> </a:t>
-              </a:r>
-              <a:r>
-                <a:rPr kumimoji="0" lang="en-US" altLang="ko-KR" sz="1000" dirty="0" smtClean="0">
-                  <a:latin typeface="나눔고딕OTF" pitchFamily="34" charset="-127"/>
-                  <a:ea typeface="나눔고딕OTF" pitchFamily="34" charset="-127"/>
-                </a:rPr>
-                <a:t>  - </a:t>
+                <a:t>   - </a:t>
               </a:r>
               <a:r>
                 <a:rPr kumimoji="0" lang="ko-KR" altLang="en-US" sz="1000" dirty="0" smtClean="0">
@@ -25770,17 +25706,7 @@
                   <a:latin typeface="나눔고딕OTF" pitchFamily="34" charset="-127"/>
                   <a:ea typeface="나눔고딕OTF" pitchFamily="34" charset="-127"/>
                 </a:rPr>
-                <a:t> </a:t>
-              </a:r>
-              <a:r>
-                <a:rPr kumimoji="0" lang="en-US" altLang="ko-KR" sz="1000" dirty="0" smtClean="0">
-                  <a:solidFill>
-                    <a:srgbClr val="FF0000"/>
-                  </a:solidFill>
-                  <a:latin typeface="나눔고딕OTF" pitchFamily="34" charset="-127"/>
-                  <a:ea typeface="나눔고딕OTF" pitchFamily="34" charset="-127"/>
-                </a:rPr>
-                <a:t>  * </a:t>
+                <a:t>   * </a:t>
               </a:r>
               <a:r>
                 <a:rPr kumimoji="0" lang="ko-KR" altLang="en-US" sz="1000" dirty="0" smtClean="0">
@@ -26038,14 +25964,7 @@
                 <a:latin typeface="나눔고딕OTF" pitchFamily="34" charset="-127"/>
                 <a:ea typeface="나눔고딕OTF" pitchFamily="34" charset="-127"/>
               </a:rPr>
-              <a:t>검진연계 </a:t>
-            </a:r>
-            <a:r>
-              <a:rPr kumimoji="0" lang="ko-KR" altLang="en-US" sz="1400" b="1" dirty="0" smtClean="0">
-                <a:latin typeface="나눔고딕OTF" pitchFamily="34" charset="-127"/>
-                <a:ea typeface="나눔고딕OTF" pitchFamily="34" charset="-127"/>
-              </a:rPr>
-              <a:t>파일확인</a:t>
+              <a:t>검진연계 파일확인</a:t>
             </a:r>
             <a:endParaRPr kumimoji="0" lang="ko-KR" altLang="en-US" sz="1400" b="1" dirty="0">
               <a:latin typeface="나눔고딕OTF" pitchFamily="34" charset="-127"/>
@@ -26278,14 +26197,7 @@
                 <a:latin typeface="나눔고딕OTF" pitchFamily="34" charset="-127"/>
                 <a:ea typeface="나눔고딕OTF" pitchFamily="34" charset="-127"/>
               </a:rPr>
-              <a:t>검진연계 </a:t>
-            </a:r>
-            <a:r>
-              <a:rPr kumimoji="0" lang="ko-KR" altLang="en-US" sz="1200" dirty="0" smtClean="0">
-                <a:latin typeface="나눔고딕OTF" pitchFamily="34" charset="-127"/>
-                <a:ea typeface="나눔고딕OTF" pitchFamily="34" charset="-127"/>
-              </a:rPr>
-              <a:t>파일확인</a:t>
+              <a:t>검진연계 파일확인</a:t>
             </a:r>
             <a:endParaRPr kumimoji="0" lang="en-US" altLang="ko-KR" sz="1200" dirty="0">
               <a:latin typeface="나눔고딕OTF" pitchFamily="34" charset="-127"/>
@@ -26353,14 +26265,7 @@
                 <a:latin typeface="나눔고딕OTF" pitchFamily="34" charset="-127"/>
                 <a:ea typeface="나눔고딕OTF" pitchFamily="34" charset="-127"/>
               </a:rPr>
-              <a:t> </a:t>
-            </a:r>
-            <a:r>
-              <a:rPr kumimoji="0" lang="en-US" altLang="ko-KR" sz="1000" dirty="0" smtClean="0">
-                <a:latin typeface="나눔고딕OTF" pitchFamily="34" charset="-127"/>
-                <a:ea typeface="나눔고딕OTF" pitchFamily="34" charset="-127"/>
-              </a:rPr>
-              <a:t>  - </a:t>
+              <a:t>   - </a:t>
             </a:r>
             <a:r>
               <a:rPr kumimoji="0" lang="ko-KR" altLang="en-US" sz="1000" dirty="0" smtClean="0">
@@ -26388,14 +26293,7 @@
                 <a:latin typeface="나눔고딕OTF" pitchFamily="34" charset="-127"/>
                 <a:ea typeface="나눔고딕OTF" pitchFamily="34" charset="-127"/>
               </a:rPr>
-              <a:t> </a:t>
-            </a:r>
-            <a:r>
-              <a:rPr kumimoji="0" lang="en-US" altLang="ko-KR" sz="1000" dirty="0" smtClean="0">
-                <a:latin typeface="나눔고딕OTF" pitchFamily="34" charset="-127"/>
-                <a:ea typeface="나눔고딕OTF" pitchFamily="34" charset="-127"/>
-              </a:rPr>
-              <a:t>  - </a:t>
+              <a:t>   - </a:t>
             </a:r>
             <a:r>
               <a:rPr kumimoji="0" lang="ko-KR" altLang="en-US" sz="1000" dirty="0" smtClean="0">
@@ -26493,14 +26391,7 @@
                 <a:latin typeface="나눔고딕OTF" pitchFamily="34" charset="-127"/>
                 <a:ea typeface="나눔고딕OTF" pitchFamily="34" charset="-127"/>
               </a:rPr>
-              <a:t> </a:t>
-            </a:r>
-            <a:r>
-              <a:rPr kumimoji="0" lang="en-US" altLang="ko-KR" sz="1000" dirty="0" smtClean="0">
-                <a:latin typeface="나눔고딕OTF" pitchFamily="34" charset="-127"/>
-                <a:ea typeface="나눔고딕OTF" pitchFamily="34" charset="-127"/>
-              </a:rPr>
-              <a:t>  </a:t>
+              <a:t>   </a:t>
             </a:r>
             <a:r>
               <a:rPr kumimoji="0" lang="en-US" altLang="ko-KR" sz="1000" dirty="0" smtClean="0">
@@ -26532,13 +26423,6 @@
               </a:rPr>
               <a:t>.</a:t>
             </a:r>
-            <a:endParaRPr kumimoji="0" lang="en-US" altLang="ko-KR" sz="1000" dirty="0" smtClean="0">
-              <a:solidFill>
-                <a:srgbClr val="FF0000"/>
-              </a:solidFill>
-              <a:latin typeface="나눔고딕OTF" pitchFamily="34" charset="-127"/>
-              <a:ea typeface="나눔고딕OTF" pitchFamily="34" charset="-127"/>
-            </a:endParaRPr>
           </a:p>
           <a:p>
             <a:pPr marL="228600" indent="-228600">
@@ -26554,17 +26438,7 @@
                 <a:latin typeface="나눔고딕OTF" pitchFamily="34" charset="-127"/>
                 <a:ea typeface="나눔고딕OTF" pitchFamily="34" charset="-127"/>
               </a:rPr>
-              <a:t> </a:t>
-            </a:r>
-            <a:r>
-              <a:rPr kumimoji="0" lang="en-US" altLang="ko-KR" sz="1000" dirty="0" smtClean="0">
-                <a:solidFill>
-                  <a:srgbClr val="FF0000"/>
-                </a:solidFill>
-                <a:latin typeface="나눔고딕OTF" pitchFamily="34" charset="-127"/>
-                <a:ea typeface="나눔고딕OTF" pitchFamily="34" charset="-127"/>
-              </a:rPr>
-              <a:t>  * </a:t>
+              <a:t>   * </a:t>
             </a:r>
             <a:r>
               <a:rPr kumimoji="0" lang="ko-KR" altLang="en-US" sz="1000" dirty="0" smtClean="0">
@@ -26631,14 +26505,7 @@
                 <a:latin typeface="나눔고딕OTF" pitchFamily="34" charset="-127"/>
                 <a:ea typeface="나눔고딕OTF" pitchFamily="34" charset="-127"/>
               </a:rPr>
-              <a:t> </a:t>
-            </a:r>
-            <a:r>
-              <a:rPr kumimoji="0" lang="en-US" altLang="ko-KR" sz="1000" dirty="0" smtClean="0">
-                <a:latin typeface="나눔고딕OTF" pitchFamily="34" charset="-127"/>
-                <a:ea typeface="나눔고딕OTF" pitchFamily="34" charset="-127"/>
-              </a:rPr>
-              <a:t>  - </a:t>
+              <a:t>   - </a:t>
             </a:r>
             <a:r>
               <a:rPr kumimoji="0" lang="ko-KR" altLang="en-US" sz="1000" dirty="0" smtClean="0">
@@ -26666,21 +26533,7 @@
                 <a:latin typeface="나눔고딕OTF" pitchFamily="34" charset="-127"/>
                 <a:ea typeface="나눔고딕OTF" pitchFamily="34" charset="-127"/>
               </a:rPr>
-              <a:t> </a:t>
-            </a:r>
-            <a:r>
-              <a:rPr kumimoji="0" lang="en-US" altLang="ko-KR" sz="1000" dirty="0" smtClean="0">
-                <a:latin typeface="나눔고딕OTF" pitchFamily="34" charset="-127"/>
-                <a:ea typeface="나눔고딕OTF" pitchFamily="34" charset="-127"/>
-              </a:rPr>
-              <a:t>  - </a:t>
-            </a:r>
-            <a:r>
-              <a:rPr kumimoji="0" lang="en-US" altLang="ko-KR" sz="1000" dirty="0" smtClean="0">
-                <a:latin typeface="나눔고딕OTF" pitchFamily="34" charset="-127"/>
-                <a:ea typeface="나눔고딕OTF" pitchFamily="34" charset="-127"/>
-              </a:rPr>
-              <a:t>“</a:t>
+              <a:t>   - “</a:t>
             </a:r>
             <a:r>
               <a:rPr kumimoji="0" lang="ko-KR" altLang="en-US" sz="1000" dirty="0" smtClean="0">
@@ -26747,14 +26600,7 @@
                 <a:latin typeface="나눔고딕OTF" pitchFamily="34" charset="-127"/>
                 <a:ea typeface="나눔고딕OTF" pitchFamily="34" charset="-127"/>
               </a:rPr>
-              <a:t> </a:t>
-            </a:r>
-            <a:r>
-              <a:rPr kumimoji="0" lang="en-US" altLang="ko-KR" sz="1000" dirty="0" smtClean="0">
-                <a:latin typeface="나눔고딕OTF" pitchFamily="34" charset="-127"/>
-                <a:ea typeface="나눔고딕OTF" pitchFamily="34" charset="-127"/>
-              </a:rPr>
-              <a:t>  - “</a:t>
+              <a:t>   - “</a:t>
             </a:r>
             <a:r>
               <a:rPr kumimoji="0" lang="ko-KR" altLang="en-US" sz="1000" dirty="0" smtClean="0">
@@ -26796,14 +26642,7 @@
                 <a:latin typeface="나눔고딕OTF" pitchFamily="34" charset="-127"/>
                 <a:ea typeface="나눔고딕OTF" pitchFamily="34" charset="-127"/>
               </a:rPr>
-              <a:t> </a:t>
-            </a:r>
-            <a:r>
-              <a:rPr kumimoji="0" lang="en-US" altLang="ko-KR" sz="1000" dirty="0" smtClean="0">
-                <a:latin typeface="나눔고딕OTF" pitchFamily="34" charset="-127"/>
-                <a:ea typeface="나눔고딕OTF" pitchFamily="34" charset="-127"/>
-              </a:rPr>
-              <a:t>  - “</a:t>
+              <a:t>   - “</a:t>
             </a:r>
             <a:r>
               <a:rPr kumimoji="0" lang="ko-KR" altLang="en-US" sz="1000" dirty="0" smtClean="0">
@@ -26870,14 +26709,7 @@
                 <a:latin typeface="나눔고딕OTF" pitchFamily="34" charset="-127"/>
                 <a:ea typeface="나눔고딕OTF" pitchFamily="34" charset="-127"/>
               </a:rPr>
-              <a:t> </a:t>
-            </a:r>
-            <a:r>
-              <a:rPr kumimoji="0" lang="en-US" altLang="ko-KR" sz="1000" dirty="0" smtClean="0">
-                <a:latin typeface="나눔고딕OTF" pitchFamily="34" charset="-127"/>
-                <a:ea typeface="나눔고딕OTF" pitchFamily="34" charset="-127"/>
-              </a:rPr>
-              <a:t>  </a:t>
+              <a:t>   </a:t>
             </a:r>
             <a:r>
               <a:rPr kumimoji="0" lang="en-US" altLang="ko-KR" sz="1000" dirty="0" smtClean="0">
@@ -27835,14 +27667,7 @@
                 <a:latin typeface="나눔고딕OTF" pitchFamily="34" charset="-127"/>
                 <a:ea typeface="나눔고딕OTF" pitchFamily="34" charset="-127"/>
               </a:rPr>
-              <a:t>검진연계 </a:t>
-            </a:r>
-            <a:r>
-              <a:rPr kumimoji="0" lang="ko-KR" altLang="en-US" sz="1400" b="1" dirty="0" smtClean="0">
-                <a:latin typeface="나눔고딕OTF" pitchFamily="34" charset="-127"/>
-                <a:ea typeface="나눔고딕OTF" pitchFamily="34" charset="-127"/>
-              </a:rPr>
-              <a:t>파일확인 </a:t>
+              <a:t>검진연계 파일확인 </a:t>
             </a:r>
             <a:r>
               <a:rPr kumimoji="0" lang="en-US" altLang="ko-KR" sz="1400" b="1" dirty="0" smtClean="0">
@@ -28043,14 +27868,7 @@
                 <a:latin typeface="나눔고딕OTF" pitchFamily="34" charset="-127"/>
                 <a:ea typeface="나눔고딕OTF" pitchFamily="34" charset="-127"/>
               </a:rPr>
-              <a:t> </a:t>
-            </a:r>
-            <a:r>
-              <a:rPr kumimoji="0" lang="en-US" altLang="ko-KR" sz="1000" dirty="0" smtClean="0">
-                <a:latin typeface="나눔고딕OTF" pitchFamily="34" charset="-127"/>
-                <a:ea typeface="나눔고딕OTF" pitchFamily="34" charset="-127"/>
-              </a:rPr>
-              <a:t>  - </a:t>
+              <a:t>   - </a:t>
             </a:r>
             <a:r>
               <a:rPr kumimoji="0" lang="ko-KR" altLang="en-US" sz="1000" dirty="0" smtClean="0">
@@ -28078,70 +27896,56 @@
                 <a:latin typeface="나눔고딕OTF" pitchFamily="34" charset="-127"/>
                 <a:ea typeface="나눔고딕OTF" pitchFamily="34" charset="-127"/>
               </a:rPr>
-              <a:t> </a:t>
+              <a:t>   - </a:t>
+            </a:r>
+            <a:r>
+              <a:rPr kumimoji="0" lang="ko-KR" altLang="en-US" sz="1000" dirty="0" smtClean="0">
+                <a:latin typeface="나눔고딕OTF" pitchFamily="34" charset="-127"/>
+                <a:ea typeface="나눔고딕OTF" pitchFamily="34" charset="-127"/>
+              </a:rPr>
+              <a:t>좌측에 </a:t>
             </a:r>
             <a:r>
               <a:rPr kumimoji="0" lang="en-US" altLang="ko-KR" sz="1000" dirty="0" smtClean="0">
                 <a:latin typeface="나눔고딕OTF" pitchFamily="34" charset="-127"/>
                 <a:ea typeface="나눔고딕OTF" pitchFamily="34" charset="-127"/>
               </a:rPr>
-              <a:t>  - </a:t>
+              <a:t>1</a:t>
+            </a:r>
+            <a:r>
+              <a:rPr kumimoji="0" lang="ko-KR" altLang="en-US" sz="1000" dirty="0" err="1" smtClean="0">
+                <a:latin typeface="나눔고딕OTF" pitchFamily="34" charset="-127"/>
+                <a:ea typeface="나눔고딕OTF" pitchFamily="34" charset="-127"/>
+              </a:rPr>
+              <a:t>차검진자</a:t>
+            </a:r>
+            <a:r>
+              <a:rPr kumimoji="0" lang="en-US" altLang="ko-KR" sz="1000" dirty="0" smtClean="0">
+                <a:latin typeface="나눔고딕OTF" pitchFamily="34" charset="-127"/>
+                <a:ea typeface="나눔고딕OTF" pitchFamily="34" charset="-127"/>
+              </a:rPr>
+              <a:t>, </a:t>
             </a:r>
             <a:r>
               <a:rPr kumimoji="0" lang="ko-KR" altLang="en-US" sz="1000" dirty="0" smtClean="0">
                 <a:latin typeface="나눔고딕OTF" pitchFamily="34" charset="-127"/>
                 <a:ea typeface="나눔고딕OTF" pitchFamily="34" charset="-127"/>
               </a:rPr>
-              <a:t>좌측에 </a:t>
+              <a:t>우측에 </a:t>
             </a:r>
             <a:r>
               <a:rPr kumimoji="0" lang="en-US" altLang="ko-KR" sz="1000" dirty="0" smtClean="0">
                 <a:latin typeface="나눔고딕OTF" pitchFamily="34" charset="-127"/>
                 <a:ea typeface="나눔고딕OTF" pitchFamily="34" charset="-127"/>
               </a:rPr>
-              <a:t>1</a:t>
+              <a:t>2</a:t>
             </a:r>
             <a:r>
               <a:rPr kumimoji="0" lang="ko-KR" altLang="en-US" sz="1000" dirty="0" err="1" smtClean="0">
                 <a:latin typeface="나눔고딕OTF" pitchFamily="34" charset="-127"/>
                 <a:ea typeface="나눔고딕OTF" pitchFamily="34" charset="-127"/>
               </a:rPr>
-              <a:t>차검진자</a:t>
-            </a:r>
-            <a:r>
-              <a:rPr kumimoji="0" lang="en-US" altLang="ko-KR" sz="1000" dirty="0" smtClean="0">
-                <a:latin typeface="나눔고딕OTF" pitchFamily="34" charset="-127"/>
-                <a:ea typeface="나눔고딕OTF" pitchFamily="34" charset="-127"/>
-              </a:rPr>
-              <a:t>, </a:t>
-            </a:r>
-            <a:r>
-              <a:rPr kumimoji="0" lang="ko-KR" altLang="en-US" sz="1000" dirty="0" smtClean="0">
-                <a:latin typeface="나눔고딕OTF" pitchFamily="34" charset="-127"/>
-                <a:ea typeface="나눔고딕OTF" pitchFamily="34" charset="-127"/>
-              </a:rPr>
-              <a:t>우측에 </a:t>
-            </a:r>
-            <a:r>
-              <a:rPr kumimoji="0" lang="en-US" altLang="ko-KR" sz="1000" dirty="0" smtClean="0">
-                <a:latin typeface="나눔고딕OTF" pitchFamily="34" charset="-127"/>
-                <a:ea typeface="나눔고딕OTF" pitchFamily="34" charset="-127"/>
-              </a:rPr>
-              <a:t>2</a:t>
-            </a:r>
-            <a:r>
-              <a:rPr kumimoji="0" lang="ko-KR" altLang="en-US" sz="1000" dirty="0" err="1" smtClean="0">
-                <a:latin typeface="나눔고딕OTF" pitchFamily="34" charset="-127"/>
-                <a:ea typeface="나눔고딕OTF" pitchFamily="34" charset="-127"/>
-              </a:rPr>
-              <a:t>차검진자</a:t>
-            </a:r>
-            <a:r>
-              <a:rPr kumimoji="0" lang="ko-KR" altLang="en-US" sz="1000" dirty="0" err="1" smtClean="0">
-                <a:latin typeface="나눔고딕OTF" pitchFamily="34" charset="-127"/>
-                <a:ea typeface="나눔고딕OTF" pitchFamily="34" charset="-127"/>
-              </a:rPr>
-              <a:t>가</a:t>
+              <a:t>차검진자가</a:t>
             </a:r>
             <a:r>
               <a:rPr kumimoji="0" lang="ko-KR" altLang="en-US" sz="1000" dirty="0" smtClean="0">
@@ -28169,14 +27973,7 @@
                 <a:latin typeface="나눔고딕OTF" pitchFamily="34" charset="-127"/>
                 <a:ea typeface="나눔고딕OTF" pitchFamily="34" charset="-127"/>
               </a:rPr>
-              <a:t> </a:t>
-            </a:r>
-            <a:r>
-              <a:rPr kumimoji="0" lang="en-US" altLang="ko-KR" sz="1000" dirty="0" smtClean="0">
-                <a:latin typeface="나눔고딕OTF" pitchFamily="34" charset="-127"/>
-                <a:ea typeface="나눔고딕OTF" pitchFamily="34" charset="-127"/>
-              </a:rPr>
-              <a:t>  - “</a:t>
+              <a:t>   - “</a:t>
             </a:r>
             <a:r>
               <a:rPr kumimoji="0" lang="ko-KR" altLang="en-US" sz="1000" dirty="0" smtClean="0">
@@ -28276,14 +28073,7 @@
                 <a:latin typeface="나눔고딕OTF" pitchFamily="34" charset="-127"/>
                 <a:ea typeface="나눔고딕OTF" pitchFamily="34" charset="-127"/>
               </a:rPr>
-              <a:t> </a:t>
-            </a:r>
-            <a:r>
-              <a:rPr kumimoji="0" lang="en-US" altLang="ko-KR" sz="1000" dirty="0" smtClean="0">
-                <a:latin typeface="나눔고딕OTF" pitchFamily="34" charset="-127"/>
-                <a:ea typeface="나눔고딕OTF" pitchFamily="34" charset="-127"/>
-              </a:rPr>
-              <a:t>  - </a:t>
+              <a:t>   - </a:t>
             </a:r>
             <a:r>
               <a:rPr kumimoji="0" lang="ko-KR" altLang="en-US" sz="1000" dirty="0" smtClean="0">
@@ -28325,14 +28115,7 @@
                 <a:latin typeface="나눔고딕OTF" pitchFamily="34" charset="-127"/>
                 <a:ea typeface="나눔고딕OTF" pitchFamily="34" charset="-127"/>
               </a:rPr>
-              <a:t> </a:t>
-            </a:r>
-            <a:r>
-              <a:rPr kumimoji="0" lang="en-US" altLang="ko-KR" sz="1000" dirty="0" smtClean="0">
-                <a:latin typeface="나눔고딕OTF" pitchFamily="34" charset="-127"/>
-                <a:ea typeface="나눔고딕OTF" pitchFamily="34" charset="-127"/>
-              </a:rPr>
-              <a:t>  - </a:t>
+              <a:t>   - </a:t>
             </a:r>
             <a:r>
               <a:rPr kumimoji="0" lang="ko-KR" altLang="en-US" sz="1000" dirty="0" smtClean="0">
@@ -28732,15 +28515,6 @@
               </a:rPr>
               <a:t>일반건강검진 결과표</a:t>
             </a:r>
-            <a:endParaRPr kumimoji="0" lang="ko-KR" altLang="en-US" dirty="0" smtClean="0">
-              <a:solidFill>
-                <a:schemeClr val="bg1">
-                  <a:lumMod val="50000"/>
-                </a:schemeClr>
-              </a:solidFill>
-              <a:latin typeface="나눔고딕OTF ExtraBold" pitchFamily="34" charset="-127"/>
-              <a:ea typeface="나눔고딕OTF ExtraBold" pitchFamily="34" charset="-127"/>
-            </a:endParaRPr>
           </a:p>
         </p:txBody>
       </p:sp>
@@ -28980,14 +28754,7 @@
                 <a:latin typeface="나눔고딕OTF" pitchFamily="34" charset="-127"/>
                 <a:ea typeface="나눔고딕OTF" pitchFamily="34" charset="-127"/>
               </a:rPr>
-              <a:t> </a:t>
-            </a:r>
-            <a:r>
-              <a:rPr kumimoji="0" lang="en-US" altLang="ko-KR" sz="1000" dirty="0" smtClean="0">
-                <a:latin typeface="나눔고딕OTF" pitchFamily="34" charset="-127"/>
-                <a:ea typeface="나눔고딕OTF" pitchFamily="34" charset="-127"/>
-              </a:rPr>
-              <a:t>  - </a:t>
+              <a:t>   - </a:t>
             </a:r>
             <a:r>
               <a:rPr kumimoji="0" lang="ko-KR" altLang="en-US" sz="1000" dirty="0" smtClean="0">
@@ -29001,28 +28768,14 @@
                 <a:latin typeface="나눔고딕OTF" pitchFamily="34" charset="-127"/>
                 <a:ea typeface="나눔고딕OTF" pitchFamily="34" charset="-127"/>
               </a:rPr>
-              <a:t>검진자들</a:t>
-            </a:r>
-            <a:r>
-              <a:rPr kumimoji="0" lang="ko-KR" altLang="en-US" sz="1000" dirty="0" err="1" smtClean="0">
-                <a:latin typeface="나눔고딕OTF" pitchFamily="34" charset="-127"/>
-                <a:ea typeface="나눔고딕OTF" pitchFamily="34" charset="-127"/>
-              </a:rPr>
-              <a:t>의</a:t>
+              <a:t>검진자들의</a:t>
             </a:r>
             <a:r>
               <a:rPr kumimoji="0" lang="ko-KR" altLang="en-US" sz="1000" dirty="0" smtClean="0">
                 <a:latin typeface="나눔고딕OTF" pitchFamily="34" charset="-127"/>
                 <a:ea typeface="나눔고딕OTF" pitchFamily="34" charset="-127"/>
               </a:rPr>
-              <a:t> </a:t>
-            </a:r>
-            <a:r>
-              <a:rPr kumimoji="0" lang="ko-KR" altLang="en-US" sz="1000" dirty="0" smtClean="0">
-                <a:latin typeface="나눔고딕OTF" pitchFamily="34" charset="-127"/>
-                <a:ea typeface="나눔고딕OTF" pitchFamily="34" charset="-127"/>
-              </a:rPr>
-              <a:t>조회 조건을 설정합니다</a:t>
+              <a:t> 조회 조건을 설정합니다</a:t>
             </a:r>
             <a:r>
               <a:rPr kumimoji="0" lang="en-US" altLang="ko-KR" sz="1000" dirty="0" smtClean="0">
@@ -29043,14 +28796,7 @@
                 <a:latin typeface="나눔고딕OTF" pitchFamily="34" charset="-127"/>
                 <a:ea typeface="나눔고딕OTF" pitchFamily="34" charset="-127"/>
               </a:rPr>
-              <a:t> </a:t>
-            </a:r>
-            <a:r>
-              <a:rPr kumimoji="0" lang="en-US" altLang="ko-KR" sz="1000" dirty="0" smtClean="0">
-                <a:latin typeface="나눔고딕OTF" pitchFamily="34" charset="-127"/>
-                <a:ea typeface="나눔고딕OTF" pitchFamily="34" charset="-127"/>
-              </a:rPr>
-              <a:t>  - </a:t>
+              <a:t>   - </a:t>
             </a:r>
             <a:r>
               <a:rPr kumimoji="0" lang="ko-KR" altLang="en-US" sz="1000" dirty="0" smtClean="0">
@@ -29092,14 +28838,7 @@
                 <a:latin typeface="나눔고딕OTF" pitchFamily="34" charset="-127"/>
                 <a:ea typeface="나눔고딕OTF" pitchFamily="34" charset="-127"/>
               </a:rPr>
-              <a:t> </a:t>
-            </a:r>
-            <a:r>
-              <a:rPr kumimoji="0" lang="en-US" altLang="ko-KR" sz="1000" dirty="0" smtClean="0">
-                <a:latin typeface="나눔고딕OTF" pitchFamily="34" charset="-127"/>
-                <a:ea typeface="나눔고딕OTF" pitchFamily="34" charset="-127"/>
-              </a:rPr>
-              <a:t>  </a:t>
+              <a:t>   </a:t>
             </a:r>
             <a:r>
               <a:rPr kumimoji="0" lang="en-US" altLang="ko-KR" sz="1000" dirty="0" smtClean="0">
@@ -29131,13 +28870,6 @@
               </a:rPr>
               <a:t>.</a:t>
             </a:r>
-            <a:endParaRPr kumimoji="0" lang="en-US" altLang="ko-KR" sz="1000" dirty="0" smtClean="0">
-              <a:solidFill>
-                <a:srgbClr val="FF0000"/>
-              </a:solidFill>
-              <a:latin typeface="나눔고딕OTF" pitchFamily="34" charset="-127"/>
-              <a:ea typeface="나눔고딕OTF" pitchFamily="34" charset="-127"/>
-            </a:endParaRPr>
           </a:p>
           <a:p>
             <a:pPr marL="228600" indent="-228600">
@@ -29150,14 +28882,7 @@
                 <a:latin typeface="나눔고딕OTF" pitchFamily="34" charset="-127"/>
                 <a:ea typeface="나눔고딕OTF" pitchFamily="34" charset="-127"/>
               </a:rPr>
-              <a:t> </a:t>
-            </a:r>
-            <a:r>
-              <a:rPr kumimoji="0" lang="en-US" altLang="ko-KR" sz="1000" dirty="0" smtClean="0">
-                <a:latin typeface="나눔고딕OTF" pitchFamily="34" charset="-127"/>
-                <a:ea typeface="나눔고딕OTF" pitchFamily="34" charset="-127"/>
-              </a:rPr>
-              <a:t>  - “</a:t>
+              <a:t>   - “</a:t>
             </a:r>
             <a:r>
               <a:rPr kumimoji="0" lang="ko-KR" altLang="en-US" sz="1000" dirty="0" smtClean="0">
@@ -29199,14 +28924,7 @@
                 <a:latin typeface="나눔고딕OTF" pitchFamily="34" charset="-127"/>
                 <a:ea typeface="나눔고딕OTF" pitchFamily="34" charset="-127"/>
               </a:rPr>
-              <a:t> </a:t>
-            </a:r>
-            <a:r>
-              <a:rPr kumimoji="0" lang="en-US" altLang="ko-KR" sz="1000" dirty="0" smtClean="0">
-                <a:latin typeface="나눔고딕OTF" pitchFamily="34" charset="-127"/>
-                <a:ea typeface="나눔고딕OTF" pitchFamily="34" charset="-127"/>
-              </a:rPr>
-              <a:t>  - </a:t>
+              <a:t>   - </a:t>
             </a:r>
             <a:r>
               <a:rPr kumimoji="0" lang="ko-KR" altLang="en-US" sz="1000" dirty="0" smtClean="0">
@@ -29227,14 +28945,7 @@
                 <a:latin typeface="나눔고딕OTF" pitchFamily="34" charset="-127"/>
                 <a:ea typeface="나눔고딕OTF" pitchFamily="34" charset="-127"/>
               </a:rPr>
-              <a:t> </a:t>
-            </a:r>
-            <a:r>
-              <a:rPr kumimoji="0" lang="ko-KR" altLang="en-US" sz="1000" dirty="0" smtClean="0">
-                <a:latin typeface="나눔고딕OTF" pitchFamily="34" charset="-127"/>
-                <a:ea typeface="나눔고딕OTF" pitchFamily="34" charset="-127"/>
-              </a:rPr>
-              <a:t>통계와 </a:t>
+              <a:t> 통계와 </a:t>
             </a:r>
             <a:r>
               <a:rPr kumimoji="0" lang="ko-KR" altLang="en-US" sz="1000" dirty="0" err="1" smtClean="0">
@@ -29294,14 +29005,7 @@
                 <a:latin typeface="나눔고딕OTF" pitchFamily="34" charset="-127"/>
                 <a:ea typeface="나눔고딕OTF" pitchFamily="34" charset="-127"/>
               </a:rPr>
-              <a:t> </a:t>
-            </a:r>
-            <a:r>
-              <a:rPr kumimoji="0" lang="en-US" altLang="ko-KR" sz="1000" dirty="0" smtClean="0">
-                <a:latin typeface="나눔고딕OTF" pitchFamily="34" charset="-127"/>
-                <a:ea typeface="나눔고딕OTF" pitchFamily="34" charset="-127"/>
-              </a:rPr>
-              <a:t>  </a:t>
+              <a:t>   </a:t>
             </a:r>
             <a:r>
               <a:rPr kumimoji="0" lang="en-US" altLang="ko-KR" sz="1000" dirty="0" smtClean="0">
@@ -29399,14 +29103,7 @@
                 <a:latin typeface="나눔고딕OTF" pitchFamily="34" charset="-127"/>
                 <a:ea typeface="나눔고딕OTF" pitchFamily="34" charset="-127"/>
               </a:rPr>
-              <a:t> </a:t>
-            </a:r>
-            <a:r>
-              <a:rPr kumimoji="0" lang="en-US" altLang="ko-KR" sz="1000" dirty="0" smtClean="0">
-                <a:latin typeface="나눔고딕OTF" pitchFamily="34" charset="-127"/>
-                <a:ea typeface="나눔고딕OTF" pitchFamily="34" charset="-127"/>
-              </a:rPr>
-              <a:t>  - </a:t>
+              <a:t>   - </a:t>
             </a:r>
             <a:r>
               <a:rPr kumimoji="0" lang="ko-KR" altLang="en-US" sz="1000" dirty="0" smtClean="0">
@@ -29434,14 +29131,7 @@
                 <a:latin typeface="나눔고딕OTF" pitchFamily="34" charset="-127"/>
                 <a:ea typeface="나눔고딕OTF" pitchFamily="34" charset="-127"/>
               </a:rPr>
-              <a:t> </a:t>
-            </a:r>
-            <a:r>
-              <a:rPr kumimoji="0" lang="en-US" altLang="ko-KR" sz="1000" dirty="0" smtClean="0">
-                <a:latin typeface="나눔고딕OTF" pitchFamily="34" charset="-127"/>
-                <a:ea typeface="나눔고딕OTF" pitchFamily="34" charset="-127"/>
-              </a:rPr>
-              <a:t>  - </a:t>
+              <a:t>   - </a:t>
             </a:r>
             <a:r>
               <a:rPr kumimoji="0" lang="ko-KR" altLang="en-US" sz="1000" dirty="0" smtClean="0">
@@ -29483,14 +29173,7 @@
                 <a:latin typeface="나눔고딕OTF" pitchFamily="34" charset="-127"/>
                 <a:ea typeface="나눔고딕OTF" pitchFamily="34" charset="-127"/>
               </a:rPr>
-              <a:t> </a:t>
-            </a:r>
-            <a:r>
-              <a:rPr kumimoji="0" lang="en-US" altLang="ko-KR" sz="1000" dirty="0" smtClean="0">
-                <a:latin typeface="나눔고딕OTF" pitchFamily="34" charset="-127"/>
-                <a:ea typeface="나눔고딕OTF" pitchFamily="34" charset="-127"/>
-              </a:rPr>
-              <a:t>  - “</a:t>
+              <a:t>   - “</a:t>
             </a:r>
             <a:r>
               <a:rPr kumimoji="0" lang="ko-KR" altLang="en-US" sz="1000" dirty="0" smtClean="0">
@@ -29571,14 +29254,7 @@
                 <a:latin typeface="나눔고딕OTF" pitchFamily="34" charset="-127"/>
                 <a:ea typeface="나눔고딕OTF" pitchFamily="34" charset="-127"/>
               </a:rPr>
-              <a:t> </a:t>
-            </a:r>
-            <a:r>
-              <a:rPr kumimoji="0" lang="en-US" altLang="ko-KR" sz="1000" dirty="0" smtClean="0">
-                <a:latin typeface="나눔고딕OTF" pitchFamily="34" charset="-127"/>
-                <a:ea typeface="나눔고딕OTF" pitchFamily="34" charset="-127"/>
-              </a:rPr>
-              <a:t>  </a:t>
+              <a:t>   </a:t>
             </a:r>
             <a:r>
               <a:rPr kumimoji="0" lang="en-US" altLang="ko-KR" sz="1000" dirty="0" smtClean="0">
@@ -29635,17 +29311,7 @@
                 <a:latin typeface="나눔고딕OTF" pitchFamily="34" charset="-127"/>
                 <a:ea typeface="나눔고딕OTF" pitchFamily="34" charset="-127"/>
               </a:rPr>
-              <a:t> </a:t>
-            </a:r>
-            <a:r>
-              <a:rPr kumimoji="0" lang="en-US" altLang="ko-KR" sz="1000" dirty="0" smtClean="0">
-                <a:solidFill>
-                  <a:srgbClr val="FF0000"/>
-                </a:solidFill>
-                <a:latin typeface="나눔고딕OTF" pitchFamily="34" charset="-127"/>
-                <a:ea typeface="나눔고딕OTF" pitchFamily="34" charset="-127"/>
-              </a:rPr>
-              <a:t>  </a:t>
+              <a:t>   </a:t>
             </a:r>
             <a:r>
               <a:rPr kumimoji="0" lang="en-US" altLang="ko-KR" sz="1000" dirty="0" smtClean="0">
@@ -32090,6 +31756,1597 @@
           <a:chExt cx="0" cy="0"/>
         </a:xfrm>
       </p:grpSpPr>
+      <p:pic>
+        <p:nvPicPr>
+          <p:cNvPr id="22530" name="Picture 8"/>
+          <p:cNvPicPr>
+            <a:picLocks noChangeAspect="1" noChangeArrowheads="1"/>
+          </p:cNvPicPr>
+          <p:nvPr/>
+        </p:nvPicPr>
+        <p:blipFill>
+          <a:blip r:embed="rId2"/>
+          <a:stretch>
+            <a:fillRect/>
+          </a:stretch>
+        </p:blipFill>
+        <p:spPr bwMode="auto">
+          <a:xfrm>
+            <a:off x="523844" y="1797840"/>
+            <a:ext cx="5205661" cy="3418882"/>
+          </a:xfrm>
+          <a:prstGeom prst="rect">
+            <a:avLst/>
+          </a:prstGeom>
+          <a:noFill/>
+          <a:ln w="9525">
+            <a:noFill/>
+            <a:miter lim="800000"/>
+            <a:headEnd/>
+            <a:tailEnd/>
+          </a:ln>
+        </p:spPr>
+      </p:pic>
+      <p:sp>
+        <p:nvSpPr>
+          <p:cNvPr id="6" name="TextBox 5"/>
+          <p:cNvSpPr txBox="1"/>
+          <p:nvPr/>
+        </p:nvSpPr>
+        <p:spPr>
+          <a:xfrm>
+            <a:off x="1497013" y="282575"/>
+            <a:ext cx="1050288" cy="369332"/>
+          </a:xfrm>
+          <a:prstGeom prst="rect">
+            <a:avLst/>
+          </a:prstGeom>
+          <a:noFill/>
+        </p:spPr>
+        <p:txBody>
+          <a:bodyPr wrap="none">
+            <a:spAutoFit/>
+          </a:bodyPr>
+          <a:lstStyle/>
+          <a:p>
+            <a:pPr fontAlgn="auto">
+              <a:spcBef>
+                <a:spcPts val="0"/>
+              </a:spcBef>
+              <a:spcAft>
+                <a:spcPts val="0"/>
+              </a:spcAft>
+              <a:defRPr/>
+            </a:pPr>
+            <a:r>
+              <a:rPr kumimoji="0" lang="ko-KR" altLang="en-US" dirty="0" smtClean="0">
+                <a:solidFill>
+                  <a:schemeClr val="bg1">
+                    <a:lumMod val="50000"/>
+                  </a:schemeClr>
+                </a:solidFill>
+                <a:latin typeface="나눔고딕OTF ExtraBold" pitchFamily="34" charset="-127"/>
+                <a:ea typeface="나눔고딕OTF ExtraBold" pitchFamily="34" charset="-127"/>
+              </a:rPr>
+              <a:t>코드관</a:t>
+            </a:r>
+            <a:r>
+              <a:rPr kumimoji="0" lang="ko-KR" altLang="en-US" dirty="0" smtClean="0">
+                <a:solidFill>
+                  <a:schemeClr val="bg1">
+                    <a:lumMod val="50000"/>
+                  </a:schemeClr>
+                </a:solidFill>
+                <a:latin typeface="나눔고딕OTF ExtraBold" pitchFamily="34" charset="-127"/>
+                <a:ea typeface="나눔고딕OTF ExtraBold" pitchFamily="34" charset="-127"/>
+              </a:rPr>
+              <a:t>리</a:t>
+            </a:r>
+            <a:endParaRPr kumimoji="0" lang="ko-KR" altLang="en-US" dirty="0" smtClean="0">
+              <a:solidFill>
+                <a:schemeClr val="bg1">
+                  <a:lumMod val="50000"/>
+                </a:schemeClr>
+              </a:solidFill>
+              <a:latin typeface="나눔고딕OTF ExtraBold" pitchFamily="34" charset="-127"/>
+              <a:ea typeface="나눔고딕OTF ExtraBold" pitchFamily="34" charset="-127"/>
+            </a:endParaRPr>
+          </a:p>
+        </p:txBody>
+      </p:sp>
+      <p:sp>
+        <p:nvSpPr>
+          <p:cNvPr id="8" name="TextBox 4"/>
+          <p:cNvSpPr txBox="1">
+            <a:spLocks noChangeArrowheads="1"/>
+          </p:cNvSpPr>
+          <p:nvPr/>
+        </p:nvSpPr>
+        <p:spPr bwMode="auto">
+          <a:xfrm>
+            <a:off x="381000" y="785813"/>
+            <a:ext cx="1745991" cy="307777"/>
+          </a:xfrm>
+          <a:prstGeom prst="rect">
+            <a:avLst/>
+          </a:prstGeom>
+          <a:noFill/>
+          <a:ln w="9525">
+            <a:noFill/>
+            <a:miter lim="800000"/>
+            <a:headEnd/>
+            <a:tailEnd/>
+          </a:ln>
+        </p:spPr>
+        <p:txBody>
+          <a:bodyPr wrap="none">
+            <a:spAutoFit/>
+          </a:bodyPr>
+          <a:lstStyle/>
+          <a:p>
+            <a:r>
+              <a:rPr kumimoji="0" lang="en-US" altLang="ko-KR" sz="1400" b="1" dirty="0">
+                <a:latin typeface="나눔고딕OTF" pitchFamily="34" charset="-127"/>
+                <a:ea typeface="나눔고딕OTF" pitchFamily="34" charset="-127"/>
+              </a:rPr>
+              <a:t>- </a:t>
+            </a:r>
+            <a:r>
+              <a:rPr kumimoji="0" lang="ko-KR" altLang="en-US" sz="1400" b="1" dirty="0" smtClean="0">
+                <a:latin typeface="나눔고딕OTF" pitchFamily="34" charset="-127"/>
+                <a:ea typeface="나눔고딕OTF" pitchFamily="34" charset="-127"/>
+              </a:rPr>
+              <a:t>검사항목 코드 설정</a:t>
+            </a:r>
+            <a:endParaRPr kumimoji="0" lang="ko-KR" altLang="en-US" sz="1400" b="1" dirty="0">
+              <a:latin typeface="나눔고딕OTF" pitchFamily="34" charset="-127"/>
+              <a:ea typeface="나눔고딕OTF" pitchFamily="34" charset="-127"/>
+            </a:endParaRPr>
+          </a:p>
+        </p:txBody>
+      </p:sp>
+      <p:sp>
+        <p:nvSpPr>
+          <p:cNvPr id="10" name="직사각형 9"/>
+          <p:cNvSpPr/>
+          <p:nvPr/>
+        </p:nvSpPr>
+        <p:spPr>
+          <a:xfrm>
+            <a:off x="2238356" y="2000240"/>
+            <a:ext cx="3429024" cy="2214578"/>
+          </a:xfrm>
+          <a:prstGeom prst="rect">
+            <a:avLst/>
+          </a:prstGeom>
+          <a:noFill/>
+          <a:ln w="12700">
+            <a:solidFill>
+              <a:srgbClr val="FF0000"/>
+            </a:solidFill>
+          </a:ln>
+        </p:spPr>
+        <p:style>
+          <a:lnRef idx="2">
+            <a:schemeClr val="accent1">
+              <a:shade val="50000"/>
+            </a:schemeClr>
+          </a:lnRef>
+          <a:fillRef idx="1">
+            <a:schemeClr val="accent1"/>
+          </a:fillRef>
+          <a:effectRef idx="0">
+            <a:schemeClr val="accent1"/>
+          </a:effectRef>
+          <a:fontRef idx="minor">
+            <a:schemeClr val="lt1"/>
+          </a:fontRef>
+        </p:style>
+        <p:txBody>
+          <a:bodyPr anchor="ctr"/>
+          <a:lstStyle/>
+          <a:p>
+            <a:pPr algn="ctr" fontAlgn="auto">
+              <a:spcBef>
+                <a:spcPts val="0"/>
+              </a:spcBef>
+              <a:spcAft>
+                <a:spcPts val="0"/>
+              </a:spcAft>
+              <a:defRPr/>
+            </a:pPr>
+            <a:endParaRPr kumimoji="0" lang="ko-KR" altLang="en-US" dirty="0">
+              <a:latin typeface="나눔고딕OTF" pitchFamily="34" charset="-127"/>
+              <a:ea typeface="나눔고딕OTF" pitchFamily="34" charset="-127"/>
+            </a:endParaRPr>
+          </a:p>
+        </p:txBody>
+      </p:sp>
+      <p:sp>
+        <p:nvSpPr>
+          <p:cNvPr id="11" name="타원 10"/>
+          <p:cNvSpPr/>
+          <p:nvPr/>
+        </p:nvSpPr>
+        <p:spPr>
+          <a:xfrm>
+            <a:off x="2095480" y="1857364"/>
+            <a:ext cx="214314" cy="214314"/>
+          </a:xfrm>
+          <a:prstGeom prst="ellipse">
+            <a:avLst/>
+          </a:prstGeom>
+          <a:solidFill>
+            <a:schemeClr val="bg1"/>
+          </a:solidFill>
+          <a:ln>
+            <a:solidFill>
+              <a:srgbClr val="FF0000"/>
+            </a:solidFill>
+          </a:ln>
+        </p:spPr>
+        <p:style>
+          <a:lnRef idx="2">
+            <a:schemeClr val="accent1">
+              <a:shade val="50000"/>
+            </a:schemeClr>
+          </a:lnRef>
+          <a:fillRef idx="1">
+            <a:schemeClr val="accent1"/>
+          </a:fillRef>
+          <a:effectRef idx="0">
+            <a:schemeClr val="accent1"/>
+          </a:effectRef>
+          <a:fontRef idx="minor">
+            <a:schemeClr val="lt1"/>
+          </a:fontRef>
+        </p:style>
+        <p:txBody>
+          <a:bodyPr anchor="ctr"/>
+          <a:lstStyle/>
+          <a:p>
+            <a:pPr algn="ctr">
+              <a:defRPr/>
+            </a:pPr>
+            <a:r>
+              <a:rPr lang="en-US" altLang="ko-KR" sz="1000" dirty="0" smtClean="0">
+                <a:solidFill>
+                  <a:schemeClr val="tx1"/>
+                </a:solidFill>
+              </a:rPr>
+              <a:t>1</a:t>
+            </a:r>
+            <a:endParaRPr lang="ko-KR" altLang="en-US" sz="1000" dirty="0">
+              <a:solidFill>
+                <a:schemeClr val="tx1"/>
+              </a:solidFill>
+            </a:endParaRPr>
+          </a:p>
+        </p:txBody>
+      </p:sp>
+      <p:sp>
+        <p:nvSpPr>
+          <p:cNvPr id="23" name="TextBox 59"/>
+          <p:cNvSpPr txBox="1">
+            <a:spLocks noChangeArrowheads="1"/>
+          </p:cNvSpPr>
+          <p:nvPr/>
+        </p:nvSpPr>
+        <p:spPr bwMode="auto">
+          <a:xfrm>
+            <a:off x="415924" y="1052513"/>
+            <a:ext cx="5751521" cy="276999"/>
+          </a:xfrm>
+          <a:prstGeom prst="rect">
+            <a:avLst/>
+          </a:prstGeom>
+          <a:noFill/>
+          <a:ln w="9525">
+            <a:noFill/>
+            <a:miter lim="800000"/>
+            <a:headEnd/>
+            <a:tailEnd/>
+          </a:ln>
+        </p:spPr>
+        <p:txBody>
+          <a:bodyPr wrap="square">
+            <a:spAutoFit/>
+          </a:bodyPr>
+          <a:lstStyle/>
+          <a:p>
+            <a:r>
+              <a:rPr kumimoji="0" lang="en-US" altLang="ko-KR" sz="1200" dirty="0">
+                <a:latin typeface="나눔고딕OTF" pitchFamily="34" charset="-127"/>
+                <a:ea typeface="나눔고딕OTF" pitchFamily="34" charset="-127"/>
+              </a:rPr>
+              <a:t> </a:t>
+            </a:r>
+            <a:r>
+              <a:rPr kumimoji="0" lang="ko-KR" altLang="en-US" sz="1200" dirty="0" smtClean="0">
+                <a:latin typeface="나눔고딕OTF" pitchFamily="34" charset="-127"/>
+                <a:ea typeface="나눔고딕OTF" pitchFamily="34" charset="-127"/>
+              </a:rPr>
+              <a:t>위치 </a:t>
+            </a:r>
+            <a:r>
+              <a:rPr kumimoji="0" lang="en-US" altLang="ko-KR" sz="1200" dirty="0" smtClean="0">
+                <a:latin typeface="나눔고딕OTF" pitchFamily="34" charset="-127"/>
+                <a:ea typeface="나눔고딕OTF" pitchFamily="34" charset="-127"/>
+              </a:rPr>
+              <a:t>: </a:t>
+            </a:r>
+            <a:r>
+              <a:rPr kumimoji="0" lang="ko-KR" altLang="en-US" sz="1200" dirty="0" err="1" smtClean="0">
+                <a:latin typeface="나눔고딕OTF" pitchFamily="34" charset="-127"/>
+                <a:ea typeface="나눔고딕OTF" pitchFamily="34" charset="-127"/>
+              </a:rPr>
+              <a:t>메인화면</a:t>
+            </a:r>
+            <a:r>
+              <a:rPr kumimoji="0" lang="ko-KR" altLang="en-US" sz="1200" dirty="0" smtClean="0">
+                <a:latin typeface="나눔고딕OTF" pitchFamily="34" charset="-127"/>
+                <a:ea typeface="나눔고딕OTF" pitchFamily="34" charset="-127"/>
+              </a:rPr>
+              <a:t> </a:t>
+            </a:r>
+            <a:r>
+              <a:rPr kumimoji="0" lang="en-US" altLang="ko-KR" sz="1200" dirty="0" smtClean="0">
+                <a:latin typeface="나눔고딕OTF" pitchFamily="34" charset="-127"/>
+                <a:ea typeface="나눔고딕OTF" pitchFamily="34" charset="-127"/>
+              </a:rPr>
+              <a:t>– </a:t>
+            </a:r>
+            <a:r>
+              <a:rPr kumimoji="0" lang="ko-KR" altLang="en-US" sz="1200" dirty="0" smtClean="0">
+                <a:latin typeface="나눔고딕OTF" pitchFamily="34" charset="-127"/>
+                <a:ea typeface="나눔고딕OTF" pitchFamily="34" charset="-127"/>
+              </a:rPr>
+              <a:t>코드관리 </a:t>
+            </a:r>
+            <a:r>
+              <a:rPr kumimoji="0" lang="en-US" altLang="ko-KR" sz="1200" dirty="0" smtClean="0">
+                <a:latin typeface="나눔고딕OTF" pitchFamily="34" charset="-127"/>
+                <a:ea typeface="나눔고딕OTF" pitchFamily="34" charset="-127"/>
+              </a:rPr>
+              <a:t>– </a:t>
+            </a:r>
+            <a:r>
+              <a:rPr kumimoji="0" lang="ko-KR" altLang="en-US" sz="1200" dirty="0" smtClean="0">
+                <a:latin typeface="나눔고딕OTF" pitchFamily="34" charset="-127"/>
+                <a:ea typeface="나눔고딕OTF" pitchFamily="34" charset="-127"/>
+              </a:rPr>
+              <a:t>검사항목코드</a:t>
+            </a:r>
+            <a:endParaRPr kumimoji="0" lang="en-US" altLang="ko-KR" sz="1200" dirty="0">
+              <a:latin typeface="나눔고딕OTF" pitchFamily="34" charset="-127"/>
+              <a:ea typeface="나눔고딕OTF" pitchFamily="34" charset="-127"/>
+            </a:endParaRPr>
+          </a:p>
+        </p:txBody>
+      </p:sp>
+      <p:sp>
+        <p:nvSpPr>
+          <p:cNvPr id="13" name="TextBox 59"/>
+          <p:cNvSpPr txBox="1">
+            <a:spLocks noChangeArrowheads="1"/>
+          </p:cNvSpPr>
+          <p:nvPr/>
+        </p:nvSpPr>
+        <p:spPr bwMode="auto">
+          <a:xfrm>
+            <a:off x="415925" y="1285860"/>
+            <a:ext cx="5751521" cy="276999"/>
+          </a:xfrm>
+          <a:prstGeom prst="rect">
+            <a:avLst/>
+          </a:prstGeom>
+          <a:noFill/>
+          <a:ln w="9525">
+            <a:noFill/>
+            <a:miter lim="800000"/>
+            <a:headEnd/>
+            <a:tailEnd/>
+          </a:ln>
+        </p:spPr>
+        <p:txBody>
+          <a:bodyPr wrap="square">
+            <a:spAutoFit/>
+          </a:bodyPr>
+          <a:lstStyle/>
+          <a:p>
+            <a:r>
+              <a:rPr kumimoji="0" lang="en-US" altLang="ko-KR" sz="1200" dirty="0" smtClean="0">
+                <a:latin typeface="나눔고딕OTF" pitchFamily="34" charset="-127"/>
+                <a:ea typeface="나눔고딕OTF" pitchFamily="34" charset="-127"/>
+              </a:rPr>
+              <a:t>  - </a:t>
+            </a:r>
+            <a:r>
+              <a:rPr kumimoji="0" lang="ko-KR" altLang="en-US" sz="1200" dirty="0" smtClean="0">
+                <a:latin typeface="나눔고딕OTF" pitchFamily="34" charset="-127"/>
+                <a:ea typeface="나눔고딕OTF" pitchFamily="34" charset="-127"/>
+              </a:rPr>
+              <a:t>개별 검사항목 코드를 생성</a:t>
+            </a:r>
+            <a:r>
+              <a:rPr kumimoji="0" lang="en-US" altLang="ko-KR" sz="1200" dirty="0" smtClean="0">
+                <a:latin typeface="나눔고딕OTF" pitchFamily="34" charset="-127"/>
+                <a:ea typeface="나눔고딕OTF" pitchFamily="34" charset="-127"/>
+              </a:rPr>
+              <a:t>, </a:t>
+            </a:r>
+            <a:r>
+              <a:rPr kumimoji="0" lang="ko-KR" altLang="en-US" sz="1200" dirty="0" smtClean="0">
+                <a:latin typeface="나눔고딕OTF" pitchFamily="34" charset="-127"/>
+                <a:ea typeface="나눔고딕OTF" pitchFamily="34" charset="-127"/>
+              </a:rPr>
+              <a:t>관리합니다</a:t>
+            </a:r>
+            <a:r>
+              <a:rPr kumimoji="0" lang="en-US" altLang="ko-KR" sz="1200" dirty="0" smtClean="0">
+                <a:latin typeface="나눔고딕OTF" pitchFamily="34" charset="-127"/>
+                <a:ea typeface="나눔고딕OTF" pitchFamily="34" charset="-127"/>
+              </a:rPr>
+              <a:t>.</a:t>
+            </a:r>
+            <a:endParaRPr kumimoji="0" lang="en-US" altLang="ko-KR" sz="1200" dirty="0">
+              <a:latin typeface="나눔고딕OTF" pitchFamily="34" charset="-127"/>
+              <a:ea typeface="나눔고딕OTF" pitchFamily="34" charset="-127"/>
+            </a:endParaRPr>
+          </a:p>
+        </p:txBody>
+      </p:sp>
+      <p:grpSp>
+        <p:nvGrpSpPr>
+          <p:cNvPr id="26" name="그룹 25"/>
+          <p:cNvGrpSpPr/>
+          <p:nvPr/>
+        </p:nvGrpSpPr>
+        <p:grpSpPr>
+          <a:xfrm>
+            <a:off x="5810256" y="1571612"/>
+            <a:ext cx="3929089" cy="2308324"/>
+            <a:chOff x="5810256" y="1571612"/>
+            <a:chExt cx="3929089" cy="2308324"/>
+          </a:xfrm>
+        </p:grpSpPr>
+        <p:sp>
+          <p:nvSpPr>
+            <p:cNvPr id="22535" name="TextBox 4"/>
+            <p:cNvSpPr txBox="1">
+              <a:spLocks noChangeArrowheads="1"/>
+            </p:cNvSpPr>
+            <p:nvPr/>
+          </p:nvSpPr>
+          <p:spPr bwMode="auto">
+            <a:xfrm>
+              <a:off x="5810256" y="1571612"/>
+              <a:ext cx="3929089" cy="2308324"/>
+            </a:xfrm>
+            <a:prstGeom prst="rect">
+              <a:avLst/>
+            </a:prstGeom>
+            <a:noFill/>
+            <a:ln w="9525">
+              <a:noFill/>
+              <a:miter lim="800000"/>
+              <a:headEnd/>
+              <a:tailEnd/>
+            </a:ln>
+          </p:spPr>
+          <p:txBody>
+            <a:bodyPr wrap="square">
+              <a:spAutoFit/>
+            </a:bodyPr>
+            <a:lstStyle/>
+            <a:p>
+              <a:pPr marL="228600" indent="-228600">
+                <a:lnSpc>
+                  <a:spcPct val="120000"/>
+                </a:lnSpc>
+                <a:buAutoNum type="arabicParenR"/>
+              </a:pPr>
+              <a:r>
+                <a:rPr kumimoji="0" lang="ko-KR" altLang="en-US" sz="1000" b="1" dirty="0" smtClean="0">
+                  <a:latin typeface="나눔고딕OTF" pitchFamily="34" charset="-127"/>
+                  <a:ea typeface="나눔고딕OTF" pitchFamily="34" charset="-127"/>
+                </a:rPr>
+                <a:t>코드 목록</a:t>
+              </a:r>
+              <a:endParaRPr kumimoji="0" lang="en-US" altLang="ko-KR" sz="1000" b="1" dirty="0" smtClean="0">
+                <a:latin typeface="나눔고딕OTF" pitchFamily="34" charset="-127"/>
+                <a:ea typeface="나눔고딕OTF" pitchFamily="34" charset="-127"/>
+              </a:endParaRPr>
+            </a:p>
+            <a:p>
+              <a:pPr marL="228600" indent="-228600">
+                <a:lnSpc>
+                  <a:spcPct val="120000"/>
+                </a:lnSpc>
+              </a:pPr>
+              <a:r>
+                <a:rPr kumimoji="0" lang="en-US" altLang="ko-KR" sz="1000" dirty="0" smtClean="0">
+                  <a:latin typeface="나눔고딕OTF" pitchFamily="34" charset="-127"/>
+                  <a:ea typeface="나눔고딕OTF" pitchFamily="34" charset="-127"/>
+                </a:rPr>
+                <a:t> </a:t>
+              </a:r>
+              <a:r>
+                <a:rPr kumimoji="0" lang="en-US" altLang="ko-KR" sz="1000" dirty="0" smtClean="0">
+                  <a:latin typeface="나눔고딕OTF" pitchFamily="34" charset="-127"/>
+                  <a:ea typeface="나눔고딕OTF" pitchFamily="34" charset="-127"/>
+                </a:rPr>
+                <a:t>  - </a:t>
+              </a:r>
+              <a:r>
+                <a:rPr kumimoji="0" lang="ko-KR" altLang="en-US" sz="1000" dirty="0" smtClean="0">
+                  <a:latin typeface="나눔고딕OTF" pitchFamily="34" charset="-127"/>
+                  <a:ea typeface="나눔고딕OTF" pitchFamily="34" charset="-127"/>
+                </a:rPr>
+                <a:t>현재 만들어져 있는 코드를 조회합니다</a:t>
+              </a:r>
+              <a:endParaRPr kumimoji="0" lang="en-US" altLang="ko-KR" sz="1000" dirty="0" smtClean="0">
+                <a:latin typeface="나눔고딕OTF" pitchFamily="34" charset="-127"/>
+                <a:ea typeface="나눔고딕OTF" pitchFamily="34" charset="-127"/>
+              </a:endParaRPr>
+            </a:p>
+            <a:p>
+              <a:pPr marL="228600" indent="-228600">
+                <a:lnSpc>
+                  <a:spcPct val="120000"/>
+                </a:lnSpc>
+              </a:pPr>
+              <a:r>
+                <a:rPr kumimoji="0" lang="en-US" altLang="ko-KR" sz="1000" dirty="0" smtClean="0">
+                  <a:latin typeface="나눔고딕OTF" pitchFamily="34" charset="-127"/>
+                  <a:ea typeface="나눔고딕OTF" pitchFamily="34" charset="-127"/>
+                </a:rPr>
+                <a:t> </a:t>
+              </a:r>
+              <a:r>
+                <a:rPr kumimoji="0" lang="en-US" altLang="ko-KR" sz="1000" dirty="0" smtClean="0">
+                  <a:latin typeface="나눔고딕OTF" pitchFamily="34" charset="-127"/>
+                  <a:ea typeface="나눔고딕OTF" pitchFamily="34" charset="-127"/>
+                </a:rPr>
+                <a:t>  - </a:t>
+              </a:r>
+              <a:r>
+                <a:rPr kumimoji="0" lang="ko-KR" altLang="en-US" sz="1000" dirty="0" smtClean="0">
+                  <a:latin typeface="나눔고딕OTF" pitchFamily="34" charset="-127"/>
+                  <a:ea typeface="나눔고딕OTF" pitchFamily="34" charset="-127"/>
+                </a:rPr>
+                <a:t>코드를 선택하면 좌측에 코드에 대한 상세정보가 표시됩니다</a:t>
+              </a:r>
+              <a:r>
+                <a:rPr kumimoji="0" lang="en-US" altLang="ko-KR" sz="1000" dirty="0" smtClean="0">
+                  <a:latin typeface="나눔고딕OTF" pitchFamily="34" charset="-127"/>
+                  <a:ea typeface="나눔고딕OTF" pitchFamily="34" charset="-127"/>
+                </a:rPr>
+                <a:t>.</a:t>
+              </a:r>
+            </a:p>
+            <a:p>
+              <a:pPr marL="228600" indent="-228600">
+                <a:lnSpc>
+                  <a:spcPct val="120000"/>
+                </a:lnSpc>
+              </a:pPr>
+              <a:r>
+                <a:rPr kumimoji="0" lang="en-US" altLang="ko-KR" sz="1000" dirty="0" smtClean="0">
+                  <a:latin typeface="나눔고딕OTF" pitchFamily="34" charset="-127"/>
+                  <a:ea typeface="나눔고딕OTF" pitchFamily="34" charset="-127"/>
+                </a:rPr>
+                <a:t> </a:t>
+              </a:r>
+              <a:r>
+                <a:rPr kumimoji="0" lang="en-US" altLang="ko-KR" sz="1000" dirty="0" smtClean="0">
+                  <a:latin typeface="나눔고딕OTF" pitchFamily="34" charset="-127"/>
+                  <a:ea typeface="나눔고딕OTF" pitchFamily="34" charset="-127"/>
+                </a:rPr>
+                <a:t>  </a:t>
+              </a:r>
+              <a:r>
+                <a:rPr kumimoji="0" lang="en-US" altLang="ko-KR" sz="1000" dirty="0" smtClean="0">
+                  <a:solidFill>
+                    <a:srgbClr val="FF0000"/>
+                  </a:solidFill>
+                  <a:latin typeface="나눔고딕OTF" pitchFamily="34" charset="-127"/>
+                  <a:ea typeface="나눔고딕OTF" pitchFamily="34" charset="-127"/>
+                </a:rPr>
+                <a:t>* </a:t>
+              </a:r>
+              <a:r>
+                <a:rPr kumimoji="0" lang="ko-KR" altLang="en-US" sz="1000" dirty="0" smtClean="0">
+                  <a:solidFill>
+                    <a:srgbClr val="FF0000"/>
+                  </a:solidFill>
+                  <a:latin typeface="나눔고딕OTF" pitchFamily="34" charset="-127"/>
+                  <a:ea typeface="나눔고딕OTF" pitchFamily="34" charset="-127"/>
+                </a:rPr>
+                <a:t>좌측 화면에서는 코드 수정이 불가능합니다</a:t>
+              </a:r>
+              <a:r>
+                <a:rPr kumimoji="0" lang="en-US" altLang="ko-KR" sz="1000" dirty="0" smtClean="0">
+                  <a:solidFill>
+                    <a:srgbClr val="FF0000"/>
+                  </a:solidFill>
+                  <a:latin typeface="나눔고딕OTF" pitchFamily="34" charset="-127"/>
+                  <a:ea typeface="나눔고딕OTF" pitchFamily="34" charset="-127"/>
+                </a:rPr>
+                <a:t>.</a:t>
+              </a:r>
+            </a:p>
+            <a:p>
+              <a:pPr marL="228600" indent="-228600">
+                <a:lnSpc>
+                  <a:spcPct val="120000"/>
+                </a:lnSpc>
+              </a:pPr>
+              <a:endParaRPr kumimoji="0" lang="en-US" altLang="ko-KR" sz="1000" dirty="0" smtClean="0">
+                <a:solidFill>
+                  <a:srgbClr val="FF0000"/>
+                </a:solidFill>
+                <a:latin typeface="나눔고딕OTF" pitchFamily="34" charset="-127"/>
+                <a:ea typeface="나눔고딕OTF" pitchFamily="34" charset="-127"/>
+              </a:endParaRPr>
+            </a:p>
+            <a:p>
+              <a:pPr marL="228600" indent="-228600">
+                <a:lnSpc>
+                  <a:spcPct val="120000"/>
+                </a:lnSpc>
+                <a:buAutoNum type="arabicParenR" startAt="2"/>
+              </a:pPr>
+              <a:r>
+                <a:rPr kumimoji="0" lang="ko-KR" altLang="en-US" sz="1000" b="1" dirty="0" smtClean="0">
+                  <a:latin typeface="나눔고딕OTF" pitchFamily="34" charset="-127"/>
+                  <a:ea typeface="나눔고딕OTF" pitchFamily="34" charset="-127"/>
+                </a:rPr>
+                <a:t>검사항목 코드 검색</a:t>
+              </a:r>
+              <a:endParaRPr kumimoji="0" lang="en-US" altLang="ko-KR" sz="1000" b="1" dirty="0" smtClean="0">
+                <a:latin typeface="나눔고딕OTF" pitchFamily="34" charset="-127"/>
+                <a:ea typeface="나눔고딕OTF" pitchFamily="34" charset="-127"/>
+              </a:endParaRPr>
+            </a:p>
+            <a:p>
+              <a:pPr marL="228600" indent="-228600">
+                <a:lnSpc>
+                  <a:spcPct val="120000"/>
+                </a:lnSpc>
+              </a:pPr>
+              <a:r>
+                <a:rPr kumimoji="0" lang="en-US" altLang="ko-KR" sz="1000" dirty="0" smtClean="0">
+                  <a:latin typeface="나눔고딕OTF" pitchFamily="34" charset="-127"/>
+                  <a:ea typeface="나눔고딕OTF" pitchFamily="34" charset="-127"/>
+                </a:rPr>
+                <a:t>   - </a:t>
+              </a:r>
+              <a:r>
+                <a:rPr kumimoji="0" lang="ko-KR" altLang="en-US" sz="1000" dirty="0" smtClean="0">
+                  <a:latin typeface="나눔고딕OTF" pitchFamily="34" charset="-127"/>
+                  <a:ea typeface="나눔고딕OTF" pitchFamily="34" charset="-127"/>
+                </a:rPr>
+                <a:t>키워드를 입력해서 코드를 검색합니다</a:t>
+              </a:r>
+              <a:r>
+                <a:rPr kumimoji="0" lang="en-US" altLang="ko-KR" sz="1000" dirty="0" smtClean="0">
+                  <a:latin typeface="나눔고딕OTF" pitchFamily="34" charset="-127"/>
+                  <a:ea typeface="나눔고딕OTF" pitchFamily="34" charset="-127"/>
+                </a:rPr>
+                <a:t>.</a:t>
+              </a:r>
+            </a:p>
+            <a:p>
+              <a:pPr marL="228600" indent="-228600">
+                <a:lnSpc>
+                  <a:spcPct val="120000"/>
+                </a:lnSpc>
+              </a:pPr>
+              <a:endParaRPr kumimoji="0" lang="en-US" altLang="ko-KR" sz="1000" dirty="0" smtClean="0">
+                <a:latin typeface="나눔고딕OTF" pitchFamily="34" charset="-127"/>
+                <a:ea typeface="나눔고딕OTF" pitchFamily="34" charset="-127"/>
+              </a:endParaRPr>
+            </a:p>
+            <a:p>
+              <a:pPr marL="228600" indent="-228600">
+                <a:lnSpc>
+                  <a:spcPct val="120000"/>
+                </a:lnSpc>
+              </a:pPr>
+              <a:endParaRPr kumimoji="0" lang="en-US" altLang="ko-KR" sz="1000" dirty="0" smtClean="0">
+                <a:latin typeface="나눔고딕OTF" pitchFamily="34" charset="-127"/>
+                <a:ea typeface="나눔고딕OTF" pitchFamily="34" charset="-127"/>
+              </a:endParaRPr>
+            </a:p>
+            <a:p>
+              <a:pPr marL="228600" indent="-228600">
+                <a:lnSpc>
+                  <a:spcPct val="120000"/>
+                </a:lnSpc>
+              </a:pPr>
+              <a:endParaRPr kumimoji="0" lang="en-US" altLang="ko-KR" sz="1000" dirty="0" smtClean="0">
+                <a:latin typeface="나눔고딕OTF" pitchFamily="34" charset="-127"/>
+                <a:ea typeface="나눔고딕OTF" pitchFamily="34" charset="-127"/>
+              </a:endParaRPr>
+            </a:p>
+            <a:p>
+              <a:pPr marL="228600" indent="-228600">
+                <a:lnSpc>
+                  <a:spcPct val="120000"/>
+                </a:lnSpc>
+              </a:pPr>
+              <a:endParaRPr kumimoji="0" lang="en-US" altLang="ko-KR" sz="1000" dirty="0" smtClean="0">
+                <a:latin typeface="나눔고딕OTF" pitchFamily="34" charset="-127"/>
+                <a:ea typeface="나눔고딕OTF" pitchFamily="34" charset="-127"/>
+              </a:endParaRPr>
+            </a:p>
+            <a:p>
+              <a:pPr marL="228600" indent="-228600">
+                <a:lnSpc>
+                  <a:spcPct val="120000"/>
+                </a:lnSpc>
+              </a:pPr>
+              <a:r>
+                <a:rPr kumimoji="0" lang="en-US" altLang="ko-KR" sz="1000" dirty="0" smtClean="0">
+                  <a:latin typeface="나눔고딕OTF" pitchFamily="34" charset="-127"/>
+                  <a:ea typeface="나눔고딕OTF" pitchFamily="34" charset="-127"/>
+                </a:rPr>
+                <a:t> </a:t>
+              </a:r>
+              <a:r>
+                <a:rPr kumimoji="0" lang="en-US" altLang="ko-KR" sz="1000" dirty="0" smtClean="0">
+                  <a:latin typeface="나눔고딕OTF" pitchFamily="34" charset="-127"/>
+                  <a:ea typeface="나눔고딕OTF" pitchFamily="34" charset="-127"/>
+                </a:rPr>
+                <a:t>  - </a:t>
+              </a:r>
+              <a:r>
+                <a:rPr kumimoji="0" lang="ko-KR" altLang="en-US" sz="1000" dirty="0" smtClean="0">
+                  <a:latin typeface="나눔고딕OTF" pitchFamily="34" charset="-127"/>
+                  <a:ea typeface="나눔고딕OTF" pitchFamily="34" charset="-127"/>
+                </a:rPr>
+                <a:t>키워드를 입력하고 찾기 버튼을 클릭하면 코드 목록에 조회됩니다</a:t>
+              </a:r>
+              <a:r>
+                <a:rPr kumimoji="0" lang="en-US" altLang="ko-KR" sz="1000" dirty="0" smtClean="0">
+                  <a:latin typeface="나눔고딕OTF" pitchFamily="34" charset="-127"/>
+                  <a:ea typeface="나눔고딕OTF" pitchFamily="34" charset="-127"/>
+                </a:rPr>
+                <a:t>.</a:t>
+              </a:r>
+            </a:p>
+          </p:txBody>
+        </p:sp>
+        <p:pic>
+          <p:nvPicPr>
+            <p:cNvPr id="1027" name="Picture 3"/>
+            <p:cNvPicPr>
+              <a:picLocks noChangeAspect="1" noChangeArrowheads="1"/>
+            </p:cNvPicPr>
+            <p:nvPr/>
+          </p:nvPicPr>
+          <p:blipFill>
+            <a:blip r:embed="rId3"/>
+            <a:srcRect/>
+            <a:stretch>
+              <a:fillRect/>
+            </a:stretch>
+          </p:blipFill>
+          <p:spPr bwMode="auto">
+            <a:xfrm>
+              <a:off x="5953132" y="3000372"/>
+              <a:ext cx="3038475" cy="504825"/>
+            </a:xfrm>
+            <a:prstGeom prst="rect">
+              <a:avLst/>
+            </a:prstGeom>
+            <a:noFill/>
+            <a:ln w="9525">
+              <a:solidFill>
+                <a:schemeClr val="tx1"/>
+              </a:solidFill>
+              <a:miter lim="800000"/>
+              <a:headEnd/>
+              <a:tailEnd/>
+            </a:ln>
+            <a:effectLst/>
+          </p:spPr>
+        </p:pic>
+        <p:sp>
+          <p:nvSpPr>
+            <p:cNvPr id="20" name="TextBox 19"/>
+            <p:cNvSpPr txBox="1"/>
+            <p:nvPr/>
+          </p:nvSpPr>
+          <p:spPr>
+            <a:xfrm>
+              <a:off x="6230646" y="3033324"/>
+              <a:ext cx="642942" cy="215444"/>
+            </a:xfrm>
+            <a:prstGeom prst="rect">
+              <a:avLst/>
+            </a:prstGeom>
+            <a:noFill/>
+          </p:spPr>
+          <p:txBody>
+            <a:bodyPr wrap="square" rtlCol="0">
+              <a:spAutoFit/>
+            </a:bodyPr>
+            <a:lstStyle/>
+            <a:p>
+              <a:r>
+                <a:rPr lang="ko-KR" altLang="en-US" sz="800" dirty="0" smtClean="0">
+                  <a:solidFill>
+                    <a:srgbClr val="FF0000"/>
+                  </a:solidFill>
+                </a:rPr>
+                <a:t>항목코</a:t>
+              </a:r>
+              <a:r>
+                <a:rPr lang="ko-KR" altLang="en-US" sz="800" dirty="0" smtClean="0">
+                  <a:solidFill>
+                    <a:srgbClr val="FF0000"/>
+                  </a:solidFill>
+                </a:rPr>
+                <a:t>드</a:t>
+              </a:r>
+              <a:endParaRPr lang="ko-KR" altLang="en-US" sz="800" dirty="0">
+                <a:solidFill>
+                  <a:srgbClr val="FF0000"/>
+                </a:solidFill>
+              </a:endParaRPr>
+            </a:p>
+          </p:txBody>
+        </p:sp>
+        <p:sp>
+          <p:nvSpPr>
+            <p:cNvPr id="22" name="TextBox 21"/>
+            <p:cNvSpPr txBox="1"/>
+            <p:nvPr/>
+          </p:nvSpPr>
+          <p:spPr>
+            <a:xfrm>
+              <a:off x="6953264" y="3033324"/>
+              <a:ext cx="785818" cy="215444"/>
+            </a:xfrm>
+            <a:prstGeom prst="rect">
+              <a:avLst/>
+            </a:prstGeom>
+            <a:noFill/>
+          </p:spPr>
+          <p:txBody>
+            <a:bodyPr wrap="square" rtlCol="0">
+              <a:spAutoFit/>
+            </a:bodyPr>
+            <a:lstStyle/>
+            <a:p>
+              <a:r>
+                <a:rPr lang="ko-KR" altLang="en-US" sz="800" smtClean="0">
+                  <a:solidFill>
+                    <a:srgbClr val="FF0000"/>
+                  </a:solidFill>
+                </a:rPr>
+                <a:t>항목코드 명</a:t>
+              </a:r>
+              <a:endParaRPr lang="ko-KR" altLang="en-US" sz="800" dirty="0">
+                <a:solidFill>
+                  <a:srgbClr val="FF0000"/>
+                </a:solidFill>
+              </a:endParaRPr>
+            </a:p>
+          </p:txBody>
+        </p:sp>
+      </p:grpSp>
+    </p:spTree>
+  </p:cSld>
+  <p:clrMapOvr>
+    <a:masterClrMapping/>
+  </p:clrMapOvr>
+  <p:timing>
+    <p:tnLst>
+      <p:par>
+        <p:cTn id="1" dur="indefinite" restart="never" nodeType="tmRoot"/>
+      </p:par>
+    </p:tnLst>
+  </p:timing>
+</p:sld>
+</file>
+
+<file path=ppt/slides/slide36.xml><?xml version="1.0" encoding="utf-8"?>
+<p:sld xmlns:a="http://schemas.openxmlformats.org/drawingml/2006/main" xmlns:r="http://schemas.openxmlformats.org/officeDocument/2006/relationships" xmlns:p="http://schemas.openxmlformats.org/presentationml/2006/main">
+  <p:cSld>
+    <p:spTree>
+      <p:nvGrpSpPr>
+        <p:cNvPr id="1" name=""/>
+        <p:cNvGrpSpPr/>
+        <p:nvPr/>
+      </p:nvGrpSpPr>
+      <p:grpSpPr>
+        <a:xfrm>
+          <a:off x="0" y="0"/>
+          <a:ext cx="0" cy="0"/>
+          <a:chOff x="0" y="0"/>
+          <a:chExt cx="0" cy="0"/>
+        </a:xfrm>
+      </p:grpSpPr>
+      <p:pic>
+        <p:nvPicPr>
+          <p:cNvPr id="2050" name="Picture 2"/>
+          <p:cNvPicPr>
+            <a:picLocks noChangeAspect="1" noChangeArrowheads="1"/>
+          </p:cNvPicPr>
+          <p:nvPr/>
+        </p:nvPicPr>
+        <p:blipFill>
+          <a:blip r:embed="rId2"/>
+          <a:srcRect/>
+          <a:stretch>
+            <a:fillRect/>
+          </a:stretch>
+        </p:blipFill>
+        <p:spPr bwMode="auto">
+          <a:xfrm>
+            <a:off x="1381100" y="1643050"/>
+            <a:ext cx="2633668" cy="4140561"/>
+          </a:xfrm>
+          <a:prstGeom prst="rect">
+            <a:avLst/>
+          </a:prstGeom>
+          <a:noFill/>
+          <a:ln w="9525">
+            <a:noFill/>
+            <a:miter lim="800000"/>
+            <a:headEnd/>
+            <a:tailEnd/>
+          </a:ln>
+          <a:effectLst/>
+        </p:spPr>
+      </p:pic>
+      <p:sp>
+        <p:nvSpPr>
+          <p:cNvPr id="6" name="TextBox 5"/>
+          <p:cNvSpPr txBox="1"/>
+          <p:nvPr/>
+        </p:nvSpPr>
+        <p:spPr>
+          <a:xfrm>
+            <a:off x="1497013" y="282575"/>
+            <a:ext cx="1050288" cy="369332"/>
+          </a:xfrm>
+          <a:prstGeom prst="rect">
+            <a:avLst/>
+          </a:prstGeom>
+          <a:noFill/>
+        </p:spPr>
+        <p:txBody>
+          <a:bodyPr wrap="none">
+            <a:spAutoFit/>
+          </a:bodyPr>
+          <a:lstStyle/>
+          <a:p>
+            <a:pPr fontAlgn="auto">
+              <a:spcBef>
+                <a:spcPts val="0"/>
+              </a:spcBef>
+              <a:spcAft>
+                <a:spcPts val="0"/>
+              </a:spcAft>
+              <a:defRPr/>
+            </a:pPr>
+            <a:r>
+              <a:rPr kumimoji="0" lang="ko-KR" altLang="en-US" dirty="0" smtClean="0">
+                <a:solidFill>
+                  <a:schemeClr val="bg1">
+                    <a:lumMod val="50000"/>
+                  </a:schemeClr>
+                </a:solidFill>
+                <a:latin typeface="나눔고딕OTF ExtraBold" pitchFamily="34" charset="-127"/>
+                <a:ea typeface="나눔고딕OTF ExtraBold" pitchFamily="34" charset="-127"/>
+              </a:rPr>
+              <a:t>코드관</a:t>
+            </a:r>
+            <a:r>
+              <a:rPr kumimoji="0" lang="ko-KR" altLang="en-US" dirty="0" smtClean="0">
+                <a:solidFill>
+                  <a:schemeClr val="bg1">
+                    <a:lumMod val="50000"/>
+                  </a:schemeClr>
+                </a:solidFill>
+                <a:latin typeface="나눔고딕OTF ExtraBold" pitchFamily="34" charset="-127"/>
+                <a:ea typeface="나눔고딕OTF ExtraBold" pitchFamily="34" charset="-127"/>
+              </a:rPr>
+              <a:t>리</a:t>
+            </a:r>
+            <a:endParaRPr kumimoji="0" lang="ko-KR" altLang="en-US" dirty="0" smtClean="0">
+              <a:solidFill>
+                <a:schemeClr val="bg1">
+                  <a:lumMod val="50000"/>
+                </a:schemeClr>
+              </a:solidFill>
+              <a:latin typeface="나눔고딕OTF ExtraBold" pitchFamily="34" charset="-127"/>
+              <a:ea typeface="나눔고딕OTF ExtraBold" pitchFamily="34" charset="-127"/>
+            </a:endParaRPr>
+          </a:p>
+        </p:txBody>
+      </p:sp>
+      <p:sp>
+        <p:nvSpPr>
+          <p:cNvPr id="8" name="TextBox 4"/>
+          <p:cNvSpPr txBox="1">
+            <a:spLocks noChangeArrowheads="1"/>
+          </p:cNvSpPr>
+          <p:nvPr/>
+        </p:nvSpPr>
+        <p:spPr bwMode="auto">
+          <a:xfrm>
+            <a:off x="381000" y="785813"/>
+            <a:ext cx="3207929" cy="307777"/>
+          </a:xfrm>
+          <a:prstGeom prst="rect">
+            <a:avLst/>
+          </a:prstGeom>
+          <a:noFill/>
+          <a:ln w="9525">
+            <a:noFill/>
+            <a:miter lim="800000"/>
+            <a:headEnd/>
+            <a:tailEnd/>
+          </a:ln>
+        </p:spPr>
+        <p:txBody>
+          <a:bodyPr wrap="none">
+            <a:spAutoFit/>
+          </a:bodyPr>
+          <a:lstStyle/>
+          <a:p>
+            <a:r>
+              <a:rPr kumimoji="0" lang="en-US" altLang="ko-KR" sz="1400" b="1" dirty="0">
+                <a:latin typeface="나눔고딕OTF" pitchFamily="34" charset="-127"/>
+                <a:ea typeface="나눔고딕OTF" pitchFamily="34" charset="-127"/>
+              </a:rPr>
+              <a:t>- </a:t>
+            </a:r>
+            <a:r>
+              <a:rPr kumimoji="0" lang="ko-KR" altLang="en-US" sz="1400" b="1" dirty="0" smtClean="0">
+                <a:latin typeface="나눔고딕OTF" pitchFamily="34" charset="-127"/>
+                <a:ea typeface="나눔고딕OTF" pitchFamily="34" charset="-127"/>
+              </a:rPr>
+              <a:t>검사항목 코드 설정 </a:t>
+            </a:r>
+            <a:r>
+              <a:rPr kumimoji="0" lang="en-US" altLang="ko-KR" sz="1400" b="1" dirty="0" smtClean="0">
+                <a:latin typeface="나눔고딕OTF" pitchFamily="34" charset="-127"/>
+                <a:ea typeface="나눔고딕OTF" pitchFamily="34" charset="-127"/>
+              </a:rPr>
+              <a:t>– </a:t>
+            </a:r>
+            <a:r>
+              <a:rPr kumimoji="0" lang="ko-KR" altLang="en-US" sz="1400" b="1" dirty="0" smtClean="0">
+                <a:latin typeface="나눔고딕OTF" pitchFamily="34" charset="-127"/>
+                <a:ea typeface="나눔고딕OTF" pitchFamily="34" charset="-127"/>
+              </a:rPr>
+              <a:t>코드 생성 </a:t>
+            </a:r>
+            <a:r>
+              <a:rPr kumimoji="0" lang="en-US" altLang="ko-KR" sz="1400" b="1" dirty="0" smtClean="0">
+                <a:latin typeface="나눔고딕OTF" pitchFamily="34" charset="-127"/>
+                <a:ea typeface="나눔고딕OTF" pitchFamily="34" charset="-127"/>
+              </a:rPr>
+              <a:t>&amp; </a:t>
+            </a:r>
+            <a:r>
+              <a:rPr kumimoji="0" lang="ko-KR" altLang="en-US" sz="1400" b="1" dirty="0" smtClean="0">
+                <a:latin typeface="나눔고딕OTF" pitchFamily="34" charset="-127"/>
+                <a:ea typeface="나눔고딕OTF" pitchFamily="34" charset="-127"/>
+              </a:rPr>
+              <a:t>수정</a:t>
+            </a:r>
+            <a:endParaRPr kumimoji="0" lang="ko-KR" altLang="en-US" sz="1400" b="1" dirty="0">
+              <a:latin typeface="나눔고딕OTF" pitchFamily="34" charset="-127"/>
+              <a:ea typeface="나눔고딕OTF" pitchFamily="34" charset="-127"/>
+            </a:endParaRPr>
+          </a:p>
+        </p:txBody>
+      </p:sp>
+      <p:sp>
+        <p:nvSpPr>
+          <p:cNvPr id="23" name="TextBox 59"/>
+          <p:cNvSpPr txBox="1">
+            <a:spLocks noChangeArrowheads="1"/>
+          </p:cNvSpPr>
+          <p:nvPr/>
+        </p:nvSpPr>
+        <p:spPr bwMode="auto">
+          <a:xfrm>
+            <a:off x="415924" y="1052513"/>
+            <a:ext cx="5751521" cy="276999"/>
+          </a:xfrm>
+          <a:prstGeom prst="rect">
+            <a:avLst/>
+          </a:prstGeom>
+          <a:noFill/>
+          <a:ln w="9525">
+            <a:noFill/>
+            <a:miter lim="800000"/>
+            <a:headEnd/>
+            <a:tailEnd/>
+          </a:ln>
+        </p:spPr>
+        <p:txBody>
+          <a:bodyPr wrap="square">
+            <a:spAutoFit/>
+          </a:bodyPr>
+          <a:lstStyle/>
+          <a:p>
+            <a:r>
+              <a:rPr kumimoji="0" lang="en-US" altLang="ko-KR" sz="1200" dirty="0">
+                <a:latin typeface="나눔고딕OTF" pitchFamily="34" charset="-127"/>
+                <a:ea typeface="나눔고딕OTF" pitchFamily="34" charset="-127"/>
+              </a:rPr>
+              <a:t> </a:t>
+            </a:r>
+            <a:r>
+              <a:rPr kumimoji="0" lang="ko-KR" altLang="en-US" sz="1200" dirty="0" smtClean="0">
+                <a:latin typeface="나눔고딕OTF" pitchFamily="34" charset="-127"/>
+                <a:ea typeface="나눔고딕OTF" pitchFamily="34" charset="-127"/>
+              </a:rPr>
+              <a:t>위치 </a:t>
+            </a:r>
+            <a:r>
+              <a:rPr kumimoji="0" lang="en-US" altLang="ko-KR" sz="1200" dirty="0" smtClean="0">
+                <a:latin typeface="나눔고딕OTF" pitchFamily="34" charset="-127"/>
+                <a:ea typeface="나눔고딕OTF" pitchFamily="34" charset="-127"/>
+              </a:rPr>
+              <a:t>: </a:t>
+            </a:r>
+            <a:r>
+              <a:rPr kumimoji="0" lang="ko-KR" altLang="en-US" sz="1200" dirty="0" err="1" smtClean="0">
+                <a:latin typeface="나눔고딕OTF" pitchFamily="34" charset="-127"/>
+                <a:ea typeface="나눔고딕OTF" pitchFamily="34" charset="-127"/>
+              </a:rPr>
+              <a:t>메인화면</a:t>
+            </a:r>
+            <a:r>
+              <a:rPr kumimoji="0" lang="ko-KR" altLang="en-US" sz="1200" dirty="0" smtClean="0">
+                <a:latin typeface="나눔고딕OTF" pitchFamily="34" charset="-127"/>
+                <a:ea typeface="나눔고딕OTF" pitchFamily="34" charset="-127"/>
+              </a:rPr>
+              <a:t> </a:t>
+            </a:r>
+            <a:r>
+              <a:rPr kumimoji="0" lang="en-US" altLang="ko-KR" sz="1200" dirty="0" smtClean="0">
+                <a:latin typeface="나눔고딕OTF" pitchFamily="34" charset="-127"/>
+                <a:ea typeface="나눔고딕OTF" pitchFamily="34" charset="-127"/>
+              </a:rPr>
+              <a:t>– </a:t>
+            </a:r>
+            <a:r>
+              <a:rPr kumimoji="0" lang="ko-KR" altLang="en-US" sz="1200" dirty="0" smtClean="0">
+                <a:latin typeface="나눔고딕OTF" pitchFamily="34" charset="-127"/>
+                <a:ea typeface="나눔고딕OTF" pitchFamily="34" charset="-127"/>
+              </a:rPr>
+              <a:t>코드관리 </a:t>
+            </a:r>
+            <a:r>
+              <a:rPr kumimoji="0" lang="en-US" altLang="ko-KR" sz="1200" dirty="0" smtClean="0">
+                <a:latin typeface="나눔고딕OTF" pitchFamily="34" charset="-127"/>
+                <a:ea typeface="나눔고딕OTF" pitchFamily="34" charset="-127"/>
+              </a:rPr>
+              <a:t>– </a:t>
+            </a:r>
+            <a:r>
+              <a:rPr kumimoji="0" lang="ko-KR" altLang="en-US" sz="1200" dirty="0" smtClean="0">
+                <a:latin typeface="나눔고딕OTF" pitchFamily="34" charset="-127"/>
+                <a:ea typeface="나눔고딕OTF" pitchFamily="34" charset="-127"/>
+              </a:rPr>
+              <a:t>검사항목코드 </a:t>
+            </a:r>
+            <a:r>
+              <a:rPr kumimoji="0" lang="en-US" altLang="ko-KR" sz="1200" dirty="0" smtClean="0">
+                <a:latin typeface="나눔고딕OTF" pitchFamily="34" charset="-127"/>
+                <a:ea typeface="나눔고딕OTF" pitchFamily="34" charset="-127"/>
+              </a:rPr>
+              <a:t>– </a:t>
+            </a:r>
+            <a:r>
+              <a:rPr kumimoji="0" lang="ko-KR" altLang="en-US" sz="1200" dirty="0" smtClean="0">
+                <a:latin typeface="나눔고딕OTF" pitchFamily="34" charset="-127"/>
+                <a:ea typeface="나눔고딕OTF" pitchFamily="34" charset="-127"/>
+              </a:rPr>
+              <a:t>입력 </a:t>
+            </a:r>
+            <a:r>
+              <a:rPr kumimoji="0" lang="en-US" altLang="ko-KR" sz="1200" dirty="0" smtClean="0">
+                <a:latin typeface="나눔고딕OTF" pitchFamily="34" charset="-127"/>
+                <a:ea typeface="나눔고딕OTF" pitchFamily="34" charset="-127"/>
+              </a:rPr>
+              <a:t>&amp; </a:t>
+            </a:r>
+            <a:r>
+              <a:rPr kumimoji="0" lang="ko-KR" altLang="en-US" sz="1200" dirty="0" smtClean="0">
+                <a:latin typeface="나눔고딕OTF" pitchFamily="34" charset="-127"/>
+                <a:ea typeface="나눔고딕OTF" pitchFamily="34" charset="-127"/>
+              </a:rPr>
+              <a:t>수정</a:t>
+            </a:r>
+            <a:endParaRPr kumimoji="0" lang="en-US" altLang="ko-KR" sz="1200" dirty="0">
+              <a:latin typeface="나눔고딕OTF" pitchFamily="34" charset="-127"/>
+              <a:ea typeface="나눔고딕OTF" pitchFamily="34" charset="-127"/>
+            </a:endParaRPr>
+          </a:p>
+        </p:txBody>
+      </p:sp>
+      <p:sp>
+        <p:nvSpPr>
+          <p:cNvPr id="13" name="TextBox 59"/>
+          <p:cNvSpPr txBox="1">
+            <a:spLocks noChangeArrowheads="1"/>
+          </p:cNvSpPr>
+          <p:nvPr/>
+        </p:nvSpPr>
+        <p:spPr bwMode="auto">
+          <a:xfrm>
+            <a:off x="415925" y="1285860"/>
+            <a:ext cx="5751521" cy="276999"/>
+          </a:xfrm>
+          <a:prstGeom prst="rect">
+            <a:avLst/>
+          </a:prstGeom>
+          <a:noFill/>
+          <a:ln w="9525">
+            <a:noFill/>
+            <a:miter lim="800000"/>
+            <a:headEnd/>
+            <a:tailEnd/>
+          </a:ln>
+        </p:spPr>
+        <p:txBody>
+          <a:bodyPr wrap="square">
+            <a:spAutoFit/>
+          </a:bodyPr>
+          <a:lstStyle/>
+          <a:p>
+            <a:r>
+              <a:rPr kumimoji="0" lang="en-US" altLang="ko-KR" sz="1200" dirty="0" smtClean="0">
+                <a:latin typeface="나눔고딕OTF" pitchFamily="34" charset="-127"/>
+                <a:ea typeface="나눔고딕OTF" pitchFamily="34" charset="-127"/>
+              </a:rPr>
+              <a:t>  - </a:t>
+            </a:r>
+            <a:r>
+              <a:rPr kumimoji="0" lang="ko-KR" altLang="en-US" sz="1200" dirty="0" smtClean="0">
+                <a:latin typeface="나눔고딕OTF" pitchFamily="34" charset="-127"/>
+                <a:ea typeface="나눔고딕OTF" pitchFamily="34" charset="-127"/>
+              </a:rPr>
+              <a:t>신규 코드를 생성하거나 기존 코드를 수정합니다</a:t>
+            </a:r>
+            <a:r>
+              <a:rPr kumimoji="0" lang="en-US" altLang="ko-KR" sz="1200" dirty="0" smtClean="0">
+                <a:latin typeface="나눔고딕OTF" pitchFamily="34" charset="-127"/>
+                <a:ea typeface="나눔고딕OTF" pitchFamily="34" charset="-127"/>
+              </a:rPr>
+              <a:t>.</a:t>
+            </a:r>
+            <a:endParaRPr kumimoji="0" lang="en-US" altLang="ko-KR" sz="1200" dirty="0">
+              <a:latin typeface="나눔고딕OTF" pitchFamily="34" charset="-127"/>
+              <a:ea typeface="나눔고딕OTF" pitchFamily="34" charset="-127"/>
+            </a:endParaRPr>
+          </a:p>
+        </p:txBody>
+      </p:sp>
+      <p:sp>
+        <p:nvSpPr>
+          <p:cNvPr id="22535" name="TextBox 4"/>
+          <p:cNvSpPr txBox="1">
+            <a:spLocks noChangeArrowheads="1"/>
+          </p:cNvSpPr>
+          <p:nvPr/>
+        </p:nvSpPr>
+        <p:spPr bwMode="auto">
+          <a:xfrm>
+            <a:off x="4381496" y="1571612"/>
+            <a:ext cx="5357849" cy="1569660"/>
+          </a:xfrm>
+          <a:prstGeom prst="rect">
+            <a:avLst/>
+          </a:prstGeom>
+          <a:noFill/>
+          <a:ln w="9525">
+            <a:noFill/>
+            <a:miter lim="800000"/>
+            <a:headEnd/>
+            <a:tailEnd/>
+          </a:ln>
+        </p:spPr>
+        <p:txBody>
+          <a:bodyPr wrap="square">
+            <a:spAutoFit/>
+          </a:bodyPr>
+          <a:lstStyle/>
+          <a:p>
+            <a:pPr marL="228600" indent="-228600">
+              <a:lnSpc>
+                <a:spcPct val="120000"/>
+              </a:lnSpc>
+              <a:buAutoNum type="arabicParenR"/>
+            </a:pPr>
+            <a:r>
+              <a:rPr kumimoji="0" lang="ko-KR" altLang="en-US" sz="1000" b="1" dirty="0" smtClean="0">
+                <a:latin typeface="나눔고딕OTF" pitchFamily="34" charset="-127"/>
+                <a:ea typeface="나눔고딕OTF" pitchFamily="34" charset="-127"/>
+              </a:rPr>
+              <a:t>항목코드</a:t>
+            </a:r>
+            <a:endParaRPr kumimoji="0" lang="en-US" altLang="ko-KR" sz="1000" b="1" dirty="0" smtClean="0">
+              <a:latin typeface="나눔고딕OTF" pitchFamily="34" charset="-127"/>
+              <a:ea typeface="나눔고딕OTF" pitchFamily="34" charset="-127"/>
+            </a:endParaRPr>
+          </a:p>
+          <a:p>
+            <a:pPr marL="228600" indent="-228600">
+              <a:lnSpc>
+                <a:spcPct val="120000"/>
+              </a:lnSpc>
+            </a:pPr>
+            <a:r>
+              <a:rPr kumimoji="0" lang="en-US" altLang="ko-KR" sz="1000" b="1" dirty="0" smtClean="0">
+                <a:latin typeface="나눔고딕OTF" pitchFamily="34" charset="-127"/>
+                <a:ea typeface="나눔고딕OTF" pitchFamily="34" charset="-127"/>
+              </a:rPr>
+              <a:t>	</a:t>
+            </a:r>
+            <a:r>
+              <a:rPr kumimoji="0" lang="en-US" altLang="ko-KR" sz="1000" dirty="0" smtClean="0">
+                <a:latin typeface="나눔고딕OTF" pitchFamily="34" charset="-127"/>
+                <a:ea typeface="나눔고딕OTF" pitchFamily="34" charset="-127"/>
+              </a:rPr>
+              <a:t>- </a:t>
+            </a:r>
+            <a:r>
+              <a:rPr kumimoji="0" lang="ko-KR" altLang="en-US" sz="1000" dirty="0" smtClean="0">
+                <a:latin typeface="나눔고딕OTF" pitchFamily="34" charset="-127"/>
+                <a:ea typeface="나눔고딕OTF" pitchFamily="34" charset="-127"/>
+              </a:rPr>
+              <a:t>검사항목의 고유 코드를 입력합니다</a:t>
+            </a:r>
+            <a:r>
+              <a:rPr kumimoji="0" lang="en-US" altLang="ko-KR" sz="1000" dirty="0" smtClean="0">
+                <a:latin typeface="나눔고딕OTF" pitchFamily="34" charset="-127"/>
+                <a:ea typeface="나눔고딕OTF" pitchFamily="34" charset="-127"/>
+              </a:rPr>
+              <a:t>.</a:t>
+            </a:r>
+          </a:p>
+          <a:p>
+            <a:pPr marL="228600" indent="-228600">
+              <a:lnSpc>
+                <a:spcPct val="120000"/>
+              </a:lnSpc>
+            </a:pPr>
+            <a:r>
+              <a:rPr kumimoji="0" lang="en-US" altLang="ko-KR" sz="1000" dirty="0" smtClean="0">
+                <a:latin typeface="나눔고딕OTF" pitchFamily="34" charset="-127"/>
+                <a:ea typeface="나눔고딕OTF" pitchFamily="34" charset="-127"/>
+              </a:rPr>
+              <a:t>	- </a:t>
+            </a:r>
+            <a:r>
+              <a:rPr kumimoji="0" lang="ko-KR" altLang="en-US" sz="1000" dirty="0" smtClean="0">
+                <a:latin typeface="나눔고딕OTF" pitchFamily="34" charset="-127"/>
+                <a:ea typeface="나눔고딕OTF" pitchFamily="34" charset="-127"/>
+              </a:rPr>
+              <a:t>다른 코드와 중복될 수 없습니다</a:t>
+            </a:r>
+            <a:r>
+              <a:rPr kumimoji="0" lang="en-US" altLang="ko-KR" sz="1000" dirty="0" smtClean="0">
+                <a:latin typeface="나눔고딕OTF" pitchFamily="34" charset="-127"/>
+                <a:ea typeface="나눔고딕OTF" pitchFamily="34" charset="-127"/>
+              </a:rPr>
+              <a:t>.</a:t>
+            </a:r>
+          </a:p>
+          <a:p>
+            <a:pPr marL="228600" indent="-228600">
+              <a:lnSpc>
+                <a:spcPct val="120000"/>
+              </a:lnSpc>
+            </a:pPr>
+            <a:r>
+              <a:rPr kumimoji="0" lang="en-US" altLang="ko-KR" sz="1000" dirty="0" smtClean="0">
+                <a:latin typeface="나눔고딕OTF" pitchFamily="34" charset="-127"/>
+                <a:ea typeface="나눔고딕OTF" pitchFamily="34" charset="-127"/>
+              </a:rPr>
+              <a:t>	- </a:t>
+            </a:r>
+            <a:r>
+              <a:rPr kumimoji="0" lang="ko-KR" altLang="en-US" sz="1000" dirty="0" smtClean="0">
+                <a:latin typeface="나눔고딕OTF" pitchFamily="34" charset="-127"/>
+                <a:ea typeface="나눔고딕OTF" pitchFamily="34" charset="-127"/>
+              </a:rPr>
+              <a:t>숫자</a:t>
+            </a:r>
+            <a:r>
+              <a:rPr kumimoji="0" lang="en-US" altLang="ko-KR" sz="1000" dirty="0" smtClean="0">
+                <a:latin typeface="나눔고딕OTF" pitchFamily="34" charset="-127"/>
+                <a:ea typeface="나눔고딕OTF" pitchFamily="34" charset="-127"/>
+              </a:rPr>
+              <a:t>, </a:t>
+            </a:r>
+            <a:r>
+              <a:rPr kumimoji="0" lang="ko-KR" altLang="en-US" sz="1000" dirty="0" smtClean="0">
+                <a:latin typeface="나눔고딕OTF" pitchFamily="34" charset="-127"/>
+                <a:ea typeface="나눔고딕OTF" pitchFamily="34" charset="-127"/>
+              </a:rPr>
+              <a:t>문자 상관없이 </a:t>
+            </a:r>
+            <a:r>
+              <a:rPr kumimoji="0" lang="en-US" altLang="ko-KR" sz="1000" dirty="0" smtClean="0">
+                <a:latin typeface="나눔고딕OTF" pitchFamily="34" charset="-127"/>
+                <a:ea typeface="나눔고딕OTF" pitchFamily="34" charset="-127"/>
+              </a:rPr>
+              <a:t>6</a:t>
+            </a:r>
+            <a:r>
+              <a:rPr kumimoji="0" lang="ko-KR" altLang="en-US" sz="1000" dirty="0" smtClean="0">
+                <a:latin typeface="나눔고딕OTF" pitchFamily="34" charset="-127"/>
+                <a:ea typeface="나눔고딕OTF" pitchFamily="34" charset="-127"/>
+              </a:rPr>
+              <a:t>자리까지 허용됩니다</a:t>
+            </a:r>
+            <a:r>
+              <a:rPr kumimoji="0" lang="en-US" altLang="ko-KR" sz="1000" dirty="0" smtClean="0">
+                <a:latin typeface="나눔고딕OTF" pitchFamily="34" charset="-127"/>
+                <a:ea typeface="나눔고딕OTF" pitchFamily="34" charset="-127"/>
+              </a:rPr>
+              <a:t>.</a:t>
+            </a:r>
+          </a:p>
+          <a:p>
+            <a:pPr marL="228600" indent="-228600">
+              <a:lnSpc>
+                <a:spcPct val="120000"/>
+              </a:lnSpc>
+              <a:buAutoNum type="arabicParenR" startAt="2"/>
+            </a:pPr>
+            <a:r>
+              <a:rPr kumimoji="0" lang="ko-KR" altLang="en-US" sz="1000" b="1" dirty="0" smtClean="0">
+                <a:latin typeface="나눔고딕OTF" pitchFamily="34" charset="-127"/>
+                <a:ea typeface="나눔고딕OTF" pitchFamily="34" charset="-127"/>
+              </a:rPr>
+              <a:t>항목명</a:t>
+            </a:r>
+            <a:r>
+              <a:rPr kumimoji="0" lang="en-US" altLang="ko-KR" sz="1000" b="1" dirty="0" smtClean="0">
+                <a:latin typeface="나눔고딕OTF" pitchFamily="34" charset="-127"/>
+                <a:ea typeface="나눔고딕OTF" pitchFamily="34" charset="-127"/>
+              </a:rPr>
+              <a:t>, </a:t>
+            </a:r>
+            <a:r>
+              <a:rPr kumimoji="0" lang="ko-KR" altLang="en-US" sz="1000" b="1" dirty="0" err="1" smtClean="0">
+                <a:latin typeface="나눔고딕OTF" pitchFamily="34" charset="-127"/>
+                <a:ea typeface="나눔고딕OTF" pitchFamily="34" charset="-127"/>
+              </a:rPr>
+              <a:t>영문명</a:t>
+            </a:r>
+            <a:r>
+              <a:rPr kumimoji="0" lang="en-US" altLang="ko-KR" sz="1000" b="1" dirty="0" smtClean="0">
+                <a:latin typeface="나눔고딕OTF" pitchFamily="34" charset="-127"/>
+                <a:ea typeface="나눔고딕OTF" pitchFamily="34" charset="-127"/>
+              </a:rPr>
+              <a:t>, </a:t>
+            </a:r>
+            <a:r>
+              <a:rPr kumimoji="0" lang="ko-KR" altLang="en-US" sz="1000" b="1" dirty="0" err="1" smtClean="0">
+                <a:latin typeface="나눔고딕OTF" pitchFamily="34" charset="-127"/>
+                <a:ea typeface="나눔고딕OTF" pitchFamily="34" charset="-127"/>
+              </a:rPr>
+              <a:t>단축명</a:t>
+            </a:r>
+            <a:endParaRPr kumimoji="0" lang="en-US" altLang="ko-KR" sz="1000" b="1" dirty="0" smtClean="0">
+              <a:latin typeface="나눔고딕OTF" pitchFamily="34" charset="-127"/>
+              <a:ea typeface="나눔고딕OTF" pitchFamily="34" charset="-127"/>
+            </a:endParaRPr>
+          </a:p>
+          <a:p>
+            <a:pPr marL="228600" indent="-228600">
+              <a:lnSpc>
+                <a:spcPct val="120000"/>
+              </a:lnSpc>
+              <a:buAutoNum type="arabicParenR" startAt="2"/>
+            </a:pPr>
+            <a:r>
+              <a:rPr kumimoji="0" lang="ko-KR" altLang="en-US" sz="1000" b="1" dirty="0" smtClean="0">
+                <a:latin typeface="나눔고딕OTF" pitchFamily="34" charset="-127"/>
+                <a:ea typeface="나눔고딕OTF" pitchFamily="34" charset="-127"/>
+              </a:rPr>
+              <a:t>검사파트</a:t>
+            </a:r>
+            <a:endParaRPr kumimoji="0" lang="en-US" altLang="ko-KR" sz="1000" b="1" dirty="0" smtClean="0">
+              <a:latin typeface="나눔고딕OTF" pitchFamily="34" charset="-127"/>
+              <a:ea typeface="나눔고딕OTF" pitchFamily="34" charset="-127"/>
+            </a:endParaRPr>
+          </a:p>
+          <a:p>
+            <a:pPr marL="228600" indent="-228600">
+              <a:lnSpc>
+                <a:spcPct val="120000"/>
+              </a:lnSpc>
+              <a:buAutoNum type="arabicParenR" startAt="2"/>
+            </a:pPr>
+            <a:r>
+              <a:rPr kumimoji="0" lang="ko-KR" altLang="en-US" sz="1000" b="1" dirty="0" smtClean="0">
+                <a:latin typeface="나눔고딕OTF" pitchFamily="34" charset="-127"/>
+                <a:ea typeface="나눔고딕OTF" pitchFamily="34" charset="-127"/>
+              </a:rPr>
+              <a:t>결과형태</a:t>
+            </a:r>
+            <a:endParaRPr kumimoji="0" lang="en-US" altLang="ko-KR" sz="1000" b="1" dirty="0" smtClean="0">
+              <a:latin typeface="나눔고딕OTF" pitchFamily="34" charset="-127"/>
+              <a:ea typeface="나눔고딕OTF" pitchFamily="34" charset="-127"/>
+            </a:endParaRPr>
+          </a:p>
+          <a:p>
+            <a:pPr marL="228600" indent="-228600">
+              <a:lnSpc>
+                <a:spcPct val="120000"/>
+              </a:lnSpc>
+              <a:buAutoNum type="arabicParenR" startAt="2"/>
+            </a:pPr>
+            <a:r>
+              <a:rPr kumimoji="0" lang="en-US" altLang="ko-KR" sz="1000" b="1" dirty="0" smtClean="0">
+                <a:latin typeface="나눔고딕OTF" pitchFamily="34" charset="-127"/>
+                <a:ea typeface="나눔고딕OTF" pitchFamily="34" charset="-127"/>
+              </a:rPr>
+              <a:t>OCS</a:t>
+            </a:r>
+            <a:r>
+              <a:rPr kumimoji="0" lang="ko-KR" altLang="en-US" sz="1000" b="1" dirty="0" smtClean="0">
+                <a:latin typeface="나눔고딕OTF" pitchFamily="34" charset="-127"/>
+                <a:ea typeface="나눔고딕OTF" pitchFamily="34" charset="-127"/>
+              </a:rPr>
+              <a:t>코드</a:t>
+            </a:r>
+            <a:endParaRPr kumimoji="0" lang="en-US" altLang="ko-KR" sz="1000" b="1" dirty="0" smtClean="0">
+              <a:latin typeface="나눔고딕OTF" pitchFamily="34" charset="-127"/>
+              <a:ea typeface="나눔고딕OTF" pitchFamily="34" charset="-127"/>
+            </a:endParaRPr>
+          </a:p>
+        </p:txBody>
+      </p:sp>
+    </p:spTree>
+  </p:cSld>
+  <p:clrMapOvr>
+    <a:masterClrMapping/>
+  </p:clrMapOvr>
+  <p:timing>
+    <p:tnLst>
+      <p:par>
+        <p:cTn id="1" dur="indefinite" restart="never" nodeType="tmRoot"/>
+      </p:par>
+    </p:tnLst>
+  </p:timing>
+</p:sld>
+</file>
+
+<file path=ppt/slides/slide37.xml><?xml version="1.0" encoding="utf-8"?>
+<p:sld xmlns:a="http://schemas.openxmlformats.org/drawingml/2006/main" xmlns:r="http://schemas.openxmlformats.org/officeDocument/2006/relationships" xmlns:p="http://schemas.openxmlformats.org/presentationml/2006/main">
+  <p:cSld>
+    <p:spTree>
+      <p:nvGrpSpPr>
+        <p:cNvPr id="1" name=""/>
+        <p:cNvGrpSpPr/>
+        <p:nvPr/>
+      </p:nvGrpSpPr>
+      <p:grpSpPr>
+        <a:xfrm>
+          <a:off x="0" y="0"/>
+          <a:ext cx="0" cy="0"/>
+          <a:chOff x="0" y="0"/>
+          <a:chExt cx="0" cy="0"/>
+        </a:xfrm>
+      </p:grpSpPr>
       <p:sp>
         <p:nvSpPr>
           <p:cNvPr id="5" name="직사각형 4"/>
@@ -32246,7 +33503,7 @@
 </p:sld>
 </file>
 
-<file path=ppt/slides/slide36.xml><?xml version="1.0" encoding="utf-8"?>
+<file path=ppt/slides/slide38.xml><?xml version="1.0" encoding="utf-8"?>
 <p:sld xmlns:a="http://schemas.openxmlformats.org/drawingml/2006/main" xmlns:r="http://schemas.openxmlformats.org/officeDocument/2006/relationships" xmlns:p="http://schemas.openxmlformats.org/presentationml/2006/main">
   <p:cSld>
     <p:spTree>
@@ -33520,7 +34777,7 @@
 </p:sld>
 </file>
 
-<file path=ppt/slides/slide37.xml><?xml version="1.0" encoding="utf-8"?>
+<file path=ppt/slides/slide39.xml><?xml version="1.0" encoding="utf-8"?>
 <p:sld xmlns:a="http://schemas.openxmlformats.org/drawingml/2006/main" xmlns:r="http://schemas.openxmlformats.org/officeDocument/2006/relationships" xmlns:p="http://schemas.openxmlformats.org/presentationml/2006/main">
   <p:cSld>
     <p:spTree>
@@ -34574,848 +35831,6 @@
           </a:p>
         </p:txBody>
       </p:sp>
-    </p:spTree>
-  </p:cSld>
-  <p:clrMapOvr>
-    <a:masterClrMapping/>
-  </p:clrMapOvr>
-  <p:timing>
-    <p:tnLst>
-      <p:par>
-        <p:cTn id="1" dur="indefinite" restart="never" nodeType="tmRoot"/>
-      </p:par>
-    </p:tnLst>
-  </p:timing>
-</p:sld>
-</file>
-
-<file path=ppt/slides/slide38.xml><?xml version="1.0" encoding="utf-8"?>
-<p:sld xmlns:a="http://schemas.openxmlformats.org/drawingml/2006/main" xmlns:r="http://schemas.openxmlformats.org/officeDocument/2006/relationships" xmlns:p="http://schemas.openxmlformats.org/presentationml/2006/main">
-  <p:cSld>
-    <p:spTree>
-      <p:nvGrpSpPr>
-        <p:cNvPr id="1" name=""/>
-        <p:cNvGrpSpPr/>
-        <p:nvPr/>
-      </p:nvGrpSpPr>
-      <p:grpSpPr>
-        <a:xfrm>
-          <a:off x="0" y="0"/>
-          <a:ext cx="0" cy="0"/>
-          <a:chOff x="0" y="0"/>
-          <a:chExt cx="0" cy="0"/>
-        </a:xfrm>
-      </p:grpSpPr>
-      <p:pic>
-        <p:nvPicPr>
-          <p:cNvPr id="24578" name="Picture 2"/>
-          <p:cNvPicPr>
-            <a:picLocks noChangeAspect="1" noChangeArrowheads="1"/>
-          </p:cNvPicPr>
-          <p:nvPr/>
-        </p:nvPicPr>
-        <p:blipFill>
-          <a:blip r:embed="rId2"/>
-          <a:srcRect/>
-          <a:stretch>
-            <a:fillRect/>
-          </a:stretch>
-        </p:blipFill>
-        <p:spPr bwMode="auto">
-          <a:xfrm>
-            <a:off x="595313" y="1473200"/>
-            <a:ext cx="4687887" cy="4670425"/>
-          </a:xfrm>
-          <a:prstGeom prst="rect">
-            <a:avLst/>
-          </a:prstGeom>
-          <a:noFill/>
-          <a:ln w="9525">
-            <a:noFill/>
-            <a:miter lim="800000"/>
-            <a:headEnd/>
-            <a:tailEnd/>
-          </a:ln>
-        </p:spPr>
-      </p:pic>
-      <p:sp>
-        <p:nvSpPr>
-          <p:cNvPr id="6" name="TextBox 5"/>
-          <p:cNvSpPr txBox="1"/>
-          <p:nvPr/>
-        </p:nvSpPr>
-        <p:spPr>
-          <a:xfrm>
-            <a:off x="1497013" y="282575"/>
-            <a:ext cx="617537" cy="369888"/>
-          </a:xfrm>
-          <a:prstGeom prst="rect">
-            <a:avLst/>
-          </a:prstGeom>
-          <a:noFill/>
-        </p:spPr>
-        <p:txBody>
-          <a:bodyPr wrap="none">
-            <a:spAutoFit/>
-          </a:bodyPr>
-          <a:lstStyle/>
-          <a:p>
-            <a:pPr fontAlgn="auto">
-              <a:spcBef>
-                <a:spcPts val="0"/>
-              </a:spcBef>
-              <a:spcAft>
-                <a:spcPts val="0"/>
-              </a:spcAft>
-              <a:defRPr/>
-            </a:pPr>
-            <a:r>
-              <a:rPr kumimoji="0" lang="ko-KR" altLang="en-US" dirty="0">
-                <a:solidFill>
-                  <a:schemeClr val="bg1">
-                    <a:lumMod val="50000"/>
-                  </a:schemeClr>
-                </a:solidFill>
-                <a:latin typeface="나눔고딕OTF ExtraBold" pitchFamily="34" charset="-127"/>
-                <a:ea typeface="나눔고딕OTF ExtraBold" pitchFamily="34" charset="-127"/>
-              </a:rPr>
-              <a:t>수납</a:t>
-            </a:r>
-          </a:p>
-        </p:txBody>
-      </p:sp>
-      <p:sp>
-        <p:nvSpPr>
-          <p:cNvPr id="24580" name="TextBox 4"/>
-          <p:cNvSpPr txBox="1">
-            <a:spLocks noChangeArrowheads="1"/>
-          </p:cNvSpPr>
-          <p:nvPr/>
-        </p:nvSpPr>
-        <p:spPr bwMode="auto">
-          <a:xfrm>
-            <a:off x="381000" y="785813"/>
-            <a:ext cx="1409700" cy="307975"/>
-          </a:xfrm>
-          <a:prstGeom prst="rect">
-            <a:avLst/>
-          </a:prstGeom>
-          <a:noFill/>
-          <a:ln w="9525">
-            <a:noFill/>
-            <a:miter lim="800000"/>
-            <a:headEnd/>
-            <a:tailEnd/>
-          </a:ln>
-        </p:spPr>
-        <p:txBody>
-          <a:bodyPr wrap="none">
-            <a:spAutoFit/>
-          </a:bodyPr>
-          <a:lstStyle/>
-          <a:p>
-            <a:r>
-              <a:rPr kumimoji="0" lang="en-US" altLang="ko-KR" sz="1400" b="1">
-                <a:latin typeface="나눔고딕OTF" pitchFamily="34" charset="-127"/>
-                <a:ea typeface="나눔고딕OTF" pitchFamily="34" charset="-127"/>
-              </a:rPr>
-              <a:t>- </a:t>
-            </a:r>
-            <a:r>
-              <a:rPr kumimoji="0" lang="ko-KR" altLang="en-US" sz="1400" b="1">
-                <a:latin typeface="나눔고딕OTF" pitchFamily="34" charset="-127"/>
-                <a:ea typeface="나눔고딕OTF" pitchFamily="34" charset="-127"/>
-              </a:rPr>
-              <a:t>인적 수정 화면</a:t>
-            </a:r>
-          </a:p>
-        </p:txBody>
-      </p:sp>
-      <p:sp>
-        <p:nvSpPr>
-          <p:cNvPr id="11" name="직사각형 10"/>
-          <p:cNvSpPr/>
-          <p:nvPr/>
-        </p:nvSpPr>
-        <p:spPr>
-          <a:xfrm>
-            <a:off x="3810000" y="3929063"/>
-            <a:ext cx="857250" cy="142875"/>
-          </a:xfrm>
-          <a:prstGeom prst="rect">
-            <a:avLst/>
-          </a:prstGeom>
-          <a:noFill/>
-          <a:ln>
-            <a:solidFill>
-              <a:srgbClr val="FF0000"/>
-            </a:solidFill>
-          </a:ln>
-        </p:spPr>
-        <p:style>
-          <a:lnRef idx="2">
-            <a:schemeClr val="accent1">
-              <a:shade val="50000"/>
-            </a:schemeClr>
-          </a:lnRef>
-          <a:fillRef idx="1">
-            <a:schemeClr val="accent1"/>
-          </a:fillRef>
-          <a:effectRef idx="0">
-            <a:schemeClr val="accent1"/>
-          </a:effectRef>
-          <a:fontRef idx="minor">
-            <a:schemeClr val="lt1"/>
-          </a:fontRef>
-        </p:style>
-        <p:txBody>
-          <a:bodyPr anchor="ctr"/>
-          <a:lstStyle/>
-          <a:p>
-            <a:pPr algn="ctr" fontAlgn="auto">
-              <a:spcBef>
-                <a:spcPts val="0"/>
-              </a:spcBef>
-              <a:spcAft>
-                <a:spcPts val="0"/>
-              </a:spcAft>
-              <a:defRPr/>
-            </a:pPr>
-            <a:endParaRPr kumimoji="0" lang="ko-KR" altLang="en-US">
-              <a:latin typeface="나눔고딕OTF" pitchFamily="34" charset="-127"/>
-              <a:ea typeface="나눔고딕OTF" pitchFamily="34" charset="-127"/>
-            </a:endParaRPr>
-          </a:p>
-        </p:txBody>
-      </p:sp>
-      <p:sp>
-        <p:nvSpPr>
-          <p:cNvPr id="24582" name="TextBox 4"/>
-          <p:cNvSpPr txBox="1">
-            <a:spLocks noChangeArrowheads="1"/>
-          </p:cNvSpPr>
-          <p:nvPr/>
-        </p:nvSpPr>
-        <p:spPr bwMode="auto">
-          <a:xfrm>
-            <a:off x="5738813" y="1593850"/>
-            <a:ext cx="3894137" cy="1200150"/>
-          </a:xfrm>
-          <a:prstGeom prst="rect">
-            <a:avLst/>
-          </a:prstGeom>
-          <a:noFill/>
-          <a:ln w="9525">
-            <a:noFill/>
-            <a:miter lim="800000"/>
-            <a:headEnd/>
-            <a:tailEnd/>
-          </a:ln>
-        </p:spPr>
-        <p:txBody>
-          <a:bodyPr>
-            <a:spAutoFit/>
-          </a:bodyPr>
-          <a:lstStyle/>
-          <a:p>
-            <a:pPr marL="228600" indent="-228600">
-              <a:lnSpc>
-                <a:spcPct val="120000"/>
-              </a:lnSpc>
-              <a:buFontTx/>
-              <a:buAutoNum type="arabicParenR" startAt="3"/>
-            </a:pPr>
-            <a:r>
-              <a:rPr kumimoji="0" lang="ko-KR" altLang="en-US" sz="1000" b="1">
-                <a:latin typeface="나눔고딕OTF" pitchFamily="34" charset="-127"/>
-                <a:ea typeface="나눔고딕OTF" pitchFamily="34" charset="-127"/>
-              </a:rPr>
-              <a:t>환불</a:t>
-            </a:r>
-            <a:endParaRPr kumimoji="0" lang="en-US" altLang="ko-KR" sz="1000" b="1">
-              <a:latin typeface="나눔고딕OTF" pitchFamily="34" charset="-127"/>
-              <a:ea typeface="나눔고딕OTF" pitchFamily="34" charset="-127"/>
-            </a:endParaRPr>
-          </a:p>
-          <a:p>
-            <a:pPr marL="228600" indent="-228600">
-              <a:lnSpc>
-                <a:spcPct val="120000"/>
-              </a:lnSpc>
-            </a:pPr>
-            <a:r>
-              <a:rPr kumimoji="0" lang="en-US" altLang="ko-KR" sz="1000" b="1">
-                <a:latin typeface="나눔고딕OTF" pitchFamily="34" charset="-127"/>
-                <a:ea typeface="나눔고딕OTF" pitchFamily="34" charset="-127"/>
-              </a:rPr>
-              <a:t>   </a:t>
-            </a:r>
-            <a:r>
-              <a:rPr kumimoji="0" lang="en-US" altLang="ko-KR" sz="1000">
-                <a:latin typeface="나눔고딕OTF" pitchFamily="34" charset="-127"/>
-                <a:ea typeface="나눔고딕OTF" pitchFamily="34" charset="-127"/>
-              </a:rPr>
-              <a:t>- “</a:t>
-            </a:r>
-            <a:r>
-              <a:rPr kumimoji="0" lang="ko-KR" altLang="en-US" sz="1000">
-                <a:latin typeface="나눔고딕OTF" pitchFamily="34" charset="-127"/>
-                <a:ea typeface="나눔고딕OTF" pitchFamily="34" charset="-127"/>
-              </a:rPr>
-              <a:t>검사금액</a:t>
-            </a:r>
-            <a:r>
-              <a:rPr kumimoji="0" lang="en-US" altLang="ko-KR" sz="1000">
-                <a:latin typeface="나눔고딕OTF" pitchFamily="34" charset="-127"/>
-                <a:ea typeface="나눔고딕OTF" pitchFamily="34" charset="-127"/>
-              </a:rPr>
-              <a:t>”</a:t>
-            </a:r>
-            <a:r>
-              <a:rPr kumimoji="0" lang="ko-KR" altLang="en-US" sz="1000">
-                <a:latin typeface="나눔고딕OTF" pitchFamily="34" charset="-127"/>
-                <a:ea typeface="나눔고딕OTF" pitchFamily="34" charset="-127"/>
-              </a:rPr>
-              <a:t>란에 </a:t>
-            </a:r>
-            <a:r>
-              <a:rPr kumimoji="0" lang="ko-KR" altLang="en-US" sz="1000" u="sng">
-                <a:latin typeface="나눔고딕OTF" pitchFamily="34" charset="-127"/>
-                <a:ea typeface="나눔고딕OTF" pitchFamily="34" charset="-127"/>
-              </a:rPr>
-              <a:t>총 검진금액에서 환불금액을 뺀 금액을 입력합니다</a:t>
-            </a:r>
-            <a:r>
-              <a:rPr kumimoji="0" lang="en-US" altLang="ko-KR" sz="1000" u="sng">
-                <a:latin typeface="나눔고딕OTF" pitchFamily="34" charset="-127"/>
-                <a:ea typeface="나눔고딕OTF" pitchFamily="34" charset="-127"/>
-              </a:rPr>
-              <a:t>.</a:t>
-            </a:r>
-          </a:p>
-          <a:p>
-            <a:pPr marL="228600" indent="-228600">
-              <a:lnSpc>
-                <a:spcPct val="120000"/>
-              </a:lnSpc>
-            </a:pPr>
-            <a:r>
-              <a:rPr kumimoji="0" lang="en-US" altLang="ko-KR" sz="1000">
-                <a:latin typeface="나눔고딕OTF" pitchFamily="34" charset="-127"/>
-                <a:ea typeface="나눔고딕OTF" pitchFamily="34" charset="-127"/>
-              </a:rPr>
-              <a:t>   - “</a:t>
-            </a:r>
-            <a:r>
-              <a:rPr kumimoji="0" lang="ko-KR" altLang="en-US" sz="1000">
-                <a:latin typeface="나눔고딕OTF" pitchFamily="34" charset="-127"/>
-                <a:ea typeface="나눔고딕OTF" pitchFamily="34" charset="-127"/>
-              </a:rPr>
-              <a:t>추가</a:t>
-            </a:r>
-            <a:r>
-              <a:rPr kumimoji="0" lang="en-US" altLang="ko-KR" sz="1000">
-                <a:latin typeface="나눔고딕OTF" pitchFamily="34" charset="-127"/>
-                <a:ea typeface="나눔고딕OTF" pitchFamily="34" charset="-127"/>
-              </a:rPr>
-              <a:t>” </a:t>
-            </a:r>
-            <a:r>
-              <a:rPr kumimoji="0" lang="ko-KR" altLang="en-US" sz="1000">
-                <a:latin typeface="나눔고딕OTF" pitchFamily="34" charset="-127"/>
-                <a:ea typeface="나눔고딕OTF" pitchFamily="34" charset="-127"/>
-              </a:rPr>
-              <a:t>버튼을 클릭하면 </a:t>
-            </a:r>
-            <a:r>
-              <a:rPr kumimoji="0" lang="en-US" altLang="ko-KR" sz="1000">
-                <a:latin typeface="나눔고딕OTF" pitchFamily="34" charset="-127"/>
-                <a:ea typeface="나눔고딕OTF" pitchFamily="34" charset="-127"/>
-              </a:rPr>
-              <a:t>“</a:t>
-            </a:r>
-            <a:r>
-              <a:rPr kumimoji="0" lang="ko-KR" altLang="en-US" sz="1000">
-                <a:latin typeface="나눔고딕OTF" pitchFamily="34" charset="-127"/>
-                <a:ea typeface="나눔고딕OTF" pitchFamily="34" charset="-127"/>
-              </a:rPr>
-              <a:t>수납금액</a:t>
-            </a:r>
-            <a:r>
-              <a:rPr kumimoji="0" lang="en-US" altLang="ko-KR" sz="1000">
-                <a:latin typeface="나눔고딕OTF" pitchFamily="34" charset="-127"/>
-                <a:ea typeface="나눔고딕OTF" pitchFamily="34" charset="-127"/>
-              </a:rPr>
-              <a:t>”</a:t>
-            </a:r>
-            <a:r>
-              <a:rPr kumimoji="0" lang="ko-KR" altLang="en-US" sz="1000">
-                <a:latin typeface="나눔고딕OTF" pitchFamily="34" charset="-127"/>
-                <a:ea typeface="나눔고딕OTF" pitchFamily="34" charset="-127"/>
-              </a:rPr>
-              <a:t>란에 환불액이 나타납니다</a:t>
-            </a:r>
-            <a:r>
-              <a:rPr kumimoji="0" lang="en-US" altLang="ko-KR" sz="1000">
-                <a:latin typeface="나눔고딕OTF" pitchFamily="34" charset="-127"/>
-                <a:ea typeface="나눔고딕OTF" pitchFamily="34" charset="-127"/>
-              </a:rPr>
-              <a:t>.</a:t>
-            </a:r>
-          </a:p>
-          <a:p>
-            <a:pPr marL="228600" indent="-228600">
-              <a:lnSpc>
-                <a:spcPct val="120000"/>
-              </a:lnSpc>
-            </a:pPr>
-            <a:r>
-              <a:rPr kumimoji="0" lang="en-US" altLang="ko-KR" sz="1000">
-                <a:latin typeface="나눔고딕OTF" pitchFamily="34" charset="-127"/>
-                <a:ea typeface="나눔고딕OTF" pitchFamily="34" charset="-127"/>
-              </a:rPr>
-              <a:t>   - “</a:t>
-            </a:r>
-            <a:r>
-              <a:rPr kumimoji="0" lang="ko-KR" altLang="en-US" sz="1000">
-                <a:latin typeface="나눔고딕OTF" pitchFamily="34" charset="-127"/>
-                <a:ea typeface="나눔고딕OTF" pitchFamily="34" charset="-127"/>
-              </a:rPr>
-              <a:t>환불</a:t>
-            </a:r>
-            <a:r>
-              <a:rPr kumimoji="0" lang="en-US" altLang="ko-KR" sz="1000">
-                <a:latin typeface="나눔고딕OTF" pitchFamily="34" charset="-127"/>
-                <a:ea typeface="나눔고딕OTF" pitchFamily="34" charset="-127"/>
-              </a:rPr>
-              <a:t>”</a:t>
-            </a:r>
-            <a:r>
-              <a:rPr kumimoji="0" lang="ko-KR" altLang="en-US" sz="1000">
-                <a:latin typeface="나눔고딕OTF" pitchFamily="34" charset="-127"/>
-                <a:ea typeface="나눔고딕OTF" pitchFamily="34" charset="-127"/>
-              </a:rPr>
-              <a:t>에 체크하고</a:t>
-            </a:r>
-            <a:r>
-              <a:rPr kumimoji="0" lang="en-US" altLang="ko-KR" sz="1000">
-                <a:latin typeface="나눔고딕OTF" pitchFamily="34" charset="-127"/>
-                <a:ea typeface="나눔고딕OTF" pitchFamily="34" charset="-127"/>
-              </a:rPr>
-              <a:t>, </a:t>
-            </a:r>
-            <a:r>
-              <a:rPr kumimoji="0" lang="ko-KR" altLang="en-US" sz="1000">
-                <a:latin typeface="나눔고딕OTF" pitchFamily="34" charset="-127"/>
-                <a:ea typeface="나눔고딕OTF" pitchFamily="34" charset="-127"/>
-              </a:rPr>
-              <a:t>수납구분을 입력한 뒤 </a:t>
-            </a:r>
-            <a:r>
-              <a:rPr kumimoji="0" lang="en-US" altLang="ko-KR" sz="1000">
-                <a:latin typeface="나눔고딕OTF" pitchFamily="34" charset="-127"/>
-                <a:ea typeface="나눔고딕OTF" pitchFamily="34" charset="-127"/>
-              </a:rPr>
-              <a:t>“</a:t>
-            </a:r>
-            <a:r>
-              <a:rPr kumimoji="0" lang="ko-KR" altLang="en-US" sz="1000">
-                <a:latin typeface="나눔고딕OTF" pitchFamily="34" charset="-127"/>
-                <a:ea typeface="나눔고딕OTF" pitchFamily="34" charset="-127"/>
-              </a:rPr>
-              <a:t>저장</a:t>
-            </a:r>
-            <a:r>
-              <a:rPr kumimoji="0" lang="en-US" altLang="ko-KR" sz="1000">
-                <a:latin typeface="나눔고딕OTF" pitchFamily="34" charset="-127"/>
-                <a:ea typeface="나눔고딕OTF" pitchFamily="34" charset="-127"/>
-              </a:rPr>
-              <a:t>” </a:t>
-            </a:r>
-            <a:r>
-              <a:rPr kumimoji="0" lang="ko-KR" altLang="en-US" sz="1000">
-                <a:latin typeface="나눔고딕OTF" pitchFamily="34" charset="-127"/>
-                <a:ea typeface="나눔고딕OTF" pitchFamily="34" charset="-127"/>
-              </a:rPr>
-              <a:t>버튼을 클릭하면 환불 처리가 완료됩니다</a:t>
-            </a:r>
-            <a:r>
-              <a:rPr kumimoji="0" lang="en-US" altLang="ko-KR" sz="1000">
-                <a:latin typeface="나눔고딕OTF" pitchFamily="34" charset="-127"/>
-                <a:ea typeface="나눔고딕OTF" pitchFamily="34" charset="-127"/>
-              </a:rPr>
-              <a:t>.</a:t>
-            </a:r>
-          </a:p>
-          <a:p>
-            <a:pPr marL="228600" indent="-228600">
-              <a:lnSpc>
-                <a:spcPct val="120000"/>
-              </a:lnSpc>
-            </a:pPr>
-            <a:r>
-              <a:rPr kumimoji="0" lang="en-US" altLang="ko-KR" sz="1000">
-                <a:latin typeface="나눔고딕OTF" pitchFamily="34" charset="-127"/>
-                <a:ea typeface="나눔고딕OTF" pitchFamily="34" charset="-127"/>
-              </a:rPr>
-              <a:t>   </a:t>
-            </a:r>
-            <a:r>
-              <a:rPr kumimoji="0" lang="en-US" altLang="ko-KR" sz="1000">
-                <a:solidFill>
-                  <a:srgbClr val="FF0000"/>
-                </a:solidFill>
-                <a:latin typeface="나눔고딕OTF" pitchFamily="34" charset="-127"/>
-                <a:ea typeface="나눔고딕OTF" pitchFamily="34" charset="-127"/>
-              </a:rPr>
-              <a:t>* </a:t>
-            </a:r>
-            <a:r>
-              <a:rPr kumimoji="0" lang="ko-KR" altLang="en-US" sz="1000">
-                <a:solidFill>
-                  <a:srgbClr val="FF0000"/>
-                </a:solidFill>
-                <a:latin typeface="나눔고딕OTF" pitchFamily="34" charset="-127"/>
-                <a:ea typeface="나눔고딕OTF" pitchFamily="34" charset="-127"/>
-              </a:rPr>
-              <a:t>수납할 때 설정한 할인 및 감면 금액 정보 초기화 여부를 묻습니다</a:t>
-            </a:r>
-            <a:r>
-              <a:rPr kumimoji="0" lang="en-US" altLang="ko-KR" sz="1000">
-                <a:solidFill>
-                  <a:srgbClr val="FF0000"/>
-                </a:solidFill>
-                <a:latin typeface="나눔고딕OTF" pitchFamily="34" charset="-127"/>
-                <a:ea typeface="나눔고딕OTF" pitchFamily="34" charset="-127"/>
-              </a:rPr>
-              <a:t>.</a:t>
-            </a:r>
-            <a:endParaRPr kumimoji="0" lang="en-US" altLang="ko-KR" sz="1000">
-              <a:latin typeface="나눔고딕OTF" pitchFamily="34" charset="-127"/>
-              <a:ea typeface="나눔고딕OTF" pitchFamily="34" charset="-127"/>
-            </a:endParaRPr>
-          </a:p>
-        </p:txBody>
-      </p:sp>
-      <p:sp>
-        <p:nvSpPr>
-          <p:cNvPr id="13" name="직사각형 12"/>
-          <p:cNvSpPr/>
-          <p:nvPr/>
-        </p:nvSpPr>
-        <p:spPr>
-          <a:xfrm>
-            <a:off x="1350963" y="3740150"/>
-            <a:ext cx="857250" cy="169863"/>
-          </a:xfrm>
-          <a:prstGeom prst="rect">
-            <a:avLst/>
-          </a:prstGeom>
-          <a:noFill/>
-          <a:ln>
-            <a:solidFill>
-              <a:srgbClr val="FF0000"/>
-            </a:solidFill>
-          </a:ln>
-        </p:spPr>
-        <p:style>
-          <a:lnRef idx="2">
-            <a:schemeClr val="accent1">
-              <a:shade val="50000"/>
-            </a:schemeClr>
-          </a:lnRef>
-          <a:fillRef idx="1">
-            <a:schemeClr val="accent1"/>
-          </a:fillRef>
-          <a:effectRef idx="0">
-            <a:schemeClr val="accent1"/>
-          </a:effectRef>
-          <a:fontRef idx="minor">
-            <a:schemeClr val="lt1"/>
-          </a:fontRef>
-        </p:style>
-        <p:txBody>
-          <a:bodyPr anchor="ctr"/>
-          <a:lstStyle/>
-          <a:p>
-            <a:pPr algn="ctr" fontAlgn="auto">
-              <a:spcBef>
-                <a:spcPts val="0"/>
-              </a:spcBef>
-              <a:spcAft>
-                <a:spcPts val="0"/>
-              </a:spcAft>
-              <a:defRPr/>
-            </a:pPr>
-            <a:endParaRPr kumimoji="0" lang="ko-KR" altLang="en-US">
-              <a:latin typeface="나눔고딕OTF" pitchFamily="34" charset="-127"/>
-              <a:ea typeface="나눔고딕OTF" pitchFamily="34" charset="-127"/>
-            </a:endParaRPr>
-          </a:p>
-        </p:txBody>
-      </p:sp>
-      <p:sp>
-        <p:nvSpPr>
-          <p:cNvPr id="14" name="타원 13"/>
-          <p:cNvSpPr/>
-          <p:nvPr/>
-        </p:nvSpPr>
-        <p:spPr>
-          <a:xfrm>
-            <a:off x="1222375" y="3587750"/>
-            <a:ext cx="214313" cy="214313"/>
-          </a:xfrm>
-          <a:prstGeom prst="ellipse">
-            <a:avLst/>
-          </a:prstGeom>
-          <a:solidFill>
-            <a:schemeClr val="bg1"/>
-          </a:solidFill>
-          <a:ln>
-            <a:solidFill>
-              <a:srgbClr val="FF0000"/>
-            </a:solidFill>
-          </a:ln>
-        </p:spPr>
-        <p:style>
-          <a:lnRef idx="2">
-            <a:schemeClr val="accent1">
-              <a:shade val="50000"/>
-            </a:schemeClr>
-          </a:lnRef>
-          <a:fillRef idx="1">
-            <a:schemeClr val="accent1"/>
-          </a:fillRef>
-          <a:effectRef idx="0">
-            <a:schemeClr val="accent1"/>
-          </a:effectRef>
-          <a:fontRef idx="minor">
-            <a:schemeClr val="lt1"/>
-          </a:fontRef>
-        </p:style>
-        <p:txBody>
-          <a:bodyPr anchor="ctr"/>
-          <a:lstStyle/>
-          <a:p>
-            <a:pPr algn="ctr">
-              <a:defRPr/>
-            </a:pPr>
-            <a:r>
-              <a:rPr lang="en-US" altLang="ko-KR" sz="1400" dirty="0">
-                <a:solidFill>
-                  <a:schemeClr val="tx1"/>
-                </a:solidFill>
-              </a:rPr>
-              <a:t>1</a:t>
-            </a:r>
-          </a:p>
-        </p:txBody>
-      </p:sp>
-      <p:sp>
-        <p:nvSpPr>
-          <p:cNvPr id="12" name="타원 11"/>
-          <p:cNvSpPr/>
-          <p:nvPr/>
-        </p:nvSpPr>
-        <p:spPr>
-          <a:xfrm>
-            <a:off x="3667125" y="3786188"/>
-            <a:ext cx="214313" cy="214312"/>
-          </a:xfrm>
-          <a:prstGeom prst="ellipse">
-            <a:avLst/>
-          </a:prstGeom>
-          <a:solidFill>
-            <a:schemeClr val="bg1"/>
-          </a:solidFill>
-          <a:ln>
-            <a:solidFill>
-              <a:srgbClr val="FF0000"/>
-            </a:solidFill>
-          </a:ln>
-        </p:spPr>
-        <p:style>
-          <a:lnRef idx="2">
-            <a:schemeClr val="accent1">
-              <a:shade val="50000"/>
-            </a:schemeClr>
-          </a:lnRef>
-          <a:fillRef idx="1">
-            <a:schemeClr val="accent1"/>
-          </a:fillRef>
-          <a:effectRef idx="0">
-            <a:schemeClr val="accent1"/>
-          </a:effectRef>
-          <a:fontRef idx="minor">
-            <a:schemeClr val="lt1"/>
-          </a:fontRef>
-        </p:style>
-        <p:txBody>
-          <a:bodyPr anchor="ctr"/>
-          <a:lstStyle/>
-          <a:p>
-            <a:pPr algn="ctr">
-              <a:defRPr/>
-            </a:pPr>
-            <a:r>
-              <a:rPr lang="en-US" altLang="ko-KR" sz="1400" dirty="0">
-                <a:solidFill>
-                  <a:schemeClr val="tx1"/>
-                </a:solidFill>
-              </a:rPr>
-              <a:t>2</a:t>
-            </a:r>
-          </a:p>
-        </p:txBody>
-      </p:sp>
-      <p:sp>
-        <p:nvSpPr>
-          <p:cNvPr id="16" name="직사각형 15"/>
-          <p:cNvSpPr/>
-          <p:nvPr/>
-        </p:nvSpPr>
-        <p:spPr>
-          <a:xfrm>
-            <a:off x="4826000" y="3668713"/>
-            <a:ext cx="428625" cy="142875"/>
-          </a:xfrm>
-          <a:prstGeom prst="rect">
-            <a:avLst/>
-          </a:prstGeom>
-          <a:noFill/>
-          <a:ln>
-            <a:solidFill>
-              <a:srgbClr val="FF0000"/>
-            </a:solidFill>
-          </a:ln>
-        </p:spPr>
-        <p:style>
-          <a:lnRef idx="2">
-            <a:schemeClr val="accent1">
-              <a:shade val="50000"/>
-            </a:schemeClr>
-          </a:lnRef>
-          <a:fillRef idx="1">
-            <a:schemeClr val="accent1"/>
-          </a:fillRef>
-          <a:effectRef idx="0">
-            <a:schemeClr val="accent1"/>
-          </a:effectRef>
-          <a:fontRef idx="minor">
-            <a:schemeClr val="lt1"/>
-          </a:fontRef>
-        </p:style>
-        <p:txBody>
-          <a:bodyPr anchor="ctr"/>
-          <a:lstStyle/>
-          <a:p>
-            <a:pPr algn="ctr" fontAlgn="auto">
-              <a:spcBef>
-                <a:spcPts val="0"/>
-              </a:spcBef>
-              <a:spcAft>
-                <a:spcPts val="0"/>
-              </a:spcAft>
-              <a:defRPr/>
-            </a:pPr>
-            <a:endParaRPr kumimoji="0" lang="ko-KR" altLang="en-US">
-              <a:latin typeface="나눔고딕OTF" pitchFamily="34" charset="-127"/>
-              <a:ea typeface="나눔고딕OTF" pitchFamily="34" charset="-127"/>
-            </a:endParaRPr>
-          </a:p>
-        </p:txBody>
-      </p:sp>
-      <p:sp>
-        <p:nvSpPr>
-          <p:cNvPr id="17" name="타원 16"/>
-          <p:cNvSpPr/>
-          <p:nvPr/>
-        </p:nvSpPr>
-        <p:spPr>
-          <a:xfrm>
-            <a:off x="4667250" y="3500438"/>
-            <a:ext cx="214313" cy="214312"/>
-          </a:xfrm>
-          <a:prstGeom prst="ellipse">
-            <a:avLst/>
-          </a:prstGeom>
-          <a:solidFill>
-            <a:schemeClr val="bg1"/>
-          </a:solidFill>
-          <a:ln>
-            <a:solidFill>
-              <a:srgbClr val="FF0000"/>
-            </a:solidFill>
-          </a:ln>
-        </p:spPr>
-        <p:style>
-          <a:lnRef idx="2">
-            <a:schemeClr val="accent1">
-              <a:shade val="50000"/>
-            </a:schemeClr>
-          </a:lnRef>
-          <a:fillRef idx="1">
-            <a:schemeClr val="accent1"/>
-          </a:fillRef>
-          <a:effectRef idx="0">
-            <a:schemeClr val="accent1"/>
-          </a:effectRef>
-          <a:fontRef idx="minor">
-            <a:schemeClr val="lt1"/>
-          </a:fontRef>
-        </p:style>
-        <p:txBody>
-          <a:bodyPr anchor="ctr"/>
-          <a:lstStyle/>
-          <a:p>
-            <a:pPr algn="ctr">
-              <a:defRPr/>
-            </a:pPr>
-            <a:r>
-              <a:rPr lang="en-US" altLang="ko-KR" sz="1400" dirty="0">
-                <a:solidFill>
-                  <a:schemeClr val="tx1"/>
-                </a:solidFill>
-              </a:rPr>
-              <a:t>3</a:t>
-            </a:r>
-          </a:p>
-        </p:txBody>
-      </p:sp>
-      <p:pic>
-        <p:nvPicPr>
-          <p:cNvPr id="24588" name="Picture 3"/>
-          <p:cNvPicPr>
-            <a:picLocks noChangeAspect="1" noChangeArrowheads="1"/>
-          </p:cNvPicPr>
-          <p:nvPr/>
-        </p:nvPicPr>
-        <p:blipFill>
-          <a:blip r:embed="rId3"/>
-          <a:srcRect/>
-          <a:stretch>
-            <a:fillRect/>
-          </a:stretch>
-        </p:blipFill>
-        <p:spPr bwMode="auto">
-          <a:xfrm>
-            <a:off x="6024570" y="3214686"/>
-            <a:ext cx="2857500" cy="1196975"/>
-          </a:xfrm>
-          <a:prstGeom prst="rect">
-            <a:avLst/>
-          </a:prstGeom>
-          <a:noFill/>
-          <a:ln w="9525">
-            <a:solidFill>
-              <a:schemeClr val="tx1"/>
-            </a:solidFill>
-            <a:miter lim="800000"/>
-            <a:headEnd/>
-            <a:tailEnd/>
-          </a:ln>
-        </p:spPr>
-      </p:pic>
     </p:spTree>
   </p:cSld>
   <p:clrMapOvr>
@@ -35633,6 +36048,848 @@
           <a:noFill/>
           <a:ln w="9525">
             <a:noFill/>
+            <a:miter lim="800000"/>
+            <a:headEnd/>
+            <a:tailEnd/>
+          </a:ln>
+        </p:spPr>
+      </p:pic>
+    </p:spTree>
+  </p:cSld>
+  <p:clrMapOvr>
+    <a:masterClrMapping/>
+  </p:clrMapOvr>
+  <p:timing>
+    <p:tnLst>
+      <p:par>
+        <p:cTn id="1" dur="indefinite" restart="never" nodeType="tmRoot"/>
+      </p:par>
+    </p:tnLst>
+  </p:timing>
+</p:sld>
+</file>
+
+<file path=ppt/slides/slide40.xml><?xml version="1.0" encoding="utf-8"?>
+<p:sld xmlns:a="http://schemas.openxmlformats.org/drawingml/2006/main" xmlns:r="http://schemas.openxmlformats.org/officeDocument/2006/relationships" xmlns:p="http://schemas.openxmlformats.org/presentationml/2006/main">
+  <p:cSld>
+    <p:spTree>
+      <p:nvGrpSpPr>
+        <p:cNvPr id="1" name=""/>
+        <p:cNvGrpSpPr/>
+        <p:nvPr/>
+      </p:nvGrpSpPr>
+      <p:grpSpPr>
+        <a:xfrm>
+          <a:off x="0" y="0"/>
+          <a:ext cx="0" cy="0"/>
+          <a:chOff x="0" y="0"/>
+          <a:chExt cx="0" cy="0"/>
+        </a:xfrm>
+      </p:grpSpPr>
+      <p:pic>
+        <p:nvPicPr>
+          <p:cNvPr id="24578" name="Picture 2"/>
+          <p:cNvPicPr>
+            <a:picLocks noChangeAspect="1" noChangeArrowheads="1"/>
+          </p:cNvPicPr>
+          <p:nvPr/>
+        </p:nvPicPr>
+        <p:blipFill>
+          <a:blip r:embed="rId2"/>
+          <a:srcRect/>
+          <a:stretch>
+            <a:fillRect/>
+          </a:stretch>
+        </p:blipFill>
+        <p:spPr bwMode="auto">
+          <a:xfrm>
+            <a:off x="595313" y="1473200"/>
+            <a:ext cx="4687887" cy="4670425"/>
+          </a:xfrm>
+          <a:prstGeom prst="rect">
+            <a:avLst/>
+          </a:prstGeom>
+          <a:noFill/>
+          <a:ln w="9525">
+            <a:noFill/>
+            <a:miter lim="800000"/>
+            <a:headEnd/>
+            <a:tailEnd/>
+          </a:ln>
+        </p:spPr>
+      </p:pic>
+      <p:sp>
+        <p:nvSpPr>
+          <p:cNvPr id="6" name="TextBox 5"/>
+          <p:cNvSpPr txBox="1"/>
+          <p:nvPr/>
+        </p:nvSpPr>
+        <p:spPr>
+          <a:xfrm>
+            <a:off x="1497013" y="282575"/>
+            <a:ext cx="617537" cy="369888"/>
+          </a:xfrm>
+          <a:prstGeom prst="rect">
+            <a:avLst/>
+          </a:prstGeom>
+          <a:noFill/>
+        </p:spPr>
+        <p:txBody>
+          <a:bodyPr wrap="none">
+            <a:spAutoFit/>
+          </a:bodyPr>
+          <a:lstStyle/>
+          <a:p>
+            <a:pPr fontAlgn="auto">
+              <a:spcBef>
+                <a:spcPts val="0"/>
+              </a:spcBef>
+              <a:spcAft>
+                <a:spcPts val="0"/>
+              </a:spcAft>
+              <a:defRPr/>
+            </a:pPr>
+            <a:r>
+              <a:rPr kumimoji="0" lang="ko-KR" altLang="en-US" dirty="0">
+                <a:solidFill>
+                  <a:schemeClr val="bg1">
+                    <a:lumMod val="50000"/>
+                  </a:schemeClr>
+                </a:solidFill>
+                <a:latin typeface="나눔고딕OTF ExtraBold" pitchFamily="34" charset="-127"/>
+                <a:ea typeface="나눔고딕OTF ExtraBold" pitchFamily="34" charset="-127"/>
+              </a:rPr>
+              <a:t>수납</a:t>
+            </a:r>
+          </a:p>
+        </p:txBody>
+      </p:sp>
+      <p:sp>
+        <p:nvSpPr>
+          <p:cNvPr id="24580" name="TextBox 4"/>
+          <p:cNvSpPr txBox="1">
+            <a:spLocks noChangeArrowheads="1"/>
+          </p:cNvSpPr>
+          <p:nvPr/>
+        </p:nvSpPr>
+        <p:spPr bwMode="auto">
+          <a:xfrm>
+            <a:off x="381000" y="785813"/>
+            <a:ext cx="1409700" cy="307975"/>
+          </a:xfrm>
+          <a:prstGeom prst="rect">
+            <a:avLst/>
+          </a:prstGeom>
+          <a:noFill/>
+          <a:ln w="9525">
+            <a:noFill/>
+            <a:miter lim="800000"/>
+            <a:headEnd/>
+            <a:tailEnd/>
+          </a:ln>
+        </p:spPr>
+        <p:txBody>
+          <a:bodyPr wrap="none">
+            <a:spAutoFit/>
+          </a:bodyPr>
+          <a:lstStyle/>
+          <a:p>
+            <a:r>
+              <a:rPr kumimoji="0" lang="en-US" altLang="ko-KR" sz="1400" b="1">
+                <a:latin typeface="나눔고딕OTF" pitchFamily="34" charset="-127"/>
+                <a:ea typeface="나눔고딕OTF" pitchFamily="34" charset="-127"/>
+              </a:rPr>
+              <a:t>- </a:t>
+            </a:r>
+            <a:r>
+              <a:rPr kumimoji="0" lang="ko-KR" altLang="en-US" sz="1400" b="1">
+                <a:latin typeface="나눔고딕OTF" pitchFamily="34" charset="-127"/>
+                <a:ea typeface="나눔고딕OTF" pitchFamily="34" charset="-127"/>
+              </a:rPr>
+              <a:t>인적 수정 화면</a:t>
+            </a:r>
+          </a:p>
+        </p:txBody>
+      </p:sp>
+      <p:sp>
+        <p:nvSpPr>
+          <p:cNvPr id="11" name="직사각형 10"/>
+          <p:cNvSpPr/>
+          <p:nvPr/>
+        </p:nvSpPr>
+        <p:spPr>
+          <a:xfrm>
+            <a:off x="3810000" y="3929063"/>
+            <a:ext cx="857250" cy="142875"/>
+          </a:xfrm>
+          <a:prstGeom prst="rect">
+            <a:avLst/>
+          </a:prstGeom>
+          <a:noFill/>
+          <a:ln>
+            <a:solidFill>
+              <a:srgbClr val="FF0000"/>
+            </a:solidFill>
+          </a:ln>
+        </p:spPr>
+        <p:style>
+          <a:lnRef idx="2">
+            <a:schemeClr val="accent1">
+              <a:shade val="50000"/>
+            </a:schemeClr>
+          </a:lnRef>
+          <a:fillRef idx="1">
+            <a:schemeClr val="accent1"/>
+          </a:fillRef>
+          <a:effectRef idx="0">
+            <a:schemeClr val="accent1"/>
+          </a:effectRef>
+          <a:fontRef idx="minor">
+            <a:schemeClr val="lt1"/>
+          </a:fontRef>
+        </p:style>
+        <p:txBody>
+          <a:bodyPr anchor="ctr"/>
+          <a:lstStyle/>
+          <a:p>
+            <a:pPr algn="ctr" fontAlgn="auto">
+              <a:spcBef>
+                <a:spcPts val="0"/>
+              </a:spcBef>
+              <a:spcAft>
+                <a:spcPts val="0"/>
+              </a:spcAft>
+              <a:defRPr/>
+            </a:pPr>
+            <a:endParaRPr kumimoji="0" lang="ko-KR" altLang="en-US">
+              <a:latin typeface="나눔고딕OTF" pitchFamily="34" charset="-127"/>
+              <a:ea typeface="나눔고딕OTF" pitchFamily="34" charset="-127"/>
+            </a:endParaRPr>
+          </a:p>
+        </p:txBody>
+      </p:sp>
+      <p:sp>
+        <p:nvSpPr>
+          <p:cNvPr id="24582" name="TextBox 4"/>
+          <p:cNvSpPr txBox="1">
+            <a:spLocks noChangeArrowheads="1"/>
+          </p:cNvSpPr>
+          <p:nvPr/>
+        </p:nvSpPr>
+        <p:spPr bwMode="auto">
+          <a:xfrm>
+            <a:off x="5738813" y="1593850"/>
+            <a:ext cx="3894137" cy="1200150"/>
+          </a:xfrm>
+          <a:prstGeom prst="rect">
+            <a:avLst/>
+          </a:prstGeom>
+          <a:noFill/>
+          <a:ln w="9525">
+            <a:noFill/>
+            <a:miter lim="800000"/>
+            <a:headEnd/>
+            <a:tailEnd/>
+          </a:ln>
+        </p:spPr>
+        <p:txBody>
+          <a:bodyPr>
+            <a:spAutoFit/>
+          </a:bodyPr>
+          <a:lstStyle/>
+          <a:p>
+            <a:pPr marL="228600" indent="-228600">
+              <a:lnSpc>
+                <a:spcPct val="120000"/>
+              </a:lnSpc>
+              <a:buFontTx/>
+              <a:buAutoNum type="arabicParenR" startAt="3"/>
+            </a:pPr>
+            <a:r>
+              <a:rPr kumimoji="0" lang="ko-KR" altLang="en-US" sz="1000" b="1">
+                <a:latin typeface="나눔고딕OTF" pitchFamily="34" charset="-127"/>
+                <a:ea typeface="나눔고딕OTF" pitchFamily="34" charset="-127"/>
+              </a:rPr>
+              <a:t>환불</a:t>
+            </a:r>
+            <a:endParaRPr kumimoji="0" lang="en-US" altLang="ko-KR" sz="1000" b="1">
+              <a:latin typeface="나눔고딕OTF" pitchFamily="34" charset="-127"/>
+              <a:ea typeface="나눔고딕OTF" pitchFamily="34" charset="-127"/>
+            </a:endParaRPr>
+          </a:p>
+          <a:p>
+            <a:pPr marL="228600" indent="-228600">
+              <a:lnSpc>
+                <a:spcPct val="120000"/>
+              </a:lnSpc>
+            </a:pPr>
+            <a:r>
+              <a:rPr kumimoji="0" lang="en-US" altLang="ko-KR" sz="1000" b="1">
+                <a:latin typeface="나눔고딕OTF" pitchFamily="34" charset="-127"/>
+                <a:ea typeface="나눔고딕OTF" pitchFamily="34" charset="-127"/>
+              </a:rPr>
+              <a:t>   </a:t>
+            </a:r>
+            <a:r>
+              <a:rPr kumimoji="0" lang="en-US" altLang="ko-KR" sz="1000">
+                <a:latin typeface="나눔고딕OTF" pitchFamily="34" charset="-127"/>
+                <a:ea typeface="나눔고딕OTF" pitchFamily="34" charset="-127"/>
+              </a:rPr>
+              <a:t>- “</a:t>
+            </a:r>
+            <a:r>
+              <a:rPr kumimoji="0" lang="ko-KR" altLang="en-US" sz="1000">
+                <a:latin typeface="나눔고딕OTF" pitchFamily="34" charset="-127"/>
+                <a:ea typeface="나눔고딕OTF" pitchFamily="34" charset="-127"/>
+              </a:rPr>
+              <a:t>검사금액</a:t>
+            </a:r>
+            <a:r>
+              <a:rPr kumimoji="0" lang="en-US" altLang="ko-KR" sz="1000">
+                <a:latin typeface="나눔고딕OTF" pitchFamily="34" charset="-127"/>
+                <a:ea typeface="나눔고딕OTF" pitchFamily="34" charset="-127"/>
+              </a:rPr>
+              <a:t>”</a:t>
+            </a:r>
+            <a:r>
+              <a:rPr kumimoji="0" lang="ko-KR" altLang="en-US" sz="1000">
+                <a:latin typeface="나눔고딕OTF" pitchFamily="34" charset="-127"/>
+                <a:ea typeface="나눔고딕OTF" pitchFamily="34" charset="-127"/>
+              </a:rPr>
+              <a:t>란에 </a:t>
+            </a:r>
+            <a:r>
+              <a:rPr kumimoji="0" lang="ko-KR" altLang="en-US" sz="1000" u="sng">
+                <a:latin typeface="나눔고딕OTF" pitchFamily="34" charset="-127"/>
+                <a:ea typeface="나눔고딕OTF" pitchFamily="34" charset="-127"/>
+              </a:rPr>
+              <a:t>총 검진금액에서 환불금액을 뺀 금액을 입력합니다</a:t>
+            </a:r>
+            <a:r>
+              <a:rPr kumimoji="0" lang="en-US" altLang="ko-KR" sz="1000" u="sng">
+                <a:latin typeface="나눔고딕OTF" pitchFamily="34" charset="-127"/>
+                <a:ea typeface="나눔고딕OTF" pitchFamily="34" charset="-127"/>
+              </a:rPr>
+              <a:t>.</a:t>
+            </a:r>
+          </a:p>
+          <a:p>
+            <a:pPr marL="228600" indent="-228600">
+              <a:lnSpc>
+                <a:spcPct val="120000"/>
+              </a:lnSpc>
+            </a:pPr>
+            <a:r>
+              <a:rPr kumimoji="0" lang="en-US" altLang="ko-KR" sz="1000">
+                <a:latin typeface="나눔고딕OTF" pitchFamily="34" charset="-127"/>
+                <a:ea typeface="나눔고딕OTF" pitchFamily="34" charset="-127"/>
+              </a:rPr>
+              <a:t>   - “</a:t>
+            </a:r>
+            <a:r>
+              <a:rPr kumimoji="0" lang="ko-KR" altLang="en-US" sz="1000">
+                <a:latin typeface="나눔고딕OTF" pitchFamily="34" charset="-127"/>
+                <a:ea typeface="나눔고딕OTF" pitchFamily="34" charset="-127"/>
+              </a:rPr>
+              <a:t>추가</a:t>
+            </a:r>
+            <a:r>
+              <a:rPr kumimoji="0" lang="en-US" altLang="ko-KR" sz="1000">
+                <a:latin typeface="나눔고딕OTF" pitchFamily="34" charset="-127"/>
+                <a:ea typeface="나눔고딕OTF" pitchFamily="34" charset="-127"/>
+              </a:rPr>
+              <a:t>” </a:t>
+            </a:r>
+            <a:r>
+              <a:rPr kumimoji="0" lang="ko-KR" altLang="en-US" sz="1000">
+                <a:latin typeface="나눔고딕OTF" pitchFamily="34" charset="-127"/>
+                <a:ea typeface="나눔고딕OTF" pitchFamily="34" charset="-127"/>
+              </a:rPr>
+              <a:t>버튼을 클릭하면 </a:t>
+            </a:r>
+            <a:r>
+              <a:rPr kumimoji="0" lang="en-US" altLang="ko-KR" sz="1000">
+                <a:latin typeface="나눔고딕OTF" pitchFamily="34" charset="-127"/>
+                <a:ea typeface="나눔고딕OTF" pitchFamily="34" charset="-127"/>
+              </a:rPr>
+              <a:t>“</a:t>
+            </a:r>
+            <a:r>
+              <a:rPr kumimoji="0" lang="ko-KR" altLang="en-US" sz="1000">
+                <a:latin typeface="나눔고딕OTF" pitchFamily="34" charset="-127"/>
+                <a:ea typeface="나눔고딕OTF" pitchFamily="34" charset="-127"/>
+              </a:rPr>
+              <a:t>수납금액</a:t>
+            </a:r>
+            <a:r>
+              <a:rPr kumimoji="0" lang="en-US" altLang="ko-KR" sz="1000">
+                <a:latin typeface="나눔고딕OTF" pitchFamily="34" charset="-127"/>
+                <a:ea typeface="나눔고딕OTF" pitchFamily="34" charset="-127"/>
+              </a:rPr>
+              <a:t>”</a:t>
+            </a:r>
+            <a:r>
+              <a:rPr kumimoji="0" lang="ko-KR" altLang="en-US" sz="1000">
+                <a:latin typeface="나눔고딕OTF" pitchFamily="34" charset="-127"/>
+                <a:ea typeface="나눔고딕OTF" pitchFamily="34" charset="-127"/>
+              </a:rPr>
+              <a:t>란에 환불액이 나타납니다</a:t>
+            </a:r>
+            <a:r>
+              <a:rPr kumimoji="0" lang="en-US" altLang="ko-KR" sz="1000">
+                <a:latin typeface="나눔고딕OTF" pitchFamily="34" charset="-127"/>
+                <a:ea typeface="나눔고딕OTF" pitchFamily="34" charset="-127"/>
+              </a:rPr>
+              <a:t>.</a:t>
+            </a:r>
+          </a:p>
+          <a:p>
+            <a:pPr marL="228600" indent="-228600">
+              <a:lnSpc>
+                <a:spcPct val="120000"/>
+              </a:lnSpc>
+            </a:pPr>
+            <a:r>
+              <a:rPr kumimoji="0" lang="en-US" altLang="ko-KR" sz="1000">
+                <a:latin typeface="나눔고딕OTF" pitchFamily="34" charset="-127"/>
+                <a:ea typeface="나눔고딕OTF" pitchFamily="34" charset="-127"/>
+              </a:rPr>
+              <a:t>   - “</a:t>
+            </a:r>
+            <a:r>
+              <a:rPr kumimoji="0" lang="ko-KR" altLang="en-US" sz="1000">
+                <a:latin typeface="나눔고딕OTF" pitchFamily="34" charset="-127"/>
+                <a:ea typeface="나눔고딕OTF" pitchFamily="34" charset="-127"/>
+              </a:rPr>
+              <a:t>환불</a:t>
+            </a:r>
+            <a:r>
+              <a:rPr kumimoji="0" lang="en-US" altLang="ko-KR" sz="1000">
+                <a:latin typeface="나눔고딕OTF" pitchFamily="34" charset="-127"/>
+                <a:ea typeface="나눔고딕OTF" pitchFamily="34" charset="-127"/>
+              </a:rPr>
+              <a:t>”</a:t>
+            </a:r>
+            <a:r>
+              <a:rPr kumimoji="0" lang="ko-KR" altLang="en-US" sz="1000">
+                <a:latin typeface="나눔고딕OTF" pitchFamily="34" charset="-127"/>
+                <a:ea typeface="나눔고딕OTF" pitchFamily="34" charset="-127"/>
+              </a:rPr>
+              <a:t>에 체크하고</a:t>
+            </a:r>
+            <a:r>
+              <a:rPr kumimoji="0" lang="en-US" altLang="ko-KR" sz="1000">
+                <a:latin typeface="나눔고딕OTF" pitchFamily="34" charset="-127"/>
+                <a:ea typeface="나눔고딕OTF" pitchFamily="34" charset="-127"/>
+              </a:rPr>
+              <a:t>, </a:t>
+            </a:r>
+            <a:r>
+              <a:rPr kumimoji="0" lang="ko-KR" altLang="en-US" sz="1000">
+                <a:latin typeface="나눔고딕OTF" pitchFamily="34" charset="-127"/>
+                <a:ea typeface="나눔고딕OTF" pitchFamily="34" charset="-127"/>
+              </a:rPr>
+              <a:t>수납구분을 입력한 뒤 </a:t>
+            </a:r>
+            <a:r>
+              <a:rPr kumimoji="0" lang="en-US" altLang="ko-KR" sz="1000">
+                <a:latin typeface="나눔고딕OTF" pitchFamily="34" charset="-127"/>
+                <a:ea typeface="나눔고딕OTF" pitchFamily="34" charset="-127"/>
+              </a:rPr>
+              <a:t>“</a:t>
+            </a:r>
+            <a:r>
+              <a:rPr kumimoji="0" lang="ko-KR" altLang="en-US" sz="1000">
+                <a:latin typeface="나눔고딕OTF" pitchFamily="34" charset="-127"/>
+                <a:ea typeface="나눔고딕OTF" pitchFamily="34" charset="-127"/>
+              </a:rPr>
+              <a:t>저장</a:t>
+            </a:r>
+            <a:r>
+              <a:rPr kumimoji="0" lang="en-US" altLang="ko-KR" sz="1000">
+                <a:latin typeface="나눔고딕OTF" pitchFamily="34" charset="-127"/>
+                <a:ea typeface="나눔고딕OTF" pitchFamily="34" charset="-127"/>
+              </a:rPr>
+              <a:t>” </a:t>
+            </a:r>
+            <a:r>
+              <a:rPr kumimoji="0" lang="ko-KR" altLang="en-US" sz="1000">
+                <a:latin typeface="나눔고딕OTF" pitchFamily="34" charset="-127"/>
+                <a:ea typeface="나눔고딕OTF" pitchFamily="34" charset="-127"/>
+              </a:rPr>
+              <a:t>버튼을 클릭하면 환불 처리가 완료됩니다</a:t>
+            </a:r>
+            <a:r>
+              <a:rPr kumimoji="0" lang="en-US" altLang="ko-KR" sz="1000">
+                <a:latin typeface="나눔고딕OTF" pitchFamily="34" charset="-127"/>
+                <a:ea typeface="나눔고딕OTF" pitchFamily="34" charset="-127"/>
+              </a:rPr>
+              <a:t>.</a:t>
+            </a:r>
+          </a:p>
+          <a:p>
+            <a:pPr marL="228600" indent="-228600">
+              <a:lnSpc>
+                <a:spcPct val="120000"/>
+              </a:lnSpc>
+            </a:pPr>
+            <a:r>
+              <a:rPr kumimoji="0" lang="en-US" altLang="ko-KR" sz="1000">
+                <a:latin typeface="나눔고딕OTF" pitchFamily="34" charset="-127"/>
+                <a:ea typeface="나눔고딕OTF" pitchFamily="34" charset="-127"/>
+              </a:rPr>
+              <a:t>   </a:t>
+            </a:r>
+            <a:r>
+              <a:rPr kumimoji="0" lang="en-US" altLang="ko-KR" sz="1000">
+                <a:solidFill>
+                  <a:srgbClr val="FF0000"/>
+                </a:solidFill>
+                <a:latin typeface="나눔고딕OTF" pitchFamily="34" charset="-127"/>
+                <a:ea typeface="나눔고딕OTF" pitchFamily="34" charset="-127"/>
+              </a:rPr>
+              <a:t>* </a:t>
+            </a:r>
+            <a:r>
+              <a:rPr kumimoji="0" lang="ko-KR" altLang="en-US" sz="1000">
+                <a:solidFill>
+                  <a:srgbClr val="FF0000"/>
+                </a:solidFill>
+                <a:latin typeface="나눔고딕OTF" pitchFamily="34" charset="-127"/>
+                <a:ea typeface="나눔고딕OTF" pitchFamily="34" charset="-127"/>
+              </a:rPr>
+              <a:t>수납할 때 설정한 할인 및 감면 금액 정보 초기화 여부를 묻습니다</a:t>
+            </a:r>
+            <a:r>
+              <a:rPr kumimoji="0" lang="en-US" altLang="ko-KR" sz="1000">
+                <a:solidFill>
+                  <a:srgbClr val="FF0000"/>
+                </a:solidFill>
+                <a:latin typeface="나눔고딕OTF" pitchFamily="34" charset="-127"/>
+                <a:ea typeface="나눔고딕OTF" pitchFamily="34" charset="-127"/>
+              </a:rPr>
+              <a:t>.</a:t>
+            </a:r>
+            <a:endParaRPr kumimoji="0" lang="en-US" altLang="ko-KR" sz="1000">
+              <a:latin typeface="나눔고딕OTF" pitchFamily="34" charset="-127"/>
+              <a:ea typeface="나눔고딕OTF" pitchFamily="34" charset="-127"/>
+            </a:endParaRPr>
+          </a:p>
+        </p:txBody>
+      </p:sp>
+      <p:sp>
+        <p:nvSpPr>
+          <p:cNvPr id="13" name="직사각형 12"/>
+          <p:cNvSpPr/>
+          <p:nvPr/>
+        </p:nvSpPr>
+        <p:spPr>
+          <a:xfrm>
+            <a:off x="1350963" y="3740150"/>
+            <a:ext cx="857250" cy="169863"/>
+          </a:xfrm>
+          <a:prstGeom prst="rect">
+            <a:avLst/>
+          </a:prstGeom>
+          <a:noFill/>
+          <a:ln>
+            <a:solidFill>
+              <a:srgbClr val="FF0000"/>
+            </a:solidFill>
+          </a:ln>
+        </p:spPr>
+        <p:style>
+          <a:lnRef idx="2">
+            <a:schemeClr val="accent1">
+              <a:shade val="50000"/>
+            </a:schemeClr>
+          </a:lnRef>
+          <a:fillRef idx="1">
+            <a:schemeClr val="accent1"/>
+          </a:fillRef>
+          <a:effectRef idx="0">
+            <a:schemeClr val="accent1"/>
+          </a:effectRef>
+          <a:fontRef idx="minor">
+            <a:schemeClr val="lt1"/>
+          </a:fontRef>
+        </p:style>
+        <p:txBody>
+          <a:bodyPr anchor="ctr"/>
+          <a:lstStyle/>
+          <a:p>
+            <a:pPr algn="ctr" fontAlgn="auto">
+              <a:spcBef>
+                <a:spcPts val="0"/>
+              </a:spcBef>
+              <a:spcAft>
+                <a:spcPts val="0"/>
+              </a:spcAft>
+              <a:defRPr/>
+            </a:pPr>
+            <a:endParaRPr kumimoji="0" lang="ko-KR" altLang="en-US">
+              <a:latin typeface="나눔고딕OTF" pitchFamily="34" charset="-127"/>
+              <a:ea typeface="나눔고딕OTF" pitchFamily="34" charset="-127"/>
+            </a:endParaRPr>
+          </a:p>
+        </p:txBody>
+      </p:sp>
+      <p:sp>
+        <p:nvSpPr>
+          <p:cNvPr id="14" name="타원 13"/>
+          <p:cNvSpPr/>
+          <p:nvPr/>
+        </p:nvSpPr>
+        <p:spPr>
+          <a:xfrm>
+            <a:off x="1222375" y="3587750"/>
+            <a:ext cx="214313" cy="214313"/>
+          </a:xfrm>
+          <a:prstGeom prst="ellipse">
+            <a:avLst/>
+          </a:prstGeom>
+          <a:solidFill>
+            <a:schemeClr val="bg1"/>
+          </a:solidFill>
+          <a:ln>
+            <a:solidFill>
+              <a:srgbClr val="FF0000"/>
+            </a:solidFill>
+          </a:ln>
+        </p:spPr>
+        <p:style>
+          <a:lnRef idx="2">
+            <a:schemeClr val="accent1">
+              <a:shade val="50000"/>
+            </a:schemeClr>
+          </a:lnRef>
+          <a:fillRef idx="1">
+            <a:schemeClr val="accent1"/>
+          </a:fillRef>
+          <a:effectRef idx="0">
+            <a:schemeClr val="accent1"/>
+          </a:effectRef>
+          <a:fontRef idx="minor">
+            <a:schemeClr val="lt1"/>
+          </a:fontRef>
+        </p:style>
+        <p:txBody>
+          <a:bodyPr anchor="ctr"/>
+          <a:lstStyle/>
+          <a:p>
+            <a:pPr algn="ctr">
+              <a:defRPr/>
+            </a:pPr>
+            <a:r>
+              <a:rPr lang="en-US" altLang="ko-KR" sz="1400" dirty="0">
+                <a:solidFill>
+                  <a:schemeClr val="tx1"/>
+                </a:solidFill>
+              </a:rPr>
+              <a:t>1</a:t>
+            </a:r>
+          </a:p>
+        </p:txBody>
+      </p:sp>
+      <p:sp>
+        <p:nvSpPr>
+          <p:cNvPr id="12" name="타원 11"/>
+          <p:cNvSpPr/>
+          <p:nvPr/>
+        </p:nvSpPr>
+        <p:spPr>
+          <a:xfrm>
+            <a:off x="3667125" y="3786188"/>
+            <a:ext cx="214313" cy="214312"/>
+          </a:xfrm>
+          <a:prstGeom prst="ellipse">
+            <a:avLst/>
+          </a:prstGeom>
+          <a:solidFill>
+            <a:schemeClr val="bg1"/>
+          </a:solidFill>
+          <a:ln>
+            <a:solidFill>
+              <a:srgbClr val="FF0000"/>
+            </a:solidFill>
+          </a:ln>
+        </p:spPr>
+        <p:style>
+          <a:lnRef idx="2">
+            <a:schemeClr val="accent1">
+              <a:shade val="50000"/>
+            </a:schemeClr>
+          </a:lnRef>
+          <a:fillRef idx="1">
+            <a:schemeClr val="accent1"/>
+          </a:fillRef>
+          <a:effectRef idx="0">
+            <a:schemeClr val="accent1"/>
+          </a:effectRef>
+          <a:fontRef idx="minor">
+            <a:schemeClr val="lt1"/>
+          </a:fontRef>
+        </p:style>
+        <p:txBody>
+          <a:bodyPr anchor="ctr"/>
+          <a:lstStyle/>
+          <a:p>
+            <a:pPr algn="ctr">
+              <a:defRPr/>
+            </a:pPr>
+            <a:r>
+              <a:rPr lang="en-US" altLang="ko-KR" sz="1400" dirty="0">
+                <a:solidFill>
+                  <a:schemeClr val="tx1"/>
+                </a:solidFill>
+              </a:rPr>
+              <a:t>2</a:t>
+            </a:r>
+          </a:p>
+        </p:txBody>
+      </p:sp>
+      <p:sp>
+        <p:nvSpPr>
+          <p:cNvPr id="16" name="직사각형 15"/>
+          <p:cNvSpPr/>
+          <p:nvPr/>
+        </p:nvSpPr>
+        <p:spPr>
+          <a:xfrm>
+            <a:off x="4826000" y="3668713"/>
+            <a:ext cx="428625" cy="142875"/>
+          </a:xfrm>
+          <a:prstGeom prst="rect">
+            <a:avLst/>
+          </a:prstGeom>
+          <a:noFill/>
+          <a:ln>
+            <a:solidFill>
+              <a:srgbClr val="FF0000"/>
+            </a:solidFill>
+          </a:ln>
+        </p:spPr>
+        <p:style>
+          <a:lnRef idx="2">
+            <a:schemeClr val="accent1">
+              <a:shade val="50000"/>
+            </a:schemeClr>
+          </a:lnRef>
+          <a:fillRef idx="1">
+            <a:schemeClr val="accent1"/>
+          </a:fillRef>
+          <a:effectRef idx="0">
+            <a:schemeClr val="accent1"/>
+          </a:effectRef>
+          <a:fontRef idx="minor">
+            <a:schemeClr val="lt1"/>
+          </a:fontRef>
+        </p:style>
+        <p:txBody>
+          <a:bodyPr anchor="ctr"/>
+          <a:lstStyle/>
+          <a:p>
+            <a:pPr algn="ctr" fontAlgn="auto">
+              <a:spcBef>
+                <a:spcPts val="0"/>
+              </a:spcBef>
+              <a:spcAft>
+                <a:spcPts val="0"/>
+              </a:spcAft>
+              <a:defRPr/>
+            </a:pPr>
+            <a:endParaRPr kumimoji="0" lang="ko-KR" altLang="en-US">
+              <a:latin typeface="나눔고딕OTF" pitchFamily="34" charset="-127"/>
+              <a:ea typeface="나눔고딕OTF" pitchFamily="34" charset="-127"/>
+            </a:endParaRPr>
+          </a:p>
+        </p:txBody>
+      </p:sp>
+      <p:sp>
+        <p:nvSpPr>
+          <p:cNvPr id="17" name="타원 16"/>
+          <p:cNvSpPr/>
+          <p:nvPr/>
+        </p:nvSpPr>
+        <p:spPr>
+          <a:xfrm>
+            <a:off x="4667250" y="3500438"/>
+            <a:ext cx="214313" cy="214312"/>
+          </a:xfrm>
+          <a:prstGeom prst="ellipse">
+            <a:avLst/>
+          </a:prstGeom>
+          <a:solidFill>
+            <a:schemeClr val="bg1"/>
+          </a:solidFill>
+          <a:ln>
+            <a:solidFill>
+              <a:srgbClr val="FF0000"/>
+            </a:solidFill>
+          </a:ln>
+        </p:spPr>
+        <p:style>
+          <a:lnRef idx="2">
+            <a:schemeClr val="accent1">
+              <a:shade val="50000"/>
+            </a:schemeClr>
+          </a:lnRef>
+          <a:fillRef idx="1">
+            <a:schemeClr val="accent1"/>
+          </a:fillRef>
+          <a:effectRef idx="0">
+            <a:schemeClr val="accent1"/>
+          </a:effectRef>
+          <a:fontRef idx="minor">
+            <a:schemeClr val="lt1"/>
+          </a:fontRef>
+        </p:style>
+        <p:txBody>
+          <a:bodyPr anchor="ctr"/>
+          <a:lstStyle/>
+          <a:p>
+            <a:pPr algn="ctr">
+              <a:defRPr/>
+            </a:pPr>
+            <a:r>
+              <a:rPr lang="en-US" altLang="ko-KR" sz="1400" dirty="0">
+                <a:solidFill>
+                  <a:schemeClr val="tx1"/>
+                </a:solidFill>
+              </a:rPr>
+              <a:t>3</a:t>
+            </a:r>
+          </a:p>
+        </p:txBody>
+      </p:sp>
+      <p:pic>
+        <p:nvPicPr>
+          <p:cNvPr id="24588" name="Picture 3"/>
+          <p:cNvPicPr>
+            <a:picLocks noChangeAspect="1" noChangeArrowheads="1"/>
+          </p:cNvPicPr>
+          <p:nvPr/>
+        </p:nvPicPr>
+        <p:blipFill>
+          <a:blip r:embed="rId3"/>
+          <a:srcRect/>
+          <a:stretch>
+            <a:fillRect/>
+          </a:stretch>
+        </p:blipFill>
+        <p:spPr bwMode="auto">
+          <a:xfrm>
+            <a:off x="6024570" y="3214686"/>
+            <a:ext cx="2857500" cy="1196975"/>
+          </a:xfrm>
+          <a:prstGeom prst="rect">
+            <a:avLst/>
+          </a:prstGeom>
+          <a:noFill/>
+          <a:ln w="9525">
+            <a:solidFill>
+              <a:schemeClr val="tx1"/>
+            </a:solidFill>
             <a:miter lim="800000"/>
             <a:headEnd/>
             <a:tailEnd/>

--- a/manual/앨리스_매뉴얼_작업중.pptx
+++ b/manual/앨리스_매뉴얼_작업중.pptx
@@ -5,10 +5,10 @@
     <p:sldMasterId id="2147483660" r:id="rId1"/>
   </p:sldMasterIdLst>
   <p:notesMasterIdLst>
-    <p:notesMasterId r:id="rId46"/>
+    <p:notesMasterId r:id="rId47"/>
   </p:notesMasterIdLst>
   <p:handoutMasterIdLst>
-    <p:handoutMasterId r:id="rId47"/>
+    <p:handoutMasterId r:id="rId48"/>
   </p:handoutMasterIdLst>
   <p:sldIdLst>
     <p:sldId id="400" r:id="rId2"/>
@@ -51,10 +51,11 @@
     <p:sldId id="451" r:id="rId39"/>
     <p:sldId id="452" r:id="rId40"/>
     <p:sldId id="453" r:id="rId41"/>
-    <p:sldId id="429" r:id="rId42"/>
-    <p:sldId id="430" r:id="rId43"/>
-    <p:sldId id="431" r:id="rId44"/>
-    <p:sldId id="432" r:id="rId45"/>
+    <p:sldId id="454" r:id="rId42"/>
+    <p:sldId id="429" r:id="rId43"/>
+    <p:sldId id="430" r:id="rId44"/>
+    <p:sldId id="431" r:id="rId45"/>
+    <p:sldId id="432" r:id="rId46"/>
   </p:sldIdLst>
   <p:sldSz cx="9906000" cy="6858000" type="A4"/>
   <p:notesSz cx="9939338" cy="6807200"/>
@@ -295,7 +296,7 @@
               <a:pPr>
                 <a:defRPr/>
               </a:pPr>
-              <a:t>2017-03-04</a:t>
+              <a:t>2017-03-06</a:t>
             </a:fld>
             <a:endParaRPr lang="ko-KR" altLang="en-US"/>
           </a:p>
@@ -509,7 +510,7 @@
               <a:pPr>
                 <a:defRPr/>
               </a:pPr>
-              <a:t>2017-03-04</a:t>
+              <a:t>2017-03-06</a:t>
             </a:fld>
             <a:endParaRPr lang="ko-KR" altLang="en-US"/>
           </a:p>
@@ -1046,7 +1047,7 @@
               <a:pPr>
                 <a:defRPr/>
               </a:pPr>
-              <a:t>2017-03-04</a:t>
+              <a:t>2017-03-06</a:t>
             </a:fld>
             <a:endParaRPr lang="ko-KR" altLang="en-US"/>
           </a:p>
@@ -1288,7 +1289,7 @@
               <a:pPr>
                 <a:defRPr/>
               </a:pPr>
-              <a:t>2017-03-04</a:t>
+              <a:t>2017-03-06</a:t>
             </a:fld>
             <a:endParaRPr lang="ko-KR" altLang="en-US"/>
           </a:p>
@@ -1596,7 +1597,7 @@
               <a:pPr>
                 <a:defRPr/>
               </a:pPr>
-              <a:t>2017-03-04</a:t>
+              <a:t>2017-03-06</a:t>
             </a:fld>
             <a:endParaRPr lang="ko-KR" altLang="en-US"/>
           </a:p>
@@ -1954,7 +1955,7 @@
               <a:pPr>
                 <a:defRPr/>
               </a:pPr>
-              <a:t>2017-03-04</a:t>
+              <a:t>2017-03-06</a:t>
             </a:fld>
             <a:endParaRPr lang="ko-KR" altLang="en-US"/>
           </a:p>
@@ -2452,7 +2453,7 @@
               <a:pPr>
                 <a:defRPr/>
               </a:pPr>
-              <a:t>2017-03-04</a:t>
+              <a:t>2017-03-06</a:t>
             </a:fld>
             <a:endParaRPr lang="ko-KR" altLang="en-US"/>
           </a:p>
@@ -2634,7 +2635,7 @@
               <a:pPr>
                 <a:defRPr/>
               </a:pPr>
-              <a:t>2017-03-04</a:t>
+              <a:t>2017-03-06</a:t>
             </a:fld>
             <a:endParaRPr lang="ko-KR" altLang="en-US"/>
           </a:p>
@@ -2785,7 +2786,7 @@
               <a:pPr>
                 <a:defRPr/>
               </a:pPr>
-              <a:t>2017-03-04</a:t>
+              <a:t>2017-03-06</a:t>
             </a:fld>
             <a:endParaRPr lang="ko-KR" altLang="en-US"/>
           </a:p>
@@ -3127,7 +3128,7 @@
               <a:pPr>
                 <a:defRPr/>
               </a:pPr>
-              <a:t>2017-03-04</a:t>
+              <a:t>2017-03-06</a:t>
             </a:fld>
             <a:endParaRPr lang="ko-KR" altLang="en-US"/>
           </a:p>
@@ -3446,7 +3447,7 @@
               <a:pPr>
                 <a:defRPr/>
               </a:pPr>
-              <a:t>2017-03-04</a:t>
+              <a:t>2017-03-06</a:t>
             </a:fld>
             <a:endParaRPr lang="ko-KR" altLang="en-US"/>
           </a:p>
@@ -9399,17 +9400,7 @@
                   <a:latin typeface="나눔고딕OTF" pitchFamily="34" charset="-127"/>
                   <a:ea typeface="나눔고딕OTF" pitchFamily="34" charset="-127"/>
                 </a:rPr>
-                <a:t> </a:t>
-              </a:r>
-              <a:r>
-                <a:rPr kumimoji="0" lang="en-US" altLang="ko-KR" sz="1000" dirty="0" smtClean="0">
-                  <a:solidFill>
-                    <a:srgbClr val="FF0000"/>
-                  </a:solidFill>
-                  <a:latin typeface="나눔고딕OTF" pitchFamily="34" charset="-127"/>
-                  <a:ea typeface="나눔고딕OTF" pitchFamily="34" charset="-127"/>
-                </a:rPr>
-                <a:t>  ** </a:t>
+                <a:t>   ** </a:t>
               </a:r>
               <a:r>
                 <a:rPr kumimoji="0" lang="ko-KR" altLang="en-US" sz="1000" dirty="0" smtClean="0">
@@ -9533,17 +9524,7 @@
                   <a:latin typeface="나눔고딕OTF" pitchFamily="34" charset="-127"/>
                   <a:ea typeface="나눔고딕OTF" pitchFamily="34" charset="-127"/>
                 </a:rPr>
-                <a:t> </a:t>
-              </a:r>
-              <a:r>
-                <a:rPr kumimoji="0" lang="en-US" altLang="ko-KR" sz="1000" dirty="0" smtClean="0">
-                  <a:solidFill>
-                    <a:srgbClr val="FF0000"/>
-                  </a:solidFill>
-                  <a:latin typeface="나눔고딕OTF" pitchFamily="34" charset="-127"/>
-                  <a:ea typeface="나눔고딕OTF" pitchFamily="34" charset="-127"/>
-                </a:rPr>
-                <a:t>  </a:t>
+                <a:t>   </a:t>
               </a:r>
               <a:r>
                 <a:rPr kumimoji="0" lang="ko-KR" altLang="en-US" sz="1000" dirty="0" smtClean="0">
@@ -9742,13 +9723,6 @@
                 </a:rPr>
                 <a:t>.</a:t>
               </a:r>
-              <a:endParaRPr kumimoji="0" lang="en-US" altLang="ko-KR" sz="1000" dirty="0" smtClean="0">
-                <a:solidFill>
-                  <a:srgbClr val="FF0000"/>
-                </a:solidFill>
-                <a:latin typeface="나눔고딕OTF" pitchFamily="34" charset="-127"/>
-                <a:ea typeface="나눔고딕OTF" pitchFamily="34" charset="-127"/>
-              </a:endParaRPr>
             </a:p>
             <a:p>
               <a:pPr marL="228600" indent="-228600">
@@ -33465,14 +33439,7 @@
                 <a:latin typeface="나눔고딕OTF" pitchFamily="34" charset="-127"/>
                 <a:ea typeface="나눔고딕OTF" pitchFamily="34" charset="-127"/>
               </a:rPr>
-              <a:t>문자 </a:t>
-            </a:r>
-            <a:r>
-              <a:rPr kumimoji="0" lang="ko-KR" altLang="en-US" sz="1000" dirty="0" smtClean="0">
-                <a:latin typeface="나눔고딕OTF" pitchFamily="34" charset="-127"/>
-                <a:ea typeface="나눔고딕OTF" pitchFamily="34" charset="-127"/>
-              </a:rPr>
-              <a:t>포함 </a:t>
+              <a:t>문자 포함 </a:t>
             </a:r>
             <a:r>
               <a:rPr kumimoji="0" lang="en-US" altLang="ko-KR" sz="1000" dirty="0" smtClean="0">
@@ -33798,14 +33765,7 @@
                 <a:latin typeface="나눔고딕OTF" pitchFamily="34" charset="-127"/>
                 <a:ea typeface="나눔고딕OTF" pitchFamily="34" charset="-127"/>
               </a:rPr>
-              <a:t>	</a:t>
-            </a:r>
-            <a:r>
-              <a:rPr kumimoji="0" lang="en-US" altLang="ko-KR" sz="1000" dirty="0" smtClean="0">
-                <a:latin typeface="나눔고딕OTF" pitchFamily="34" charset="-127"/>
-                <a:ea typeface="나눔고딕OTF" pitchFamily="34" charset="-127"/>
-              </a:rPr>
-              <a:t>- 2.</a:t>
+              <a:t>	- 2.</a:t>
             </a:r>
             <a:r>
               <a:rPr kumimoji="0" lang="ko-KR" altLang="en-US" sz="1000" dirty="0" smtClean="0">
@@ -33901,10 +33861,6 @@
               </a:rPr>
               <a:t>.</a:t>
             </a:r>
-            <a:endParaRPr kumimoji="0" lang="en-US" altLang="ko-KR" sz="1000" dirty="0" smtClean="0">
-              <a:latin typeface="나눔고딕OTF" pitchFamily="34" charset="-127"/>
-              <a:ea typeface="나눔고딕OTF" pitchFamily="34" charset="-127"/>
-            </a:endParaRPr>
           </a:p>
           <a:p>
             <a:pPr marL="228600" indent="-228600">
@@ -33917,14 +33873,7 @@
                 <a:latin typeface="나눔고딕OTF" pitchFamily="34" charset="-127"/>
                 <a:ea typeface="나눔고딕OTF" pitchFamily="34" charset="-127"/>
               </a:rPr>
-              <a:t>	</a:t>
-            </a:r>
-            <a:r>
-              <a:rPr kumimoji="0" lang="en-US" altLang="ko-KR" sz="1000" dirty="0" smtClean="0">
-                <a:latin typeface="나눔고딕OTF" pitchFamily="34" charset="-127"/>
-                <a:ea typeface="나눔고딕OTF" pitchFamily="34" charset="-127"/>
-              </a:rPr>
-              <a:t>- 3.</a:t>
+              <a:t>	- 3.</a:t>
             </a:r>
             <a:r>
               <a:rPr kumimoji="0" lang="ko-KR" altLang="en-US" sz="1000" dirty="0" smtClean="0">
@@ -34032,14 +33981,7 @@
                 <a:latin typeface="나눔고딕OTF" pitchFamily="34" charset="-127"/>
                 <a:ea typeface="나눔고딕OTF" pitchFamily="34" charset="-127"/>
               </a:rPr>
-              <a:t>	</a:t>
-            </a:r>
-            <a:r>
-              <a:rPr kumimoji="0" lang="en-US" altLang="ko-KR" sz="1000" dirty="0" smtClean="0">
-                <a:latin typeface="나눔고딕OTF" pitchFamily="34" charset="-127"/>
-                <a:ea typeface="나눔고딕OTF" pitchFamily="34" charset="-127"/>
-              </a:rPr>
-              <a:t>- 5.</a:t>
+              <a:t>	- 5.</a:t>
             </a:r>
             <a:r>
               <a:rPr kumimoji="0" lang="ko-KR" altLang="en-US" sz="1000" dirty="0" smtClean="0">
@@ -34205,17 +34147,7 @@
                 <a:latin typeface="나눔고딕OTF" pitchFamily="34" charset="-127"/>
                 <a:ea typeface="나눔고딕OTF" pitchFamily="34" charset="-127"/>
               </a:rPr>
-              <a:t> </a:t>
-            </a:r>
-            <a:r>
-              <a:rPr kumimoji="0" lang="ko-KR" altLang="en-US" sz="1000" dirty="0" smtClean="0">
-                <a:solidFill>
-                  <a:srgbClr val="FF0000"/>
-                </a:solidFill>
-                <a:latin typeface="나눔고딕OTF" pitchFamily="34" charset="-127"/>
-                <a:ea typeface="나눔고딕OTF" pitchFamily="34" charset="-127"/>
-              </a:rPr>
-              <a:t>장비검사 창에서 소견을 입력할 수 있습니다</a:t>
+              <a:t> 장비검사 창에서 소견을 입력할 수 있습니다</a:t>
             </a:r>
             <a:r>
               <a:rPr kumimoji="0" lang="en-US" altLang="ko-KR" sz="1000" dirty="0" smtClean="0">
@@ -34398,14 +34330,7 @@
                 <a:latin typeface="나눔고딕OTF" pitchFamily="34" charset="-127"/>
                 <a:ea typeface="나눔고딕OTF" pitchFamily="34" charset="-127"/>
               </a:rPr>
-              <a:t>OC</a:t>
-            </a:r>
-            <a:r>
-              <a:rPr kumimoji="0" lang="en-US" altLang="ko-KR" sz="1000" dirty="0" smtClean="0">
-                <a:latin typeface="나눔고딕OTF" pitchFamily="34" charset="-127"/>
-                <a:ea typeface="나눔고딕OTF" pitchFamily="34" charset="-127"/>
-              </a:rPr>
-              <a:t>S</a:t>
+              <a:t>OCS</a:t>
             </a:r>
             <a:r>
               <a:rPr kumimoji="0" lang="ko-KR" altLang="en-US" sz="1000" dirty="0" smtClean="0">
@@ -34461,21 +34386,7 @@
                 <a:latin typeface="나눔고딕OTF" pitchFamily="34" charset="-127"/>
                 <a:ea typeface="나눔고딕OTF" pitchFamily="34" charset="-127"/>
               </a:rPr>
-              <a:t>	</a:t>
-            </a:r>
-            <a:r>
-              <a:rPr kumimoji="0" lang="en-US" altLang="ko-KR" sz="1000" b="1" dirty="0" smtClean="0">
-                <a:latin typeface="나눔고딕OTF" pitchFamily="34" charset="-127"/>
-                <a:ea typeface="나눔고딕OTF" pitchFamily="34" charset="-127"/>
-              </a:rPr>
-              <a:t> </a:t>
-            </a:r>
-            <a:r>
-              <a:rPr kumimoji="0" lang="en-US" altLang="ko-KR" sz="1000" b="1" dirty="0" smtClean="0">
-                <a:latin typeface="나눔고딕OTF" pitchFamily="34" charset="-127"/>
-                <a:ea typeface="나눔고딕OTF" pitchFamily="34" charset="-127"/>
-              </a:rPr>
-              <a:t>     </a:t>
+              <a:t>	      </a:t>
             </a:r>
             <a:r>
               <a:rPr kumimoji="0" lang="en-US" altLang="ko-KR" sz="1000" dirty="0" smtClean="0">
@@ -34671,14 +34582,7 @@
                 <a:latin typeface="나눔고딕OTF" pitchFamily="34" charset="-127"/>
                 <a:ea typeface="나눔고딕OTF" pitchFamily="34" charset="-127"/>
               </a:rPr>
-              <a:t>검사항목 코드 </a:t>
-            </a:r>
-            <a:r>
-              <a:rPr kumimoji="0" lang="ko-KR" altLang="en-US" sz="1400" b="1" dirty="0" smtClean="0">
-                <a:latin typeface="나눔고딕OTF" pitchFamily="34" charset="-127"/>
-                <a:ea typeface="나눔고딕OTF" pitchFamily="34" charset="-127"/>
-              </a:rPr>
-              <a:t>설정 </a:t>
+              <a:t>검사항목 코드 설정 </a:t>
             </a:r>
             <a:r>
               <a:rPr kumimoji="0" lang="en-US" altLang="ko-KR" sz="1400" b="1" dirty="0" smtClean="0">
@@ -34979,28 +34883,14 @@
                 <a:latin typeface="나눔고딕OTF" pitchFamily="34" charset="-127"/>
                 <a:ea typeface="나눔고딕OTF" pitchFamily="34" charset="-127"/>
               </a:rPr>
-              <a:t> </a:t>
-            </a:r>
-            <a:r>
-              <a:rPr kumimoji="0" lang="en-US" altLang="ko-KR" sz="1000" dirty="0" smtClean="0">
-                <a:latin typeface="나눔고딕OTF" pitchFamily="34" charset="-127"/>
-                <a:ea typeface="나눔고딕OTF" pitchFamily="34" charset="-127"/>
-              </a:rPr>
-              <a:t>  - </a:t>
+              <a:t>   - </a:t>
             </a:r>
             <a:r>
               <a:rPr kumimoji="0" lang="ko-KR" altLang="en-US" sz="1000" dirty="0" smtClean="0">
                 <a:latin typeface="나눔고딕OTF" pitchFamily="34" charset="-127"/>
                 <a:ea typeface="나눔고딕OTF" pitchFamily="34" charset="-127"/>
               </a:rPr>
-              <a:t>항목의 결과형태가 </a:t>
-            </a:r>
-            <a:r>
-              <a:rPr kumimoji="0" lang="ko-KR" altLang="en-US" sz="1000" dirty="0" smtClean="0">
-                <a:latin typeface="나눔고딕OTF" pitchFamily="34" charset="-127"/>
-                <a:ea typeface="나눔고딕OTF" pitchFamily="34" charset="-127"/>
-              </a:rPr>
-              <a:t>문자인 경우</a:t>
+              <a:t>항목의 결과형태가 문자인 경우</a:t>
             </a:r>
             <a:r>
               <a:rPr kumimoji="0" lang="en-US" altLang="ko-KR" sz="1000" dirty="0" smtClean="0">
@@ -35035,28 +34925,14 @@
                 <a:latin typeface="나눔고딕OTF" pitchFamily="34" charset="-127"/>
                 <a:ea typeface="나눔고딕OTF" pitchFamily="34" charset="-127"/>
               </a:rPr>
-              <a:t> </a:t>
-            </a:r>
-            <a:r>
-              <a:rPr kumimoji="0" lang="en-US" altLang="ko-KR" sz="1000" dirty="0" smtClean="0">
-                <a:latin typeface="나눔고딕OTF" pitchFamily="34" charset="-127"/>
-                <a:ea typeface="나눔고딕OTF" pitchFamily="34" charset="-127"/>
-              </a:rPr>
-              <a:t>  - </a:t>
+              <a:t>   - </a:t>
             </a:r>
             <a:r>
               <a:rPr kumimoji="0" lang="ko-KR" altLang="en-US" sz="1000" dirty="0" smtClean="0">
                 <a:latin typeface="나눔고딕OTF" pitchFamily="34" charset="-127"/>
                 <a:ea typeface="나눔고딕OTF" pitchFamily="34" charset="-127"/>
               </a:rPr>
-              <a:t>좌측의 예시의 </a:t>
-            </a:r>
-            <a:r>
-              <a:rPr kumimoji="0" lang="ko-KR" altLang="en-US" sz="1000" dirty="0" smtClean="0">
-                <a:latin typeface="나눔고딕OTF" pitchFamily="34" charset="-127"/>
-                <a:ea typeface="나눔고딕OTF" pitchFamily="34" charset="-127"/>
-              </a:rPr>
-              <a:t>경우</a:t>
+              <a:t>좌측의 예시의 경우</a:t>
             </a:r>
             <a:r>
               <a:rPr kumimoji="0" lang="en-US" altLang="ko-KR" sz="1000" dirty="0" smtClean="0">
@@ -35339,14 +35215,7 @@
                 <a:latin typeface="나눔고딕OTF" pitchFamily="34" charset="-127"/>
                 <a:ea typeface="나눔고딕OTF" pitchFamily="34" charset="-127"/>
               </a:rPr>
-              <a:t> </a:t>
-            </a:r>
-            <a:r>
-              <a:rPr kumimoji="0" lang="en-US" altLang="ko-KR" sz="1000" dirty="0" smtClean="0">
-                <a:latin typeface="나눔고딕OTF" pitchFamily="34" charset="-127"/>
-                <a:ea typeface="나눔고딕OTF" pitchFamily="34" charset="-127"/>
-              </a:rPr>
-              <a:t>  </a:t>
+              <a:t>   </a:t>
             </a:r>
             <a:r>
               <a:rPr kumimoji="0" lang="ko-KR" altLang="en-US" sz="1000" dirty="0" smtClean="0">
@@ -35650,14 +35519,7 @@
                 <a:latin typeface="나눔고딕OTF" pitchFamily="34" charset="-127"/>
                 <a:ea typeface="나눔고딕OTF" pitchFamily="34" charset="-127"/>
               </a:rPr>
-              <a:t>검사항목 </a:t>
-            </a:r>
-            <a:r>
-              <a:rPr kumimoji="0" lang="ko-KR" altLang="en-US" sz="1400" b="1" dirty="0" smtClean="0">
-                <a:latin typeface="나눔고딕OTF" pitchFamily="34" charset="-127"/>
-                <a:ea typeface="나눔고딕OTF" pitchFamily="34" charset="-127"/>
-              </a:rPr>
-              <a:t>업데이트</a:t>
+              <a:t>검사항목 업데이트</a:t>
             </a:r>
             <a:endParaRPr kumimoji="0" lang="ko-KR" altLang="en-US" sz="1400" b="1" dirty="0">
               <a:latin typeface="나눔고딕OTF" pitchFamily="34" charset="-127"/>
@@ -35986,17 +35848,7 @@
                 <a:latin typeface="나눔고딕OTF" pitchFamily="34" charset="-127"/>
                 <a:ea typeface="나눔고딕OTF" pitchFamily="34" charset="-127"/>
               </a:rPr>
-              <a:t> </a:t>
-            </a:r>
-            <a:r>
-              <a:rPr kumimoji="0" lang="en-US" altLang="ko-KR" sz="1000" b="1" dirty="0" smtClean="0">
-                <a:solidFill>
-                  <a:srgbClr val="FF0000"/>
-                </a:solidFill>
-                <a:latin typeface="나눔고딕OTF" pitchFamily="34" charset="-127"/>
-                <a:ea typeface="나눔고딕OTF" pitchFamily="34" charset="-127"/>
-              </a:rPr>
-              <a:t>* </a:t>
+              <a:t> * </a:t>
             </a:r>
             <a:r>
               <a:rPr kumimoji="0" lang="ko-KR" altLang="en-US" sz="1000" dirty="0" smtClean="0">
@@ -36097,33 +35949,22 @@
                 <a:latin typeface="나눔고딕OTF" pitchFamily="34" charset="-127"/>
                 <a:ea typeface="나눔고딕OTF" pitchFamily="34" charset="-127"/>
               </a:rPr>
-              <a:t> </a:t>
+              <a:t>   - </a:t>
+            </a:r>
+            <a:r>
+              <a:rPr kumimoji="0" lang="ko-KR" altLang="en-US" sz="1000" dirty="0" smtClean="0">
+                <a:latin typeface="나눔고딕OTF" pitchFamily="34" charset="-127"/>
+                <a:ea typeface="나눔고딕OTF" pitchFamily="34" charset="-127"/>
+              </a:rPr>
+              <a:t>업데이트할 검사 항목을 선택합니다</a:t>
             </a:r>
             <a:r>
               <a:rPr kumimoji="0" lang="en-US" altLang="ko-KR" sz="1000" dirty="0" smtClean="0">
                 <a:latin typeface="나눔고딕OTF" pitchFamily="34" charset="-127"/>
                 <a:ea typeface="나눔고딕OTF" pitchFamily="34" charset="-127"/>
               </a:rPr>
-              <a:t>  - </a:t>
-            </a:r>
-            <a:r>
-              <a:rPr kumimoji="0" lang="ko-KR" altLang="en-US" sz="1000" dirty="0" smtClean="0">
-                <a:latin typeface="나눔고딕OTF" pitchFamily="34" charset="-127"/>
-                <a:ea typeface="나눔고딕OTF" pitchFamily="34" charset="-127"/>
-              </a:rPr>
-              <a:t>업데이트할 검사 항목을 선택합니다</a:t>
-            </a:r>
-            <a:r>
-              <a:rPr kumimoji="0" lang="en-US" altLang="ko-KR" sz="1000" dirty="0" smtClean="0">
-                <a:latin typeface="나눔고딕OTF" pitchFamily="34" charset="-127"/>
-                <a:ea typeface="나눔고딕OTF" pitchFamily="34" charset="-127"/>
-              </a:rPr>
               <a:t>.</a:t>
             </a:r>
-            <a:endParaRPr kumimoji="0" lang="en-US" altLang="ko-KR" sz="1000" dirty="0" smtClean="0">
-              <a:latin typeface="나눔고딕OTF" pitchFamily="34" charset="-127"/>
-              <a:ea typeface="나눔고딕OTF" pitchFamily="34" charset="-127"/>
-            </a:endParaRPr>
           </a:p>
           <a:p>
             <a:pPr marL="228600" indent="-228600">
@@ -36136,14 +35977,7 @@
                 <a:latin typeface="나눔고딕OTF" pitchFamily="34" charset="-127"/>
                 <a:ea typeface="나눔고딕OTF" pitchFamily="34" charset="-127"/>
               </a:rPr>
-              <a:t> </a:t>
-            </a:r>
-            <a:r>
-              <a:rPr kumimoji="0" lang="en-US" altLang="ko-KR" sz="1000" dirty="0" smtClean="0">
-                <a:latin typeface="나눔고딕OTF" pitchFamily="34" charset="-127"/>
-                <a:ea typeface="나눔고딕OTF" pitchFamily="34" charset="-127"/>
-              </a:rPr>
-              <a:t>  - </a:t>
+              <a:t>   - </a:t>
             </a:r>
             <a:r>
               <a:rPr kumimoji="0" lang="ko-KR" altLang="en-US" sz="1000" dirty="0" smtClean="0">
@@ -36198,10 +36032,6 @@
               </a:rPr>
               <a:t>.</a:t>
             </a:r>
-            <a:endParaRPr kumimoji="0" lang="en-US" altLang="ko-KR" sz="1000" dirty="0" smtClean="0">
-              <a:latin typeface="나눔고딕OTF" pitchFamily="34" charset="-127"/>
-              <a:ea typeface="나눔고딕OTF" pitchFamily="34" charset="-127"/>
-            </a:endParaRPr>
           </a:p>
           <a:p>
             <a:pPr marL="228600" indent="-228600">
@@ -36244,14 +36074,7 @@
                 <a:latin typeface="나눔고딕OTF" pitchFamily="34" charset="-127"/>
                 <a:ea typeface="나눔고딕OTF" pitchFamily="34" charset="-127"/>
               </a:rPr>
-              <a:t> </a:t>
-            </a:r>
-            <a:r>
-              <a:rPr kumimoji="0" lang="en-US" altLang="ko-KR" sz="1000" dirty="0" smtClean="0">
-                <a:latin typeface="나눔고딕OTF" pitchFamily="34" charset="-127"/>
-                <a:ea typeface="나눔고딕OTF" pitchFamily="34" charset="-127"/>
-              </a:rPr>
-              <a:t>  - </a:t>
+              <a:t>   - </a:t>
             </a:r>
             <a:r>
               <a:rPr kumimoji="0" lang="ko-KR" altLang="en-US" sz="1000" dirty="0" smtClean="0">
@@ -36323,14 +36146,7 @@
                 <a:latin typeface="나눔고딕OTF" pitchFamily="34" charset="-127"/>
                 <a:ea typeface="나눔고딕OTF" pitchFamily="34" charset="-127"/>
               </a:rPr>
-              <a:t> </a:t>
-            </a:r>
-            <a:r>
-              <a:rPr kumimoji="0" lang="en-US" altLang="ko-KR" sz="1000" dirty="0" smtClean="0">
-                <a:latin typeface="나눔고딕OTF" pitchFamily="34" charset="-127"/>
-                <a:ea typeface="나눔고딕OTF" pitchFamily="34" charset="-127"/>
-              </a:rPr>
-              <a:t>  - </a:t>
+              <a:t>   - </a:t>
             </a:r>
             <a:r>
               <a:rPr kumimoji="0" lang="ko-KR" altLang="en-US" sz="1000" dirty="0" smtClean="0">
@@ -36372,14 +36188,7 @@
                 <a:latin typeface="나눔고딕OTF" pitchFamily="34" charset="-127"/>
                 <a:ea typeface="나눔고딕OTF" pitchFamily="34" charset="-127"/>
               </a:rPr>
-              <a:t> </a:t>
-            </a:r>
-            <a:r>
-              <a:rPr kumimoji="0" lang="en-US" altLang="ko-KR" sz="1000" dirty="0" smtClean="0">
-                <a:latin typeface="나눔고딕OTF" pitchFamily="34" charset="-127"/>
-                <a:ea typeface="나눔고딕OTF" pitchFamily="34" charset="-127"/>
-              </a:rPr>
-              <a:t>  - “</a:t>
+              <a:t>   - “</a:t>
             </a:r>
             <a:r>
               <a:rPr kumimoji="0" lang="ko-KR" altLang="en-US" sz="1000" dirty="0" smtClean="0">
@@ -37454,14 +37263,7 @@
                   <a:latin typeface="나눔고딕OTF" pitchFamily="34" charset="-127"/>
                   <a:ea typeface="나눔고딕OTF" pitchFamily="34" charset="-127"/>
                 </a:rPr>
-                <a:t> </a:t>
-              </a:r>
-              <a:r>
-                <a:rPr kumimoji="0" lang="en-US" altLang="ko-KR" sz="1000" dirty="0" smtClean="0">
-                  <a:latin typeface="나눔고딕OTF" pitchFamily="34" charset="-127"/>
-                  <a:ea typeface="나눔고딕OTF" pitchFamily="34" charset="-127"/>
-                </a:rPr>
-                <a:t>  - </a:t>
+                <a:t>   - </a:t>
               </a:r>
               <a:r>
                 <a:rPr kumimoji="0" lang="ko-KR" altLang="en-US" sz="1000" dirty="0" smtClean="0">
@@ -37522,14 +37324,7 @@
                   <a:latin typeface="나눔고딕OTF" pitchFamily="34" charset="-127"/>
                   <a:ea typeface="나눔고딕OTF" pitchFamily="34" charset="-127"/>
                 </a:rPr>
-                <a:t> </a:t>
-              </a:r>
-              <a:r>
-                <a:rPr kumimoji="0" lang="en-US" altLang="ko-KR" sz="1000" dirty="0" smtClean="0">
-                  <a:latin typeface="나눔고딕OTF" pitchFamily="34" charset="-127"/>
-                  <a:ea typeface="나눔고딕OTF" pitchFamily="34" charset="-127"/>
-                </a:rPr>
-                <a:t>  - </a:t>
+                <a:t>   - </a:t>
               </a:r>
               <a:r>
                 <a:rPr kumimoji="0" lang="ko-KR" altLang="en-US" sz="1000" dirty="0" smtClean="0">
@@ -37557,14 +37352,7 @@
                   <a:latin typeface="나눔고딕OTF" pitchFamily="34" charset="-127"/>
                   <a:ea typeface="나눔고딕OTF" pitchFamily="34" charset="-127"/>
                 </a:rPr>
-                <a:t> </a:t>
-              </a:r>
-              <a:r>
-                <a:rPr kumimoji="0" lang="en-US" altLang="ko-KR" sz="1000" dirty="0" smtClean="0">
-                  <a:latin typeface="나눔고딕OTF" pitchFamily="34" charset="-127"/>
-                  <a:ea typeface="나눔고딕OTF" pitchFamily="34" charset="-127"/>
-                </a:rPr>
-                <a:t>  - </a:t>
+                <a:t>   - </a:t>
               </a:r>
               <a:r>
                 <a:rPr kumimoji="0" lang="ko-KR" altLang="en-US" sz="1000" dirty="0" smtClean="0">
@@ -37592,14 +37380,7 @@
                   <a:latin typeface="나눔고딕OTF" pitchFamily="34" charset="-127"/>
                   <a:ea typeface="나눔고딕OTF" pitchFamily="34" charset="-127"/>
                 </a:rPr>
-                <a:t> </a:t>
-              </a:r>
-              <a:r>
-                <a:rPr kumimoji="0" lang="en-US" altLang="ko-KR" sz="1000" dirty="0" smtClean="0">
-                  <a:latin typeface="나눔고딕OTF" pitchFamily="34" charset="-127"/>
-                  <a:ea typeface="나눔고딕OTF" pitchFamily="34" charset="-127"/>
-                </a:rPr>
-                <a:t>  </a:t>
+                <a:t>   </a:t>
               </a:r>
             </a:p>
             <a:p>
@@ -37635,14 +37416,7 @@
                   <a:latin typeface="나눔고딕OTF" pitchFamily="34" charset="-127"/>
                   <a:ea typeface="나눔고딕OTF" pitchFamily="34" charset="-127"/>
                 </a:rPr>
-                <a:t> </a:t>
-              </a:r>
-              <a:r>
-                <a:rPr kumimoji="0" lang="en-US" altLang="ko-KR" sz="1000" dirty="0" smtClean="0">
-                  <a:latin typeface="나눔고딕OTF" pitchFamily="34" charset="-127"/>
-                  <a:ea typeface="나눔고딕OTF" pitchFamily="34" charset="-127"/>
-                </a:rPr>
-                <a:t>  - </a:t>
+                <a:t>   - </a:t>
               </a:r>
               <a:r>
                 <a:rPr kumimoji="0" lang="ko-KR" altLang="en-US" sz="1000" dirty="0" err="1" smtClean="0">
@@ -37704,10 +37478,6 @@
                 </a:rPr>
                 <a:t>.</a:t>
               </a:r>
-              <a:endParaRPr kumimoji="0" lang="en-US" altLang="ko-KR" sz="1000" dirty="0" smtClean="0">
-                <a:latin typeface="나눔고딕OTF" pitchFamily="34" charset="-127"/>
-                <a:ea typeface="나눔고딕OTF" pitchFamily="34" charset="-127"/>
-              </a:endParaRPr>
             </a:p>
             <a:p>
               <a:pPr marL="228600" indent="-228600">
@@ -37767,14 +37537,7 @@
                   <a:latin typeface="나눔고딕OTF" pitchFamily="34" charset="-127"/>
                   <a:ea typeface="나눔고딕OTF" pitchFamily="34" charset="-127"/>
                 </a:rPr>
-                <a:t> </a:t>
-              </a:r>
-              <a:r>
-                <a:rPr kumimoji="0" lang="en-US" altLang="ko-KR" sz="1000" dirty="0" smtClean="0">
-                  <a:latin typeface="나눔고딕OTF" pitchFamily="34" charset="-127"/>
-                  <a:ea typeface="나눔고딕OTF" pitchFamily="34" charset="-127"/>
-                </a:rPr>
-                <a:t>  - </a:t>
+                <a:t>   - </a:t>
               </a:r>
               <a:r>
                 <a:rPr kumimoji="0" lang="ko-KR" altLang="en-US" sz="1000" dirty="0" smtClean="0">
@@ -37947,17 +37710,7 @@
                   <a:latin typeface="나눔고딕OTF" pitchFamily="34" charset="-127"/>
                   <a:ea typeface="나눔고딕OTF" pitchFamily="34" charset="-127"/>
                 </a:rPr>
-                <a:t> </a:t>
-              </a:r>
-              <a:r>
-                <a:rPr kumimoji="0" lang="en-US" altLang="ko-KR" sz="1000" dirty="0" smtClean="0">
-                  <a:solidFill>
-                    <a:srgbClr val="FF0000"/>
-                  </a:solidFill>
-                  <a:latin typeface="나눔고딕OTF" pitchFamily="34" charset="-127"/>
-                  <a:ea typeface="나눔고딕OTF" pitchFamily="34" charset="-127"/>
-                </a:rPr>
-                <a:t>  * </a:t>
+                <a:t>   * </a:t>
               </a:r>
               <a:r>
                 <a:rPr kumimoji="0" lang="ko-KR" altLang="en-US" sz="1000" dirty="0" smtClean="0">
@@ -37991,14 +37744,7 @@
                   <a:latin typeface="나눔고딕OTF" pitchFamily="34" charset="-127"/>
                   <a:ea typeface="나눔고딕OTF" pitchFamily="34" charset="-127"/>
                 </a:rPr>
-                <a:t> </a:t>
-              </a:r>
-              <a:r>
-                <a:rPr kumimoji="0" lang="en-US" altLang="ko-KR" sz="1000" dirty="0" smtClean="0">
-                  <a:latin typeface="나눔고딕OTF" pitchFamily="34" charset="-127"/>
-                  <a:ea typeface="나눔고딕OTF" pitchFamily="34" charset="-127"/>
-                </a:rPr>
-                <a:t>  - </a:t>
+                <a:t>   - </a:t>
               </a:r>
               <a:r>
                 <a:rPr kumimoji="0" lang="ko-KR" altLang="en-US" sz="1000" dirty="0" smtClean="0">
@@ -38594,6 +38340,1786 @@
           <a:chExt cx="0" cy="0"/>
         </a:xfrm>
       </p:grpSpPr>
+      <p:sp>
+        <p:nvSpPr>
+          <p:cNvPr id="6" name="TextBox 5"/>
+          <p:cNvSpPr txBox="1"/>
+          <p:nvPr/>
+        </p:nvSpPr>
+        <p:spPr>
+          <a:xfrm>
+            <a:off x="1497013" y="282575"/>
+            <a:ext cx="1050288" cy="369332"/>
+          </a:xfrm>
+          <a:prstGeom prst="rect">
+            <a:avLst/>
+          </a:prstGeom>
+          <a:noFill/>
+        </p:spPr>
+        <p:txBody>
+          <a:bodyPr wrap="none">
+            <a:spAutoFit/>
+          </a:bodyPr>
+          <a:lstStyle/>
+          <a:p>
+            <a:pPr fontAlgn="auto">
+              <a:spcBef>
+                <a:spcPts val="0"/>
+              </a:spcBef>
+              <a:spcAft>
+                <a:spcPts val="0"/>
+              </a:spcAft>
+              <a:defRPr/>
+            </a:pPr>
+            <a:r>
+              <a:rPr kumimoji="0" lang="ko-KR" altLang="en-US" dirty="0" smtClean="0">
+                <a:solidFill>
+                  <a:schemeClr val="bg1">
+                    <a:lumMod val="50000"/>
+                  </a:schemeClr>
+                </a:solidFill>
+                <a:latin typeface="나눔고딕OTF ExtraBold" pitchFamily="34" charset="-127"/>
+                <a:ea typeface="나눔고딕OTF ExtraBold" pitchFamily="34" charset="-127"/>
+              </a:rPr>
+              <a:t>코드관리</a:t>
+            </a:r>
+          </a:p>
+        </p:txBody>
+      </p:sp>
+      <p:sp>
+        <p:nvSpPr>
+          <p:cNvPr id="8" name="TextBox 4"/>
+          <p:cNvSpPr txBox="1">
+            <a:spLocks noChangeArrowheads="1"/>
+          </p:cNvSpPr>
+          <p:nvPr/>
+        </p:nvSpPr>
+        <p:spPr bwMode="auto">
+          <a:xfrm>
+            <a:off x="381000" y="785813"/>
+            <a:ext cx="1359668" cy="307777"/>
+          </a:xfrm>
+          <a:prstGeom prst="rect">
+            <a:avLst/>
+          </a:prstGeom>
+          <a:noFill/>
+          <a:ln w="9525">
+            <a:noFill/>
+            <a:miter lim="800000"/>
+            <a:headEnd/>
+            <a:tailEnd/>
+          </a:ln>
+        </p:spPr>
+        <p:txBody>
+          <a:bodyPr wrap="none">
+            <a:spAutoFit/>
+          </a:bodyPr>
+          <a:lstStyle/>
+          <a:p>
+            <a:r>
+              <a:rPr kumimoji="0" lang="en-US" altLang="ko-KR" sz="1400" b="1" dirty="0">
+                <a:latin typeface="나눔고딕OTF" pitchFamily="34" charset="-127"/>
+                <a:ea typeface="나눔고딕OTF" pitchFamily="34" charset="-127"/>
+              </a:rPr>
+              <a:t>- </a:t>
+            </a:r>
+            <a:r>
+              <a:rPr kumimoji="0" lang="ko-KR" altLang="en-US" sz="1400" b="1" dirty="0" smtClean="0">
+                <a:latin typeface="나눔고딕OTF" pitchFamily="34" charset="-127"/>
+                <a:ea typeface="나눔고딕OTF" pitchFamily="34" charset="-127"/>
+              </a:rPr>
+              <a:t>묶음코드 설정</a:t>
+            </a:r>
+            <a:endParaRPr kumimoji="0" lang="ko-KR" altLang="en-US" sz="1400" b="1" dirty="0">
+              <a:latin typeface="나눔고딕OTF" pitchFamily="34" charset="-127"/>
+              <a:ea typeface="나눔고딕OTF" pitchFamily="34" charset="-127"/>
+            </a:endParaRPr>
+          </a:p>
+        </p:txBody>
+      </p:sp>
+      <p:sp>
+        <p:nvSpPr>
+          <p:cNvPr id="23" name="TextBox 59"/>
+          <p:cNvSpPr txBox="1">
+            <a:spLocks noChangeArrowheads="1"/>
+          </p:cNvSpPr>
+          <p:nvPr/>
+        </p:nvSpPr>
+        <p:spPr bwMode="auto">
+          <a:xfrm>
+            <a:off x="415924" y="1052513"/>
+            <a:ext cx="5751521" cy="276999"/>
+          </a:xfrm>
+          <a:prstGeom prst="rect">
+            <a:avLst/>
+          </a:prstGeom>
+          <a:noFill/>
+          <a:ln w="9525">
+            <a:noFill/>
+            <a:miter lim="800000"/>
+            <a:headEnd/>
+            <a:tailEnd/>
+          </a:ln>
+        </p:spPr>
+        <p:txBody>
+          <a:bodyPr wrap="square">
+            <a:spAutoFit/>
+          </a:bodyPr>
+          <a:lstStyle/>
+          <a:p>
+            <a:r>
+              <a:rPr kumimoji="0" lang="en-US" altLang="ko-KR" sz="1200" dirty="0">
+                <a:latin typeface="나눔고딕OTF" pitchFamily="34" charset="-127"/>
+                <a:ea typeface="나눔고딕OTF" pitchFamily="34" charset="-127"/>
+              </a:rPr>
+              <a:t> </a:t>
+            </a:r>
+            <a:r>
+              <a:rPr kumimoji="0" lang="ko-KR" altLang="en-US" sz="1200" dirty="0" smtClean="0">
+                <a:latin typeface="나눔고딕OTF" pitchFamily="34" charset="-127"/>
+                <a:ea typeface="나눔고딕OTF" pitchFamily="34" charset="-127"/>
+              </a:rPr>
+              <a:t>위치 </a:t>
+            </a:r>
+            <a:r>
+              <a:rPr kumimoji="0" lang="en-US" altLang="ko-KR" sz="1200" dirty="0" smtClean="0">
+                <a:latin typeface="나눔고딕OTF" pitchFamily="34" charset="-127"/>
+                <a:ea typeface="나눔고딕OTF" pitchFamily="34" charset="-127"/>
+              </a:rPr>
+              <a:t>: </a:t>
+            </a:r>
+            <a:r>
+              <a:rPr kumimoji="0" lang="ko-KR" altLang="en-US" sz="1200" dirty="0" err="1" smtClean="0">
+                <a:latin typeface="나눔고딕OTF" pitchFamily="34" charset="-127"/>
+                <a:ea typeface="나눔고딕OTF" pitchFamily="34" charset="-127"/>
+              </a:rPr>
+              <a:t>메인화면</a:t>
+            </a:r>
+            <a:r>
+              <a:rPr kumimoji="0" lang="ko-KR" altLang="en-US" sz="1200" dirty="0" smtClean="0">
+                <a:latin typeface="나눔고딕OTF" pitchFamily="34" charset="-127"/>
+                <a:ea typeface="나눔고딕OTF" pitchFamily="34" charset="-127"/>
+              </a:rPr>
+              <a:t> </a:t>
+            </a:r>
+            <a:r>
+              <a:rPr kumimoji="0" lang="en-US" altLang="ko-KR" sz="1200" dirty="0" smtClean="0">
+                <a:latin typeface="나눔고딕OTF" pitchFamily="34" charset="-127"/>
+                <a:ea typeface="나눔고딕OTF" pitchFamily="34" charset="-127"/>
+              </a:rPr>
+              <a:t>– </a:t>
+            </a:r>
+            <a:r>
+              <a:rPr kumimoji="0" lang="ko-KR" altLang="en-US" sz="1200" dirty="0" smtClean="0">
+                <a:latin typeface="나눔고딕OTF" pitchFamily="34" charset="-127"/>
+                <a:ea typeface="나눔고딕OTF" pitchFamily="34" charset="-127"/>
+              </a:rPr>
+              <a:t>코드관리 </a:t>
+            </a:r>
+            <a:r>
+              <a:rPr kumimoji="0" lang="en-US" altLang="ko-KR" sz="1200" dirty="0" smtClean="0">
+                <a:latin typeface="나눔고딕OTF" pitchFamily="34" charset="-127"/>
+                <a:ea typeface="나눔고딕OTF" pitchFamily="34" charset="-127"/>
+              </a:rPr>
+              <a:t>– </a:t>
+            </a:r>
+            <a:r>
+              <a:rPr kumimoji="0" lang="ko-KR" altLang="en-US" sz="1200" dirty="0" smtClean="0">
+                <a:latin typeface="나눔고딕OTF" pitchFamily="34" charset="-127"/>
+                <a:ea typeface="나눔고딕OTF" pitchFamily="34" charset="-127"/>
+              </a:rPr>
+              <a:t>묶음코드</a:t>
+            </a:r>
+            <a:endParaRPr kumimoji="0" lang="en-US" altLang="ko-KR" sz="1200" dirty="0">
+              <a:latin typeface="나눔고딕OTF" pitchFamily="34" charset="-127"/>
+              <a:ea typeface="나눔고딕OTF" pitchFamily="34" charset="-127"/>
+            </a:endParaRPr>
+          </a:p>
+        </p:txBody>
+      </p:sp>
+      <p:sp>
+        <p:nvSpPr>
+          <p:cNvPr id="13" name="TextBox 59"/>
+          <p:cNvSpPr txBox="1">
+            <a:spLocks noChangeArrowheads="1"/>
+          </p:cNvSpPr>
+          <p:nvPr/>
+        </p:nvSpPr>
+        <p:spPr bwMode="auto">
+          <a:xfrm>
+            <a:off x="415925" y="1285860"/>
+            <a:ext cx="5751521" cy="276999"/>
+          </a:xfrm>
+          <a:prstGeom prst="rect">
+            <a:avLst/>
+          </a:prstGeom>
+          <a:noFill/>
+          <a:ln w="9525">
+            <a:noFill/>
+            <a:miter lim="800000"/>
+            <a:headEnd/>
+            <a:tailEnd/>
+          </a:ln>
+        </p:spPr>
+        <p:txBody>
+          <a:bodyPr wrap="square">
+            <a:spAutoFit/>
+          </a:bodyPr>
+          <a:lstStyle/>
+          <a:p>
+            <a:r>
+              <a:rPr kumimoji="0" lang="en-US" altLang="ko-KR" sz="1200" dirty="0" smtClean="0">
+                <a:latin typeface="나눔고딕OTF" pitchFamily="34" charset="-127"/>
+                <a:ea typeface="나눔고딕OTF" pitchFamily="34" charset="-127"/>
+              </a:rPr>
+              <a:t>  - </a:t>
+            </a:r>
+            <a:r>
+              <a:rPr kumimoji="0" lang="ko-KR" altLang="en-US" sz="1200" dirty="0" smtClean="0">
+                <a:latin typeface="나눔고딕OTF" pitchFamily="34" charset="-127"/>
+                <a:ea typeface="나눔고딕OTF" pitchFamily="34" charset="-127"/>
+              </a:rPr>
+              <a:t>묶음 검사항목 코드를 관리합니다</a:t>
+            </a:r>
+            <a:r>
+              <a:rPr kumimoji="0" lang="en-US" altLang="ko-KR" sz="1200" dirty="0" smtClean="0">
+                <a:latin typeface="나눔고딕OTF" pitchFamily="34" charset="-127"/>
+                <a:ea typeface="나눔고딕OTF" pitchFamily="34" charset="-127"/>
+              </a:rPr>
+              <a:t>.</a:t>
+            </a:r>
+            <a:endParaRPr kumimoji="0" lang="en-US" altLang="ko-KR" sz="1200" dirty="0">
+              <a:latin typeface="나눔고딕OTF" pitchFamily="34" charset="-127"/>
+              <a:ea typeface="나눔고딕OTF" pitchFamily="34" charset="-127"/>
+            </a:endParaRPr>
+          </a:p>
+        </p:txBody>
+      </p:sp>
+      <p:grpSp>
+        <p:nvGrpSpPr>
+          <p:cNvPr id="44" name="그룹 43"/>
+          <p:cNvGrpSpPr/>
+          <p:nvPr/>
+        </p:nvGrpSpPr>
+        <p:grpSpPr>
+          <a:xfrm>
+            <a:off x="738158" y="1571612"/>
+            <a:ext cx="9001187" cy="3619511"/>
+            <a:chOff x="738158" y="1571612"/>
+            <a:chExt cx="9001187" cy="3619511"/>
+          </a:xfrm>
+        </p:grpSpPr>
+        <p:pic>
+          <p:nvPicPr>
+            <p:cNvPr id="1027" name="Picture 3"/>
+            <p:cNvPicPr>
+              <a:picLocks noChangeAspect="1" noChangeArrowheads="1"/>
+            </p:cNvPicPr>
+            <p:nvPr/>
+          </p:nvPicPr>
+          <p:blipFill>
+            <a:blip r:embed="rId2"/>
+            <a:srcRect/>
+            <a:stretch>
+              <a:fillRect/>
+            </a:stretch>
+          </p:blipFill>
+          <p:spPr bwMode="auto">
+            <a:xfrm>
+              <a:off x="881034" y="1643050"/>
+              <a:ext cx="2724150" cy="2695575"/>
+            </a:xfrm>
+            <a:prstGeom prst="rect">
+              <a:avLst/>
+            </a:prstGeom>
+            <a:noFill/>
+            <a:ln w="9525">
+              <a:noFill/>
+              <a:miter lim="800000"/>
+              <a:headEnd/>
+              <a:tailEnd/>
+            </a:ln>
+            <a:effectLst/>
+          </p:spPr>
+        </p:pic>
+        <p:sp>
+          <p:nvSpPr>
+            <p:cNvPr id="10" name="직사각형 9"/>
+            <p:cNvSpPr/>
+            <p:nvPr/>
+          </p:nvSpPr>
+          <p:spPr>
+            <a:xfrm>
+              <a:off x="881034" y="4000504"/>
+              <a:ext cx="571504" cy="285752"/>
+            </a:xfrm>
+            <a:prstGeom prst="rect">
+              <a:avLst/>
+            </a:prstGeom>
+            <a:noFill/>
+            <a:ln w="12700">
+              <a:solidFill>
+                <a:srgbClr val="FF0000"/>
+              </a:solidFill>
+            </a:ln>
+          </p:spPr>
+          <p:style>
+            <a:lnRef idx="2">
+              <a:schemeClr val="accent1">
+                <a:shade val="50000"/>
+              </a:schemeClr>
+            </a:lnRef>
+            <a:fillRef idx="1">
+              <a:schemeClr val="accent1"/>
+            </a:fillRef>
+            <a:effectRef idx="0">
+              <a:schemeClr val="accent1"/>
+            </a:effectRef>
+            <a:fontRef idx="minor">
+              <a:schemeClr val="lt1"/>
+            </a:fontRef>
+          </p:style>
+          <p:txBody>
+            <a:bodyPr anchor="ctr"/>
+            <a:lstStyle/>
+            <a:p>
+              <a:pPr algn="ctr" fontAlgn="auto">
+                <a:spcBef>
+                  <a:spcPts val="0"/>
+                </a:spcBef>
+                <a:spcAft>
+                  <a:spcPts val="0"/>
+                </a:spcAft>
+                <a:defRPr/>
+              </a:pPr>
+              <a:endParaRPr kumimoji="0" lang="ko-KR" altLang="en-US" dirty="0">
+                <a:latin typeface="나눔고딕OTF" pitchFamily="34" charset="-127"/>
+                <a:ea typeface="나눔고딕OTF" pitchFamily="34" charset="-127"/>
+              </a:endParaRPr>
+            </a:p>
+          </p:txBody>
+        </p:sp>
+        <p:sp>
+          <p:nvSpPr>
+            <p:cNvPr id="11" name="타원 10"/>
+            <p:cNvSpPr/>
+            <p:nvPr/>
+          </p:nvSpPr>
+          <p:spPr>
+            <a:xfrm>
+              <a:off x="738158" y="3857628"/>
+              <a:ext cx="214314" cy="214314"/>
+            </a:xfrm>
+            <a:prstGeom prst="ellipse">
+              <a:avLst/>
+            </a:prstGeom>
+            <a:solidFill>
+              <a:schemeClr val="bg1"/>
+            </a:solidFill>
+            <a:ln>
+              <a:solidFill>
+                <a:srgbClr val="FF0000"/>
+              </a:solidFill>
+            </a:ln>
+          </p:spPr>
+          <p:style>
+            <a:lnRef idx="2">
+              <a:schemeClr val="accent1">
+                <a:shade val="50000"/>
+              </a:schemeClr>
+            </a:lnRef>
+            <a:fillRef idx="1">
+              <a:schemeClr val="accent1"/>
+            </a:fillRef>
+            <a:effectRef idx="0">
+              <a:schemeClr val="accent1"/>
+            </a:effectRef>
+            <a:fontRef idx="minor">
+              <a:schemeClr val="lt1"/>
+            </a:fontRef>
+          </p:style>
+          <p:txBody>
+            <a:bodyPr anchor="ctr"/>
+            <a:lstStyle/>
+            <a:p>
+              <a:pPr algn="ctr">
+                <a:defRPr/>
+              </a:pPr>
+              <a:r>
+                <a:rPr lang="en-US" altLang="ko-KR" sz="1000" dirty="0" smtClean="0">
+                  <a:solidFill>
+                    <a:schemeClr val="tx1"/>
+                  </a:solidFill>
+                </a:rPr>
+                <a:t>1</a:t>
+              </a:r>
+              <a:endParaRPr lang="ko-KR" altLang="en-US" sz="1000" dirty="0">
+                <a:solidFill>
+                  <a:schemeClr val="tx1"/>
+                </a:solidFill>
+              </a:endParaRPr>
+            </a:p>
+          </p:txBody>
+        </p:sp>
+        <p:sp>
+          <p:nvSpPr>
+            <p:cNvPr id="22535" name="TextBox 4"/>
+            <p:cNvSpPr txBox="1">
+              <a:spLocks noChangeArrowheads="1"/>
+            </p:cNvSpPr>
+            <p:nvPr/>
+          </p:nvSpPr>
+          <p:spPr bwMode="auto">
+            <a:xfrm>
+              <a:off x="3667116" y="1571612"/>
+              <a:ext cx="6072229" cy="2123658"/>
+            </a:xfrm>
+            <a:prstGeom prst="rect">
+              <a:avLst/>
+            </a:prstGeom>
+            <a:noFill/>
+            <a:ln w="9525">
+              <a:noFill/>
+              <a:miter lim="800000"/>
+              <a:headEnd/>
+              <a:tailEnd/>
+            </a:ln>
+          </p:spPr>
+          <p:txBody>
+            <a:bodyPr wrap="square">
+              <a:spAutoFit/>
+            </a:bodyPr>
+            <a:lstStyle/>
+            <a:p>
+              <a:pPr marL="228600" indent="-228600">
+                <a:lnSpc>
+                  <a:spcPct val="120000"/>
+                </a:lnSpc>
+                <a:buAutoNum type="arabicParenR"/>
+              </a:pPr>
+              <a:r>
+                <a:rPr kumimoji="0" lang="ko-KR" altLang="en-US" sz="1000" b="1" dirty="0" smtClean="0">
+                  <a:latin typeface="나눔고딕OTF" pitchFamily="34" charset="-127"/>
+                  <a:ea typeface="나눔고딕OTF" pitchFamily="34" charset="-127"/>
+                </a:rPr>
+                <a:t>신규 묶음코드 </a:t>
+              </a:r>
+              <a:r>
+                <a:rPr kumimoji="0" lang="ko-KR" altLang="en-US" sz="1000" b="1" dirty="0" smtClean="0">
+                  <a:latin typeface="나눔고딕OTF" pitchFamily="34" charset="-127"/>
+                  <a:ea typeface="나눔고딕OTF" pitchFamily="34" charset="-127"/>
+                </a:rPr>
+                <a:t>생성</a:t>
+              </a:r>
+              <a:endParaRPr kumimoji="0" lang="en-US" altLang="ko-KR" sz="1000" b="1" dirty="0" smtClean="0">
+                <a:latin typeface="나눔고딕OTF" pitchFamily="34" charset="-127"/>
+                <a:ea typeface="나눔고딕OTF" pitchFamily="34" charset="-127"/>
+              </a:endParaRPr>
+            </a:p>
+            <a:p>
+              <a:pPr marL="228600" indent="-228600">
+                <a:lnSpc>
+                  <a:spcPct val="120000"/>
+                </a:lnSpc>
+              </a:pPr>
+              <a:r>
+                <a:rPr kumimoji="0" lang="en-US" altLang="ko-KR" sz="1000" dirty="0" smtClean="0">
+                  <a:latin typeface="나눔고딕OTF" pitchFamily="34" charset="-127"/>
+                  <a:ea typeface="나눔고딕OTF" pitchFamily="34" charset="-127"/>
+                </a:rPr>
+                <a:t> </a:t>
+              </a:r>
+              <a:r>
+                <a:rPr kumimoji="0" lang="en-US" altLang="ko-KR" sz="1000" dirty="0" smtClean="0">
+                  <a:latin typeface="나눔고딕OTF" pitchFamily="34" charset="-127"/>
+                  <a:ea typeface="나눔고딕OTF" pitchFamily="34" charset="-127"/>
+                </a:rPr>
+                <a:t>  - “</a:t>
+              </a:r>
+              <a:r>
+                <a:rPr kumimoji="0" lang="ko-KR" altLang="en-US" sz="1000" dirty="0" smtClean="0">
+                  <a:latin typeface="나눔고딕OTF" pitchFamily="34" charset="-127"/>
+                  <a:ea typeface="나눔고딕OTF" pitchFamily="34" charset="-127"/>
+                </a:rPr>
+                <a:t>입력</a:t>
+              </a:r>
+              <a:r>
+                <a:rPr kumimoji="0" lang="en-US" altLang="ko-KR" sz="1000" dirty="0" smtClean="0">
+                  <a:latin typeface="나눔고딕OTF" pitchFamily="34" charset="-127"/>
+                  <a:ea typeface="나눔고딕OTF" pitchFamily="34" charset="-127"/>
+                </a:rPr>
+                <a:t>” </a:t>
+              </a:r>
+              <a:r>
+                <a:rPr kumimoji="0" lang="ko-KR" altLang="en-US" sz="1000" dirty="0" smtClean="0">
+                  <a:latin typeface="나눔고딕OTF" pitchFamily="34" charset="-127"/>
+                  <a:ea typeface="나눔고딕OTF" pitchFamily="34" charset="-127"/>
+                </a:rPr>
+                <a:t>버튼을 클릭하여</a:t>
+              </a:r>
+              <a:r>
+                <a:rPr kumimoji="0" lang="en-US" altLang="ko-KR" sz="1000" dirty="0" smtClean="0">
+                  <a:latin typeface="나눔고딕OTF" pitchFamily="34" charset="-127"/>
+                  <a:ea typeface="나눔고딕OTF" pitchFamily="34" charset="-127"/>
+                </a:rPr>
+                <a:t> </a:t>
+              </a:r>
+              <a:r>
+                <a:rPr kumimoji="0" lang="ko-KR" altLang="en-US" sz="1000" dirty="0" smtClean="0">
+                  <a:latin typeface="나눔고딕OTF" pitchFamily="34" charset="-127"/>
+                  <a:ea typeface="나눔고딕OTF" pitchFamily="34" charset="-127"/>
+                </a:rPr>
+                <a:t>묶음코드 정보 화면을 초기화 한 뒤 새로운 묶음코드 정보를 입력합니다</a:t>
+              </a:r>
+              <a:r>
+                <a:rPr kumimoji="0" lang="en-US" altLang="ko-KR" sz="1000" dirty="0" smtClean="0">
+                  <a:latin typeface="나눔고딕OTF" pitchFamily="34" charset="-127"/>
+                  <a:ea typeface="나눔고딕OTF" pitchFamily="34" charset="-127"/>
+                </a:rPr>
+                <a:t>.</a:t>
+              </a:r>
+            </a:p>
+            <a:p>
+              <a:pPr marL="228600" indent="-228600">
+                <a:lnSpc>
+                  <a:spcPct val="120000"/>
+                </a:lnSpc>
+              </a:pPr>
+              <a:r>
+                <a:rPr kumimoji="0" lang="en-US" altLang="ko-KR" sz="1000" dirty="0" smtClean="0">
+                  <a:latin typeface="나눔고딕OTF" pitchFamily="34" charset="-127"/>
+                  <a:ea typeface="나눔고딕OTF" pitchFamily="34" charset="-127"/>
+                </a:rPr>
+                <a:t> </a:t>
+              </a:r>
+              <a:r>
+                <a:rPr kumimoji="0" lang="en-US" altLang="ko-KR" sz="1000" dirty="0" smtClean="0">
+                  <a:latin typeface="나눔고딕OTF" pitchFamily="34" charset="-127"/>
+                  <a:ea typeface="나눔고딕OTF" pitchFamily="34" charset="-127"/>
+                </a:rPr>
+                <a:t>  - “</a:t>
+              </a:r>
+              <a:r>
+                <a:rPr kumimoji="0" lang="ko-KR" altLang="en-US" sz="1000" dirty="0" smtClean="0">
+                  <a:latin typeface="나눔고딕OTF" pitchFamily="34" charset="-127"/>
+                  <a:ea typeface="나눔고딕OTF" pitchFamily="34" charset="-127"/>
+                </a:rPr>
+                <a:t>코드번호</a:t>
+              </a:r>
+              <a:r>
+                <a:rPr kumimoji="0" lang="en-US" altLang="ko-KR" sz="1000" dirty="0" smtClean="0">
+                  <a:latin typeface="나눔고딕OTF" pitchFamily="34" charset="-127"/>
+                  <a:ea typeface="나눔고딕OTF" pitchFamily="34" charset="-127"/>
+                </a:rPr>
+                <a:t>” </a:t>
+              </a:r>
+              <a:r>
+                <a:rPr kumimoji="0" lang="ko-KR" altLang="en-US" sz="1000" dirty="0" smtClean="0">
+                  <a:latin typeface="나눔고딕OTF" pitchFamily="34" charset="-127"/>
+                  <a:ea typeface="나눔고딕OTF" pitchFamily="34" charset="-127"/>
+                </a:rPr>
+                <a:t>는 타 코드와 중복 될 수 없고</a:t>
+              </a:r>
+              <a:r>
+                <a:rPr kumimoji="0" lang="en-US" altLang="ko-KR" sz="1000" dirty="0" smtClean="0">
+                  <a:latin typeface="나눔고딕OTF" pitchFamily="34" charset="-127"/>
+                  <a:ea typeface="나눔고딕OTF" pitchFamily="34" charset="-127"/>
+                </a:rPr>
+                <a:t>, </a:t>
+              </a:r>
+              <a:r>
+                <a:rPr kumimoji="0" lang="ko-KR" altLang="en-US" sz="1000" dirty="0" smtClean="0">
+                  <a:latin typeface="나눔고딕OTF" pitchFamily="34" charset="-127"/>
+                  <a:ea typeface="나눔고딕OTF" pitchFamily="34" charset="-127"/>
+                </a:rPr>
+                <a:t>숫자</a:t>
+              </a:r>
+              <a:r>
+                <a:rPr kumimoji="0" lang="en-US" altLang="ko-KR" sz="1000" dirty="0" smtClean="0">
+                  <a:latin typeface="나눔고딕OTF" pitchFamily="34" charset="-127"/>
+                  <a:ea typeface="나눔고딕OTF" pitchFamily="34" charset="-127"/>
+                </a:rPr>
+                <a:t>, </a:t>
+              </a:r>
+              <a:r>
+                <a:rPr kumimoji="0" lang="ko-KR" altLang="en-US" sz="1000" dirty="0" smtClean="0">
+                  <a:latin typeface="나눔고딕OTF" pitchFamily="34" charset="-127"/>
+                  <a:ea typeface="나눔고딕OTF" pitchFamily="34" charset="-127"/>
+                </a:rPr>
+                <a:t>문자 포함 </a:t>
+              </a:r>
+              <a:r>
+                <a:rPr kumimoji="0" lang="en-US" altLang="ko-KR" sz="1000" dirty="0" smtClean="0">
+                  <a:latin typeface="나눔고딕OTF" pitchFamily="34" charset="-127"/>
+                  <a:ea typeface="나눔고딕OTF" pitchFamily="34" charset="-127"/>
+                </a:rPr>
+                <a:t>10</a:t>
+              </a:r>
+              <a:r>
+                <a:rPr kumimoji="0" lang="ko-KR" altLang="en-US" sz="1000" dirty="0" smtClean="0">
+                  <a:latin typeface="나눔고딕OTF" pitchFamily="34" charset="-127"/>
+                  <a:ea typeface="나눔고딕OTF" pitchFamily="34" charset="-127"/>
+                </a:rPr>
+                <a:t>자리까지 입니다</a:t>
+              </a:r>
+              <a:r>
+                <a:rPr kumimoji="0" lang="en-US" altLang="ko-KR" sz="1000" dirty="0" smtClean="0">
+                  <a:latin typeface="나눔고딕OTF" pitchFamily="34" charset="-127"/>
+                  <a:ea typeface="나눔고딕OTF" pitchFamily="34" charset="-127"/>
+                </a:rPr>
+                <a:t>.</a:t>
+              </a:r>
+            </a:p>
+            <a:p>
+              <a:pPr marL="228600" indent="-228600">
+                <a:lnSpc>
+                  <a:spcPct val="120000"/>
+                </a:lnSpc>
+              </a:pPr>
+              <a:r>
+                <a:rPr kumimoji="0" lang="en-US" altLang="ko-KR" sz="1000" dirty="0" smtClean="0">
+                  <a:latin typeface="나눔고딕OTF" pitchFamily="34" charset="-127"/>
+                  <a:ea typeface="나눔고딕OTF" pitchFamily="34" charset="-127"/>
+                </a:rPr>
+                <a:t> </a:t>
+              </a:r>
+              <a:r>
+                <a:rPr kumimoji="0" lang="en-US" altLang="ko-KR" sz="1000" dirty="0" smtClean="0">
+                  <a:latin typeface="나눔고딕OTF" pitchFamily="34" charset="-127"/>
+                  <a:ea typeface="나눔고딕OTF" pitchFamily="34" charset="-127"/>
+                </a:rPr>
+                <a:t>  - “</a:t>
+              </a:r>
+              <a:r>
+                <a:rPr kumimoji="0" lang="ko-KR" altLang="en-US" sz="1000" dirty="0" smtClean="0">
+                  <a:latin typeface="나눔고딕OTF" pitchFamily="34" charset="-127"/>
+                  <a:ea typeface="나눔고딕OTF" pitchFamily="34" charset="-127"/>
+                </a:rPr>
+                <a:t>코드명</a:t>
+              </a:r>
+              <a:r>
+                <a:rPr kumimoji="0" lang="en-US" altLang="ko-KR" sz="1000" dirty="0" smtClean="0">
+                  <a:latin typeface="나눔고딕OTF" pitchFamily="34" charset="-127"/>
+                  <a:ea typeface="나눔고딕OTF" pitchFamily="34" charset="-127"/>
+                </a:rPr>
+                <a:t>” </a:t>
+              </a:r>
+              <a:r>
+                <a:rPr kumimoji="0" lang="ko-KR" altLang="en-US" sz="1000" dirty="0" smtClean="0">
+                  <a:latin typeface="나눔고딕OTF" pitchFamily="34" charset="-127"/>
+                  <a:ea typeface="나눔고딕OTF" pitchFamily="34" charset="-127"/>
+                </a:rPr>
+                <a:t>에 묶음코드 명을 입력합니다</a:t>
+              </a:r>
+              <a:r>
+                <a:rPr kumimoji="0" lang="en-US" altLang="ko-KR" sz="1000" dirty="0" smtClean="0">
+                  <a:latin typeface="나눔고딕OTF" pitchFamily="34" charset="-127"/>
+                  <a:ea typeface="나눔고딕OTF" pitchFamily="34" charset="-127"/>
+                </a:rPr>
+                <a:t>.</a:t>
+              </a:r>
+            </a:p>
+            <a:p>
+              <a:pPr marL="228600" indent="-228600">
+                <a:lnSpc>
+                  <a:spcPct val="120000"/>
+                </a:lnSpc>
+              </a:pPr>
+              <a:r>
+                <a:rPr kumimoji="0" lang="en-US" altLang="ko-KR" sz="1000" dirty="0" smtClean="0">
+                  <a:latin typeface="나눔고딕OTF" pitchFamily="34" charset="-127"/>
+                  <a:ea typeface="나눔고딕OTF" pitchFamily="34" charset="-127"/>
+                </a:rPr>
+                <a:t> </a:t>
+              </a:r>
+              <a:r>
+                <a:rPr kumimoji="0" lang="en-US" altLang="ko-KR" sz="1000" dirty="0" smtClean="0">
+                  <a:latin typeface="나눔고딕OTF" pitchFamily="34" charset="-127"/>
+                  <a:ea typeface="나눔고딕OTF" pitchFamily="34" charset="-127"/>
+                </a:rPr>
+                <a:t>  - “</a:t>
+              </a:r>
+              <a:r>
+                <a:rPr kumimoji="0" lang="ko-KR" altLang="en-US" sz="1000" dirty="0" smtClean="0">
+                  <a:latin typeface="나눔고딕OTF" pitchFamily="34" charset="-127"/>
+                  <a:ea typeface="나눔고딕OTF" pitchFamily="34" charset="-127"/>
+                </a:rPr>
+                <a:t>검사금액</a:t>
+              </a:r>
+              <a:r>
+                <a:rPr kumimoji="0" lang="en-US" altLang="ko-KR" sz="1000" dirty="0" smtClean="0">
+                  <a:latin typeface="나눔고딕OTF" pitchFamily="34" charset="-127"/>
+                  <a:ea typeface="나눔고딕OTF" pitchFamily="34" charset="-127"/>
+                </a:rPr>
+                <a:t>” : </a:t>
+              </a:r>
+              <a:r>
+                <a:rPr kumimoji="0" lang="ko-KR" altLang="en-US" sz="1000" dirty="0" err="1" smtClean="0">
+                  <a:latin typeface="나눔고딕OTF" pitchFamily="34" charset="-127"/>
+                  <a:ea typeface="나눔고딕OTF" pitchFamily="34" charset="-127"/>
+                </a:rPr>
+                <a:t>검진자에게</a:t>
+              </a:r>
+              <a:r>
+                <a:rPr kumimoji="0" lang="ko-KR" altLang="en-US" sz="1000" dirty="0" smtClean="0">
+                  <a:latin typeface="나눔고딕OTF" pitchFamily="34" charset="-127"/>
+                  <a:ea typeface="나눔고딕OTF" pitchFamily="34" charset="-127"/>
+                </a:rPr>
+                <a:t> 직접 </a:t>
+              </a:r>
+              <a:r>
+                <a:rPr kumimoji="0" lang="ko-KR" altLang="en-US" sz="1000" dirty="0" err="1" smtClean="0">
+                  <a:latin typeface="나눔고딕OTF" pitchFamily="34" charset="-127"/>
+                  <a:ea typeface="나눔고딕OTF" pitchFamily="34" charset="-127"/>
+                </a:rPr>
+                <a:t>수납받을</a:t>
+              </a:r>
+              <a:r>
+                <a:rPr kumimoji="0" lang="ko-KR" altLang="en-US" sz="1000" dirty="0" smtClean="0">
+                  <a:latin typeface="나눔고딕OTF" pitchFamily="34" charset="-127"/>
+                  <a:ea typeface="나눔고딕OTF" pitchFamily="34" charset="-127"/>
+                </a:rPr>
+                <a:t> 금액</a:t>
+              </a:r>
+              <a:r>
+                <a:rPr kumimoji="0" lang="en-US" altLang="ko-KR" sz="1000" dirty="0" smtClean="0">
+                  <a:latin typeface="나눔고딕OTF" pitchFamily="34" charset="-127"/>
+                  <a:ea typeface="나눔고딕OTF" pitchFamily="34" charset="-127"/>
+                </a:rPr>
+                <a:t>, “</a:t>
+              </a:r>
+              <a:r>
+                <a:rPr kumimoji="0" lang="ko-KR" altLang="en-US" sz="1000" dirty="0" smtClean="0">
+                  <a:latin typeface="나눔고딕OTF" pitchFamily="34" charset="-127"/>
+                  <a:ea typeface="나눔고딕OTF" pitchFamily="34" charset="-127"/>
+                </a:rPr>
+                <a:t>후불금액</a:t>
+              </a:r>
+              <a:r>
+                <a:rPr kumimoji="0" lang="en-US" altLang="ko-KR" sz="1000" dirty="0" smtClean="0">
+                  <a:latin typeface="나눔고딕OTF" pitchFamily="34" charset="-127"/>
+                  <a:ea typeface="나눔고딕OTF" pitchFamily="34" charset="-127"/>
+                </a:rPr>
+                <a:t>” : </a:t>
+              </a:r>
+              <a:r>
+                <a:rPr kumimoji="0" lang="ko-KR" altLang="en-US" sz="1000" dirty="0" smtClean="0">
+                  <a:latin typeface="나눔고딕OTF" pitchFamily="34" charset="-127"/>
+                  <a:ea typeface="나눔고딕OTF" pitchFamily="34" charset="-127"/>
+                </a:rPr>
+                <a:t>공단에 청구할 금액</a:t>
+              </a:r>
+              <a:r>
+                <a:rPr kumimoji="0" lang="en-US" altLang="ko-KR" sz="1000" dirty="0" smtClean="0">
+                  <a:latin typeface="나눔고딕OTF" pitchFamily="34" charset="-127"/>
+                  <a:ea typeface="나눔고딕OTF" pitchFamily="34" charset="-127"/>
+                </a:rPr>
+                <a:t>.</a:t>
+              </a:r>
+            </a:p>
+            <a:p>
+              <a:pPr marL="228600" indent="-228600">
+                <a:lnSpc>
+                  <a:spcPct val="120000"/>
+                </a:lnSpc>
+              </a:pPr>
+              <a:r>
+                <a:rPr kumimoji="0" lang="en-US" altLang="ko-KR" sz="1000" dirty="0" smtClean="0">
+                  <a:latin typeface="나눔고딕OTF" pitchFamily="34" charset="-127"/>
+                  <a:ea typeface="나눔고딕OTF" pitchFamily="34" charset="-127"/>
+                </a:rPr>
+                <a:t> </a:t>
+              </a:r>
+              <a:r>
+                <a:rPr kumimoji="0" lang="en-US" altLang="ko-KR" sz="1000" dirty="0" smtClean="0">
+                  <a:latin typeface="나눔고딕OTF" pitchFamily="34" charset="-127"/>
+                  <a:ea typeface="나눔고딕OTF" pitchFamily="34" charset="-127"/>
+                </a:rPr>
+                <a:t>  - “</a:t>
+              </a:r>
+              <a:r>
+                <a:rPr kumimoji="0" lang="ko-KR" altLang="en-US" sz="1000" dirty="0" err="1" smtClean="0">
+                  <a:latin typeface="나눔고딕OTF" pitchFamily="34" charset="-127"/>
+                  <a:ea typeface="나눔고딕OTF" pitchFamily="34" charset="-127"/>
+                </a:rPr>
+                <a:t>계약처금액</a:t>
+              </a:r>
+              <a:r>
+                <a:rPr kumimoji="0" lang="en-US" altLang="ko-KR" sz="1000" dirty="0" smtClean="0">
+                  <a:latin typeface="나눔고딕OTF" pitchFamily="34" charset="-127"/>
+                  <a:ea typeface="나눔고딕OTF" pitchFamily="34" charset="-127"/>
+                </a:rPr>
+                <a:t>” : </a:t>
+              </a:r>
+              <a:r>
+                <a:rPr kumimoji="0" lang="ko-KR" altLang="en-US" sz="1000" dirty="0" smtClean="0">
+                  <a:latin typeface="나눔고딕OTF" pitchFamily="34" charset="-127"/>
+                  <a:ea typeface="나눔고딕OTF" pitchFamily="34" charset="-127"/>
+                </a:rPr>
+                <a:t>사업장 계약 검진 묶음 생성 시 사업장과 계약한 금액</a:t>
+              </a:r>
+              <a:r>
+                <a:rPr kumimoji="0" lang="en-US" altLang="ko-KR" sz="1000" dirty="0" smtClean="0">
+                  <a:latin typeface="나눔고딕OTF" pitchFamily="34" charset="-127"/>
+                  <a:ea typeface="나눔고딕OTF" pitchFamily="34" charset="-127"/>
+                </a:rPr>
+                <a:t>.</a:t>
+              </a:r>
+            </a:p>
+            <a:p>
+              <a:pPr marL="228600" indent="-228600">
+                <a:lnSpc>
+                  <a:spcPct val="120000"/>
+                </a:lnSpc>
+              </a:pPr>
+              <a:r>
+                <a:rPr kumimoji="0" lang="en-US" altLang="ko-KR" sz="1000" dirty="0" smtClean="0">
+                  <a:latin typeface="나눔고딕OTF" pitchFamily="34" charset="-127"/>
+                  <a:ea typeface="나눔고딕OTF" pitchFamily="34" charset="-127"/>
+                </a:rPr>
+                <a:t>   - “</a:t>
+              </a:r>
+              <a:r>
+                <a:rPr kumimoji="0" lang="ko-KR" altLang="en-US" sz="1000" dirty="0" smtClean="0">
+                  <a:latin typeface="나눔고딕OTF" pitchFamily="34" charset="-127"/>
+                  <a:ea typeface="나눔고딕OTF" pitchFamily="34" charset="-127"/>
+                </a:rPr>
+                <a:t>검진종류</a:t>
+              </a:r>
+              <a:r>
+                <a:rPr kumimoji="0" lang="en-US" altLang="ko-KR" sz="1000" dirty="0" smtClean="0">
+                  <a:latin typeface="나눔고딕OTF" pitchFamily="34" charset="-127"/>
+                  <a:ea typeface="나눔고딕OTF" pitchFamily="34" charset="-127"/>
+                </a:rPr>
+                <a:t>” : </a:t>
+              </a:r>
+              <a:r>
+                <a:rPr kumimoji="0" lang="ko-KR" altLang="en-US" sz="1000" dirty="0" smtClean="0">
+                  <a:latin typeface="나눔고딕OTF" pitchFamily="34" charset="-127"/>
+                  <a:ea typeface="나눔고딕OTF" pitchFamily="34" charset="-127"/>
+                </a:rPr>
+                <a:t>종합검진</a:t>
+              </a:r>
+              <a:r>
+                <a:rPr kumimoji="0" lang="en-US" altLang="ko-KR" sz="1000" dirty="0" smtClean="0">
+                  <a:latin typeface="나눔고딕OTF" pitchFamily="34" charset="-127"/>
+                  <a:ea typeface="나눔고딕OTF" pitchFamily="34" charset="-127"/>
+                </a:rPr>
+                <a:t>, </a:t>
+              </a:r>
+              <a:r>
+                <a:rPr kumimoji="0" lang="ko-KR" altLang="en-US" sz="1000" dirty="0" smtClean="0">
+                  <a:latin typeface="나눔고딕OTF" pitchFamily="34" charset="-127"/>
+                  <a:ea typeface="나눔고딕OTF" pitchFamily="34" charset="-127"/>
+                </a:rPr>
+                <a:t>건강검진 등 생성할 묶음의 검진 유형을 선택합니다</a:t>
+              </a:r>
+              <a:r>
+                <a:rPr kumimoji="0" lang="en-US" altLang="ko-KR" sz="1000" dirty="0" smtClean="0">
+                  <a:latin typeface="나눔고딕OTF" pitchFamily="34" charset="-127"/>
+                  <a:ea typeface="나눔고딕OTF" pitchFamily="34" charset="-127"/>
+                </a:rPr>
+                <a:t>.</a:t>
+              </a:r>
+            </a:p>
+            <a:p>
+              <a:pPr marL="228600" indent="-228600">
+                <a:lnSpc>
+                  <a:spcPct val="120000"/>
+                </a:lnSpc>
+              </a:pPr>
+              <a:r>
+                <a:rPr kumimoji="0" lang="en-US" altLang="ko-KR" sz="1000" dirty="0" smtClean="0">
+                  <a:latin typeface="나눔고딕OTF" pitchFamily="34" charset="-127"/>
+                  <a:ea typeface="나눔고딕OTF" pitchFamily="34" charset="-127"/>
+                </a:rPr>
+                <a:t> </a:t>
+              </a:r>
+              <a:r>
+                <a:rPr kumimoji="0" lang="en-US" altLang="ko-KR" sz="1000" dirty="0" smtClean="0">
+                  <a:latin typeface="나눔고딕OTF" pitchFamily="34" charset="-127"/>
+                  <a:ea typeface="나눔고딕OTF" pitchFamily="34" charset="-127"/>
+                </a:rPr>
+                <a:t>  - “Remark” : </a:t>
+              </a:r>
+              <a:r>
+                <a:rPr kumimoji="0" lang="ko-KR" altLang="en-US" sz="1000" dirty="0" smtClean="0">
+                  <a:latin typeface="나눔고딕OTF" pitchFamily="34" charset="-127"/>
+                  <a:ea typeface="나눔고딕OTF" pitchFamily="34" charset="-127"/>
+                </a:rPr>
+                <a:t>검진 접수 시</a:t>
+              </a:r>
+              <a:r>
+                <a:rPr kumimoji="0" lang="en-US" altLang="ko-KR" sz="1000" dirty="0" smtClean="0">
+                  <a:latin typeface="나눔고딕OTF" pitchFamily="34" charset="-127"/>
+                  <a:ea typeface="나눔고딕OTF" pitchFamily="34" charset="-127"/>
+                </a:rPr>
+                <a:t>, </a:t>
+              </a:r>
+              <a:r>
+                <a:rPr kumimoji="0" lang="ko-KR" altLang="en-US" sz="1000" dirty="0" smtClean="0">
+                  <a:latin typeface="나눔고딕OTF" pitchFamily="34" charset="-127"/>
+                  <a:ea typeface="나눔고딕OTF" pitchFamily="34" charset="-127"/>
+                </a:rPr>
+                <a:t>묶음코드를 찾기 편하도록 설정합니다</a:t>
+              </a:r>
+              <a:r>
+                <a:rPr kumimoji="0" lang="en-US" altLang="ko-KR" sz="1000" dirty="0" smtClean="0">
+                  <a:latin typeface="나눔고딕OTF" pitchFamily="34" charset="-127"/>
+                  <a:ea typeface="나눔고딕OTF" pitchFamily="34" charset="-127"/>
+                </a:rPr>
+                <a:t>.</a:t>
+              </a:r>
+            </a:p>
+            <a:p>
+              <a:pPr marL="228600" indent="-228600">
+                <a:lnSpc>
+                  <a:spcPct val="120000"/>
+                </a:lnSpc>
+              </a:pPr>
+              <a:r>
+                <a:rPr kumimoji="0" lang="en-US" altLang="ko-KR" sz="1000" dirty="0" smtClean="0">
+                  <a:latin typeface="나눔고딕OTF" pitchFamily="34" charset="-127"/>
+                  <a:ea typeface="나눔고딕OTF" pitchFamily="34" charset="-127"/>
+                </a:rPr>
+                <a:t>	</a:t>
+              </a:r>
+              <a:r>
+                <a:rPr kumimoji="0" lang="en-US" altLang="ko-KR" sz="1000" dirty="0" smtClean="0">
+                  <a:latin typeface="나눔고딕OTF" pitchFamily="34" charset="-127"/>
+                  <a:ea typeface="나눔고딕OTF" pitchFamily="34" charset="-127"/>
+                </a:rPr>
+                <a:t>			           - </a:t>
+              </a:r>
+              <a:r>
+                <a:rPr kumimoji="0" lang="ko-KR" altLang="en-US" sz="1000" dirty="0" smtClean="0">
+                  <a:latin typeface="나눔고딕OTF" pitchFamily="34" charset="-127"/>
+                  <a:ea typeface="나눔고딕OTF" pitchFamily="34" charset="-127"/>
+                </a:rPr>
+                <a:t>예</a:t>
+              </a:r>
+              <a:r>
+                <a:rPr kumimoji="0" lang="en-US" altLang="ko-KR" sz="1000" dirty="0" smtClean="0">
+                  <a:latin typeface="나눔고딕OTF" pitchFamily="34" charset="-127"/>
+                  <a:ea typeface="나눔고딕OTF" pitchFamily="34" charset="-127"/>
+                </a:rPr>
+                <a:t>) </a:t>
+              </a:r>
+              <a:r>
+                <a:rPr kumimoji="0" lang="ko-KR" altLang="en-US" sz="1000" dirty="0" err="1" smtClean="0">
+                  <a:latin typeface="나눔고딕OTF" pitchFamily="34" charset="-127"/>
+                  <a:ea typeface="나눔고딕OTF" pitchFamily="34" charset="-127"/>
+                </a:rPr>
+                <a:t>입력칸에</a:t>
+              </a:r>
+              <a:r>
+                <a:rPr kumimoji="0" lang="ko-KR" altLang="en-US" sz="1000" dirty="0" smtClean="0">
+                  <a:latin typeface="나눔고딕OTF" pitchFamily="34" charset="-127"/>
+                  <a:ea typeface="나눔고딕OTF" pitchFamily="34" charset="-127"/>
+                </a:rPr>
+                <a:t> </a:t>
+              </a:r>
+              <a:r>
+                <a:rPr kumimoji="0" lang="en-US" altLang="ko-KR" sz="1000" dirty="0" smtClean="0">
+                  <a:latin typeface="나눔고딕OTF" pitchFamily="34" charset="-127"/>
+                  <a:ea typeface="나눔고딕OTF" pitchFamily="34" charset="-127"/>
+                </a:rPr>
+                <a:t>“3”</a:t>
+              </a:r>
+              <a:r>
+                <a:rPr kumimoji="0" lang="ko-KR" altLang="en-US" sz="1000" dirty="0" smtClean="0">
+                  <a:latin typeface="나눔고딕OTF" pitchFamily="34" charset="-127"/>
+                  <a:ea typeface="나눔고딕OTF" pitchFamily="34" charset="-127"/>
+                </a:rPr>
+                <a:t>을 입력하면</a:t>
+              </a:r>
+              <a:r>
+                <a:rPr kumimoji="0" lang="en-US" altLang="ko-KR" sz="1000" dirty="0" smtClean="0">
+                  <a:latin typeface="나눔고딕OTF" pitchFamily="34" charset="-127"/>
+                  <a:ea typeface="나눔고딕OTF" pitchFamily="34" charset="-127"/>
+                </a:rPr>
+                <a:t>, </a:t>
+              </a:r>
+              <a:r>
+                <a:rPr kumimoji="0" lang="ko-KR" altLang="en-US" sz="1000" dirty="0" smtClean="0">
+                  <a:latin typeface="나눔고딕OTF" pitchFamily="34" charset="-127"/>
+                  <a:ea typeface="나눔고딕OTF" pitchFamily="34" charset="-127"/>
+                </a:rPr>
+                <a:t>접수 시 오더 검색 창</a:t>
+              </a:r>
+              <a:r>
+                <a:rPr kumimoji="0" lang="en-US" altLang="ko-KR" sz="1000" dirty="0" smtClean="0">
+                  <a:latin typeface="나눔고딕OTF" pitchFamily="34" charset="-127"/>
+                  <a:ea typeface="나눔고딕OTF" pitchFamily="34" charset="-127"/>
+                </a:rPr>
+                <a:t/>
+              </a:r>
+              <a:br>
+                <a:rPr kumimoji="0" lang="en-US" altLang="ko-KR" sz="1000" dirty="0" smtClean="0">
+                  <a:latin typeface="나눔고딕OTF" pitchFamily="34" charset="-127"/>
+                  <a:ea typeface="나눔고딕OTF" pitchFamily="34" charset="-127"/>
+                </a:rPr>
+              </a:br>
+              <a:r>
+                <a:rPr kumimoji="0" lang="en-US" altLang="ko-KR" sz="1000" dirty="0" smtClean="0">
+                  <a:latin typeface="나눔고딕OTF" pitchFamily="34" charset="-127"/>
+                  <a:ea typeface="나눔고딕OTF" pitchFamily="34" charset="-127"/>
+                </a:rPr>
+                <a:t>			                   </a:t>
+              </a:r>
+              <a:r>
+                <a:rPr kumimoji="0" lang="ko-KR" altLang="en-US" sz="1000" dirty="0" smtClean="0">
+                  <a:latin typeface="나눔고딕OTF" pitchFamily="34" charset="-127"/>
+                  <a:ea typeface="나눔고딕OTF" pitchFamily="34" charset="-127"/>
+                </a:rPr>
+                <a:t>에서 </a:t>
+              </a:r>
+              <a:r>
+                <a:rPr kumimoji="0" lang="en-US" altLang="ko-KR" sz="1000" dirty="0" smtClean="0">
+                  <a:latin typeface="나눔고딕OTF" pitchFamily="34" charset="-127"/>
+                  <a:ea typeface="나눔고딕OTF" pitchFamily="34" charset="-127"/>
+                </a:rPr>
+                <a:t>“</a:t>
+              </a:r>
+              <a:r>
+                <a:rPr kumimoji="0" lang="ko-KR" altLang="en-US" sz="1000" dirty="0" smtClean="0">
+                  <a:latin typeface="나눔고딕OTF" pitchFamily="34" charset="-127"/>
+                  <a:ea typeface="나눔고딕OTF" pitchFamily="34" charset="-127"/>
+                </a:rPr>
+                <a:t>위암</a:t>
+              </a:r>
+              <a:r>
+                <a:rPr kumimoji="0" lang="en-US" altLang="ko-KR" sz="1000" dirty="0" smtClean="0">
+                  <a:latin typeface="나눔고딕OTF" pitchFamily="34" charset="-127"/>
+                  <a:ea typeface="나눔고딕OTF" pitchFamily="34" charset="-127"/>
+                </a:rPr>
+                <a:t>”</a:t>
+              </a:r>
+              <a:r>
+                <a:rPr kumimoji="0" lang="ko-KR" altLang="en-US" sz="1000" dirty="0" smtClean="0">
+                  <a:latin typeface="나눔고딕OTF" pitchFamily="34" charset="-127"/>
+                  <a:ea typeface="나눔고딕OTF" pitchFamily="34" charset="-127"/>
+                </a:rPr>
+                <a:t>을 클릭했을 때 표시됩니다</a:t>
+              </a:r>
+              <a:r>
+                <a:rPr kumimoji="0" lang="en-US" altLang="ko-KR" sz="1000" dirty="0" smtClean="0">
+                  <a:latin typeface="나눔고딕OTF" pitchFamily="34" charset="-127"/>
+                  <a:ea typeface="나눔고딕OTF" pitchFamily="34" charset="-127"/>
+                </a:rPr>
+                <a:t>.</a:t>
+              </a:r>
+            </a:p>
+            <a:p>
+              <a:pPr marL="228600" indent="-228600">
+                <a:lnSpc>
+                  <a:spcPct val="120000"/>
+                </a:lnSpc>
+              </a:pPr>
+              <a:r>
+                <a:rPr kumimoji="0" lang="en-US" altLang="ko-KR" sz="1000" dirty="0" smtClean="0">
+                  <a:latin typeface="나눔고딕OTF" pitchFamily="34" charset="-127"/>
+                  <a:ea typeface="나눔고딕OTF" pitchFamily="34" charset="-127"/>
+                </a:rPr>
+                <a:t>	</a:t>
+              </a:r>
+              <a:r>
+                <a:rPr kumimoji="0" lang="en-US" altLang="ko-KR" sz="1000" dirty="0" smtClean="0">
+                  <a:latin typeface="나눔고딕OTF" pitchFamily="34" charset="-127"/>
+                  <a:ea typeface="나눔고딕OTF" pitchFamily="34" charset="-127"/>
+                </a:rPr>
+                <a:t>			           - “</a:t>
+              </a:r>
+              <a:r>
+                <a:rPr kumimoji="0" lang="ko-KR" altLang="en-US" sz="1000" dirty="0" smtClean="0">
+                  <a:latin typeface="나눔고딕OTF" pitchFamily="34" charset="-127"/>
+                  <a:ea typeface="나눔고딕OTF" pitchFamily="34" charset="-127"/>
+                </a:rPr>
+                <a:t>저장</a:t>
+              </a:r>
+              <a:r>
+                <a:rPr kumimoji="0" lang="en-US" altLang="ko-KR" sz="1000" dirty="0" smtClean="0">
+                  <a:latin typeface="나눔고딕OTF" pitchFamily="34" charset="-127"/>
+                  <a:ea typeface="나눔고딕OTF" pitchFamily="34" charset="-127"/>
+                </a:rPr>
+                <a:t>” </a:t>
+              </a:r>
+              <a:r>
+                <a:rPr kumimoji="0" lang="ko-KR" altLang="en-US" sz="1000" dirty="0" smtClean="0">
+                  <a:latin typeface="나눔고딕OTF" pitchFamily="34" charset="-127"/>
+                  <a:ea typeface="나눔고딕OTF" pitchFamily="34" charset="-127"/>
+                </a:rPr>
+                <a:t>버튼을 클릭하여 완료합니다</a:t>
+              </a:r>
+              <a:r>
+                <a:rPr kumimoji="0" lang="en-US" altLang="ko-KR" sz="1000" dirty="0" smtClean="0">
+                  <a:latin typeface="나눔고딕OTF" pitchFamily="34" charset="-127"/>
+                  <a:ea typeface="나눔고딕OTF" pitchFamily="34" charset="-127"/>
+                </a:rPr>
+                <a:t>.</a:t>
+              </a:r>
+            </a:p>
+          </p:txBody>
+        </p:sp>
+        <p:sp>
+          <p:nvSpPr>
+            <p:cNvPr id="16" name="TextBox 15"/>
+            <p:cNvSpPr txBox="1"/>
+            <p:nvPr/>
+          </p:nvSpPr>
+          <p:spPr>
+            <a:xfrm>
+              <a:off x="1595414" y="2372776"/>
+              <a:ext cx="642942" cy="215444"/>
+            </a:xfrm>
+            <a:prstGeom prst="rect">
+              <a:avLst/>
+            </a:prstGeom>
+            <a:noFill/>
+          </p:spPr>
+          <p:txBody>
+            <a:bodyPr wrap="square" rtlCol="0">
+              <a:spAutoFit/>
+            </a:bodyPr>
+            <a:lstStyle/>
+            <a:p>
+              <a:r>
+                <a:rPr lang="ko-KR" altLang="en-US" sz="800" dirty="0" smtClean="0">
+                  <a:solidFill>
+                    <a:srgbClr val="FF0000"/>
+                  </a:solidFill>
+                </a:rPr>
+                <a:t>코드번호</a:t>
+              </a:r>
+              <a:endParaRPr lang="ko-KR" altLang="en-US" sz="800" dirty="0">
+                <a:solidFill>
+                  <a:srgbClr val="FF0000"/>
+                </a:solidFill>
+              </a:endParaRPr>
+            </a:p>
+          </p:txBody>
+        </p:sp>
+        <p:sp>
+          <p:nvSpPr>
+            <p:cNvPr id="17" name="TextBox 16"/>
+            <p:cNvSpPr txBox="1"/>
+            <p:nvPr/>
+          </p:nvSpPr>
+          <p:spPr>
+            <a:xfrm>
+              <a:off x="2238356" y="2570614"/>
+              <a:ext cx="500066" cy="215444"/>
+            </a:xfrm>
+            <a:prstGeom prst="rect">
+              <a:avLst/>
+            </a:prstGeom>
+            <a:noFill/>
+          </p:spPr>
+          <p:txBody>
+            <a:bodyPr wrap="square" rtlCol="0">
+              <a:spAutoFit/>
+            </a:bodyPr>
+            <a:lstStyle/>
+            <a:p>
+              <a:r>
+                <a:rPr lang="ko-KR" altLang="en-US" sz="800" dirty="0" smtClean="0">
+                  <a:solidFill>
+                    <a:srgbClr val="FF0000"/>
+                  </a:solidFill>
+                </a:rPr>
+                <a:t>코드명</a:t>
+              </a:r>
+              <a:endParaRPr lang="ko-KR" altLang="en-US" sz="800" dirty="0">
+                <a:solidFill>
+                  <a:srgbClr val="FF0000"/>
+                </a:solidFill>
+              </a:endParaRPr>
+            </a:p>
+          </p:txBody>
+        </p:sp>
+        <p:sp>
+          <p:nvSpPr>
+            <p:cNvPr id="21" name="TextBox 20"/>
+            <p:cNvSpPr txBox="1"/>
+            <p:nvPr/>
+          </p:nvSpPr>
+          <p:spPr>
+            <a:xfrm>
+              <a:off x="2166918" y="3394918"/>
+              <a:ext cx="1000132" cy="215444"/>
+            </a:xfrm>
+            <a:prstGeom prst="rect">
+              <a:avLst/>
+            </a:prstGeom>
+            <a:noFill/>
+          </p:spPr>
+          <p:txBody>
+            <a:bodyPr wrap="square" rtlCol="0">
+              <a:spAutoFit/>
+            </a:bodyPr>
+            <a:lstStyle/>
+            <a:p>
+              <a:r>
+                <a:rPr lang="ko-KR" altLang="en-US" sz="800" dirty="0" smtClean="0">
+                  <a:solidFill>
+                    <a:srgbClr val="FF0000"/>
+                  </a:solidFill>
+                </a:rPr>
+                <a:t>검진종류 선택</a:t>
+              </a:r>
+              <a:endParaRPr lang="ko-KR" altLang="en-US" sz="800" dirty="0">
+                <a:solidFill>
+                  <a:srgbClr val="FF0000"/>
+                </a:solidFill>
+              </a:endParaRPr>
+            </a:p>
+          </p:txBody>
+        </p:sp>
+        <p:sp>
+          <p:nvSpPr>
+            <p:cNvPr id="24" name="TextBox 23"/>
+            <p:cNvSpPr txBox="1"/>
+            <p:nvPr/>
+          </p:nvSpPr>
+          <p:spPr>
+            <a:xfrm>
+              <a:off x="1556928" y="2786058"/>
+              <a:ext cx="642942" cy="215444"/>
+            </a:xfrm>
+            <a:prstGeom prst="rect">
+              <a:avLst/>
+            </a:prstGeom>
+            <a:noFill/>
+          </p:spPr>
+          <p:txBody>
+            <a:bodyPr wrap="square" rtlCol="0">
+              <a:spAutoFit/>
+            </a:bodyPr>
+            <a:lstStyle/>
+            <a:p>
+              <a:r>
+                <a:rPr lang="ko-KR" altLang="en-US" sz="800" dirty="0" smtClean="0">
+                  <a:solidFill>
+                    <a:srgbClr val="FF0000"/>
+                  </a:solidFill>
+                </a:rPr>
+                <a:t>검사금액</a:t>
+              </a:r>
+              <a:endParaRPr lang="ko-KR" altLang="en-US" sz="800" dirty="0">
+                <a:solidFill>
+                  <a:srgbClr val="FF0000"/>
+                </a:solidFill>
+              </a:endParaRPr>
+            </a:p>
+          </p:txBody>
+        </p:sp>
+        <p:sp>
+          <p:nvSpPr>
+            <p:cNvPr id="25" name="TextBox 24"/>
+            <p:cNvSpPr txBox="1"/>
+            <p:nvPr/>
+          </p:nvSpPr>
+          <p:spPr>
+            <a:xfrm>
+              <a:off x="2881298" y="2786058"/>
+              <a:ext cx="642942" cy="215444"/>
+            </a:xfrm>
+            <a:prstGeom prst="rect">
+              <a:avLst/>
+            </a:prstGeom>
+            <a:noFill/>
+          </p:spPr>
+          <p:txBody>
+            <a:bodyPr wrap="square" rtlCol="0">
+              <a:spAutoFit/>
+            </a:bodyPr>
+            <a:lstStyle/>
+            <a:p>
+              <a:r>
+                <a:rPr lang="ko-KR" altLang="en-US" sz="800" dirty="0" smtClean="0">
+                  <a:solidFill>
+                    <a:srgbClr val="FF0000"/>
+                  </a:solidFill>
+                </a:rPr>
+                <a:t>후불금액</a:t>
+              </a:r>
+              <a:endParaRPr lang="ko-KR" altLang="en-US" sz="800" dirty="0">
+                <a:solidFill>
+                  <a:srgbClr val="FF0000"/>
+                </a:solidFill>
+              </a:endParaRPr>
+            </a:p>
+          </p:txBody>
+        </p:sp>
+        <p:sp>
+          <p:nvSpPr>
+            <p:cNvPr id="27" name="TextBox 26"/>
+            <p:cNvSpPr txBox="1"/>
+            <p:nvPr/>
+          </p:nvSpPr>
+          <p:spPr>
+            <a:xfrm>
+              <a:off x="2809860" y="3000372"/>
+              <a:ext cx="714380" cy="215444"/>
+            </a:xfrm>
+            <a:prstGeom prst="rect">
+              <a:avLst/>
+            </a:prstGeom>
+            <a:noFill/>
+          </p:spPr>
+          <p:txBody>
+            <a:bodyPr wrap="square" rtlCol="0">
+              <a:spAutoFit/>
+            </a:bodyPr>
+            <a:lstStyle/>
+            <a:p>
+              <a:r>
+                <a:rPr lang="ko-KR" altLang="en-US" sz="800" dirty="0" err="1" smtClean="0">
+                  <a:solidFill>
+                    <a:srgbClr val="FF0000"/>
+                  </a:solidFill>
+                </a:rPr>
+                <a:t>계약처금액</a:t>
+              </a:r>
+              <a:endParaRPr lang="ko-KR" altLang="en-US" sz="800" dirty="0">
+                <a:solidFill>
+                  <a:srgbClr val="FF0000"/>
+                </a:solidFill>
+              </a:endParaRPr>
+            </a:p>
+          </p:txBody>
+        </p:sp>
+        <p:sp>
+          <p:nvSpPr>
+            <p:cNvPr id="28" name="직사각형 27"/>
+            <p:cNvSpPr/>
+            <p:nvPr/>
+          </p:nvSpPr>
+          <p:spPr>
+            <a:xfrm>
+              <a:off x="3095612" y="3571876"/>
+              <a:ext cx="285752" cy="285752"/>
+            </a:xfrm>
+            <a:prstGeom prst="rect">
+              <a:avLst/>
+            </a:prstGeom>
+            <a:noFill/>
+            <a:ln w="12700">
+              <a:solidFill>
+                <a:srgbClr val="FF0000"/>
+              </a:solidFill>
+            </a:ln>
+          </p:spPr>
+          <p:style>
+            <a:lnRef idx="2">
+              <a:schemeClr val="accent1">
+                <a:shade val="50000"/>
+              </a:schemeClr>
+            </a:lnRef>
+            <a:fillRef idx="1">
+              <a:schemeClr val="accent1"/>
+            </a:fillRef>
+            <a:effectRef idx="0">
+              <a:schemeClr val="accent1"/>
+            </a:effectRef>
+            <a:fontRef idx="minor">
+              <a:schemeClr val="lt1"/>
+            </a:fontRef>
+          </p:style>
+          <p:txBody>
+            <a:bodyPr anchor="ctr"/>
+            <a:lstStyle/>
+            <a:p>
+              <a:pPr algn="ctr" fontAlgn="auto">
+                <a:spcBef>
+                  <a:spcPts val="0"/>
+                </a:spcBef>
+                <a:spcAft>
+                  <a:spcPts val="0"/>
+                </a:spcAft>
+                <a:defRPr/>
+              </a:pPr>
+              <a:endParaRPr kumimoji="0" lang="ko-KR" altLang="en-US" dirty="0">
+                <a:latin typeface="나눔고딕OTF" pitchFamily="34" charset="-127"/>
+                <a:ea typeface="나눔고딕OTF" pitchFamily="34" charset="-127"/>
+              </a:endParaRPr>
+            </a:p>
+          </p:txBody>
+        </p:sp>
+        <p:pic>
+          <p:nvPicPr>
+            <p:cNvPr id="1029" name="Picture 5"/>
+            <p:cNvPicPr>
+              <a:picLocks noChangeAspect="1" noChangeArrowheads="1"/>
+            </p:cNvPicPr>
+            <p:nvPr/>
+          </p:nvPicPr>
+          <p:blipFill>
+            <a:blip r:embed="rId3"/>
+            <a:srcRect/>
+            <a:stretch>
+              <a:fillRect/>
+            </a:stretch>
+          </p:blipFill>
+          <p:spPr bwMode="auto">
+            <a:xfrm>
+              <a:off x="3881430" y="3143248"/>
+              <a:ext cx="2924175" cy="2047875"/>
+            </a:xfrm>
+            <a:prstGeom prst="rect">
+              <a:avLst/>
+            </a:prstGeom>
+            <a:noFill/>
+            <a:ln w="9525">
+              <a:solidFill>
+                <a:schemeClr val="tx1"/>
+              </a:solidFill>
+              <a:miter lim="800000"/>
+              <a:headEnd/>
+              <a:tailEnd/>
+            </a:ln>
+            <a:effectLst/>
+          </p:spPr>
+        </p:pic>
+        <p:sp>
+          <p:nvSpPr>
+            <p:cNvPr id="29" name="TextBox 28"/>
+            <p:cNvSpPr txBox="1"/>
+            <p:nvPr/>
+          </p:nvSpPr>
+          <p:spPr>
+            <a:xfrm>
+              <a:off x="4310058" y="3111341"/>
+              <a:ext cx="214314" cy="246221"/>
+            </a:xfrm>
+            <a:prstGeom prst="rect">
+              <a:avLst/>
+            </a:prstGeom>
+            <a:noFill/>
+          </p:spPr>
+          <p:txBody>
+            <a:bodyPr wrap="square" rtlCol="0">
+              <a:spAutoFit/>
+            </a:bodyPr>
+            <a:lstStyle/>
+            <a:p>
+              <a:r>
+                <a:rPr lang="en-US" altLang="ko-KR" sz="1000" b="1" dirty="0" smtClean="0">
+                  <a:solidFill>
+                    <a:srgbClr val="FF0000"/>
+                  </a:solidFill>
+                </a:rPr>
+                <a:t>1</a:t>
+              </a:r>
+              <a:endParaRPr lang="ko-KR" altLang="en-US" sz="1000" b="1" dirty="0">
+                <a:solidFill>
+                  <a:srgbClr val="FF0000"/>
+                </a:solidFill>
+              </a:endParaRPr>
+            </a:p>
+          </p:txBody>
+        </p:sp>
+        <p:sp>
+          <p:nvSpPr>
+            <p:cNvPr id="30" name="TextBox 29"/>
+            <p:cNvSpPr txBox="1"/>
+            <p:nvPr/>
+          </p:nvSpPr>
+          <p:spPr>
+            <a:xfrm>
+              <a:off x="4881562" y="3111341"/>
+              <a:ext cx="214314" cy="246221"/>
+            </a:xfrm>
+            <a:prstGeom prst="rect">
+              <a:avLst/>
+            </a:prstGeom>
+            <a:noFill/>
+          </p:spPr>
+          <p:txBody>
+            <a:bodyPr wrap="square" rtlCol="0">
+              <a:spAutoFit/>
+            </a:bodyPr>
+            <a:lstStyle/>
+            <a:p>
+              <a:r>
+                <a:rPr lang="en-US" altLang="ko-KR" sz="1000" b="1" dirty="0" smtClean="0">
+                  <a:solidFill>
+                    <a:srgbClr val="FF0000"/>
+                  </a:solidFill>
+                </a:rPr>
+                <a:t>2</a:t>
+              </a:r>
+              <a:endParaRPr lang="ko-KR" altLang="en-US" sz="1000" b="1" dirty="0">
+                <a:solidFill>
+                  <a:srgbClr val="FF0000"/>
+                </a:solidFill>
+              </a:endParaRPr>
+            </a:p>
+          </p:txBody>
+        </p:sp>
+        <p:sp>
+          <p:nvSpPr>
+            <p:cNvPr id="31" name="TextBox 30"/>
+            <p:cNvSpPr txBox="1"/>
+            <p:nvPr/>
+          </p:nvSpPr>
+          <p:spPr>
+            <a:xfrm>
+              <a:off x="4310058" y="3325655"/>
+              <a:ext cx="214314" cy="246221"/>
+            </a:xfrm>
+            <a:prstGeom prst="rect">
+              <a:avLst/>
+            </a:prstGeom>
+            <a:noFill/>
+          </p:spPr>
+          <p:txBody>
+            <a:bodyPr wrap="square" rtlCol="0">
+              <a:spAutoFit/>
+            </a:bodyPr>
+            <a:lstStyle/>
+            <a:p>
+              <a:r>
+                <a:rPr lang="en-US" altLang="ko-KR" sz="1000" b="1" dirty="0" smtClean="0">
+                  <a:solidFill>
+                    <a:srgbClr val="FF0000"/>
+                  </a:solidFill>
+                </a:rPr>
+                <a:t>3</a:t>
+              </a:r>
+              <a:endParaRPr lang="ko-KR" altLang="en-US" sz="1000" b="1" dirty="0">
+                <a:solidFill>
+                  <a:srgbClr val="FF0000"/>
+                </a:solidFill>
+              </a:endParaRPr>
+            </a:p>
+          </p:txBody>
+        </p:sp>
+        <p:sp>
+          <p:nvSpPr>
+            <p:cNvPr id="32" name="TextBox 31"/>
+            <p:cNvSpPr txBox="1"/>
+            <p:nvPr/>
+          </p:nvSpPr>
+          <p:spPr>
+            <a:xfrm>
+              <a:off x="4906276" y="3325655"/>
+              <a:ext cx="214314" cy="246221"/>
+            </a:xfrm>
+            <a:prstGeom prst="rect">
+              <a:avLst/>
+            </a:prstGeom>
+            <a:noFill/>
+          </p:spPr>
+          <p:txBody>
+            <a:bodyPr wrap="square" rtlCol="0">
+              <a:spAutoFit/>
+            </a:bodyPr>
+            <a:lstStyle/>
+            <a:p>
+              <a:r>
+                <a:rPr lang="en-US" altLang="ko-KR" sz="1000" b="1" dirty="0" smtClean="0">
+                  <a:solidFill>
+                    <a:srgbClr val="FF0000"/>
+                  </a:solidFill>
+                </a:rPr>
+                <a:t>4</a:t>
+              </a:r>
+              <a:endParaRPr lang="ko-KR" altLang="en-US" sz="1000" b="1" dirty="0">
+                <a:solidFill>
+                  <a:srgbClr val="FF0000"/>
+                </a:solidFill>
+              </a:endParaRPr>
+            </a:p>
+          </p:txBody>
+        </p:sp>
+        <p:sp>
+          <p:nvSpPr>
+            <p:cNvPr id="33" name="TextBox 32"/>
+            <p:cNvSpPr txBox="1"/>
+            <p:nvPr/>
+          </p:nvSpPr>
+          <p:spPr>
+            <a:xfrm>
+              <a:off x="5398104" y="3325655"/>
+              <a:ext cx="214314" cy="246221"/>
+            </a:xfrm>
+            <a:prstGeom prst="rect">
+              <a:avLst/>
+            </a:prstGeom>
+            <a:noFill/>
+          </p:spPr>
+          <p:txBody>
+            <a:bodyPr wrap="square" rtlCol="0">
+              <a:spAutoFit/>
+            </a:bodyPr>
+            <a:lstStyle/>
+            <a:p>
+              <a:r>
+                <a:rPr lang="en-US" altLang="ko-KR" sz="1000" b="1" dirty="0" smtClean="0">
+                  <a:solidFill>
+                    <a:srgbClr val="FF0000"/>
+                  </a:solidFill>
+                </a:rPr>
+                <a:t>5</a:t>
+              </a:r>
+              <a:endParaRPr lang="ko-KR" altLang="en-US" sz="1000" b="1" dirty="0">
+                <a:solidFill>
+                  <a:srgbClr val="FF0000"/>
+                </a:solidFill>
+              </a:endParaRPr>
+            </a:p>
+          </p:txBody>
+        </p:sp>
+        <p:sp>
+          <p:nvSpPr>
+            <p:cNvPr id="34" name="TextBox 33"/>
+            <p:cNvSpPr txBox="1"/>
+            <p:nvPr/>
+          </p:nvSpPr>
+          <p:spPr>
+            <a:xfrm>
+              <a:off x="6024570" y="3325655"/>
+              <a:ext cx="214314" cy="246221"/>
+            </a:xfrm>
+            <a:prstGeom prst="rect">
+              <a:avLst/>
+            </a:prstGeom>
+            <a:noFill/>
+          </p:spPr>
+          <p:txBody>
+            <a:bodyPr wrap="square" rtlCol="0">
+              <a:spAutoFit/>
+            </a:bodyPr>
+            <a:lstStyle/>
+            <a:p>
+              <a:r>
+                <a:rPr lang="en-US" altLang="ko-KR" sz="1000" b="1" dirty="0" smtClean="0">
+                  <a:solidFill>
+                    <a:srgbClr val="FF0000"/>
+                  </a:solidFill>
+                </a:rPr>
+                <a:t>6</a:t>
+              </a:r>
+              <a:endParaRPr lang="ko-KR" altLang="en-US" sz="1000" b="1" dirty="0">
+                <a:solidFill>
+                  <a:srgbClr val="FF0000"/>
+                </a:solidFill>
+              </a:endParaRPr>
+            </a:p>
+          </p:txBody>
+        </p:sp>
+        <p:sp>
+          <p:nvSpPr>
+            <p:cNvPr id="35" name="TextBox 34"/>
+            <p:cNvSpPr txBox="1"/>
+            <p:nvPr/>
+          </p:nvSpPr>
+          <p:spPr>
+            <a:xfrm>
+              <a:off x="6557588" y="3325655"/>
+              <a:ext cx="214314" cy="246221"/>
+            </a:xfrm>
+            <a:prstGeom prst="rect">
+              <a:avLst/>
+            </a:prstGeom>
+            <a:noFill/>
+          </p:spPr>
+          <p:txBody>
+            <a:bodyPr wrap="square" rtlCol="0">
+              <a:spAutoFit/>
+            </a:bodyPr>
+            <a:lstStyle/>
+            <a:p>
+              <a:r>
+                <a:rPr lang="en-US" altLang="ko-KR" sz="1000" b="1" dirty="0" smtClean="0">
+                  <a:solidFill>
+                    <a:srgbClr val="FF0000"/>
+                  </a:solidFill>
+                </a:rPr>
+                <a:t>7</a:t>
+              </a:r>
+              <a:endParaRPr lang="ko-KR" altLang="en-US" sz="1000" b="1" dirty="0">
+                <a:solidFill>
+                  <a:srgbClr val="FF0000"/>
+                </a:solidFill>
+              </a:endParaRPr>
+            </a:p>
+          </p:txBody>
+        </p:sp>
+        <p:cxnSp>
+          <p:nvCxnSpPr>
+            <p:cNvPr id="37" name="Shape 36"/>
+            <p:cNvCxnSpPr>
+              <a:stCxn id="28" idx="3"/>
+            </p:cNvCxnSpPr>
+            <p:nvPr/>
+          </p:nvCxnSpPr>
+          <p:spPr>
+            <a:xfrm flipV="1">
+              <a:off x="3381364" y="3000972"/>
+              <a:ext cx="500066" cy="713780"/>
+            </a:xfrm>
+            <a:prstGeom prst="bentConnector3">
+              <a:avLst>
+                <a:gd name="adj1" fmla="val 50000"/>
+              </a:avLst>
+            </a:prstGeom>
+            <a:ln w="19050">
+              <a:solidFill>
+                <a:srgbClr val="7030A0"/>
+              </a:solidFill>
+              <a:tailEnd type="arrow"/>
+            </a:ln>
+          </p:spPr>
+          <p:style>
+            <a:lnRef idx="1">
+              <a:schemeClr val="accent1"/>
+            </a:lnRef>
+            <a:fillRef idx="0">
+              <a:schemeClr val="accent1"/>
+            </a:fillRef>
+            <a:effectRef idx="0">
+              <a:schemeClr val="accent1"/>
+            </a:effectRef>
+            <a:fontRef idx="minor">
+              <a:schemeClr val="tx1"/>
+            </a:fontRef>
+          </p:style>
+        </p:cxnSp>
+      </p:grpSp>
+    </p:spTree>
+  </p:cSld>
+  <p:clrMapOvr>
+    <a:masterClrMapping/>
+  </p:clrMapOvr>
+  <p:timing>
+    <p:tnLst>
+      <p:par>
+        <p:cTn id="1" dur="indefinite" restart="never" nodeType="tmRoot"/>
+      </p:par>
+    </p:tnLst>
+  </p:timing>
+</p:sld>
+</file>
+
+<file path=ppt/slides/slide41.xml><?xml version="1.0" encoding="utf-8"?>
+<p:sld xmlns:a="http://schemas.openxmlformats.org/drawingml/2006/main" xmlns:r="http://schemas.openxmlformats.org/officeDocument/2006/relationships" xmlns:p="http://schemas.openxmlformats.org/presentationml/2006/main">
+  <p:cSld>
+    <p:spTree>
+      <p:nvGrpSpPr>
+        <p:cNvPr id="1" name=""/>
+        <p:cNvGrpSpPr/>
+        <p:nvPr/>
+      </p:nvGrpSpPr>
+      <p:grpSpPr>
+        <a:xfrm>
+          <a:off x="0" y="0"/>
+          <a:ext cx="0" cy="0"/>
+          <a:chOff x="0" y="0"/>
+          <a:chExt cx="0" cy="0"/>
+        </a:xfrm>
+      </p:grpSpPr>
       <p:pic>
         <p:nvPicPr>
           <p:cNvPr id="22530" name="Picture 8"/>
@@ -38610,8 +40136,8 @@
         </p:blipFill>
         <p:spPr bwMode="auto">
           <a:xfrm>
-            <a:off x="664695" y="1797840"/>
-            <a:ext cx="4923959" cy="3418882"/>
+            <a:off x="929104" y="1797840"/>
+            <a:ext cx="3380954" cy="3418882"/>
           </a:xfrm>
           <a:prstGeom prst="rect">
             <a:avLst/>
@@ -38730,8 +40256,8 @@
         </p:nvSpPr>
         <p:spPr>
           <a:xfrm>
-            <a:off x="666720" y="1928802"/>
-            <a:ext cx="1357322" cy="3214710"/>
+            <a:off x="952472" y="1928802"/>
+            <a:ext cx="1500198" cy="1500198"/>
           </a:xfrm>
           <a:prstGeom prst="rect">
             <a:avLst/>
@@ -38787,7 +40313,7 @@
         </p:nvSpPr>
         <p:spPr>
           <a:xfrm>
-            <a:off x="523844" y="1785926"/>
+            <a:off x="809596" y="1785926"/>
             <a:ext cx="214314" cy="214314"/>
           </a:xfrm>
           <a:prstGeom prst="ellipse">
@@ -38932,7 +40458,21 @@
                 <a:latin typeface="나눔고딕OTF" pitchFamily="34" charset="-127"/>
                 <a:ea typeface="나눔고딕OTF" pitchFamily="34" charset="-127"/>
               </a:rPr>
-              <a:t>묶음코드</a:t>
+              <a:t>묶음코드 </a:t>
+            </a:r>
+            <a:r>
+              <a:rPr kumimoji="0" lang="en-US" altLang="ko-KR" sz="1200" dirty="0" smtClean="0">
+                <a:latin typeface="나눔고딕OTF" pitchFamily="34" charset="-127"/>
+                <a:ea typeface="나눔고딕OTF" pitchFamily="34" charset="-127"/>
+              </a:rPr>
+              <a:t>- </a:t>
+            </a:r>
+            <a:r>
+              <a:rPr kumimoji="0" lang="ko-KR" altLang="en-US" sz="1200" dirty="0" smtClean="0">
+                <a:latin typeface="나눔고딕OTF" pitchFamily="34" charset="-127"/>
+                <a:ea typeface="나눔고딕OTF" pitchFamily="34" charset="-127"/>
+              </a:rPr>
+              <a:t>복사</a:t>
             </a:r>
             <a:endParaRPr kumimoji="0" lang="en-US" altLang="ko-KR" sz="1200" dirty="0">
               <a:latin typeface="나눔고딕OTF" pitchFamily="34" charset="-127"/>
@@ -38983,7 +40523,7 @@
                 <a:latin typeface="나눔고딕OTF" pitchFamily="34" charset="-127"/>
                 <a:ea typeface="나눔고딕OTF" pitchFamily="34" charset="-127"/>
               </a:rPr>
-              <a:t>묶음 검사항목 코드를 관리합니다</a:t>
+              <a:t>기존 묶음코드를 복사하여 새로운 묶음코드를 생성합니다</a:t>
             </a:r>
             <a:r>
               <a:rPr kumimoji="0" lang="en-US" altLang="ko-KR" sz="1200" dirty="0" smtClean="0">
@@ -39001,14 +40541,433 @@
       </p:sp>
       <p:sp>
         <p:nvSpPr>
-          <p:cNvPr id="14" name="직사각형 13"/>
+          <p:cNvPr id="22535" name="TextBox 4"/>
+          <p:cNvSpPr txBox="1">
+            <a:spLocks noChangeArrowheads="1"/>
+          </p:cNvSpPr>
+          <p:nvPr/>
+        </p:nvSpPr>
+        <p:spPr bwMode="auto">
+          <a:xfrm>
+            <a:off x="4595810" y="1571612"/>
+            <a:ext cx="5143535" cy="1938992"/>
+          </a:xfrm>
+          <a:prstGeom prst="rect">
+            <a:avLst/>
+          </a:prstGeom>
+          <a:noFill/>
+          <a:ln w="9525">
+            <a:noFill/>
+            <a:miter lim="800000"/>
+            <a:headEnd/>
+            <a:tailEnd/>
+          </a:ln>
+        </p:spPr>
+        <p:txBody>
+          <a:bodyPr wrap="square">
+            <a:spAutoFit/>
+          </a:bodyPr>
+          <a:lstStyle/>
+          <a:p>
+            <a:pPr marL="228600" indent="-228600">
+              <a:lnSpc>
+                <a:spcPct val="120000"/>
+              </a:lnSpc>
+              <a:buAutoNum type="arabicParenR"/>
+            </a:pPr>
+            <a:r>
+              <a:rPr kumimoji="0" lang="ko-KR" altLang="en-US" sz="1000" b="1" dirty="0" smtClean="0">
+                <a:latin typeface="나눔고딕OTF" pitchFamily="34" charset="-127"/>
+                <a:ea typeface="나눔고딕OTF" pitchFamily="34" charset="-127"/>
+              </a:rPr>
+              <a:t>복사할 묶음코드 조회</a:t>
+            </a:r>
+            <a:endParaRPr kumimoji="0" lang="en-US" altLang="ko-KR" sz="1000" b="1" dirty="0" smtClean="0">
+              <a:latin typeface="나눔고딕OTF" pitchFamily="34" charset="-127"/>
+              <a:ea typeface="나눔고딕OTF" pitchFamily="34" charset="-127"/>
+            </a:endParaRPr>
+          </a:p>
+          <a:p>
+            <a:pPr marL="228600" indent="-228600">
+              <a:lnSpc>
+                <a:spcPct val="120000"/>
+              </a:lnSpc>
+            </a:pPr>
+            <a:r>
+              <a:rPr kumimoji="0" lang="en-US" altLang="ko-KR" sz="1000" dirty="0" smtClean="0">
+                <a:latin typeface="나눔고딕OTF" pitchFamily="34" charset="-127"/>
+                <a:ea typeface="나눔고딕OTF" pitchFamily="34" charset="-127"/>
+              </a:rPr>
+              <a:t> </a:t>
+            </a:r>
+            <a:r>
+              <a:rPr kumimoji="0" lang="en-US" altLang="ko-KR" sz="1000" dirty="0" smtClean="0">
+                <a:latin typeface="나눔고딕OTF" pitchFamily="34" charset="-127"/>
+                <a:ea typeface="나눔고딕OTF" pitchFamily="34" charset="-127"/>
+              </a:rPr>
+              <a:t>  - </a:t>
+            </a:r>
+            <a:r>
+              <a:rPr kumimoji="0" lang="ko-KR" altLang="en-US" sz="1000" dirty="0" smtClean="0">
+                <a:latin typeface="나눔고딕OTF" pitchFamily="34" charset="-127"/>
+                <a:ea typeface="나눔고딕OTF" pitchFamily="34" charset="-127"/>
+              </a:rPr>
+              <a:t>코드번호 혹은 </a:t>
+            </a:r>
+            <a:r>
+              <a:rPr kumimoji="0" lang="ko-KR" altLang="en-US" sz="1000" dirty="0" err="1" smtClean="0">
+                <a:latin typeface="나눔고딕OTF" pitchFamily="34" charset="-127"/>
+                <a:ea typeface="나눔고딕OTF" pitchFamily="34" charset="-127"/>
+              </a:rPr>
+              <a:t>묶음명으로</a:t>
+            </a:r>
+            <a:r>
+              <a:rPr kumimoji="0" lang="ko-KR" altLang="en-US" sz="1000" dirty="0" smtClean="0">
+                <a:latin typeface="나눔고딕OTF" pitchFamily="34" charset="-127"/>
+                <a:ea typeface="나눔고딕OTF" pitchFamily="34" charset="-127"/>
+              </a:rPr>
+              <a:t> 생성되어 있는 묶음코드를 조회합니다</a:t>
+            </a:r>
+            <a:r>
+              <a:rPr kumimoji="0" lang="en-US" altLang="ko-KR" sz="1000" dirty="0" smtClean="0">
+                <a:latin typeface="나눔고딕OTF" pitchFamily="34" charset="-127"/>
+                <a:ea typeface="나눔고딕OTF" pitchFamily="34" charset="-127"/>
+              </a:rPr>
+              <a:t>.</a:t>
+            </a:r>
+          </a:p>
+          <a:p>
+            <a:pPr marL="228600" indent="-228600">
+              <a:lnSpc>
+                <a:spcPct val="120000"/>
+              </a:lnSpc>
+            </a:pPr>
+            <a:r>
+              <a:rPr kumimoji="0" lang="en-US" altLang="ko-KR" sz="1000" dirty="0" smtClean="0">
+                <a:latin typeface="나눔고딕OTF" pitchFamily="34" charset="-127"/>
+                <a:ea typeface="나눔고딕OTF" pitchFamily="34" charset="-127"/>
+              </a:rPr>
+              <a:t> </a:t>
+            </a:r>
+            <a:r>
+              <a:rPr kumimoji="0" lang="en-US" altLang="ko-KR" sz="1000" dirty="0" smtClean="0">
+                <a:latin typeface="나눔고딕OTF" pitchFamily="34" charset="-127"/>
+                <a:ea typeface="나눔고딕OTF" pitchFamily="34" charset="-127"/>
+              </a:rPr>
+              <a:t>  - </a:t>
+            </a:r>
+            <a:r>
+              <a:rPr kumimoji="0" lang="ko-KR" altLang="en-US" sz="1000" dirty="0" smtClean="0">
+                <a:latin typeface="나눔고딕OTF" pitchFamily="34" charset="-127"/>
+                <a:ea typeface="나눔고딕OTF" pitchFamily="34" charset="-127"/>
+              </a:rPr>
+              <a:t>조회한 묶음코드 중 복사할 묶음코드를 체크합니다</a:t>
+            </a:r>
+            <a:r>
+              <a:rPr kumimoji="0" lang="en-US" altLang="ko-KR" sz="1000" dirty="0" smtClean="0">
+                <a:latin typeface="나눔고딕OTF" pitchFamily="34" charset="-127"/>
+                <a:ea typeface="나눔고딕OTF" pitchFamily="34" charset="-127"/>
+              </a:rPr>
+              <a:t>.</a:t>
+            </a:r>
+          </a:p>
+          <a:p>
+            <a:pPr marL="228600" indent="-228600">
+              <a:lnSpc>
+                <a:spcPct val="120000"/>
+              </a:lnSpc>
+            </a:pPr>
+            <a:r>
+              <a:rPr kumimoji="0" lang="en-US" altLang="ko-KR" sz="1000" dirty="0" smtClean="0">
+                <a:latin typeface="나눔고딕OTF" pitchFamily="34" charset="-127"/>
+                <a:ea typeface="나눔고딕OTF" pitchFamily="34" charset="-127"/>
+              </a:rPr>
+              <a:t> </a:t>
+            </a:r>
+            <a:r>
+              <a:rPr kumimoji="0" lang="en-US" altLang="ko-KR" sz="1000" dirty="0" smtClean="0">
+                <a:latin typeface="나눔고딕OTF" pitchFamily="34" charset="-127"/>
+                <a:ea typeface="나눔고딕OTF" pitchFamily="34" charset="-127"/>
+              </a:rPr>
+              <a:t>  - “</a:t>
+            </a:r>
+            <a:r>
+              <a:rPr kumimoji="0" lang="en-US" altLang="ko-KR" sz="1000" dirty="0" smtClean="0">
+                <a:latin typeface="나눔고딕OTF" pitchFamily="34" charset="-127"/>
+                <a:ea typeface="나눔고딕OTF" pitchFamily="34" charset="-127"/>
+                <a:sym typeface="Wingdings" pitchFamily="2" charset="2"/>
+              </a:rPr>
+              <a:t>” </a:t>
+            </a:r>
+            <a:r>
+              <a:rPr kumimoji="0" lang="ko-KR" altLang="en-US" sz="1000" dirty="0" smtClean="0">
+                <a:latin typeface="나눔고딕OTF" pitchFamily="34" charset="-127"/>
+                <a:ea typeface="나눔고딕OTF" pitchFamily="34" charset="-127"/>
+                <a:sym typeface="Wingdings" pitchFamily="2" charset="2"/>
+              </a:rPr>
+              <a:t>버튼을 클릭하여 체크한 묶음 코드를 화면의 오른쪽으로 넘깁니다</a:t>
+            </a:r>
+            <a:r>
+              <a:rPr kumimoji="0" lang="en-US" altLang="ko-KR" sz="1000" dirty="0" smtClean="0">
+                <a:latin typeface="나눔고딕OTF" pitchFamily="34" charset="-127"/>
+                <a:ea typeface="나눔고딕OTF" pitchFamily="34" charset="-127"/>
+                <a:sym typeface="Wingdings" pitchFamily="2" charset="2"/>
+              </a:rPr>
+              <a:t>.</a:t>
+            </a:r>
+          </a:p>
+          <a:p>
+            <a:pPr marL="228600" indent="-228600">
+              <a:lnSpc>
+                <a:spcPct val="120000"/>
+              </a:lnSpc>
+            </a:pPr>
+            <a:endParaRPr kumimoji="0" lang="en-US" altLang="ko-KR" sz="1000" dirty="0" smtClean="0">
+              <a:latin typeface="나눔고딕OTF" pitchFamily="34" charset="-127"/>
+              <a:ea typeface="나눔고딕OTF" pitchFamily="34" charset="-127"/>
+            </a:endParaRPr>
+          </a:p>
+          <a:p>
+            <a:pPr marL="228600" indent="-228600">
+              <a:lnSpc>
+                <a:spcPct val="120000"/>
+              </a:lnSpc>
+              <a:buAutoNum type="arabicParenR" startAt="2"/>
+            </a:pPr>
+            <a:r>
+              <a:rPr kumimoji="0" lang="ko-KR" altLang="en-US" sz="1000" b="1" dirty="0" smtClean="0">
+                <a:latin typeface="나눔고딕OTF" pitchFamily="34" charset="-127"/>
+                <a:ea typeface="나눔고딕OTF" pitchFamily="34" charset="-127"/>
+              </a:rPr>
+              <a:t>복사할 코드 설정</a:t>
+            </a:r>
+            <a:endParaRPr kumimoji="0" lang="en-US" altLang="ko-KR" sz="1000" b="1" dirty="0" smtClean="0">
+              <a:latin typeface="나눔고딕OTF" pitchFamily="34" charset="-127"/>
+              <a:ea typeface="나눔고딕OTF" pitchFamily="34" charset="-127"/>
+            </a:endParaRPr>
+          </a:p>
+          <a:p>
+            <a:pPr marL="228600" indent="-228600">
+              <a:lnSpc>
+                <a:spcPct val="120000"/>
+              </a:lnSpc>
+            </a:pPr>
+            <a:r>
+              <a:rPr kumimoji="0" lang="en-US" altLang="ko-KR" sz="1000" dirty="0" smtClean="0">
+                <a:latin typeface="나눔고딕OTF" pitchFamily="34" charset="-127"/>
+                <a:ea typeface="나눔고딕OTF" pitchFamily="34" charset="-127"/>
+              </a:rPr>
+              <a:t> </a:t>
+            </a:r>
+            <a:r>
+              <a:rPr kumimoji="0" lang="en-US" altLang="ko-KR" sz="1000" dirty="0" smtClean="0">
+                <a:latin typeface="나눔고딕OTF" pitchFamily="34" charset="-127"/>
+                <a:ea typeface="나눔고딕OTF" pitchFamily="34" charset="-127"/>
+              </a:rPr>
+              <a:t>  - 1</a:t>
+            </a:r>
+            <a:r>
+              <a:rPr kumimoji="0" lang="ko-KR" altLang="en-US" sz="1000" dirty="0" smtClean="0">
+                <a:latin typeface="나눔고딕OTF" pitchFamily="34" charset="-127"/>
+                <a:ea typeface="나눔고딕OTF" pitchFamily="34" charset="-127"/>
+              </a:rPr>
+              <a:t>번에서 넘긴 묶음 코드가 표시되고</a:t>
+            </a:r>
+            <a:r>
+              <a:rPr kumimoji="0" lang="en-US" altLang="ko-KR" sz="1000" dirty="0" smtClean="0">
+                <a:latin typeface="나눔고딕OTF" pitchFamily="34" charset="-127"/>
+                <a:ea typeface="나눔고딕OTF" pitchFamily="34" charset="-127"/>
+              </a:rPr>
+              <a:t>, </a:t>
+            </a:r>
+            <a:r>
+              <a:rPr kumimoji="0" lang="ko-KR" altLang="en-US" sz="1000" dirty="0" smtClean="0">
+                <a:latin typeface="나눔고딕OTF" pitchFamily="34" charset="-127"/>
+                <a:ea typeface="나눔고딕OTF" pitchFamily="34" charset="-127"/>
+              </a:rPr>
+              <a:t>하단에 묶음에 들어있는 개별 코드가 표시됩니다</a:t>
+            </a:r>
+            <a:r>
+              <a:rPr kumimoji="0" lang="en-US" altLang="ko-KR" sz="1000" dirty="0" smtClean="0">
+                <a:latin typeface="나눔고딕OTF" pitchFamily="34" charset="-127"/>
+                <a:ea typeface="나눔고딕OTF" pitchFamily="34" charset="-127"/>
+              </a:rPr>
+              <a:t>.</a:t>
+            </a:r>
+          </a:p>
+          <a:p>
+            <a:pPr marL="228600" indent="-228600">
+              <a:lnSpc>
+                <a:spcPct val="120000"/>
+              </a:lnSpc>
+            </a:pPr>
+            <a:r>
+              <a:rPr kumimoji="0" lang="en-US" altLang="ko-KR" sz="1000" dirty="0" smtClean="0">
+                <a:latin typeface="나눔고딕OTF" pitchFamily="34" charset="-127"/>
+                <a:ea typeface="나눔고딕OTF" pitchFamily="34" charset="-127"/>
+              </a:rPr>
+              <a:t> </a:t>
+            </a:r>
+            <a:r>
+              <a:rPr kumimoji="0" lang="en-US" altLang="ko-KR" sz="1000" dirty="0" smtClean="0">
+                <a:latin typeface="나눔고딕OTF" pitchFamily="34" charset="-127"/>
+                <a:ea typeface="나눔고딕OTF" pitchFamily="34" charset="-127"/>
+              </a:rPr>
+              <a:t>  - </a:t>
+            </a:r>
+            <a:r>
+              <a:rPr kumimoji="0" lang="ko-KR" altLang="en-US" sz="1000" dirty="0" smtClean="0">
+                <a:latin typeface="나눔고딕OTF" pitchFamily="34" charset="-127"/>
+                <a:ea typeface="나눔고딕OTF" pitchFamily="34" charset="-127"/>
+              </a:rPr>
+              <a:t>넘긴 묶음코드 목록에서 최종적으로 복사할 묶음을 체크합니다</a:t>
+            </a:r>
+            <a:r>
+              <a:rPr kumimoji="0" lang="en-US" altLang="ko-KR" sz="1000" dirty="0" smtClean="0">
+                <a:latin typeface="나눔고딕OTF" pitchFamily="34" charset="-127"/>
+                <a:ea typeface="나눔고딕OTF" pitchFamily="34" charset="-127"/>
+              </a:rPr>
+              <a:t>.</a:t>
+            </a:r>
+          </a:p>
+          <a:p>
+            <a:pPr marL="228600" indent="-228600">
+              <a:lnSpc>
+                <a:spcPct val="120000"/>
+              </a:lnSpc>
+            </a:pPr>
+            <a:r>
+              <a:rPr kumimoji="0" lang="en-US" altLang="ko-KR" sz="1000" dirty="0" smtClean="0">
+                <a:latin typeface="나눔고딕OTF" pitchFamily="34" charset="-127"/>
+                <a:ea typeface="나눔고딕OTF" pitchFamily="34" charset="-127"/>
+              </a:rPr>
+              <a:t> </a:t>
+            </a:r>
+            <a:r>
+              <a:rPr kumimoji="0" lang="en-US" altLang="ko-KR" sz="1000" dirty="0" smtClean="0">
+                <a:latin typeface="나눔고딕OTF" pitchFamily="34" charset="-127"/>
+                <a:ea typeface="나눔고딕OTF" pitchFamily="34" charset="-127"/>
+              </a:rPr>
+              <a:t>  - </a:t>
+            </a:r>
+            <a:r>
+              <a:rPr kumimoji="0" lang="ko-KR" altLang="en-US" sz="1000" dirty="0" smtClean="0">
+                <a:latin typeface="나눔고딕OTF" pitchFamily="34" charset="-127"/>
+                <a:ea typeface="나눔고딕OTF" pitchFamily="34" charset="-127"/>
+              </a:rPr>
+              <a:t>새로 생성할 묶음 코드의 코드번호</a:t>
+            </a:r>
+            <a:r>
+              <a:rPr kumimoji="0" lang="en-US" altLang="ko-KR" sz="1000" dirty="0" smtClean="0">
+                <a:latin typeface="나눔고딕OTF" pitchFamily="34" charset="-127"/>
+                <a:ea typeface="나눔고딕OTF" pitchFamily="34" charset="-127"/>
+              </a:rPr>
+              <a:t>, </a:t>
+            </a:r>
+            <a:r>
+              <a:rPr kumimoji="0" lang="ko-KR" altLang="en-US" sz="1000" dirty="0" smtClean="0">
+                <a:latin typeface="나눔고딕OTF" pitchFamily="34" charset="-127"/>
+                <a:ea typeface="나눔고딕OTF" pitchFamily="34" charset="-127"/>
+              </a:rPr>
+              <a:t>코드명을 입력한 뒤 </a:t>
+            </a:r>
+            <a:r>
+              <a:rPr kumimoji="0" lang="en-US" altLang="ko-KR" sz="1000" dirty="0" smtClean="0">
+                <a:latin typeface="나눔고딕OTF" pitchFamily="34" charset="-127"/>
+                <a:ea typeface="나눔고딕OTF" pitchFamily="34" charset="-127"/>
+              </a:rPr>
+              <a:t>“</a:t>
+            </a:r>
+            <a:r>
+              <a:rPr kumimoji="0" lang="ko-KR" altLang="en-US" sz="1000" dirty="0" smtClean="0">
+                <a:latin typeface="나눔고딕OTF" pitchFamily="34" charset="-127"/>
+                <a:ea typeface="나눔고딕OTF" pitchFamily="34" charset="-127"/>
+              </a:rPr>
+              <a:t>실행</a:t>
+            </a:r>
+            <a:r>
+              <a:rPr kumimoji="0" lang="en-US" altLang="ko-KR" sz="1000" dirty="0" smtClean="0">
+                <a:latin typeface="나눔고딕OTF" pitchFamily="34" charset="-127"/>
+                <a:ea typeface="나눔고딕OTF" pitchFamily="34" charset="-127"/>
+              </a:rPr>
+              <a:t>” </a:t>
+            </a:r>
+            <a:r>
+              <a:rPr kumimoji="0" lang="ko-KR" altLang="en-US" sz="1000" dirty="0" smtClean="0">
+                <a:latin typeface="나눔고딕OTF" pitchFamily="34" charset="-127"/>
+                <a:ea typeface="나눔고딕OTF" pitchFamily="34" charset="-127"/>
+              </a:rPr>
+              <a:t>버튼을 클릭합니다</a:t>
+            </a:r>
+            <a:r>
+              <a:rPr kumimoji="0" lang="en-US" altLang="ko-KR" sz="1000" dirty="0" smtClean="0">
+                <a:latin typeface="나눔고딕OTF" pitchFamily="34" charset="-127"/>
+                <a:ea typeface="나눔고딕OTF" pitchFamily="34" charset="-127"/>
+              </a:rPr>
+              <a:t>.</a:t>
+            </a:r>
+          </a:p>
+          <a:p>
+            <a:pPr marL="228600" indent="-228600">
+              <a:lnSpc>
+                <a:spcPct val="120000"/>
+              </a:lnSpc>
+            </a:pPr>
+            <a:r>
+              <a:rPr kumimoji="0" lang="en-US" altLang="ko-KR" sz="1000" dirty="0" smtClean="0">
+                <a:latin typeface="나눔고딕OTF" pitchFamily="34" charset="-127"/>
+                <a:ea typeface="나눔고딕OTF" pitchFamily="34" charset="-127"/>
+              </a:rPr>
+              <a:t> </a:t>
+            </a:r>
+            <a:r>
+              <a:rPr kumimoji="0" lang="en-US" altLang="ko-KR" sz="1000" dirty="0" smtClean="0">
+                <a:latin typeface="나눔고딕OTF" pitchFamily="34" charset="-127"/>
+                <a:ea typeface="나눔고딕OTF" pitchFamily="34" charset="-127"/>
+              </a:rPr>
+              <a:t>  - </a:t>
+            </a:r>
+            <a:r>
+              <a:rPr kumimoji="0" lang="ko-KR" altLang="en-US" sz="1000" dirty="0" smtClean="0">
+                <a:latin typeface="나눔고딕OTF" pitchFamily="34" charset="-127"/>
+                <a:ea typeface="나눔고딕OTF" pitchFamily="34" charset="-127"/>
+              </a:rPr>
+              <a:t>클릭하면 복사한 묶음코드와 동일한 </a:t>
+            </a:r>
+            <a:r>
+              <a:rPr kumimoji="0" lang="ko-KR" altLang="en-US" sz="1000" dirty="0" err="1" smtClean="0">
+                <a:latin typeface="나눔고딕OTF" pitchFamily="34" charset="-127"/>
+                <a:ea typeface="나눔고딕OTF" pitchFamily="34" charset="-127"/>
+              </a:rPr>
+              <a:t>세팅의</a:t>
+            </a:r>
+            <a:r>
+              <a:rPr kumimoji="0" lang="ko-KR" altLang="en-US" sz="1000" dirty="0" smtClean="0">
+                <a:latin typeface="나눔고딕OTF" pitchFamily="34" charset="-127"/>
+                <a:ea typeface="나눔고딕OTF" pitchFamily="34" charset="-127"/>
+              </a:rPr>
+              <a:t> 묶음 코드가 새로 생성됩니다</a:t>
+            </a:r>
+            <a:r>
+              <a:rPr kumimoji="0" lang="en-US" altLang="ko-KR" sz="1000" dirty="0" smtClean="0">
+                <a:latin typeface="나눔고딕OTF" pitchFamily="34" charset="-127"/>
+                <a:ea typeface="나눔고딕OTF" pitchFamily="34" charset="-127"/>
+              </a:rPr>
+              <a:t>.</a:t>
+            </a:r>
+          </a:p>
+        </p:txBody>
+      </p:sp>
+      <p:sp>
+        <p:nvSpPr>
+          <p:cNvPr id="22" name="직사각형 21"/>
           <p:cNvSpPr/>
           <p:nvPr/>
         </p:nvSpPr>
         <p:spPr>
           <a:xfrm>
-            <a:off x="2024042" y="1928802"/>
-            <a:ext cx="2000264" cy="3214710"/>
+            <a:off x="2454874" y="2882210"/>
+            <a:ext cx="330271" cy="357190"/>
           </a:xfrm>
           <a:prstGeom prst="rect">
             <a:avLst/>
@@ -39056,15 +41015,111 @@
           </a:p>
         </p:txBody>
       </p:sp>
+      <p:cxnSp>
+        <p:nvCxnSpPr>
+          <p:cNvPr id="28" name="Shape 27"/>
+          <p:cNvCxnSpPr>
+            <a:stCxn id="10" idx="3"/>
+            <a:endCxn id="22" idx="0"/>
+          </p:cNvCxnSpPr>
+          <p:nvPr/>
+        </p:nvCxnSpPr>
+        <p:spPr>
+          <a:xfrm>
+            <a:off x="2452670" y="2678901"/>
+            <a:ext cx="167340" cy="203309"/>
+          </a:xfrm>
+          <a:prstGeom prst="bentConnector2">
+            <a:avLst/>
+          </a:prstGeom>
+          <a:ln w="19050">
+            <a:solidFill>
+              <a:srgbClr val="7030A0"/>
+            </a:solidFill>
+            <a:tailEnd type="arrow"/>
+          </a:ln>
+        </p:spPr>
+        <p:style>
+          <a:lnRef idx="1">
+            <a:schemeClr val="accent1"/>
+          </a:lnRef>
+          <a:fillRef idx="0">
+            <a:schemeClr val="accent1"/>
+          </a:fillRef>
+          <a:effectRef idx="0">
+            <a:schemeClr val="accent1"/>
+          </a:effectRef>
+          <a:fontRef idx="minor">
+            <a:schemeClr val="tx1"/>
+          </a:fontRef>
+        </p:style>
+      </p:cxnSp>
       <p:sp>
         <p:nvSpPr>
-          <p:cNvPr id="15" name="타원 14"/>
+          <p:cNvPr id="32" name="직사각형 31"/>
           <p:cNvSpPr/>
           <p:nvPr/>
         </p:nvSpPr>
         <p:spPr>
           <a:xfrm>
-            <a:off x="1881166" y="1785926"/>
+            <a:off x="2793384" y="1928802"/>
+            <a:ext cx="1500198" cy="3286148"/>
+          </a:xfrm>
+          <a:prstGeom prst="rect">
+            <a:avLst/>
+          </a:prstGeom>
+          <a:noFill/>
+          <a:ln w="12700">
+            <a:solidFill>
+              <a:srgbClr val="FF0000"/>
+            </a:solidFill>
+          </a:ln>
+        </p:spPr>
+        <p:style>
+          <a:lnRef idx="2">
+            <a:schemeClr val="accent1">
+              <a:shade val="50000"/>
+            </a:schemeClr>
+          </a:lnRef>
+          <a:fillRef idx="1">
+            <a:schemeClr val="accent1"/>
+          </a:fillRef>
+          <a:effectRef idx="0">
+            <a:schemeClr val="accent1"/>
+          </a:effectRef>
+          <a:fontRef idx="minor">
+            <a:schemeClr val="lt1"/>
+          </a:fontRef>
+        </p:style>
+        <p:txBody>
+          <a:bodyPr anchor="ctr"/>
+          <a:lstStyle/>
+          <a:p>
+            <a:pPr algn="ctr" fontAlgn="auto">
+              <a:spcBef>
+                <a:spcPts val="0"/>
+              </a:spcBef>
+              <a:spcAft>
+                <a:spcPts val="0"/>
+              </a:spcAft>
+              <a:defRPr/>
+            </a:pPr>
+            <a:endParaRPr kumimoji="0" lang="ko-KR" altLang="en-US" dirty="0">
+              <a:latin typeface="나눔고딕OTF" pitchFamily="34" charset="-127"/>
+              <a:ea typeface="나눔고딕OTF" pitchFamily="34" charset="-127"/>
+            </a:endParaRPr>
+          </a:p>
+        </p:txBody>
+      </p:sp>
+      <p:sp>
+        <p:nvSpPr>
+          <p:cNvPr id="33" name="타원 32"/>
+          <p:cNvSpPr/>
+          <p:nvPr/>
+        </p:nvSpPr>
+        <p:spPr>
+          <a:xfrm>
+            <a:off x="2666984" y="1785926"/>
             <a:ext cx="214314" cy="214314"/>
           </a:xfrm>
           <a:prstGeom prst="ellipse">
@@ -39120,211 +41175,78 @@
       </p:sp>
       <p:sp>
         <p:nvSpPr>
-          <p:cNvPr id="18" name="직사각형 17"/>
-          <p:cNvSpPr/>
+          <p:cNvPr id="34" name="TextBox 33"/>
+          <p:cNvSpPr txBox="1"/>
           <p:nvPr/>
         </p:nvSpPr>
         <p:spPr>
           <a:xfrm>
-            <a:off x="4024306" y="1928802"/>
-            <a:ext cx="1571636" cy="3214710"/>
+            <a:off x="3222012" y="2000240"/>
+            <a:ext cx="642942" cy="215444"/>
           </a:xfrm>
           <a:prstGeom prst="rect">
             <a:avLst/>
           </a:prstGeom>
           <a:noFill/>
-          <a:ln w="12700">
-            <a:solidFill>
-              <a:srgbClr val="FF0000"/>
-            </a:solidFill>
-          </a:ln>
         </p:spPr>
-        <p:style>
-          <a:lnRef idx="2">
-            <a:schemeClr val="accent1">
-              <a:shade val="50000"/>
-            </a:schemeClr>
-          </a:lnRef>
-          <a:fillRef idx="1">
-            <a:schemeClr val="accent1"/>
-          </a:fillRef>
-          <a:effectRef idx="0">
-            <a:schemeClr val="accent1"/>
-          </a:effectRef>
-          <a:fontRef idx="minor">
-            <a:schemeClr val="lt1"/>
-          </a:fontRef>
-        </p:style>
         <p:txBody>
-          <a:bodyPr anchor="ctr"/>
+          <a:bodyPr wrap="square" rtlCol="0">
+            <a:spAutoFit/>
+          </a:bodyPr>
           <a:lstStyle/>
           <a:p>
-            <a:pPr algn="ctr" fontAlgn="auto">
-              <a:spcBef>
-                <a:spcPts val="0"/>
-              </a:spcBef>
-              <a:spcAft>
-                <a:spcPts val="0"/>
-              </a:spcAft>
-              <a:defRPr/>
-            </a:pPr>
-            <a:endParaRPr kumimoji="0" lang="ko-KR" altLang="en-US" dirty="0">
-              <a:latin typeface="나눔고딕OTF" pitchFamily="34" charset="-127"/>
-              <a:ea typeface="나눔고딕OTF" pitchFamily="34" charset="-127"/>
+            <a:pPr algn="ctr"/>
+            <a:r>
+              <a:rPr lang="ko-KR" altLang="en-US" sz="800" dirty="0" smtClean="0">
+                <a:solidFill>
+                  <a:srgbClr val="FF0000"/>
+                </a:solidFill>
+              </a:rPr>
+              <a:t>코드번호</a:t>
+            </a:r>
+            <a:endParaRPr lang="ko-KR" altLang="en-US" sz="800" dirty="0">
+              <a:solidFill>
+                <a:srgbClr val="FF0000"/>
+              </a:solidFill>
             </a:endParaRPr>
           </a:p>
         </p:txBody>
       </p:sp>
       <p:sp>
         <p:nvSpPr>
-          <p:cNvPr id="26" name="타원 25"/>
-          <p:cNvSpPr/>
+          <p:cNvPr id="35" name="TextBox 34"/>
+          <p:cNvSpPr txBox="1"/>
           <p:nvPr/>
         </p:nvSpPr>
         <p:spPr>
           <a:xfrm>
-            <a:off x="3881430" y="1785926"/>
-            <a:ext cx="214314" cy="214314"/>
-          </a:xfrm>
-          <a:prstGeom prst="ellipse">
-            <a:avLst/>
-          </a:prstGeom>
-          <a:solidFill>
-            <a:schemeClr val="bg1"/>
-          </a:solidFill>
-          <a:ln>
-            <a:solidFill>
-              <a:srgbClr val="FF0000"/>
-            </a:solidFill>
-          </a:ln>
-        </p:spPr>
-        <p:style>
-          <a:lnRef idx="2">
-            <a:schemeClr val="accent1">
-              <a:shade val="50000"/>
-            </a:schemeClr>
-          </a:lnRef>
-          <a:fillRef idx="1">
-            <a:schemeClr val="accent1"/>
-          </a:fillRef>
-          <a:effectRef idx="0">
-            <a:schemeClr val="accent1"/>
-          </a:effectRef>
-          <a:fontRef idx="minor">
-            <a:schemeClr val="lt1"/>
-          </a:fontRef>
-        </p:style>
-        <p:txBody>
-          <a:bodyPr anchor="ctr"/>
-          <a:lstStyle/>
-          <a:p>
-            <a:pPr algn="ctr">
-              <a:defRPr/>
-            </a:pPr>
-            <a:r>
-              <a:rPr lang="en-US" altLang="ko-KR" sz="1000" dirty="0" smtClean="0">
-                <a:solidFill>
-                  <a:schemeClr val="tx1"/>
-                </a:solidFill>
-              </a:rPr>
-              <a:t>3</a:t>
-            </a:r>
-            <a:endParaRPr lang="ko-KR" altLang="en-US" sz="1000" dirty="0">
-              <a:solidFill>
-                <a:schemeClr val="tx1"/>
-              </a:solidFill>
-            </a:endParaRPr>
-          </a:p>
-        </p:txBody>
-      </p:sp>
-      <p:sp>
-        <p:nvSpPr>
-          <p:cNvPr id="22535" name="TextBox 4"/>
-          <p:cNvSpPr txBox="1">
-            <a:spLocks noChangeArrowheads="1"/>
-          </p:cNvSpPr>
-          <p:nvPr/>
-        </p:nvSpPr>
-        <p:spPr bwMode="auto">
-          <a:xfrm>
-            <a:off x="5810256" y="1571612"/>
-            <a:ext cx="3929089" cy="269304"/>
+            <a:off x="3222012" y="2126640"/>
+            <a:ext cx="642942" cy="215444"/>
           </a:xfrm>
           <a:prstGeom prst="rect">
             <a:avLst/>
           </a:prstGeom>
           <a:noFill/>
-          <a:ln w="9525">
-            <a:noFill/>
-            <a:miter lim="800000"/>
-            <a:headEnd/>
-            <a:tailEnd/>
-          </a:ln>
         </p:spPr>
         <p:txBody>
-          <a:bodyPr wrap="square">
+          <a:bodyPr wrap="square" rtlCol="0">
             <a:spAutoFit/>
           </a:bodyPr>
           <a:lstStyle/>
           <a:p>
-            <a:pPr marL="228600" indent="-228600">
-              <a:lnSpc>
-                <a:spcPct val="120000"/>
-              </a:lnSpc>
-              <a:buAutoNum type="arabicParenR"/>
-            </a:pPr>
-            <a:r>
-              <a:rPr kumimoji="0" lang="ko-KR" altLang="en-US" sz="1000" b="1" dirty="0" smtClean="0">
-                <a:latin typeface="나눔고딕OTF" pitchFamily="34" charset="-127"/>
-                <a:ea typeface="나눔고딕OTF" pitchFamily="34" charset="-127"/>
-              </a:rPr>
-              <a:t>묶음코드 </a:t>
-            </a:r>
-            <a:r>
-              <a:rPr kumimoji="0" lang="ko-KR" altLang="en-US" sz="1000" b="1" dirty="0" err="1" smtClean="0">
-                <a:latin typeface="나눔고딕OTF" pitchFamily="34" charset="-127"/>
-                <a:ea typeface="나눔고딕OTF" pitchFamily="34" charset="-127"/>
-              </a:rPr>
-              <a:t>생성하는법</a:t>
-            </a:r>
-            <a:r>
-              <a:rPr kumimoji="0" lang="en-US" altLang="ko-KR" sz="1000" b="1" dirty="0" smtClean="0">
-                <a:latin typeface="나눔고딕OTF" pitchFamily="34" charset="-127"/>
-                <a:ea typeface="나눔고딕OTF" pitchFamily="34" charset="-127"/>
-              </a:rPr>
-              <a:t>, </a:t>
-            </a:r>
-            <a:r>
-              <a:rPr kumimoji="0" lang="ko-KR" altLang="en-US" sz="1000" b="1" dirty="0" err="1" smtClean="0">
-                <a:latin typeface="나눔고딕OTF" pitchFamily="34" charset="-127"/>
-                <a:ea typeface="나눔고딕OTF" pitchFamily="34" charset="-127"/>
-              </a:rPr>
-              <a:t>복사하는법</a:t>
-            </a:r>
-            <a:r>
-              <a:rPr kumimoji="0" lang="ko-KR" altLang="en-US" sz="1000" b="1" dirty="0" smtClean="0">
-                <a:latin typeface="나눔고딕OTF" pitchFamily="34" charset="-127"/>
-                <a:ea typeface="나눔고딕OTF" pitchFamily="34" charset="-127"/>
-              </a:rPr>
-              <a:t> </a:t>
-            </a:r>
-            <a:r>
-              <a:rPr kumimoji="0" lang="ko-KR" altLang="en-US" sz="1000" b="1" dirty="0" smtClean="0">
-                <a:latin typeface="나눔고딕OTF" pitchFamily="34" charset="-127"/>
-                <a:ea typeface="나눔고딕OTF" pitchFamily="34" charset="-127"/>
-              </a:rPr>
-              <a:t>넣자</a:t>
-            </a:r>
-            <a:r>
-              <a:rPr kumimoji="0" lang="en-US" altLang="ko-KR" sz="1000" b="1" dirty="0" smtClean="0">
-                <a:latin typeface="나눔고딕OTF" pitchFamily="34" charset="-127"/>
-                <a:ea typeface="나눔고딕OTF" pitchFamily="34" charset="-127"/>
-              </a:rPr>
-              <a:t>.</a:t>
-            </a:r>
-            <a:endParaRPr kumimoji="0" lang="en-US" altLang="ko-KR" sz="1000" dirty="0" smtClean="0">
-              <a:latin typeface="나눔고딕OTF" pitchFamily="34" charset="-127"/>
-              <a:ea typeface="나눔고딕OTF" pitchFamily="34" charset="-127"/>
+            <a:pPr algn="ctr"/>
+            <a:r>
+              <a:rPr lang="ko-KR" altLang="en-US" sz="800" dirty="0" smtClean="0">
+                <a:solidFill>
+                  <a:srgbClr val="FF0000"/>
+                </a:solidFill>
+              </a:rPr>
+              <a:t>코드명</a:t>
+            </a:r>
+            <a:endParaRPr lang="en-US" altLang="ko-KR" sz="800" dirty="0" smtClean="0">
+              <a:solidFill>
+                <a:srgbClr val="FF0000"/>
+              </a:solidFill>
             </a:endParaRPr>
           </a:p>
         </p:txBody>
@@ -39344,7 +41266,7 @@
 </p:sld>
 </file>
 
-<file path=ppt/slides/slide41.xml><?xml version="1.0" encoding="utf-8"?>
+<file path=ppt/slides/slide42.xml><?xml version="1.0" encoding="utf-8"?>
 <p:sld xmlns:a="http://schemas.openxmlformats.org/drawingml/2006/main" xmlns:r="http://schemas.openxmlformats.org/officeDocument/2006/relationships" xmlns:p="http://schemas.openxmlformats.org/presentationml/2006/main">
   <p:cSld>
     <p:spTree>
@@ -39517,7 +41439,7 @@
 </p:sld>
 </file>
 
-<file path=ppt/slides/slide42.xml><?xml version="1.0" encoding="utf-8"?>
+<file path=ppt/slides/slide43.xml><?xml version="1.0" encoding="utf-8"?>
 <p:sld xmlns:a="http://schemas.openxmlformats.org/drawingml/2006/main" xmlns:r="http://schemas.openxmlformats.org/officeDocument/2006/relationships" xmlns:p="http://schemas.openxmlformats.org/presentationml/2006/main">
   <p:cSld>
     <p:spTree>
@@ -40791,7 +42713,7 @@
 </p:sld>
 </file>
 
-<file path=ppt/slides/slide43.xml><?xml version="1.0" encoding="utf-8"?>
+<file path=ppt/slides/slide44.xml><?xml version="1.0" encoding="utf-8"?>
 <p:sld xmlns:a="http://schemas.openxmlformats.org/drawingml/2006/main" xmlns:r="http://schemas.openxmlformats.org/officeDocument/2006/relationships" xmlns:p="http://schemas.openxmlformats.org/presentationml/2006/main">
   <p:cSld>
     <p:spTree>
@@ -41860,7 +43782,7 @@
 </p:sld>
 </file>
 
-<file path=ppt/slides/slide44.xml><?xml version="1.0" encoding="utf-8"?>
+<file path=ppt/slides/slide45.xml><?xml version="1.0" encoding="utf-8"?>
 <p:sld xmlns:a="http://schemas.openxmlformats.org/drawingml/2006/main" xmlns:r="http://schemas.openxmlformats.org/officeDocument/2006/relationships" xmlns:p="http://schemas.openxmlformats.org/presentationml/2006/main">
   <p:cSld>
     <p:spTree>

--- a/manual/앨리스_매뉴얼_작업중.pptx
+++ b/manual/앨리스_매뉴얼_작업중.pptx
@@ -5,10 +5,10 @@
     <p:sldMasterId id="2147483660" r:id="rId1"/>
   </p:sldMasterIdLst>
   <p:notesMasterIdLst>
-    <p:notesMasterId r:id="rId47"/>
+    <p:notesMasterId r:id="rId50"/>
   </p:notesMasterIdLst>
   <p:handoutMasterIdLst>
-    <p:handoutMasterId r:id="rId48"/>
+    <p:handoutMasterId r:id="rId51"/>
   </p:handoutMasterIdLst>
   <p:sldIdLst>
     <p:sldId id="400" r:id="rId2"/>
@@ -52,10 +52,13 @@
     <p:sldId id="452" r:id="rId40"/>
     <p:sldId id="453" r:id="rId41"/>
     <p:sldId id="454" r:id="rId42"/>
-    <p:sldId id="429" r:id="rId43"/>
-    <p:sldId id="430" r:id="rId44"/>
-    <p:sldId id="431" r:id="rId45"/>
-    <p:sldId id="432" r:id="rId46"/>
+    <p:sldId id="455" r:id="rId43"/>
+    <p:sldId id="457" r:id="rId44"/>
+    <p:sldId id="458" r:id="rId45"/>
+    <p:sldId id="429" r:id="rId46"/>
+    <p:sldId id="430" r:id="rId47"/>
+    <p:sldId id="431" r:id="rId48"/>
+    <p:sldId id="432" r:id="rId49"/>
   </p:sldIdLst>
   <p:sldSz cx="9906000" cy="6858000" type="A4"/>
   <p:notesSz cx="9939338" cy="6807200"/>
@@ -296,7 +299,7 @@
               <a:pPr>
                 <a:defRPr/>
               </a:pPr>
-              <a:t>2017-03-06</a:t>
+              <a:t>2017-03-08</a:t>
             </a:fld>
             <a:endParaRPr lang="ko-KR" altLang="en-US"/>
           </a:p>
@@ -510,7 +513,7 @@
               <a:pPr>
                 <a:defRPr/>
               </a:pPr>
-              <a:t>2017-03-06</a:t>
+              <a:t>2017-03-08</a:t>
             </a:fld>
             <a:endParaRPr lang="ko-KR" altLang="en-US"/>
           </a:p>
@@ -1047,7 +1050,7 @@
               <a:pPr>
                 <a:defRPr/>
               </a:pPr>
-              <a:t>2017-03-06</a:t>
+              <a:t>2017-03-08</a:t>
             </a:fld>
             <a:endParaRPr lang="ko-KR" altLang="en-US"/>
           </a:p>
@@ -1289,7 +1292,7 @@
               <a:pPr>
                 <a:defRPr/>
               </a:pPr>
-              <a:t>2017-03-06</a:t>
+              <a:t>2017-03-08</a:t>
             </a:fld>
             <a:endParaRPr lang="ko-KR" altLang="en-US"/>
           </a:p>
@@ -1597,7 +1600,7 @@
               <a:pPr>
                 <a:defRPr/>
               </a:pPr>
-              <a:t>2017-03-06</a:t>
+              <a:t>2017-03-08</a:t>
             </a:fld>
             <a:endParaRPr lang="ko-KR" altLang="en-US"/>
           </a:p>
@@ -1955,7 +1958,7 @@
               <a:pPr>
                 <a:defRPr/>
               </a:pPr>
-              <a:t>2017-03-06</a:t>
+              <a:t>2017-03-08</a:t>
             </a:fld>
             <a:endParaRPr lang="ko-KR" altLang="en-US"/>
           </a:p>
@@ -2453,7 +2456,7 @@
               <a:pPr>
                 <a:defRPr/>
               </a:pPr>
-              <a:t>2017-03-06</a:t>
+              <a:t>2017-03-08</a:t>
             </a:fld>
             <a:endParaRPr lang="ko-KR" altLang="en-US"/>
           </a:p>
@@ -2635,7 +2638,7 @@
               <a:pPr>
                 <a:defRPr/>
               </a:pPr>
-              <a:t>2017-03-06</a:t>
+              <a:t>2017-03-08</a:t>
             </a:fld>
             <a:endParaRPr lang="ko-KR" altLang="en-US"/>
           </a:p>
@@ -2786,7 +2789,7 @@
               <a:pPr>
                 <a:defRPr/>
               </a:pPr>
-              <a:t>2017-03-06</a:t>
+              <a:t>2017-03-08</a:t>
             </a:fld>
             <a:endParaRPr lang="ko-KR" altLang="en-US"/>
           </a:p>
@@ -3128,7 +3131,7 @@
               <a:pPr>
                 <a:defRPr/>
               </a:pPr>
-              <a:t>2017-03-06</a:t>
+              <a:t>2017-03-08</a:t>
             </a:fld>
             <a:endParaRPr lang="ko-KR" altLang="en-US"/>
           </a:p>
@@ -3447,7 +3450,7 @@
               <a:pPr>
                 <a:defRPr/>
               </a:pPr>
-              <a:t>2017-03-06</a:t>
+              <a:t>2017-03-08</a:t>
             </a:fld>
             <a:endParaRPr lang="ko-KR" altLang="en-US"/>
           </a:p>
@@ -27818,13 +27821,13 @@
           <a:p>
             <a:pPr algn="ctr"/>
             <a:r>
-              <a:rPr kumimoji="0" lang="ko-KR" altLang="en-US" sz="1200">
+              <a:rPr kumimoji="0" lang="ko-KR" altLang="en-US" sz="1200" dirty="0">
                 <a:latin typeface="나눔고딕OTF" pitchFamily="34" charset="-127"/>
                 <a:ea typeface="나눔고딕OTF" pitchFamily="34" charset="-127"/>
               </a:rPr>
               <a:t>접수자 조회 화면</a:t>
             </a:r>
-            <a:endParaRPr kumimoji="0" lang="en-US" altLang="ko-KR" sz="1200">
+            <a:endParaRPr kumimoji="0" lang="en-US" altLang="ko-KR" sz="1200" dirty="0">
               <a:latin typeface="나눔고딕OTF" pitchFamily="34" charset="-127"/>
               <a:ea typeface="나눔고딕OTF" pitchFamily="34" charset="-127"/>
             </a:endParaRPr>
@@ -38802,14 +38805,7 @@
                   <a:latin typeface="나눔고딕OTF" pitchFamily="34" charset="-127"/>
                   <a:ea typeface="나눔고딕OTF" pitchFamily="34" charset="-127"/>
                 </a:rPr>
-                <a:t>신규 묶음코드 </a:t>
-              </a:r>
-              <a:r>
-                <a:rPr kumimoji="0" lang="ko-KR" altLang="en-US" sz="1000" b="1" dirty="0" smtClean="0">
-                  <a:latin typeface="나눔고딕OTF" pitchFamily="34" charset="-127"/>
-                  <a:ea typeface="나눔고딕OTF" pitchFamily="34" charset="-127"/>
-                </a:rPr>
-                <a:t>생성</a:t>
+                <a:t>신규 묶음코드 생성</a:t>
               </a:r>
               <a:endParaRPr kumimoji="0" lang="en-US" altLang="ko-KR" sz="1000" b="1" dirty="0" smtClean="0">
                 <a:latin typeface="나눔고딕OTF" pitchFamily="34" charset="-127"/>
@@ -38827,14 +38823,7 @@
                   <a:latin typeface="나눔고딕OTF" pitchFamily="34" charset="-127"/>
                   <a:ea typeface="나눔고딕OTF" pitchFamily="34" charset="-127"/>
                 </a:rPr>
-                <a:t> </a:t>
-              </a:r>
-              <a:r>
-                <a:rPr kumimoji="0" lang="en-US" altLang="ko-KR" sz="1000" dirty="0" smtClean="0">
-                  <a:latin typeface="나눔고딕OTF" pitchFamily="34" charset="-127"/>
-                  <a:ea typeface="나눔고딕OTF" pitchFamily="34" charset="-127"/>
-                </a:rPr>
-                <a:t>  - “</a:t>
+                <a:t>   - “</a:t>
               </a:r>
               <a:r>
                 <a:rPr kumimoji="0" lang="ko-KR" altLang="en-US" sz="1000" dirty="0" smtClean="0">
@@ -38890,14 +38879,7 @@
                   <a:latin typeface="나눔고딕OTF" pitchFamily="34" charset="-127"/>
                   <a:ea typeface="나눔고딕OTF" pitchFamily="34" charset="-127"/>
                 </a:rPr>
-                <a:t> </a:t>
-              </a:r>
-              <a:r>
-                <a:rPr kumimoji="0" lang="en-US" altLang="ko-KR" sz="1000" dirty="0" smtClean="0">
-                  <a:latin typeface="나눔고딕OTF" pitchFamily="34" charset="-127"/>
-                  <a:ea typeface="나눔고딕OTF" pitchFamily="34" charset="-127"/>
-                </a:rPr>
-                <a:t>  - “</a:t>
+                <a:t>   - “</a:t>
               </a:r>
               <a:r>
                 <a:rPr kumimoji="0" lang="ko-KR" altLang="en-US" sz="1000" dirty="0" smtClean="0">
@@ -38981,14 +38963,7 @@
                   <a:latin typeface="나눔고딕OTF" pitchFamily="34" charset="-127"/>
                   <a:ea typeface="나눔고딕OTF" pitchFamily="34" charset="-127"/>
                 </a:rPr>
-                <a:t> </a:t>
-              </a:r>
-              <a:r>
-                <a:rPr kumimoji="0" lang="en-US" altLang="ko-KR" sz="1000" dirty="0" smtClean="0">
-                  <a:latin typeface="나눔고딕OTF" pitchFamily="34" charset="-127"/>
-                  <a:ea typeface="나눔고딕OTF" pitchFamily="34" charset="-127"/>
-                </a:rPr>
-                <a:t>  - “</a:t>
+                <a:t>   - “</a:t>
               </a:r>
               <a:r>
                 <a:rPr kumimoji="0" lang="ko-KR" altLang="en-US" sz="1000" dirty="0" smtClean="0">
@@ -39030,14 +39005,7 @@
                   <a:latin typeface="나눔고딕OTF" pitchFamily="34" charset="-127"/>
                   <a:ea typeface="나눔고딕OTF" pitchFamily="34" charset="-127"/>
                 </a:rPr>
-                <a:t> </a:t>
-              </a:r>
-              <a:r>
-                <a:rPr kumimoji="0" lang="en-US" altLang="ko-KR" sz="1000" dirty="0" smtClean="0">
-                  <a:latin typeface="나눔고딕OTF" pitchFamily="34" charset="-127"/>
-                  <a:ea typeface="나눔고딕OTF" pitchFamily="34" charset="-127"/>
-                </a:rPr>
-                <a:t>  - “</a:t>
+                <a:t>   - “</a:t>
               </a:r>
               <a:r>
                 <a:rPr kumimoji="0" lang="ko-KR" altLang="en-US" sz="1000" dirty="0" smtClean="0">
@@ -39128,14 +39096,7 @@
                   <a:latin typeface="나눔고딕OTF" pitchFamily="34" charset="-127"/>
                   <a:ea typeface="나눔고딕OTF" pitchFamily="34" charset="-127"/>
                 </a:rPr>
-                <a:t> </a:t>
-              </a:r>
-              <a:r>
-                <a:rPr kumimoji="0" lang="en-US" altLang="ko-KR" sz="1000" dirty="0" smtClean="0">
-                  <a:latin typeface="나눔고딕OTF" pitchFamily="34" charset="-127"/>
-                  <a:ea typeface="나눔고딕OTF" pitchFamily="34" charset="-127"/>
-                </a:rPr>
-                <a:t>  - “</a:t>
+                <a:t>   - “</a:t>
               </a:r>
               <a:r>
                 <a:rPr kumimoji="0" lang="ko-KR" altLang="en-US" sz="1000" dirty="0" err="1" smtClean="0">
@@ -39233,14 +39194,7 @@
                   <a:latin typeface="나눔고딕OTF" pitchFamily="34" charset="-127"/>
                   <a:ea typeface="나눔고딕OTF" pitchFamily="34" charset="-127"/>
                 </a:rPr>
-                <a:t> </a:t>
-              </a:r>
-              <a:r>
-                <a:rPr kumimoji="0" lang="en-US" altLang="ko-KR" sz="1000" dirty="0" smtClean="0">
-                  <a:latin typeface="나눔고딕OTF" pitchFamily="34" charset="-127"/>
-                  <a:ea typeface="나눔고딕OTF" pitchFamily="34" charset="-127"/>
-                </a:rPr>
-                <a:t>  - “Remark” : </a:t>
+                <a:t>   - “Remark” : </a:t>
               </a:r>
               <a:r>
                 <a:rPr kumimoji="0" lang="ko-KR" altLang="en-US" sz="1000" dirty="0" smtClean="0">
@@ -39282,14 +39236,7 @@
                   <a:latin typeface="나눔고딕OTF" pitchFamily="34" charset="-127"/>
                   <a:ea typeface="나눔고딕OTF" pitchFamily="34" charset="-127"/>
                 </a:rPr>
-                <a:t>	</a:t>
-              </a:r>
-              <a:r>
-                <a:rPr kumimoji="0" lang="en-US" altLang="ko-KR" sz="1000" dirty="0" smtClean="0">
-                  <a:latin typeface="나눔고딕OTF" pitchFamily="34" charset="-127"/>
-                  <a:ea typeface="나눔고딕OTF" pitchFamily="34" charset="-127"/>
-                </a:rPr>
-                <a:t>			           - </a:t>
+                <a:t>				           - </a:t>
               </a:r>
               <a:r>
                 <a:rPr kumimoji="0" lang="ko-KR" altLang="en-US" sz="1000" dirty="0" smtClean="0">
@@ -39421,14 +39368,7 @@
                   <a:latin typeface="나눔고딕OTF" pitchFamily="34" charset="-127"/>
                   <a:ea typeface="나눔고딕OTF" pitchFamily="34" charset="-127"/>
                 </a:rPr>
-                <a:t>	</a:t>
-              </a:r>
-              <a:r>
-                <a:rPr kumimoji="0" lang="en-US" altLang="ko-KR" sz="1000" dirty="0" smtClean="0">
-                  <a:latin typeface="나눔고딕OTF" pitchFamily="34" charset="-127"/>
-                  <a:ea typeface="나눔고딕OTF" pitchFamily="34" charset="-127"/>
-                </a:rPr>
-                <a:t>			           - “</a:t>
+                <a:t>				           - “</a:t>
               </a:r>
               <a:r>
                 <a:rPr kumimoji="0" lang="ko-KR" altLang="en-US" sz="1000" dirty="0" smtClean="0">
@@ -40598,14 +40538,7 @@
                 <a:latin typeface="나눔고딕OTF" pitchFamily="34" charset="-127"/>
                 <a:ea typeface="나눔고딕OTF" pitchFamily="34" charset="-127"/>
               </a:rPr>
-              <a:t> </a:t>
-            </a:r>
-            <a:r>
-              <a:rPr kumimoji="0" lang="en-US" altLang="ko-KR" sz="1000" dirty="0" smtClean="0">
-                <a:latin typeface="나눔고딕OTF" pitchFamily="34" charset="-127"/>
-                <a:ea typeface="나눔고딕OTF" pitchFamily="34" charset="-127"/>
-              </a:rPr>
-              <a:t>  - </a:t>
+              <a:t>   - </a:t>
             </a:r>
             <a:r>
               <a:rPr kumimoji="0" lang="ko-KR" altLang="en-US" sz="1000" dirty="0" smtClean="0">
@@ -40647,14 +40580,7 @@
                 <a:latin typeface="나눔고딕OTF" pitchFamily="34" charset="-127"/>
                 <a:ea typeface="나눔고딕OTF" pitchFamily="34" charset="-127"/>
               </a:rPr>
-              <a:t> </a:t>
-            </a:r>
-            <a:r>
-              <a:rPr kumimoji="0" lang="en-US" altLang="ko-KR" sz="1000" dirty="0" smtClean="0">
-                <a:latin typeface="나눔고딕OTF" pitchFamily="34" charset="-127"/>
-                <a:ea typeface="나눔고딕OTF" pitchFamily="34" charset="-127"/>
-              </a:rPr>
-              <a:t>  - </a:t>
+              <a:t>   - </a:t>
             </a:r>
             <a:r>
               <a:rPr kumimoji="0" lang="ko-KR" altLang="en-US" sz="1000" dirty="0" smtClean="0">
@@ -40682,14 +40608,7 @@
                 <a:latin typeface="나눔고딕OTF" pitchFamily="34" charset="-127"/>
                 <a:ea typeface="나눔고딕OTF" pitchFamily="34" charset="-127"/>
               </a:rPr>
-              <a:t> </a:t>
-            </a:r>
-            <a:r>
-              <a:rPr kumimoji="0" lang="en-US" altLang="ko-KR" sz="1000" dirty="0" smtClean="0">
-                <a:latin typeface="나눔고딕OTF" pitchFamily="34" charset="-127"/>
-                <a:ea typeface="나눔고딕OTF" pitchFamily="34" charset="-127"/>
-              </a:rPr>
-              <a:t>  - “</a:t>
+              <a:t>   - “</a:t>
             </a:r>
             <a:r>
               <a:rPr kumimoji="0" lang="en-US" altLang="ko-KR" sz="1000" dirty="0" smtClean="0">
@@ -40757,14 +40676,7 @@
                 <a:latin typeface="나눔고딕OTF" pitchFamily="34" charset="-127"/>
                 <a:ea typeface="나눔고딕OTF" pitchFamily="34" charset="-127"/>
               </a:rPr>
-              <a:t> </a:t>
-            </a:r>
-            <a:r>
-              <a:rPr kumimoji="0" lang="en-US" altLang="ko-KR" sz="1000" dirty="0" smtClean="0">
-                <a:latin typeface="나눔고딕OTF" pitchFamily="34" charset="-127"/>
-                <a:ea typeface="나눔고딕OTF" pitchFamily="34" charset="-127"/>
-              </a:rPr>
-              <a:t>  - 1</a:t>
+              <a:t>   - 1</a:t>
             </a:r>
             <a:r>
               <a:rPr kumimoji="0" lang="ko-KR" altLang="en-US" sz="1000" dirty="0" smtClean="0">
@@ -40806,14 +40718,7 @@
                 <a:latin typeface="나눔고딕OTF" pitchFamily="34" charset="-127"/>
                 <a:ea typeface="나눔고딕OTF" pitchFamily="34" charset="-127"/>
               </a:rPr>
-              <a:t> </a:t>
-            </a:r>
-            <a:r>
-              <a:rPr kumimoji="0" lang="en-US" altLang="ko-KR" sz="1000" dirty="0" smtClean="0">
-                <a:latin typeface="나눔고딕OTF" pitchFamily="34" charset="-127"/>
-                <a:ea typeface="나눔고딕OTF" pitchFamily="34" charset="-127"/>
-              </a:rPr>
-              <a:t>  - </a:t>
+              <a:t>   - </a:t>
             </a:r>
             <a:r>
               <a:rPr kumimoji="0" lang="ko-KR" altLang="en-US" sz="1000" dirty="0" smtClean="0">
@@ -40841,14 +40746,7 @@
                 <a:latin typeface="나눔고딕OTF" pitchFamily="34" charset="-127"/>
                 <a:ea typeface="나눔고딕OTF" pitchFamily="34" charset="-127"/>
               </a:rPr>
-              <a:t> </a:t>
-            </a:r>
-            <a:r>
-              <a:rPr kumimoji="0" lang="en-US" altLang="ko-KR" sz="1000" dirty="0" smtClean="0">
-                <a:latin typeface="나눔고딕OTF" pitchFamily="34" charset="-127"/>
-                <a:ea typeface="나눔고딕OTF" pitchFamily="34" charset="-127"/>
-              </a:rPr>
-              <a:t>  - </a:t>
+              <a:t>   - </a:t>
             </a:r>
             <a:r>
               <a:rPr kumimoji="0" lang="ko-KR" altLang="en-US" sz="1000" dirty="0" smtClean="0">
@@ -40918,14 +40816,7 @@
                 <a:latin typeface="나눔고딕OTF" pitchFamily="34" charset="-127"/>
                 <a:ea typeface="나눔고딕OTF" pitchFamily="34" charset="-127"/>
               </a:rPr>
-              <a:t> </a:t>
-            </a:r>
-            <a:r>
-              <a:rPr kumimoji="0" lang="en-US" altLang="ko-KR" sz="1000" dirty="0" smtClean="0">
-                <a:latin typeface="나눔고딕OTF" pitchFamily="34" charset="-127"/>
-                <a:ea typeface="나눔고딕OTF" pitchFamily="34" charset="-127"/>
-              </a:rPr>
-              <a:t>  - </a:t>
+              <a:t>   - </a:t>
             </a:r>
             <a:r>
               <a:rPr kumimoji="0" lang="ko-KR" altLang="en-US" sz="1000" dirty="0" smtClean="0">
@@ -41283,6 +41174,3084 @@
           <a:chExt cx="0" cy="0"/>
         </a:xfrm>
       </p:grpSpPr>
+      <p:pic>
+        <p:nvPicPr>
+          <p:cNvPr id="22530" name="Picture 8"/>
+          <p:cNvPicPr>
+            <a:picLocks noChangeAspect="1" noChangeArrowheads="1"/>
+          </p:cNvPicPr>
+          <p:nvPr/>
+        </p:nvPicPr>
+        <p:blipFill>
+          <a:blip r:embed="rId2"/>
+          <a:stretch>
+            <a:fillRect/>
+          </a:stretch>
+        </p:blipFill>
+        <p:spPr bwMode="auto">
+          <a:xfrm>
+            <a:off x="747471" y="1857364"/>
+            <a:ext cx="3491149" cy="2797394"/>
+          </a:xfrm>
+          <a:prstGeom prst="rect">
+            <a:avLst/>
+          </a:prstGeom>
+          <a:noFill/>
+          <a:ln w="9525">
+            <a:noFill/>
+            <a:miter lim="800000"/>
+            <a:headEnd/>
+            <a:tailEnd/>
+          </a:ln>
+        </p:spPr>
+      </p:pic>
+      <p:sp>
+        <p:nvSpPr>
+          <p:cNvPr id="6" name="TextBox 5"/>
+          <p:cNvSpPr txBox="1"/>
+          <p:nvPr/>
+        </p:nvSpPr>
+        <p:spPr>
+          <a:xfrm>
+            <a:off x="1497013" y="282575"/>
+            <a:ext cx="1050288" cy="369332"/>
+          </a:xfrm>
+          <a:prstGeom prst="rect">
+            <a:avLst/>
+          </a:prstGeom>
+          <a:noFill/>
+        </p:spPr>
+        <p:txBody>
+          <a:bodyPr wrap="none">
+            <a:spAutoFit/>
+          </a:bodyPr>
+          <a:lstStyle/>
+          <a:p>
+            <a:pPr fontAlgn="auto">
+              <a:spcBef>
+                <a:spcPts val="0"/>
+              </a:spcBef>
+              <a:spcAft>
+                <a:spcPts val="0"/>
+              </a:spcAft>
+              <a:defRPr/>
+            </a:pPr>
+            <a:r>
+              <a:rPr kumimoji="0" lang="ko-KR" altLang="en-US" dirty="0" smtClean="0">
+                <a:solidFill>
+                  <a:schemeClr val="bg1">
+                    <a:lumMod val="50000"/>
+                  </a:schemeClr>
+                </a:solidFill>
+                <a:latin typeface="나눔고딕OTF ExtraBold" pitchFamily="34" charset="-127"/>
+                <a:ea typeface="나눔고딕OTF ExtraBold" pitchFamily="34" charset="-127"/>
+              </a:rPr>
+              <a:t>코드관리</a:t>
+            </a:r>
+          </a:p>
+        </p:txBody>
+      </p:sp>
+      <p:sp>
+        <p:nvSpPr>
+          <p:cNvPr id="8" name="TextBox 4"/>
+          <p:cNvSpPr txBox="1">
+            <a:spLocks noChangeArrowheads="1"/>
+          </p:cNvSpPr>
+          <p:nvPr/>
+        </p:nvSpPr>
+        <p:spPr bwMode="auto">
+          <a:xfrm>
+            <a:off x="381000" y="785813"/>
+            <a:ext cx="1359668" cy="307777"/>
+          </a:xfrm>
+          <a:prstGeom prst="rect">
+            <a:avLst/>
+          </a:prstGeom>
+          <a:noFill/>
+          <a:ln w="9525">
+            <a:noFill/>
+            <a:miter lim="800000"/>
+            <a:headEnd/>
+            <a:tailEnd/>
+          </a:ln>
+        </p:spPr>
+        <p:txBody>
+          <a:bodyPr wrap="none">
+            <a:spAutoFit/>
+          </a:bodyPr>
+          <a:lstStyle/>
+          <a:p>
+            <a:r>
+              <a:rPr kumimoji="0" lang="en-US" altLang="ko-KR" sz="1400" b="1" dirty="0" smtClean="0">
+                <a:latin typeface="나눔고딕OTF" pitchFamily="34" charset="-127"/>
+                <a:ea typeface="나눔고딕OTF" pitchFamily="34" charset="-127"/>
+              </a:rPr>
+              <a:t>- </a:t>
+            </a:r>
+            <a:r>
+              <a:rPr kumimoji="0" lang="ko-KR" altLang="en-US" sz="1400" b="1" dirty="0" smtClean="0">
+                <a:latin typeface="나눔고딕OTF" pitchFamily="34" charset="-127"/>
+                <a:ea typeface="나눔고딕OTF" pitchFamily="34" charset="-127"/>
+              </a:rPr>
+              <a:t>소견코드 설정</a:t>
+            </a:r>
+            <a:endParaRPr kumimoji="0" lang="en-US" altLang="ko-KR" sz="1400" b="1" dirty="0" smtClean="0">
+              <a:latin typeface="나눔고딕OTF" pitchFamily="34" charset="-127"/>
+              <a:ea typeface="나눔고딕OTF" pitchFamily="34" charset="-127"/>
+            </a:endParaRPr>
+          </a:p>
+        </p:txBody>
+      </p:sp>
+      <p:sp>
+        <p:nvSpPr>
+          <p:cNvPr id="10" name="직사각형 9"/>
+          <p:cNvSpPr/>
+          <p:nvPr/>
+        </p:nvSpPr>
+        <p:spPr>
+          <a:xfrm>
+            <a:off x="755709" y="3096524"/>
+            <a:ext cx="3429024" cy="1428760"/>
+          </a:xfrm>
+          <a:prstGeom prst="rect">
+            <a:avLst/>
+          </a:prstGeom>
+          <a:noFill/>
+          <a:ln w="12700">
+            <a:solidFill>
+              <a:srgbClr val="FF0000"/>
+            </a:solidFill>
+          </a:ln>
+        </p:spPr>
+        <p:style>
+          <a:lnRef idx="2">
+            <a:schemeClr val="accent1">
+              <a:shade val="50000"/>
+            </a:schemeClr>
+          </a:lnRef>
+          <a:fillRef idx="1">
+            <a:schemeClr val="accent1"/>
+          </a:fillRef>
+          <a:effectRef idx="0">
+            <a:schemeClr val="accent1"/>
+          </a:effectRef>
+          <a:fontRef idx="minor">
+            <a:schemeClr val="lt1"/>
+          </a:fontRef>
+        </p:style>
+        <p:txBody>
+          <a:bodyPr anchor="ctr"/>
+          <a:lstStyle/>
+          <a:p>
+            <a:pPr algn="ctr" fontAlgn="auto">
+              <a:spcBef>
+                <a:spcPts val="0"/>
+              </a:spcBef>
+              <a:spcAft>
+                <a:spcPts val="0"/>
+              </a:spcAft>
+              <a:defRPr/>
+            </a:pPr>
+            <a:endParaRPr kumimoji="0" lang="ko-KR" altLang="en-US" dirty="0">
+              <a:latin typeface="나눔고딕OTF" pitchFamily="34" charset="-127"/>
+              <a:ea typeface="나눔고딕OTF" pitchFamily="34" charset="-127"/>
+            </a:endParaRPr>
+          </a:p>
+        </p:txBody>
+      </p:sp>
+      <p:sp>
+        <p:nvSpPr>
+          <p:cNvPr id="23" name="TextBox 59"/>
+          <p:cNvSpPr txBox="1">
+            <a:spLocks noChangeArrowheads="1"/>
+          </p:cNvSpPr>
+          <p:nvPr/>
+        </p:nvSpPr>
+        <p:spPr bwMode="auto">
+          <a:xfrm>
+            <a:off x="415924" y="1052513"/>
+            <a:ext cx="5751521" cy="276999"/>
+          </a:xfrm>
+          <a:prstGeom prst="rect">
+            <a:avLst/>
+          </a:prstGeom>
+          <a:noFill/>
+          <a:ln w="9525">
+            <a:noFill/>
+            <a:miter lim="800000"/>
+            <a:headEnd/>
+            <a:tailEnd/>
+          </a:ln>
+        </p:spPr>
+        <p:txBody>
+          <a:bodyPr wrap="square">
+            <a:spAutoFit/>
+          </a:bodyPr>
+          <a:lstStyle/>
+          <a:p>
+            <a:r>
+              <a:rPr kumimoji="0" lang="en-US" altLang="ko-KR" sz="1200" dirty="0">
+                <a:latin typeface="나눔고딕OTF" pitchFamily="34" charset="-127"/>
+                <a:ea typeface="나눔고딕OTF" pitchFamily="34" charset="-127"/>
+              </a:rPr>
+              <a:t> </a:t>
+            </a:r>
+            <a:r>
+              <a:rPr kumimoji="0" lang="ko-KR" altLang="en-US" sz="1200" dirty="0" smtClean="0">
+                <a:latin typeface="나눔고딕OTF" pitchFamily="34" charset="-127"/>
+                <a:ea typeface="나눔고딕OTF" pitchFamily="34" charset="-127"/>
+              </a:rPr>
+              <a:t>위치 </a:t>
+            </a:r>
+            <a:r>
+              <a:rPr kumimoji="0" lang="en-US" altLang="ko-KR" sz="1200" dirty="0" smtClean="0">
+                <a:latin typeface="나눔고딕OTF" pitchFamily="34" charset="-127"/>
+                <a:ea typeface="나눔고딕OTF" pitchFamily="34" charset="-127"/>
+              </a:rPr>
+              <a:t>: </a:t>
+            </a:r>
+            <a:r>
+              <a:rPr kumimoji="0" lang="ko-KR" altLang="en-US" sz="1200" dirty="0" err="1" smtClean="0">
+                <a:latin typeface="나눔고딕OTF" pitchFamily="34" charset="-127"/>
+                <a:ea typeface="나눔고딕OTF" pitchFamily="34" charset="-127"/>
+              </a:rPr>
+              <a:t>메인화면</a:t>
+            </a:r>
+            <a:r>
+              <a:rPr kumimoji="0" lang="ko-KR" altLang="en-US" sz="1200" dirty="0" smtClean="0">
+                <a:latin typeface="나눔고딕OTF" pitchFamily="34" charset="-127"/>
+                <a:ea typeface="나눔고딕OTF" pitchFamily="34" charset="-127"/>
+              </a:rPr>
+              <a:t> </a:t>
+            </a:r>
+            <a:r>
+              <a:rPr kumimoji="0" lang="en-US" altLang="ko-KR" sz="1200" dirty="0" smtClean="0">
+                <a:latin typeface="나눔고딕OTF" pitchFamily="34" charset="-127"/>
+                <a:ea typeface="나눔고딕OTF" pitchFamily="34" charset="-127"/>
+              </a:rPr>
+              <a:t>– </a:t>
+            </a:r>
+            <a:r>
+              <a:rPr kumimoji="0" lang="ko-KR" altLang="en-US" sz="1200" dirty="0" smtClean="0">
+                <a:latin typeface="나눔고딕OTF" pitchFamily="34" charset="-127"/>
+                <a:ea typeface="나눔고딕OTF" pitchFamily="34" charset="-127"/>
+              </a:rPr>
+              <a:t>코드관리 </a:t>
+            </a:r>
+            <a:r>
+              <a:rPr kumimoji="0" lang="en-US" altLang="ko-KR" sz="1200" dirty="0" smtClean="0">
+                <a:latin typeface="나눔고딕OTF" pitchFamily="34" charset="-127"/>
+                <a:ea typeface="나눔고딕OTF" pitchFamily="34" charset="-127"/>
+              </a:rPr>
+              <a:t>– </a:t>
+            </a:r>
+            <a:r>
+              <a:rPr kumimoji="0" lang="ko-KR" altLang="en-US" sz="1200" dirty="0" smtClean="0">
+                <a:latin typeface="나눔고딕OTF" pitchFamily="34" charset="-127"/>
+                <a:ea typeface="나눔고딕OTF" pitchFamily="34" charset="-127"/>
+              </a:rPr>
+              <a:t>소견코드</a:t>
+            </a:r>
+            <a:endParaRPr kumimoji="0" lang="en-US" altLang="ko-KR" sz="1200" dirty="0">
+              <a:latin typeface="나눔고딕OTF" pitchFamily="34" charset="-127"/>
+              <a:ea typeface="나눔고딕OTF" pitchFamily="34" charset="-127"/>
+            </a:endParaRPr>
+          </a:p>
+        </p:txBody>
+      </p:sp>
+      <p:sp>
+        <p:nvSpPr>
+          <p:cNvPr id="13" name="직사각형 12"/>
+          <p:cNvSpPr/>
+          <p:nvPr/>
+        </p:nvSpPr>
+        <p:spPr>
+          <a:xfrm>
+            <a:off x="755709" y="2239268"/>
+            <a:ext cx="3429024" cy="761104"/>
+          </a:xfrm>
+          <a:prstGeom prst="rect">
+            <a:avLst/>
+          </a:prstGeom>
+          <a:noFill/>
+          <a:ln w="12700">
+            <a:solidFill>
+              <a:srgbClr val="FF0000"/>
+            </a:solidFill>
+          </a:ln>
+        </p:spPr>
+        <p:style>
+          <a:lnRef idx="2">
+            <a:schemeClr val="accent1">
+              <a:shade val="50000"/>
+            </a:schemeClr>
+          </a:lnRef>
+          <a:fillRef idx="1">
+            <a:schemeClr val="accent1"/>
+          </a:fillRef>
+          <a:effectRef idx="0">
+            <a:schemeClr val="accent1"/>
+          </a:effectRef>
+          <a:fontRef idx="minor">
+            <a:schemeClr val="lt1"/>
+          </a:fontRef>
+        </p:style>
+        <p:txBody>
+          <a:bodyPr anchor="ctr"/>
+          <a:lstStyle/>
+          <a:p>
+            <a:pPr algn="ctr" fontAlgn="auto">
+              <a:spcBef>
+                <a:spcPts val="0"/>
+              </a:spcBef>
+              <a:spcAft>
+                <a:spcPts val="0"/>
+              </a:spcAft>
+              <a:defRPr/>
+            </a:pPr>
+            <a:endParaRPr kumimoji="0" lang="ko-KR" altLang="en-US" dirty="0">
+              <a:latin typeface="나눔고딕OTF" pitchFamily="34" charset="-127"/>
+              <a:ea typeface="나눔고딕OTF" pitchFamily="34" charset="-127"/>
+            </a:endParaRPr>
+          </a:p>
+        </p:txBody>
+      </p:sp>
+      <p:sp>
+        <p:nvSpPr>
+          <p:cNvPr id="11" name="타원 10"/>
+          <p:cNvSpPr/>
+          <p:nvPr/>
+        </p:nvSpPr>
+        <p:spPr>
+          <a:xfrm>
+            <a:off x="604595" y="2143116"/>
+            <a:ext cx="214314" cy="214314"/>
+          </a:xfrm>
+          <a:prstGeom prst="ellipse">
+            <a:avLst/>
+          </a:prstGeom>
+          <a:solidFill>
+            <a:schemeClr val="bg1"/>
+          </a:solidFill>
+          <a:ln>
+            <a:solidFill>
+              <a:srgbClr val="FF0000"/>
+            </a:solidFill>
+          </a:ln>
+        </p:spPr>
+        <p:style>
+          <a:lnRef idx="2">
+            <a:schemeClr val="accent1">
+              <a:shade val="50000"/>
+            </a:schemeClr>
+          </a:lnRef>
+          <a:fillRef idx="1">
+            <a:schemeClr val="accent1"/>
+          </a:fillRef>
+          <a:effectRef idx="0">
+            <a:schemeClr val="accent1"/>
+          </a:effectRef>
+          <a:fontRef idx="minor">
+            <a:schemeClr val="lt1"/>
+          </a:fontRef>
+        </p:style>
+        <p:txBody>
+          <a:bodyPr anchor="ctr"/>
+          <a:lstStyle/>
+          <a:p>
+            <a:pPr algn="ctr">
+              <a:defRPr/>
+            </a:pPr>
+            <a:r>
+              <a:rPr lang="en-US" altLang="ko-KR" sz="1000" dirty="0" smtClean="0">
+                <a:solidFill>
+                  <a:schemeClr val="tx1"/>
+                </a:solidFill>
+              </a:rPr>
+              <a:t>1</a:t>
+            </a:r>
+            <a:endParaRPr lang="ko-KR" altLang="en-US" sz="1000" dirty="0">
+              <a:solidFill>
+                <a:schemeClr val="tx1"/>
+              </a:solidFill>
+            </a:endParaRPr>
+          </a:p>
+        </p:txBody>
+      </p:sp>
+      <p:sp>
+        <p:nvSpPr>
+          <p:cNvPr id="15" name="타원 14"/>
+          <p:cNvSpPr/>
+          <p:nvPr/>
+        </p:nvSpPr>
+        <p:spPr>
+          <a:xfrm>
+            <a:off x="604595" y="3000372"/>
+            <a:ext cx="214314" cy="214314"/>
+          </a:xfrm>
+          <a:prstGeom prst="ellipse">
+            <a:avLst/>
+          </a:prstGeom>
+          <a:solidFill>
+            <a:schemeClr val="bg1"/>
+          </a:solidFill>
+          <a:ln>
+            <a:solidFill>
+              <a:srgbClr val="FF0000"/>
+            </a:solidFill>
+          </a:ln>
+        </p:spPr>
+        <p:style>
+          <a:lnRef idx="2">
+            <a:schemeClr val="accent1">
+              <a:shade val="50000"/>
+            </a:schemeClr>
+          </a:lnRef>
+          <a:fillRef idx="1">
+            <a:schemeClr val="accent1"/>
+          </a:fillRef>
+          <a:effectRef idx="0">
+            <a:schemeClr val="accent1"/>
+          </a:effectRef>
+          <a:fontRef idx="minor">
+            <a:schemeClr val="lt1"/>
+          </a:fontRef>
+        </p:style>
+        <p:txBody>
+          <a:bodyPr anchor="ctr"/>
+          <a:lstStyle/>
+          <a:p>
+            <a:pPr algn="ctr">
+              <a:defRPr/>
+            </a:pPr>
+            <a:r>
+              <a:rPr lang="en-US" altLang="ko-KR" sz="1000" dirty="0" smtClean="0">
+                <a:solidFill>
+                  <a:schemeClr val="tx1"/>
+                </a:solidFill>
+              </a:rPr>
+              <a:t>2</a:t>
+            </a:r>
+            <a:endParaRPr lang="ko-KR" altLang="en-US" sz="1000" dirty="0">
+              <a:solidFill>
+                <a:schemeClr val="tx1"/>
+              </a:solidFill>
+            </a:endParaRPr>
+          </a:p>
+        </p:txBody>
+      </p:sp>
+      <p:grpSp>
+        <p:nvGrpSpPr>
+          <p:cNvPr id="19" name="그룹 18"/>
+          <p:cNvGrpSpPr/>
+          <p:nvPr/>
+        </p:nvGrpSpPr>
+        <p:grpSpPr>
+          <a:xfrm>
+            <a:off x="4524372" y="1571612"/>
+            <a:ext cx="5214973" cy="4452964"/>
+            <a:chOff x="4524372" y="1571612"/>
+            <a:chExt cx="5214973" cy="4452964"/>
+          </a:xfrm>
+        </p:grpSpPr>
+        <p:sp>
+          <p:nvSpPr>
+            <p:cNvPr id="22535" name="TextBox 4"/>
+            <p:cNvSpPr txBox="1">
+              <a:spLocks noChangeArrowheads="1"/>
+            </p:cNvSpPr>
+            <p:nvPr/>
+          </p:nvSpPr>
+          <p:spPr bwMode="auto">
+            <a:xfrm>
+              <a:off x="4524372" y="1571612"/>
+              <a:ext cx="5214973" cy="3970318"/>
+            </a:xfrm>
+            <a:prstGeom prst="rect">
+              <a:avLst/>
+            </a:prstGeom>
+            <a:noFill/>
+            <a:ln w="9525">
+              <a:noFill/>
+              <a:miter lim="800000"/>
+              <a:headEnd/>
+              <a:tailEnd/>
+            </a:ln>
+          </p:spPr>
+          <p:txBody>
+            <a:bodyPr wrap="square">
+              <a:spAutoFit/>
+            </a:bodyPr>
+            <a:lstStyle/>
+            <a:p>
+              <a:pPr marL="228600" indent="-228600">
+                <a:lnSpc>
+                  <a:spcPct val="120000"/>
+                </a:lnSpc>
+                <a:buAutoNum type="arabicParenR"/>
+              </a:pPr>
+              <a:r>
+                <a:rPr kumimoji="0" lang="ko-KR" altLang="en-US" sz="1000" b="1" dirty="0" smtClean="0">
+                  <a:latin typeface="나눔고딕OTF" pitchFamily="34" charset="-127"/>
+                  <a:ea typeface="나눔고딕OTF" pitchFamily="34" charset="-127"/>
+                </a:rPr>
+                <a:t>소견코드 목록</a:t>
+              </a:r>
+              <a:endParaRPr kumimoji="0" lang="en-US" altLang="ko-KR" sz="1000" b="1" dirty="0" smtClean="0">
+                <a:latin typeface="나눔고딕OTF" pitchFamily="34" charset="-127"/>
+                <a:ea typeface="나눔고딕OTF" pitchFamily="34" charset="-127"/>
+              </a:endParaRPr>
+            </a:p>
+            <a:p>
+              <a:pPr marL="228600" indent="-228600">
+                <a:lnSpc>
+                  <a:spcPct val="120000"/>
+                </a:lnSpc>
+              </a:pPr>
+              <a:r>
+                <a:rPr kumimoji="0" lang="en-US" altLang="ko-KR" sz="1000" dirty="0" smtClean="0">
+                  <a:latin typeface="나눔고딕OTF" pitchFamily="34" charset="-127"/>
+                  <a:ea typeface="나눔고딕OTF" pitchFamily="34" charset="-127"/>
+                </a:rPr>
+                <a:t> </a:t>
+              </a:r>
+              <a:r>
+                <a:rPr kumimoji="0" lang="en-US" altLang="ko-KR" sz="1000" dirty="0" smtClean="0">
+                  <a:latin typeface="나눔고딕OTF" pitchFamily="34" charset="-127"/>
+                  <a:ea typeface="나눔고딕OTF" pitchFamily="34" charset="-127"/>
+                </a:rPr>
+                <a:t>  - </a:t>
+              </a:r>
+              <a:r>
+                <a:rPr kumimoji="0" lang="ko-KR" altLang="en-US" sz="1000" dirty="0" smtClean="0">
+                  <a:latin typeface="나눔고딕OTF" pitchFamily="34" charset="-127"/>
+                  <a:ea typeface="나눔고딕OTF" pitchFamily="34" charset="-127"/>
+                </a:rPr>
+                <a:t>소견 형식 결과값을 저장해놓고 사용할 수 있는 소견 코드 목록입니다</a:t>
+              </a:r>
+              <a:r>
+                <a:rPr kumimoji="0" lang="en-US" altLang="ko-KR" sz="1000" dirty="0" smtClean="0">
+                  <a:latin typeface="나눔고딕OTF" pitchFamily="34" charset="-127"/>
+                  <a:ea typeface="나눔고딕OTF" pitchFamily="34" charset="-127"/>
+                </a:rPr>
+                <a:t>.</a:t>
+              </a:r>
+            </a:p>
+            <a:p>
+              <a:pPr marL="228600" indent="-228600">
+                <a:lnSpc>
+                  <a:spcPct val="120000"/>
+                </a:lnSpc>
+              </a:pPr>
+              <a:r>
+                <a:rPr kumimoji="0" lang="en-US" altLang="ko-KR" sz="1000" dirty="0" smtClean="0">
+                  <a:latin typeface="나눔고딕OTF" pitchFamily="34" charset="-127"/>
+                  <a:ea typeface="나눔고딕OTF" pitchFamily="34" charset="-127"/>
+                </a:rPr>
+                <a:t> </a:t>
+              </a:r>
+              <a:r>
+                <a:rPr kumimoji="0" lang="en-US" altLang="ko-KR" sz="1000" dirty="0" smtClean="0">
+                  <a:latin typeface="나눔고딕OTF" pitchFamily="34" charset="-127"/>
+                  <a:ea typeface="나눔고딕OTF" pitchFamily="34" charset="-127"/>
+                </a:rPr>
+                <a:t>  - </a:t>
+              </a:r>
+              <a:r>
+                <a:rPr kumimoji="0" lang="ko-KR" altLang="en-US" sz="1000" dirty="0" smtClean="0">
+                  <a:latin typeface="나눔고딕OTF" pitchFamily="34" charset="-127"/>
+                  <a:ea typeface="나눔고딕OTF" pitchFamily="34" charset="-127"/>
+                </a:rPr>
+                <a:t>소견을 선택하면 아래의 소견 정보에 소견내용이 표시됩니다</a:t>
+              </a:r>
+              <a:r>
+                <a:rPr kumimoji="0" lang="en-US" altLang="ko-KR" sz="1000" dirty="0" smtClean="0">
+                  <a:latin typeface="나눔고딕OTF" pitchFamily="34" charset="-127"/>
+                  <a:ea typeface="나눔고딕OTF" pitchFamily="34" charset="-127"/>
+                </a:rPr>
+                <a:t>.</a:t>
+              </a:r>
+            </a:p>
+            <a:p>
+              <a:pPr marL="228600" indent="-228600">
+                <a:lnSpc>
+                  <a:spcPct val="120000"/>
+                </a:lnSpc>
+                <a:buAutoNum type="arabicParenR" startAt="2"/>
+              </a:pPr>
+              <a:r>
+                <a:rPr kumimoji="0" lang="ko-KR" altLang="en-US" sz="1000" b="1" dirty="0" smtClean="0">
+                  <a:latin typeface="나눔고딕OTF" pitchFamily="34" charset="-127"/>
+                  <a:ea typeface="나눔고딕OTF" pitchFamily="34" charset="-127"/>
+                </a:rPr>
+                <a:t>소견 정보</a:t>
+              </a:r>
+              <a:endParaRPr kumimoji="0" lang="en-US" altLang="ko-KR" sz="1000" b="1" dirty="0" smtClean="0">
+                <a:latin typeface="나눔고딕OTF" pitchFamily="34" charset="-127"/>
+                <a:ea typeface="나눔고딕OTF" pitchFamily="34" charset="-127"/>
+              </a:endParaRPr>
+            </a:p>
+            <a:p>
+              <a:pPr marL="228600" indent="-228600">
+                <a:lnSpc>
+                  <a:spcPct val="120000"/>
+                </a:lnSpc>
+              </a:pPr>
+              <a:r>
+                <a:rPr kumimoji="0" lang="en-US" altLang="ko-KR" sz="1000" dirty="0" smtClean="0">
+                  <a:latin typeface="나눔고딕OTF" pitchFamily="34" charset="-127"/>
+                  <a:ea typeface="나눔고딕OTF" pitchFamily="34" charset="-127"/>
+                </a:rPr>
+                <a:t> </a:t>
+              </a:r>
+              <a:r>
+                <a:rPr kumimoji="0" lang="en-US" altLang="ko-KR" sz="1000" dirty="0" smtClean="0">
+                  <a:latin typeface="나눔고딕OTF" pitchFamily="34" charset="-127"/>
+                  <a:ea typeface="나눔고딕OTF" pitchFamily="34" charset="-127"/>
+                </a:rPr>
+                <a:t>  - </a:t>
+              </a:r>
+              <a:r>
+                <a:rPr kumimoji="0" lang="ko-KR" altLang="en-US" sz="1000" dirty="0" smtClean="0">
+                  <a:latin typeface="나눔고딕OTF" pitchFamily="34" charset="-127"/>
+                  <a:ea typeface="나눔고딕OTF" pitchFamily="34" charset="-127"/>
+                </a:rPr>
+                <a:t>소견명과 내용을 표시합니다</a:t>
+              </a:r>
+              <a:r>
+                <a:rPr kumimoji="0" lang="en-US" altLang="ko-KR" sz="1000" dirty="0" smtClean="0">
+                  <a:latin typeface="나눔고딕OTF" pitchFamily="34" charset="-127"/>
+                  <a:ea typeface="나눔고딕OTF" pitchFamily="34" charset="-127"/>
+                </a:rPr>
+                <a:t>. </a:t>
+              </a:r>
+              <a:r>
+                <a:rPr kumimoji="0" lang="ko-KR" altLang="en-US" sz="1000" dirty="0" smtClean="0">
+                  <a:latin typeface="나눔고딕OTF" pitchFamily="34" charset="-127"/>
+                  <a:ea typeface="나눔고딕OTF" pitchFamily="34" charset="-127"/>
+                </a:rPr>
+                <a:t>여기서 소견 내용을 수정하고 상단의 </a:t>
+              </a:r>
+              <a:r>
+                <a:rPr kumimoji="0" lang="en-US" altLang="ko-KR" sz="1000" dirty="0" smtClean="0">
+                  <a:latin typeface="나눔고딕OTF" pitchFamily="34" charset="-127"/>
+                  <a:ea typeface="나눔고딕OTF" pitchFamily="34" charset="-127"/>
+                </a:rPr>
+                <a:t>“</a:t>
+              </a:r>
+              <a:r>
+                <a:rPr kumimoji="0" lang="ko-KR" altLang="en-US" sz="1000" dirty="0" smtClean="0">
+                  <a:latin typeface="나눔고딕OTF" pitchFamily="34" charset="-127"/>
+                  <a:ea typeface="나눔고딕OTF" pitchFamily="34" charset="-127"/>
+                </a:rPr>
+                <a:t>저장</a:t>
+              </a:r>
+              <a:r>
+                <a:rPr kumimoji="0" lang="en-US" altLang="ko-KR" sz="1000" dirty="0" smtClean="0">
+                  <a:latin typeface="나눔고딕OTF" pitchFamily="34" charset="-127"/>
+                  <a:ea typeface="나눔고딕OTF" pitchFamily="34" charset="-127"/>
+                </a:rPr>
+                <a:t>”</a:t>
+              </a:r>
+              <a:r>
+                <a:rPr kumimoji="0" lang="ko-KR" altLang="en-US" sz="1000" dirty="0" smtClean="0">
+                  <a:latin typeface="나눔고딕OTF" pitchFamily="34" charset="-127"/>
+                  <a:ea typeface="나눔고딕OTF" pitchFamily="34" charset="-127"/>
+                </a:rPr>
+                <a:t>버튼을 클릭하면</a:t>
+              </a:r>
+              <a:r>
+                <a:rPr kumimoji="0" lang="en-US" altLang="ko-KR" sz="1000" dirty="0" smtClean="0">
+                  <a:latin typeface="나눔고딕OTF" pitchFamily="34" charset="-127"/>
+                  <a:ea typeface="나눔고딕OTF" pitchFamily="34" charset="-127"/>
+                </a:rPr>
+                <a:t/>
+              </a:r>
+              <a:br>
+                <a:rPr kumimoji="0" lang="en-US" altLang="ko-KR" sz="1000" dirty="0" smtClean="0">
+                  <a:latin typeface="나눔고딕OTF" pitchFamily="34" charset="-127"/>
+                  <a:ea typeface="나눔고딕OTF" pitchFamily="34" charset="-127"/>
+                </a:rPr>
+              </a:br>
+              <a:r>
+                <a:rPr kumimoji="0" lang="ko-KR" altLang="en-US" sz="1000" dirty="0" smtClean="0">
+                  <a:latin typeface="나눔고딕OTF" pitchFamily="34" charset="-127"/>
+                  <a:ea typeface="나눔고딕OTF" pitchFamily="34" charset="-127"/>
+                </a:rPr>
+                <a:t>내용이 수정됩니다</a:t>
+              </a:r>
+              <a:r>
+                <a:rPr kumimoji="0" lang="en-US" altLang="ko-KR" sz="1000" dirty="0" smtClean="0">
+                  <a:latin typeface="나눔고딕OTF" pitchFamily="34" charset="-127"/>
+                  <a:ea typeface="나눔고딕OTF" pitchFamily="34" charset="-127"/>
+                </a:rPr>
+                <a:t>.</a:t>
+              </a:r>
+            </a:p>
+            <a:p>
+              <a:pPr marL="228600" indent="-228600">
+                <a:lnSpc>
+                  <a:spcPct val="120000"/>
+                </a:lnSpc>
+                <a:buAutoNum type="arabicParenR" startAt="3"/>
+              </a:pPr>
+              <a:r>
+                <a:rPr kumimoji="0" lang="ko-KR" altLang="en-US" sz="1000" b="1" dirty="0" smtClean="0">
+                  <a:latin typeface="나눔고딕OTF" pitchFamily="34" charset="-127"/>
+                  <a:ea typeface="나눔고딕OTF" pitchFamily="34" charset="-127"/>
+                </a:rPr>
+                <a:t>신규 소견 입력</a:t>
+              </a:r>
+              <a:endParaRPr kumimoji="0" lang="en-US" altLang="ko-KR" sz="1000" b="1" dirty="0" smtClean="0">
+                <a:latin typeface="나눔고딕OTF" pitchFamily="34" charset="-127"/>
+                <a:ea typeface="나눔고딕OTF" pitchFamily="34" charset="-127"/>
+              </a:endParaRPr>
+            </a:p>
+            <a:p>
+              <a:pPr marL="228600" indent="-228600">
+                <a:lnSpc>
+                  <a:spcPct val="120000"/>
+                </a:lnSpc>
+                <a:buAutoNum type="arabicParenR" startAt="3"/>
+              </a:pPr>
+              <a:endParaRPr kumimoji="0" lang="en-US" altLang="ko-KR" sz="1000" b="1" dirty="0" smtClean="0">
+                <a:latin typeface="나눔고딕OTF" pitchFamily="34" charset="-127"/>
+                <a:ea typeface="나눔고딕OTF" pitchFamily="34" charset="-127"/>
+              </a:endParaRPr>
+            </a:p>
+            <a:p>
+              <a:pPr marL="228600" indent="-228600">
+                <a:lnSpc>
+                  <a:spcPct val="120000"/>
+                </a:lnSpc>
+                <a:buAutoNum type="arabicParenR" startAt="3"/>
+              </a:pPr>
+              <a:endParaRPr kumimoji="0" lang="en-US" altLang="ko-KR" sz="1000" b="1" dirty="0" smtClean="0">
+                <a:latin typeface="나눔고딕OTF" pitchFamily="34" charset="-127"/>
+                <a:ea typeface="나눔고딕OTF" pitchFamily="34" charset="-127"/>
+              </a:endParaRPr>
+            </a:p>
+            <a:p>
+              <a:pPr marL="228600" indent="-228600">
+                <a:lnSpc>
+                  <a:spcPct val="120000"/>
+                </a:lnSpc>
+                <a:buAutoNum type="arabicParenR" startAt="3"/>
+              </a:pPr>
+              <a:endParaRPr kumimoji="0" lang="en-US" altLang="ko-KR" sz="1000" b="1" dirty="0" smtClean="0">
+                <a:latin typeface="나눔고딕OTF" pitchFamily="34" charset="-127"/>
+                <a:ea typeface="나눔고딕OTF" pitchFamily="34" charset="-127"/>
+              </a:endParaRPr>
+            </a:p>
+            <a:p>
+              <a:pPr marL="228600" indent="-228600">
+                <a:lnSpc>
+                  <a:spcPct val="120000"/>
+                </a:lnSpc>
+                <a:buAutoNum type="arabicParenR" startAt="3"/>
+              </a:pPr>
+              <a:endParaRPr kumimoji="0" lang="en-US" altLang="ko-KR" sz="1000" b="1" dirty="0" smtClean="0">
+                <a:latin typeface="나눔고딕OTF" pitchFamily="34" charset="-127"/>
+                <a:ea typeface="나눔고딕OTF" pitchFamily="34" charset="-127"/>
+              </a:endParaRPr>
+            </a:p>
+            <a:p>
+              <a:pPr marL="228600" indent="-228600">
+                <a:lnSpc>
+                  <a:spcPct val="120000"/>
+                </a:lnSpc>
+                <a:buAutoNum type="arabicParenR" startAt="3"/>
+              </a:pPr>
+              <a:endParaRPr kumimoji="0" lang="en-US" altLang="ko-KR" sz="1000" b="1" dirty="0" smtClean="0">
+                <a:latin typeface="나눔고딕OTF" pitchFamily="34" charset="-127"/>
+                <a:ea typeface="나눔고딕OTF" pitchFamily="34" charset="-127"/>
+              </a:endParaRPr>
+            </a:p>
+            <a:p>
+              <a:pPr marL="228600" indent="-228600">
+                <a:lnSpc>
+                  <a:spcPct val="120000"/>
+                </a:lnSpc>
+                <a:buAutoNum type="arabicParenR" startAt="3"/>
+              </a:pPr>
+              <a:endParaRPr kumimoji="0" lang="en-US" altLang="ko-KR" sz="1000" b="1" dirty="0" smtClean="0">
+                <a:latin typeface="나눔고딕OTF" pitchFamily="34" charset="-127"/>
+                <a:ea typeface="나눔고딕OTF" pitchFamily="34" charset="-127"/>
+              </a:endParaRPr>
+            </a:p>
+            <a:p>
+              <a:pPr marL="228600" indent="-228600">
+                <a:lnSpc>
+                  <a:spcPct val="120000"/>
+                </a:lnSpc>
+                <a:buAutoNum type="arabicParenR" startAt="3"/>
+              </a:pPr>
+              <a:endParaRPr kumimoji="0" lang="en-US" altLang="ko-KR" sz="1000" b="1" dirty="0" smtClean="0">
+                <a:latin typeface="나눔고딕OTF" pitchFamily="34" charset="-127"/>
+                <a:ea typeface="나눔고딕OTF" pitchFamily="34" charset="-127"/>
+              </a:endParaRPr>
+            </a:p>
+            <a:p>
+              <a:pPr marL="228600" indent="-228600">
+                <a:lnSpc>
+                  <a:spcPct val="120000"/>
+                </a:lnSpc>
+                <a:buAutoNum type="arabicParenR" startAt="3"/>
+              </a:pPr>
+              <a:endParaRPr kumimoji="0" lang="en-US" altLang="ko-KR" sz="1000" b="1" dirty="0" smtClean="0">
+                <a:latin typeface="나눔고딕OTF" pitchFamily="34" charset="-127"/>
+                <a:ea typeface="나눔고딕OTF" pitchFamily="34" charset="-127"/>
+              </a:endParaRPr>
+            </a:p>
+            <a:p>
+              <a:pPr marL="228600" indent="-228600">
+                <a:lnSpc>
+                  <a:spcPct val="120000"/>
+                </a:lnSpc>
+                <a:buAutoNum type="arabicParenR" startAt="3"/>
+              </a:pPr>
+              <a:endParaRPr kumimoji="0" lang="en-US" altLang="ko-KR" sz="1000" b="1" dirty="0" smtClean="0">
+                <a:latin typeface="나눔고딕OTF" pitchFamily="34" charset="-127"/>
+                <a:ea typeface="나눔고딕OTF" pitchFamily="34" charset="-127"/>
+              </a:endParaRPr>
+            </a:p>
+            <a:p>
+              <a:pPr marL="228600" indent="-228600">
+                <a:lnSpc>
+                  <a:spcPct val="120000"/>
+                </a:lnSpc>
+                <a:buAutoNum type="arabicParenR" startAt="3"/>
+              </a:pPr>
+              <a:endParaRPr kumimoji="0" lang="en-US" altLang="ko-KR" sz="1000" b="1" dirty="0" smtClean="0">
+                <a:latin typeface="나눔고딕OTF" pitchFamily="34" charset="-127"/>
+                <a:ea typeface="나눔고딕OTF" pitchFamily="34" charset="-127"/>
+              </a:endParaRPr>
+            </a:p>
+            <a:p>
+              <a:pPr marL="228600" indent="-228600">
+                <a:lnSpc>
+                  <a:spcPct val="120000"/>
+                </a:lnSpc>
+              </a:pPr>
+              <a:r>
+                <a:rPr kumimoji="0" lang="en-US" altLang="ko-KR" sz="1000" dirty="0" smtClean="0">
+                  <a:latin typeface="나눔고딕OTF" pitchFamily="34" charset="-127"/>
+                  <a:ea typeface="나눔고딕OTF" pitchFamily="34" charset="-127"/>
+                </a:rPr>
+                <a:t> </a:t>
+              </a:r>
+              <a:r>
+                <a:rPr kumimoji="0" lang="en-US" altLang="ko-KR" sz="1000" dirty="0" smtClean="0">
+                  <a:latin typeface="나눔고딕OTF" pitchFamily="34" charset="-127"/>
+                  <a:ea typeface="나눔고딕OTF" pitchFamily="34" charset="-127"/>
+                </a:rPr>
+                <a:t>  - “</a:t>
+              </a:r>
+              <a:r>
+                <a:rPr kumimoji="0" lang="ko-KR" altLang="en-US" sz="1000" dirty="0" smtClean="0">
+                  <a:latin typeface="나눔고딕OTF" pitchFamily="34" charset="-127"/>
+                  <a:ea typeface="나눔고딕OTF" pitchFamily="34" charset="-127"/>
+                </a:rPr>
+                <a:t>소견코드</a:t>
+              </a:r>
+              <a:r>
+                <a:rPr kumimoji="0" lang="en-US" altLang="ko-KR" sz="1000" dirty="0" smtClean="0">
+                  <a:latin typeface="나눔고딕OTF" pitchFamily="34" charset="-127"/>
+                  <a:ea typeface="나눔고딕OTF" pitchFamily="34" charset="-127"/>
+                </a:rPr>
+                <a:t>”</a:t>
+              </a:r>
+              <a:r>
+                <a:rPr kumimoji="0" lang="ko-KR" altLang="en-US" sz="1000" dirty="0" smtClean="0">
+                  <a:latin typeface="나눔고딕OTF" pitchFamily="34" charset="-127"/>
+                  <a:ea typeface="나눔고딕OTF" pitchFamily="34" charset="-127"/>
+                </a:rPr>
+                <a:t> </a:t>
+              </a:r>
+              <a:r>
+                <a:rPr kumimoji="0" lang="en-US" altLang="ko-KR" sz="1000" dirty="0" smtClean="0">
+                  <a:latin typeface="나눔고딕OTF" pitchFamily="34" charset="-127"/>
+                  <a:ea typeface="나눔고딕OTF" pitchFamily="34" charset="-127"/>
+                </a:rPr>
+                <a:t>: </a:t>
+              </a:r>
+              <a:r>
+                <a:rPr kumimoji="0" lang="ko-KR" altLang="en-US" sz="1000" dirty="0" smtClean="0">
+                  <a:latin typeface="나눔고딕OTF" pitchFamily="34" charset="-127"/>
+                  <a:ea typeface="나눔고딕OTF" pitchFamily="34" charset="-127"/>
+                </a:rPr>
+                <a:t>타 코드와 중복되지 않게 </a:t>
+              </a:r>
+              <a:r>
+                <a:rPr kumimoji="0" lang="en-US" altLang="ko-KR" sz="1000" dirty="0" smtClean="0">
+                  <a:latin typeface="나눔고딕OTF" pitchFamily="34" charset="-127"/>
+                  <a:ea typeface="나눔고딕OTF" pitchFamily="34" charset="-127"/>
+                </a:rPr>
+                <a:t>8</a:t>
+              </a:r>
+              <a:r>
+                <a:rPr kumimoji="0" lang="ko-KR" altLang="en-US" sz="1000" dirty="0" smtClean="0">
+                  <a:latin typeface="나눔고딕OTF" pitchFamily="34" charset="-127"/>
+                  <a:ea typeface="나눔고딕OTF" pitchFamily="34" charset="-127"/>
+                </a:rPr>
+                <a:t>자리까지 입력합니다</a:t>
+              </a:r>
+              <a:r>
+                <a:rPr kumimoji="0" lang="en-US" altLang="ko-KR" sz="1000" dirty="0" smtClean="0">
+                  <a:latin typeface="나눔고딕OTF" pitchFamily="34" charset="-127"/>
+                  <a:ea typeface="나눔고딕OTF" pitchFamily="34" charset="-127"/>
+                </a:rPr>
+                <a:t>.</a:t>
+              </a:r>
+            </a:p>
+            <a:p>
+              <a:pPr marL="228600" indent="-228600">
+                <a:lnSpc>
+                  <a:spcPct val="120000"/>
+                </a:lnSpc>
+              </a:pPr>
+              <a:r>
+                <a:rPr kumimoji="0" lang="en-US" altLang="ko-KR" sz="1000" dirty="0" smtClean="0">
+                  <a:latin typeface="나눔고딕OTF" pitchFamily="34" charset="-127"/>
+                  <a:ea typeface="나눔고딕OTF" pitchFamily="34" charset="-127"/>
+                </a:rPr>
+                <a:t> </a:t>
+              </a:r>
+              <a:r>
+                <a:rPr kumimoji="0" lang="en-US" altLang="ko-KR" sz="1000" dirty="0" smtClean="0">
+                  <a:latin typeface="나눔고딕OTF" pitchFamily="34" charset="-127"/>
+                  <a:ea typeface="나눔고딕OTF" pitchFamily="34" charset="-127"/>
+                </a:rPr>
+                <a:t>  - “</a:t>
+              </a:r>
+              <a:r>
+                <a:rPr kumimoji="0" lang="ko-KR" altLang="en-US" sz="1000" dirty="0" smtClean="0">
+                  <a:latin typeface="나눔고딕OTF" pitchFamily="34" charset="-127"/>
+                  <a:ea typeface="나눔고딕OTF" pitchFamily="34" charset="-127"/>
+                </a:rPr>
+                <a:t>검사코드</a:t>
+              </a:r>
+              <a:r>
+                <a:rPr kumimoji="0" lang="en-US" altLang="ko-KR" sz="1000" dirty="0" smtClean="0">
+                  <a:latin typeface="나눔고딕OTF" pitchFamily="34" charset="-127"/>
+                  <a:ea typeface="나눔고딕OTF" pitchFamily="34" charset="-127"/>
+                </a:rPr>
+                <a:t>” : </a:t>
+              </a:r>
+              <a:r>
+                <a:rPr kumimoji="0" lang="ko-KR" altLang="en-US" sz="1000" dirty="0" smtClean="0">
+                  <a:latin typeface="나눔고딕OTF" pitchFamily="34" charset="-127"/>
+                  <a:ea typeface="나눔고딕OTF" pitchFamily="34" charset="-127"/>
+                </a:rPr>
+                <a:t>신규로 생성할 소견코드를 검사코드에 연결시킵니다</a:t>
+              </a:r>
+              <a:r>
+                <a:rPr kumimoji="0" lang="en-US" altLang="ko-KR" sz="1000" dirty="0" smtClean="0">
+                  <a:latin typeface="나눔고딕OTF" pitchFamily="34" charset="-127"/>
+                  <a:ea typeface="나눔고딕OTF" pitchFamily="34" charset="-127"/>
+                </a:rPr>
+                <a:t>. </a:t>
+              </a:r>
+              <a:r>
+                <a:rPr kumimoji="0" lang="ko-KR" altLang="en-US" sz="1000" dirty="0" smtClean="0">
+                  <a:latin typeface="나눔고딕OTF" pitchFamily="34" charset="-127"/>
+                  <a:ea typeface="나눔고딕OTF" pitchFamily="34" charset="-127"/>
+                </a:rPr>
+                <a:t>검사코드를 연결하면</a:t>
+              </a:r>
+              <a:r>
+                <a:rPr kumimoji="0" lang="en-US" altLang="ko-KR" sz="1000" dirty="0" smtClean="0">
+                  <a:latin typeface="나눔고딕OTF" pitchFamily="34" charset="-127"/>
+                  <a:ea typeface="나눔고딕OTF" pitchFamily="34" charset="-127"/>
+                </a:rPr>
+                <a:t/>
+              </a:r>
+              <a:br>
+                <a:rPr kumimoji="0" lang="en-US" altLang="ko-KR" sz="1000" dirty="0" smtClean="0">
+                  <a:latin typeface="나눔고딕OTF" pitchFamily="34" charset="-127"/>
+                  <a:ea typeface="나눔고딕OTF" pitchFamily="34" charset="-127"/>
+                </a:rPr>
+              </a:br>
+              <a:r>
+                <a:rPr kumimoji="0" lang="ko-KR" altLang="en-US" sz="1000" dirty="0" smtClean="0">
+                  <a:latin typeface="나눔고딕OTF" pitchFamily="34" charset="-127"/>
+                  <a:ea typeface="나눔고딕OTF" pitchFamily="34" charset="-127"/>
+                </a:rPr>
+                <a:t>소견형태의 검사 결과값을 입력할 때 검색하여 사용할 수 있습니다</a:t>
+              </a:r>
+              <a:r>
+                <a:rPr kumimoji="0" lang="en-US" altLang="ko-KR" sz="1000" dirty="0" smtClean="0">
+                  <a:latin typeface="나눔고딕OTF" pitchFamily="34" charset="-127"/>
+                  <a:ea typeface="나눔고딕OTF" pitchFamily="34" charset="-127"/>
+                </a:rPr>
+                <a:t>.</a:t>
+              </a:r>
+            </a:p>
+            <a:p>
+              <a:pPr marL="228600" indent="-228600">
+                <a:lnSpc>
+                  <a:spcPct val="120000"/>
+                </a:lnSpc>
+              </a:pPr>
+              <a:endParaRPr kumimoji="0" lang="en-US" altLang="ko-KR" sz="1000" dirty="0" smtClean="0">
+                <a:latin typeface="나눔고딕OTF" pitchFamily="34" charset="-127"/>
+                <a:ea typeface="나눔고딕OTF" pitchFamily="34" charset="-127"/>
+              </a:endParaRPr>
+            </a:p>
+          </p:txBody>
+        </p:sp>
+        <p:pic>
+          <p:nvPicPr>
+            <p:cNvPr id="2" name="Picture 2"/>
+            <p:cNvPicPr>
+              <a:picLocks noChangeAspect="1" noChangeArrowheads="1"/>
+            </p:cNvPicPr>
+            <p:nvPr/>
+          </p:nvPicPr>
+          <p:blipFill>
+            <a:blip r:embed="rId3"/>
+            <a:srcRect/>
+            <a:stretch>
+              <a:fillRect/>
+            </a:stretch>
+          </p:blipFill>
+          <p:spPr bwMode="auto">
+            <a:xfrm>
+              <a:off x="4810124" y="2909906"/>
+              <a:ext cx="3429024" cy="1722293"/>
+            </a:xfrm>
+            <a:prstGeom prst="rect">
+              <a:avLst/>
+            </a:prstGeom>
+            <a:noFill/>
+            <a:ln w="9525">
+              <a:noFill/>
+              <a:miter lim="800000"/>
+              <a:headEnd/>
+              <a:tailEnd/>
+            </a:ln>
+            <a:effectLst/>
+          </p:spPr>
+        </p:pic>
+        <p:sp>
+          <p:nvSpPr>
+            <p:cNvPr id="17" name="TextBox 16"/>
+            <p:cNvSpPr txBox="1"/>
+            <p:nvPr/>
+          </p:nvSpPr>
+          <p:spPr>
+            <a:xfrm>
+              <a:off x="4881562" y="3357562"/>
+              <a:ext cx="642942" cy="215444"/>
+            </a:xfrm>
+            <a:prstGeom prst="rect">
+              <a:avLst/>
+            </a:prstGeom>
+            <a:noFill/>
+          </p:spPr>
+          <p:txBody>
+            <a:bodyPr wrap="square" rtlCol="0">
+              <a:spAutoFit/>
+            </a:bodyPr>
+            <a:lstStyle/>
+            <a:p>
+              <a:pPr algn="ctr"/>
+              <a:r>
+                <a:rPr lang="ko-KR" altLang="en-US" sz="800" dirty="0" smtClean="0">
+                  <a:solidFill>
+                    <a:srgbClr val="FF0000"/>
+                  </a:solidFill>
+                </a:rPr>
+                <a:t>소견내용</a:t>
+              </a:r>
+              <a:endParaRPr lang="en-US" altLang="ko-KR" sz="800" dirty="0" smtClean="0">
+                <a:solidFill>
+                  <a:srgbClr val="FF0000"/>
+                </a:solidFill>
+              </a:endParaRPr>
+            </a:p>
+          </p:txBody>
+        </p:sp>
+        <p:pic>
+          <p:nvPicPr>
+            <p:cNvPr id="1027" name="Picture 3"/>
+            <p:cNvPicPr>
+              <a:picLocks noChangeAspect="1" noChangeArrowheads="1"/>
+            </p:cNvPicPr>
+            <p:nvPr/>
+          </p:nvPicPr>
+          <p:blipFill>
+            <a:blip r:embed="rId4"/>
+            <a:srcRect/>
+            <a:stretch>
+              <a:fillRect/>
+            </a:stretch>
+          </p:blipFill>
+          <p:spPr bwMode="auto">
+            <a:xfrm>
+              <a:off x="6015053" y="5357826"/>
+              <a:ext cx="1152525" cy="666750"/>
+            </a:xfrm>
+            <a:prstGeom prst="rect">
+              <a:avLst/>
+            </a:prstGeom>
+            <a:noFill/>
+            <a:ln w="9525">
+              <a:noFill/>
+              <a:miter lim="800000"/>
+              <a:headEnd/>
+              <a:tailEnd/>
+            </a:ln>
+            <a:effectLst/>
+          </p:spPr>
+        </p:pic>
+        <p:sp>
+          <p:nvSpPr>
+            <p:cNvPr id="18" name="직사각형 17"/>
+            <p:cNvSpPr/>
+            <p:nvPr/>
+          </p:nvSpPr>
+          <p:spPr>
+            <a:xfrm>
+              <a:off x="6015053" y="5500702"/>
+              <a:ext cx="303303" cy="285752"/>
+            </a:xfrm>
+            <a:prstGeom prst="rect">
+              <a:avLst/>
+            </a:prstGeom>
+            <a:noFill/>
+            <a:ln w="12700">
+              <a:solidFill>
+                <a:srgbClr val="FF0000"/>
+              </a:solidFill>
+            </a:ln>
+          </p:spPr>
+          <p:style>
+            <a:lnRef idx="2">
+              <a:schemeClr val="accent1">
+                <a:shade val="50000"/>
+              </a:schemeClr>
+            </a:lnRef>
+            <a:fillRef idx="1">
+              <a:schemeClr val="accent1"/>
+            </a:fillRef>
+            <a:effectRef idx="0">
+              <a:schemeClr val="accent1"/>
+            </a:effectRef>
+            <a:fontRef idx="minor">
+              <a:schemeClr val="lt1"/>
+            </a:fontRef>
+          </p:style>
+          <p:txBody>
+            <a:bodyPr anchor="ctr"/>
+            <a:lstStyle/>
+            <a:p>
+              <a:pPr algn="ctr" fontAlgn="auto">
+                <a:spcBef>
+                  <a:spcPts val="0"/>
+                </a:spcBef>
+                <a:spcAft>
+                  <a:spcPts val="0"/>
+                </a:spcAft>
+                <a:defRPr/>
+              </a:pPr>
+              <a:endParaRPr kumimoji="0" lang="ko-KR" altLang="en-US" dirty="0">
+                <a:latin typeface="나눔고딕OTF" pitchFamily="34" charset="-127"/>
+                <a:ea typeface="나눔고딕OTF" pitchFamily="34" charset="-127"/>
+              </a:endParaRPr>
+            </a:p>
+          </p:txBody>
+        </p:sp>
+      </p:grpSp>
+    </p:spTree>
+  </p:cSld>
+  <p:clrMapOvr>
+    <a:masterClrMapping/>
+  </p:clrMapOvr>
+  <p:timing>
+    <p:tnLst>
+      <p:par>
+        <p:cTn id="1" dur="indefinite" restart="never" nodeType="tmRoot"/>
+      </p:par>
+    </p:tnLst>
+  </p:timing>
+</p:sld>
+</file>
+
+<file path=ppt/slides/slide43.xml><?xml version="1.0" encoding="utf-8"?>
+<p:sld xmlns:a="http://schemas.openxmlformats.org/drawingml/2006/main" xmlns:r="http://schemas.openxmlformats.org/officeDocument/2006/relationships" xmlns:p="http://schemas.openxmlformats.org/presentationml/2006/main">
+  <p:cSld>
+    <p:spTree>
+      <p:nvGrpSpPr>
+        <p:cNvPr id="1" name=""/>
+        <p:cNvGrpSpPr/>
+        <p:nvPr/>
+      </p:nvGrpSpPr>
+      <p:grpSpPr>
+        <a:xfrm>
+          <a:off x="0" y="0"/>
+          <a:ext cx="0" cy="0"/>
+          <a:chOff x="0" y="0"/>
+          <a:chExt cx="0" cy="0"/>
+        </a:xfrm>
+      </p:grpSpPr>
+      <p:pic>
+        <p:nvPicPr>
+          <p:cNvPr id="22530" name="Picture 8"/>
+          <p:cNvPicPr>
+            <a:picLocks noChangeAspect="1" noChangeArrowheads="1"/>
+          </p:cNvPicPr>
+          <p:nvPr/>
+        </p:nvPicPr>
+        <p:blipFill>
+          <a:blip r:embed="rId2"/>
+          <a:stretch>
+            <a:fillRect/>
+          </a:stretch>
+        </p:blipFill>
+        <p:spPr bwMode="auto">
+          <a:xfrm>
+            <a:off x="738158" y="1797840"/>
+            <a:ext cx="4585535" cy="3418882"/>
+          </a:xfrm>
+          <a:prstGeom prst="rect">
+            <a:avLst/>
+          </a:prstGeom>
+          <a:noFill/>
+          <a:ln w="9525">
+            <a:noFill/>
+            <a:miter lim="800000"/>
+            <a:headEnd/>
+            <a:tailEnd/>
+          </a:ln>
+        </p:spPr>
+      </p:pic>
+      <p:sp>
+        <p:nvSpPr>
+          <p:cNvPr id="6" name="TextBox 5"/>
+          <p:cNvSpPr txBox="1"/>
+          <p:nvPr/>
+        </p:nvSpPr>
+        <p:spPr>
+          <a:xfrm>
+            <a:off x="1497013" y="282575"/>
+            <a:ext cx="1050288" cy="369332"/>
+          </a:xfrm>
+          <a:prstGeom prst="rect">
+            <a:avLst/>
+          </a:prstGeom>
+          <a:noFill/>
+        </p:spPr>
+        <p:txBody>
+          <a:bodyPr wrap="none">
+            <a:spAutoFit/>
+          </a:bodyPr>
+          <a:lstStyle/>
+          <a:p>
+            <a:pPr fontAlgn="auto">
+              <a:spcBef>
+                <a:spcPts val="0"/>
+              </a:spcBef>
+              <a:spcAft>
+                <a:spcPts val="0"/>
+              </a:spcAft>
+              <a:defRPr/>
+            </a:pPr>
+            <a:r>
+              <a:rPr kumimoji="0" lang="ko-KR" altLang="en-US" dirty="0" smtClean="0">
+                <a:solidFill>
+                  <a:schemeClr val="bg1">
+                    <a:lumMod val="50000"/>
+                  </a:schemeClr>
+                </a:solidFill>
+                <a:latin typeface="나눔고딕OTF ExtraBold" pitchFamily="34" charset="-127"/>
+                <a:ea typeface="나눔고딕OTF ExtraBold" pitchFamily="34" charset="-127"/>
+              </a:rPr>
+              <a:t>코드관리</a:t>
+            </a:r>
+          </a:p>
+        </p:txBody>
+      </p:sp>
+      <p:sp>
+        <p:nvSpPr>
+          <p:cNvPr id="8" name="TextBox 4"/>
+          <p:cNvSpPr txBox="1">
+            <a:spLocks noChangeArrowheads="1"/>
+          </p:cNvSpPr>
+          <p:nvPr/>
+        </p:nvSpPr>
+        <p:spPr bwMode="auto">
+          <a:xfrm>
+            <a:off x="381000" y="785813"/>
+            <a:ext cx="2768707" cy="307777"/>
+          </a:xfrm>
+          <a:prstGeom prst="rect">
+            <a:avLst/>
+          </a:prstGeom>
+          <a:noFill/>
+          <a:ln w="9525">
+            <a:noFill/>
+            <a:miter lim="800000"/>
+            <a:headEnd/>
+            <a:tailEnd/>
+          </a:ln>
+        </p:spPr>
+        <p:txBody>
+          <a:bodyPr wrap="none">
+            <a:spAutoFit/>
+          </a:bodyPr>
+          <a:lstStyle/>
+          <a:p>
+            <a:r>
+              <a:rPr kumimoji="0" lang="en-US" altLang="ko-KR" sz="1400" b="1" dirty="0">
+                <a:latin typeface="나눔고딕OTF" pitchFamily="34" charset="-127"/>
+                <a:ea typeface="나눔고딕OTF" pitchFamily="34" charset="-127"/>
+              </a:rPr>
+              <a:t>- </a:t>
+            </a:r>
+            <a:r>
+              <a:rPr kumimoji="0" lang="ko-KR" altLang="en-US" sz="1400" b="1" dirty="0" smtClean="0">
+                <a:latin typeface="나눔고딕OTF" pitchFamily="34" charset="-127"/>
+                <a:ea typeface="나눔고딕OTF" pitchFamily="34" charset="-127"/>
+              </a:rPr>
+              <a:t>건강검진 항목설정 </a:t>
+            </a:r>
+            <a:r>
+              <a:rPr kumimoji="0" lang="en-US" altLang="ko-KR" sz="1400" b="1" dirty="0" smtClean="0">
+                <a:latin typeface="나눔고딕OTF" pitchFamily="34" charset="-127"/>
+                <a:ea typeface="나눔고딕OTF" pitchFamily="34" charset="-127"/>
+              </a:rPr>
+              <a:t>(</a:t>
+            </a:r>
+            <a:r>
+              <a:rPr kumimoji="0" lang="ko-KR" altLang="en-US" sz="1400" b="1" dirty="0" smtClean="0">
+                <a:latin typeface="나눔고딕OTF" pitchFamily="34" charset="-127"/>
+                <a:ea typeface="나눔고딕OTF" pitchFamily="34" charset="-127"/>
+              </a:rPr>
+              <a:t>참고치 설정</a:t>
+            </a:r>
+            <a:r>
+              <a:rPr kumimoji="0" lang="en-US" altLang="ko-KR" sz="1400" b="1" dirty="0" smtClean="0">
+                <a:latin typeface="나눔고딕OTF" pitchFamily="34" charset="-127"/>
+                <a:ea typeface="나눔고딕OTF" pitchFamily="34" charset="-127"/>
+              </a:rPr>
+              <a:t>)</a:t>
+            </a:r>
+            <a:endParaRPr kumimoji="0" lang="ko-KR" altLang="en-US" sz="1400" b="1" dirty="0">
+              <a:latin typeface="나눔고딕OTF" pitchFamily="34" charset="-127"/>
+              <a:ea typeface="나눔고딕OTF" pitchFamily="34" charset="-127"/>
+            </a:endParaRPr>
+          </a:p>
+        </p:txBody>
+      </p:sp>
+      <p:sp>
+        <p:nvSpPr>
+          <p:cNvPr id="10" name="직사각형 9"/>
+          <p:cNvSpPr/>
+          <p:nvPr/>
+        </p:nvSpPr>
+        <p:spPr>
+          <a:xfrm>
+            <a:off x="738158" y="2071678"/>
+            <a:ext cx="3357586" cy="3071834"/>
+          </a:xfrm>
+          <a:prstGeom prst="rect">
+            <a:avLst/>
+          </a:prstGeom>
+          <a:noFill/>
+          <a:ln w="12700">
+            <a:solidFill>
+              <a:srgbClr val="FF0000"/>
+            </a:solidFill>
+          </a:ln>
+        </p:spPr>
+        <p:style>
+          <a:lnRef idx="2">
+            <a:schemeClr val="accent1">
+              <a:shade val="50000"/>
+            </a:schemeClr>
+          </a:lnRef>
+          <a:fillRef idx="1">
+            <a:schemeClr val="accent1"/>
+          </a:fillRef>
+          <a:effectRef idx="0">
+            <a:schemeClr val="accent1"/>
+          </a:effectRef>
+          <a:fontRef idx="minor">
+            <a:schemeClr val="lt1"/>
+          </a:fontRef>
+        </p:style>
+        <p:txBody>
+          <a:bodyPr anchor="ctr"/>
+          <a:lstStyle/>
+          <a:p>
+            <a:pPr algn="ctr" fontAlgn="auto">
+              <a:spcBef>
+                <a:spcPts val="0"/>
+              </a:spcBef>
+              <a:spcAft>
+                <a:spcPts val="0"/>
+              </a:spcAft>
+              <a:defRPr/>
+            </a:pPr>
+            <a:endParaRPr kumimoji="0" lang="ko-KR" altLang="en-US" dirty="0">
+              <a:latin typeface="나눔고딕OTF" pitchFamily="34" charset="-127"/>
+              <a:ea typeface="나눔고딕OTF" pitchFamily="34" charset="-127"/>
+            </a:endParaRPr>
+          </a:p>
+        </p:txBody>
+      </p:sp>
+      <p:sp>
+        <p:nvSpPr>
+          <p:cNvPr id="11" name="타원 10"/>
+          <p:cNvSpPr/>
+          <p:nvPr/>
+        </p:nvSpPr>
+        <p:spPr>
+          <a:xfrm>
+            <a:off x="595282" y="1928802"/>
+            <a:ext cx="214314" cy="214314"/>
+          </a:xfrm>
+          <a:prstGeom prst="ellipse">
+            <a:avLst/>
+          </a:prstGeom>
+          <a:solidFill>
+            <a:schemeClr val="bg1"/>
+          </a:solidFill>
+          <a:ln>
+            <a:solidFill>
+              <a:srgbClr val="FF0000"/>
+            </a:solidFill>
+          </a:ln>
+        </p:spPr>
+        <p:style>
+          <a:lnRef idx="2">
+            <a:schemeClr val="accent1">
+              <a:shade val="50000"/>
+            </a:schemeClr>
+          </a:lnRef>
+          <a:fillRef idx="1">
+            <a:schemeClr val="accent1"/>
+          </a:fillRef>
+          <a:effectRef idx="0">
+            <a:schemeClr val="accent1"/>
+          </a:effectRef>
+          <a:fontRef idx="minor">
+            <a:schemeClr val="lt1"/>
+          </a:fontRef>
+        </p:style>
+        <p:txBody>
+          <a:bodyPr anchor="ctr"/>
+          <a:lstStyle/>
+          <a:p>
+            <a:pPr algn="ctr">
+              <a:defRPr/>
+            </a:pPr>
+            <a:r>
+              <a:rPr lang="en-US" altLang="ko-KR" sz="1000" dirty="0" smtClean="0">
+                <a:solidFill>
+                  <a:schemeClr val="tx1"/>
+                </a:solidFill>
+              </a:rPr>
+              <a:t>1</a:t>
+            </a:r>
+            <a:endParaRPr lang="ko-KR" altLang="en-US" sz="1000" dirty="0">
+              <a:solidFill>
+                <a:schemeClr val="tx1"/>
+              </a:solidFill>
+            </a:endParaRPr>
+          </a:p>
+        </p:txBody>
+      </p:sp>
+      <p:sp>
+        <p:nvSpPr>
+          <p:cNvPr id="23" name="TextBox 59"/>
+          <p:cNvSpPr txBox="1">
+            <a:spLocks noChangeArrowheads="1"/>
+          </p:cNvSpPr>
+          <p:nvPr/>
+        </p:nvSpPr>
+        <p:spPr bwMode="auto">
+          <a:xfrm>
+            <a:off x="415924" y="1052513"/>
+            <a:ext cx="5751521" cy="276999"/>
+          </a:xfrm>
+          <a:prstGeom prst="rect">
+            <a:avLst/>
+          </a:prstGeom>
+          <a:noFill/>
+          <a:ln w="9525">
+            <a:noFill/>
+            <a:miter lim="800000"/>
+            <a:headEnd/>
+            <a:tailEnd/>
+          </a:ln>
+        </p:spPr>
+        <p:txBody>
+          <a:bodyPr wrap="square">
+            <a:spAutoFit/>
+          </a:bodyPr>
+          <a:lstStyle/>
+          <a:p>
+            <a:r>
+              <a:rPr kumimoji="0" lang="en-US" altLang="ko-KR" sz="1200" dirty="0">
+                <a:latin typeface="나눔고딕OTF" pitchFamily="34" charset="-127"/>
+                <a:ea typeface="나눔고딕OTF" pitchFamily="34" charset="-127"/>
+              </a:rPr>
+              <a:t> </a:t>
+            </a:r>
+            <a:r>
+              <a:rPr kumimoji="0" lang="ko-KR" altLang="en-US" sz="1200" dirty="0" smtClean="0">
+                <a:latin typeface="나눔고딕OTF" pitchFamily="34" charset="-127"/>
+                <a:ea typeface="나눔고딕OTF" pitchFamily="34" charset="-127"/>
+              </a:rPr>
+              <a:t>위치 </a:t>
+            </a:r>
+            <a:r>
+              <a:rPr kumimoji="0" lang="en-US" altLang="ko-KR" sz="1200" dirty="0" smtClean="0">
+                <a:latin typeface="나눔고딕OTF" pitchFamily="34" charset="-127"/>
+                <a:ea typeface="나눔고딕OTF" pitchFamily="34" charset="-127"/>
+              </a:rPr>
+              <a:t>: </a:t>
+            </a:r>
+            <a:r>
+              <a:rPr kumimoji="0" lang="ko-KR" altLang="en-US" sz="1200" dirty="0" err="1" smtClean="0">
+                <a:latin typeface="나눔고딕OTF" pitchFamily="34" charset="-127"/>
+                <a:ea typeface="나눔고딕OTF" pitchFamily="34" charset="-127"/>
+              </a:rPr>
+              <a:t>메인화면</a:t>
+            </a:r>
+            <a:r>
+              <a:rPr kumimoji="0" lang="ko-KR" altLang="en-US" sz="1200" dirty="0" smtClean="0">
+                <a:latin typeface="나눔고딕OTF" pitchFamily="34" charset="-127"/>
+                <a:ea typeface="나눔고딕OTF" pitchFamily="34" charset="-127"/>
+              </a:rPr>
+              <a:t> </a:t>
+            </a:r>
+            <a:r>
+              <a:rPr kumimoji="0" lang="en-US" altLang="ko-KR" sz="1200" dirty="0" smtClean="0">
+                <a:latin typeface="나눔고딕OTF" pitchFamily="34" charset="-127"/>
+                <a:ea typeface="나눔고딕OTF" pitchFamily="34" charset="-127"/>
+              </a:rPr>
+              <a:t>– </a:t>
+            </a:r>
+            <a:r>
+              <a:rPr kumimoji="0" lang="ko-KR" altLang="en-US" sz="1200" dirty="0" smtClean="0">
+                <a:latin typeface="나눔고딕OTF" pitchFamily="34" charset="-127"/>
+                <a:ea typeface="나눔고딕OTF" pitchFamily="34" charset="-127"/>
+              </a:rPr>
+              <a:t>코드관리 </a:t>
+            </a:r>
+            <a:r>
+              <a:rPr kumimoji="0" lang="en-US" altLang="ko-KR" sz="1200" dirty="0" smtClean="0">
+                <a:latin typeface="나눔고딕OTF" pitchFamily="34" charset="-127"/>
+                <a:ea typeface="나눔고딕OTF" pitchFamily="34" charset="-127"/>
+              </a:rPr>
+              <a:t>– </a:t>
+            </a:r>
+            <a:r>
+              <a:rPr kumimoji="0" lang="ko-KR" altLang="en-US" sz="1200" dirty="0" smtClean="0">
+                <a:latin typeface="나눔고딕OTF" pitchFamily="34" charset="-127"/>
+                <a:ea typeface="나눔고딕OTF" pitchFamily="34" charset="-127"/>
+              </a:rPr>
+              <a:t>건강검진 항목설정</a:t>
+            </a:r>
+            <a:endParaRPr kumimoji="0" lang="en-US" altLang="ko-KR" sz="1200" dirty="0">
+              <a:latin typeface="나눔고딕OTF" pitchFamily="34" charset="-127"/>
+              <a:ea typeface="나눔고딕OTF" pitchFamily="34" charset="-127"/>
+            </a:endParaRPr>
+          </a:p>
+        </p:txBody>
+      </p:sp>
+      <p:sp>
+        <p:nvSpPr>
+          <p:cNvPr id="13" name="TextBox 59"/>
+          <p:cNvSpPr txBox="1">
+            <a:spLocks noChangeArrowheads="1"/>
+          </p:cNvSpPr>
+          <p:nvPr/>
+        </p:nvSpPr>
+        <p:spPr bwMode="auto">
+          <a:xfrm>
+            <a:off x="415925" y="1285860"/>
+            <a:ext cx="5751521" cy="276999"/>
+          </a:xfrm>
+          <a:prstGeom prst="rect">
+            <a:avLst/>
+          </a:prstGeom>
+          <a:noFill/>
+          <a:ln w="9525">
+            <a:noFill/>
+            <a:miter lim="800000"/>
+            <a:headEnd/>
+            <a:tailEnd/>
+          </a:ln>
+        </p:spPr>
+        <p:txBody>
+          <a:bodyPr wrap="square">
+            <a:spAutoFit/>
+          </a:bodyPr>
+          <a:lstStyle/>
+          <a:p>
+            <a:r>
+              <a:rPr kumimoji="0" lang="en-US" altLang="ko-KR" sz="1200" dirty="0" smtClean="0">
+                <a:latin typeface="나눔고딕OTF" pitchFamily="34" charset="-127"/>
+                <a:ea typeface="나눔고딕OTF" pitchFamily="34" charset="-127"/>
+              </a:rPr>
+              <a:t>  - </a:t>
+            </a:r>
+            <a:r>
+              <a:rPr kumimoji="0" lang="ko-KR" altLang="en-US" sz="1200" dirty="0" smtClean="0">
+                <a:latin typeface="나눔고딕OTF" pitchFamily="34" charset="-127"/>
+                <a:ea typeface="나눔고딕OTF" pitchFamily="34" charset="-127"/>
+              </a:rPr>
+              <a:t>공단검진 참고치 및 수가를 설정합니다</a:t>
+            </a:r>
+            <a:r>
+              <a:rPr kumimoji="0" lang="en-US" altLang="ko-KR" sz="1200" dirty="0" smtClean="0">
+                <a:latin typeface="나눔고딕OTF" pitchFamily="34" charset="-127"/>
+                <a:ea typeface="나눔고딕OTF" pitchFamily="34" charset="-127"/>
+              </a:rPr>
+              <a:t>.</a:t>
+            </a:r>
+            <a:endParaRPr kumimoji="0" lang="en-US" altLang="ko-KR" sz="1200" dirty="0">
+              <a:latin typeface="나눔고딕OTF" pitchFamily="34" charset="-127"/>
+              <a:ea typeface="나눔고딕OTF" pitchFamily="34" charset="-127"/>
+            </a:endParaRPr>
+          </a:p>
+        </p:txBody>
+      </p:sp>
+      <p:sp>
+        <p:nvSpPr>
+          <p:cNvPr id="22535" name="TextBox 4"/>
+          <p:cNvSpPr txBox="1">
+            <a:spLocks noChangeArrowheads="1"/>
+          </p:cNvSpPr>
+          <p:nvPr/>
+        </p:nvSpPr>
+        <p:spPr bwMode="auto">
+          <a:xfrm>
+            <a:off x="5453066" y="1571612"/>
+            <a:ext cx="4286279" cy="2492990"/>
+          </a:xfrm>
+          <a:prstGeom prst="rect">
+            <a:avLst/>
+          </a:prstGeom>
+          <a:noFill/>
+          <a:ln w="9525">
+            <a:noFill/>
+            <a:miter lim="800000"/>
+            <a:headEnd/>
+            <a:tailEnd/>
+          </a:ln>
+        </p:spPr>
+        <p:txBody>
+          <a:bodyPr wrap="square">
+            <a:spAutoFit/>
+          </a:bodyPr>
+          <a:lstStyle/>
+          <a:p>
+            <a:pPr marL="228600" indent="-228600">
+              <a:lnSpc>
+                <a:spcPct val="120000"/>
+              </a:lnSpc>
+              <a:buAutoNum type="arabicParenR"/>
+            </a:pPr>
+            <a:r>
+              <a:rPr kumimoji="0" lang="ko-KR" altLang="en-US" sz="1000" b="1" dirty="0" smtClean="0">
+                <a:latin typeface="나눔고딕OTF" pitchFamily="34" charset="-127"/>
+                <a:ea typeface="나눔고딕OTF" pitchFamily="34" charset="-127"/>
+              </a:rPr>
+              <a:t>건강검진 항목 내역</a:t>
+            </a:r>
+            <a:endParaRPr kumimoji="0" lang="en-US" altLang="ko-KR" sz="1000" b="1" dirty="0" smtClean="0">
+              <a:latin typeface="나눔고딕OTF" pitchFamily="34" charset="-127"/>
+              <a:ea typeface="나눔고딕OTF" pitchFamily="34" charset="-127"/>
+            </a:endParaRPr>
+          </a:p>
+          <a:p>
+            <a:pPr marL="228600" indent="-228600">
+              <a:lnSpc>
+                <a:spcPct val="120000"/>
+              </a:lnSpc>
+            </a:pPr>
+            <a:r>
+              <a:rPr kumimoji="0" lang="en-US" altLang="ko-KR" sz="1000" dirty="0" smtClean="0">
+                <a:latin typeface="나눔고딕OTF" pitchFamily="34" charset="-127"/>
+                <a:ea typeface="나눔고딕OTF" pitchFamily="34" charset="-127"/>
+              </a:rPr>
+              <a:t> </a:t>
+            </a:r>
+            <a:r>
+              <a:rPr kumimoji="0" lang="en-US" altLang="ko-KR" sz="1000" dirty="0" smtClean="0">
+                <a:latin typeface="나눔고딕OTF" pitchFamily="34" charset="-127"/>
+                <a:ea typeface="나눔고딕OTF" pitchFamily="34" charset="-127"/>
+              </a:rPr>
+              <a:t>  - </a:t>
+            </a:r>
+            <a:r>
+              <a:rPr kumimoji="0" lang="ko-KR" altLang="en-US" sz="1000" dirty="0" smtClean="0">
+                <a:latin typeface="나눔고딕OTF" pitchFamily="34" charset="-127"/>
+                <a:ea typeface="나눔고딕OTF" pitchFamily="34" charset="-127"/>
+              </a:rPr>
+              <a:t>상단의 </a:t>
+            </a:r>
+            <a:r>
+              <a:rPr kumimoji="0" lang="ko-KR" altLang="en-US" sz="1000" dirty="0" err="1" smtClean="0">
+                <a:latin typeface="나눔고딕OTF" pitchFamily="34" charset="-127"/>
+                <a:ea typeface="나눔고딕OTF" pitchFamily="34" charset="-127"/>
+              </a:rPr>
+              <a:t>검진년도</a:t>
+            </a:r>
+            <a:r>
+              <a:rPr kumimoji="0" lang="en-US" altLang="ko-KR" sz="1000" dirty="0" smtClean="0">
+                <a:latin typeface="나눔고딕OTF" pitchFamily="34" charset="-127"/>
+                <a:ea typeface="나눔고딕OTF" pitchFamily="34" charset="-127"/>
+              </a:rPr>
+              <a:t>, </a:t>
+            </a:r>
+            <a:r>
+              <a:rPr kumimoji="0" lang="ko-KR" altLang="en-US" sz="1000" dirty="0" smtClean="0">
+                <a:latin typeface="나눔고딕OTF" pitchFamily="34" charset="-127"/>
+                <a:ea typeface="나눔고딕OTF" pitchFamily="34" charset="-127"/>
+              </a:rPr>
+              <a:t>검진차수 에 해당하는 공단검진 항목이 표시됩니다</a:t>
+            </a:r>
+            <a:r>
+              <a:rPr kumimoji="0" lang="en-US" altLang="ko-KR" sz="1000" dirty="0" smtClean="0">
+                <a:latin typeface="나눔고딕OTF" pitchFamily="34" charset="-127"/>
+                <a:ea typeface="나눔고딕OTF" pitchFamily="34" charset="-127"/>
+              </a:rPr>
+              <a:t>.</a:t>
+            </a:r>
+          </a:p>
+          <a:p>
+            <a:pPr marL="228600" indent="-228600">
+              <a:lnSpc>
+                <a:spcPct val="120000"/>
+              </a:lnSpc>
+            </a:pPr>
+            <a:r>
+              <a:rPr kumimoji="0" lang="en-US" altLang="ko-KR" sz="1000" dirty="0" smtClean="0">
+                <a:latin typeface="나눔고딕OTF" pitchFamily="34" charset="-127"/>
+                <a:ea typeface="나눔고딕OTF" pitchFamily="34" charset="-127"/>
+              </a:rPr>
+              <a:t>   - </a:t>
+            </a:r>
+            <a:r>
+              <a:rPr kumimoji="0" lang="ko-KR" altLang="en-US" sz="1000" dirty="0" smtClean="0">
+                <a:latin typeface="나눔고딕OTF" pitchFamily="34" charset="-127"/>
+                <a:ea typeface="나눔고딕OTF" pitchFamily="34" charset="-127"/>
+              </a:rPr>
+              <a:t>검사항목 별 </a:t>
+            </a:r>
+            <a:r>
+              <a:rPr kumimoji="0" lang="ko-KR" altLang="en-US" sz="1000" dirty="0" err="1" smtClean="0">
+                <a:latin typeface="나눔고딕OTF" pitchFamily="34" charset="-127"/>
+                <a:ea typeface="나눔고딕OTF" pitchFamily="34" charset="-127"/>
+              </a:rPr>
+              <a:t>참고치와</a:t>
+            </a:r>
+            <a:r>
+              <a:rPr kumimoji="0" lang="ko-KR" altLang="en-US" sz="1000" dirty="0" smtClean="0">
+                <a:latin typeface="나눔고딕OTF" pitchFamily="34" charset="-127"/>
+                <a:ea typeface="나눔고딕OTF" pitchFamily="34" charset="-127"/>
+              </a:rPr>
+              <a:t> 정상</a:t>
+            </a:r>
+            <a:r>
+              <a:rPr kumimoji="0" lang="en-US" altLang="ko-KR" sz="1000" dirty="0" smtClean="0">
+                <a:latin typeface="나눔고딕OTF" pitchFamily="34" charset="-127"/>
+                <a:ea typeface="나눔고딕OTF" pitchFamily="34" charset="-127"/>
+              </a:rPr>
+              <a:t>A, </a:t>
+            </a:r>
+            <a:r>
+              <a:rPr kumimoji="0" lang="ko-KR" altLang="en-US" sz="1000" dirty="0" smtClean="0">
+                <a:latin typeface="나눔고딕OTF" pitchFamily="34" charset="-127"/>
+                <a:ea typeface="나눔고딕OTF" pitchFamily="34" charset="-127"/>
+              </a:rPr>
+              <a:t>정상</a:t>
+            </a:r>
+            <a:r>
+              <a:rPr kumimoji="0" lang="en-US" altLang="ko-KR" sz="1000" dirty="0" smtClean="0">
+                <a:latin typeface="나눔고딕OTF" pitchFamily="34" charset="-127"/>
+                <a:ea typeface="나눔고딕OTF" pitchFamily="34" charset="-127"/>
+              </a:rPr>
+              <a:t>B, </a:t>
+            </a:r>
+            <a:r>
+              <a:rPr kumimoji="0" lang="ko-KR" altLang="en-US" sz="1000" dirty="0" smtClean="0">
+                <a:latin typeface="나눔고딕OTF" pitchFamily="34" charset="-127"/>
+                <a:ea typeface="나눔고딕OTF" pitchFamily="34" charset="-127"/>
+              </a:rPr>
+              <a:t>질환의심 범위의 참고치를</a:t>
+            </a:r>
+            <a:r>
+              <a:rPr kumimoji="0" lang="en-US" altLang="ko-KR" sz="1000" dirty="0" smtClean="0">
+                <a:latin typeface="나눔고딕OTF" pitchFamily="34" charset="-127"/>
+                <a:ea typeface="나눔고딕OTF" pitchFamily="34" charset="-127"/>
+              </a:rPr>
+              <a:t/>
+            </a:r>
+            <a:br>
+              <a:rPr kumimoji="0" lang="en-US" altLang="ko-KR" sz="1000" dirty="0" smtClean="0">
+                <a:latin typeface="나눔고딕OTF" pitchFamily="34" charset="-127"/>
+                <a:ea typeface="나눔고딕OTF" pitchFamily="34" charset="-127"/>
+              </a:rPr>
+            </a:br>
+            <a:r>
+              <a:rPr kumimoji="0" lang="ko-KR" altLang="en-US" sz="1000" dirty="0" smtClean="0">
+                <a:latin typeface="나눔고딕OTF" pitchFamily="34" charset="-127"/>
+                <a:ea typeface="나눔고딕OTF" pitchFamily="34" charset="-127"/>
+              </a:rPr>
+              <a:t>표시합니다</a:t>
+            </a:r>
+            <a:r>
+              <a:rPr kumimoji="0" lang="en-US" altLang="ko-KR" sz="1000" dirty="0" smtClean="0">
+                <a:latin typeface="나눔고딕OTF" pitchFamily="34" charset="-127"/>
+                <a:ea typeface="나눔고딕OTF" pitchFamily="34" charset="-127"/>
+              </a:rPr>
+              <a:t>.</a:t>
+            </a:r>
+          </a:p>
+          <a:p>
+            <a:pPr marL="228600" indent="-228600">
+              <a:lnSpc>
+                <a:spcPct val="120000"/>
+              </a:lnSpc>
+            </a:pPr>
+            <a:r>
+              <a:rPr kumimoji="0" lang="en-US" altLang="ko-KR" sz="1000" dirty="0" smtClean="0">
+                <a:latin typeface="나눔고딕OTF" pitchFamily="34" charset="-127"/>
+                <a:ea typeface="나눔고딕OTF" pitchFamily="34" charset="-127"/>
+              </a:rPr>
+              <a:t> </a:t>
+            </a:r>
+            <a:r>
+              <a:rPr kumimoji="0" lang="en-US" altLang="ko-KR" sz="1000" dirty="0" smtClean="0">
+                <a:latin typeface="나눔고딕OTF" pitchFamily="34" charset="-127"/>
+                <a:ea typeface="나눔고딕OTF" pitchFamily="34" charset="-127"/>
+              </a:rPr>
+              <a:t>  - </a:t>
+            </a:r>
+            <a:r>
+              <a:rPr kumimoji="0" lang="ko-KR" altLang="en-US" sz="1000" dirty="0" smtClean="0">
+                <a:latin typeface="나눔고딕OTF" pitchFamily="34" charset="-127"/>
+                <a:ea typeface="나눔고딕OTF" pitchFamily="34" charset="-127"/>
+              </a:rPr>
+              <a:t>공단 프로그램의 자체 기준치 설정과 같이</a:t>
+            </a:r>
+            <a:r>
+              <a:rPr kumimoji="0" lang="en-US" altLang="ko-KR" sz="1000" dirty="0" smtClean="0">
+                <a:latin typeface="나눔고딕OTF" pitchFamily="34" charset="-127"/>
+                <a:ea typeface="나눔고딕OTF" pitchFamily="34" charset="-127"/>
+              </a:rPr>
+              <a:t>, </a:t>
+            </a:r>
+            <a:r>
+              <a:rPr kumimoji="0" lang="ko-KR" altLang="en-US" sz="1000" dirty="0" smtClean="0">
+                <a:latin typeface="나눔고딕OTF" pitchFamily="34" charset="-127"/>
+                <a:ea typeface="나눔고딕OTF" pitchFamily="34" charset="-127"/>
+              </a:rPr>
+              <a:t>참고치를 자체적으로 수정하여 사용할 수 있습니다</a:t>
+            </a:r>
+            <a:r>
+              <a:rPr kumimoji="0" lang="en-US" altLang="ko-KR" sz="1000" dirty="0" smtClean="0">
+                <a:latin typeface="나눔고딕OTF" pitchFamily="34" charset="-127"/>
+                <a:ea typeface="나눔고딕OTF" pitchFamily="34" charset="-127"/>
+              </a:rPr>
+              <a:t>.</a:t>
+            </a:r>
+          </a:p>
+          <a:p>
+            <a:pPr marL="228600" indent="-228600">
+              <a:lnSpc>
+                <a:spcPct val="120000"/>
+              </a:lnSpc>
+            </a:pPr>
+            <a:r>
+              <a:rPr kumimoji="0" lang="en-US" altLang="ko-KR" sz="1000" dirty="0" smtClean="0">
+                <a:latin typeface="나눔고딕OTF" pitchFamily="34" charset="-127"/>
+                <a:ea typeface="나눔고딕OTF" pitchFamily="34" charset="-127"/>
+              </a:rPr>
+              <a:t>   - </a:t>
+            </a:r>
+            <a:r>
+              <a:rPr kumimoji="0" lang="ko-KR" altLang="en-US" sz="1000" dirty="0" smtClean="0">
+                <a:latin typeface="나눔고딕OTF" pitchFamily="34" charset="-127"/>
+                <a:ea typeface="나눔고딕OTF" pitchFamily="34" charset="-127"/>
+              </a:rPr>
+              <a:t>공단검진 통보서 출력 시 여기에 입력한 참고치를 사용합니다</a:t>
+            </a:r>
+            <a:r>
+              <a:rPr kumimoji="0" lang="en-US" altLang="ko-KR" sz="1000" dirty="0" smtClean="0">
+                <a:latin typeface="나눔고딕OTF" pitchFamily="34" charset="-127"/>
+                <a:ea typeface="나눔고딕OTF" pitchFamily="34" charset="-127"/>
+              </a:rPr>
+              <a:t>.</a:t>
+            </a:r>
+          </a:p>
+          <a:p>
+            <a:pPr marL="228600" indent="-228600">
+              <a:lnSpc>
+                <a:spcPct val="120000"/>
+              </a:lnSpc>
+            </a:pPr>
+            <a:endParaRPr kumimoji="0" lang="en-US" altLang="ko-KR" sz="1000" dirty="0" smtClean="0">
+              <a:latin typeface="나눔고딕OTF" pitchFamily="34" charset="-127"/>
+              <a:ea typeface="나눔고딕OTF" pitchFamily="34" charset="-127"/>
+            </a:endParaRPr>
+          </a:p>
+          <a:p>
+            <a:pPr marL="228600" indent="-228600">
+              <a:lnSpc>
+                <a:spcPct val="120000"/>
+              </a:lnSpc>
+              <a:buAutoNum type="arabicParenR" startAt="2"/>
+            </a:pPr>
+            <a:r>
+              <a:rPr kumimoji="0" lang="ko-KR" altLang="en-US" sz="1000" b="1" dirty="0" err="1" smtClean="0">
+                <a:latin typeface="나눔고딕OTF" pitchFamily="34" charset="-127"/>
+                <a:ea typeface="나눔고딕OTF" pitchFamily="34" charset="-127"/>
+              </a:rPr>
+              <a:t>암검진</a:t>
+            </a:r>
+            <a:r>
+              <a:rPr kumimoji="0" lang="ko-KR" altLang="en-US" sz="1000" b="1" dirty="0" smtClean="0">
+                <a:latin typeface="나눔고딕OTF" pitchFamily="34" charset="-127"/>
+                <a:ea typeface="나눔고딕OTF" pitchFamily="34" charset="-127"/>
+              </a:rPr>
+              <a:t> 항목 내역</a:t>
+            </a:r>
+            <a:endParaRPr kumimoji="0" lang="en-US" altLang="ko-KR" sz="1000" b="1" dirty="0" smtClean="0">
+              <a:latin typeface="나눔고딕OTF" pitchFamily="34" charset="-127"/>
+              <a:ea typeface="나눔고딕OTF" pitchFamily="34" charset="-127"/>
+            </a:endParaRPr>
+          </a:p>
+          <a:p>
+            <a:pPr marL="228600" indent="-228600">
+              <a:lnSpc>
+                <a:spcPct val="120000"/>
+              </a:lnSpc>
+            </a:pPr>
+            <a:r>
+              <a:rPr kumimoji="0" lang="en-US" altLang="ko-KR" sz="1000" dirty="0" smtClean="0">
+                <a:latin typeface="나눔고딕OTF" pitchFamily="34" charset="-127"/>
+                <a:ea typeface="나눔고딕OTF" pitchFamily="34" charset="-127"/>
+              </a:rPr>
+              <a:t> </a:t>
+            </a:r>
+            <a:r>
+              <a:rPr kumimoji="0" lang="en-US" altLang="ko-KR" sz="1000" dirty="0" smtClean="0">
+                <a:latin typeface="나눔고딕OTF" pitchFamily="34" charset="-127"/>
+                <a:ea typeface="나눔고딕OTF" pitchFamily="34" charset="-127"/>
+              </a:rPr>
+              <a:t>  - </a:t>
+            </a:r>
+            <a:r>
+              <a:rPr kumimoji="0" lang="ko-KR" altLang="en-US" sz="1000" dirty="0" smtClean="0">
+                <a:latin typeface="나눔고딕OTF" pitchFamily="34" charset="-127"/>
+                <a:ea typeface="나눔고딕OTF" pitchFamily="34" charset="-127"/>
+              </a:rPr>
+              <a:t>상단의 </a:t>
+            </a:r>
+            <a:r>
+              <a:rPr kumimoji="0" lang="ko-KR" altLang="en-US" sz="1000" dirty="0" err="1" smtClean="0">
+                <a:latin typeface="나눔고딕OTF" pitchFamily="34" charset="-127"/>
+                <a:ea typeface="나눔고딕OTF" pitchFamily="34" charset="-127"/>
+              </a:rPr>
+              <a:t>검진년도에</a:t>
+            </a:r>
+            <a:r>
+              <a:rPr kumimoji="0" lang="ko-KR" altLang="en-US" sz="1000" dirty="0" smtClean="0">
+                <a:latin typeface="나눔고딕OTF" pitchFamily="34" charset="-127"/>
+                <a:ea typeface="나눔고딕OTF" pitchFamily="34" charset="-127"/>
+              </a:rPr>
+              <a:t> 해당하는 </a:t>
+            </a:r>
+            <a:r>
+              <a:rPr kumimoji="0" lang="ko-KR" altLang="en-US" sz="1000" dirty="0" err="1" smtClean="0">
+                <a:latin typeface="나눔고딕OTF" pitchFamily="34" charset="-127"/>
+                <a:ea typeface="나눔고딕OTF" pitchFamily="34" charset="-127"/>
+              </a:rPr>
+              <a:t>암검진</a:t>
+            </a:r>
+            <a:r>
+              <a:rPr kumimoji="0" lang="ko-KR" altLang="en-US" sz="1000" dirty="0" smtClean="0">
+                <a:latin typeface="나눔고딕OTF" pitchFamily="34" charset="-127"/>
+                <a:ea typeface="나눔고딕OTF" pitchFamily="34" charset="-127"/>
+              </a:rPr>
+              <a:t> 항목이 표시됩니다</a:t>
+            </a:r>
+            <a:r>
+              <a:rPr kumimoji="0" lang="en-US" altLang="ko-KR" sz="1000" dirty="0" smtClean="0">
+                <a:latin typeface="나눔고딕OTF" pitchFamily="34" charset="-127"/>
+                <a:ea typeface="나눔고딕OTF" pitchFamily="34" charset="-127"/>
+              </a:rPr>
+              <a:t>.</a:t>
+            </a:r>
+          </a:p>
+          <a:p>
+            <a:pPr marL="228600" indent="-228600">
+              <a:lnSpc>
+                <a:spcPct val="120000"/>
+              </a:lnSpc>
+            </a:pPr>
+            <a:r>
+              <a:rPr kumimoji="0" lang="en-US" altLang="ko-KR" sz="1000" dirty="0" smtClean="0">
+                <a:latin typeface="나눔고딕OTF" pitchFamily="34" charset="-127"/>
+                <a:ea typeface="나눔고딕OTF" pitchFamily="34" charset="-127"/>
+              </a:rPr>
+              <a:t> </a:t>
+            </a:r>
+            <a:r>
+              <a:rPr kumimoji="0" lang="en-US" altLang="ko-KR" sz="1000" dirty="0" smtClean="0">
+                <a:latin typeface="나눔고딕OTF" pitchFamily="34" charset="-127"/>
+                <a:ea typeface="나눔고딕OTF" pitchFamily="34" charset="-127"/>
+              </a:rPr>
+              <a:t>  - “</a:t>
+            </a:r>
+            <a:r>
+              <a:rPr kumimoji="0" lang="ko-KR" altLang="en-US" sz="1000" dirty="0" smtClean="0">
+                <a:latin typeface="나눔고딕OTF" pitchFamily="34" charset="-127"/>
+                <a:ea typeface="나눔고딕OTF" pitchFamily="34" charset="-127"/>
+              </a:rPr>
+              <a:t>본인부담</a:t>
+            </a:r>
+            <a:r>
+              <a:rPr kumimoji="0" lang="en-US" altLang="ko-KR" sz="1000" dirty="0" smtClean="0">
+                <a:latin typeface="나눔고딕OTF" pitchFamily="34" charset="-127"/>
+                <a:ea typeface="나눔고딕OTF" pitchFamily="34" charset="-127"/>
+              </a:rPr>
+              <a:t>” </a:t>
+            </a:r>
+            <a:r>
+              <a:rPr kumimoji="0" lang="ko-KR" altLang="en-US" sz="1000" dirty="0" smtClean="0">
+                <a:latin typeface="나눔고딕OTF" pitchFamily="34" charset="-127"/>
+                <a:ea typeface="나눔고딕OTF" pitchFamily="34" charset="-127"/>
+              </a:rPr>
+              <a:t>에 항목 별 금액의 </a:t>
+            </a:r>
+            <a:r>
+              <a:rPr kumimoji="0" lang="en-US" altLang="ko-KR" sz="1000" dirty="0" smtClean="0">
+                <a:latin typeface="나눔고딕OTF" pitchFamily="34" charset="-127"/>
+                <a:ea typeface="나눔고딕OTF" pitchFamily="34" charset="-127"/>
+              </a:rPr>
+              <a:t>10%, “</a:t>
+            </a:r>
+            <a:r>
+              <a:rPr kumimoji="0" lang="ko-KR" altLang="en-US" sz="1000" dirty="0" smtClean="0">
+                <a:latin typeface="나눔고딕OTF" pitchFamily="34" charset="-127"/>
+                <a:ea typeface="나눔고딕OTF" pitchFamily="34" charset="-127"/>
+              </a:rPr>
+              <a:t>공단부담</a:t>
+            </a:r>
+            <a:r>
+              <a:rPr kumimoji="0" lang="en-US" altLang="ko-KR" sz="1000" dirty="0" smtClean="0">
+                <a:latin typeface="나눔고딕OTF" pitchFamily="34" charset="-127"/>
+                <a:ea typeface="나눔고딕OTF" pitchFamily="34" charset="-127"/>
+              </a:rPr>
+              <a:t>” </a:t>
+            </a:r>
+            <a:r>
+              <a:rPr kumimoji="0" lang="ko-KR" altLang="en-US" sz="1000" dirty="0" smtClean="0">
+                <a:latin typeface="나눔고딕OTF" pitchFamily="34" charset="-127"/>
+                <a:ea typeface="나눔고딕OTF" pitchFamily="34" charset="-127"/>
+              </a:rPr>
+              <a:t>에 </a:t>
+            </a:r>
+            <a:r>
+              <a:rPr kumimoji="0" lang="en-US" altLang="ko-KR" sz="1000" dirty="0" smtClean="0">
+                <a:latin typeface="나눔고딕OTF" pitchFamily="34" charset="-127"/>
+                <a:ea typeface="나눔고딕OTF" pitchFamily="34" charset="-127"/>
+              </a:rPr>
+              <a:t>90%</a:t>
+            </a:r>
+            <a:r>
+              <a:rPr kumimoji="0" lang="ko-KR" altLang="en-US" sz="1000" dirty="0" smtClean="0">
+                <a:latin typeface="나눔고딕OTF" pitchFamily="34" charset="-127"/>
+                <a:ea typeface="나눔고딕OTF" pitchFamily="34" charset="-127"/>
+              </a:rPr>
+              <a:t>를 입력합니다</a:t>
+            </a:r>
+            <a:r>
+              <a:rPr kumimoji="0" lang="en-US" altLang="ko-KR" sz="1000" dirty="0" smtClean="0">
+                <a:latin typeface="나눔고딕OTF" pitchFamily="34" charset="-127"/>
+                <a:ea typeface="나눔고딕OTF" pitchFamily="34" charset="-127"/>
+              </a:rPr>
+              <a:t>.</a:t>
+            </a:r>
+          </a:p>
+          <a:p>
+            <a:pPr marL="228600" indent="-228600">
+              <a:lnSpc>
+                <a:spcPct val="120000"/>
+              </a:lnSpc>
+            </a:pPr>
+            <a:r>
+              <a:rPr kumimoji="0" lang="en-US" altLang="ko-KR" sz="1000" dirty="0" smtClean="0">
+                <a:solidFill>
+                  <a:srgbClr val="FF0000"/>
+                </a:solidFill>
+                <a:latin typeface="나눔고딕OTF" pitchFamily="34" charset="-127"/>
+                <a:ea typeface="나눔고딕OTF" pitchFamily="34" charset="-127"/>
+              </a:rPr>
+              <a:t>   * </a:t>
+            </a:r>
+            <a:r>
+              <a:rPr kumimoji="0" lang="ko-KR" altLang="en-US" sz="1000" dirty="0" smtClean="0">
+                <a:solidFill>
+                  <a:srgbClr val="FF0000"/>
+                </a:solidFill>
+                <a:latin typeface="나눔고딕OTF" pitchFamily="34" charset="-127"/>
+                <a:ea typeface="나눔고딕OTF" pitchFamily="34" charset="-127"/>
+              </a:rPr>
+              <a:t>검사수가는 </a:t>
+            </a:r>
+            <a:r>
+              <a:rPr kumimoji="0" lang="ko-KR" altLang="en-US" sz="1000" dirty="0" smtClean="0">
+                <a:solidFill>
+                  <a:srgbClr val="FF0000"/>
+                </a:solidFill>
+                <a:latin typeface="나눔고딕OTF" pitchFamily="34" charset="-127"/>
+                <a:ea typeface="나눔고딕OTF" pitchFamily="34" charset="-127"/>
+              </a:rPr>
+              <a:t>매 년 </a:t>
+            </a:r>
+            <a:r>
+              <a:rPr kumimoji="0" lang="ko-KR" altLang="en-US" sz="1000" dirty="0" err="1" smtClean="0">
+                <a:solidFill>
+                  <a:srgbClr val="FF0000"/>
+                </a:solidFill>
+                <a:latin typeface="나눔고딕OTF" pitchFamily="34" charset="-127"/>
+                <a:ea typeface="나눔고딕OTF" pitchFamily="34" charset="-127"/>
+              </a:rPr>
+              <a:t>아름누리</a:t>
+            </a:r>
+            <a:r>
+              <a:rPr kumimoji="0" lang="ko-KR" altLang="en-US" sz="1000" dirty="0" smtClean="0">
+                <a:solidFill>
+                  <a:srgbClr val="FF0000"/>
+                </a:solidFill>
+                <a:latin typeface="나눔고딕OTF" pitchFamily="34" charset="-127"/>
+                <a:ea typeface="나눔고딕OTF" pitchFamily="34" charset="-127"/>
+              </a:rPr>
+              <a:t> 본사에서 업데이트 해드립니다</a:t>
+            </a:r>
+            <a:r>
+              <a:rPr kumimoji="0" lang="en-US" altLang="ko-KR" sz="1000" dirty="0" smtClean="0">
+                <a:solidFill>
+                  <a:srgbClr val="FF0000"/>
+                </a:solidFill>
+                <a:latin typeface="나눔고딕OTF" pitchFamily="34" charset="-127"/>
+                <a:ea typeface="나눔고딕OTF" pitchFamily="34" charset="-127"/>
+              </a:rPr>
+              <a:t>.</a:t>
+            </a:r>
+          </a:p>
+          <a:p>
+            <a:pPr marL="228600" indent="-228600">
+              <a:lnSpc>
+                <a:spcPct val="120000"/>
+              </a:lnSpc>
+            </a:pPr>
+            <a:endParaRPr kumimoji="0" lang="en-US" altLang="ko-KR" sz="1000" dirty="0" smtClean="0">
+              <a:latin typeface="나눔고딕OTF" pitchFamily="34" charset="-127"/>
+              <a:ea typeface="나눔고딕OTF" pitchFamily="34" charset="-127"/>
+            </a:endParaRPr>
+          </a:p>
+        </p:txBody>
+      </p:sp>
+      <p:sp>
+        <p:nvSpPr>
+          <p:cNvPr id="27" name="직사각형 26"/>
+          <p:cNvSpPr/>
+          <p:nvPr/>
+        </p:nvSpPr>
+        <p:spPr>
+          <a:xfrm>
+            <a:off x="4095744" y="2071678"/>
+            <a:ext cx="1214446" cy="3071834"/>
+          </a:xfrm>
+          <a:prstGeom prst="rect">
+            <a:avLst/>
+          </a:prstGeom>
+          <a:noFill/>
+          <a:ln w="12700">
+            <a:solidFill>
+              <a:srgbClr val="FF0000"/>
+            </a:solidFill>
+          </a:ln>
+        </p:spPr>
+        <p:style>
+          <a:lnRef idx="2">
+            <a:schemeClr val="accent1">
+              <a:shade val="50000"/>
+            </a:schemeClr>
+          </a:lnRef>
+          <a:fillRef idx="1">
+            <a:schemeClr val="accent1"/>
+          </a:fillRef>
+          <a:effectRef idx="0">
+            <a:schemeClr val="accent1"/>
+          </a:effectRef>
+          <a:fontRef idx="minor">
+            <a:schemeClr val="lt1"/>
+          </a:fontRef>
+        </p:style>
+        <p:txBody>
+          <a:bodyPr anchor="ctr"/>
+          <a:lstStyle/>
+          <a:p>
+            <a:pPr algn="ctr" fontAlgn="auto">
+              <a:spcBef>
+                <a:spcPts val="0"/>
+              </a:spcBef>
+              <a:spcAft>
+                <a:spcPts val="0"/>
+              </a:spcAft>
+              <a:defRPr/>
+            </a:pPr>
+            <a:endParaRPr kumimoji="0" lang="ko-KR" altLang="en-US" dirty="0">
+              <a:latin typeface="나눔고딕OTF" pitchFamily="34" charset="-127"/>
+              <a:ea typeface="나눔고딕OTF" pitchFamily="34" charset="-127"/>
+            </a:endParaRPr>
+          </a:p>
+        </p:txBody>
+      </p:sp>
+      <p:sp>
+        <p:nvSpPr>
+          <p:cNvPr id="28" name="타원 27"/>
+          <p:cNvSpPr/>
+          <p:nvPr/>
+        </p:nvSpPr>
+        <p:spPr>
+          <a:xfrm>
+            <a:off x="3952868" y="1928802"/>
+            <a:ext cx="214314" cy="214314"/>
+          </a:xfrm>
+          <a:prstGeom prst="ellipse">
+            <a:avLst/>
+          </a:prstGeom>
+          <a:solidFill>
+            <a:schemeClr val="bg1"/>
+          </a:solidFill>
+          <a:ln>
+            <a:solidFill>
+              <a:srgbClr val="FF0000"/>
+            </a:solidFill>
+          </a:ln>
+        </p:spPr>
+        <p:style>
+          <a:lnRef idx="2">
+            <a:schemeClr val="accent1">
+              <a:shade val="50000"/>
+            </a:schemeClr>
+          </a:lnRef>
+          <a:fillRef idx="1">
+            <a:schemeClr val="accent1"/>
+          </a:fillRef>
+          <a:effectRef idx="0">
+            <a:schemeClr val="accent1"/>
+          </a:effectRef>
+          <a:fontRef idx="minor">
+            <a:schemeClr val="lt1"/>
+          </a:fontRef>
+        </p:style>
+        <p:txBody>
+          <a:bodyPr anchor="ctr"/>
+          <a:lstStyle/>
+          <a:p>
+            <a:pPr algn="ctr">
+              <a:defRPr/>
+            </a:pPr>
+            <a:r>
+              <a:rPr lang="en-US" altLang="ko-KR" sz="1000" dirty="0" smtClean="0">
+                <a:solidFill>
+                  <a:schemeClr val="tx1"/>
+                </a:solidFill>
+              </a:rPr>
+              <a:t>2</a:t>
+            </a:r>
+            <a:endParaRPr lang="ko-KR" altLang="en-US" sz="1000" dirty="0">
+              <a:solidFill>
+                <a:schemeClr val="tx1"/>
+              </a:solidFill>
+            </a:endParaRPr>
+          </a:p>
+        </p:txBody>
+      </p:sp>
+    </p:spTree>
+  </p:cSld>
+  <p:clrMapOvr>
+    <a:masterClrMapping/>
+  </p:clrMapOvr>
+  <p:timing>
+    <p:tnLst>
+      <p:par>
+        <p:cTn id="1" dur="indefinite" restart="never" nodeType="tmRoot"/>
+      </p:par>
+    </p:tnLst>
+  </p:timing>
+</p:sld>
+</file>
+
+<file path=ppt/slides/slide44.xml><?xml version="1.0" encoding="utf-8"?>
+<p:sld xmlns:a="http://schemas.openxmlformats.org/drawingml/2006/main" xmlns:r="http://schemas.openxmlformats.org/officeDocument/2006/relationships" xmlns:p="http://schemas.openxmlformats.org/presentationml/2006/main">
+  <p:cSld>
+    <p:spTree>
+      <p:nvGrpSpPr>
+        <p:cNvPr id="1" name=""/>
+        <p:cNvGrpSpPr/>
+        <p:nvPr/>
+      </p:nvGrpSpPr>
+      <p:grpSpPr>
+        <a:xfrm>
+          <a:off x="0" y="0"/>
+          <a:ext cx="0" cy="0"/>
+          <a:chOff x="0" y="0"/>
+          <a:chExt cx="0" cy="0"/>
+        </a:xfrm>
+      </p:grpSpPr>
+      <p:pic>
+        <p:nvPicPr>
+          <p:cNvPr id="22530" name="Picture 8"/>
+          <p:cNvPicPr>
+            <a:picLocks noChangeAspect="1" noChangeArrowheads="1"/>
+          </p:cNvPicPr>
+          <p:nvPr/>
+        </p:nvPicPr>
+        <p:blipFill>
+          <a:blip r:embed="rId2"/>
+          <a:stretch>
+            <a:fillRect/>
+          </a:stretch>
+        </p:blipFill>
+        <p:spPr bwMode="auto">
+          <a:xfrm>
+            <a:off x="738158" y="1975095"/>
+            <a:ext cx="4585535" cy="3064372"/>
+          </a:xfrm>
+          <a:prstGeom prst="rect">
+            <a:avLst/>
+          </a:prstGeom>
+          <a:noFill/>
+          <a:ln w="9525">
+            <a:noFill/>
+            <a:miter lim="800000"/>
+            <a:headEnd/>
+            <a:tailEnd/>
+          </a:ln>
+        </p:spPr>
+      </p:pic>
+      <p:sp>
+        <p:nvSpPr>
+          <p:cNvPr id="6" name="TextBox 5"/>
+          <p:cNvSpPr txBox="1"/>
+          <p:nvPr/>
+        </p:nvSpPr>
+        <p:spPr>
+          <a:xfrm>
+            <a:off x="1497013" y="282575"/>
+            <a:ext cx="1050288" cy="369332"/>
+          </a:xfrm>
+          <a:prstGeom prst="rect">
+            <a:avLst/>
+          </a:prstGeom>
+          <a:noFill/>
+        </p:spPr>
+        <p:txBody>
+          <a:bodyPr wrap="none">
+            <a:spAutoFit/>
+          </a:bodyPr>
+          <a:lstStyle/>
+          <a:p>
+            <a:pPr fontAlgn="auto">
+              <a:spcBef>
+                <a:spcPts val="0"/>
+              </a:spcBef>
+              <a:spcAft>
+                <a:spcPts val="0"/>
+              </a:spcAft>
+              <a:defRPr/>
+            </a:pPr>
+            <a:r>
+              <a:rPr kumimoji="0" lang="ko-KR" altLang="en-US" dirty="0" smtClean="0">
+                <a:solidFill>
+                  <a:schemeClr val="bg1">
+                    <a:lumMod val="50000"/>
+                  </a:schemeClr>
+                </a:solidFill>
+                <a:latin typeface="나눔고딕OTF ExtraBold" pitchFamily="34" charset="-127"/>
+                <a:ea typeface="나눔고딕OTF ExtraBold" pitchFamily="34" charset="-127"/>
+              </a:rPr>
+              <a:t>코드관리</a:t>
+            </a:r>
+          </a:p>
+        </p:txBody>
+      </p:sp>
+      <p:sp>
+        <p:nvSpPr>
+          <p:cNvPr id="8" name="TextBox 4"/>
+          <p:cNvSpPr txBox="1">
+            <a:spLocks noChangeArrowheads="1"/>
+          </p:cNvSpPr>
+          <p:nvPr/>
+        </p:nvSpPr>
+        <p:spPr bwMode="auto">
+          <a:xfrm>
+            <a:off x="381000" y="785813"/>
+            <a:ext cx="1696298" cy="307777"/>
+          </a:xfrm>
+          <a:prstGeom prst="rect">
+            <a:avLst/>
+          </a:prstGeom>
+          <a:noFill/>
+          <a:ln w="9525">
+            <a:noFill/>
+            <a:miter lim="800000"/>
+            <a:headEnd/>
+            <a:tailEnd/>
+          </a:ln>
+        </p:spPr>
+        <p:txBody>
+          <a:bodyPr wrap="none">
+            <a:spAutoFit/>
+          </a:bodyPr>
+          <a:lstStyle/>
+          <a:p>
+            <a:r>
+              <a:rPr kumimoji="0" lang="en-US" altLang="ko-KR" sz="1400" b="1" dirty="0">
+                <a:latin typeface="나눔고딕OTF" pitchFamily="34" charset="-127"/>
+                <a:ea typeface="나눔고딕OTF" pitchFamily="34" charset="-127"/>
+              </a:rPr>
+              <a:t>- </a:t>
+            </a:r>
+            <a:r>
+              <a:rPr kumimoji="0" lang="ko-KR" altLang="en-US" sz="1400" b="1" dirty="0" smtClean="0">
+                <a:latin typeface="나눔고딕OTF" pitchFamily="34" charset="-127"/>
+                <a:ea typeface="나눔고딕OTF" pitchFamily="34" charset="-127"/>
+              </a:rPr>
+              <a:t>학생검진 항목설정</a:t>
+            </a:r>
+            <a:endParaRPr kumimoji="0" lang="ko-KR" altLang="en-US" sz="1400" b="1" dirty="0">
+              <a:latin typeface="나눔고딕OTF" pitchFamily="34" charset="-127"/>
+              <a:ea typeface="나눔고딕OTF" pitchFamily="34" charset="-127"/>
+            </a:endParaRPr>
+          </a:p>
+        </p:txBody>
+      </p:sp>
+      <p:sp>
+        <p:nvSpPr>
+          <p:cNvPr id="10" name="직사각형 9"/>
+          <p:cNvSpPr/>
+          <p:nvPr/>
+        </p:nvSpPr>
+        <p:spPr>
+          <a:xfrm>
+            <a:off x="738158" y="2143116"/>
+            <a:ext cx="4572032" cy="2857520"/>
+          </a:xfrm>
+          <a:prstGeom prst="rect">
+            <a:avLst/>
+          </a:prstGeom>
+          <a:noFill/>
+          <a:ln w="12700">
+            <a:solidFill>
+              <a:srgbClr val="FF0000"/>
+            </a:solidFill>
+          </a:ln>
+        </p:spPr>
+        <p:style>
+          <a:lnRef idx="2">
+            <a:schemeClr val="accent1">
+              <a:shade val="50000"/>
+            </a:schemeClr>
+          </a:lnRef>
+          <a:fillRef idx="1">
+            <a:schemeClr val="accent1"/>
+          </a:fillRef>
+          <a:effectRef idx="0">
+            <a:schemeClr val="accent1"/>
+          </a:effectRef>
+          <a:fontRef idx="minor">
+            <a:schemeClr val="lt1"/>
+          </a:fontRef>
+        </p:style>
+        <p:txBody>
+          <a:bodyPr anchor="ctr"/>
+          <a:lstStyle/>
+          <a:p>
+            <a:pPr algn="ctr" fontAlgn="auto">
+              <a:spcBef>
+                <a:spcPts val="0"/>
+              </a:spcBef>
+              <a:spcAft>
+                <a:spcPts val="0"/>
+              </a:spcAft>
+              <a:defRPr/>
+            </a:pPr>
+            <a:endParaRPr kumimoji="0" lang="ko-KR" altLang="en-US" dirty="0">
+              <a:latin typeface="나눔고딕OTF" pitchFamily="34" charset="-127"/>
+              <a:ea typeface="나눔고딕OTF" pitchFamily="34" charset="-127"/>
+            </a:endParaRPr>
+          </a:p>
+        </p:txBody>
+      </p:sp>
+      <p:sp>
+        <p:nvSpPr>
+          <p:cNvPr id="11" name="타원 10"/>
+          <p:cNvSpPr/>
+          <p:nvPr/>
+        </p:nvSpPr>
+        <p:spPr>
+          <a:xfrm>
+            <a:off x="595282" y="2000240"/>
+            <a:ext cx="214314" cy="214314"/>
+          </a:xfrm>
+          <a:prstGeom prst="ellipse">
+            <a:avLst/>
+          </a:prstGeom>
+          <a:solidFill>
+            <a:schemeClr val="bg1"/>
+          </a:solidFill>
+          <a:ln>
+            <a:solidFill>
+              <a:srgbClr val="FF0000"/>
+            </a:solidFill>
+          </a:ln>
+        </p:spPr>
+        <p:style>
+          <a:lnRef idx="2">
+            <a:schemeClr val="accent1">
+              <a:shade val="50000"/>
+            </a:schemeClr>
+          </a:lnRef>
+          <a:fillRef idx="1">
+            <a:schemeClr val="accent1"/>
+          </a:fillRef>
+          <a:effectRef idx="0">
+            <a:schemeClr val="accent1"/>
+          </a:effectRef>
+          <a:fontRef idx="minor">
+            <a:schemeClr val="lt1"/>
+          </a:fontRef>
+        </p:style>
+        <p:txBody>
+          <a:bodyPr anchor="ctr"/>
+          <a:lstStyle/>
+          <a:p>
+            <a:pPr algn="ctr">
+              <a:defRPr/>
+            </a:pPr>
+            <a:r>
+              <a:rPr lang="en-US" altLang="ko-KR" sz="1000" dirty="0" smtClean="0">
+                <a:solidFill>
+                  <a:schemeClr val="tx1"/>
+                </a:solidFill>
+              </a:rPr>
+              <a:t>1</a:t>
+            </a:r>
+            <a:endParaRPr lang="ko-KR" altLang="en-US" sz="1000" dirty="0">
+              <a:solidFill>
+                <a:schemeClr val="tx1"/>
+              </a:solidFill>
+            </a:endParaRPr>
+          </a:p>
+        </p:txBody>
+      </p:sp>
+      <p:sp>
+        <p:nvSpPr>
+          <p:cNvPr id="23" name="TextBox 59"/>
+          <p:cNvSpPr txBox="1">
+            <a:spLocks noChangeArrowheads="1"/>
+          </p:cNvSpPr>
+          <p:nvPr/>
+        </p:nvSpPr>
+        <p:spPr bwMode="auto">
+          <a:xfrm>
+            <a:off x="415924" y="1052513"/>
+            <a:ext cx="5751521" cy="276999"/>
+          </a:xfrm>
+          <a:prstGeom prst="rect">
+            <a:avLst/>
+          </a:prstGeom>
+          <a:noFill/>
+          <a:ln w="9525">
+            <a:noFill/>
+            <a:miter lim="800000"/>
+            <a:headEnd/>
+            <a:tailEnd/>
+          </a:ln>
+        </p:spPr>
+        <p:txBody>
+          <a:bodyPr wrap="square">
+            <a:spAutoFit/>
+          </a:bodyPr>
+          <a:lstStyle/>
+          <a:p>
+            <a:r>
+              <a:rPr kumimoji="0" lang="en-US" altLang="ko-KR" sz="1200" dirty="0">
+                <a:latin typeface="나눔고딕OTF" pitchFamily="34" charset="-127"/>
+                <a:ea typeface="나눔고딕OTF" pitchFamily="34" charset="-127"/>
+              </a:rPr>
+              <a:t> </a:t>
+            </a:r>
+            <a:r>
+              <a:rPr kumimoji="0" lang="ko-KR" altLang="en-US" sz="1200" dirty="0" smtClean="0">
+                <a:latin typeface="나눔고딕OTF" pitchFamily="34" charset="-127"/>
+                <a:ea typeface="나눔고딕OTF" pitchFamily="34" charset="-127"/>
+              </a:rPr>
+              <a:t>위치 </a:t>
+            </a:r>
+            <a:r>
+              <a:rPr kumimoji="0" lang="en-US" altLang="ko-KR" sz="1200" dirty="0" smtClean="0">
+                <a:latin typeface="나눔고딕OTF" pitchFamily="34" charset="-127"/>
+                <a:ea typeface="나눔고딕OTF" pitchFamily="34" charset="-127"/>
+              </a:rPr>
+              <a:t>: </a:t>
+            </a:r>
+            <a:r>
+              <a:rPr kumimoji="0" lang="ko-KR" altLang="en-US" sz="1200" dirty="0" err="1" smtClean="0">
+                <a:latin typeface="나눔고딕OTF" pitchFamily="34" charset="-127"/>
+                <a:ea typeface="나눔고딕OTF" pitchFamily="34" charset="-127"/>
+              </a:rPr>
+              <a:t>메인화면</a:t>
+            </a:r>
+            <a:r>
+              <a:rPr kumimoji="0" lang="ko-KR" altLang="en-US" sz="1200" dirty="0" smtClean="0">
+                <a:latin typeface="나눔고딕OTF" pitchFamily="34" charset="-127"/>
+                <a:ea typeface="나눔고딕OTF" pitchFamily="34" charset="-127"/>
+              </a:rPr>
+              <a:t> </a:t>
+            </a:r>
+            <a:r>
+              <a:rPr kumimoji="0" lang="en-US" altLang="ko-KR" sz="1200" dirty="0" smtClean="0">
+                <a:latin typeface="나눔고딕OTF" pitchFamily="34" charset="-127"/>
+                <a:ea typeface="나눔고딕OTF" pitchFamily="34" charset="-127"/>
+              </a:rPr>
+              <a:t>– </a:t>
+            </a:r>
+            <a:r>
+              <a:rPr kumimoji="0" lang="ko-KR" altLang="en-US" sz="1200" dirty="0" smtClean="0">
+                <a:latin typeface="나눔고딕OTF" pitchFamily="34" charset="-127"/>
+                <a:ea typeface="나눔고딕OTF" pitchFamily="34" charset="-127"/>
+              </a:rPr>
+              <a:t>코드관리 </a:t>
+            </a:r>
+            <a:r>
+              <a:rPr kumimoji="0" lang="en-US" altLang="ko-KR" sz="1200" dirty="0" smtClean="0">
+                <a:latin typeface="나눔고딕OTF" pitchFamily="34" charset="-127"/>
+                <a:ea typeface="나눔고딕OTF" pitchFamily="34" charset="-127"/>
+              </a:rPr>
+              <a:t>– </a:t>
+            </a:r>
+            <a:r>
+              <a:rPr kumimoji="0" lang="ko-KR" altLang="en-US" sz="1200" dirty="0" smtClean="0">
+                <a:latin typeface="나눔고딕OTF" pitchFamily="34" charset="-127"/>
+                <a:ea typeface="나눔고딕OTF" pitchFamily="34" charset="-127"/>
+              </a:rPr>
+              <a:t>건강검진 항목설정</a:t>
+            </a:r>
+            <a:endParaRPr kumimoji="0" lang="en-US" altLang="ko-KR" sz="1200" dirty="0">
+              <a:latin typeface="나눔고딕OTF" pitchFamily="34" charset="-127"/>
+              <a:ea typeface="나눔고딕OTF" pitchFamily="34" charset="-127"/>
+            </a:endParaRPr>
+          </a:p>
+        </p:txBody>
+      </p:sp>
+      <p:sp>
+        <p:nvSpPr>
+          <p:cNvPr id="13" name="TextBox 59"/>
+          <p:cNvSpPr txBox="1">
+            <a:spLocks noChangeArrowheads="1"/>
+          </p:cNvSpPr>
+          <p:nvPr/>
+        </p:nvSpPr>
+        <p:spPr bwMode="auto">
+          <a:xfrm>
+            <a:off x="415925" y="1285860"/>
+            <a:ext cx="5751521" cy="276999"/>
+          </a:xfrm>
+          <a:prstGeom prst="rect">
+            <a:avLst/>
+          </a:prstGeom>
+          <a:noFill/>
+          <a:ln w="9525">
+            <a:noFill/>
+            <a:miter lim="800000"/>
+            <a:headEnd/>
+            <a:tailEnd/>
+          </a:ln>
+        </p:spPr>
+        <p:txBody>
+          <a:bodyPr wrap="square">
+            <a:spAutoFit/>
+          </a:bodyPr>
+          <a:lstStyle/>
+          <a:p>
+            <a:r>
+              <a:rPr kumimoji="0" lang="en-US" altLang="ko-KR" sz="1200" dirty="0" smtClean="0">
+                <a:latin typeface="나눔고딕OTF" pitchFamily="34" charset="-127"/>
+                <a:ea typeface="나눔고딕OTF" pitchFamily="34" charset="-127"/>
+              </a:rPr>
+              <a:t>  - </a:t>
+            </a:r>
+            <a:r>
+              <a:rPr kumimoji="0" lang="ko-KR" altLang="en-US" sz="1200" dirty="0" smtClean="0">
+                <a:latin typeface="나눔고딕OTF" pitchFamily="34" charset="-127"/>
+                <a:ea typeface="나눔고딕OTF" pitchFamily="34" charset="-127"/>
+              </a:rPr>
+              <a:t>학생검진 코드 및 수가를 설정합니다</a:t>
+            </a:r>
+            <a:r>
+              <a:rPr kumimoji="0" lang="en-US" altLang="ko-KR" sz="1200" dirty="0" smtClean="0">
+                <a:latin typeface="나눔고딕OTF" pitchFamily="34" charset="-127"/>
+                <a:ea typeface="나눔고딕OTF" pitchFamily="34" charset="-127"/>
+              </a:rPr>
+              <a:t>.</a:t>
+            </a:r>
+            <a:endParaRPr kumimoji="0" lang="en-US" altLang="ko-KR" sz="1200" dirty="0">
+              <a:latin typeface="나눔고딕OTF" pitchFamily="34" charset="-127"/>
+              <a:ea typeface="나눔고딕OTF" pitchFamily="34" charset="-127"/>
+            </a:endParaRPr>
+          </a:p>
+        </p:txBody>
+      </p:sp>
+      <p:sp>
+        <p:nvSpPr>
+          <p:cNvPr id="22535" name="TextBox 4"/>
+          <p:cNvSpPr txBox="1">
+            <a:spLocks noChangeArrowheads="1"/>
+          </p:cNvSpPr>
+          <p:nvPr/>
+        </p:nvSpPr>
+        <p:spPr bwMode="auto">
+          <a:xfrm>
+            <a:off x="5453066" y="1571612"/>
+            <a:ext cx="4286279" cy="1015663"/>
+          </a:xfrm>
+          <a:prstGeom prst="rect">
+            <a:avLst/>
+          </a:prstGeom>
+          <a:noFill/>
+          <a:ln w="9525">
+            <a:noFill/>
+            <a:miter lim="800000"/>
+            <a:headEnd/>
+            <a:tailEnd/>
+          </a:ln>
+        </p:spPr>
+        <p:txBody>
+          <a:bodyPr wrap="square">
+            <a:spAutoFit/>
+          </a:bodyPr>
+          <a:lstStyle/>
+          <a:p>
+            <a:pPr marL="228600" indent="-228600">
+              <a:lnSpc>
+                <a:spcPct val="120000"/>
+              </a:lnSpc>
+              <a:buAutoNum type="arabicParenR"/>
+            </a:pPr>
+            <a:r>
+              <a:rPr kumimoji="0" lang="ko-KR" altLang="en-US" sz="1000" b="1" dirty="0" smtClean="0">
+                <a:latin typeface="나눔고딕OTF" pitchFamily="34" charset="-127"/>
+                <a:ea typeface="나눔고딕OTF" pitchFamily="34" charset="-127"/>
+              </a:rPr>
+              <a:t>학생검진 </a:t>
+            </a:r>
+            <a:r>
+              <a:rPr kumimoji="0" lang="ko-KR" altLang="en-US" sz="1000" b="1" dirty="0" err="1" smtClean="0">
+                <a:latin typeface="나눔고딕OTF" pitchFamily="34" charset="-127"/>
+                <a:ea typeface="나눔고딕OTF" pitchFamily="34" charset="-127"/>
+              </a:rPr>
+              <a:t>항목표</a:t>
+            </a:r>
+            <a:endParaRPr kumimoji="0" lang="en-US" altLang="ko-KR" sz="1000" b="1" dirty="0" smtClean="0">
+              <a:latin typeface="나눔고딕OTF" pitchFamily="34" charset="-127"/>
+              <a:ea typeface="나눔고딕OTF" pitchFamily="34" charset="-127"/>
+            </a:endParaRPr>
+          </a:p>
+          <a:p>
+            <a:pPr marL="228600" indent="-228600">
+              <a:lnSpc>
+                <a:spcPct val="120000"/>
+              </a:lnSpc>
+            </a:pPr>
+            <a:r>
+              <a:rPr kumimoji="0" lang="en-US" altLang="ko-KR" sz="1000" dirty="0" smtClean="0">
+                <a:latin typeface="나눔고딕OTF" pitchFamily="34" charset="-127"/>
+                <a:ea typeface="나눔고딕OTF" pitchFamily="34" charset="-127"/>
+              </a:rPr>
+              <a:t> </a:t>
+            </a:r>
+            <a:r>
+              <a:rPr kumimoji="0" lang="en-US" altLang="ko-KR" sz="1000" dirty="0" smtClean="0">
+                <a:latin typeface="나눔고딕OTF" pitchFamily="34" charset="-127"/>
+                <a:ea typeface="나눔고딕OTF" pitchFamily="34" charset="-127"/>
+              </a:rPr>
+              <a:t>  - </a:t>
+            </a:r>
+            <a:r>
+              <a:rPr kumimoji="0" lang="ko-KR" altLang="en-US" sz="1000" dirty="0" smtClean="0">
+                <a:latin typeface="나눔고딕OTF" pitchFamily="34" charset="-127"/>
+                <a:ea typeface="나눔고딕OTF" pitchFamily="34" charset="-127"/>
+              </a:rPr>
+              <a:t>학생검진 검사항목에 해당하는 항목 표를 표시합니다</a:t>
+            </a:r>
+            <a:r>
+              <a:rPr kumimoji="0" lang="en-US" altLang="ko-KR" sz="1000" dirty="0" smtClean="0">
+                <a:latin typeface="나눔고딕OTF" pitchFamily="34" charset="-127"/>
+                <a:ea typeface="나눔고딕OTF" pitchFamily="34" charset="-127"/>
+              </a:rPr>
+              <a:t>.</a:t>
+            </a:r>
+          </a:p>
+          <a:p>
+            <a:pPr marL="228600" indent="-228600">
+              <a:lnSpc>
+                <a:spcPct val="120000"/>
+              </a:lnSpc>
+            </a:pPr>
+            <a:r>
+              <a:rPr kumimoji="0" lang="en-US" altLang="ko-KR" sz="1000" dirty="0" smtClean="0">
+                <a:latin typeface="나눔고딕OTF" pitchFamily="34" charset="-127"/>
+                <a:ea typeface="나눔고딕OTF" pitchFamily="34" charset="-127"/>
+              </a:rPr>
+              <a:t> </a:t>
+            </a:r>
+            <a:r>
+              <a:rPr kumimoji="0" lang="en-US" altLang="ko-KR" sz="1000" dirty="0" smtClean="0">
+                <a:latin typeface="나눔고딕OTF" pitchFamily="34" charset="-127"/>
+                <a:ea typeface="나눔고딕OTF" pitchFamily="34" charset="-127"/>
+              </a:rPr>
+              <a:t>  - </a:t>
+            </a:r>
+            <a:r>
+              <a:rPr kumimoji="0" lang="ko-KR" altLang="en-US" sz="1000" dirty="0" smtClean="0">
+                <a:latin typeface="나눔고딕OTF" pitchFamily="34" charset="-127"/>
+                <a:ea typeface="나눔고딕OTF" pitchFamily="34" charset="-127"/>
+              </a:rPr>
+              <a:t>사용하시는 코드를 검사항목에 각각 입력해주시면 됩니다</a:t>
+            </a:r>
+            <a:r>
+              <a:rPr kumimoji="0" lang="en-US" altLang="ko-KR" sz="1000" dirty="0" smtClean="0">
+                <a:latin typeface="나눔고딕OTF" pitchFamily="34" charset="-127"/>
+                <a:ea typeface="나눔고딕OTF" pitchFamily="34" charset="-127"/>
+              </a:rPr>
+              <a:t>.</a:t>
+            </a:r>
+          </a:p>
+          <a:p>
+            <a:pPr marL="228600" indent="-228600">
+              <a:lnSpc>
+                <a:spcPct val="120000"/>
+              </a:lnSpc>
+            </a:pPr>
+            <a:r>
+              <a:rPr kumimoji="0" lang="en-US" altLang="ko-KR" sz="1000" dirty="0" smtClean="0">
+                <a:latin typeface="나눔고딕OTF" pitchFamily="34" charset="-127"/>
+                <a:ea typeface="나눔고딕OTF" pitchFamily="34" charset="-127"/>
+              </a:rPr>
+              <a:t> </a:t>
+            </a:r>
+            <a:r>
+              <a:rPr kumimoji="0" lang="en-US" altLang="ko-KR" sz="1000" dirty="0" smtClean="0">
+                <a:latin typeface="나눔고딕OTF" pitchFamily="34" charset="-127"/>
+                <a:ea typeface="나눔고딕OTF" pitchFamily="34" charset="-127"/>
+              </a:rPr>
+              <a:t>  - </a:t>
+            </a:r>
+            <a:r>
+              <a:rPr kumimoji="0" lang="ko-KR" altLang="en-US" sz="1000" dirty="0" smtClean="0">
+                <a:latin typeface="나눔고딕OTF" pitchFamily="34" charset="-127"/>
+                <a:ea typeface="나눔고딕OTF" pitchFamily="34" charset="-127"/>
+              </a:rPr>
+              <a:t>코드 입력란의 우측에는 검사 수가를 입력합니다</a:t>
+            </a:r>
+            <a:r>
+              <a:rPr kumimoji="0" lang="en-US" altLang="ko-KR" sz="1000" dirty="0" smtClean="0">
+                <a:latin typeface="나눔고딕OTF" pitchFamily="34" charset="-127"/>
+                <a:ea typeface="나눔고딕OTF" pitchFamily="34" charset="-127"/>
+              </a:rPr>
+              <a:t>.</a:t>
+            </a:r>
+          </a:p>
+          <a:p>
+            <a:pPr marL="228600" indent="-228600">
+              <a:lnSpc>
+                <a:spcPct val="120000"/>
+              </a:lnSpc>
+            </a:pPr>
+            <a:r>
+              <a:rPr kumimoji="0" lang="en-US" altLang="ko-KR" sz="1000" dirty="0" smtClean="0">
+                <a:latin typeface="나눔고딕OTF" pitchFamily="34" charset="-127"/>
+                <a:ea typeface="나눔고딕OTF" pitchFamily="34" charset="-127"/>
+              </a:rPr>
+              <a:t> </a:t>
+            </a:r>
+            <a:r>
+              <a:rPr kumimoji="0" lang="en-US" altLang="ko-KR" sz="1000" dirty="0" smtClean="0">
+                <a:latin typeface="나눔고딕OTF" pitchFamily="34" charset="-127"/>
+                <a:ea typeface="나눔고딕OTF" pitchFamily="34" charset="-127"/>
+              </a:rPr>
+              <a:t>  </a:t>
+            </a:r>
+            <a:r>
+              <a:rPr kumimoji="0" lang="en-US" altLang="ko-KR" sz="1000" dirty="0" smtClean="0">
+                <a:solidFill>
+                  <a:srgbClr val="FF0000"/>
+                </a:solidFill>
+                <a:latin typeface="나눔고딕OTF" pitchFamily="34" charset="-127"/>
+                <a:ea typeface="나눔고딕OTF" pitchFamily="34" charset="-127"/>
+              </a:rPr>
+              <a:t>*</a:t>
+            </a:r>
+            <a:r>
+              <a:rPr kumimoji="0" lang="ko-KR" altLang="en-US" sz="1000" dirty="0" smtClean="0">
+                <a:solidFill>
+                  <a:srgbClr val="FF0000"/>
+                </a:solidFill>
+                <a:latin typeface="나눔고딕OTF" pitchFamily="34" charset="-127"/>
+                <a:ea typeface="나눔고딕OTF" pitchFamily="34" charset="-127"/>
+              </a:rPr>
+              <a:t> </a:t>
+            </a:r>
+            <a:r>
+              <a:rPr kumimoji="0" lang="ko-KR" altLang="en-US" sz="1000" dirty="0" smtClean="0">
+                <a:solidFill>
+                  <a:srgbClr val="FF0000"/>
+                </a:solidFill>
+                <a:latin typeface="나눔고딕OTF" pitchFamily="34" charset="-127"/>
+                <a:ea typeface="나눔고딕OTF" pitchFamily="34" charset="-127"/>
+              </a:rPr>
+              <a:t>학교 밖 검진 항목설정도 사용방법이 동일합니다</a:t>
+            </a:r>
+            <a:r>
+              <a:rPr kumimoji="0" lang="en-US" altLang="ko-KR" sz="1000" dirty="0" smtClean="0">
+                <a:solidFill>
+                  <a:srgbClr val="FF0000"/>
+                </a:solidFill>
+                <a:latin typeface="나눔고딕OTF" pitchFamily="34" charset="-127"/>
+                <a:ea typeface="나눔고딕OTF" pitchFamily="34" charset="-127"/>
+              </a:rPr>
+              <a:t>.</a:t>
+            </a:r>
+          </a:p>
+        </p:txBody>
+      </p:sp>
+      <p:sp>
+        <p:nvSpPr>
+          <p:cNvPr id="12" name="TextBox 11"/>
+          <p:cNvSpPr txBox="1"/>
+          <p:nvPr/>
+        </p:nvSpPr>
+        <p:spPr>
+          <a:xfrm>
+            <a:off x="1238224" y="2093688"/>
+            <a:ext cx="642942" cy="215444"/>
+          </a:xfrm>
+          <a:prstGeom prst="rect">
+            <a:avLst/>
+          </a:prstGeom>
+          <a:noFill/>
+        </p:spPr>
+        <p:txBody>
+          <a:bodyPr wrap="square" rtlCol="0">
+            <a:spAutoFit/>
+          </a:bodyPr>
+          <a:lstStyle/>
+          <a:p>
+            <a:pPr algn="ctr"/>
+            <a:r>
+              <a:rPr lang="ko-KR" altLang="en-US" sz="800" b="1" dirty="0" smtClean="0">
+                <a:solidFill>
+                  <a:srgbClr val="FF0000"/>
+                </a:solidFill>
+              </a:rPr>
+              <a:t>코드번호</a:t>
+            </a:r>
+            <a:endParaRPr lang="ko-KR" altLang="en-US" sz="800" b="1" dirty="0">
+              <a:solidFill>
+                <a:srgbClr val="FF0000"/>
+              </a:solidFill>
+            </a:endParaRPr>
+          </a:p>
+        </p:txBody>
+      </p:sp>
+      <p:sp>
+        <p:nvSpPr>
+          <p:cNvPr id="14" name="TextBox 13"/>
+          <p:cNvSpPr txBox="1"/>
+          <p:nvPr/>
+        </p:nvSpPr>
+        <p:spPr>
+          <a:xfrm>
+            <a:off x="1738290" y="2093688"/>
+            <a:ext cx="642942" cy="215444"/>
+          </a:xfrm>
+          <a:prstGeom prst="rect">
+            <a:avLst/>
+          </a:prstGeom>
+          <a:noFill/>
+        </p:spPr>
+        <p:txBody>
+          <a:bodyPr wrap="square" rtlCol="0">
+            <a:spAutoFit/>
+          </a:bodyPr>
+          <a:lstStyle/>
+          <a:p>
+            <a:pPr algn="ctr"/>
+            <a:r>
+              <a:rPr lang="ko-KR" altLang="en-US" sz="800" b="1" dirty="0" smtClean="0">
+                <a:solidFill>
+                  <a:srgbClr val="FF0000"/>
+                </a:solidFill>
+              </a:rPr>
+              <a:t>검사수가</a:t>
+            </a:r>
+            <a:endParaRPr lang="ko-KR" altLang="en-US" sz="800" b="1" dirty="0">
+              <a:solidFill>
+                <a:srgbClr val="FF0000"/>
+              </a:solidFill>
+            </a:endParaRPr>
+          </a:p>
+        </p:txBody>
+      </p:sp>
+    </p:spTree>
+  </p:cSld>
+  <p:clrMapOvr>
+    <a:masterClrMapping/>
+  </p:clrMapOvr>
+  <p:timing>
+    <p:tnLst>
+      <p:par>
+        <p:cTn id="1" dur="indefinite" restart="never" nodeType="tmRoot"/>
+      </p:par>
+    </p:tnLst>
+  </p:timing>
+</p:sld>
+</file>
+
+<file path=ppt/slides/slide45.xml><?xml version="1.0" encoding="utf-8"?>
+<p:sld xmlns:a="http://schemas.openxmlformats.org/drawingml/2006/main" xmlns:r="http://schemas.openxmlformats.org/officeDocument/2006/relationships" xmlns:p="http://schemas.openxmlformats.org/presentationml/2006/main">
+  <p:cSld>
+    <p:spTree>
+      <p:nvGrpSpPr>
+        <p:cNvPr id="1" name=""/>
+        <p:cNvGrpSpPr/>
+        <p:nvPr/>
+      </p:nvGrpSpPr>
+      <p:grpSpPr>
+        <a:xfrm>
+          <a:off x="0" y="0"/>
+          <a:ext cx="0" cy="0"/>
+          <a:chOff x="0" y="0"/>
+          <a:chExt cx="0" cy="0"/>
+        </a:xfrm>
+      </p:grpSpPr>
       <p:sp>
         <p:nvSpPr>
           <p:cNvPr id="5" name="직사각형 4"/>
@@ -41439,7 +44408,7 @@
 </p:sld>
 </file>
 
-<file path=ppt/slides/slide43.xml><?xml version="1.0" encoding="utf-8"?>
+<file path=ppt/slides/slide46.xml><?xml version="1.0" encoding="utf-8"?>
 <p:sld xmlns:a="http://schemas.openxmlformats.org/drawingml/2006/main" xmlns:r="http://schemas.openxmlformats.org/officeDocument/2006/relationships" xmlns:p="http://schemas.openxmlformats.org/presentationml/2006/main">
   <p:cSld>
     <p:spTree>
@@ -42713,7 +45682,7 @@
 </p:sld>
 </file>
 
-<file path=ppt/slides/slide44.xml><?xml version="1.0" encoding="utf-8"?>
+<file path=ppt/slides/slide47.xml><?xml version="1.0" encoding="utf-8"?>
 <p:sld xmlns:a="http://schemas.openxmlformats.org/drawingml/2006/main" xmlns:r="http://schemas.openxmlformats.org/officeDocument/2006/relationships" xmlns:p="http://schemas.openxmlformats.org/presentationml/2006/main">
   <p:cSld>
     <p:spTree>
@@ -43782,7 +46751,7 @@
 </p:sld>
 </file>
 
-<file path=ppt/slides/slide45.xml><?xml version="1.0" encoding="utf-8"?>
+<file path=ppt/slides/slide48.xml><?xml version="1.0" encoding="utf-8"?>
 <p:sld xmlns:a="http://schemas.openxmlformats.org/drawingml/2006/main" xmlns:r="http://schemas.openxmlformats.org/officeDocument/2006/relationships" xmlns:p="http://schemas.openxmlformats.org/presentationml/2006/main">
   <p:cSld>
     <p:spTree>
